--- a/powerpoint/templates/VirtualPrivateCloudEditablePPT.pptx
+++ b/powerpoint/templates/VirtualPrivateCloudEditablePPT.pptx
@@ -858,7 +858,7 @@
           </a:ln>
           <a:extLst>
             <a:ext uri="{C572A759-6A51-4108-AA02-DFA0A04FC94B}">
-              <ma14:wrappingTextBoxFlag xmlns:ma14="http://schemas.microsoft.com/office/mac/drawingml/2011/main" xmlns="" val="1"/>
+              <ma14:wrappingTextBoxFlag xmlns="" xmlns:ma14="http://schemas.microsoft.com/office/mac/drawingml/2011/main" val="1"/>
             </a:ext>
           </a:extLst>
         </p:spPr>
@@ -911,7 +911,7 @@
           </a:ln>
           <a:extLst>
             <a:ext uri="{C572A759-6A51-4108-AA02-DFA0A04FC94B}">
-              <ma14:wrappingTextBoxFlag xmlns:ma14="http://schemas.microsoft.com/office/mac/drawingml/2011/main" xmlns="" val="1"/>
+              <ma14:wrappingTextBoxFlag xmlns="" xmlns:ma14="http://schemas.microsoft.com/office/mac/drawingml/2011/main" val="1"/>
             </a:ext>
           </a:extLst>
         </p:spPr>
@@ -959,7 +959,7 @@
           </a:ln>
           <a:extLst>
             <a:ext uri="{C572A759-6A51-4108-AA02-DFA0A04FC94B}">
-              <ma14:wrappingTextBoxFlag xmlns:ma14="http://schemas.microsoft.com/office/mac/drawingml/2011/main" xmlns="" val="1"/>
+              <ma14:wrappingTextBoxFlag xmlns="" xmlns:ma14="http://schemas.microsoft.com/office/mac/drawingml/2011/main" val="1"/>
             </a:ext>
           </a:extLst>
         </p:spPr>
@@ -1047,7 +1047,7 @@
           </a:ln>
           <a:extLst>
             <a:ext uri="{C572A759-6A51-4108-AA02-DFA0A04FC94B}">
-              <ma14:wrappingTextBoxFlag xmlns:ma14="http://schemas.microsoft.com/office/mac/drawingml/2011/main" xmlns="" val="1"/>
+              <ma14:wrappingTextBoxFlag xmlns="" xmlns:ma14="http://schemas.microsoft.com/office/mac/drawingml/2011/main" val="1"/>
             </a:ext>
           </a:extLst>
         </p:spPr>
@@ -1100,7 +1100,7 @@
           </a:ln>
           <a:extLst>
             <a:ext uri="{C572A759-6A51-4108-AA02-DFA0A04FC94B}">
-              <ma14:wrappingTextBoxFlag xmlns:ma14="http://schemas.microsoft.com/office/mac/drawingml/2011/main" xmlns="" val="1"/>
+              <ma14:wrappingTextBoxFlag xmlns="" xmlns:ma14="http://schemas.microsoft.com/office/mac/drawingml/2011/main" val="1"/>
             </a:ext>
           </a:extLst>
         </p:spPr>
@@ -1148,7 +1148,7 @@
           </a:ln>
           <a:extLst>
             <a:ext uri="{C572A759-6A51-4108-AA02-DFA0A04FC94B}">
-              <ma14:wrappingTextBoxFlag xmlns:ma14="http://schemas.microsoft.com/office/mac/drawingml/2011/main" xmlns="" val="1"/>
+              <ma14:wrappingTextBoxFlag xmlns="" xmlns:ma14="http://schemas.microsoft.com/office/mac/drawingml/2011/main" val="1"/>
             </a:ext>
           </a:extLst>
         </p:spPr>
@@ -1312,7 +1312,7 @@
           </a:ln>
           <a:extLst>
             <a:ext uri="{C572A759-6A51-4108-AA02-DFA0A04FC94B}">
-              <ma14:wrappingTextBoxFlag xmlns:ma14="http://schemas.microsoft.com/office/mac/drawingml/2011/main" xmlns="" val="1"/>
+              <ma14:wrappingTextBoxFlag xmlns="" xmlns:ma14="http://schemas.microsoft.com/office/mac/drawingml/2011/main" val="1"/>
             </a:ext>
           </a:extLst>
         </p:spPr>
@@ -1365,7 +1365,7 @@
           </a:ln>
           <a:extLst>
             <a:ext uri="{C572A759-6A51-4108-AA02-DFA0A04FC94B}">
-              <ma14:wrappingTextBoxFlag xmlns:ma14="http://schemas.microsoft.com/office/mac/drawingml/2011/main" xmlns="" val="1"/>
+              <ma14:wrappingTextBoxFlag xmlns="" xmlns:ma14="http://schemas.microsoft.com/office/mac/drawingml/2011/main" val="1"/>
             </a:ext>
           </a:extLst>
         </p:spPr>
@@ -1413,7 +1413,7 @@
           </a:ln>
           <a:extLst>
             <a:ext uri="{C572A759-6A51-4108-AA02-DFA0A04FC94B}">
-              <ma14:wrappingTextBoxFlag xmlns:ma14="http://schemas.microsoft.com/office/mac/drawingml/2011/main" xmlns="" val="1"/>
+              <ma14:wrappingTextBoxFlag xmlns="" xmlns:ma14="http://schemas.microsoft.com/office/mac/drawingml/2011/main" val="1"/>
             </a:ext>
           </a:extLst>
         </p:spPr>
@@ -1603,7 +1603,7 @@
           </a:ln>
           <a:extLst>
             <a:ext uri="{C572A759-6A51-4108-AA02-DFA0A04FC94B}">
-              <ma14:wrappingTextBoxFlag xmlns:ma14="http://schemas.microsoft.com/office/mac/drawingml/2011/main" xmlns="" val="1"/>
+              <ma14:wrappingTextBoxFlag xmlns="" xmlns:ma14="http://schemas.microsoft.com/office/mac/drawingml/2011/main" val="1"/>
             </a:ext>
           </a:extLst>
         </p:spPr>
@@ -1741,7 +1741,7 @@
           </a:ln>
           <a:extLst>
             <a:ext uri="{C572A759-6A51-4108-AA02-DFA0A04FC94B}">
-              <ma14:wrappingTextBoxFlag xmlns:ma14="http://schemas.microsoft.com/office/mac/drawingml/2011/main" xmlns="" val="1"/>
+              <ma14:wrappingTextBoxFlag xmlns="" xmlns:ma14="http://schemas.microsoft.com/office/mac/drawingml/2011/main" val="1"/>
             </a:ext>
           </a:extLst>
         </p:spPr>
@@ -1794,7 +1794,7 @@
           </a:ln>
           <a:extLst>
             <a:ext uri="{C572A759-6A51-4108-AA02-DFA0A04FC94B}">
-              <ma14:wrappingTextBoxFlag xmlns:ma14="http://schemas.microsoft.com/office/mac/drawingml/2011/main" xmlns="" val="1"/>
+              <ma14:wrappingTextBoxFlag xmlns="" xmlns:ma14="http://schemas.microsoft.com/office/mac/drawingml/2011/main" val="1"/>
             </a:ext>
           </a:extLst>
         </p:spPr>
@@ -1868,7 +1868,7 @@
           </a:ln>
           <a:extLst>
             <a:ext uri="{C572A759-6A51-4108-AA02-DFA0A04FC94B}">
-              <ma14:wrappingTextBoxFlag xmlns:ma14="http://schemas.microsoft.com/office/mac/drawingml/2011/main" xmlns="" val="1"/>
+              <ma14:wrappingTextBoxFlag xmlns="" xmlns:ma14="http://schemas.microsoft.com/office/mac/drawingml/2011/main" val="1"/>
             </a:ext>
           </a:extLst>
         </p:spPr>
@@ -2837,7 +2837,7 @@
           </a:ln>
           <a:extLst>
             <a:ext uri="{C572A759-6A51-4108-AA02-DFA0A04FC94B}">
-              <ma14:wrappingTextBoxFlag xmlns:ma14="http://schemas.microsoft.com/office/mac/drawingml/2011/main" xmlns="" val="1"/>
+              <ma14:wrappingTextBoxFlag xmlns="" xmlns:ma14="http://schemas.microsoft.com/office/mac/drawingml/2011/main" val="1"/>
             </a:ext>
           </a:extLst>
         </p:spPr>
@@ -2880,7 +2880,7 @@
           </a:ln>
           <a:extLst>
             <a:ext uri="{C572A759-6A51-4108-AA02-DFA0A04FC94B}">
-              <ma14:wrappingTextBoxFlag xmlns:ma14="http://schemas.microsoft.com/office/mac/drawingml/2011/main" xmlns="" val="1"/>
+              <ma14:wrappingTextBoxFlag xmlns="" xmlns:ma14="http://schemas.microsoft.com/office/mac/drawingml/2011/main" val="1"/>
             </a:ext>
           </a:extLst>
         </p:spPr>
@@ -3328,7 +3328,7 @@
           </a:ln>
           <a:extLst>
             <a:ext uri="{C572A759-6A51-4108-AA02-DFA0A04FC94B}">
-              <ma14:wrappingTextBoxFlag xmlns:ma14="http://schemas.microsoft.com/office/mac/drawingml/2011/main" xmlns="" val="1"/>
+              <ma14:wrappingTextBoxFlag xmlns="" xmlns:ma14="http://schemas.microsoft.com/office/mac/drawingml/2011/main" val="1"/>
             </a:ext>
           </a:extLst>
         </p:spPr>
@@ -3352,7 +3352,7 @@
             </a:pPr>
             <a:r>
               <a:rPr lang="en-US" sz="2400" dirty="0"/>
-              <a:t>Virtual Private Cloud Diagram Templates</a:t>
+              <a:t>Virtual Private Cloud Diagram Template</a:t>
             </a:r>
             <a:endParaRPr sz="2400" dirty="0"/>
           </a:p>
@@ -3377,7 +3377,7 @@
           </a:ln>
           <a:extLst>
             <a:ext uri="{C572A759-6A51-4108-AA02-DFA0A04FC94B}">
-              <ma14:wrappingTextBoxFlag xmlns:ma14="http://schemas.microsoft.com/office/mac/drawingml/2011/main" xmlns="" val="1"/>
+              <ma14:wrappingTextBoxFlag xmlns="" xmlns:ma14="http://schemas.microsoft.com/office/mac/drawingml/2011/main" val="1"/>
             </a:ext>
           </a:extLst>
         </p:spPr>
@@ -3475,7 +3475,7 @@
                 <a:ea typeface="Helvetica" charset="0"/>
                 <a:cs typeface="Helvetica" charset="0"/>
               </a:rPr>
-              <a:t>Using the Diagram Templates</a:t>
+              <a:t>Using the Diagram Template</a:t>
             </a:r>
           </a:p>
           <a:p>
@@ -3550,7 +3550,7 @@
                 <a:ea typeface="Helvetica" charset="0"/>
                 <a:cs typeface="Helvetica" charset="0"/>
               </a:rPr>
-              <a:t>These templates are for use in creating a visual representation of </a:t>
+              <a:t>This template is for use in creating a visual representation of </a:t>
             </a:r>
             <a:r>
               <a:rPr lang="en-US" sz="1400" dirty="0">
@@ -3624,7 +3624,7 @@
                 <a:ea typeface="Helvetica" charset="0"/>
                 <a:cs typeface="Helvetica" charset="0"/>
               </a:rPr>
-              <a:t>You may add numbers (which are provided on page 3) to the diagrams to correspond to the runtime flow steps in your architecture.</a:t>
+              <a:t>You may add numbers (which are provided on page 3) to the diagram to correspond to the runtime flow steps in your architecture.</a:t>
             </a:r>
           </a:p>
           <a:p>
@@ -7878,7 +7878,7 @@
               </a:ln>
               <a:extLst>
                 <a:ext uri="{C572A759-6A51-4108-AA02-DFA0A04FC94B}">
-                  <ma14:wrappingTextBoxFlag xmlns="" xmlns:ma14="http://schemas.microsoft.com/office/mac/drawingml/2011/main" val="1"/>
+                  <ma14:wrappingTextBoxFlag xmlns:ma14="http://schemas.microsoft.com/office/mac/drawingml/2011/main" xmlns="" val="1"/>
                 </a:ext>
               </a:extLst>
             </p:spPr>
@@ -7948,7 +7948,7 @@
               </a:ln>
               <a:extLst>
                 <a:ext uri="{C572A759-6A51-4108-AA02-DFA0A04FC94B}">
-                  <ma14:wrappingTextBoxFlag xmlns="" xmlns:ma14="http://schemas.microsoft.com/office/mac/drawingml/2011/main" val="1"/>
+                  <ma14:wrappingTextBoxFlag xmlns:ma14="http://schemas.microsoft.com/office/mac/drawingml/2011/main" xmlns="" val="1"/>
                 </a:ext>
               </a:extLst>
             </p:spPr>
@@ -8018,7 +8018,7 @@
               </a:ln>
               <a:extLst>
                 <a:ext uri="{C572A759-6A51-4108-AA02-DFA0A04FC94B}">
-                  <ma14:wrappingTextBoxFlag xmlns="" xmlns:ma14="http://schemas.microsoft.com/office/mac/drawingml/2011/main" val="1"/>
+                  <ma14:wrappingTextBoxFlag xmlns:ma14="http://schemas.microsoft.com/office/mac/drawingml/2011/main" xmlns="" val="1"/>
                 </a:ext>
               </a:extLst>
             </p:spPr>
@@ -8088,7 +8088,7 @@
               </a:ln>
               <a:extLst>
                 <a:ext uri="{C572A759-6A51-4108-AA02-DFA0A04FC94B}">
-                  <ma14:wrappingTextBoxFlag xmlns="" xmlns:ma14="http://schemas.microsoft.com/office/mac/drawingml/2011/main" val="1"/>
+                  <ma14:wrappingTextBoxFlag xmlns:ma14="http://schemas.microsoft.com/office/mac/drawingml/2011/main" xmlns="" val="1"/>
                 </a:ext>
               </a:extLst>
             </p:spPr>
@@ -8158,7 +8158,7 @@
               </a:ln>
               <a:extLst>
                 <a:ext uri="{C572A759-6A51-4108-AA02-DFA0A04FC94B}">
-                  <ma14:wrappingTextBoxFlag xmlns="" xmlns:ma14="http://schemas.microsoft.com/office/mac/drawingml/2011/main" val="1"/>
+                  <ma14:wrappingTextBoxFlag xmlns:ma14="http://schemas.microsoft.com/office/mac/drawingml/2011/main" xmlns="" val="1"/>
                 </a:ext>
               </a:extLst>
             </p:spPr>
@@ -8228,7 +8228,7 @@
               </a:ln>
               <a:extLst>
                 <a:ext uri="{C572A759-6A51-4108-AA02-DFA0A04FC94B}">
-                  <ma14:wrappingTextBoxFlag xmlns="" xmlns:ma14="http://schemas.microsoft.com/office/mac/drawingml/2011/main" val="1"/>
+                  <ma14:wrappingTextBoxFlag xmlns:ma14="http://schemas.microsoft.com/office/mac/drawingml/2011/main" xmlns="" val="1"/>
                 </a:ext>
               </a:extLst>
             </p:spPr>
@@ -8298,7 +8298,7 @@
               </a:ln>
               <a:extLst>
                 <a:ext uri="{C572A759-6A51-4108-AA02-DFA0A04FC94B}">
-                  <ma14:wrappingTextBoxFlag xmlns="" xmlns:ma14="http://schemas.microsoft.com/office/mac/drawingml/2011/main" val="1"/>
+                  <ma14:wrappingTextBoxFlag xmlns:ma14="http://schemas.microsoft.com/office/mac/drawingml/2011/main" xmlns="" val="1"/>
                 </a:ext>
               </a:extLst>
             </p:spPr>
@@ -8368,7 +8368,7 @@
               </a:ln>
               <a:extLst>
                 <a:ext uri="{C572A759-6A51-4108-AA02-DFA0A04FC94B}">
-                  <ma14:wrappingTextBoxFlag xmlns="" xmlns:ma14="http://schemas.microsoft.com/office/mac/drawingml/2011/main" val="1"/>
+                  <ma14:wrappingTextBoxFlag xmlns:ma14="http://schemas.microsoft.com/office/mac/drawingml/2011/main" xmlns="" val="1"/>
                 </a:ext>
               </a:extLst>
             </p:spPr>
@@ -8438,7 +8438,7 @@
               </a:ln>
               <a:extLst>
                 <a:ext uri="{C572A759-6A51-4108-AA02-DFA0A04FC94B}">
-                  <ma14:wrappingTextBoxFlag xmlns="" xmlns:ma14="http://schemas.microsoft.com/office/mac/drawingml/2011/main" val="1"/>
+                  <ma14:wrappingTextBoxFlag xmlns:ma14="http://schemas.microsoft.com/office/mac/drawingml/2011/main" xmlns="" val="1"/>
                 </a:ext>
               </a:extLst>
             </p:spPr>
@@ -8508,7 +8508,7 @@
               </a:ln>
               <a:extLst>
                 <a:ext uri="{C572A759-6A51-4108-AA02-DFA0A04FC94B}">
-                  <ma14:wrappingTextBoxFlag xmlns="" xmlns:ma14="http://schemas.microsoft.com/office/mac/drawingml/2011/main" val="1"/>
+                  <ma14:wrappingTextBoxFlag xmlns:ma14="http://schemas.microsoft.com/office/mac/drawingml/2011/main" xmlns="" val="1"/>
                 </a:ext>
               </a:extLst>
             </p:spPr>
@@ -8578,7 +8578,7 @@
               </a:ln>
               <a:extLst>
                 <a:ext uri="{C572A759-6A51-4108-AA02-DFA0A04FC94B}">
-                  <ma14:wrappingTextBoxFlag xmlns="" xmlns:ma14="http://schemas.microsoft.com/office/mac/drawingml/2011/main" val="1"/>
+                  <ma14:wrappingTextBoxFlag xmlns:ma14="http://schemas.microsoft.com/office/mac/drawingml/2011/main" xmlns="" val="1"/>
                 </a:ext>
               </a:extLst>
             </p:spPr>
@@ -8648,7 +8648,7 @@
               </a:ln>
               <a:extLst>
                 <a:ext uri="{C572A759-6A51-4108-AA02-DFA0A04FC94B}">
-                  <ma14:wrappingTextBoxFlag xmlns="" xmlns:ma14="http://schemas.microsoft.com/office/mac/drawingml/2011/main" val="1"/>
+                  <ma14:wrappingTextBoxFlag xmlns:ma14="http://schemas.microsoft.com/office/mac/drawingml/2011/main" xmlns="" val="1"/>
                 </a:ext>
               </a:extLst>
             </p:spPr>
@@ -8735,7 +8735,7 @@
               </a:ln>
               <a:extLst>
                 <a:ext uri="{C572A759-6A51-4108-AA02-DFA0A04FC94B}">
-                  <ma14:wrappingTextBoxFlag xmlns="" xmlns:ma14="http://schemas.microsoft.com/office/mac/drawingml/2011/main" val="1"/>
+                  <ma14:wrappingTextBoxFlag xmlns:ma14="http://schemas.microsoft.com/office/mac/drawingml/2011/main" xmlns="" val="1"/>
                 </a:ext>
               </a:extLst>
             </p:spPr>
@@ -8805,7 +8805,7 @@
               </a:ln>
               <a:extLst>
                 <a:ext uri="{C572A759-6A51-4108-AA02-DFA0A04FC94B}">
-                  <ma14:wrappingTextBoxFlag xmlns="" xmlns:ma14="http://schemas.microsoft.com/office/mac/drawingml/2011/main" val="1"/>
+                  <ma14:wrappingTextBoxFlag xmlns:ma14="http://schemas.microsoft.com/office/mac/drawingml/2011/main" xmlns="" val="1"/>
                 </a:ext>
               </a:extLst>
             </p:spPr>
@@ -8875,7 +8875,7 @@
               </a:ln>
               <a:extLst>
                 <a:ext uri="{C572A759-6A51-4108-AA02-DFA0A04FC94B}">
-                  <ma14:wrappingTextBoxFlag xmlns="" xmlns:ma14="http://schemas.microsoft.com/office/mac/drawingml/2011/main" val="1"/>
+                  <ma14:wrappingTextBoxFlag xmlns:ma14="http://schemas.microsoft.com/office/mac/drawingml/2011/main" xmlns="" val="1"/>
                 </a:ext>
               </a:extLst>
             </p:spPr>
@@ -8945,7 +8945,7 @@
               </a:ln>
               <a:extLst>
                 <a:ext uri="{C572A759-6A51-4108-AA02-DFA0A04FC94B}">
-                  <ma14:wrappingTextBoxFlag xmlns="" xmlns:ma14="http://schemas.microsoft.com/office/mac/drawingml/2011/main" val="1"/>
+                  <ma14:wrappingTextBoxFlag xmlns:ma14="http://schemas.microsoft.com/office/mac/drawingml/2011/main" xmlns="" val="1"/>
                 </a:ext>
               </a:extLst>
             </p:spPr>
@@ -9015,7 +9015,7 @@
               </a:ln>
               <a:extLst>
                 <a:ext uri="{C572A759-6A51-4108-AA02-DFA0A04FC94B}">
-                  <ma14:wrappingTextBoxFlag xmlns="" xmlns:ma14="http://schemas.microsoft.com/office/mac/drawingml/2011/main" val="1"/>
+                  <ma14:wrappingTextBoxFlag xmlns:ma14="http://schemas.microsoft.com/office/mac/drawingml/2011/main" xmlns="" val="1"/>
                 </a:ext>
               </a:extLst>
             </p:spPr>
@@ -9085,7 +9085,7 @@
               </a:ln>
               <a:extLst>
                 <a:ext uri="{C572A759-6A51-4108-AA02-DFA0A04FC94B}">
-                  <ma14:wrappingTextBoxFlag xmlns="" xmlns:ma14="http://schemas.microsoft.com/office/mac/drawingml/2011/main" val="1"/>
+                  <ma14:wrappingTextBoxFlag xmlns:ma14="http://schemas.microsoft.com/office/mac/drawingml/2011/main" xmlns="" val="1"/>
                 </a:ext>
               </a:extLst>
             </p:spPr>
@@ -9155,7 +9155,7 @@
               </a:ln>
               <a:extLst>
                 <a:ext uri="{C572A759-6A51-4108-AA02-DFA0A04FC94B}">
-                  <ma14:wrappingTextBoxFlag xmlns="" xmlns:ma14="http://schemas.microsoft.com/office/mac/drawingml/2011/main" val="1"/>
+                  <ma14:wrappingTextBoxFlag xmlns:ma14="http://schemas.microsoft.com/office/mac/drawingml/2011/main" xmlns="" val="1"/>
                 </a:ext>
               </a:extLst>
             </p:spPr>
@@ -9225,7 +9225,7 @@
               </a:ln>
               <a:extLst>
                 <a:ext uri="{C572A759-6A51-4108-AA02-DFA0A04FC94B}">
-                  <ma14:wrappingTextBoxFlag xmlns="" xmlns:ma14="http://schemas.microsoft.com/office/mac/drawingml/2011/main" val="1"/>
+                  <ma14:wrappingTextBoxFlag xmlns:ma14="http://schemas.microsoft.com/office/mac/drawingml/2011/main" xmlns="" val="1"/>
                 </a:ext>
               </a:extLst>
             </p:spPr>
@@ -9295,7 +9295,7 @@
               </a:ln>
               <a:extLst>
                 <a:ext uri="{C572A759-6A51-4108-AA02-DFA0A04FC94B}">
-                  <ma14:wrappingTextBoxFlag xmlns="" xmlns:ma14="http://schemas.microsoft.com/office/mac/drawingml/2011/main" val="1"/>
+                  <ma14:wrappingTextBoxFlag xmlns:ma14="http://schemas.microsoft.com/office/mac/drawingml/2011/main" xmlns="" val="1"/>
                 </a:ext>
               </a:extLst>
             </p:spPr>
@@ -9365,7 +9365,7 @@
               </a:ln>
               <a:extLst>
                 <a:ext uri="{C572A759-6A51-4108-AA02-DFA0A04FC94B}">
-                  <ma14:wrappingTextBoxFlag xmlns="" xmlns:ma14="http://schemas.microsoft.com/office/mac/drawingml/2011/main" val="1"/>
+                  <ma14:wrappingTextBoxFlag xmlns:ma14="http://schemas.microsoft.com/office/mac/drawingml/2011/main" xmlns="" val="1"/>
                 </a:ext>
               </a:extLst>
             </p:spPr>
@@ -9435,7 +9435,7 @@
               </a:ln>
               <a:extLst>
                 <a:ext uri="{C572A759-6A51-4108-AA02-DFA0A04FC94B}">
-                  <ma14:wrappingTextBoxFlag xmlns="" xmlns:ma14="http://schemas.microsoft.com/office/mac/drawingml/2011/main" val="1"/>
+                  <ma14:wrappingTextBoxFlag xmlns:ma14="http://schemas.microsoft.com/office/mac/drawingml/2011/main" xmlns="" val="1"/>
                 </a:ext>
               </a:extLst>
             </p:spPr>
@@ -9505,7 +9505,7 @@
               </a:ln>
               <a:extLst>
                 <a:ext uri="{C572A759-6A51-4108-AA02-DFA0A04FC94B}">
-                  <ma14:wrappingTextBoxFlag xmlns="" xmlns:ma14="http://schemas.microsoft.com/office/mac/drawingml/2011/main" val="1"/>
+                  <ma14:wrappingTextBoxFlag xmlns:ma14="http://schemas.microsoft.com/office/mac/drawingml/2011/main" xmlns="" val="1"/>
                 </a:ext>
               </a:extLst>
             </p:spPr>
@@ -9575,7 +9575,7 @@
               </a:ln>
               <a:extLst>
                 <a:ext uri="{C572A759-6A51-4108-AA02-DFA0A04FC94B}">
-                  <ma14:wrappingTextBoxFlag xmlns="" xmlns:ma14="http://schemas.microsoft.com/office/mac/drawingml/2011/main" val="1"/>
+                  <ma14:wrappingTextBoxFlag xmlns:ma14="http://schemas.microsoft.com/office/mac/drawingml/2011/main" xmlns="" val="1"/>
                 </a:ext>
               </a:extLst>
             </p:spPr>
@@ -9645,7 +9645,7 @@
               </a:ln>
               <a:extLst>
                 <a:ext uri="{C572A759-6A51-4108-AA02-DFA0A04FC94B}">
-                  <ma14:wrappingTextBoxFlag xmlns="" xmlns:ma14="http://schemas.microsoft.com/office/mac/drawingml/2011/main" val="1"/>
+                  <ma14:wrappingTextBoxFlag xmlns:ma14="http://schemas.microsoft.com/office/mac/drawingml/2011/main" xmlns="" val="1"/>
                 </a:ext>
               </a:extLst>
             </p:spPr>
@@ -9715,7 +9715,7 @@
               </a:ln>
               <a:extLst>
                 <a:ext uri="{C572A759-6A51-4108-AA02-DFA0A04FC94B}">
-                  <ma14:wrappingTextBoxFlag xmlns="" xmlns:ma14="http://schemas.microsoft.com/office/mac/drawingml/2011/main" val="1"/>
+                  <ma14:wrappingTextBoxFlag xmlns:ma14="http://schemas.microsoft.com/office/mac/drawingml/2011/main" xmlns="" val="1"/>
                 </a:ext>
               </a:extLst>
             </p:spPr>
@@ -9785,7 +9785,7 @@
               </a:ln>
               <a:extLst>
                 <a:ext uri="{C572A759-6A51-4108-AA02-DFA0A04FC94B}">
-                  <ma14:wrappingTextBoxFlag xmlns="" xmlns:ma14="http://schemas.microsoft.com/office/mac/drawingml/2011/main" val="1"/>
+                  <ma14:wrappingTextBoxFlag xmlns:ma14="http://schemas.microsoft.com/office/mac/drawingml/2011/main" xmlns="" val="1"/>
                 </a:ext>
               </a:extLst>
             </p:spPr>
@@ -9855,7 +9855,7 @@
               </a:ln>
               <a:extLst>
                 <a:ext uri="{C572A759-6A51-4108-AA02-DFA0A04FC94B}">
-                  <ma14:wrappingTextBoxFlag xmlns="" xmlns:ma14="http://schemas.microsoft.com/office/mac/drawingml/2011/main" val="1"/>
+                  <ma14:wrappingTextBoxFlag xmlns:ma14="http://schemas.microsoft.com/office/mac/drawingml/2011/main" xmlns="" val="1"/>
                 </a:ext>
               </a:extLst>
             </p:spPr>
@@ -10101,7 +10101,7 @@
             </a:ln>
             <a:extLst>
               <a:ext uri="{C572A759-6A51-4108-AA02-DFA0A04FC94B}">
-                <ma14:wrappingTextBoxFlag xmlns="" xmlns:ma14="http://schemas.microsoft.com/office/mac/drawingml/2011/main" val="1"/>
+                <ma14:wrappingTextBoxFlag xmlns:ma14="http://schemas.microsoft.com/office/mac/drawingml/2011/main" xmlns="" val="1"/>
               </a:ext>
             </a:extLst>
           </p:spPr>
@@ -15984,7 +15984,7 @@
             </a:ln>
             <a:extLst>
               <a:ext uri="{C572A759-6A51-4108-AA02-DFA0A04FC94B}">
-                <ma14:wrappingTextBoxFlag xmlns="" xmlns:ma14="http://schemas.microsoft.com/office/mac/drawingml/2011/main" val="1"/>
+                <ma14:wrappingTextBoxFlag xmlns:ma14="http://schemas.microsoft.com/office/mac/drawingml/2011/main" xmlns="" val="1"/>
               </a:ext>
             </a:extLst>
           </p:spPr>
@@ -16054,7 +16054,7 @@
             </a:ln>
             <a:extLst>
               <a:ext uri="{C572A759-6A51-4108-AA02-DFA0A04FC94B}">
-                <ma14:wrappingTextBoxFlag xmlns="" xmlns:ma14="http://schemas.microsoft.com/office/mac/drawingml/2011/main" val="1"/>
+                <ma14:wrappingTextBoxFlag xmlns:ma14="http://schemas.microsoft.com/office/mac/drawingml/2011/main" xmlns="" val="1"/>
               </a:ext>
             </a:extLst>
           </p:spPr>
@@ -16124,7 +16124,7 @@
             </a:ln>
             <a:extLst>
               <a:ext uri="{C572A759-6A51-4108-AA02-DFA0A04FC94B}">
-                <ma14:wrappingTextBoxFlag xmlns="" xmlns:ma14="http://schemas.microsoft.com/office/mac/drawingml/2011/main" val="1"/>
+                <ma14:wrappingTextBoxFlag xmlns:ma14="http://schemas.microsoft.com/office/mac/drawingml/2011/main" xmlns="" val="1"/>
               </a:ext>
             </a:extLst>
           </p:spPr>
@@ -16194,7 +16194,7 @@
             </a:ln>
             <a:extLst>
               <a:ext uri="{C572A759-6A51-4108-AA02-DFA0A04FC94B}">
-                <ma14:wrappingTextBoxFlag xmlns="" xmlns:ma14="http://schemas.microsoft.com/office/mac/drawingml/2011/main" val="1"/>
+                <ma14:wrappingTextBoxFlag xmlns:ma14="http://schemas.microsoft.com/office/mac/drawingml/2011/main" xmlns="" val="1"/>
               </a:ext>
             </a:extLst>
           </p:spPr>
@@ -16281,7 +16281,7 @@
             </a:ln>
             <a:extLst>
               <a:ext uri="{C572A759-6A51-4108-AA02-DFA0A04FC94B}">
-                <ma14:wrappingTextBoxFlag xmlns="" xmlns:ma14="http://schemas.microsoft.com/office/mac/drawingml/2011/main" val="1"/>
+                <ma14:wrappingTextBoxFlag xmlns:ma14="http://schemas.microsoft.com/office/mac/drawingml/2011/main" xmlns="" val="1"/>
               </a:ext>
             </a:extLst>
           </p:spPr>
@@ -16368,7 +16368,7 @@
             </a:ln>
             <a:extLst>
               <a:ext uri="{C572A759-6A51-4108-AA02-DFA0A04FC94B}">
-                <ma14:wrappingTextBoxFlag xmlns="" xmlns:ma14="http://schemas.microsoft.com/office/mac/drawingml/2011/main" val="1"/>
+                <ma14:wrappingTextBoxFlag xmlns:ma14="http://schemas.microsoft.com/office/mac/drawingml/2011/main" xmlns="" val="1"/>
               </a:ext>
             </a:extLst>
           </p:spPr>
@@ -16438,7 +16438,7 @@
             </a:ln>
             <a:extLst>
               <a:ext uri="{C572A759-6A51-4108-AA02-DFA0A04FC94B}">
-                <ma14:wrappingTextBoxFlag xmlns="" xmlns:ma14="http://schemas.microsoft.com/office/mac/drawingml/2011/main" val="1"/>
+                <ma14:wrappingTextBoxFlag xmlns:ma14="http://schemas.microsoft.com/office/mac/drawingml/2011/main" xmlns="" val="1"/>
               </a:ext>
             </a:extLst>
           </p:spPr>
@@ -16525,7 +16525,7 @@
             </a:ln>
             <a:extLst>
               <a:ext uri="{C572A759-6A51-4108-AA02-DFA0A04FC94B}">
-                <ma14:wrappingTextBoxFlag xmlns="" xmlns:ma14="http://schemas.microsoft.com/office/mac/drawingml/2011/main" val="1"/>
+                <ma14:wrappingTextBoxFlag xmlns:ma14="http://schemas.microsoft.com/office/mac/drawingml/2011/main" xmlns="" val="1"/>
               </a:ext>
             </a:extLst>
           </p:spPr>
@@ -16612,7 +16612,7 @@
             </a:ln>
             <a:extLst>
               <a:ext uri="{C572A759-6A51-4108-AA02-DFA0A04FC94B}">
-                <ma14:wrappingTextBoxFlag xmlns="" xmlns:ma14="http://schemas.microsoft.com/office/mac/drawingml/2011/main" val="1"/>
+                <ma14:wrappingTextBoxFlag xmlns:ma14="http://schemas.microsoft.com/office/mac/drawingml/2011/main" xmlns="" val="1"/>
               </a:ext>
             </a:extLst>
           </p:spPr>
@@ -16699,7 +16699,7 @@
             </a:ln>
             <a:extLst>
               <a:ext uri="{C572A759-6A51-4108-AA02-DFA0A04FC94B}">
-                <ma14:wrappingTextBoxFlag xmlns="" xmlns:ma14="http://schemas.microsoft.com/office/mac/drawingml/2011/main" val="1"/>
+                <ma14:wrappingTextBoxFlag xmlns:ma14="http://schemas.microsoft.com/office/mac/drawingml/2011/main" xmlns="" val="1"/>
               </a:ext>
             </a:extLst>
           </p:spPr>
@@ -16769,7 +16769,7 @@
             </a:ln>
             <a:extLst>
               <a:ext uri="{C572A759-6A51-4108-AA02-DFA0A04FC94B}">
-                <ma14:wrappingTextBoxFlag xmlns="" xmlns:ma14="http://schemas.microsoft.com/office/mac/drawingml/2011/main" val="1"/>
+                <ma14:wrappingTextBoxFlag xmlns:ma14="http://schemas.microsoft.com/office/mac/drawingml/2011/main" xmlns="" val="1"/>
               </a:ext>
             </a:extLst>
           </p:spPr>
@@ -16856,7 +16856,7 @@
             </a:ln>
             <a:extLst>
               <a:ext uri="{C572A759-6A51-4108-AA02-DFA0A04FC94B}">
-                <ma14:wrappingTextBoxFlag xmlns="" xmlns:ma14="http://schemas.microsoft.com/office/mac/drawingml/2011/main" val="1"/>
+                <ma14:wrappingTextBoxFlag xmlns:ma14="http://schemas.microsoft.com/office/mac/drawingml/2011/main" xmlns="" val="1"/>
               </a:ext>
             </a:extLst>
           </p:spPr>
@@ -16926,7 +16926,7 @@
             </a:ln>
             <a:extLst>
               <a:ext uri="{C572A759-6A51-4108-AA02-DFA0A04FC94B}">
-                <ma14:wrappingTextBoxFlag xmlns="" xmlns:ma14="http://schemas.microsoft.com/office/mac/drawingml/2011/main" val="1"/>
+                <ma14:wrappingTextBoxFlag xmlns:ma14="http://schemas.microsoft.com/office/mac/drawingml/2011/main" xmlns="" val="1"/>
               </a:ext>
             </a:extLst>
           </p:spPr>
@@ -16996,7 +16996,7 @@
             </a:ln>
             <a:extLst>
               <a:ext uri="{C572A759-6A51-4108-AA02-DFA0A04FC94B}">
-                <ma14:wrappingTextBoxFlag xmlns="" xmlns:ma14="http://schemas.microsoft.com/office/mac/drawingml/2011/main" val="1"/>
+                <ma14:wrappingTextBoxFlag xmlns:ma14="http://schemas.microsoft.com/office/mac/drawingml/2011/main" xmlns="" val="1"/>
               </a:ext>
             </a:extLst>
           </p:spPr>
@@ -17066,7 +17066,7 @@
             </a:ln>
             <a:extLst>
               <a:ext uri="{C572A759-6A51-4108-AA02-DFA0A04FC94B}">
-                <ma14:wrappingTextBoxFlag xmlns="" xmlns:ma14="http://schemas.microsoft.com/office/mac/drawingml/2011/main" val="1"/>
+                <ma14:wrappingTextBoxFlag xmlns:ma14="http://schemas.microsoft.com/office/mac/drawingml/2011/main" xmlns="" val="1"/>
               </a:ext>
             </a:extLst>
           </p:spPr>
@@ -17136,7 +17136,7 @@
             </a:ln>
             <a:extLst>
               <a:ext uri="{C572A759-6A51-4108-AA02-DFA0A04FC94B}">
-                <ma14:wrappingTextBoxFlag xmlns="" xmlns:ma14="http://schemas.microsoft.com/office/mac/drawingml/2011/main" val="1"/>
+                <ma14:wrappingTextBoxFlag xmlns:ma14="http://schemas.microsoft.com/office/mac/drawingml/2011/main" xmlns="" val="1"/>
               </a:ext>
             </a:extLst>
           </p:spPr>
@@ -17206,7 +17206,7 @@
             </a:ln>
             <a:extLst>
               <a:ext uri="{C572A759-6A51-4108-AA02-DFA0A04FC94B}">
-                <ma14:wrappingTextBoxFlag xmlns="" xmlns:ma14="http://schemas.microsoft.com/office/mac/drawingml/2011/main" val="1"/>
+                <ma14:wrappingTextBoxFlag xmlns:ma14="http://schemas.microsoft.com/office/mac/drawingml/2011/main" xmlns="" val="1"/>
               </a:ext>
             </a:extLst>
           </p:spPr>
@@ -17276,7 +17276,7 @@
             </a:ln>
             <a:extLst>
               <a:ext uri="{C572A759-6A51-4108-AA02-DFA0A04FC94B}">
-                <ma14:wrappingTextBoxFlag xmlns="" xmlns:ma14="http://schemas.microsoft.com/office/mac/drawingml/2011/main" val="1"/>
+                <ma14:wrappingTextBoxFlag xmlns:ma14="http://schemas.microsoft.com/office/mac/drawingml/2011/main" xmlns="" val="1"/>
               </a:ext>
             </a:extLst>
           </p:spPr>
@@ -17346,7 +17346,7 @@
             </a:ln>
             <a:extLst>
               <a:ext uri="{C572A759-6A51-4108-AA02-DFA0A04FC94B}">
-                <ma14:wrappingTextBoxFlag xmlns="" xmlns:ma14="http://schemas.microsoft.com/office/mac/drawingml/2011/main" val="1"/>
+                <ma14:wrappingTextBoxFlag xmlns:ma14="http://schemas.microsoft.com/office/mac/drawingml/2011/main" xmlns="" val="1"/>
               </a:ext>
             </a:extLst>
           </p:spPr>
@@ -17416,7 +17416,7 @@
             </a:ln>
             <a:extLst>
               <a:ext uri="{C572A759-6A51-4108-AA02-DFA0A04FC94B}">
-                <ma14:wrappingTextBoxFlag xmlns="" xmlns:ma14="http://schemas.microsoft.com/office/mac/drawingml/2011/main" val="1"/>
+                <ma14:wrappingTextBoxFlag xmlns:ma14="http://schemas.microsoft.com/office/mac/drawingml/2011/main" xmlns="" val="1"/>
               </a:ext>
             </a:extLst>
           </p:spPr>
@@ -17486,7 +17486,7 @@
             </a:ln>
             <a:extLst>
               <a:ext uri="{C572A759-6A51-4108-AA02-DFA0A04FC94B}">
-                <ma14:wrappingTextBoxFlag xmlns="" xmlns:ma14="http://schemas.microsoft.com/office/mac/drawingml/2011/main" val="1"/>
+                <ma14:wrappingTextBoxFlag xmlns:ma14="http://schemas.microsoft.com/office/mac/drawingml/2011/main" xmlns="" val="1"/>
               </a:ext>
             </a:extLst>
           </p:spPr>
@@ -17556,7 +17556,7 @@
             </a:ln>
             <a:extLst>
               <a:ext uri="{C572A759-6A51-4108-AA02-DFA0A04FC94B}">
-                <ma14:wrappingTextBoxFlag xmlns="" xmlns:ma14="http://schemas.microsoft.com/office/mac/drawingml/2011/main" val="1"/>
+                <ma14:wrappingTextBoxFlag xmlns:ma14="http://schemas.microsoft.com/office/mac/drawingml/2011/main" xmlns="" val="1"/>
               </a:ext>
             </a:extLst>
           </p:spPr>
@@ -17626,7 +17626,7 @@
             </a:ln>
             <a:extLst>
               <a:ext uri="{C572A759-6A51-4108-AA02-DFA0A04FC94B}">
-                <ma14:wrappingTextBoxFlag xmlns="" xmlns:ma14="http://schemas.microsoft.com/office/mac/drawingml/2011/main" val="1"/>
+                <ma14:wrappingTextBoxFlag xmlns:ma14="http://schemas.microsoft.com/office/mac/drawingml/2011/main" xmlns="" val="1"/>
               </a:ext>
             </a:extLst>
           </p:spPr>
@@ -17696,7 +17696,7 @@
             </a:ln>
             <a:extLst>
               <a:ext uri="{C572A759-6A51-4108-AA02-DFA0A04FC94B}">
-                <ma14:wrappingTextBoxFlag xmlns="" xmlns:ma14="http://schemas.microsoft.com/office/mac/drawingml/2011/main" val="1"/>
+                <ma14:wrappingTextBoxFlag xmlns:ma14="http://schemas.microsoft.com/office/mac/drawingml/2011/main" xmlns="" val="1"/>
               </a:ext>
             </a:extLst>
           </p:spPr>
@@ -17766,7 +17766,7 @@
             </a:ln>
             <a:extLst>
               <a:ext uri="{C572A759-6A51-4108-AA02-DFA0A04FC94B}">
-                <ma14:wrappingTextBoxFlag xmlns="" xmlns:ma14="http://schemas.microsoft.com/office/mac/drawingml/2011/main" val="1"/>
+                <ma14:wrappingTextBoxFlag xmlns:ma14="http://schemas.microsoft.com/office/mac/drawingml/2011/main" xmlns="" val="1"/>
               </a:ext>
             </a:extLst>
           </p:spPr>
@@ -17836,7 +17836,7 @@
             </a:ln>
             <a:extLst>
               <a:ext uri="{C572A759-6A51-4108-AA02-DFA0A04FC94B}">
-                <ma14:wrappingTextBoxFlag xmlns="" xmlns:ma14="http://schemas.microsoft.com/office/mac/drawingml/2011/main" val="1"/>
+                <ma14:wrappingTextBoxFlag xmlns:ma14="http://schemas.microsoft.com/office/mac/drawingml/2011/main" xmlns="" val="1"/>
               </a:ext>
             </a:extLst>
           </p:spPr>
@@ -17906,7 +17906,7 @@
             </a:ln>
             <a:extLst>
               <a:ext uri="{C572A759-6A51-4108-AA02-DFA0A04FC94B}">
-                <ma14:wrappingTextBoxFlag xmlns="" xmlns:ma14="http://schemas.microsoft.com/office/mac/drawingml/2011/main" val="1"/>
+                <ma14:wrappingTextBoxFlag xmlns:ma14="http://schemas.microsoft.com/office/mac/drawingml/2011/main" xmlns="" val="1"/>
               </a:ext>
             </a:extLst>
           </p:spPr>
@@ -17976,7 +17976,7 @@
             </a:ln>
             <a:extLst>
               <a:ext uri="{C572A759-6A51-4108-AA02-DFA0A04FC94B}">
-                <ma14:wrappingTextBoxFlag xmlns="" xmlns:ma14="http://schemas.microsoft.com/office/mac/drawingml/2011/main" val="1"/>
+                <ma14:wrappingTextBoxFlag xmlns:ma14="http://schemas.microsoft.com/office/mac/drawingml/2011/main" xmlns="" val="1"/>
               </a:ext>
             </a:extLst>
           </p:spPr>
@@ -18046,7 +18046,7 @@
             </a:ln>
             <a:extLst>
               <a:ext uri="{C572A759-6A51-4108-AA02-DFA0A04FC94B}">
-                <ma14:wrappingTextBoxFlag xmlns="" xmlns:ma14="http://schemas.microsoft.com/office/mac/drawingml/2011/main" val="1"/>
+                <ma14:wrappingTextBoxFlag xmlns:ma14="http://schemas.microsoft.com/office/mac/drawingml/2011/main" xmlns="" val="1"/>
               </a:ext>
             </a:extLst>
           </p:spPr>
@@ -18116,7 +18116,7 @@
             </a:ln>
             <a:extLst>
               <a:ext uri="{C572A759-6A51-4108-AA02-DFA0A04FC94B}">
-                <ma14:wrappingTextBoxFlag xmlns="" xmlns:ma14="http://schemas.microsoft.com/office/mac/drawingml/2011/main" val="1"/>
+                <ma14:wrappingTextBoxFlag xmlns:ma14="http://schemas.microsoft.com/office/mac/drawingml/2011/main" xmlns="" val="1"/>
               </a:ext>
             </a:extLst>
           </p:spPr>
@@ -18186,7 +18186,7 @@
             </a:ln>
             <a:extLst>
               <a:ext uri="{C572A759-6A51-4108-AA02-DFA0A04FC94B}">
-                <ma14:wrappingTextBoxFlag xmlns="" xmlns:ma14="http://schemas.microsoft.com/office/mac/drawingml/2011/main" val="1"/>
+                <ma14:wrappingTextBoxFlag xmlns:ma14="http://schemas.microsoft.com/office/mac/drawingml/2011/main" xmlns="" val="1"/>
               </a:ext>
             </a:extLst>
           </p:spPr>
@@ -18256,7 +18256,7 @@
             </a:ln>
             <a:extLst>
               <a:ext uri="{C572A759-6A51-4108-AA02-DFA0A04FC94B}">
-                <ma14:wrappingTextBoxFlag xmlns="" xmlns:ma14="http://schemas.microsoft.com/office/mac/drawingml/2011/main" val="1"/>
+                <ma14:wrappingTextBoxFlag xmlns:ma14="http://schemas.microsoft.com/office/mac/drawingml/2011/main" xmlns="" val="1"/>
               </a:ext>
             </a:extLst>
           </p:spPr>
@@ -18326,7 +18326,7 @@
             </a:ln>
             <a:extLst>
               <a:ext uri="{C572A759-6A51-4108-AA02-DFA0A04FC94B}">
-                <ma14:wrappingTextBoxFlag xmlns="" xmlns:ma14="http://schemas.microsoft.com/office/mac/drawingml/2011/main" val="1"/>
+                <ma14:wrappingTextBoxFlag xmlns:ma14="http://schemas.microsoft.com/office/mac/drawingml/2011/main" xmlns="" val="1"/>
               </a:ext>
             </a:extLst>
           </p:spPr>
@@ -18458,7 +18458,7 @@
           </a:ln>
           <a:extLst>
             <a:ext uri="{C572A759-6A51-4108-AA02-DFA0A04FC94B}">
-              <ma14:wrappingTextBoxFlag xmlns:ma14="http://schemas.microsoft.com/office/mac/drawingml/2011/main" xmlns="" val="1"/>
+              <ma14:wrappingTextBoxFlag xmlns="" xmlns:ma14="http://schemas.microsoft.com/office/mac/drawingml/2011/main" val="1"/>
             </a:ext>
           </a:extLst>
         </p:spPr>
@@ -18506,7 +18506,7 @@
           </a:ln>
           <a:extLst>
             <a:ext uri="{C572A759-6A51-4108-AA02-DFA0A04FC94B}">
-              <ma14:wrappingTextBoxFlag xmlns:ma14="http://schemas.microsoft.com/office/mac/drawingml/2011/main" xmlns="" val="1"/>
+              <ma14:wrappingTextBoxFlag xmlns="" xmlns:ma14="http://schemas.microsoft.com/office/mac/drawingml/2011/main" val="1"/>
             </a:ext>
           </a:extLst>
         </p:spPr>
@@ -18661,7 +18661,7 @@
             <a:effectLst/>
             <a:extLst>
               <a:ext uri="{C572A759-6A51-4108-AA02-DFA0A04FC94B}">
-                <ma14:wrappingTextBoxFlag xmlns:ma14="http://schemas.microsoft.com/office/mac/drawingml/2011/main" xmlns="" val="1"/>
+                <ma14:wrappingTextBoxFlag xmlns="" xmlns:ma14="http://schemas.microsoft.com/office/mac/drawingml/2011/main" val="1"/>
               </a:ext>
             </a:extLst>
           </p:spPr>
@@ -18823,7 +18823,7 @@
             <a:effectLst/>
             <a:extLst>
               <a:ext uri="{C572A759-6A51-4108-AA02-DFA0A04FC94B}">
-                <ma14:wrappingTextBoxFlag xmlns:ma14="http://schemas.microsoft.com/office/mac/drawingml/2011/main" xmlns="" val="1"/>
+                <ma14:wrappingTextBoxFlag xmlns="" xmlns:ma14="http://schemas.microsoft.com/office/mac/drawingml/2011/main" val="1"/>
               </a:ext>
             </a:extLst>
           </p:spPr>
@@ -18985,7 +18985,7 @@
             <a:effectLst/>
             <a:extLst>
               <a:ext uri="{C572A759-6A51-4108-AA02-DFA0A04FC94B}">
-                <ma14:wrappingTextBoxFlag xmlns:ma14="http://schemas.microsoft.com/office/mac/drawingml/2011/main" xmlns="" val="1"/>
+                <ma14:wrappingTextBoxFlag xmlns="" xmlns:ma14="http://schemas.microsoft.com/office/mac/drawingml/2011/main" val="1"/>
               </a:ext>
             </a:extLst>
           </p:spPr>
@@ -19147,7 +19147,7 @@
             <a:effectLst/>
             <a:extLst>
               <a:ext uri="{C572A759-6A51-4108-AA02-DFA0A04FC94B}">
-                <ma14:wrappingTextBoxFlag xmlns:ma14="http://schemas.microsoft.com/office/mac/drawingml/2011/main" xmlns="" val="1"/>
+                <ma14:wrappingTextBoxFlag xmlns="" xmlns:ma14="http://schemas.microsoft.com/office/mac/drawingml/2011/main" val="1"/>
               </a:ext>
             </a:extLst>
           </p:spPr>
@@ -19309,7 +19309,7 @@
             <a:effectLst/>
             <a:extLst>
               <a:ext uri="{C572A759-6A51-4108-AA02-DFA0A04FC94B}">
-                <ma14:wrappingTextBoxFlag xmlns:ma14="http://schemas.microsoft.com/office/mac/drawingml/2011/main" xmlns="" val="1"/>
+                <ma14:wrappingTextBoxFlag xmlns="" xmlns:ma14="http://schemas.microsoft.com/office/mac/drawingml/2011/main" val="1"/>
               </a:ext>
             </a:extLst>
           </p:spPr>
@@ -19471,7 +19471,7 @@
             <a:effectLst/>
             <a:extLst>
               <a:ext uri="{C572A759-6A51-4108-AA02-DFA0A04FC94B}">
-                <ma14:wrappingTextBoxFlag xmlns:ma14="http://schemas.microsoft.com/office/mac/drawingml/2011/main" xmlns="" val="1"/>
+                <ma14:wrappingTextBoxFlag xmlns="" xmlns:ma14="http://schemas.microsoft.com/office/mac/drawingml/2011/main" val="1"/>
               </a:ext>
             </a:extLst>
           </p:spPr>
@@ -19633,7 +19633,7 @@
             <a:effectLst/>
             <a:extLst>
               <a:ext uri="{C572A759-6A51-4108-AA02-DFA0A04FC94B}">
-                <ma14:wrappingTextBoxFlag xmlns:ma14="http://schemas.microsoft.com/office/mac/drawingml/2011/main" xmlns="" val="1"/>
+                <ma14:wrappingTextBoxFlag xmlns="" xmlns:ma14="http://schemas.microsoft.com/office/mac/drawingml/2011/main" val="1"/>
               </a:ext>
             </a:extLst>
           </p:spPr>
@@ -19795,7 +19795,7 @@
             <a:effectLst/>
             <a:extLst>
               <a:ext uri="{C572A759-6A51-4108-AA02-DFA0A04FC94B}">
-                <ma14:wrappingTextBoxFlag xmlns:ma14="http://schemas.microsoft.com/office/mac/drawingml/2011/main" xmlns="" val="1"/>
+                <ma14:wrappingTextBoxFlag xmlns="" xmlns:ma14="http://schemas.microsoft.com/office/mac/drawingml/2011/main" val="1"/>
               </a:ext>
             </a:extLst>
           </p:spPr>
@@ -19957,7 +19957,7 @@
             <a:effectLst/>
             <a:extLst>
               <a:ext uri="{C572A759-6A51-4108-AA02-DFA0A04FC94B}">
-                <ma14:wrappingTextBoxFlag xmlns:ma14="http://schemas.microsoft.com/office/mac/drawingml/2011/main" xmlns="" val="1"/>
+                <ma14:wrappingTextBoxFlag xmlns="" xmlns:ma14="http://schemas.microsoft.com/office/mac/drawingml/2011/main" val="1"/>
               </a:ext>
             </a:extLst>
           </p:spPr>
@@ -20119,7 +20119,7 @@
             <a:effectLst/>
             <a:extLst>
               <a:ext uri="{C572A759-6A51-4108-AA02-DFA0A04FC94B}">
-                <ma14:wrappingTextBoxFlag xmlns:ma14="http://schemas.microsoft.com/office/mac/drawingml/2011/main" xmlns="" val="1"/>
+                <ma14:wrappingTextBoxFlag xmlns="" xmlns:ma14="http://schemas.microsoft.com/office/mac/drawingml/2011/main" val="1"/>
               </a:ext>
             </a:extLst>
           </p:spPr>
@@ -20281,7 +20281,7 @@
             <a:effectLst/>
             <a:extLst>
               <a:ext uri="{C572A759-6A51-4108-AA02-DFA0A04FC94B}">
-                <ma14:wrappingTextBoxFlag xmlns:ma14="http://schemas.microsoft.com/office/mac/drawingml/2011/main" xmlns="" val="1"/>
+                <ma14:wrappingTextBoxFlag xmlns="" xmlns:ma14="http://schemas.microsoft.com/office/mac/drawingml/2011/main" val="1"/>
               </a:ext>
             </a:extLst>
           </p:spPr>
@@ -20443,7 +20443,7 @@
             <a:effectLst/>
             <a:extLst>
               <a:ext uri="{C572A759-6A51-4108-AA02-DFA0A04FC94B}">
-                <ma14:wrappingTextBoxFlag xmlns:ma14="http://schemas.microsoft.com/office/mac/drawingml/2011/main" xmlns="" val="1"/>
+                <ma14:wrappingTextBoxFlag xmlns="" xmlns:ma14="http://schemas.microsoft.com/office/mac/drawingml/2011/main" val="1"/>
               </a:ext>
             </a:extLst>
           </p:spPr>
@@ -20605,7 +20605,7 @@
             <a:effectLst/>
             <a:extLst>
               <a:ext uri="{C572A759-6A51-4108-AA02-DFA0A04FC94B}">
-                <ma14:wrappingTextBoxFlag xmlns:ma14="http://schemas.microsoft.com/office/mac/drawingml/2011/main" xmlns="" val="1"/>
+                <ma14:wrappingTextBoxFlag xmlns="" xmlns:ma14="http://schemas.microsoft.com/office/mac/drawingml/2011/main" val="1"/>
               </a:ext>
             </a:extLst>
           </p:spPr>
@@ -20767,7 +20767,7 @@
             <a:effectLst/>
             <a:extLst>
               <a:ext uri="{C572A759-6A51-4108-AA02-DFA0A04FC94B}">
-                <ma14:wrappingTextBoxFlag xmlns:ma14="http://schemas.microsoft.com/office/mac/drawingml/2011/main" xmlns="" val="1"/>
+                <ma14:wrappingTextBoxFlag xmlns="" xmlns:ma14="http://schemas.microsoft.com/office/mac/drawingml/2011/main" val="1"/>
               </a:ext>
             </a:extLst>
           </p:spPr>
@@ -20929,7 +20929,7 @@
             <a:effectLst/>
             <a:extLst>
               <a:ext uri="{C572A759-6A51-4108-AA02-DFA0A04FC94B}">
-                <ma14:wrappingTextBoxFlag xmlns:ma14="http://schemas.microsoft.com/office/mac/drawingml/2011/main" xmlns="" val="1"/>
+                <ma14:wrappingTextBoxFlag xmlns="" xmlns:ma14="http://schemas.microsoft.com/office/mac/drawingml/2011/main" val="1"/>
               </a:ext>
             </a:extLst>
           </p:spPr>
@@ -21091,7 +21091,7 @@
             <a:effectLst/>
             <a:extLst>
               <a:ext uri="{C572A759-6A51-4108-AA02-DFA0A04FC94B}">
-                <ma14:wrappingTextBoxFlag xmlns:ma14="http://schemas.microsoft.com/office/mac/drawingml/2011/main" xmlns="" val="1"/>
+                <ma14:wrappingTextBoxFlag xmlns="" xmlns:ma14="http://schemas.microsoft.com/office/mac/drawingml/2011/main" val="1"/>
               </a:ext>
             </a:extLst>
           </p:spPr>
@@ -21253,7 +21253,7 @@
             <a:effectLst/>
             <a:extLst>
               <a:ext uri="{C572A759-6A51-4108-AA02-DFA0A04FC94B}">
-                <ma14:wrappingTextBoxFlag xmlns:ma14="http://schemas.microsoft.com/office/mac/drawingml/2011/main" xmlns="" val="1"/>
+                <ma14:wrappingTextBoxFlag xmlns="" xmlns:ma14="http://schemas.microsoft.com/office/mac/drawingml/2011/main" val="1"/>
               </a:ext>
             </a:extLst>
           </p:spPr>
@@ -21415,7 +21415,7 @@
             <a:effectLst/>
             <a:extLst>
               <a:ext uri="{C572A759-6A51-4108-AA02-DFA0A04FC94B}">
-                <ma14:wrappingTextBoxFlag xmlns:ma14="http://schemas.microsoft.com/office/mac/drawingml/2011/main" xmlns="" val="1"/>
+                <ma14:wrappingTextBoxFlag xmlns="" xmlns:ma14="http://schemas.microsoft.com/office/mac/drawingml/2011/main" val="1"/>
               </a:ext>
             </a:extLst>
           </p:spPr>
@@ -21577,7 +21577,7 @@
             <a:effectLst/>
             <a:extLst>
               <a:ext uri="{C572A759-6A51-4108-AA02-DFA0A04FC94B}">
-                <ma14:wrappingTextBoxFlag xmlns:ma14="http://schemas.microsoft.com/office/mac/drawingml/2011/main" xmlns="" val="1"/>
+                <ma14:wrappingTextBoxFlag xmlns="" xmlns:ma14="http://schemas.microsoft.com/office/mac/drawingml/2011/main" val="1"/>
               </a:ext>
             </a:extLst>
           </p:spPr>
@@ -21739,7 +21739,7 @@
             <a:effectLst/>
             <a:extLst>
               <a:ext uri="{C572A759-6A51-4108-AA02-DFA0A04FC94B}">
-                <ma14:wrappingTextBoxFlag xmlns:ma14="http://schemas.microsoft.com/office/mac/drawingml/2011/main" xmlns="" val="1"/>
+                <ma14:wrappingTextBoxFlag xmlns="" xmlns:ma14="http://schemas.microsoft.com/office/mac/drawingml/2011/main" val="1"/>
               </a:ext>
             </a:extLst>
           </p:spPr>
@@ -21861,7 +21861,7 @@
           </a:ln>
           <a:extLst>
             <a:ext uri="{C572A759-6A51-4108-AA02-DFA0A04FC94B}">
-              <ma14:wrappingTextBoxFlag xmlns:ma14="http://schemas.microsoft.com/office/mac/drawingml/2011/main" xmlns="" val="1"/>
+              <ma14:wrappingTextBoxFlag xmlns="" xmlns:ma14="http://schemas.microsoft.com/office/mac/drawingml/2011/main" val="1"/>
             </a:ext>
           </a:extLst>
         </p:spPr>
@@ -21909,7 +21909,7 @@
           </a:ln>
           <a:extLst>
             <a:ext uri="{C572A759-6A51-4108-AA02-DFA0A04FC94B}">
-              <ma14:wrappingTextBoxFlag xmlns:ma14="http://schemas.microsoft.com/office/mac/drawingml/2011/main" xmlns="" val="1"/>
+              <ma14:wrappingTextBoxFlag xmlns="" xmlns:ma14="http://schemas.microsoft.com/office/mac/drawingml/2011/main" val="1"/>
             </a:ext>
           </a:extLst>
         </p:spPr>
@@ -22244,7 +22244,7 @@
               <a:effectLst/>
               <a:extLst>
                 <a:ext uri="{C572A759-6A51-4108-AA02-DFA0A04FC94B}">
-                  <ma14:wrappingTextBoxFlag xmlns:ma14="http://schemas.microsoft.com/office/mac/drawingml/2011/main" xmlns="" val="1"/>
+                  <ma14:wrappingTextBoxFlag xmlns="" xmlns:ma14="http://schemas.microsoft.com/office/mac/drawingml/2011/main" val="1"/>
                 </a:ext>
               </a:extLst>
             </p:spPr>

--- a/powerpoint/templates/VirtualPrivateCloudEditablePPT.pptx
+++ b/powerpoint/templates/VirtualPrivateCloudEditablePPT.pptx
@@ -858,7 +858,7 @@
           </a:ln>
           <a:extLst>
             <a:ext uri="{C572A759-6A51-4108-AA02-DFA0A04FC94B}">
-              <ma14:wrappingTextBoxFlag xmlns="" xmlns:ma14="http://schemas.microsoft.com/office/mac/drawingml/2011/main" val="1"/>
+              <ma14:wrappingTextBoxFlag xmlns:ma14="http://schemas.microsoft.com/office/mac/drawingml/2011/main" xmlns="" val="1"/>
             </a:ext>
           </a:extLst>
         </p:spPr>
@@ -911,7 +911,7 @@
           </a:ln>
           <a:extLst>
             <a:ext uri="{C572A759-6A51-4108-AA02-DFA0A04FC94B}">
-              <ma14:wrappingTextBoxFlag xmlns="" xmlns:ma14="http://schemas.microsoft.com/office/mac/drawingml/2011/main" val="1"/>
+              <ma14:wrappingTextBoxFlag xmlns:ma14="http://schemas.microsoft.com/office/mac/drawingml/2011/main" xmlns="" val="1"/>
             </a:ext>
           </a:extLst>
         </p:spPr>
@@ -959,7 +959,7 @@
           </a:ln>
           <a:extLst>
             <a:ext uri="{C572A759-6A51-4108-AA02-DFA0A04FC94B}">
-              <ma14:wrappingTextBoxFlag xmlns="" xmlns:ma14="http://schemas.microsoft.com/office/mac/drawingml/2011/main" val="1"/>
+              <ma14:wrappingTextBoxFlag xmlns:ma14="http://schemas.microsoft.com/office/mac/drawingml/2011/main" xmlns="" val="1"/>
             </a:ext>
           </a:extLst>
         </p:spPr>
@@ -1047,7 +1047,7 @@
           </a:ln>
           <a:extLst>
             <a:ext uri="{C572A759-6A51-4108-AA02-DFA0A04FC94B}">
-              <ma14:wrappingTextBoxFlag xmlns="" xmlns:ma14="http://schemas.microsoft.com/office/mac/drawingml/2011/main" val="1"/>
+              <ma14:wrappingTextBoxFlag xmlns:ma14="http://schemas.microsoft.com/office/mac/drawingml/2011/main" xmlns="" val="1"/>
             </a:ext>
           </a:extLst>
         </p:spPr>
@@ -1100,7 +1100,7 @@
           </a:ln>
           <a:extLst>
             <a:ext uri="{C572A759-6A51-4108-AA02-DFA0A04FC94B}">
-              <ma14:wrappingTextBoxFlag xmlns="" xmlns:ma14="http://schemas.microsoft.com/office/mac/drawingml/2011/main" val="1"/>
+              <ma14:wrappingTextBoxFlag xmlns:ma14="http://schemas.microsoft.com/office/mac/drawingml/2011/main" xmlns="" val="1"/>
             </a:ext>
           </a:extLst>
         </p:spPr>
@@ -1148,7 +1148,7 @@
           </a:ln>
           <a:extLst>
             <a:ext uri="{C572A759-6A51-4108-AA02-DFA0A04FC94B}">
-              <ma14:wrappingTextBoxFlag xmlns="" xmlns:ma14="http://schemas.microsoft.com/office/mac/drawingml/2011/main" val="1"/>
+              <ma14:wrappingTextBoxFlag xmlns:ma14="http://schemas.microsoft.com/office/mac/drawingml/2011/main" xmlns="" val="1"/>
             </a:ext>
           </a:extLst>
         </p:spPr>
@@ -1312,7 +1312,7 @@
           </a:ln>
           <a:extLst>
             <a:ext uri="{C572A759-6A51-4108-AA02-DFA0A04FC94B}">
-              <ma14:wrappingTextBoxFlag xmlns="" xmlns:ma14="http://schemas.microsoft.com/office/mac/drawingml/2011/main" val="1"/>
+              <ma14:wrappingTextBoxFlag xmlns:ma14="http://schemas.microsoft.com/office/mac/drawingml/2011/main" xmlns="" val="1"/>
             </a:ext>
           </a:extLst>
         </p:spPr>
@@ -1365,7 +1365,7 @@
           </a:ln>
           <a:extLst>
             <a:ext uri="{C572A759-6A51-4108-AA02-DFA0A04FC94B}">
-              <ma14:wrappingTextBoxFlag xmlns="" xmlns:ma14="http://schemas.microsoft.com/office/mac/drawingml/2011/main" val="1"/>
+              <ma14:wrappingTextBoxFlag xmlns:ma14="http://schemas.microsoft.com/office/mac/drawingml/2011/main" xmlns="" val="1"/>
             </a:ext>
           </a:extLst>
         </p:spPr>
@@ -1413,7 +1413,7 @@
           </a:ln>
           <a:extLst>
             <a:ext uri="{C572A759-6A51-4108-AA02-DFA0A04FC94B}">
-              <ma14:wrappingTextBoxFlag xmlns="" xmlns:ma14="http://schemas.microsoft.com/office/mac/drawingml/2011/main" val="1"/>
+              <ma14:wrappingTextBoxFlag xmlns:ma14="http://schemas.microsoft.com/office/mac/drawingml/2011/main" xmlns="" val="1"/>
             </a:ext>
           </a:extLst>
         </p:spPr>
@@ -1603,7 +1603,7 @@
           </a:ln>
           <a:extLst>
             <a:ext uri="{C572A759-6A51-4108-AA02-DFA0A04FC94B}">
-              <ma14:wrappingTextBoxFlag xmlns="" xmlns:ma14="http://schemas.microsoft.com/office/mac/drawingml/2011/main" val="1"/>
+              <ma14:wrappingTextBoxFlag xmlns:ma14="http://schemas.microsoft.com/office/mac/drawingml/2011/main" xmlns="" val="1"/>
             </a:ext>
           </a:extLst>
         </p:spPr>
@@ -1741,7 +1741,7 @@
           </a:ln>
           <a:extLst>
             <a:ext uri="{C572A759-6A51-4108-AA02-DFA0A04FC94B}">
-              <ma14:wrappingTextBoxFlag xmlns="" xmlns:ma14="http://schemas.microsoft.com/office/mac/drawingml/2011/main" val="1"/>
+              <ma14:wrappingTextBoxFlag xmlns:ma14="http://schemas.microsoft.com/office/mac/drawingml/2011/main" xmlns="" val="1"/>
             </a:ext>
           </a:extLst>
         </p:spPr>
@@ -1794,7 +1794,7 @@
           </a:ln>
           <a:extLst>
             <a:ext uri="{C572A759-6A51-4108-AA02-DFA0A04FC94B}">
-              <ma14:wrappingTextBoxFlag xmlns="" xmlns:ma14="http://schemas.microsoft.com/office/mac/drawingml/2011/main" val="1"/>
+              <ma14:wrappingTextBoxFlag xmlns:ma14="http://schemas.microsoft.com/office/mac/drawingml/2011/main" xmlns="" val="1"/>
             </a:ext>
           </a:extLst>
         </p:spPr>
@@ -1868,7 +1868,7 @@
           </a:ln>
           <a:extLst>
             <a:ext uri="{C572A759-6A51-4108-AA02-DFA0A04FC94B}">
-              <ma14:wrappingTextBoxFlag xmlns="" xmlns:ma14="http://schemas.microsoft.com/office/mac/drawingml/2011/main" val="1"/>
+              <ma14:wrappingTextBoxFlag xmlns:ma14="http://schemas.microsoft.com/office/mac/drawingml/2011/main" xmlns="" val="1"/>
             </a:ext>
           </a:extLst>
         </p:spPr>
@@ -2837,7 +2837,7 @@
           </a:ln>
           <a:extLst>
             <a:ext uri="{C572A759-6A51-4108-AA02-DFA0A04FC94B}">
-              <ma14:wrappingTextBoxFlag xmlns="" xmlns:ma14="http://schemas.microsoft.com/office/mac/drawingml/2011/main" val="1"/>
+              <ma14:wrappingTextBoxFlag xmlns:ma14="http://schemas.microsoft.com/office/mac/drawingml/2011/main" xmlns="" val="1"/>
             </a:ext>
           </a:extLst>
         </p:spPr>
@@ -2880,7 +2880,7 @@
           </a:ln>
           <a:extLst>
             <a:ext uri="{C572A759-6A51-4108-AA02-DFA0A04FC94B}">
-              <ma14:wrappingTextBoxFlag xmlns="" xmlns:ma14="http://schemas.microsoft.com/office/mac/drawingml/2011/main" val="1"/>
+              <ma14:wrappingTextBoxFlag xmlns:ma14="http://schemas.microsoft.com/office/mac/drawingml/2011/main" xmlns="" val="1"/>
             </a:ext>
           </a:extLst>
         </p:spPr>
@@ -3328,7 +3328,7 @@
           </a:ln>
           <a:extLst>
             <a:ext uri="{C572A759-6A51-4108-AA02-DFA0A04FC94B}">
-              <ma14:wrappingTextBoxFlag xmlns="" xmlns:ma14="http://schemas.microsoft.com/office/mac/drawingml/2011/main" val="1"/>
+              <ma14:wrappingTextBoxFlag xmlns:ma14="http://schemas.microsoft.com/office/mac/drawingml/2011/main" xmlns="" val="1"/>
             </a:ext>
           </a:extLst>
         </p:spPr>
@@ -3377,7 +3377,7 @@
           </a:ln>
           <a:extLst>
             <a:ext uri="{C572A759-6A51-4108-AA02-DFA0A04FC94B}">
-              <ma14:wrappingTextBoxFlag xmlns="" xmlns:ma14="http://schemas.microsoft.com/office/mac/drawingml/2011/main" val="1"/>
+              <ma14:wrappingTextBoxFlag xmlns:ma14="http://schemas.microsoft.com/office/mac/drawingml/2011/main" xmlns="" val="1"/>
             </a:ext>
           </a:extLst>
         </p:spPr>
@@ -7878,7 +7878,7 @@
               </a:ln>
               <a:extLst>
                 <a:ext uri="{C572A759-6A51-4108-AA02-DFA0A04FC94B}">
-                  <ma14:wrappingTextBoxFlag xmlns:ma14="http://schemas.microsoft.com/office/mac/drawingml/2011/main" xmlns="" val="1"/>
+                  <ma14:wrappingTextBoxFlag xmlns="" xmlns:ma14="http://schemas.microsoft.com/office/mac/drawingml/2011/main" val="1"/>
                 </a:ext>
               </a:extLst>
             </p:spPr>
@@ -7948,7 +7948,7 @@
               </a:ln>
               <a:extLst>
                 <a:ext uri="{C572A759-6A51-4108-AA02-DFA0A04FC94B}">
-                  <ma14:wrappingTextBoxFlag xmlns:ma14="http://schemas.microsoft.com/office/mac/drawingml/2011/main" xmlns="" val="1"/>
+                  <ma14:wrappingTextBoxFlag xmlns="" xmlns:ma14="http://schemas.microsoft.com/office/mac/drawingml/2011/main" val="1"/>
                 </a:ext>
               </a:extLst>
             </p:spPr>
@@ -8018,7 +8018,7 @@
               </a:ln>
               <a:extLst>
                 <a:ext uri="{C572A759-6A51-4108-AA02-DFA0A04FC94B}">
-                  <ma14:wrappingTextBoxFlag xmlns:ma14="http://schemas.microsoft.com/office/mac/drawingml/2011/main" xmlns="" val="1"/>
+                  <ma14:wrappingTextBoxFlag xmlns="" xmlns:ma14="http://schemas.microsoft.com/office/mac/drawingml/2011/main" val="1"/>
                 </a:ext>
               </a:extLst>
             </p:spPr>
@@ -8088,7 +8088,7 @@
               </a:ln>
               <a:extLst>
                 <a:ext uri="{C572A759-6A51-4108-AA02-DFA0A04FC94B}">
-                  <ma14:wrappingTextBoxFlag xmlns:ma14="http://schemas.microsoft.com/office/mac/drawingml/2011/main" xmlns="" val="1"/>
+                  <ma14:wrappingTextBoxFlag xmlns="" xmlns:ma14="http://schemas.microsoft.com/office/mac/drawingml/2011/main" val="1"/>
                 </a:ext>
               </a:extLst>
             </p:spPr>
@@ -8158,7 +8158,7 @@
               </a:ln>
               <a:extLst>
                 <a:ext uri="{C572A759-6A51-4108-AA02-DFA0A04FC94B}">
-                  <ma14:wrappingTextBoxFlag xmlns:ma14="http://schemas.microsoft.com/office/mac/drawingml/2011/main" xmlns="" val="1"/>
+                  <ma14:wrappingTextBoxFlag xmlns="" xmlns:ma14="http://schemas.microsoft.com/office/mac/drawingml/2011/main" val="1"/>
                 </a:ext>
               </a:extLst>
             </p:spPr>
@@ -8228,7 +8228,7 @@
               </a:ln>
               <a:extLst>
                 <a:ext uri="{C572A759-6A51-4108-AA02-DFA0A04FC94B}">
-                  <ma14:wrappingTextBoxFlag xmlns:ma14="http://schemas.microsoft.com/office/mac/drawingml/2011/main" xmlns="" val="1"/>
+                  <ma14:wrappingTextBoxFlag xmlns="" xmlns:ma14="http://schemas.microsoft.com/office/mac/drawingml/2011/main" val="1"/>
                 </a:ext>
               </a:extLst>
             </p:spPr>
@@ -8298,7 +8298,7 @@
               </a:ln>
               <a:extLst>
                 <a:ext uri="{C572A759-6A51-4108-AA02-DFA0A04FC94B}">
-                  <ma14:wrappingTextBoxFlag xmlns:ma14="http://schemas.microsoft.com/office/mac/drawingml/2011/main" xmlns="" val="1"/>
+                  <ma14:wrappingTextBoxFlag xmlns="" xmlns:ma14="http://schemas.microsoft.com/office/mac/drawingml/2011/main" val="1"/>
                 </a:ext>
               </a:extLst>
             </p:spPr>
@@ -8368,7 +8368,7 @@
               </a:ln>
               <a:extLst>
                 <a:ext uri="{C572A759-6A51-4108-AA02-DFA0A04FC94B}">
-                  <ma14:wrappingTextBoxFlag xmlns:ma14="http://schemas.microsoft.com/office/mac/drawingml/2011/main" xmlns="" val="1"/>
+                  <ma14:wrappingTextBoxFlag xmlns="" xmlns:ma14="http://schemas.microsoft.com/office/mac/drawingml/2011/main" val="1"/>
                 </a:ext>
               </a:extLst>
             </p:spPr>
@@ -8438,7 +8438,7 @@
               </a:ln>
               <a:extLst>
                 <a:ext uri="{C572A759-6A51-4108-AA02-DFA0A04FC94B}">
-                  <ma14:wrappingTextBoxFlag xmlns:ma14="http://schemas.microsoft.com/office/mac/drawingml/2011/main" xmlns="" val="1"/>
+                  <ma14:wrappingTextBoxFlag xmlns="" xmlns:ma14="http://schemas.microsoft.com/office/mac/drawingml/2011/main" val="1"/>
                 </a:ext>
               </a:extLst>
             </p:spPr>
@@ -8508,7 +8508,7 @@
               </a:ln>
               <a:extLst>
                 <a:ext uri="{C572A759-6A51-4108-AA02-DFA0A04FC94B}">
-                  <ma14:wrappingTextBoxFlag xmlns:ma14="http://schemas.microsoft.com/office/mac/drawingml/2011/main" xmlns="" val="1"/>
+                  <ma14:wrappingTextBoxFlag xmlns="" xmlns:ma14="http://schemas.microsoft.com/office/mac/drawingml/2011/main" val="1"/>
                 </a:ext>
               </a:extLst>
             </p:spPr>
@@ -8578,7 +8578,7 @@
               </a:ln>
               <a:extLst>
                 <a:ext uri="{C572A759-6A51-4108-AA02-DFA0A04FC94B}">
-                  <ma14:wrappingTextBoxFlag xmlns:ma14="http://schemas.microsoft.com/office/mac/drawingml/2011/main" xmlns="" val="1"/>
+                  <ma14:wrappingTextBoxFlag xmlns="" xmlns:ma14="http://schemas.microsoft.com/office/mac/drawingml/2011/main" val="1"/>
                 </a:ext>
               </a:extLst>
             </p:spPr>
@@ -8648,7 +8648,7 @@
               </a:ln>
               <a:extLst>
                 <a:ext uri="{C572A759-6A51-4108-AA02-DFA0A04FC94B}">
-                  <ma14:wrappingTextBoxFlag xmlns:ma14="http://schemas.microsoft.com/office/mac/drawingml/2011/main" xmlns="" val="1"/>
+                  <ma14:wrappingTextBoxFlag xmlns="" xmlns:ma14="http://schemas.microsoft.com/office/mac/drawingml/2011/main" val="1"/>
                 </a:ext>
               </a:extLst>
             </p:spPr>
@@ -8735,7 +8735,7 @@
               </a:ln>
               <a:extLst>
                 <a:ext uri="{C572A759-6A51-4108-AA02-DFA0A04FC94B}">
-                  <ma14:wrappingTextBoxFlag xmlns:ma14="http://schemas.microsoft.com/office/mac/drawingml/2011/main" xmlns="" val="1"/>
+                  <ma14:wrappingTextBoxFlag xmlns="" xmlns:ma14="http://schemas.microsoft.com/office/mac/drawingml/2011/main" val="1"/>
                 </a:ext>
               </a:extLst>
             </p:spPr>
@@ -8805,7 +8805,7 @@
               </a:ln>
               <a:extLst>
                 <a:ext uri="{C572A759-6A51-4108-AA02-DFA0A04FC94B}">
-                  <ma14:wrappingTextBoxFlag xmlns:ma14="http://schemas.microsoft.com/office/mac/drawingml/2011/main" xmlns="" val="1"/>
+                  <ma14:wrappingTextBoxFlag xmlns="" xmlns:ma14="http://schemas.microsoft.com/office/mac/drawingml/2011/main" val="1"/>
                 </a:ext>
               </a:extLst>
             </p:spPr>
@@ -8875,7 +8875,7 @@
               </a:ln>
               <a:extLst>
                 <a:ext uri="{C572A759-6A51-4108-AA02-DFA0A04FC94B}">
-                  <ma14:wrappingTextBoxFlag xmlns:ma14="http://schemas.microsoft.com/office/mac/drawingml/2011/main" xmlns="" val="1"/>
+                  <ma14:wrappingTextBoxFlag xmlns="" xmlns:ma14="http://schemas.microsoft.com/office/mac/drawingml/2011/main" val="1"/>
                 </a:ext>
               </a:extLst>
             </p:spPr>
@@ -8945,7 +8945,7 @@
               </a:ln>
               <a:extLst>
                 <a:ext uri="{C572A759-6A51-4108-AA02-DFA0A04FC94B}">
-                  <ma14:wrappingTextBoxFlag xmlns:ma14="http://schemas.microsoft.com/office/mac/drawingml/2011/main" xmlns="" val="1"/>
+                  <ma14:wrappingTextBoxFlag xmlns="" xmlns:ma14="http://schemas.microsoft.com/office/mac/drawingml/2011/main" val="1"/>
                 </a:ext>
               </a:extLst>
             </p:spPr>
@@ -9015,7 +9015,7 @@
               </a:ln>
               <a:extLst>
                 <a:ext uri="{C572A759-6A51-4108-AA02-DFA0A04FC94B}">
-                  <ma14:wrappingTextBoxFlag xmlns:ma14="http://schemas.microsoft.com/office/mac/drawingml/2011/main" xmlns="" val="1"/>
+                  <ma14:wrappingTextBoxFlag xmlns="" xmlns:ma14="http://schemas.microsoft.com/office/mac/drawingml/2011/main" val="1"/>
                 </a:ext>
               </a:extLst>
             </p:spPr>
@@ -9085,7 +9085,7 @@
               </a:ln>
               <a:extLst>
                 <a:ext uri="{C572A759-6A51-4108-AA02-DFA0A04FC94B}">
-                  <ma14:wrappingTextBoxFlag xmlns:ma14="http://schemas.microsoft.com/office/mac/drawingml/2011/main" xmlns="" val="1"/>
+                  <ma14:wrappingTextBoxFlag xmlns="" xmlns:ma14="http://schemas.microsoft.com/office/mac/drawingml/2011/main" val="1"/>
                 </a:ext>
               </a:extLst>
             </p:spPr>
@@ -9155,7 +9155,7 @@
               </a:ln>
               <a:extLst>
                 <a:ext uri="{C572A759-6A51-4108-AA02-DFA0A04FC94B}">
-                  <ma14:wrappingTextBoxFlag xmlns:ma14="http://schemas.microsoft.com/office/mac/drawingml/2011/main" xmlns="" val="1"/>
+                  <ma14:wrappingTextBoxFlag xmlns="" xmlns:ma14="http://schemas.microsoft.com/office/mac/drawingml/2011/main" val="1"/>
                 </a:ext>
               </a:extLst>
             </p:spPr>
@@ -9225,7 +9225,7 @@
               </a:ln>
               <a:extLst>
                 <a:ext uri="{C572A759-6A51-4108-AA02-DFA0A04FC94B}">
-                  <ma14:wrappingTextBoxFlag xmlns:ma14="http://schemas.microsoft.com/office/mac/drawingml/2011/main" xmlns="" val="1"/>
+                  <ma14:wrappingTextBoxFlag xmlns="" xmlns:ma14="http://schemas.microsoft.com/office/mac/drawingml/2011/main" val="1"/>
                 </a:ext>
               </a:extLst>
             </p:spPr>
@@ -9295,7 +9295,7 @@
               </a:ln>
               <a:extLst>
                 <a:ext uri="{C572A759-6A51-4108-AA02-DFA0A04FC94B}">
-                  <ma14:wrappingTextBoxFlag xmlns:ma14="http://schemas.microsoft.com/office/mac/drawingml/2011/main" xmlns="" val="1"/>
+                  <ma14:wrappingTextBoxFlag xmlns="" xmlns:ma14="http://schemas.microsoft.com/office/mac/drawingml/2011/main" val="1"/>
                 </a:ext>
               </a:extLst>
             </p:spPr>
@@ -9365,7 +9365,7 @@
               </a:ln>
               <a:extLst>
                 <a:ext uri="{C572A759-6A51-4108-AA02-DFA0A04FC94B}">
-                  <ma14:wrappingTextBoxFlag xmlns:ma14="http://schemas.microsoft.com/office/mac/drawingml/2011/main" xmlns="" val="1"/>
+                  <ma14:wrappingTextBoxFlag xmlns="" xmlns:ma14="http://schemas.microsoft.com/office/mac/drawingml/2011/main" val="1"/>
                 </a:ext>
               </a:extLst>
             </p:spPr>
@@ -9435,7 +9435,7 @@
               </a:ln>
               <a:extLst>
                 <a:ext uri="{C572A759-6A51-4108-AA02-DFA0A04FC94B}">
-                  <ma14:wrappingTextBoxFlag xmlns:ma14="http://schemas.microsoft.com/office/mac/drawingml/2011/main" xmlns="" val="1"/>
+                  <ma14:wrappingTextBoxFlag xmlns="" xmlns:ma14="http://schemas.microsoft.com/office/mac/drawingml/2011/main" val="1"/>
                 </a:ext>
               </a:extLst>
             </p:spPr>
@@ -9505,7 +9505,7 @@
               </a:ln>
               <a:extLst>
                 <a:ext uri="{C572A759-6A51-4108-AA02-DFA0A04FC94B}">
-                  <ma14:wrappingTextBoxFlag xmlns:ma14="http://schemas.microsoft.com/office/mac/drawingml/2011/main" xmlns="" val="1"/>
+                  <ma14:wrappingTextBoxFlag xmlns="" xmlns:ma14="http://schemas.microsoft.com/office/mac/drawingml/2011/main" val="1"/>
                 </a:ext>
               </a:extLst>
             </p:spPr>
@@ -9575,7 +9575,7 @@
               </a:ln>
               <a:extLst>
                 <a:ext uri="{C572A759-6A51-4108-AA02-DFA0A04FC94B}">
-                  <ma14:wrappingTextBoxFlag xmlns:ma14="http://schemas.microsoft.com/office/mac/drawingml/2011/main" xmlns="" val="1"/>
+                  <ma14:wrappingTextBoxFlag xmlns="" xmlns:ma14="http://schemas.microsoft.com/office/mac/drawingml/2011/main" val="1"/>
                 </a:ext>
               </a:extLst>
             </p:spPr>
@@ -9645,7 +9645,7 @@
               </a:ln>
               <a:extLst>
                 <a:ext uri="{C572A759-6A51-4108-AA02-DFA0A04FC94B}">
-                  <ma14:wrappingTextBoxFlag xmlns:ma14="http://schemas.microsoft.com/office/mac/drawingml/2011/main" xmlns="" val="1"/>
+                  <ma14:wrappingTextBoxFlag xmlns="" xmlns:ma14="http://schemas.microsoft.com/office/mac/drawingml/2011/main" val="1"/>
                 </a:ext>
               </a:extLst>
             </p:spPr>
@@ -9715,7 +9715,7 @@
               </a:ln>
               <a:extLst>
                 <a:ext uri="{C572A759-6A51-4108-AA02-DFA0A04FC94B}">
-                  <ma14:wrappingTextBoxFlag xmlns:ma14="http://schemas.microsoft.com/office/mac/drawingml/2011/main" xmlns="" val="1"/>
+                  <ma14:wrappingTextBoxFlag xmlns="" xmlns:ma14="http://schemas.microsoft.com/office/mac/drawingml/2011/main" val="1"/>
                 </a:ext>
               </a:extLst>
             </p:spPr>
@@ -9785,7 +9785,7 @@
               </a:ln>
               <a:extLst>
                 <a:ext uri="{C572A759-6A51-4108-AA02-DFA0A04FC94B}">
-                  <ma14:wrappingTextBoxFlag xmlns:ma14="http://schemas.microsoft.com/office/mac/drawingml/2011/main" xmlns="" val="1"/>
+                  <ma14:wrappingTextBoxFlag xmlns="" xmlns:ma14="http://schemas.microsoft.com/office/mac/drawingml/2011/main" val="1"/>
                 </a:ext>
               </a:extLst>
             </p:spPr>
@@ -9855,7 +9855,7 @@
               </a:ln>
               <a:extLst>
                 <a:ext uri="{C572A759-6A51-4108-AA02-DFA0A04FC94B}">
-                  <ma14:wrappingTextBoxFlag xmlns:ma14="http://schemas.microsoft.com/office/mac/drawingml/2011/main" xmlns="" val="1"/>
+                  <ma14:wrappingTextBoxFlag xmlns="" xmlns:ma14="http://schemas.microsoft.com/office/mac/drawingml/2011/main" val="1"/>
                 </a:ext>
               </a:extLst>
             </p:spPr>
@@ -10101,7 +10101,7 @@
             </a:ln>
             <a:extLst>
               <a:ext uri="{C572A759-6A51-4108-AA02-DFA0A04FC94B}">
-                <ma14:wrappingTextBoxFlag xmlns:ma14="http://schemas.microsoft.com/office/mac/drawingml/2011/main" xmlns="" val="1"/>
+                <ma14:wrappingTextBoxFlag xmlns="" xmlns:ma14="http://schemas.microsoft.com/office/mac/drawingml/2011/main" val="1"/>
               </a:ext>
             </a:extLst>
           </p:spPr>
@@ -10204,12 +10204,558 @@
           <a:chExt cx="0" cy="0"/>
         </a:xfrm>
       </p:grpSpPr>
+      <p:sp>
+        <p:nvSpPr>
+          <p:cNvPr id="128" name="Rounded Rectangle 127">
+            <a:extLst>
+              <a:ext uri="{FF2B5EF4-FFF2-40B4-BE49-F238E27FC236}">
+                <a16:creationId xmlns:a16="http://schemas.microsoft.com/office/drawing/2014/main" id="{6B2723B5-A5B7-F84B-87E6-C5689944B8CF}"/>
+              </a:ext>
+            </a:extLst>
+          </p:cNvPr>
+          <p:cNvSpPr/>
+          <p:nvPr/>
+        </p:nvSpPr>
+        <p:spPr>
+          <a:xfrm>
+            <a:off x="1894746" y="1205100"/>
+            <a:ext cx="6284470" cy="5133707"/>
+          </a:xfrm>
+          <a:prstGeom prst="roundRect">
+            <a:avLst>
+              <a:gd name="adj" fmla="val 9818"/>
+            </a:avLst>
+          </a:prstGeom>
+          <a:noFill/>
+          <a:ln w="6350">
+            <a:solidFill>
+              <a:srgbClr val="4378BB"/>
+            </a:solidFill>
+            <a:prstDash val="solid"/>
+          </a:ln>
+          <a:effectLst/>
+        </p:spPr>
+        <p:style>
+          <a:lnRef idx="1">
+            <a:schemeClr val="accent1"/>
+          </a:lnRef>
+          <a:fillRef idx="3">
+            <a:schemeClr val="accent1"/>
+          </a:fillRef>
+          <a:effectRef idx="2">
+            <a:schemeClr val="accent1"/>
+          </a:effectRef>
+          <a:fontRef idx="minor">
+            <a:schemeClr val="lt1"/>
+          </a:fontRef>
+        </p:style>
+        <p:txBody>
+          <a:bodyPr anchor="ctr"/>
+          <a:lstStyle>
+            <a:defPPr>
+              <a:defRPr lang="en-US"/>
+            </a:defPPr>
+            <a:lvl1pPr marL="0" algn="l" defTabSz="457200" rtl="0" eaLnBrk="1" latinLnBrk="0" hangingPunct="1">
+              <a:defRPr sz="1800" kern="1200">
+                <a:solidFill>
+                  <a:schemeClr val="lt1"/>
+                </a:solidFill>
+                <a:latin typeface="+mn-lt"/>
+                <a:ea typeface="+mn-ea"/>
+                <a:cs typeface="+mn-cs"/>
+              </a:defRPr>
+            </a:lvl1pPr>
+            <a:lvl2pPr marL="457200" algn="l" defTabSz="457200" rtl="0" eaLnBrk="1" latinLnBrk="0" hangingPunct="1">
+              <a:defRPr sz="1800" kern="1200">
+                <a:solidFill>
+                  <a:schemeClr val="lt1"/>
+                </a:solidFill>
+                <a:latin typeface="+mn-lt"/>
+                <a:ea typeface="+mn-ea"/>
+                <a:cs typeface="+mn-cs"/>
+              </a:defRPr>
+            </a:lvl2pPr>
+            <a:lvl3pPr marL="914400" algn="l" defTabSz="457200" rtl="0" eaLnBrk="1" latinLnBrk="0" hangingPunct="1">
+              <a:defRPr sz="1800" kern="1200">
+                <a:solidFill>
+                  <a:schemeClr val="lt1"/>
+                </a:solidFill>
+                <a:latin typeface="+mn-lt"/>
+                <a:ea typeface="+mn-ea"/>
+                <a:cs typeface="+mn-cs"/>
+              </a:defRPr>
+            </a:lvl3pPr>
+            <a:lvl4pPr marL="1371600" algn="l" defTabSz="457200" rtl="0" eaLnBrk="1" latinLnBrk="0" hangingPunct="1">
+              <a:defRPr sz="1800" kern="1200">
+                <a:solidFill>
+                  <a:schemeClr val="lt1"/>
+                </a:solidFill>
+                <a:latin typeface="+mn-lt"/>
+                <a:ea typeface="+mn-ea"/>
+                <a:cs typeface="+mn-cs"/>
+              </a:defRPr>
+            </a:lvl4pPr>
+            <a:lvl5pPr marL="1828800" algn="l" defTabSz="457200" rtl="0" eaLnBrk="1" latinLnBrk="0" hangingPunct="1">
+              <a:defRPr sz="1800" kern="1200">
+                <a:solidFill>
+                  <a:schemeClr val="lt1"/>
+                </a:solidFill>
+                <a:latin typeface="+mn-lt"/>
+                <a:ea typeface="+mn-ea"/>
+                <a:cs typeface="+mn-cs"/>
+              </a:defRPr>
+            </a:lvl5pPr>
+            <a:lvl6pPr marL="2286000" algn="l" defTabSz="457200" rtl="0" eaLnBrk="1" latinLnBrk="0" hangingPunct="1">
+              <a:defRPr sz="1800" kern="1200">
+                <a:solidFill>
+                  <a:schemeClr val="lt1"/>
+                </a:solidFill>
+                <a:latin typeface="+mn-lt"/>
+                <a:ea typeface="+mn-ea"/>
+                <a:cs typeface="+mn-cs"/>
+              </a:defRPr>
+            </a:lvl6pPr>
+            <a:lvl7pPr marL="2743200" algn="l" defTabSz="457200" rtl="0" eaLnBrk="1" latinLnBrk="0" hangingPunct="1">
+              <a:defRPr sz="1800" kern="1200">
+                <a:solidFill>
+                  <a:schemeClr val="lt1"/>
+                </a:solidFill>
+                <a:latin typeface="+mn-lt"/>
+                <a:ea typeface="+mn-ea"/>
+                <a:cs typeface="+mn-cs"/>
+              </a:defRPr>
+            </a:lvl7pPr>
+            <a:lvl8pPr marL="3200400" algn="l" defTabSz="457200" rtl="0" eaLnBrk="1" latinLnBrk="0" hangingPunct="1">
+              <a:defRPr sz="1800" kern="1200">
+                <a:solidFill>
+                  <a:schemeClr val="lt1"/>
+                </a:solidFill>
+                <a:latin typeface="+mn-lt"/>
+                <a:ea typeface="+mn-ea"/>
+                <a:cs typeface="+mn-cs"/>
+              </a:defRPr>
+            </a:lvl8pPr>
+            <a:lvl9pPr marL="3657600" algn="l" defTabSz="457200" rtl="0" eaLnBrk="1" latinLnBrk="0" hangingPunct="1">
+              <a:defRPr sz="1800" kern="1200">
+                <a:solidFill>
+                  <a:schemeClr val="lt1"/>
+                </a:solidFill>
+                <a:latin typeface="+mn-lt"/>
+                <a:ea typeface="+mn-ea"/>
+                <a:cs typeface="+mn-cs"/>
+              </a:defRPr>
+            </a:lvl9pPr>
+          </a:lstStyle>
+          <a:p>
+            <a:pPr algn="ctr" fontAlgn="auto">
+              <a:spcBef>
+                <a:spcPts val="0"/>
+              </a:spcBef>
+              <a:spcAft>
+                <a:spcPts val="0"/>
+              </a:spcAft>
+              <a:defRPr/>
+            </a:pPr>
+            <a:endParaRPr lang="en-US" dirty="0">
+              <a:solidFill>
+                <a:schemeClr val="tx1"/>
+              </a:solidFill>
+              <a:latin typeface="Arial"/>
+              <a:cs typeface="Arial"/>
+            </a:endParaRPr>
+          </a:p>
+        </p:txBody>
+      </p:sp>
+      <p:pic>
+        <p:nvPicPr>
+          <p:cNvPr id="129" name="Picture 128">
+            <a:extLst>
+              <a:ext uri="{FF2B5EF4-FFF2-40B4-BE49-F238E27FC236}">
+                <a16:creationId xmlns:a16="http://schemas.microsoft.com/office/drawing/2014/main" id="{38E66740-4CCE-1D49-BA61-37B786376D28}"/>
+              </a:ext>
+            </a:extLst>
+          </p:cNvPr>
+          <p:cNvPicPr>
+            <a:picLocks noChangeAspect="1"/>
+          </p:cNvPicPr>
+          <p:nvPr/>
+        </p:nvPicPr>
+        <p:blipFill>
+          <a:blip r:embed="rId3"/>
+          <a:stretch>
+            <a:fillRect/>
+          </a:stretch>
+        </p:blipFill>
+        <p:spPr>
+          <a:xfrm>
+            <a:off x="2113493" y="1058315"/>
+            <a:ext cx="456975" cy="342900"/>
+          </a:xfrm>
+          <a:prstGeom prst="rect">
+            <a:avLst/>
+          </a:prstGeom>
+        </p:spPr>
+      </p:pic>
+      <p:sp>
+        <p:nvSpPr>
+          <p:cNvPr id="135" name="Rounded Rectangle 134">
+            <a:extLst>
+              <a:ext uri="{FF2B5EF4-FFF2-40B4-BE49-F238E27FC236}">
+                <a16:creationId xmlns:a16="http://schemas.microsoft.com/office/drawing/2014/main" id="{E22D0D43-0573-9842-BF9F-0194035EC349}"/>
+              </a:ext>
+            </a:extLst>
+          </p:cNvPr>
+          <p:cNvSpPr/>
+          <p:nvPr/>
+        </p:nvSpPr>
+        <p:spPr>
+          <a:xfrm>
+            <a:off x="2463885" y="1661993"/>
+            <a:ext cx="5186484" cy="3243369"/>
+          </a:xfrm>
+          <a:prstGeom prst="roundRect">
+            <a:avLst>
+              <a:gd name="adj" fmla="val 9818"/>
+            </a:avLst>
+          </a:prstGeom>
+          <a:noFill/>
+          <a:ln w="12700">
+            <a:solidFill>
+              <a:srgbClr val="4378BB"/>
+            </a:solidFill>
+            <a:prstDash val="solid"/>
+          </a:ln>
+          <a:effectLst/>
+        </p:spPr>
+        <p:style>
+          <a:lnRef idx="1">
+            <a:schemeClr val="accent1"/>
+          </a:lnRef>
+          <a:fillRef idx="3">
+            <a:schemeClr val="accent1"/>
+          </a:fillRef>
+          <a:effectRef idx="2">
+            <a:schemeClr val="accent1"/>
+          </a:effectRef>
+          <a:fontRef idx="minor">
+            <a:schemeClr val="lt1"/>
+          </a:fontRef>
+        </p:style>
+        <p:txBody>
+          <a:bodyPr anchor="ctr"/>
+          <a:lstStyle>
+            <a:defPPr>
+              <a:defRPr lang="en-US"/>
+            </a:defPPr>
+            <a:lvl1pPr marL="0" algn="l" defTabSz="457200" rtl="0" eaLnBrk="1" latinLnBrk="0" hangingPunct="1">
+              <a:defRPr sz="1800" kern="1200">
+                <a:solidFill>
+                  <a:schemeClr val="lt1"/>
+                </a:solidFill>
+                <a:latin typeface="+mn-lt"/>
+                <a:ea typeface="+mn-ea"/>
+                <a:cs typeface="+mn-cs"/>
+              </a:defRPr>
+            </a:lvl1pPr>
+            <a:lvl2pPr marL="457200" algn="l" defTabSz="457200" rtl="0" eaLnBrk="1" latinLnBrk="0" hangingPunct="1">
+              <a:defRPr sz="1800" kern="1200">
+                <a:solidFill>
+                  <a:schemeClr val="lt1"/>
+                </a:solidFill>
+                <a:latin typeface="+mn-lt"/>
+                <a:ea typeface="+mn-ea"/>
+                <a:cs typeface="+mn-cs"/>
+              </a:defRPr>
+            </a:lvl2pPr>
+            <a:lvl3pPr marL="914400" algn="l" defTabSz="457200" rtl="0" eaLnBrk="1" latinLnBrk="0" hangingPunct="1">
+              <a:defRPr sz="1800" kern="1200">
+                <a:solidFill>
+                  <a:schemeClr val="lt1"/>
+                </a:solidFill>
+                <a:latin typeface="+mn-lt"/>
+                <a:ea typeface="+mn-ea"/>
+                <a:cs typeface="+mn-cs"/>
+              </a:defRPr>
+            </a:lvl3pPr>
+            <a:lvl4pPr marL="1371600" algn="l" defTabSz="457200" rtl="0" eaLnBrk="1" latinLnBrk="0" hangingPunct="1">
+              <a:defRPr sz="1800" kern="1200">
+                <a:solidFill>
+                  <a:schemeClr val="lt1"/>
+                </a:solidFill>
+                <a:latin typeface="+mn-lt"/>
+                <a:ea typeface="+mn-ea"/>
+                <a:cs typeface="+mn-cs"/>
+              </a:defRPr>
+            </a:lvl4pPr>
+            <a:lvl5pPr marL="1828800" algn="l" defTabSz="457200" rtl="0" eaLnBrk="1" latinLnBrk="0" hangingPunct="1">
+              <a:defRPr sz="1800" kern="1200">
+                <a:solidFill>
+                  <a:schemeClr val="lt1"/>
+                </a:solidFill>
+                <a:latin typeface="+mn-lt"/>
+                <a:ea typeface="+mn-ea"/>
+                <a:cs typeface="+mn-cs"/>
+              </a:defRPr>
+            </a:lvl5pPr>
+            <a:lvl6pPr marL="2286000" algn="l" defTabSz="457200" rtl="0" eaLnBrk="1" latinLnBrk="0" hangingPunct="1">
+              <a:defRPr sz="1800" kern="1200">
+                <a:solidFill>
+                  <a:schemeClr val="lt1"/>
+                </a:solidFill>
+                <a:latin typeface="+mn-lt"/>
+                <a:ea typeface="+mn-ea"/>
+                <a:cs typeface="+mn-cs"/>
+              </a:defRPr>
+            </a:lvl6pPr>
+            <a:lvl7pPr marL="2743200" algn="l" defTabSz="457200" rtl="0" eaLnBrk="1" latinLnBrk="0" hangingPunct="1">
+              <a:defRPr sz="1800" kern="1200">
+                <a:solidFill>
+                  <a:schemeClr val="lt1"/>
+                </a:solidFill>
+                <a:latin typeface="+mn-lt"/>
+                <a:ea typeface="+mn-ea"/>
+                <a:cs typeface="+mn-cs"/>
+              </a:defRPr>
+            </a:lvl7pPr>
+            <a:lvl8pPr marL="3200400" algn="l" defTabSz="457200" rtl="0" eaLnBrk="1" latinLnBrk="0" hangingPunct="1">
+              <a:defRPr sz="1800" kern="1200">
+                <a:solidFill>
+                  <a:schemeClr val="lt1"/>
+                </a:solidFill>
+                <a:latin typeface="+mn-lt"/>
+                <a:ea typeface="+mn-ea"/>
+                <a:cs typeface="+mn-cs"/>
+              </a:defRPr>
+            </a:lvl8pPr>
+            <a:lvl9pPr marL="3657600" algn="l" defTabSz="457200" rtl="0" eaLnBrk="1" latinLnBrk="0" hangingPunct="1">
+              <a:defRPr sz="1800" kern="1200">
+                <a:solidFill>
+                  <a:schemeClr val="lt1"/>
+                </a:solidFill>
+                <a:latin typeface="+mn-lt"/>
+                <a:ea typeface="+mn-ea"/>
+                <a:cs typeface="+mn-cs"/>
+              </a:defRPr>
+            </a:lvl9pPr>
+          </a:lstStyle>
+          <a:p>
+            <a:pPr algn="ctr" fontAlgn="auto">
+              <a:spcBef>
+                <a:spcPts val="0"/>
+              </a:spcBef>
+              <a:spcAft>
+                <a:spcPts val="0"/>
+              </a:spcAft>
+              <a:defRPr/>
+            </a:pPr>
+            <a:endParaRPr lang="en-US" dirty="0">
+              <a:solidFill>
+                <a:schemeClr val="tx1"/>
+              </a:solidFill>
+              <a:latin typeface="Arial"/>
+              <a:cs typeface="Arial"/>
+            </a:endParaRPr>
+          </a:p>
+        </p:txBody>
+      </p:sp>
+      <p:pic>
+        <p:nvPicPr>
+          <p:cNvPr id="137" name="Picture 136">
+            <a:extLst>
+              <a:ext uri="{FF2B5EF4-FFF2-40B4-BE49-F238E27FC236}">
+                <a16:creationId xmlns:a16="http://schemas.microsoft.com/office/drawing/2014/main" id="{D4BEEFB6-8D97-F849-9706-4B29A87CC1FA}"/>
+              </a:ext>
+            </a:extLst>
+          </p:cNvPr>
+          <p:cNvPicPr>
+            <a:picLocks noChangeAspect="1"/>
+          </p:cNvPicPr>
+          <p:nvPr/>
+        </p:nvPicPr>
+        <p:blipFill>
+          <a:blip r:embed="rId4"/>
+          <a:stretch>
+            <a:fillRect/>
+          </a:stretch>
+        </p:blipFill>
+        <p:spPr>
+          <a:xfrm>
+            <a:off x="2610752" y="1500587"/>
+            <a:ext cx="444281" cy="330200"/>
+          </a:xfrm>
+          <a:prstGeom prst="rect">
+            <a:avLst/>
+          </a:prstGeom>
+        </p:spPr>
+      </p:pic>
+      <p:sp>
+        <p:nvSpPr>
+          <p:cNvPr id="145" name="Rounded Rectangle 144">
+            <a:extLst>
+              <a:ext uri="{FF2B5EF4-FFF2-40B4-BE49-F238E27FC236}">
+                <a16:creationId xmlns:a16="http://schemas.microsoft.com/office/drawing/2014/main" id="{7D33CB6A-E91B-DF41-9CDC-F2F1F5A200C2}"/>
+              </a:ext>
+            </a:extLst>
+          </p:cNvPr>
+          <p:cNvSpPr/>
+          <p:nvPr/>
+        </p:nvSpPr>
+        <p:spPr>
+          <a:xfrm>
+            <a:off x="2493820" y="5132942"/>
+            <a:ext cx="5172041" cy="937524"/>
+          </a:xfrm>
+          <a:prstGeom prst="roundRect">
+            <a:avLst>
+              <a:gd name="adj" fmla="val 9818"/>
+            </a:avLst>
+          </a:prstGeom>
+          <a:noFill/>
+          <a:ln w="12700">
+            <a:solidFill>
+              <a:srgbClr val="4378BB"/>
+            </a:solidFill>
+            <a:prstDash val="solid"/>
+          </a:ln>
+          <a:effectLst/>
+        </p:spPr>
+        <p:style>
+          <a:lnRef idx="1">
+            <a:schemeClr val="accent1"/>
+          </a:lnRef>
+          <a:fillRef idx="3">
+            <a:schemeClr val="accent1"/>
+          </a:fillRef>
+          <a:effectRef idx="2">
+            <a:schemeClr val="accent1"/>
+          </a:effectRef>
+          <a:fontRef idx="minor">
+            <a:schemeClr val="lt1"/>
+          </a:fontRef>
+        </p:style>
+        <p:txBody>
+          <a:bodyPr anchor="ctr"/>
+          <a:lstStyle>
+            <a:defPPr>
+              <a:defRPr lang="en-US"/>
+            </a:defPPr>
+            <a:lvl1pPr marL="0" algn="l" defTabSz="457200" rtl="0" eaLnBrk="1" latinLnBrk="0" hangingPunct="1">
+              <a:defRPr sz="1800" kern="1200">
+                <a:solidFill>
+                  <a:schemeClr val="lt1"/>
+                </a:solidFill>
+                <a:latin typeface="+mn-lt"/>
+                <a:ea typeface="+mn-ea"/>
+                <a:cs typeface="+mn-cs"/>
+              </a:defRPr>
+            </a:lvl1pPr>
+            <a:lvl2pPr marL="457200" algn="l" defTabSz="457200" rtl="0" eaLnBrk="1" latinLnBrk="0" hangingPunct="1">
+              <a:defRPr sz="1800" kern="1200">
+                <a:solidFill>
+                  <a:schemeClr val="lt1"/>
+                </a:solidFill>
+                <a:latin typeface="+mn-lt"/>
+                <a:ea typeface="+mn-ea"/>
+                <a:cs typeface="+mn-cs"/>
+              </a:defRPr>
+            </a:lvl2pPr>
+            <a:lvl3pPr marL="914400" algn="l" defTabSz="457200" rtl="0" eaLnBrk="1" latinLnBrk="0" hangingPunct="1">
+              <a:defRPr sz="1800" kern="1200">
+                <a:solidFill>
+                  <a:schemeClr val="lt1"/>
+                </a:solidFill>
+                <a:latin typeface="+mn-lt"/>
+                <a:ea typeface="+mn-ea"/>
+                <a:cs typeface="+mn-cs"/>
+              </a:defRPr>
+            </a:lvl3pPr>
+            <a:lvl4pPr marL="1371600" algn="l" defTabSz="457200" rtl="0" eaLnBrk="1" latinLnBrk="0" hangingPunct="1">
+              <a:defRPr sz="1800" kern="1200">
+                <a:solidFill>
+                  <a:schemeClr val="lt1"/>
+                </a:solidFill>
+                <a:latin typeface="+mn-lt"/>
+                <a:ea typeface="+mn-ea"/>
+                <a:cs typeface="+mn-cs"/>
+              </a:defRPr>
+            </a:lvl4pPr>
+            <a:lvl5pPr marL="1828800" algn="l" defTabSz="457200" rtl="0" eaLnBrk="1" latinLnBrk="0" hangingPunct="1">
+              <a:defRPr sz="1800" kern="1200">
+                <a:solidFill>
+                  <a:schemeClr val="lt1"/>
+                </a:solidFill>
+                <a:latin typeface="+mn-lt"/>
+                <a:ea typeface="+mn-ea"/>
+                <a:cs typeface="+mn-cs"/>
+              </a:defRPr>
+            </a:lvl5pPr>
+            <a:lvl6pPr marL="2286000" algn="l" defTabSz="457200" rtl="0" eaLnBrk="1" latinLnBrk="0" hangingPunct="1">
+              <a:defRPr sz="1800" kern="1200">
+                <a:solidFill>
+                  <a:schemeClr val="lt1"/>
+                </a:solidFill>
+                <a:latin typeface="+mn-lt"/>
+                <a:ea typeface="+mn-ea"/>
+                <a:cs typeface="+mn-cs"/>
+              </a:defRPr>
+            </a:lvl6pPr>
+            <a:lvl7pPr marL="2743200" algn="l" defTabSz="457200" rtl="0" eaLnBrk="1" latinLnBrk="0" hangingPunct="1">
+              <a:defRPr sz="1800" kern="1200">
+                <a:solidFill>
+                  <a:schemeClr val="lt1"/>
+                </a:solidFill>
+                <a:latin typeface="+mn-lt"/>
+                <a:ea typeface="+mn-ea"/>
+                <a:cs typeface="+mn-cs"/>
+              </a:defRPr>
+            </a:lvl7pPr>
+            <a:lvl8pPr marL="3200400" algn="l" defTabSz="457200" rtl="0" eaLnBrk="1" latinLnBrk="0" hangingPunct="1">
+              <a:defRPr sz="1800" kern="1200">
+                <a:solidFill>
+                  <a:schemeClr val="lt1"/>
+                </a:solidFill>
+                <a:latin typeface="+mn-lt"/>
+                <a:ea typeface="+mn-ea"/>
+                <a:cs typeface="+mn-cs"/>
+              </a:defRPr>
+            </a:lvl8pPr>
+            <a:lvl9pPr marL="3657600" algn="l" defTabSz="457200" rtl="0" eaLnBrk="1" latinLnBrk="0" hangingPunct="1">
+              <a:defRPr sz="1800" kern="1200">
+                <a:solidFill>
+                  <a:schemeClr val="lt1"/>
+                </a:solidFill>
+                <a:latin typeface="+mn-lt"/>
+                <a:ea typeface="+mn-ea"/>
+                <a:cs typeface="+mn-cs"/>
+              </a:defRPr>
+            </a:lvl9pPr>
+          </a:lstStyle>
+          <a:p>
+            <a:pPr algn="ctr" fontAlgn="auto">
+              <a:spcBef>
+                <a:spcPts val="0"/>
+              </a:spcBef>
+              <a:spcAft>
+                <a:spcPts val="0"/>
+              </a:spcAft>
+              <a:defRPr/>
+            </a:pPr>
+            <a:endParaRPr lang="en-US" dirty="0">
+              <a:solidFill>
+                <a:schemeClr val="tx1"/>
+              </a:solidFill>
+              <a:latin typeface="Arial"/>
+              <a:cs typeface="Arial"/>
+            </a:endParaRPr>
+          </a:p>
+        </p:txBody>
+      </p:sp>
       <p:grpSp>
         <p:nvGrpSpPr>
-          <p:cNvPr id="2" name="Group 1">
+          <p:cNvPr id="149" name="Group 148">
             <a:extLst>
               <a:ext uri="{FF2B5EF4-FFF2-40B4-BE49-F238E27FC236}">
-                <a16:creationId xmlns:a16="http://schemas.microsoft.com/office/drawing/2014/main" id="{FFF0767F-B171-7B4C-A8C2-03D88F8AA695}"/>
+                <a16:creationId xmlns:a16="http://schemas.microsoft.com/office/drawing/2014/main" id="{61E27ED9-0FF2-644A-946C-D4E40F013E3A}"/>
               </a:ext>
             </a:extLst>
           </p:cNvPr>
@@ -10218,18 +10764,18 @@
         </p:nvGrpSpPr>
         <p:grpSpPr>
           <a:xfrm>
-            <a:off x="123407" y="774915"/>
-            <a:ext cx="9795509" cy="5796366"/>
-            <a:chOff x="138905" y="1642820"/>
-            <a:chExt cx="9795509" cy="5796366"/>
+            <a:off x="2727491" y="2027220"/>
+            <a:ext cx="4725186" cy="2703552"/>
+            <a:chOff x="273286" y="1960760"/>
+            <a:chExt cx="6158512" cy="3215674"/>
           </a:xfrm>
         </p:grpSpPr>
         <p:sp>
           <p:nvSpPr>
-            <p:cNvPr id="120" name="Rounded Rectangle 119">
+            <p:cNvPr id="209" name="Rounded Rectangle 208">
               <a:extLst>
                 <a:ext uri="{FF2B5EF4-FFF2-40B4-BE49-F238E27FC236}">
-                  <a16:creationId xmlns:a16="http://schemas.microsoft.com/office/drawing/2014/main" id="{030FE9E6-5EDE-D840-BAB3-C74E6E44A0B6}"/>
+                  <a16:creationId xmlns:a16="http://schemas.microsoft.com/office/drawing/2014/main" id="{BDDF8872-E2D1-F942-8CB9-12039FCD09CA}"/>
                 </a:ext>
               </a:extLst>
             </p:cNvPr>
@@ -10238,8 +10784,8 @@
           </p:nvSpPr>
           <p:spPr>
             <a:xfrm>
-              <a:off x="138905" y="1642820"/>
-              <a:ext cx="9795509" cy="5796366"/>
+              <a:off x="273286" y="1960760"/>
+              <a:ext cx="6158512" cy="3215674"/>
             </a:xfrm>
             <a:prstGeom prst="roundRect">
               <a:avLst>
@@ -10247,11 +10793,11 @@
               </a:avLst>
             </a:prstGeom>
             <a:noFill/>
-            <a:ln w="6350">
+            <a:ln w="12700">
               <a:solidFill>
                 <a:srgbClr val="4378BB"/>
               </a:solidFill>
-              <a:prstDash val="solid"/>
+              <a:prstDash val="sysDot"/>
             </a:ln>
             <a:effectLst/>
           </p:spPr>
@@ -10380,18 +10926,18 @@
                 <a:solidFill>
                   <a:schemeClr val="tx1"/>
                 </a:solidFill>
-                <a:latin typeface="Arial"/>
-                <a:cs typeface="Arial"/>
+                <a:latin typeface="Helvetica Neue"/>
+                <a:cs typeface="Helvetica Neue"/>
               </a:endParaRPr>
             </a:p>
           </p:txBody>
         </p:sp>
         <p:sp>
           <p:nvSpPr>
-            <p:cNvPr id="122" name="Rounded Rectangle 121">
+            <p:cNvPr id="207" name="Rounded Rectangle 206">
               <a:extLst>
                 <a:ext uri="{FF2B5EF4-FFF2-40B4-BE49-F238E27FC236}">
-                  <a16:creationId xmlns:a16="http://schemas.microsoft.com/office/drawing/2014/main" id="{2F23B1F5-B94B-3B4A-A2D7-0F45ABE50D13}"/>
+                  <a16:creationId xmlns:a16="http://schemas.microsoft.com/office/drawing/2014/main" id="{F35B814E-EF10-0E4D-8226-5EA82902A950}"/>
                 </a:ext>
               </a:extLst>
             </p:cNvPr>
@@ -10400,8 +10946,8 @@
           </p:nvSpPr>
           <p:spPr>
             <a:xfrm>
-              <a:off x="415925" y="2073005"/>
-              <a:ext cx="1319397" cy="5022551"/>
+              <a:off x="614279" y="2408259"/>
+              <a:ext cx="2282620" cy="2478932"/>
             </a:xfrm>
             <a:prstGeom prst="roundRect">
               <a:avLst>
@@ -10409,11 +10955,11 @@
               </a:avLst>
             </a:prstGeom>
             <a:noFill/>
-            <a:ln w="6350">
+            <a:ln w="12700">
               <a:solidFill>
                 <a:srgbClr val="4378BB"/>
               </a:solidFill>
-              <a:prstDash val="solid"/>
+              <a:prstDash val="lgDash"/>
             </a:ln>
             <a:effectLst/>
           </p:spPr>
@@ -10542,18 +11088,18 @@
                 <a:solidFill>
                   <a:schemeClr val="tx1"/>
                 </a:solidFill>
-                <a:latin typeface="Arial"/>
-                <a:cs typeface="Arial"/>
+                <a:latin typeface="Helvetica Neue"/>
+                <a:cs typeface="Helvetica Neue"/>
               </a:endParaRPr>
             </a:p>
           </p:txBody>
         </p:sp>
         <p:sp>
           <p:nvSpPr>
-            <p:cNvPr id="124" name="Rounded Rectangle 123">
+            <p:cNvPr id="155" name="Rounded Rectangle 154">
               <a:extLst>
                 <a:ext uri="{FF2B5EF4-FFF2-40B4-BE49-F238E27FC236}">
-                  <a16:creationId xmlns:a16="http://schemas.microsoft.com/office/drawing/2014/main" id="{E574305C-AB5E-0B4C-96E2-C418C05B1BFA}"/>
+                  <a16:creationId xmlns:a16="http://schemas.microsoft.com/office/drawing/2014/main" id="{E7B100BC-268C-7846-BAF2-E6B5EF5EAFAD}"/>
                 </a:ext>
               </a:extLst>
             </p:cNvPr>
@@ -10562,8 +11108,8 @@
           </p:nvSpPr>
           <p:spPr>
             <a:xfrm>
-              <a:off x="8420019" y="2092896"/>
-              <a:ext cx="1296318" cy="5043110"/>
+              <a:off x="878818" y="2891753"/>
+              <a:ext cx="1742998" cy="1718976"/>
             </a:xfrm>
             <a:prstGeom prst="roundRect">
               <a:avLst>
@@ -10573,169 +11119,7 @@
             <a:noFill/>
             <a:ln w="6350">
               <a:solidFill>
-                <a:srgbClr val="4378BB"/>
-              </a:solidFill>
-              <a:prstDash val="solid"/>
-            </a:ln>
-            <a:effectLst/>
-          </p:spPr>
-          <p:style>
-            <a:lnRef idx="1">
-              <a:schemeClr val="accent1"/>
-            </a:lnRef>
-            <a:fillRef idx="3">
-              <a:schemeClr val="accent1"/>
-            </a:fillRef>
-            <a:effectRef idx="2">
-              <a:schemeClr val="accent1"/>
-            </a:effectRef>
-            <a:fontRef idx="minor">
-              <a:schemeClr val="lt1"/>
-            </a:fontRef>
-          </p:style>
-          <p:txBody>
-            <a:bodyPr anchor="ctr"/>
-            <a:lstStyle>
-              <a:defPPr>
-                <a:defRPr lang="en-US"/>
-              </a:defPPr>
-              <a:lvl1pPr marL="0" algn="l" defTabSz="457200" rtl="0" eaLnBrk="1" latinLnBrk="0" hangingPunct="1">
-                <a:defRPr sz="1800" kern="1200">
-                  <a:solidFill>
-                    <a:schemeClr val="lt1"/>
-                  </a:solidFill>
-                  <a:latin typeface="+mn-lt"/>
-                  <a:ea typeface="+mn-ea"/>
-                  <a:cs typeface="+mn-cs"/>
-                </a:defRPr>
-              </a:lvl1pPr>
-              <a:lvl2pPr marL="457200" algn="l" defTabSz="457200" rtl="0" eaLnBrk="1" latinLnBrk="0" hangingPunct="1">
-                <a:defRPr sz="1800" kern="1200">
-                  <a:solidFill>
-                    <a:schemeClr val="lt1"/>
-                  </a:solidFill>
-                  <a:latin typeface="+mn-lt"/>
-                  <a:ea typeface="+mn-ea"/>
-                  <a:cs typeface="+mn-cs"/>
-                </a:defRPr>
-              </a:lvl2pPr>
-              <a:lvl3pPr marL="914400" algn="l" defTabSz="457200" rtl="0" eaLnBrk="1" latinLnBrk="0" hangingPunct="1">
-                <a:defRPr sz="1800" kern="1200">
-                  <a:solidFill>
-                    <a:schemeClr val="lt1"/>
-                  </a:solidFill>
-                  <a:latin typeface="+mn-lt"/>
-                  <a:ea typeface="+mn-ea"/>
-                  <a:cs typeface="+mn-cs"/>
-                </a:defRPr>
-              </a:lvl3pPr>
-              <a:lvl4pPr marL="1371600" algn="l" defTabSz="457200" rtl="0" eaLnBrk="1" latinLnBrk="0" hangingPunct="1">
-                <a:defRPr sz="1800" kern="1200">
-                  <a:solidFill>
-                    <a:schemeClr val="lt1"/>
-                  </a:solidFill>
-                  <a:latin typeface="+mn-lt"/>
-                  <a:ea typeface="+mn-ea"/>
-                  <a:cs typeface="+mn-cs"/>
-                </a:defRPr>
-              </a:lvl4pPr>
-              <a:lvl5pPr marL="1828800" algn="l" defTabSz="457200" rtl="0" eaLnBrk="1" latinLnBrk="0" hangingPunct="1">
-                <a:defRPr sz="1800" kern="1200">
-                  <a:solidFill>
-                    <a:schemeClr val="lt1"/>
-                  </a:solidFill>
-                  <a:latin typeface="+mn-lt"/>
-                  <a:ea typeface="+mn-ea"/>
-                  <a:cs typeface="+mn-cs"/>
-                </a:defRPr>
-              </a:lvl5pPr>
-              <a:lvl6pPr marL="2286000" algn="l" defTabSz="457200" rtl="0" eaLnBrk="1" latinLnBrk="0" hangingPunct="1">
-                <a:defRPr sz="1800" kern="1200">
-                  <a:solidFill>
-                    <a:schemeClr val="lt1"/>
-                  </a:solidFill>
-                  <a:latin typeface="+mn-lt"/>
-                  <a:ea typeface="+mn-ea"/>
-                  <a:cs typeface="+mn-cs"/>
-                </a:defRPr>
-              </a:lvl6pPr>
-              <a:lvl7pPr marL="2743200" algn="l" defTabSz="457200" rtl="0" eaLnBrk="1" latinLnBrk="0" hangingPunct="1">
-                <a:defRPr sz="1800" kern="1200">
-                  <a:solidFill>
-                    <a:schemeClr val="lt1"/>
-                  </a:solidFill>
-                  <a:latin typeface="+mn-lt"/>
-                  <a:ea typeface="+mn-ea"/>
-                  <a:cs typeface="+mn-cs"/>
-                </a:defRPr>
-              </a:lvl7pPr>
-              <a:lvl8pPr marL="3200400" algn="l" defTabSz="457200" rtl="0" eaLnBrk="1" latinLnBrk="0" hangingPunct="1">
-                <a:defRPr sz="1800" kern="1200">
-                  <a:solidFill>
-                    <a:schemeClr val="lt1"/>
-                  </a:solidFill>
-                  <a:latin typeface="+mn-lt"/>
-                  <a:ea typeface="+mn-ea"/>
-                  <a:cs typeface="+mn-cs"/>
-                </a:defRPr>
-              </a:lvl8pPr>
-              <a:lvl9pPr marL="3657600" algn="l" defTabSz="457200" rtl="0" eaLnBrk="1" latinLnBrk="0" hangingPunct="1">
-                <a:defRPr sz="1800" kern="1200">
-                  <a:solidFill>
-                    <a:schemeClr val="lt1"/>
-                  </a:solidFill>
-                  <a:latin typeface="+mn-lt"/>
-                  <a:ea typeface="+mn-ea"/>
-                  <a:cs typeface="+mn-cs"/>
-                </a:defRPr>
-              </a:lvl9pPr>
-            </a:lstStyle>
-            <a:p>
-              <a:pPr algn="ctr" fontAlgn="auto">
-                <a:spcBef>
-                  <a:spcPts val="0"/>
-                </a:spcBef>
-                <a:spcAft>
-                  <a:spcPts val="0"/>
-                </a:spcAft>
-                <a:defRPr/>
-              </a:pPr>
-              <a:endParaRPr lang="en-US" dirty="0">
-                <a:solidFill>
-                  <a:schemeClr val="tx1"/>
-                </a:solidFill>
-                <a:latin typeface="Arial"/>
-                <a:cs typeface="Arial"/>
-              </a:endParaRPr>
-            </a:p>
-          </p:txBody>
-        </p:sp>
-        <p:sp>
-          <p:nvSpPr>
-            <p:cNvPr id="128" name="Rounded Rectangle 127">
-              <a:extLst>
-                <a:ext uri="{FF2B5EF4-FFF2-40B4-BE49-F238E27FC236}">
-                  <a16:creationId xmlns:a16="http://schemas.microsoft.com/office/drawing/2014/main" id="{6B2723B5-A5B7-F84B-87E6-C5689944B8CF}"/>
-                </a:ext>
-              </a:extLst>
-            </p:cNvPr>
-            <p:cNvSpPr/>
-            <p:nvPr/>
-          </p:nvSpPr>
-          <p:spPr>
-            <a:xfrm>
-              <a:off x="1910244" y="2073005"/>
-              <a:ext cx="6284470" cy="5133707"/>
-            </a:xfrm>
-            <a:prstGeom prst="roundRect">
-              <a:avLst>
-                <a:gd name="adj" fmla="val 9818"/>
-              </a:avLst>
-            </a:prstGeom>
-            <a:noFill/>
-            <a:ln w="6350">
-              <a:solidFill>
-                <a:srgbClr val="4378BB"/>
+                <a:srgbClr val="FF0000"/>
               </a:solidFill>
               <a:prstDash val="solid"/>
             </a:ln>
@@ -10874,10 +11258,10 @@
         </p:sp>
         <p:pic>
           <p:nvPicPr>
-            <p:cNvPr id="129" name="Picture 128">
+            <p:cNvPr id="158" name="Picture 157">
               <a:extLst>
                 <a:ext uri="{FF2B5EF4-FFF2-40B4-BE49-F238E27FC236}">
-                  <a16:creationId xmlns:a16="http://schemas.microsoft.com/office/drawing/2014/main" id="{38E66740-4CCE-1D49-BA61-37B786376D28}"/>
+                  <a16:creationId xmlns:a16="http://schemas.microsoft.com/office/drawing/2014/main" id="{113E07DB-F658-704E-A4AD-1B0288799BE8}"/>
                 </a:ext>
               </a:extLst>
             </p:cNvPr>
@@ -10887,15 +11271,15 @@
             <p:nvPr/>
           </p:nvPicPr>
           <p:blipFill>
-            <a:blip r:embed="rId3"/>
+            <a:blip r:embed="rId5"/>
             <a:stretch>
               <a:fillRect/>
             </a:stretch>
           </p:blipFill>
           <p:spPr>
             <a:xfrm>
-              <a:off x="2128991" y="1926220"/>
-              <a:ext cx="456975" cy="342900"/>
+              <a:off x="1011874" y="2717649"/>
+              <a:ext cx="266569" cy="368300"/>
             </a:xfrm>
             <a:prstGeom prst="rect">
               <a:avLst/>
@@ -10904,10 +11288,10 @@
         </p:pic>
         <p:sp>
           <p:nvSpPr>
-            <p:cNvPr id="135" name="Rounded Rectangle 134">
+            <p:cNvPr id="160" name="Rounded Rectangle 159">
               <a:extLst>
                 <a:ext uri="{FF2B5EF4-FFF2-40B4-BE49-F238E27FC236}">
-                  <a16:creationId xmlns:a16="http://schemas.microsoft.com/office/drawing/2014/main" id="{E22D0D43-0573-9842-BF9F-0194035EC349}"/>
+                  <a16:creationId xmlns:a16="http://schemas.microsoft.com/office/drawing/2014/main" id="{17FD0316-AB8C-B34C-8E6C-3054D00FD9E1}"/>
                 </a:ext>
               </a:extLst>
             </p:cNvPr>
@@ -10916,8 +11300,8 @@
           </p:nvSpPr>
           <p:spPr>
             <a:xfrm>
-              <a:off x="2479383" y="2529898"/>
-              <a:ext cx="5186484" cy="3243369"/>
+              <a:off x="3861339" y="2419706"/>
+              <a:ext cx="2282619" cy="2478934"/>
             </a:xfrm>
             <a:prstGeom prst="roundRect">
               <a:avLst>
@@ -10928,6 +11312,168 @@
             <a:ln w="12700">
               <a:solidFill>
                 <a:srgbClr val="4378BB"/>
+              </a:solidFill>
+              <a:prstDash val="lgDash"/>
+            </a:ln>
+            <a:effectLst/>
+          </p:spPr>
+          <p:style>
+            <a:lnRef idx="1">
+              <a:schemeClr val="accent1"/>
+            </a:lnRef>
+            <a:fillRef idx="3">
+              <a:schemeClr val="accent1"/>
+            </a:fillRef>
+            <a:effectRef idx="2">
+              <a:schemeClr val="accent1"/>
+            </a:effectRef>
+            <a:fontRef idx="minor">
+              <a:schemeClr val="lt1"/>
+            </a:fontRef>
+          </p:style>
+          <p:txBody>
+            <a:bodyPr anchor="ctr"/>
+            <a:lstStyle>
+              <a:defPPr>
+                <a:defRPr lang="en-US"/>
+              </a:defPPr>
+              <a:lvl1pPr marL="0" algn="l" defTabSz="457200" rtl="0" eaLnBrk="1" latinLnBrk="0" hangingPunct="1">
+                <a:defRPr sz="1800" kern="1200">
+                  <a:solidFill>
+                    <a:schemeClr val="lt1"/>
+                  </a:solidFill>
+                  <a:latin typeface="+mn-lt"/>
+                  <a:ea typeface="+mn-ea"/>
+                  <a:cs typeface="+mn-cs"/>
+                </a:defRPr>
+              </a:lvl1pPr>
+              <a:lvl2pPr marL="457200" algn="l" defTabSz="457200" rtl="0" eaLnBrk="1" latinLnBrk="0" hangingPunct="1">
+                <a:defRPr sz="1800" kern="1200">
+                  <a:solidFill>
+                    <a:schemeClr val="lt1"/>
+                  </a:solidFill>
+                  <a:latin typeface="+mn-lt"/>
+                  <a:ea typeface="+mn-ea"/>
+                  <a:cs typeface="+mn-cs"/>
+                </a:defRPr>
+              </a:lvl2pPr>
+              <a:lvl3pPr marL="914400" algn="l" defTabSz="457200" rtl="0" eaLnBrk="1" latinLnBrk="0" hangingPunct="1">
+                <a:defRPr sz="1800" kern="1200">
+                  <a:solidFill>
+                    <a:schemeClr val="lt1"/>
+                  </a:solidFill>
+                  <a:latin typeface="+mn-lt"/>
+                  <a:ea typeface="+mn-ea"/>
+                  <a:cs typeface="+mn-cs"/>
+                </a:defRPr>
+              </a:lvl3pPr>
+              <a:lvl4pPr marL="1371600" algn="l" defTabSz="457200" rtl="0" eaLnBrk="1" latinLnBrk="0" hangingPunct="1">
+                <a:defRPr sz="1800" kern="1200">
+                  <a:solidFill>
+                    <a:schemeClr val="lt1"/>
+                  </a:solidFill>
+                  <a:latin typeface="+mn-lt"/>
+                  <a:ea typeface="+mn-ea"/>
+                  <a:cs typeface="+mn-cs"/>
+                </a:defRPr>
+              </a:lvl4pPr>
+              <a:lvl5pPr marL="1828800" algn="l" defTabSz="457200" rtl="0" eaLnBrk="1" latinLnBrk="0" hangingPunct="1">
+                <a:defRPr sz="1800" kern="1200">
+                  <a:solidFill>
+                    <a:schemeClr val="lt1"/>
+                  </a:solidFill>
+                  <a:latin typeface="+mn-lt"/>
+                  <a:ea typeface="+mn-ea"/>
+                  <a:cs typeface="+mn-cs"/>
+                </a:defRPr>
+              </a:lvl5pPr>
+              <a:lvl6pPr marL="2286000" algn="l" defTabSz="457200" rtl="0" eaLnBrk="1" latinLnBrk="0" hangingPunct="1">
+                <a:defRPr sz="1800" kern="1200">
+                  <a:solidFill>
+                    <a:schemeClr val="lt1"/>
+                  </a:solidFill>
+                  <a:latin typeface="+mn-lt"/>
+                  <a:ea typeface="+mn-ea"/>
+                  <a:cs typeface="+mn-cs"/>
+                </a:defRPr>
+              </a:lvl6pPr>
+              <a:lvl7pPr marL="2743200" algn="l" defTabSz="457200" rtl="0" eaLnBrk="1" latinLnBrk="0" hangingPunct="1">
+                <a:defRPr sz="1800" kern="1200">
+                  <a:solidFill>
+                    <a:schemeClr val="lt1"/>
+                  </a:solidFill>
+                  <a:latin typeface="+mn-lt"/>
+                  <a:ea typeface="+mn-ea"/>
+                  <a:cs typeface="+mn-cs"/>
+                </a:defRPr>
+              </a:lvl7pPr>
+              <a:lvl8pPr marL="3200400" algn="l" defTabSz="457200" rtl="0" eaLnBrk="1" latinLnBrk="0" hangingPunct="1">
+                <a:defRPr sz="1800" kern="1200">
+                  <a:solidFill>
+                    <a:schemeClr val="lt1"/>
+                  </a:solidFill>
+                  <a:latin typeface="+mn-lt"/>
+                  <a:ea typeface="+mn-ea"/>
+                  <a:cs typeface="+mn-cs"/>
+                </a:defRPr>
+              </a:lvl8pPr>
+              <a:lvl9pPr marL="3657600" algn="l" defTabSz="457200" rtl="0" eaLnBrk="1" latinLnBrk="0" hangingPunct="1">
+                <a:defRPr sz="1800" kern="1200">
+                  <a:solidFill>
+                    <a:schemeClr val="lt1"/>
+                  </a:solidFill>
+                  <a:latin typeface="+mn-lt"/>
+                  <a:ea typeface="+mn-ea"/>
+                  <a:cs typeface="+mn-cs"/>
+                </a:defRPr>
+              </a:lvl9pPr>
+            </a:lstStyle>
+            <a:p>
+              <a:pPr algn="ctr" fontAlgn="auto">
+                <a:spcBef>
+                  <a:spcPts val="0"/>
+                </a:spcBef>
+                <a:spcAft>
+                  <a:spcPts val="0"/>
+                </a:spcAft>
+                <a:defRPr/>
+              </a:pPr>
+              <a:endParaRPr lang="en-US" dirty="0">
+                <a:solidFill>
+                  <a:schemeClr val="tx1"/>
+                </a:solidFill>
+                <a:latin typeface="Helvetica Neue"/>
+                <a:cs typeface="Helvetica Neue"/>
+              </a:endParaRPr>
+            </a:p>
+          </p:txBody>
+        </p:sp>
+        <p:sp>
+          <p:nvSpPr>
+            <p:cNvPr id="166" name="Rounded Rectangle 165">
+              <a:extLst>
+                <a:ext uri="{FF2B5EF4-FFF2-40B4-BE49-F238E27FC236}">
+                  <a16:creationId xmlns:a16="http://schemas.microsoft.com/office/drawing/2014/main" id="{AA15738E-C70C-2343-90BE-D672FE269AA0}"/>
+                </a:ext>
+              </a:extLst>
+            </p:cNvPr>
+            <p:cNvSpPr/>
+            <p:nvPr/>
+          </p:nvSpPr>
+          <p:spPr>
+            <a:xfrm>
+              <a:off x="4115515" y="2885474"/>
+              <a:ext cx="1742997" cy="1718976"/>
+            </a:xfrm>
+            <a:prstGeom prst="roundRect">
+              <a:avLst>
+                <a:gd name="adj" fmla="val 9818"/>
+              </a:avLst>
+            </a:prstGeom>
+            <a:noFill/>
+            <a:ln w="12700">
+              <a:solidFill>
+                <a:srgbClr val="FF0000"/>
               </a:solidFill>
               <a:prstDash val="solid"/>
             </a:ln>
@@ -11066,10 +11612,10 @@
         </p:sp>
         <p:pic>
           <p:nvPicPr>
-            <p:cNvPr id="137" name="Picture 136">
+            <p:cNvPr id="168" name="Picture 167">
               <a:extLst>
                 <a:ext uri="{FF2B5EF4-FFF2-40B4-BE49-F238E27FC236}">
-                  <a16:creationId xmlns:a16="http://schemas.microsoft.com/office/drawing/2014/main" id="{D4BEEFB6-8D97-F849-9706-4B29A87CC1FA}"/>
+                  <a16:creationId xmlns:a16="http://schemas.microsoft.com/office/drawing/2014/main" id="{19989A89-194B-874E-AA6C-A88610EE21BC}"/>
                 </a:ext>
               </a:extLst>
             </p:cNvPr>
@@ -11079,15 +11625,15 @@
             <p:nvPr/>
           </p:nvPicPr>
           <p:blipFill>
-            <a:blip r:embed="rId4"/>
+            <a:blip r:embed="rId5"/>
             <a:stretch>
               <a:fillRect/>
             </a:stretch>
           </p:blipFill>
           <p:spPr>
             <a:xfrm>
-              <a:off x="2626250" y="2368492"/>
-              <a:ext cx="444281" cy="330200"/>
+              <a:off x="4295195" y="2702430"/>
+              <a:ext cx="266569" cy="368300"/>
             </a:xfrm>
             <a:prstGeom prst="rect">
               <a:avLst/>
@@ -11096,10 +11642,10 @@
         </p:pic>
         <p:sp>
           <p:nvSpPr>
-            <p:cNvPr id="145" name="Rounded Rectangle 144">
+            <p:cNvPr id="171" name="Rounded Rectangle 170">
               <a:extLst>
                 <a:ext uri="{FF2B5EF4-FFF2-40B4-BE49-F238E27FC236}">
-                  <a16:creationId xmlns:a16="http://schemas.microsoft.com/office/drawing/2014/main" id="{7D33CB6A-E91B-DF41-9CDC-F2F1F5A200C2}"/>
+                  <a16:creationId xmlns:a16="http://schemas.microsoft.com/office/drawing/2014/main" id="{7C760A95-9ED4-0F4E-84C0-A61429511893}"/>
                 </a:ext>
               </a:extLst>
             </p:cNvPr>
@@ -11108,8 +11654,8 @@
           </p:nvSpPr>
           <p:spPr>
             <a:xfrm>
-              <a:off x="2509318" y="6000847"/>
-              <a:ext cx="5172041" cy="937524"/>
+              <a:off x="1011874" y="3289480"/>
+              <a:ext cx="4710954" cy="964019"/>
             </a:xfrm>
             <a:prstGeom prst="roundRect">
               <a:avLst>
@@ -11119,9 +11665,9 @@
             <a:noFill/>
             <a:ln w="12700">
               <a:solidFill>
-                <a:srgbClr val="4378BB"/>
+                <a:srgbClr val="FF0000"/>
               </a:solidFill>
-              <a:prstDash val="solid"/>
+              <a:prstDash val="lgDash"/>
             </a:ln>
             <a:effectLst/>
           </p:spPr>
@@ -11250,18 +11796,114 @@
                 <a:solidFill>
                   <a:schemeClr val="tx1"/>
                 </a:solidFill>
-                <a:latin typeface="Arial"/>
-                <a:cs typeface="Arial"/>
+                <a:latin typeface="Helvetica Neue"/>
+                <a:cs typeface="Helvetica Neue"/>
               </a:endParaRPr>
             </a:p>
           </p:txBody>
         </p:sp>
+        <p:cxnSp>
+          <p:nvCxnSpPr>
+            <p:cNvPr id="174" name="Straight Arrow Connector 164">
+              <a:extLst>
+                <a:ext uri="{FF2B5EF4-FFF2-40B4-BE49-F238E27FC236}">
+                  <a16:creationId xmlns:a16="http://schemas.microsoft.com/office/drawing/2014/main" id="{D6B14280-8EC1-0945-BF8E-26635BB8E1D7}"/>
+                </a:ext>
+              </a:extLst>
+            </p:cNvPr>
+            <p:cNvCxnSpPr>
+              <a:cxnSpLocks/>
+            </p:cNvCxnSpPr>
+            <p:nvPr/>
+          </p:nvCxnSpPr>
+          <p:spPr>
+            <a:xfrm>
+              <a:off x="3439067" y="2379769"/>
+              <a:ext cx="410203" cy="334884"/>
+            </a:xfrm>
+            <a:prstGeom prst="bentConnector3">
+              <a:avLst>
+                <a:gd name="adj1" fmla="val 50000"/>
+              </a:avLst>
+            </a:prstGeom>
+            <a:noFill/>
+            <a:ln w="25400" cap="flat">
+              <a:solidFill>
+                <a:srgbClr val="4277BB"/>
+              </a:solidFill>
+              <a:prstDash val="solid"/>
+              <a:miter lim="400000"/>
+              <a:tailEnd type="triangle"/>
+            </a:ln>
+            <a:effectLst/>
+          </p:spPr>
+          <p:style>
+            <a:lnRef idx="0">
+              <a:scrgbClr r="0" g="0" b="0"/>
+            </a:lnRef>
+            <a:fillRef idx="0">
+              <a:scrgbClr r="0" g="0" b="0"/>
+            </a:fillRef>
+            <a:effectRef idx="0">
+              <a:scrgbClr r="0" g="0" b="0"/>
+            </a:effectRef>
+            <a:fontRef idx="none"/>
+          </p:style>
+        </p:cxnSp>
+        <p:cxnSp>
+          <p:nvCxnSpPr>
+            <p:cNvPr id="175" name="Straight Arrow Connector 166">
+              <a:extLst>
+                <a:ext uri="{FF2B5EF4-FFF2-40B4-BE49-F238E27FC236}">
+                  <a16:creationId xmlns:a16="http://schemas.microsoft.com/office/drawing/2014/main" id="{144C8520-1F72-C64F-89EB-7B28BFE99F58}"/>
+                </a:ext>
+              </a:extLst>
+            </p:cNvPr>
+            <p:cNvCxnSpPr>
+              <a:cxnSpLocks/>
+            </p:cNvCxnSpPr>
+            <p:nvPr/>
+          </p:nvCxnSpPr>
+          <p:spPr>
+            <a:xfrm rot="10800000" flipV="1">
+              <a:off x="2904608" y="2492285"/>
+              <a:ext cx="681052" cy="231987"/>
+            </a:xfrm>
+            <a:prstGeom prst="bentConnector3">
+              <a:avLst>
+                <a:gd name="adj1" fmla="val 63654"/>
+              </a:avLst>
+            </a:prstGeom>
+            <a:noFill/>
+            <a:ln w="25400" cap="flat">
+              <a:solidFill>
+                <a:srgbClr val="4277BB"/>
+              </a:solidFill>
+              <a:prstDash val="solid"/>
+              <a:miter lim="400000"/>
+              <a:tailEnd type="triangle"/>
+            </a:ln>
+            <a:effectLst/>
+          </p:spPr>
+          <p:style>
+            <a:lnRef idx="0">
+              <a:scrgbClr r="0" g="0" b="0"/>
+            </a:lnRef>
+            <a:fillRef idx="0">
+              <a:scrgbClr r="0" g="0" b="0"/>
+            </a:fillRef>
+            <a:effectRef idx="0">
+              <a:scrgbClr r="0" g="0" b="0"/>
+            </a:effectRef>
+            <a:fontRef idx="none"/>
+          </p:style>
+        </p:cxnSp>
         <p:grpSp>
           <p:nvGrpSpPr>
-            <p:cNvPr id="149" name="Group 148">
+            <p:cNvPr id="176" name="Group 175">
               <a:extLst>
                 <a:ext uri="{FF2B5EF4-FFF2-40B4-BE49-F238E27FC236}">
-                  <a16:creationId xmlns:a16="http://schemas.microsoft.com/office/drawing/2014/main" id="{61E27ED9-0FF2-644A-946C-D4E40F013E3A}"/>
+                  <a16:creationId xmlns:a16="http://schemas.microsoft.com/office/drawing/2014/main" id="{FAE47BB0-7670-A241-8910-D72CA5206BF8}"/>
                 </a:ext>
               </a:extLst>
             </p:cNvPr>
@@ -11270,18 +11912,18 @@
           </p:nvGrpSpPr>
           <p:grpSpPr>
             <a:xfrm>
-              <a:off x="2742989" y="2895125"/>
-              <a:ext cx="4725186" cy="2703552"/>
-              <a:chOff x="273286" y="1960760"/>
-              <a:chExt cx="6158512" cy="3215674"/>
+              <a:off x="3078625" y="2069811"/>
+              <a:ext cx="603504" cy="548640"/>
+              <a:chOff x="5913508" y="4650196"/>
+              <a:chExt cx="751660" cy="692612"/>
             </a:xfrm>
           </p:grpSpPr>
           <p:sp>
             <p:nvSpPr>
-              <p:cNvPr id="209" name="Rounded Rectangle 208">
+              <p:cNvPr id="205" name="Shape 252">
                 <a:extLst>
                   <a:ext uri="{FF2B5EF4-FFF2-40B4-BE49-F238E27FC236}">
-                    <a16:creationId xmlns:a16="http://schemas.microsoft.com/office/drawing/2014/main" id="{BDDF8872-E2D1-F942-8CB9-12039FCD09CA}"/>
+                    <a16:creationId xmlns:a16="http://schemas.microsoft.com/office/drawing/2014/main" id="{C63F5417-6BF8-D549-B8BD-E055C5F74F58}"/>
                   </a:ext>
                 </a:extLst>
               </p:cNvPr>
@@ -11290,1868 +11932,7 @@
             </p:nvSpPr>
             <p:spPr>
               <a:xfrm>
-                <a:off x="273286" y="1960760"/>
-                <a:ext cx="6158512" cy="3215674"/>
-              </a:xfrm>
-              <a:prstGeom prst="roundRect">
-                <a:avLst>
-                  <a:gd name="adj" fmla="val 9818"/>
-                </a:avLst>
-              </a:prstGeom>
-              <a:noFill/>
-              <a:ln w="12700">
-                <a:solidFill>
-                  <a:srgbClr val="4378BB"/>
-                </a:solidFill>
-                <a:prstDash val="sysDot"/>
-              </a:ln>
-              <a:effectLst/>
-            </p:spPr>
-            <p:style>
-              <a:lnRef idx="1">
-                <a:schemeClr val="accent1"/>
-              </a:lnRef>
-              <a:fillRef idx="3">
-                <a:schemeClr val="accent1"/>
-              </a:fillRef>
-              <a:effectRef idx="2">
-                <a:schemeClr val="accent1"/>
-              </a:effectRef>
-              <a:fontRef idx="minor">
-                <a:schemeClr val="lt1"/>
-              </a:fontRef>
-            </p:style>
-            <p:txBody>
-              <a:bodyPr anchor="ctr"/>
-              <a:lstStyle>
-                <a:defPPr>
-                  <a:defRPr lang="en-US"/>
-                </a:defPPr>
-                <a:lvl1pPr marL="0" algn="l" defTabSz="457200" rtl="0" eaLnBrk="1" latinLnBrk="0" hangingPunct="1">
-                  <a:defRPr sz="1800" kern="1200">
-                    <a:solidFill>
-                      <a:schemeClr val="lt1"/>
-                    </a:solidFill>
-                    <a:latin typeface="+mn-lt"/>
-                    <a:ea typeface="+mn-ea"/>
-                    <a:cs typeface="+mn-cs"/>
-                  </a:defRPr>
-                </a:lvl1pPr>
-                <a:lvl2pPr marL="457200" algn="l" defTabSz="457200" rtl="0" eaLnBrk="1" latinLnBrk="0" hangingPunct="1">
-                  <a:defRPr sz="1800" kern="1200">
-                    <a:solidFill>
-                      <a:schemeClr val="lt1"/>
-                    </a:solidFill>
-                    <a:latin typeface="+mn-lt"/>
-                    <a:ea typeface="+mn-ea"/>
-                    <a:cs typeface="+mn-cs"/>
-                  </a:defRPr>
-                </a:lvl2pPr>
-                <a:lvl3pPr marL="914400" algn="l" defTabSz="457200" rtl="0" eaLnBrk="1" latinLnBrk="0" hangingPunct="1">
-                  <a:defRPr sz="1800" kern="1200">
-                    <a:solidFill>
-                      <a:schemeClr val="lt1"/>
-                    </a:solidFill>
-                    <a:latin typeface="+mn-lt"/>
-                    <a:ea typeface="+mn-ea"/>
-                    <a:cs typeface="+mn-cs"/>
-                  </a:defRPr>
-                </a:lvl3pPr>
-                <a:lvl4pPr marL="1371600" algn="l" defTabSz="457200" rtl="0" eaLnBrk="1" latinLnBrk="0" hangingPunct="1">
-                  <a:defRPr sz="1800" kern="1200">
-                    <a:solidFill>
-                      <a:schemeClr val="lt1"/>
-                    </a:solidFill>
-                    <a:latin typeface="+mn-lt"/>
-                    <a:ea typeface="+mn-ea"/>
-                    <a:cs typeface="+mn-cs"/>
-                  </a:defRPr>
-                </a:lvl4pPr>
-                <a:lvl5pPr marL="1828800" algn="l" defTabSz="457200" rtl="0" eaLnBrk="1" latinLnBrk="0" hangingPunct="1">
-                  <a:defRPr sz="1800" kern="1200">
-                    <a:solidFill>
-                      <a:schemeClr val="lt1"/>
-                    </a:solidFill>
-                    <a:latin typeface="+mn-lt"/>
-                    <a:ea typeface="+mn-ea"/>
-                    <a:cs typeface="+mn-cs"/>
-                  </a:defRPr>
-                </a:lvl5pPr>
-                <a:lvl6pPr marL="2286000" algn="l" defTabSz="457200" rtl="0" eaLnBrk="1" latinLnBrk="0" hangingPunct="1">
-                  <a:defRPr sz="1800" kern="1200">
-                    <a:solidFill>
-                      <a:schemeClr val="lt1"/>
-                    </a:solidFill>
-                    <a:latin typeface="+mn-lt"/>
-                    <a:ea typeface="+mn-ea"/>
-                    <a:cs typeface="+mn-cs"/>
-                  </a:defRPr>
-                </a:lvl6pPr>
-                <a:lvl7pPr marL="2743200" algn="l" defTabSz="457200" rtl="0" eaLnBrk="1" latinLnBrk="0" hangingPunct="1">
-                  <a:defRPr sz="1800" kern="1200">
-                    <a:solidFill>
-                      <a:schemeClr val="lt1"/>
-                    </a:solidFill>
-                    <a:latin typeface="+mn-lt"/>
-                    <a:ea typeface="+mn-ea"/>
-                    <a:cs typeface="+mn-cs"/>
-                  </a:defRPr>
-                </a:lvl7pPr>
-                <a:lvl8pPr marL="3200400" algn="l" defTabSz="457200" rtl="0" eaLnBrk="1" latinLnBrk="0" hangingPunct="1">
-                  <a:defRPr sz="1800" kern="1200">
-                    <a:solidFill>
-                      <a:schemeClr val="lt1"/>
-                    </a:solidFill>
-                    <a:latin typeface="+mn-lt"/>
-                    <a:ea typeface="+mn-ea"/>
-                    <a:cs typeface="+mn-cs"/>
-                  </a:defRPr>
-                </a:lvl8pPr>
-                <a:lvl9pPr marL="3657600" algn="l" defTabSz="457200" rtl="0" eaLnBrk="1" latinLnBrk="0" hangingPunct="1">
-                  <a:defRPr sz="1800" kern="1200">
-                    <a:solidFill>
-                      <a:schemeClr val="lt1"/>
-                    </a:solidFill>
-                    <a:latin typeface="+mn-lt"/>
-                    <a:ea typeface="+mn-ea"/>
-                    <a:cs typeface="+mn-cs"/>
-                  </a:defRPr>
-                </a:lvl9pPr>
-              </a:lstStyle>
-              <a:p>
-                <a:pPr algn="ctr" fontAlgn="auto">
-                  <a:spcBef>
-                    <a:spcPts val="0"/>
-                  </a:spcBef>
-                  <a:spcAft>
-                    <a:spcPts val="0"/>
-                  </a:spcAft>
-                  <a:defRPr/>
-                </a:pPr>
-                <a:endParaRPr lang="en-US" dirty="0">
-                  <a:solidFill>
-                    <a:schemeClr val="tx1"/>
-                  </a:solidFill>
-                  <a:latin typeface="Helvetica Neue"/>
-                  <a:cs typeface="Helvetica Neue"/>
-                </a:endParaRPr>
-              </a:p>
-            </p:txBody>
-          </p:sp>
-          <p:sp>
-            <p:nvSpPr>
-              <p:cNvPr id="207" name="Rounded Rectangle 206">
-                <a:extLst>
-                  <a:ext uri="{FF2B5EF4-FFF2-40B4-BE49-F238E27FC236}">
-                    <a16:creationId xmlns:a16="http://schemas.microsoft.com/office/drawing/2014/main" id="{F35B814E-EF10-0E4D-8226-5EA82902A950}"/>
-                  </a:ext>
-                </a:extLst>
-              </p:cNvPr>
-              <p:cNvSpPr/>
-              <p:nvPr/>
-            </p:nvSpPr>
-            <p:spPr>
-              <a:xfrm>
-                <a:off x="614279" y="2408259"/>
-                <a:ext cx="2282620" cy="2478932"/>
-              </a:xfrm>
-              <a:prstGeom prst="roundRect">
-                <a:avLst>
-                  <a:gd name="adj" fmla="val 9818"/>
-                </a:avLst>
-              </a:prstGeom>
-              <a:noFill/>
-              <a:ln w="12700">
-                <a:solidFill>
-                  <a:srgbClr val="4378BB"/>
-                </a:solidFill>
-                <a:prstDash val="lgDash"/>
-              </a:ln>
-              <a:effectLst/>
-            </p:spPr>
-            <p:style>
-              <a:lnRef idx="1">
-                <a:schemeClr val="accent1"/>
-              </a:lnRef>
-              <a:fillRef idx="3">
-                <a:schemeClr val="accent1"/>
-              </a:fillRef>
-              <a:effectRef idx="2">
-                <a:schemeClr val="accent1"/>
-              </a:effectRef>
-              <a:fontRef idx="minor">
-                <a:schemeClr val="lt1"/>
-              </a:fontRef>
-            </p:style>
-            <p:txBody>
-              <a:bodyPr anchor="ctr"/>
-              <a:lstStyle>
-                <a:defPPr>
-                  <a:defRPr lang="en-US"/>
-                </a:defPPr>
-                <a:lvl1pPr marL="0" algn="l" defTabSz="457200" rtl="0" eaLnBrk="1" latinLnBrk="0" hangingPunct="1">
-                  <a:defRPr sz="1800" kern="1200">
-                    <a:solidFill>
-                      <a:schemeClr val="lt1"/>
-                    </a:solidFill>
-                    <a:latin typeface="+mn-lt"/>
-                    <a:ea typeface="+mn-ea"/>
-                    <a:cs typeface="+mn-cs"/>
-                  </a:defRPr>
-                </a:lvl1pPr>
-                <a:lvl2pPr marL="457200" algn="l" defTabSz="457200" rtl="0" eaLnBrk="1" latinLnBrk="0" hangingPunct="1">
-                  <a:defRPr sz="1800" kern="1200">
-                    <a:solidFill>
-                      <a:schemeClr val="lt1"/>
-                    </a:solidFill>
-                    <a:latin typeface="+mn-lt"/>
-                    <a:ea typeface="+mn-ea"/>
-                    <a:cs typeface="+mn-cs"/>
-                  </a:defRPr>
-                </a:lvl2pPr>
-                <a:lvl3pPr marL="914400" algn="l" defTabSz="457200" rtl="0" eaLnBrk="1" latinLnBrk="0" hangingPunct="1">
-                  <a:defRPr sz="1800" kern="1200">
-                    <a:solidFill>
-                      <a:schemeClr val="lt1"/>
-                    </a:solidFill>
-                    <a:latin typeface="+mn-lt"/>
-                    <a:ea typeface="+mn-ea"/>
-                    <a:cs typeface="+mn-cs"/>
-                  </a:defRPr>
-                </a:lvl3pPr>
-                <a:lvl4pPr marL="1371600" algn="l" defTabSz="457200" rtl="0" eaLnBrk="1" latinLnBrk="0" hangingPunct="1">
-                  <a:defRPr sz="1800" kern="1200">
-                    <a:solidFill>
-                      <a:schemeClr val="lt1"/>
-                    </a:solidFill>
-                    <a:latin typeface="+mn-lt"/>
-                    <a:ea typeface="+mn-ea"/>
-                    <a:cs typeface="+mn-cs"/>
-                  </a:defRPr>
-                </a:lvl4pPr>
-                <a:lvl5pPr marL="1828800" algn="l" defTabSz="457200" rtl="0" eaLnBrk="1" latinLnBrk="0" hangingPunct="1">
-                  <a:defRPr sz="1800" kern="1200">
-                    <a:solidFill>
-                      <a:schemeClr val="lt1"/>
-                    </a:solidFill>
-                    <a:latin typeface="+mn-lt"/>
-                    <a:ea typeface="+mn-ea"/>
-                    <a:cs typeface="+mn-cs"/>
-                  </a:defRPr>
-                </a:lvl5pPr>
-                <a:lvl6pPr marL="2286000" algn="l" defTabSz="457200" rtl="0" eaLnBrk="1" latinLnBrk="0" hangingPunct="1">
-                  <a:defRPr sz="1800" kern="1200">
-                    <a:solidFill>
-                      <a:schemeClr val="lt1"/>
-                    </a:solidFill>
-                    <a:latin typeface="+mn-lt"/>
-                    <a:ea typeface="+mn-ea"/>
-                    <a:cs typeface="+mn-cs"/>
-                  </a:defRPr>
-                </a:lvl6pPr>
-                <a:lvl7pPr marL="2743200" algn="l" defTabSz="457200" rtl="0" eaLnBrk="1" latinLnBrk="0" hangingPunct="1">
-                  <a:defRPr sz="1800" kern="1200">
-                    <a:solidFill>
-                      <a:schemeClr val="lt1"/>
-                    </a:solidFill>
-                    <a:latin typeface="+mn-lt"/>
-                    <a:ea typeface="+mn-ea"/>
-                    <a:cs typeface="+mn-cs"/>
-                  </a:defRPr>
-                </a:lvl7pPr>
-                <a:lvl8pPr marL="3200400" algn="l" defTabSz="457200" rtl="0" eaLnBrk="1" latinLnBrk="0" hangingPunct="1">
-                  <a:defRPr sz="1800" kern="1200">
-                    <a:solidFill>
-                      <a:schemeClr val="lt1"/>
-                    </a:solidFill>
-                    <a:latin typeface="+mn-lt"/>
-                    <a:ea typeface="+mn-ea"/>
-                    <a:cs typeface="+mn-cs"/>
-                  </a:defRPr>
-                </a:lvl8pPr>
-                <a:lvl9pPr marL="3657600" algn="l" defTabSz="457200" rtl="0" eaLnBrk="1" latinLnBrk="0" hangingPunct="1">
-                  <a:defRPr sz="1800" kern="1200">
-                    <a:solidFill>
-                      <a:schemeClr val="lt1"/>
-                    </a:solidFill>
-                    <a:latin typeface="+mn-lt"/>
-                    <a:ea typeface="+mn-ea"/>
-                    <a:cs typeface="+mn-cs"/>
-                  </a:defRPr>
-                </a:lvl9pPr>
-              </a:lstStyle>
-              <a:p>
-                <a:pPr algn="ctr" fontAlgn="auto">
-                  <a:spcBef>
-                    <a:spcPts val="0"/>
-                  </a:spcBef>
-                  <a:spcAft>
-                    <a:spcPts val="0"/>
-                  </a:spcAft>
-                  <a:defRPr/>
-                </a:pPr>
-                <a:endParaRPr lang="en-US" dirty="0">
-                  <a:solidFill>
-                    <a:schemeClr val="tx1"/>
-                  </a:solidFill>
-                  <a:latin typeface="Helvetica Neue"/>
-                  <a:cs typeface="Helvetica Neue"/>
-                </a:endParaRPr>
-              </a:p>
-            </p:txBody>
-          </p:sp>
-          <p:sp>
-            <p:nvSpPr>
-              <p:cNvPr id="155" name="Rounded Rectangle 154">
-                <a:extLst>
-                  <a:ext uri="{FF2B5EF4-FFF2-40B4-BE49-F238E27FC236}">
-                    <a16:creationId xmlns:a16="http://schemas.microsoft.com/office/drawing/2014/main" id="{E7B100BC-268C-7846-BAF2-E6B5EF5EAFAD}"/>
-                  </a:ext>
-                </a:extLst>
-              </p:cNvPr>
-              <p:cNvSpPr/>
-              <p:nvPr/>
-            </p:nvSpPr>
-            <p:spPr>
-              <a:xfrm>
-                <a:off x="878818" y="2891753"/>
-                <a:ext cx="1742998" cy="1718976"/>
-              </a:xfrm>
-              <a:prstGeom prst="roundRect">
-                <a:avLst>
-                  <a:gd name="adj" fmla="val 9818"/>
-                </a:avLst>
-              </a:prstGeom>
-              <a:noFill/>
-              <a:ln w="6350">
-                <a:solidFill>
-                  <a:srgbClr val="FF0000"/>
-                </a:solidFill>
-                <a:prstDash val="solid"/>
-              </a:ln>
-              <a:effectLst/>
-            </p:spPr>
-            <p:style>
-              <a:lnRef idx="1">
-                <a:schemeClr val="accent1"/>
-              </a:lnRef>
-              <a:fillRef idx="3">
-                <a:schemeClr val="accent1"/>
-              </a:fillRef>
-              <a:effectRef idx="2">
-                <a:schemeClr val="accent1"/>
-              </a:effectRef>
-              <a:fontRef idx="minor">
-                <a:schemeClr val="lt1"/>
-              </a:fontRef>
-            </p:style>
-            <p:txBody>
-              <a:bodyPr anchor="ctr"/>
-              <a:lstStyle>
-                <a:defPPr>
-                  <a:defRPr lang="en-US"/>
-                </a:defPPr>
-                <a:lvl1pPr marL="0" algn="l" defTabSz="457200" rtl="0" eaLnBrk="1" latinLnBrk="0" hangingPunct="1">
-                  <a:defRPr sz="1800" kern="1200">
-                    <a:solidFill>
-                      <a:schemeClr val="lt1"/>
-                    </a:solidFill>
-                    <a:latin typeface="+mn-lt"/>
-                    <a:ea typeface="+mn-ea"/>
-                    <a:cs typeface="+mn-cs"/>
-                  </a:defRPr>
-                </a:lvl1pPr>
-                <a:lvl2pPr marL="457200" algn="l" defTabSz="457200" rtl="0" eaLnBrk="1" latinLnBrk="0" hangingPunct="1">
-                  <a:defRPr sz="1800" kern="1200">
-                    <a:solidFill>
-                      <a:schemeClr val="lt1"/>
-                    </a:solidFill>
-                    <a:latin typeface="+mn-lt"/>
-                    <a:ea typeface="+mn-ea"/>
-                    <a:cs typeface="+mn-cs"/>
-                  </a:defRPr>
-                </a:lvl2pPr>
-                <a:lvl3pPr marL="914400" algn="l" defTabSz="457200" rtl="0" eaLnBrk="1" latinLnBrk="0" hangingPunct="1">
-                  <a:defRPr sz="1800" kern="1200">
-                    <a:solidFill>
-                      <a:schemeClr val="lt1"/>
-                    </a:solidFill>
-                    <a:latin typeface="+mn-lt"/>
-                    <a:ea typeface="+mn-ea"/>
-                    <a:cs typeface="+mn-cs"/>
-                  </a:defRPr>
-                </a:lvl3pPr>
-                <a:lvl4pPr marL="1371600" algn="l" defTabSz="457200" rtl="0" eaLnBrk="1" latinLnBrk="0" hangingPunct="1">
-                  <a:defRPr sz="1800" kern="1200">
-                    <a:solidFill>
-                      <a:schemeClr val="lt1"/>
-                    </a:solidFill>
-                    <a:latin typeface="+mn-lt"/>
-                    <a:ea typeface="+mn-ea"/>
-                    <a:cs typeface="+mn-cs"/>
-                  </a:defRPr>
-                </a:lvl4pPr>
-                <a:lvl5pPr marL="1828800" algn="l" defTabSz="457200" rtl="0" eaLnBrk="1" latinLnBrk="0" hangingPunct="1">
-                  <a:defRPr sz="1800" kern="1200">
-                    <a:solidFill>
-                      <a:schemeClr val="lt1"/>
-                    </a:solidFill>
-                    <a:latin typeface="+mn-lt"/>
-                    <a:ea typeface="+mn-ea"/>
-                    <a:cs typeface="+mn-cs"/>
-                  </a:defRPr>
-                </a:lvl5pPr>
-                <a:lvl6pPr marL="2286000" algn="l" defTabSz="457200" rtl="0" eaLnBrk="1" latinLnBrk="0" hangingPunct="1">
-                  <a:defRPr sz="1800" kern="1200">
-                    <a:solidFill>
-                      <a:schemeClr val="lt1"/>
-                    </a:solidFill>
-                    <a:latin typeface="+mn-lt"/>
-                    <a:ea typeface="+mn-ea"/>
-                    <a:cs typeface="+mn-cs"/>
-                  </a:defRPr>
-                </a:lvl6pPr>
-                <a:lvl7pPr marL="2743200" algn="l" defTabSz="457200" rtl="0" eaLnBrk="1" latinLnBrk="0" hangingPunct="1">
-                  <a:defRPr sz="1800" kern="1200">
-                    <a:solidFill>
-                      <a:schemeClr val="lt1"/>
-                    </a:solidFill>
-                    <a:latin typeface="+mn-lt"/>
-                    <a:ea typeface="+mn-ea"/>
-                    <a:cs typeface="+mn-cs"/>
-                  </a:defRPr>
-                </a:lvl7pPr>
-                <a:lvl8pPr marL="3200400" algn="l" defTabSz="457200" rtl="0" eaLnBrk="1" latinLnBrk="0" hangingPunct="1">
-                  <a:defRPr sz="1800" kern="1200">
-                    <a:solidFill>
-                      <a:schemeClr val="lt1"/>
-                    </a:solidFill>
-                    <a:latin typeface="+mn-lt"/>
-                    <a:ea typeface="+mn-ea"/>
-                    <a:cs typeface="+mn-cs"/>
-                  </a:defRPr>
-                </a:lvl8pPr>
-                <a:lvl9pPr marL="3657600" algn="l" defTabSz="457200" rtl="0" eaLnBrk="1" latinLnBrk="0" hangingPunct="1">
-                  <a:defRPr sz="1800" kern="1200">
-                    <a:solidFill>
-                      <a:schemeClr val="lt1"/>
-                    </a:solidFill>
-                    <a:latin typeface="+mn-lt"/>
-                    <a:ea typeface="+mn-ea"/>
-                    <a:cs typeface="+mn-cs"/>
-                  </a:defRPr>
-                </a:lvl9pPr>
-              </a:lstStyle>
-              <a:p>
-                <a:pPr algn="ctr" fontAlgn="auto">
-                  <a:spcBef>
-                    <a:spcPts val="0"/>
-                  </a:spcBef>
-                  <a:spcAft>
-                    <a:spcPts val="0"/>
-                  </a:spcAft>
-                  <a:defRPr/>
-                </a:pPr>
-                <a:endParaRPr lang="en-US" dirty="0">
-                  <a:solidFill>
-                    <a:schemeClr val="tx1"/>
-                  </a:solidFill>
-                  <a:latin typeface="Arial"/>
-                  <a:cs typeface="Arial"/>
-                </a:endParaRPr>
-              </a:p>
-            </p:txBody>
-          </p:sp>
-          <p:pic>
-            <p:nvPicPr>
-              <p:cNvPr id="158" name="Picture 157">
-                <a:extLst>
-                  <a:ext uri="{FF2B5EF4-FFF2-40B4-BE49-F238E27FC236}">
-                    <a16:creationId xmlns:a16="http://schemas.microsoft.com/office/drawing/2014/main" id="{113E07DB-F658-704E-A4AD-1B0288799BE8}"/>
-                  </a:ext>
-                </a:extLst>
-              </p:cNvPr>
-              <p:cNvPicPr>
-                <a:picLocks noChangeAspect="1"/>
-              </p:cNvPicPr>
-              <p:nvPr/>
-            </p:nvPicPr>
-            <p:blipFill>
-              <a:blip r:embed="rId5"/>
-              <a:stretch>
-                <a:fillRect/>
-              </a:stretch>
-            </p:blipFill>
-            <p:spPr>
-              <a:xfrm>
-                <a:off x="1011874" y="2717649"/>
-                <a:ext cx="266569" cy="368300"/>
-              </a:xfrm>
-              <a:prstGeom prst="rect">
-                <a:avLst/>
-              </a:prstGeom>
-            </p:spPr>
-          </p:pic>
-          <p:sp>
-            <p:nvSpPr>
-              <p:cNvPr id="160" name="Rounded Rectangle 159">
-                <a:extLst>
-                  <a:ext uri="{FF2B5EF4-FFF2-40B4-BE49-F238E27FC236}">
-                    <a16:creationId xmlns:a16="http://schemas.microsoft.com/office/drawing/2014/main" id="{17FD0316-AB8C-B34C-8E6C-3054D00FD9E1}"/>
-                  </a:ext>
-                </a:extLst>
-              </p:cNvPr>
-              <p:cNvSpPr/>
-              <p:nvPr/>
-            </p:nvSpPr>
-            <p:spPr>
-              <a:xfrm>
-                <a:off x="3861339" y="2419706"/>
-                <a:ext cx="2282619" cy="2478934"/>
-              </a:xfrm>
-              <a:prstGeom prst="roundRect">
-                <a:avLst>
-                  <a:gd name="adj" fmla="val 9818"/>
-                </a:avLst>
-              </a:prstGeom>
-              <a:noFill/>
-              <a:ln w="12700">
-                <a:solidFill>
-                  <a:srgbClr val="4378BB"/>
-                </a:solidFill>
-                <a:prstDash val="lgDash"/>
-              </a:ln>
-              <a:effectLst/>
-            </p:spPr>
-            <p:style>
-              <a:lnRef idx="1">
-                <a:schemeClr val="accent1"/>
-              </a:lnRef>
-              <a:fillRef idx="3">
-                <a:schemeClr val="accent1"/>
-              </a:fillRef>
-              <a:effectRef idx="2">
-                <a:schemeClr val="accent1"/>
-              </a:effectRef>
-              <a:fontRef idx="minor">
-                <a:schemeClr val="lt1"/>
-              </a:fontRef>
-            </p:style>
-            <p:txBody>
-              <a:bodyPr anchor="ctr"/>
-              <a:lstStyle>
-                <a:defPPr>
-                  <a:defRPr lang="en-US"/>
-                </a:defPPr>
-                <a:lvl1pPr marL="0" algn="l" defTabSz="457200" rtl="0" eaLnBrk="1" latinLnBrk="0" hangingPunct="1">
-                  <a:defRPr sz="1800" kern="1200">
-                    <a:solidFill>
-                      <a:schemeClr val="lt1"/>
-                    </a:solidFill>
-                    <a:latin typeface="+mn-lt"/>
-                    <a:ea typeface="+mn-ea"/>
-                    <a:cs typeface="+mn-cs"/>
-                  </a:defRPr>
-                </a:lvl1pPr>
-                <a:lvl2pPr marL="457200" algn="l" defTabSz="457200" rtl="0" eaLnBrk="1" latinLnBrk="0" hangingPunct="1">
-                  <a:defRPr sz="1800" kern="1200">
-                    <a:solidFill>
-                      <a:schemeClr val="lt1"/>
-                    </a:solidFill>
-                    <a:latin typeface="+mn-lt"/>
-                    <a:ea typeface="+mn-ea"/>
-                    <a:cs typeface="+mn-cs"/>
-                  </a:defRPr>
-                </a:lvl2pPr>
-                <a:lvl3pPr marL="914400" algn="l" defTabSz="457200" rtl="0" eaLnBrk="1" latinLnBrk="0" hangingPunct="1">
-                  <a:defRPr sz="1800" kern="1200">
-                    <a:solidFill>
-                      <a:schemeClr val="lt1"/>
-                    </a:solidFill>
-                    <a:latin typeface="+mn-lt"/>
-                    <a:ea typeface="+mn-ea"/>
-                    <a:cs typeface="+mn-cs"/>
-                  </a:defRPr>
-                </a:lvl3pPr>
-                <a:lvl4pPr marL="1371600" algn="l" defTabSz="457200" rtl="0" eaLnBrk="1" latinLnBrk="0" hangingPunct="1">
-                  <a:defRPr sz="1800" kern="1200">
-                    <a:solidFill>
-                      <a:schemeClr val="lt1"/>
-                    </a:solidFill>
-                    <a:latin typeface="+mn-lt"/>
-                    <a:ea typeface="+mn-ea"/>
-                    <a:cs typeface="+mn-cs"/>
-                  </a:defRPr>
-                </a:lvl4pPr>
-                <a:lvl5pPr marL="1828800" algn="l" defTabSz="457200" rtl="0" eaLnBrk="1" latinLnBrk="0" hangingPunct="1">
-                  <a:defRPr sz="1800" kern="1200">
-                    <a:solidFill>
-                      <a:schemeClr val="lt1"/>
-                    </a:solidFill>
-                    <a:latin typeface="+mn-lt"/>
-                    <a:ea typeface="+mn-ea"/>
-                    <a:cs typeface="+mn-cs"/>
-                  </a:defRPr>
-                </a:lvl5pPr>
-                <a:lvl6pPr marL="2286000" algn="l" defTabSz="457200" rtl="0" eaLnBrk="1" latinLnBrk="0" hangingPunct="1">
-                  <a:defRPr sz="1800" kern="1200">
-                    <a:solidFill>
-                      <a:schemeClr val="lt1"/>
-                    </a:solidFill>
-                    <a:latin typeface="+mn-lt"/>
-                    <a:ea typeface="+mn-ea"/>
-                    <a:cs typeface="+mn-cs"/>
-                  </a:defRPr>
-                </a:lvl6pPr>
-                <a:lvl7pPr marL="2743200" algn="l" defTabSz="457200" rtl="0" eaLnBrk="1" latinLnBrk="0" hangingPunct="1">
-                  <a:defRPr sz="1800" kern="1200">
-                    <a:solidFill>
-                      <a:schemeClr val="lt1"/>
-                    </a:solidFill>
-                    <a:latin typeface="+mn-lt"/>
-                    <a:ea typeface="+mn-ea"/>
-                    <a:cs typeface="+mn-cs"/>
-                  </a:defRPr>
-                </a:lvl7pPr>
-                <a:lvl8pPr marL="3200400" algn="l" defTabSz="457200" rtl="0" eaLnBrk="1" latinLnBrk="0" hangingPunct="1">
-                  <a:defRPr sz="1800" kern="1200">
-                    <a:solidFill>
-                      <a:schemeClr val="lt1"/>
-                    </a:solidFill>
-                    <a:latin typeface="+mn-lt"/>
-                    <a:ea typeface="+mn-ea"/>
-                    <a:cs typeface="+mn-cs"/>
-                  </a:defRPr>
-                </a:lvl8pPr>
-                <a:lvl9pPr marL="3657600" algn="l" defTabSz="457200" rtl="0" eaLnBrk="1" latinLnBrk="0" hangingPunct="1">
-                  <a:defRPr sz="1800" kern="1200">
-                    <a:solidFill>
-                      <a:schemeClr val="lt1"/>
-                    </a:solidFill>
-                    <a:latin typeface="+mn-lt"/>
-                    <a:ea typeface="+mn-ea"/>
-                    <a:cs typeface="+mn-cs"/>
-                  </a:defRPr>
-                </a:lvl9pPr>
-              </a:lstStyle>
-              <a:p>
-                <a:pPr algn="ctr" fontAlgn="auto">
-                  <a:spcBef>
-                    <a:spcPts val="0"/>
-                  </a:spcBef>
-                  <a:spcAft>
-                    <a:spcPts val="0"/>
-                  </a:spcAft>
-                  <a:defRPr/>
-                </a:pPr>
-                <a:endParaRPr lang="en-US" dirty="0">
-                  <a:solidFill>
-                    <a:schemeClr val="tx1"/>
-                  </a:solidFill>
-                  <a:latin typeface="Helvetica Neue"/>
-                  <a:cs typeface="Helvetica Neue"/>
-                </a:endParaRPr>
-              </a:p>
-            </p:txBody>
-          </p:sp>
-          <p:sp>
-            <p:nvSpPr>
-              <p:cNvPr id="166" name="Rounded Rectangle 165">
-                <a:extLst>
-                  <a:ext uri="{FF2B5EF4-FFF2-40B4-BE49-F238E27FC236}">
-                    <a16:creationId xmlns:a16="http://schemas.microsoft.com/office/drawing/2014/main" id="{AA15738E-C70C-2343-90BE-D672FE269AA0}"/>
-                  </a:ext>
-                </a:extLst>
-              </p:cNvPr>
-              <p:cNvSpPr/>
-              <p:nvPr/>
-            </p:nvSpPr>
-            <p:spPr>
-              <a:xfrm>
-                <a:off x="4115515" y="2885474"/>
-                <a:ext cx="1742997" cy="1718976"/>
-              </a:xfrm>
-              <a:prstGeom prst="roundRect">
-                <a:avLst>
-                  <a:gd name="adj" fmla="val 9818"/>
-                </a:avLst>
-              </a:prstGeom>
-              <a:noFill/>
-              <a:ln w="12700">
-                <a:solidFill>
-                  <a:srgbClr val="FF0000"/>
-                </a:solidFill>
-                <a:prstDash val="solid"/>
-              </a:ln>
-              <a:effectLst/>
-            </p:spPr>
-            <p:style>
-              <a:lnRef idx="1">
-                <a:schemeClr val="accent1"/>
-              </a:lnRef>
-              <a:fillRef idx="3">
-                <a:schemeClr val="accent1"/>
-              </a:fillRef>
-              <a:effectRef idx="2">
-                <a:schemeClr val="accent1"/>
-              </a:effectRef>
-              <a:fontRef idx="minor">
-                <a:schemeClr val="lt1"/>
-              </a:fontRef>
-            </p:style>
-            <p:txBody>
-              <a:bodyPr anchor="ctr"/>
-              <a:lstStyle>
-                <a:defPPr>
-                  <a:defRPr lang="en-US"/>
-                </a:defPPr>
-                <a:lvl1pPr marL="0" algn="l" defTabSz="457200" rtl="0" eaLnBrk="1" latinLnBrk="0" hangingPunct="1">
-                  <a:defRPr sz="1800" kern="1200">
-                    <a:solidFill>
-                      <a:schemeClr val="lt1"/>
-                    </a:solidFill>
-                    <a:latin typeface="+mn-lt"/>
-                    <a:ea typeface="+mn-ea"/>
-                    <a:cs typeface="+mn-cs"/>
-                  </a:defRPr>
-                </a:lvl1pPr>
-                <a:lvl2pPr marL="457200" algn="l" defTabSz="457200" rtl="0" eaLnBrk="1" latinLnBrk="0" hangingPunct="1">
-                  <a:defRPr sz="1800" kern="1200">
-                    <a:solidFill>
-                      <a:schemeClr val="lt1"/>
-                    </a:solidFill>
-                    <a:latin typeface="+mn-lt"/>
-                    <a:ea typeface="+mn-ea"/>
-                    <a:cs typeface="+mn-cs"/>
-                  </a:defRPr>
-                </a:lvl2pPr>
-                <a:lvl3pPr marL="914400" algn="l" defTabSz="457200" rtl="0" eaLnBrk="1" latinLnBrk="0" hangingPunct="1">
-                  <a:defRPr sz="1800" kern="1200">
-                    <a:solidFill>
-                      <a:schemeClr val="lt1"/>
-                    </a:solidFill>
-                    <a:latin typeface="+mn-lt"/>
-                    <a:ea typeface="+mn-ea"/>
-                    <a:cs typeface="+mn-cs"/>
-                  </a:defRPr>
-                </a:lvl3pPr>
-                <a:lvl4pPr marL="1371600" algn="l" defTabSz="457200" rtl="0" eaLnBrk="1" latinLnBrk="0" hangingPunct="1">
-                  <a:defRPr sz="1800" kern="1200">
-                    <a:solidFill>
-                      <a:schemeClr val="lt1"/>
-                    </a:solidFill>
-                    <a:latin typeface="+mn-lt"/>
-                    <a:ea typeface="+mn-ea"/>
-                    <a:cs typeface="+mn-cs"/>
-                  </a:defRPr>
-                </a:lvl4pPr>
-                <a:lvl5pPr marL="1828800" algn="l" defTabSz="457200" rtl="0" eaLnBrk="1" latinLnBrk="0" hangingPunct="1">
-                  <a:defRPr sz="1800" kern="1200">
-                    <a:solidFill>
-                      <a:schemeClr val="lt1"/>
-                    </a:solidFill>
-                    <a:latin typeface="+mn-lt"/>
-                    <a:ea typeface="+mn-ea"/>
-                    <a:cs typeface="+mn-cs"/>
-                  </a:defRPr>
-                </a:lvl5pPr>
-                <a:lvl6pPr marL="2286000" algn="l" defTabSz="457200" rtl="0" eaLnBrk="1" latinLnBrk="0" hangingPunct="1">
-                  <a:defRPr sz="1800" kern="1200">
-                    <a:solidFill>
-                      <a:schemeClr val="lt1"/>
-                    </a:solidFill>
-                    <a:latin typeface="+mn-lt"/>
-                    <a:ea typeface="+mn-ea"/>
-                    <a:cs typeface="+mn-cs"/>
-                  </a:defRPr>
-                </a:lvl6pPr>
-                <a:lvl7pPr marL="2743200" algn="l" defTabSz="457200" rtl="0" eaLnBrk="1" latinLnBrk="0" hangingPunct="1">
-                  <a:defRPr sz="1800" kern="1200">
-                    <a:solidFill>
-                      <a:schemeClr val="lt1"/>
-                    </a:solidFill>
-                    <a:latin typeface="+mn-lt"/>
-                    <a:ea typeface="+mn-ea"/>
-                    <a:cs typeface="+mn-cs"/>
-                  </a:defRPr>
-                </a:lvl7pPr>
-                <a:lvl8pPr marL="3200400" algn="l" defTabSz="457200" rtl="0" eaLnBrk="1" latinLnBrk="0" hangingPunct="1">
-                  <a:defRPr sz="1800" kern="1200">
-                    <a:solidFill>
-                      <a:schemeClr val="lt1"/>
-                    </a:solidFill>
-                    <a:latin typeface="+mn-lt"/>
-                    <a:ea typeface="+mn-ea"/>
-                    <a:cs typeface="+mn-cs"/>
-                  </a:defRPr>
-                </a:lvl8pPr>
-                <a:lvl9pPr marL="3657600" algn="l" defTabSz="457200" rtl="0" eaLnBrk="1" latinLnBrk="0" hangingPunct="1">
-                  <a:defRPr sz="1800" kern="1200">
-                    <a:solidFill>
-                      <a:schemeClr val="lt1"/>
-                    </a:solidFill>
-                    <a:latin typeface="+mn-lt"/>
-                    <a:ea typeface="+mn-ea"/>
-                    <a:cs typeface="+mn-cs"/>
-                  </a:defRPr>
-                </a:lvl9pPr>
-              </a:lstStyle>
-              <a:p>
-                <a:pPr algn="ctr" fontAlgn="auto">
-                  <a:spcBef>
-                    <a:spcPts val="0"/>
-                  </a:spcBef>
-                  <a:spcAft>
-                    <a:spcPts val="0"/>
-                  </a:spcAft>
-                  <a:defRPr/>
-                </a:pPr>
-                <a:endParaRPr lang="en-US" dirty="0">
-                  <a:solidFill>
-                    <a:schemeClr val="tx1"/>
-                  </a:solidFill>
-                  <a:latin typeface="Arial"/>
-                  <a:cs typeface="Arial"/>
-                </a:endParaRPr>
-              </a:p>
-            </p:txBody>
-          </p:sp>
-          <p:pic>
-            <p:nvPicPr>
-              <p:cNvPr id="168" name="Picture 167">
-                <a:extLst>
-                  <a:ext uri="{FF2B5EF4-FFF2-40B4-BE49-F238E27FC236}">
-                    <a16:creationId xmlns:a16="http://schemas.microsoft.com/office/drawing/2014/main" id="{19989A89-194B-874E-AA6C-A88610EE21BC}"/>
-                  </a:ext>
-                </a:extLst>
-              </p:cNvPr>
-              <p:cNvPicPr>
-                <a:picLocks noChangeAspect="1"/>
-              </p:cNvPicPr>
-              <p:nvPr/>
-            </p:nvPicPr>
-            <p:blipFill>
-              <a:blip r:embed="rId5"/>
-              <a:stretch>
-                <a:fillRect/>
-              </a:stretch>
-            </p:blipFill>
-            <p:spPr>
-              <a:xfrm>
-                <a:off x="4295195" y="2702430"/>
-                <a:ext cx="266569" cy="368300"/>
-              </a:xfrm>
-              <a:prstGeom prst="rect">
-                <a:avLst/>
-              </a:prstGeom>
-            </p:spPr>
-          </p:pic>
-          <p:sp>
-            <p:nvSpPr>
-              <p:cNvPr id="171" name="Rounded Rectangle 170">
-                <a:extLst>
-                  <a:ext uri="{FF2B5EF4-FFF2-40B4-BE49-F238E27FC236}">
-                    <a16:creationId xmlns:a16="http://schemas.microsoft.com/office/drawing/2014/main" id="{7C760A95-9ED4-0F4E-84C0-A61429511893}"/>
-                  </a:ext>
-                </a:extLst>
-              </p:cNvPr>
-              <p:cNvSpPr/>
-              <p:nvPr/>
-            </p:nvSpPr>
-            <p:spPr>
-              <a:xfrm>
-                <a:off x="1011874" y="3289480"/>
-                <a:ext cx="4710954" cy="964019"/>
-              </a:xfrm>
-              <a:prstGeom prst="roundRect">
-                <a:avLst>
-                  <a:gd name="adj" fmla="val 9818"/>
-                </a:avLst>
-              </a:prstGeom>
-              <a:noFill/>
-              <a:ln w="12700">
-                <a:solidFill>
-                  <a:srgbClr val="FF0000"/>
-                </a:solidFill>
-                <a:prstDash val="lgDash"/>
-              </a:ln>
-              <a:effectLst/>
-            </p:spPr>
-            <p:style>
-              <a:lnRef idx="1">
-                <a:schemeClr val="accent1"/>
-              </a:lnRef>
-              <a:fillRef idx="3">
-                <a:schemeClr val="accent1"/>
-              </a:fillRef>
-              <a:effectRef idx="2">
-                <a:schemeClr val="accent1"/>
-              </a:effectRef>
-              <a:fontRef idx="minor">
-                <a:schemeClr val="lt1"/>
-              </a:fontRef>
-            </p:style>
-            <p:txBody>
-              <a:bodyPr anchor="ctr"/>
-              <a:lstStyle>
-                <a:defPPr>
-                  <a:defRPr lang="en-US"/>
-                </a:defPPr>
-                <a:lvl1pPr marL="0" algn="l" defTabSz="457200" rtl="0" eaLnBrk="1" latinLnBrk="0" hangingPunct="1">
-                  <a:defRPr sz="1800" kern="1200">
-                    <a:solidFill>
-                      <a:schemeClr val="lt1"/>
-                    </a:solidFill>
-                    <a:latin typeface="+mn-lt"/>
-                    <a:ea typeface="+mn-ea"/>
-                    <a:cs typeface="+mn-cs"/>
-                  </a:defRPr>
-                </a:lvl1pPr>
-                <a:lvl2pPr marL="457200" algn="l" defTabSz="457200" rtl="0" eaLnBrk="1" latinLnBrk="0" hangingPunct="1">
-                  <a:defRPr sz="1800" kern="1200">
-                    <a:solidFill>
-                      <a:schemeClr val="lt1"/>
-                    </a:solidFill>
-                    <a:latin typeface="+mn-lt"/>
-                    <a:ea typeface="+mn-ea"/>
-                    <a:cs typeface="+mn-cs"/>
-                  </a:defRPr>
-                </a:lvl2pPr>
-                <a:lvl3pPr marL="914400" algn="l" defTabSz="457200" rtl="0" eaLnBrk="1" latinLnBrk="0" hangingPunct="1">
-                  <a:defRPr sz="1800" kern="1200">
-                    <a:solidFill>
-                      <a:schemeClr val="lt1"/>
-                    </a:solidFill>
-                    <a:latin typeface="+mn-lt"/>
-                    <a:ea typeface="+mn-ea"/>
-                    <a:cs typeface="+mn-cs"/>
-                  </a:defRPr>
-                </a:lvl3pPr>
-                <a:lvl4pPr marL="1371600" algn="l" defTabSz="457200" rtl="0" eaLnBrk="1" latinLnBrk="0" hangingPunct="1">
-                  <a:defRPr sz="1800" kern="1200">
-                    <a:solidFill>
-                      <a:schemeClr val="lt1"/>
-                    </a:solidFill>
-                    <a:latin typeface="+mn-lt"/>
-                    <a:ea typeface="+mn-ea"/>
-                    <a:cs typeface="+mn-cs"/>
-                  </a:defRPr>
-                </a:lvl4pPr>
-                <a:lvl5pPr marL="1828800" algn="l" defTabSz="457200" rtl="0" eaLnBrk="1" latinLnBrk="0" hangingPunct="1">
-                  <a:defRPr sz="1800" kern="1200">
-                    <a:solidFill>
-                      <a:schemeClr val="lt1"/>
-                    </a:solidFill>
-                    <a:latin typeface="+mn-lt"/>
-                    <a:ea typeface="+mn-ea"/>
-                    <a:cs typeface="+mn-cs"/>
-                  </a:defRPr>
-                </a:lvl5pPr>
-                <a:lvl6pPr marL="2286000" algn="l" defTabSz="457200" rtl="0" eaLnBrk="1" latinLnBrk="0" hangingPunct="1">
-                  <a:defRPr sz="1800" kern="1200">
-                    <a:solidFill>
-                      <a:schemeClr val="lt1"/>
-                    </a:solidFill>
-                    <a:latin typeface="+mn-lt"/>
-                    <a:ea typeface="+mn-ea"/>
-                    <a:cs typeface="+mn-cs"/>
-                  </a:defRPr>
-                </a:lvl6pPr>
-                <a:lvl7pPr marL="2743200" algn="l" defTabSz="457200" rtl="0" eaLnBrk="1" latinLnBrk="0" hangingPunct="1">
-                  <a:defRPr sz="1800" kern="1200">
-                    <a:solidFill>
-                      <a:schemeClr val="lt1"/>
-                    </a:solidFill>
-                    <a:latin typeface="+mn-lt"/>
-                    <a:ea typeface="+mn-ea"/>
-                    <a:cs typeface="+mn-cs"/>
-                  </a:defRPr>
-                </a:lvl7pPr>
-                <a:lvl8pPr marL="3200400" algn="l" defTabSz="457200" rtl="0" eaLnBrk="1" latinLnBrk="0" hangingPunct="1">
-                  <a:defRPr sz="1800" kern="1200">
-                    <a:solidFill>
-                      <a:schemeClr val="lt1"/>
-                    </a:solidFill>
-                    <a:latin typeface="+mn-lt"/>
-                    <a:ea typeface="+mn-ea"/>
-                    <a:cs typeface="+mn-cs"/>
-                  </a:defRPr>
-                </a:lvl8pPr>
-                <a:lvl9pPr marL="3657600" algn="l" defTabSz="457200" rtl="0" eaLnBrk="1" latinLnBrk="0" hangingPunct="1">
-                  <a:defRPr sz="1800" kern="1200">
-                    <a:solidFill>
-                      <a:schemeClr val="lt1"/>
-                    </a:solidFill>
-                    <a:latin typeface="+mn-lt"/>
-                    <a:ea typeface="+mn-ea"/>
-                    <a:cs typeface="+mn-cs"/>
-                  </a:defRPr>
-                </a:lvl9pPr>
-              </a:lstStyle>
-              <a:p>
-                <a:pPr algn="ctr" fontAlgn="auto">
-                  <a:spcBef>
-                    <a:spcPts val="0"/>
-                  </a:spcBef>
-                  <a:spcAft>
-                    <a:spcPts val="0"/>
-                  </a:spcAft>
-                  <a:defRPr/>
-                </a:pPr>
-                <a:endParaRPr lang="en-US" dirty="0">
-                  <a:solidFill>
-                    <a:schemeClr val="tx1"/>
-                  </a:solidFill>
-                  <a:latin typeface="Helvetica Neue"/>
-                  <a:cs typeface="Helvetica Neue"/>
-                </a:endParaRPr>
-              </a:p>
-            </p:txBody>
-          </p:sp>
-          <p:cxnSp>
-            <p:nvCxnSpPr>
-              <p:cNvPr id="174" name="Straight Arrow Connector 164">
-                <a:extLst>
-                  <a:ext uri="{FF2B5EF4-FFF2-40B4-BE49-F238E27FC236}">
-                    <a16:creationId xmlns:a16="http://schemas.microsoft.com/office/drawing/2014/main" id="{D6B14280-8EC1-0945-BF8E-26635BB8E1D7}"/>
-                  </a:ext>
-                </a:extLst>
-              </p:cNvPr>
-              <p:cNvCxnSpPr>
-                <a:cxnSpLocks/>
-              </p:cNvCxnSpPr>
-              <p:nvPr/>
-            </p:nvCxnSpPr>
-            <p:spPr>
-              <a:xfrm>
-                <a:off x="3439067" y="2379769"/>
-                <a:ext cx="410203" cy="334884"/>
-              </a:xfrm>
-              <a:prstGeom prst="bentConnector3">
-                <a:avLst>
-                  <a:gd name="adj1" fmla="val 50000"/>
-                </a:avLst>
-              </a:prstGeom>
-              <a:noFill/>
-              <a:ln w="25400" cap="flat">
-                <a:solidFill>
-                  <a:srgbClr val="4277BB"/>
-                </a:solidFill>
-                <a:prstDash val="solid"/>
-                <a:miter lim="400000"/>
-                <a:tailEnd type="triangle"/>
-              </a:ln>
-              <a:effectLst/>
-            </p:spPr>
-            <p:style>
-              <a:lnRef idx="0">
-                <a:scrgbClr r="0" g="0" b="0"/>
-              </a:lnRef>
-              <a:fillRef idx="0">
-                <a:scrgbClr r="0" g="0" b="0"/>
-              </a:fillRef>
-              <a:effectRef idx="0">
-                <a:scrgbClr r="0" g="0" b="0"/>
-              </a:effectRef>
-              <a:fontRef idx="none"/>
-            </p:style>
-          </p:cxnSp>
-          <p:cxnSp>
-            <p:nvCxnSpPr>
-              <p:cNvPr id="175" name="Straight Arrow Connector 166">
-                <a:extLst>
-                  <a:ext uri="{FF2B5EF4-FFF2-40B4-BE49-F238E27FC236}">
-                    <a16:creationId xmlns:a16="http://schemas.microsoft.com/office/drawing/2014/main" id="{144C8520-1F72-C64F-89EB-7B28BFE99F58}"/>
-                  </a:ext>
-                </a:extLst>
-              </p:cNvPr>
-              <p:cNvCxnSpPr>
-                <a:cxnSpLocks/>
-              </p:cNvCxnSpPr>
-              <p:nvPr/>
-            </p:nvCxnSpPr>
-            <p:spPr>
-              <a:xfrm rot="10800000" flipV="1">
-                <a:off x="2904608" y="2492285"/>
-                <a:ext cx="681052" cy="231987"/>
-              </a:xfrm>
-              <a:prstGeom prst="bentConnector3">
-                <a:avLst>
-                  <a:gd name="adj1" fmla="val 63654"/>
-                </a:avLst>
-              </a:prstGeom>
-              <a:noFill/>
-              <a:ln w="25400" cap="flat">
-                <a:solidFill>
-                  <a:srgbClr val="4277BB"/>
-                </a:solidFill>
-                <a:prstDash val="solid"/>
-                <a:miter lim="400000"/>
-                <a:tailEnd type="triangle"/>
-              </a:ln>
-              <a:effectLst/>
-            </p:spPr>
-            <p:style>
-              <a:lnRef idx="0">
-                <a:scrgbClr r="0" g="0" b="0"/>
-              </a:lnRef>
-              <a:fillRef idx="0">
-                <a:scrgbClr r="0" g="0" b="0"/>
-              </a:fillRef>
-              <a:effectRef idx="0">
-                <a:scrgbClr r="0" g="0" b="0"/>
-              </a:effectRef>
-              <a:fontRef idx="none"/>
-            </p:style>
-          </p:cxnSp>
-          <p:grpSp>
-            <p:nvGrpSpPr>
-              <p:cNvPr id="176" name="Group 175">
-                <a:extLst>
-                  <a:ext uri="{FF2B5EF4-FFF2-40B4-BE49-F238E27FC236}">
-                    <a16:creationId xmlns:a16="http://schemas.microsoft.com/office/drawing/2014/main" id="{FAE47BB0-7670-A241-8910-D72CA5206BF8}"/>
-                  </a:ext>
-                </a:extLst>
-              </p:cNvPr>
-              <p:cNvGrpSpPr/>
-              <p:nvPr/>
-            </p:nvGrpSpPr>
-            <p:grpSpPr>
-              <a:xfrm>
-                <a:off x="3078625" y="2069811"/>
-                <a:ext cx="603504" cy="548640"/>
-                <a:chOff x="5913508" y="4650196"/>
-                <a:chExt cx="751660" cy="692612"/>
-              </a:xfrm>
-            </p:grpSpPr>
-            <p:sp>
-              <p:nvSpPr>
-                <p:cNvPr id="205" name="Shape 252">
-                  <a:extLst>
-                    <a:ext uri="{FF2B5EF4-FFF2-40B4-BE49-F238E27FC236}">
-                      <a16:creationId xmlns:a16="http://schemas.microsoft.com/office/drawing/2014/main" id="{C63F5417-6BF8-D549-B8BD-E055C5F74F58}"/>
-                    </a:ext>
-                  </a:extLst>
-                </p:cNvPr>
-                <p:cNvSpPr/>
-                <p:nvPr/>
-              </p:nvSpPr>
-              <p:spPr>
-                <a:xfrm>
-                  <a:off x="5913508" y="4650196"/>
-                  <a:ext cx="751660" cy="692612"/>
-                </a:xfrm>
-                <a:custGeom>
-                  <a:avLst/>
-                  <a:gdLst/>
-                  <a:ahLst/>
-                  <a:cxnLst>
-                    <a:cxn ang="0">
-                      <a:pos x="wd2" y="hd2"/>
-                    </a:cxn>
-                    <a:cxn ang="5400000">
-                      <a:pos x="wd2" y="hd2"/>
-                    </a:cxn>
-                    <a:cxn ang="10800000">
-                      <a:pos x="wd2" y="hd2"/>
-                    </a:cxn>
-                    <a:cxn ang="16200000">
-                      <a:pos x="wd2" y="hd2"/>
-                    </a:cxn>
-                  </a:cxnLst>
-                  <a:rect l="0" t="0" r="r" b="b"/>
-                  <a:pathLst>
-                    <a:path w="19679" h="19679" extrusionOk="0">
-                      <a:moveTo>
-                        <a:pt x="16796" y="2882"/>
-                      </a:moveTo>
-                      <a:cubicBezTo>
-                        <a:pt x="20639" y="6724"/>
-                        <a:pt x="20639" y="12954"/>
-                        <a:pt x="16796" y="16796"/>
-                      </a:cubicBezTo>
-                      <a:cubicBezTo>
-                        <a:pt x="12954" y="20639"/>
-                        <a:pt x="6724" y="20639"/>
-                        <a:pt x="2882" y="16796"/>
-                      </a:cubicBezTo>
-                      <a:cubicBezTo>
-                        <a:pt x="-961" y="12954"/>
-                        <a:pt x="-961" y="6724"/>
-                        <a:pt x="2882" y="2882"/>
-                      </a:cubicBezTo>
-                      <a:cubicBezTo>
-                        <a:pt x="6724" y="-961"/>
-                        <a:pt x="12954" y="-961"/>
-                        <a:pt x="16796" y="2882"/>
-                      </a:cubicBezTo>
-                      <a:close/>
-                    </a:path>
-                  </a:pathLst>
-                </a:custGeom>
-                <a:solidFill>
-                  <a:srgbClr val="8DC53F"/>
-                </a:solidFill>
-                <a:ln w="3175" cap="flat">
-                  <a:noFill/>
-                  <a:miter lim="400000"/>
-                </a:ln>
-                <a:effectLst/>
-              </p:spPr>
-              <p:txBody>
-                <a:bodyPr wrap="square" lIns="0" tIns="0" rIns="0" bIns="0" numCol="1" anchor="ctr">
-                  <a:noAutofit/>
-                </a:bodyPr>
-                <a:lstStyle/>
-                <a:p>
-                  <a:pPr lvl="0">
-                    <a:defRPr sz="1800">
-                      <a:solidFill>
-                        <a:srgbClr val="FFFFFF"/>
-                      </a:solidFill>
-                    </a:defRPr>
-                  </a:pPr>
-                  <a:endParaRPr/>
-                </a:p>
-              </p:txBody>
-            </p:sp>
-            <p:pic>
-              <p:nvPicPr>
-                <p:cNvPr id="206" name="Picture 205">
-                  <a:extLst>
-                    <a:ext uri="{FF2B5EF4-FFF2-40B4-BE49-F238E27FC236}">
-                      <a16:creationId xmlns:a16="http://schemas.microsoft.com/office/drawing/2014/main" id="{A26A6D9B-B8F3-3544-803A-3F6E31774A6C}"/>
-                    </a:ext>
-                  </a:extLst>
-                </p:cNvPr>
-                <p:cNvPicPr>
-                  <a:picLocks noChangeAspect="1"/>
-                </p:cNvPicPr>
-                <p:nvPr/>
-              </p:nvPicPr>
-              <p:blipFill>
-                <a:blip r:embed="rId6">
-                  <a:biLevel thresh="50000"/>
-                </a:blip>
-                <a:stretch>
-                  <a:fillRect/>
-                </a:stretch>
-              </p:blipFill>
-              <p:spPr>
-                <a:xfrm>
-                  <a:off x="6053117" y="4713648"/>
-                  <a:ext cx="472441" cy="501965"/>
-                </a:xfrm>
-                <a:prstGeom prst="rect">
-                  <a:avLst/>
-                </a:prstGeom>
-              </p:spPr>
-            </p:pic>
-          </p:grpSp>
-          <p:grpSp>
-            <p:nvGrpSpPr>
-              <p:cNvPr id="193" name="Group 192">
-                <a:extLst>
-                  <a:ext uri="{FF2B5EF4-FFF2-40B4-BE49-F238E27FC236}">
-                    <a16:creationId xmlns:a16="http://schemas.microsoft.com/office/drawing/2014/main" id="{5BC2C5BC-E706-AF43-A9A3-BF59C87FEC91}"/>
-                  </a:ext>
-                </a:extLst>
-              </p:cNvPr>
-              <p:cNvGrpSpPr/>
-              <p:nvPr/>
-            </p:nvGrpSpPr>
-            <p:grpSpPr>
-              <a:xfrm>
-                <a:off x="5028472" y="3440249"/>
-                <a:ext cx="655475" cy="548640"/>
-                <a:chOff x="563238" y="1998756"/>
-                <a:chExt cx="814378" cy="694944"/>
-              </a:xfrm>
-            </p:grpSpPr>
-            <p:sp>
-              <p:nvSpPr>
-                <p:cNvPr id="203" name="Shape 252">
-                  <a:extLst>
-                    <a:ext uri="{FF2B5EF4-FFF2-40B4-BE49-F238E27FC236}">
-                      <a16:creationId xmlns:a16="http://schemas.microsoft.com/office/drawing/2014/main" id="{51EE6EC0-BDCE-8249-B236-60752E71DC29}"/>
-                    </a:ext>
-                  </a:extLst>
-                </p:cNvPr>
-                <p:cNvSpPr/>
-                <p:nvPr/>
-              </p:nvSpPr>
-              <p:spPr>
-                <a:xfrm>
-                  <a:off x="563238" y="1998756"/>
-                  <a:ext cx="814378" cy="694944"/>
-                </a:xfrm>
-                <a:custGeom>
-                  <a:avLst/>
-                  <a:gdLst/>
-                  <a:ahLst/>
-                  <a:cxnLst>
-                    <a:cxn ang="0">
-                      <a:pos x="wd2" y="hd2"/>
-                    </a:cxn>
-                    <a:cxn ang="5400000">
-                      <a:pos x="wd2" y="hd2"/>
-                    </a:cxn>
-                    <a:cxn ang="10800000">
-                      <a:pos x="wd2" y="hd2"/>
-                    </a:cxn>
-                    <a:cxn ang="16200000">
-                      <a:pos x="wd2" y="hd2"/>
-                    </a:cxn>
-                  </a:cxnLst>
-                  <a:rect l="0" t="0" r="r" b="b"/>
-                  <a:pathLst>
-                    <a:path w="19679" h="19679" extrusionOk="0">
-                      <a:moveTo>
-                        <a:pt x="16796" y="2882"/>
-                      </a:moveTo>
-                      <a:cubicBezTo>
-                        <a:pt x="20639" y="6724"/>
-                        <a:pt x="20639" y="12954"/>
-                        <a:pt x="16796" y="16796"/>
-                      </a:cubicBezTo>
-                      <a:cubicBezTo>
-                        <a:pt x="12954" y="20639"/>
-                        <a:pt x="6724" y="20639"/>
-                        <a:pt x="2882" y="16796"/>
-                      </a:cubicBezTo>
-                      <a:cubicBezTo>
-                        <a:pt x="-961" y="12954"/>
-                        <a:pt x="-961" y="6724"/>
-                        <a:pt x="2882" y="2882"/>
-                      </a:cubicBezTo>
-                      <a:cubicBezTo>
-                        <a:pt x="6724" y="-961"/>
-                        <a:pt x="12954" y="-961"/>
-                        <a:pt x="16796" y="2882"/>
-                      </a:cubicBezTo>
-                      <a:close/>
-                    </a:path>
-                  </a:pathLst>
-                </a:custGeom>
-                <a:solidFill>
-                  <a:srgbClr val="8DC53F"/>
-                </a:solidFill>
-                <a:ln w="3175" cap="flat">
-                  <a:noFill/>
-                  <a:miter lim="400000"/>
-                </a:ln>
-                <a:effectLst/>
-              </p:spPr>
-              <p:txBody>
-                <a:bodyPr wrap="square" lIns="0" tIns="0" rIns="0" bIns="0" numCol="1" anchor="ctr">
-                  <a:noAutofit/>
-                </a:bodyPr>
-                <a:lstStyle/>
-                <a:p>
-                  <a:pPr lvl="0">
-                    <a:defRPr sz="1800">
-                      <a:solidFill>
-                        <a:srgbClr val="FFFFFF"/>
-                      </a:solidFill>
-                    </a:defRPr>
-                  </a:pPr>
-                  <a:endParaRPr/>
-                </a:p>
-              </p:txBody>
-            </p:sp>
-            <p:pic>
-              <p:nvPicPr>
-                <p:cNvPr id="204" name="Picture 203">
-                  <a:extLst>
-                    <a:ext uri="{FF2B5EF4-FFF2-40B4-BE49-F238E27FC236}">
-                      <a16:creationId xmlns:a16="http://schemas.microsoft.com/office/drawing/2014/main" id="{E950FF29-BAD7-5749-BCAE-4BC7AD0F0D26}"/>
-                    </a:ext>
-                  </a:extLst>
-                </p:cNvPr>
-                <p:cNvPicPr>
-                  <a:picLocks noChangeAspect="1"/>
-                </p:cNvPicPr>
-                <p:nvPr/>
-              </p:nvPicPr>
-              <p:blipFill>
-                <a:blip r:embed="rId7"/>
-                <a:stretch>
-                  <a:fillRect/>
-                </a:stretch>
-              </p:blipFill>
-              <p:spPr>
-                <a:xfrm>
-                  <a:off x="717046" y="2061500"/>
-                  <a:ext cx="465673" cy="465673"/>
-                </a:xfrm>
-                <a:prstGeom prst="rect">
-                  <a:avLst/>
-                </a:prstGeom>
-              </p:spPr>
-            </p:pic>
-          </p:grpSp>
-          <p:grpSp>
-            <p:nvGrpSpPr>
-              <p:cNvPr id="194" name="Group 193">
-                <a:extLst>
-                  <a:ext uri="{FF2B5EF4-FFF2-40B4-BE49-F238E27FC236}">
-                    <a16:creationId xmlns:a16="http://schemas.microsoft.com/office/drawing/2014/main" id="{0AD42B79-E013-F149-B7BF-E03B0F25BA4E}"/>
-                  </a:ext>
-                </a:extLst>
-              </p:cNvPr>
-              <p:cNvGrpSpPr/>
-              <p:nvPr/>
-            </p:nvGrpSpPr>
-            <p:grpSpPr>
-              <a:xfrm>
-                <a:off x="4239149" y="3458733"/>
-                <a:ext cx="655475" cy="548640"/>
-                <a:chOff x="448907" y="2051118"/>
-                <a:chExt cx="814378" cy="694944"/>
-              </a:xfrm>
-            </p:grpSpPr>
-            <p:sp>
-              <p:nvSpPr>
-                <p:cNvPr id="201" name="Shape 252">
-                  <a:extLst>
-                    <a:ext uri="{FF2B5EF4-FFF2-40B4-BE49-F238E27FC236}">
-                      <a16:creationId xmlns:a16="http://schemas.microsoft.com/office/drawing/2014/main" id="{9F893F15-BFC8-734E-89D3-325A13BDDD8B}"/>
-                    </a:ext>
-                  </a:extLst>
-                </p:cNvPr>
-                <p:cNvSpPr/>
-                <p:nvPr/>
-              </p:nvSpPr>
-              <p:spPr>
-                <a:xfrm>
-                  <a:off x="448907" y="2051118"/>
-                  <a:ext cx="814378" cy="694944"/>
-                </a:xfrm>
-                <a:custGeom>
-                  <a:avLst/>
-                  <a:gdLst/>
-                  <a:ahLst/>
-                  <a:cxnLst>
-                    <a:cxn ang="0">
-                      <a:pos x="wd2" y="hd2"/>
-                    </a:cxn>
-                    <a:cxn ang="5400000">
-                      <a:pos x="wd2" y="hd2"/>
-                    </a:cxn>
-                    <a:cxn ang="10800000">
-                      <a:pos x="wd2" y="hd2"/>
-                    </a:cxn>
-                    <a:cxn ang="16200000">
-                      <a:pos x="wd2" y="hd2"/>
-                    </a:cxn>
-                  </a:cxnLst>
-                  <a:rect l="0" t="0" r="r" b="b"/>
-                  <a:pathLst>
-                    <a:path w="19679" h="19679" extrusionOk="0">
-                      <a:moveTo>
-                        <a:pt x="16796" y="2882"/>
-                      </a:moveTo>
-                      <a:cubicBezTo>
-                        <a:pt x="20639" y="6724"/>
-                        <a:pt x="20639" y="12954"/>
-                        <a:pt x="16796" y="16796"/>
-                      </a:cubicBezTo>
-                      <a:cubicBezTo>
-                        <a:pt x="12954" y="20639"/>
-                        <a:pt x="6724" y="20639"/>
-                        <a:pt x="2882" y="16796"/>
-                      </a:cubicBezTo>
-                      <a:cubicBezTo>
-                        <a:pt x="-961" y="12954"/>
-                        <a:pt x="-961" y="6724"/>
-                        <a:pt x="2882" y="2882"/>
-                      </a:cubicBezTo>
-                      <a:cubicBezTo>
-                        <a:pt x="6724" y="-961"/>
-                        <a:pt x="12954" y="-961"/>
-                        <a:pt x="16796" y="2882"/>
-                      </a:cubicBezTo>
-                      <a:close/>
-                    </a:path>
-                  </a:pathLst>
-                </a:custGeom>
-                <a:solidFill>
-                  <a:srgbClr val="8DC53F"/>
-                </a:solidFill>
-                <a:ln w="3175" cap="flat">
-                  <a:noFill/>
-                  <a:miter lim="400000"/>
-                </a:ln>
-                <a:effectLst/>
-              </p:spPr>
-              <p:txBody>
-                <a:bodyPr wrap="square" lIns="0" tIns="0" rIns="0" bIns="0" numCol="1" anchor="ctr">
-                  <a:noAutofit/>
-                </a:bodyPr>
-                <a:lstStyle/>
-                <a:p>
-                  <a:pPr lvl="0">
-                    <a:defRPr sz="1800">
-                      <a:solidFill>
-                        <a:srgbClr val="FFFFFF"/>
-                      </a:solidFill>
-                    </a:defRPr>
-                  </a:pPr>
-                  <a:endParaRPr/>
-                </a:p>
-              </p:txBody>
-            </p:sp>
-            <p:pic>
-              <p:nvPicPr>
-                <p:cNvPr id="202" name="Picture 201">
-                  <a:extLst>
-                    <a:ext uri="{FF2B5EF4-FFF2-40B4-BE49-F238E27FC236}">
-                      <a16:creationId xmlns:a16="http://schemas.microsoft.com/office/drawing/2014/main" id="{348B7525-69CA-9048-A2A7-6C1F2FE3FA15}"/>
-                    </a:ext>
-                  </a:extLst>
-                </p:cNvPr>
-                <p:cNvPicPr>
-                  <a:picLocks noChangeAspect="1"/>
-                </p:cNvPicPr>
-                <p:nvPr/>
-              </p:nvPicPr>
-              <p:blipFill>
-                <a:blip r:embed="rId7"/>
-                <a:stretch>
-                  <a:fillRect/>
-                </a:stretch>
-              </p:blipFill>
-              <p:spPr>
-                <a:xfrm>
-                  <a:off x="587827" y="2088701"/>
-                  <a:ext cx="478325" cy="478323"/>
-                </a:xfrm>
-                <a:prstGeom prst="rect">
-                  <a:avLst/>
-                </a:prstGeom>
-              </p:spPr>
-            </p:pic>
-          </p:grpSp>
-          <p:grpSp>
-            <p:nvGrpSpPr>
-              <p:cNvPr id="195" name="Group 194">
-                <a:extLst>
-                  <a:ext uri="{FF2B5EF4-FFF2-40B4-BE49-F238E27FC236}">
-                    <a16:creationId xmlns:a16="http://schemas.microsoft.com/office/drawing/2014/main" id="{1CBCEA44-38FF-5E48-B9A1-E6E7C61BBDB2}"/>
-                  </a:ext>
-                </a:extLst>
-              </p:cNvPr>
-              <p:cNvGrpSpPr/>
-              <p:nvPr/>
-            </p:nvGrpSpPr>
-            <p:grpSpPr>
-              <a:xfrm>
-                <a:off x="1850927" y="3449689"/>
-                <a:ext cx="655474" cy="543805"/>
-                <a:chOff x="543396" y="1998070"/>
-                <a:chExt cx="814378" cy="688820"/>
-              </a:xfrm>
-            </p:grpSpPr>
-            <p:sp>
-              <p:nvSpPr>
-                <p:cNvPr id="199" name="Shape 252">
-                  <a:extLst>
-                    <a:ext uri="{FF2B5EF4-FFF2-40B4-BE49-F238E27FC236}">
-                      <a16:creationId xmlns:a16="http://schemas.microsoft.com/office/drawing/2014/main" id="{95565842-93AD-CC44-8383-974702C060EA}"/>
-                    </a:ext>
-                  </a:extLst>
-                </p:cNvPr>
-                <p:cNvSpPr/>
-                <p:nvPr/>
-              </p:nvSpPr>
-              <p:spPr>
-                <a:xfrm>
-                  <a:off x="543396" y="1998070"/>
-                  <a:ext cx="814378" cy="688820"/>
-                </a:xfrm>
-                <a:custGeom>
-                  <a:avLst/>
-                  <a:gdLst/>
-                  <a:ahLst/>
-                  <a:cxnLst>
-                    <a:cxn ang="0">
-                      <a:pos x="wd2" y="hd2"/>
-                    </a:cxn>
-                    <a:cxn ang="5400000">
-                      <a:pos x="wd2" y="hd2"/>
-                    </a:cxn>
-                    <a:cxn ang="10800000">
-                      <a:pos x="wd2" y="hd2"/>
-                    </a:cxn>
-                    <a:cxn ang="16200000">
-                      <a:pos x="wd2" y="hd2"/>
-                    </a:cxn>
-                  </a:cxnLst>
-                  <a:rect l="0" t="0" r="r" b="b"/>
-                  <a:pathLst>
-                    <a:path w="19679" h="19679" extrusionOk="0">
-                      <a:moveTo>
-                        <a:pt x="16796" y="2882"/>
-                      </a:moveTo>
-                      <a:cubicBezTo>
-                        <a:pt x="20639" y="6724"/>
-                        <a:pt x="20639" y="12954"/>
-                        <a:pt x="16796" y="16796"/>
-                      </a:cubicBezTo>
-                      <a:cubicBezTo>
-                        <a:pt x="12954" y="20639"/>
-                        <a:pt x="6724" y="20639"/>
-                        <a:pt x="2882" y="16796"/>
-                      </a:cubicBezTo>
-                      <a:cubicBezTo>
-                        <a:pt x="-961" y="12954"/>
-                        <a:pt x="-961" y="6724"/>
-                        <a:pt x="2882" y="2882"/>
-                      </a:cubicBezTo>
-                      <a:cubicBezTo>
-                        <a:pt x="6724" y="-961"/>
-                        <a:pt x="12954" y="-961"/>
-                        <a:pt x="16796" y="2882"/>
-                      </a:cubicBezTo>
-                      <a:close/>
-                    </a:path>
-                  </a:pathLst>
-                </a:custGeom>
-                <a:solidFill>
-                  <a:srgbClr val="8DC53F"/>
-                </a:solidFill>
-                <a:ln w="3175" cap="flat">
-                  <a:noFill/>
-                  <a:miter lim="400000"/>
-                </a:ln>
-                <a:effectLst/>
-              </p:spPr>
-              <p:txBody>
-                <a:bodyPr wrap="square" lIns="0" tIns="0" rIns="0" bIns="0" numCol="1" anchor="ctr">
-                  <a:noAutofit/>
-                </a:bodyPr>
-                <a:lstStyle/>
-                <a:p>
-                  <a:pPr lvl="0">
-                    <a:defRPr sz="1800">
-                      <a:solidFill>
-                        <a:srgbClr val="FFFFFF"/>
-                      </a:solidFill>
-                    </a:defRPr>
-                  </a:pPr>
-                  <a:endParaRPr/>
-                </a:p>
-              </p:txBody>
-            </p:sp>
-            <p:pic>
-              <p:nvPicPr>
-                <p:cNvPr id="200" name="Picture 199">
-                  <a:extLst>
-                    <a:ext uri="{FF2B5EF4-FFF2-40B4-BE49-F238E27FC236}">
-                      <a16:creationId xmlns:a16="http://schemas.microsoft.com/office/drawing/2014/main" id="{8C0770CF-0E7B-6642-9831-F75B7D035987}"/>
-                    </a:ext>
-                  </a:extLst>
-                </p:cNvPr>
-                <p:cNvPicPr>
-                  <a:picLocks noChangeAspect="1"/>
-                </p:cNvPicPr>
-                <p:nvPr/>
-              </p:nvPicPr>
-              <p:blipFill>
-                <a:blip r:embed="rId7"/>
-                <a:stretch>
-                  <a:fillRect/>
-                </a:stretch>
-              </p:blipFill>
-              <p:spPr>
-                <a:xfrm>
-                  <a:off x="702343" y="2077254"/>
-                  <a:ext cx="483149" cy="483152"/>
-                </a:xfrm>
-                <a:prstGeom prst="rect">
-                  <a:avLst/>
-                </a:prstGeom>
-              </p:spPr>
-            </p:pic>
-          </p:grpSp>
-          <p:grpSp>
-            <p:nvGrpSpPr>
-              <p:cNvPr id="196" name="Group 195">
-                <a:extLst>
-                  <a:ext uri="{FF2B5EF4-FFF2-40B4-BE49-F238E27FC236}">
-                    <a16:creationId xmlns:a16="http://schemas.microsoft.com/office/drawing/2014/main" id="{1FA7DBEC-93D4-604E-A41C-F46E42C8B490}"/>
-                  </a:ext>
-                </a:extLst>
-              </p:cNvPr>
-              <p:cNvGrpSpPr/>
-              <p:nvPr/>
-            </p:nvGrpSpPr>
-            <p:grpSpPr>
-              <a:xfrm>
-                <a:off x="1095330" y="3435774"/>
-                <a:ext cx="655475" cy="543805"/>
-                <a:chOff x="501512" y="1990505"/>
-                <a:chExt cx="814378" cy="688820"/>
-              </a:xfrm>
-            </p:grpSpPr>
-            <p:sp>
-              <p:nvSpPr>
-                <p:cNvPr id="197" name="Shape 252">
-                  <a:extLst>
-                    <a:ext uri="{FF2B5EF4-FFF2-40B4-BE49-F238E27FC236}">
-                      <a16:creationId xmlns:a16="http://schemas.microsoft.com/office/drawing/2014/main" id="{71B8CF2C-C2EC-1742-935A-75F6DBF7EA21}"/>
-                    </a:ext>
-                  </a:extLst>
-                </p:cNvPr>
-                <p:cNvSpPr/>
-                <p:nvPr/>
-              </p:nvSpPr>
-              <p:spPr>
-                <a:xfrm>
-                  <a:off x="501512" y="1990505"/>
-                  <a:ext cx="814378" cy="688820"/>
-                </a:xfrm>
-                <a:custGeom>
-                  <a:avLst/>
-                  <a:gdLst/>
-                  <a:ahLst/>
-                  <a:cxnLst>
-                    <a:cxn ang="0">
-                      <a:pos x="wd2" y="hd2"/>
-                    </a:cxn>
-                    <a:cxn ang="5400000">
-                      <a:pos x="wd2" y="hd2"/>
-                    </a:cxn>
-                    <a:cxn ang="10800000">
-                      <a:pos x="wd2" y="hd2"/>
-                    </a:cxn>
-                    <a:cxn ang="16200000">
-                      <a:pos x="wd2" y="hd2"/>
-                    </a:cxn>
-                  </a:cxnLst>
-                  <a:rect l="0" t="0" r="r" b="b"/>
-                  <a:pathLst>
-                    <a:path w="19679" h="19679" extrusionOk="0">
-                      <a:moveTo>
-                        <a:pt x="16796" y="2882"/>
-                      </a:moveTo>
-                      <a:cubicBezTo>
-                        <a:pt x="20639" y="6724"/>
-                        <a:pt x="20639" y="12954"/>
-                        <a:pt x="16796" y="16796"/>
-                      </a:cubicBezTo>
-                      <a:cubicBezTo>
-                        <a:pt x="12954" y="20639"/>
-                        <a:pt x="6724" y="20639"/>
-                        <a:pt x="2882" y="16796"/>
-                      </a:cubicBezTo>
-                      <a:cubicBezTo>
-                        <a:pt x="-961" y="12954"/>
-                        <a:pt x="-961" y="6724"/>
-                        <a:pt x="2882" y="2882"/>
-                      </a:cubicBezTo>
-                      <a:cubicBezTo>
-                        <a:pt x="6724" y="-961"/>
-                        <a:pt x="12954" y="-961"/>
-                        <a:pt x="16796" y="2882"/>
-                      </a:cubicBezTo>
-                      <a:close/>
-                    </a:path>
-                  </a:pathLst>
-                </a:custGeom>
-                <a:solidFill>
-                  <a:srgbClr val="8DC53F"/>
-                </a:solidFill>
-                <a:ln w="3175" cap="flat">
-                  <a:noFill/>
-                  <a:miter lim="400000"/>
-                </a:ln>
-                <a:effectLst/>
-              </p:spPr>
-              <p:txBody>
-                <a:bodyPr wrap="square" lIns="0" tIns="0" rIns="0" bIns="0" numCol="1" anchor="ctr">
-                  <a:noAutofit/>
-                </a:bodyPr>
-                <a:lstStyle/>
-                <a:p>
-                  <a:pPr lvl="0">
-                    <a:defRPr sz="1800">
-                      <a:solidFill>
-                        <a:srgbClr val="FFFFFF"/>
-                      </a:solidFill>
-                    </a:defRPr>
-                  </a:pPr>
-                  <a:endParaRPr/>
-                </a:p>
-              </p:txBody>
-            </p:sp>
-            <p:pic>
-              <p:nvPicPr>
-                <p:cNvPr id="198" name="Picture 197">
-                  <a:extLst>
-                    <a:ext uri="{FF2B5EF4-FFF2-40B4-BE49-F238E27FC236}">
-                      <a16:creationId xmlns:a16="http://schemas.microsoft.com/office/drawing/2014/main" id="{EDD43958-3529-FF46-8D14-109A84F5FCD6}"/>
-                    </a:ext>
-                  </a:extLst>
-                </p:cNvPr>
-                <p:cNvPicPr>
-                  <a:picLocks noChangeAspect="1"/>
-                </p:cNvPicPr>
-                <p:nvPr/>
-              </p:nvPicPr>
-              <p:blipFill>
-                <a:blip r:embed="rId7"/>
-                <a:stretch>
-                  <a:fillRect/>
-                </a:stretch>
-              </p:blipFill>
-              <p:spPr>
-                <a:xfrm>
-                  <a:off x="658430" y="2058920"/>
-                  <a:ext cx="476574" cy="476574"/>
-                </a:xfrm>
-                <a:prstGeom prst="rect">
-                  <a:avLst/>
-                </a:prstGeom>
-              </p:spPr>
-            </p:pic>
-          </p:grpSp>
-        </p:grpSp>
-        <p:grpSp>
-          <p:nvGrpSpPr>
-            <p:cNvPr id="211" name="Group 210">
-              <a:extLst>
-                <a:ext uri="{FF2B5EF4-FFF2-40B4-BE49-F238E27FC236}">
-                  <a16:creationId xmlns:a16="http://schemas.microsoft.com/office/drawing/2014/main" id="{C3F63A80-8ABC-3D42-89FD-2B64B14228F7}"/>
-                </a:ext>
-              </a:extLst>
-            </p:cNvPr>
-            <p:cNvGrpSpPr/>
-            <p:nvPr/>
-          </p:nvGrpSpPr>
-          <p:grpSpPr>
-            <a:xfrm>
-              <a:off x="1936539" y="4930708"/>
-              <a:ext cx="539496" cy="502920"/>
-              <a:chOff x="5270034" y="4579362"/>
-              <a:chExt cx="751660" cy="692612"/>
-            </a:xfrm>
-          </p:grpSpPr>
-          <p:sp>
-            <p:nvSpPr>
-              <p:cNvPr id="212" name="Shape 252">
-                <a:extLst>
-                  <a:ext uri="{FF2B5EF4-FFF2-40B4-BE49-F238E27FC236}">
-                    <a16:creationId xmlns:a16="http://schemas.microsoft.com/office/drawing/2014/main" id="{952DF4C2-8613-7345-8C88-A360575D7542}"/>
-                  </a:ext>
-                </a:extLst>
-              </p:cNvPr>
-              <p:cNvSpPr/>
-              <p:nvPr/>
-            </p:nvSpPr>
-            <p:spPr>
-              <a:xfrm>
-                <a:off x="5270034" y="4579362"/>
+                <a:off x="5913508" y="4650196"/>
                 <a:ext cx="751660" cy="692612"/>
               </a:xfrm>
               <a:custGeom>
@@ -13230,10 +12011,10 @@
           </p:sp>
           <p:pic>
             <p:nvPicPr>
-              <p:cNvPr id="213" name="Picture 212">
+              <p:cNvPr id="206" name="Picture 205">
                 <a:extLst>
                   <a:ext uri="{FF2B5EF4-FFF2-40B4-BE49-F238E27FC236}">
-                    <a16:creationId xmlns:a16="http://schemas.microsoft.com/office/drawing/2014/main" id="{96209625-D398-D141-9BCE-8A97E4EF0E4A}"/>
+                    <a16:creationId xmlns:a16="http://schemas.microsoft.com/office/drawing/2014/main" id="{A26A6D9B-B8F3-3544-803A-3F6E31774A6C}"/>
                   </a:ext>
                 </a:extLst>
               </p:cNvPr>
@@ -13243,7 +12024,7 @@
               <p:nvPr/>
             </p:nvPicPr>
             <p:blipFill>
-              <a:blip r:embed="rId8">
+              <a:blip r:embed="rId6">
                 <a:biLevel thresh="50000"/>
               </a:blip>
               <a:stretch>
@@ -13252,8 +12033,8 @@
             </p:blipFill>
             <p:spPr>
               <a:xfrm>
-                <a:off x="5434062" y="4726343"/>
-                <a:ext cx="548298" cy="417749"/>
+                <a:off x="6053117" y="4713648"/>
+                <a:ext cx="472441" cy="501965"/>
               </a:xfrm>
               <a:prstGeom prst="rect">
                 <a:avLst/>
@@ -13263,10 +12044,10 @@
         </p:grpSp>
         <p:grpSp>
           <p:nvGrpSpPr>
-            <p:cNvPr id="214" name="Group 213">
+            <p:cNvPr id="193" name="Group 192">
               <a:extLst>
                 <a:ext uri="{FF2B5EF4-FFF2-40B4-BE49-F238E27FC236}">
-                  <a16:creationId xmlns:a16="http://schemas.microsoft.com/office/drawing/2014/main" id="{91D002C4-87AB-3443-88C6-70B0A1E02023}"/>
+                  <a16:creationId xmlns:a16="http://schemas.microsoft.com/office/drawing/2014/main" id="{5BC2C5BC-E706-AF43-A9A3-BF59C87FEC91}"/>
                 </a:ext>
               </a:extLst>
             </p:cNvPr>
@@ -13275,18 +12056,18 @@
           </p:nvGrpSpPr>
           <p:grpSpPr>
             <a:xfrm>
-              <a:off x="1941417" y="3142898"/>
-              <a:ext cx="537966" cy="503198"/>
-              <a:chOff x="7855527" y="2681064"/>
-              <a:chExt cx="751660" cy="692612"/>
+              <a:off x="5028472" y="3440249"/>
+              <a:ext cx="655475" cy="548640"/>
+              <a:chOff x="563238" y="1998756"/>
+              <a:chExt cx="814378" cy="694944"/>
             </a:xfrm>
           </p:grpSpPr>
           <p:sp>
             <p:nvSpPr>
-              <p:cNvPr id="215" name="Shape 252">
+              <p:cNvPr id="203" name="Shape 252">
                 <a:extLst>
                   <a:ext uri="{FF2B5EF4-FFF2-40B4-BE49-F238E27FC236}">
-                    <a16:creationId xmlns:a16="http://schemas.microsoft.com/office/drawing/2014/main" id="{279DE289-E5F6-564B-96BB-DA344F76DAFE}"/>
+                    <a16:creationId xmlns:a16="http://schemas.microsoft.com/office/drawing/2014/main" id="{51EE6EC0-BDCE-8249-B236-60752E71DC29}"/>
                   </a:ext>
                 </a:extLst>
               </p:cNvPr>
@@ -13295,8 +12076,8 @@
             </p:nvSpPr>
             <p:spPr>
               <a:xfrm>
-                <a:off x="7855527" y="2681064"/>
-                <a:ext cx="751660" cy="692612"/>
+                <a:off x="563238" y="1998756"/>
+                <a:ext cx="814378" cy="694944"/>
               </a:xfrm>
               <a:custGeom>
                 <a:avLst/>
@@ -13374,10 +12155,10 @@
           </p:sp>
           <p:pic>
             <p:nvPicPr>
-              <p:cNvPr id="216" name="Picture 215">
+              <p:cNvPr id="204" name="Picture 203">
                 <a:extLst>
                   <a:ext uri="{FF2B5EF4-FFF2-40B4-BE49-F238E27FC236}">
-                    <a16:creationId xmlns:a16="http://schemas.microsoft.com/office/drawing/2014/main" id="{F25C0BE6-2B0E-7E40-B8C3-39FD0EBEA797}"/>
+                    <a16:creationId xmlns:a16="http://schemas.microsoft.com/office/drawing/2014/main" id="{E950FF29-BAD7-5749-BCAE-4BC7AD0F0D26}"/>
                   </a:ext>
                 </a:extLst>
               </p:cNvPr>
@@ -13387,17 +12168,15 @@
               <p:nvPr/>
             </p:nvPicPr>
             <p:blipFill>
-              <a:blip r:embed="rId9">
-                <a:biLevel thresh="50000"/>
-              </a:blip>
+              <a:blip r:embed="rId7"/>
               <a:stretch>
                 <a:fillRect/>
               </a:stretch>
             </p:blipFill>
             <p:spPr>
               <a:xfrm>
-                <a:off x="7974711" y="2794159"/>
-                <a:ext cx="510949" cy="510949"/>
+                <a:off x="717046" y="2061500"/>
+                <a:ext cx="465673" cy="465673"/>
               </a:xfrm>
               <a:prstGeom prst="rect">
                 <a:avLst/>
@@ -13407,10 +12186,10 @@
         </p:grpSp>
         <p:grpSp>
           <p:nvGrpSpPr>
-            <p:cNvPr id="217" name="Group 216">
+            <p:cNvPr id="194" name="Group 193">
               <a:extLst>
                 <a:ext uri="{FF2B5EF4-FFF2-40B4-BE49-F238E27FC236}">
-                  <a16:creationId xmlns:a16="http://schemas.microsoft.com/office/drawing/2014/main" id="{F4892E39-C3CB-AE49-BF5F-F4E2DC4180D9}"/>
+                  <a16:creationId xmlns:a16="http://schemas.microsoft.com/office/drawing/2014/main" id="{0AD42B79-E013-F149-B7BF-E03B0F25BA4E}"/>
                 </a:ext>
               </a:extLst>
             </p:cNvPr>
@@ -13419,18 +12198,18 @@
           </p:nvGrpSpPr>
           <p:grpSpPr>
             <a:xfrm>
-              <a:off x="7681359" y="3995440"/>
-              <a:ext cx="539496" cy="502920"/>
-              <a:chOff x="8487970" y="1994397"/>
-              <a:chExt cx="751660" cy="692612"/>
+              <a:off x="4239149" y="3458733"/>
+              <a:ext cx="655475" cy="548640"/>
+              <a:chOff x="448907" y="2051118"/>
+              <a:chExt cx="814378" cy="694944"/>
             </a:xfrm>
           </p:grpSpPr>
           <p:sp>
             <p:nvSpPr>
-              <p:cNvPr id="218" name="Shape 252">
+              <p:cNvPr id="201" name="Shape 252">
                 <a:extLst>
                   <a:ext uri="{FF2B5EF4-FFF2-40B4-BE49-F238E27FC236}">
-                    <a16:creationId xmlns:a16="http://schemas.microsoft.com/office/drawing/2014/main" id="{A59CD37C-8585-394E-AF33-00BD0064DACF}"/>
+                    <a16:creationId xmlns:a16="http://schemas.microsoft.com/office/drawing/2014/main" id="{9F893F15-BFC8-734E-89D3-325A13BDDD8B}"/>
                   </a:ext>
                 </a:extLst>
               </p:cNvPr>
@@ -13439,8 +12218,8 @@
             </p:nvSpPr>
             <p:spPr>
               <a:xfrm>
-                <a:off x="8487970" y="1994397"/>
-                <a:ext cx="751660" cy="692612"/>
+                <a:off x="448907" y="2051118"/>
+                <a:ext cx="814378" cy="694944"/>
               </a:xfrm>
               <a:custGeom>
                 <a:avLst/>
@@ -13518,10 +12297,10 @@
           </p:sp>
           <p:pic>
             <p:nvPicPr>
-              <p:cNvPr id="219" name="Picture 218">
+              <p:cNvPr id="202" name="Picture 201">
                 <a:extLst>
                   <a:ext uri="{FF2B5EF4-FFF2-40B4-BE49-F238E27FC236}">
-                    <a16:creationId xmlns:a16="http://schemas.microsoft.com/office/drawing/2014/main" id="{2C802CBD-4ACD-C246-8D4C-EDB5D254B607}"/>
+                    <a16:creationId xmlns:a16="http://schemas.microsoft.com/office/drawing/2014/main" id="{348B7525-69CA-9048-A2A7-6C1F2FE3FA15}"/>
                   </a:ext>
                 </a:extLst>
               </p:cNvPr>
@@ -13531,22 +12310,15 @@
               <p:nvPr/>
             </p:nvPicPr>
             <p:blipFill>
-              <a:blip r:embed="rId10">
-                <a:biLevel thresh="25000"/>
-                <a:extLst>
-                  <a:ext uri="{28A0092B-C50C-407E-A947-70E740481C1C}">
-                    <a14:useLocalDpi xmlns:a14="http://schemas.microsoft.com/office/drawing/2010/main" val="0"/>
-                  </a:ext>
-                </a:extLst>
-              </a:blip>
+              <a:blip r:embed="rId7"/>
               <a:stretch>
                 <a:fillRect/>
               </a:stretch>
             </p:blipFill>
             <p:spPr>
               <a:xfrm>
-                <a:off x="8633004" y="2109907"/>
-                <a:ext cx="461592" cy="461592"/>
+                <a:off x="587827" y="2088701"/>
+                <a:ext cx="478325" cy="478323"/>
               </a:xfrm>
               <a:prstGeom prst="rect">
                 <a:avLst/>
@@ -13554,80 +12326,12 @@
             </p:spPr>
           </p:pic>
         </p:grpSp>
-        <p:pic>
-          <p:nvPicPr>
-            <p:cNvPr id="222" name="Picture 221">
+        <p:grpSp>
+          <p:nvGrpSpPr>
+            <p:cNvPr id="195" name="Group 194">
               <a:extLst>
                 <a:ext uri="{FF2B5EF4-FFF2-40B4-BE49-F238E27FC236}">
-                  <a16:creationId xmlns:a16="http://schemas.microsoft.com/office/drawing/2014/main" id="{6797F073-77A5-9E4E-8634-347D7DA76CA4}"/>
-                </a:ext>
-              </a:extLst>
-            </p:cNvPr>
-            <p:cNvPicPr>
-              <a:picLocks noChangeAspect="1"/>
-            </p:cNvPicPr>
-            <p:nvPr/>
-          </p:nvPicPr>
-          <p:blipFill>
-            <a:blip r:embed="rId11">
-              <a:duotone>
-                <a:schemeClr val="accent1">
-                  <a:shade val="45000"/>
-                  <a:satMod val="135000"/>
-                </a:schemeClr>
-                <a:prstClr val="white"/>
-              </a:duotone>
-            </a:blip>
-            <a:stretch>
-              <a:fillRect/>
-            </a:stretch>
-          </p:blipFill>
-          <p:spPr>
-            <a:xfrm>
-              <a:off x="660391" y="4614451"/>
-              <a:ext cx="767139" cy="780142"/>
-            </a:xfrm>
-            <a:prstGeom prst="rect">
-              <a:avLst/>
-            </a:prstGeom>
-          </p:spPr>
-        </p:pic>
-        <p:pic>
-          <p:nvPicPr>
-            <p:cNvPr id="224" name="Picture 223">
-              <a:extLst>
-                <a:ext uri="{FF2B5EF4-FFF2-40B4-BE49-F238E27FC236}">
-                  <a16:creationId xmlns:a16="http://schemas.microsoft.com/office/drawing/2014/main" id="{C8BAD4E0-6901-3B46-A427-1D7885E19F56}"/>
-                </a:ext>
-              </a:extLst>
-            </p:cNvPr>
-            <p:cNvPicPr>
-              <a:picLocks noChangeAspect="1"/>
-            </p:cNvPicPr>
-            <p:nvPr/>
-          </p:nvPicPr>
-          <p:blipFill>
-            <a:blip r:embed="rId12"/>
-            <a:stretch>
-              <a:fillRect/>
-            </a:stretch>
-          </p:blipFill>
-          <p:spPr>
-            <a:xfrm rot="10800000">
-              <a:off x="2748854" y="4289835"/>
-              <a:ext cx="647381" cy="241300"/>
-            </a:xfrm>
-            <a:prstGeom prst="rect">
-              <a:avLst/>
-            </a:prstGeom>
-          </p:spPr>
-        </p:pic>
-        <p:grpSp>
-          <p:nvGrpSpPr>
-            <p:cNvPr id="228" name="Group 191">
-              <a:extLst>
-                <a:ext uri="{FF2B5EF4-FFF2-40B4-BE49-F238E27FC236}">
-                  <a16:creationId xmlns:a16="http://schemas.microsoft.com/office/drawing/2014/main" id="{4C5AE0F4-720F-594E-B45D-AAE9C4BDA295}"/>
+                  <a16:creationId xmlns:a16="http://schemas.microsoft.com/office/drawing/2014/main" id="{1CBCEA44-38FF-5E48-B9A1-E6E7C61BBDB2}"/>
                 </a:ext>
               </a:extLst>
             </p:cNvPr>
@@ -13636,18 +12340,18 @@
           </p:nvGrpSpPr>
           <p:grpSpPr>
             <a:xfrm>
-              <a:off x="8427144" y="3248099"/>
-              <a:ext cx="578368" cy="561710"/>
-              <a:chOff x="8826" y="0"/>
-              <a:chExt cx="707231" cy="707231"/>
+              <a:off x="1850927" y="3449689"/>
+              <a:ext cx="655474" cy="543805"/>
+              <a:chOff x="543396" y="1998070"/>
+              <a:chExt cx="814378" cy="688820"/>
             </a:xfrm>
           </p:grpSpPr>
           <p:sp>
             <p:nvSpPr>
-              <p:cNvPr id="230" name="Shape 189">
+              <p:cNvPr id="199" name="Shape 252">
                 <a:extLst>
                   <a:ext uri="{FF2B5EF4-FFF2-40B4-BE49-F238E27FC236}">
-                    <a16:creationId xmlns:a16="http://schemas.microsoft.com/office/drawing/2014/main" id="{3BD488D2-CA12-104C-B319-9AD45A3F08CC}"/>
+                    <a16:creationId xmlns:a16="http://schemas.microsoft.com/office/drawing/2014/main" id="{95565842-93AD-CC44-8383-974702C060EA}"/>
                   </a:ext>
                 </a:extLst>
               </p:cNvPr>
@@ -13656,8 +12360,8 @@
             </p:nvSpPr>
             <p:spPr>
               <a:xfrm>
-                <a:off x="8826" y="0"/>
-                <a:ext cx="707232" cy="707232"/>
+                <a:off x="543396" y="1998070"/>
+                <a:ext cx="814378" cy="688820"/>
               </a:xfrm>
               <a:custGeom>
                 <a:avLst/>
@@ -13708,7 +12412,7 @@
                 </a:pathLst>
               </a:custGeom>
               <a:solidFill>
-                <a:srgbClr val="C2952D"/>
+                <a:srgbClr val="8DC53F"/>
               </a:solidFill>
               <a:ln w="3175" cap="flat">
                 <a:noFill/>
@@ -13729,53 +12433,47 @@
                     </a:solidFill>
                   </a:defRPr>
                 </a:pPr>
-                <a:endParaRPr dirty="0"/>
+                <a:endParaRPr/>
               </a:p>
             </p:txBody>
           </p:sp>
           <p:pic>
             <p:nvPicPr>
-              <p:cNvPr id="231" name="_-02.png">
+              <p:cNvPr id="200" name="Picture 199">
                 <a:extLst>
                   <a:ext uri="{FF2B5EF4-FFF2-40B4-BE49-F238E27FC236}">
-                    <a16:creationId xmlns:a16="http://schemas.microsoft.com/office/drawing/2014/main" id="{F3BD0AA3-FC0B-0E41-B3E1-AA649D54DAA5}"/>
+                    <a16:creationId xmlns:a16="http://schemas.microsoft.com/office/drawing/2014/main" id="{8C0770CF-0E7B-6642-9831-F75B7D035987}"/>
                   </a:ext>
                 </a:extLst>
               </p:cNvPr>
-              <p:cNvPicPr/>
+              <p:cNvPicPr>
+                <a:picLocks noChangeAspect="1"/>
+              </p:cNvPicPr>
               <p:nvPr/>
             </p:nvPicPr>
             <p:blipFill>
-              <a:blip r:embed="rId13">
-                <a:extLst/>
-              </a:blip>
-              <a:srcRect l="24323" t="21763" r="24323" b="21763"/>
+              <a:blip r:embed="rId7"/>
               <a:stretch>
                 <a:fillRect/>
               </a:stretch>
             </p:blipFill>
             <p:spPr>
               <a:xfrm>
-                <a:off x="172020" y="153919"/>
-                <a:ext cx="363191" cy="399394"/>
+                <a:off x="702343" y="2077254"/>
+                <a:ext cx="483149" cy="483152"/>
               </a:xfrm>
               <a:prstGeom prst="rect">
                 <a:avLst/>
               </a:prstGeom>
-              <a:ln w="3175" cap="flat">
-                <a:noFill/>
-                <a:miter lim="400000"/>
-              </a:ln>
-              <a:effectLst/>
             </p:spPr>
           </p:pic>
         </p:grpSp>
         <p:grpSp>
           <p:nvGrpSpPr>
-            <p:cNvPr id="232" name="Group 191">
+            <p:cNvPr id="196" name="Group 195">
               <a:extLst>
                 <a:ext uri="{FF2B5EF4-FFF2-40B4-BE49-F238E27FC236}">
-                  <a16:creationId xmlns:a16="http://schemas.microsoft.com/office/drawing/2014/main" id="{4A651B74-CC6B-714B-BB8D-D8077E84B27B}"/>
+                  <a16:creationId xmlns:a16="http://schemas.microsoft.com/office/drawing/2014/main" id="{1FA7DBEC-93D4-604E-A41C-F46E42C8B490}"/>
                 </a:ext>
               </a:extLst>
             </p:cNvPr>
@@ -13784,18 +12482,18 @@
           </p:nvGrpSpPr>
           <p:grpSpPr>
             <a:xfrm>
-              <a:off x="748164" y="3010943"/>
-              <a:ext cx="578368" cy="561710"/>
-              <a:chOff x="8826" y="0"/>
-              <a:chExt cx="707231" cy="707231"/>
+              <a:off x="1095330" y="3435774"/>
+              <a:ext cx="655475" cy="543805"/>
+              <a:chOff x="501512" y="1990505"/>
+              <a:chExt cx="814378" cy="688820"/>
             </a:xfrm>
           </p:grpSpPr>
           <p:sp>
             <p:nvSpPr>
-              <p:cNvPr id="233" name="Shape 189">
+              <p:cNvPr id="197" name="Shape 252">
                 <a:extLst>
                   <a:ext uri="{FF2B5EF4-FFF2-40B4-BE49-F238E27FC236}">
-                    <a16:creationId xmlns:a16="http://schemas.microsoft.com/office/drawing/2014/main" id="{215874FD-4E16-2F42-864A-6A4C07FD883B}"/>
+                    <a16:creationId xmlns:a16="http://schemas.microsoft.com/office/drawing/2014/main" id="{71B8CF2C-C2EC-1742-935A-75F6DBF7EA21}"/>
                   </a:ext>
                 </a:extLst>
               </p:cNvPr>
@@ -13804,8 +12502,8 @@
             </p:nvSpPr>
             <p:spPr>
               <a:xfrm>
-                <a:off x="8826" y="0"/>
-                <a:ext cx="707232" cy="707232"/>
+                <a:off x="501512" y="1990505"/>
+                <a:ext cx="814378" cy="688820"/>
               </a:xfrm>
               <a:custGeom>
                 <a:avLst/>
@@ -13856,7 +12554,7 @@
                 </a:pathLst>
               </a:custGeom>
               <a:solidFill>
-                <a:srgbClr val="C2952D"/>
+                <a:srgbClr val="8DC53F"/>
               </a:solidFill>
               <a:ln w="3175" cap="flat">
                 <a:noFill/>
@@ -13877,53 +12575,1313 @@
                     </a:solidFill>
                   </a:defRPr>
                 </a:pPr>
-                <a:endParaRPr dirty="0"/>
+                <a:endParaRPr/>
               </a:p>
             </p:txBody>
           </p:sp>
           <p:pic>
             <p:nvPicPr>
-              <p:cNvPr id="234" name="_-02.png">
+              <p:cNvPr id="198" name="Picture 197">
                 <a:extLst>
                   <a:ext uri="{FF2B5EF4-FFF2-40B4-BE49-F238E27FC236}">
-                    <a16:creationId xmlns:a16="http://schemas.microsoft.com/office/drawing/2014/main" id="{B4246D92-9D4F-424E-86E5-D1F7102F0CC0}"/>
+                    <a16:creationId xmlns:a16="http://schemas.microsoft.com/office/drawing/2014/main" id="{EDD43958-3529-FF46-8D14-109A84F5FCD6}"/>
                   </a:ext>
                 </a:extLst>
               </p:cNvPr>
-              <p:cNvPicPr/>
+              <p:cNvPicPr>
+                <a:picLocks noChangeAspect="1"/>
+              </p:cNvPicPr>
               <p:nvPr/>
             </p:nvPicPr>
             <p:blipFill>
-              <a:blip r:embed="rId13">
-                <a:extLst/>
-              </a:blip>
-              <a:srcRect l="24323" t="21763" r="24323" b="21763"/>
+              <a:blip r:embed="rId7"/>
               <a:stretch>
                 <a:fillRect/>
               </a:stretch>
             </p:blipFill>
             <p:spPr>
               <a:xfrm>
-                <a:off x="172020" y="153919"/>
-                <a:ext cx="363191" cy="399394"/>
+                <a:off x="658430" y="2058920"/>
+                <a:ext cx="476574" cy="476574"/>
               </a:xfrm>
               <a:prstGeom prst="rect">
                 <a:avLst/>
               </a:prstGeom>
-              <a:ln w="3175" cap="flat">
-                <a:noFill/>
-                <a:miter lim="400000"/>
-              </a:ln>
-              <a:effectLst/>
             </p:spPr>
           </p:pic>
         </p:grpSp>
+      </p:grpSp>
+      <p:grpSp>
+        <p:nvGrpSpPr>
+          <p:cNvPr id="211" name="Group 210">
+            <a:extLst>
+              <a:ext uri="{FF2B5EF4-FFF2-40B4-BE49-F238E27FC236}">
+                <a16:creationId xmlns:a16="http://schemas.microsoft.com/office/drawing/2014/main" id="{C3F63A80-8ABC-3D42-89FD-2B64B14228F7}"/>
+              </a:ext>
+            </a:extLst>
+          </p:cNvPr>
+          <p:cNvGrpSpPr/>
+          <p:nvPr/>
+        </p:nvGrpSpPr>
+        <p:grpSpPr>
+          <a:xfrm>
+            <a:off x="1921041" y="4062803"/>
+            <a:ext cx="539496" cy="502920"/>
+            <a:chOff x="5270034" y="4579362"/>
+            <a:chExt cx="751660" cy="692612"/>
+          </a:xfrm>
+        </p:grpSpPr>
+        <p:sp>
+          <p:nvSpPr>
+            <p:cNvPr id="212" name="Shape 252">
+              <a:extLst>
+                <a:ext uri="{FF2B5EF4-FFF2-40B4-BE49-F238E27FC236}">
+                  <a16:creationId xmlns:a16="http://schemas.microsoft.com/office/drawing/2014/main" id="{952DF4C2-8613-7345-8C88-A360575D7542}"/>
+                </a:ext>
+              </a:extLst>
+            </p:cNvPr>
+            <p:cNvSpPr/>
+            <p:nvPr/>
+          </p:nvSpPr>
+          <p:spPr>
+            <a:xfrm>
+              <a:off x="5270034" y="4579362"/>
+              <a:ext cx="751660" cy="692612"/>
+            </a:xfrm>
+            <a:custGeom>
+              <a:avLst/>
+              <a:gdLst/>
+              <a:ahLst/>
+              <a:cxnLst>
+                <a:cxn ang="0">
+                  <a:pos x="wd2" y="hd2"/>
+                </a:cxn>
+                <a:cxn ang="5400000">
+                  <a:pos x="wd2" y="hd2"/>
+                </a:cxn>
+                <a:cxn ang="10800000">
+                  <a:pos x="wd2" y="hd2"/>
+                </a:cxn>
+                <a:cxn ang="16200000">
+                  <a:pos x="wd2" y="hd2"/>
+                </a:cxn>
+              </a:cxnLst>
+              <a:rect l="0" t="0" r="r" b="b"/>
+              <a:pathLst>
+                <a:path w="19679" h="19679" extrusionOk="0">
+                  <a:moveTo>
+                    <a:pt x="16796" y="2882"/>
+                  </a:moveTo>
+                  <a:cubicBezTo>
+                    <a:pt x="20639" y="6724"/>
+                    <a:pt x="20639" y="12954"/>
+                    <a:pt x="16796" y="16796"/>
+                  </a:cubicBezTo>
+                  <a:cubicBezTo>
+                    <a:pt x="12954" y="20639"/>
+                    <a:pt x="6724" y="20639"/>
+                    <a:pt x="2882" y="16796"/>
+                  </a:cubicBezTo>
+                  <a:cubicBezTo>
+                    <a:pt x="-961" y="12954"/>
+                    <a:pt x="-961" y="6724"/>
+                    <a:pt x="2882" y="2882"/>
+                  </a:cubicBezTo>
+                  <a:cubicBezTo>
+                    <a:pt x="6724" y="-961"/>
+                    <a:pt x="12954" y="-961"/>
+                    <a:pt x="16796" y="2882"/>
+                  </a:cubicBezTo>
+                  <a:close/>
+                </a:path>
+              </a:pathLst>
+            </a:custGeom>
+            <a:solidFill>
+              <a:srgbClr val="8DC53F"/>
+            </a:solidFill>
+            <a:ln w="3175" cap="flat">
+              <a:noFill/>
+              <a:miter lim="400000"/>
+            </a:ln>
+            <a:effectLst/>
+          </p:spPr>
+          <p:txBody>
+            <a:bodyPr wrap="square" lIns="0" tIns="0" rIns="0" bIns="0" numCol="1" anchor="ctr">
+              <a:noAutofit/>
+            </a:bodyPr>
+            <a:lstStyle/>
+            <a:p>
+              <a:pPr lvl="0">
+                <a:defRPr sz="1800">
+                  <a:solidFill>
+                    <a:srgbClr val="FFFFFF"/>
+                  </a:solidFill>
+                </a:defRPr>
+              </a:pPr>
+              <a:endParaRPr/>
+            </a:p>
+          </p:txBody>
+        </p:sp>
+        <p:pic>
+          <p:nvPicPr>
+            <p:cNvPr id="213" name="Picture 212">
+              <a:extLst>
+                <a:ext uri="{FF2B5EF4-FFF2-40B4-BE49-F238E27FC236}">
+                  <a16:creationId xmlns:a16="http://schemas.microsoft.com/office/drawing/2014/main" id="{96209625-D398-D141-9BCE-8A97E4EF0E4A}"/>
+                </a:ext>
+              </a:extLst>
+            </p:cNvPr>
+            <p:cNvPicPr>
+              <a:picLocks noChangeAspect="1"/>
+            </p:cNvPicPr>
+            <p:nvPr/>
+          </p:nvPicPr>
+          <p:blipFill>
+            <a:blip r:embed="rId8">
+              <a:biLevel thresh="50000"/>
+            </a:blip>
+            <a:stretch>
+              <a:fillRect/>
+            </a:stretch>
+          </p:blipFill>
+          <p:spPr>
+            <a:xfrm>
+              <a:off x="5434062" y="4726343"/>
+              <a:ext cx="548298" cy="417749"/>
+            </a:xfrm>
+            <a:prstGeom prst="rect">
+              <a:avLst/>
+            </a:prstGeom>
+          </p:spPr>
+        </p:pic>
+      </p:grpSp>
+      <p:grpSp>
+        <p:nvGrpSpPr>
+          <p:cNvPr id="214" name="Group 213">
+            <a:extLst>
+              <a:ext uri="{FF2B5EF4-FFF2-40B4-BE49-F238E27FC236}">
+                <a16:creationId xmlns:a16="http://schemas.microsoft.com/office/drawing/2014/main" id="{91D002C4-87AB-3443-88C6-70B0A1E02023}"/>
+              </a:ext>
+            </a:extLst>
+          </p:cNvPr>
+          <p:cNvGrpSpPr/>
+          <p:nvPr/>
+        </p:nvGrpSpPr>
+        <p:grpSpPr>
+          <a:xfrm>
+            <a:off x="1925919" y="2274993"/>
+            <a:ext cx="537966" cy="503198"/>
+            <a:chOff x="7855527" y="2681064"/>
+            <a:chExt cx="751660" cy="692612"/>
+          </a:xfrm>
+        </p:grpSpPr>
+        <p:sp>
+          <p:nvSpPr>
+            <p:cNvPr id="215" name="Shape 252">
+              <a:extLst>
+                <a:ext uri="{FF2B5EF4-FFF2-40B4-BE49-F238E27FC236}">
+                  <a16:creationId xmlns:a16="http://schemas.microsoft.com/office/drawing/2014/main" id="{279DE289-E5F6-564B-96BB-DA344F76DAFE}"/>
+                </a:ext>
+              </a:extLst>
+            </p:cNvPr>
+            <p:cNvSpPr/>
+            <p:nvPr/>
+          </p:nvSpPr>
+          <p:spPr>
+            <a:xfrm>
+              <a:off x="7855527" y="2681064"/>
+              <a:ext cx="751660" cy="692612"/>
+            </a:xfrm>
+            <a:custGeom>
+              <a:avLst/>
+              <a:gdLst/>
+              <a:ahLst/>
+              <a:cxnLst>
+                <a:cxn ang="0">
+                  <a:pos x="wd2" y="hd2"/>
+                </a:cxn>
+                <a:cxn ang="5400000">
+                  <a:pos x="wd2" y="hd2"/>
+                </a:cxn>
+                <a:cxn ang="10800000">
+                  <a:pos x="wd2" y="hd2"/>
+                </a:cxn>
+                <a:cxn ang="16200000">
+                  <a:pos x="wd2" y="hd2"/>
+                </a:cxn>
+              </a:cxnLst>
+              <a:rect l="0" t="0" r="r" b="b"/>
+              <a:pathLst>
+                <a:path w="19679" h="19679" extrusionOk="0">
+                  <a:moveTo>
+                    <a:pt x="16796" y="2882"/>
+                  </a:moveTo>
+                  <a:cubicBezTo>
+                    <a:pt x="20639" y="6724"/>
+                    <a:pt x="20639" y="12954"/>
+                    <a:pt x="16796" y="16796"/>
+                  </a:cubicBezTo>
+                  <a:cubicBezTo>
+                    <a:pt x="12954" y="20639"/>
+                    <a:pt x="6724" y="20639"/>
+                    <a:pt x="2882" y="16796"/>
+                  </a:cubicBezTo>
+                  <a:cubicBezTo>
+                    <a:pt x="-961" y="12954"/>
+                    <a:pt x="-961" y="6724"/>
+                    <a:pt x="2882" y="2882"/>
+                  </a:cubicBezTo>
+                  <a:cubicBezTo>
+                    <a:pt x="6724" y="-961"/>
+                    <a:pt x="12954" y="-961"/>
+                    <a:pt x="16796" y="2882"/>
+                  </a:cubicBezTo>
+                  <a:close/>
+                </a:path>
+              </a:pathLst>
+            </a:custGeom>
+            <a:solidFill>
+              <a:srgbClr val="8DC53F"/>
+            </a:solidFill>
+            <a:ln w="3175" cap="flat">
+              <a:noFill/>
+              <a:miter lim="400000"/>
+            </a:ln>
+            <a:effectLst/>
+          </p:spPr>
+          <p:txBody>
+            <a:bodyPr wrap="square" lIns="0" tIns="0" rIns="0" bIns="0" numCol="1" anchor="ctr">
+              <a:noAutofit/>
+            </a:bodyPr>
+            <a:lstStyle/>
+            <a:p>
+              <a:pPr lvl="0">
+                <a:defRPr sz="1800">
+                  <a:solidFill>
+                    <a:srgbClr val="FFFFFF"/>
+                  </a:solidFill>
+                </a:defRPr>
+              </a:pPr>
+              <a:endParaRPr/>
+            </a:p>
+          </p:txBody>
+        </p:sp>
+        <p:pic>
+          <p:nvPicPr>
+            <p:cNvPr id="216" name="Picture 215">
+              <a:extLst>
+                <a:ext uri="{FF2B5EF4-FFF2-40B4-BE49-F238E27FC236}">
+                  <a16:creationId xmlns:a16="http://schemas.microsoft.com/office/drawing/2014/main" id="{F25C0BE6-2B0E-7E40-B8C3-39FD0EBEA797}"/>
+                </a:ext>
+              </a:extLst>
+            </p:cNvPr>
+            <p:cNvPicPr>
+              <a:picLocks noChangeAspect="1"/>
+            </p:cNvPicPr>
+            <p:nvPr/>
+          </p:nvPicPr>
+          <p:blipFill>
+            <a:blip r:embed="rId9">
+              <a:biLevel thresh="50000"/>
+            </a:blip>
+            <a:stretch>
+              <a:fillRect/>
+            </a:stretch>
+          </p:blipFill>
+          <p:spPr>
+            <a:xfrm>
+              <a:off x="7974711" y="2794159"/>
+              <a:ext cx="510949" cy="510949"/>
+            </a:xfrm>
+            <a:prstGeom prst="rect">
+              <a:avLst/>
+            </a:prstGeom>
+          </p:spPr>
+        </p:pic>
+      </p:grpSp>
+      <p:grpSp>
+        <p:nvGrpSpPr>
+          <p:cNvPr id="217" name="Group 216">
+            <a:extLst>
+              <a:ext uri="{FF2B5EF4-FFF2-40B4-BE49-F238E27FC236}">
+                <a16:creationId xmlns:a16="http://schemas.microsoft.com/office/drawing/2014/main" id="{F4892E39-C3CB-AE49-BF5F-F4E2DC4180D9}"/>
+              </a:ext>
+            </a:extLst>
+          </p:cNvPr>
+          <p:cNvGrpSpPr/>
+          <p:nvPr/>
+        </p:nvGrpSpPr>
+        <p:grpSpPr>
+          <a:xfrm>
+            <a:off x="7665861" y="3127535"/>
+            <a:ext cx="539496" cy="502920"/>
+            <a:chOff x="8487970" y="1994397"/>
+            <a:chExt cx="751660" cy="692612"/>
+          </a:xfrm>
+        </p:grpSpPr>
+        <p:sp>
+          <p:nvSpPr>
+            <p:cNvPr id="218" name="Shape 252">
+              <a:extLst>
+                <a:ext uri="{FF2B5EF4-FFF2-40B4-BE49-F238E27FC236}">
+                  <a16:creationId xmlns:a16="http://schemas.microsoft.com/office/drawing/2014/main" id="{A59CD37C-8585-394E-AF33-00BD0064DACF}"/>
+                </a:ext>
+              </a:extLst>
+            </p:cNvPr>
+            <p:cNvSpPr/>
+            <p:nvPr/>
+          </p:nvSpPr>
+          <p:spPr>
+            <a:xfrm>
+              <a:off x="8487970" y="1994397"/>
+              <a:ext cx="751660" cy="692612"/>
+            </a:xfrm>
+            <a:custGeom>
+              <a:avLst/>
+              <a:gdLst/>
+              <a:ahLst/>
+              <a:cxnLst>
+                <a:cxn ang="0">
+                  <a:pos x="wd2" y="hd2"/>
+                </a:cxn>
+                <a:cxn ang="5400000">
+                  <a:pos x="wd2" y="hd2"/>
+                </a:cxn>
+                <a:cxn ang="10800000">
+                  <a:pos x="wd2" y="hd2"/>
+                </a:cxn>
+                <a:cxn ang="16200000">
+                  <a:pos x="wd2" y="hd2"/>
+                </a:cxn>
+              </a:cxnLst>
+              <a:rect l="0" t="0" r="r" b="b"/>
+              <a:pathLst>
+                <a:path w="19679" h="19679" extrusionOk="0">
+                  <a:moveTo>
+                    <a:pt x="16796" y="2882"/>
+                  </a:moveTo>
+                  <a:cubicBezTo>
+                    <a:pt x="20639" y="6724"/>
+                    <a:pt x="20639" y="12954"/>
+                    <a:pt x="16796" y="16796"/>
+                  </a:cubicBezTo>
+                  <a:cubicBezTo>
+                    <a:pt x="12954" y="20639"/>
+                    <a:pt x="6724" y="20639"/>
+                    <a:pt x="2882" y="16796"/>
+                  </a:cubicBezTo>
+                  <a:cubicBezTo>
+                    <a:pt x="-961" y="12954"/>
+                    <a:pt x="-961" y="6724"/>
+                    <a:pt x="2882" y="2882"/>
+                  </a:cubicBezTo>
+                  <a:cubicBezTo>
+                    <a:pt x="6724" y="-961"/>
+                    <a:pt x="12954" y="-961"/>
+                    <a:pt x="16796" y="2882"/>
+                  </a:cubicBezTo>
+                  <a:close/>
+                </a:path>
+              </a:pathLst>
+            </a:custGeom>
+            <a:solidFill>
+              <a:srgbClr val="8DC53F"/>
+            </a:solidFill>
+            <a:ln w="3175" cap="flat">
+              <a:noFill/>
+              <a:miter lim="400000"/>
+            </a:ln>
+            <a:effectLst/>
+          </p:spPr>
+          <p:txBody>
+            <a:bodyPr wrap="square" lIns="0" tIns="0" rIns="0" bIns="0" numCol="1" anchor="ctr">
+              <a:noAutofit/>
+            </a:bodyPr>
+            <a:lstStyle/>
+            <a:p>
+              <a:pPr lvl="0">
+                <a:defRPr sz="1800">
+                  <a:solidFill>
+                    <a:srgbClr val="FFFFFF"/>
+                  </a:solidFill>
+                </a:defRPr>
+              </a:pPr>
+              <a:endParaRPr/>
+            </a:p>
+          </p:txBody>
+        </p:sp>
+        <p:pic>
+          <p:nvPicPr>
+            <p:cNvPr id="219" name="Picture 218">
+              <a:extLst>
+                <a:ext uri="{FF2B5EF4-FFF2-40B4-BE49-F238E27FC236}">
+                  <a16:creationId xmlns:a16="http://schemas.microsoft.com/office/drawing/2014/main" id="{2C802CBD-4ACD-C246-8D4C-EDB5D254B607}"/>
+                </a:ext>
+              </a:extLst>
+            </p:cNvPr>
+            <p:cNvPicPr>
+              <a:picLocks noChangeAspect="1"/>
+            </p:cNvPicPr>
+            <p:nvPr/>
+          </p:nvPicPr>
+          <p:blipFill>
+            <a:blip r:embed="rId10">
+              <a:biLevel thresh="25000"/>
+              <a:extLst>
+                <a:ext uri="{28A0092B-C50C-407E-A947-70E740481C1C}">
+                  <a14:useLocalDpi xmlns:a14="http://schemas.microsoft.com/office/drawing/2010/main" val="0"/>
+                </a:ext>
+              </a:extLst>
+            </a:blip>
+            <a:stretch>
+              <a:fillRect/>
+            </a:stretch>
+          </p:blipFill>
+          <p:spPr>
+            <a:xfrm>
+              <a:off x="8633004" y="2109907"/>
+              <a:ext cx="461592" cy="461592"/>
+            </a:xfrm>
+            <a:prstGeom prst="rect">
+              <a:avLst/>
+            </a:prstGeom>
+          </p:spPr>
+        </p:pic>
+      </p:grpSp>
+      <p:pic>
+        <p:nvPicPr>
+          <p:cNvPr id="222" name="Picture 221">
+            <a:extLst>
+              <a:ext uri="{FF2B5EF4-FFF2-40B4-BE49-F238E27FC236}">
+                <a16:creationId xmlns:a16="http://schemas.microsoft.com/office/drawing/2014/main" id="{6797F073-77A5-9E4E-8634-347D7DA76CA4}"/>
+              </a:ext>
+            </a:extLst>
+          </p:cNvPr>
+          <p:cNvPicPr>
+            <a:picLocks noChangeAspect="1"/>
+          </p:cNvPicPr>
+          <p:nvPr/>
+        </p:nvPicPr>
+        <p:blipFill>
+          <a:blip r:embed="rId11">
+            <a:duotone>
+              <a:schemeClr val="accent1">
+                <a:shade val="45000"/>
+                <a:satMod val="135000"/>
+              </a:schemeClr>
+              <a:prstClr val="white"/>
+            </a:duotone>
+          </a:blip>
+          <a:stretch>
+            <a:fillRect/>
+          </a:stretch>
+        </p:blipFill>
+        <p:spPr>
+          <a:xfrm>
+            <a:off x="644893" y="3746546"/>
+            <a:ext cx="767139" cy="780142"/>
+          </a:xfrm>
+          <a:prstGeom prst="rect">
+            <a:avLst/>
+          </a:prstGeom>
+        </p:spPr>
+      </p:pic>
+      <p:pic>
+        <p:nvPicPr>
+          <p:cNvPr id="224" name="Picture 223">
+            <a:extLst>
+              <a:ext uri="{FF2B5EF4-FFF2-40B4-BE49-F238E27FC236}">
+                <a16:creationId xmlns:a16="http://schemas.microsoft.com/office/drawing/2014/main" id="{C8BAD4E0-6901-3B46-A427-1D7885E19F56}"/>
+              </a:ext>
+            </a:extLst>
+          </p:cNvPr>
+          <p:cNvPicPr>
+            <a:picLocks noChangeAspect="1"/>
+          </p:cNvPicPr>
+          <p:nvPr/>
+        </p:nvPicPr>
+        <p:blipFill>
+          <a:blip r:embed="rId12"/>
+          <a:stretch>
+            <a:fillRect/>
+          </a:stretch>
+        </p:blipFill>
+        <p:spPr>
+          <a:xfrm rot="10800000">
+            <a:off x="2733356" y="3421930"/>
+            <a:ext cx="647381" cy="241300"/>
+          </a:xfrm>
+          <a:prstGeom prst="rect">
+            <a:avLst/>
+          </a:prstGeom>
+        </p:spPr>
+      </p:pic>
+      <p:grpSp>
+        <p:nvGrpSpPr>
+          <p:cNvPr id="228" name="Group 191">
+            <a:extLst>
+              <a:ext uri="{FF2B5EF4-FFF2-40B4-BE49-F238E27FC236}">
+                <a16:creationId xmlns:a16="http://schemas.microsoft.com/office/drawing/2014/main" id="{4C5AE0F4-720F-594E-B45D-AAE9C4BDA295}"/>
+              </a:ext>
+            </a:extLst>
+          </p:cNvPr>
+          <p:cNvGrpSpPr/>
+          <p:nvPr/>
+        </p:nvGrpSpPr>
+        <p:grpSpPr>
+          <a:xfrm>
+            <a:off x="8411646" y="2380194"/>
+            <a:ext cx="578368" cy="561710"/>
+            <a:chOff x="8826" y="0"/>
+            <a:chExt cx="707231" cy="707231"/>
+          </a:xfrm>
+        </p:grpSpPr>
+        <p:sp>
+          <p:nvSpPr>
+            <p:cNvPr id="230" name="Shape 189">
+              <a:extLst>
+                <a:ext uri="{FF2B5EF4-FFF2-40B4-BE49-F238E27FC236}">
+                  <a16:creationId xmlns:a16="http://schemas.microsoft.com/office/drawing/2014/main" id="{3BD488D2-CA12-104C-B319-9AD45A3F08CC}"/>
+                </a:ext>
+              </a:extLst>
+            </p:cNvPr>
+            <p:cNvSpPr/>
+            <p:nvPr/>
+          </p:nvSpPr>
+          <p:spPr>
+            <a:xfrm>
+              <a:off x="8826" y="0"/>
+              <a:ext cx="707232" cy="707232"/>
+            </a:xfrm>
+            <a:custGeom>
+              <a:avLst/>
+              <a:gdLst/>
+              <a:ahLst/>
+              <a:cxnLst>
+                <a:cxn ang="0">
+                  <a:pos x="wd2" y="hd2"/>
+                </a:cxn>
+                <a:cxn ang="5400000">
+                  <a:pos x="wd2" y="hd2"/>
+                </a:cxn>
+                <a:cxn ang="10800000">
+                  <a:pos x="wd2" y="hd2"/>
+                </a:cxn>
+                <a:cxn ang="16200000">
+                  <a:pos x="wd2" y="hd2"/>
+                </a:cxn>
+              </a:cxnLst>
+              <a:rect l="0" t="0" r="r" b="b"/>
+              <a:pathLst>
+                <a:path w="19679" h="19679" extrusionOk="0">
+                  <a:moveTo>
+                    <a:pt x="16796" y="2882"/>
+                  </a:moveTo>
+                  <a:cubicBezTo>
+                    <a:pt x="20639" y="6724"/>
+                    <a:pt x="20639" y="12954"/>
+                    <a:pt x="16796" y="16796"/>
+                  </a:cubicBezTo>
+                  <a:cubicBezTo>
+                    <a:pt x="12954" y="20639"/>
+                    <a:pt x="6724" y="20639"/>
+                    <a:pt x="2882" y="16796"/>
+                  </a:cubicBezTo>
+                  <a:cubicBezTo>
+                    <a:pt x="-961" y="12954"/>
+                    <a:pt x="-961" y="6724"/>
+                    <a:pt x="2882" y="2882"/>
+                  </a:cubicBezTo>
+                  <a:cubicBezTo>
+                    <a:pt x="6724" y="-961"/>
+                    <a:pt x="12954" y="-961"/>
+                    <a:pt x="16796" y="2882"/>
+                  </a:cubicBezTo>
+                  <a:close/>
+                </a:path>
+              </a:pathLst>
+            </a:custGeom>
+            <a:solidFill>
+              <a:srgbClr val="C2952D"/>
+            </a:solidFill>
+            <a:ln w="3175" cap="flat">
+              <a:noFill/>
+              <a:miter lim="400000"/>
+            </a:ln>
+            <a:effectLst/>
+          </p:spPr>
+          <p:txBody>
+            <a:bodyPr wrap="square" lIns="0" tIns="0" rIns="0" bIns="0" numCol="1" anchor="ctr">
+              <a:noAutofit/>
+            </a:bodyPr>
+            <a:lstStyle/>
+            <a:p>
+              <a:pPr lvl="0">
+                <a:defRPr sz="1800">
+                  <a:solidFill>
+                    <a:srgbClr val="FFFFFF"/>
+                  </a:solidFill>
+                </a:defRPr>
+              </a:pPr>
+              <a:endParaRPr dirty="0"/>
+            </a:p>
+          </p:txBody>
+        </p:sp>
+        <p:pic>
+          <p:nvPicPr>
+            <p:cNvPr id="231" name="_-02.png">
+              <a:extLst>
+                <a:ext uri="{FF2B5EF4-FFF2-40B4-BE49-F238E27FC236}">
+                  <a16:creationId xmlns:a16="http://schemas.microsoft.com/office/drawing/2014/main" id="{F3BD0AA3-FC0B-0E41-B3E1-AA649D54DAA5}"/>
+                </a:ext>
+              </a:extLst>
+            </p:cNvPr>
+            <p:cNvPicPr/>
+            <p:nvPr/>
+          </p:nvPicPr>
+          <p:blipFill>
+            <a:blip r:embed="rId13">
+              <a:extLst/>
+            </a:blip>
+            <a:srcRect l="24323" t="21763" r="24323" b="21763"/>
+            <a:stretch>
+              <a:fillRect/>
+            </a:stretch>
+          </p:blipFill>
+          <p:spPr>
+            <a:xfrm>
+              <a:off x="172020" y="153919"/>
+              <a:ext cx="363191" cy="399394"/>
+            </a:xfrm>
+            <a:prstGeom prst="rect">
+              <a:avLst/>
+            </a:prstGeom>
+            <a:ln w="3175" cap="flat">
+              <a:noFill/>
+              <a:miter lim="400000"/>
+            </a:ln>
+            <a:effectLst/>
+          </p:spPr>
+        </p:pic>
+      </p:grpSp>
+      <p:grpSp>
+        <p:nvGrpSpPr>
+          <p:cNvPr id="232" name="Group 191">
+            <a:extLst>
+              <a:ext uri="{FF2B5EF4-FFF2-40B4-BE49-F238E27FC236}">
+                <a16:creationId xmlns:a16="http://schemas.microsoft.com/office/drawing/2014/main" id="{4A651B74-CC6B-714B-BB8D-D8077E84B27B}"/>
+              </a:ext>
+            </a:extLst>
+          </p:cNvPr>
+          <p:cNvGrpSpPr/>
+          <p:nvPr/>
+        </p:nvGrpSpPr>
+        <p:grpSpPr>
+          <a:xfrm>
+            <a:off x="732666" y="2143038"/>
+            <a:ext cx="578368" cy="561710"/>
+            <a:chOff x="8826" y="0"/>
+            <a:chExt cx="707231" cy="707231"/>
+          </a:xfrm>
+        </p:grpSpPr>
+        <p:sp>
+          <p:nvSpPr>
+            <p:cNvPr id="233" name="Shape 189">
+              <a:extLst>
+                <a:ext uri="{FF2B5EF4-FFF2-40B4-BE49-F238E27FC236}">
+                  <a16:creationId xmlns:a16="http://schemas.microsoft.com/office/drawing/2014/main" id="{215874FD-4E16-2F42-864A-6A4C07FD883B}"/>
+                </a:ext>
+              </a:extLst>
+            </p:cNvPr>
+            <p:cNvSpPr/>
+            <p:nvPr/>
+          </p:nvSpPr>
+          <p:spPr>
+            <a:xfrm>
+              <a:off x="8826" y="0"/>
+              <a:ext cx="707232" cy="707232"/>
+            </a:xfrm>
+            <a:custGeom>
+              <a:avLst/>
+              <a:gdLst/>
+              <a:ahLst/>
+              <a:cxnLst>
+                <a:cxn ang="0">
+                  <a:pos x="wd2" y="hd2"/>
+                </a:cxn>
+                <a:cxn ang="5400000">
+                  <a:pos x="wd2" y="hd2"/>
+                </a:cxn>
+                <a:cxn ang="10800000">
+                  <a:pos x="wd2" y="hd2"/>
+                </a:cxn>
+                <a:cxn ang="16200000">
+                  <a:pos x="wd2" y="hd2"/>
+                </a:cxn>
+              </a:cxnLst>
+              <a:rect l="0" t="0" r="r" b="b"/>
+              <a:pathLst>
+                <a:path w="19679" h="19679" extrusionOk="0">
+                  <a:moveTo>
+                    <a:pt x="16796" y="2882"/>
+                  </a:moveTo>
+                  <a:cubicBezTo>
+                    <a:pt x="20639" y="6724"/>
+                    <a:pt x="20639" y="12954"/>
+                    <a:pt x="16796" y="16796"/>
+                  </a:cubicBezTo>
+                  <a:cubicBezTo>
+                    <a:pt x="12954" y="20639"/>
+                    <a:pt x="6724" y="20639"/>
+                    <a:pt x="2882" y="16796"/>
+                  </a:cubicBezTo>
+                  <a:cubicBezTo>
+                    <a:pt x="-961" y="12954"/>
+                    <a:pt x="-961" y="6724"/>
+                    <a:pt x="2882" y="2882"/>
+                  </a:cubicBezTo>
+                  <a:cubicBezTo>
+                    <a:pt x="6724" y="-961"/>
+                    <a:pt x="12954" y="-961"/>
+                    <a:pt x="16796" y="2882"/>
+                  </a:cubicBezTo>
+                  <a:close/>
+                </a:path>
+              </a:pathLst>
+            </a:custGeom>
+            <a:solidFill>
+              <a:srgbClr val="C2952D"/>
+            </a:solidFill>
+            <a:ln w="3175" cap="flat">
+              <a:noFill/>
+              <a:miter lim="400000"/>
+            </a:ln>
+            <a:effectLst/>
+          </p:spPr>
+          <p:txBody>
+            <a:bodyPr wrap="square" lIns="0" tIns="0" rIns="0" bIns="0" numCol="1" anchor="ctr">
+              <a:noAutofit/>
+            </a:bodyPr>
+            <a:lstStyle/>
+            <a:p>
+              <a:pPr lvl="0">
+                <a:defRPr sz="1800">
+                  <a:solidFill>
+                    <a:srgbClr val="FFFFFF"/>
+                  </a:solidFill>
+                </a:defRPr>
+              </a:pPr>
+              <a:endParaRPr dirty="0"/>
+            </a:p>
+          </p:txBody>
+        </p:sp>
+        <p:pic>
+          <p:nvPicPr>
+            <p:cNvPr id="234" name="_-02.png">
+              <a:extLst>
+                <a:ext uri="{FF2B5EF4-FFF2-40B4-BE49-F238E27FC236}">
+                  <a16:creationId xmlns:a16="http://schemas.microsoft.com/office/drawing/2014/main" id="{B4246D92-9D4F-424E-86E5-D1F7102F0CC0}"/>
+                </a:ext>
+              </a:extLst>
+            </p:cNvPr>
+            <p:cNvPicPr/>
+            <p:nvPr/>
+          </p:nvPicPr>
+          <p:blipFill>
+            <a:blip r:embed="rId13">
+              <a:extLst/>
+            </a:blip>
+            <a:srcRect l="24323" t="21763" r="24323" b="21763"/>
+            <a:stretch>
+              <a:fillRect/>
+            </a:stretch>
+          </p:blipFill>
+          <p:spPr>
+            <a:xfrm>
+              <a:off x="172020" y="153919"/>
+              <a:ext cx="363191" cy="399394"/>
+            </a:xfrm>
+            <a:prstGeom prst="rect">
+              <a:avLst/>
+            </a:prstGeom>
+            <a:ln w="3175" cap="flat">
+              <a:noFill/>
+              <a:miter lim="400000"/>
+            </a:ln>
+            <a:effectLst/>
+          </p:spPr>
+        </p:pic>
+      </p:grpSp>
+      <p:grpSp>
+        <p:nvGrpSpPr>
+          <p:cNvPr id="235" name="Group 199">
+            <a:extLst>
+              <a:ext uri="{FF2B5EF4-FFF2-40B4-BE49-F238E27FC236}">
+                <a16:creationId xmlns:a16="http://schemas.microsoft.com/office/drawing/2014/main" id="{73540C94-F7EE-D049-A93D-4E8876DEF65D}"/>
+              </a:ext>
+            </a:extLst>
+          </p:cNvPr>
+          <p:cNvGrpSpPr/>
+          <p:nvPr/>
+        </p:nvGrpSpPr>
+        <p:grpSpPr>
+          <a:xfrm>
+            <a:off x="8724537" y="3714802"/>
+            <a:ext cx="554614" cy="565617"/>
+            <a:chOff x="75417" y="0"/>
+            <a:chExt cx="707232" cy="707232"/>
+          </a:xfrm>
+        </p:grpSpPr>
+        <p:sp>
+          <p:nvSpPr>
+            <p:cNvPr id="236" name="Shape 195">
+              <a:extLst>
+                <a:ext uri="{FF2B5EF4-FFF2-40B4-BE49-F238E27FC236}">
+                  <a16:creationId xmlns:a16="http://schemas.microsoft.com/office/drawing/2014/main" id="{A6D36E5D-6DF8-3548-AF04-198920F101DB}"/>
+                </a:ext>
+              </a:extLst>
+            </p:cNvPr>
+            <p:cNvSpPr/>
+            <p:nvPr/>
+          </p:nvSpPr>
+          <p:spPr>
+            <a:xfrm>
+              <a:off x="75417" y="0"/>
+              <a:ext cx="707232" cy="707232"/>
+            </a:xfrm>
+            <a:custGeom>
+              <a:avLst/>
+              <a:gdLst/>
+              <a:ahLst/>
+              <a:cxnLst>
+                <a:cxn ang="0">
+                  <a:pos x="wd2" y="hd2"/>
+                </a:cxn>
+                <a:cxn ang="5400000">
+                  <a:pos x="wd2" y="hd2"/>
+                </a:cxn>
+                <a:cxn ang="10800000">
+                  <a:pos x="wd2" y="hd2"/>
+                </a:cxn>
+                <a:cxn ang="16200000">
+                  <a:pos x="wd2" y="hd2"/>
+                </a:cxn>
+              </a:cxnLst>
+              <a:rect l="0" t="0" r="r" b="b"/>
+              <a:pathLst>
+                <a:path w="19679" h="19679" extrusionOk="0">
+                  <a:moveTo>
+                    <a:pt x="16796" y="2882"/>
+                  </a:moveTo>
+                  <a:cubicBezTo>
+                    <a:pt x="20639" y="6724"/>
+                    <a:pt x="20639" y="12954"/>
+                    <a:pt x="16796" y="16796"/>
+                  </a:cubicBezTo>
+                  <a:cubicBezTo>
+                    <a:pt x="12954" y="20639"/>
+                    <a:pt x="6724" y="20639"/>
+                    <a:pt x="2882" y="16796"/>
+                  </a:cubicBezTo>
+                  <a:cubicBezTo>
+                    <a:pt x="-961" y="12954"/>
+                    <a:pt x="-961" y="6724"/>
+                    <a:pt x="2882" y="2882"/>
+                  </a:cubicBezTo>
+                  <a:cubicBezTo>
+                    <a:pt x="6724" y="-961"/>
+                    <a:pt x="12954" y="-961"/>
+                    <a:pt x="16796" y="2882"/>
+                  </a:cubicBezTo>
+                  <a:close/>
+                </a:path>
+              </a:pathLst>
+            </a:custGeom>
+            <a:solidFill>
+              <a:srgbClr val="ECC01B"/>
+            </a:solidFill>
+            <a:ln w="3175" cap="flat">
+              <a:noFill/>
+              <a:miter lim="400000"/>
+            </a:ln>
+            <a:effectLst/>
+          </p:spPr>
+          <p:txBody>
+            <a:bodyPr wrap="square" lIns="0" tIns="0" rIns="0" bIns="0" numCol="1" anchor="ctr">
+              <a:noAutofit/>
+            </a:bodyPr>
+            <a:lstStyle/>
+            <a:p>
+              <a:pPr lvl="0">
+                <a:defRPr sz="1800">
+                  <a:solidFill>
+                    <a:srgbClr val="FFFFFF"/>
+                  </a:solidFill>
+                </a:defRPr>
+              </a:pPr>
+              <a:endParaRPr/>
+            </a:p>
+          </p:txBody>
+        </p:sp>
+        <p:pic>
+          <p:nvPicPr>
+            <p:cNvPr id="238" name="_-03.png">
+              <a:extLst>
+                <a:ext uri="{FF2B5EF4-FFF2-40B4-BE49-F238E27FC236}">
+                  <a16:creationId xmlns:a16="http://schemas.microsoft.com/office/drawing/2014/main" id="{40ED85CD-7283-CF42-AADF-77A0D2644D49}"/>
+                </a:ext>
+              </a:extLst>
+            </p:cNvPr>
+            <p:cNvPicPr/>
+            <p:nvPr/>
+          </p:nvPicPr>
+          <p:blipFill>
+            <a:blip r:embed="rId14">
+              <a:extLst/>
+            </a:blip>
+            <a:srcRect l="22990" t="22678" r="12110" b="12057"/>
+            <a:stretch>
+              <a:fillRect/>
+            </a:stretch>
+          </p:blipFill>
+          <p:spPr>
+            <a:xfrm>
+              <a:off x="236994" y="160392"/>
+              <a:ext cx="460831" cy="461567"/>
+            </a:xfrm>
+            <a:prstGeom prst="rect">
+              <a:avLst/>
+            </a:prstGeom>
+            <a:ln w="3175" cap="flat">
+              <a:noFill/>
+              <a:miter lim="400000"/>
+            </a:ln>
+            <a:effectLst/>
+          </p:spPr>
+        </p:pic>
+      </p:grpSp>
+      <p:grpSp>
+        <p:nvGrpSpPr>
+          <p:cNvPr id="240" name="Group 323">
+            <a:extLst>
+              <a:ext uri="{FF2B5EF4-FFF2-40B4-BE49-F238E27FC236}">
+                <a16:creationId xmlns:a16="http://schemas.microsoft.com/office/drawing/2014/main" id="{0491BE69-BE23-9A41-89E9-5BAA2C78480D}"/>
+              </a:ext>
+            </a:extLst>
+          </p:cNvPr>
+          <p:cNvGrpSpPr/>
+          <p:nvPr/>
+        </p:nvGrpSpPr>
+        <p:grpSpPr>
+          <a:xfrm>
+            <a:off x="8724537" y="4900759"/>
+            <a:ext cx="553013" cy="571422"/>
+            <a:chOff x="223397" y="0"/>
+            <a:chExt cx="707232" cy="707232"/>
+          </a:xfrm>
+        </p:grpSpPr>
+        <p:sp>
+          <p:nvSpPr>
+            <p:cNvPr id="241" name="Shape 319">
+              <a:extLst>
+                <a:ext uri="{FF2B5EF4-FFF2-40B4-BE49-F238E27FC236}">
+                  <a16:creationId xmlns:a16="http://schemas.microsoft.com/office/drawing/2014/main" id="{AF5BC7A2-8FB0-C046-B2CB-9D6CC3590FD3}"/>
+                </a:ext>
+              </a:extLst>
+            </p:cNvPr>
+            <p:cNvSpPr/>
+            <p:nvPr/>
+          </p:nvSpPr>
+          <p:spPr>
+            <a:xfrm>
+              <a:off x="223397" y="0"/>
+              <a:ext cx="707232" cy="707232"/>
+            </a:xfrm>
+            <a:custGeom>
+              <a:avLst/>
+              <a:gdLst/>
+              <a:ahLst/>
+              <a:cxnLst>
+                <a:cxn ang="0">
+                  <a:pos x="wd2" y="hd2"/>
+                </a:cxn>
+                <a:cxn ang="5400000">
+                  <a:pos x="wd2" y="hd2"/>
+                </a:cxn>
+                <a:cxn ang="10800000">
+                  <a:pos x="wd2" y="hd2"/>
+                </a:cxn>
+                <a:cxn ang="16200000">
+                  <a:pos x="wd2" y="hd2"/>
+                </a:cxn>
+              </a:cxnLst>
+              <a:rect l="0" t="0" r="r" b="b"/>
+              <a:pathLst>
+                <a:path w="19679" h="19679" extrusionOk="0">
+                  <a:moveTo>
+                    <a:pt x="16796" y="2882"/>
+                  </a:moveTo>
+                  <a:cubicBezTo>
+                    <a:pt x="20639" y="6724"/>
+                    <a:pt x="20639" y="12954"/>
+                    <a:pt x="16796" y="16796"/>
+                  </a:cubicBezTo>
+                  <a:cubicBezTo>
+                    <a:pt x="12954" y="20639"/>
+                    <a:pt x="6724" y="20639"/>
+                    <a:pt x="2882" y="16796"/>
+                  </a:cubicBezTo>
+                  <a:cubicBezTo>
+                    <a:pt x="-961" y="12954"/>
+                    <a:pt x="-961" y="6724"/>
+                    <a:pt x="2882" y="2882"/>
+                  </a:cubicBezTo>
+                  <a:cubicBezTo>
+                    <a:pt x="6724" y="-961"/>
+                    <a:pt x="12954" y="-961"/>
+                    <a:pt x="16796" y="2882"/>
+                  </a:cubicBezTo>
+                  <a:close/>
+                </a:path>
+              </a:pathLst>
+            </a:custGeom>
+            <a:solidFill>
+              <a:srgbClr val="325C80"/>
+            </a:solidFill>
+            <a:ln w="3175" cap="flat">
+              <a:noFill/>
+              <a:miter lim="400000"/>
+            </a:ln>
+            <a:effectLst/>
+          </p:spPr>
+          <p:txBody>
+            <a:bodyPr wrap="square" lIns="0" tIns="0" rIns="0" bIns="0" numCol="1" anchor="ctr">
+              <a:noAutofit/>
+            </a:bodyPr>
+            <a:lstStyle/>
+            <a:p>
+              <a:pPr lvl="0">
+                <a:defRPr sz="1800">
+                  <a:solidFill>
+                    <a:srgbClr val="FFFFFF"/>
+                  </a:solidFill>
+                </a:defRPr>
+              </a:pPr>
+              <a:endParaRPr/>
+            </a:p>
+          </p:txBody>
+        </p:sp>
+        <p:pic>
+          <p:nvPicPr>
+            <p:cNvPr id="243" name="_-36.png">
+              <a:extLst>
+                <a:ext uri="{FF2B5EF4-FFF2-40B4-BE49-F238E27FC236}">
+                  <a16:creationId xmlns:a16="http://schemas.microsoft.com/office/drawing/2014/main" id="{0C0CB5FA-B854-BF4C-A48B-9D5456A9FE08}"/>
+                </a:ext>
+              </a:extLst>
+            </p:cNvPr>
+            <p:cNvPicPr/>
+            <p:nvPr/>
+          </p:nvPicPr>
+          <p:blipFill>
+            <a:blip r:embed="rId15">
+              <a:extLst/>
+            </a:blip>
+            <a:srcRect l="15445" t="21517" r="15445" b="21517"/>
+            <a:stretch>
+              <a:fillRect/>
+            </a:stretch>
+          </p:blipFill>
+          <p:spPr>
+            <a:xfrm>
+              <a:off x="332631" y="158596"/>
+              <a:ext cx="488766" cy="402883"/>
+            </a:xfrm>
+            <a:prstGeom prst="rect">
+              <a:avLst/>
+            </a:prstGeom>
+            <a:ln w="3175" cap="flat">
+              <a:noFill/>
+              <a:miter lim="400000"/>
+            </a:ln>
+            <a:effectLst/>
+          </p:spPr>
+        </p:pic>
+      </p:grpSp>
+      <p:grpSp>
+        <p:nvGrpSpPr>
+          <p:cNvPr id="245" name="Group 338">
+            <a:extLst>
+              <a:ext uri="{FF2B5EF4-FFF2-40B4-BE49-F238E27FC236}">
+                <a16:creationId xmlns:a16="http://schemas.microsoft.com/office/drawing/2014/main" id="{C914455A-3289-1742-8718-E07DB959D835}"/>
+              </a:ext>
+            </a:extLst>
+          </p:cNvPr>
+          <p:cNvGrpSpPr/>
+          <p:nvPr/>
+        </p:nvGrpSpPr>
+        <p:grpSpPr>
+          <a:xfrm>
+            <a:off x="9128334" y="2379498"/>
+            <a:ext cx="548640" cy="566928"/>
+            <a:chOff x="196910" y="0"/>
+            <a:chExt cx="707233" cy="707232"/>
+          </a:xfrm>
+        </p:grpSpPr>
+        <p:sp>
+          <p:nvSpPr>
+            <p:cNvPr id="246" name="Shape 334">
+              <a:extLst>
+                <a:ext uri="{FF2B5EF4-FFF2-40B4-BE49-F238E27FC236}">
+                  <a16:creationId xmlns:a16="http://schemas.microsoft.com/office/drawing/2014/main" id="{73658A04-3BB7-D749-BE33-AB33249A2680}"/>
+                </a:ext>
+              </a:extLst>
+            </p:cNvPr>
+            <p:cNvSpPr/>
+            <p:nvPr/>
+          </p:nvSpPr>
+          <p:spPr>
+            <a:xfrm>
+              <a:off x="196910" y="0"/>
+              <a:ext cx="707233" cy="707232"/>
+            </a:xfrm>
+            <a:custGeom>
+              <a:avLst/>
+              <a:gdLst/>
+              <a:ahLst/>
+              <a:cxnLst>
+                <a:cxn ang="0">
+                  <a:pos x="wd2" y="hd2"/>
+                </a:cxn>
+                <a:cxn ang="5400000">
+                  <a:pos x="wd2" y="hd2"/>
+                </a:cxn>
+                <a:cxn ang="10800000">
+                  <a:pos x="wd2" y="hd2"/>
+                </a:cxn>
+                <a:cxn ang="16200000">
+                  <a:pos x="wd2" y="hd2"/>
+                </a:cxn>
+              </a:cxnLst>
+              <a:rect l="0" t="0" r="r" b="b"/>
+              <a:pathLst>
+                <a:path w="19679" h="19679" extrusionOk="0">
+                  <a:moveTo>
+                    <a:pt x="16796" y="2882"/>
+                  </a:moveTo>
+                  <a:cubicBezTo>
+                    <a:pt x="20639" y="6724"/>
+                    <a:pt x="20639" y="12954"/>
+                    <a:pt x="16796" y="16796"/>
+                  </a:cubicBezTo>
+                  <a:cubicBezTo>
+                    <a:pt x="12954" y="20639"/>
+                    <a:pt x="6724" y="20639"/>
+                    <a:pt x="2882" y="16796"/>
+                  </a:cubicBezTo>
+                  <a:cubicBezTo>
+                    <a:pt x="-961" y="12954"/>
+                    <a:pt x="-961" y="6724"/>
+                    <a:pt x="2882" y="2882"/>
+                  </a:cubicBezTo>
+                  <a:cubicBezTo>
+                    <a:pt x="6724" y="-961"/>
+                    <a:pt x="12954" y="-961"/>
+                    <a:pt x="16796" y="2882"/>
+                  </a:cubicBezTo>
+                  <a:close/>
+                </a:path>
+              </a:pathLst>
+            </a:custGeom>
+            <a:solidFill>
+              <a:srgbClr val="325C80"/>
+            </a:solidFill>
+            <a:ln w="3175" cap="flat">
+              <a:noFill/>
+              <a:miter lim="400000"/>
+            </a:ln>
+            <a:effectLst/>
+          </p:spPr>
+          <p:txBody>
+            <a:bodyPr wrap="square" lIns="0" tIns="0" rIns="0" bIns="0" numCol="1" anchor="ctr">
+              <a:noAutofit/>
+            </a:bodyPr>
+            <a:lstStyle/>
+            <a:p>
+              <a:pPr lvl="0">
+                <a:defRPr sz="1800">
+                  <a:solidFill>
+                    <a:srgbClr val="FFFFFF"/>
+                  </a:solidFill>
+                </a:defRPr>
+              </a:pPr>
+              <a:endParaRPr/>
+            </a:p>
+          </p:txBody>
+        </p:sp>
+        <p:pic>
+          <p:nvPicPr>
+            <p:cNvPr id="248" name="_-35.png">
+              <a:extLst>
+                <a:ext uri="{FF2B5EF4-FFF2-40B4-BE49-F238E27FC236}">
+                  <a16:creationId xmlns:a16="http://schemas.microsoft.com/office/drawing/2014/main" id="{3BDD327D-552B-C542-9AC3-621BB9B1E7C0}"/>
+                </a:ext>
+              </a:extLst>
+            </p:cNvPr>
+            <p:cNvPicPr/>
+            <p:nvPr/>
+          </p:nvPicPr>
+          <p:blipFill>
+            <a:blip r:embed="rId16">
+              <a:extLst/>
+            </a:blip>
+            <a:srcRect l="16797" t="24739" r="16797" b="24739"/>
+            <a:stretch>
+              <a:fillRect/>
+            </a:stretch>
+          </p:blipFill>
+          <p:spPr>
+            <a:xfrm>
+              <a:off x="318954" y="184181"/>
+              <a:ext cx="469638" cy="357295"/>
+            </a:xfrm>
+            <a:prstGeom prst="rect">
+              <a:avLst/>
+            </a:prstGeom>
+            <a:ln w="3175" cap="flat">
+              <a:noFill/>
+              <a:miter lim="400000"/>
+            </a:ln>
+            <a:effectLst/>
+          </p:spPr>
+        </p:pic>
+      </p:grpSp>
+      <p:grpSp>
+        <p:nvGrpSpPr>
+          <p:cNvPr id="4" name="Group 3">
+            <a:extLst>
+              <a:ext uri="{FF2B5EF4-FFF2-40B4-BE49-F238E27FC236}">
+                <a16:creationId xmlns:a16="http://schemas.microsoft.com/office/drawing/2014/main" id="{76423F80-60E6-4046-9245-8C6329F0C2A4}"/>
+              </a:ext>
+            </a:extLst>
+          </p:cNvPr>
+          <p:cNvGrpSpPr/>
+          <p:nvPr/>
+        </p:nvGrpSpPr>
+        <p:grpSpPr>
+          <a:xfrm>
+            <a:off x="3456969" y="5225954"/>
+            <a:ext cx="539496" cy="502920"/>
+            <a:chOff x="3037039" y="6184418"/>
+            <a:chExt cx="749808" cy="694944"/>
+          </a:xfrm>
+        </p:grpSpPr>
         <p:grpSp>
           <p:nvGrpSpPr>
-            <p:cNvPr id="235" name="Group 199">
+            <p:cNvPr id="261" name="Group 260">
               <a:extLst>
                 <a:ext uri="{FF2B5EF4-FFF2-40B4-BE49-F238E27FC236}">
-                  <a16:creationId xmlns:a16="http://schemas.microsoft.com/office/drawing/2014/main" id="{73540C94-F7EE-D049-A93D-4E8876DEF65D}"/>
+                  <a16:creationId xmlns:a16="http://schemas.microsoft.com/office/drawing/2014/main" id="{A0B4E7FD-F8C3-F349-AE3D-CAEAE382F2F3}"/>
                 </a:ext>
               </a:extLst>
             </p:cNvPr>
@@ -13932,18 +13890,18 @@
           </p:nvGrpSpPr>
           <p:grpSpPr>
             <a:xfrm>
-              <a:off x="8740035" y="4582707"/>
-              <a:ext cx="554614" cy="565617"/>
-              <a:chOff x="75417" y="0"/>
-              <a:chExt cx="707232" cy="707232"/>
+              <a:off x="3037039" y="6184418"/>
+              <a:ext cx="749808" cy="694944"/>
+              <a:chOff x="6586374" y="3536992"/>
+              <a:chExt cx="749808" cy="694944"/>
             </a:xfrm>
           </p:grpSpPr>
           <p:sp>
             <p:nvSpPr>
-              <p:cNvPr id="236" name="Shape 195">
+              <p:cNvPr id="262" name="Shape 252">
                 <a:extLst>
                   <a:ext uri="{FF2B5EF4-FFF2-40B4-BE49-F238E27FC236}">
-                    <a16:creationId xmlns:a16="http://schemas.microsoft.com/office/drawing/2014/main" id="{A6D36E5D-6DF8-3548-AF04-198920F101DB}"/>
+                    <a16:creationId xmlns:a16="http://schemas.microsoft.com/office/drawing/2014/main" id="{ECFE8CD8-19DA-EC4F-8A8B-AF80107BFBBD}"/>
                   </a:ext>
                 </a:extLst>
               </p:cNvPr>
@@ -13952,8 +13910,8 @@
             </p:nvSpPr>
             <p:spPr>
               <a:xfrm>
-                <a:off x="75417" y="0"/>
-                <a:ext cx="707232" cy="707232"/>
+                <a:off x="6586374" y="3536992"/>
+                <a:ext cx="749808" cy="694944"/>
               </a:xfrm>
               <a:custGeom>
                 <a:avLst/>
@@ -14004,7 +13962,7 @@
                 </a:pathLst>
               </a:custGeom>
               <a:solidFill>
-                <a:srgbClr val="ECC01B"/>
+                <a:srgbClr val="8DC53F"/>
               </a:solidFill>
               <a:ln w="3175" cap="flat">
                 <a:noFill/>
@@ -14025,53 +13983,406 @@
                     </a:solidFill>
                   </a:defRPr>
                 </a:pPr>
-                <a:endParaRPr/>
+                <a:endParaRPr dirty="0"/>
               </a:p>
             </p:txBody>
           </p:sp>
-          <p:pic>
-            <p:nvPicPr>
-              <p:cNvPr id="238" name="_-03.png">
+          <p:cxnSp>
+            <p:nvCxnSpPr>
+              <p:cNvPr id="263" name="Straight Arrow Connector 262">
                 <a:extLst>
                   <a:ext uri="{FF2B5EF4-FFF2-40B4-BE49-F238E27FC236}">
-                    <a16:creationId xmlns:a16="http://schemas.microsoft.com/office/drawing/2014/main" id="{40ED85CD-7283-CF42-AADF-77A0D2644D49}"/>
+                    <a16:creationId xmlns:a16="http://schemas.microsoft.com/office/drawing/2014/main" id="{3F95857A-B9E2-494D-9076-93BBDFA14BF6}"/>
                   </a:ext>
                 </a:extLst>
               </p:cNvPr>
-              <p:cNvPicPr/>
+              <p:cNvCxnSpPr>
+                <a:cxnSpLocks/>
+              </p:cNvCxnSpPr>
               <p:nvPr/>
-            </p:nvPicPr>
-            <p:blipFill>
-              <a:blip r:embed="rId14">
-                <a:extLst/>
-              </a:blip>
-              <a:srcRect l="22990" t="22678" r="12110" b="12057"/>
-              <a:stretch>
-                <a:fillRect/>
-              </a:stretch>
-            </p:blipFill>
+            </p:nvCxnSpPr>
             <p:spPr>
-              <a:xfrm>
-                <a:off x="236994" y="160392"/>
-                <a:ext cx="460831" cy="461567"/>
+              <a:xfrm flipH="1">
+                <a:off x="7005901" y="3908629"/>
+                <a:ext cx="57412" cy="0"/>
               </a:xfrm>
-              <a:prstGeom prst="rect">
+              <a:prstGeom prst="straightConnector1">
                 <a:avLst/>
               </a:prstGeom>
-              <a:ln w="3175" cap="flat">
-                <a:noFill/>
+              <a:noFill/>
+              <a:ln w="25400" cap="flat">
+                <a:solidFill>
+                  <a:srgbClr val="8DC53F"/>
+                </a:solidFill>
+                <a:prstDash val="solid"/>
                 <a:miter lim="400000"/>
+                <a:headEnd type="none"/>
+                <a:tailEnd type="none" w="med" len="sm"/>
               </a:ln>
               <a:effectLst/>
             </p:spPr>
-          </p:pic>
+            <p:style>
+              <a:lnRef idx="0">
+                <a:scrgbClr r="0" g="0" b="0"/>
+              </a:lnRef>
+              <a:fillRef idx="0">
+                <a:scrgbClr r="0" g="0" b="0"/>
+              </a:fillRef>
+              <a:effectRef idx="0">
+                <a:scrgbClr r="0" g="0" b="0"/>
+              </a:effectRef>
+              <a:fontRef idx="none"/>
+            </p:style>
+          </p:cxnSp>
+          <p:cxnSp>
+            <p:nvCxnSpPr>
+              <p:cNvPr id="264" name="Straight Arrow Connector 263">
+                <a:extLst>
+                  <a:ext uri="{FF2B5EF4-FFF2-40B4-BE49-F238E27FC236}">
+                    <a16:creationId xmlns:a16="http://schemas.microsoft.com/office/drawing/2014/main" id="{DF83CDB5-E160-4643-B15A-CA6E2ADA9B53}"/>
+                  </a:ext>
+                </a:extLst>
+              </p:cNvPr>
+              <p:cNvCxnSpPr>
+                <a:cxnSpLocks/>
+              </p:cNvCxnSpPr>
+              <p:nvPr/>
+            </p:nvCxnSpPr>
+            <p:spPr>
+              <a:xfrm flipH="1">
+                <a:off x="7005901" y="3939974"/>
+                <a:ext cx="57412" cy="0"/>
+              </a:xfrm>
+              <a:prstGeom prst="straightConnector1">
+                <a:avLst/>
+              </a:prstGeom>
+              <a:noFill/>
+              <a:ln w="25400" cap="flat">
+                <a:solidFill>
+                  <a:srgbClr val="8DC53F"/>
+                </a:solidFill>
+                <a:prstDash val="solid"/>
+                <a:miter lim="400000"/>
+                <a:headEnd type="none"/>
+                <a:tailEnd type="none" w="med" len="sm"/>
+              </a:ln>
+              <a:effectLst/>
+            </p:spPr>
+            <p:style>
+              <a:lnRef idx="0">
+                <a:scrgbClr r="0" g="0" b="0"/>
+              </a:lnRef>
+              <a:fillRef idx="0">
+                <a:scrgbClr r="0" g="0" b="0"/>
+              </a:fillRef>
+              <a:effectRef idx="0">
+                <a:scrgbClr r="0" g="0" b="0"/>
+              </a:effectRef>
+              <a:fontRef idx="none"/>
+            </p:style>
+          </p:cxnSp>
+          <p:cxnSp>
+            <p:nvCxnSpPr>
+              <p:cNvPr id="265" name="Straight Arrow Connector 264">
+                <a:extLst>
+                  <a:ext uri="{FF2B5EF4-FFF2-40B4-BE49-F238E27FC236}">
+                    <a16:creationId xmlns:a16="http://schemas.microsoft.com/office/drawing/2014/main" id="{C1ACEA82-DA09-A94F-BFFD-9D2703F45FD6}"/>
+                  </a:ext>
+                </a:extLst>
+              </p:cNvPr>
+              <p:cNvCxnSpPr>
+                <a:cxnSpLocks/>
+              </p:cNvCxnSpPr>
+              <p:nvPr/>
+            </p:nvCxnSpPr>
+            <p:spPr>
+              <a:xfrm flipH="1">
+                <a:off x="7005901" y="4000266"/>
+                <a:ext cx="57412" cy="0"/>
+              </a:xfrm>
+              <a:prstGeom prst="straightConnector1">
+                <a:avLst/>
+              </a:prstGeom>
+              <a:noFill/>
+              <a:ln w="25400" cap="flat">
+                <a:solidFill>
+                  <a:srgbClr val="8DC53F"/>
+                </a:solidFill>
+                <a:prstDash val="solid"/>
+                <a:miter lim="400000"/>
+                <a:headEnd type="none"/>
+                <a:tailEnd type="none" w="med" len="sm"/>
+              </a:ln>
+              <a:effectLst/>
+            </p:spPr>
+            <p:style>
+              <a:lnRef idx="0">
+                <a:scrgbClr r="0" g="0" b="0"/>
+              </a:lnRef>
+              <a:fillRef idx="0">
+                <a:scrgbClr r="0" g="0" b="0"/>
+              </a:fillRef>
+              <a:effectRef idx="0">
+                <a:scrgbClr r="0" g="0" b="0"/>
+              </a:effectRef>
+              <a:fontRef idx="none"/>
+            </p:style>
+          </p:cxnSp>
+          <p:cxnSp>
+            <p:nvCxnSpPr>
+              <p:cNvPr id="266" name="Straight Arrow Connector 265">
+                <a:extLst>
+                  <a:ext uri="{FF2B5EF4-FFF2-40B4-BE49-F238E27FC236}">
+                    <a16:creationId xmlns:a16="http://schemas.microsoft.com/office/drawing/2014/main" id="{0C0F5FF6-6A06-5149-9577-1BB7FE3F903B}"/>
+                  </a:ext>
+                </a:extLst>
+              </p:cNvPr>
+              <p:cNvCxnSpPr>
+                <a:cxnSpLocks/>
+              </p:cNvCxnSpPr>
+              <p:nvPr/>
+            </p:nvCxnSpPr>
+            <p:spPr>
+              <a:xfrm flipH="1">
+                <a:off x="7005901" y="4033154"/>
+                <a:ext cx="57412" cy="0"/>
+              </a:xfrm>
+              <a:prstGeom prst="straightConnector1">
+                <a:avLst/>
+              </a:prstGeom>
+              <a:noFill/>
+              <a:ln w="25400" cap="flat">
+                <a:solidFill>
+                  <a:srgbClr val="8DC53F"/>
+                </a:solidFill>
+                <a:prstDash val="solid"/>
+                <a:miter lim="400000"/>
+                <a:headEnd type="none"/>
+                <a:tailEnd type="none" w="med" len="sm"/>
+              </a:ln>
+              <a:effectLst/>
+            </p:spPr>
+            <p:style>
+              <a:lnRef idx="0">
+                <a:scrgbClr r="0" g="0" b="0"/>
+              </a:lnRef>
+              <a:fillRef idx="0">
+                <a:scrgbClr r="0" g="0" b="0"/>
+              </a:fillRef>
+              <a:effectRef idx="0">
+                <a:scrgbClr r="0" g="0" b="0"/>
+              </a:effectRef>
+              <a:fontRef idx="none"/>
+            </p:style>
+          </p:cxnSp>
         </p:grpSp>
+        <p:pic>
+          <p:nvPicPr>
+            <p:cNvPr id="267" name="Picture 266">
+              <a:extLst>
+                <a:ext uri="{FF2B5EF4-FFF2-40B4-BE49-F238E27FC236}">
+                  <a16:creationId xmlns:a16="http://schemas.microsoft.com/office/drawing/2014/main" id="{ED101265-A737-0D49-A1D0-C44E41714133}"/>
+                </a:ext>
+              </a:extLst>
+            </p:cNvPr>
+            <p:cNvPicPr>
+              <a:picLocks noChangeAspect="1"/>
+            </p:cNvPicPr>
+            <p:nvPr/>
+          </p:nvPicPr>
+          <p:blipFill>
+            <a:blip r:embed="rId17">
+              <a:duotone>
+                <a:schemeClr val="accent2">
+                  <a:shade val="45000"/>
+                  <a:satMod val="135000"/>
+                </a:schemeClr>
+                <a:prstClr val="white"/>
+              </a:duotone>
+            </a:blip>
+            <a:stretch>
+              <a:fillRect/>
+            </a:stretch>
+          </p:blipFill>
+          <p:spPr>
+            <a:xfrm>
+              <a:off x="3207590" y="6297976"/>
+              <a:ext cx="417972" cy="484984"/>
+            </a:xfrm>
+            <a:prstGeom prst="rect">
+              <a:avLst/>
+            </a:prstGeom>
+          </p:spPr>
+        </p:pic>
+      </p:grpSp>
+      <p:cxnSp>
+        <p:nvCxnSpPr>
+          <p:cNvPr id="105" name="Straight Arrow Connector 104">
+            <a:extLst>
+              <a:ext uri="{FF2B5EF4-FFF2-40B4-BE49-F238E27FC236}">
+                <a16:creationId xmlns:a16="http://schemas.microsoft.com/office/drawing/2014/main" id="{FABA05FA-081E-A642-A898-0EB8BA57C05A}"/>
+              </a:ext>
+            </a:extLst>
+          </p:cNvPr>
+          <p:cNvCxnSpPr>
+            <a:cxnSpLocks/>
+          </p:cNvCxnSpPr>
+          <p:nvPr/>
+        </p:nvCxnSpPr>
+        <p:spPr>
+          <a:xfrm>
+            <a:off x="8990015" y="2681721"/>
+            <a:ext cx="222616" cy="0"/>
+          </a:xfrm>
+          <a:prstGeom prst="straightConnector1">
+            <a:avLst/>
+          </a:prstGeom>
+          <a:noFill/>
+          <a:ln w="25400" cap="flat">
+            <a:solidFill>
+              <a:srgbClr val="4277BB"/>
+            </a:solidFill>
+            <a:prstDash val="solid"/>
+            <a:miter lim="400000"/>
+            <a:tailEnd type="none"/>
+          </a:ln>
+          <a:effectLst/>
+        </p:spPr>
+        <p:style>
+          <a:lnRef idx="0">
+            <a:scrgbClr r="0" g="0" b="0"/>
+          </a:lnRef>
+          <a:fillRef idx="0">
+            <a:scrgbClr r="0" g="0" b="0"/>
+          </a:fillRef>
+          <a:effectRef idx="0">
+            <a:scrgbClr r="0" g="0" b="0"/>
+          </a:effectRef>
+          <a:fontRef idx="none"/>
+        </p:style>
+      </p:cxnSp>
+      <p:cxnSp>
+        <p:nvCxnSpPr>
+          <p:cNvPr id="107" name="Straight Arrow Connector 106">
+            <a:extLst>
+              <a:ext uri="{FF2B5EF4-FFF2-40B4-BE49-F238E27FC236}">
+                <a16:creationId xmlns:a16="http://schemas.microsoft.com/office/drawing/2014/main" id="{6A68E7B1-9A74-B14D-9187-C4ED89DC74A7}"/>
+              </a:ext>
+            </a:extLst>
+          </p:cNvPr>
+          <p:cNvCxnSpPr>
+            <a:cxnSpLocks/>
+          </p:cNvCxnSpPr>
+          <p:nvPr/>
+        </p:nvCxnSpPr>
+        <p:spPr>
+          <a:xfrm>
+            <a:off x="9015925" y="4277770"/>
+            <a:ext cx="0" cy="622989"/>
+          </a:xfrm>
+          <a:prstGeom prst="straightConnector1">
+            <a:avLst/>
+          </a:prstGeom>
+          <a:noFill/>
+          <a:ln w="25400" cap="flat">
+            <a:solidFill>
+              <a:srgbClr val="4277BB"/>
+            </a:solidFill>
+            <a:prstDash val="solid"/>
+            <a:miter lim="400000"/>
+            <a:headEnd type="triangle"/>
+            <a:tailEnd type="triangle"/>
+          </a:ln>
+          <a:effectLst/>
+        </p:spPr>
+        <p:style>
+          <a:lnRef idx="0">
+            <a:scrgbClr r="0" g="0" b="0"/>
+          </a:lnRef>
+          <a:fillRef idx="0">
+            <a:scrgbClr r="0" g="0" b="0"/>
+          </a:fillRef>
+          <a:effectRef idx="0">
+            <a:scrgbClr r="0" g="0" b="0"/>
+          </a:effectRef>
+          <a:fontRef idx="none"/>
+        </p:style>
+      </p:cxnSp>
+      <p:cxnSp>
+        <p:nvCxnSpPr>
+          <p:cNvPr id="111" name="Straight Arrow Connector 110">
+            <a:extLst>
+              <a:ext uri="{FF2B5EF4-FFF2-40B4-BE49-F238E27FC236}">
+                <a16:creationId xmlns:a16="http://schemas.microsoft.com/office/drawing/2014/main" id="{01FA9B46-FA0E-904E-9B87-E90906B58236}"/>
+              </a:ext>
+            </a:extLst>
+          </p:cNvPr>
+          <p:cNvCxnSpPr>
+            <a:cxnSpLocks/>
+          </p:cNvCxnSpPr>
+          <p:nvPr/>
+        </p:nvCxnSpPr>
+        <p:spPr>
+          <a:xfrm rot="16200000" flipH="1">
+            <a:off x="8482178" y="3228374"/>
+            <a:ext cx="780759" cy="283131"/>
+          </a:xfrm>
+          <a:prstGeom prst="bentConnector3">
+            <a:avLst>
+              <a:gd name="adj1" fmla="val 50000"/>
+            </a:avLst>
+          </a:prstGeom>
+          <a:noFill/>
+          <a:ln w="25400" cap="flat">
+            <a:solidFill>
+              <a:srgbClr val="4277BB"/>
+            </a:solidFill>
+            <a:prstDash val="solid"/>
+            <a:miter lim="400000"/>
+            <a:headEnd type="triangle"/>
+            <a:tailEnd type="triangle"/>
+          </a:ln>
+          <a:effectLst/>
+        </p:spPr>
+        <p:style>
+          <a:lnRef idx="0">
+            <a:scrgbClr r="0" g="0" b="0"/>
+          </a:lnRef>
+          <a:fillRef idx="0">
+            <a:scrgbClr r="0" g="0" b="0"/>
+          </a:fillRef>
+          <a:effectRef idx="0">
+            <a:scrgbClr r="0" g="0" b="0"/>
+          </a:effectRef>
+          <a:fontRef idx="none"/>
+        </p:style>
+      </p:cxnSp>
+      <p:grpSp>
+        <p:nvGrpSpPr>
+          <p:cNvPr id="117" name="Group 116">
+            <a:extLst>
+              <a:ext uri="{FF2B5EF4-FFF2-40B4-BE49-F238E27FC236}">
+                <a16:creationId xmlns:a16="http://schemas.microsoft.com/office/drawing/2014/main" id="{4E3ADDD0-6785-664B-BC10-7531EED13B17}"/>
+              </a:ext>
+            </a:extLst>
+          </p:cNvPr>
+          <p:cNvGrpSpPr/>
+          <p:nvPr/>
+        </p:nvGrpSpPr>
+        <p:grpSpPr>
+          <a:xfrm>
+            <a:off x="4477445" y="5220269"/>
+            <a:ext cx="539496" cy="502920"/>
+            <a:chOff x="583315" y="4742217"/>
+            <a:chExt cx="749808" cy="694944"/>
+          </a:xfrm>
+        </p:grpSpPr>
         <p:grpSp>
           <p:nvGrpSpPr>
-            <p:cNvPr id="240" name="Group 323">
+            <p:cNvPr id="118" name="Group 117">
               <a:extLst>
                 <a:ext uri="{FF2B5EF4-FFF2-40B4-BE49-F238E27FC236}">
-                  <a16:creationId xmlns:a16="http://schemas.microsoft.com/office/drawing/2014/main" id="{0491BE69-BE23-9A41-89E9-5BAA2C78480D}"/>
+                  <a16:creationId xmlns:a16="http://schemas.microsoft.com/office/drawing/2014/main" id="{667E182C-84BC-B94E-A0C6-D59017878074}"/>
                 </a:ext>
               </a:extLst>
             </p:cNvPr>
@@ -14080,18 +14391,18 @@
           </p:nvGrpSpPr>
           <p:grpSpPr>
             <a:xfrm>
-              <a:off x="8740035" y="5768664"/>
-              <a:ext cx="553013" cy="571422"/>
-              <a:chOff x="223397" y="0"/>
-              <a:chExt cx="707232" cy="707232"/>
+              <a:off x="583315" y="4742217"/>
+              <a:ext cx="749808" cy="694944"/>
+              <a:chOff x="515395" y="1714061"/>
+              <a:chExt cx="749808" cy="694944"/>
             </a:xfrm>
           </p:grpSpPr>
           <p:sp>
             <p:nvSpPr>
-              <p:cNvPr id="241" name="Shape 319">
+              <p:cNvPr id="127" name="Shape 252">
                 <a:extLst>
                   <a:ext uri="{FF2B5EF4-FFF2-40B4-BE49-F238E27FC236}">
-                    <a16:creationId xmlns:a16="http://schemas.microsoft.com/office/drawing/2014/main" id="{AF5BC7A2-8FB0-C046-B2CB-9D6CC3590FD3}"/>
+                    <a16:creationId xmlns:a16="http://schemas.microsoft.com/office/drawing/2014/main" id="{88D62924-B5BE-9C4D-946B-B8CA84D45539}"/>
                   </a:ext>
                 </a:extLst>
               </p:cNvPr>
@@ -14100,8 +14411,8 @@
             </p:nvSpPr>
             <p:spPr>
               <a:xfrm>
-                <a:off x="223397" y="0"/>
-                <a:ext cx="707232" cy="707232"/>
+                <a:off x="515395" y="1714061"/>
+                <a:ext cx="749808" cy="694944"/>
               </a:xfrm>
               <a:custGeom>
                 <a:avLst/>
@@ -14152,7 +14463,7 @@
                 </a:pathLst>
               </a:custGeom>
               <a:solidFill>
-                <a:srgbClr val="325C80"/>
+                <a:srgbClr val="8DC53F"/>
               </a:solidFill>
               <a:ln w="3175" cap="flat">
                 <a:noFill/>
@@ -14173,702 +14484,205 @@
                     </a:solidFill>
                   </a:defRPr>
                 </a:pPr>
-                <a:endParaRPr/>
+                <a:endParaRPr dirty="0"/>
               </a:p>
             </p:txBody>
           </p:sp>
-          <p:pic>
-            <p:nvPicPr>
-              <p:cNvPr id="243" name="_-36.png">
+          <p:cxnSp>
+            <p:nvCxnSpPr>
+              <p:cNvPr id="130" name="Straight Arrow Connector 129">
                 <a:extLst>
                   <a:ext uri="{FF2B5EF4-FFF2-40B4-BE49-F238E27FC236}">
-                    <a16:creationId xmlns:a16="http://schemas.microsoft.com/office/drawing/2014/main" id="{0C0CB5FA-B854-BF4C-A48B-9D5456A9FE08}"/>
+                    <a16:creationId xmlns:a16="http://schemas.microsoft.com/office/drawing/2014/main" id="{FF3224F9-D52A-244A-A964-6D812A95D6A3}"/>
                   </a:ext>
                 </a:extLst>
               </p:cNvPr>
-              <p:cNvPicPr/>
+              <p:cNvCxnSpPr>
+                <a:cxnSpLocks/>
+              </p:cNvCxnSpPr>
               <p:nvPr/>
-            </p:nvPicPr>
-            <p:blipFill>
-              <a:blip r:embed="rId15">
-                <a:extLst/>
-              </a:blip>
-              <a:srcRect l="15445" t="21517" r="15445" b="21517"/>
-              <a:stretch>
-                <a:fillRect/>
-              </a:stretch>
-            </p:blipFill>
+            </p:nvCxnSpPr>
             <p:spPr>
-              <a:xfrm>
-                <a:off x="332631" y="158596"/>
-                <a:ext cx="488766" cy="402883"/>
+              <a:xfrm flipH="1">
+                <a:off x="934922" y="2085698"/>
+                <a:ext cx="57412" cy="0"/>
               </a:xfrm>
-              <a:prstGeom prst="rect">
+              <a:prstGeom prst="straightConnector1">
                 <a:avLst/>
               </a:prstGeom>
-              <a:ln w="3175" cap="flat">
-                <a:noFill/>
+              <a:noFill/>
+              <a:ln w="25400" cap="flat">
+                <a:solidFill>
+                  <a:srgbClr val="8DC53F"/>
+                </a:solidFill>
+                <a:prstDash val="solid"/>
                 <a:miter lim="400000"/>
+                <a:headEnd type="none"/>
+                <a:tailEnd type="none" w="med" len="sm"/>
               </a:ln>
               <a:effectLst/>
             </p:spPr>
-          </p:pic>
-        </p:grpSp>
-        <p:grpSp>
-          <p:nvGrpSpPr>
-            <p:cNvPr id="245" name="Group 338">
-              <a:extLst>
-                <a:ext uri="{FF2B5EF4-FFF2-40B4-BE49-F238E27FC236}">
-                  <a16:creationId xmlns:a16="http://schemas.microsoft.com/office/drawing/2014/main" id="{C914455A-3289-1742-8718-E07DB959D835}"/>
-                </a:ext>
-              </a:extLst>
-            </p:cNvPr>
-            <p:cNvGrpSpPr/>
-            <p:nvPr/>
-          </p:nvGrpSpPr>
-          <p:grpSpPr>
-            <a:xfrm>
-              <a:off x="9143832" y="3247403"/>
-              <a:ext cx="548640" cy="566928"/>
-              <a:chOff x="196910" y="0"/>
-              <a:chExt cx="707233" cy="707232"/>
-            </a:xfrm>
-          </p:grpSpPr>
-          <p:sp>
-            <p:nvSpPr>
-              <p:cNvPr id="246" name="Shape 334">
+            <p:style>
+              <a:lnRef idx="0">
+                <a:scrgbClr r="0" g="0" b="0"/>
+              </a:lnRef>
+              <a:fillRef idx="0">
+                <a:scrgbClr r="0" g="0" b="0"/>
+              </a:fillRef>
+              <a:effectRef idx="0">
+                <a:scrgbClr r="0" g="0" b="0"/>
+              </a:effectRef>
+              <a:fontRef idx="none"/>
+            </p:style>
+          </p:cxnSp>
+          <p:cxnSp>
+            <p:nvCxnSpPr>
+              <p:cNvPr id="131" name="Straight Arrow Connector 130">
                 <a:extLst>
                   <a:ext uri="{FF2B5EF4-FFF2-40B4-BE49-F238E27FC236}">
-                    <a16:creationId xmlns:a16="http://schemas.microsoft.com/office/drawing/2014/main" id="{73658A04-3BB7-D749-BE33-AB33249A2680}"/>
+                    <a16:creationId xmlns:a16="http://schemas.microsoft.com/office/drawing/2014/main" id="{4B5E00D2-90D4-D747-B39B-39B4945ED973}"/>
                   </a:ext>
                 </a:extLst>
               </p:cNvPr>
-              <p:cNvSpPr/>
+              <p:cNvCxnSpPr>
+                <a:cxnSpLocks/>
+              </p:cNvCxnSpPr>
               <p:nvPr/>
-            </p:nvSpPr>
+            </p:nvCxnSpPr>
             <p:spPr>
-              <a:xfrm>
-                <a:off x="196910" y="0"/>
-                <a:ext cx="707233" cy="707232"/>
+              <a:xfrm flipH="1">
+                <a:off x="934922" y="2117043"/>
+                <a:ext cx="57412" cy="0"/>
               </a:xfrm>
-              <a:custGeom>
+              <a:prstGeom prst="straightConnector1">
                 <a:avLst/>
-                <a:gdLst/>
-                <a:ahLst/>
-                <a:cxnLst>
-                  <a:cxn ang="0">
-                    <a:pos x="wd2" y="hd2"/>
-                  </a:cxn>
-                  <a:cxn ang="5400000">
-                    <a:pos x="wd2" y="hd2"/>
-                  </a:cxn>
-                  <a:cxn ang="10800000">
-                    <a:pos x="wd2" y="hd2"/>
-                  </a:cxn>
-                  <a:cxn ang="16200000">
-                    <a:pos x="wd2" y="hd2"/>
-                  </a:cxn>
-                </a:cxnLst>
-                <a:rect l="0" t="0" r="r" b="b"/>
-                <a:pathLst>
-                  <a:path w="19679" h="19679" extrusionOk="0">
-                    <a:moveTo>
-                      <a:pt x="16796" y="2882"/>
-                    </a:moveTo>
-                    <a:cubicBezTo>
-                      <a:pt x="20639" y="6724"/>
-                      <a:pt x="20639" y="12954"/>
-                      <a:pt x="16796" y="16796"/>
-                    </a:cubicBezTo>
-                    <a:cubicBezTo>
-                      <a:pt x="12954" y="20639"/>
-                      <a:pt x="6724" y="20639"/>
-                      <a:pt x="2882" y="16796"/>
-                    </a:cubicBezTo>
-                    <a:cubicBezTo>
-                      <a:pt x="-961" y="12954"/>
-                      <a:pt x="-961" y="6724"/>
-                      <a:pt x="2882" y="2882"/>
-                    </a:cubicBezTo>
-                    <a:cubicBezTo>
-                      <a:pt x="6724" y="-961"/>
-                      <a:pt x="12954" y="-961"/>
-                      <a:pt x="16796" y="2882"/>
-                    </a:cubicBezTo>
-                    <a:close/>
-                  </a:path>
-                </a:pathLst>
-              </a:custGeom>
-              <a:solidFill>
-                <a:srgbClr val="325C80"/>
-              </a:solidFill>
-              <a:ln w="3175" cap="flat">
-                <a:noFill/>
+              </a:prstGeom>
+              <a:noFill/>
+              <a:ln w="25400" cap="flat">
+                <a:solidFill>
+                  <a:srgbClr val="8DC53F"/>
+                </a:solidFill>
+                <a:prstDash val="solid"/>
                 <a:miter lim="400000"/>
+                <a:headEnd type="none"/>
+                <a:tailEnd type="none" w="med" len="sm"/>
               </a:ln>
               <a:effectLst/>
             </p:spPr>
-            <p:txBody>
-              <a:bodyPr wrap="square" lIns="0" tIns="0" rIns="0" bIns="0" numCol="1" anchor="ctr">
-                <a:noAutofit/>
-              </a:bodyPr>
-              <a:lstStyle/>
-              <a:p>
-                <a:pPr lvl="0">
-                  <a:defRPr sz="1800">
-                    <a:solidFill>
-                      <a:srgbClr val="FFFFFF"/>
-                    </a:solidFill>
-                  </a:defRPr>
-                </a:pPr>
-                <a:endParaRPr/>
-              </a:p>
-            </p:txBody>
-          </p:sp>
-          <p:pic>
-            <p:nvPicPr>
-              <p:cNvPr id="248" name="_-35.png">
+            <p:style>
+              <a:lnRef idx="0">
+                <a:scrgbClr r="0" g="0" b="0"/>
+              </a:lnRef>
+              <a:fillRef idx="0">
+                <a:scrgbClr r="0" g="0" b="0"/>
+              </a:fillRef>
+              <a:effectRef idx="0">
+                <a:scrgbClr r="0" g="0" b="0"/>
+              </a:effectRef>
+              <a:fontRef idx="none"/>
+            </p:style>
+          </p:cxnSp>
+          <p:cxnSp>
+            <p:nvCxnSpPr>
+              <p:cNvPr id="132" name="Straight Arrow Connector 131">
                 <a:extLst>
                   <a:ext uri="{FF2B5EF4-FFF2-40B4-BE49-F238E27FC236}">
-                    <a16:creationId xmlns:a16="http://schemas.microsoft.com/office/drawing/2014/main" id="{3BDD327D-552B-C542-9AC3-621BB9B1E7C0}"/>
+                    <a16:creationId xmlns:a16="http://schemas.microsoft.com/office/drawing/2014/main" id="{80A9FA47-D4C5-1948-ACD6-9CDD714EC02F}"/>
                   </a:ext>
                 </a:extLst>
               </p:cNvPr>
-              <p:cNvPicPr/>
+              <p:cNvCxnSpPr>
+                <a:cxnSpLocks/>
+              </p:cNvCxnSpPr>
               <p:nvPr/>
-            </p:nvPicPr>
-            <p:blipFill>
-              <a:blip r:embed="rId16">
-                <a:extLst/>
-              </a:blip>
-              <a:srcRect l="16797" t="24739" r="16797" b="24739"/>
-              <a:stretch>
-                <a:fillRect/>
-              </a:stretch>
-            </p:blipFill>
+            </p:nvCxnSpPr>
             <p:spPr>
-              <a:xfrm>
-                <a:off x="318954" y="184181"/>
-                <a:ext cx="469638" cy="357295"/>
+              <a:xfrm flipH="1">
+                <a:off x="934922" y="2177335"/>
+                <a:ext cx="57412" cy="0"/>
               </a:xfrm>
-              <a:prstGeom prst="rect">
+              <a:prstGeom prst="straightConnector1">
                 <a:avLst/>
               </a:prstGeom>
-              <a:ln w="3175" cap="flat">
-                <a:noFill/>
+              <a:noFill/>
+              <a:ln w="25400" cap="flat">
+                <a:solidFill>
+                  <a:srgbClr val="8DC53F"/>
+                </a:solidFill>
+                <a:prstDash val="solid"/>
                 <a:miter lim="400000"/>
+                <a:headEnd type="none"/>
+                <a:tailEnd type="none" w="med" len="sm"/>
               </a:ln>
               <a:effectLst/>
             </p:spPr>
-          </p:pic>
-        </p:grpSp>
-        <p:grpSp>
-          <p:nvGrpSpPr>
-            <p:cNvPr id="4" name="Group 3">
-              <a:extLst>
-                <a:ext uri="{FF2B5EF4-FFF2-40B4-BE49-F238E27FC236}">
-                  <a16:creationId xmlns:a16="http://schemas.microsoft.com/office/drawing/2014/main" id="{76423F80-60E6-4046-9245-8C6329F0C2A4}"/>
-                </a:ext>
-              </a:extLst>
-            </p:cNvPr>
-            <p:cNvGrpSpPr/>
-            <p:nvPr/>
-          </p:nvGrpSpPr>
-          <p:grpSpPr>
-            <a:xfrm>
-              <a:off x="3472467" y="6093859"/>
-              <a:ext cx="539496" cy="502920"/>
-              <a:chOff x="3037039" y="6184418"/>
-              <a:chExt cx="749808" cy="694944"/>
-            </a:xfrm>
-          </p:grpSpPr>
-          <p:grpSp>
-            <p:nvGrpSpPr>
-              <p:cNvPr id="261" name="Group 260">
+            <p:style>
+              <a:lnRef idx="0">
+                <a:scrgbClr r="0" g="0" b="0"/>
+              </a:lnRef>
+              <a:fillRef idx="0">
+                <a:scrgbClr r="0" g="0" b="0"/>
+              </a:fillRef>
+              <a:effectRef idx="0">
+                <a:scrgbClr r="0" g="0" b="0"/>
+              </a:effectRef>
+              <a:fontRef idx="none"/>
+            </p:style>
+          </p:cxnSp>
+          <p:cxnSp>
+            <p:nvCxnSpPr>
+              <p:cNvPr id="133" name="Straight Arrow Connector 132">
                 <a:extLst>
                   <a:ext uri="{FF2B5EF4-FFF2-40B4-BE49-F238E27FC236}">
-                    <a16:creationId xmlns:a16="http://schemas.microsoft.com/office/drawing/2014/main" id="{A0B4E7FD-F8C3-F349-AE3D-CAEAE382F2F3}"/>
+                    <a16:creationId xmlns:a16="http://schemas.microsoft.com/office/drawing/2014/main" id="{18092BA3-C47E-A341-9E29-BEB12A8F41AD}"/>
                   </a:ext>
                 </a:extLst>
               </p:cNvPr>
-              <p:cNvGrpSpPr/>
+              <p:cNvCxnSpPr>
+                <a:cxnSpLocks/>
+              </p:cNvCxnSpPr>
               <p:nvPr/>
-            </p:nvGrpSpPr>
-            <p:grpSpPr>
-              <a:xfrm>
-                <a:off x="3037039" y="6184418"/>
-                <a:ext cx="749808" cy="694944"/>
-                <a:chOff x="6586374" y="3536992"/>
-                <a:chExt cx="749808" cy="694944"/>
+            </p:nvCxnSpPr>
+            <p:spPr>
+              <a:xfrm flipH="1">
+                <a:off x="934922" y="2210223"/>
+                <a:ext cx="57412" cy="0"/>
               </a:xfrm>
-            </p:grpSpPr>
-            <p:sp>
-              <p:nvSpPr>
-                <p:cNvPr id="262" name="Shape 252">
-                  <a:extLst>
-                    <a:ext uri="{FF2B5EF4-FFF2-40B4-BE49-F238E27FC236}">
-                      <a16:creationId xmlns:a16="http://schemas.microsoft.com/office/drawing/2014/main" id="{ECFE8CD8-19DA-EC4F-8A8B-AF80107BFBBD}"/>
-                    </a:ext>
-                  </a:extLst>
-                </p:cNvPr>
-                <p:cNvSpPr/>
-                <p:nvPr/>
-              </p:nvSpPr>
-              <p:spPr>
-                <a:xfrm>
-                  <a:off x="6586374" y="3536992"/>
-                  <a:ext cx="749808" cy="694944"/>
-                </a:xfrm>
-                <a:custGeom>
-                  <a:avLst/>
-                  <a:gdLst/>
-                  <a:ahLst/>
-                  <a:cxnLst>
-                    <a:cxn ang="0">
-                      <a:pos x="wd2" y="hd2"/>
-                    </a:cxn>
-                    <a:cxn ang="5400000">
-                      <a:pos x="wd2" y="hd2"/>
-                    </a:cxn>
-                    <a:cxn ang="10800000">
-                      <a:pos x="wd2" y="hd2"/>
-                    </a:cxn>
-                    <a:cxn ang="16200000">
-                      <a:pos x="wd2" y="hd2"/>
-                    </a:cxn>
-                  </a:cxnLst>
-                  <a:rect l="0" t="0" r="r" b="b"/>
-                  <a:pathLst>
-                    <a:path w="19679" h="19679" extrusionOk="0">
-                      <a:moveTo>
-                        <a:pt x="16796" y="2882"/>
-                      </a:moveTo>
-                      <a:cubicBezTo>
-                        <a:pt x="20639" y="6724"/>
-                        <a:pt x="20639" y="12954"/>
-                        <a:pt x="16796" y="16796"/>
-                      </a:cubicBezTo>
-                      <a:cubicBezTo>
-                        <a:pt x="12954" y="20639"/>
-                        <a:pt x="6724" y="20639"/>
-                        <a:pt x="2882" y="16796"/>
-                      </a:cubicBezTo>
-                      <a:cubicBezTo>
-                        <a:pt x="-961" y="12954"/>
-                        <a:pt x="-961" y="6724"/>
-                        <a:pt x="2882" y="2882"/>
-                      </a:cubicBezTo>
-                      <a:cubicBezTo>
-                        <a:pt x="6724" y="-961"/>
-                        <a:pt x="12954" y="-961"/>
-                        <a:pt x="16796" y="2882"/>
-                      </a:cubicBezTo>
-                      <a:close/>
-                    </a:path>
-                  </a:pathLst>
-                </a:custGeom>
+              <a:prstGeom prst="straightConnector1">
+                <a:avLst/>
+              </a:prstGeom>
+              <a:noFill/>
+              <a:ln w="25400" cap="flat">
                 <a:solidFill>
                   <a:srgbClr val="8DC53F"/>
                 </a:solidFill>
-                <a:ln w="3175" cap="flat">
-                  <a:noFill/>
-                  <a:miter lim="400000"/>
-                </a:ln>
-                <a:effectLst/>
-              </p:spPr>
-              <p:txBody>
-                <a:bodyPr wrap="square" lIns="0" tIns="0" rIns="0" bIns="0" numCol="1" anchor="ctr">
-                  <a:noAutofit/>
-                </a:bodyPr>
-                <a:lstStyle/>
-                <a:p>
-                  <a:pPr lvl="0">
-                    <a:defRPr sz="1800">
-                      <a:solidFill>
-                        <a:srgbClr val="FFFFFF"/>
-                      </a:solidFill>
-                    </a:defRPr>
-                  </a:pPr>
-                  <a:endParaRPr dirty="0"/>
-                </a:p>
-              </p:txBody>
-            </p:sp>
-            <p:cxnSp>
-              <p:nvCxnSpPr>
-                <p:cNvPr id="263" name="Straight Arrow Connector 262">
-                  <a:extLst>
-                    <a:ext uri="{FF2B5EF4-FFF2-40B4-BE49-F238E27FC236}">
-                      <a16:creationId xmlns:a16="http://schemas.microsoft.com/office/drawing/2014/main" id="{3F95857A-B9E2-494D-9076-93BBDFA14BF6}"/>
-                    </a:ext>
-                  </a:extLst>
-                </p:cNvPr>
-                <p:cNvCxnSpPr>
-                  <a:cxnSpLocks/>
-                </p:cNvCxnSpPr>
-                <p:nvPr/>
-              </p:nvCxnSpPr>
-              <p:spPr>
-                <a:xfrm flipH="1">
-                  <a:off x="7005901" y="3908629"/>
-                  <a:ext cx="57412" cy="0"/>
-                </a:xfrm>
-                <a:prstGeom prst="straightConnector1">
-                  <a:avLst/>
-                </a:prstGeom>
-                <a:noFill/>
-                <a:ln w="25400" cap="flat">
-                  <a:solidFill>
-                    <a:srgbClr val="8DC53F"/>
-                  </a:solidFill>
-                  <a:prstDash val="solid"/>
-                  <a:miter lim="400000"/>
-                  <a:headEnd type="none"/>
-                  <a:tailEnd type="none" w="med" len="sm"/>
-                </a:ln>
-                <a:effectLst/>
-              </p:spPr>
-              <p:style>
-                <a:lnRef idx="0">
-                  <a:scrgbClr r="0" g="0" b="0"/>
-                </a:lnRef>
-                <a:fillRef idx="0">
-                  <a:scrgbClr r="0" g="0" b="0"/>
-                </a:fillRef>
-                <a:effectRef idx="0">
-                  <a:scrgbClr r="0" g="0" b="0"/>
-                </a:effectRef>
-                <a:fontRef idx="none"/>
-              </p:style>
-            </p:cxnSp>
-            <p:cxnSp>
-              <p:nvCxnSpPr>
-                <p:cNvPr id="264" name="Straight Arrow Connector 263">
-                  <a:extLst>
-                    <a:ext uri="{FF2B5EF4-FFF2-40B4-BE49-F238E27FC236}">
-                      <a16:creationId xmlns:a16="http://schemas.microsoft.com/office/drawing/2014/main" id="{DF83CDB5-E160-4643-B15A-CA6E2ADA9B53}"/>
-                    </a:ext>
-                  </a:extLst>
-                </p:cNvPr>
-                <p:cNvCxnSpPr>
-                  <a:cxnSpLocks/>
-                </p:cNvCxnSpPr>
-                <p:nvPr/>
-              </p:nvCxnSpPr>
-              <p:spPr>
-                <a:xfrm flipH="1">
-                  <a:off x="7005901" y="3939974"/>
-                  <a:ext cx="57412" cy="0"/>
-                </a:xfrm>
-                <a:prstGeom prst="straightConnector1">
-                  <a:avLst/>
-                </a:prstGeom>
-                <a:noFill/>
-                <a:ln w="25400" cap="flat">
-                  <a:solidFill>
-                    <a:srgbClr val="8DC53F"/>
-                  </a:solidFill>
-                  <a:prstDash val="solid"/>
-                  <a:miter lim="400000"/>
-                  <a:headEnd type="none"/>
-                  <a:tailEnd type="none" w="med" len="sm"/>
-                </a:ln>
-                <a:effectLst/>
-              </p:spPr>
-              <p:style>
-                <a:lnRef idx="0">
-                  <a:scrgbClr r="0" g="0" b="0"/>
-                </a:lnRef>
-                <a:fillRef idx="0">
-                  <a:scrgbClr r="0" g="0" b="0"/>
-                </a:fillRef>
-                <a:effectRef idx="0">
-                  <a:scrgbClr r="0" g="0" b="0"/>
-                </a:effectRef>
-                <a:fontRef idx="none"/>
-              </p:style>
-            </p:cxnSp>
-            <p:cxnSp>
-              <p:nvCxnSpPr>
-                <p:cNvPr id="265" name="Straight Arrow Connector 264">
-                  <a:extLst>
-                    <a:ext uri="{FF2B5EF4-FFF2-40B4-BE49-F238E27FC236}">
-                      <a16:creationId xmlns:a16="http://schemas.microsoft.com/office/drawing/2014/main" id="{C1ACEA82-DA09-A94F-BFFD-9D2703F45FD6}"/>
-                    </a:ext>
-                  </a:extLst>
-                </p:cNvPr>
-                <p:cNvCxnSpPr>
-                  <a:cxnSpLocks/>
-                </p:cNvCxnSpPr>
-                <p:nvPr/>
-              </p:nvCxnSpPr>
-              <p:spPr>
-                <a:xfrm flipH="1">
-                  <a:off x="7005901" y="4000266"/>
-                  <a:ext cx="57412" cy="0"/>
-                </a:xfrm>
-                <a:prstGeom prst="straightConnector1">
-                  <a:avLst/>
-                </a:prstGeom>
-                <a:noFill/>
-                <a:ln w="25400" cap="flat">
-                  <a:solidFill>
-                    <a:srgbClr val="8DC53F"/>
-                  </a:solidFill>
-                  <a:prstDash val="solid"/>
-                  <a:miter lim="400000"/>
-                  <a:headEnd type="none"/>
-                  <a:tailEnd type="none" w="med" len="sm"/>
-                </a:ln>
-                <a:effectLst/>
-              </p:spPr>
-              <p:style>
-                <a:lnRef idx="0">
-                  <a:scrgbClr r="0" g="0" b="0"/>
-                </a:lnRef>
-                <a:fillRef idx="0">
-                  <a:scrgbClr r="0" g="0" b="0"/>
-                </a:fillRef>
-                <a:effectRef idx="0">
-                  <a:scrgbClr r="0" g="0" b="0"/>
-                </a:effectRef>
-                <a:fontRef idx="none"/>
-              </p:style>
-            </p:cxnSp>
-            <p:cxnSp>
-              <p:nvCxnSpPr>
-                <p:cNvPr id="266" name="Straight Arrow Connector 265">
-                  <a:extLst>
-                    <a:ext uri="{FF2B5EF4-FFF2-40B4-BE49-F238E27FC236}">
-                      <a16:creationId xmlns:a16="http://schemas.microsoft.com/office/drawing/2014/main" id="{0C0F5FF6-6A06-5149-9577-1BB7FE3F903B}"/>
-                    </a:ext>
-                  </a:extLst>
-                </p:cNvPr>
-                <p:cNvCxnSpPr>
-                  <a:cxnSpLocks/>
-                </p:cNvCxnSpPr>
-                <p:nvPr/>
-              </p:nvCxnSpPr>
-              <p:spPr>
-                <a:xfrm flipH="1">
-                  <a:off x="7005901" y="4033154"/>
-                  <a:ext cx="57412" cy="0"/>
-                </a:xfrm>
-                <a:prstGeom prst="straightConnector1">
-                  <a:avLst/>
-                </a:prstGeom>
-                <a:noFill/>
-                <a:ln w="25400" cap="flat">
-                  <a:solidFill>
-                    <a:srgbClr val="8DC53F"/>
-                  </a:solidFill>
-                  <a:prstDash val="solid"/>
-                  <a:miter lim="400000"/>
-                  <a:headEnd type="none"/>
-                  <a:tailEnd type="none" w="med" len="sm"/>
-                </a:ln>
-                <a:effectLst/>
-              </p:spPr>
-              <p:style>
-                <a:lnRef idx="0">
-                  <a:scrgbClr r="0" g="0" b="0"/>
-                </a:lnRef>
-                <a:fillRef idx="0">
-                  <a:scrgbClr r="0" g="0" b="0"/>
-                </a:fillRef>
-                <a:effectRef idx="0">
-                  <a:scrgbClr r="0" g="0" b="0"/>
-                </a:effectRef>
-                <a:fontRef idx="none"/>
-              </p:style>
-            </p:cxnSp>
-          </p:grpSp>
-          <p:pic>
-            <p:nvPicPr>
-              <p:cNvPr id="267" name="Picture 266">
-                <a:extLst>
-                  <a:ext uri="{FF2B5EF4-FFF2-40B4-BE49-F238E27FC236}">
-                    <a16:creationId xmlns:a16="http://schemas.microsoft.com/office/drawing/2014/main" id="{ED101265-A737-0D49-A1D0-C44E41714133}"/>
-                  </a:ext>
-                </a:extLst>
-              </p:cNvPr>
-              <p:cNvPicPr>
-                <a:picLocks noChangeAspect="1"/>
-              </p:cNvPicPr>
-              <p:nvPr/>
-            </p:nvPicPr>
-            <p:blipFill>
-              <a:blip r:embed="rId17">
-                <a:duotone>
-                  <a:schemeClr val="accent2">
-                    <a:shade val="45000"/>
-                    <a:satMod val="135000"/>
-                  </a:schemeClr>
-                  <a:prstClr val="white"/>
-                </a:duotone>
-              </a:blip>
-              <a:stretch>
-                <a:fillRect/>
-              </a:stretch>
-            </p:blipFill>
-            <p:spPr>
-              <a:xfrm>
-                <a:off x="3207590" y="6297976"/>
-                <a:ext cx="417972" cy="484984"/>
-              </a:xfrm>
-              <a:prstGeom prst="rect">
-                <a:avLst/>
-              </a:prstGeom>
+                <a:prstDash val="solid"/>
+                <a:miter lim="400000"/>
+                <a:headEnd type="none"/>
+                <a:tailEnd type="none" w="med" len="sm"/>
+              </a:ln>
+              <a:effectLst/>
             </p:spPr>
-          </p:pic>
+            <p:style>
+              <a:lnRef idx="0">
+                <a:scrgbClr r="0" g="0" b="0"/>
+              </a:lnRef>
+              <a:fillRef idx="0">
+                <a:scrgbClr r="0" g="0" b="0"/>
+              </a:fillRef>
+              <a:effectRef idx="0">
+                <a:scrgbClr r="0" g="0" b="0"/>
+              </a:effectRef>
+              <a:fontRef idx="none"/>
+            </p:style>
+          </p:cxnSp>
         </p:grpSp>
-        <p:cxnSp>
-          <p:nvCxnSpPr>
-            <p:cNvPr id="105" name="Straight Arrow Connector 104">
+        <p:pic>
+          <p:nvPicPr>
+            <p:cNvPr id="119" name="Picture 118">
               <a:extLst>
                 <a:ext uri="{FF2B5EF4-FFF2-40B4-BE49-F238E27FC236}">
-                  <a16:creationId xmlns:a16="http://schemas.microsoft.com/office/drawing/2014/main" id="{FABA05FA-081E-A642-A898-0EB8BA57C05A}"/>
-                </a:ext>
-              </a:extLst>
-            </p:cNvPr>
-            <p:cNvCxnSpPr>
-              <a:cxnSpLocks/>
-            </p:cNvCxnSpPr>
-            <p:nvPr/>
-          </p:nvCxnSpPr>
-          <p:spPr>
-            <a:xfrm>
-              <a:off x="9005513" y="3549626"/>
-              <a:ext cx="222616" cy="0"/>
-            </a:xfrm>
-            <a:prstGeom prst="straightConnector1">
-              <a:avLst/>
-            </a:prstGeom>
-            <a:noFill/>
-            <a:ln w="25400" cap="flat">
-              <a:solidFill>
-                <a:srgbClr val="4277BB"/>
-              </a:solidFill>
-              <a:prstDash val="solid"/>
-              <a:miter lim="400000"/>
-              <a:tailEnd type="none"/>
-            </a:ln>
-            <a:effectLst/>
-          </p:spPr>
-          <p:style>
-            <a:lnRef idx="0">
-              <a:scrgbClr r="0" g="0" b="0"/>
-            </a:lnRef>
-            <a:fillRef idx="0">
-              <a:scrgbClr r="0" g="0" b="0"/>
-            </a:fillRef>
-            <a:effectRef idx="0">
-              <a:scrgbClr r="0" g="0" b="0"/>
-            </a:effectRef>
-            <a:fontRef idx="none"/>
-          </p:style>
-        </p:cxnSp>
-        <p:cxnSp>
-          <p:nvCxnSpPr>
-            <p:cNvPr id="107" name="Straight Arrow Connector 106">
-              <a:extLst>
-                <a:ext uri="{FF2B5EF4-FFF2-40B4-BE49-F238E27FC236}">
-                  <a16:creationId xmlns:a16="http://schemas.microsoft.com/office/drawing/2014/main" id="{6A68E7B1-9A74-B14D-9187-C4ED89DC74A7}"/>
-                </a:ext>
-              </a:extLst>
-            </p:cNvPr>
-            <p:cNvCxnSpPr>
-              <a:cxnSpLocks/>
-            </p:cNvCxnSpPr>
-            <p:nvPr/>
-          </p:nvCxnSpPr>
-          <p:spPr>
-            <a:xfrm>
-              <a:off x="9031423" y="5145675"/>
-              <a:ext cx="0" cy="622989"/>
-            </a:xfrm>
-            <a:prstGeom prst="straightConnector1">
-              <a:avLst/>
-            </a:prstGeom>
-            <a:noFill/>
-            <a:ln w="25400" cap="flat">
-              <a:solidFill>
-                <a:srgbClr val="4277BB"/>
-              </a:solidFill>
-              <a:prstDash val="solid"/>
-              <a:miter lim="400000"/>
-              <a:headEnd type="triangle"/>
-              <a:tailEnd type="triangle"/>
-            </a:ln>
-            <a:effectLst/>
-          </p:spPr>
-          <p:style>
-            <a:lnRef idx="0">
-              <a:scrgbClr r="0" g="0" b="0"/>
-            </a:lnRef>
-            <a:fillRef idx="0">
-              <a:scrgbClr r="0" g="0" b="0"/>
-            </a:fillRef>
-            <a:effectRef idx="0">
-              <a:scrgbClr r="0" g="0" b="0"/>
-            </a:effectRef>
-            <a:fontRef idx="none"/>
-          </p:style>
-        </p:cxnSp>
-        <p:cxnSp>
-          <p:nvCxnSpPr>
-            <p:cNvPr id="111" name="Straight Arrow Connector 110">
-              <a:extLst>
-                <a:ext uri="{FF2B5EF4-FFF2-40B4-BE49-F238E27FC236}">
-                  <a16:creationId xmlns:a16="http://schemas.microsoft.com/office/drawing/2014/main" id="{01FA9B46-FA0E-904E-9B87-E90906B58236}"/>
-                </a:ext>
-              </a:extLst>
-            </p:cNvPr>
-            <p:cNvCxnSpPr>
-              <a:cxnSpLocks/>
-            </p:cNvCxnSpPr>
-            <p:nvPr/>
-          </p:nvCxnSpPr>
-          <p:spPr>
-            <a:xfrm rot="16200000" flipH="1">
-              <a:off x="8497676" y="4096279"/>
-              <a:ext cx="780759" cy="283131"/>
-            </a:xfrm>
-            <a:prstGeom prst="bentConnector3">
-              <a:avLst>
-                <a:gd name="adj1" fmla="val 50000"/>
-              </a:avLst>
-            </a:prstGeom>
-            <a:noFill/>
-            <a:ln w="25400" cap="flat">
-              <a:solidFill>
-                <a:srgbClr val="4277BB"/>
-              </a:solidFill>
-              <a:prstDash val="solid"/>
-              <a:miter lim="400000"/>
-              <a:headEnd type="triangle"/>
-              <a:tailEnd type="triangle"/>
-            </a:ln>
-            <a:effectLst/>
-          </p:spPr>
-          <p:style>
-            <a:lnRef idx="0">
-              <a:scrgbClr r="0" g="0" b="0"/>
-            </a:lnRef>
-            <a:fillRef idx="0">
-              <a:scrgbClr r="0" g="0" b="0"/>
-            </a:fillRef>
-            <a:effectRef idx="0">
-              <a:scrgbClr r="0" g="0" b="0"/>
-            </a:effectRef>
-            <a:fontRef idx="none"/>
-          </p:style>
-        </p:cxnSp>
-        <p:pic>
-          <p:nvPicPr>
-            <p:cNvPr id="115" name="Picture 114">
-              <a:extLst>
-                <a:ext uri="{FF2B5EF4-FFF2-40B4-BE49-F238E27FC236}">
-                  <a16:creationId xmlns:a16="http://schemas.microsoft.com/office/drawing/2014/main" id="{1ABDA291-838C-F141-8F04-31C32B106219}"/>
+                  <a16:creationId xmlns:a16="http://schemas.microsoft.com/office/drawing/2014/main" id="{1372EFC0-5A06-464E-B78E-ACA6605B9243}"/>
                 </a:ext>
               </a:extLst>
             </p:cNvPr>
@@ -14878,14 +14692,12 @@
             <p:nvPr/>
           </p:nvPicPr>
           <p:blipFill>
-            <a:blip r:embed="rId18">
-              <a:duotone>
-                <a:schemeClr val="accent1">
-                  <a:shade val="45000"/>
-                  <a:satMod val="135000"/>
-                </a:schemeClr>
-                <a:prstClr val="white"/>
-              </a:duotone>
+            <a:blip r:embed="rId18" cstate="print">
+              <a:extLst>
+                <a:ext uri="{28A0092B-C50C-407E-A947-70E740481C1C}">
+                  <a14:useLocalDpi xmlns:a14="http://schemas.microsoft.com/office/drawing/2010/main" val="0"/>
+                </a:ext>
+              </a:extLst>
             </a:blip>
             <a:stretch>
               <a:fillRect/>
@@ -14893,1051 +14705,694 @@
           </p:blipFill>
           <p:spPr>
             <a:xfrm>
-              <a:off x="8471989" y="1910903"/>
-              <a:ext cx="362031" cy="356172"/>
+              <a:off x="733935" y="4817416"/>
+              <a:ext cx="457200" cy="528284"/>
             </a:xfrm>
             <a:prstGeom prst="rect">
               <a:avLst/>
             </a:prstGeom>
           </p:spPr>
         </p:pic>
-        <p:grpSp>
-          <p:nvGrpSpPr>
-            <p:cNvPr id="117" name="Group 116">
+      </p:grpSp>
+      <p:grpSp>
+        <p:nvGrpSpPr>
+          <p:cNvPr id="138" name="Group 137">
+            <a:extLst>
+              <a:ext uri="{FF2B5EF4-FFF2-40B4-BE49-F238E27FC236}">
+                <a16:creationId xmlns:a16="http://schemas.microsoft.com/office/drawing/2014/main" id="{4B3DF0E6-E362-6B47-9EE0-42C2CF6A00AB}"/>
+              </a:ext>
+            </a:extLst>
+          </p:cNvPr>
+          <p:cNvGrpSpPr/>
+          <p:nvPr/>
+        </p:nvGrpSpPr>
+        <p:grpSpPr>
+          <a:xfrm>
+            <a:off x="5508675" y="5225954"/>
+            <a:ext cx="539496" cy="502920"/>
+            <a:chOff x="7609623" y="4471311"/>
+            <a:chExt cx="707233" cy="707233"/>
+          </a:xfrm>
+        </p:grpSpPr>
+        <p:sp>
+          <p:nvSpPr>
+            <p:cNvPr id="139" name="Shape 482">
               <a:extLst>
                 <a:ext uri="{FF2B5EF4-FFF2-40B4-BE49-F238E27FC236}">
-                  <a16:creationId xmlns:a16="http://schemas.microsoft.com/office/drawing/2014/main" id="{4E3ADDD0-6785-664B-BC10-7531EED13B17}"/>
+                  <a16:creationId xmlns:a16="http://schemas.microsoft.com/office/drawing/2014/main" id="{5A1D3D64-050F-A147-A20E-98F03D8301CB}"/>
                 </a:ext>
               </a:extLst>
             </p:cNvPr>
-            <p:cNvGrpSpPr/>
+            <p:cNvSpPr/>
             <p:nvPr/>
-          </p:nvGrpSpPr>
-          <p:grpSpPr>
+          </p:nvSpPr>
+          <p:spPr>
             <a:xfrm>
-              <a:off x="4492943" y="6088174"/>
-              <a:ext cx="539496" cy="502920"/>
-              <a:chOff x="583315" y="4742217"/>
-              <a:chExt cx="749808" cy="694944"/>
+              <a:off x="7609623" y="4471311"/>
+              <a:ext cx="707233" cy="707233"/>
             </a:xfrm>
-          </p:grpSpPr>
-          <p:grpSp>
-            <p:nvGrpSpPr>
-              <p:cNvPr id="118" name="Group 117">
-                <a:extLst>
-                  <a:ext uri="{FF2B5EF4-FFF2-40B4-BE49-F238E27FC236}">
-                    <a16:creationId xmlns:a16="http://schemas.microsoft.com/office/drawing/2014/main" id="{667E182C-84BC-B94E-A0C6-D59017878074}"/>
-                  </a:ext>
-                </a:extLst>
-              </p:cNvPr>
-              <p:cNvGrpSpPr/>
-              <p:nvPr/>
-            </p:nvGrpSpPr>
-            <p:grpSpPr>
-              <a:xfrm>
-                <a:off x="583315" y="4742217"/>
-                <a:ext cx="749808" cy="694944"/>
-                <a:chOff x="515395" y="1714061"/>
-                <a:chExt cx="749808" cy="694944"/>
-              </a:xfrm>
-            </p:grpSpPr>
-            <p:sp>
-              <p:nvSpPr>
-                <p:cNvPr id="127" name="Shape 252">
-                  <a:extLst>
-                    <a:ext uri="{FF2B5EF4-FFF2-40B4-BE49-F238E27FC236}">
-                      <a16:creationId xmlns:a16="http://schemas.microsoft.com/office/drawing/2014/main" id="{88D62924-B5BE-9C4D-946B-B8CA84D45539}"/>
-                    </a:ext>
-                  </a:extLst>
-                </p:cNvPr>
-                <p:cNvSpPr/>
-                <p:nvPr/>
-              </p:nvSpPr>
-              <p:spPr>
-                <a:xfrm>
-                  <a:off x="515395" y="1714061"/>
-                  <a:ext cx="749808" cy="694944"/>
-                </a:xfrm>
-                <a:custGeom>
-                  <a:avLst/>
-                  <a:gdLst/>
-                  <a:ahLst/>
-                  <a:cxnLst>
-                    <a:cxn ang="0">
-                      <a:pos x="wd2" y="hd2"/>
-                    </a:cxn>
-                    <a:cxn ang="5400000">
-                      <a:pos x="wd2" y="hd2"/>
-                    </a:cxn>
-                    <a:cxn ang="10800000">
-                      <a:pos x="wd2" y="hd2"/>
-                    </a:cxn>
-                    <a:cxn ang="16200000">
-                      <a:pos x="wd2" y="hd2"/>
-                    </a:cxn>
-                  </a:cxnLst>
-                  <a:rect l="0" t="0" r="r" b="b"/>
-                  <a:pathLst>
-                    <a:path w="19679" h="19679" extrusionOk="0">
-                      <a:moveTo>
-                        <a:pt x="16796" y="2882"/>
-                      </a:moveTo>
-                      <a:cubicBezTo>
-                        <a:pt x="20639" y="6724"/>
-                        <a:pt x="20639" y="12954"/>
-                        <a:pt x="16796" y="16796"/>
-                      </a:cubicBezTo>
-                      <a:cubicBezTo>
-                        <a:pt x="12954" y="20639"/>
-                        <a:pt x="6724" y="20639"/>
-                        <a:pt x="2882" y="16796"/>
-                      </a:cubicBezTo>
-                      <a:cubicBezTo>
-                        <a:pt x="-961" y="12954"/>
-                        <a:pt x="-961" y="6724"/>
-                        <a:pt x="2882" y="2882"/>
-                      </a:cubicBezTo>
-                      <a:cubicBezTo>
-                        <a:pt x="6724" y="-961"/>
-                        <a:pt x="12954" y="-961"/>
-                        <a:pt x="16796" y="2882"/>
-                      </a:cubicBezTo>
-                      <a:close/>
-                    </a:path>
-                  </a:pathLst>
-                </a:custGeom>
-                <a:solidFill>
-                  <a:srgbClr val="8DC53F"/>
-                </a:solidFill>
-                <a:ln w="3175" cap="flat">
-                  <a:noFill/>
-                  <a:miter lim="400000"/>
-                </a:ln>
-                <a:effectLst/>
-              </p:spPr>
-              <p:txBody>
-                <a:bodyPr wrap="square" lIns="0" tIns="0" rIns="0" bIns="0" numCol="1" anchor="ctr">
-                  <a:noAutofit/>
-                </a:bodyPr>
-                <a:lstStyle/>
-                <a:p>
-                  <a:pPr lvl="0">
-                    <a:defRPr sz="1800">
-                      <a:solidFill>
-                        <a:srgbClr val="FFFFFF"/>
-                      </a:solidFill>
-                    </a:defRPr>
-                  </a:pPr>
-                  <a:endParaRPr dirty="0"/>
-                </a:p>
-              </p:txBody>
-            </p:sp>
-            <p:cxnSp>
-              <p:nvCxnSpPr>
-                <p:cNvPr id="130" name="Straight Arrow Connector 129">
-                  <a:extLst>
-                    <a:ext uri="{FF2B5EF4-FFF2-40B4-BE49-F238E27FC236}">
-                      <a16:creationId xmlns:a16="http://schemas.microsoft.com/office/drawing/2014/main" id="{FF3224F9-D52A-244A-A964-6D812A95D6A3}"/>
-                    </a:ext>
-                  </a:extLst>
-                </p:cNvPr>
-                <p:cNvCxnSpPr>
-                  <a:cxnSpLocks/>
-                </p:cNvCxnSpPr>
-                <p:nvPr/>
-              </p:nvCxnSpPr>
-              <p:spPr>
-                <a:xfrm flipH="1">
-                  <a:off x="934922" y="2085698"/>
-                  <a:ext cx="57412" cy="0"/>
-                </a:xfrm>
-                <a:prstGeom prst="straightConnector1">
-                  <a:avLst/>
-                </a:prstGeom>
-                <a:noFill/>
-                <a:ln w="25400" cap="flat">
-                  <a:solidFill>
-                    <a:srgbClr val="8DC53F"/>
-                  </a:solidFill>
-                  <a:prstDash val="solid"/>
-                  <a:miter lim="400000"/>
-                  <a:headEnd type="none"/>
-                  <a:tailEnd type="none" w="med" len="sm"/>
-                </a:ln>
-                <a:effectLst/>
-              </p:spPr>
-              <p:style>
-                <a:lnRef idx="0">
-                  <a:scrgbClr r="0" g="0" b="0"/>
-                </a:lnRef>
-                <a:fillRef idx="0">
-                  <a:scrgbClr r="0" g="0" b="0"/>
-                </a:fillRef>
-                <a:effectRef idx="0">
-                  <a:scrgbClr r="0" g="0" b="0"/>
-                </a:effectRef>
-                <a:fontRef idx="none"/>
-              </p:style>
-            </p:cxnSp>
-            <p:cxnSp>
-              <p:nvCxnSpPr>
-                <p:cNvPr id="131" name="Straight Arrow Connector 130">
-                  <a:extLst>
-                    <a:ext uri="{FF2B5EF4-FFF2-40B4-BE49-F238E27FC236}">
-                      <a16:creationId xmlns:a16="http://schemas.microsoft.com/office/drawing/2014/main" id="{4B5E00D2-90D4-D747-B39B-39B4945ED973}"/>
-                    </a:ext>
-                  </a:extLst>
-                </p:cNvPr>
-                <p:cNvCxnSpPr>
-                  <a:cxnSpLocks/>
-                </p:cNvCxnSpPr>
-                <p:nvPr/>
-              </p:nvCxnSpPr>
-              <p:spPr>
-                <a:xfrm flipH="1">
-                  <a:off x="934922" y="2117043"/>
-                  <a:ext cx="57412" cy="0"/>
-                </a:xfrm>
-                <a:prstGeom prst="straightConnector1">
-                  <a:avLst/>
-                </a:prstGeom>
-                <a:noFill/>
-                <a:ln w="25400" cap="flat">
-                  <a:solidFill>
-                    <a:srgbClr val="8DC53F"/>
-                  </a:solidFill>
-                  <a:prstDash val="solid"/>
-                  <a:miter lim="400000"/>
-                  <a:headEnd type="none"/>
-                  <a:tailEnd type="none" w="med" len="sm"/>
-                </a:ln>
-                <a:effectLst/>
-              </p:spPr>
-              <p:style>
-                <a:lnRef idx="0">
-                  <a:scrgbClr r="0" g="0" b="0"/>
-                </a:lnRef>
-                <a:fillRef idx="0">
-                  <a:scrgbClr r="0" g="0" b="0"/>
-                </a:fillRef>
-                <a:effectRef idx="0">
-                  <a:scrgbClr r="0" g="0" b="0"/>
-                </a:effectRef>
-                <a:fontRef idx="none"/>
-              </p:style>
-            </p:cxnSp>
-            <p:cxnSp>
-              <p:nvCxnSpPr>
-                <p:cNvPr id="132" name="Straight Arrow Connector 131">
-                  <a:extLst>
-                    <a:ext uri="{FF2B5EF4-FFF2-40B4-BE49-F238E27FC236}">
-                      <a16:creationId xmlns:a16="http://schemas.microsoft.com/office/drawing/2014/main" id="{80A9FA47-D4C5-1948-ACD6-9CDD714EC02F}"/>
-                    </a:ext>
-                  </a:extLst>
-                </p:cNvPr>
-                <p:cNvCxnSpPr>
-                  <a:cxnSpLocks/>
-                </p:cNvCxnSpPr>
-                <p:nvPr/>
-              </p:nvCxnSpPr>
-              <p:spPr>
-                <a:xfrm flipH="1">
-                  <a:off x="934922" y="2177335"/>
-                  <a:ext cx="57412" cy="0"/>
-                </a:xfrm>
-                <a:prstGeom prst="straightConnector1">
-                  <a:avLst/>
-                </a:prstGeom>
-                <a:noFill/>
-                <a:ln w="25400" cap="flat">
-                  <a:solidFill>
-                    <a:srgbClr val="8DC53F"/>
-                  </a:solidFill>
-                  <a:prstDash val="solid"/>
-                  <a:miter lim="400000"/>
-                  <a:headEnd type="none"/>
-                  <a:tailEnd type="none" w="med" len="sm"/>
-                </a:ln>
-                <a:effectLst/>
-              </p:spPr>
-              <p:style>
-                <a:lnRef idx="0">
-                  <a:scrgbClr r="0" g="0" b="0"/>
-                </a:lnRef>
-                <a:fillRef idx="0">
-                  <a:scrgbClr r="0" g="0" b="0"/>
-                </a:fillRef>
-                <a:effectRef idx="0">
-                  <a:scrgbClr r="0" g="0" b="0"/>
-                </a:effectRef>
-                <a:fontRef idx="none"/>
-              </p:style>
-            </p:cxnSp>
-            <p:cxnSp>
-              <p:nvCxnSpPr>
-                <p:cNvPr id="133" name="Straight Arrow Connector 132">
-                  <a:extLst>
-                    <a:ext uri="{FF2B5EF4-FFF2-40B4-BE49-F238E27FC236}">
-                      <a16:creationId xmlns:a16="http://schemas.microsoft.com/office/drawing/2014/main" id="{18092BA3-C47E-A341-9E29-BEB12A8F41AD}"/>
-                    </a:ext>
-                  </a:extLst>
-                </p:cNvPr>
-                <p:cNvCxnSpPr>
-                  <a:cxnSpLocks/>
-                </p:cNvCxnSpPr>
-                <p:nvPr/>
-              </p:nvCxnSpPr>
-              <p:spPr>
-                <a:xfrm flipH="1">
-                  <a:off x="934922" y="2210223"/>
-                  <a:ext cx="57412" cy="0"/>
-                </a:xfrm>
-                <a:prstGeom prst="straightConnector1">
-                  <a:avLst/>
-                </a:prstGeom>
-                <a:noFill/>
-                <a:ln w="25400" cap="flat">
-                  <a:solidFill>
-                    <a:srgbClr val="8DC53F"/>
-                  </a:solidFill>
-                  <a:prstDash val="solid"/>
-                  <a:miter lim="400000"/>
-                  <a:headEnd type="none"/>
-                  <a:tailEnd type="none" w="med" len="sm"/>
-                </a:ln>
-                <a:effectLst/>
-              </p:spPr>
-              <p:style>
-                <a:lnRef idx="0">
-                  <a:scrgbClr r="0" g="0" b="0"/>
-                </a:lnRef>
-                <a:fillRef idx="0">
-                  <a:scrgbClr r="0" g="0" b="0"/>
-                </a:fillRef>
-                <a:effectRef idx="0">
-                  <a:scrgbClr r="0" g="0" b="0"/>
-                </a:effectRef>
-                <a:fontRef idx="none"/>
-              </p:style>
-            </p:cxnSp>
-          </p:grpSp>
-          <p:pic>
-            <p:nvPicPr>
-              <p:cNvPr id="119" name="Picture 118">
-                <a:extLst>
-                  <a:ext uri="{FF2B5EF4-FFF2-40B4-BE49-F238E27FC236}">
-                    <a16:creationId xmlns:a16="http://schemas.microsoft.com/office/drawing/2014/main" id="{1372EFC0-5A06-464E-B78E-ACA6605B9243}"/>
-                  </a:ext>
-                </a:extLst>
-              </p:cNvPr>
-              <p:cNvPicPr>
-                <a:picLocks noChangeAspect="1"/>
-              </p:cNvPicPr>
-              <p:nvPr/>
-            </p:nvPicPr>
-            <p:blipFill>
-              <a:blip r:embed="rId19" cstate="print">
-                <a:extLst>
-                  <a:ext uri="{28A0092B-C50C-407E-A947-70E740481C1C}">
-                    <a14:useLocalDpi xmlns:a14="http://schemas.microsoft.com/office/drawing/2010/main" val="0"/>
-                  </a:ext>
-                </a:extLst>
-              </a:blip>
-              <a:stretch>
-                <a:fillRect/>
-              </a:stretch>
-            </p:blipFill>
-            <p:spPr>
-              <a:xfrm>
-                <a:off x="733935" y="4817416"/>
-                <a:ext cx="457200" cy="528284"/>
-              </a:xfrm>
-              <a:prstGeom prst="rect">
-                <a:avLst/>
-              </a:prstGeom>
-            </p:spPr>
-          </p:pic>
-        </p:grpSp>
-        <p:grpSp>
-          <p:nvGrpSpPr>
-            <p:cNvPr id="138" name="Group 137">
+            <a:custGeom>
+              <a:avLst/>
+              <a:gdLst/>
+              <a:ahLst/>
+              <a:cxnLst>
+                <a:cxn ang="0">
+                  <a:pos x="wd2" y="hd2"/>
+                </a:cxn>
+                <a:cxn ang="5400000">
+                  <a:pos x="wd2" y="hd2"/>
+                </a:cxn>
+                <a:cxn ang="10800000">
+                  <a:pos x="wd2" y="hd2"/>
+                </a:cxn>
+                <a:cxn ang="16200000">
+                  <a:pos x="wd2" y="hd2"/>
+                </a:cxn>
+              </a:cxnLst>
+              <a:rect l="0" t="0" r="r" b="b"/>
+              <a:pathLst>
+                <a:path w="19679" h="19679" extrusionOk="0">
+                  <a:moveTo>
+                    <a:pt x="16796" y="2882"/>
+                  </a:moveTo>
+                  <a:cubicBezTo>
+                    <a:pt x="20639" y="6724"/>
+                    <a:pt x="20639" y="12954"/>
+                    <a:pt x="16796" y="16796"/>
+                  </a:cubicBezTo>
+                  <a:cubicBezTo>
+                    <a:pt x="12954" y="20639"/>
+                    <a:pt x="6724" y="20639"/>
+                    <a:pt x="2882" y="16796"/>
+                  </a:cubicBezTo>
+                  <a:cubicBezTo>
+                    <a:pt x="-961" y="12954"/>
+                    <a:pt x="-961" y="6724"/>
+                    <a:pt x="2882" y="2882"/>
+                  </a:cubicBezTo>
+                  <a:cubicBezTo>
+                    <a:pt x="6724" y="-961"/>
+                    <a:pt x="12954" y="-961"/>
+                    <a:pt x="16796" y="2882"/>
+                  </a:cubicBezTo>
+                  <a:close/>
+                </a:path>
+              </a:pathLst>
+            </a:custGeom>
+            <a:solidFill>
+              <a:srgbClr val="E42233"/>
+            </a:solidFill>
+            <a:ln w="3175" cap="flat">
+              <a:noFill/>
+              <a:miter lim="400000"/>
+            </a:ln>
+            <a:effectLst/>
+          </p:spPr>
+          <p:txBody>
+            <a:bodyPr wrap="square" lIns="0" tIns="0" rIns="0" bIns="0" numCol="1" anchor="ctr">
+              <a:noAutofit/>
+            </a:bodyPr>
+            <a:lstStyle/>
+            <a:p>
+              <a:pPr lvl="0">
+                <a:defRPr sz="1800">
+                  <a:solidFill>
+                    <a:srgbClr val="FFFFFF"/>
+                  </a:solidFill>
+                </a:defRPr>
+              </a:pPr>
+              <a:endParaRPr/>
+            </a:p>
+          </p:txBody>
+        </p:sp>
+        <p:pic>
+          <p:nvPicPr>
+            <p:cNvPr id="140" name="Picture 139">
               <a:extLst>
                 <a:ext uri="{FF2B5EF4-FFF2-40B4-BE49-F238E27FC236}">
-                  <a16:creationId xmlns:a16="http://schemas.microsoft.com/office/drawing/2014/main" id="{4B3DF0E6-E362-6B47-9EE0-42C2CF6A00AB}"/>
+                  <a16:creationId xmlns:a16="http://schemas.microsoft.com/office/drawing/2014/main" id="{50DA0DAD-CC00-AC43-8A83-EC6FA7734755}"/>
                 </a:ext>
               </a:extLst>
             </p:cNvPr>
-            <p:cNvGrpSpPr/>
+            <p:cNvPicPr>
+              <a:picLocks noChangeAspect="1"/>
+            </p:cNvPicPr>
             <p:nvPr/>
-          </p:nvGrpSpPr>
-          <p:grpSpPr>
+          </p:nvPicPr>
+          <p:blipFill>
+            <a:blip r:embed="rId19">
+              <a:extLst>
+                <a:ext uri="{28A0092B-C50C-407E-A947-70E740481C1C}">
+                  <a14:useLocalDpi xmlns:a14="http://schemas.microsoft.com/office/drawing/2010/main" val="0"/>
+                </a:ext>
+              </a:extLst>
+            </a:blip>
+            <a:stretch>
+              <a:fillRect/>
+            </a:stretch>
+          </p:blipFill>
+          <p:spPr>
             <a:xfrm>
-              <a:off x="5524173" y="6093859"/>
-              <a:ext cx="539496" cy="502920"/>
-              <a:chOff x="7609623" y="4471311"/>
-              <a:chExt cx="707233" cy="707233"/>
+              <a:off x="7682627" y="4519011"/>
+              <a:ext cx="573220" cy="588305"/>
             </a:xfrm>
-          </p:grpSpPr>
-          <p:sp>
-            <p:nvSpPr>
-              <p:cNvPr id="139" name="Shape 482">
-                <a:extLst>
-                  <a:ext uri="{FF2B5EF4-FFF2-40B4-BE49-F238E27FC236}">
-                    <a16:creationId xmlns:a16="http://schemas.microsoft.com/office/drawing/2014/main" id="{5A1D3D64-050F-A147-A20E-98F03D8301CB}"/>
-                  </a:ext>
-                </a:extLst>
-              </p:cNvPr>
-              <p:cNvSpPr/>
-              <p:nvPr/>
-            </p:nvSpPr>
-            <p:spPr>
-              <a:xfrm>
-                <a:off x="7609623" y="4471311"/>
-                <a:ext cx="707233" cy="707233"/>
-              </a:xfrm>
-              <a:custGeom>
-                <a:avLst/>
-                <a:gdLst/>
-                <a:ahLst/>
-                <a:cxnLst>
-                  <a:cxn ang="0">
-                    <a:pos x="wd2" y="hd2"/>
-                  </a:cxn>
-                  <a:cxn ang="5400000">
-                    <a:pos x="wd2" y="hd2"/>
-                  </a:cxn>
-                  <a:cxn ang="10800000">
-                    <a:pos x="wd2" y="hd2"/>
-                  </a:cxn>
-                  <a:cxn ang="16200000">
-                    <a:pos x="wd2" y="hd2"/>
-                  </a:cxn>
-                </a:cxnLst>
-                <a:rect l="0" t="0" r="r" b="b"/>
-                <a:pathLst>
-                  <a:path w="19679" h="19679" extrusionOk="0">
-                    <a:moveTo>
-                      <a:pt x="16796" y="2882"/>
-                    </a:moveTo>
-                    <a:cubicBezTo>
-                      <a:pt x="20639" y="6724"/>
-                      <a:pt x="20639" y="12954"/>
-                      <a:pt x="16796" y="16796"/>
-                    </a:cubicBezTo>
-                    <a:cubicBezTo>
-                      <a:pt x="12954" y="20639"/>
-                      <a:pt x="6724" y="20639"/>
-                      <a:pt x="2882" y="16796"/>
-                    </a:cubicBezTo>
-                    <a:cubicBezTo>
-                      <a:pt x="-961" y="12954"/>
-                      <a:pt x="-961" y="6724"/>
-                      <a:pt x="2882" y="2882"/>
-                    </a:cubicBezTo>
-                    <a:cubicBezTo>
-                      <a:pt x="6724" y="-961"/>
-                      <a:pt x="12954" y="-961"/>
-                      <a:pt x="16796" y="2882"/>
-                    </a:cubicBezTo>
-                    <a:close/>
-                  </a:path>
-                </a:pathLst>
-              </a:custGeom>
-              <a:solidFill>
-                <a:srgbClr val="E42233"/>
-              </a:solidFill>
-              <a:ln w="3175" cap="flat">
-                <a:noFill/>
-                <a:miter lim="400000"/>
-              </a:ln>
-              <a:effectLst/>
-            </p:spPr>
-            <p:txBody>
-              <a:bodyPr wrap="square" lIns="0" tIns="0" rIns="0" bIns="0" numCol="1" anchor="ctr">
-                <a:noAutofit/>
-              </a:bodyPr>
-              <a:lstStyle/>
-              <a:p>
-                <a:pPr lvl="0">
-                  <a:defRPr sz="1800">
-                    <a:solidFill>
-                      <a:srgbClr val="FFFFFF"/>
-                    </a:solidFill>
-                  </a:defRPr>
-                </a:pPr>
-                <a:endParaRPr/>
-              </a:p>
-            </p:txBody>
-          </p:sp>
-          <p:pic>
-            <p:nvPicPr>
-              <p:cNvPr id="140" name="Picture 139">
-                <a:extLst>
-                  <a:ext uri="{FF2B5EF4-FFF2-40B4-BE49-F238E27FC236}">
-                    <a16:creationId xmlns:a16="http://schemas.microsoft.com/office/drawing/2014/main" id="{50DA0DAD-CC00-AC43-8A83-EC6FA7734755}"/>
-                  </a:ext>
-                </a:extLst>
-              </p:cNvPr>
-              <p:cNvPicPr>
-                <a:picLocks noChangeAspect="1"/>
-              </p:cNvPicPr>
-              <p:nvPr/>
-            </p:nvPicPr>
-            <p:blipFill>
-              <a:blip r:embed="rId20">
-                <a:extLst>
-                  <a:ext uri="{28A0092B-C50C-407E-A947-70E740481C1C}">
-                    <a14:useLocalDpi xmlns:a14="http://schemas.microsoft.com/office/drawing/2010/main" val="0"/>
-                  </a:ext>
-                </a:extLst>
-              </a:blip>
-              <a:stretch>
-                <a:fillRect/>
-              </a:stretch>
-            </p:blipFill>
-            <p:spPr>
-              <a:xfrm>
-                <a:off x="7682627" y="4519011"/>
-                <a:ext cx="573220" cy="588305"/>
-              </a:xfrm>
-              <a:prstGeom prst="rect">
-                <a:avLst/>
-              </a:prstGeom>
-            </p:spPr>
-          </p:pic>
-        </p:grpSp>
-        <p:cxnSp>
-          <p:nvCxnSpPr>
-            <p:cNvPr id="150" name="Elbow Connector 149">
+            <a:prstGeom prst="rect">
+              <a:avLst/>
+            </a:prstGeom>
+          </p:spPr>
+        </p:pic>
+      </p:grpSp>
+      <p:cxnSp>
+        <p:nvCxnSpPr>
+          <p:cNvPr id="150" name="Elbow Connector 149">
+            <a:extLst>
+              <a:ext uri="{FF2B5EF4-FFF2-40B4-BE49-F238E27FC236}">
+                <a16:creationId xmlns:a16="http://schemas.microsoft.com/office/drawing/2014/main" id="{40F94096-CFF4-5F48-A185-9BA73A5F5209}"/>
+              </a:ext>
+            </a:extLst>
+          </p:cNvPr>
+          <p:cNvCxnSpPr>
+            <a:cxnSpLocks/>
+            <a:endCxn id="216" idx="2"/>
+          </p:cNvCxnSpPr>
+          <p:nvPr/>
+        </p:nvCxnSpPr>
+        <p:spPr>
+          <a:xfrm rot="5400000" flipH="1" flipV="1">
+            <a:off x="1166454" y="2787027"/>
+            <a:ext cx="1086260" cy="968957"/>
+          </a:xfrm>
+          <a:prstGeom prst="bentConnector3">
+            <a:avLst>
+              <a:gd name="adj1" fmla="val 50000"/>
+            </a:avLst>
+          </a:prstGeom>
+          <a:noFill/>
+          <a:ln w="25400" cap="flat">
+            <a:solidFill>
+              <a:srgbClr val="FF0000"/>
+            </a:solidFill>
+            <a:prstDash val="solid"/>
+            <a:miter lim="400000"/>
+            <a:headEnd type="triangle"/>
+            <a:tailEnd type="triangle"/>
+          </a:ln>
+          <a:effectLst/>
+        </p:spPr>
+        <p:style>
+          <a:lnRef idx="0">
+            <a:scrgbClr r="0" g="0" b="0"/>
+          </a:lnRef>
+          <a:fillRef idx="0">
+            <a:scrgbClr r="0" g="0" b="0"/>
+          </a:fillRef>
+          <a:effectRef idx="0">
+            <a:scrgbClr r="0" g="0" b="0"/>
+          </a:effectRef>
+          <a:fontRef idx="none"/>
+        </p:style>
+      </p:cxnSp>
+      <p:cxnSp>
+        <p:nvCxnSpPr>
+          <p:cNvPr id="152" name="Elbow Connector 151">
+            <a:extLst>
+              <a:ext uri="{FF2B5EF4-FFF2-40B4-BE49-F238E27FC236}">
+                <a16:creationId xmlns:a16="http://schemas.microsoft.com/office/drawing/2014/main" id="{EDFDE4D8-B3D2-E54E-B27A-F525535EA0A6}"/>
+              </a:ext>
+            </a:extLst>
+          </p:cNvPr>
+          <p:cNvCxnSpPr>
+            <a:cxnSpLocks/>
+            <a:endCxn id="224" idx="3"/>
+          </p:cNvCxnSpPr>
+          <p:nvPr/>
+        </p:nvCxnSpPr>
+        <p:spPr>
+          <a:xfrm flipV="1">
+            <a:off x="1363649" y="3542580"/>
+            <a:ext cx="1369707" cy="634148"/>
+          </a:xfrm>
+          <a:prstGeom prst="bentConnector3">
+            <a:avLst>
+              <a:gd name="adj1" fmla="val 17186"/>
+            </a:avLst>
+          </a:prstGeom>
+          <a:noFill/>
+          <a:ln w="25400" cap="flat">
+            <a:solidFill>
+              <a:srgbClr val="FF0000"/>
+            </a:solidFill>
+            <a:prstDash val="solid"/>
+            <a:miter lim="400000"/>
+            <a:headEnd type="triangle"/>
+            <a:tailEnd type="triangle"/>
+          </a:ln>
+          <a:effectLst/>
+        </p:spPr>
+        <p:style>
+          <a:lnRef idx="0">
+            <a:scrgbClr r="0" g="0" b="0"/>
+          </a:lnRef>
+          <a:fillRef idx="0">
+            <a:scrgbClr r="0" g="0" b="0"/>
+          </a:fillRef>
+          <a:effectRef idx="0">
+            <a:scrgbClr r="0" g="0" b="0"/>
+          </a:effectRef>
+          <a:fontRef idx="none"/>
+        </p:style>
+      </p:cxnSp>
+      <p:cxnSp>
+        <p:nvCxnSpPr>
+          <p:cNvPr id="180" name="Straight Arrow Connector 179">
+            <a:extLst>
+              <a:ext uri="{FF2B5EF4-FFF2-40B4-BE49-F238E27FC236}">
+                <a16:creationId xmlns:a16="http://schemas.microsoft.com/office/drawing/2014/main" id="{DFD8FFEE-BCEC-8F43-9C78-C1E9E80B56D6}"/>
+              </a:ext>
+            </a:extLst>
+          </p:cNvPr>
+          <p:cNvCxnSpPr>
+            <a:cxnSpLocks/>
+          </p:cNvCxnSpPr>
+          <p:nvPr/>
+        </p:nvCxnSpPr>
+        <p:spPr>
+          <a:xfrm flipH="1">
+            <a:off x="1003632" y="2733132"/>
+            <a:ext cx="4665" cy="1106994"/>
+          </a:xfrm>
+          <a:prstGeom prst="straightConnector1">
+            <a:avLst/>
+          </a:prstGeom>
+          <a:noFill/>
+          <a:ln w="25400" cap="flat">
+            <a:solidFill>
+              <a:srgbClr val="FF0000"/>
+            </a:solidFill>
+            <a:prstDash val="solid"/>
+            <a:miter lim="400000"/>
+            <a:headEnd type="triangle"/>
+            <a:tailEnd type="triangle"/>
+          </a:ln>
+          <a:effectLst/>
+        </p:spPr>
+        <p:style>
+          <a:lnRef idx="0">
+            <a:scrgbClr r="0" g="0" b="0"/>
+          </a:lnRef>
+          <a:fillRef idx="0">
+            <a:scrgbClr r="0" g="0" b="0"/>
+          </a:fillRef>
+          <a:effectRef idx="0">
+            <a:scrgbClr r="0" g="0" b="0"/>
+          </a:effectRef>
+          <a:fontRef idx="none"/>
+        </p:style>
+      </p:cxnSp>
+      <p:cxnSp>
+        <p:nvCxnSpPr>
+          <p:cNvPr id="181" name="Straight Arrow Connector 110">
+            <a:extLst>
+              <a:ext uri="{FF2B5EF4-FFF2-40B4-BE49-F238E27FC236}">
+                <a16:creationId xmlns:a16="http://schemas.microsoft.com/office/drawing/2014/main" id="{E73A9319-90FA-0740-BFB4-0232A7EC5D50}"/>
+              </a:ext>
+            </a:extLst>
+          </p:cNvPr>
+          <p:cNvCxnSpPr>
+            <a:cxnSpLocks/>
+          </p:cNvCxnSpPr>
+          <p:nvPr/>
+        </p:nvCxnSpPr>
+        <p:spPr>
+          <a:xfrm flipV="1">
+            <a:off x="1299776" y="4341043"/>
+            <a:ext cx="593033" cy="4358"/>
+          </a:xfrm>
+          <a:prstGeom prst="straightConnector1">
+            <a:avLst/>
+          </a:prstGeom>
+          <a:noFill/>
+          <a:ln w="25400" cap="flat">
+            <a:solidFill>
+              <a:srgbClr val="4277BB"/>
+            </a:solidFill>
+            <a:prstDash val="solid"/>
+            <a:miter lim="400000"/>
+            <a:headEnd type="triangle"/>
+            <a:tailEnd type="none"/>
+          </a:ln>
+          <a:effectLst/>
+        </p:spPr>
+        <p:style>
+          <a:lnRef idx="0">
+            <a:scrgbClr r="0" g="0" b="0"/>
+          </a:lnRef>
+          <a:fillRef idx="0">
+            <a:scrgbClr r="0" g="0" b="0"/>
+          </a:fillRef>
+          <a:effectRef idx="0">
+            <a:scrgbClr r="0" g="0" b="0"/>
+          </a:effectRef>
+          <a:fontRef idx="none"/>
+        </p:style>
+      </p:cxnSp>
+      <p:cxnSp>
+        <p:nvCxnSpPr>
+          <p:cNvPr id="182" name="Straight Arrow Connector 110">
+            <a:extLst>
+              <a:ext uri="{FF2B5EF4-FFF2-40B4-BE49-F238E27FC236}">
+                <a16:creationId xmlns:a16="http://schemas.microsoft.com/office/drawing/2014/main" id="{9BA10748-8F3C-BE4B-97F7-A2BE71969EAF}"/>
+              </a:ext>
+            </a:extLst>
+          </p:cNvPr>
+          <p:cNvCxnSpPr>
+            <a:cxnSpLocks/>
+          </p:cNvCxnSpPr>
+          <p:nvPr/>
+        </p:nvCxnSpPr>
+        <p:spPr>
+          <a:xfrm flipV="1">
+            <a:off x="2460277" y="4321197"/>
+            <a:ext cx="560148" cy="5734"/>
+          </a:xfrm>
+          <a:prstGeom prst="straightConnector1">
+            <a:avLst/>
+          </a:prstGeom>
+          <a:noFill/>
+          <a:ln w="25400" cap="flat">
+            <a:solidFill>
+              <a:srgbClr val="4277BB"/>
+            </a:solidFill>
+            <a:prstDash val="solid"/>
+            <a:miter lim="400000"/>
+            <a:headEnd type="triangle"/>
+            <a:tailEnd type="none"/>
+          </a:ln>
+          <a:effectLst/>
+        </p:spPr>
+        <p:style>
+          <a:lnRef idx="0">
+            <a:scrgbClr r="0" g="0" b="0"/>
+          </a:lnRef>
+          <a:fillRef idx="0">
+            <a:scrgbClr r="0" g="0" b="0"/>
+          </a:fillRef>
+          <a:effectRef idx="0">
+            <a:scrgbClr r="0" g="0" b="0"/>
+          </a:effectRef>
+          <a:fontRef idx="none"/>
+        </p:style>
+      </p:cxnSp>
+      <p:cxnSp>
+        <p:nvCxnSpPr>
+          <p:cNvPr id="185" name="Straight Arrow Connector 184">
+            <a:extLst>
+              <a:ext uri="{FF2B5EF4-FFF2-40B4-BE49-F238E27FC236}">
+                <a16:creationId xmlns:a16="http://schemas.microsoft.com/office/drawing/2014/main" id="{91ADAA41-4CA7-7649-812B-AA150ABC4616}"/>
+              </a:ext>
+            </a:extLst>
+          </p:cNvPr>
+          <p:cNvCxnSpPr>
+            <a:cxnSpLocks/>
+          </p:cNvCxnSpPr>
+          <p:nvPr/>
+        </p:nvCxnSpPr>
+        <p:spPr>
+          <a:xfrm flipV="1">
+            <a:off x="2476263" y="2578161"/>
+            <a:ext cx="516922" cy="1"/>
+          </a:xfrm>
+          <a:prstGeom prst="straightConnector1">
+            <a:avLst/>
+          </a:prstGeom>
+          <a:noFill/>
+          <a:ln w="25400" cap="flat">
+            <a:solidFill>
+              <a:srgbClr val="FF0000"/>
+            </a:solidFill>
+            <a:prstDash val="solid"/>
+            <a:miter lim="400000"/>
+            <a:headEnd type="triangle"/>
+            <a:tailEnd type="triangle"/>
+          </a:ln>
+          <a:effectLst/>
+        </p:spPr>
+        <p:style>
+          <a:lnRef idx="0">
+            <a:scrgbClr r="0" g="0" b="0"/>
+          </a:lnRef>
+          <a:fillRef idx="0">
+            <a:scrgbClr r="0" g="0" b="0"/>
+          </a:fillRef>
+          <a:effectRef idx="0">
+            <a:scrgbClr r="0" g="0" b="0"/>
+          </a:effectRef>
+          <a:fontRef idx="none"/>
+        </p:style>
+      </p:cxnSp>
+      <p:cxnSp>
+        <p:nvCxnSpPr>
+          <p:cNvPr id="190" name="Straight Arrow Connector 110">
+            <a:extLst>
+              <a:ext uri="{FF2B5EF4-FFF2-40B4-BE49-F238E27FC236}">
+                <a16:creationId xmlns:a16="http://schemas.microsoft.com/office/drawing/2014/main" id="{0B40E003-8582-A149-B974-255088761AB3}"/>
+              </a:ext>
+            </a:extLst>
+          </p:cNvPr>
+          <p:cNvCxnSpPr>
+            <a:cxnSpLocks/>
+          </p:cNvCxnSpPr>
+          <p:nvPr/>
+        </p:nvCxnSpPr>
+        <p:spPr>
+          <a:xfrm>
+            <a:off x="7937053" y="3644049"/>
+            <a:ext cx="737752" cy="383600"/>
+          </a:xfrm>
+          <a:prstGeom prst="bentConnector3">
+            <a:avLst>
+              <a:gd name="adj1" fmla="val -418"/>
+            </a:avLst>
+          </a:prstGeom>
+          <a:noFill/>
+          <a:ln w="25400" cap="flat">
+            <a:solidFill>
+              <a:srgbClr val="4277BB"/>
+            </a:solidFill>
+            <a:prstDash val="solid"/>
+            <a:miter lim="400000"/>
+            <a:headEnd type="triangle"/>
+            <a:tailEnd type="triangle"/>
+          </a:ln>
+          <a:effectLst/>
+        </p:spPr>
+        <p:style>
+          <a:lnRef idx="0">
+            <a:scrgbClr r="0" g="0" b="0"/>
+          </a:lnRef>
+          <a:fillRef idx="0">
+            <a:scrgbClr r="0" g="0" b="0"/>
+          </a:fillRef>
+          <a:effectRef idx="0">
+            <a:scrgbClr r="0" g="0" b="0"/>
+          </a:effectRef>
+          <a:fontRef idx="none"/>
+        </p:style>
+      </p:cxnSp>
+      <p:cxnSp>
+        <p:nvCxnSpPr>
+          <p:cNvPr id="227" name="Straight Arrow Connector 110">
+            <a:extLst>
+              <a:ext uri="{FF2B5EF4-FFF2-40B4-BE49-F238E27FC236}">
+                <a16:creationId xmlns:a16="http://schemas.microsoft.com/office/drawing/2014/main" id="{F030D647-F12F-9042-B368-27565F1D00A3}"/>
+              </a:ext>
+            </a:extLst>
+          </p:cNvPr>
+          <p:cNvCxnSpPr>
+            <a:cxnSpLocks/>
+          </p:cNvCxnSpPr>
+          <p:nvPr/>
+        </p:nvCxnSpPr>
+        <p:spPr>
+          <a:xfrm>
+            <a:off x="7252818" y="3378995"/>
+            <a:ext cx="420579" cy="0"/>
+          </a:xfrm>
+          <a:prstGeom prst="straightConnector1">
+            <a:avLst/>
+          </a:prstGeom>
+          <a:noFill/>
+          <a:ln w="25400" cap="flat">
+            <a:solidFill>
+              <a:srgbClr val="4277BB"/>
+            </a:solidFill>
+            <a:prstDash val="solid"/>
+            <a:miter lim="400000"/>
+            <a:headEnd type="triangle"/>
+            <a:tailEnd type="triangle"/>
+          </a:ln>
+          <a:effectLst/>
+        </p:spPr>
+        <p:style>
+          <a:lnRef idx="0">
+            <a:scrgbClr r="0" g="0" b="0"/>
+          </a:lnRef>
+          <a:fillRef idx="0">
+            <a:scrgbClr r="0" g="0" b="0"/>
+          </a:fillRef>
+          <a:effectRef idx="0">
+            <a:scrgbClr r="0" g="0" b="0"/>
+          </a:effectRef>
+          <a:fontRef idx="none"/>
+        </p:style>
+      </p:cxnSp>
+      <p:grpSp>
+        <p:nvGrpSpPr>
+          <p:cNvPr id="161" name="Group 160">
+            <a:extLst>
+              <a:ext uri="{FF2B5EF4-FFF2-40B4-BE49-F238E27FC236}">
+                <a16:creationId xmlns:a16="http://schemas.microsoft.com/office/drawing/2014/main" id="{93C743A1-69B4-F64E-8F57-07980E52F965}"/>
+              </a:ext>
+            </a:extLst>
+          </p:cNvPr>
+          <p:cNvGrpSpPr/>
+          <p:nvPr/>
+        </p:nvGrpSpPr>
+        <p:grpSpPr>
+          <a:xfrm>
+            <a:off x="6531113" y="5214052"/>
+            <a:ext cx="539496" cy="502920"/>
+            <a:chOff x="7609623" y="4471311"/>
+            <a:chExt cx="707233" cy="707233"/>
+          </a:xfrm>
+        </p:grpSpPr>
+        <p:sp>
+          <p:nvSpPr>
+            <p:cNvPr id="162" name="Shape 482">
               <a:extLst>
                 <a:ext uri="{FF2B5EF4-FFF2-40B4-BE49-F238E27FC236}">
-                  <a16:creationId xmlns:a16="http://schemas.microsoft.com/office/drawing/2014/main" id="{40F94096-CFF4-5F48-A185-9BA73A5F5209}"/>
+                  <a16:creationId xmlns:a16="http://schemas.microsoft.com/office/drawing/2014/main" id="{941DBF08-DFC6-1A4D-999A-85F2DF34444E}"/>
                 </a:ext>
               </a:extLst>
             </p:cNvPr>
-            <p:cNvCxnSpPr>
-              <a:cxnSpLocks/>
-              <a:endCxn id="216" idx="2"/>
-            </p:cNvCxnSpPr>
+            <p:cNvSpPr/>
             <p:nvPr/>
-          </p:nvCxnSpPr>
+          </p:nvSpPr>
           <p:spPr>
-            <a:xfrm rot="5400000" flipH="1" flipV="1">
-              <a:off x="1181952" y="3654932"/>
-              <a:ext cx="1086260" cy="968957"/>
+            <a:xfrm>
+              <a:off x="7609623" y="4471311"/>
+              <a:ext cx="707233" cy="707233"/>
             </a:xfrm>
-            <a:prstGeom prst="bentConnector3">
-              <a:avLst>
-                <a:gd name="adj1" fmla="val 50000"/>
-              </a:avLst>
-            </a:prstGeom>
-            <a:noFill/>
-            <a:ln w="25400" cap="flat">
-              <a:solidFill>
-                <a:srgbClr val="FF0000"/>
-              </a:solidFill>
-              <a:prstDash val="solid"/>
+            <a:custGeom>
+              <a:avLst/>
+              <a:gdLst/>
+              <a:ahLst/>
+              <a:cxnLst>
+                <a:cxn ang="0">
+                  <a:pos x="wd2" y="hd2"/>
+                </a:cxn>
+                <a:cxn ang="5400000">
+                  <a:pos x="wd2" y="hd2"/>
+                </a:cxn>
+                <a:cxn ang="10800000">
+                  <a:pos x="wd2" y="hd2"/>
+                </a:cxn>
+                <a:cxn ang="16200000">
+                  <a:pos x="wd2" y="hd2"/>
+                </a:cxn>
+              </a:cxnLst>
+              <a:rect l="0" t="0" r="r" b="b"/>
+              <a:pathLst>
+                <a:path w="19679" h="19679" extrusionOk="0">
+                  <a:moveTo>
+                    <a:pt x="16796" y="2882"/>
+                  </a:moveTo>
+                  <a:cubicBezTo>
+                    <a:pt x="20639" y="6724"/>
+                    <a:pt x="20639" y="12954"/>
+                    <a:pt x="16796" y="16796"/>
+                  </a:cubicBezTo>
+                  <a:cubicBezTo>
+                    <a:pt x="12954" y="20639"/>
+                    <a:pt x="6724" y="20639"/>
+                    <a:pt x="2882" y="16796"/>
+                  </a:cubicBezTo>
+                  <a:cubicBezTo>
+                    <a:pt x="-961" y="12954"/>
+                    <a:pt x="-961" y="6724"/>
+                    <a:pt x="2882" y="2882"/>
+                  </a:cubicBezTo>
+                  <a:cubicBezTo>
+                    <a:pt x="6724" y="-961"/>
+                    <a:pt x="12954" y="-961"/>
+                    <a:pt x="16796" y="2882"/>
+                  </a:cubicBezTo>
+                  <a:close/>
+                </a:path>
+              </a:pathLst>
+            </a:custGeom>
+            <a:solidFill>
+              <a:srgbClr val="E42233"/>
+            </a:solidFill>
+            <a:ln w="3175" cap="flat">
+              <a:noFill/>
               <a:miter lim="400000"/>
-              <a:headEnd type="triangle"/>
-              <a:tailEnd type="triangle"/>
             </a:ln>
             <a:effectLst/>
           </p:spPr>
-          <p:style>
-            <a:lnRef idx="0">
-              <a:scrgbClr r="0" g="0" b="0"/>
-            </a:lnRef>
-            <a:fillRef idx="0">
-              <a:scrgbClr r="0" g="0" b="0"/>
-            </a:fillRef>
-            <a:effectRef idx="0">
-              <a:scrgbClr r="0" g="0" b="0"/>
-            </a:effectRef>
-            <a:fontRef idx="none"/>
-          </p:style>
-        </p:cxnSp>
-        <p:cxnSp>
-          <p:nvCxnSpPr>
-            <p:cNvPr id="152" name="Elbow Connector 151">
+          <p:txBody>
+            <a:bodyPr wrap="square" lIns="0" tIns="0" rIns="0" bIns="0" numCol="1" anchor="ctr">
+              <a:noAutofit/>
+            </a:bodyPr>
+            <a:lstStyle/>
+            <a:p>
+              <a:pPr lvl="0">
+                <a:defRPr sz="1800">
+                  <a:solidFill>
+                    <a:srgbClr val="FFFFFF"/>
+                  </a:solidFill>
+                </a:defRPr>
+              </a:pPr>
+              <a:endParaRPr/>
+            </a:p>
+          </p:txBody>
+        </p:sp>
+        <p:pic>
+          <p:nvPicPr>
+            <p:cNvPr id="163" name="Picture 162">
               <a:extLst>
                 <a:ext uri="{FF2B5EF4-FFF2-40B4-BE49-F238E27FC236}">
-                  <a16:creationId xmlns:a16="http://schemas.microsoft.com/office/drawing/2014/main" id="{EDFDE4D8-B3D2-E54E-B27A-F525535EA0A6}"/>
+                  <a16:creationId xmlns:a16="http://schemas.microsoft.com/office/drawing/2014/main" id="{5ADDC258-7CAE-1441-970C-55C023484112}"/>
                 </a:ext>
               </a:extLst>
             </p:cNvPr>
-            <p:cNvCxnSpPr>
-              <a:cxnSpLocks/>
-              <a:endCxn id="224" idx="3"/>
-            </p:cNvCxnSpPr>
+            <p:cNvPicPr>
+              <a:picLocks noChangeAspect="1"/>
+            </p:cNvPicPr>
             <p:nvPr/>
-          </p:nvCxnSpPr>
-          <p:spPr>
-            <a:xfrm flipV="1">
-              <a:off x="1379147" y="4410485"/>
-              <a:ext cx="1369707" cy="634148"/>
-            </a:xfrm>
-            <a:prstGeom prst="bentConnector3">
-              <a:avLst>
-                <a:gd name="adj1" fmla="val 17186"/>
-              </a:avLst>
-            </a:prstGeom>
-            <a:noFill/>
-            <a:ln w="25400" cap="flat">
-              <a:solidFill>
-                <a:srgbClr val="FF0000"/>
-              </a:solidFill>
-              <a:prstDash val="solid"/>
-              <a:miter lim="400000"/>
-              <a:headEnd type="triangle"/>
-              <a:tailEnd type="triangle"/>
-            </a:ln>
-            <a:effectLst/>
-          </p:spPr>
-          <p:style>
-            <a:lnRef idx="0">
-              <a:scrgbClr r="0" g="0" b="0"/>
-            </a:lnRef>
-            <a:fillRef idx="0">
-              <a:scrgbClr r="0" g="0" b="0"/>
-            </a:fillRef>
-            <a:effectRef idx="0">
-              <a:scrgbClr r="0" g="0" b="0"/>
-            </a:effectRef>
-            <a:fontRef idx="none"/>
-          </p:style>
-        </p:cxnSp>
-        <p:cxnSp>
-          <p:nvCxnSpPr>
-            <p:cNvPr id="180" name="Straight Arrow Connector 179">
+          </p:nvPicPr>
+          <p:blipFill>
+            <a:blip r:embed="rId19">
               <a:extLst>
-                <a:ext uri="{FF2B5EF4-FFF2-40B4-BE49-F238E27FC236}">
-                  <a16:creationId xmlns:a16="http://schemas.microsoft.com/office/drawing/2014/main" id="{DFD8FFEE-BCEC-8F43-9C78-C1E9E80B56D6}"/>
+                <a:ext uri="{28A0092B-C50C-407E-A947-70E740481C1C}">
+                  <a14:useLocalDpi xmlns:a14="http://schemas.microsoft.com/office/drawing/2010/main" val="0"/>
                 </a:ext>
               </a:extLst>
-            </p:cNvPr>
-            <p:cNvCxnSpPr>
-              <a:cxnSpLocks/>
-            </p:cNvCxnSpPr>
-            <p:nvPr/>
-          </p:nvCxnSpPr>
+            </a:blip>
+            <a:stretch>
+              <a:fillRect/>
+            </a:stretch>
+          </p:blipFill>
           <p:spPr>
-            <a:xfrm flipH="1">
-              <a:off x="1019130" y="3601037"/>
-              <a:ext cx="4665" cy="1106994"/>
+            <a:xfrm>
+              <a:off x="7682626" y="4519013"/>
+              <a:ext cx="573220" cy="588305"/>
             </a:xfrm>
-            <a:prstGeom prst="straightConnector1">
+            <a:prstGeom prst="rect">
               <a:avLst/>
             </a:prstGeom>
-            <a:noFill/>
-            <a:ln w="25400" cap="flat">
-              <a:solidFill>
-                <a:srgbClr val="FF0000"/>
-              </a:solidFill>
-              <a:prstDash val="solid"/>
-              <a:miter lim="400000"/>
-              <a:headEnd type="triangle"/>
-              <a:tailEnd type="triangle"/>
-            </a:ln>
-            <a:effectLst/>
           </p:spPr>
-          <p:style>
-            <a:lnRef idx="0">
-              <a:scrgbClr r="0" g="0" b="0"/>
-            </a:lnRef>
-            <a:fillRef idx="0">
-              <a:scrgbClr r="0" g="0" b="0"/>
-            </a:fillRef>
-            <a:effectRef idx="0">
-              <a:scrgbClr r="0" g="0" b="0"/>
-            </a:effectRef>
-            <a:fontRef idx="none"/>
-          </p:style>
-        </p:cxnSp>
-        <p:cxnSp>
-          <p:nvCxnSpPr>
-            <p:cNvPr id="181" name="Straight Arrow Connector 110">
-              <a:extLst>
-                <a:ext uri="{FF2B5EF4-FFF2-40B4-BE49-F238E27FC236}">
-                  <a16:creationId xmlns:a16="http://schemas.microsoft.com/office/drawing/2014/main" id="{E73A9319-90FA-0740-BFB4-0232A7EC5D50}"/>
-                </a:ext>
-              </a:extLst>
-            </p:cNvPr>
-            <p:cNvCxnSpPr>
-              <a:cxnSpLocks/>
-            </p:cNvCxnSpPr>
-            <p:nvPr/>
-          </p:nvCxnSpPr>
-          <p:spPr>
-            <a:xfrm flipV="1">
-              <a:off x="1315274" y="5208948"/>
-              <a:ext cx="593033" cy="4358"/>
-            </a:xfrm>
-            <a:prstGeom prst="straightConnector1">
-              <a:avLst/>
-            </a:prstGeom>
-            <a:noFill/>
-            <a:ln w="25400" cap="flat">
-              <a:solidFill>
-                <a:srgbClr val="4277BB"/>
-              </a:solidFill>
-              <a:prstDash val="solid"/>
-              <a:miter lim="400000"/>
-              <a:headEnd type="triangle"/>
-              <a:tailEnd type="none"/>
-            </a:ln>
-            <a:effectLst/>
-          </p:spPr>
-          <p:style>
-            <a:lnRef idx="0">
-              <a:scrgbClr r="0" g="0" b="0"/>
-            </a:lnRef>
-            <a:fillRef idx="0">
-              <a:scrgbClr r="0" g="0" b="0"/>
-            </a:fillRef>
-            <a:effectRef idx="0">
-              <a:scrgbClr r="0" g="0" b="0"/>
-            </a:effectRef>
-            <a:fontRef idx="none"/>
-          </p:style>
-        </p:cxnSp>
-        <p:cxnSp>
-          <p:nvCxnSpPr>
-            <p:cNvPr id="182" name="Straight Arrow Connector 110">
-              <a:extLst>
-                <a:ext uri="{FF2B5EF4-FFF2-40B4-BE49-F238E27FC236}">
-                  <a16:creationId xmlns:a16="http://schemas.microsoft.com/office/drawing/2014/main" id="{9BA10748-8F3C-BE4B-97F7-A2BE71969EAF}"/>
-                </a:ext>
-              </a:extLst>
-            </p:cNvPr>
-            <p:cNvCxnSpPr>
-              <a:cxnSpLocks/>
-            </p:cNvCxnSpPr>
-            <p:nvPr/>
-          </p:nvCxnSpPr>
-          <p:spPr>
-            <a:xfrm flipV="1">
-              <a:off x="2475775" y="5189102"/>
-              <a:ext cx="560148" cy="5734"/>
-            </a:xfrm>
-            <a:prstGeom prst="straightConnector1">
-              <a:avLst/>
-            </a:prstGeom>
-            <a:noFill/>
-            <a:ln w="25400" cap="flat">
-              <a:solidFill>
-                <a:srgbClr val="4277BB"/>
-              </a:solidFill>
-              <a:prstDash val="solid"/>
-              <a:miter lim="400000"/>
-              <a:headEnd type="triangle"/>
-              <a:tailEnd type="none"/>
-            </a:ln>
-            <a:effectLst/>
-          </p:spPr>
-          <p:style>
-            <a:lnRef idx="0">
-              <a:scrgbClr r="0" g="0" b="0"/>
-            </a:lnRef>
-            <a:fillRef idx="0">
-              <a:scrgbClr r="0" g="0" b="0"/>
-            </a:fillRef>
-            <a:effectRef idx="0">
-              <a:scrgbClr r="0" g="0" b="0"/>
-            </a:effectRef>
-            <a:fontRef idx="none"/>
-          </p:style>
-        </p:cxnSp>
-        <p:cxnSp>
-          <p:nvCxnSpPr>
-            <p:cNvPr id="185" name="Straight Arrow Connector 184">
-              <a:extLst>
-                <a:ext uri="{FF2B5EF4-FFF2-40B4-BE49-F238E27FC236}">
-                  <a16:creationId xmlns:a16="http://schemas.microsoft.com/office/drawing/2014/main" id="{91ADAA41-4CA7-7649-812B-AA150ABC4616}"/>
-                </a:ext>
-              </a:extLst>
-            </p:cNvPr>
-            <p:cNvCxnSpPr>
-              <a:cxnSpLocks/>
-            </p:cNvCxnSpPr>
-            <p:nvPr/>
-          </p:nvCxnSpPr>
-          <p:spPr>
-            <a:xfrm flipV="1">
-              <a:off x="2491761" y="3446066"/>
-              <a:ext cx="516922" cy="1"/>
-            </a:xfrm>
-            <a:prstGeom prst="straightConnector1">
-              <a:avLst/>
-            </a:prstGeom>
-            <a:noFill/>
-            <a:ln w="25400" cap="flat">
-              <a:solidFill>
-                <a:srgbClr val="FF0000"/>
-              </a:solidFill>
-              <a:prstDash val="solid"/>
-              <a:miter lim="400000"/>
-              <a:headEnd type="triangle"/>
-              <a:tailEnd type="triangle"/>
-            </a:ln>
-            <a:effectLst/>
-          </p:spPr>
-          <p:style>
-            <a:lnRef idx="0">
-              <a:scrgbClr r="0" g="0" b="0"/>
-            </a:lnRef>
-            <a:fillRef idx="0">
-              <a:scrgbClr r="0" g="0" b="0"/>
-            </a:fillRef>
-            <a:effectRef idx="0">
-              <a:scrgbClr r="0" g="0" b="0"/>
-            </a:effectRef>
-            <a:fontRef idx="none"/>
-          </p:style>
-        </p:cxnSp>
-        <p:cxnSp>
-          <p:nvCxnSpPr>
-            <p:cNvPr id="190" name="Straight Arrow Connector 110">
-              <a:extLst>
-                <a:ext uri="{FF2B5EF4-FFF2-40B4-BE49-F238E27FC236}">
-                  <a16:creationId xmlns:a16="http://schemas.microsoft.com/office/drawing/2014/main" id="{0B40E003-8582-A149-B974-255088761AB3}"/>
-                </a:ext>
-              </a:extLst>
-            </p:cNvPr>
-            <p:cNvCxnSpPr>
-              <a:cxnSpLocks/>
-            </p:cNvCxnSpPr>
-            <p:nvPr/>
-          </p:nvCxnSpPr>
-          <p:spPr>
-            <a:xfrm>
-              <a:off x="7952551" y="4511954"/>
-              <a:ext cx="737752" cy="383600"/>
-            </a:xfrm>
-            <a:prstGeom prst="bentConnector3">
-              <a:avLst>
-                <a:gd name="adj1" fmla="val -418"/>
-              </a:avLst>
-            </a:prstGeom>
-            <a:noFill/>
-            <a:ln w="25400" cap="flat">
-              <a:solidFill>
-                <a:srgbClr val="4277BB"/>
-              </a:solidFill>
-              <a:prstDash val="solid"/>
-              <a:miter lim="400000"/>
-              <a:headEnd type="triangle"/>
-              <a:tailEnd type="triangle"/>
-            </a:ln>
-            <a:effectLst/>
-          </p:spPr>
-          <p:style>
-            <a:lnRef idx="0">
-              <a:scrgbClr r="0" g="0" b="0"/>
-            </a:lnRef>
-            <a:fillRef idx="0">
-              <a:scrgbClr r="0" g="0" b="0"/>
-            </a:fillRef>
-            <a:effectRef idx="0">
-              <a:scrgbClr r="0" g="0" b="0"/>
-            </a:effectRef>
-            <a:fontRef idx="none"/>
-          </p:style>
-        </p:cxnSp>
-        <p:cxnSp>
-          <p:nvCxnSpPr>
-            <p:cNvPr id="227" name="Straight Arrow Connector 110">
-              <a:extLst>
-                <a:ext uri="{FF2B5EF4-FFF2-40B4-BE49-F238E27FC236}">
-                  <a16:creationId xmlns:a16="http://schemas.microsoft.com/office/drawing/2014/main" id="{F030D647-F12F-9042-B368-27565F1D00A3}"/>
-                </a:ext>
-              </a:extLst>
-            </p:cNvPr>
-            <p:cNvCxnSpPr>
-              <a:cxnSpLocks/>
-            </p:cNvCxnSpPr>
-            <p:nvPr/>
-          </p:nvCxnSpPr>
-          <p:spPr>
-            <a:xfrm>
-              <a:off x="7268316" y="4246900"/>
-              <a:ext cx="420579" cy="0"/>
-            </a:xfrm>
-            <a:prstGeom prst="straightConnector1">
-              <a:avLst/>
-            </a:prstGeom>
-            <a:noFill/>
-            <a:ln w="25400" cap="flat">
-              <a:solidFill>
-                <a:srgbClr val="4277BB"/>
-              </a:solidFill>
-              <a:prstDash val="solid"/>
-              <a:miter lim="400000"/>
-              <a:headEnd type="triangle"/>
-              <a:tailEnd type="triangle"/>
-            </a:ln>
-            <a:effectLst/>
-          </p:spPr>
-          <p:style>
-            <a:lnRef idx="0">
-              <a:scrgbClr r="0" g="0" b="0"/>
-            </a:lnRef>
-            <a:fillRef idx="0">
-              <a:scrgbClr r="0" g="0" b="0"/>
-            </a:fillRef>
-            <a:effectRef idx="0">
-              <a:scrgbClr r="0" g="0" b="0"/>
-            </a:effectRef>
-            <a:fontRef idx="none"/>
-          </p:style>
-        </p:cxnSp>
-        <p:grpSp>
-          <p:nvGrpSpPr>
-            <p:cNvPr id="161" name="Group 160">
-              <a:extLst>
-                <a:ext uri="{FF2B5EF4-FFF2-40B4-BE49-F238E27FC236}">
-                  <a16:creationId xmlns:a16="http://schemas.microsoft.com/office/drawing/2014/main" id="{93C743A1-69B4-F64E-8F57-07980E52F965}"/>
-                </a:ext>
-              </a:extLst>
-            </p:cNvPr>
-            <p:cNvGrpSpPr/>
-            <p:nvPr/>
-          </p:nvGrpSpPr>
-          <p:grpSpPr>
-            <a:xfrm>
-              <a:off x="6546611" y="6081957"/>
-              <a:ext cx="539496" cy="502920"/>
-              <a:chOff x="7609623" y="4471311"/>
-              <a:chExt cx="707233" cy="707233"/>
-            </a:xfrm>
-          </p:grpSpPr>
-          <p:sp>
-            <p:nvSpPr>
-              <p:cNvPr id="162" name="Shape 482">
-                <a:extLst>
-                  <a:ext uri="{FF2B5EF4-FFF2-40B4-BE49-F238E27FC236}">
-                    <a16:creationId xmlns:a16="http://schemas.microsoft.com/office/drawing/2014/main" id="{941DBF08-DFC6-1A4D-999A-85F2DF34444E}"/>
-                  </a:ext>
-                </a:extLst>
-              </p:cNvPr>
-              <p:cNvSpPr/>
-              <p:nvPr/>
-            </p:nvSpPr>
-            <p:spPr>
-              <a:xfrm>
-                <a:off x="7609623" y="4471311"/>
-                <a:ext cx="707233" cy="707233"/>
-              </a:xfrm>
-              <a:custGeom>
-                <a:avLst/>
-                <a:gdLst/>
-                <a:ahLst/>
-                <a:cxnLst>
-                  <a:cxn ang="0">
-                    <a:pos x="wd2" y="hd2"/>
-                  </a:cxn>
-                  <a:cxn ang="5400000">
-                    <a:pos x="wd2" y="hd2"/>
-                  </a:cxn>
-                  <a:cxn ang="10800000">
-                    <a:pos x="wd2" y="hd2"/>
-                  </a:cxn>
-                  <a:cxn ang="16200000">
-                    <a:pos x="wd2" y="hd2"/>
-                  </a:cxn>
-                </a:cxnLst>
-                <a:rect l="0" t="0" r="r" b="b"/>
-                <a:pathLst>
-                  <a:path w="19679" h="19679" extrusionOk="0">
-                    <a:moveTo>
-                      <a:pt x="16796" y="2882"/>
-                    </a:moveTo>
-                    <a:cubicBezTo>
-                      <a:pt x="20639" y="6724"/>
-                      <a:pt x="20639" y="12954"/>
-                      <a:pt x="16796" y="16796"/>
-                    </a:cubicBezTo>
-                    <a:cubicBezTo>
-                      <a:pt x="12954" y="20639"/>
-                      <a:pt x="6724" y="20639"/>
-                      <a:pt x="2882" y="16796"/>
-                    </a:cubicBezTo>
-                    <a:cubicBezTo>
-                      <a:pt x="-961" y="12954"/>
-                      <a:pt x="-961" y="6724"/>
-                      <a:pt x="2882" y="2882"/>
-                    </a:cubicBezTo>
-                    <a:cubicBezTo>
-                      <a:pt x="6724" y="-961"/>
-                      <a:pt x="12954" y="-961"/>
-                      <a:pt x="16796" y="2882"/>
-                    </a:cubicBezTo>
-                    <a:close/>
-                  </a:path>
-                </a:pathLst>
-              </a:custGeom>
-              <a:solidFill>
-                <a:srgbClr val="E42233"/>
-              </a:solidFill>
-              <a:ln w="3175" cap="flat">
-                <a:noFill/>
-                <a:miter lim="400000"/>
-              </a:ln>
-              <a:effectLst/>
-            </p:spPr>
-            <p:txBody>
-              <a:bodyPr wrap="square" lIns="0" tIns="0" rIns="0" bIns="0" numCol="1" anchor="ctr">
-                <a:noAutofit/>
-              </a:bodyPr>
-              <a:lstStyle/>
-              <a:p>
-                <a:pPr lvl="0">
-                  <a:defRPr sz="1800">
-                    <a:solidFill>
-                      <a:srgbClr val="FFFFFF"/>
-                    </a:solidFill>
-                  </a:defRPr>
-                </a:pPr>
-                <a:endParaRPr/>
-              </a:p>
-            </p:txBody>
-          </p:sp>
-          <p:pic>
-            <p:nvPicPr>
-              <p:cNvPr id="163" name="Picture 162">
-                <a:extLst>
-                  <a:ext uri="{FF2B5EF4-FFF2-40B4-BE49-F238E27FC236}">
-                    <a16:creationId xmlns:a16="http://schemas.microsoft.com/office/drawing/2014/main" id="{5ADDC258-7CAE-1441-970C-55C023484112}"/>
-                  </a:ext>
-                </a:extLst>
-              </p:cNvPr>
-              <p:cNvPicPr>
-                <a:picLocks noChangeAspect="1"/>
-              </p:cNvPicPr>
-              <p:nvPr/>
-            </p:nvPicPr>
-            <p:blipFill>
-              <a:blip r:embed="rId20">
-                <a:extLst>
-                  <a:ext uri="{28A0092B-C50C-407E-A947-70E740481C1C}">
-                    <a14:useLocalDpi xmlns:a14="http://schemas.microsoft.com/office/drawing/2010/main" val="0"/>
-                  </a:ext>
-                </a:extLst>
-              </a:blip>
-              <a:stretch>
-                <a:fillRect/>
-              </a:stretch>
-            </p:blipFill>
-            <p:spPr>
-              <a:xfrm>
-                <a:off x="7682626" y="4519013"/>
-                <a:ext cx="573220" cy="588305"/>
-              </a:xfrm>
-              <a:prstGeom prst="rect">
-                <a:avLst/>
-              </a:prstGeom>
-            </p:spPr>
-          </p:pic>
-        </p:grpSp>
+        </p:pic>
       </p:grpSp>
       <p:grpSp>
         <p:nvGrpSpPr>
@@ -15953,10 +15408,10 @@
         </p:nvGrpSpPr>
         <p:grpSpPr>
           <a:xfrm>
-            <a:off x="501894" y="810067"/>
-            <a:ext cx="9184185" cy="5077393"/>
-            <a:chOff x="501894" y="810067"/>
-            <a:chExt cx="9184185" cy="5077393"/>
+            <a:off x="467133" y="153265"/>
+            <a:ext cx="9216724" cy="5734195"/>
+            <a:chOff x="467133" y="153265"/>
+            <a:chExt cx="9216724" cy="5734195"/>
           </a:xfrm>
         </p:grpSpPr>
         <p:sp>
@@ -15984,7 +15439,7 @@
             </a:ln>
             <a:extLst>
               <a:ext uri="{C572A759-6A51-4108-AA02-DFA0A04FC94B}">
-                <ma14:wrappingTextBoxFlag xmlns:ma14="http://schemas.microsoft.com/office/mac/drawingml/2011/main" xmlns="" val="1"/>
+                <ma14:wrappingTextBoxFlag xmlns="" xmlns:ma14="http://schemas.microsoft.com/office/mac/drawingml/2011/main" val="1"/>
               </a:ext>
             </a:extLst>
           </p:spPr>
@@ -16020,76 +15475,6 @@
                   </a:solidFill>
                 </a:rPr>
                 <a:t>VIRTUAL PRIVATE CLOUD</a:t>
-              </a:r>
-              <a:endParaRPr sz="1000" b="1" dirty="0">
-                <a:solidFill>
-                  <a:srgbClr val="4277BB"/>
-                </a:solidFill>
-              </a:endParaRPr>
-            </a:p>
-          </p:txBody>
-        </p:sp>
-        <p:sp>
-          <p:nvSpPr>
-            <p:cNvPr id="143" name="Shape 63">
-              <a:extLst>
-                <a:ext uri="{FF2B5EF4-FFF2-40B4-BE49-F238E27FC236}">
-                  <a16:creationId xmlns:a16="http://schemas.microsoft.com/office/drawing/2014/main" id="{17C9FA70-AB8D-5946-A637-1A4396C2BA6A}"/>
-                </a:ext>
-              </a:extLst>
-            </p:cNvPr>
-            <p:cNvSpPr/>
-            <p:nvPr/>
-          </p:nvSpPr>
-          <p:spPr>
-            <a:xfrm>
-              <a:off x="563436" y="810067"/>
-              <a:ext cx="1146148" cy="153888"/>
-            </a:xfrm>
-            <a:prstGeom prst="rect">
-              <a:avLst/>
-            </a:prstGeom>
-            <a:ln w="3175">
-              <a:miter lim="400000"/>
-            </a:ln>
-            <a:extLst>
-              <a:ext uri="{C572A759-6A51-4108-AA02-DFA0A04FC94B}">
-                <ma14:wrappingTextBoxFlag xmlns:ma14="http://schemas.microsoft.com/office/mac/drawingml/2011/main" xmlns="" val="1"/>
-              </a:ext>
-            </a:extLst>
-          </p:spPr>
-          <p:txBody>
-            <a:bodyPr wrap="none" lIns="0" tIns="0" rIns="0" bIns="0">
-              <a:spAutoFit/>
-            </a:bodyPr>
-            <a:lstStyle>
-              <a:lvl1pPr algn="l">
-                <a:defRPr sz="1000" b="1">
-                  <a:solidFill>
-                    <a:srgbClr val="4277BB"/>
-                  </a:solidFill>
-                  <a:latin typeface="Helvetica"/>
-                  <a:ea typeface="Helvetica"/>
-                  <a:cs typeface="Helvetica"/>
-                  <a:sym typeface="Helvetica"/>
-                </a:defRPr>
-              </a:lvl1pPr>
-            </a:lstStyle>
-            <a:p>
-              <a:pPr lvl="0">
-                <a:defRPr sz="1800" b="0">
-                  <a:solidFill>
-                    <a:srgbClr val="000000"/>
-                  </a:solidFill>
-                </a:defRPr>
-              </a:pPr>
-              <a:r>
-                <a:rPr lang="en-US" sz="1000" b="1" dirty="0">
-                  <a:solidFill>
-                    <a:srgbClr val="4277BB"/>
-                  </a:solidFill>
-                </a:rPr>
-                <a:t>CLOUD UNIVERSE</a:t>
               </a:r>
               <a:endParaRPr sz="1000" b="1" dirty="0">
                 <a:solidFill>
@@ -16124,7 +15509,7 @@
             </a:ln>
             <a:extLst>
               <a:ext uri="{C572A759-6A51-4108-AA02-DFA0A04FC94B}">
-                <ma14:wrappingTextBoxFlag xmlns:ma14="http://schemas.microsoft.com/office/mac/drawingml/2011/main" xmlns="" val="1"/>
+                <ma14:wrappingTextBoxFlag xmlns="" xmlns:ma14="http://schemas.microsoft.com/office/mac/drawingml/2011/main" val="1"/>
               </a:ext>
             </a:extLst>
           </p:spPr>
@@ -16194,7 +15579,7 @@
             </a:ln>
             <a:extLst>
               <a:ext uri="{C572A759-6A51-4108-AA02-DFA0A04FC94B}">
-                <ma14:wrappingTextBoxFlag xmlns:ma14="http://schemas.microsoft.com/office/mac/drawingml/2011/main" xmlns="" val="1"/>
+                <ma14:wrappingTextBoxFlag xmlns="" xmlns:ma14="http://schemas.microsoft.com/office/mac/drawingml/2011/main" val="1"/>
               </a:ext>
             </a:extLst>
           </p:spPr>
@@ -16270,7 +15655,7 @@
           </p:nvSpPr>
           <p:spPr>
             <a:xfrm>
-              <a:off x="8833281" y="1267144"/>
+              <a:off x="8634676" y="153265"/>
               <a:ext cx="852798" cy="307777"/>
             </a:xfrm>
             <a:prstGeom prst="rect">
@@ -16281,7 +15666,7 @@
             </a:ln>
             <a:extLst>
               <a:ext uri="{C572A759-6A51-4108-AA02-DFA0A04FC94B}">
-                <ma14:wrappingTextBoxFlag xmlns:ma14="http://schemas.microsoft.com/office/mac/drawingml/2011/main" xmlns="" val="1"/>
+                <ma14:wrappingTextBoxFlag xmlns="" xmlns:ma14="http://schemas.microsoft.com/office/mac/drawingml/2011/main" val="1"/>
               </a:ext>
             </a:extLst>
           </p:spPr>
@@ -16357,8 +15742,8 @@
           </p:nvSpPr>
           <p:spPr>
             <a:xfrm>
-              <a:off x="501894" y="1251891"/>
-              <a:ext cx="1176604" cy="153888"/>
+              <a:off x="467133" y="153265"/>
+              <a:ext cx="663643" cy="307777"/>
             </a:xfrm>
             <a:prstGeom prst="rect">
               <a:avLst/>
@@ -16368,7 +15753,7 @@
             </a:ln>
             <a:extLst>
               <a:ext uri="{C572A759-6A51-4108-AA02-DFA0A04FC94B}">
-                <ma14:wrappingTextBoxFlag xmlns:ma14="http://schemas.microsoft.com/office/mac/drawingml/2011/main" xmlns="" val="1"/>
+                <ma14:wrappingTextBoxFlag xmlns="" xmlns:ma14="http://schemas.microsoft.com/office/mac/drawingml/2011/main" val="1"/>
               </a:ext>
             </a:extLst>
           </p:spPr>
@@ -16403,7 +15788,24 @@
                     <a:srgbClr val="4277BB"/>
                   </a:solidFill>
                 </a:rPr>
-                <a:t>PUBLIC NETWORK</a:t>
+                <a:t>PUBLIC </a:t>
+              </a:r>
+            </a:p>
+            <a:p>
+              <a:pPr lvl="0">
+                <a:defRPr sz="1800" b="0">
+                  <a:solidFill>
+                    <a:srgbClr val="000000"/>
+                  </a:solidFill>
+                </a:defRPr>
+              </a:pPr>
+              <a:r>
+                <a:rPr lang="en-US" sz="1000" b="1" dirty="0">
+                  <a:solidFill>
+                    <a:srgbClr val="4277BB"/>
+                  </a:solidFill>
+                </a:rPr>
+                <a:t>NETWORK</a:t>
               </a:r>
               <a:endParaRPr sz="1000" b="1" dirty="0">
                 <a:solidFill>
@@ -16438,7 +15840,7 @@
             </a:ln>
             <a:extLst>
               <a:ext uri="{C572A759-6A51-4108-AA02-DFA0A04FC94B}">
-                <ma14:wrappingTextBoxFlag xmlns:ma14="http://schemas.microsoft.com/office/mac/drawingml/2011/main" xmlns="" val="1"/>
+                <ma14:wrappingTextBoxFlag xmlns="" xmlns:ma14="http://schemas.microsoft.com/office/mac/drawingml/2011/main" val="1"/>
               </a:ext>
             </a:extLst>
           </p:spPr>
@@ -16525,7 +15927,7 @@
             </a:ln>
             <a:extLst>
               <a:ext uri="{C572A759-6A51-4108-AA02-DFA0A04FC94B}">
-                <ma14:wrappingTextBoxFlag xmlns:ma14="http://schemas.microsoft.com/office/mac/drawingml/2011/main" xmlns="" val="1"/>
+                <ma14:wrappingTextBoxFlag xmlns="" xmlns:ma14="http://schemas.microsoft.com/office/mac/drawingml/2011/main" val="1"/>
               </a:ext>
             </a:extLst>
           </p:spPr>
@@ -16612,7 +16014,7 @@
             </a:ln>
             <a:extLst>
               <a:ext uri="{C572A759-6A51-4108-AA02-DFA0A04FC94B}">
-                <ma14:wrappingTextBoxFlag xmlns:ma14="http://schemas.microsoft.com/office/mac/drawingml/2011/main" xmlns="" val="1"/>
+                <ma14:wrappingTextBoxFlag xmlns="" xmlns:ma14="http://schemas.microsoft.com/office/mac/drawingml/2011/main" val="1"/>
               </a:ext>
             </a:extLst>
           </p:spPr>
@@ -16699,7 +16101,7 @@
             </a:ln>
             <a:extLst>
               <a:ext uri="{C572A759-6A51-4108-AA02-DFA0A04FC94B}">
-                <ma14:wrappingTextBoxFlag xmlns:ma14="http://schemas.microsoft.com/office/mac/drawingml/2011/main" xmlns="" val="1"/>
+                <ma14:wrappingTextBoxFlag xmlns="" xmlns:ma14="http://schemas.microsoft.com/office/mac/drawingml/2011/main" val="1"/>
               </a:ext>
             </a:extLst>
           </p:spPr>
@@ -16769,7 +16171,7 @@
             </a:ln>
             <a:extLst>
               <a:ext uri="{C572A759-6A51-4108-AA02-DFA0A04FC94B}">
-                <ma14:wrappingTextBoxFlag xmlns:ma14="http://schemas.microsoft.com/office/mac/drawingml/2011/main" xmlns="" val="1"/>
+                <ma14:wrappingTextBoxFlag xmlns="" xmlns:ma14="http://schemas.microsoft.com/office/mac/drawingml/2011/main" val="1"/>
               </a:ext>
             </a:extLst>
           </p:spPr>
@@ -16856,7 +16258,7 @@
             </a:ln>
             <a:extLst>
               <a:ext uri="{C572A759-6A51-4108-AA02-DFA0A04FC94B}">
-                <ma14:wrappingTextBoxFlag xmlns:ma14="http://schemas.microsoft.com/office/mac/drawingml/2011/main" xmlns="" val="1"/>
+                <ma14:wrappingTextBoxFlag xmlns="" xmlns:ma14="http://schemas.microsoft.com/office/mac/drawingml/2011/main" val="1"/>
               </a:ext>
             </a:extLst>
           </p:spPr>
@@ -16926,7 +16328,7 @@
             </a:ln>
             <a:extLst>
               <a:ext uri="{C572A759-6A51-4108-AA02-DFA0A04FC94B}">
-                <ma14:wrappingTextBoxFlag xmlns:ma14="http://schemas.microsoft.com/office/mac/drawingml/2011/main" xmlns="" val="1"/>
+                <ma14:wrappingTextBoxFlag xmlns="" xmlns:ma14="http://schemas.microsoft.com/office/mac/drawingml/2011/main" val="1"/>
               </a:ext>
             </a:extLst>
           </p:spPr>
@@ -16996,7 +16398,7 @@
             </a:ln>
             <a:extLst>
               <a:ext uri="{C572A759-6A51-4108-AA02-DFA0A04FC94B}">
-                <ma14:wrappingTextBoxFlag xmlns:ma14="http://schemas.microsoft.com/office/mac/drawingml/2011/main" xmlns="" val="1"/>
+                <ma14:wrappingTextBoxFlag xmlns="" xmlns:ma14="http://schemas.microsoft.com/office/mac/drawingml/2011/main" val="1"/>
               </a:ext>
             </a:extLst>
           </p:spPr>
@@ -17066,7 +16468,7 @@
             </a:ln>
             <a:extLst>
               <a:ext uri="{C572A759-6A51-4108-AA02-DFA0A04FC94B}">
-                <ma14:wrappingTextBoxFlag xmlns:ma14="http://schemas.microsoft.com/office/mac/drawingml/2011/main" xmlns="" val="1"/>
+                <ma14:wrappingTextBoxFlag xmlns="" xmlns:ma14="http://schemas.microsoft.com/office/mac/drawingml/2011/main" val="1"/>
               </a:ext>
             </a:extLst>
           </p:spPr>
@@ -17136,7 +16538,7 @@
             </a:ln>
             <a:extLst>
               <a:ext uri="{C572A759-6A51-4108-AA02-DFA0A04FC94B}">
-                <ma14:wrappingTextBoxFlag xmlns:ma14="http://schemas.microsoft.com/office/mac/drawingml/2011/main" xmlns="" val="1"/>
+                <ma14:wrappingTextBoxFlag xmlns="" xmlns:ma14="http://schemas.microsoft.com/office/mac/drawingml/2011/main" val="1"/>
               </a:ext>
             </a:extLst>
           </p:spPr>
@@ -17206,7 +16608,7 @@
             </a:ln>
             <a:extLst>
               <a:ext uri="{C572A759-6A51-4108-AA02-DFA0A04FC94B}">
-                <ma14:wrappingTextBoxFlag xmlns:ma14="http://schemas.microsoft.com/office/mac/drawingml/2011/main" xmlns="" val="1"/>
+                <ma14:wrappingTextBoxFlag xmlns="" xmlns:ma14="http://schemas.microsoft.com/office/mac/drawingml/2011/main" val="1"/>
               </a:ext>
             </a:extLst>
           </p:spPr>
@@ -17276,7 +16678,7 @@
             </a:ln>
             <a:extLst>
               <a:ext uri="{C572A759-6A51-4108-AA02-DFA0A04FC94B}">
-                <ma14:wrappingTextBoxFlag xmlns:ma14="http://schemas.microsoft.com/office/mac/drawingml/2011/main" xmlns="" val="1"/>
+                <ma14:wrappingTextBoxFlag xmlns="" xmlns:ma14="http://schemas.microsoft.com/office/mac/drawingml/2011/main" val="1"/>
               </a:ext>
             </a:extLst>
           </p:spPr>
@@ -17346,7 +16748,7 @@
             </a:ln>
             <a:extLst>
               <a:ext uri="{C572A759-6A51-4108-AA02-DFA0A04FC94B}">
-                <ma14:wrappingTextBoxFlag xmlns:ma14="http://schemas.microsoft.com/office/mac/drawingml/2011/main" xmlns="" val="1"/>
+                <ma14:wrappingTextBoxFlag xmlns="" xmlns:ma14="http://schemas.microsoft.com/office/mac/drawingml/2011/main" val="1"/>
               </a:ext>
             </a:extLst>
           </p:spPr>
@@ -17416,7 +16818,7 @@
             </a:ln>
             <a:extLst>
               <a:ext uri="{C572A759-6A51-4108-AA02-DFA0A04FC94B}">
-                <ma14:wrappingTextBoxFlag xmlns:ma14="http://schemas.microsoft.com/office/mac/drawingml/2011/main" xmlns="" val="1"/>
+                <ma14:wrappingTextBoxFlag xmlns="" xmlns:ma14="http://schemas.microsoft.com/office/mac/drawingml/2011/main" val="1"/>
               </a:ext>
             </a:extLst>
           </p:spPr>
@@ -17486,7 +16888,7 @@
             </a:ln>
             <a:extLst>
               <a:ext uri="{C572A759-6A51-4108-AA02-DFA0A04FC94B}">
-                <ma14:wrappingTextBoxFlag xmlns:ma14="http://schemas.microsoft.com/office/mac/drawingml/2011/main" xmlns="" val="1"/>
+                <ma14:wrappingTextBoxFlag xmlns="" xmlns:ma14="http://schemas.microsoft.com/office/mac/drawingml/2011/main" val="1"/>
               </a:ext>
             </a:extLst>
           </p:spPr>
@@ -17556,7 +16958,7 @@
             </a:ln>
             <a:extLst>
               <a:ext uri="{C572A759-6A51-4108-AA02-DFA0A04FC94B}">
-                <ma14:wrappingTextBoxFlag xmlns:ma14="http://schemas.microsoft.com/office/mac/drawingml/2011/main" xmlns="" val="1"/>
+                <ma14:wrappingTextBoxFlag xmlns="" xmlns:ma14="http://schemas.microsoft.com/office/mac/drawingml/2011/main" val="1"/>
               </a:ext>
             </a:extLst>
           </p:spPr>
@@ -17626,7 +17028,7 @@
             </a:ln>
             <a:extLst>
               <a:ext uri="{C572A759-6A51-4108-AA02-DFA0A04FC94B}">
-                <ma14:wrappingTextBoxFlag xmlns:ma14="http://schemas.microsoft.com/office/mac/drawingml/2011/main" xmlns="" val="1"/>
+                <ma14:wrappingTextBoxFlag xmlns="" xmlns:ma14="http://schemas.microsoft.com/office/mac/drawingml/2011/main" val="1"/>
               </a:ext>
             </a:extLst>
           </p:spPr>
@@ -17696,7 +17098,7 @@
             </a:ln>
             <a:extLst>
               <a:ext uri="{C572A759-6A51-4108-AA02-DFA0A04FC94B}">
-                <ma14:wrappingTextBoxFlag xmlns:ma14="http://schemas.microsoft.com/office/mac/drawingml/2011/main" xmlns="" val="1"/>
+                <ma14:wrappingTextBoxFlag xmlns="" xmlns:ma14="http://schemas.microsoft.com/office/mac/drawingml/2011/main" val="1"/>
               </a:ext>
             </a:extLst>
           </p:spPr>
@@ -17766,7 +17168,7 @@
             </a:ln>
             <a:extLst>
               <a:ext uri="{C572A759-6A51-4108-AA02-DFA0A04FC94B}">
-                <ma14:wrappingTextBoxFlag xmlns:ma14="http://schemas.microsoft.com/office/mac/drawingml/2011/main" xmlns="" val="1"/>
+                <ma14:wrappingTextBoxFlag xmlns="" xmlns:ma14="http://schemas.microsoft.com/office/mac/drawingml/2011/main" val="1"/>
               </a:ext>
             </a:extLst>
           </p:spPr>
@@ -17836,7 +17238,7 @@
             </a:ln>
             <a:extLst>
               <a:ext uri="{C572A759-6A51-4108-AA02-DFA0A04FC94B}">
-                <ma14:wrappingTextBoxFlag xmlns:ma14="http://schemas.microsoft.com/office/mac/drawingml/2011/main" xmlns="" val="1"/>
+                <ma14:wrappingTextBoxFlag xmlns="" xmlns:ma14="http://schemas.microsoft.com/office/mac/drawingml/2011/main" val="1"/>
               </a:ext>
             </a:extLst>
           </p:spPr>
@@ -17906,7 +17308,7 @@
             </a:ln>
             <a:extLst>
               <a:ext uri="{C572A759-6A51-4108-AA02-DFA0A04FC94B}">
-                <ma14:wrappingTextBoxFlag xmlns:ma14="http://schemas.microsoft.com/office/mac/drawingml/2011/main" xmlns="" val="1"/>
+                <ma14:wrappingTextBoxFlag xmlns="" xmlns:ma14="http://schemas.microsoft.com/office/mac/drawingml/2011/main" val="1"/>
               </a:ext>
             </a:extLst>
           </p:spPr>
@@ -17976,7 +17378,7 @@
             </a:ln>
             <a:extLst>
               <a:ext uri="{C572A759-6A51-4108-AA02-DFA0A04FC94B}">
-                <ma14:wrappingTextBoxFlag xmlns:ma14="http://schemas.microsoft.com/office/mac/drawingml/2011/main" xmlns="" val="1"/>
+                <ma14:wrappingTextBoxFlag xmlns="" xmlns:ma14="http://schemas.microsoft.com/office/mac/drawingml/2011/main" val="1"/>
               </a:ext>
             </a:extLst>
           </p:spPr>
@@ -18046,7 +17448,7 @@
             </a:ln>
             <a:extLst>
               <a:ext uri="{C572A759-6A51-4108-AA02-DFA0A04FC94B}">
-                <ma14:wrappingTextBoxFlag xmlns:ma14="http://schemas.microsoft.com/office/mac/drawingml/2011/main" xmlns="" val="1"/>
+                <ma14:wrappingTextBoxFlag xmlns="" xmlns:ma14="http://schemas.microsoft.com/office/mac/drawingml/2011/main" val="1"/>
               </a:ext>
             </a:extLst>
           </p:spPr>
@@ -18116,7 +17518,7 @@
             </a:ln>
             <a:extLst>
               <a:ext uri="{C572A759-6A51-4108-AA02-DFA0A04FC94B}">
-                <ma14:wrappingTextBoxFlag xmlns:ma14="http://schemas.microsoft.com/office/mac/drawingml/2011/main" xmlns="" val="1"/>
+                <ma14:wrappingTextBoxFlag xmlns="" xmlns:ma14="http://schemas.microsoft.com/office/mac/drawingml/2011/main" val="1"/>
               </a:ext>
             </a:extLst>
           </p:spPr>
@@ -18186,7 +17588,7 @@
             </a:ln>
             <a:extLst>
               <a:ext uri="{C572A759-6A51-4108-AA02-DFA0A04FC94B}">
-                <ma14:wrappingTextBoxFlag xmlns:ma14="http://schemas.microsoft.com/office/mac/drawingml/2011/main" xmlns="" val="1"/>
+                <ma14:wrappingTextBoxFlag xmlns="" xmlns:ma14="http://schemas.microsoft.com/office/mac/drawingml/2011/main" val="1"/>
               </a:ext>
             </a:extLst>
           </p:spPr>
@@ -18256,7 +17658,7 @@
             </a:ln>
             <a:extLst>
               <a:ext uri="{C572A759-6A51-4108-AA02-DFA0A04FC94B}">
-                <ma14:wrappingTextBoxFlag xmlns:ma14="http://schemas.microsoft.com/office/mac/drawingml/2011/main" xmlns="" val="1"/>
+                <ma14:wrappingTextBoxFlag xmlns="" xmlns:ma14="http://schemas.microsoft.com/office/mac/drawingml/2011/main" val="1"/>
               </a:ext>
             </a:extLst>
           </p:spPr>
@@ -18326,7 +17728,7 @@
             </a:ln>
             <a:extLst>
               <a:ext uri="{C572A759-6A51-4108-AA02-DFA0A04FC94B}">
-                <ma14:wrappingTextBoxFlag xmlns:ma14="http://schemas.microsoft.com/office/mac/drawingml/2011/main" xmlns="" val="1"/>
+                <ma14:wrappingTextBoxFlag xmlns="" xmlns:ma14="http://schemas.microsoft.com/office/mac/drawingml/2011/main" val="1"/>
               </a:ext>
             </a:extLst>
           </p:spPr>
@@ -18372,6 +17774,211 @@
           </p:txBody>
         </p:sp>
       </p:grpSp>
+      <p:sp>
+        <p:nvSpPr>
+          <p:cNvPr id="134" name="Shape 61">
+            <a:extLst>
+              <a:ext uri="{FF2B5EF4-FFF2-40B4-BE49-F238E27FC236}">
+                <a16:creationId xmlns:a16="http://schemas.microsoft.com/office/drawing/2014/main" id="{94DA4045-057E-7748-AB2F-B366E3BE56DD}"/>
+              </a:ext>
+            </a:extLst>
+          </p:cNvPr>
+          <p:cNvSpPr/>
+          <p:nvPr/>
+        </p:nvSpPr>
+        <p:spPr>
+          <a:xfrm>
+            <a:off x="116064" y="80317"/>
+            <a:ext cx="9841833" cy="7268970"/>
+          </a:xfrm>
+          <a:prstGeom prst="rect">
+            <a:avLst/>
+          </a:prstGeom>
+          <a:ln w="25400">
+            <a:solidFill>
+              <a:srgbClr val="4277BB"/>
+            </a:solidFill>
+            <a:miter lim="400000"/>
+          </a:ln>
+        </p:spPr>
+        <p:txBody>
+          <a:bodyPr lIns="0" tIns="0" rIns="0" bIns="0" anchor="ctr"/>
+          <a:lstStyle/>
+          <a:p>
+            <a:pPr lvl="0">
+              <a:defRPr sz="1800">
+                <a:solidFill>
+                  <a:srgbClr val="4277BB"/>
+                </a:solidFill>
+              </a:defRPr>
+            </a:pPr>
+            <a:endParaRPr/>
+          </a:p>
+        </p:txBody>
+      </p:sp>
+      <p:sp>
+        <p:nvSpPr>
+          <p:cNvPr id="136" name="Shape 66">
+            <a:extLst>
+              <a:ext uri="{FF2B5EF4-FFF2-40B4-BE49-F238E27FC236}">
+                <a16:creationId xmlns:a16="http://schemas.microsoft.com/office/drawing/2014/main" id="{968DFB3D-9547-704D-AD7F-FF7C078B591E}"/>
+              </a:ext>
+            </a:extLst>
+          </p:cNvPr>
+          <p:cNvSpPr/>
+          <p:nvPr/>
+        </p:nvSpPr>
+        <p:spPr>
+          <a:xfrm flipH="1" flipV="1">
+            <a:off x="8294141" y="80316"/>
+            <a:ext cx="0" cy="7268968"/>
+          </a:xfrm>
+          <a:prstGeom prst="line">
+            <a:avLst/>
+          </a:prstGeom>
+          <a:ln w="3175">
+            <a:solidFill>
+              <a:srgbClr val="4277BB"/>
+            </a:solidFill>
+            <a:miter lim="400000"/>
+          </a:ln>
+        </p:spPr>
+        <p:txBody>
+          <a:bodyPr lIns="0" tIns="0" rIns="0" bIns="0" anchor="ctr"/>
+          <a:lstStyle/>
+          <a:p>
+            <a:pPr lvl="0">
+              <a:defRPr sz="1800"/>
+            </a:pPr>
+            <a:endParaRPr/>
+          </a:p>
+        </p:txBody>
+      </p:sp>
+      <p:sp>
+        <p:nvSpPr>
+          <p:cNvPr id="141" name="Shape 66">
+            <a:extLst>
+              <a:ext uri="{FF2B5EF4-FFF2-40B4-BE49-F238E27FC236}">
+                <a16:creationId xmlns:a16="http://schemas.microsoft.com/office/drawing/2014/main" id="{84D49E6F-CCA3-1749-868F-1B1043B0879C}"/>
+              </a:ext>
+            </a:extLst>
+          </p:cNvPr>
+          <p:cNvSpPr/>
+          <p:nvPr/>
+        </p:nvSpPr>
+        <p:spPr>
+          <a:xfrm flipV="1">
+            <a:off x="1765476" y="80312"/>
+            <a:ext cx="2367" cy="7268972"/>
+          </a:xfrm>
+          <a:prstGeom prst="line">
+            <a:avLst/>
+          </a:prstGeom>
+          <a:ln w="3175">
+            <a:solidFill>
+              <a:srgbClr val="4277BB"/>
+            </a:solidFill>
+            <a:miter lim="400000"/>
+          </a:ln>
+        </p:spPr>
+        <p:txBody>
+          <a:bodyPr lIns="0" tIns="0" rIns="0" bIns="0" anchor="ctr"/>
+          <a:lstStyle/>
+          <a:p>
+            <a:pPr lvl="0">
+              <a:defRPr sz="1800"/>
+            </a:pPr>
+            <a:endParaRPr/>
+          </a:p>
+        </p:txBody>
+      </p:sp>
+      <p:sp>
+        <p:nvSpPr>
+          <p:cNvPr id="147" name="Shape 63">
+            <a:extLst>
+              <a:ext uri="{FF2B5EF4-FFF2-40B4-BE49-F238E27FC236}">
+                <a16:creationId xmlns:a16="http://schemas.microsoft.com/office/drawing/2014/main" id="{7B0A34D7-794F-FB4E-9D6C-2B5A04FC2007}"/>
+              </a:ext>
+            </a:extLst>
+          </p:cNvPr>
+          <p:cNvSpPr/>
+          <p:nvPr/>
+        </p:nvSpPr>
+        <p:spPr>
+          <a:xfrm>
+            <a:off x="2026305" y="164604"/>
+            <a:ext cx="678071" cy="307777"/>
+          </a:xfrm>
+          <a:prstGeom prst="rect">
+            <a:avLst/>
+          </a:prstGeom>
+          <a:ln w="3175">
+            <a:miter lim="400000"/>
+          </a:ln>
+          <a:extLst>
+            <a:ext uri="{C572A759-6A51-4108-AA02-DFA0A04FC94B}">
+              <ma14:wrappingTextBoxFlag xmlns="" xmlns:ma14="http://schemas.microsoft.com/office/mac/drawingml/2011/main" val="1"/>
+            </a:ext>
+          </a:extLst>
+        </p:spPr>
+        <p:txBody>
+          <a:bodyPr wrap="none" lIns="0" tIns="0" rIns="0" bIns="0">
+            <a:spAutoFit/>
+          </a:bodyPr>
+          <a:lstStyle>
+            <a:lvl1pPr algn="l">
+              <a:defRPr sz="1000" b="1">
+                <a:solidFill>
+                  <a:srgbClr val="4277BB"/>
+                </a:solidFill>
+                <a:latin typeface="Helvetica"/>
+                <a:ea typeface="Helvetica"/>
+                <a:cs typeface="Helvetica"/>
+                <a:sym typeface="Helvetica"/>
+              </a:defRPr>
+            </a:lvl1pPr>
+          </a:lstStyle>
+          <a:p>
+            <a:pPr lvl="0">
+              <a:defRPr sz="1800" b="0">
+                <a:solidFill>
+                  <a:srgbClr val="000000"/>
+                </a:solidFill>
+              </a:defRPr>
+            </a:pPr>
+            <a:r>
+              <a:rPr lang="en-US" sz="1000" b="1" dirty="0">
+                <a:solidFill>
+                  <a:srgbClr val="4277BB"/>
+                </a:solidFill>
+              </a:rPr>
+              <a:t>CLOUD </a:t>
+            </a:r>
+          </a:p>
+          <a:p>
+            <a:pPr lvl="0">
+              <a:defRPr sz="1800" b="0">
+                <a:solidFill>
+                  <a:srgbClr val="000000"/>
+                </a:solidFill>
+              </a:defRPr>
+            </a:pPr>
+            <a:r>
+              <a:rPr lang="en-US" sz="1000" b="1" dirty="0">
+                <a:solidFill>
+                  <a:srgbClr val="4277BB"/>
+                </a:solidFill>
+              </a:rPr>
+              <a:t>NETWORK</a:t>
+            </a:r>
+            <a:endParaRPr sz="1000" b="1" dirty="0">
+              <a:solidFill>
+                <a:srgbClr val="4277BB"/>
+              </a:solidFill>
+            </a:endParaRPr>
+          </a:p>
+        </p:txBody>
+      </p:sp>
     </p:spTree>
     <p:extLst>
       <p:ext uri="{BB962C8B-B14F-4D97-AF65-F5344CB8AC3E}">
@@ -18458,7 +18065,7 @@
           </a:ln>
           <a:extLst>
             <a:ext uri="{C572A759-6A51-4108-AA02-DFA0A04FC94B}">
-              <ma14:wrappingTextBoxFlag xmlns="" xmlns:ma14="http://schemas.microsoft.com/office/mac/drawingml/2011/main" val="1"/>
+              <ma14:wrappingTextBoxFlag xmlns:ma14="http://schemas.microsoft.com/office/mac/drawingml/2011/main" xmlns="" val="1"/>
             </a:ext>
           </a:extLst>
         </p:spPr>
@@ -18506,7 +18113,7 @@
           </a:ln>
           <a:extLst>
             <a:ext uri="{C572A759-6A51-4108-AA02-DFA0A04FC94B}">
-              <ma14:wrappingTextBoxFlag xmlns="" xmlns:ma14="http://schemas.microsoft.com/office/mac/drawingml/2011/main" val="1"/>
+              <ma14:wrappingTextBoxFlag xmlns:ma14="http://schemas.microsoft.com/office/mac/drawingml/2011/main" xmlns="" val="1"/>
             </a:ext>
           </a:extLst>
         </p:spPr>
@@ -18661,7 +18268,7 @@
             <a:effectLst/>
             <a:extLst>
               <a:ext uri="{C572A759-6A51-4108-AA02-DFA0A04FC94B}">
-                <ma14:wrappingTextBoxFlag xmlns="" xmlns:ma14="http://schemas.microsoft.com/office/mac/drawingml/2011/main" val="1"/>
+                <ma14:wrappingTextBoxFlag xmlns:ma14="http://schemas.microsoft.com/office/mac/drawingml/2011/main" xmlns="" val="1"/>
               </a:ext>
             </a:extLst>
           </p:spPr>
@@ -18823,7 +18430,7 @@
             <a:effectLst/>
             <a:extLst>
               <a:ext uri="{C572A759-6A51-4108-AA02-DFA0A04FC94B}">
-                <ma14:wrappingTextBoxFlag xmlns="" xmlns:ma14="http://schemas.microsoft.com/office/mac/drawingml/2011/main" val="1"/>
+                <ma14:wrappingTextBoxFlag xmlns:ma14="http://schemas.microsoft.com/office/mac/drawingml/2011/main" xmlns="" val="1"/>
               </a:ext>
             </a:extLst>
           </p:spPr>
@@ -18985,7 +18592,7 @@
             <a:effectLst/>
             <a:extLst>
               <a:ext uri="{C572A759-6A51-4108-AA02-DFA0A04FC94B}">
-                <ma14:wrappingTextBoxFlag xmlns="" xmlns:ma14="http://schemas.microsoft.com/office/mac/drawingml/2011/main" val="1"/>
+                <ma14:wrappingTextBoxFlag xmlns:ma14="http://schemas.microsoft.com/office/mac/drawingml/2011/main" xmlns="" val="1"/>
               </a:ext>
             </a:extLst>
           </p:spPr>
@@ -19147,7 +18754,7 @@
             <a:effectLst/>
             <a:extLst>
               <a:ext uri="{C572A759-6A51-4108-AA02-DFA0A04FC94B}">
-                <ma14:wrappingTextBoxFlag xmlns="" xmlns:ma14="http://schemas.microsoft.com/office/mac/drawingml/2011/main" val="1"/>
+                <ma14:wrappingTextBoxFlag xmlns:ma14="http://schemas.microsoft.com/office/mac/drawingml/2011/main" xmlns="" val="1"/>
               </a:ext>
             </a:extLst>
           </p:spPr>
@@ -19309,7 +18916,7 @@
             <a:effectLst/>
             <a:extLst>
               <a:ext uri="{C572A759-6A51-4108-AA02-DFA0A04FC94B}">
-                <ma14:wrappingTextBoxFlag xmlns="" xmlns:ma14="http://schemas.microsoft.com/office/mac/drawingml/2011/main" val="1"/>
+                <ma14:wrappingTextBoxFlag xmlns:ma14="http://schemas.microsoft.com/office/mac/drawingml/2011/main" xmlns="" val="1"/>
               </a:ext>
             </a:extLst>
           </p:spPr>
@@ -19471,7 +19078,7 @@
             <a:effectLst/>
             <a:extLst>
               <a:ext uri="{C572A759-6A51-4108-AA02-DFA0A04FC94B}">
-                <ma14:wrappingTextBoxFlag xmlns="" xmlns:ma14="http://schemas.microsoft.com/office/mac/drawingml/2011/main" val="1"/>
+                <ma14:wrappingTextBoxFlag xmlns:ma14="http://schemas.microsoft.com/office/mac/drawingml/2011/main" xmlns="" val="1"/>
               </a:ext>
             </a:extLst>
           </p:spPr>
@@ -19633,7 +19240,7 @@
             <a:effectLst/>
             <a:extLst>
               <a:ext uri="{C572A759-6A51-4108-AA02-DFA0A04FC94B}">
-                <ma14:wrappingTextBoxFlag xmlns="" xmlns:ma14="http://schemas.microsoft.com/office/mac/drawingml/2011/main" val="1"/>
+                <ma14:wrappingTextBoxFlag xmlns:ma14="http://schemas.microsoft.com/office/mac/drawingml/2011/main" xmlns="" val="1"/>
               </a:ext>
             </a:extLst>
           </p:spPr>
@@ -19795,7 +19402,7 @@
             <a:effectLst/>
             <a:extLst>
               <a:ext uri="{C572A759-6A51-4108-AA02-DFA0A04FC94B}">
-                <ma14:wrappingTextBoxFlag xmlns="" xmlns:ma14="http://schemas.microsoft.com/office/mac/drawingml/2011/main" val="1"/>
+                <ma14:wrappingTextBoxFlag xmlns:ma14="http://schemas.microsoft.com/office/mac/drawingml/2011/main" xmlns="" val="1"/>
               </a:ext>
             </a:extLst>
           </p:spPr>
@@ -19957,7 +19564,7 @@
             <a:effectLst/>
             <a:extLst>
               <a:ext uri="{C572A759-6A51-4108-AA02-DFA0A04FC94B}">
-                <ma14:wrappingTextBoxFlag xmlns="" xmlns:ma14="http://schemas.microsoft.com/office/mac/drawingml/2011/main" val="1"/>
+                <ma14:wrappingTextBoxFlag xmlns:ma14="http://schemas.microsoft.com/office/mac/drawingml/2011/main" xmlns="" val="1"/>
               </a:ext>
             </a:extLst>
           </p:spPr>
@@ -20119,7 +19726,7 @@
             <a:effectLst/>
             <a:extLst>
               <a:ext uri="{C572A759-6A51-4108-AA02-DFA0A04FC94B}">
-                <ma14:wrappingTextBoxFlag xmlns="" xmlns:ma14="http://schemas.microsoft.com/office/mac/drawingml/2011/main" val="1"/>
+                <ma14:wrappingTextBoxFlag xmlns:ma14="http://schemas.microsoft.com/office/mac/drawingml/2011/main" xmlns="" val="1"/>
               </a:ext>
             </a:extLst>
           </p:spPr>
@@ -20281,7 +19888,7 @@
             <a:effectLst/>
             <a:extLst>
               <a:ext uri="{C572A759-6A51-4108-AA02-DFA0A04FC94B}">
-                <ma14:wrappingTextBoxFlag xmlns="" xmlns:ma14="http://schemas.microsoft.com/office/mac/drawingml/2011/main" val="1"/>
+                <ma14:wrappingTextBoxFlag xmlns:ma14="http://schemas.microsoft.com/office/mac/drawingml/2011/main" xmlns="" val="1"/>
               </a:ext>
             </a:extLst>
           </p:spPr>
@@ -20443,7 +20050,7 @@
             <a:effectLst/>
             <a:extLst>
               <a:ext uri="{C572A759-6A51-4108-AA02-DFA0A04FC94B}">
-                <ma14:wrappingTextBoxFlag xmlns="" xmlns:ma14="http://schemas.microsoft.com/office/mac/drawingml/2011/main" val="1"/>
+                <ma14:wrappingTextBoxFlag xmlns:ma14="http://schemas.microsoft.com/office/mac/drawingml/2011/main" xmlns="" val="1"/>
               </a:ext>
             </a:extLst>
           </p:spPr>
@@ -20605,7 +20212,7 @@
             <a:effectLst/>
             <a:extLst>
               <a:ext uri="{C572A759-6A51-4108-AA02-DFA0A04FC94B}">
-                <ma14:wrappingTextBoxFlag xmlns="" xmlns:ma14="http://schemas.microsoft.com/office/mac/drawingml/2011/main" val="1"/>
+                <ma14:wrappingTextBoxFlag xmlns:ma14="http://schemas.microsoft.com/office/mac/drawingml/2011/main" xmlns="" val="1"/>
               </a:ext>
             </a:extLst>
           </p:spPr>
@@ -20767,7 +20374,7 @@
             <a:effectLst/>
             <a:extLst>
               <a:ext uri="{C572A759-6A51-4108-AA02-DFA0A04FC94B}">
-                <ma14:wrappingTextBoxFlag xmlns="" xmlns:ma14="http://schemas.microsoft.com/office/mac/drawingml/2011/main" val="1"/>
+                <ma14:wrappingTextBoxFlag xmlns:ma14="http://schemas.microsoft.com/office/mac/drawingml/2011/main" xmlns="" val="1"/>
               </a:ext>
             </a:extLst>
           </p:spPr>
@@ -20929,7 +20536,7 @@
             <a:effectLst/>
             <a:extLst>
               <a:ext uri="{C572A759-6A51-4108-AA02-DFA0A04FC94B}">
-                <ma14:wrappingTextBoxFlag xmlns="" xmlns:ma14="http://schemas.microsoft.com/office/mac/drawingml/2011/main" val="1"/>
+                <ma14:wrappingTextBoxFlag xmlns:ma14="http://schemas.microsoft.com/office/mac/drawingml/2011/main" xmlns="" val="1"/>
               </a:ext>
             </a:extLst>
           </p:spPr>
@@ -21091,7 +20698,7 @@
             <a:effectLst/>
             <a:extLst>
               <a:ext uri="{C572A759-6A51-4108-AA02-DFA0A04FC94B}">
-                <ma14:wrappingTextBoxFlag xmlns="" xmlns:ma14="http://schemas.microsoft.com/office/mac/drawingml/2011/main" val="1"/>
+                <ma14:wrappingTextBoxFlag xmlns:ma14="http://schemas.microsoft.com/office/mac/drawingml/2011/main" xmlns="" val="1"/>
               </a:ext>
             </a:extLst>
           </p:spPr>
@@ -21253,7 +20860,7 @@
             <a:effectLst/>
             <a:extLst>
               <a:ext uri="{C572A759-6A51-4108-AA02-DFA0A04FC94B}">
-                <ma14:wrappingTextBoxFlag xmlns="" xmlns:ma14="http://schemas.microsoft.com/office/mac/drawingml/2011/main" val="1"/>
+                <ma14:wrappingTextBoxFlag xmlns:ma14="http://schemas.microsoft.com/office/mac/drawingml/2011/main" xmlns="" val="1"/>
               </a:ext>
             </a:extLst>
           </p:spPr>
@@ -21415,7 +21022,7 @@
             <a:effectLst/>
             <a:extLst>
               <a:ext uri="{C572A759-6A51-4108-AA02-DFA0A04FC94B}">
-                <ma14:wrappingTextBoxFlag xmlns="" xmlns:ma14="http://schemas.microsoft.com/office/mac/drawingml/2011/main" val="1"/>
+                <ma14:wrappingTextBoxFlag xmlns:ma14="http://schemas.microsoft.com/office/mac/drawingml/2011/main" xmlns="" val="1"/>
               </a:ext>
             </a:extLst>
           </p:spPr>
@@ -21577,7 +21184,7 @@
             <a:effectLst/>
             <a:extLst>
               <a:ext uri="{C572A759-6A51-4108-AA02-DFA0A04FC94B}">
-                <ma14:wrappingTextBoxFlag xmlns="" xmlns:ma14="http://schemas.microsoft.com/office/mac/drawingml/2011/main" val="1"/>
+                <ma14:wrappingTextBoxFlag xmlns:ma14="http://schemas.microsoft.com/office/mac/drawingml/2011/main" xmlns="" val="1"/>
               </a:ext>
             </a:extLst>
           </p:spPr>
@@ -21739,7 +21346,7 @@
             <a:effectLst/>
             <a:extLst>
               <a:ext uri="{C572A759-6A51-4108-AA02-DFA0A04FC94B}">
-                <ma14:wrappingTextBoxFlag xmlns="" xmlns:ma14="http://schemas.microsoft.com/office/mac/drawingml/2011/main" val="1"/>
+                <ma14:wrappingTextBoxFlag xmlns:ma14="http://schemas.microsoft.com/office/mac/drawingml/2011/main" xmlns="" val="1"/>
               </a:ext>
             </a:extLst>
           </p:spPr>
@@ -21861,7 +21468,7 @@
           </a:ln>
           <a:extLst>
             <a:ext uri="{C572A759-6A51-4108-AA02-DFA0A04FC94B}">
-              <ma14:wrappingTextBoxFlag xmlns="" xmlns:ma14="http://schemas.microsoft.com/office/mac/drawingml/2011/main" val="1"/>
+              <ma14:wrappingTextBoxFlag xmlns:ma14="http://schemas.microsoft.com/office/mac/drawingml/2011/main" xmlns="" val="1"/>
             </a:ext>
           </a:extLst>
         </p:spPr>
@@ -21909,7 +21516,7 @@
           </a:ln>
           <a:extLst>
             <a:ext uri="{C572A759-6A51-4108-AA02-DFA0A04FC94B}">
-              <ma14:wrappingTextBoxFlag xmlns="" xmlns:ma14="http://schemas.microsoft.com/office/mac/drawingml/2011/main" val="1"/>
+              <ma14:wrappingTextBoxFlag xmlns:ma14="http://schemas.microsoft.com/office/mac/drawingml/2011/main" xmlns="" val="1"/>
             </a:ext>
           </a:extLst>
         </p:spPr>
@@ -22244,7 +21851,7 @@
               <a:effectLst/>
               <a:extLst>
                 <a:ext uri="{C572A759-6A51-4108-AA02-DFA0A04FC94B}">
-                  <ma14:wrappingTextBoxFlag xmlns="" xmlns:ma14="http://schemas.microsoft.com/office/mac/drawingml/2011/main" val="1"/>
+                  <ma14:wrappingTextBoxFlag xmlns:ma14="http://schemas.microsoft.com/office/mac/drawingml/2011/main" xmlns="" val="1"/>
                 </a:ext>
               </a:extLst>
             </p:spPr>

--- a/powerpoint/templates/VirtualPrivateCloudEditablePPT.pptx
+++ b/powerpoint/templates/VirtualPrivateCloudEditablePPT.pptx
@@ -858,7 +858,7 @@
           </a:ln>
           <a:extLst>
             <a:ext uri="{C572A759-6A51-4108-AA02-DFA0A04FC94B}">
-              <ma14:wrappingTextBoxFlag xmlns:ma14="http://schemas.microsoft.com/office/mac/drawingml/2011/main" xmlns="" val="1"/>
+              <ma14:wrappingTextBoxFlag xmlns="" xmlns:ma14="http://schemas.microsoft.com/office/mac/drawingml/2011/main" val="1"/>
             </a:ext>
           </a:extLst>
         </p:spPr>
@@ -911,7 +911,7 @@
           </a:ln>
           <a:extLst>
             <a:ext uri="{C572A759-6A51-4108-AA02-DFA0A04FC94B}">
-              <ma14:wrappingTextBoxFlag xmlns:ma14="http://schemas.microsoft.com/office/mac/drawingml/2011/main" xmlns="" val="1"/>
+              <ma14:wrappingTextBoxFlag xmlns="" xmlns:ma14="http://schemas.microsoft.com/office/mac/drawingml/2011/main" val="1"/>
             </a:ext>
           </a:extLst>
         </p:spPr>
@@ -959,7 +959,7 @@
           </a:ln>
           <a:extLst>
             <a:ext uri="{C572A759-6A51-4108-AA02-DFA0A04FC94B}">
-              <ma14:wrappingTextBoxFlag xmlns:ma14="http://schemas.microsoft.com/office/mac/drawingml/2011/main" xmlns="" val="1"/>
+              <ma14:wrappingTextBoxFlag xmlns="" xmlns:ma14="http://schemas.microsoft.com/office/mac/drawingml/2011/main" val="1"/>
             </a:ext>
           </a:extLst>
         </p:spPr>
@@ -1047,7 +1047,7 @@
           </a:ln>
           <a:extLst>
             <a:ext uri="{C572A759-6A51-4108-AA02-DFA0A04FC94B}">
-              <ma14:wrappingTextBoxFlag xmlns:ma14="http://schemas.microsoft.com/office/mac/drawingml/2011/main" xmlns="" val="1"/>
+              <ma14:wrappingTextBoxFlag xmlns="" xmlns:ma14="http://schemas.microsoft.com/office/mac/drawingml/2011/main" val="1"/>
             </a:ext>
           </a:extLst>
         </p:spPr>
@@ -1100,7 +1100,7 @@
           </a:ln>
           <a:extLst>
             <a:ext uri="{C572A759-6A51-4108-AA02-DFA0A04FC94B}">
-              <ma14:wrappingTextBoxFlag xmlns:ma14="http://schemas.microsoft.com/office/mac/drawingml/2011/main" xmlns="" val="1"/>
+              <ma14:wrappingTextBoxFlag xmlns="" xmlns:ma14="http://schemas.microsoft.com/office/mac/drawingml/2011/main" val="1"/>
             </a:ext>
           </a:extLst>
         </p:spPr>
@@ -1148,7 +1148,7 @@
           </a:ln>
           <a:extLst>
             <a:ext uri="{C572A759-6A51-4108-AA02-DFA0A04FC94B}">
-              <ma14:wrappingTextBoxFlag xmlns:ma14="http://schemas.microsoft.com/office/mac/drawingml/2011/main" xmlns="" val="1"/>
+              <ma14:wrappingTextBoxFlag xmlns="" xmlns:ma14="http://schemas.microsoft.com/office/mac/drawingml/2011/main" val="1"/>
             </a:ext>
           </a:extLst>
         </p:spPr>
@@ -1312,7 +1312,7 @@
           </a:ln>
           <a:extLst>
             <a:ext uri="{C572A759-6A51-4108-AA02-DFA0A04FC94B}">
-              <ma14:wrappingTextBoxFlag xmlns:ma14="http://schemas.microsoft.com/office/mac/drawingml/2011/main" xmlns="" val="1"/>
+              <ma14:wrappingTextBoxFlag xmlns="" xmlns:ma14="http://schemas.microsoft.com/office/mac/drawingml/2011/main" val="1"/>
             </a:ext>
           </a:extLst>
         </p:spPr>
@@ -1365,7 +1365,7 @@
           </a:ln>
           <a:extLst>
             <a:ext uri="{C572A759-6A51-4108-AA02-DFA0A04FC94B}">
-              <ma14:wrappingTextBoxFlag xmlns:ma14="http://schemas.microsoft.com/office/mac/drawingml/2011/main" xmlns="" val="1"/>
+              <ma14:wrappingTextBoxFlag xmlns="" xmlns:ma14="http://schemas.microsoft.com/office/mac/drawingml/2011/main" val="1"/>
             </a:ext>
           </a:extLst>
         </p:spPr>
@@ -1413,7 +1413,7 @@
           </a:ln>
           <a:extLst>
             <a:ext uri="{C572A759-6A51-4108-AA02-DFA0A04FC94B}">
-              <ma14:wrappingTextBoxFlag xmlns:ma14="http://schemas.microsoft.com/office/mac/drawingml/2011/main" xmlns="" val="1"/>
+              <ma14:wrappingTextBoxFlag xmlns="" xmlns:ma14="http://schemas.microsoft.com/office/mac/drawingml/2011/main" val="1"/>
             </a:ext>
           </a:extLst>
         </p:spPr>
@@ -1603,7 +1603,7 @@
           </a:ln>
           <a:extLst>
             <a:ext uri="{C572A759-6A51-4108-AA02-DFA0A04FC94B}">
-              <ma14:wrappingTextBoxFlag xmlns:ma14="http://schemas.microsoft.com/office/mac/drawingml/2011/main" xmlns="" val="1"/>
+              <ma14:wrappingTextBoxFlag xmlns="" xmlns:ma14="http://schemas.microsoft.com/office/mac/drawingml/2011/main" val="1"/>
             </a:ext>
           </a:extLst>
         </p:spPr>
@@ -1741,7 +1741,7 @@
           </a:ln>
           <a:extLst>
             <a:ext uri="{C572A759-6A51-4108-AA02-DFA0A04FC94B}">
-              <ma14:wrappingTextBoxFlag xmlns:ma14="http://schemas.microsoft.com/office/mac/drawingml/2011/main" xmlns="" val="1"/>
+              <ma14:wrappingTextBoxFlag xmlns="" xmlns:ma14="http://schemas.microsoft.com/office/mac/drawingml/2011/main" val="1"/>
             </a:ext>
           </a:extLst>
         </p:spPr>
@@ -1794,7 +1794,7 @@
           </a:ln>
           <a:extLst>
             <a:ext uri="{C572A759-6A51-4108-AA02-DFA0A04FC94B}">
-              <ma14:wrappingTextBoxFlag xmlns:ma14="http://schemas.microsoft.com/office/mac/drawingml/2011/main" xmlns="" val="1"/>
+              <ma14:wrappingTextBoxFlag xmlns="" xmlns:ma14="http://schemas.microsoft.com/office/mac/drawingml/2011/main" val="1"/>
             </a:ext>
           </a:extLst>
         </p:spPr>
@@ -1868,7 +1868,7 @@
           </a:ln>
           <a:extLst>
             <a:ext uri="{C572A759-6A51-4108-AA02-DFA0A04FC94B}">
-              <ma14:wrappingTextBoxFlag xmlns:ma14="http://schemas.microsoft.com/office/mac/drawingml/2011/main" xmlns="" val="1"/>
+              <ma14:wrappingTextBoxFlag xmlns="" xmlns:ma14="http://schemas.microsoft.com/office/mac/drawingml/2011/main" val="1"/>
             </a:ext>
           </a:extLst>
         </p:spPr>
@@ -2837,7 +2837,7 @@
           </a:ln>
           <a:extLst>
             <a:ext uri="{C572A759-6A51-4108-AA02-DFA0A04FC94B}">
-              <ma14:wrappingTextBoxFlag xmlns:ma14="http://schemas.microsoft.com/office/mac/drawingml/2011/main" xmlns="" val="1"/>
+              <ma14:wrappingTextBoxFlag xmlns="" xmlns:ma14="http://schemas.microsoft.com/office/mac/drawingml/2011/main" val="1"/>
             </a:ext>
           </a:extLst>
         </p:spPr>
@@ -2880,7 +2880,7 @@
           </a:ln>
           <a:extLst>
             <a:ext uri="{C572A759-6A51-4108-AA02-DFA0A04FC94B}">
-              <ma14:wrappingTextBoxFlag xmlns:ma14="http://schemas.microsoft.com/office/mac/drawingml/2011/main" xmlns="" val="1"/>
+              <ma14:wrappingTextBoxFlag xmlns="" xmlns:ma14="http://schemas.microsoft.com/office/mac/drawingml/2011/main" val="1"/>
             </a:ext>
           </a:extLst>
         </p:spPr>
@@ -3328,7 +3328,7 @@
           </a:ln>
           <a:extLst>
             <a:ext uri="{C572A759-6A51-4108-AA02-DFA0A04FC94B}">
-              <ma14:wrappingTextBoxFlag xmlns:ma14="http://schemas.microsoft.com/office/mac/drawingml/2011/main" xmlns="" val="1"/>
+              <ma14:wrappingTextBoxFlag xmlns="" xmlns:ma14="http://schemas.microsoft.com/office/mac/drawingml/2011/main" val="1"/>
             </a:ext>
           </a:extLst>
         </p:spPr>
@@ -3377,7 +3377,7 @@
           </a:ln>
           <a:extLst>
             <a:ext uri="{C572A759-6A51-4108-AA02-DFA0A04FC94B}">
-              <ma14:wrappingTextBoxFlag xmlns:ma14="http://schemas.microsoft.com/office/mac/drawingml/2011/main" xmlns="" val="1"/>
+              <ma14:wrappingTextBoxFlag xmlns="" xmlns:ma14="http://schemas.microsoft.com/office/mac/drawingml/2011/main" val="1"/>
             </a:ext>
           </a:extLst>
         </p:spPr>
@@ -7878,7 +7878,7 @@
               </a:ln>
               <a:extLst>
                 <a:ext uri="{C572A759-6A51-4108-AA02-DFA0A04FC94B}">
-                  <ma14:wrappingTextBoxFlag xmlns="" xmlns:ma14="http://schemas.microsoft.com/office/mac/drawingml/2011/main" val="1"/>
+                  <ma14:wrappingTextBoxFlag xmlns:ma14="http://schemas.microsoft.com/office/mac/drawingml/2011/main" xmlns="" val="1"/>
                 </a:ext>
               </a:extLst>
             </p:spPr>
@@ -7948,7 +7948,7 @@
               </a:ln>
               <a:extLst>
                 <a:ext uri="{C572A759-6A51-4108-AA02-DFA0A04FC94B}">
-                  <ma14:wrappingTextBoxFlag xmlns="" xmlns:ma14="http://schemas.microsoft.com/office/mac/drawingml/2011/main" val="1"/>
+                  <ma14:wrappingTextBoxFlag xmlns:ma14="http://schemas.microsoft.com/office/mac/drawingml/2011/main" xmlns="" val="1"/>
                 </a:ext>
               </a:extLst>
             </p:spPr>
@@ -8018,7 +8018,7 @@
               </a:ln>
               <a:extLst>
                 <a:ext uri="{C572A759-6A51-4108-AA02-DFA0A04FC94B}">
-                  <ma14:wrappingTextBoxFlag xmlns="" xmlns:ma14="http://schemas.microsoft.com/office/mac/drawingml/2011/main" val="1"/>
+                  <ma14:wrappingTextBoxFlag xmlns:ma14="http://schemas.microsoft.com/office/mac/drawingml/2011/main" xmlns="" val="1"/>
                 </a:ext>
               </a:extLst>
             </p:spPr>
@@ -8088,7 +8088,7 @@
               </a:ln>
               <a:extLst>
                 <a:ext uri="{C572A759-6A51-4108-AA02-DFA0A04FC94B}">
-                  <ma14:wrappingTextBoxFlag xmlns="" xmlns:ma14="http://schemas.microsoft.com/office/mac/drawingml/2011/main" val="1"/>
+                  <ma14:wrappingTextBoxFlag xmlns:ma14="http://schemas.microsoft.com/office/mac/drawingml/2011/main" xmlns="" val="1"/>
                 </a:ext>
               </a:extLst>
             </p:spPr>
@@ -8158,7 +8158,7 @@
               </a:ln>
               <a:extLst>
                 <a:ext uri="{C572A759-6A51-4108-AA02-DFA0A04FC94B}">
-                  <ma14:wrappingTextBoxFlag xmlns="" xmlns:ma14="http://schemas.microsoft.com/office/mac/drawingml/2011/main" val="1"/>
+                  <ma14:wrappingTextBoxFlag xmlns:ma14="http://schemas.microsoft.com/office/mac/drawingml/2011/main" xmlns="" val="1"/>
                 </a:ext>
               </a:extLst>
             </p:spPr>
@@ -8228,7 +8228,7 @@
               </a:ln>
               <a:extLst>
                 <a:ext uri="{C572A759-6A51-4108-AA02-DFA0A04FC94B}">
-                  <ma14:wrappingTextBoxFlag xmlns="" xmlns:ma14="http://schemas.microsoft.com/office/mac/drawingml/2011/main" val="1"/>
+                  <ma14:wrappingTextBoxFlag xmlns:ma14="http://schemas.microsoft.com/office/mac/drawingml/2011/main" xmlns="" val="1"/>
                 </a:ext>
               </a:extLst>
             </p:spPr>
@@ -8298,7 +8298,7 @@
               </a:ln>
               <a:extLst>
                 <a:ext uri="{C572A759-6A51-4108-AA02-DFA0A04FC94B}">
-                  <ma14:wrappingTextBoxFlag xmlns="" xmlns:ma14="http://schemas.microsoft.com/office/mac/drawingml/2011/main" val="1"/>
+                  <ma14:wrappingTextBoxFlag xmlns:ma14="http://schemas.microsoft.com/office/mac/drawingml/2011/main" xmlns="" val="1"/>
                 </a:ext>
               </a:extLst>
             </p:spPr>
@@ -8368,7 +8368,7 @@
               </a:ln>
               <a:extLst>
                 <a:ext uri="{C572A759-6A51-4108-AA02-DFA0A04FC94B}">
-                  <ma14:wrappingTextBoxFlag xmlns="" xmlns:ma14="http://schemas.microsoft.com/office/mac/drawingml/2011/main" val="1"/>
+                  <ma14:wrappingTextBoxFlag xmlns:ma14="http://schemas.microsoft.com/office/mac/drawingml/2011/main" xmlns="" val="1"/>
                 </a:ext>
               </a:extLst>
             </p:spPr>
@@ -8438,7 +8438,7 @@
               </a:ln>
               <a:extLst>
                 <a:ext uri="{C572A759-6A51-4108-AA02-DFA0A04FC94B}">
-                  <ma14:wrappingTextBoxFlag xmlns="" xmlns:ma14="http://schemas.microsoft.com/office/mac/drawingml/2011/main" val="1"/>
+                  <ma14:wrappingTextBoxFlag xmlns:ma14="http://schemas.microsoft.com/office/mac/drawingml/2011/main" xmlns="" val="1"/>
                 </a:ext>
               </a:extLst>
             </p:spPr>
@@ -8508,7 +8508,7 @@
               </a:ln>
               <a:extLst>
                 <a:ext uri="{C572A759-6A51-4108-AA02-DFA0A04FC94B}">
-                  <ma14:wrappingTextBoxFlag xmlns="" xmlns:ma14="http://schemas.microsoft.com/office/mac/drawingml/2011/main" val="1"/>
+                  <ma14:wrappingTextBoxFlag xmlns:ma14="http://schemas.microsoft.com/office/mac/drawingml/2011/main" xmlns="" val="1"/>
                 </a:ext>
               </a:extLst>
             </p:spPr>
@@ -8578,7 +8578,7 @@
               </a:ln>
               <a:extLst>
                 <a:ext uri="{C572A759-6A51-4108-AA02-DFA0A04FC94B}">
-                  <ma14:wrappingTextBoxFlag xmlns="" xmlns:ma14="http://schemas.microsoft.com/office/mac/drawingml/2011/main" val="1"/>
+                  <ma14:wrappingTextBoxFlag xmlns:ma14="http://schemas.microsoft.com/office/mac/drawingml/2011/main" xmlns="" val="1"/>
                 </a:ext>
               </a:extLst>
             </p:spPr>
@@ -8648,7 +8648,7 @@
               </a:ln>
               <a:extLst>
                 <a:ext uri="{C572A759-6A51-4108-AA02-DFA0A04FC94B}">
-                  <ma14:wrappingTextBoxFlag xmlns="" xmlns:ma14="http://schemas.microsoft.com/office/mac/drawingml/2011/main" val="1"/>
+                  <ma14:wrappingTextBoxFlag xmlns:ma14="http://schemas.microsoft.com/office/mac/drawingml/2011/main" xmlns="" val="1"/>
                 </a:ext>
               </a:extLst>
             </p:spPr>
@@ -8735,7 +8735,7 @@
               </a:ln>
               <a:extLst>
                 <a:ext uri="{C572A759-6A51-4108-AA02-DFA0A04FC94B}">
-                  <ma14:wrappingTextBoxFlag xmlns="" xmlns:ma14="http://schemas.microsoft.com/office/mac/drawingml/2011/main" val="1"/>
+                  <ma14:wrappingTextBoxFlag xmlns:ma14="http://schemas.microsoft.com/office/mac/drawingml/2011/main" xmlns="" val="1"/>
                 </a:ext>
               </a:extLst>
             </p:spPr>
@@ -8805,7 +8805,7 @@
               </a:ln>
               <a:extLst>
                 <a:ext uri="{C572A759-6A51-4108-AA02-DFA0A04FC94B}">
-                  <ma14:wrappingTextBoxFlag xmlns="" xmlns:ma14="http://schemas.microsoft.com/office/mac/drawingml/2011/main" val="1"/>
+                  <ma14:wrappingTextBoxFlag xmlns:ma14="http://schemas.microsoft.com/office/mac/drawingml/2011/main" xmlns="" val="1"/>
                 </a:ext>
               </a:extLst>
             </p:spPr>
@@ -8875,7 +8875,7 @@
               </a:ln>
               <a:extLst>
                 <a:ext uri="{C572A759-6A51-4108-AA02-DFA0A04FC94B}">
-                  <ma14:wrappingTextBoxFlag xmlns="" xmlns:ma14="http://schemas.microsoft.com/office/mac/drawingml/2011/main" val="1"/>
+                  <ma14:wrappingTextBoxFlag xmlns:ma14="http://schemas.microsoft.com/office/mac/drawingml/2011/main" xmlns="" val="1"/>
                 </a:ext>
               </a:extLst>
             </p:spPr>
@@ -8945,7 +8945,7 @@
               </a:ln>
               <a:extLst>
                 <a:ext uri="{C572A759-6A51-4108-AA02-DFA0A04FC94B}">
-                  <ma14:wrappingTextBoxFlag xmlns="" xmlns:ma14="http://schemas.microsoft.com/office/mac/drawingml/2011/main" val="1"/>
+                  <ma14:wrappingTextBoxFlag xmlns:ma14="http://schemas.microsoft.com/office/mac/drawingml/2011/main" xmlns="" val="1"/>
                 </a:ext>
               </a:extLst>
             </p:spPr>
@@ -9015,7 +9015,7 @@
               </a:ln>
               <a:extLst>
                 <a:ext uri="{C572A759-6A51-4108-AA02-DFA0A04FC94B}">
-                  <ma14:wrappingTextBoxFlag xmlns="" xmlns:ma14="http://schemas.microsoft.com/office/mac/drawingml/2011/main" val="1"/>
+                  <ma14:wrappingTextBoxFlag xmlns:ma14="http://schemas.microsoft.com/office/mac/drawingml/2011/main" xmlns="" val="1"/>
                 </a:ext>
               </a:extLst>
             </p:spPr>
@@ -9085,7 +9085,7 @@
               </a:ln>
               <a:extLst>
                 <a:ext uri="{C572A759-6A51-4108-AA02-DFA0A04FC94B}">
-                  <ma14:wrappingTextBoxFlag xmlns="" xmlns:ma14="http://schemas.microsoft.com/office/mac/drawingml/2011/main" val="1"/>
+                  <ma14:wrappingTextBoxFlag xmlns:ma14="http://schemas.microsoft.com/office/mac/drawingml/2011/main" xmlns="" val="1"/>
                 </a:ext>
               </a:extLst>
             </p:spPr>
@@ -9155,7 +9155,7 @@
               </a:ln>
               <a:extLst>
                 <a:ext uri="{C572A759-6A51-4108-AA02-DFA0A04FC94B}">
-                  <ma14:wrappingTextBoxFlag xmlns="" xmlns:ma14="http://schemas.microsoft.com/office/mac/drawingml/2011/main" val="1"/>
+                  <ma14:wrappingTextBoxFlag xmlns:ma14="http://schemas.microsoft.com/office/mac/drawingml/2011/main" xmlns="" val="1"/>
                 </a:ext>
               </a:extLst>
             </p:spPr>
@@ -9225,7 +9225,7 @@
               </a:ln>
               <a:extLst>
                 <a:ext uri="{C572A759-6A51-4108-AA02-DFA0A04FC94B}">
-                  <ma14:wrappingTextBoxFlag xmlns="" xmlns:ma14="http://schemas.microsoft.com/office/mac/drawingml/2011/main" val="1"/>
+                  <ma14:wrappingTextBoxFlag xmlns:ma14="http://schemas.microsoft.com/office/mac/drawingml/2011/main" xmlns="" val="1"/>
                 </a:ext>
               </a:extLst>
             </p:spPr>
@@ -9295,7 +9295,7 @@
               </a:ln>
               <a:extLst>
                 <a:ext uri="{C572A759-6A51-4108-AA02-DFA0A04FC94B}">
-                  <ma14:wrappingTextBoxFlag xmlns="" xmlns:ma14="http://schemas.microsoft.com/office/mac/drawingml/2011/main" val="1"/>
+                  <ma14:wrappingTextBoxFlag xmlns:ma14="http://schemas.microsoft.com/office/mac/drawingml/2011/main" xmlns="" val="1"/>
                 </a:ext>
               </a:extLst>
             </p:spPr>
@@ -9365,7 +9365,7 @@
               </a:ln>
               <a:extLst>
                 <a:ext uri="{C572A759-6A51-4108-AA02-DFA0A04FC94B}">
-                  <ma14:wrappingTextBoxFlag xmlns="" xmlns:ma14="http://schemas.microsoft.com/office/mac/drawingml/2011/main" val="1"/>
+                  <ma14:wrappingTextBoxFlag xmlns:ma14="http://schemas.microsoft.com/office/mac/drawingml/2011/main" xmlns="" val="1"/>
                 </a:ext>
               </a:extLst>
             </p:spPr>
@@ -9435,7 +9435,7 @@
               </a:ln>
               <a:extLst>
                 <a:ext uri="{C572A759-6A51-4108-AA02-DFA0A04FC94B}">
-                  <ma14:wrappingTextBoxFlag xmlns="" xmlns:ma14="http://schemas.microsoft.com/office/mac/drawingml/2011/main" val="1"/>
+                  <ma14:wrappingTextBoxFlag xmlns:ma14="http://schemas.microsoft.com/office/mac/drawingml/2011/main" xmlns="" val="1"/>
                 </a:ext>
               </a:extLst>
             </p:spPr>
@@ -9505,7 +9505,7 @@
               </a:ln>
               <a:extLst>
                 <a:ext uri="{C572A759-6A51-4108-AA02-DFA0A04FC94B}">
-                  <ma14:wrappingTextBoxFlag xmlns="" xmlns:ma14="http://schemas.microsoft.com/office/mac/drawingml/2011/main" val="1"/>
+                  <ma14:wrappingTextBoxFlag xmlns:ma14="http://schemas.microsoft.com/office/mac/drawingml/2011/main" xmlns="" val="1"/>
                 </a:ext>
               </a:extLst>
             </p:spPr>
@@ -9575,7 +9575,7 @@
               </a:ln>
               <a:extLst>
                 <a:ext uri="{C572A759-6A51-4108-AA02-DFA0A04FC94B}">
-                  <ma14:wrappingTextBoxFlag xmlns="" xmlns:ma14="http://schemas.microsoft.com/office/mac/drawingml/2011/main" val="1"/>
+                  <ma14:wrappingTextBoxFlag xmlns:ma14="http://schemas.microsoft.com/office/mac/drawingml/2011/main" xmlns="" val="1"/>
                 </a:ext>
               </a:extLst>
             </p:spPr>
@@ -9645,7 +9645,7 @@
               </a:ln>
               <a:extLst>
                 <a:ext uri="{C572A759-6A51-4108-AA02-DFA0A04FC94B}">
-                  <ma14:wrappingTextBoxFlag xmlns="" xmlns:ma14="http://schemas.microsoft.com/office/mac/drawingml/2011/main" val="1"/>
+                  <ma14:wrappingTextBoxFlag xmlns:ma14="http://schemas.microsoft.com/office/mac/drawingml/2011/main" xmlns="" val="1"/>
                 </a:ext>
               </a:extLst>
             </p:spPr>
@@ -9715,7 +9715,7 @@
               </a:ln>
               <a:extLst>
                 <a:ext uri="{C572A759-6A51-4108-AA02-DFA0A04FC94B}">
-                  <ma14:wrappingTextBoxFlag xmlns="" xmlns:ma14="http://schemas.microsoft.com/office/mac/drawingml/2011/main" val="1"/>
+                  <ma14:wrappingTextBoxFlag xmlns:ma14="http://schemas.microsoft.com/office/mac/drawingml/2011/main" xmlns="" val="1"/>
                 </a:ext>
               </a:extLst>
             </p:spPr>
@@ -9785,7 +9785,7 @@
               </a:ln>
               <a:extLst>
                 <a:ext uri="{C572A759-6A51-4108-AA02-DFA0A04FC94B}">
-                  <ma14:wrappingTextBoxFlag xmlns="" xmlns:ma14="http://schemas.microsoft.com/office/mac/drawingml/2011/main" val="1"/>
+                  <ma14:wrappingTextBoxFlag xmlns:ma14="http://schemas.microsoft.com/office/mac/drawingml/2011/main" xmlns="" val="1"/>
                 </a:ext>
               </a:extLst>
             </p:spPr>
@@ -9855,7 +9855,7 @@
               </a:ln>
               <a:extLst>
                 <a:ext uri="{C572A759-6A51-4108-AA02-DFA0A04FC94B}">
-                  <ma14:wrappingTextBoxFlag xmlns="" xmlns:ma14="http://schemas.microsoft.com/office/mac/drawingml/2011/main" val="1"/>
+                  <ma14:wrappingTextBoxFlag xmlns:ma14="http://schemas.microsoft.com/office/mac/drawingml/2011/main" xmlns="" val="1"/>
                 </a:ext>
               </a:extLst>
             </p:spPr>
@@ -10101,7 +10101,7 @@
             </a:ln>
             <a:extLst>
               <a:ext uri="{C572A759-6A51-4108-AA02-DFA0A04FC94B}">
-                <ma14:wrappingTextBoxFlag xmlns="" xmlns:ma14="http://schemas.microsoft.com/office/mac/drawingml/2011/main" val="1"/>
+                <ma14:wrappingTextBoxFlag xmlns:ma14="http://schemas.microsoft.com/office/mac/drawingml/2011/main" xmlns="" val="1"/>
               </a:ext>
             </a:extLst>
           </p:spPr>
@@ -14714,154 +14714,6 @@
           </p:spPr>
         </p:pic>
       </p:grpSp>
-      <p:grpSp>
-        <p:nvGrpSpPr>
-          <p:cNvPr id="138" name="Group 137">
-            <a:extLst>
-              <a:ext uri="{FF2B5EF4-FFF2-40B4-BE49-F238E27FC236}">
-                <a16:creationId xmlns:a16="http://schemas.microsoft.com/office/drawing/2014/main" id="{4B3DF0E6-E362-6B47-9EE0-42C2CF6A00AB}"/>
-              </a:ext>
-            </a:extLst>
-          </p:cNvPr>
-          <p:cNvGrpSpPr/>
-          <p:nvPr/>
-        </p:nvGrpSpPr>
-        <p:grpSpPr>
-          <a:xfrm>
-            <a:off x="5508675" y="5225954"/>
-            <a:ext cx="539496" cy="502920"/>
-            <a:chOff x="7609623" y="4471311"/>
-            <a:chExt cx="707233" cy="707233"/>
-          </a:xfrm>
-        </p:grpSpPr>
-        <p:sp>
-          <p:nvSpPr>
-            <p:cNvPr id="139" name="Shape 482">
-              <a:extLst>
-                <a:ext uri="{FF2B5EF4-FFF2-40B4-BE49-F238E27FC236}">
-                  <a16:creationId xmlns:a16="http://schemas.microsoft.com/office/drawing/2014/main" id="{5A1D3D64-050F-A147-A20E-98F03D8301CB}"/>
-                </a:ext>
-              </a:extLst>
-            </p:cNvPr>
-            <p:cNvSpPr/>
-            <p:nvPr/>
-          </p:nvSpPr>
-          <p:spPr>
-            <a:xfrm>
-              <a:off x="7609623" y="4471311"/>
-              <a:ext cx="707233" cy="707233"/>
-            </a:xfrm>
-            <a:custGeom>
-              <a:avLst/>
-              <a:gdLst/>
-              <a:ahLst/>
-              <a:cxnLst>
-                <a:cxn ang="0">
-                  <a:pos x="wd2" y="hd2"/>
-                </a:cxn>
-                <a:cxn ang="5400000">
-                  <a:pos x="wd2" y="hd2"/>
-                </a:cxn>
-                <a:cxn ang="10800000">
-                  <a:pos x="wd2" y="hd2"/>
-                </a:cxn>
-                <a:cxn ang="16200000">
-                  <a:pos x="wd2" y="hd2"/>
-                </a:cxn>
-              </a:cxnLst>
-              <a:rect l="0" t="0" r="r" b="b"/>
-              <a:pathLst>
-                <a:path w="19679" h="19679" extrusionOk="0">
-                  <a:moveTo>
-                    <a:pt x="16796" y="2882"/>
-                  </a:moveTo>
-                  <a:cubicBezTo>
-                    <a:pt x="20639" y="6724"/>
-                    <a:pt x="20639" y="12954"/>
-                    <a:pt x="16796" y="16796"/>
-                  </a:cubicBezTo>
-                  <a:cubicBezTo>
-                    <a:pt x="12954" y="20639"/>
-                    <a:pt x="6724" y="20639"/>
-                    <a:pt x="2882" y="16796"/>
-                  </a:cubicBezTo>
-                  <a:cubicBezTo>
-                    <a:pt x="-961" y="12954"/>
-                    <a:pt x="-961" y="6724"/>
-                    <a:pt x="2882" y="2882"/>
-                  </a:cubicBezTo>
-                  <a:cubicBezTo>
-                    <a:pt x="6724" y="-961"/>
-                    <a:pt x="12954" y="-961"/>
-                    <a:pt x="16796" y="2882"/>
-                  </a:cubicBezTo>
-                  <a:close/>
-                </a:path>
-              </a:pathLst>
-            </a:custGeom>
-            <a:solidFill>
-              <a:srgbClr val="E42233"/>
-            </a:solidFill>
-            <a:ln w="3175" cap="flat">
-              <a:noFill/>
-              <a:miter lim="400000"/>
-            </a:ln>
-            <a:effectLst/>
-          </p:spPr>
-          <p:txBody>
-            <a:bodyPr wrap="square" lIns="0" tIns="0" rIns="0" bIns="0" numCol="1" anchor="ctr">
-              <a:noAutofit/>
-            </a:bodyPr>
-            <a:lstStyle/>
-            <a:p>
-              <a:pPr lvl="0">
-                <a:defRPr sz="1800">
-                  <a:solidFill>
-                    <a:srgbClr val="FFFFFF"/>
-                  </a:solidFill>
-                </a:defRPr>
-              </a:pPr>
-              <a:endParaRPr/>
-            </a:p>
-          </p:txBody>
-        </p:sp>
-        <p:pic>
-          <p:nvPicPr>
-            <p:cNvPr id="140" name="Picture 139">
-              <a:extLst>
-                <a:ext uri="{FF2B5EF4-FFF2-40B4-BE49-F238E27FC236}">
-                  <a16:creationId xmlns:a16="http://schemas.microsoft.com/office/drawing/2014/main" id="{50DA0DAD-CC00-AC43-8A83-EC6FA7734755}"/>
-                </a:ext>
-              </a:extLst>
-            </p:cNvPr>
-            <p:cNvPicPr>
-              <a:picLocks noChangeAspect="1"/>
-            </p:cNvPicPr>
-            <p:nvPr/>
-          </p:nvPicPr>
-          <p:blipFill>
-            <a:blip r:embed="rId19">
-              <a:extLst>
-                <a:ext uri="{28A0092B-C50C-407E-A947-70E740481C1C}">
-                  <a14:useLocalDpi xmlns:a14="http://schemas.microsoft.com/office/drawing/2010/main" val="0"/>
-                </a:ext>
-              </a:extLst>
-            </a:blip>
-            <a:stretch>
-              <a:fillRect/>
-            </a:stretch>
-          </p:blipFill>
-          <p:spPr>
-            <a:xfrm>
-              <a:off x="7682627" y="4519011"/>
-              <a:ext cx="573220" cy="588305"/>
-            </a:xfrm>
-            <a:prstGeom prst="rect">
-              <a:avLst/>
-            </a:prstGeom>
-          </p:spPr>
-        </p:pic>
-      </p:grpSp>
       <p:cxnSp>
         <p:nvCxnSpPr>
           <p:cNvPr id="150" name="Elbow Connector 149">
@@ -15248,154 +15100,6 @@
       </p:cxnSp>
       <p:grpSp>
         <p:nvGrpSpPr>
-          <p:cNvPr id="161" name="Group 160">
-            <a:extLst>
-              <a:ext uri="{FF2B5EF4-FFF2-40B4-BE49-F238E27FC236}">
-                <a16:creationId xmlns:a16="http://schemas.microsoft.com/office/drawing/2014/main" id="{93C743A1-69B4-F64E-8F57-07980E52F965}"/>
-              </a:ext>
-            </a:extLst>
-          </p:cNvPr>
-          <p:cNvGrpSpPr/>
-          <p:nvPr/>
-        </p:nvGrpSpPr>
-        <p:grpSpPr>
-          <a:xfrm>
-            <a:off x="6531113" y="5214052"/>
-            <a:ext cx="539496" cy="502920"/>
-            <a:chOff x="7609623" y="4471311"/>
-            <a:chExt cx="707233" cy="707233"/>
-          </a:xfrm>
-        </p:grpSpPr>
-        <p:sp>
-          <p:nvSpPr>
-            <p:cNvPr id="162" name="Shape 482">
-              <a:extLst>
-                <a:ext uri="{FF2B5EF4-FFF2-40B4-BE49-F238E27FC236}">
-                  <a16:creationId xmlns:a16="http://schemas.microsoft.com/office/drawing/2014/main" id="{941DBF08-DFC6-1A4D-999A-85F2DF34444E}"/>
-                </a:ext>
-              </a:extLst>
-            </p:cNvPr>
-            <p:cNvSpPr/>
-            <p:nvPr/>
-          </p:nvSpPr>
-          <p:spPr>
-            <a:xfrm>
-              <a:off x="7609623" y="4471311"/>
-              <a:ext cx="707233" cy="707233"/>
-            </a:xfrm>
-            <a:custGeom>
-              <a:avLst/>
-              <a:gdLst/>
-              <a:ahLst/>
-              <a:cxnLst>
-                <a:cxn ang="0">
-                  <a:pos x="wd2" y="hd2"/>
-                </a:cxn>
-                <a:cxn ang="5400000">
-                  <a:pos x="wd2" y="hd2"/>
-                </a:cxn>
-                <a:cxn ang="10800000">
-                  <a:pos x="wd2" y="hd2"/>
-                </a:cxn>
-                <a:cxn ang="16200000">
-                  <a:pos x="wd2" y="hd2"/>
-                </a:cxn>
-              </a:cxnLst>
-              <a:rect l="0" t="0" r="r" b="b"/>
-              <a:pathLst>
-                <a:path w="19679" h="19679" extrusionOk="0">
-                  <a:moveTo>
-                    <a:pt x="16796" y="2882"/>
-                  </a:moveTo>
-                  <a:cubicBezTo>
-                    <a:pt x="20639" y="6724"/>
-                    <a:pt x="20639" y="12954"/>
-                    <a:pt x="16796" y="16796"/>
-                  </a:cubicBezTo>
-                  <a:cubicBezTo>
-                    <a:pt x="12954" y="20639"/>
-                    <a:pt x="6724" y="20639"/>
-                    <a:pt x="2882" y="16796"/>
-                  </a:cubicBezTo>
-                  <a:cubicBezTo>
-                    <a:pt x="-961" y="12954"/>
-                    <a:pt x="-961" y="6724"/>
-                    <a:pt x="2882" y="2882"/>
-                  </a:cubicBezTo>
-                  <a:cubicBezTo>
-                    <a:pt x="6724" y="-961"/>
-                    <a:pt x="12954" y="-961"/>
-                    <a:pt x="16796" y="2882"/>
-                  </a:cubicBezTo>
-                  <a:close/>
-                </a:path>
-              </a:pathLst>
-            </a:custGeom>
-            <a:solidFill>
-              <a:srgbClr val="E42233"/>
-            </a:solidFill>
-            <a:ln w="3175" cap="flat">
-              <a:noFill/>
-              <a:miter lim="400000"/>
-            </a:ln>
-            <a:effectLst/>
-          </p:spPr>
-          <p:txBody>
-            <a:bodyPr wrap="square" lIns="0" tIns="0" rIns="0" bIns="0" numCol="1" anchor="ctr">
-              <a:noAutofit/>
-            </a:bodyPr>
-            <a:lstStyle/>
-            <a:p>
-              <a:pPr lvl="0">
-                <a:defRPr sz="1800">
-                  <a:solidFill>
-                    <a:srgbClr val="FFFFFF"/>
-                  </a:solidFill>
-                </a:defRPr>
-              </a:pPr>
-              <a:endParaRPr/>
-            </a:p>
-          </p:txBody>
-        </p:sp>
-        <p:pic>
-          <p:nvPicPr>
-            <p:cNvPr id="163" name="Picture 162">
-              <a:extLst>
-                <a:ext uri="{FF2B5EF4-FFF2-40B4-BE49-F238E27FC236}">
-                  <a16:creationId xmlns:a16="http://schemas.microsoft.com/office/drawing/2014/main" id="{5ADDC258-7CAE-1441-970C-55C023484112}"/>
-                </a:ext>
-              </a:extLst>
-            </p:cNvPr>
-            <p:cNvPicPr>
-              <a:picLocks noChangeAspect="1"/>
-            </p:cNvPicPr>
-            <p:nvPr/>
-          </p:nvPicPr>
-          <p:blipFill>
-            <a:blip r:embed="rId19">
-              <a:extLst>
-                <a:ext uri="{28A0092B-C50C-407E-A947-70E740481C1C}">
-                  <a14:useLocalDpi xmlns:a14="http://schemas.microsoft.com/office/drawing/2010/main" val="0"/>
-                </a:ext>
-              </a:extLst>
-            </a:blip>
-            <a:stretch>
-              <a:fillRect/>
-            </a:stretch>
-          </p:blipFill>
-          <p:spPr>
-            <a:xfrm>
-              <a:off x="7682626" y="4519013"/>
-              <a:ext cx="573220" cy="588305"/>
-            </a:xfrm>
-            <a:prstGeom prst="rect">
-              <a:avLst/>
-            </a:prstGeom>
-          </p:spPr>
-        </p:pic>
-      </p:grpSp>
-      <p:grpSp>
-        <p:nvGrpSpPr>
           <p:cNvPr id="3" name="Group 2">
             <a:extLst>
               <a:ext uri="{FF2B5EF4-FFF2-40B4-BE49-F238E27FC236}">
@@ -15439,7 +15143,7 @@
             </a:ln>
             <a:extLst>
               <a:ext uri="{C572A759-6A51-4108-AA02-DFA0A04FC94B}">
-                <ma14:wrappingTextBoxFlag xmlns="" xmlns:ma14="http://schemas.microsoft.com/office/mac/drawingml/2011/main" val="1"/>
+                <ma14:wrappingTextBoxFlag xmlns:ma14="http://schemas.microsoft.com/office/mac/drawingml/2011/main" xmlns="" val="1"/>
               </a:ext>
             </a:extLst>
           </p:spPr>
@@ -15509,7 +15213,7 @@
             </a:ln>
             <a:extLst>
               <a:ext uri="{C572A759-6A51-4108-AA02-DFA0A04FC94B}">
-                <ma14:wrappingTextBoxFlag xmlns="" xmlns:ma14="http://schemas.microsoft.com/office/mac/drawingml/2011/main" val="1"/>
+                <ma14:wrappingTextBoxFlag xmlns:ma14="http://schemas.microsoft.com/office/mac/drawingml/2011/main" xmlns="" val="1"/>
               </a:ext>
             </a:extLst>
           </p:spPr>
@@ -15579,7 +15283,7 @@
             </a:ln>
             <a:extLst>
               <a:ext uri="{C572A759-6A51-4108-AA02-DFA0A04FC94B}">
-                <ma14:wrappingTextBoxFlag xmlns="" xmlns:ma14="http://schemas.microsoft.com/office/mac/drawingml/2011/main" val="1"/>
+                <ma14:wrappingTextBoxFlag xmlns:ma14="http://schemas.microsoft.com/office/mac/drawingml/2011/main" xmlns="" val="1"/>
               </a:ext>
             </a:extLst>
           </p:spPr>
@@ -15666,7 +15370,7 @@
             </a:ln>
             <a:extLst>
               <a:ext uri="{C572A759-6A51-4108-AA02-DFA0A04FC94B}">
-                <ma14:wrappingTextBoxFlag xmlns="" xmlns:ma14="http://schemas.microsoft.com/office/mac/drawingml/2011/main" val="1"/>
+                <ma14:wrappingTextBoxFlag xmlns:ma14="http://schemas.microsoft.com/office/mac/drawingml/2011/main" xmlns="" val="1"/>
               </a:ext>
             </a:extLst>
           </p:spPr>
@@ -15753,7 +15457,7 @@
             </a:ln>
             <a:extLst>
               <a:ext uri="{C572A759-6A51-4108-AA02-DFA0A04FC94B}">
-                <ma14:wrappingTextBoxFlag xmlns="" xmlns:ma14="http://schemas.microsoft.com/office/mac/drawingml/2011/main" val="1"/>
+                <ma14:wrappingTextBoxFlag xmlns:ma14="http://schemas.microsoft.com/office/mac/drawingml/2011/main" xmlns="" val="1"/>
               </a:ext>
             </a:extLst>
           </p:spPr>
@@ -15840,7 +15544,7 @@
             </a:ln>
             <a:extLst>
               <a:ext uri="{C572A759-6A51-4108-AA02-DFA0A04FC94B}">
-                <ma14:wrappingTextBoxFlag xmlns="" xmlns:ma14="http://schemas.microsoft.com/office/mac/drawingml/2011/main" val="1"/>
+                <ma14:wrappingTextBoxFlag xmlns:ma14="http://schemas.microsoft.com/office/mac/drawingml/2011/main" xmlns="" val="1"/>
               </a:ext>
             </a:extLst>
           </p:spPr>
@@ -15927,7 +15631,7 @@
             </a:ln>
             <a:extLst>
               <a:ext uri="{C572A759-6A51-4108-AA02-DFA0A04FC94B}">
-                <ma14:wrappingTextBoxFlag xmlns="" xmlns:ma14="http://schemas.microsoft.com/office/mac/drawingml/2011/main" val="1"/>
+                <ma14:wrappingTextBoxFlag xmlns:ma14="http://schemas.microsoft.com/office/mac/drawingml/2011/main" xmlns="" val="1"/>
               </a:ext>
             </a:extLst>
           </p:spPr>
@@ -16014,7 +15718,7 @@
             </a:ln>
             <a:extLst>
               <a:ext uri="{C572A759-6A51-4108-AA02-DFA0A04FC94B}">
-                <ma14:wrappingTextBoxFlag xmlns="" xmlns:ma14="http://schemas.microsoft.com/office/mac/drawingml/2011/main" val="1"/>
+                <ma14:wrappingTextBoxFlag xmlns:ma14="http://schemas.microsoft.com/office/mac/drawingml/2011/main" xmlns="" val="1"/>
               </a:ext>
             </a:extLst>
           </p:spPr>
@@ -16101,7 +15805,7 @@
             </a:ln>
             <a:extLst>
               <a:ext uri="{C572A759-6A51-4108-AA02-DFA0A04FC94B}">
-                <ma14:wrappingTextBoxFlag xmlns="" xmlns:ma14="http://schemas.microsoft.com/office/mac/drawingml/2011/main" val="1"/>
+                <ma14:wrappingTextBoxFlag xmlns:ma14="http://schemas.microsoft.com/office/mac/drawingml/2011/main" xmlns="" val="1"/>
               </a:ext>
             </a:extLst>
           </p:spPr>
@@ -16171,7 +15875,7 @@
             </a:ln>
             <a:extLst>
               <a:ext uri="{C572A759-6A51-4108-AA02-DFA0A04FC94B}">
-                <ma14:wrappingTextBoxFlag xmlns="" xmlns:ma14="http://schemas.microsoft.com/office/mac/drawingml/2011/main" val="1"/>
+                <ma14:wrappingTextBoxFlag xmlns:ma14="http://schemas.microsoft.com/office/mac/drawingml/2011/main" xmlns="" val="1"/>
               </a:ext>
             </a:extLst>
           </p:spPr>
@@ -16258,7 +15962,7 @@
             </a:ln>
             <a:extLst>
               <a:ext uri="{C572A759-6A51-4108-AA02-DFA0A04FC94B}">
-                <ma14:wrappingTextBoxFlag xmlns="" xmlns:ma14="http://schemas.microsoft.com/office/mac/drawingml/2011/main" val="1"/>
+                <ma14:wrappingTextBoxFlag xmlns:ma14="http://schemas.microsoft.com/office/mac/drawingml/2011/main" xmlns="" val="1"/>
               </a:ext>
             </a:extLst>
           </p:spPr>
@@ -16328,7 +16032,7 @@
             </a:ln>
             <a:extLst>
               <a:ext uri="{C572A759-6A51-4108-AA02-DFA0A04FC94B}">
-                <ma14:wrappingTextBoxFlag xmlns="" xmlns:ma14="http://schemas.microsoft.com/office/mac/drawingml/2011/main" val="1"/>
+                <ma14:wrappingTextBoxFlag xmlns:ma14="http://schemas.microsoft.com/office/mac/drawingml/2011/main" xmlns="" val="1"/>
               </a:ext>
             </a:extLst>
           </p:spPr>
@@ -16398,7 +16102,7 @@
             </a:ln>
             <a:extLst>
               <a:ext uri="{C572A759-6A51-4108-AA02-DFA0A04FC94B}">
-                <ma14:wrappingTextBoxFlag xmlns="" xmlns:ma14="http://schemas.microsoft.com/office/mac/drawingml/2011/main" val="1"/>
+                <ma14:wrappingTextBoxFlag xmlns:ma14="http://schemas.microsoft.com/office/mac/drawingml/2011/main" xmlns="" val="1"/>
               </a:ext>
             </a:extLst>
           </p:spPr>
@@ -16468,7 +16172,7 @@
             </a:ln>
             <a:extLst>
               <a:ext uri="{C572A759-6A51-4108-AA02-DFA0A04FC94B}">
-                <ma14:wrappingTextBoxFlag xmlns="" xmlns:ma14="http://schemas.microsoft.com/office/mac/drawingml/2011/main" val="1"/>
+                <ma14:wrappingTextBoxFlag xmlns:ma14="http://schemas.microsoft.com/office/mac/drawingml/2011/main" xmlns="" val="1"/>
               </a:ext>
             </a:extLst>
           </p:spPr>
@@ -16538,7 +16242,7 @@
             </a:ln>
             <a:extLst>
               <a:ext uri="{C572A759-6A51-4108-AA02-DFA0A04FC94B}">
-                <ma14:wrappingTextBoxFlag xmlns="" xmlns:ma14="http://schemas.microsoft.com/office/mac/drawingml/2011/main" val="1"/>
+                <ma14:wrappingTextBoxFlag xmlns:ma14="http://schemas.microsoft.com/office/mac/drawingml/2011/main" xmlns="" val="1"/>
               </a:ext>
             </a:extLst>
           </p:spPr>
@@ -16608,7 +16312,7 @@
             </a:ln>
             <a:extLst>
               <a:ext uri="{C572A759-6A51-4108-AA02-DFA0A04FC94B}">
-                <ma14:wrappingTextBoxFlag xmlns="" xmlns:ma14="http://schemas.microsoft.com/office/mac/drawingml/2011/main" val="1"/>
+                <ma14:wrappingTextBoxFlag xmlns:ma14="http://schemas.microsoft.com/office/mac/drawingml/2011/main" xmlns="" val="1"/>
               </a:ext>
             </a:extLst>
           </p:spPr>
@@ -16644,146 +16348,6 @@
                   </a:solidFill>
                 </a:rPr>
                 <a:t>USER KEYS</a:t>
-              </a:r>
-              <a:endParaRPr sz="1000" b="1" dirty="0">
-                <a:solidFill>
-                  <a:srgbClr val="4277BB"/>
-                </a:solidFill>
-              </a:endParaRPr>
-            </a:p>
-          </p:txBody>
-        </p:sp>
-        <p:sp>
-          <p:nvSpPr>
-            <p:cNvPr id="242" name="Shape 63">
-              <a:extLst>
-                <a:ext uri="{FF2B5EF4-FFF2-40B4-BE49-F238E27FC236}">
-                  <a16:creationId xmlns:a16="http://schemas.microsoft.com/office/drawing/2014/main" id="{BB98E6BF-9A30-C042-8BE0-FF0409912D56}"/>
-                </a:ext>
-              </a:extLst>
-            </p:cNvPr>
-            <p:cNvSpPr/>
-            <p:nvPr/>
-          </p:nvSpPr>
-          <p:spPr>
-            <a:xfrm>
-              <a:off x="5368482" y="5733378"/>
-              <a:ext cx="804707" cy="153888"/>
-            </a:xfrm>
-            <a:prstGeom prst="rect">
-              <a:avLst/>
-            </a:prstGeom>
-            <a:ln w="3175">
-              <a:miter lim="400000"/>
-            </a:ln>
-            <a:extLst>
-              <a:ext uri="{C572A759-6A51-4108-AA02-DFA0A04FC94B}">
-                <ma14:wrappingTextBoxFlag xmlns="" xmlns:ma14="http://schemas.microsoft.com/office/mac/drawingml/2011/main" val="1"/>
-              </a:ext>
-            </a:extLst>
-          </p:spPr>
-          <p:txBody>
-            <a:bodyPr wrap="none" lIns="0" tIns="0" rIns="0" bIns="0">
-              <a:spAutoFit/>
-            </a:bodyPr>
-            <a:lstStyle>
-              <a:lvl1pPr algn="l">
-                <a:defRPr sz="1000" b="1">
-                  <a:solidFill>
-                    <a:srgbClr val="4277BB"/>
-                  </a:solidFill>
-                  <a:latin typeface="Helvetica"/>
-                  <a:ea typeface="Helvetica"/>
-                  <a:cs typeface="Helvetica"/>
-                  <a:sym typeface="Helvetica"/>
-                </a:defRPr>
-              </a:lvl1pPr>
-            </a:lstStyle>
-            <a:p>
-              <a:pPr lvl="0">
-                <a:defRPr sz="1800" b="0">
-                  <a:solidFill>
-                    <a:srgbClr val="000000"/>
-                  </a:solidFill>
-                </a:defRPr>
-              </a:pPr>
-              <a:r>
-                <a:rPr lang="en-US" sz="1000" b="1" dirty="0">
-                  <a:solidFill>
-                    <a:srgbClr val="4277BB"/>
-                  </a:solidFill>
-                </a:rPr>
-                <a:t>ACL1 RULES</a:t>
-              </a:r>
-              <a:endParaRPr sz="1000" b="1" dirty="0">
-                <a:solidFill>
-                  <a:srgbClr val="4277BB"/>
-                </a:solidFill>
-              </a:endParaRPr>
-            </a:p>
-          </p:txBody>
-        </p:sp>
-        <p:sp>
-          <p:nvSpPr>
-            <p:cNvPr id="244" name="Shape 63">
-              <a:extLst>
-                <a:ext uri="{FF2B5EF4-FFF2-40B4-BE49-F238E27FC236}">
-                  <a16:creationId xmlns:a16="http://schemas.microsoft.com/office/drawing/2014/main" id="{052DCE94-D759-944A-B521-EB6901E42E81}"/>
-                </a:ext>
-              </a:extLst>
-            </p:cNvPr>
-            <p:cNvSpPr/>
-            <p:nvPr/>
-          </p:nvSpPr>
-          <p:spPr>
-            <a:xfrm>
-              <a:off x="6470944" y="5730669"/>
-              <a:ext cx="724557" cy="153888"/>
-            </a:xfrm>
-            <a:prstGeom prst="rect">
-              <a:avLst/>
-            </a:prstGeom>
-            <a:ln w="3175">
-              <a:miter lim="400000"/>
-            </a:ln>
-            <a:extLst>
-              <a:ext uri="{C572A759-6A51-4108-AA02-DFA0A04FC94B}">
-                <ma14:wrappingTextBoxFlag xmlns="" xmlns:ma14="http://schemas.microsoft.com/office/mac/drawingml/2011/main" val="1"/>
-              </a:ext>
-            </a:extLst>
-          </p:spPr>
-          <p:txBody>
-            <a:bodyPr wrap="none" lIns="0" tIns="0" rIns="0" bIns="0">
-              <a:spAutoFit/>
-            </a:bodyPr>
-            <a:lstStyle>
-              <a:lvl1pPr algn="l">
-                <a:defRPr sz="1000" b="1">
-                  <a:solidFill>
-                    <a:srgbClr val="4277BB"/>
-                  </a:solidFill>
-                  <a:latin typeface="Helvetica"/>
-                  <a:ea typeface="Helvetica"/>
-                  <a:cs typeface="Helvetica"/>
-                  <a:sym typeface="Helvetica"/>
-                </a:defRPr>
-              </a:lvl1pPr>
-            </a:lstStyle>
-            <a:p>
-              <a:pPr lvl="0">
-                <a:defRPr sz="1800" b="0">
-                  <a:solidFill>
-                    <a:srgbClr val="000000"/>
-                  </a:solidFill>
-                </a:defRPr>
-              </a:pPr>
-              <a:r>
-                <a:rPr lang="en-US" sz="1000" b="1" dirty="0">
-                  <a:solidFill>
-                    <a:srgbClr val="4277BB"/>
-                  </a:solidFill>
-                </a:rPr>
-                <a:t>SG1 RULES</a:t>
               </a:r>
               <a:endParaRPr sz="1000" b="1" dirty="0">
                 <a:solidFill>
@@ -16818,7 +16382,7 @@
             </a:ln>
             <a:extLst>
               <a:ext uri="{C572A759-6A51-4108-AA02-DFA0A04FC94B}">
-                <ma14:wrappingTextBoxFlag xmlns="" xmlns:ma14="http://schemas.microsoft.com/office/mac/drawingml/2011/main" val="1"/>
+                <ma14:wrappingTextBoxFlag xmlns:ma14="http://schemas.microsoft.com/office/mac/drawingml/2011/main" xmlns="" val="1"/>
               </a:ext>
             </a:extLst>
           </p:spPr>
@@ -16888,7 +16452,7 @@
             </a:ln>
             <a:extLst>
               <a:ext uri="{C572A759-6A51-4108-AA02-DFA0A04FC94B}">
-                <ma14:wrappingTextBoxFlag xmlns="" xmlns:ma14="http://schemas.microsoft.com/office/mac/drawingml/2011/main" val="1"/>
+                <ma14:wrappingTextBoxFlag xmlns:ma14="http://schemas.microsoft.com/office/mac/drawingml/2011/main" xmlns="" val="1"/>
               </a:ext>
             </a:extLst>
           </p:spPr>
@@ -16958,7 +16522,7 @@
             </a:ln>
             <a:extLst>
               <a:ext uri="{C572A759-6A51-4108-AA02-DFA0A04FC94B}">
-                <ma14:wrappingTextBoxFlag xmlns="" xmlns:ma14="http://schemas.microsoft.com/office/mac/drawingml/2011/main" val="1"/>
+                <ma14:wrappingTextBoxFlag xmlns:ma14="http://schemas.microsoft.com/office/mac/drawingml/2011/main" xmlns="" val="1"/>
               </a:ext>
             </a:extLst>
           </p:spPr>
@@ -17028,7 +16592,7 @@
             </a:ln>
             <a:extLst>
               <a:ext uri="{C572A759-6A51-4108-AA02-DFA0A04FC94B}">
-                <ma14:wrappingTextBoxFlag xmlns="" xmlns:ma14="http://schemas.microsoft.com/office/mac/drawingml/2011/main" val="1"/>
+                <ma14:wrappingTextBoxFlag xmlns:ma14="http://schemas.microsoft.com/office/mac/drawingml/2011/main" xmlns="" val="1"/>
               </a:ext>
             </a:extLst>
           </p:spPr>
@@ -17098,7 +16662,7 @@
             </a:ln>
             <a:extLst>
               <a:ext uri="{C572A759-6A51-4108-AA02-DFA0A04FC94B}">
-                <ma14:wrappingTextBoxFlag xmlns="" xmlns:ma14="http://schemas.microsoft.com/office/mac/drawingml/2011/main" val="1"/>
+                <ma14:wrappingTextBoxFlag xmlns:ma14="http://schemas.microsoft.com/office/mac/drawingml/2011/main" xmlns="" val="1"/>
               </a:ext>
             </a:extLst>
           </p:spPr>
@@ -17168,7 +16732,7 @@
             </a:ln>
             <a:extLst>
               <a:ext uri="{C572A759-6A51-4108-AA02-DFA0A04FC94B}">
-                <ma14:wrappingTextBoxFlag xmlns="" xmlns:ma14="http://schemas.microsoft.com/office/mac/drawingml/2011/main" val="1"/>
+                <ma14:wrappingTextBoxFlag xmlns:ma14="http://schemas.microsoft.com/office/mac/drawingml/2011/main" xmlns="" val="1"/>
               </a:ext>
             </a:extLst>
           </p:spPr>
@@ -17238,7 +16802,7 @@
             </a:ln>
             <a:extLst>
               <a:ext uri="{C572A759-6A51-4108-AA02-DFA0A04FC94B}">
-                <ma14:wrappingTextBoxFlag xmlns="" xmlns:ma14="http://schemas.microsoft.com/office/mac/drawingml/2011/main" val="1"/>
+                <ma14:wrappingTextBoxFlag xmlns:ma14="http://schemas.microsoft.com/office/mac/drawingml/2011/main" xmlns="" val="1"/>
               </a:ext>
             </a:extLst>
           </p:spPr>
@@ -17308,7 +16872,7 @@
             </a:ln>
             <a:extLst>
               <a:ext uri="{C572A759-6A51-4108-AA02-DFA0A04FC94B}">
-                <ma14:wrappingTextBoxFlag xmlns="" xmlns:ma14="http://schemas.microsoft.com/office/mac/drawingml/2011/main" val="1"/>
+                <ma14:wrappingTextBoxFlag xmlns:ma14="http://schemas.microsoft.com/office/mac/drawingml/2011/main" xmlns="" val="1"/>
               </a:ext>
             </a:extLst>
           </p:spPr>
@@ -17378,7 +16942,7 @@
             </a:ln>
             <a:extLst>
               <a:ext uri="{C572A759-6A51-4108-AA02-DFA0A04FC94B}">
-                <ma14:wrappingTextBoxFlag xmlns="" xmlns:ma14="http://schemas.microsoft.com/office/mac/drawingml/2011/main" val="1"/>
+                <ma14:wrappingTextBoxFlag xmlns:ma14="http://schemas.microsoft.com/office/mac/drawingml/2011/main" xmlns="" val="1"/>
               </a:ext>
             </a:extLst>
           </p:spPr>
@@ -17448,7 +17012,7 @@
             </a:ln>
             <a:extLst>
               <a:ext uri="{C572A759-6A51-4108-AA02-DFA0A04FC94B}">
-                <ma14:wrappingTextBoxFlag xmlns="" xmlns:ma14="http://schemas.microsoft.com/office/mac/drawingml/2011/main" val="1"/>
+                <ma14:wrappingTextBoxFlag xmlns:ma14="http://schemas.microsoft.com/office/mac/drawingml/2011/main" xmlns="" val="1"/>
               </a:ext>
             </a:extLst>
           </p:spPr>
@@ -17518,7 +17082,7 @@
             </a:ln>
             <a:extLst>
               <a:ext uri="{C572A759-6A51-4108-AA02-DFA0A04FC94B}">
-                <ma14:wrappingTextBoxFlag xmlns="" xmlns:ma14="http://schemas.microsoft.com/office/mac/drawingml/2011/main" val="1"/>
+                <ma14:wrappingTextBoxFlag xmlns:ma14="http://schemas.microsoft.com/office/mac/drawingml/2011/main" xmlns="" val="1"/>
               </a:ext>
             </a:extLst>
           </p:spPr>
@@ -17588,7 +17152,7 @@
             </a:ln>
             <a:extLst>
               <a:ext uri="{C572A759-6A51-4108-AA02-DFA0A04FC94B}">
-                <ma14:wrappingTextBoxFlag xmlns="" xmlns:ma14="http://schemas.microsoft.com/office/mac/drawingml/2011/main" val="1"/>
+                <ma14:wrappingTextBoxFlag xmlns:ma14="http://schemas.microsoft.com/office/mac/drawingml/2011/main" xmlns="" val="1"/>
               </a:ext>
             </a:extLst>
           </p:spPr>
@@ -17658,7 +17222,7 @@
             </a:ln>
             <a:extLst>
               <a:ext uri="{C572A759-6A51-4108-AA02-DFA0A04FC94B}">
-                <ma14:wrappingTextBoxFlag xmlns="" xmlns:ma14="http://schemas.microsoft.com/office/mac/drawingml/2011/main" val="1"/>
+                <ma14:wrappingTextBoxFlag xmlns:ma14="http://schemas.microsoft.com/office/mac/drawingml/2011/main" xmlns="" val="1"/>
               </a:ext>
             </a:extLst>
           </p:spPr>
@@ -17728,7 +17292,7 @@
             </a:ln>
             <a:extLst>
               <a:ext uri="{C572A759-6A51-4108-AA02-DFA0A04FC94B}">
-                <ma14:wrappingTextBoxFlag xmlns="" xmlns:ma14="http://schemas.microsoft.com/office/mac/drawingml/2011/main" val="1"/>
+                <ma14:wrappingTextBoxFlag xmlns:ma14="http://schemas.microsoft.com/office/mac/drawingml/2011/main" xmlns="" val="1"/>
               </a:ext>
             </a:extLst>
           </p:spPr>
@@ -17917,7 +17481,7 @@
           </a:ln>
           <a:extLst>
             <a:ext uri="{C572A759-6A51-4108-AA02-DFA0A04FC94B}">
-              <ma14:wrappingTextBoxFlag xmlns="" xmlns:ma14="http://schemas.microsoft.com/office/mac/drawingml/2011/main" val="1"/>
+              <ma14:wrappingTextBoxFlag xmlns:ma14="http://schemas.microsoft.com/office/mac/drawingml/2011/main" xmlns="" val="1"/>
             </a:ext>
           </a:extLst>
         </p:spPr>
@@ -18065,7 +17629,7 @@
           </a:ln>
           <a:extLst>
             <a:ext uri="{C572A759-6A51-4108-AA02-DFA0A04FC94B}">
-              <ma14:wrappingTextBoxFlag xmlns:ma14="http://schemas.microsoft.com/office/mac/drawingml/2011/main" xmlns="" val="1"/>
+              <ma14:wrappingTextBoxFlag xmlns="" xmlns:ma14="http://schemas.microsoft.com/office/mac/drawingml/2011/main" val="1"/>
             </a:ext>
           </a:extLst>
         </p:spPr>
@@ -18113,7 +17677,7 @@
           </a:ln>
           <a:extLst>
             <a:ext uri="{C572A759-6A51-4108-AA02-DFA0A04FC94B}">
-              <ma14:wrappingTextBoxFlag xmlns:ma14="http://schemas.microsoft.com/office/mac/drawingml/2011/main" xmlns="" val="1"/>
+              <ma14:wrappingTextBoxFlag xmlns="" xmlns:ma14="http://schemas.microsoft.com/office/mac/drawingml/2011/main" val="1"/>
             </a:ext>
           </a:extLst>
         </p:spPr>
@@ -18268,7 +17832,7 @@
             <a:effectLst/>
             <a:extLst>
               <a:ext uri="{C572A759-6A51-4108-AA02-DFA0A04FC94B}">
-                <ma14:wrappingTextBoxFlag xmlns:ma14="http://schemas.microsoft.com/office/mac/drawingml/2011/main" xmlns="" val="1"/>
+                <ma14:wrappingTextBoxFlag xmlns="" xmlns:ma14="http://schemas.microsoft.com/office/mac/drawingml/2011/main" val="1"/>
               </a:ext>
             </a:extLst>
           </p:spPr>
@@ -18430,7 +17994,7 @@
             <a:effectLst/>
             <a:extLst>
               <a:ext uri="{C572A759-6A51-4108-AA02-DFA0A04FC94B}">
-                <ma14:wrappingTextBoxFlag xmlns:ma14="http://schemas.microsoft.com/office/mac/drawingml/2011/main" xmlns="" val="1"/>
+                <ma14:wrappingTextBoxFlag xmlns="" xmlns:ma14="http://schemas.microsoft.com/office/mac/drawingml/2011/main" val="1"/>
               </a:ext>
             </a:extLst>
           </p:spPr>
@@ -18592,7 +18156,7 @@
             <a:effectLst/>
             <a:extLst>
               <a:ext uri="{C572A759-6A51-4108-AA02-DFA0A04FC94B}">
-                <ma14:wrappingTextBoxFlag xmlns:ma14="http://schemas.microsoft.com/office/mac/drawingml/2011/main" xmlns="" val="1"/>
+                <ma14:wrappingTextBoxFlag xmlns="" xmlns:ma14="http://schemas.microsoft.com/office/mac/drawingml/2011/main" val="1"/>
               </a:ext>
             </a:extLst>
           </p:spPr>
@@ -18754,7 +18318,7 @@
             <a:effectLst/>
             <a:extLst>
               <a:ext uri="{C572A759-6A51-4108-AA02-DFA0A04FC94B}">
-                <ma14:wrappingTextBoxFlag xmlns:ma14="http://schemas.microsoft.com/office/mac/drawingml/2011/main" xmlns="" val="1"/>
+                <ma14:wrappingTextBoxFlag xmlns="" xmlns:ma14="http://schemas.microsoft.com/office/mac/drawingml/2011/main" val="1"/>
               </a:ext>
             </a:extLst>
           </p:spPr>
@@ -18916,7 +18480,7 @@
             <a:effectLst/>
             <a:extLst>
               <a:ext uri="{C572A759-6A51-4108-AA02-DFA0A04FC94B}">
-                <ma14:wrappingTextBoxFlag xmlns:ma14="http://schemas.microsoft.com/office/mac/drawingml/2011/main" xmlns="" val="1"/>
+                <ma14:wrappingTextBoxFlag xmlns="" xmlns:ma14="http://schemas.microsoft.com/office/mac/drawingml/2011/main" val="1"/>
               </a:ext>
             </a:extLst>
           </p:spPr>
@@ -19078,7 +18642,7 @@
             <a:effectLst/>
             <a:extLst>
               <a:ext uri="{C572A759-6A51-4108-AA02-DFA0A04FC94B}">
-                <ma14:wrappingTextBoxFlag xmlns:ma14="http://schemas.microsoft.com/office/mac/drawingml/2011/main" xmlns="" val="1"/>
+                <ma14:wrappingTextBoxFlag xmlns="" xmlns:ma14="http://schemas.microsoft.com/office/mac/drawingml/2011/main" val="1"/>
               </a:ext>
             </a:extLst>
           </p:spPr>
@@ -19240,7 +18804,7 @@
             <a:effectLst/>
             <a:extLst>
               <a:ext uri="{C572A759-6A51-4108-AA02-DFA0A04FC94B}">
-                <ma14:wrappingTextBoxFlag xmlns:ma14="http://schemas.microsoft.com/office/mac/drawingml/2011/main" xmlns="" val="1"/>
+                <ma14:wrappingTextBoxFlag xmlns="" xmlns:ma14="http://schemas.microsoft.com/office/mac/drawingml/2011/main" val="1"/>
               </a:ext>
             </a:extLst>
           </p:spPr>
@@ -19402,7 +18966,7 @@
             <a:effectLst/>
             <a:extLst>
               <a:ext uri="{C572A759-6A51-4108-AA02-DFA0A04FC94B}">
-                <ma14:wrappingTextBoxFlag xmlns:ma14="http://schemas.microsoft.com/office/mac/drawingml/2011/main" xmlns="" val="1"/>
+                <ma14:wrappingTextBoxFlag xmlns="" xmlns:ma14="http://schemas.microsoft.com/office/mac/drawingml/2011/main" val="1"/>
               </a:ext>
             </a:extLst>
           </p:spPr>
@@ -19564,7 +19128,7 @@
             <a:effectLst/>
             <a:extLst>
               <a:ext uri="{C572A759-6A51-4108-AA02-DFA0A04FC94B}">
-                <ma14:wrappingTextBoxFlag xmlns:ma14="http://schemas.microsoft.com/office/mac/drawingml/2011/main" xmlns="" val="1"/>
+                <ma14:wrappingTextBoxFlag xmlns="" xmlns:ma14="http://schemas.microsoft.com/office/mac/drawingml/2011/main" val="1"/>
               </a:ext>
             </a:extLst>
           </p:spPr>
@@ -19726,7 +19290,7 @@
             <a:effectLst/>
             <a:extLst>
               <a:ext uri="{C572A759-6A51-4108-AA02-DFA0A04FC94B}">
-                <ma14:wrappingTextBoxFlag xmlns:ma14="http://schemas.microsoft.com/office/mac/drawingml/2011/main" xmlns="" val="1"/>
+                <ma14:wrappingTextBoxFlag xmlns="" xmlns:ma14="http://schemas.microsoft.com/office/mac/drawingml/2011/main" val="1"/>
               </a:ext>
             </a:extLst>
           </p:spPr>
@@ -19888,7 +19452,7 @@
             <a:effectLst/>
             <a:extLst>
               <a:ext uri="{C572A759-6A51-4108-AA02-DFA0A04FC94B}">
-                <ma14:wrappingTextBoxFlag xmlns:ma14="http://schemas.microsoft.com/office/mac/drawingml/2011/main" xmlns="" val="1"/>
+                <ma14:wrappingTextBoxFlag xmlns="" xmlns:ma14="http://schemas.microsoft.com/office/mac/drawingml/2011/main" val="1"/>
               </a:ext>
             </a:extLst>
           </p:spPr>
@@ -20050,7 +19614,7 @@
             <a:effectLst/>
             <a:extLst>
               <a:ext uri="{C572A759-6A51-4108-AA02-DFA0A04FC94B}">
-                <ma14:wrappingTextBoxFlag xmlns:ma14="http://schemas.microsoft.com/office/mac/drawingml/2011/main" xmlns="" val="1"/>
+                <ma14:wrappingTextBoxFlag xmlns="" xmlns:ma14="http://schemas.microsoft.com/office/mac/drawingml/2011/main" val="1"/>
               </a:ext>
             </a:extLst>
           </p:spPr>
@@ -20212,7 +19776,7 @@
             <a:effectLst/>
             <a:extLst>
               <a:ext uri="{C572A759-6A51-4108-AA02-DFA0A04FC94B}">
-                <ma14:wrappingTextBoxFlag xmlns:ma14="http://schemas.microsoft.com/office/mac/drawingml/2011/main" xmlns="" val="1"/>
+                <ma14:wrappingTextBoxFlag xmlns="" xmlns:ma14="http://schemas.microsoft.com/office/mac/drawingml/2011/main" val="1"/>
               </a:ext>
             </a:extLst>
           </p:spPr>
@@ -20374,7 +19938,7 @@
             <a:effectLst/>
             <a:extLst>
               <a:ext uri="{C572A759-6A51-4108-AA02-DFA0A04FC94B}">
-                <ma14:wrappingTextBoxFlag xmlns:ma14="http://schemas.microsoft.com/office/mac/drawingml/2011/main" xmlns="" val="1"/>
+                <ma14:wrappingTextBoxFlag xmlns="" xmlns:ma14="http://schemas.microsoft.com/office/mac/drawingml/2011/main" val="1"/>
               </a:ext>
             </a:extLst>
           </p:spPr>
@@ -20536,7 +20100,7 @@
             <a:effectLst/>
             <a:extLst>
               <a:ext uri="{C572A759-6A51-4108-AA02-DFA0A04FC94B}">
-                <ma14:wrappingTextBoxFlag xmlns:ma14="http://schemas.microsoft.com/office/mac/drawingml/2011/main" xmlns="" val="1"/>
+                <ma14:wrappingTextBoxFlag xmlns="" xmlns:ma14="http://schemas.microsoft.com/office/mac/drawingml/2011/main" val="1"/>
               </a:ext>
             </a:extLst>
           </p:spPr>
@@ -20698,7 +20262,7 @@
             <a:effectLst/>
             <a:extLst>
               <a:ext uri="{C572A759-6A51-4108-AA02-DFA0A04FC94B}">
-                <ma14:wrappingTextBoxFlag xmlns:ma14="http://schemas.microsoft.com/office/mac/drawingml/2011/main" xmlns="" val="1"/>
+                <ma14:wrappingTextBoxFlag xmlns="" xmlns:ma14="http://schemas.microsoft.com/office/mac/drawingml/2011/main" val="1"/>
               </a:ext>
             </a:extLst>
           </p:spPr>
@@ -20860,7 +20424,7 @@
             <a:effectLst/>
             <a:extLst>
               <a:ext uri="{C572A759-6A51-4108-AA02-DFA0A04FC94B}">
-                <ma14:wrappingTextBoxFlag xmlns:ma14="http://schemas.microsoft.com/office/mac/drawingml/2011/main" xmlns="" val="1"/>
+                <ma14:wrappingTextBoxFlag xmlns="" xmlns:ma14="http://schemas.microsoft.com/office/mac/drawingml/2011/main" val="1"/>
               </a:ext>
             </a:extLst>
           </p:spPr>
@@ -21022,7 +20586,7 @@
             <a:effectLst/>
             <a:extLst>
               <a:ext uri="{C572A759-6A51-4108-AA02-DFA0A04FC94B}">
-                <ma14:wrappingTextBoxFlag xmlns:ma14="http://schemas.microsoft.com/office/mac/drawingml/2011/main" xmlns="" val="1"/>
+                <ma14:wrappingTextBoxFlag xmlns="" xmlns:ma14="http://schemas.microsoft.com/office/mac/drawingml/2011/main" val="1"/>
               </a:ext>
             </a:extLst>
           </p:spPr>
@@ -21184,7 +20748,7 @@
             <a:effectLst/>
             <a:extLst>
               <a:ext uri="{C572A759-6A51-4108-AA02-DFA0A04FC94B}">
-                <ma14:wrappingTextBoxFlag xmlns:ma14="http://schemas.microsoft.com/office/mac/drawingml/2011/main" xmlns="" val="1"/>
+                <ma14:wrappingTextBoxFlag xmlns="" xmlns:ma14="http://schemas.microsoft.com/office/mac/drawingml/2011/main" val="1"/>
               </a:ext>
             </a:extLst>
           </p:spPr>
@@ -21346,7 +20910,7 @@
             <a:effectLst/>
             <a:extLst>
               <a:ext uri="{C572A759-6A51-4108-AA02-DFA0A04FC94B}">
-                <ma14:wrappingTextBoxFlag xmlns:ma14="http://schemas.microsoft.com/office/mac/drawingml/2011/main" xmlns="" val="1"/>
+                <ma14:wrappingTextBoxFlag xmlns="" xmlns:ma14="http://schemas.microsoft.com/office/mac/drawingml/2011/main" val="1"/>
               </a:ext>
             </a:extLst>
           </p:spPr>
@@ -21468,7 +21032,7 @@
           </a:ln>
           <a:extLst>
             <a:ext uri="{C572A759-6A51-4108-AA02-DFA0A04FC94B}">
-              <ma14:wrappingTextBoxFlag xmlns:ma14="http://schemas.microsoft.com/office/mac/drawingml/2011/main" xmlns="" val="1"/>
+              <ma14:wrappingTextBoxFlag xmlns="" xmlns:ma14="http://schemas.microsoft.com/office/mac/drawingml/2011/main" val="1"/>
             </a:ext>
           </a:extLst>
         </p:spPr>
@@ -21516,7 +21080,7 @@
           </a:ln>
           <a:extLst>
             <a:ext uri="{C572A759-6A51-4108-AA02-DFA0A04FC94B}">
-              <ma14:wrappingTextBoxFlag xmlns:ma14="http://schemas.microsoft.com/office/mac/drawingml/2011/main" xmlns="" val="1"/>
+              <ma14:wrappingTextBoxFlag xmlns="" xmlns:ma14="http://schemas.microsoft.com/office/mac/drawingml/2011/main" val="1"/>
             </a:ext>
           </a:extLst>
         </p:spPr>
@@ -21851,7 +21415,7 @@
               <a:effectLst/>
               <a:extLst>
                 <a:ext uri="{C572A759-6A51-4108-AA02-DFA0A04FC94B}">
-                  <ma14:wrappingTextBoxFlag xmlns:ma14="http://schemas.microsoft.com/office/mac/drawingml/2011/main" xmlns="" val="1"/>
+                  <ma14:wrappingTextBoxFlag xmlns="" xmlns:ma14="http://schemas.microsoft.com/office/mac/drawingml/2011/main" val="1"/>
                 </a:ext>
               </a:extLst>
             </p:spPr>

--- a/powerpoint/templates/VirtualPrivateCloudEditablePPT.pptx
+++ b/powerpoint/templates/VirtualPrivateCloudEditablePPT.pptx
@@ -858,7 +858,7 @@
           </a:ln>
           <a:extLst>
             <a:ext uri="{C572A759-6A51-4108-AA02-DFA0A04FC94B}">
-              <ma14:wrappingTextBoxFlag xmlns="" xmlns:ma14="http://schemas.microsoft.com/office/mac/drawingml/2011/main" val="1"/>
+              <ma14:wrappingTextBoxFlag xmlns:ma14="http://schemas.microsoft.com/office/mac/drawingml/2011/main" xmlns="" val="1"/>
             </a:ext>
           </a:extLst>
         </p:spPr>
@@ -911,7 +911,7 @@
           </a:ln>
           <a:extLst>
             <a:ext uri="{C572A759-6A51-4108-AA02-DFA0A04FC94B}">
-              <ma14:wrappingTextBoxFlag xmlns="" xmlns:ma14="http://schemas.microsoft.com/office/mac/drawingml/2011/main" val="1"/>
+              <ma14:wrappingTextBoxFlag xmlns:ma14="http://schemas.microsoft.com/office/mac/drawingml/2011/main" xmlns="" val="1"/>
             </a:ext>
           </a:extLst>
         </p:spPr>
@@ -959,7 +959,7 @@
           </a:ln>
           <a:extLst>
             <a:ext uri="{C572A759-6A51-4108-AA02-DFA0A04FC94B}">
-              <ma14:wrappingTextBoxFlag xmlns="" xmlns:ma14="http://schemas.microsoft.com/office/mac/drawingml/2011/main" val="1"/>
+              <ma14:wrappingTextBoxFlag xmlns:ma14="http://schemas.microsoft.com/office/mac/drawingml/2011/main" xmlns="" val="1"/>
             </a:ext>
           </a:extLst>
         </p:spPr>
@@ -1047,7 +1047,7 @@
           </a:ln>
           <a:extLst>
             <a:ext uri="{C572A759-6A51-4108-AA02-DFA0A04FC94B}">
-              <ma14:wrappingTextBoxFlag xmlns="" xmlns:ma14="http://schemas.microsoft.com/office/mac/drawingml/2011/main" val="1"/>
+              <ma14:wrappingTextBoxFlag xmlns:ma14="http://schemas.microsoft.com/office/mac/drawingml/2011/main" xmlns="" val="1"/>
             </a:ext>
           </a:extLst>
         </p:spPr>
@@ -1100,7 +1100,7 @@
           </a:ln>
           <a:extLst>
             <a:ext uri="{C572A759-6A51-4108-AA02-DFA0A04FC94B}">
-              <ma14:wrappingTextBoxFlag xmlns="" xmlns:ma14="http://schemas.microsoft.com/office/mac/drawingml/2011/main" val="1"/>
+              <ma14:wrappingTextBoxFlag xmlns:ma14="http://schemas.microsoft.com/office/mac/drawingml/2011/main" xmlns="" val="1"/>
             </a:ext>
           </a:extLst>
         </p:spPr>
@@ -1148,7 +1148,7 @@
           </a:ln>
           <a:extLst>
             <a:ext uri="{C572A759-6A51-4108-AA02-DFA0A04FC94B}">
-              <ma14:wrappingTextBoxFlag xmlns="" xmlns:ma14="http://schemas.microsoft.com/office/mac/drawingml/2011/main" val="1"/>
+              <ma14:wrappingTextBoxFlag xmlns:ma14="http://schemas.microsoft.com/office/mac/drawingml/2011/main" xmlns="" val="1"/>
             </a:ext>
           </a:extLst>
         </p:spPr>
@@ -1312,7 +1312,7 @@
           </a:ln>
           <a:extLst>
             <a:ext uri="{C572A759-6A51-4108-AA02-DFA0A04FC94B}">
-              <ma14:wrappingTextBoxFlag xmlns="" xmlns:ma14="http://schemas.microsoft.com/office/mac/drawingml/2011/main" val="1"/>
+              <ma14:wrappingTextBoxFlag xmlns:ma14="http://schemas.microsoft.com/office/mac/drawingml/2011/main" xmlns="" val="1"/>
             </a:ext>
           </a:extLst>
         </p:spPr>
@@ -1365,7 +1365,7 @@
           </a:ln>
           <a:extLst>
             <a:ext uri="{C572A759-6A51-4108-AA02-DFA0A04FC94B}">
-              <ma14:wrappingTextBoxFlag xmlns="" xmlns:ma14="http://schemas.microsoft.com/office/mac/drawingml/2011/main" val="1"/>
+              <ma14:wrappingTextBoxFlag xmlns:ma14="http://schemas.microsoft.com/office/mac/drawingml/2011/main" xmlns="" val="1"/>
             </a:ext>
           </a:extLst>
         </p:spPr>
@@ -1413,7 +1413,7 @@
           </a:ln>
           <a:extLst>
             <a:ext uri="{C572A759-6A51-4108-AA02-DFA0A04FC94B}">
-              <ma14:wrappingTextBoxFlag xmlns="" xmlns:ma14="http://schemas.microsoft.com/office/mac/drawingml/2011/main" val="1"/>
+              <ma14:wrappingTextBoxFlag xmlns:ma14="http://schemas.microsoft.com/office/mac/drawingml/2011/main" xmlns="" val="1"/>
             </a:ext>
           </a:extLst>
         </p:spPr>
@@ -1603,7 +1603,7 @@
           </a:ln>
           <a:extLst>
             <a:ext uri="{C572A759-6A51-4108-AA02-DFA0A04FC94B}">
-              <ma14:wrappingTextBoxFlag xmlns="" xmlns:ma14="http://schemas.microsoft.com/office/mac/drawingml/2011/main" val="1"/>
+              <ma14:wrappingTextBoxFlag xmlns:ma14="http://schemas.microsoft.com/office/mac/drawingml/2011/main" xmlns="" val="1"/>
             </a:ext>
           </a:extLst>
         </p:spPr>
@@ -1741,7 +1741,7 @@
           </a:ln>
           <a:extLst>
             <a:ext uri="{C572A759-6A51-4108-AA02-DFA0A04FC94B}">
-              <ma14:wrappingTextBoxFlag xmlns="" xmlns:ma14="http://schemas.microsoft.com/office/mac/drawingml/2011/main" val="1"/>
+              <ma14:wrappingTextBoxFlag xmlns:ma14="http://schemas.microsoft.com/office/mac/drawingml/2011/main" xmlns="" val="1"/>
             </a:ext>
           </a:extLst>
         </p:spPr>
@@ -1794,7 +1794,7 @@
           </a:ln>
           <a:extLst>
             <a:ext uri="{C572A759-6A51-4108-AA02-DFA0A04FC94B}">
-              <ma14:wrappingTextBoxFlag xmlns="" xmlns:ma14="http://schemas.microsoft.com/office/mac/drawingml/2011/main" val="1"/>
+              <ma14:wrappingTextBoxFlag xmlns:ma14="http://schemas.microsoft.com/office/mac/drawingml/2011/main" xmlns="" val="1"/>
             </a:ext>
           </a:extLst>
         </p:spPr>
@@ -1868,7 +1868,7 @@
           </a:ln>
           <a:extLst>
             <a:ext uri="{C572A759-6A51-4108-AA02-DFA0A04FC94B}">
-              <ma14:wrappingTextBoxFlag xmlns="" xmlns:ma14="http://schemas.microsoft.com/office/mac/drawingml/2011/main" val="1"/>
+              <ma14:wrappingTextBoxFlag xmlns:ma14="http://schemas.microsoft.com/office/mac/drawingml/2011/main" xmlns="" val="1"/>
             </a:ext>
           </a:extLst>
         </p:spPr>
@@ -2837,7 +2837,7 @@
           </a:ln>
           <a:extLst>
             <a:ext uri="{C572A759-6A51-4108-AA02-DFA0A04FC94B}">
-              <ma14:wrappingTextBoxFlag xmlns="" xmlns:ma14="http://schemas.microsoft.com/office/mac/drawingml/2011/main" val="1"/>
+              <ma14:wrappingTextBoxFlag xmlns:ma14="http://schemas.microsoft.com/office/mac/drawingml/2011/main" xmlns="" val="1"/>
             </a:ext>
           </a:extLst>
         </p:spPr>
@@ -2880,7 +2880,7 @@
           </a:ln>
           <a:extLst>
             <a:ext uri="{C572A759-6A51-4108-AA02-DFA0A04FC94B}">
-              <ma14:wrappingTextBoxFlag xmlns="" xmlns:ma14="http://schemas.microsoft.com/office/mac/drawingml/2011/main" val="1"/>
+              <ma14:wrappingTextBoxFlag xmlns:ma14="http://schemas.microsoft.com/office/mac/drawingml/2011/main" xmlns="" val="1"/>
             </a:ext>
           </a:extLst>
         </p:spPr>
@@ -3328,7 +3328,7 @@
           </a:ln>
           <a:extLst>
             <a:ext uri="{C572A759-6A51-4108-AA02-DFA0A04FC94B}">
-              <ma14:wrappingTextBoxFlag xmlns="" xmlns:ma14="http://schemas.microsoft.com/office/mac/drawingml/2011/main" val="1"/>
+              <ma14:wrappingTextBoxFlag xmlns:ma14="http://schemas.microsoft.com/office/mac/drawingml/2011/main" xmlns="" val="1"/>
             </a:ext>
           </a:extLst>
         </p:spPr>
@@ -3377,7 +3377,7 @@
           </a:ln>
           <a:extLst>
             <a:ext uri="{C572A759-6A51-4108-AA02-DFA0A04FC94B}">
-              <ma14:wrappingTextBoxFlag xmlns="" xmlns:ma14="http://schemas.microsoft.com/office/mac/drawingml/2011/main" val="1"/>
+              <ma14:wrappingTextBoxFlag xmlns:ma14="http://schemas.microsoft.com/office/mac/drawingml/2011/main" xmlns="" val="1"/>
             </a:ext>
           </a:extLst>
         </p:spPr>
@@ -3884,6 +3884,391 @@
           <a:chExt cx="0" cy="0"/>
         </a:xfrm>
       </p:grpSpPr>
+      <p:sp>
+        <p:nvSpPr>
+          <p:cNvPr id="133" name="Rounded Rectangle 132">
+            <a:extLst>
+              <a:ext uri="{FF2B5EF4-FFF2-40B4-BE49-F238E27FC236}">
+                <a16:creationId xmlns:a16="http://schemas.microsoft.com/office/drawing/2014/main" id="{E6D43651-26F3-5C40-9B45-2664C37F0AB7}"/>
+              </a:ext>
+            </a:extLst>
+          </p:cNvPr>
+          <p:cNvSpPr/>
+          <p:nvPr/>
+        </p:nvSpPr>
+        <p:spPr>
+          <a:xfrm>
+            <a:off x="1006730" y="4405978"/>
+            <a:ext cx="1698785" cy="1703646"/>
+          </a:xfrm>
+          <a:prstGeom prst="roundRect">
+            <a:avLst>
+              <a:gd name="adj" fmla="val 2194"/>
+            </a:avLst>
+          </a:prstGeom>
+          <a:noFill/>
+          <a:ln w="6350">
+            <a:solidFill>
+              <a:srgbClr val="FF0000"/>
+            </a:solidFill>
+          </a:ln>
+          <a:effectLst>
+            <a:outerShdw blurRad="50800" dist="38100" dir="8100000" algn="tr" rotWithShape="0">
+              <a:prstClr val="black">
+                <a:alpha val="40000"/>
+              </a:prstClr>
+            </a:outerShdw>
+          </a:effectLst>
+        </p:spPr>
+        <p:style>
+          <a:lnRef idx="2">
+            <a:schemeClr val="accent1">
+              <a:shade val="50000"/>
+            </a:schemeClr>
+          </a:lnRef>
+          <a:fillRef idx="1">
+            <a:schemeClr val="accent1"/>
+          </a:fillRef>
+          <a:effectRef idx="0">
+            <a:schemeClr val="accent1"/>
+          </a:effectRef>
+          <a:fontRef idx="minor">
+            <a:schemeClr val="lt1"/>
+          </a:fontRef>
+        </p:style>
+        <p:txBody>
+          <a:bodyPr rtlCol="0" anchor="ctr"/>
+          <a:lstStyle/>
+          <a:p>
+            <a:pPr algn="ctr"/>
+            <a:endParaRPr lang="en-US" b="1" dirty="0">
+              <a:ln w="22225">
+                <a:solidFill>
+                  <a:schemeClr val="accent2"/>
+                </a:solidFill>
+                <a:prstDash val="solid"/>
+              </a:ln>
+              <a:solidFill>
+                <a:schemeClr val="accent2">
+                  <a:lumMod val="40000"/>
+                  <a:lumOff val="60000"/>
+                </a:schemeClr>
+              </a:solidFill>
+              <a:latin typeface="IBM Plex Sans" charset="0"/>
+              <a:ea typeface="IBM Plex Sans" charset="0"/>
+              <a:cs typeface="IBM Plex Sans" charset="0"/>
+            </a:endParaRPr>
+          </a:p>
+        </p:txBody>
+      </p:sp>
+      <p:sp>
+        <p:nvSpPr>
+          <p:cNvPr id="143" name="Rounded Rectangle 142">
+            <a:extLst>
+              <a:ext uri="{FF2B5EF4-FFF2-40B4-BE49-F238E27FC236}">
+                <a16:creationId xmlns:a16="http://schemas.microsoft.com/office/drawing/2014/main" id="{A7F3A524-A0F6-0344-87A3-C00FB9FB7459}"/>
+              </a:ext>
+            </a:extLst>
+          </p:cNvPr>
+          <p:cNvSpPr/>
+          <p:nvPr/>
+        </p:nvSpPr>
+        <p:spPr>
+          <a:xfrm>
+            <a:off x="1011236" y="2195204"/>
+            <a:ext cx="1698785" cy="1703646"/>
+          </a:xfrm>
+          <a:prstGeom prst="roundRect">
+            <a:avLst>
+              <a:gd name="adj" fmla="val 2194"/>
+            </a:avLst>
+          </a:prstGeom>
+          <a:noFill/>
+          <a:ln w="6350">
+            <a:solidFill>
+              <a:srgbClr val="FF0000"/>
+            </a:solidFill>
+          </a:ln>
+          <a:effectLst>
+            <a:outerShdw blurRad="50800" dist="38100" dir="8100000" algn="tr" rotWithShape="0">
+              <a:prstClr val="black">
+                <a:alpha val="40000"/>
+              </a:prstClr>
+            </a:outerShdw>
+          </a:effectLst>
+        </p:spPr>
+        <p:style>
+          <a:lnRef idx="2">
+            <a:schemeClr val="accent1">
+              <a:shade val="50000"/>
+            </a:schemeClr>
+          </a:lnRef>
+          <a:fillRef idx="1">
+            <a:schemeClr val="accent1"/>
+          </a:fillRef>
+          <a:effectRef idx="0">
+            <a:schemeClr val="accent1"/>
+          </a:effectRef>
+          <a:fontRef idx="minor">
+            <a:schemeClr val="lt1"/>
+          </a:fontRef>
+        </p:style>
+        <p:txBody>
+          <a:bodyPr rtlCol="0" anchor="ctr"/>
+          <a:lstStyle/>
+          <a:p>
+            <a:pPr algn="ctr"/>
+            <a:endParaRPr lang="en-US" b="1" dirty="0">
+              <a:ln w="22225">
+                <a:solidFill>
+                  <a:schemeClr val="accent2"/>
+                </a:solidFill>
+                <a:prstDash val="solid"/>
+              </a:ln>
+              <a:solidFill>
+                <a:schemeClr val="accent2">
+                  <a:lumMod val="40000"/>
+                  <a:lumOff val="60000"/>
+                </a:schemeClr>
+              </a:solidFill>
+              <a:latin typeface="IBM Plex Sans" charset="0"/>
+              <a:ea typeface="IBM Plex Sans" charset="0"/>
+              <a:cs typeface="IBM Plex Sans" charset="0"/>
+            </a:endParaRPr>
+          </a:p>
+        </p:txBody>
+      </p:sp>
+      <p:sp>
+        <p:nvSpPr>
+          <p:cNvPr id="138" name="Rounded Rectangle 137">
+            <a:extLst>
+              <a:ext uri="{FF2B5EF4-FFF2-40B4-BE49-F238E27FC236}">
+                <a16:creationId xmlns:a16="http://schemas.microsoft.com/office/drawing/2014/main" id="{1E16B053-0631-A54E-83F2-E4A4D335F8C0}"/>
+              </a:ext>
+            </a:extLst>
+          </p:cNvPr>
+          <p:cNvSpPr/>
+          <p:nvPr/>
+        </p:nvSpPr>
+        <p:spPr>
+          <a:xfrm>
+            <a:off x="4522518" y="2199868"/>
+            <a:ext cx="1698785" cy="1703646"/>
+          </a:xfrm>
+          <a:prstGeom prst="roundRect">
+            <a:avLst>
+              <a:gd name="adj" fmla="val 2194"/>
+            </a:avLst>
+          </a:prstGeom>
+          <a:noFill/>
+          <a:ln w="6350">
+            <a:solidFill>
+              <a:srgbClr val="FF0000"/>
+            </a:solidFill>
+          </a:ln>
+          <a:effectLst>
+            <a:outerShdw blurRad="50800" dist="38100" dir="8100000" algn="tr" rotWithShape="0">
+              <a:prstClr val="black">
+                <a:alpha val="40000"/>
+              </a:prstClr>
+            </a:outerShdw>
+          </a:effectLst>
+        </p:spPr>
+        <p:style>
+          <a:lnRef idx="2">
+            <a:schemeClr val="accent1">
+              <a:shade val="50000"/>
+            </a:schemeClr>
+          </a:lnRef>
+          <a:fillRef idx="1">
+            <a:schemeClr val="accent1"/>
+          </a:fillRef>
+          <a:effectRef idx="0">
+            <a:schemeClr val="accent1"/>
+          </a:effectRef>
+          <a:fontRef idx="minor">
+            <a:schemeClr val="lt1"/>
+          </a:fontRef>
+        </p:style>
+        <p:txBody>
+          <a:bodyPr rtlCol="0" anchor="ctr"/>
+          <a:lstStyle/>
+          <a:p>
+            <a:pPr algn="ctr"/>
+            <a:endParaRPr lang="en-US" b="1" dirty="0">
+              <a:ln w="22225">
+                <a:solidFill>
+                  <a:schemeClr val="accent2"/>
+                </a:solidFill>
+                <a:prstDash val="solid"/>
+              </a:ln>
+              <a:solidFill>
+                <a:schemeClr val="accent2">
+                  <a:lumMod val="40000"/>
+                  <a:lumOff val="60000"/>
+                </a:schemeClr>
+              </a:solidFill>
+              <a:latin typeface="IBM Plex Sans" charset="0"/>
+              <a:ea typeface="IBM Plex Sans" charset="0"/>
+              <a:cs typeface="IBM Plex Sans" charset="0"/>
+            </a:endParaRPr>
+          </a:p>
+        </p:txBody>
+      </p:sp>
+      <p:sp>
+        <p:nvSpPr>
+          <p:cNvPr id="132" name="Rounded Rectangle 131">
+            <a:extLst>
+              <a:ext uri="{FF2B5EF4-FFF2-40B4-BE49-F238E27FC236}">
+                <a16:creationId xmlns:a16="http://schemas.microsoft.com/office/drawing/2014/main" id="{721702CD-58BA-E84E-BA3D-D65DB3795C94}"/>
+              </a:ext>
+            </a:extLst>
+          </p:cNvPr>
+          <p:cNvSpPr/>
+          <p:nvPr/>
+        </p:nvSpPr>
+        <p:spPr>
+          <a:xfrm>
+            <a:off x="4528278" y="4423530"/>
+            <a:ext cx="1698785" cy="1703646"/>
+          </a:xfrm>
+          <a:prstGeom prst="roundRect">
+            <a:avLst>
+              <a:gd name="adj" fmla="val 2194"/>
+            </a:avLst>
+          </a:prstGeom>
+          <a:noFill/>
+          <a:ln w="6350">
+            <a:solidFill>
+              <a:srgbClr val="FF0000"/>
+            </a:solidFill>
+          </a:ln>
+          <a:effectLst>
+            <a:outerShdw blurRad="50800" dist="38100" dir="8100000" algn="tr" rotWithShape="0">
+              <a:prstClr val="black">
+                <a:alpha val="40000"/>
+              </a:prstClr>
+            </a:outerShdw>
+          </a:effectLst>
+        </p:spPr>
+        <p:style>
+          <a:lnRef idx="2">
+            <a:schemeClr val="accent1">
+              <a:shade val="50000"/>
+            </a:schemeClr>
+          </a:lnRef>
+          <a:fillRef idx="1">
+            <a:schemeClr val="accent1"/>
+          </a:fillRef>
+          <a:effectRef idx="0">
+            <a:schemeClr val="accent1"/>
+          </a:effectRef>
+          <a:fontRef idx="minor">
+            <a:schemeClr val="lt1"/>
+          </a:fontRef>
+        </p:style>
+        <p:txBody>
+          <a:bodyPr rtlCol="0" anchor="ctr"/>
+          <a:lstStyle/>
+          <a:p>
+            <a:pPr algn="ctr"/>
+            <a:endParaRPr lang="en-US" b="1" dirty="0">
+              <a:ln w="22225">
+                <a:solidFill>
+                  <a:schemeClr val="accent2"/>
+                </a:solidFill>
+                <a:prstDash val="solid"/>
+              </a:ln>
+              <a:solidFill>
+                <a:schemeClr val="accent2">
+                  <a:lumMod val="40000"/>
+                  <a:lumOff val="60000"/>
+                </a:schemeClr>
+              </a:solidFill>
+              <a:latin typeface="IBM Plex Sans" charset="0"/>
+              <a:ea typeface="IBM Plex Sans" charset="0"/>
+              <a:cs typeface="IBM Plex Sans" charset="0"/>
+            </a:endParaRPr>
+          </a:p>
+        </p:txBody>
+      </p:sp>
+      <p:sp>
+        <p:nvSpPr>
+          <p:cNvPr id="124" name="Rounded Rectangle 123">
+            <a:extLst>
+              <a:ext uri="{FF2B5EF4-FFF2-40B4-BE49-F238E27FC236}">
+                <a16:creationId xmlns:a16="http://schemas.microsoft.com/office/drawing/2014/main" id="{C5C4FDFE-738E-C440-871F-A53AF6C9A3F5}"/>
+              </a:ext>
+            </a:extLst>
+          </p:cNvPr>
+          <p:cNvSpPr/>
+          <p:nvPr/>
+        </p:nvSpPr>
+        <p:spPr>
+          <a:xfrm>
+            <a:off x="236374" y="945456"/>
+            <a:ext cx="7721875" cy="5926236"/>
+          </a:xfrm>
+          <a:prstGeom prst="roundRect">
+            <a:avLst>
+              <a:gd name="adj" fmla="val 2194"/>
+            </a:avLst>
+          </a:prstGeom>
+          <a:noFill/>
+          <a:ln w="6350">
+            <a:solidFill>
+              <a:srgbClr val="4E77B6"/>
+            </a:solidFill>
+          </a:ln>
+          <a:effectLst>
+            <a:outerShdw blurRad="50800" dist="38100" dir="8100000" algn="tr" rotWithShape="0">
+              <a:prstClr val="black">
+                <a:alpha val="40000"/>
+              </a:prstClr>
+            </a:outerShdw>
+          </a:effectLst>
+        </p:spPr>
+        <p:style>
+          <a:lnRef idx="2">
+            <a:schemeClr val="accent1">
+              <a:shade val="50000"/>
+            </a:schemeClr>
+          </a:lnRef>
+          <a:fillRef idx="1">
+            <a:schemeClr val="accent1"/>
+          </a:fillRef>
+          <a:effectRef idx="0">
+            <a:schemeClr val="accent1"/>
+          </a:effectRef>
+          <a:fontRef idx="minor">
+            <a:schemeClr val="lt1"/>
+          </a:fontRef>
+        </p:style>
+        <p:txBody>
+          <a:bodyPr rtlCol="0" anchor="ctr"/>
+          <a:lstStyle/>
+          <a:p>
+            <a:pPr algn="ctr"/>
+            <a:endParaRPr lang="en-US" b="1" dirty="0">
+              <a:ln w="22225">
+                <a:solidFill>
+                  <a:schemeClr val="accent2"/>
+                </a:solidFill>
+                <a:prstDash val="solid"/>
+              </a:ln>
+              <a:solidFill>
+                <a:schemeClr val="accent2">
+                  <a:lumMod val="40000"/>
+                  <a:lumOff val="60000"/>
+                </a:schemeClr>
+              </a:solidFill>
+              <a:latin typeface="IBM Plex Sans" charset="0"/>
+              <a:ea typeface="IBM Plex Sans" charset="0"/>
+              <a:cs typeface="IBM Plex Sans" charset="0"/>
+            </a:endParaRPr>
+          </a:p>
+        </p:txBody>
+      </p:sp>
       <p:grpSp>
         <p:nvGrpSpPr>
           <p:cNvPr id="20" name="Group 19">
@@ -3898,10 +4283,10 @@
         </p:nvGrpSpPr>
         <p:grpSpPr>
           <a:xfrm>
-            <a:off x="235324" y="763228"/>
-            <a:ext cx="9731328" cy="6087022"/>
-            <a:chOff x="235324" y="763228"/>
-            <a:chExt cx="9731328" cy="6087022"/>
+            <a:off x="368068" y="739953"/>
+            <a:ext cx="9598584" cy="6110297"/>
+            <a:chOff x="368068" y="739953"/>
+            <a:chExt cx="9598584" cy="6110297"/>
           </a:xfrm>
         </p:grpSpPr>
         <p:grpSp>
@@ -3918,10 +4303,10 @@
           </p:nvGrpSpPr>
           <p:grpSpPr>
             <a:xfrm>
-              <a:off x="235324" y="763228"/>
-              <a:ext cx="9731328" cy="6087022"/>
-              <a:chOff x="204327" y="623743"/>
-              <a:chExt cx="9731328" cy="6087022"/>
+              <a:off x="368068" y="739953"/>
+              <a:ext cx="9598584" cy="6110297"/>
+              <a:chOff x="337071" y="600468"/>
+              <a:chExt cx="9598584" cy="6110297"/>
             </a:xfrm>
           </p:grpSpPr>
           <p:grpSp>
@@ -3938,10 +4323,10 @@
             </p:nvGrpSpPr>
             <p:grpSpPr>
               <a:xfrm>
-                <a:off x="204327" y="623743"/>
-                <a:ext cx="9031523" cy="6087022"/>
-                <a:chOff x="204327" y="623743"/>
-                <a:chExt cx="9031523" cy="6087022"/>
+                <a:off x="337071" y="600468"/>
+                <a:ext cx="8898779" cy="5921314"/>
+                <a:chOff x="337071" y="600468"/>
+                <a:chExt cx="8898779" cy="5921314"/>
               </a:xfrm>
             </p:grpSpPr>
             <p:pic>
@@ -3996,807 +4381,12 @@
               </p:nvGrpSpPr>
               <p:grpSpPr>
                 <a:xfrm>
-                  <a:off x="204327" y="623743"/>
-                  <a:ext cx="9031523" cy="6087022"/>
-                  <a:chOff x="170482" y="1498595"/>
-                  <a:chExt cx="9031523" cy="6087022"/>
+                  <a:off x="337071" y="600468"/>
+                  <a:ext cx="8898779" cy="5921314"/>
+                  <a:chOff x="303226" y="1475320"/>
+                  <a:chExt cx="8898779" cy="5921314"/>
                 </a:xfrm>
               </p:grpSpPr>
-              <p:sp>
-                <p:nvSpPr>
-                  <p:cNvPr id="39" name="Rounded Rectangle 38"/>
-                  <p:cNvSpPr/>
-                  <p:nvPr/>
-                </p:nvSpPr>
-                <p:spPr>
-                  <a:xfrm>
-                    <a:off x="170482" y="1672021"/>
-                    <a:ext cx="7760644" cy="5913596"/>
-                  </a:xfrm>
-                  <a:prstGeom prst="roundRect">
-                    <a:avLst>
-                      <a:gd name="adj" fmla="val 9818"/>
-                    </a:avLst>
-                  </a:prstGeom>
-                  <a:noFill/>
-                  <a:ln w="12700">
-                    <a:solidFill>
-                      <a:srgbClr val="4378BB"/>
-                    </a:solidFill>
-                    <a:prstDash val="solid"/>
-                  </a:ln>
-                  <a:effectLst/>
-                </p:spPr>
-                <p:style>
-                  <a:lnRef idx="1">
-                    <a:schemeClr val="accent1"/>
-                  </a:lnRef>
-                  <a:fillRef idx="3">
-                    <a:schemeClr val="accent1"/>
-                  </a:fillRef>
-                  <a:effectRef idx="2">
-                    <a:schemeClr val="accent1"/>
-                  </a:effectRef>
-                  <a:fontRef idx="minor">
-                    <a:schemeClr val="lt1"/>
-                  </a:fontRef>
-                </p:style>
-                <p:txBody>
-                  <a:bodyPr anchor="ctr"/>
-                  <a:lstStyle>
-                    <a:defPPr>
-                      <a:defRPr lang="en-US"/>
-                    </a:defPPr>
-                    <a:lvl1pPr marL="0" algn="l" defTabSz="457200" rtl="0" eaLnBrk="1" latinLnBrk="0" hangingPunct="1">
-                      <a:defRPr sz="1800" kern="1200">
-                        <a:solidFill>
-                          <a:schemeClr val="lt1"/>
-                        </a:solidFill>
-                        <a:latin typeface="+mn-lt"/>
-                        <a:ea typeface="+mn-ea"/>
-                        <a:cs typeface="+mn-cs"/>
-                      </a:defRPr>
-                    </a:lvl1pPr>
-                    <a:lvl2pPr marL="457200" algn="l" defTabSz="457200" rtl="0" eaLnBrk="1" latinLnBrk="0" hangingPunct="1">
-                      <a:defRPr sz="1800" kern="1200">
-                        <a:solidFill>
-                          <a:schemeClr val="lt1"/>
-                        </a:solidFill>
-                        <a:latin typeface="+mn-lt"/>
-                        <a:ea typeface="+mn-ea"/>
-                        <a:cs typeface="+mn-cs"/>
-                      </a:defRPr>
-                    </a:lvl2pPr>
-                    <a:lvl3pPr marL="914400" algn="l" defTabSz="457200" rtl="0" eaLnBrk="1" latinLnBrk="0" hangingPunct="1">
-                      <a:defRPr sz="1800" kern="1200">
-                        <a:solidFill>
-                          <a:schemeClr val="lt1"/>
-                        </a:solidFill>
-                        <a:latin typeface="+mn-lt"/>
-                        <a:ea typeface="+mn-ea"/>
-                        <a:cs typeface="+mn-cs"/>
-                      </a:defRPr>
-                    </a:lvl3pPr>
-                    <a:lvl4pPr marL="1371600" algn="l" defTabSz="457200" rtl="0" eaLnBrk="1" latinLnBrk="0" hangingPunct="1">
-                      <a:defRPr sz="1800" kern="1200">
-                        <a:solidFill>
-                          <a:schemeClr val="lt1"/>
-                        </a:solidFill>
-                        <a:latin typeface="+mn-lt"/>
-                        <a:ea typeface="+mn-ea"/>
-                        <a:cs typeface="+mn-cs"/>
-                      </a:defRPr>
-                    </a:lvl4pPr>
-                    <a:lvl5pPr marL="1828800" algn="l" defTabSz="457200" rtl="0" eaLnBrk="1" latinLnBrk="0" hangingPunct="1">
-                      <a:defRPr sz="1800" kern="1200">
-                        <a:solidFill>
-                          <a:schemeClr val="lt1"/>
-                        </a:solidFill>
-                        <a:latin typeface="+mn-lt"/>
-                        <a:ea typeface="+mn-ea"/>
-                        <a:cs typeface="+mn-cs"/>
-                      </a:defRPr>
-                    </a:lvl5pPr>
-                    <a:lvl6pPr marL="2286000" algn="l" defTabSz="457200" rtl="0" eaLnBrk="1" latinLnBrk="0" hangingPunct="1">
-                      <a:defRPr sz="1800" kern="1200">
-                        <a:solidFill>
-                          <a:schemeClr val="lt1"/>
-                        </a:solidFill>
-                        <a:latin typeface="+mn-lt"/>
-                        <a:ea typeface="+mn-ea"/>
-                        <a:cs typeface="+mn-cs"/>
-                      </a:defRPr>
-                    </a:lvl6pPr>
-                    <a:lvl7pPr marL="2743200" algn="l" defTabSz="457200" rtl="0" eaLnBrk="1" latinLnBrk="0" hangingPunct="1">
-                      <a:defRPr sz="1800" kern="1200">
-                        <a:solidFill>
-                          <a:schemeClr val="lt1"/>
-                        </a:solidFill>
-                        <a:latin typeface="+mn-lt"/>
-                        <a:ea typeface="+mn-ea"/>
-                        <a:cs typeface="+mn-cs"/>
-                      </a:defRPr>
-                    </a:lvl7pPr>
-                    <a:lvl8pPr marL="3200400" algn="l" defTabSz="457200" rtl="0" eaLnBrk="1" latinLnBrk="0" hangingPunct="1">
-                      <a:defRPr sz="1800" kern="1200">
-                        <a:solidFill>
-                          <a:schemeClr val="lt1"/>
-                        </a:solidFill>
-                        <a:latin typeface="+mn-lt"/>
-                        <a:ea typeface="+mn-ea"/>
-                        <a:cs typeface="+mn-cs"/>
-                      </a:defRPr>
-                    </a:lvl8pPr>
-                    <a:lvl9pPr marL="3657600" algn="l" defTabSz="457200" rtl="0" eaLnBrk="1" latinLnBrk="0" hangingPunct="1">
-                      <a:defRPr sz="1800" kern="1200">
-                        <a:solidFill>
-                          <a:schemeClr val="lt1"/>
-                        </a:solidFill>
-                        <a:latin typeface="+mn-lt"/>
-                        <a:ea typeface="+mn-ea"/>
-                        <a:cs typeface="+mn-cs"/>
-                      </a:defRPr>
-                    </a:lvl9pPr>
-                  </a:lstStyle>
-                  <a:p>
-                    <a:pPr algn="ctr" fontAlgn="auto">
-                      <a:spcBef>
-                        <a:spcPts val="0"/>
-                      </a:spcBef>
-                      <a:spcAft>
-                        <a:spcPts val="0"/>
-                      </a:spcAft>
-                      <a:defRPr/>
-                    </a:pPr>
-                    <a:endParaRPr lang="en-US" dirty="0">
-                      <a:solidFill>
-                        <a:schemeClr val="tx1"/>
-                      </a:solidFill>
-                      <a:latin typeface="Arial"/>
-                      <a:cs typeface="Arial"/>
-                    </a:endParaRPr>
-                  </a:p>
-                </p:txBody>
-              </p:sp>
-              <p:grpSp>
-                <p:nvGrpSpPr>
-                  <p:cNvPr id="10" name="Group 9"/>
-                  <p:cNvGrpSpPr/>
-                  <p:nvPr/>
-                </p:nvGrpSpPr>
-                <p:grpSpPr>
-                  <a:xfrm>
-                    <a:off x="366359" y="1992650"/>
-                    <a:ext cx="6390820" cy="5307051"/>
-                    <a:chOff x="1609584" y="3498989"/>
-                    <a:chExt cx="4801726" cy="3148598"/>
-                  </a:xfrm>
-                </p:grpSpPr>
-                <p:sp>
-                  <p:nvSpPr>
-                    <p:cNvPr id="42" name="Rounded Rectangle 41"/>
-                    <p:cNvSpPr/>
-                    <p:nvPr/>
-                  </p:nvSpPr>
-                  <p:spPr>
-                    <a:xfrm>
-                      <a:off x="1609584" y="3498989"/>
-                      <a:ext cx="4801726" cy="3148598"/>
-                    </a:xfrm>
-                    <a:prstGeom prst="roundRect">
-                      <a:avLst>
-                        <a:gd name="adj" fmla="val 9818"/>
-                      </a:avLst>
-                    </a:prstGeom>
-                    <a:noFill/>
-                    <a:ln w="12700">
-                      <a:solidFill>
-                        <a:srgbClr val="4378BB"/>
-                      </a:solidFill>
-                      <a:prstDash val="sysDot"/>
-                    </a:ln>
-                    <a:effectLst/>
-                  </p:spPr>
-                  <p:style>
-                    <a:lnRef idx="1">
-                      <a:schemeClr val="accent1"/>
-                    </a:lnRef>
-                    <a:fillRef idx="3">
-                      <a:schemeClr val="accent1"/>
-                    </a:fillRef>
-                    <a:effectRef idx="2">
-                      <a:schemeClr val="accent1"/>
-                    </a:effectRef>
-                    <a:fontRef idx="minor">
-                      <a:schemeClr val="lt1"/>
-                    </a:fontRef>
-                  </p:style>
-                  <p:txBody>
-                    <a:bodyPr anchor="ctr"/>
-                    <a:lstStyle>
-                      <a:defPPr>
-                        <a:defRPr lang="en-US"/>
-                      </a:defPPr>
-                      <a:lvl1pPr marL="0" algn="l" defTabSz="457200" rtl="0" eaLnBrk="1" latinLnBrk="0" hangingPunct="1">
-                        <a:defRPr sz="1800" kern="1200">
-                          <a:solidFill>
-                            <a:schemeClr val="lt1"/>
-                          </a:solidFill>
-                          <a:latin typeface="+mn-lt"/>
-                          <a:ea typeface="+mn-ea"/>
-                          <a:cs typeface="+mn-cs"/>
-                        </a:defRPr>
-                      </a:lvl1pPr>
-                      <a:lvl2pPr marL="457200" algn="l" defTabSz="457200" rtl="0" eaLnBrk="1" latinLnBrk="0" hangingPunct="1">
-                        <a:defRPr sz="1800" kern="1200">
-                          <a:solidFill>
-                            <a:schemeClr val="lt1"/>
-                          </a:solidFill>
-                          <a:latin typeface="+mn-lt"/>
-                          <a:ea typeface="+mn-ea"/>
-                          <a:cs typeface="+mn-cs"/>
-                        </a:defRPr>
-                      </a:lvl2pPr>
-                      <a:lvl3pPr marL="914400" algn="l" defTabSz="457200" rtl="0" eaLnBrk="1" latinLnBrk="0" hangingPunct="1">
-                        <a:defRPr sz="1800" kern="1200">
-                          <a:solidFill>
-                            <a:schemeClr val="lt1"/>
-                          </a:solidFill>
-                          <a:latin typeface="+mn-lt"/>
-                          <a:ea typeface="+mn-ea"/>
-                          <a:cs typeface="+mn-cs"/>
-                        </a:defRPr>
-                      </a:lvl3pPr>
-                      <a:lvl4pPr marL="1371600" algn="l" defTabSz="457200" rtl="0" eaLnBrk="1" latinLnBrk="0" hangingPunct="1">
-                        <a:defRPr sz="1800" kern="1200">
-                          <a:solidFill>
-                            <a:schemeClr val="lt1"/>
-                          </a:solidFill>
-                          <a:latin typeface="+mn-lt"/>
-                          <a:ea typeface="+mn-ea"/>
-                          <a:cs typeface="+mn-cs"/>
-                        </a:defRPr>
-                      </a:lvl4pPr>
-                      <a:lvl5pPr marL="1828800" algn="l" defTabSz="457200" rtl="0" eaLnBrk="1" latinLnBrk="0" hangingPunct="1">
-                        <a:defRPr sz="1800" kern="1200">
-                          <a:solidFill>
-                            <a:schemeClr val="lt1"/>
-                          </a:solidFill>
-                          <a:latin typeface="+mn-lt"/>
-                          <a:ea typeface="+mn-ea"/>
-                          <a:cs typeface="+mn-cs"/>
-                        </a:defRPr>
-                      </a:lvl5pPr>
-                      <a:lvl6pPr marL="2286000" algn="l" defTabSz="457200" rtl="0" eaLnBrk="1" latinLnBrk="0" hangingPunct="1">
-                        <a:defRPr sz="1800" kern="1200">
-                          <a:solidFill>
-                            <a:schemeClr val="lt1"/>
-                          </a:solidFill>
-                          <a:latin typeface="+mn-lt"/>
-                          <a:ea typeface="+mn-ea"/>
-                          <a:cs typeface="+mn-cs"/>
-                        </a:defRPr>
-                      </a:lvl6pPr>
-                      <a:lvl7pPr marL="2743200" algn="l" defTabSz="457200" rtl="0" eaLnBrk="1" latinLnBrk="0" hangingPunct="1">
-                        <a:defRPr sz="1800" kern="1200">
-                          <a:solidFill>
-                            <a:schemeClr val="lt1"/>
-                          </a:solidFill>
-                          <a:latin typeface="+mn-lt"/>
-                          <a:ea typeface="+mn-ea"/>
-                          <a:cs typeface="+mn-cs"/>
-                        </a:defRPr>
-                      </a:lvl7pPr>
-                      <a:lvl8pPr marL="3200400" algn="l" defTabSz="457200" rtl="0" eaLnBrk="1" latinLnBrk="0" hangingPunct="1">
-                        <a:defRPr sz="1800" kern="1200">
-                          <a:solidFill>
-                            <a:schemeClr val="lt1"/>
-                          </a:solidFill>
-                          <a:latin typeface="+mn-lt"/>
-                          <a:ea typeface="+mn-ea"/>
-                          <a:cs typeface="+mn-cs"/>
-                        </a:defRPr>
-                      </a:lvl8pPr>
-                      <a:lvl9pPr marL="3657600" algn="l" defTabSz="457200" rtl="0" eaLnBrk="1" latinLnBrk="0" hangingPunct="1">
-                        <a:defRPr sz="1800" kern="1200">
-                          <a:solidFill>
-                            <a:schemeClr val="lt1"/>
-                          </a:solidFill>
-                          <a:latin typeface="+mn-lt"/>
-                          <a:ea typeface="+mn-ea"/>
-                          <a:cs typeface="+mn-cs"/>
-                        </a:defRPr>
-                      </a:lvl9pPr>
-                    </a:lstStyle>
-                    <a:p>
-                      <a:pPr algn="ctr" fontAlgn="auto">
-                        <a:spcBef>
-                          <a:spcPts val="0"/>
-                        </a:spcBef>
-                        <a:spcAft>
-                          <a:spcPts val="0"/>
-                        </a:spcAft>
-                        <a:defRPr/>
-                      </a:pPr>
-                      <a:endParaRPr lang="en-US" dirty="0">
-                        <a:solidFill>
-                          <a:schemeClr val="tx1"/>
-                        </a:solidFill>
-                        <a:latin typeface="Helvetica Neue"/>
-                        <a:cs typeface="Helvetica Neue"/>
-                      </a:endParaRPr>
-                    </a:p>
-                  </p:txBody>
-                </p:sp>
-                <p:sp>
-                  <p:nvSpPr>
-                    <p:cNvPr id="44" name="Rounded Rectangle 43"/>
-                    <p:cNvSpPr/>
-                    <p:nvPr/>
-                  </p:nvSpPr>
-                  <p:spPr>
-                    <a:xfrm>
-                      <a:off x="1807503" y="3768969"/>
-                      <a:ext cx="1715040" cy="2740694"/>
-                    </a:xfrm>
-                    <a:prstGeom prst="roundRect">
-                      <a:avLst>
-                        <a:gd name="adj" fmla="val 9818"/>
-                      </a:avLst>
-                    </a:prstGeom>
-                    <a:noFill/>
-                    <a:ln w="12700">
-                      <a:solidFill>
-                        <a:srgbClr val="4378BB"/>
-                      </a:solidFill>
-                      <a:prstDash val="lgDash"/>
-                    </a:ln>
-                    <a:effectLst/>
-                  </p:spPr>
-                  <p:style>
-                    <a:lnRef idx="1">
-                      <a:schemeClr val="accent1"/>
-                    </a:lnRef>
-                    <a:fillRef idx="3">
-                      <a:schemeClr val="accent1"/>
-                    </a:fillRef>
-                    <a:effectRef idx="2">
-                      <a:schemeClr val="accent1"/>
-                    </a:effectRef>
-                    <a:fontRef idx="minor">
-                      <a:schemeClr val="lt1"/>
-                    </a:fontRef>
-                  </p:style>
-                  <p:txBody>
-                    <a:bodyPr anchor="ctr"/>
-                    <a:lstStyle>
-                      <a:defPPr>
-                        <a:defRPr lang="en-US"/>
-                      </a:defPPr>
-                      <a:lvl1pPr marL="0" algn="l" defTabSz="457200" rtl="0" eaLnBrk="1" latinLnBrk="0" hangingPunct="1">
-                        <a:defRPr sz="1800" kern="1200">
-                          <a:solidFill>
-                            <a:schemeClr val="lt1"/>
-                          </a:solidFill>
-                          <a:latin typeface="+mn-lt"/>
-                          <a:ea typeface="+mn-ea"/>
-                          <a:cs typeface="+mn-cs"/>
-                        </a:defRPr>
-                      </a:lvl1pPr>
-                      <a:lvl2pPr marL="457200" algn="l" defTabSz="457200" rtl="0" eaLnBrk="1" latinLnBrk="0" hangingPunct="1">
-                        <a:defRPr sz="1800" kern="1200">
-                          <a:solidFill>
-                            <a:schemeClr val="lt1"/>
-                          </a:solidFill>
-                          <a:latin typeface="+mn-lt"/>
-                          <a:ea typeface="+mn-ea"/>
-                          <a:cs typeface="+mn-cs"/>
-                        </a:defRPr>
-                      </a:lvl2pPr>
-                      <a:lvl3pPr marL="914400" algn="l" defTabSz="457200" rtl="0" eaLnBrk="1" latinLnBrk="0" hangingPunct="1">
-                        <a:defRPr sz="1800" kern="1200">
-                          <a:solidFill>
-                            <a:schemeClr val="lt1"/>
-                          </a:solidFill>
-                          <a:latin typeface="+mn-lt"/>
-                          <a:ea typeface="+mn-ea"/>
-                          <a:cs typeface="+mn-cs"/>
-                        </a:defRPr>
-                      </a:lvl3pPr>
-                      <a:lvl4pPr marL="1371600" algn="l" defTabSz="457200" rtl="0" eaLnBrk="1" latinLnBrk="0" hangingPunct="1">
-                        <a:defRPr sz="1800" kern="1200">
-                          <a:solidFill>
-                            <a:schemeClr val="lt1"/>
-                          </a:solidFill>
-                          <a:latin typeface="+mn-lt"/>
-                          <a:ea typeface="+mn-ea"/>
-                          <a:cs typeface="+mn-cs"/>
-                        </a:defRPr>
-                      </a:lvl4pPr>
-                      <a:lvl5pPr marL="1828800" algn="l" defTabSz="457200" rtl="0" eaLnBrk="1" latinLnBrk="0" hangingPunct="1">
-                        <a:defRPr sz="1800" kern="1200">
-                          <a:solidFill>
-                            <a:schemeClr val="lt1"/>
-                          </a:solidFill>
-                          <a:latin typeface="+mn-lt"/>
-                          <a:ea typeface="+mn-ea"/>
-                          <a:cs typeface="+mn-cs"/>
-                        </a:defRPr>
-                      </a:lvl5pPr>
-                      <a:lvl6pPr marL="2286000" algn="l" defTabSz="457200" rtl="0" eaLnBrk="1" latinLnBrk="0" hangingPunct="1">
-                        <a:defRPr sz="1800" kern="1200">
-                          <a:solidFill>
-                            <a:schemeClr val="lt1"/>
-                          </a:solidFill>
-                          <a:latin typeface="+mn-lt"/>
-                          <a:ea typeface="+mn-ea"/>
-                          <a:cs typeface="+mn-cs"/>
-                        </a:defRPr>
-                      </a:lvl6pPr>
-                      <a:lvl7pPr marL="2743200" algn="l" defTabSz="457200" rtl="0" eaLnBrk="1" latinLnBrk="0" hangingPunct="1">
-                        <a:defRPr sz="1800" kern="1200">
-                          <a:solidFill>
-                            <a:schemeClr val="lt1"/>
-                          </a:solidFill>
-                          <a:latin typeface="+mn-lt"/>
-                          <a:ea typeface="+mn-ea"/>
-                          <a:cs typeface="+mn-cs"/>
-                        </a:defRPr>
-                      </a:lvl7pPr>
-                      <a:lvl8pPr marL="3200400" algn="l" defTabSz="457200" rtl="0" eaLnBrk="1" latinLnBrk="0" hangingPunct="1">
-                        <a:defRPr sz="1800" kern="1200">
-                          <a:solidFill>
-                            <a:schemeClr val="lt1"/>
-                          </a:solidFill>
-                          <a:latin typeface="+mn-lt"/>
-                          <a:ea typeface="+mn-ea"/>
-                          <a:cs typeface="+mn-cs"/>
-                        </a:defRPr>
-                      </a:lvl8pPr>
-                      <a:lvl9pPr marL="3657600" algn="l" defTabSz="457200" rtl="0" eaLnBrk="1" latinLnBrk="0" hangingPunct="1">
-                        <a:defRPr sz="1800" kern="1200">
-                          <a:solidFill>
-                            <a:schemeClr val="lt1"/>
-                          </a:solidFill>
-                          <a:latin typeface="+mn-lt"/>
-                          <a:ea typeface="+mn-ea"/>
-                          <a:cs typeface="+mn-cs"/>
-                        </a:defRPr>
-                      </a:lvl9pPr>
-                    </a:lstStyle>
-                    <a:p>
-                      <a:pPr algn="ctr" fontAlgn="auto">
-                        <a:spcBef>
-                          <a:spcPts val="0"/>
-                        </a:spcBef>
-                        <a:spcAft>
-                          <a:spcPts val="0"/>
-                        </a:spcAft>
-                        <a:defRPr/>
-                      </a:pPr>
-                      <a:endParaRPr lang="en-US" dirty="0">
-                        <a:solidFill>
-                          <a:schemeClr val="tx1"/>
-                        </a:solidFill>
-                        <a:latin typeface="Helvetica Neue"/>
-                        <a:cs typeface="Helvetica Neue"/>
-                      </a:endParaRPr>
-                    </a:p>
-                  </p:txBody>
-                </p:sp>
-                <p:sp>
-                  <p:nvSpPr>
-                    <p:cNvPr id="27" name="Rounded Rectangle 26"/>
-                    <p:cNvSpPr/>
-                    <p:nvPr/>
-                  </p:nvSpPr>
-                  <p:spPr>
-                    <a:xfrm>
-                      <a:off x="2006264" y="4055820"/>
-                      <a:ext cx="1309596" cy="1019844"/>
-                    </a:xfrm>
-                    <a:prstGeom prst="roundRect">
-                      <a:avLst>
-                        <a:gd name="adj" fmla="val 9818"/>
-                      </a:avLst>
-                    </a:prstGeom>
-                    <a:noFill/>
-                    <a:ln w="6350">
-                      <a:solidFill>
-                        <a:srgbClr val="FF0000"/>
-                      </a:solidFill>
-                      <a:prstDash val="solid"/>
-                    </a:ln>
-                    <a:effectLst/>
-                  </p:spPr>
-                  <p:style>
-                    <a:lnRef idx="1">
-                      <a:schemeClr val="accent1"/>
-                    </a:lnRef>
-                    <a:fillRef idx="3">
-                      <a:schemeClr val="accent1"/>
-                    </a:fillRef>
-                    <a:effectRef idx="2">
-                      <a:schemeClr val="accent1"/>
-                    </a:effectRef>
-                    <a:fontRef idx="minor">
-                      <a:schemeClr val="lt1"/>
-                    </a:fontRef>
-                  </p:style>
-                  <p:txBody>
-                    <a:bodyPr anchor="ctr"/>
-                    <a:lstStyle>
-                      <a:defPPr>
-                        <a:defRPr lang="en-US"/>
-                      </a:defPPr>
-                      <a:lvl1pPr marL="0" algn="l" defTabSz="457200" rtl="0" eaLnBrk="1" latinLnBrk="0" hangingPunct="1">
-                        <a:defRPr sz="1800" kern="1200">
-                          <a:solidFill>
-                            <a:schemeClr val="lt1"/>
-                          </a:solidFill>
-                          <a:latin typeface="+mn-lt"/>
-                          <a:ea typeface="+mn-ea"/>
-                          <a:cs typeface="+mn-cs"/>
-                        </a:defRPr>
-                      </a:lvl1pPr>
-                      <a:lvl2pPr marL="457200" algn="l" defTabSz="457200" rtl="0" eaLnBrk="1" latinLnBrk="0" hangingPunct="1">
-                        <a:defRPr sz="1800" kern="1200">
-                          <a:solidFill>
-                            <a:schemeClr val="lt1"/>
-                          </a:solidFill>
-                          <a:latin typeface="+mn-lt"/>
-                          <a:ea typeface="+mn-ea"/>
-                          <a:cs typeface="+mn-cs"/>
-                        </a:defRPr>
-                      </a:lvl2pPr>
-                      <a:lvl3pPr marL="914400" algn="l" defTabSz="457200" rtl="0" eaLnBrk="1" latinLnBrk="0" hangingPunct="1">
-                        <a:defRPr sz="1800" kern="1200">
-                          <a:solidFill>
-                            <a:schemeClr val="lt1"/>
-                          </a:solidFill>
-                          <a:latin typeface="+mn-lt"/>
-                          <a:ea typeface="+mn-ea"/>
-                          <a:cs typeface="+mn-cs"/>
-                        </a:defRPr>
-                      </a:lvl3pPr>
-                      <a:lvl4pPr marL="1371600" algn="l" defTabSz="457200" rtl="0" eaLnBrk="1" latinLnBrk="0" hangingPunct="1">
-                        <a:defRPr sz="1800" kern="1200">
-                          <a:solidFill>
-                            <a:schemeClr val="lt1"/>
-                          </a:solidFill>
-                          <a:latin typeface="+mn-lt"/>
-                          <a:ea typeface="+mn-ea"/>
-                          <a:cs typeface="+mn-cs"/>
-                        </a:defRPr>
-                      </a:lvl4pPr>
-                      <a:lvl5pPr marL="1828800" algn="l" defTabSz="457200" rtl="0" eaLnBrk="1" latinLnBrk="0" hangingPunct="1">
-                        <a:defRPr sz="1800" kern="1200">
-                          <a:solidFill>
-                            <a:schemeClr val="lt1"/>
-                          </a:solidFill>
-                          <a:latin typeface="+mn-lt"/>
-                          <a:ea typeface="+mn-ea"/>
-                          <a:cs typeface="+mn-cs"/>
-                        </a:defRPr>
-                      </a:lvl5pPr>
-                      <a:lvl6pPr marL="2286000" algn="l" defTabSz="457200" rtl="0" eaLnBrk="1" latinLnBrk="0" hangingPunct="1">
-                        <a:defRPr sz="1800" kern="1200">
-                          <a:solidFill>
-                            <a:schemeClr val="lt1"/>
-                          </a:solidFill>
-                          <a:latin typeface="+mn-lt"/>
-                          <a:ea typeface="+mn-ea"/>
-                          <a:cs typeface="+mn-cs"/>
-                        </a:defRPr>
-                      </a:lvl6pPr>
-                      <a:lvl7pPr marL="2743200" algn="l" defTabSz="457200" rtl="0" eaLnBrk="1" latinLnBrk="0" hangingPunct="1">
-                        <a:defRPr sz="1800" kern="1200">
-                          <a:solidFill>
-                            <a:schemeClr val="lt1"/>
-                          </a:solidFill>
-                          <a:latin typeface="+mn-lt"/>
-                          <a:ea typeface="+mn-ea"/>
-                          <a:cs typeface="+mn-cs"/>
-                        </a:defRPr>
-                      </a:lvl7pPr>
-                      <a:lvl8pPr marL="3200400" algn="l" defTabSz="457200" rtl="0" eaLnBrk="1" latinLnBrk="0" hangingPunct="1">
-                        <a:defRPr sz="1800" kern="1200">
-                          <a:solidFill>
-                            <a:schemeClr val="lt1"/>
-                          </a:solidFill>
-                          <a:latin typeface="+mn-lt"/>
-                          <a:ea typeface="+mn-ea"/>
-                          <a:cs typeface="+mn-cs"/>
-                        </a:defRPr>
-                      </a:lvl8pPr>
-                      <a:lvl9pPr marL="3657600" algn="l" defTabSz="457200" rtl="0" eaLnBrk="1" latinLnBrk="0" hangingPunct="1">
-                        <a:defRPr sz="1800" kern="1200">
-                          <a:solidFill>
-                            <a:schemeClr val="lt1"/>
-                          </a:solidFill>
-                          <a:latin typeface="+mn-lt"/>
-                          <a:ea typeface="+mn-ea"/>
-                          <a:cs typeface="+mn-cs"/>
-                        </a:defRPr>
-                      </a:lvl9pPr>
-                    </a:lstStyle>
-                    <a:p>
-                      <a:pPr algn="ctr" fontAlgn="auto">
-                        <a:spcBef>
-                          <a:spcPts val="0"/>
-                        </a:spcBef>
-                        <a:spcAft>
-                          <a:spcPts val="0"/>
-                        </a:spcAft>
-                        <a:defRPr/>
-                      </a:pPr>
-                      <a:endParaRPr lang="en-US" dirty="0">
-                        <a:solidFill>
-                          <a:schemeClr val="tx1"/>
-                        </a:solidFill>
-                        <a:latin typeface="Arial"/>
-                        <a:cs typeface="Arial"/>
-                      </a:endParaRPr>
-                    </a:p>
-                  </p:txBody>
-                </p:sp>
-                <p:sp>
-                  <p:nvSpPr>
-                    <p:cNvPr id="28" name="Rounded Rectangle 27"/>
-                    <p:cNvSpPr/>
-                    <p:nvPr/>
-                  </p:nvSpPr>
-                  <p:spPr>
-                    <a:xfrm>
-                      <a:off x="2168421" y="5598778"/>
-                      <a:ext cx="3670882" cy="571939"/>
-                    </a:xfrm>
-                    <a:prstGeom prst="roundRect">
-                      <a:avLst>
-                        <a:gd name="adj" fmla="val 9818"/>
-                      </a:avLst>
-                    </a:prstGeom>
-                    <a:noFill/>
-                    <a:ln w="12700">
-                      <a:solidFill>
-                        <a:srgbClr val="FF0000"/>
-                      </a:solidFill>
-                      <a:prstDash val="lgDash"/>
-                    </a:ln>
-                    <a:effectLst/>
-                  </p:spPr>
-                  <p:style>
-                    <a:lnRef idx="1">
-                      <a:schemeClr val="accent1"/>
-                    </a:lnRef>
-                    <a:fillRef idx="3">
-                      <a:schemeClr val="accent1"/>
-                    </a:fillRef>
-                    <a:effectRef idx="2">
-                      <a:schemeClr val="accent1"/>
-                    </a:effectRef>
-                    <a:fontRef idx="minor">
-                      <a:schemeClr val="lt1"/>
-                    </a:fontRef>
-                  </p:style>
-                  <p:txBody>
-                    <a:bodyPr anchor="ctr"/>
-                    <a:lstStyle>
-                      <a:defPPr>
-                        <a:defRPr lang="en-US"/>
-                      </a:defPPr>
-                      <a:lvl1pPr marL="0" algn="l" defTabSz="457200" rtl="0" eaLnBrk="1" latinLnBrk="0" hangingPunct="1">
-                        <a:defRPr sz="1800" kern="1200">
-                          <a:solidFill>
-                            <a:schemeClr val="lt1"/>
-                          </a:solidFill>
-                          <a:latin typeface="+mn-lt"/>
-                          <a:ea typeface="+mn-ea"/>
-                          <a:cs typeface="+mn-cs"/>
-                        </a:defRPr>
-                      </a:lvl1pPr>
-                      <a:lvl2pPr marL="457200" algn="l" defTabSz="457200" rtl="0" eaLnBrk="1" latinLnBrk="0" hangingPunct="1">
-                        <a:defRPr sz="1800" kern="1200">
-                          <a:solidFill>
-                            <a:schemeClr val="lt1"/>
-                          </a:solidFill>
-                          <a:latin typeface="+mn-lt"/>
-                          <a:ea typeface="+mn-ea"/>
-                          <a:cs typeface="+mn-cs"/>
-                        </a:defRPr>
-                      </a:lvl2pPr>
-                      <a:lvl3pPr marL="914400" algn="l" defTabSz="457200" rtl="0" eaLnBrk="1" latinLnBrk="0" hangingPunct="1">
-                        <a:defRPr sz="1800" kern="1200">
-                          <a:solidFill>
-                            <a:schemeClr val="lt1"/>
-                          </a:solidFill>
-                          <a:latin typeface="+mn-lt"/>
-                          <a:ea typeface="+mn-ea"/>
-                          <a:cs typeface="+mn-cs"/>
-                        </a:defRPr>
-                      </a:lvl3pPr>
-                      <a:lvl4pPr marL="1371600" algn="l" defTabSz="457200" rtl="0" eaLnBrk="1" latinLnBrk="0" hangingPunct="1">
-                        <a:defRPr sz="1800" kern="1200">
-                          <a:solidFill>
-                            <a:schemeClr val="lt1"/>
-                          </a:solidFill>
-                          <a:latin typeface="+mn-lt"/>
-                          <a:ea typeface="+mn-ea"/>
-                          <a:cs typeface="+mn-cs"/>
-                        </a:defRPr>
-                      </a:lvl4pPr>
-                      <a:lvl5pPr marL="1828800" algn="l" defTabSz="457200" rtl="0" eaLnBrk="1" latinLnBrk="0" hangingPunct="1">
-                        <a:defRPr sz="1800" kern="1200">
-                          <a:solidFill>
-                            <a:schemeClr val="lt1"/>
-                          </a:solidFill>
-                          <a:latin typeface="+mn-lt"/>
-                          <a:ea typeface="+mn-ea"/>
-                          <a:cs typeface="+mn-cs"/>
-                        </a:defRPr>
-                      </a:lvl5pPr>
-                      <a:lvl6pPr marL="2286000" algn="l" defTabSz="457200" rtl="0" eaLnBrk="1" latinLnBrk="0" hangingPunct="1">
-                        <a:defRPr sz="1800" kern="1200">
-                          <a:solidFill>
-                            <a:schemeClr val="lt1"/>
-                          </a:solidFill>
-                          <a:latin typeface="+mn-lt"/>
-                          <a:ea typeface="+mn-ea"/>
-                          <a:cs typeface="+mn-cs"/>
-                        </a:defRPr>
-                      </a:lvl6pPr>
-                      <a:lvl7pPr marL="2743200" algn="l" defTabSz="457200" rtl="0" eaLnBrk="1" latinLnBrk="0" hangingPunct="1">
-                        <a:defRPr sz="1800" kern="1200">
-                          <a:solidFill>
-                            <a:schemeClr val="lt1"/>
-                          </a:solidFill>
-                          <a:latin typeface="+mn-lt"/>
-                          <a:ea typeface="+mn-ea"/>
-                          <a:cs typeface="+mn-cs"/>
-                        </a:defRPr>
-                      </a:lvl7pPr>
-                      <a:lvl8pPr marL="3200400" algn="l" defTabSz="457200" rtl="0" eaLnBrk="1" latinLnBrk="0" hangingPunct="1">
-                        <a:defRPr sz="1800" kern="1200">
-                          <a:solidFill>
-                            <a:schemeClr val="lt1"/>
-                          </a:solidFill>
-                          <a:latin typeface="+mn-lt"/>
-                          <a:ea typeface="+mn-ea"/>
-                          <a:cs typeface="+mn-cs"/>
-                        </a:defRPr>
-                      </a:lvl8pPr>
-                      <a:lvl9pPr marL="3657600" algn="l" defTabSz="457200" rtl="0" eaLnBrk="1" latinLnBrk="0" hangingPunct="1">
-                        <a:defRPr sz="1800" kern="1200">
-                          <a:solidFill>
-                            <a:schemeClr val="lt1"/>
-                          </a:solidFill>
-                          <a:latin typeface="+mn-lt"/>
-                          <a:ea typeface="+mn-ea"/>
-                          <a:cs typeface="+mn-cs"/>
-                        </a:defRPr>
-                      </a:lvl9pPr>
-                    </a:lstStyle>
-                    <a:p>
-                      <a:pPr algn="ctr" fontAlgn="auto">
-                        <a:spcBef>
-                          <a:spcPts val="0"/>
-                        </a:spcBef>
-                        <a:spcAft>
-                          <a:spcPts val="0"/>
-                        </a:spcAft>
-                        <a:defRPr/>
-                      </a:pPr>
-                      <a:endParaRPr lang="en-US" dirty="0">
-                        <a:solidFill>
-                          <a:schemeClr val="tx1"/>
-                        </a:solidFill>
-                        <a:latin typeface="Helvetica Neue"/>
-                        <a:cs typeface="Helvetica Neue"/>
-                      </a:endParaRPr>
-                    </a:p>
-                  </p:txBody>
-                </p:sp>
-              </p:grpSp>
               <p:pic>
                 <p:nvPicPr>
                   <p:cNvPr id="38" name="Picture 37"/>
@@ -4813,7 +4403,7 @@
                 </p:blipFill>
                 <p:spPr>
                   <a:xfrm>
-                    <a:off x="1027373" y="2757100"/>
+                    <a:off x="994538" y="2757107"/>
                     <a:ext cx="266569" cy="368300"/>
                   </a:xfrm>
                   <a:prstGeom prst="rect">
@@ -4821,198 +4411,6 @@
                   </a:prstGeom>
                 </p:spPr>
               </p:pic>
-              <p:pic>
-                <p:nvPicPr>
-                  <p:cNvPr id="49" name="Picture 48">
-                    <a:extLst>
-                      <a:ext uri="{FF2B5EF4-FFF2-40B4-BE49-F238E27FC236}">
-                        <a16:creationId xmlns:a16="http://schemas.microsoft.com/office/drawing/2014/main" id="{EF223050-B4C1-894E-A5FC-FEF3F4DB2D27}"/>
-                      </a:ext>
-                    </a:extLst>
-                  </p:cNvPr>
-                  <p:cNvPicPr>
-                    <a:picLocks noChangeAspect="1"/>
-                  </p:cNvPicPr>
-                  <p:nvPr/>
-                </p:nvPicPr>
-                <p:blipFill>
-                  <a:blip r:embed="rId5"/>
-                  <a:stretch>
-                    <a:fillRect/>
-                  </a:stretch>
-                </p:blipFill>
-                <p:spPr>
-                  <a:xfrm>
-                    <a:off x="407637" y="1498595"/>
-                    <a:ext cx="444281" cy="330200"/>
-                  </a:xfrm>
-                  <a:prstGeom prst="rect">
-                    <a:avLst/>
-                  </a:prstGeom>
-                </p:spPr>
-              </p:pic>
-              <p:sp>
-                <p:nvSpPr>
-                  <p:cNvPr id="72" name="Rounded Rectangle 71">
-                    <a:extLst>
-                      <a:ext uri="{FF2B5EF4-FFF2-40B4-BE49-F238E27FC236}">
-                        <a16:creationId xmlns:a16="http://schemas.microsoft.com/office/drawing/2014/main" id="{6506A56E-229C-B444-8BDB-CF25E56966B2}"/>
-                      </a:ext>
-                    </a:extLst>
-                  </p:cNvPr>
-                  <p:cNvSpPr/>
-                  <p:nvPr/>
-                </p:nvSpPr>
-                <p:spPr>
-                  <a:xfrm>
-                    <a:off x="884875" y="5154425"/>
-                    <a:ext cx="1742997" cy="1718976"/>
-                  </a:xfrm>
-                  <a:prstGeom prst="roundRect">
-                    <a:avLst>
-                      <a:gd name="adj" fmla="val 9818"/>
-                    </a:avLst>
-                  </a:prstGeom>
-                  <a:noFill/>
-                  <a:ln w="12700">
-                    <a:solidFill>
-                      <a:srgbClr val="FF0000"/>
-                    </a:solidFill>
-                    <a:prstDash val="solid"/>
-                  </a:ln>
-                  <a:effectLst/>
-                </p:spPr>
-                <p:style>
-                  <a:lnRef idx="1">
-                    <a:schemeClr val="accent1"/>
-                  </a:lnRef>
-                  <a:fillRef idx="3">
-                    <a:schemeClr val="accent1"/>
-                  </a:fillRef>
-                  <a:effectRef idx="2">
-                    <a:schemeClr val="accent1"/>
-                  </a:effectRef>
-                  <a:fontRef idx="minor">
-                    <a:schemeClr val="lt1"/>
-                  </a:fontRef>
-                </p:style>
-                <p:txBody>
-                  <a:bodyPr anchor="ctr"/>
-                  <a:lstStyle>
-                    <a:defPPr>
-                      <a:defRPr lang="en-US"/>
-                    </a:defPPr>
-                    <a:lvl1pPr marL="0" algn="l" defTabSz="457200" rtl="0" eaLnBrk="1" latinLnBrk="0" hangingPunct="1">
-                      <a:defRPr sz="1800" kern="1200">
-                        <a:solidFill>
-                          <a:schemeClr val="lt1"/>
-                        </a:solidFill>
-                        <a:latin typeface="+mn-lt"/>
-                        <a:ea typeface="+mn-ea"/>
-                        <a:cs typeface="+mn-cs"/>
-                      </a:defRPr>
-                    </a:lvl1pPr>
-                    <a:lvl2pPr marL="457200" algn="l" defTabSz="457200" rtl="0" eaLnBrk="1" latinLnBrk="0" hangingPunct="1">
-                      <a:defRPr sz="1800" kern="1200">
-                        <a:solidFill>
-                          <a:schemeClr val="lt1"/>
-                        </a:solidFill>
-                        <a:latin typeface="+mn-lt"/>
-                        <a:ea typeface="+mn-ea"/>
-                        <a:cs typeface="+mn-cs"/>
-                      </a:defRPr>
-                    </a:lvl2pPr>
-                    <a:lvl3pPr marL="914400" algn="l" defTabSz="457200" rtl="0" eaLnBrk="1" latinLnBrk="0" hangingPunct="1">
-                      <a:defRPr sz="1800" kern="1200">
-                        <a:solidFill>
-                          <a:schemeClr val="lt1"/>
-                        </a:solidFill>
-                        <a:latin typeface="+mn-lt"/>
-                        <a:ea typeface="+mn-ea"/>
-                        <a:cs typeface="+mn-cs"/>
-                      </a:defRPr>
-                    </a:lvl3pPr>
-                    <a:lvl4pPr marL="1371600" algn="l" defTabSz="457200" rtl="0" eaLnBrk="1" latinLnBrk="0" hangingPunct="1">
-                      <a:defRPr sz="1800" kern="1200">
-                        <a:solidFill>
-                          <a:schemeClr val="lt1"/>
-                        </a:solidFill>
-                        <a:latin typeface="+mn-lt"/>
-                        <a:ea typeface="+mn-ea"/>
-                        <a:cs typeface="+mn-cs"/>
-                      </a:defRPr>
-                    </a:lvl4pPr>
-                    <a:lvl5pPr marL="1828800" algn="l" defTabSz="457200" rtl="0" eaLnBrk="1" latinLnBrk="0" hangingPunct="1">
-                      <a:defRPr sz="1800" kern="1200">
-                        <a:solidFill>
-                          <a:schemeClr val="lt1"/>
-                        </a:solidFill>
-                        <a:latin typeface="+mn-lt"/>
-                        <a:ea typeface="+mn-ea"/>
-                        <a:cs typeface="+mn-cs"/>
-                      </a:defRPr>
-                    </a:lvl5pPr>
-                    <a:lvl6pPr marL="2286000" algn="l" defTabSz="457200" rtl="0" eaLnBrk="1" latinLnBrk="0" hangingPunct="1">
-                      <a:defRPr sz="1800" kern="1200">
-                        <a:solidFill>
-                          <a:schemeClr val="lt1"/>
-                        </a:solidFill>
-                        <a:latin typeface="+mn-lt"/>
-                        <a:ea typeface="+mn-ea"/>
-                        <a:cs typeface="+mn-cs"/>
-                      </a:defRPr>
-                    </a:lvl6pPr>
-                    <a:lvl7pPr marL="2743200" algn="l" defTabSz="457200" rtl="0" eaLnBrk="1" latinLnBrk="0" hangingPunct="1">
-                      <a:defRPr sz="1800" kern="1200">
-                        <a:solidFill>
-                          <a:schemeClr val="lt1"/>
-                        </a:solidFill>
-                        <a:latin typeface="+mn-lt"/>
-                        <a:ea typeface="+mn-ea"/>
-                        <a:cs typeface="+mn-cs"/>
-                      </a:defRPr>
-                    </a:lvl7pPr>
-                    <a:lvl8pPr marL="3200400" algn="l" defTabSz="457200" rtl="0" eaLnBrk="1" latinLnBrk="0" hangingPunct="1">
-                      <a:defRPr sz="1800" kern="1200">
-                        <a:solidFill>
-                          <a:schemeClr val="lt1"/>
-                        </a:solidFill>
-                        <a:latin typeface="+mn-lt"/>
-                        <a:ea typeface="+mn-ea"/>
-                        <a:cs typeface="+mn-cs"/>
-                      </a:defRPr>
-                    </a:lvl8pPr>
-                    <a:lvl9pPr marL="3657600" algn="l" defTabSz="457200" rtl="0" eaLnBrk="1" latinLnBrk="0" hangingPunct="1">
-                      <a:defRPr sz="1800" kern="1200">
-                        <a:solidFill>
-                          <a:schemeClr val="lt1"/>
-                        </a:solidFill>
-                        <a:latin typeface="+mn-lt"/>
-                        <a:ea typeface="+mn-ea"/>
-                        <a:cs typeface="+mn-cs"/>
-                      </a:defRPr>
-                    </a:lvl9pPr>
-                  </a:lstStyle>
-                  <a:p>
-                    <a:pPr algn="ctr" fontAlgn="auto">
-                      <a:spcBef>
-                        <a:spcPts val="0"/>
-                      </a:spcBef>
-                      <a:spcAft>
-                        <a:spcPts val="0"/>
-                      </a:spcAft>
-                      <a:defRPr/>
-                    </a:pPr>
-                    <a:endParaRPr lang="en-US" dirty="0">
-                      <a:solidFill>
-                        <a:schemeClr val="tx1"/>
-                      </a:solidFill>
-                      <a:latin typeface="Arial"/>
-                      <a:cs typeface="Arial"/>
-                    </a:endParaRPr>
-                  </a:p>
-                </p:txBody>
-              </p:sp>
               <p:pic>
                 <p:nvPicPr>
                   <p:cNvPr id="84" name="Picture 83">
@@ -5043,492 +4441,6 @@
                   </a:prstGeom>
                 </p:spPr>
               </p:pic>
-              <p:sp>
-                <p:nvSpPr>
-                  <p:cNvPr id="86" name="Rounded Rectangle 85">
-                    <a:extLst>
-                      <a:ext uri="{FF2B5EF4-FFF2-40B4-BE49-F238E27FC236}">
-                        <a16:creationId xmlns:a16="http://schemas.microsoft.com/office/drawing/2014/main" id="{4993E789-66E9-274F-A09D-087FFB2C2E23}"/>
-                      </a:ext>
-                    </a:extLst>
-                  </p:cNvPr>
-                  <p:cNvSpPr/>
-                  <p:nvPr/>
-                </p:nvSpPr>
-                <p:spPr>
-                  <a:xfrm>
-                    <a:off x="4186738" y="2447706"/>
-                    <a:ext cx="2282619" cy="4619517"/>
-                  </a:xfrm>
-                  <a:prstGeom prst="roundRect">
-                    <a:avLst>
-                      <a:gd name="adj" fmla="val 9818"/>
-                    </a:avLst>
-                  </a:prstGeom>
-                  <a:noFill/>
-                  <a:ln w="12700">
-                    <a:solidFill>
-                      <a:srgbClr val="4378BB"/>
-                    </a:solidFill>
-                    <a:prstDash val="lgDash"/>
-                  </a:ln>
-                  <a:effectLst/>
-                </p:spPr>
-                <p:style>
-                  <a:lnRef idx="1">
-                    <a:schemeClr val="accent1"/>
-                  </a:lnRef>
-                  <a:fillRef idx="3">
-                    <a:schemeClr val="accent1"/>
-                  </a:fillRef>
-                  <a:effectRef idx="2">
-                    <a:schemeClr val="accent1"/>
-                  </a:effectRef>
-                  <a:fontRef idx="minor">
-                    <a:schemeClr val="lt1"/>
-                  </a:fontRef>
-                </p:style>
-                <p:txBody>
-                  <a:bodyPr anchor="ctr"/>
-                  <a:lstStyle>
-                    <a:defPPr>
-                      <a:defRPr lang="en-US"/>
-                    </a:defPPr>
-                    <a:lvl1pPr marL="0" algn="l" defTabSz="457200" rtl="0" eaLnBrk="1" latinLnBrk="0" hangingPunct="1">
-                      <a:defRPr sz="1800" kern="1200">
-                        <a:solidFill>
-                          <a:schemeClr val="lt1"/>
-                        </a:solidFill>
-                        <a:latin typeface="+mn-lt"/>
-                        <a:ea typeface="+mn-ea"/>
-                        <a:cs typeface="+mn-cs"/>
-                      </a:defRPr>
-                    </a:lvl1pPr>
-                    <a:lvl2pPr marL="457200" algn="l" defTabSz="457200" rtl="0" eaLnBrk="1" latinLnBrk="0" hangingPunct="1">
-                      <a:defRPr sz="1800" kern="1200">
-                        <a:solidFill>
-                          <a:schemeClr val="lt1"/>
-                        </a:solidFill>
-                        <a:latin typeface="+mn-lt"/>
-                        <a:ea typeface="+mn-ea"/>
-                        <a:cs typeface="+mn-cs"/>
-                      </a:defRPr>
-                    </a:lvl2pPr>
-                    <a:lvl3pPr marL="914400" algn="l" defTabSz="457200" rtl="0" eaLnBrk="1" latinLnBrk="0" hangingPunct="1">
-                      <a:defRPr sz="1800" kern="1200">
-                        <a:solidFill>
-                          <a:schemeClr val="lt1"/>
-                        </a:solidFill>
-                        <a:latin typeface="+mn-lt"/>
-                        <a:ea typeface="+mn-ea"/>
-                        <a:cs typeface="+mn-cs"/>
-                      </a:defRPr>
-                    </a:lvl3pPr>
-                    <a:lvl4pPr marL="1371600" algn="l" defTabSz="457200" rtl="0" eaLnBrk="1" latinLnBrk="0" hangingPunct="1">
-                      <a:defRPr sz="1800" kern="1200">
-                        <a:solidFill>
-                          <a:schemeClr val="lt1"/>
-                        </a:solidFill>
-                        <a:latin typeface="+mn-lt"/>
-                        <a:ea typeface="+mn-ea"/>
-                        <a:cs typeface="+mn-cs"/>
-                      </a:defRPr>
-                    </a:lvl4pPr>
-                    <a:lvl5pPr marL="1828800" algn="l" defTabSz="457200" rtl="0" eaLnBrk="1" latinLnBrk="0" hangingPunct="1">
-                      <a:defRPr sz="1800" kern="1200">
-                        <a:solidFill>
-                          <a:schemeClr val="lt1"/>
-                        </a:solidFill>
-                        <a:latin typeface="+mn-lt"/>
-                        <a:ea typeface="+mn-ea"/>
-                        <a:cs typeface="+mn-cs"/>
-                      </a:defRPr>
-                    </a:lvl5pPr>
-                    <a:lvl6pPr marL="2286000" algn="l" defTabSz="457200" rtl="0" eaLnBrk="1" latinLnBrk="0" hangingPunct="1">
-                      <a:defRPr sz="1800" kern="1200">
-                        <a:solidFill>
-                          <a:schemeClr val="lt1"/>
-                        </a:solidFill>
-                        <a:latin typeface="+mn-lt"/>
-                        <a:ea typeface="+mn-ea"/>
-                        <a:cs typeface="+mn-cs"/>
-                      </a:defRPr>
-                    </a:lvl6pPr>
-                    <a:lvl7pPr marL="2743200" algn="l" defTabSz="457200" rtl="0" eaLnBrk="1" latinLnBrk="0" hangingPunct="1">
-                      <a:defRPr sz="1800" kern="1200">
-                        <a:solidFill>
-                          <a:schemeClr val="lt1"/>
-                        </a:solidFill>
-                        <a:latin typeface="+mn-lt"/>
-                        <a:ea typeface="+mn-ea"/>
-                        <a:cs typeface="+mn-cs"/>
-                      </a:defRPr>
-                    </a:lvl7pPr>
-                    <a:lvl8pPr marL="3200400" algn="l" defTabSz="457200" rtl="0" eaLnBrk="1" latinLnBrk="0" hangingPunct="1">
-                      <a:defRPr sz="1800" kern="1200">
-                        <a:solidFill>
-                          <a:schemeClr val="lt1"/>
-                        </a:solidFill>
-                        <a:latin typeface="+mn-lt"/>
-                        <a:ea typeface="+mn-ea"/>
-                        <a:cs typeface="+mn-cs"/>
-                      </a:defRPr>
-                    </a:lvl8pPr>
-                    <a:lvl9pPr marL="3657600" algn="l" defTabSz="457200" rtl="0" eaLnBrk="1" latinLnBrk="0" hangingPunct="1">
-                      <a:defRPr sz="1800" kern="1200">
-                        <a:solidFill>
-                          <a:schemeClr val="lt1"/>
-                        </a:solidFill>
-                        <a:latin typeface="+mn-lt"/>
-                        <a:ea typeface="+mn-ea"/>
-                        <a:cs typeface="+mn-cs"/>
-                      </a:defRPr>
-                    </a:lvl9pPr>
-                  </a:lstStyle>
-                  <a:p>
-                    <a:pPr algn="ctr" fontAlgn="auto">
-                      <a:spcBef>
-                        <a:spcPts val="0"/>
-                      </a:spcBef>
-                      <a:spcAft>
-                        <a:spcPts val="0"/>
-                      </a:spcAft>
-                      <a:defRPr/>
-                    </a:pPr>
-                    <a:endParaRPr lang="en-US" dirty="0">
-                      <a:solidFill>
-                        <a:schemeClr val="tx1"/>
-                      </a:solidFill>
-                      <a:latin typeface="Helvetica Neue"/>
-                      <a:cs typeface="Helvetica Neue"/>
-                    </a:endParaRPr>
-                  </a:p>
-                </p:txBody>
-              </p:sp>
-              <p:sp>
-                <p:nvSpPr>
-                  <p:cNvPr id="92" name="Rounded Rectangle 91">
-                    <a:extLst>
-                      <a:ext uri="{FF2B5EF4-FFF2-40B4-BE49-F238E27FC236}">
-                        <a16:creationId xmlns:a16="http://schemas.microsoft.com/office/drawing/2014/main" id="{44E3CB32-98FF-2249-B8A0-789FC06447D0}"/>
-                      </a:ext>
-                    </a:extLst>
-                  </p:cNvPr>
-                  <p:cNvSpPr/>
-                  <p:nvPr/>
-                </p:nvSpPr>
-                <p:spPr>
-                  <a:xfrm>
-                    <a:off x="4442373" y="2924965"/>
-                    <a:ext cx="1742997" cy="1718976"/>
-                  </a:xfrm>
-                  <a:prstGeom prst="roundRect">
-                    <a:avLst>
-                      <a:gd name="adj" fmla="val 9818"/>
-                    </a:avLst>
-                  </a:prstGeom>
-                  <a:noFill/>
-                  <a:ln w="12700">
-                    <a:solidFill>
-                      <a:srgbClr val="FF0000"/>
-                    </a:solidFill>
-                    <a:prstDash val="solid"/>
-                  </a:ln>
-                  <a:effectLst/>
-                </p:spPr>
-                <p:style>
-                  <a:lnRef idx="1">
-                    <a:schemeClr val="accent1"/>
-                  </a:lnRef>
-                  <a:fillRef idx="3">
-                    <a:schemeClr val="accent1"/>
-                  </a:fillRef>
-                  <a:effectRef idx="2">
-                    <a:schemeClr val="accent1"/>
-                  </a:effectRef>
-                  <a:fontRef idx="minor">
-                    <a:schemeClr val="lt1"/>
-                  </a:fontRef>
-                </p:style>
-                <p:txBody>
-                  <a:bodyPr anchor="ctr"/>
-                  <a:lstStyle>
-                    <a:defPPr>
-                      <a:defRPr lang="en-US"/>
-                    </a:defPPr>
-                    <a:lvl1pPr marL="0" algn="l" defTabSz="457200" rtl="0" eaLnBrk="1" latinLnBrk="0" hangingPunct="1">
-                      <a:defRPr sz="1800" kern="1200">
-                        <a:solidFill>
-                          <a:schemeClr val="lt1"/>
-                        </a:solidFill>
-                        <a:latin typeface="+mn-lt"/>
-                        <a:ea typeface="+mn-ea"/>
-                        <a:cs typeface="+mn-cs"/>
-                      </a:defRPr>
-                    </a:lvl1pPr>
-                    <a:lvl2pPr marL="457200" algn="l" defTabSz="457200" rtl="0" eaLnBrk="1" latinLnBrk="0" hangingPunct="1">
-                      <a:defRPr sz="1800" kern="1200">
-                        <a:solidFill>
-                          <a:schemeClr val="lt1"/>
-                        </a:solidFill>
-                        <a:latin typeface="+mn-lt"/>
-                        <a:ea typeface="+mn-ea"/>
-                        <a:cs typeface="+mn-cs"/>
-                      </a:defRPr>
-                    </a:lvl2pPr>
-                    <a:lvl3pPr marL="914400" algn="l" defTabSz="457200" rtl="0" eaLnBrk="1" latinLnBrk="0" hangingPunct="1">
-                      <a:defRPr sz="1800" kern="1200">
-                        <a:solidFill>
-                          <a:schemeClr val="lt1"/>
-                        </a:solidFill>
-                        <a:latin typeface="+mn-lt"/>
-                        <a:ea typeface="+mn-ea"/>
-                        <a:cs typeface="+mn-cs"/>
-                      </a:defRPr>
-                    </a:lvl3pPr>
-                    <a:lvl4pPr marL="1371600" algn="l" defTabSz="457200" rtl="0" eaLnBrk="1" latinLnBrk="0" hangingPunct="1">
-                      <a:defRPr sz="1800" kern="1200">
-                        <a:solidFill>
-                          <a:schemeClr val="lt1"/>
-                        </a:solidFill>
-                        <a:latin typeface="+mn-lt"/>
-                        <a:ea typeface="+mn-ea"/>
-                        <a:cs typeface="+mn-cs"/>
-                      </a:defRPr>
-                    </a:lvl4pPr>
-                    <a:lvl5pPr marL="1828800" algn="l" defTabSz="457200" rtl="0" eaLnBrk="1" latinLnBrk="0" hangingPunct="1">
-                      <a:defRPr sz="1800" kern="1200">
-                        <a:solidFill>
-                          <a:schemeClr val="lt1"/>
-                        </a:solidFill>
-                        <a:latin typeface="+mn-lt"/>
-                        <a:ea typeface="+mn-ea"/>
-                        <a:cs typeface="+mn-cs"/>
-                      </a:defRPr>
-                    </a:lvl5pPr>
-                    <a:lvl6pPr marL="2286000" algn="l" defTabSz="457200" rtl="0" eaLnBrk="1" latinLnBrk="0" hangingPunct="1">
-                      <a:defRPr sz="1800" kern="1200">
-                        <a:solidFill>
-                          <a:schemeClr val="lt1"/>
-                        </a:solidFill>
-                        <a:latin typeface="+mn-lt"/>
-                        <a:ea typeface="+mn-ea"/>
-                        <a:cs typeface="+mn-cs"/>
-                      </a:defRPr>
-                    </a:lvl6pPr>
-                    <a:lvl7pPr marL="2743200" algn="l" defTabSz="457200" rtl="0" eaLnBrk="1" latinLnBrk="0" hangingPunct="1">
-                      <a:defRPr sz="1800" kern="1200">
-                        <a:solidFill>
-                          <a:schemeClr val="lt1"/>
-                        </a:solidFill>
-                        <a:latin typeface="+mn-lt"/>
-                        <a:ea typeface="+mn-ea"/>
-                        <a:cs typeface="+mn-cs"/>
-                      </a:defRPr>
-                    </a:lvl7pPr>
-                    <a:lvl8pPr marL="3200400" algn="l" defTabSz="457200" rtl="0" eaLnBrk="1" latinLnBrk="0" hangingPunct="1">
-                      <a:defRPr sz="1800" kern="1200">
-                        <a:solidFill>
-                          <a:schemeClr val="lt1"/>
-                        </a:solidFill>
-                        <a:latin typeface="+mn-lt"/>
-                        <a:ea typeface="+mn-ea"/>
-                        <a:cs typeface="+mn-cs"/>
-                      </a:defRPr>
-                    </a:lvl8pPr>
-                    <a:lvl9pPr marL="3657600" algn="l" defTabSz="457200" rtl="0" eaLnBrk="1" latinLnBrk="0" hangingPunct="1">
-                      <a:defRPr sz="1800" kern="1200">
-                        <a:solidFill>
-                          <a:schemeClr val="lt1"/>
-                        </a:solidFill>
-                        <a:latin typeface="+mn-lt"/>
-                        <a:ea typeface="+mn-ea"/>
-                        <a:cs typeface="+mn-cs"/>
-                      </a:defRPr>
-                    </a:lvl9pPr>
-                  </a:lstStyle>
-                  <a:p>
-                    <a:pPr algn="ctr" fontAlgn="auto">
-                      <a:spcBef>
-                        <a:spcPts val="0"/>
-                      </a:spcBef>
-                      <a:spcAft>
-                        <a:spcPts val="0"/>
-                      </a:spcAft>
-                      <a:defRPr/>
-                    </a:pPr>
-                    <a:endParaRPr lang="en-US" dirty="0">
-                      <a:solidFill>
-                        <a:schemeClr val="tx1"/>
-                      </a:solidFill>
-                      <a:latin typeface="Arial"/>
-                      <a:cs typeface="Arial"/>
-                    </a:endParaRPr>
-                  </a:p>
-                </p:txBody>
-              </p:sp>
-              <p:sp>
-                <p:nvSpPr>
-                  <p:cNvPr id="93" name="Rounded Rectangle 92">
-                    <a:extLst>
-                      <a:ext uri="{FF2B5EF4-FFF2-40B4-BE49-F238E27FC236}">
-                        <a16:creationId xmlns:a16="http://schemas.microsoft.com/office/drawing/2014/main" id="{88163EE4-8CFF-BD48-8442-0408571AA578}"/>
-                      </a:ext>
-                    </a:extLst>
-                  </p:cNvPr>
-                  <p:cNvSpPr/>
-                  <p:nvPr/>
-                </p:nvSpPr>
-                <p:spPr>
-                  <a:xfrm>
-                    <a:off x="4429774" y="5174172"/>
-                    <a:ext cx="1742997" cy="1718976"/>
-                  </a:xfrm>
-                  <a:prstGeom prst="roundRect">
-                    <a:avLst>
-                      <a:gd name="adj" fmla="val 9818"/>
-                    </a:avLst>
-                  </a:prstGeom>
-                  <a:noFill/>
-                  <a:ln w="12700">
-                    <a:solidFill>
-                      <a:srgbClr val="FF0000"/>
-                    </a:solidFill>
-                    <a:prstDash val="solid"/>
-                  </a:ln>
-                  <a:effectLst/>
-                </p:spPr>
-                <p:style>
-                  <a:lnRef idx="1">
-                    <a:schemeClr val="accent1"/>
-                  </a:lnRef>
-                  <a:fillRef idx="3">
-                    <a:schemeClr val="accent1"/>
-                  </a:fillRef>
-                  <a:effectRef idx="2">
-                    <a:schemeClr val="accent1"/>
-                  </a:effectRef>
-                  <a:fontRef idx="minor">
-                    <a:schemeClr val="lt1"/>
-                  </a:fontRef>
-                </p:style>
-                <p:txBody>
-                  <a:bodyPr anchor="ctr"/>
-                  <a:lstStyle>
-                    <a:defPPr>
-                      <a:defRPr lang="en-US"/>
-                    </a:defPPr>
-                    <a:lvl1pPr marL="0" algn="l" defTabSz="457200" rtl="0" eaLnBrk="1" latinLnBrk="0" hangingPunct="1">
-                      <a:defRPr sz="1800" kern="1200">
-                        <a:solidFill>
-                          <a:schemeClr val="lt1"/>
-                        </a:solidFill>
-                        <a:latin typeface="+mn-lt"/>
-                        <a:ea typeface="+mn-ea"/>
-                        <a:cs typeface="+mn-cs"/>
-                      </a:defRPr>
-                    </a:lvl1pPr>
-                    <a:lvl2pPr marL="457200" algn="l" defTabSz="457200" rtl="0" eaLnBrk="1" latinLnBrk="0" hangingPunct="1">
-                      <a:defRPr sz="1800" kern="1200">
-                        <a:solidFill>
-                          <a:schemeClr val="lt1"/>
-                        </a:solidFill>
-                        <a:latin typeface="+mn-lt"/>
-                        <a:ea typeface="+mn-ea"/>
-                        <a:cs typeface="+mn-cs"/>
-                      </a:defRPr>
-                    </a:lvl2pPr>
-                    <a:lvl3pPr marL="914400" algn="l" defTabSz="457200" rtl="0" eaLnBrk="1" latinLnBrk="0" hangingPunct="1">
-                      <a:defRPr sz="1800" kern="1200">
-                        <a:solidFill>
-                          <a:schemeClr val="lt1"/>
-                        </a:solidFill>
-                        <a:latin typeface="+mn-lt"/>
-                        <a:ea typeface="+mn-ea"/>
-                        <a:cs typeface="+mn-cs"/>
-                      </a:defRPr>
-                    </a:lvl3pPr>
-                    <a:lvl4pPr marL="1371600" algn="l" defTabSz="457200" rtl="0" eaLnBrk="1" latinLnBrk="0" hangingPunct="1">
-                      <a:defRPr sz="1800" kern="1200">
-                        <a:solidFill>
-                          <a:schemeClr val="lt1"/>
-                        </a:solidFill>
-                        <a:latin typeface="+mn-lt"/>
-                        <a:ea typeface="+mn-ea"/>
-                        <a:cs typeface="+mn-cs"/>
-                      </a:defRPr>
-                    </a:lvl4pPr>
-                    <a:lvl5pPr marL="1828800" algn="l" defTabSz="457200" rtl="0" eaLnBrk="1" latinLnBrk="0" hangingPunct="1">
-                      <a:defRPr sz="1800" kern="1200">
-                        <a:solidFill>
-                          <a:schemeClr val="lt1"/>
-                        </a:solidFill>
-                        <a:latin typeface="+mn-lt"/>
-                        <a:ea typeface="+mn-ea"/>
-                        <a:cs typeface="+mn-cs"/>
-                      </a:defRPr>
-                    </a:lvl5pPr>
-                    <a:lvl6pPr marL="2286000" algn="l" defTabSz="457200" rtl="0" eaLnBrk="1" latinLnBrk="0" hangingPunct="1">
-                      <a:defRPr sz="1800" kern="1200">
-                        <a:solidFill>
-                          <a:schemeClr val="lt1"/>
-                        </a:solidFill>
-                        <a:latin typeface="+mn-lt"/>
-                        <a:ea typeface="+mn-ea"/>
-                        <a:cs typeface="+mn-cs"/>
-                      </a:defRPr>
-                    </a:lvl6pPr>
-                    <a:lvl7pPr marL="2743200" algn="l" defTabSz="457200" rtl="0" eaLnBrk="1" latinLnBrk="0" hangingPunct="1">
-                      <a:defRPr sz="1800" kern="1200">
-                        <a:solidFill>
-                          <a:schemeClr val="lt1"/>
-                        </a:solidFill>
-                        <a:latin typeface="+mn-lt"/>
-                        <a:ea typeface="+mn-ea"/>
-                        <a:cs typeface="+mn-cs"/>
-                      </a:defRPr>
-                    </a:lvl7pPr>
-                    <a:lvl8pPr marL="3200400" algn="l" defTabSz="457200" rtl="0" eaLnBrk="1" latinLnBrk="0" hangingPunct="1">
-                      <a:defRPr sz="1800" kern="1200">
-                        <a:solidFill>
-                          <a:schemeClr val="lt1"/>
-                        </a:solidFill>
-                        <a:latin typeface="+mn-lt"/>
-                        <a:ea typeface="+mn-ea"/>
-                        <a:cs typeface="+mn-cs"/>
-                      </a:defRPr>
-                    </a:lvl8pPr>
-                    <a:lvl9pPr marL="3657600" algn="l" defTabSz="457200" rtl="0" eaLnBrk="1" latinLnBrk="0" hangingPunct="1">
-                      <a:defRPr sz="1800" kern="1200">
-                        <a:solidFill>
-                          <a:schemeClr val="lt1"/>
-                        </a:solidFill>
-                        <a:latin typeface="+mn-lt"/>
-                        <a:ea typeface="+mn-ea"/>
-                        <a:cs typeface="+mn-cs"/>
-                      </a:defRPr>
-                    </a:lvl9pPr>
-                  </a:lstStyle>
-                  <a:p>
-                    <a:pPr algn="ctr" fontAlgn="auto">
-                      <a:spcBef>
-                        <a:spcPts val="0"/>
-                      </a:spcBef>
-                      <a:spcAft>
-                        <a:spcPts val="0"/>
-                      </a:spcAft>
-                      <a:defRPr/>
-                    </a:pPr>
-                    <a:endParaRPr lang="en-US" dirty="0">
-                      <a:solidFill>
-                        <a:schemeClr val="tx1"/>
-                      </a:solidFill>
-                      <a:latin typeface="Arial"/>
-                      <a:cs typeface="Arial"/>
-                    </a:endParaRPr>
-                  </a:p>
-                </p:txBody>
-              </p:sp>
               <p:pic>
                 <p:nvPicPr>
                   <p:cNvPr id="94" name="Picture 93">
@@ -5589,168 +4501,6 @@
                   </a:prstGeom>
                 </p:spPr>
               </p:pic>
-              <p:sp>
-                <p:nvSpPr>
-                  <p:cNvPr id="130" name="Rounded Rectangle 129">
-                    <a:extLst>
-                      <a:ext uri="{FF2B5EF4-FFF2-40B4-BE49-F238E27FC236}">
-                        <a16:creationId xmlns:a16="http://schemas.microsoft.com/office/drawing/2014/main" id="{E1561D93-652E-804D-BE49-7F40F1E6FCD6}"/>
-                      </a:ext>
-                    </a:extLst>
-                  </p:cNvPr>
-                  <p:cNvSpPr/>
-                  <p:nvPr/>
-                </p:nvSpPr>
-                <p:spPr>
-                  <a:xfrm>
-                    <a:off x="1110140" y="3328931"/>
-                    <a:ext cx="4885731" cy="964019"/>
-                  </a:xfrm>
-                  <a:prstGeom prst="roundRect">
-                    <a:avLst>
-                      <a:gd name="adj" fmla="val 9818"/>
-                    </a:avLst>
-                  </a:prstGeom>
-                  <a:noFill/>
-                  <a:ln w="12700">
-                    <a:solidFill>
-                      <a:srgbClr val="FF0000"/>
-                    </a:solidFill>
-                    <a:prstDash val="lgDash"/>
-                  </a:ln>
-                  <a:effectLst/>
-                </p:spPr>
-                <p:style>
-                  <a:lnRef idx="1">
-                    <a:schemeClr val="accent1"/>
-                  </a:lnRef>
-                  <a:fillRef idx="3">
-                    <a:schemeClr val="accent1"/>
-                  </a:fillRef>
-                  <a:effectRef idx="2">
-                    <a:schemeClr val="accent1"/>
-                  </a:effectRef>
-                  <a:fontRef idx="minor">
-                    <a:schemeClr val="lt1"/>
-                  </a:fontRef>
-                </p:style>
-                <p:txBody>
-                  <a:bodyPr anchor="ctr"/>
-                  <a:lstStyle>
-                    <a:defPPr>
-                      <a:defRPr lang="en-US"/>
-                    </a:defPPr>
-                    <a:lvl1pPr marL="0" algn="l" defTabSz="457200" rtl="0" eaLnBrk="1" latinLnBrk="0" hangingPunct="1">
-                      <a:defRPr sz="1800" kern="1200">
-                        <a:solidFill>
-                          <a:schemeClr val="lt1"/>
-                        </a:solidFill>
-                        <a:latin typeface="+mn-lt"/>
-                        <a:ea typeface="+mn-ea"/>
-                        <a:cs typeface="+mn-cs"/>
-                      </a:defRPr>
-                    </a:lvl1pPr>
-                    <a:lvl2pPr marL="457200" algn="l" defTabSz="457200" rtl="0" eaLnBrk="1" latinLnBrk="0" hangingPunct="1">
-                      <a:defRPr sz="1800" kern="1200">
-                        <a:solidFill>
-                          <a:schemeClr val="lt1"/>
-                        </a:solidFill>
-                        <a:latin typeface="+mn-lt"/>
-                        <a:ea typeface="+mn-ea"/>
-                        <a:cs typeface="+mn-cs"/>
-                      </a:defRPr>
-                    </a:lvl2pPr>
-                    <a:lvl3pPr marL="914400" algn="l" defTabSz="457200" rtl="0" eaLnBrk="1" latinLnBrk="0" hangingPunct="1">
-                      <a:defRPr sz="1800" kern="1200">
-                        <a:solidFill>
-                          <a:schemeClr val="lt1"/>
-                        </a:solidFill>
-                        <a:latin typeface="+mn-lt"/>
-                        <a:ea typeface="+mn-ea"/>
-                        <a:cs typeface="+mn-cs"/>
-                      </a:defRPr>
-                    </a:lvl3pPr>
-                    <a:lvl4pPr marL="1371600" algn="l" defTabSz="457200" rtl="0" eaLnBrk="1" latinLnBrk="0" hangingPunct="1">
-                      <a:defRPr sz="1800" kern="1200">
-                        <a:solidFill>
-                          <a:schemeClr val="lt1"/>
-                        </a:solidFill>
-                        <a:latin typeface="+mn-lt"/>
-                        <a:ea typeface="+mn-ea"/>
-                        <a:cs typeface="+mn-cs"/>
-                      </a:defRPr>
-                    </a:lvl4pPr>
-                    <a:lvl5pPr marL="1828800" algn="l" defTabSz="457200" rtl="0" eaLnBrk="1" latinLnBrk="0" hangingPunct="1">
-                      <a:defRPr sz="1800" kern="1200">
-                        <a:solidFill>
-                          <a:schemeClr val="lt1"/>
-                        </a:solidFill>
-                        <a:latin typeface="+mn-lt"/>
-                        <a:ea typeface="+mn-ea"/>
-                        <a:cs typeface="+mn-cs"/>
-                      </a:defRPr>
-                    </a:lvl5pPr>
-                    <a:lvl6pPr marL="2286000" algn="l" defTabSz="457200" rtl="0" eaLnBrk="1" latinLnBrk="0" hangingPunct="1">
-                      <a:defRPr sz="1800" kern="1200">
-                        <a:solidFill>
-                          <a:schemeClr val="lt1"/>
-                        </a:solidFill>
-                        <a:latin typeface="+mn-lt"/>
-                        <a:ea typeface="+mn-ea"/>
-                        <a:cs typeface="+mn-cs"/>
-                      </a:defRPr>
-                    </a:lvl6pPr>
-                    <a:lvl7pPr marL="2743200" algn="l" defTabSz="457200" rtl="0" eaLnBrk="1" latinLnBrk="0" hangingPunct="1">
-                      <a:defRPr sz="1800" kern="1200">
-                        <a:solidFill>
-                          <a:schemeClr val="lt1"/>
-                        </a:solidFill>
-                        <a:latin typeface="+mn-lt"/>
-                        <a:ea typeface="+mn-ea"/>
-                        <a:cs typeface="+mn-cs"/>
-                      </a:defRPr>
-                    </a:lvl7pPr>
-                    <a:lvl8pPr marL="3200400" algn="l" defTabSz="457200" rtl="0" eaLnBrk="1" latinLnBrk="0" hangingPunct="1">
-                      <a:defRPr sz="1800" kern="1200">
-                        <a:solidFill>
-                          <a:schemeClr val="lt1"/>
-                        </a:solidFill>
-                        <a:latin typeface="+mn-lt"/>
-                        <a:ea typeface="+mn-ea"/>
-                        <a:cs typeface="+mn-cs"/>
-                      </a:defRPr>
-                    </a:lvl8pPr>
-                    <a:lvl9pPr marL="3657600" algn="l" defTabSz="457200" rtl="0" eaLnBrk="1" latinLnBrk="0" hangingPunct="1">
-                      <a:defRPr sz="1800" kern="1200">
-                        <a:solidFill>
-                          <a:schemeClr val="lt1"/>
-                        </a:solidFill>
-                        <a:latin typeface="+mn-lt"/>
-                        <a:ea typeface="+mn-ea"/>
-                        <a:cs typeface="+mn-cs"/>
-                      </a:defRPr>
-                    </a:lvl9pPr>
-                  </a:lstStyle>
-                  <a:p>
-                    <a:pPr algn="ctr" fontAlgn="auto">
-                      <a:spcBef>
-                        <a:spcPts val="0"/>
-                      </a:spcBef>
-                      <a:spcAft>
-                        <a:spcPts val="0"/>
-                      </a:spcAft>
-                      <a:defRPr/>
-                    </a:pPr>
-                    <a:endParaRPr lang="en-US" dirty="0">
-                      <a:solidFill>
-                        <a:schemeClr val="tx1"/>
-                      </a:solidFill>
-                      <a:latin typeface="Helvetica Neue"/>
-                      <a:cs typeface="Helvetica Neue"/>
-                    </a:endParaRPr>
-                  </a:p>
-                </p:txBody>
-              </p:sp>
               <p:pic>
                 <p:nvPicPr>
                   <p:cNvPr id="136" name="Picture 135">
@@ -5766,7 +4516,7 @@
                   <p:nvPr/>
                 </p:nvPicPr>
                 <p:blipFill>
-                  <a:blip r:embed="rId6"/>
+                  <a:blip r:embed="rId5"/>
                   <a:stretch>
                     <a:fillRect/>
                   </a:stretch>
@@ -5907,7 +4657,7 @@
                     <p:nvPr/>
                   </p:nvPicPr>
                   <p:blipFill>
-                    <a:blip r:embed="rId7">
+                    <a:blip r:embed="rId6">
                       <a:biLevel thresh="50000"/>
                     </a:blip>
                     <a:stretch>
@@ -6193,7 +4943,7 @@
                     <p:nvPr/>
                   </p:nvPicPr>
                   <p:blipFill>
-                    <a:blip r:embed="rId8">
+                    <a:blip r:embed="rId7">
                       <a:biLevel thresh="50000"/>
                     </a:blip>
                     <a:stretch>
@@ -6527,7 +5277,7 @@
                     <p:nvPr/>
                   </p:nvPicPr>
                   <p:blipFill>
-                    <a:blip r:embed="rId9">
+                    <a:blip r:embed="rId8">
                       <a:biLevel thresh="50000"/>
                     </a:blip>
                     <a:stretch>
@@ -6671,7 +5421,7 @@
                     <p:nvPr/>
                   </p:nvPicPr>
                   <p:blipFill>
-                    <a:blip r:embed="rId10"/>
+                    <a:blip r:embed="rId9"/>
                     <a:stretch>
                       <a:fillRect/>
                     </a:stretch>
@@ -6813,7 +5563,7 @@
                     <p:nvPr/>
                   </p:nvPicPr>
                   <p:blipFill>
-                    <a:blip r:embed="rId10"/>
+                    <a:blip r:embed="rId9"/>
                     <a:stretch>
                       <a:fillRect/>
                     </a:stretch>
@@ -6955,7 +5705,7 @@
                     <p:nvPr/>
                   </p:nvPicPr>
                   <p:blipFill>
-                    <a:blip r:embed="rId10"/>
+                    <a:blip r:embed="rId9"/>
                     <a:stretch>
                       <a:fillRect/>
                     </a:stretch>
@@ -7097,7 +5847,7 @@
                     <p:nvPr/>
                   </p:nvPicPr>
                   <p:blipFill>
-                    <a:blip r:embed="rId10"/>
+                    <a:blip r:embed="rId9"/>
                     <a:stretch>
                       <a:fillRect/>
                     </a:stretch>
@@ -7239,7 +5989,7 @@
                     <p:nvPr/>
                   </p:nvPicPr>
                   <p:blipFill>
-                    <a:blip r:embed="rId10"/>
+                    <a:blip r:embed="rId9"/>
                     <a:stretch>
                       <a:fillRect/>
                     </a:stretch>
@@ -7381,7 +6131,7 @@
                     <p:nvPr/>
                   </p:nvPicPr>
                   <p:blipFill>
-                    <a:blip r:embed="rId10"/>
+                    <a:blip r:embed="rId9"/>
                     <a:stretch>
                       <a:fillRect/>
                     </a:stretch>
@@ -7523,7 +6273,7 @@
                     <p:nvPr/>
                   </p:nvPicPr>
                   <p:blipFill>
-                    <a:blip r:embed="rId10"/>
+                    <a:blip r:embed="rId9"/>
                     <a:stretch>
                       <a:fillRect/>
                     </a:stretch>
@@ -7665,7 +6415,7 @@
                     <p:nvPr/>
                   </p:nvPicPr>
                   <p:blipFill>
-                    <a:blip r:embed="rId10"/>
+                    <a:blip r:embed="rId9"/>
                     <a:stretch>
                       <a:fillRect/>
                     </a:stretch>
@@ -7696,7 +6446,7 @@
                   <p:nvPr/>
                 </p:nvPicPr>
                 <p:blipFill>
-                  <a:blip r:embed="rId11">
+                  <a:blip r:embed="rId10">
                     <a:duotone>
                       <a:schemeClr val="accent1">
                         <a:shade val="45000"/>
@@ -7734,7 +6484,7 @@
                   <p:nvPr/>
                 </p:nvPicPr>
                 <p:blipFill>
-                  <a:blip r:embed="rId12">
+                  <a:blip r:embed="rId11">
                     <a:duotone>
                       <a:schemeClr val="accent1">
                         <a:shade val="45000"/>
@@ -7851,6 +6601,36 @@
                   <a:fontRef idx="none"/>
                 </p:style>
               </p:cxnSp>
+              <p:pic>
+                <p:nvPicPr>
+                  <p:cNvPr id="49" name="Picture 48">
+                    <a:extLst>
+                      <a:ext uri="{FF2B5EF4-FFF2-40B4-BE49-F238E27FC236}">
+                        <a16:creationId xmlns:a16="http://schemas.microsoft.com/office/drawing/2014/main" id="{EF223050-B4C1-894E-A5FC-FEF3F4DB2D27}"/>
+                      </a:ext>
+                    </a:extLst>
+                  </p:cNvPr>
+                  <p:cNvPicPr>
+                    <a:picLocks noChangeAspect="1"/>
+                  </p:cNvPicPr>
+                  <p:nvPr/>
+                </p:nvPicPr>
+                <p:blipFill>
+                  <a:blip r:embed="rId12"/>
+                  <a:stretch>
+                    <a:fillRect/>
+                  </a:stretch>
+                </p:blipFill>
+                <p:spPr>
+                  <a:xfrm>
+                    <a:off x="303226" y="1475320"/>
+                    <a:ext cx="444281" cy="330200"/>
+                  </a:xfrm>
+                  <a:prstGeom prst="rect">
+                    <a:avLst/>
+                  </a:prstGeom>
+                </p:spPr>
+              </p:pic>
             </p:grpSp>
           </p:grpSp>
           <p:sp>
@@ -7867,7 +6647,7 @@
             </p:nvSpPr>
             <p:spPr>
               <a:xfrm>
-                <a:off x="878530" y="822879"/>
+                <a:off x="789620" y="823076"/>
                 <a:ext cx="1638269" cy="153888"/>
               </a:xfrm>
               <a:prstGeom prst="rect">
@@ -7878,7 +6658,7 @@
               </a:ln>
               <a:extLst>
                 <a:ext uri="{C572A759-6A51-4108-AA02-DFA0A04FC94B}">
-                  <ma14:wrappingTextBoxFlag xmlns:ma14="http://schemas.microsoft.com/office/mac/drawingml/2011/main" xmlns="" val="1"/>
+                  <ma14:wrappingTextBoxFlag xmlns="" xmlns:ma14="http://schemas.microsoft.com/office/mac/drawingml/2011/main" val="1"/>
                 </a:ext>
               </a:extLst>
             </p:spPr>
@@ -7937,7 +6717,7 @@
             </p:nvSpPr>
             <p:spPr>
               <a:xfrm>
-                <a:off x="789620" y="1176294"/>
+                <a:off x="556977" y="1175993"/>
                 <a:ext cx="670055" cy="153888"/>
               </a:xfrm>
               <a:prstGeom prst="rect">
@@ -7948,7 +6728,7 @@
               </a:ln>
               <a:extLst>
                 <a:ext uri="{C572A759-6A51-4108-AA02-DFA0A04FC94B}">
-                  <ma14:wrappingTextBoxFlag xmlns:ma14="http://schemas.microsoft.com/office/mac/drawingml/2011/main" xmlns="" val="1"/>
+                  <ma14:wrappingTextBoxFlag xmlns="" xmlns:ma14="http://schemas.microsoft.com/office/mac/drawingml/2011/main" val="1"/>
                 </a:ext>
               </a:extLst>
             </p:spPr>
@@ -8007,7 +6787,7 @@
             </p:nvSpPr>
             <p:spPr>
               <a:xfrm>
-                <a:off x="4340420" y="1602997"/>
+                <a:off x="4358848" y="1556589"/>
                 <a:ext cx="783869" cy="153888"/>
               </a:xfrm>
               <a:prstGeom prst="rect">
@@ -8018,7 +6798,7 @@
               </a:ln>
               <a:extLst>
                 <a:ext uri="{C572A759-6A51-4108-AA02-DFA0A04FC94B}">
-                  <ma14:wrappingTextBoxFlag xmlns:ma14="http://schemas.microsoft.com/office/mac/drawingml/2011/main" xmlns="" val="1"/>
+                  <ma14:wrappingTextBoxFlag xmlns="" xmlns:ma14="http://schemas.microsoft.com/office/mac/drawingml/2011/main" val="1"/>
                 </a:ext>
               </a:extLst>
             </p:spPr>
@@ -8077,7 +6857,7 @@
             </p:nvSpPr>
             <p:spPr>
               <a:xfrm>
-                <a:off x="857926" y="1603321"/>
+                <a:off x="819076" y="1572916"/>
                 <a:ext cx="783869" cy="153888"/>
               </a:xfrm>
               <a:prstGeom prst="rect">
@@ -8088,7 +6868,7 @@
               </a:ln>
               <a:extLst>
                 <a:ext uri="{C572A759-6A51-4108-AA02-DFA0A04FC94B}">
-                  <ma14:wrappingTextBoxFlag xmlns:ma14="http://schemas.microsoft.com/office/mac/drawingml/2011/main" xmlns="" val="1"/>
+                  <ma14:wrappingTextBoxFlag xmlns="" xmlns:ma14="http://schemas.microsoft.com/office/mac/drawingml/2011/main" val="1"/>
                 </a:ext>
               </a:extLst>
             </p:spPr>
@@ -8158,7 +6938,7 @@
               </a:ln>
               <a:extLst>
                 <a:ext uri="{C572A759-6A51-4108-AA02-DFA0A04FC94B}">
-                  <ma14:wrappingTextBoxFlag xmlns:ma14="http://schemas.microsoft.com/office/mac/drawingml/2011/main" xmlns="" val="1"/>
+                  <ma14:wrappingTextBoxFlag xmlns="" xmlns:ma14="http://schemas.microsoft.com/office/mac/drawingml/2011/main" val="1"/>
                 </a:ext>
               </a:extLst>
             </p:spPr>
@@ -8228,7 +7008,7 @@
               </a:ln>
               <a:extLst>
                 <a:ext uri="{C572A759-6A51-4108-AA02-DFA0A04FC94B}">
-                  <ma14:wrappingTextBoxFlag xmlns:ma14="http://schemas.microsoft.com/office/mac/drawingml/2011/main" xmlns="" val="1"/>
+                  <ma14:wrappingTextBoxFlag xmlns="" xmlns:ma14="http://schemas.microsoft.com/office/mac/drawingml/2011/main" val="1"/>
                 </a:ext>
               </a:extLst>
             </p:spPr>
@@ -8298,7 +7078,7 @@
               </a:ln>
               <a:extLst>
                 <a:ext uri="{C572A759-6A51-4108-AA02-DFA0A04FC94B}">
-                  <ma14:wrappingTextBoxFlag xmlns:ma14="http://schemas.microsoft.com/office/mac/drawingml/2011/main" xmlns="" val="1"/>
+                  <ma14:wrappingTextBoxFlag xmlns="" xmlns:ma14="http://schemas.microsoft.com/office/mac/drawingml/2011/main" val="1"/>
                 </a:ext>
               </a:extLst>
             </p:spPr>
@@ -8368,7 +7148,7 @@
               </a:ln>
               <a:extLst>
                 <a:ext uri="{C572A759-6A51-4108-AA02-DFA0A04FC94B}">
-                  <ma14:wrappingTextBoxFlag xmlns:ma14="http://schemas.microsoft.com/office/mac/drawingml/2011/main" xmlns="" val="1"/>
+                  <ma14:wrappingTextBoxFlag xmlns="" xmlns:ma14="http://schemas.microsoft.com/office/mac/drawingml/2011/main" val="1"/>
                 </a:ext>
               </a:extLst>
             </p:spPr>
@@ -8438,7 +7218,7 @@
               </a:ln>
               <a:extLst>
                 <a:ext uri="{C572A759-6A51-4108-AA02-DFA0A04FC94B}">
-                  <ma14:wrappingTextBoxFlag xmlns:ma14="http://schemas.microsoft.com/office/mac/drawingml/2011/main" xmlns="" val="1"/>
+                  <ma14:wrappingTextBoxFlag xmlns="" xmlns:ma14="http://schemas.microsoft.com/office/mac/drawingml/2011/main" val="1"/>
                 </a:ext>
               </a:extLst>
             </p:spPr>
@@ -8508,7 +7288,7 @@
               </a:ln>
               <a:extLst>
                 <a:ext uri="{C572A759-6A51-4108-AA02-DFA0A04FC94B}">
-                  <ma14:wrappingTextBoxFlag xmlns:ma14="http://schemas.microsoft.com/office/mac/drawingml/2011/main" xmlns="" val="1"/>
+                  <ma14:wrappingTextBoxFlag xmlns="" xmlns:ma14="http://schemas.microsoft.com/office/mac/drawingml/2011/main" val="1"/>
                 </a:ext>
               </a:extLst>
             </p:spPr>
@@ -8578,7 +7358,7 @@
               </a:ln>
               <a:extLst>
                 <a:ext uri="{C572A759-6A51-4108-AA02-DFA0A04FC94B}">
-                  <ma14:wrappingTextBoxFlag xmlns:ma14="http://schemas.microsoft.com/office/mac/drawingml/2011/main" xmlns="" val="1"/>
+                  <ma14:wrappingTextBoxFlag xmlns="" xmlns:ma14="http://schemas.microsoft.com/office/mac/drawingml/2011/main" val="1"/>
                 </a:ext>
               </a:extLst>
             </p:spPr>
@@ -8648,7 +7428,7 @@
               </a:ln>
               <a:extLst>
                 <a:ext uri="{C572A759-6A51-4108-AA02-DFA0A04FC94B}">
-                  <ma14:wrappingTextBoxFlag xmlns:ma14="http://schemas.microsoft.com/office/mac/drawingml/2011/main" xmlns="" val="1"/>
+                  <ma14:wrappingTextBoxFlag xmlns="" xmlns:ma14="http://schemas.microsoft.com/office/mac/drawingml/2011/main" val="1"/>
                 </a:ext>
               </a:extLst>
             </p:spPr>
@@ -8735,7 +7515,7 @@
               </a:ln>
               <a:extLst>
                 <a:ext uri="{C572A759-6A51-4108-AA02-DFA0A04FC94B}">
-                  <ma14:wrappingTextBoxFlag xmlns:ma14="http://schemas.microsoft.com/office/mac/drawingml/2011/main" xmlns="" val="1"/>
+                  <ma14:wrappingTextBoxFlag xmlns="" xmlns:ma14="http://schemas.microsoft.com/office/mac/drawingml/2011/main" val="1"/>
                 </a:ext>
               </a:extLst>
             </p:spPr>
@@ -8805,7 +7585,7 @@
               </a:ln>
               <a:extLst>
                 <a:ext uri="{C572A759-6A51-4108-AA02-DFA0A04FC94B}">
-                  <ma14:wrappingTextBoxFlag xmlns:ma14="http://schemas.microsoft.com/office/mac/drawingml/2011/main" xmlns="" val="1"/>
+                  <ma14:wrappingTextBoxFlag xmlns="" xmlns:ma14="http://schemas.microsoft.com/office/mac/drawingml/2011/main" val="1"/>
                 </a:ext>
               </a:extLst>
             </p:spPr>
@@ -8875,7 +7655,7 @@
               </a:ln>
               <a:extLst>
                 <a:ext uri="{C572A759-6A51-4108-AA02-DFA0A04FC94B}">
-                  <ma14:wrappingTextBoxFlag xmlns:ma14="http://schemas.microsoft.com/office/mac/drawingml/2011/main" xmlns="" val="1"/>
+                  <ma14:wrappingTextBoxFlag xmlns="" xmlns:ma14="http://schemas.microsoft.com/office/mac/drawingml/2011/main" val="1"/>
                 </a:ext>
               </a:extLst>
             </p:spPr>
@@ -8945,7 +7725,7 @@
               </a:ln>
               <a:extLst>
                 <a:ext uri="{C572A759-6A51-4108-AA02-DFA0A04FC94B}">
-                  <ma14:wrappingTextBoxFlag xmlns:ma14="http://schemas.microsoft.com/office/mac/drawingml/2011/main" xmlns="" val="1"/>
+                  <ma14:wrappingTextBoxFlag xmlns="" xmlns:ma14="http://schemas.microsoft.com/office/mac/drawingml/2011/main" val="1"/>
                 </a:ext>
               </a:extLst>
             </p:spPr>
@@ -9015,7 +7795,7 @@
               </a:ln>
               <a:extLst>
                 <a:ext uri="{C572A759-6A51-4108-AA02-DFA0A04FC94B}">
-                  <ma14:wrappingTextBoxFlag xmlns:ma14="http://schemas.microsoft.com/office/mac/drawingml/2011/main" xmlns="" val="1"/>
+                  <ma14:wrappingTextBoxFlag xmlns="" xmlns:ma14="http://schemas.microsoft.com/office/mac/drawingml/2011/main" val="1"/>
                 </a:ext>
               </a:extLst>
             </p:spPr>
@@ -9085,7 +7865,7 @@
               </a:ln>
               <a:extLst>
                 <a:ext uri="{C572A759-6A51-4108-AA02-DFA0A04FC94B}">
-                  <ma14:wrappingTextBoxFlag xmlns:ma14="http://schemas.microsoft.com/office/mac/drawingml/2011/main" xmlns="" val="1"/>
+                  <ma14:wrappingTextBoxFlag xmlns="" xmlns:ma14="http://schemas.microsoft.com/office/mac/drawingml/2011/main" val="1"/>
                 </a:ext>
               </a:extLst>
             </p:spPr>
@@ -9155,7 +7935,7 @@
               </a:ln>
               <a:extLst>
                 <a:ext uri="{C572A759-6A51-4108-AA02-DFA0A04FC94B}">
-                  <ma14:wrappingTextBoxFlag xmlns:ma14="http://schemas.microsoft.com/office/mac/drawingml/2011/main" xmlns="" val="1"/>
+                  <ma14:wrappingTextBoxFlag xmlns="" xmlns:ma14="http://schemas.microsoft.com/office/mac/drawingml/2011/main" val="1"/>
                 </a:ext>
               </a:extLst>
             </p:spPr>
@@ -9225,7 +8005,7 @@
               </a:ln>
               <a:extLst>
                 <a:ext uri="{C572A759-6A51-4108-AA02-DFA0A04FC94B}">
-                  <ma14:wrappingTextBoxFlag xmlns:ma14="http://schemas.microsoft.com/office/mac/drawingml/2011/main" xmlns="" val="1"/>
+                  <ma14:wrappingTextBoxFlag xmlns="" xmlns:ma14="http://schemas.microsoft.com/office/mac/drawingml/2011/main" val="1"/>
                 </a:ext>
               </a:extLst>
             </p:spPr>
@@ -9295,7 +8075,7 @@
               </a:ln>
               <a:extLst>
                 <a:ext uri="{C572A759-6A51-4108-AA02-DFA0A04FC94B}">
-                  <ma14:wrappingTextBoxFlag xmlns:ma14="http://schemas.microsoft.com/office/mac/drawingml/2011/main" xmlns="" val="1"/>
+                  <ma14:wrappingTextBoxFlag xmlns="" xmlns:ma14="http://schemas.microsoft.com/office/mac/drawingml/2011/main" val="1"/>
                 </a:ext>
               </a:extLst>
             </p:spPr>
@@ -9365,7 +8145,7 @@
               </a:ln>
               <a:extLst>
                 <a:ext uri="{C572A759-6A51-4108-AA02-DFA0A04FC94B}">
-                  <ma14:wrappingTextBoxFlag xmlns:ma14="http://schemas.microsoft.com/office/mac/drawingml/2011/main" xmlns="" val="1"/>
+                  <ma14:wrappingTextBoxFlag xmlns="" xmlns:ma14="http://schemas.microsoft.com/office/mac/drawingml/2011/main" val="1"/>
                 </a:ext>
               </a:extLst>
             </p:spPr>
@@ -9435,7 +8215,7 @@
               </a:ln>
               <a:extLst>
                 <a:ext uri="{C572A759-6A51-4108-AA02-DFA0A04FC94B}">
-                  <ma14:wrappingTextBoxFlag xmlns:ma14="http://schemas.microsoft.com/office/mac/drawingml/2011/main" xmlns="" val="1"/>
+                  <ma14:wrappingTextBoxFlag xmlns="" xmlns:ma14="http://schemas.microsoft.com/office/mac/drawingml/2011/main" val="1"/>
                 </a:ext>
               </a:extLst>
             </p:spPr>
@@ -9505,7 +8285,7 @@
               </a:ln>
               <a:extLst>
                 <a:ext uri="{C572A759-6A51-4108-AA02-DFA0A04FC94B}">
-                  <ma14:wrappingTextBoxFlag xmlns:ma14="http://schemas.microsoft.com/office/mac/drawingml/2011/main" xmlns="" val="1"/>
+                  <ma14:wrappingTextBoxFlag xmlns="" xmlns:ma14="http://schemas.microsoft.com/office/mac/drawingml/2011/main" val="1"/>
                 </a:ext>
               </a:extLst>
             </p:spPr>
@@ -9575,7 +8355,7 @@
               </a:ln>
               <a:extLst>
                 <a:ext uri="{C572A759-6A51-4108-AA02-DFA0A04FC94B}">
-                  <ma14:wrappingTextBoxFlag xmlns:ma14="http://schemas.microsoft.com/office/mac/drawingml/2011/main" xmlns="" val="1"/>
+                  <ma14:wrappingTextBoxFlag xmlns="" xmlns:ma14="http://schemas.microsoft.com/office/mac/drawingml/2011/main" val="1"/>
                 </a:ext>
               </a:extLst>
             </p:spPr>
@@ -9645,7 +8425,7 @@
               </a:ln>
               <a:extLst>
                 <a:ext uri="{C572A759-6A51-4108-AA02-DFA0A04FC94B}">
-                  <ma14:wrappingTextBoxFlag xmlns:ma14="http://schemas.microsoft.com/office/mac/drawingml/2011/main" xmlns="" val="1"/>
+                  <ma14:wrappingTextBoxFlag xmlns="" xmlns:ma14="http://schemas.microsoft.com/office/mac/drawingml/2011/main" val="1"/>
                 </a:ext>
               </a:extLst>
             </p:spPr>
@@ -9715,7 +8495,7 @@
               </a:ln>
               <a:extLst>
                 <a:ext uri="{C572A759-6A51-4108-AA02-DFA0A04FC94B}">
-                  <ma14:wrappingTextBoxFlag xmlns:ma14="http://schemas.microsoft.com/office/mac/drawingml/2011/main" xmlns="" val="1"/>
+                  <ma14:wrappingTextBoxFlag xmlns="" xmlns:ma14="http://schemas.microsoft.com/office/mac/drawingml/2011/main" val="1"/>
                 </a:ext>
               </a:extLst>
             </p:spPr>
@@ -9785,7 +8565,7 @@
               </a:ln>
               <a:extLst>
                 <a:ext uri="{C572A759-6A51-4108-AA02-DFA0A04FC94B}">
-                  <ma14:wrappingTextBoxFlag xmlns:ma14="http://schemas.microsoft.com/office/mac/drawingml/2011/main" xmlns="" val="1"/>
+                  <ma14:wrappingTextBoxFlag xmlns="" xmlns:ma14="http://schemas.microsoft.com/office/mac/drawingml/2011/main" val="1"/>
                 </a:ext>
               </a:extLst>
             </p:spPr>
@@ -9855,7 +8635,7 @@
               </a:ln>
               <a:extLst>
                 <a:ext uri="{C572A759-6A51-4108-AA02-DFA0A04FC94B}">
-                  <ma14:wrappingTextBoxFlag xmlns:ma14="http://schemas.microsoft.com/office/mac/drawingml/2011/main" xmlns="" val="1"/>
+                  <ma14:wrappingTextBoxFlag xmlns="" xmlns:ma14="http://schemas.microsoft.com/office/mac/drawingml/2011/main" val="1"/>
                 </a:ext>
               </a:extLst>
             </p:spPr>
@@ -10101,7 +8881,7 @@
             </a:ln>
             <a:extLst>
               <a:ext uri="{C572A759-6A51-4108-AA02-DFA0A04FC94B}">
-                <ma14:wrappingTextBoxFlag xmlns:ma14="http://schemas.microsoft.com/office/mac/drawingml/2011/main" xmlns="" val="1"/>
+                <ma14:wrappingTextBoxFlag xmlns="" xmlns:ma14="http://schemas.microsoft.com/office/mac/drawingml/2011/main" val="1"/>
               </a:ext>
             </a:extLst>
           </p:spPr>
@@ -10173,6 +8953,396 @@
           </p:txBody>
         </p:sp>
       </p:grpSp>
+      <p:sp>
+        <p:nvSpPr>
+          <p:cNvPr id="125" name="Rounded Rectangle 124">
+            <a:extLst>
+              <a:ext uri="{FF2B5EF4-FFF2-40B4-BE49-F238E27FC236}">
+                <a16:creationId xmlns:a16="http://schemas.microsoft.com/office/drawing/2014/main" id="{DADB5091-B4F6-1B43-8C81-B4B0C62BFA0F}"/>
+              </a:ext>
+            </a:extLst>
+          </p:cNvPr>
+          <p:cNvSpPr/>
+          <p:nvPr/>
+        </p:nvSpPr>
+        <p:spPr>
+          <a:xfrm>
+            <a:off x="452619" y="1275622"/>
+            <a:ext cx="6383102" cy="5385126"/>
+          </a:xfrm>
+          <a:prstGeom prst="roundRect">
+            <a:avLst>
+              <a:gd name="adj" fmla="val 2194"/>
+            </a:avLst>
+          </a:prstGeom>
+          <a:noFill/>
+          <a:ln w="19050">
+            <a:solidFill>
+              <a:srgbClr val="4E77B6"/>
+            </a:solidFill>
+            <a:prstDash val="sysDot"/>
+          </a:ln>
+          <a:effectLst>
+            <a:outerShdw blurRad="50800" dist="38100" dir="8100000" algn="tr" rotWithShape="0">
+              <a:prstClr val="black">
+                <a:alpha val="40000"/>
+              </a:prstClr>
+            </a:outerShdw>
+          </a:effectLst>
+        </p:spPr>
+        <p:style>
+          <a:lnRef idx="2">
+            <a:schemeClr val="accent1">
+              <a:shade val="50000"/>
+            </a:schemeClr>
+          </a:lnRef>
+          <a:fillRef idx="1">
+            <a:schemeClr val="accent1"/>
+          </a:fillRef>
+          <a:effectRef idx="0">
+            <a:schemeClr val="accent1"/>
+          </a:effectRef>
+          <a:fontRef idx="minor">
+            <a:schemeClr val="lt1"/>
+          </a:fontRef>
+        </p:style>
+        <p:txBody>
+          <a:bodyPr rtlCol="0" anchor="ctr"/>
+          <a:lstStyle/>
+          <a:p>
+            <a:pPr algn="ctr"/>
+            <a:endParaRPr lang="en-US" b="1" dirty="0">
+              <a:ln w="22225">
+                <a:solidFill>
+                  <a:schemeClr val="accent2"/>
+                </a:solidFill>
+                <a:prstDash val="solid"/>
+              </a:ln>
+              <a:solidFill>
+                <a:schemeClr val="accent2">
+                  <a:lumMod val="40000"/>
+                  <a:lumOff val="60000"/>
+                </a:schemeClr>
+              </a:solidFill>
+              <a:latin typeface="IBM Plex Sans" charset="0"/>
+              <a:ea typeface="IBM Plex Sans" charset="0"/>
+              <a:cs typeface="IBM Plex Sans" charset="0"/>
+            </a:endParaRPr>
+          </a:p>
+        </p:txBody>
+      </p:sp>
+      <p:sp>
+        <p:nvSpPr>
+          <p:cNvPr id="126" name="Rounded Rectangle 125">
+            <a:extLst>
+              <a:ext uri="{FF2B5EF4-FFF2-40B4-BE49-F238E27FC236}">
+                <a16:creationId xmlns:a16="http://schemas.microsoft.com/office/drawing/2014/main" id="{8BF88169-A41A-3848-A16F-7B5E422B9A16}"/>
+              </a:ext>
+            </a:extLst>
+          </p:cNvPr>
+          <p:cNvSpPr/>
+          <p:nvPr/>
+        </p:nvSpPr>
+        <p:spPr>
+          <a:xfrm>
+            <a:off x="750321" y="1664147"/>
+            <a:ext cx="2259922" cy="4622953"/>
+          </a:xfrm>
+          <a:prstGeom prst="roundRect">
+            <a:avLst>
+              <a:gd name="adj" fmla="val 2194"/>
+            </a:avLst>
+          </a:prstGeom>
+          <a:noFill/>
+          <a:ln w="19050">
+            <a:solidFill>
+              <a:srgbClr val="4E77B6"/>
+            </a:solidFill>
+            <a:prstDash val="lgDash"/>
+          </a:ln>
+          <a:effectLst>
+            <a:outerShdw blurRad="50800" dist="38100" dir="8100000" algn="tr" rotWithShape="0">
+              <a:prstClr val="black">
+                <a:alpha val="40000"/>
+              </a:prstClr>
+            </a:outerShdw>
+          </a:effectLst>
+        </p:spPr>
+        <p:style>
+          <a:lnRef idx="2">
+            <a:schemeClr val="accent1">
+              <a:shade val="50000"/>
+            </a:schemeClr>
+          </a:lnRef>
+          <a:fillRef idx="1">
+            <a:schemeClr val="accent1"/>
+          </a:fillRef>
+          <a:effectRef idx="0">
+            <a:schemeClr val="accent1"/>
+          </a:effectRef>
+          <a:fontRef idx="minor">
+            <a:schemeClr val="lt1"/>
+          </a:fontRef>
+        </p:style>
+        <p:txBody>
+          <a:bodyPr rtlCol="0" anchor="ctr"/>
+          <a:lstStyle/>
+          <a:p>
+            <a:pPr algn="ctr"/>
+            <a:endParaRPr lang="en-US" b="1" dirty="0">
+              <a:ln w="22225">
+                <a:solidFill>
+                  <a:schemeClr val="accent2"/>
+                </a:solidFill>
+                <a:prstDash val="solid"/>
+              </a:ln>
+              <a:solidFill>
+                <a:schemeClr val="accent2">
+                  <a:lumMod val="40000"/>
+                  <a:lumOff val="60000"/>
+                </a:schemeClr>
+              </a:solidFill>
+              <a:latin typeface="IBM Plex Sans" charset="0"/>
+              <a:ea typeface="IBM Plex Sans" charset="0"/>
+              <a:cs typeface="IBM Plex Sans" charset="0"/>
+            </a:endParaRPr>
+          </a:p>
+        </p:txBody>
+      </p:sp>
+      <p:sp>
+        <p:nvSpPr>
+          <p:cNvPr id="131" name="Rounded Rectangle 130">
+            <a:extLst>
+              <a:ext uri="{FF2B5EF4-FFF2-40B4-BE49-F238E27FC236}">
+                <a16:creationId xmlns:a16="http://schemas.microsoft.com/office/drawing/2014/main" id="{DBCC7DF7-2016-734F-A095-E481E95FF6D4}"/>
+              </a:ext>
+            </a:extLst>
+          </p:cNvPr>
+          <p:cNvSpPr/>
+          <p:nvPr/>
+        </p:nvSpPr>
+        <p:spPr>
+          <a:xfrm>
+            <a:off x="4310075" y="1627692"/>
+            <a:ext cx="2259922" cy="4622953"/>
+          </a:xfrm>
+          <a:prstGeom prst="roundRect">
+            <a:avLst>
+              <a:gd name="adj" fmla="val 2194"/>
+            </a:avLst>
+          </a:prstGeom>
+          <a:noFill/>
+          <a:ln w="19050">
+            <a:solidFill>
+              <a:srgbClr val="4E77B6"/>
+            </a:solidFill>
+            <a:prstDash val="lgDash"/>
+          </a:ln>
+          <a:effectLst>
+            <a:outerShdw blurRad="50800" dist="38100" dir="8100000" algn="tr" rotWithShape="0">
+              <a:prstClr val="black">
+                <a:alpha val="40000"/>
+              </a:prstClr>
+            </a:outerShdw>
+          </a:effectLst>
+        </p:spPr>
+        <p:style>
+          <a:lnRef idx="2">
+            <a:schemeClr val="accent1">
+              <a:shade val="50000"/>
+            </a:schemeClr>
+          </a:lnRef>
+          <a:fillRef idx="1">
+            <a:schemeClr val="accent1"/>
+          </a:fillRef>
+          <a:effectRef idx="0">
+            <a:schemeClr val="accent1"/>
+          </a:effectRef>
+          <a:fontRef idx="minor">
+            <a:schemeClr val="lt1"/>
+          </a:fontRef>
+        </p:style>
+        <p:txBody>
+          <a:bodyPr rtlCol="0" anchor="ctr"/>
+          <a:lstStyle/>
+          <a:p>
+            <a:pPr algn="ctr"/>
+            <a:endParaRPr lang="en-US" b="1" dirty="0">
+              <a:ln w="22225">
+                <a:solidFill>
+                  <a:schemeClr val="accent2"/>
+                </a:solidFill>
+                <a:prstDash val="solid"/>
+              </a:ln>
+              <a:solidFill>
+                <a:schemeClr val="accent2">
+                  <a:lumMod val="40000"/>
+                  <a:lumOff val="60000"/>
+                </a:schemeClr>
+              </a:solidFill>
+              <a:latin typeface="IBM Plex Sans" charset="0"/>
+              <a:ea typeface="IBM Plex Sans" charset="0"/>
+              <a:cs typeface="IBM Plex Sans" charset="0"/>
+            </a:endParaRPr>
+          </a:p>
+        </p:txBody>
+      </p:sp>
+      <p:sp>
+        <p:nvSpPr>
+          <p:cNvPr id="144" name="Rounded Rectangle 143">
+            <a:extLst>
+              <a:ext uri="{FF2B5EF4-FFF2-40B4-BE49-F238E27FC236}">
+                <a16:creationId xmlns:a16="http://schemas.microsoft.com/office/drawing/2014/main" id="{B237662E-55AE-9B4B-A683-9B92F81648AA}"/>
+              </a:ext>
+            </a:extLst>
+          </p:cNvPr>
+          <p:cNvSpPr/>
+          <p:nvPr/>
+        </p:nvSpPr>
+        <p:spPr>
+          <a:xfrm>
+            <a:off x="1157026" y="4753128"/>
+            <a:ext cx="4867701" cy="985166"/>
+          </a:xfrm>
+          <a:prstGeom prst="roundRect">
+            <a:avLst>
+              <a:gd name="adj" fmla="val 6052"/>
+            </a:avLst>
+          </a:prstGeom>
+          <a:noFill/>
+          <a:ln w="6350">
+            <a:solidFill>
+              <a:srgbClr val="FF0000"/>
+            </a:solidFill>
+            <a:prstDash val="lgDash"/>
+          </a:ln>
+          <a:effectLst>
+            <a:outerShdw blurRad="50800" dist="38100" dir="8100000" algn="tr" rotWithShape="0">
+              <a:prstClr val="black">
+                <a:alpha val="40000"/>
+              </a:prstClr>
+            </a:outerShdw>
+          </a:effectLst>
+        </p:spPr>
+        <p:style>
+          <a:lnRef idx="2">
+            <a:schemeClr val="accent1">
+              <a:shade val="50000"/>
+            </a:schemeClr>
+          </a:lnRef>
+          <a:fillRef idx="1">
+            <a:schemeClr val="accent1"/>
+          </a:fillRef>
+          <a:effectRef idx="0">
+            <a:schemeClr val="accent1"/>
+          </a:effectRef>
+          <a:fontRef idx="minor">
+            <a:schemeClr val="lt1"/>
+          </a:fontRef>
+        </p:style>
+        <p:txBody>
+          <a:bodyPr rtlCol="0" anchor="ctr"/>
+          <a:lstStyle/>
+          <a:p>
+            <a:pPr algn="ctr"/>
+            <a:endParaRPr lang="en-US" sz="1200" b="1" dirty="0">
+              <a:ln w="22225">
+                <a:solidFill>
+                  <a:schemeClr val="accent2"/>
+                </a:solidFill>
+                <a:prstDash val="solid"/>
+              </a:ln>
+              <a:solidFill>
+                <a:schemeClr val="accent2">
+                  <a:lumMod val="40000"/>
+                  <a:lumOff val="60000"/>
+                </a:schemeClr>
+              </a:solidFill>
+              <a:latin typeface="IBM Plex Sans" charset="0"/>
+              <a:ea typeface="IBM Plex Sans" charset="0"/>
+              <a:cs typeface="IBM Plex Sans" charset="0"/>
+            </a:endParaRPr>
+          </a:p>
+        </p:txBody>
+      </p:sp>
+      <p:sp>
+        <p:nvSpPr>
+          <p:cNvPr id="147" name="Rounded Rectangle 146">
+            <a:extLst>
+              <a:ext uri="{FF2B5EF4-FFF2-40B4-BE49-F238E27FC236}">
+                <a16:creationId xmlns:a16="http://schemas.microsoft.com/office/drawing/2014/main" id="{FD5477E4-1E54-F247-ADF0-538D67514DEC}"/>
+              </a:ext>
+            </a:extLst>
+          </p:cNvPr>
+          <p:cNvSpPr/>
+          <p:nvPr/>
+        </p:nvSpPr>
+        <p:spPr>
+          <a:xfrm>
+            <a:off x="1159973" y="2647064"/>
+            <a:ext cx="4909786" cy="831464"/>
+          </a:xfrm>
+          <a:prstGeom prst="roundRect">
+            <a:avLst>
+              <a:gd name="adj" fmla="val 6052"/>
+            </a:avLst>
+          </a:prstGeom>
+          <a:noFill/>
+          <a:ln w="6350">
+            <a:solidFill>
+              <a:srgbClr val="FF0000"/>
+            </a:solidFill>
+            <a:prstDash val="lgDash"/>
+          </a:ln>
+          <a:effectLst>
+            <a:outerShdw blurRad="50800" dist="38100" dir="8100000" algn="tr" rotWithShape="0">
+              <a:prstClr val="black">
+                <a:alpha val="40000"/>
+              </a:prstClr>
+            </a:outerShdw>
+          </a:effectLst>
+        </p:spPr>
+        <p:style>
+          <a:lnRef idx="2">
+            <a:schemeClr val="accent1">
+              <a:shade val="50000"/>
+            </a:schemeClr>
+          </a:lnRef>
+          <a:fillRef idx="1">
+            <a:schemeClr val="accent1"/>
+          </a:fillRef>
+          <a:effectRef idx="0">
+            <a:schemeClr val="accent1"/>
+          </a:effectRef>
+          <a:fontRef idx="minor">
+            <a:schemeClr val="lt1"/>
+          </a:fontRef>
+        </p:style>
+        <p:txBody>
+          <a:bodyPr rtlCol="0" anchor="ctr"/>
+          <a:lstStyle/>
+          <a:p>
+            <a:pPr algn="ctr"/>
+            <a:endParaRPr lang="en-US" sz="1200" b="1" dirty="0">
+              <a:ln w="22225">
+                <a:solidFill>
+                  <a:schemeClr val="accent2"/>
+                </a:solidFill>
+                <a:prstDash val="solid"/>
+              </a:ln>
+              <a:solidFill>
+                <a:schemeClr val="accent2">
+                  <a:lumMod val="40000"/>
+                  <a:lumOff val="60000"/>
+                </a:schemeClr>
+              </a:solidFill>
+              <a:latin typeface="IBM Plex Sans" charset="0"/>
+              <a:ea typeface="IBM Plex Sans" charset="0"/>
+              <a:cs typeface="IBM Plex Sans" charset="0"/>
+            </a:endParaRPr>
+          </a:p>
+        </p:txBody>
+      </p:sp>
     </p:spTree>
     <p:extLst>
       <p:ext uri="{BB962C8B-B14F-4D97-AF65-F5344CB8AC3E}">
@@ -10206,10 +9376,10 @@
       </p:grpSpPr>
       <p:sp>
         <p:nvSpPr>
-          <p:cNvPr id="128" name="Rounded Rectangle 127">
+          <p:cNvPr id="146" name="Rounded Rectangle 145">
             <a:extLst>
               <a:ext uri="{FF2B5EF4-FFF2-40B4-BE49-F238E27FC236}">
-                <a16:creationId xmlns:a16="http://schemas.microsoft.com/office/drawing/2014/main" id="{6B2723B5-A5B7-F84B-87E6-C5689944B8CF}"/>
+                <a16:creationId xmlns:a16="http://schemas.microsoft.com/office/drawing/2014/main" id="{6D1506DC-CDE4-5644-94B6-3F71F3A493A2}"/>
               </a:ext>
             </a:extLst>
           </p:cNvPr>
@@ -10218,31 +9388,38 @@
         </p:nvSpPr>
         <p:spPr>
           <a:xfrm>
-            <a:off x="1894746" y="1205100"/>
-            <a:ext cx="6284470" cy="5133707"/>
+            <a:off x="3210488" y="2840063"/>
+            <a:ext cx="1331522" cy="1459862"/>
           </a:xfrm>
           <a:prstGeom prst="roundRect">
             <a:avLst>
-              <a:gd name="adj" fmla="val 9818"/>
+              <a:gd name="adj" fmla="val 2194"/>
             </a:avLst>
           </a:prstGeom>
           <a:noFill/>
           <a:ln w="6350">
             <a:solidFill>
-              <a:srgbClr val="4378BB"/>
+              <a:srgbClr val="FF0000"/>
             </a:solidFill>
-            <a:prstDash val="solid"/>
           </a:ln>
-          <a:effectLst/>
+          <a:effectLst>
+            <a:outerShdw blurRad="50800" dist="38100" dir="8100000" algn="tr" rotWithShape="0">
+              <a:prstClr val="black">
+                <a:alpha val="40000"/>
+              </a:prstClr>
+            </a:outerShdw>
+          </a:effectLst>
         </p:spPr>
         <p:style>
-          <a:lnRef idx="1">
-            <a:schemeClr val="accent1"/>
+          <a:lnRef idx="2">
+            <a:schemeClr val="accent1">
+              <a:shade val="50000"/>
+            </a:schemeClr>
           </a:lnRef>
-          <a:fillRef idx="3">
+          <a:fillRef idx="1">
             <a:schemeClr val="accent1"/>
           </a:fillRef>
-          <a:effectRef idx="2">
+          <a:effectRef idx="0">
             <a:schemeClr val="accent1"/>
           </a:effectRef>
           <a:fontRef idx="minor">
@@ -10250,158 +9427,36 @@
           </a:fontRef>
         </p:style>
         <p:txBody>
-          <a:bodyPr anchor="ctr"/>
-          <a:lstStyle>
-            <a:defPPr>
-              <a:defRPr lang="en-US"/>
-            </a:defPPr>
-            <a:lvl1pPr marL="0" algn="l" defTabSz="457200" rtl="0" eaLnBrk="1" latinLnBrk="0" hangingPunct="1">
-              <a:defRPr sz="1800" kern="1200">
+          <a:bodyPr rtlCol="0" anchor="ctr"/>
+          <a:lstStyle/>
+          <a:p>
+            <a:pPr algn="ctr"/>
+            <a:endParaRPr lang="en-US" b="1" dirty="0">
+              <a:ln w="22225">
                 <a:solidFill>
-                  <a:schemeClr val="lt1"/>
+                  <a:schemeClr val="accent2"/>
                 </a:solidFill>
-                <a:latin typeface="+mn-lt"/>
-                <a:ea typeface="+mn-ea"/>
-                <a:cs typeface="+mn-cs"/>
-              </a:defRPr>
-            </a:lvl1pPr>
-            <a:lvl2pPr marL="457200" algn="l" defTabSz="457200" rtl="0" eaLnBrk="1" latinLnBrk="0" hangingPunct="1">
-              <a:defRPr sz="1800" kern="1200">
-                <a:solidFill>
-                  <a:schemeClr val="lt1"/>
-                </a:solidFill>
-                <a:latin typeface="+mn-lt"/>
-                <a:ea typeface="+mn-ea"/>
-                <a:cs typeface="+mn-cs"/>
-              </a:defRPr>
-            </a:lvl2pPr>
-            <a:lvl3pPr marL="914400" algn="l" defTabSz="457200" rtl="0" eaLnBrk="1" latinLnBrk="0" hangingPunct="1">
-              <a:defRPr sz="1800" kern="1200">
-                <a:solidFill>
-                  <a:schemeClr val="lt1"/>
-                </a:solidFill>
-                <a:latin typeface="+mn-lt"/>
-                <a:ea typeface="+mn-ea"/>
-                <a:cs typeface="+mn-cs"/>
-              </a:defRPr>
-            </a:lvl3pPr>
-            <a:lvl4pPr marL="1371600" algn="l" defTabSz="457200" rtl="0" eaLnBrk="1" latinLnBrk="0" hangingPunct="1">
-              <a:defRPr sz="1800" kern="1200">
-                <a:solidFill>
-                  <a:schemeClr val="lt1"/>
-                </a:solidFill>
-                <a:latin typeface="+mn-lt"/>
-                <a:ea typeface="+mn-ea"/>
-                <a:cs typeface="+mn-cs"/>
-              </a:defRPr>
-            </a:lvl4pPr>
-            <a:lvl5pPr marL="1828800" algn="l" defTabSz="457200" rtl="0" eaLnBrk="1" latinLnBrk="0" hangingPunct="1">
-              <a:defRPr sz="1800" kern="1200">
-                <a:solidFill>
-                  <a:schemeClr val="lt1"/>
-                </a:solidFill>
-                <a:latin typeface="+mn-lt"/>
-                <a:ea typeface="+mn-ea"/>
-                <a:cs typeface="+mn-cs"/>
-              </a:defRPr>
-            </a:lvl5pPr>
-            <a:lvl6pPr marL="2286000" algn="l" defTabSz="457200" rtl="0" eaLnBrk="1" latinLnBrk="0" hangingPunct="1">
-              <a:defRPr sz="1800" kern="1200">
-                <a:solidFill>
-                  <a:schemeClr val="lt1"/>
-                </a:solidFill>
-                <a:latin typeface="+mn-lt"/>
-                <a:ea typeface="+mn-ea"/>
-                <a:cs typeface="+mn-cs"/>
-              </a:defRPr>
-            </a:lvl6pPr>
-            <a:lvl7pPr marL="2743200" algn="l" defTabSz="457200" rtl="0" eaLnBrk="1" latinLnBrk="0" hangingPunct="1">
-              <a:defRPr sz="1800" kern="1200">
-                <a:solidFill>
-                  <a:schemeClr val="lt1"/>
-                </a:solidFill>
-                <a:latin typeface="+mn-lt"/>
-                <a:ea typeface="+mn-ea"/>
-                <a:cs typeface="+mn-cs"/>
-              </a:defRPr>
-            </a:lvl7pPr>
-            <a:lvl8pPr marL="3200400" algn="l" defTabSz="457200" rtl="0" eaLnBrk="1" latinLnBrk="0" hangingPunct="1">
-              <a:defRPr sz="1800" kern="1200">
-                <a:solidFill>
-                  <a:schemeClr val="lt1"/>
-                </a:solidFill>
-                <a:latin typeface="+mn-lt"/>
-                <a:ea typeface="+mn-ea"/>
-                <a:cs typeface="+mn-cs"/>
-              </a:defRPr>
-            </a:lvl8pPr>
-            <a:lvl9pPr marL="3657600" algn="l" defTabSz="457200" rtl="0" eaLnBrk="1" latinLnBrk="0" hangingPunct="1">
-              <a:defRPr sz="1800" kern="1200">
-                <a:solidFill>
-                  <a:schemeClr val="lt1"/>
-                </a:solidFill>
-                <a:latin typeface="+mn-lt"/>
-                <a:ea typeface="+mn-ea"/>
-                <a:cs typeface="+mn-cs"/>
-              </a:defRPr>
-            </a:lvl9pPr>
-          </a:lstStyle>
-          <a:p>
-            <a:pPr algn="ctr" fontAlgn="auto">
-              <a:spcBef>
-                <a:spcPts val="0"/>
-              </a:spcBef>
-              <a:spcAft>
-                <a:spcPts val="0"/>
-              </a:spcAft>
-              <a:defRPr/>
-            </a:pPr>
-            <a:endParaRPr lang="en-US" dirty="0">
+                <a:prstDash val="solid"/>
+              </a:ln>
               <a:solidFill>
-                <a:schemeClr val="tx1"/>
+                <a:schemeClr val="accent2">
+                  <a:lumMod val="40000"/>
+                  <a:lumOff val="60000"/>
+                </a:schemeClr>
               </a:solidFill>
-              <a:latin typeface="Arial"/>
-              <a:cs typeface="Arial"/>
+              <a:latin typeface="IBM Plex Sans" charset="0"/>
+              <a:ea typeface="IBM Plex Sans" charset="0"/>
+              <a:cs typeface="IBM Plex Sans" charset="0"/>
             </a:endParaRPr>
           </a:p>
         </p:txBody>
       </p:sp>
-      <p:pic>
-        <p:nvPicPr>
-          <p:cNvPr id="129" name="Picture 128">
+      <p:sp>
+        <p:nvSpPr>
+          <p:cNvPr id="148" name="Rounded Rectangle 147">
             <a:extLst>
               <a:ext uri="{FF2B5EF4-FFF2-40B4-BE49-F238E27FC236}">
-                <a16:creationId xmlns:a16="http://schemas.microsoft.com/office/drawing/2014/main" id="{38E66740-4CCE-1D49-BA61-37B786376D28}"/>
-              </a:ext>
-            </a:extLst>
-          </p:cNvPr>
-          <p:cNvPicPr>
-            <a:picLocks noChangeAspect="1"/>
-          </p:cNvPicPr>
-          <p:nvPr/>
-        </p:nvPicPr>
-        <p:blipFill>
-          <a:blip r:embed="rId3"/>
-          <a:stretch>
-            <a:fillRect/>
-          </a:stretch>
-        </p:blipFill>
-        <p:spPr>
-          <a:xfrm>
-            <a:off x="2113493" y="1058315"/>
-            <a:ext cx="456975" cy="342900"/>
-          </a:xfrm>
-          <a:prstGeom prst="rect">
-            <a:avLst/>
-          </a:prstGeom>
-        </p:spPr>
-      </p:pic>
-      <p:sp>
-        <p:nvSpPr>
-          <p:cNvPr id="135" name="Rounded Rectangle 134">
-            <a:extLst>
-              <a:ext uri="{FF2B5EF4-FFF2-40B4-BE49-F238E27FC236}">
-                <a16:creationId xmlns:a16="http://schemas.microsoft.com/office/drawing/2014/main" id="{E22D0D43-0573-9842-BF9F-0194035EC349}"/>
+                <a16:creationId xmlns:a16="http://schemas.microsoft.com/office/drawing/2014/main" id="{71AEAB87-9255-F94F-A5F7-B10653E82D2E}"/>
               </a:ext>
             </a:extLst>
           </p:cNvPr>
@@ -10410,31 +9465,38 @@
         </p:nvSpPr>
         <p:spPr>
           <a:xfrm>
-            <a:off x="2463885" y="1661993"/>
-            <a:ext cx="5186484" cy="3243369"/>
+            <a:off x="5689622" y="2837215"/>
+            <a:ext cx="1331522" cy="1459862"/>
           </a:xfrm>
           <a:prstGeom prst="roundRect">
             <a:avLst>
-              <a:gd name="adj" fmla="val 9818"/>
+              <a:gd name="adj" fmla="val 2194"/>
             </a:avLst>
           </a:prstGeom>
           <a:noFill/>
-          <a:ln w="12700">
+          <a:ln w="6350">
             <a:solidFill>
-              <a:srgbClr val="4378BB"/>
+              <a:srgbClr val="FF0000"/>
             </a:solidFill>
-            <a:prstDash val="solid"/>
           </a:ln>
-          <a:effectLst/>
+          <a:effectLst>
+            <a:outerShdw blurRad="50800" dist="38100" dir="8100000" algn="tr" rotWithShape="0">
+              <a:prstClr val="black">
+                <a:alpha val="40000"/>
+              </a:prstClr>
+            </a:outerShdw>
+          </a:effectLst>
         </p:spPr>
         <p:style>
-          <a:lnRef idx="1">
-            <a:schemeClr val="accent1"/>
+          <a:lnRef idx="2">
+            <a:schemeClr val="accent1">
+              <a:shade val="50000"/>
+            </a:schemeClr>
           </a:lnRef>
-          <a:fillRef idx="3">
+          <a:fillRef idx="1">
             <a:schemeClr val="accent1"/>
           </a:fillRef>
-          <a:effectRef idx="2">
+          <a:effectRef idx="0">
             <a:schemeClr val="accent1"/>
           </a:effectRef>
           <a:fontRef idx="minor">
@@ -10442,310 +9504,26 @@
           </a:fontRef>
         </p:style>
         <p:txBody>
-          <a:bodyPr anchor="ctr"/>
-          <a:lstStyle>
-            <a:defPPr>
-              <a:defRPr lang="en-US"/>
-            </a:defPPr>
-            <a:lvl1pPr marL="0" algn="l" defTabSz="457200" rtl="0" eaLnBrk="1" latinLnBrk="0" hangingPunct="1">
-              <a:defRPr sz="1800" kern="1200">
+          <a:bodyPr rtlCol="0" anchor="ctr"/>
+          <a:lstStyle/>
+          <a:p>
+            <a:pPr algn="ctr"/>
+            <a:endParaRPr lang="en-US" b="1" dirty="0">
+              <a:ln w="22225">
                 <a:solidFill>
-                  <a:schemeClr val="lt1"/>
+                  <a:schemeClr val="accent2"/>
                 </a:solidFill>
-                <a:latin typeface="+mn-lt"/>
-                <a:ea typeface="+mn-ea"/>
-                <a:cs typeface="+mn-cs"/>
-              </a:defRPr>
-            </a:lvl1pPr>
-            <a:lvl2pPr marL="457200" algn="l" defTabSz="457200" rtl="0" eaLnBrk="1" latinLnBrk="0" hangingPunct="1">
-              <a:defRPr sz="1800" kern="1200">
-                <a:solidFill>
-                  <a:schemeClr val="lt1"/>
-                </a:solidFill>
-                <a:latin typeface="+mn-lt"/>
-                <a:ea typeface="+mn-ea"/>
-                <a:cs typeface="+mn-cs"/>
-              </a:defRPr>
-            </a:lvl2pPr>
-            <a:lvl3pPr marL="914400" algn="l" defTabSz="457200" rtl="0" eaLnBrk="1" latinLnBrk="0" hangingPunct="1">
-              <a:defRPr sz="1800" kern="1200">
-                <a:solidFill>
-                  <a:schemeClr val="lt1"/>
-                </a:solidFill>
-                <a:latin typeface="+mn-lt"/>
-                <a:ea typeface="+mn-ea"/>
-                <a:cs typeface="+mn-cs"/>
-              </a:defRPr>
-            </a:lvl3pPr>
-            <a:lvl4pPr marL="1371600" algn="l" defTabSz="457200" rtl="0" eaLnBrk="1" latinLnBrk="0" hangingPunct="1">
-              <a:defRPr sz="1800" kern="1200">
-                <a:solidFill>
-                  <a:schemeClr val="lt1"/>
-                </a:solidFill>
-                <a:latin typeface="+mn-lt"/>
-                <a:ea typeface="+mn-ea"/>
-                <a:cs typeface="+mn-cs"/>
-              </a:defRPr>
-            </a:lvl4pPr>
-            <a:lvl5pPr marL="1828800" algn="l" defTabSz="457200" rtl="0" eaLnBrk="1" latinLnBrk="0" hangingPunct="1">
-              <a:defRPr sz="1800" kern="1200">
-                <a:solidFill>
-                  <a:schemeClr val="lt1"/>
-                </a:solidFill>
-                <a:latin typeface="+mn-lt"/>
-                <a:ea typeface="+mn-ea"/>
-                <a:cs typeface="+mn-cs"/>
-              </a:defRPr>
-            </a:lvl5pPr>
-            <a:lvl6pPr marL="2286000" algn="l" defTabSz="457200" rtl="0" eaLnBrk="1" latinLnBrk="0" hangingPunct="1">
-              <a:defRPr sz="1800" kern="1200">
-                <a:solidFill>
-                  <a:schemeClr val="lt1"/>
-                </a:solidFill>
-                <a:latin typeface="+mn-lt"/>
-                <a:ea typeface="+mn-ea"/>
-                <a:cs typeface="+mn-cs"/>
-              </a:defRPr>
-            </a:lvl6pPr>
-            <a:lvl7pPr marL="2743200" algn="l" defTabSz="457200" rtl="0" eaLnBrk="1" latinLnBrk="0" hangingPunct="1">
-              <a:defRPr sz="1800" kern="1200">
-                <a:solidFill>
-                  <a:schemeClr val="lt1"/>
-                </a:solidFill>
-                <a:latin typeface="+mn-lt"/>
-                <a:ea typeface="+mn-ea"/>
-                <a:cs typeface="+mn-cs"/>
-              </a:defRPr>
-            </a:lvl7pPr>
-            <a:lvl8pPr marL="3200400" algn="l" defTabSz="457200" rtl="0" eaLnBrk="1" latinLnBrk="0" hangingPunct="1">
-              <a:defRPr sz="1800" kern="1200">
-                <a:solidFill>
-                  <a:schemeClr val="lt1"/>
-                </a:solidFill>
-                <a:latin typeface="+mn-lt"/>
-                <a:ea typeface="+mn-ea"/>
-                <a:cs typeface="+mn-cs"/>
-              </a:defRPr>
-            </a:lvl8pPr>
-            <a:lvl9pPr marL="3657600" algn="l" defTabSz="457200" rtl="0" eaLnBrk="1" latinLnBrk="0" hangingPunct="1">
-              <a:defRPr sz="1800" kern="1200">
-                <a:solidFill>
-                  <a:schemeClr val="lt1"/>
-                </a:solidFill>
-                <a:latin typeface="+mn-lt"/>
-                <a:ea typeface="+mn-ea"/>
-                <a:cs typeface="+mn-cs"/>
-              </a:defRPr>
-            </a:lvl9pPr>
-          </a:lstStyle>
-          <a:p>
-            <a:pPr algn="ctr" fontAlgn="auto">
-              <a:spcBef>
-                <a:spcPts val="0"/>
-              </a:spcBef>
-              <a:spcAft>
-                <a:spcPts val="0"/>
-              </a:spcAft>
-              <a:defRPr/>
-            </a:pPr>
-            <a:endParaRPr lang="en-US" dirty="0">
+                <a:prstDash val="solid"/>
+              </a:ln>
               <a:solidFill>
-                <a:schemeClr val="tx1"/>
+                <a:schemeClr val="accent2">
+                  <a:lumMod val="40000"/>
+                  <a:lumOff val="60000"/>
+                </a:schemeClr>
               </a:solidFill>
-              <a:latin typeface="Arial"/>
-              <a:cs typeface="Arial"/>
-            </a:endParaRPr>
-          </a:p>
-        </p:txBody>
-      </p:sp>
-      <p:pic>
-        <p:nvPicPr>
-          <p:cNvPr id="137" name="Picture 136">
-            <a:extLst>
-              <a:ext uri="{FF2B5EF4-FFF2-40B4-BE49-F238E27FC236}">
-                <a16:creationId xmlns:a16="http://schemas.microsoft.com/office/drawing/2014/main" id="{D4BEEFB6-8D97-F849-9706-4B29A87CC1FA}"/>
-              </a:ext>
-            </a:extLst>
-          </p:cNvPr>
-          <p:cNvPicPr>
-            <a:picLocks noChangeAspect="1"/>
-          </p:cNvPicPr>
-          <p:nvPr/>
-        </p:nvPicPr>
-        <p:blipFill>
-          <a:blip r:embed="rId4"/>
-          <a:stretch>
-            <a:fillRect/>
-          </a:stretch>
-        </p:blipFill>
-        <p:spPr>
-          <a:xfrm>
-            <a:off x="2610752" y="1500587"/>
-            <a:ext cx="444281" cy="330200"/>
-          </a:xfrm>
-          <a:prstGeom prst="rect">
-            <a:avLst/>
-          </a:prstGeom>
-        </p:spPr>
-      </p:pic>
-      <p:sp>
-        <p:nvSpPr>
-          <p:cNvPr id="145" name="Rounded Rectangle 144">
-            <a:extLst>
-              <a:ext uri="{FF2B5EF4-FFF2-40B4-BE49-F238E27FC236}">
-                <a16:creationId xmlns:a16="http://schemas.microsoft.com/office/drawing/2014/main" id="{7D33CB6A-E91B-DF41-9CDC-F2F1F5A200C2}"/>
-              </a:ext>
-            </a:extLst>
-          </p:cNvPr>
-          <p:cNvSpPr/>
-          <p:nvPr/>
-        </p:nvSpPr>
-        <p:spPr>
-          <a:xfrm>
-            <a:off x="2493820" y="5132942"/>
-            <a:ext cx="5172041" cy="937524"/>
-          </a:xfrm>
-          <a:prstGeom prst="roundRect">
-            <a:avLst>
-              <a:gd name="adj" fmla="val 9818"/>
-            </a:avLst>
-          </a:prstGeom>
-          <a:noFill/>
-          <a:ln w="12700">
-            <a:solidFill>
-              <a:srgbClr val="4378BB"/>
-            </a:solidFill>
-            <a:prstDash val="solid"/>
-          </a:ln>
-          <a:effectLst/>
-        </p:spPr>
-        <p:style>
-          <a:lnRef idx="1">
-            <a:schemeClr val="accent1"/>
-          </a:lnRef>
-          <a:fillRef idx="3">
-            <a:schemeClr val="accent1"/>
-          </a:fillRef>
-          <a:effectRef idx="2">
-            <a:schemeClr val="accent1"/>
-          </a:effectRef>
-          <a:fontRef idx="minor">
-            <a:schemeClr val="lt1"/>
-          </a:fontRef>
-        </p:style>
-        <p:txBody>
-          <a:bodyPr anchor="ctr"/>
-          <a:lstStyle>
-            <a:defPPr>
-              <a:defRPr lang="en-US"/>
-            </a:defPPr>
-            <a:lvl1pPr marL="0" algn="l" defTabSz="457200" rtl="0" eaLnBrk="1" latinLnBrk="0" hangingPunct="1">
-              <a:defRPr sz="1800" kern="1200">
-                <a:solidFill>
-                  <a:schemeClr val="lt1"/>
-                </a:solidFill>
-                <a:latin typeface="+mn-lt"/>
-                <a:ea typeface="+mn-ea"/>
-                <a:cs typeface="+mn-cs"/>
-              </a:defRPr>
-            </a:lvl1pPr>
-            <a:lvl2pPr marL="457200" algn="l" defTabSz="457200" rtl="0" eaLnBrk="1" latinLnBrk="0" hangingPunct="1">
-              <a:defRPr sz="1800" kern="1200">
-                <a:solidFill>
-                  <a:schemeClr val="lt1"/>
-                </a:solidFill>
-                <a:latin typeface="+mn-lt"/>
-                <a:ea typeface="+mn-ea"/>
-                <a:cs typeface="+mn-cs"/>
-              </a:defRPr>
-            </a:lvl2pPr>
-            <a:lvl3pPr marL="914400" algn="l" defTabSz="457200" rtl="0" eaLnBrk="1" latinLnBrk="0" hangingPunct="1">
-              <a:defRPr sz="1800" kern="1200">
-                <a:solidFill>
-                  <a:schemeClr val="lt1"/>
-                </a:solidFill>
-                <a:latin typeface="+mn-lt"/>
-                <a:ea typeface="+mn-ea"/>
-                <a:cs typeface="+mn-cs"/>
-              </a:defRPr>
-            </a:lvl3pPr>
-            <a:lvl4pPr marL="1371600" algn="l" defTabSz="457200" rtl="0" eaLnBrk="1" latinLnBrk="0" hangingPunct="1">
-              <a:defRPr sz="1800" kern="1200">
-                <a:solidFill>
-                  <a:schemeClr val="lt1"/>
-                </a:solidFill>
-                <a:latin typeface="+mn-lt"/>
-                <a:ea typeface="+mn-ea"/>
-                <a:cs typeface="+mn-cs"/>
-              </a:defRPr>
-            </a:lvl4pPr>
-            <a:lvl5pPr marL="1828800" algn="l" defTabSz="457200" rtl="0" eaLnBrk="1" latinLnBrk="0" hangingPunct="1">
-              <a:defRPr sz="1800" kern="1200">
-                <a:solidFill>
-                  <a:schemeClr val="lt1"/>
-                </a:solidFill>
-                <a:latin typeface="+mn-lt"/>
-                <a:ea typeface="+mn-ea"/>
-                <a:cs typeface="+mn-cs"/>
-              </a:defRPr>
-            </a:lvl5pPr>
-            <a:lvl6pPr marL="2286000" algn="l" defTabSz="457200" rtl="0" eaLnBrk="1" latinLnBrk="0" hangingPunct="1">
-              <a:defRPr sz="1800" kern="1200">
-                <a:solidFill>
-                  <a:schemeClr val="lt1"/>
-                </a:solidFill>
-                <a:latin typeface="+mn-lt"/>
-                <a:ea typeface="+mn-ea"/>
-                <a:cs typeface="+mn-cs"/>
-              </a:defRPr>
-            </a:lvl6pPr>
-            <a:lvl7pPr marL="2743200" algn="l" defTabSz="457200" rtl="0" eaLnBrk="1" latinLnBrk="0" hangingPunct="1">
-              <a:defRPr sz="1800" kern="1200">
-                <a:solidFill>
-                  <a:schemeClr val="lt1"/>
-                </a:solidFill>
-                <a:latin typeface="+mn-lt"/>
-                <a:ea typeface="+mn-ea"/>
-                <a:cs typeface="+mn-cs"/>
-              </a:defRPr>
-            </a:lvl7pPr>
-            <a:lvl8pPr marL="3200400" algn="l" defTabSz="457200" rtl="0" eaLnBrk="1" latinLnBrk="0" hangingPunct="1">
-              <a:defRPr sz="1800" kern="1200">
-                <a:solidFill>
-                  <a:schemeClr val="lt1"/>
-                </a:solidFill>
-                <a:latin typeface="+mn-lt"/>
-                <a:ea typeface="+mn-ea"/>
-                <a:cs typeface="+mn-cs"/>
-              </a:defRPr>
-            </a:lvl8pPr>
-            <a:lvl9pPr marL="3657600" algn="l" defTabSz="457200" rtl="0" eaLnBrk="1" latinLnBrk="0" hangingPunct="1">
-              <a:defRPr sz="1800" kern="1200">
-                <a:solidFill>
-                  <a:schemeClr val="lt1"/>
-                </a:solidFill>
-                <a:latin typeface="+mn-lt"/>
-                <a:ea typeface="+mn-ea"/>
-                <a:cs typeface="+mn-cs"/>
-              </a:defRPr>
-            </a:lvl9pPr>
-          </a:lstStyle>
-          <a:p>
-            <a:pPr algn="ctr" fontAlgn="auto">
-              <a:spcBef>
-                <a:spcPts val="0"/>
-              </a:spcBef>
-              <a:spcAft>
-                <a:spcPts val="0"/>
-              </a:spcAft>
-              <a:defRPr/>
-            </a:pPr>
-            <a:endParaRPr lang="en-US" dirty="0">
-              <a:solidFill>
-                <a:schemeClr val="tx1"/>
-              </a:solidFill>
-              <a:latin typeface="Arial"/>
-              <a:cs typeface="Arial"/>
+              <a:latin typeface="IBM Plex Sans" charset="0"/>
+              <a:ea typeface="IBM Plex Sans" charset="0"/>
+              <a:cs typeface="IBM Plex Sans" charset="0"/>
             </a:endParaRPr>
           </a:p>
         </p:txBody>
@@ -10764,1044 +9542,12 @@
         </p:nvGrpSpPr>
         <p:grpSpPr>
           <a:xfrm>
-            <a:off x="2727491" y="2027220"/>
-            <a:ext cx="4725186" cy="2703552"/>
-            <a:chOff x="273286" y="1960760"/>
-            <a:chExt cx="6158512" cy="3215674"/>
+            <a:off x="3294182" y="2118904"/>
+            <a:ext cx="3584699" cy="1628990"/>
+            <a:chOff x="1011874" y="2069811"/>
+            <a:chExt cx="4672073" cy="1937562"/>
           </a:xfrm>
         </p:grpSpPr>
-        <p:sp>
-          <p:nvSpPr>
-            <p:cNvPr id="209" name="Rounded Rectangle 208">
-              <a:extLst>
-                <a:ext uri="{FF2B5EF4-FFF2-40B4-BE49-F238E27FC236}">
-                  <a16:creationId xmlns:a16="http://schemas.microsoft.com/office/drawing/2014/main" id="{BDDF8872-E2D1-F942-8CB9-12039FCD09CA}"/>
-                </a:ext>
-              </a:extLst>
-            </p:cNvPr>
-            <p:cNvSpPr/>
-            <p:nvPr/>
-          </p:nvSpPr>
-          <p:spPr>
-            <a:xfrm>
-              <a:off x="273286" y="1960760"/>
-              <a:ext cx="6158512" cy="3215674"/>
-            </a:xfrm>
-            <a:prstGeom prst="roundRect">
-              <a:avLst>
-                <a:gd name="adj" fmla="val 9818"/>
-              </a:avLst>
-            </a:prstGeom>
-            <a:noFill/>
-            <a:ln w="12700">
-              <a:solidFill>
-                <a:srgbClr val="4378BB"/>
-              </a:solidFill>
-              <a:prstDash val="sysDot"/>
-            </a:ln>
-            <a:effectLst/>
-          </p:spPr>
-          <p:style>
-            <a:lnRef idx="1">
-              <a:schemeClr val="accent1"/>
-            </a:lnRef>
-            <a:fillRef idx="3">
-              <a:schemeClr val="accent1"/>
-            </a:fillRef>
-            <a:effectRef idx="2">
-              <a:schemeClr val="accent1"/>
-            </a:effectRef>
-            <a:fontRef idx="minor">
-              <a:schemeClr val="lt1"/>
-            </a:fontRef>
-          </p:style>
-          <p:txBody>
-            <a:bodyPr anchor="ctr"/>
-            <a:lstStyle>
-              <a:defPPr>
-                <a:defRPr lang="en-US"/>
-              </a:defPPr>
-              <a:lvl1pPr marL="0" algn="l" defTabSz="457200" rtl="0" eaLnBrk="1" latinLnBrk="0" hangingPunct="1">
-                <a:defRPr sz="1800" kern="1200">
-                  <a:solidFill>
-                    <a:schemeClr val="lt1"/>
-                  </a:solidFill>
-                  <a:latin typeface="+mn-lt"/>
-                  <a:ea typeface="+mn-ea"/>
-                  <a:cs typeface="+mn-cs"/>
-                </a:defRPr>
-              </a:lvl1pPr>
-              <a:lvl2pPr marL="457200" algn="l" defTabSz="457200" rtl="0" eaLnBrk="1" latinLnBrk="0" hangingPunct="1">
-                <a:defRPr sz="1800" kern="1200">
-                  <a:solidFill>
-                    <a:schemeClr val="lt1"/>
-                  </a:solidFill>
-                  <a:latin typeface="+mn-lt"/>
-                  <a:ea typeface="+mn-ea"/>
-                  <a:cs typeface="+mn-cs"/>
-                </a:defRPr>
-              </a:lvl2pPr>
-              <a:lvl3pPr marL="914400" algn="l" defTabSz="457200" rtl="0" eaLnBrk="1" latinLnBrk="0" hangingPunct="1">
-                <a:defRPr sz="1800" kern="1200">
-                  <a:solidFill>
-                    <a:schemeClr val="lt1"/>
-                  </a:solidFill>
-                  <a:latin typeface="+mn-lt"/>
-                  <a:ea typeface="+mn-ea"/>
-                  <a:cs typeface="+mn-cs"/>
-                </a:defRPr>
-              </a:lvl3pPr>
-              <a:lvl4pPr marL="1371600" algn="l" defTabSz="457200" rtl="0" eaLnBrk="1" latinLnBrk="0" hangingPunct="1">
-                <a:defRPr sz="1800" kern="1200">
-                  <a:solidFill>
-                    <a:schemeClr val="lt1"/>
-                  </a:solidFill>
-                  <a:latin typeface="+mn-lt"/>
-                  <a:ea typeface="+mn-ea"/>
-                  <a:cs typeface="+mn-cs"/>
-                </a:defRPr>
-              </a:lvl4pPr>
-              <a:lvl5pPr marL="1828800" algn="l" defTabSz="457200" rtl="0" eaLnBrk="1" latinLnBrk="0" hangingPunct="1">
-                <a:defRPr sz="1800" kern="1200">
-                  <a:solidFill>
-                    <a:schemeClr val="lt1"/>
-                  </a:solidFill>
-                  <a:latin typeface="+mn-lt"/>
-                  <a:ea typeface="+mn-ea"/>
-                  <a:cs typeface="+mn-cs"/>
-                </a:defRPr>
-              </a:lvl5pPr>
-              <a:lvl6pPr marL="2286000" algn="l" defTabSz="457200" rtl="0" eaLnBrk="1" latinLnBrk="0" hangingPunct="1">
-                <a:defRPr sz="1800" kern="1200">
-                  <a:solidFill>
-                    <a:schemeClr val="lt1"/>
-                  </a:solidFill>
-                  <a:latin typeface="+mn-lt"/>
-                  <a:ea typeface="+mn-ea"/>
-                  <a:cs typeface="+mn-cs"/>
-                </a:defRPr>
-              </a:lvl6pPr>
-              <a:lvl7pPr marL="2743200" algn="l" defTabSz="457200" rtl="0" eaLnBrk="1" latinLnBrk="0" hangingPunct="1">
-                <a:defRPr sz="1800" kern="1200">
-                  <a:solidFill>
-                    <a:schemeClr val="lt1"/>
-                  </a:solidFill>
-                  <a:latin typeface="+mn-lt"/>
-                  <a:ea typeface="+mn-ea"/>
-                  <a:cs typeface="+mn-cs"/>
-                </a:defRPr>
-              </a:lvl7pPr>
-              <a:lvl8pPr marL="3200400" algn="l" defTabSz="457200" rtl="0" eaLnBrk="1" latinLnBrk="0" hangingPunct="1">
-                <a:defRPr sz="1800" kern="1200">
-                  <a:solidFill>
-                    <a:schemeClr val="lt1"/>
-                  </a:solidFill>
-                  <a:latin typeface="+mn-lt"/>
-                  <a:ea typeface="+mn-ea"/>
-                  <a:cs typeface="+mn-cs"/>
-                </a:defRPr>
-              </a:lvl8pPr>
-              <a:lvl9pPr marL="3657600" algn="l" defTabSz="457200" rtl="0" eaLnBrk="1" latinLnBrk="0" hangingPunct="1">
-                <a:defRPr sz="1800" kern="1200">
-                  <a:solidFill>
-                    <a:schemeClr val="lt1"/>
-                  </a:solidFill>
-                  <a:latin typeface="+mn-lt"/>
-                  <a:ea typeface="+mn-ea"/>
-                  <a:cs typeface="+mn-cs"/>
-                </a:defRPr>
-              </a:lvl9pPr>
-            </a:lstStyle>
-            <a:p>
-              <a:pPr algn="ctr" fontAlgn="auto">
-                <a:spcBef>
-                  <a:spcPts val="0"/>
-                </a:spcBef>
-                <a:spcAft>
-                  <a:spcPts val="0"/>
-                </a:spcAft>
-                <a:defRPr/>
-              </a:pPr>
-              <a:endParaRPr lang="en-US" dirty="0">
-                <a:solidFill>
-                  <a:schemeClr val="tx1"/>
-                </a:solidFill>
-                <a:latin typeface="Helvetica Neue"/>
-                <a:cs typeface="Helvetica Neue"/>
-              </a:endParaRPr>
-            </a:p>
-          </p:txBody>
-        </p:sp>
-        <p:sp>
-          <p:nvSpPr>
-            <p:cNvPr id="207" name="Rounded Rectangle 206">
-              <a:extLst>
-                <a:ext uri="{FF2B5EF4-FFF2-40B4-BE49-F238E27FC236}">
-                  <a16:creationId xmlns:a16="http://schemas.microsoft.com/office/drawing/2014/main" id="{F35B814E-EF10-0E4D-8226-5EA82902A950}"/>
-                </a:ext>
-              </a:extLst>
-            </p:cNvPr>
-            <p:cNvSpPr/>
-            <p:nvPr/>
-          </p:nvSpPr>
-          <p:spPr>
-            <a:xfrm>
-              <a:off x="614279" y="2408259"/>
-              <a:ext cx="2282620" cy="2478932"/>
-            </a:xfrm>
-            <a:prstGeom prst="roundRect">
-              <a:avLst>
-                <a:gd name="adj" fmla="val 9818"/>
-              </a:avLst>
-            </a:prstGeom>
-            <a:noFill/>
-            <a:ln w="12700">
-              <a:solidFill>
-                <a:srgbClr val="4378BB"/>
-              </a:solidFill>
-              <a:prstDash val="lgDash"/>
-            </a:ln>
-            <a:effectLst/>
-          </p:spPr>
-          <p:style>
-            <a:lnRef idx="1">
-              <a:schemeClr val="accent1"/>
-            </a:lnRef>
-            <a:fillRef idx="3">
-              <a:schemeClr val="accent1"/>
-            </a:fillRef>
-            <a:effectRef idx="2">
-              <a:schemeClr val="accent1"/>
-            </a:effectRef>
-            <a:fontRef idx="minor">
-              <a:schemeClr val="lt1"/>
-            </a:fontRef>
-          </p:style>
-          <p:txBody>
-            <a:bodyPr anchor="ctr"/>
-            <a:lstStyle>
-              <a:defPPr>
-                <a:defRPr lang="en-US"/>
-              </a:defPPr>
-              <a:lvl1pPr marL="0" algn="l" defTabSz="457200" rtl="0" eaLnBrk="1" latinLnBrk="0" hangingPunct="1">
-                <a:defRPr sz="1800" kern="1200">
-                  <a:solidFill>
-                    <a:schemeClr val="lt1"/>
-                  </a:solidFill>
-                  <a:latin typeface="+mn-lt"/>
-                  <a:ea typeface="+mn-ea"/>
-                  <a:cs typeface="+mn-cs"/>
-                </a:defRPr>
-              </a:lvl1pPr>
-              <a:lvl2pPr marL="457200" algn="l" defTabSz="457200" rtl="0" eaLnBrk="1" latinLnBrk="0" hangingPunct="1">
-                <a:defRPr sz="1800" kern="1200">
-                  <a:solidFill>
-                    <a:schemeClr val="lt1"/>
-                  </a:solidFill>
-                  <a:latin typeface="+mn-lt"/>
-                  <a:ea typeface="+mn-ea"/>
-                  <a:cs typeface="+mn-cs"/>
-                </a:defRPr>
-              </a:lvl2pPr>
-              <a:lvl3pPr marL="914400" algn="l" defTabSz="457200" rtl="0" eaLnBrk="1" latinLnBrk="0" hangingPunct="1">
-                <a:defRPr sz="1800" kern="1200">
-                  <a:solidFill>
-                    <a:schemeClr val="lt1"/>
-                  </a:solidFill>
-                  <a:latin typeface="+mn-lt"/>
-                  <a:ea typeface="+mn-ea"/>
-                  <a:cs typeface="+mn-cs"/>
-                </a:defRPr>
-              </a:lvl3pPr>
-              <a:lvl4pPr marL="1371600" algn="l" defTabSz="457200" rtl="0" eaLnBrk="1" latinLnBrk="0" hangingPunct="1">
-                <a:defRPr sz="1800" kern="1200">
-                  <a:solidFill>
-                    <a:schemeClr val="lt1"/>
-                  </a:solidFill>
-                  <a:latin typeface="+mn-lt"/>
-                  <a:ea typeface="+mn-ea"/>
-                  <a:cs typeface="+mn-cs"/>
-                </a:defRPr>
-              </a:lvl4pPr>
-              <a:lvl5pPr marL="1828800" algn="l" defTabSz="457200" rtl="0" eaLnBrk="1" latinLnBrk="0" hangingPunct="1">
-                <a:defRPr sz="1800" kern="1200">
-                  <a:solidFill>
-                    <a:schemeClr val="lt1"/>
-                  </a:solidFill>
-                  <a:latin typeface="+mn-lt"/>
-                  <a:ea typeface="+mn-ea"/>
-                  <a:cs typeface="+mn-cs"/>
-                </a:defRPr>
-              </a:lvl5pPr>
-              <a:lvl6pPr marL="2286000" algn="l" defTabSz="457200" rtl="0" eaLnBrk="1" latinLnBrk="0" hangingPunct="1">
-                <a:defRPr sz="1800" kern="1200">
-                  <a:solidFill>
-                    <a:schemeClr val="lt1"/>
-                  </a:solidFill>
-                  <a:latin typeface="+mn-lt"/>
-                  <a:ea typeface="+mn-ea"/>
-                  <a:cs typeface="+mn-cs"/>
-                </a:defRPr>
-              </a:lvl6pPr>
-              <a:lvl7pPr marL="2743200" algn="l" defTabSz="457200" rtl="0" eaLnBrk="1" latinLnBrk="0" hangingPunct="1">
-                <a:defRPr sz="1800" kern="1200">
-                  <a:solidFill>
-                    <a:schemeClr val="lt1"/>
-                  </a:solidFill>
-                  <a:latin typeface="+mn-lt"/>
-                  <a:ea typeface="+mn-ea"/>
-                  <a:cs typeface="+mn-cs"/>
-                </a:defRPr>
-              </a:lvl7pPr>
-              <a:lvl8pPr marL="3200400" algn="l" defTabSz="457200" rtl="0" eaLnBrk="1" latinLnBrk="0" hangingPunct="1">
-                <a:defRPr sz="1800" kern="1200">
-                  <a:solidFill>
-                    <a:schemeClr val="lt1"/>
-                  </a:solidFill>
-                  <a:latin typeface="+mn-lt"/>
-                  <a:ea typeface="+mn-ea"/>
-                  <a:cs typeface="+mn-cs"/>
-                </a:defRPr>
-              </a:lvl8pPr>
-              <a:lvl9pPr marL="3657600" algn="l" defTabSz="457200" rtl="0" eaLnBrk="1" latinLnBrk="0" hangingPunct="1">
-                <a:defRPr sz="1800" kern="1200">
-                  <a:solidFill>
-                    <a:schemeClr val="lt1"/>
-                  </a:solidFill>
-                  <a:latin typeface="+mn-lt"/>
-                  <a:ea typeface="+mn-ea"/>
-                  <a:cs typeface="+mn-cs"/>
-                </a:defRPr>
-              </a:lvl9pPr>
-            </a:lstStyle>
-            <a:p>
-              <a:pPr algn="ctr" fontAlgn="auto">
-                <a:spcBef>
-                  <a:spcPts val="0"/>
-                </a:spcBef>
-                <a:spcAft>
-                  <a:spcPts val="0"/>
-                </a:spcAft>
-                <a:defRPr/>
-              </a:pPr>
-              <a:endParaRPr lang="en-US" dirty="0">
-                <a:solidFill>
-                  <a:schemeClr val="tx1"/>
-                </a:solidFill>
-                <a:latin typeface="Helvetica Neue"/>
-                <a:cs typeface="Helvetica Neue"/>
-              </a:endParaRPr>
-            </a:p>
-          </p:txBody>
-        </p:sp>
-        <p:sp>
-          <p:nvSpPr>
-            <p:cNvPr id="155" name="Rounded Rectangle 154">
-              <a:extLst>
-                <a:ext uri="{FF2B5EF4-FFF2-40B4-BE49-F238E27FC236}">
-                  <a16:creationId xmlns:a16="http://schemas.microsoft.com/office/drawing/2014/main" id="{E7B100BC-268C-7846-BAF2-E6B5EF5EAFAD}"/>
-                </a:ext>
-              </a:extLst>
-            </p:cNvPr>
-            <p:cNvSpPr/>
-            <p:nvPr/>
-          </p:nvSpPr>
-          <p:spPr>
-            <a:xfrm>
-              <a:off x="878818" y="2891753"/>
-              <a:ext cx="1742998" cy="1718976"/>
-            </a:xfrm>
-            <a:prstGeom prst="roundRect">
-              <a:avLst>
-                <a:gd name="adj" fmla="val 9818"/>
-              </a:avLst>
-            </a:prstGeom>
-            <a:noFill/>
-            <a:ln w="6350">
-              <a:solidFill>
-                <a:srgbClr val="FF0000"/>
-              </a:solidFill>
-              <a:prstDash val="solid"/>
-            </a:ln>
-            <a:effectLst/>
-          </p:spPr>
-          <p:style>
-            <a:lnRef idx="1">
-              <a:schemeClr val="accent1"/>
-            </a:lnRef>
-            <a:fillRef idx="3">
-              <a:schemeClr val="accent1"/>
-            </a:fillRef>
-            <a:effectRef idx="2">
-              <a:schemeClr val="accent1"/>
-            </a:effectRef>
-            <a:fontRef idx="minor">
-              <a:schemeClr val="lt1"/>
-            </a:fontRef>
-          </p:style>
-          <p:txBody>
-            <a:bodyPr anchor="ctr"/>
-            <a:lstStyle>
-              <a:defPPr>
-                <a:defRPr lang="en-US"/>
-              </a:defPPr>
-              <a:lvl1pPr marL="0" algn="l" defTabSz="457200" rtl="0" eaLnBrk="1" latinLnBrk="0" hangingPunct="1">
-                <a:defRPr sz="1800" kern="1200">
-                  <a:solidFill>
-                    <a:schemeClr val="lt1"/>
-                  </a:solidFill>
-                  <a:latin typeface="+mn-lt"/>
-                  <a:ea typeface="+mn-ea"/>
-                  <a:cs typeface="+mn-cs"/>
-                </a:defRPr>
-              </a:lvl1pPr>
-              <a:lvl2pPr marL="457200" algn="l" defTabSz="457200" rtl="0" eaLnBrk="1" latinLnBrk="0" hangingPunct="1">
-                <a:defRPr sz="1800" kern="1200">
-                  <a:solidFill>
-                    <a:schemeClr val="lt1"/>
-                  </a:solidFill>
-                  <a:latin typeface="+mn-lt"/>
-                  <a:ea typeface="+mn-ea"/>
-                  <a:cs typeface="+mn-cs"/>
-                </a:defRPr>
-              </a:lvl2pPr>
-              <a:lvl3pPr marL="914400" algn="l" defTabSz="457200" rtl="0" eaLnBrk="1" latinLnBrk="0" hangingPunct="1">
-                <a:defRPr sz="1800" kern="1200">
-                  <a:solidFill>
-                    <a:schemeClr val="lt1"/>
-                  </a:solidFill>
-                  <a:latin typeface="+mn-lt"/>
-                  <a:ea typeface="+mn-ea"/>
-                  <a:cs typeface="+mn-cs"/>
-                </a:defRPr>
-              </a:lvl3pPr>
-              <a:lvl4pPr marL="1371600" algn="l" defTabSz="457200" rtl="0" eaLnBrk="1" latinLnBrk="0" hangingPunct="1">
-                <a:defRPr sz="1800" kern="1200">
-                  <a:solidFill>
-                    <a:schemeClr val="lt1"/>
-                  </a:solidFill>
-                  <a:latin typeface="+mn-lt"/>
-                  <a:ea typeface="+mn-ea"/>
-                  <a:cs typeface="+mn-cs"/>
-                </a:defRPr>
-              </a:lvl4pPr>
-              <a:lvl5pPr marL="1828800" algn="l" defTabSz="457200" rtl="0" eaLnBrk="1" latinLnBrk="0" hangingPunct="1">
-                <a:defRPr sz="1800" kern="1200">
-                  <a:solidFill>
-                    <a:schemeClr val="lt1"/>
-                  </a:solidFill>
-                  <a:latin typeface="+mn-lt"/>
-                  <a:ea typeface="+mn-ea"/>
-                  <a:cs typeface="+mn-cs"/>
-                </a:defRPr>
-              </a:lvl5pPr>
-              <a:lvl6pPr marL="2286000" algn="l" defTabSz="457200" rtl="0" eaLnBrk="1" latinLnBrk="0" hangingPunct="1">
-                <a:defRPr sz="1800" kern="1200">
-                  <a:solidFill>
-                    <a:schemeClr val="lt1"/>
-                  </a:solidFill>
-                  <a:latin typeface="+mn-lt"/>
-                  <a:ea typeface="+mn-ea"/>
-                  <a:cs typeface="+mn-cs"/>
-                </a:defRPr>
-              </a:lvl6pPr>
-              <a:lvl7pPr marL="2743200" algn="l" defTabSz="457200" rtl="0" eaLnBrk="1" latinLnBrk="0" hangingPunct="1">
-                <a:defRPr sz="1800" kern="1200">
-                  <a:solidFill>
-                    <a:schemeClr val="lt1"/>
-                  </a:solidFill>
-                  <a:latin typeface="+mn-lt"/>
-                  <a:ea typeface="+mn-ea"/>
-                  <a:cs typeface="+mn-cs"/>
-                </a:defRPr>
-              </a:lvl7pPr>
-              <a:lvl8pPr marL="3200400" algn="l" defTabSz="457200" rtl="0" eaLnBrk="1" latinLnBrk="0" hangingPunct="1">
-                <a:defRPr sz="1800" kern="1200">
-                  <a:solidFill>
-                    <a:schemeClr val="lt1"/>
-                  </a:solidFill>
-                  <a:latin typeface="+mn-lt"/>
-                  <a:ea typeface="+mn-ea"/>
-                  <a:cs typeface="+mn-cs"/>
-                </a:defRPr>
-              </a:lvl8pPr>
-              <a:lvl9pPr marL="3657600" algn="l" defTabSz="457200" rtl="0" eaLnBrk="1" latinLnBrk="0" hangingPunct="1">
-                <a:defRPr sz="1800" kern="1200">
-                  <a:solidFill>
-                    <a:schemeClr val="lt1"/>
-                  </a:solidFill>
-                  <a:latin typeface="+mn-lt"/>
-                  <a:ea typeface="+mn-ea"/>
-                  <a:cs typeface="+mn-cs"/>
-                </a:defRPr>
-              </a:lvl9pPr>
-            </a:lstStyle>
-            <a:p>
-              <a:pPr algn="ctr" fontAlgn="auto">
-                <a:spcBef>
-                  <a:spcPts val="0"/>
-                </a:spcBef>
-                <a:spcAft>
-                  <a:spcPts val="0"/>
-                </a:spcAft>
-                <a:defRPr/>
-              </a:pPr>
-              <a:endParaRPr lang="en-US" dirty="0">
-                <a:solidFill>
-                  <a:schemeClr val="tx1"/>
-                </a:solidFill>
-                <a:latin typeface="Arial"/>
-                <a:cs typeface="Arial"/>
-              </a:endParaRPr>
-            </a:p>
-          </p:txBody>
-        </p:sp>
-        <p:pic>
-          <p:nvPicPr>
-            <p:cNvPr id="158" name="Picture 157">
-              <a:extLst>
-                <a:ext uri="{FF2B5EF4-FFF2-40B4-BE49-F238E27FC236}">
-                  <a16:creationId xmlns:a16="http://schemas.microsoft.com/office/drawing/2014/main" id="{113E07DB-F658-704E-A4AD-1B0288799BE8}"/>
-                </a:ext>
-              </a:extLst>
-            </p:cNvPr>
-            <p:cNvPicPr>
-              <a:picLocks noChangeAspect="1"/>
-            </p:cNvPicPr>
-            <p:nvPr/>
-          </p:nvPicPr>
-          <p:blipFill>
-            <a:blip r:embed="rId5"/>
-            <a:stretch>
-              <a:fillRect/>
-            </a:stretch>
-          </p:blipFill>
-          <p:spPr>
-            <a:xfrm>
-              <a:off x="1011874" y="2717649"/>
-              <a:ext cx="266569" cy="368300"/>
-            </a:xfrm>
-            <a:prstGeom prst="rect">
-              <a:avLst/>
-            </a:prstGeom>
-          </p:spPr>
-        </p:pic>
-        <p:sp>
-          <p:nvSpPr>
-            <p:cNvPr id="160" name="Rounded Rectangle 159">
-              <a:extLst>
-                <a:ext uri="{FF2B5EF4-FFF2-40B4-BE49-F238E27FC236}">
-                  <a16:creationId xmlns:a16="http://schemas.microsoft.com/office/drawing/2014/main" id="{17FD0316-AB8C-B34C-8E6C-3054D00FD9E1}"/>
-                </a:ext>
-              </a:extLst>
-            </p:cNvPr>
-            <p:cNvSpPr/>
-            <p:nvPr/>
-          </p:nvSpPr>
-          <p:spPr>
-            <a:xfrm>
-              <a:off x="3861339" y="2419706"/>
-              <a:ext cx="2282619" cy="2478934"/>
-            </a:xfrm>
-            <a:prstGeom prst="roundRect">
-              <a:avLst>
-                <a:gd name="adj" fmla="val 9818"/>
-              </a:avLst>
-            </a:prstGeom>
-            <a:noFill/>
-            <a:ln w="12700">
-              <a:solidFill>
-                <a:srgbClr val="4378BB"/>
-              </a:solidFill>
-              <a:prstDash val="lgDash"/>
-            </a:ln>
-            <a:effectLst/>
-          </p:spPr>
-          <p:style>
-            <a:lnRef idx="1">
-              <a:schemeClr val="accent1"/>
-            </a:lnRef>
-            <a:fillRef idx="3">
-              <a:schemeClr val="accent1"/>
-            </a:fillRef>
-            <a:effectRef idx="2">
-              <a:schemeClr val="accent1"/>
-            </a:effectRef>
-            <a:fontRef idx="minor">
-              <a:schemeClr val="lt1"/>
-            </a:fontRef>
-          </p:style>
-          <p:txBody>
-            <a:bodyPr anchor="ctr"/>
-            <a:lstStyle>
-              <a:defPPr>
-                <a:defRPr lang="en-US"/>
-              </a:defPPr>
-              <a:lvl1pPr marL="0" algn="l" defTabSz="457200" rtl="0" eaLnBrk="1" latinLnBrk="0" hangingPunct="1">
-                <a:defRPr sz="1800" kern="1200">
-                  <a:solidFill>
-                    <a:schemeClr val="lt1"/>
-                  </a:solidFill>
-                  <a:latin typeface="+mn-lt"/>
-                  <a:ea typeface="+mn-ea"/>
-                  <a:cs typeface="+mn-cs"/>
-                </a:defRPr>
-              </a:lvl1pPr>
-              <a:lvl2pPr marL="457200" algn="l" defTabSz="457200" rtl="0" eaLnBrk="1" latinLnBrk="0" hangingPunct="1">
-                <a:defRPr sz="1800" kern="1200">
-                  <a:solidFill>
-                    <a:schemeClr val="lt1"/>
-                  </a:solidFill>
-                  <a:latin typeface="+mn-lt"/>
-                  <a:ea typeface="+mn-ea"/>
-                  <a:cs typeface="+mn-cs"/>
-                </a:defRPr>
-              </a:lvl2pPr>
-              <a:lvl3pPr marL="914400" algn="l" defTabSz="457200" rtl="0" eaLnBrk="1" latinLnBrk="0" hangingPunct="1">
-                <a:defRPr sz="1800" kern="1200">
-                  <a:solidFill>
-                    <a:schemeClr val="lt1"/>
-                  </a:solidFill>
-                  <a:latin typeface="+mn-lt"/>
-                  <a:ea typeface="+mn-ea"/>
-                  <a:cs typeface="+mn-cs"/>
-                </a:defRPr>
-              </a:lvl3pPr>
-              <a:lvl4pPr marL="1371600" algn="l" defTabSz="457200" rtl="0" eaLnBrk="1" latinLnBrk="0" hangingPunct="1">
-                <a:defRPr sz="1800" kern="1200">
-                  <a:solidFill>
-                    <a:schemeClr val="lt1"/>
-                  </a:solidFill>
-                  <a:latin typeface="+mn-lt"/>
-                  <a:ea typeface="+mn-ea"/>
-                  <a:cs typeface="+mn-cs"/>
-                </a:defRPr>
-              </a:lvl4pPr>
-              <a:lvl5pPr marL="1828800" algn="l" defTabSz="457200" rtl="0" eaLnBrk="1" latinLnBrk="0" hangingPunct="1">
-                <a:defRPr sz="1800" kern="1200">
-                  <a:solidFill>
-                    <a:schemeClr val="lt1"/>
-                  </a:solidFill>
-                  <a:latin typeface="+mn-lt"/>
-                  <a:ea typeface="+mn-ea"/>
-                  <a:cs typeface="+mn-cs"/>
-                </a:defRPr>
-              </a:lvl5pPr>
-              <a:lvl6pPr marL="2286000" algn="l" defTabSz="457200" rtl="0" eaLnBrk="1" latinLnBrk="0" hangingPunct="1">
-                <a:defRPr sz="1800" kern="1200">
-                  <a:solidFill>
-                    <a:schemeClr val="lt1"/>
-                  </a:solidFill>
-                  <a:latin typeface="+mn-lt"/>
-                  <a:ea typeface="+mn-ea"/>
-                  <a:cs typeface="+mn-cs"/>
-                </a:defRPr>
-              </a:lvl6pPr>
-              <a:lvl7pPr marL="2743200" algn="l" defTabSz="457200" rtl="0" eaLnBrk="1" latinLnBrk="0" hangingPunct="1">
-                <a:defRPr sz="1800" kern="1200">
-                  <a:solidFill>
-                    <a:schemeClr val="lt1"/>
-                  </a:solidFill>
-                  <a:latin typeface="+mn-lt"/>
-                  <a:ea typeface="+mn-ea"/>
-                  <a:cs typeface="+mn-cs"/>
-                </a:defRPr>
-              </a:lvl7pPr>
-              <a:lvl8pPr marL="3200400" algn="l" defTabSz="457200" rtl="0" eaLnBrk="1" latinLnBrk="0" hangingPunct="1">
-                <a:defRPr sz="1800" kern="1200">
-                  <a:solidFill>
-                    <a:schemeClr val="lt1"/>
-                  </a:solidFill>
-                  <a:latin typeface="+mn-lt"/>
-                  <a:ea typeface="+mn-ea"/>
-                  <a:cs typeface="+mn-cs"/>
-                </a:defRPr>
-              </a:lvl8pPr>
-              <a:lvl9pPr marL="3657600" algn="l" defTabSz="457200" rtl="0" eaLnBrk="1" latinLnBrk="0" hangingPunct="1">
-                <a:defRPr sz="1800" kern="1200">
-                  <a:solidFill>
-                    <a:schemeClr val="lt1"/>
-                  </a:solidFill>
-                  <a:latin typeface="+mn-lt"/>
-                  <a:ea typeface="+mn-ea"/>
-                  <a:cs typeface="+mn-cs"/>
-                </a:defRPr>
-              </a:lvl9pPr>
-            </a:lstStyle>
-            <a:p>
-              <a:pPr algn="ctr" fontAlgn="auto">
-                <a:spcBef>
-                  <a:spcPts val="0"/>
-                </a:spcBef>
-                <a:spcAft>
-                  <a:spcPts val="0"/>
-                </a:spcAft>
-                <a:defRPr/>
-              </a:pPr>
-              <a:endParaRPr lang="en-US" dirty="0">
-                <a:solidFill>
-                  <a:schemeClr val="tx1"/>
-                </a:solidFill>
-                <a:latin typeface="Helvetica Neue"/>
-                <a:cs typeface="Helvetica Neue"/>
-              </a:endParaRPr>
-            </a:p>
-          </p:txBody>
-        </p:sp>
-        <p:sp>
-          <p:nvSpPr>
-            <p:cNvPr id="166" name="Rounded Rectangle 165">
-              <a:extLst>
-                <a:ext uri="{FF2B5EF4-FFF2-40B4-BE49-F238E27FC236}">
-                  <a16:creationId xmlns:a16="http://schemas.microsoft.com/office/drawing/2014/main" id="{AA15738E-C70C-2343-90BE-D672FE269AA0}"/>
-                </a:ext>
-              </a:extLst>
-            </p:cNvPr>
-            <p:cNvSpPr/>
-            <p:nvPr/>
-          </p:nvSpPr>
-          <p:spPr>
-            <a:xfrm>
-              <a:off x="4115515" y="2885474"/>
-              <a:ext cx="1742997" cy="1718976"/>
-            </a:xfrm>
-            <a:prstGeom prst="roundRect">
-              <a:avLst>
-                <a:gd name="adj" fmla="val 9818"/>
-              </a:avLst>
-            </a:prstGeom>
-            <a:noFill/>
-            <a:ln w="12700">
-              <a:solidFill>
-                <a:srgbClr val="FF0000"/>
-              </a:solidFill>
-              <a:prstDash val="solid"/>
-            </a:ln>
-            <a:effectLst/>
-          </p:spPr>
-          <p:style>
-            <a:lnRef idx="1">
-              <a:schemeClr val="accent1"/>
-            </a:lnRef>
-            <a:fillRef idx="3">
-              <a:schemeClr val="accent1"/>
-            </a:fillRef>
-            <a:effectRef idx="2">
-              <a:schemeClr val="accent1"/>
-            </a:effectRef>
-            <a:fontRef idx="minor">
-              <a:schemeClr val="lt1"/>
-            </a:fontRef>
-          </p:style>
-          <p:txBody>
-            <a:bodyPr anchor="ctr"/>
-            <a:lstStyle>
-              <a:defPPr>
-                <a:defRPr lang="en-US"/>
-              </a:defPPr>
-              <a:lvl1pPr marL="0" algn="l" defTabSz="457200" rtl="0" eaLnBrk="1" latinLnBrk="0" hangingPunct="1">
-                <a:defRPr sz="1800" kern="1200">
-                  <a:solidFill>
-                    <a:schemeClr val="lt1"/>
-                  </a:solidFill>
-                  <a:latin typeface="+mn-lt"/>
-                  <a:ea typeface="+mn-ea"/>
-                  <a:cs typeface="+mn-cs"/>
-                </a:defRPr>
-              </a:lvl1pPr>
-              <a:lvl2pPr marL="457200" algn="l" defTabSz="457200" rtl="0" eaLnBrk="1" latinLnBrk="0" hangingPunct="1">
-                <a:defRPr sz="1800" kern="1200">
-                  <a:solidFill>
-                    <a:schemeClr val="lt1"/>
-                  </a:solidFill>
-                  <a:latin typeface="+mn-lt"/>
-                  <a:ea typeface="+mn-ea"/>
-                  <a:cs typeface="+mn-cs"/>
-                </a:defRPr>
-              </a:lvl2pPr>
-              <a:lvl3pPr marL="914400" algn="l" defTabSz="457200" rtl="0" eaLnBrk="1" latinLnBrk="0" hangingPunct="1">
-                <a:defRPr sz="1800" kern="1200">
-                  <a:solidFill>
-                    <a:schemeClr val="lt1"/>
-                  </a:solidFill>
-                  <a:latin typeface="+mn-lt"/>
-                  <a:ea typeface="+mn-ea"/>
-                  <a:cs typeface="+mn-cs"/>
-                </a:defRPr>
-              </a:lvl3pPr>
-              <a:lvl4pPr marL="1371600" algn="l" defTabSz="457200" rtl="0" eaLnBrk="1" latinLnBrk="0" hangingPunct="1">
-                <a:defRPr sz="1800" kern="1200">
-                  <a:solidFill>
-                    <a:schemeClr val="lt1"/>
-                  </a:solidFill>
-                  <a:latin typeface="+mn-lt"/>
-                  <a:ea typeface="+mn-ea"/>
-                  <a:cs typeface="+mn-cs"/>
-                </a:defRPr>
-              </a:lvl4pPr>
-              <a:lvl5pPr marL="1828800" algn="l" defTabSz="457200" rtl="0" eaLnBrk="1" latinLnBrk="0" hangingPunct="1">
-                <a:defRPr sz="1800" kern="1200">
-                  <a:solidFill>
-                    <a:schemeClr val="lt1"/>
-                  </a:solidFill>
-                  <a:latin typeface="+mn-lt"/>
-                  <a:ea typeface="+mn-ea"/>
-                  <a:cs typeface="+mn-cs"/>
-                </a:defRPr>
-              </a:lvl5pPr>
-              <a:lvl6pPr marL="2286000" algn="l" defTabSz="457200" rtl="0" eaLnBrk="1" latinLnBrk="0" hangingPunct="1">
-                <a:defRPr sz="1800" kern="1200">
-                  <a:solidFill>
-                    <a:schemeClr val="lt1"/>
-                  </a:solidFill>
-                  <a:latin typeface="+mn-lt"/>
-                  <a:ea typeface="+mn-ea"/>
-                  <a:cs typeface="+mn-cs"/>
-                </a:defRPr>
-              </a:lvl6pPr>
-              <a:lvl7pPr marL="2743200" algn="l" defTabSz="457200" rtl="0" eaLnBrk="1" latinLnBrk="0" hangingPunct="1">
-                <a:defRPr sz="1800" kern="1200">
-                  <a:solidFill>
-                    <a:schemeClr val="lt1"/>
-                  </a:solidFill>
-                  <a:latin typeface="+mn-lt"/>
-                  <a:ea typeface="+mn-ea"/>
-                  <a:cs typeface="+mn-cs"/>
-                </a:defRPr>
-              </a:lvl7pPr>
-              <a:lvl8pPr marL="3200400" algn="l" defTabSz="457200" rtl="0" eaLnBrk="1" latinLnBrk="0" hangingPunct="1">
-                <a:defRPr sz="1800" kern="1200">
-                  <a:solidFill>
-                    <a:schemeClr val="lt1"/>
-                  </a:solidFill>
-                  <a:latin typeface="+mn-lt"/>
-                  <a:ea typeface="+mn-ea"/>
-                  <a:cs typeface="+mn-cs"/>
-                </a:defRPr>
-              </a:lvl8pPr>
-              <a:lvl9pPr marL="3657600" algn="l" defTabSz="457200" rtl="0" eaLnBrk="1" latinLnBrk="0" hangingPunct="1">
-                <a:defRPr sz="1800" kern="1200">
-                  <a:solidFill>
-                    <a:schemeClr val="lt1"/>
-                  </a:solidFill>
-                  <a:latin typeface="+mn-lt"/>
-                  <a:ea typeface="+mn-ea"/>
-                  <a:cs typeface="+mn-cs"/>
-                </a:defRPr>
-              </a:lvl9pPr>
-            </a:lstStyle>
-            <a:p>
-              <a:pPr algn="ctr" fontAlgn="auto">
-                <a:spcBef>
-                  <a:spcPts val="0"/>
-                </a:spcBef>
-                <a:spcAft>
-                  <a:spcPts val="0"/>
-                </a:spcAft>
-                <a:defRPr/>
-              </a:pPr>
-              <a:endParaRPr lang="en-US" dirty="0">
-                <a:solidFill>
-                  <a:schemeClr val="tx1"/>
-                </a:solidFill>
-                <a:latin typeface="Arial"/>
-                <a:cs typeface="Arial"/>
-              </a:endParaRPr>
-            </a:p>
-          </p:txBody>
-        </p:sp>
-        <p:pic>
-          <p:nvPicPr>
-            <p:cNvPr id="168" name="Picture 167">
-              <a:extLst>
-                <a:ext uri="{FF2B5EF4-FFF2-40B4-BE49-F238E27FC236}">
-                  <a16:creationId xmlns:a16="http://schemas.microsoft.com/office/drawing/2014/main" id="{19989A89-194B-874E-AA6C-A88610EE21BC}"/>
-                </a:ext>
-              </a:extLst>
-            </p:cNvPr>
-            <p:cNvPicPr>
-              <a:picLocks noChangeAspect="1"/>
-            </p:cNvPicPr>
-            <p:nvPr/>
-          </p:nvPicPr>
-          <p:blipFill>
-            <a:blip r:embed="rId5"/>
-            <a:stretch>
-              <a:fillRect/>
-            </a:stretch>
-          </p:blipFill>
-          <p:spPr>
-            <a:xfrm>
-              <a:off x="4295195" y="2702430"/>
-              <a:ext cx="266569" cy="368300"/>
-            </a:xfrm>
-            <a:prstGeom prst="rect">
-              <a:avLst/>
-            </a:prstGeom>
-          </p:spPr>
-        </p:pic>
-        <p:sp>
-          <p:nvSpPr>
-            <p:cNvPr id="171" name="Rounded Rectangle 170">
-              <a:extLst>
-                <a:ext uri="{FF2B5EF4-FFF2-40B4-BE49-F238E27FC236}">
-                  <a16:creationId xmlns:a16="http://schemas.microsoft.com/office/drawing/2014/main" id="{7C760A95-9ED4-0F4E-84C0-A61429511893}"/>
-                </a:ext>
-              </a:extLst>
-            </p:cNvPr>
-            <p:cNvSpPr/>
-            <p:nvPr/>
-          </p:nvSpPr>
-          <p:spPr>
-            <a:xfrm>
-              <a:off x="1011874" y="3289480"/>
-              <a:ext cx="4710954" cy="964019"/>
-            </a:xfrm>
-            <a:prstGeom prst="roundRect">
-              <a:avLst>
-                <a:gd name="adj" fmla="val 9818"/>
-              </a:avLst>
-            </a:prstGeom>
-            <a:noFill/>
-            <a:ln w="12700">
-              <a:solidFill>
-                <a:srgbClr val="FF0000"/>
-              </a:solidFill>
-              <a:prstDash val="lgDash"/>
-            </a:ln>
-            <a:effectLst/>
-          </p:spPr>
-          <p:style>
-            <a:lnRef idx="1">
-              <a:schemeClr val="accent1"/>
-            </a:lnRef>
-            <a:fillRef idx="3">
-              <a:schemeClr val="accent1"/>
-            </a:fillRef>
-            <a:effectRef idx="2">
-              <a:schemeClr val="accent1"/>
-            </a:effectRef>
-            <a:fontRef idx="minor">
-              <a:schemeClr val="lt1"/>
-            </a:fontRef>
-          </p:style>
-          <p:txBody>
-            <a:bodyPr anchor="ctr"/>
-            <a:lstStyle>
-              <a:defPPr>
-                <a:defRPr lang="en-US"/>
-              </a:defPPr>
-              <a:lvl1pPr marL="0" algn="l" defTabSz="457200" rtl="0" eaLnBrk="1" latinLnBrk="0" hangingPunct="1">
-                <a:defRPr sz="1800" kern="1200">
-                  <a:solidFill>
-                    <a:schemeClr val="lt1"/>
-                  </a:solidFill>
-                  <a:latin typeface="+mn-lt"/>
-                  <a:ea typeface="+mn-ea"/>
-                  <a:cs typeface="+mn-cs"/>
-                </a:defRPr>
-              </a:lvl1pPr>
-              <a:lvl2pPr marL="457200" algn="l" defTabSz="457200" rtl="0" eaLnBrk="1" latinLnBrk="0" hangingPunct="1">
-                <a:defRPr sz="1800" kern="1200">
-                  <a:solidFill>
-                    <a:schemeClr val="lt1"/>
-                  </a:solidFill>
-                  <a:latin typeface="+mn-lt"/>
-                  <a:ea typeface="+mn-ea"/>
-                  <a:cs typeface="+mn-cs"/>
-                </a:defRPr>
-              </a:lvl2pPr>
-              <a:lvl3pPr marL="914400" algn="l" defTabSz="457200" rtl="0" eaLnBrk="1" latinLnBrk="0" hangingPunct="1">
-                <a:defRPr sz="1800" kern="1200">
-                  <a:solidFill>
-                    <a:schemeClr val="lt1"/>
-                  </a:solidFill>
-                  <a:latin typeface="+mn-lt"/>
-                  <a:ea typeface="+mn-ea"/>
-                  <a:cs typeface="+mn-cs"/>
-                </a:defRPr>
-              </a:lvl3pPr>
-              <a:lvl4pPr marL="1371600" algn="l" defTabSz="457200" rtl="0" eaLnBrk="1" latinLnBrk="0" hangingPunct="1">
-                <a:defRPr sz="1800" kern="1200">
-                  <a:solidFill>
-                    <a:schemeClr val="lt1"/>
-                  </a:solidFill>
-                  <a:latin typeface="+mn-lt"/>
-                  <a:ea typeface="+mn-ea"/>
-                  <a:cs typeface="+mn-cs"/>
-                </a:defRPr>
-              </a:lvl4pPr>
-              <a:lvl5pPr marL="1828800" algn="l" defTabSz="457200" rtl="0" eaLnBrk="1" latinLnBrk="0" hangingPunct="1">
-                <a:defRPr sz="1800" kern="1200">
-                  <a:solidFill>
-                    <a:schemeClr val="lt1"/>
-                  </a:solidFill>
-                  <a:latin typeface="+mn-lt"/>
-                  <a:ea typeface="+mn-ea"/>
-                  <a:cs typeface="+mn-cs"/>
-                </a:defRPr>
-              </a:lvl5pPr>
-              <a:lvl6pPr marL="2286000" algn="l" defTabSz="457200" rtl="0" eaLnBrk="1" latinLnBrk="0" hangingPunct="1">
-                <a:defRPr sz="1800" kern="1200">
-                  <a:solidFill>
-                    <a:schemeClr val="lt1"/>
-                  </a:solidFill>
-                  <a:latin typeface="+mn-lt"/>
-                  <a:ea typeface="+mn-ea"/>
-                  <a:cs typeface="+mn-cs"/>
-                </a:defRPr>
-              </a:lvl6pPr>
-              <a:lvl7pPr marL="2743200" algn="l" defTabSz="457200" rtl="0" eaLnBrk="1" latinLnBrk="0" hangingPunct="1">
-                <a:defRPr sz="1800" kern="1200">
-                  <a:solidFill>
-                    <a:schemeClr val="lt1"/>
-                  </a:solidFill>
-                  <a:latin typeface="+mn-lt"/>
-                  <a:ea typeface="+mn-ea"/>
-                  <a:cs typeface="+mn-cs"/>
-                </a:defRPr>
-              </a:lvl7pPr>
-              <a:lvl8pPr marL="3200400" algn="l" defTabSz="457200" rtl="0" eaLnBrk="1" latinLnBrk="0" hangingPunct="1">
-                <a:defRPr sz="1800" kern="1200">
-                  <a:solidFill>
-                    <a:schemeClr val="lt1"/>
-                  </a:solidFill>
-                  <a:latin typeface="+mn-lt"/>
-                  <a:ea typeface="+mn-ea"/>
-                  <a:cs typeface="+mn-cs"/>
-                </a:defRPr>
-              </a:lvl8pPr>
-              <a:lvl9pPr marL="3657600" algn="l" defTabSz="457200" rtl="0" eaLnBrk="1" latinLnBrk="0" hangingPunct="1">
-                <a:defRPr sz="1800" kern="1200">
-                  <a:solidFill>
-                    <a:schemeClr val="lt1"/>
-                  </a:solidFill>
-                  <a:latin typeface="+mn-lt"/>
-                  <a:ea typeface="+mn-ea"/>
-                  <a:cs typeface="+mn-cs"/>
-                </a:defRPr>
-              </a:lvl9pPr>
-            </a:lstStyle>
-            <a:p>
-              <a:pPr algn="ctr" fontAlgn="auto">
-                <a:spcBef>
-                  <a:spcPts val="0"/>
-                </a:spcBef>
-                <a:spcAft>
-                  <a:spcPts val="0"/>
-                </a:spcAft>
-                <a:defRPr/>
-              </a:pPr>
-              <a:endParaRPr lang="en-US" dirty="0">
-                <a:solidFill>
-                  <a:schemeClr val="tx1"/>
-                </a:solidFill>
-                <a:latin typeface="Helvetica Neue"/>
-                <a:cs typeface="Helvetica Neue"/>
-              </a:endParaRPr>
-            </a:p>
-          </p:txBody>
-        </p:sp>
         <p:cxnSp>
           <p:nvCxnSpPr>
             <p:cNvPr id="174" name="Straight Arrow Connector 164">
@@ -12024,7 +9770,7 @@
               <p:nvPr/>
             </p:nvPicPr>
             <p:blipFill>
-              <a:blip r:embed="rId6">
+              <a:blip r:embed="rId3">
                 <a:biLevel thresh="50000"/>
               </a:blip>
               <a:stretch>
@@ -12168,7 +9914,7 @@
               <p:nvPr/>
             </p:nvPicPr>
             <p:blipFill>
-              <a:blip r:embed="rId7"/>
+              <a:blip r:embed="rId4"/>
               <a:stretch>
                 <a:fillRect/>
               </a:stretch>
@@ -12310,7 +10056,7 @@
               <p:nvPr/>
             </p:nvPicPr>
             <p:blipFill>
-              <a:blip r:embed="rId7"/>
+              <a:blip r:embed="rId4"/>
               <a:stretch>
                 <a:fillRect/>
               </a:stretch>
@@ -12452,7 +10198,7 @@
               <p:nvPr/>
             </p:nvPicPr>
             <p:blipFill>
-              <a:blip r:embed="rId7"/>
+              <a:blip r:embed="rId4"/>
               <a:stretch>
                 <a:fillRect/>
               </a:stretch>
@@ -12594,7 +10340,7 @@
               <p:nvPr/>
             </p:nvPicPr>
             <p:blipFill>
-              <a:blip r:embed="rId7"/>
+              <a:blip r:embed="rId4"/>
               <a:stretch>
                 <a:fillRect/>
               </a:stretch>
@@ -12610,6 +10356,66 @@
             </p:spPr>
           </p:pic>
         </p:grpSp>
+        <p:pic>
+          <p:nvPicPr>
+            <p:cNvPr id="158" name="Picture 157">
+              <a:extLst>
+                <a:ext uri="{FF2B5EF4-FFF2-40B4-BE49-F238E27FC236}">
+                  <a16:creationId xmlns:a16="http://schemas.microsoft.com/office/drawing/2014/main" id="{113E07DB-F658-704E-A4AD-1B0288799BE8}"/>
+                </a:ext>
+              </a:extLst>
+            </p:cNvPr>
+            <p:cNvPicPr>
+              <a:picLocks noChangeAspect="1"/>
+            </p:cNvPicPr>
+            <p:nvPr/>
+          </p:nvPicPr>
+          <p:blipFill>
+            <a:blip r:embed="rId5"/>
+            <a:stretch>
+              <a:fillRect/>
+            </a:stretch>
+          </p:blipFill>
+          <p:spPr>
+            <a:xfrm>
+              <a:off x="1011874" y="2717649"/>
+              <a:ext cx="266569" cy="368300"/>
+            </a:xfrm>
+            <a:prstGeom prst="rect">
+              <a:avLst/>
+            </a:prstGeom>
+          </p:spPr>
+        </p:pic>
+        <p:pic>
+          <p:nvPicPr>
+            <p:cNvPr id="168" name="Picture 167">
+              <a:extLst>
+                <a:ext uri="{FF2B5EF4-FFF2-40B4-BE49-F238E27FC236}">
+                  <a16:creationId xmlns:a16="http://schemas.microsoft.com/office/drawing/2014/main" id="{19989A89-194B-874E-AA6C-A88610EE21BC}"/>
+                </a:ext>
+              </a:extLst>
+            </p:cNvPr>
+            <p:cNvPicPr>
+              <a:picLocks noChangeAspect="1"/>
+            </p:cNvPicPr>
+            <p:nvPr/>
+          </p:nvPicPr>
+          <p:blipFill>
+            <a:blip r:embed="rId5"/>
+            <a:stretch>
+              <a:fillRect/>
+            </a:stretch>
+          </p:blipFill>
+          <p:spPr>
+            <a:xfrm>
+              <a:off x="4295195" y="2702430"/>
+              <a:ext cx="266569" cy="368300"/>
+            </a:xfrm>
+            <a:prstGeom prst="rect">
+              <a:avLst/>
+            </a:prstGeom>
+          </p:spPr>
+        </p:pic>
       </p:grpSp>
       <p:grpSp>
         <p:nvGrpSpPr>
@@ -12737,7 +10543,7 @@
             <p:nvPr/>
           </p:nvPicPr>
           <p:blipFill>
-            <a:blip r:embed="rId8">
+            <a:blip r:embed="rId6">
               <a:biLevel thresh="50000"/>
             </a:blip>
             <a:stretch>
@@ -12881,7 +10687,7 @@
             <p:nvPr/>
           </p:nvPicPr>
           <p:blipFill>
-            <a:blip r:embed="rId9">
+            <a:blip r:embed="rId7">
               <a:biLevel thresh="50000"/>
             </a:blip>
             <a:stretch>
@@ -13025,7 +10831,7 @@
             <p:nvPr/>
           </p:nvPicPr>
           <p:blipFill>
-            <a:blip r:embed="rId10">
+            <a:blip r:embed="rId8">
               <a:biLevel thresh="25000"/>
               <a:extLst>
                 <a:ext uri="{28A0092B-C50C-407E-A947-70E740481C1C}">
@@ -13063,7 +10869,7 @@
           <p:nvPr/>
         </p:nvPicPr>
         <p:blipFill>
-          <a:blip r:embed="rId11">
+          <a:blip r:embed="rId9">
             <a:duotone>
               <a:schemeClr val="accent1">
                 <a:shade val="45000"/>
@@ -13101,7 +10907,7 @@
           <p:nvPr/>
         </p:nvPicPr>
         <p:blipFill>
-          <a:blip r:embed="rId12"/>
+          <a:blip r:embed="rId10"/>
           <a:stretch>
             <a:fillRect/>
           </a:stretch>
@@ -13240,7 +11046,7 @@
             <p:nvPr/>
           </p:nvPicPr>
           <p:blipFill>
-            <a:blip r:embed="rId13">
+            <a:blip r:embed="rId11">
               <a:extLst/>
             </a:blip>
             <a:srcRect l="24323" t="21763" r="24323" b="21763"/>
@@ -13388,7 +11194,7 @@
             <p:nvPr/>
           </p:nvPicPr>
           <p:blipFill>
-            <a:blip r:embed="rId13">
+            <a:blip r:embed="rId11">
               <a:extLst/>
             </a:blip>
             <a:srcRect l="24323" t="21763" r="24323" b="21763"/>
@@ -13536,7 +11342,7 @@
             <p:nvPr/>
           </p:nvPicPr>
           <p:blipFill>
-            <a:blip r:embed="rId14">
+            <a:blip r:embed="rId12">
               <a:extLst/>
             </a:blip>
             <a:srcRect l="22990" t="22678" r="12110" b="12057"/>
@@ -13684,7 +11490,7 @@
             <p:nvPr/>
           </p:nvPicPr>
           <p:blipFill>
-            <a:blip r:embed="rId15">
+            <a:blip r:embed="rId13">
               <a:extLst/>
             </a:blip>
             <a:srcRect l="15445" t="21517" r="15445" b="21517"/>
@@ -13832,7 +11638,7 @@
             <p:nvPr/>
           </p:nvPicPr>
           <p:blipFill>
-            <a:blip r:embed="rId16">
+            <a:blip r:embed="rId14">
               <a:extLst/>
             </a:blip>
             <a:srcRect l="16797" t="24739" r="16797" b="24739"/>
@@ -14191,7 +11997,7 @@
             <p:nvPr/>
           </p:nvPicPr>
           <p:blipFill>
-            <a:blip r:embed="rId17">
+            <a:blip r:embed="rId15">
               <a:duotone>
                 <a:schemeClr val="accent2">
                   <a:shade val="45000"/>
@@ -14692,7 +12498,7 @@
             <p:nvPr/>
           </p:nvPicPr>
           <p:blipFill>
-            <a:blip r:embed="rId18" cstate="print">
+            <a:blip r:embed="rId16" cstate="print">
               <a:extLst>
                 <a:ext uri="{28A0092B-C50C-407E-A947-70E740481C1C}">
                   <a14:useLocalDpi xmlns:a14="http://schemas.microsoft.com/office/drawing/2010/main" val="0"/>
@@ -15112,10 +12918,10 @@
         </p:nvGrpSpPr>
         <p:grpSpPr>
           <a:xfrm>
-            <a:off x="467133" y="153265"/>
-            <a:ext cx="9216724" cy="5734195"/>
-            <a:chOff x="467133" y="153265"/>
-            <a:chExt cx="9216724" cy="5734195"/>
+            <a:off x="215911" y="120531"/>
+            <a:ext cx="9467946" cy="5766929"/>
+            <a:chOff x="215911" y="120531"/>
+            <a:chExt cx="9467946" cy="5766929"/>
           </a:xfrm>
         </p:grpSpPr>
         <p:sp>
@@ -15143,7 +12949,7 @@
             </a:ln>
             <a:extLst>
               <a:ext uri="{C572A759-6A51-4108-AA02-DFA0A04FC94B}">
-                <ma14:wrappingTextBoxFlag xmlns:ma14="http://schemas.microsoft.com/office/mac/drawingml/2011/main" xmlns="" val="1"/>
+                <ma14:wrappingTextBoxFlag xmlns="" xmlns:ma14="http://schemas.microsoft.com/office/mac/drawingml/2011/main" val="1"/>
               </a:ext>
             </a:extLst>
           </p:spPr>
@@ -15202,7 +13008,7 @@
           </p:nvSpPr>
           <p:spPr>
             <a:xfrm>
-              <a:off x="2578798" y="1226613"/>
+              <a:off x="2494783" y="1246282"/>
               <a:ext cx="727763" cy="153888"/>
             </a:xfrm>
             <a:prstGeom prst="rect">
@@ -15213,7 +13019,7 @@
             </a:ln>
             <a:extLst>
               <a:ext uri="{C572A759-6A51-4108-AA02-DFA0A04FC94B}">
-                <ma14:wrappingTextBoxFlag xmlns:ma14="http://schemas.microsoft.com/office/mac/drawingml/2011/main" xmlns="" val="1"/>
+                <ma14:wrappingTextBoxFlag xmlns="" xmlns:ma14="http://schemas.microsoft.com/office/mac/drawingml/2011/main" val="1"/>
               </a:ext>
             </a:extLst>
           </p:spPr>
@@ -15283,7 +13089,7 @@
             </a:ln>
             <a:extLst>
               <a:ext uri="{C572A759-6A51-4108-AA02-DFA0A04FC94B}">
-                <ma14:wrappingTextBoxFlag xmlns:ma14="http://schemas.microsoft.com/office/mac/drawingml/2011/main" xmlns="" val="1"/>
+                <ma14:wrappingTextBoxFlag xmlns="" xmlns:ma14="http://schemas.microsoft.com/office/mac/drawingml/2011/main" val="1"/>
               </a:ext>
             </a:extLst>
           </p:spPr>
@@ -15359,7 +13165,7 @@
           </p:nvSpPr>
           <p:spPr>
             <a:xfrm>
-              <a:off x="8634676" y="153265"/>
+              <a:off x="8402612" y="120531"/>
               <a:ext cx="852798" cy="307777"/>
             </a:xfrm>
             <a:prstGeom prst="rect">
@@ -15370,7 +13176,7 @@
             </a:ln>
             <a:extLst>
               <a:ext uri="{C572A759-6A51-4108-AA02-DFA0A04FC94B}">
-                <ma14:wrappingTextBoxFlag xmlns:ma14="http://schemas.microsoft.com/office/mac/drawingml/2011/main" xmlns="" val="1"/>
+                <ma14:wrappingTextBoxFlag xmlns="" xmlns:ma14="http://schemas.microsoft.com/office/mac/drawingml/2011/main" val="1"/>
               </a:ext>
             </a:extLst>
           </p:spPr>
@@ -15446,7 +13252,7 @@
           </p:nvSpPr>
           <p:spPr>
             <a:xfrm>
-              <a:off x="467133" y="153265"/>
+              <a:off x="215911" y="120531"/>
               <a:ext cx="663643" cy="307777"/>
             </a:xfrm>
             <a:prstGeom prst="rect">
@@ -15457,7 +13263,7 @@
             </a:ln>
             <a:extLst>
               <a:ext uri="{C572A759-6A51-4108-AA02-DFA0A04FC94B}">
-                <ma14:wrappingTextBoxFlag xmlns:ma14="http://schemas.microsoft.com/office/mac/drawingml/2011/main" xmlns="" val="1"/>
+                <ma14:wrappingTextBoxFlag xmlns="" xmlns:ma14="http://schemas.microsoft.com/office/mac/drawingml/2011/main" val="1"/>
               </a:ext>
             </a:extLst>
           </p:spPr>
@@ -15544,7 +13350,7 @@
             </a:ln>
             <a:extLst>
               <a:ext uri="{C572A759-6A51-4108-AA02-DFA0A04FC94B}">
-                <ma14:wrappingTextBoxFlag xmlns:ma14="http://schemas.microsoft.com/office/mac/drawingml/2011/main" xmlns="" val="1"/>
+                <ma14:wrappingTextBoxFlag xmlns="" xmlns:ma14="http://schemas.microsoft.com/office/mac/drawingml/2011/main" val="1"/>
               </a:ext>
             </a:extLst>
           </p:spPr>
@@ -15631,7 +13437,7 @@
             </a:ln>
             <a:extLst>
               <a:ext uri="{C572A759-6A51-4108-AA02-DFA0A04FC94B}">
-                <ma14:wrappingTextBoxFlag xmlns:ma14="http://schemas.microsoft.com/office/mac/drawingml/2011/main" xmlns="" val="1"/>
+                <ma14:wrappingTextBoxFlag xmlns="" xmlns:ma14="http://schemas.microsoft.com/office/mac/drawingml/2011/main" val="1"/>
               </a:ext>
             </a:extLst>
           </p:spPr>
@@ -15707,7 +13513,7 @@
           </p:nvSpPr>
           <p:spPr>
             <a:xfrm>
-              <a:off x="1921041" y="4660544"/>
+              <a:off x="1921041" y="4769629"/>
               <a:ext cx="655629" cy="307777"/>
             </a:xfrm>
             <a:prstGeom prst="rect">
@@ -15718,7 +13524,7 @@
             </a:ln>
             <a:extLst>
               <a:ext uri="{C572A759-6A51-4108-AA02-DFA0A04FC94B}">
-                <ma14:wrappingTextBoxFlag xmlns:ma14="http://schemas.microsoft.com/office/mac/drawingml/2011/main" xmlns="" val="1"/>
+                <ma14:wrappingTextBoxFlag xmlns="" xmlns:ma14="http://schemas.microsoft.com/office/mac/drawingml/2011/main" val="1"/>
               </a:ext>
             </a:extLst>
           </p:spPr>
@@ -15805,7 +13611,7 @@
             </a:ln>
             <a:extLst>
               <a:ext uri="{C572A759-6A51-4108-AA02-DFA0A04FC94B}">
-                <ma14:wrappingTextBoxFlag xmlns:ma14="http://schemas.microsoft.com/office/mac/drawingml/2011/main" xmlns="" val="1"/>
+                <ma14:wrappingTextBoxFlag xmlns="" xmlns:ma14="http://schemas.microsoft.com/office/mac/drawingml/2011/main" val="1"/>
               </a:ext>
             </a:extLst>
           </p:spPr>
@@ -15875,7 +13681,7 @@
             </a:ln>
             <a:extLst>
               <a:ext uri="{C572A759-6A51-4108-AA02-DFA0A04FC94B}">
-                <ma14:wrappingTextBoxFlag xmlns:ma14="http://schemas.microsoft.com/office/mac/drawingml/2011/main" xmlns="" val="1"/>
+                <ma14:wrappingTextBoxFlag xmlns="" xmlns:ma14="http://schemas.microsoft.com/office/mac/drawingml/2011/main" val="1"/>
               </a:ext>
             </a:extLst>
           </p:spPr>
@@ -15962,7 +13768,7 @@
             </a:ln>
             <a:extLst>
               <a:ext uri="{C572A759-6A51-4108-AA02-DFA0A04FC94B}">
-                <ma14:wrappingTextBoxFlag xmlns:ma14="http://schemas.microsoft.com/office/mac/drawingml/2011/main" xmlns="" val="1"/>
+                <ma14:wrappingTextBoxFlag xmlns="" xmlns:ma14="http://schemas.microsoft.com/office/mac/drawingml/2011/main" val="1"/>
               </a:ext>
             </a:extLst>
           </p:spPr>
@@ -16032,7 +13838,7 @@
             </a:ln>
             <a:extLst>
               <a:ext uri="{C572A759-6A51-4108-AA02-DFA0A04FC94B}">
-                <ma14:wrappingTextBoxFlag xmlns:ma14="http://schemas.microsoft.com/office/mac/drawingml/2011/main" xmlns="" val="1"/>
+                <ma14:wrappingTextBoxFlag xmlns="" xmlns:ma14="http://schemas.microsoft.com/office/mac/drawingml/2011/main" val="1"/>
               </a:ext>
             </a:extLst>
           </p:spPr>
@@ -16102,7 +13908,7 @@
             </a:ln>
             <a:extLst>
               <a:ext uri="{C572A759-6A51-4108-AA02-DFA0A04FC94B}">
-                <ma14:wrappingTextBoxFlag xmlns:ma14="http://schemas.microsoft.com/office/mac/drawingml/2011/main" xmlns="" val="1"/>
+                <ma14:wrappingTextBoxFlag xmlns="" xmlns:ma14="http://schemas.microsoft.com/office/mac/drawingml/2011/main" val="1"/>
               </a:ext>
             </a:extLst>
           </p:spPr>
@@ -16172,7 +13978,7 @@
             </a:ln>
             <a:extLst>
               <a:ext uri="{C572A759-6A51-4108-AA02-DFA0A04FC94B}">
-                <ma14:wrappingTextBoxFlag xmlns:ma14="http://schemas.microsoft.com/office/mac/drawingml/2011/main" xmlns="" val="1"/>
+                <ma14:wrappingTextBoxFlag xmlns="" xmlns:ma14="http://schemas.microsoft.com/office/mac/drawingml/2011/main" val="1"/>
               </a:ext>
             </a:extLst>
           </p:spPr>
@@ -16242,7 +14048,7 @@
             </a:ln>
             <a:extLst>
               <a:ext uri="{C572A759-6A51-4108-AA02-DFA0A04FC94B}">
-                <ma14:wrappingTextBoxFlag xmlns:ma14="http://schemas.microsoft.com/office/mac/drawingml/2011/main" xmlns="" val="1"/>
+                <ma14:wrappingTextBoxFlag xmlns="" xmlns:ma14="http://schemas.microsoft.com/office/mac/drawingml/2011/main" val="1"/>
               </a:ext>
             </a:extLst>
           </p:spPr>
@@ -16312,7 +14118,7 @@
             </a:ln>
             <a:extLst>
               <a:ext uri="{C572A759-6A51-4108-AA02-DFA0A04FC94B}">
-                <ma14:wrappingTextBoxFlag xmlns:ma14="http://schemas.microsoft.com/office/mac/drawingml/2011/main" xmlns="" val="1"/>
+                <ma14:wrappingTextBoxFlag xmlns="" xmlns:ma14="http://schemas.microsoft.com/office/mac/drawingml/2011/main" val="1"/>
               </a:ext>
             </a:extLst>
           </p:spPr>
@@ -16382,7 +14188,7 @@
             </a:ln>
             <a:extLst>
               <a:ext uri="{C572A759-6A51-4108-AA02-DFA0A04FC94B}">
-                <ma14:wrappingTextBoxFlag xmlns:ma14="http://schemas.microsoft.com/office/mac/drawingml/2011/main" xmlns="" val="1"/>
+                <ma14:wrappingTextBoxFlag xmlns="" xmlns:ma14="http://schemas.microsoft.com/office/mac/drawingml/2011/main" val="1"/>
               </a:ext>
             </a:extLst>
           </p:spPr>
@@ -16452,7 +14258,7 @@
             </a:ln>
             <a:extLst>
               <a:ext uri="{C572A759-6A51-4108-AA02-DFA0A04FC94B}">
-                <ma14:wrappingTextBoxFlag xmlns:ma14="http://schemas.microsoft.com/office/mac/drawingml/2011/main" xmlns="" val="1"/>
+                <ma14:wrappingTextBoxFlag xmlns="" xmlns:ma14="http://schemas.microsoft.com/office/mac/drawingml/2011/main" val="1"/>
               </a:ext>
             </a:extLst>
           </p:spPr>
@@ -16522,7 +14328,7 @@
             </a:ln>
             <a:extLst>
               <a:ext uri="{C572A759-6A51-4108-AA02-DFA0A04FC94B}">
-                <ma14:wrappingTextBoxFlag xmlns:ma14="http://schemas.microsoft.com/office/mac/drawingml/2011/main" xmlns="" val="1"/>
+                <ma14:wrappingTextBoxFlag xmlns="" xmlns:ma14="http://schemas.microsoft.com/office/mac/drawingml/2011/main" val="1"/>
               </a:ext>
             </a:extLst>
           </p:spPr>
@@ -16592,7 +14398,7 @@
             </a:ln>
             <a:extLst>
               <a:ext uri="{C572A759-6A51-4108-AA02-DFA0A04FC94B}">
-                <ma14:wrappingTextBoxFlag xmlns:ma14="http://schemas.microsoft.com/office/mac/drawingml/2011/main" xmlns="" val="1"/>
+                <ma14:wrappingTextBoxFlag xmlns="" xmlns:ma14="http://schemas.microsoft.com/office/mac/drawingml/2011/main" val="1"/>
               </a:ext>
             </a:extLst>
           </p:spPr>
@@ -16662,7 +14468,7 @@
             </a:ln>
             <a:extLst>
               <a:ext uri="{C572A759-6A51-4108-AA02-DFA0A04FC94B}">
-                <ma14:wrappingTextBoxFlag xmlns:ma14="http://schemas.microsoft.com/office/mac/drawingml/2011/main" xmlns="" val="1"/>
+                <ma14:wrappingTextBoxFlag xmlns="" xmlns:ma14="http://schemas.microsoft.com/office/mac/drawingml/2011/main" val="1"/>
               </a:ext>
             </a:extLst>
           </p:spPr>
@@ -16732,7 +14538,7 @@
             </a:ln>
             <a:extLst>
               <a:ext uri="{C572A759-6A51-4108-AA02-DFA0A04FC94B}">
-                <ma14:wrappingTextBoxFlag xmlns:ma14="http://schemas.microsoft.com/office/mac/drawingml/2011/main" xmlns="" val="1"/>
+                <ma14:wrappingTextBoxFlag xmlns="" xmlns:ma14="http://schemas.microsoft.com/office/mac/drawingml/2011/main" val="1"/>
               </a:ext>
             </a:extLst>
           </p:spPr>
@@ -16802,7 +14608,7 @@
             </a:ln>
             <a:extLst>
               <a:ext uri="{C572A759-6A51-4108-AA02-DFA0A04FC94B}">
-                <ma14:wrappingTextBoxFlag xmlns:ma14="http://schemas.microsoft.com/office/mac/drawingml/2011/main" xmlns="" val="1"/>
+                <ma14:wrappingTextBoxFlag xmlns="" xmlns:ma14="http://schemas.microsoft.com/office/mac/drawingml/2011/main" val="1"/>
               </a:ext>
             </a:extLst>
           </p:spPr>
@@ -16872,7 +14678,7 @@
             </a:ln>
             <a:extLst>
               <a:ext uri="{C572A759-6A51-4108-AA02-DFA0A04FC94B}">
-                <ma14:wrappingTextBoxFlag xmlns:ma14="http://schemas.microsoft.com/office/mac/drawingml/2011/main" xmlns="" val="1"/>
+                <ma14:wrappingTextBoxFlag xmlns="" xmlns:ma14="http://schemas.microsoft.com/office/mac/drawingml/2011/main" val="1"/>
               </a:ext>
             </a:extLst>
           </p:spPr>
@@ -16942,7 +14748,7 @@
             </a:ln>
             <a:extLst>
               <a:ext uri="{C572A759-6A51-4108-AA02-DFA0A04FC94B}">
-                <ma14:wrappingTextBoxFlag xmlns:ma14="http://schemas.microsoft.com/office/mac/drawingml/2011/main" xmlns="" val="1"/>
+                <ma14:wrappingTextBoxFlag xmlns="" xmlns:ma14="http://schemas.microsoft.com/office/mac/drawingml/2011/main" val="1"/>
               </a:ext>
             </a:extLst>
           </p:spPr>
@@ -17012,7 +14818,7 @@
             </a:ln>
             <a:extLst>
               <a:ext uri="{C572A759-6A51-4108-AA02-DFA0A04FC94B}">
-                <ma14:wrappingTextBoxFlag xmlns:ma14="http://schemas.microsoft.com/office/mac/drawingml/2011/main" xmlns="" val="1"/>
+                <ma14:wrappingTextBoxFlag xmlns="" xmlns:ma14="http://schemas.microsoft.com/office/mac/drawingml/2011/main" val="1"/>
               </a:ext>
             </a:extLst>
           </p:spPr>
@@ -17082,7 +14888,7 @@
             </a:ln>
             <a:extLst>
               <a:ext uri="{C572A759-6A51-4108-AA02-DFA0A04FC94B}">
-                <ma14:wrappingTextBoxFlag xmlns:ma14="http://schemas.microsoft.com/office/mac/drawingml/2011/main" xmlns="" val="1"/>
+                <ma14:wrappingTextBoxFlag xmlns="" xmlns:ma14="http://schemas.microsoft.com/office/mac/drawingml/2011/main" val="1"/>
               </a:ext>
             </a:extLst>
           </p:spPr>
@@ -17152,7 +14958,7 @@
             </a:ln>
             <a:extLst>
               <a:ext uri="{C572A759-6A51-4108-AA02-DFA0A04FC94B}">
-                <ma14:wrappingTextBoxFlag xmlns:ma14="http://schemas.microsoft.com/office/mac/drawingml/2011/main" xmlns="" val="1"/>
+                <ma14:wrappingTextBoxFlag xmlns="" xmlns:ma14="http://schemas.microsoft.com/office/mac/drawingml/2011/main" val="1"/>
               </a:ext>
             </a:extLst>
           </p:spPr>
@@ -17222,7 +15028,7 @@
             </a:ln>
             <a:extLst>
               <a:ext uri="{C572A759-6A51-4108-AA02-DFA0A04FC94B}">
-                <ma14:wrappingTextBoxFlag xmlns:ma14="http://schemas.microsoft.com/office/mac/drawingml/2011/main" xmlns="" val="1"/>
+                <ma14:wrappingTextBoxFlag xmlns="" xmlns:ma14="http://schemas.microsoft.com/office/mac/drawingml/2011/main" val="1"/>
               </a:ext>
             </a:extLst>
           </p:spPr>
@@ -17292,7 +15098,7 @@
             </a:ln>
             <a:extLst>
               <a:ext uri="{C572A759-6A51-4108-AA02-DFA0A04FC94B}">
-                <ma14:wrappingTextBoxFlag xmlns:ma14="http://schemas.microsoft.com/office/mac/drawingml/2011/main" xmlns="" val="1"/>
+                <ma14:wrappingTextBoxFlag xmlns="" xmlns:ma14="http://schemas.microsoft.com/office/mac/drawingml/2011/main" val="1"/>
               </a:ext>
             </a:extLst>
           </p:spPr>
@@ -17470,7 +15276,7 @@
         </p:nvSpPr>
         <p:spPr>
           <a:xfrm>
-            <a:off x="2026305" y="164604"/>
+            <a:off x="1903185" y="120531"/>
             <a:ext cx="678071" cy="307777"/>
           </a:xfrm>
           <a:prstGeom prst="rect">
@@ -17481,7 +15287,7 @@
           </a:ln>
           <a:extLst>
             <a:ext uri="{C572A759-6A51-4108-AA02-DFA0A04FC94B}">
-              <ma14:wrappingTextBoxFlag xmlns:ma14="http://schemas.microsoft.com/office/mac/drawingml/2011/main" xmlns="" val="1"/>
+              <ma14:wrappingTextBoxFlag xmlns="" xmlns:ma14="http://schemas.microsoft.com/office/mac/drawingml/2011/main" val="1"/>
             </a:ext>
           </a:extLst>
         </p:spPr>
@@ -17539,6 +15345,609 @@
               <a:solidFill>
                 <a:srgbClr val="4277BB"/>
               </a:solidFill>
+            </a:endParaRPr>
+          </a:p>
+        </p:txBody>
+      </p:sp>
+      <p:sp>
+        <p:nvSpPr>
+          <p:cNvPr id="122" name="Rounded Rectangle 121">
+            <a:extLst>
+              <a:ext uri="{FF2B5EF4-FFF2-40B4-BE49-F238E27FC236}">
+                <a16:creationId xmlns:a16="http://schemas.microsoft.com/office/drawing/2014/main" id="{8EC4CCA3-D6CD-FB4C-B275-AFB15609FC51}"/>
+              </a:ext>
+            </a:extLst>
+          </p:cNvPr>
+          <p:cNvSpPr/>
+          <p:nvPr/>
+        </p:nvSpPr>
+        <p:spPr>
+          <a:xfrm>
+            <a:off x="1891791" y="1216349"/>
+            <a:ext cx="6293880" cy="5122458"/>
+          </a:xfrm>
+          <a:prstGeom prst="roundRect">
+            <a:avLst>
+              <a:gd name="adj" fmla="val 2194"/>
+            </a:avLst>
+          </a:prstGeom>
+          <a:noFill/>
+          <a:ln w="6350">
+            <a:solidFill>
+              <a:srgbClr val="4E77B6"/>
+            </a:solidFill>
+          </a:ln>
+          <a:effectLst>
+            <a:outerShdw blurRad="50800" dist="38100" dir="8100000" algn="tr" rotWithShape="0">
+              <a:prstClr val="black">
+                <a:alpha val="40000"/>
+              </a:prstClr>
+            </a:outerShdw>
+          </a:effectLst>
+        </p:spPr>
+        <p:style>
+          <a:lnRef idx="2">
+            <a:schemeClr val="accent1">
+              <a:shade val="50000"/>
+            </a:schemeClr>
+          </a:lnRef>
+          <a:fillRef idx="1">
+            <a:schemeClr val="accent1"/>
+          </a:fillRef>
+          <a:effectRef idx="0">
+            <a:schemeClr val="accent1"/>
+          </a:effectRef>
+          <a:fontRef idx="minor">
+            <a:schemeClr val="lt1"/>
+          </a:fontRef>
+        </p:style>
+        <p:txBody>
+          <a:bodyPr rtlCol="0" anchor="ctr"/>
+          <a:lstStyle/>
+          <a:p>
+            <a:pPr algn="ctr"/>
+            <a:endParaRPr lang="en-US" b="1" dirty="0">
+              <a:ln w="22225">
+                <a:solidFill>
+                  <a:schemeClr val="accent2"/>
+                </a:solidFill>
+                <a:prstDash val="solid"/>
+              </a:ln>
+              <a:solidFill>
+                <a:schemeClr val="accent2">
+                  <a:lumMod val="40000"/>
+                  <a:lumOff val="60000"/>
+                </a:schemeClr>
+              </a:solidFill>
+              <a:latin typeface="IBM Plex Sans" charset="0"/>
+              <a:ea typeface="IBM Plex Sans" charset="0"/>
+              <a:cs typeface="IBM Plex Sans" charset="0"/>
+            </a:endParaRPr>
+          </a:p>
+        </p:txBody>
+      </p:sp>
+      <p:pic>
+        <p:nvPicPr>
+          <p:cNvPr id="124" name="Picture 123">
+            <a:extLst>
+              <a:ext uri="{FF2B5EF4-FFF2-40B4-BE49-F238E27FC236}">
+                <a16:creationId xmlns:a16="http://schemas.microsoft.com/office/drawing/2014/main" id="{9AE8FBCF-EC2A-FA4B-93B5-9CF9DAC106F8}"/>
+              </a:ext>
+            </a:extLst>
+          </p:cNvPr>
+          <p:cNvPicPr>
+            <a:picLocks noChangeAspect="1"/>
+          </p:cNvPicPr>
+          <p:nvPr/>
+        </p:nvPicPr>
+        <p:blipFill>
+          <a:blip r:embed="rId17"/>
+          <a:stretch>
+            <a:fillRect/>
+          </a:stretch>
+        </p:blipFill>
+        <p:spPr>
+          <a:xfrm>
+            <a:off x="1988323" y="1010203"/>
+            <a:ext cx="456975" cy="342900"/>
+          </a:xfrm>
+          <a:prstGeom prst="rect">
+            <a:avLst/>
+          </a:prstGeom>
+        </p:spPr>
+      </p:pic>
+      <p:sp>
+        <p:nvSpPr>
+          <p:cNvPr id="126" name="Rounded Rectangle 125">
+            <a:extLst>
+              <a:ext uri="{FF2B5EF4-FFF2-40B4-BE49-F238E27FC236}">
+                <a16:creationId xmlns:a16="http://schemas.microsoft.com/office/drawing/2014/main" id="{140E4003-E0F3-7440-A2B5-93B28D75D5DF}"/>
+              </a:ext>
+            </a:extLst>
+          </p:cNvPr>
+          <p:cNvSpPr/>
+          <p:nvPr/>
+        </p:nvSpPr>
+        <p:spPr>
+          <a:xfrm>
+            <a:off x="2499479" y="1636043"/>
+            <a:ext cx="5170227" cy="3262566"/>
+          </a:xfrm>
+          <a:prstGeom prst="roundRect">
+            <a:avLst>
+              <a:gd name="adj" fmla="val 2194"/>
+            </a:avLst>
+          </a:prstGeom>
+          <a:noFill/>
+          <a:ln w="6350">
+            <a:solidFill>
+              <a:srgbClr val="4E77B6"/>
+            </a:solidFill>
+          </a:ln>
+          <a:effectLst>
+            <a:outerShdw blurRad="50800" dist="38100" dir="8100000" algn="tr" rotWithShape="0">
+              <a:prstClr val="black">
+                <a:alpha val="40000"/>
+              </a:prstClr>
+            </a:outerShdw>
+          </a:effectLst>
+        </p:spPr>
+        <p:style>
+          <a:lnRef idx="2">
+            <a:schemeClr val="accent1">
+              <a:shade val="50000"/>
+            </a:schemeClr>
+          </a:lnRef>
+          <a:fillRef idx="1">
+            <a:schemeClr val="accent1"/>
+          </a:fillRef>
+          <a:effectRef idx="0">
+            <a:schemeClr val="accent1"/>
+          </a:effectRef>
+          <a:fontRef idx="minor">
+            <a:schemeClr val="lt1"/>
+          </a:fontRef>
+        </p:style>
+        <p:txBody>
+          <a:bodyPr rtlCol="0" anchor="ctr"/>
+          <a:lstStyle/>
+          <a:p>
+            <a:pPr algn="ctr"/>
+            <a:endParaRPr lang="en-US" b="1" dirty="0">
+              <a:ln w="22225">
+                <a:solidFill>
+                  <a:schemeClr val="accent2"/>
+                </a:solidFill>
+                <a:prstDash val="solid"/>
+              </a:ln>
+              <a:solidFill>
+                <a:schemeClr val="accent2">
+                  <a:lumMod val="40000"/>
+                  <a:lumOff val="60000"/>
+                </a:schemeClr>
+              </a:solidFill>
+              <a:latin typeface="IBM Plex Sans" charset="0"/>
+              <a:ea typeface="IBM Plex Sans" charset="0"/>
+              <a:cs typeface="IBM Plex Sans" charset="0"/>
+            </a:endParaRPr>
+          </a:p>
+        </p:txBody>
+      </p:sp>
+      <p:pic>
+        <p:nvPicPr>
+          <p:cNvPr id="137" name="Picture 136">
+            <a:extLst>
+              <a:ext uri="{FF2B5EF4-FFF2-40B4-BE49-F238E27FC236}">
+                <a16:creationId xmlns:a16="http://schemas.microsoft.com/office/drawing/2014/main" id="{D4BEEFB6-8D97-F849-9706-4B29A87CC1FA}"/>
+              </a:ext>
+            </a:extLst>
+          </p:cNvPr>
+          <p:cNvPicPr>
+            <a:picLocks noChangeAspect="1"/>
+          </p:cNvPicPr>
+          <p:nvPr/>
+        </p:nvPicPr>
+        <p:blipFill>
+          <a:blip r:embed="rId18"/>
+          <a:stretch>
+            <a:fillRect/>
+          </a:stretch>
+        </p:blipFill>
+        <p:spPr>
+          <a:xfrm>
+            <a:off x="2581256" y="1437535"/>
+            <a:ext cx="444281" cy="330200"/>
+          </a:xfrm>
+          <a:prstGeom prst="rect">
+            <a:avLst/>
+          </a:prstGeom>
+        </p:spPr>
+      </p:pic>
+      <p:sp>
+        <p:nvSpPr>
+          <p:cNvPr id="139" name="Rounded Rectangle 138">
+            <a:extLst>
+              <a:ext uri="{FF2B5EF4-FFF2-40B4-BE49-F238E27FC236}">
+                <a16:creationId xmlns:a16="http://schemas.microsoft.com/office/drawing/2014/main" id="{3C0A0B13-1665-A74F-B3DB-EE09B4C09DF6}"/>
+              </a:ext>
+            </a:extLst>
+          </p:cNvPr>
+          <p:cNvSpPr/>
+          <p:nvPr/>
+        </p:nvSpPr>
+        <p:spPr>
+          <a:xfrm>
+            <a:off x="2743378" y="2003608"/>
+            <a:ext cx="4707598" cy="2655950"/>
+          </a:xfrm>
+          <a:prstGeom prst="roundRect">
+            <a:avLst>
+              <a:gd name="adj" fmla="val 2194"/>
+            </a:avLst>
+          </a:prstGeom>
+          <a:noFill/>
+          <a:ln w="19050">
+            <a:solidFill>
+              <a:srgbClr val="4E77B6"/>
+            </a:solidFill>
+            <a:prstDash val="sysDot"/>
+          </a:ln>
+          <a:effectLst>
+            <a:outerShdw blurRad="50800" dist="38100" dir="8100000" algn="tr" rotWithShape="0">
+              <a:prstClr val="black">
+                <a:alpha val="40000"/>
+              </a:prstClr>
+            </a:outerShdw>
+          </a:effectLst>
+        </p:spPr>
+        <p:style>
+          <a:lnRef idx="2">
+            <a:schemeClr val="accent1">
+              <a:shade val="50000"/>
+            </a:schemeClr>
+          </a:lnRef>
+          <a:fillRef idx="1">
+            <a:schemeClr val="accent1"/>
+          </a:fillRef>
+          <a:effectRef idx="0">
+            <a:schemeClr val="accent1"/>
+          </a:effectRef>
+          <a:fontRef idx="minor">
+            <a:schemeClr val="lt1"/>
+          </a:fontRef>
+        </p:style>
+        <p:txBody>
+          <a:bodyPr rtlCol="0" anchor="ctr"/>
+          <a:lstStyle/>
+          <a:p>
+            <a:pPr algn="ctr"/>
+            <a:endParaRPr lang="en-US" b="1" dirty="0">
+              <a:ln w="22225">
+                <a:solidFill>
+                  <a:schemeClr val="accent2"/>
+                </a:solidFill>
+                <a:prstDash val="solid"/>
+              </a:ln>
+              <a:solidFill>
+                <a:schemeClr val="accent2">
+                  <a:lumMod val="40000"/>
+                  <a:lumOff val="60000"/>
+                </a:schemeClr>
+              </a:solidFill>
+              <a:latin typeface="IBM Plex Sans" charset="0"/>
+              <a:ea typeface="IBM Plex Sans" charset="0"/>
+              <a:cs typeface="IBM Plex Sans" charset="0"/>
+            </a:endParaRPr>
+          </a:p>
+        </p:txBody>
+      </p:sp>
+      <p:sp>
+        <p:nvSpPr>
+          <p:cNvPr id="140" name="Rounded Rectangle 139">
+            <a:extLst>
+              <a:ext uri="{FF2B5EF4-FFF2-40B4-BE49-F238E27FC236}">
+                <a16:creationId xmlns:a16="http://schemas.microsoft.com/office/drawing/2014/main" id="{7CF8B811-F6FC-EF41-AC6D-35BA1B832364}"/>
+              </a:ext>
+            </a:extLst>
+          </p:cNvPr>
+          <p:cNvSpPr/>
+          <p:nvPr/>
+        </p:nvSpPr>
+        <p:spPr>
+          <a:xfrm>
+            <a:off x="3007822" y="2375189"/>
+            <a:ext cx="1766205" cy="2093481"/>
+          </a:xfrm>
+          <a:prstGeom prst="roundRect">
+            <a:avLst>
+              <a:gd name="adj" fmla="val 2194"/>
+            </a:avLst>
+          </a:prstGeom>
+          <a:noFill/>
+          <a:ln w="19050">
+            <a:solidFill>
+              <a:srgbClr val="4E77B6"/>
+            </a:solidFill>
+            <a:prstDash val="lgDash"/>
+          </a:ln>
+          <a:effectLst>
+            <a:outerShdw blurRad="50800" dist="38100" dir="8100000" algn="tr" rotWithShape="0">
+              <a:prstClr val="black">
+                <a:alpha val="40000"/>
+              </a:prstClr>
+            </a:outerShdw>
+          </a:effectLst>
+        </p:spPr>
+        <p:style>
+          <a:lnRef idx="2">
+            <a:schemeClr val="accent1">
+              <a:shade val="50000"/>
+            </a:schemeClr>
+          </a:lnRef>
+          <a:fillRef idx="1">
+            <a:schemeClr val="accent1"/>
+          </a:fillRef>
+          <a:effectRef idx="0">
+            <a:schemeClr val="accent1"/>
+          </a:effectRef>
+          <a:fontRef idx="minor">
+            <a:schemeClr val="lt1"/>
+          </a:fontRef>
+        </p:style>
+        <p:txBody>
+          <a:bodyPr rtlCol="0" anchor="ctr"/>
+          <a:lstStyle/>
+          <a:p>
+            <a:pPr algn="ctr"/>
+            <a:endParaRPr lang="en-US" b="1" dirty="0">
+              <a:ln w="22225">
+                <a:solidFill>
+                  <a:schemeClr val="accent2"/>
+                </a:solidFill>
+                <a:prstDash val="solid"/>
+              </a:ln>
+              <a:solidFill>
+                <a:schemeClr val="accent2">
+                  <a:lumMod val="40000"/>
+                  <a:lumOff val="60000"/>
+                </a:schemeClr>
+              </a:solidFill>
+              <a:latin typeface="IBM Plex Sans" charset="0"/>
+              <a:ea typeface="IBM Plex Sans" charset="0"/>
+              <a:cs typeface="IBM Plex Sans" charset="0"/>
+            </a:endParaRPr>
+          </a:p>
+        </p:txBody>
+      </p:sp>
+      <p:sp>
+        <p:nvSpPr>
+          <p:cNvPr id="143" name="Rounded Rectangle 142">
+            <a:extLst>
+              <a:ext uri="{FF2B5EF4-FFF2-40B4-BE49-F238E27FC236}">
+                <a16:creationId xmlns:a16="http://schemas.microsoft.com/office/drawing/2014/main" id="{0E62B0F6-DF3B-3844-B9E5-28AC1112A0CE}"/>
+              </a:ext>
+            </a:extLst>
+          </p:cNvPr>
+          <p:cNvSpPr/>
+          <p:nvPr/>
+        </p:nvSpPr>
+        <p:spPr>
+          <a:xfrm>
+            <a:off x="5469673" y="2375188"/>
+            <a:ext cx="1766205" cy="2093481"/>
+          </a:xfrm>
+          <a:prstGeom prst="roundRect">
+            <a:avLst>
+              <a:gd name="adj" fmla="val 2194"/>
+            </a:avLst>
+          </a:prstGeom>
+          <a:noFill/>
+          <a:ln w="19050">
+            <a:solidFill>
+              <a:srgbClr val="4E77B6"/>
+            </a:solidFill>
+            <a:prstDash val="lgDash"/>
+          </a:ln>
+          <a:effectLst>
+            <a:outerShdw blurRad="50800" dist="38100" dir="8100000" algn="tr" rotWithShape="0">
+              <a:prstClr val="black">
+                <a:alpha val="40000"/>
+              </a:prstClr>
+            </a:outerShdw>
+          </a:effectLst>
+        </p:spPr>
+        <p:style>
+          <a:lnRef idx="2">
+            <a:schemeClr val="accent1">
+              <a:shade val="50000"/>
+            </a:schemeClr>
+          </a:lnRef>
+          <a:fillRef idx="1">
+            <a:schemeClr val="accent1"/>
+          </a:fillRef>
+          <a:effectRef idx="0">
+            <a:schemeClr val="accent1"/>
+          </a:effectRef>
+          <a:fontRef idx="minor">
+            <a:schemeClr val="lt1"/>
+          </a:fontRef>
+        </p:style>
+        <p:txBody>
+          <a:bodyPr rtlCol="0" anchor="ctr"/>
+          <a:lstStyle/>
+          <a:p>
+            <a:pPr algn="ctr"/>
+            <a:endParaRPr lang="en-US" b="1" dirty="0">
+              <a:ln w="22225">
+                <a:solidFill>
+                  <a:schemeClr val="accent2"/>
+                </a:solidFill>
+                <a:prstDash val="solid"/>
+              </a:ln>
+              <a:solidFill>
+                <a:schemeClr val="accent2">
+                  <a:lumMod val="40000"/>
+                  <a:lumOff val="60000"/>
+                </a:schemeClr>
+              </a:solidFill>
+              <a:latin typeface="IBM Plex Sans" charset="0"/>
+              <a:ea typeface="IBM Plex Sans" charset="0"/>
+              <a:cs typeface="IBM Plex Sans" charset="0"/>
+            </a:endParaRPr>
+          </a:p>
+        </p:txBody>
+      </p:sp>
+      <p:sp>
+        <p:nvSpPr>
+          <p:cNvPr id="151" name="Rounded Rectangle 150">
+            <a:extLst>
+              <a:ext uri="{FF2B5EF4-FFF2-40B4-BE49-F238E27FC236}">
+                <a16:creationId xmlns:a16="http://schemas.microsoft.com/office/drawing/2014/main" id="{20352293-EEF5-9D40-946A-8A0DD46BD8A1}"/>
+              </a:ext>
+            </a:extLst>
+          </p:cNvPr>
+          <p:cNvSpPr/>
+          <p:nvPr/>
+        </p:nvSpPr>
+        <p:spPr>
+          <a:xfrm>
+            <a:off x="3330161" y="3127535"/>
+            <a:ext cx="3613917" cy="831464"/>
+          </a:xfrm>
+          <a:prstGeom prst="roundRect">
+            <a:avLst>
+              <a:gd name="adj" fmla="val 6052"/>
+            </a:avLst>
+          </a:prstGeom>
+          <a:noFill/>
+          <a:ln w="6350">
+            <a:solidFill>
+              <a:srgbClr val="FF0000"/>
+            </a:solidFill>
+            <a:prstDash val="lgDash"/>
+          </a:ln>
+          <a:effectLst>
+            <a:outerShdw blurRad="50800" dist="38100" dir="8100000" algn="tr" rotWithShape="0">
+              <a:prstClr val="black">
+                <a:alpha val="40000"/>
+              </a:prstClr>
+            </a:outerShdw>
+          </a:effectLst>
+        </p:spPr>
+        <p:style>
+          <a:lnRef idx="2">
+            <a:schemeClr val="accent1">
+              <a:shade val="50000"/>
+            </a:schemeClr>
+          </a:lnRef>
+          <a:fillRef idx="1">
+            <a:schemeClr val="accent1"/>
+          </a:fillRef>
+          <a:effectRef idx="0">
+            <a:schemeClr val="accent1"/>
+          </a:effectRef>
+          <a:fontRef idx="minor">
+            <a:schemeClr val="lt1"/>
+          </a:fontRef>
+        </p:style>
+        <p:txBody>
+          <a:bodyPr rtlCol="0" anchor="ctr"/>
+          <a:lstStyle/>
+          <a:p>
+            <a:pPr algn="ctr"/>
+            <a:endParaRPr lang="en-US" sz="1200" b="1" dirty="0">
+              <a:ln w="22225">
+                <a:solidFill>
+                  <a:schemeClr val="accent2"/>
+                </a:solidFill>
+                <a:prstDash val="solid"/>
+              </a:ln>
+              <a:solidFill>
+                <a:schemeClr val="accent2">
+                  <a:lumMod val="40000"/>
+                  <a:lumOff val="60000"/>
+                </a:schemeClr>
+              </a:solidFill>
+              <a:latin typeface="IBM Plex Sans" charset="0"/>
+              <a:ea typeface="IBM Plex Sans" charset="0"/>
+              <a:cs typeface="IBM Plex Sans" charset="0"/>
+            </a:endParaRPr>
+          </a:p>
+        </p:txBody>
+      </p:sp>
+      <p:sp>
+        <p:nvSpPr>
+          <p:cNvPr id="154" name="Rounded Rectangle 153">
+            <a:extLst>
+              <a:ext uri="{FF2B5EF4-FFF2-40B4-BE49-F238E27FC236}">
+                <a16:creationId xmlns:a16="http://schemas.microsoft.com/office/drawing/2014/main" id="{11B4C085-2B1D-504D-BDA3-F79DCA86752C}"/>
+              </a:ext>
+            </a:extLst>
+          </p:cNvPr>
+          <p:cNvSpPr/>
+          <p:nvPr/>
+        </p:nvSpPr>
+        <p:spPr>
+          <a:xfrm>
+            <a:off x="2497632" y="5113793"/>
+            <a:ext cx="5189273" cy="944792"/>
+          </a:xfrm>
+          <a:prstGeom prst="roundRect">
+            <a:avLst>
+              <a:gd name="adj" fmla="val 2194"/>
+            </a:avLst>
+          </a:prstGeom>
+          <a:noFill/>
+          <a:ln w="6350">
+            <a:solidFill>
+              <a:srgbClr val="4E77B6"/>
+            </a:solidFill>
+          </a:ln>
+          <a:effectLst>
+            <a:outerShdw blurRad="50800" dist="38100" dir="8100000" algn="tr" rotWithShape="0">
+              <a:prstClr val="black">
+                <a:alpha val="40000"/>
+              </a:prstClr>
+            </a:outerShdw>
+          </a:effectLst>
+        </p:spPr>
+        <p:style>
+          <a:lnRef idx="2">
+            <a:schemeClr val="accent1">
+              <a:shade val="50000"/>
+            </a:schemeClr>
+          </a:lnRef>
+          <a:fillRef idx="1">
+            <a:schemeClr val="accent1"/>
+          </a:fillRef>
+          <a:effectRef idx="0">
+            <a:schemeClr val="accent1"/>
+          </a:effectRef>
+          <a:fontRef idx="minor">
+            <a:schemeClr val="lt1"/>
+          </a:fontRef>
+        </p:style>
+        <p:txBody>
+          <a:bodyPr rtlCol="0" anchor="ctr"/>
+          <a:lstStyle/>
+          <a:p>
+            <a:pPr algn="ctr"/>
+            <a:endParaRPr lang="en-US" b="1" dirty="0">
+              <a:ln w="22225">
+                <a:solidFill>
+                  <a:schemeClr val="accent2"/>
+                </a:solidFill>
+                <a:prstDash val="solid"/>
+              </a:ln>
+              <a:solidFill>
+                <a:schemeClr val="accent2">
+                  <a:lumMod val="40000"/>
+                  <a:lumOff val="60000"/>
+                </a:schemeClr>
+              </a:solidFill>
+              <a:latin typeface="IBM Plex Sans" charset="0"/>
+              <a:ea typeface="IBM Plex Sans" charset="0"/>
+              <a:cs typeface="IBM Plex Sans" charset="0"/>
             </a:endParaRPr>
           </a:p>
         </p:txBody>
@@ -17629,7 +16038,7 @@
           </a:ln>
           <a:extLst>
             <a:ext uri="{C572A759-6A51-4108-AA02-DFA0A04FC94B}">
-              <ma14:wrappingTextBoxFlag xmlns="" xmlns:ma14="http://schemas.microsoft.com/office/mac/drawingml/2011/main" val="1"/>
+              <ma14:wrappingTextBoxFlag xmlns:ma14="http://schemas.microsoft.com/office/mac/drawingml/2011/main" xmlns="" val="1"/>
             </a:ext>
           </a:extLst>
         </p:spPr>
@@ -17677,7 +16086,7 @@
           </a:ln>
           <a:extLst>
             <a:ext uri="{C572A759-6A51-4108-AA02-DFA0A04FC94B}">
-              <ma14:wrappingTextBoxFlag xmlns="" xmlns:ma14="http://schemas.microsoft.com/office/mac/drawingml/2011/main" val="1"/>
+              <ma14:wrappingTextBoxFlag xmlns:ma14="http://schemas.microsoft.com/office/mac/drawingml/2011/main" xmlns="" val="1"/>
             </a:ext>
           </a:extLst>
         </p:spPr>
@@ -17832,7 +16241,7 @@
             <a:effectLst/>
             <a:extLst>
               <a:ext uri="{C572A759-6A51-4108-AA02-DFA0A04FC94B}">
-                <ma14:wrappingTextBoxFlag xmlns="" xmlns:ma14="http://schemas.microsoft.com/office/mac/drawingml/2011/main" val="1"/>
+                <ma14:wrappingTextBoxFlag xmlns:ma14="http://schemas.microsoft.com/office/mac/drawingml/2011/main" xmlns="" val="1"/>
               </a:ext>
             </a:extLst>
           </p:spPr>
@@ -17994,7 +16403,7 @@
             <a:effectLst/>
             <a:extLst>
               <a:ext uri="{C572A759-6A51-4108-AA02-DFA0A04FC94B}">
-                <ma14:wrappingTextBoxFlag xmlns="" xmlns:ma14="http://schemas.microsoft.com/office/mac/drawingml/2011/main" val="1"/>
+                <ma14:wrappingTextBoxFlag xmlns:ma14="http://schemas.microsoft.com/office/mac/drawingml/2011/main" xmlns="" val="1"/>
               </a:ext>
             </a:extLst>
           </p:spPr>
@@ -18156,7 +16565,7 @@
             <a:effectLst/>
             <a:extLst>
               <a:ext uri="{C572A759-6A51-4108-AA02-DFA0A04FC94B}">
-                <ma14:wrappingTextBoxFlag xmlns="" xmlns:ma14="http://schemas.microsoft.com/office/mac/drawingml/2011/main" val="1"/>
+                <ma14:wrappingTextBoxFlag xmlns:ma14="http://schemas.microsoft.com/office/mac/drawingml/2011/main" xmlns="" val="1"/>
               </a:ext>
             </a:extLst>
           </p:spPr>
@@ -18318,7 +16727,7 @@
             <a:effectLst/>
             <a:extLst>
               <a:ext uri="{C572A759-6A51-4108-AA02-DFA0A04FC94B}">
-                <ma14:wrappingTextBoxFlag xmlns="" xmlns:ma14="http://schemas.microsoft.com/office/mac/drawingml/2011/main" val="1"/>
+                <ma14:wrappingTextBoxFlag xmlns:ma14="http://schemas.microsoft.com/office/mac/drawingml/2011/main" xmlns="" val="1"/>
               </a:ext>
             </a:extLst>
           </p:spPr>
@@ -18480,7 +16889,7 @@
             <a:effectLst/>
             <a:extLst>
               <a:ext uri="{C572A759-6A51-4108-AA02-DFA0A04FC94B}">
-                <ma14:wrappingTextBoxFlag xmlns="" xmlns:ma14="http://schemas.microsoft.com/office/mac/drawingml/2011/main" val="1"/>
+                <ma14:wrappingTextBoxFlag xmlns:ma14="http://schemas.microsoft.com/office/mac/drawingml/2011/main" xmlns="" val="1"/>
               </a:ext>
             </a:extLst>
           </p:spPr>
@@ -18642,7 +17051,7 @@
             <a:effectLst/>
             <a:extLst>
               <a:ext uri="{C572A759-6A51-4108-AA02-DFA0A04FC94B}">
-                <ma14:wrappingTextBoxFlag xmlns="" xmlns:ma14="http://schemas.microsoft.com/office/mac/drawingml/2011/main" val="1"/>
+                <ma14:wrappingTextBoxFlag xmlns:ma14="http://schemas.microsoft.com/office/mac/drawingml/2011/main" xmlns="" val="1"/>
               </a:ext>
             </a:extLst>
           </p:spPr>
@@ -18804,7 +17213,7 @@
             <a:effectLst/>
             <a:extLst>
               <a:ext uri="{C572A759-6A51-4108-AA02-DFA0A04FC94B}">
-                <ma14:wrappingTextBoxFlag xmlns="" xmlns:ma14="http://schemas.microsoft.com/office/mac/drawingml/2011/main" val="1"/>
+                <ma14:wrappingTextBoxFlag xmlns:ma14="http://schemas.microsoft.com/office/mac/drawingml/2011/main" xmlns="" val="1"/>
               </a:ext>
             </a:extLst>
           </p:spPr>
@@ -18966,7 +17375,7 @@
             <a:effectLst/>
             <a:extLst>
               <a:ext uri="{C572A759-6A51-4108-AA02-DFA0A04FC94B}">
-                <ma14:wrappingTextBoxFlag xmlns="" xmlns:ma14="http://schemas.microsoft.com/office/mac/drawingml/2011/main" val="1"/>
+                <ma14:wrappingTextBoxFlag xmlns:ma14="http://schemas.microsoft.com/office/mac/drawingml/2011/main" xmlns="" val="1"/>
               </a:ext>
             </a:extLst>
           </p:spPr>
@@ -19128,7 +17537,7 @@
             <a:effectLst/>
             <a:extLst>
               <a:ext uri="{C572A759-6A51-4108-AA02-DFA0A04FC94B}">
-                <ma14:wrappingTextBoxFlag xmlns="" xmlns:ma14="http://schemas.microsoft.com/office/mac/drawingml/2011/main" val="1"/>
+                <ma14:wrappingTextBoxFlag xmlns:ma14="http://schemas.microsoft.com/office/mac/drawingml/2011/main" xmlns="" val="1"/>
               </a:ext>
             </a:extLst>
           </p:spPr>
@@ -19290,7 +17699,7 @@
             <a:effectLst/>
             <a:extLst>
               <a:ext uri="{C572A759-6A51-4108-AA02-DFA0A04FC94B}">
-                <ma14:wrappingTextBoxFlag xmlns="" xmlns:ma14="http://schemas.microsoft.com/office/mac/drawingml/2011/main" val="1"/>
+                <ma14:wrappingTextBoxFlag xmlns:ma14="http://schemas.microsoft.com/office/mac/drawingml/2011/main" xmlns="" val="1"/>
               </a:ext>
             </a:extLst>
           </p:spPr>
@@ -19452,7 +17861,7 @@
             <a:effectLst/>
             <a:extLst>
               <a:ext uri="{C572A759-6A51-4108-AA02-DFA0A04FC94B}">
-                <ma14:wrappingTextBoxFlag xmlns="" xmlns:ma14="http://schemas.microsoft.com/office/mac/drawingml/2011/main" val="1"/>
+                <ma14:wrappingTextBoxFlag xmlns:ma14="http://schemas.microsoft.com/office/mac/drawingml/2011/main" xmlns="" val="1"/>
               </a:ext>
             </a:extLst>
           </p:spPr>
@@ -19614,7 +18023,7 @@
             <a:effectLst/>
             <a:extLst>
               <a:ext uri="{C572A759-6A51-4108-AA02-DFA0A04FC94B}">
-                <ma14:wrappingTextBoxFlag xmlns="" xmlns:ma14="http://schemas.microsoft.com/office/mac/drawingml/2011/main" val="1"/>
+                <ma14:wrappingTextBoxFlag xmlns:ma14="http://schemas.microsoft.com/office/mac/drawingml/2011/main" xmlns="" val="1"/>
               </a:ext>
             </a:extLst>
           </p:spPr>
@@ -19776,7 +18185,7 @@
             <a:effectLst/>
             <a:extLst>
               <a:ext uri="{C572A759-6A51-4108-AA02-DFA0A04FC94B}">
-                <ma14:wrappingTextBoxFlag xmlns="" xmlns:ma14="http://schemas.microsoft.com/office/mac/drawingml/2011/main" val="1"/>
+                <ma14:wrappingTextBoxFlag xmlns:ma14="http://schemas.microsoft.com/office/mac/drawingml/2011/main" xmlns="" val="1"/>
               </a:ext>
             </a:extLst>
           </p:spPr>
@@ -19938,7 +18347,7 @@
             <a:effectLst/>
             <a:extLst>
               <a:ext uri="{C572A759-6A51-4108-AA02-DFA0A04FC94B}">
-                <ma14:wrappingTextBoxFlag xmlns="" xmlns:ma14="http://schemas.microsoft.com/office/mac/drawingml/2011/main" val="1"/>
+                <ma14:wrappingTextBoxFlag xmlns:ma14="http://schemas.microsoft.com/office/mac/drawingml/2011/main" xmlns="" val="1"/>
               </a:ext>
             </a:extLst>
           </p:spPr>
@@ -20100,7 +18509,7 @@
             <a:effectLst/>
             <a:extLst>
               <a:ext uri="{C572A759-6A51-4108-AA02-DFA0A04FC94B}">
-                <ma14:wrappingTextBoxFlag xmlns="" xmlns:ma14="http://schemas.microsoft.com/office/mac/drawingml/2011/main" val="1"/>
+                <ma14:wrappingTextBoxFlag xmlns:ma14="http://schemas.microsoft.com/office/mac/drawingml/2011/main" xmlns="" val="1"/>
               </a:ext>
             </a:extLst>
           </p:spPr>
@@ -20262,7 +18671,7 @@
             <a:effectLst/>
             <a:extLst>
               <a:ext uri="{C572A759-6A51-4108-AA02-DFA0A04FC94B}">
-                <ma14:wrappingTextBoxFlag xmlns="" xmlns:ma14="http://schemas.microsoft.com/office/mac/drawingml/2011/main" val="1"/>
+                <ma14:wrappingTextBoxFlag xmlns:ma14="http://schemas.microsoft.com/office/mac/drawingml/2011/main" xmlns="" val="1"/>
               </a:ext>
             </a:extLst>
           </p:spPr>
@@ -20424,7 +18833,7 @@
             <a:effectLst/>
             <a:extLst>
               <a:ext uri="{C572A759-6A51-4108-AA02-DFA0A04FC94B}">
-                <ma14:wrappingTextBoxFlag xmlns="" xmlns:ma14="http://schemas.microsoft.com/office/mac/drawingml/2011/main" val="1"/>
+                <ma14:wrappingTextBoxFlag xmlns:ma14="http://schemas.microsoft.com/office/mac/drawingml/2011/main" xmlns="" val="1"/>
               </a:ext>
             </a:extLst>
           </p:spPr>
@@ -20586,7 +18995,7 @@
             <a:effectLst/>
             <a:extLst>
               <a:ext uri="{C572A759-6A51-4108-AA02-DFA0A04FC94B}">
-                <ma14:wrappingTextBoxFlag xmlns="" xmlns:ma14="http://schemas.microsoft.com/office/mac/drawingml/2011/main" val="1"/>
+                <ma14:wrappingTextBoxFlag xmlns:ma14="http://schemas.microsoft.com/office/mac/drawingml/2011/main" xmlns="" val="1"/>
               </a:ext>
             </a:extLst>
           </p:spPr>
@@ -20748,7 +19157,7 @@
             <a:effectLst/>
             <a:extLst>
               <a:ext uri="{C572A759-6A51-4108-AA02-DFA0A04FC94B}">
-                <ma14:wrappingTextBoxFlag xmlns="" xmlns:ma14="http://schemas.microsoft.com/office/mac/drawingml/2011/main" val="1"/>
+                <ma14:wrappingTextBoxFlag xmlns:ma14="http://schemas.microsoft.com/office/mac/drawingml/2011/main" xmlns="" val="1"/>
               </a:ext>
             </a:extLst>
           </p:spPr>
@@ -20910,7 +19319,7 @@
             <a:effectLst/>
             <a:extLst>
               <a:ext uri="{C572A759-6A51-4108-AA02-DFA0A04FC94B}">
-                <ma14:wrappingTextBoxFlag xmlns="" xmlns:ma14="http://schemas.microsoft.com/office/mac/drawingml/2011/main" val="1"/>
+                <ma14:wrappingTextBoxFlag xmlns:ma14="http://schemas.microsoft.com/office/mac/drawingml/2011/main" xmlns="" val="1"/>
               </a:ext>
             </a:extLst>
           </p:spPr>
@@ -21032,7 +19441,7 @@
           </a:ln>
           <a:extLst>
             <a:ext uri="{C572A759-6A51-4108-AA02-DFA0A04FC94B}">
-              <ma14:wrappingTextBoxFlag xmlns="" xmlns:ma14="http://schemas.microsoft.com/office/mac/drawingml/2011/main" val="1"/>
+              <ma14:wrappingTextBoxFlag xmlns:ma14="http://schemas.microsoft.com/office/mac/drawingml/2011/main" xmlns="" val="1"/>
             </a:ext>
           </a:extLst>
         </p:spPr>
@@ -21080,7 +19489,7 @@
           </a:ln>
           <a:extLst>
             <a:ext uri="{C572A759-6A51-4108-AA02-DFA0A04FC94B}">
-              <ma14:wrappingTextBoxFlag xmlns="" xmlns:ma14="http://schemas.microsoft.com/office/mac/drawingml/2011/main" val="1"/>
+              <ma14:wrappingTextBoxFlag xmlns:ma14="http://schemas.microsoft.com/office/mac/drawingml/2011/main" xmlns="" val="1"/>
             </a:ext>
           </a:extLst>
         </p:spPr>
@@ -21415,7 +19824,7 @@
               <a:effectLst/>
               <a:extLst>
                 <a:ext uri="{C572A759-6A51-4108-AA02-DFA0A04FC94B}">
-                  <ma14:wrappingTextBoxFlag xmlns="" xmlns:ma14="http://schemas.microsoft.com/office/mac/drawingml/2011/main" val="1"/>
+                  <ma14:wrappingTextBoxFlag xmlns:ma14="http://schemas.microsoft.com/office/mac/drawingml/2011/main" xmlns="" val="1"/>
                 </a:ext>
               </a:extLst>
             </p:spPr>

--- a/powerpoint/templates/VirtualPrivateCloudEditablePPT.pptx
+++ b/powerpoint/templates/VirtualPrivateCloudEditablePPT.pptx
@@ -791,7 +791,7 @@
           </a:ln>
           <a:extLst>
             <a:ext uri="{C572A759-6A51-4108-AA02-DFA0A04FC94B}">
-              <ma14:wrappingTextBoxFlag xmlns:ma14="http://schemas.microsoft.com/office/mac/drawingml/2011/main" xmlns="" val="1"/>
+              <ma14:wrappingTextBoxFlag xmlns="" xmlns:ma14="http://schemas.microsoft.com/office/mac/drawingml/2011/main" val="1"/>
             </a:ext>
           </a:extLst>
         </p:spPr>
@@ -844,7 +844,7 @@
           </a:ln>
           <a:extLst>
             <a:ext uri="{C572A759-6A51-4108-AA02-DFA0A04FC94B}">
-              <ma14:wrappingTextBoxFlag xmlns:ma14="http://schemas.microsoft.com/office/mac/drawingml/2011/main" xmlns="" val="1"/>
+              <ma14:wrappingTextBoxFlag xmlns="" xmlns:ma14="http://schemas.microsoft.com/office/mac/drawingml/2011/main" val="1"/>
             </a:ext>
           </a:extLst>
         </p:spPr>
@@ -892,7 +892,7 @@
           </a:ln>
           <a:extLst>
             <a:ext uri="{C572A759-6A51-4108-AA02-DFA0A04FC94B}">
-              <ma14:wrappingTextBoxFlag xmlns:ma14="http://schemas.microsoft.com/office/mac/drawingml/2011/main" xmlns="" val="1"/>
+              <ma14:wrappingTextBoxFlag xmlns="" xmlns:ma14="http://schemas.microsoft.com/office/mac/drawingml/2011/main" val="1"/>
             </a:ext>
           </a:extLst>
         </p:spPr>
@@ -980,7 +980,7 @@
           </a:ln>
           <a:extLst>
             <a:ext uri="{C572A759-6A51-4108-AA02-DFA0A04FC94B}">
-              <ma14:wrappingTextBoxFlag xmlns:ma14="http://schemas.microsoft.com/office/mac/drawingml/2011/main" xmlns="" val="1"/>
+              <ma14:wrappingTextBoxFlag xmlns="" xmlns:ma14="http://schemas.microsoft.com/office/mac/drawingml/2011/main" val="1"/>
             </a:ext>
           </a:extLst>
         </p:spPr>
@@ -1033,7 +1033,7 @@
           </a:ln>
           <a:extLst>
             <a:ext uri="{C572A759-6A51-4108-AA02-DFA0A04FC94B}">
-              <ma14:wrappingTextBoxFlag xmlns:ma14="http://schemas.microsoft.com/office/mac/drawingml/2011/main" xmlns="" val="1"/>
+              <ma14:wrappingTextBoxFlag xmlns="" xmlns:ma14="http://schemas.microsoft.com/office/mac/drawingml/2011/main" val="1"/>
             </a:ext>
           </a:extLst>
         </p:spPr>
@@ -1081,7 +1081,7 @@
           </a:ln>
           <a:extLst>
             <a:ext uri="{C572A759-6A51-4108-AA02-DFA0A04FC94B}">
-              <ma14:wrappingTextBoxFlag xmlns:ma14="http://schemas.microsoft.com/office/mac/drawingml/2011/main" xmlns="" val="1"/>
+              <ma14:wrappingTextBoxFlag xmlns="" xmlns:ma14="http://schemas.microsoft.com/office/mac/drawingml/2011/main" val="1"/>
             </a:ext>
           </a:extLst>
         </p:spPr>
@@ -1245,7 +1245,7 @@
           </a:ln>
           <a:extLst>
             <a:ext uri="{C572A759-6A51-4108-AA02-DFA0A04FC94B}">
-              <ma14:wrappingTextBoxFlag xmlns:ma14="http://schemas.microsoft.com/office/mac/drawingml/2011/main" xmlns="" val="1"/>
+              <ma14:wrappingTextBoxFlag xmlns="" xmlns:ma14="http://schemas.microsoft.com/office/mac/drawingml/2011/main" val="1"/>
             </a:ext>
           </a:extLst>
         </p:spPr>
@@ -1298,7 +1298,7 @@
           </a:ln>
           <a:extLst>
             <a:ext uri="{C572A759-6A51-4108-AA02-DFA0A04FC94B}">
-              <ma14:wrappingTextBoxFlag xmlns:ma14="http://schemas.microsoft.com/office/mac/drawingml/2011/main" xmlns="" val="1"/>
+              <ma14:wrappingTextBoxFlag xmlns="" xmlns:ma14="http://schemas.microsoft.com/office/mac/drawingml/2011/main" val="1"/>
             </a:ext>
           </a:extLst>
         </p:spPr>
@@ -1346,7 +1346,7 @@
           </a:ln>
           <a:extLst>
             <a:ext uri="{C572A759-6A51-4108-AA02-DFA0A04FC94B}">
-              <ma14:wrappingTextBoxFlag xmlns:ma14="http://schemas.microsoft.com/office/mac/drawingml/2011/main" xmlns="" val="1"/>
+              <ma14:wrappingTextBoxFlag xmlns="" xmlns:ma14="http://schemas.microsoft.com/office/mac/drawingml/2011/main" val="1"/>
             </a:ext>
           </a:extLst>
         </p:spPr>
@@ -1536,7 +1536,7 @@
           </a:ln>
           <a:extLst>
             <a:ext uri="{C572A759-6A51-4108-AA02-DFA0A04FC94B}">
-              <ma14:wrappingTextBoxFlag xmlns:ma14="http://schemas.microsoft.com/office/mac/drawingml/2011/main" xmlns="" val="1"/>
+              <ma14:wrappingTextBoxFlag xmlns="" xmlns:ma14="http://schemas.microsoft.com/office/mac/drawingml/2011/main" val="1"/>
             </a:ext>
           </a:extLst>
         </p:spPr>
@@ -1674,7 +1674,7 @@
           </a:ln>
           <a:extLst>
             <a:ext uri="{C572A759-6A51-4108-AA02-DFA0A04FC94B}">
-              <ma14:wrappingTextBoxFlag xmlns:ma14="http://schemas.microsoft.com/office/mac/drawingml/2011/main" xmlns="" val="1"/>
+              <ma14:wrappingTextBoxFlag xmlns="" xmlns:ma14="http://schemas.microsoft.com/office/mac/drawingml/2011/main" val="1"/>
             </a:ext>
           </a:extLst>
         </p:spPr>
@@ -1727,7 +1727,7 @@
           </a:ln>
           <a:extLst>
             <a:ext uri="{C572A759-6A51-4108-AA02-DFA0A04FC94B}">
-              <ma14:wrappingTextBoxFlag xmlns:ma14="http://schemas.microsoft.com/office/mac/drawingml/2011/main" xmlns="" val="1"/>
+              <ma14:wrappingTextBoxFlag xmlns="" xmlns:ma14="http://schemas.microsoft.com/office/mac/drawingml/2011/main" val="1"/>
             </a:ext>
           </a:extLst>
         </p:spPr>
@@ -1801,7 +1801,7 @@
           </a:ln>
           <a:extLst>
             <a:ext uri="{C572A759-6A51-4108-AA02-DFA0A04FC94B}">
-              <ma14:wrappingTextBoxFlag xmlns:ma14="http://schemas.microsoft.com/office/mac/drawingml/2011/main" xmlns="" val="1"/>
+              <ma14:wrappingTextBoxFlag xmlns="" xmlns:ma14="http://schemas.microsoft.com/office/mac/drawingml/2011/main" val="1"/>
             </a:ext>
           </a:extLst>
         </p:spPr>
@@ -2770,7 +2770,7 @@
           </a:ln>
           <a:extLst>
             <a:ext uri="{C572A759-6A51-4108-AA02-DFA0A04FC94B}">
-              <ma14:wrappingTextBoxFlag xmlns:ma14="http://schemas.microsoft.com/office/mac/drawingml/2011/main" xmlns="" val="1"/>
+              <ma14:wrappingTextBoxFlag xmlns="" xmlns:ma14="http://schemas.microsoft.com/office/mac/drawingml/2011/main" val="1"/>
             </a:ext>
           </a:extLst>
         </p:spPr>
@@ -2813,7 +2813,7 @@
           </a:ln>
           <a:extLst>
             <a:ext uri="{C572A759-6A51-4108-AA02-DFA0A04FC94B}">
-              <ma14:wrappingTextBoxFlag xmlns:ma14="http://schemas.microsoft.com/office/mac/drawingml/2011/main" xmlns="" val="1"/>
+              <ma14:wrappingTextBoxFlag xmlns="" xmlns:ma14="http://schemas.microsoft.com/office/mac/drawingml/2011/main" val="1"/>
             </a:ext>
           </a:extLst>
         </p:spPr>
@@ -3261,7 +3261,7 @@
           </a:ln>
           <a:extLst>
             <a:ext uri="{C572A759-6A51-4108-AA02-DFA0A04FC94B}">
-              <ma14:wrappingTextBoxFlag xmlns:ma14="http://schemas.microsoft.com/office/mac/drawingml/2011/main" xmlns="" val="1"/>
+              <ma14:wrappingTextBoxFlag xmlns="" xmlns:ma14="http://schemas.microsoft.com/office/mac/drawingml/2011/main" val="1"/>
             </a:ext>
           </a:extLst>
         </p:spPr>
@@ -3310,7 +3310,7 @@
           </a:ln>
           <a:extLst>
             <a:ext uri="{C572A759-6A51-4108-AA02-DFA0A04FC94B}">
-              <ma14:wrappingTextBoxFlag xmlns:ma14="http://schemas.microsoft.com/office/mac/drawingml/2011/main" xmlns="" val="1"/>
+              <ma14:wrappingTextBoxFlag xmlns="" xmlns:ma14="http://schemas.microsoft.com/office/mac/drawingml/2011/main" val="1"/>
             </a:ext>
           </a:extLst>
         </p:spPr>
@@ -5893,12 +5893,12 @@
         </p:nvCxnSpPr>
         <p:spPr>
           <a:xfrm flipV="1">
-            <a:off x="1003388" y="2590087"/>
-            <a:ext cx="1274219" cy="1555621"/>
+            <a:off x="1003388" y="2575214"/>
+            <a:ext cx="1307747" cy="1570494"/>
           </a:xfrm>
           <a:prstGeom prst="bentConnector3">
             <a:avLst>
-              <a:gd name="adj1" fmla="val 61837"/>
+              <a:gd name="adj1" fmla="val 59481"/>
             </a:avLst>
           </a:prstGeom>
           <a:noFill/>
@@ -6116,7 +6116,7 @@
             </a:ln>
             <a:extLst>
               <a:ext uri="{C572A759-6A51-4108-AA02-DFA0A04FC94B}">
-                <ma14:wrappingTextBoxFlag xmlns="" xmlns:ma14="http://schemas.microsoft.com/office/mac/drawingml/2011/main" val="1"/>
+                <ma14:wrappingTextBoxFlag xmlns:ma14="http://schemas.microsoft.com/office/mac/drawingml/2011/main" xmlns="" val="1"/>
               </a:ext>
             </a:extLst>
           </p:spPr>
@@ -6203,7 +6203,7 @@
             </a:ln>
             <a:extLst>
               <a:ext uri="{C572A759-6A51-4108-AA02-DFA0A04FC94B}">
-                <ma14:wrappingTextBoxFlag xmlns="" xmlns:ma14="http://schemas.microsoft.com/office/mac/drawingml/2011/main" val="1"/>
+                <ma14:wrappingTextBoxFlag xmlns:ma14="http://schemas.microsoft.com/office/mac/drawingml/2011/main" xmlns="" val="1"/>
               </a:ext>
             </a:extLst>
           </p:spPr>
@@ -6290,7 +6290,7 @@
             </a:ln>
             <a:extLst>
               <a:ext uri="{C572A759-6A51-4108-AA02-DFA0A04FC94B}">
-                <ma14:wrappingTextBoxFlag xmlns="" xmlns:ma14="http://schemas.microsoft.com/office/mac/drawingml/2011/main" val="1"/>
+                <ma14:wrappingTextBoxFlag xmlns:ma14="http://schemas.microsoft.com/office/mac/drawingml/2011/main" xmlns="" val="1"/>
               </a:ext>
             </a:extLst>
           </p:spPr>
@@ -6377,7 +6377,7 @@
             </a:ln>
             <a:extLst>
               <a:ext uri="{C572A759-6A51-4108-AA02-DFA0A04FC94B}">
-                <ma14:wrappingTextBoxFlag xmlns="" xmlns:ma14="http://schemas.microsoft.com/office/mac/drawingml/2011/main" val="1"/>
+                <ma14:wrappingTextBoxFlag xmlns:ma14="http://schemas.microsoft.com/office/mac/drawingml/2011/main" xmlns="" val="1"/>
               </a:ext>
             </a:extLst>
           </p:spPr>
@@ -6464,7 +6464,7 @@
             </a:ln>
             <a:extLst>
               <a:ext uri="{C572A759-6A51-4108-AA02-DFA0A04FC94B}">
-                <ma14:wrappingTextBoxFlag xmlns="" xmlns:ma14="http://schemas.microsoft.com/office/mac/drawingml/2011/main" val="1"/>
+                <ma14:wrappingTextBoxFlag xmlns:ma14="http://schemas.microsoft.com/office/mac/drawingml/2011/main" xmlns="" val="1"/>
               </a:ext>
             </a:extLst>
           </p:spPr>
@@ -6551,7 +6551,7 @@
             </a:ln>
             <a:extLst>
               <a:ext uri="{C572A759-6A51-4108-AA02-DFA0A04FC94B}">
-                <ma14:wrappingTextBoxFlag xmlns="" xmlns:ma14="http://schemas.microsoft.com/office/mac/drawingml/2011/main" val="1"/>
+                <ma14:wrappingTextBoxFlag xmlns:ma14="http://schemas.microsoft.com/office/mac/drawingml/2011/main" xmlns="" val="1"/>
               </a:ext>
             </a:extLst>
           </p:spPr>
@@ -6638,7 +6638,7 @@
             </a:ln>
             <a:extLst>
               <a:ext uri="{C572A759-6A51-4108-AA02-DFA0A04FC94B}">
-                <ma14:wrappingTextBoxFlag xmlns="" xmlns:ma14="http://schemas.microsoft.com/office/mac/drawingml/2011/main" val="1"/>
+                <ma14:wrappingTextBoxFlag xmlns:ma14="http://schemas.microsoft.com/office/mac/drawingml/2011/main" xmlns="" val="1"/>
               </a:ext>
             </a:extLst>
           </p:spPr>
@@ -6708,7 +6708,7 @@
             </a:ln>
             <a:extLst>
               <a:ext uri="{C572A759-6A51-4108-AA02-DFA0A04FC94B}">
-                <ma14:wrappingTextBoxFlag xmlns="" xmlns:ma14="http://schemas.microsoft.com/office/mac/drawingml/2011/main" val="1"/>
+                <ma14:wrappingTextBoxFlag xmlns:ma14="http://schemas.microsoft.com/office/mac/drawingml/2011/main" xmlns="" val="1"/>
               </a:ext>
             </a:extLst>
           </p:spPr>
@@ -6795,7 +6795,7 @@
             </a:ln>
             <a:extLst>
               <a:ext uri="{C572A759-6A51-4108-AA02-DFA0A04FC94B}">
-                <ma14:wrappingTextBoxFlag xmlns="" xmlns:ma14="http://schemas.microsoft.com/office/mac/drawingml/2011/main" val="1"/>
+                <ma14:wrappingTextBoxFlag xmlns:ma14="http://schemas.microsoft.com/office/mac/drawingml/2011/main" xmlns="" val="1"/>
               </a:ext>
             </a:extLst>
           </p:spPr>
@@ -6865,7 +6865,7 @@
             </a:ln>
             <a:extLst>
               <a:ext uri="{C572A759-6A51-4108-AA02-DFA0A04FC94B}">
-                <ma14:wrappingTextBoxFlag xmlns="" xmlns:ma14="http://schemas.microsoft.com/office/mac/drawingml/2011/main" val="1"/>
+                <ma14:wrappingTextBoxFlag xmlns:ma14="http://schemas.microsoft.com/office/mac/drawingml/2011/main" xmlns="" val="1"/>
               </a:ext>
             </a:extLst>
           </p:spPr>
@@ -6935,7 +6935,7 @@
             </a:ln>
             <a:extLst>
               <a:ext uri="{C572A759-6A51-4108-AA02-DFA0A04FC94B}">
-                <ma14:wrappingTextBoxFlag xmlns="" xmlns:ma14="http://schemas.microsoft.com/office/mac/drawingml/2011/main" val="1"/>
+                <ma14:wrappingTextBoxFlag xmlns:ma14="http://schemas.microsoft.com/office/mac/drawingml/2011/main" xmlns="" val="1"/>
               </a:ext>
             </a:extLst>
           </p:spPr>
@@ -7005,7 +7005,7 @@
             </a:ln>
             <a:extLst>
               <a:ext uri="{C572A759-6A51-4108-AA02-DFA0A04FC94B}">
-                <ma14:wrappingTextBoxFlag xmlns="" xmlns:ma14="http://schemas.microsoft.com/office/mac/drawingml/2011/main" val="1"/>
+                <ma14:wrappingTextBoxFlag xmlns:ma14="http://schemas.microsoft.com/office/mac/drawingml/2011/main" xmlns="" val="1"/>
               </a:ext>
             </a:extLst>
           </p:spPr>
@@ -7075,7 +7075,7 @@
             </a:ln>
             <a:extLst>
               <a:ext uri="{C572A759-6A51-4108-AA02-DFA0A04FC94B}">
-                <ma14:wrappingTextBoxFlag xmlns="" xmlns:ma14="http://schemas.microsoft.com/office/mac/drawingml/2011/main" val="1"/>
+                <ma14:wrappingTextBoxFlag xmlns:ma14="http://schemas.microsoft.com/office/mac/drawingml/2011/main" xmlns="" val="1"/>
               </a:ext>
             </a:extLst>
           </p:spPr>
@@ -7145,7 +7145,7 @@
             </a:ln>
             <a:extLst>
               <a:ext uri="{C572A759-6A51-4108-AA02-DFA0A04FC94B}">
-                <ma14:wrappingTextBoxFlag xmlns="" xmlns:ma14="http://schemas.microsoft.com/office/mac/drawingml/2011/main" val="1"/>
+                <ma14:wrappingTextBoxFlag xmlns:ma14="http://schemas.microsoft.com/office/mac/drawingml/2011/main" xmlns="" val="1"/>
               </a:ext>
             </a:extLst>
           </p:spPr>
@@ -7215,7 +7215,7 @@
             </a:ln>
             <a:extLst>
               <a:ext uri="{C572A759-6A51-4108-AA02-DFA0A04FC94B}">
-                <ma14:wrappingTextBoxFlag xmlns="" xmlns:ma14="http://schemas.microsoft.com/office/mac/drawingml/2011/main" val="1"/>
+                <ma14:wrappingTextBoxFlag xmlns:ma14="http://schemas.microsoft.com/office/mac/drawingml/2011/main" xmlns="" val="1"/>
               </a:ext>
             </a:extLst>
           </p:spPr>
@@ -7285,7 +7285,7 @@
             </a:ln>
             <a:extLst>
               <a:ext uri="{C572A759-6A51-4108-AA02-DFA0A04FC94B}">
-                <ma14:wrappingTextBoxFlag xmlns="" xmlns:ma14="http://schemas.microsoft.com/office/mac/drawingml/2011/main" val="1"/>
+                <ma14:wrappingTextBoxFlag xmlns:ma14="http://schemas.microsoft.com/office/mac/drawingml/2011/main" xmlns="" val="1"/>
               </a:ext>
             </a:extLst>
           </p:spPr>
@@ -7355,7 +7355,7 @@
             </a:ln>
             <a:extLst>
               <a:ext uri="{C572A759-6A51-4108-AA02-DFA0A04FC94B}">
-                <ma14:wrappingTextBoxFlag xmlns="" xmlns:ma14="http://schemas.microsoft.com/office/mac/drawingml/2011/main" val="1"/>
+                <ma14:wrappingTextBoxFlag xmlns:ma14="http://schemas.microsoft.com/office/mac/drawingml/2011/main" xmlns="" val="1"/>
               </a:ext>
             </a:extLst>
           </p:spPr>
@@ -7425,7 +7425,7 @@
             </a:ln>
             <a:extLst>
               <a:ext uri="{C572A759-6A51-4108-AA02-DFA0A04FC94B}">
-                <ma14:wrappingTextBoxFlag xmlns="" xmlns:ma14="http://schemas.microsoft.com/office/mac/drawingml/2011/main" val="1"/>
+                <ma14:wrappingTextBoxFlag xmlns:ma14="http://schemas.microsoft.com/office/mac/drawingml/2011/main" xmlns="" val="1"/>
               </a:ext>
             </a:extLst>
           </p:spPr>
@@ -7495,7 +7495,7 @@
             </a:ln>
             <a:extLst>
               <a:ext uri="{C572A759-6A51-4108-AA02-DFA0A04FC94B}">
-                <ma14:wrappingTextBoxFlag xmlns="" xmlns:ma14="http://schemas.microsoft.com/office/mac/drawingml/2011/main" val="1"/>
+                <ma14:wrappingTextBoxFlag xmlns:ma14="http://schemas.microsoft.com/office/mac/drawingml/2011/main" xmlns="" val="1"/>
               </a:ext>
             </a:extLst>
           </p:spPr>
@@ -7565,7 +7565,7 @@
             </a:ln>
             <a:extLst>
               <a:ext uri="{C572A759-6A51-4108-AA02-DFA0A04FC94B}">
-                <ma14:wrappingTextBoxFlag xmlns="" xmlns:ma14="http://schemas.microsoft.com/office/mac/drawingml/2011/main" val="1"/>
+                <ma14:wrappingTextBoxFlag xmlns:ma14="http://schemas.microsoft.com/office/mac/drawingml/2011/main" xmlns="" val="1"/>
               </a:ext>
             </a:extLst>
           </p:spPr>
@@ -7635,7 +7635,7 @@
             </a:ln>
             <a:extLst>
               <a:ext uri="{C572A759-6A51-4108-AA02-DFA0A04FC94B}">
-                <ma14:wrappingTextBoxFlag xmlns="" xmlns:ma14="http://schemas.microsoft.com/office/mac/drawingml/2011/main" val="1"/>
+                <ma14:wrappingTextBoxFlag xmlns:ma14="http://schemas.microsoft.com/office/mac/drawingml/2011/main" xmlns="" val="1"/>
               </a:ext>
             </a:extLst>
           </p:spPr>
@@ -7705,7 +7705,7 @@
             </a:ln>
             <a:extLst>
               <a:ext uri="{C572A759-6A51-4108-AA02-DFA0A04FC94B}">
-                <ma14:wrappingTextBoxFlag xmlns="" xmlns:ma14="http://schemas.microsoft.com/office/mac/drawingml/2011/main" val="1"/>
+                <ma14:wrappingTextBoxFlag xmlns:ma14="http://schemas.microsoft.com/office/mac/drawingml/2011/main" xmlns="" val="1"/>
               </a:ext>
             </a:extLst>
           </p:spPr>
@@ -7775,7 +7775,7 @@
             </a:ln>
             <a:extLst>
               <a:ext uri="{C572A759-6A51-4108-AA02-DFA0A04FC94B}">
-                <ma14:wrappingTextBoxFlag xmlns="" xmlns:ma14="http://schemas.microsoft.com/office/mac/drawingml/2011/main" val="1"/>
+                <ma14:wrappingTextBoxFlag xmlns:ma14="http://schemas.microsoft.com/office/mac/drawingml/2011/main" xmlns="" val="1"/>
               </a:ext>
             </a:extLst>
           </p:spPr>
@@ -7845,7 +7845,7 @@
             </a:ln>
             <a:extLst>
               <a:ext uri="{C572A759-6A51-4108-AA02-DFA0A04FC94B}">
-                <ma14:wrappingTextBoxFlag xmlns="" xmlns:ma14="http://schemas.microsoft.com/office/mac/drawingml/2011/main" val="1"/>
+                <ma14:wrappingTextBoxFlag xmlns:ma14="http://schemas.microsoft.com/office/mac/drawingml/2011/main" xmlns="" val="1"/>
               </a:ext>
             </a:extLst>
           </p:spPr>
@@ -7915,7 +7915,7 @@
             </a:ln>
             <a:extLst>
               <a:ext uri="{C572A759-6A51-4108-AA02-DFA0A04FC94B}">
-                <ma14:wrappingTextBoxFlag xmlns="" xmlns:ma14="http://schemas.microsoft.com/office/mac/drawingml/2011/main" val="1"/>
+                <ma14:wrappingTextBoxFlag xmlns:ma14="http://schemas.microsoft.com/office/mac/drawingml/2011/main" xmlns="" val="1"/>
               </a:ext>
             </a:extLst>
           </p:spPr>
@@ -7985,7 +7985,7 @@
             </a:ln>
             <a:extLst>
               <a:ext uri="{C572A759-6A51-4108-AA02-DFA0A04FC94B}">
-                <ma14:wrappingTextBoxFlag xmlns="" xmlns:ma14="http://schemas.microsoft.com/office/mac/drawingml/2011/main" val="1"/>
+                <ma14:wrappingTextBoxFlag xmlns:ma14="http://schemas.microsoft.com/office/mac/drawingml/2011/main" xmlns="" val="1"/>
               </a:ext>
             </a:extLst>
           </p:spPr>
@@ -8055,7 +8055,7 @@
             </a:ln>
             <a:extLst>
               <a:ext uri="{C572A759-6A51-4108-AA02-DFA0A04FC94B}">
-                <ma14:wrappingTextBoxFlag xmlns="" xmlns:ma14="http://schemas.microsoft.com/office/mac/drawingml/2011/main" val="1"/>
+                <ma14:wrappingTextBoxFlag xmlns:ma14="http://schemas.microsoft.com/office/mac/drawingml/2011/main" xmlns="" val="1"/>
               </a:ext>
             </a:extLst>
           </p:spPr>
@@ -8125,7 +8125,7 @@
             </a:ln>
             <a:extLst>
               <a:ext uri="{C572A759-6A51-4108-AA02-DFA0A04FC94B}">
-                <ma14:wrappingTextBoxFlag xmlns="" xmlns:ma14="http://schemas.microsoft.com/office/mac/drawingml/2011/main" val="1"/>
+                <ma14:wrappingTextBoxFlag xmlns:ma14="http://schemas.microsoft.com/office/mac/drawingml/2011/main" xmlns="" val="1"/>
               </a:ext>
             </a:extLst>
           </p:spPr>
@@ -8314,7 +8314,7 @@
           </a:ln>
           <a:extLst>
             <a:ext uri="{C572A759-6A51-4108-AA02-DFA0A04FC94B}">
-              <ma14:wrappingTextBoxFlag xmlns="" xmlns:ma14="http://schemas.microsoft.com/office/mac/drawingml/2011/main" val="1"/>
+              <ma14:wrappingTextBoxFlag xmlns:ma14="http://schemas.microsoft.com/office/mac/drawingml/2011/main" xmlns="" val="1"/>
             </a:ext>
           </a:extLst>
         </p:spPr>
@@ -9441,7 +9441,7 @@
         </p:blipFill>
         <p:spPr>
           <a:xfrm rot="10800000">
-            <a:off x="2277607" y="2469437"/>
+            <a:off x="2311135" y="2454564"/>
             <a:ext cx="684409" cy="241300"/>
           </a:xfrm>
           <a:prstGeom prst="rect">
@@ -10265,7 +10265,7 @@
           </a:ln>
           <a:extLst>
             <a:ext uri="{C572A759-6A51-4108-AA02-DFA0A04FC94B}">
-              <ma14:wrappingTextBoxFlag xmlns="" xmlns:ma14="http://schemas.microsoft.com/office/mac/drawingml/2011/main" val="1"/>
+              <ma14:wrappingTextBoxFlag xmlns:ma14="http://schemas.microsoft.com/office/mac/drawingml/2011/main" xmlns="" val="1"/>
             </a:ext>
           </a:extLst>
         </p:spPr>
@@ -10335,7 +10335,7 @@
           </a:ln>
           <a:extLst>
             <a:ext uri="{C572A759-6A51-4108-AA02-DFA0A04FC94B}">
-              <ma14:wrappingTextBoxFlag xmlns="" xmlns:ma14="http://schemas.microsoft.com/office/mac/drawingml/2011/main" val="1"/>
+              <ma14:wrappingTextBoxFlag xmlns:ma14="http://schemas.microsoft.com/office/mac/drawingml/2011/main" xmlns="" val="1"/>
             </a:ext>
           </a:extLst>
         </p:spPr>
@@ -10465,7 +10465,7 @@
           </a:ln>
           <a:extLst>
             <a:ext uri="{C572A759-6A51-4108-AA02-DFA0A04FC94B}">
-              <ma14:wrappingTextBoxFlag xmlns="" xmlns:ma14="http://schemas.microsoft.com/office/mac/drawingml/2011/main" val="1"/>
+              <ma14:wrappingTextBoxFlag xmlns:ma14="http://schemas.microsoft.com/office/mac/drawingml/2011/main" xmlns="" val="1"/>
             </a:ext>
           </a:extLst>
         </p:spPr>
@@ -10535,7 +10535,7 @@
           </a:ln>
           <a:extLst>
             <a:ext uri="{C572A759-6A51-4108-AA02-DFA0A04FC94B}">
-              <ma14:wrappingTextBoxFlag xmlns="" xmlns:ma14="http://schemas.microsoft.com/office/mac/drawingml/2011/main" val="1"/>
+              <ma14:wrappingTextBoxFlag xmlns:ma14="http://schemas.microsoft.com/office/mac/drawingml/2011/main" xmlns="" val="1"/>
             </a:ext>
           </a:extLst>
         </p:spPr>
@@ -10969,7 +10969,7 @@
           </a:ln>
           <a:extLst>
             <a:ext uri="{C572A759-6A51-4108-AA02-DFA0A04FC94B}">
-              <ma14:wrappingTextBoxFlag xmlns="" xmlns:ma14="http://schemas.microsoft.com/office/mac/drawingml/2011/main" val="1"/>
+              <ma14:wrappingTextBoxFlag xmlns:ma14="http://schemas.microsoft.com/office/mac/drawingml/2011/main" xmlns="" val="1"/>
             </a:ext>
           </a:extLst>
         </p:spPr>
@@ -11039,7 +11039,7 @@
           </a:ln>
           <a:extLst>
             <a:ext uri="{C572A759-6A51-4108-AA02-DFA0A04FC94B}">
-              <ma14:wrappingTextBoxFlag xmlns="" xmlns:ma14="http://schemas.microsoft.com/office/mac/drawingml/2011/main" val="1"/>
+              <ma14:wrappingTextBoxFlag xmlns:ma14="http://schemas.microsoft.com/office/mac/drawingml/2011/main" xmlns="" val="1"/>
             </a:ext>
           </a:extLst>
         </p:spPr>
@@ -11109,7 +11109,7 @@
           </a:ln>
           <a:extLst>
             <a:ext uri="{C572A759-6A51-4108-AA02-DFA0A04FC94B}">
-              <ma14:wrappingTextBoxFlag xmlns="" xmlns:ma14="http://schemas.microsoft.com/office/mac/drawingml/2011/main" val="1"/>
+              <ma14:wrappingTextBoxFlag xmlns:ma14="http://schemas.microsoft.com/office/mac/drawingml/2011/main" xmlns="" val="1"/>
             </a:ext>
           </a:extLst>
         </p:spPr>
@@ -11179,7 +11179,7 @@
           </a:ln>
           <a:extLst>
             <a:ext uri="{C572A759-6A51-4108-AA02-DFA0A04FC94B}">
-              <ma14:wrappingTextBoxFlag xmlns="" xmlns:ma14="http://schemas.microsoft.com/office/mac/drawingml/2011/main" val="1"/>
+              <ma14:wrappingTextBoxFlag xmlns:ma14="http://schemas.microsoft.com/office/mac/drawingml/2011/main" xmlns="" val="1"/>
             </a:ext>
           </a:extLst>
         </p:spPr>
@@ -11327,7 +11327,7 @@
           </a:ln>
           <a:extLst>
             <a:ext uri="{C572A759-6A51-4108-AA02-DFA0A04FC94B}">
-              <ma14:wrappingTextBoxFlag xmlns="" xmlns:ma14="http://schemas.microsoft.com/office/mac/drawingml/2011/main" val="1"/>
+              <ma14:wrappingTextBoxFlag xmlns:ma14="http://schemas.microsoft.com/office/mac/drawingml/2011/main" xmlns="" val="1"/>
             </a:ext>
           </a:extLst>
         </p:spPr>
@@ -11625,7 +11625,7 @@
           </a:ln>
           <a:extLst>
             <a:ext uri="{C572A759-6A51-4108-AA02-DFA0A04FC94B}">
-              <ma14:wrappingTextBoxFlag xmlns:ma14="http://schemas.microsoft.com/office/mac/drawingml/2011/main" xmlns="" val="1"/>
+              <ma14:wrappingTextBoxFlag xmlns="" xmlns:ma14="http://schemas.microsoft.com/office/mac/drawingml/2011/main" val="1"/>
             </a:ext>
           </a:extLst>
         </p:spPr>
@@ -11673,7 +11673,7 @@
           </a:ln>
           <a:extLst>
             <a:ext uri="{C572A759-6A51-4108-AA02-DFA0A04FC94B}">
-              <ma14:wrappingTextBoxFlag xmlns:ma14="http://schemas.microsoft.com/office/mac/drawingml/2011/main" xmlns="" val="1"/>
+              <ma14:wrappingTextBoxFlag xmlns="" xmlns:ma14="http://schemas.microsoft.com/office/mac/drawingml/2011/main" val="1"/>
             </a:ext>
           </a:extLst>
         </p:spPr>
@@ -11828,7 +11828,7 @@
             <a:effectLst/>
             <a:extLst>
               <a:ext uri="{C572A759-6A51-4108-AA02-DFA0A04FC94B}">
-                <ma14:wrappingTextBoxFlag xmlns:ma14="http://schemas.microsoft.com/office/mac/drawingml/2011/main" xmlns="" val="1"/>
+                <ma14:wrappingTextBoxFlag xmlns="" xmlns:ma14="http://schemas.microsoft.com/office/mac/drawingml/2011/main" val="1"/>
               </a:ext>
             </a:extLst>
           </p:spPr>
@@ -11990,7 +11990,7 @@
             <a:effectLst/>
             <a:extLst>
               <a:ext uri="{C572A759-6A51-4108-AA02-DFA0A04FC94B}">
-                <ma14:wrappingTextBoxFlag xmlns:ma14="http://schemas.microsoft.com/office/mac/drawingml/2011/main" xmlns="" val="1"/>
+                <ma14:wrappingTextBoxFlag xmlns="" xmlns:ma14="http://schemas.microsoft.com/office/mac/drawingml/2011/main" val="1"/>
               </a:ext>
             </a:extLst>
           </p:spPr>
@@ -12152,7 +12152,7 @@
             <a:effectLst/>
             <a:extLst>
               <a:ext uri="{C572A759-6A51-4108-AA02-DFA0A04FC94B}">
-                <ma14:wrappingTextBoxFlag xmlns:ma14="http://schemas.microsoft.com/office/mac/drawingml/2011/main" xmlns="" val="1"/>
+                <ma14:wrappingTextBoxFlag xmlns="" xmlns:ma14="http://schemas.microsoft.com/office/mac/drawingml/2011/main" val="1"/>
               </a:ext>
             </a:extLst>
           </p:spPr>
@@ -12314,7 +12314,7 @@
             <a:effectLst/>
             <a:extLst>
               <a:ext uri="{C572A759-6A51-4108-AA02-DFA0A04FC94B}">
-                <ma14:wrappingTextBoxFlag xmlns:ma14="http://schemas.microsoft.com/office/mac/drawingml/2011/main" xmlns="" val="1"/>
+                <ma14:wrappingTextBoxFlag xmlns="" xmlns:ma14="http://schemas.microsoft.com/office/mac/drawingml/2011/main" val="1"/>
               </a:ext>
             </a:extLst>
           </p:spPr>
@@ -12476,7 +12476,7 @@
             <a:effectLst/>
             <a:extLst>
               <a:ext uri="{C572A759-6A51-4108-AA02-DFA0A04FC94B}">
-                <ma14:wrappingTextBoxFlag xmlns:ma14="http://schemas.microsoft.com/office/mac/drawingml/2011/main" xmlns="" val="1"/>
+                <ma14:wrappingTextBoxFlag xmlns="" xmlns:ma14="http://schemas.microsoft.com/office/mac/drawingml/2011/main" val="1"/>
               </a:ext>
             </a:extLst>
           </p:spPr>
@@ -12638,7 +12638,7 @@
             <a:effectLst/>
             <a:extLst>
               <a:ext uri="{C572A759-6A51-4108-AA02-DFA0A04FC94B}">
-                <ma14:wrappingTextBoxFlag xmlns:ma14="http://schemas.microsoft.com/office/mac/drawingml/2011/main" xmlns="" val="1"/>
+                <ma14:wrappingTextBoxFlag xmlns="" xmlns:ma14="http://schemas.microsoft.com/office/mac/drawingml/2011/main" val="1"/>
               </a:ext>
             </a:extLst>
           </p:spPr>
@@ -12800,7 +12800,7 @@
             <a:effectLst/>
             <a:extLst>
               <a:ext uri="{C572A759-6A51-4108-AA02-DFA0A04FC94B}">
-                <ma14:wrappingTextBoxFlag xmlns:ma14="http://schemas.microsoft.com/office/mac/drawingml/2011/main" xmlns="" val="1"/>
+                <ma14:wrappingTextBoxFlag xmlns="" xmlns:ma14="http://schemas.microsoft.com/office/mac/drawingml/2011/main" val="1"/>
               </a:ext>
             </a:extLst>
           </p:spPr>
@@ -12962,7 +12962,7 @@
             <a:effectLst/>
             <a:extLst>
               <a:ext uri="{C572A759-6A51-4108-AA02-DFA0A04FC94B}">
-                <ma14:wrappingTextBoxFlag xmlns:ma14="http://schemas.microsoft.com/office/mac/drawingml/2011/main" xmlns="" val="1"/>
+                <ma14:wrappingTextBoxFlag xmlns="" xmlns:ma14="http://schemas.microsoft.com/office/mac/drawingml/2011/main" val="1"/>
               </a:ext>
             </a:extLst>
           </p:spPr>
@@ -13124,7 +13124,7 @@
             <a:effectLst/>
             <a:extLst>
               <a:ext uri="{C572A759-6A51-4108-AA02-DFA0A04FC94B}">
-                <ma14:wrappingTextBoxFlag xmlns:ma14="http://schemas.microsoft.com/office/mac/drawingml/2011/main" xmlns="" val="1"/>
+                <ma14:wrappingTextBoxFlag xmlns="" xmlns:ma14="http://schemas.microsoft.com/office/mac/drawingml/2011/main" val="1"/>
               </a:ext>
             </a:extLst>
           </p:spPr>
@@ -13286,7 +13286,7 @@
             <a:effectLst/>
             <a:extLst>
               <a:ext uri="{C572A759-6A51-4108-AA02-DFA0A04FC94B}">
-                <ma14:wrappingTextBoxFlag xmlns:ma14="http://schemas.microsoft.com/office/mac/drawingml/2011/main" xmlns="" val="1"/>
+                <ma14:wrappingTextBoxFlag xmlns="" xmlns:ma14="http://schemas.microsoft.com/office/mac/drawingml/2011/main" val="1"/>
               </a:ext>
             </a:extLst>
           </p:spPr>
@@ -13448,7 +13448,7 @@
             <a:effectLst/>
             <a:extLst>
               <a:ext uri="{C572A759-6A51-4108-AA02-DFA0A04FC94B}">
-                <ma14:wrappingTextBoxFlag xmlns:ma14="http://schemas.microsoft.com/office/mac/drawingml/2011/main" xmlns="" val="1"/>
+                <ma14:wrappingTextBoxFlag xmlns="" xmlns:ma14="http://schemas.microsoft.com/office/mac/drawingml/2011/main" val="1"/>
               </a:ext>
             </a:extLst>
           </p:spPr>
@@ -13610,7 +13610,7 @@
             <a:effectLst/>
             <a:extLst>
               <a:ext uri="{C572A759-6A51-4108-AA02-DFA0A04FC94B}">
-                <ma14:wrappingTextBoxFlag xmlns:ma14="http://schemas.microsoft.com/office/mac/drawingml/2011/main" xmlns="" val="1"/>
+                <ma14:wrappingTextBoxFlag xmlns="" xmlns:ma14="http://schemas.microsoft.com/office/mac/drawingml/2011/main" val="1"/>
               </a:ext>
             </a:extLst>
           </p:spPr>
@@ -13772,7 +13772,7 @@
             <a:effectLst/>
             <a:extLst>
               <a:ext uri="{C572A759-6A51-4108-AA02-DFA0A04FC94B}">
-                <ma14:wrappingTextBoxFlag xmlns:ma14="http://schemas.microsoft.com/office/mac/drawingml/2011/main" xmlns="" val="1"/>
+                <ma14:wrappingTextBoxFlag xmlns="" xmlns:ma14="http://schemas.microsoft.com/office/mac/drawingml/2011/main" val="1"/>
               </a:ext>
             </a:extLst>
           </p:spPr>
@@ -13934,7 +13934,7 @@
             <a:effectLst/>
             <a:extLst>
               <a:ext uri="{C572A759-6A51-4108-AA02-DFA0A04FC94B}">
-                <ma14:wrappingTextBoxFlag xmlns:ma14="http://schemas.microsoft.com/office/mac/drawingml/2011/main" xmlns="" val="1"/>
+                <ma14:wrappingTextBoxFlag xmlns="" xmlns:ma14="http://schemas.microsoft.com/office/mac/drawingml/2011/main" val="1"/>
               </a:ext>
             </a:extLst>
           </p:spPr>
@@ -14096,7 +14096,7 @@
             <a:effectLst/>
             <a:extLst>
               <a:ext uri="{C572A759-6A51-4108-AA02-DFA0A04FC94B}">
-                <ma14:wrappingTextBoxFlag xmlns:ma14="http://schemas.microsoft.com/office/mac/drawingml/2011/main" xmlns="" val="1"/>
+                <ma14:wrappingTextBoxFlag xmlns="" xmlns:ma14="http://schemas.microsoft.com/office/mac/drawingml/2011/main" val="1"/>
               </a:ext>
             </a:extLst>
           </p:spPr>
@@ -14258,7 +14258,7 @@
             <a:effectLst/>
             <a:extLst>
               <a:ext uri="{C572A759-6A51-4108-AA02-DFA0A04FC94B}">
-                <ma14:wrappingTextBoxFlag xmlns:ma14="http://schemas.microsoft.com/office/mac/drawingml/2011/main" xmlns="" val="1"/>
+                <ma14:wrappingTextBoxFlag xmlns="" xmlns:ma14="http://schemas.microsoft.com/office/mac/drawingml/2011/main" val="1"/>
               </a:ext>
             </a:extLst>
           </p:spPr>
@@ -14420,7 +14420,7 @@
             <a:effectLst/>
             <a:extLst>
               <a:ext uri="{C572A759-6A51-4108-AA02-DFA0A04FC94B}">
-                <ma14:wrappingTextBoxFlag xmlns:ma14="http://schemas.microsoft.com/office/mac/drawingml/2011/main" xmlns="" val="1"/>
+                <ma14:wrappingTextBoxFlag xmlns="" xmlns:ma14="http://schemas.microsoft.com/office/mac/drawingml/2011/main" val="1"/>
               </a:ext>
             </a:extLst>
           </p:spPr>
@@ -14582,7 +14582,7 @@
             <a:effectLst/>
             <a:extLst>
               <a:ext uri="{C572A759-6A51-4108-AA02-DFA0A04FC94B}">
-                <ma14:wrappingTextBoxFlag xmlns:ma14="http://schemas.microsoft.com/office/mac/drawingml/2011/main" xmlns="" val="1"/>
+                <ma14:wrappingTextBoxFlag xmlns="" xmlns:ma14="http://schemas.microsoft.com/office/mac/drawingml/2011/main" val="1"/>
               </a:ext>
             </a:extLst>
           </p:spPr>
@@ -14744,7 +14744,7 @@
             <a:effectLst/>
             <a:extLst>
               <a:ext uri="{C572A759-6A51-4108-AA02-DFA0A04FC94B}">
-                <ma14:wrappingTextBoxFlag xmlns:ma14="http://schemas.microsoft.com/office/mac/drawingml/2011/main" xmlns="" val="1"/>
+                <ma14:wrappingTextBoxFlag xmlns="" xmlns:ma14="http://schemas.microsoft.com/office/mac/drawingml/2011/main" val="1"/>
               </a:ext>
             </a:extLst>
           </p:spPr>
@@ -14906,7 +14906,7 @@
             <a:effectLst/>
             <a:extLst>
               <a:ext uri="{C572A759-6A51-4108-AA02-DFA0A04FC94B}">
-                <ma14:wrappingTextBoxFlag xmlns:ma14="http://schemas.microsoft.com/office/mac/drawingml/2011/main" xmlns="" val="1"/>
+                <ma14:wrappingTextBoxFlag xmlns="" xmlns:ma14="http://schemas.microsoft.com/office/mac/drawingml/2011/main" val="1"/>
               </a:ext>
             </a:extLst>
           </p:spPr>
@@ -15028,7 +15028,7 @@
           </a:ln>
           <a:extLst>
             <a:ext uri="{C572A759-6A51-4108-AA02-DFA0A04FC94B}">
-              <ma14:wrappingTextBoxFlag xmlns:ma14="http://schemas.microsoft.com/office/mac/drawingml/2011/main" xmlns="" val="1"/>
+              <ma14:wrappingTextBoxFlag xmlns="" xmlns:ma14="http://schemas.microsoft.com/office/mac/drawingml/2011/main" val="1"/>
             </a:ext>
           </a:extLst>
         </p:spPr>
@@ -15076,7 +15076,7 @@
           </a:ln>
           <a:extLst>
             <a:ext uri="{C572A759-6A51-4108-AA02-DFA0A04FC94B}">
-              <ma14:wrappingTextBoxFlag xmlns:ma14="http://schemas.microsoft.com/office/mac/drawingml/2011/main" xmlns="" val="1"/>
+              <ma14:wrappingTextBoxFlag xmlns="" xmlns:ma14="http://schemas.microsoft.com/office/mac/drawingml/2011/main" val="1"/>
             </a:ext>
           </a:extLst>
         </p:spPr>
@@ -15411,7 +15411,7 @@
               <a:effectLst/>
               <a:extLst>
                 <a:ext uri="{C572A759-6A51-4108-AA02-DFA0A04FC94B}">
-                  <ma14:wrappingTextBoxFlag xmlns:ma14="http://schemas.microsoft.com/office/mac/drawingml/2011/main" xmlns="" val="1"/>
+                  <ma14:wrappingTextBoxFlag xmlns="" xmlns:ma14="http://schemas.microsoft.com/office/mac/drawingml/2011/main" val="1"/>
                 </a:ext>
               </a:extLst>
             </p:spPr>

--- a/powerpoint/templates/VirtualPrivateCloudEditablePPT.pptx
+++ b/powerpoint/templates/VirtualPrivateCloudEditablePPT.pptx
@@ -791,7 +791,7 @@
           </a:ln>
           <a:extLst>
             <a:ext uri="{C572A759-6A51-4108-AA02-DFA0A04FC94B}">
-              <ma14:wrappingTextBoxFlag xmlns="" xmlns:ma14="http://schemas.microsoft.com/office/mac/drawingml/2011/main" val="1"/>
+              <ma14:wrappingTextBoxFlag xmlns:ma14="http://schemas.microsoft.com/office/mac/drawingml/2011/main" xmlns="" val="1"/>
             </a:ext>
           </a:extLst>
         </p:spPr>
@@ -844,7 +844,7 @@
           </a:ln>
           <a:extLst>
             <a:ext uri="{C572A759-6A51-4108-AA02-DFA0A04FC94B}">
-              <ma14:wrappingTextBoxFlag xmlns="" xmlns:ma14="http://schemas.microsoft.com/office/mac/drawingml/2011/main" val="1"/>
+              <ma14:wrappingTextBoxFlag xmlns:ma14="http://schemas.microsoft.com/office/mac/drawingml/2011/main" xmlns="" val="1"/>
             </a:ext>
           </a:extLst>
         </p:spPr>
@@ -892,7 +892,7 @@
           </a:ln>
           <a:extLst>
             <a:ext uri="{C572A759-6A51-4108-AA02-DFA0A04FC94B}">
-              <ma14:wrappingTextBoxFlag xmlns="" xmlns:ma14="http://schemas.microsoft.com/office/mac/drawingml/2011/main" val="1"/>
+              <ma14:wrappingTextBoxFlag xmlns:ma14="http://schemas.microsoft.com/office/mac/drawingml/2011/main" xmlns="" val="1"/>
             </a:ext>
           </a:extLst>
         </p:spPr>
@@ -980,7 +980,7 @@
           </a:ln>
           <a:extLst>
             <a:ext uri="{C572A759-6A51-4108-AA02-DFA0A04FC94B}">
-              <ma14:wrappingTextBoxFlag xmlns="" xmlns:ma14="http://schemas.microsoft.com/office/mac/drawingml/2011/main" val="1"/>
+              <ma14:wrappingTextBoxFlag xmlns:ma14="http://schemas.microsoft.com/office/mac/drawingml/2011/main" xmlns="" val="1"/>
             </a:ext>
           </a:extLst>
         </p:spPr>
@@ -1033,7 +1033,7 @@
           </a:ln>
           <a:extLst>
             <a:ext uri="{C572A759-6A51-4108-AA02-DFA0A04FC94B}">
-              <ma14:wrappingTextBoxFlag xmlns="" xmlns:ma14="http://schemas.microsoft.com/office/mac/drawingml/2011/main" val="1"/>
+              <ma14:wrappingTextBoxFlag xmlns:ma14="http://schemas.microsoft.com/office/mac/drawingml/2011/main" xmlns="" val="1"/>
             </a:ext>
           </a:extLst>
         </p:spPr>
@@ -1081,7 +1081,7 @@
           </a:ln>
           <a:extLst>
             <a:ext uri="{C572A759-6A51-4108-AA02-DFA0A04FC94B}">
-              <ma14:wrappingTextBoxFlag xmlns="" xmlns:ma14="http://schemas.microsoft.com/office/mac/drawingml/2011/main" val="1"/>
+              <ma14:wrappingTextBoxFlag xmlns:ma14="http://schemas.microsoft.com/office/mac/drawingml/2011/main" xmlns="" val="1"/>
             </a:ext>
           </a:extLst>
         </p:spPr>
@@ -1245,7 +1245,7 @@
           </a:ln>
           <a:extLst>
             <a:ext uri="{C572A759-6A51-4108-AA02-DFA0A04FC94B}">
-              <ma14:wrappingTextBoxFlag xmlns="" xmlns:ma14="http://schemas.microsoft.com/office/mac/drawingml/2011/main" val="1"/>
+              <ma14:wrappingTextBoxFlag xmlns:ma14="http://schemas.microsoft.com/office/mac/drawingml/2011/main" xmlns="" val="1"/>
             </a:ext>
           </a:extLst>
         </p:spPr>
@@ -1298,7 +1298,7 @@
           </a:ln>
           <a:extLst>
             <a:ext uri="{C572A759-6A51-4108-AA02-DFA0A04FC94B}">
-              <ma14:wrappingTextBoxFlag xmlns="" xmlns:ma14="http://schemas.microsoft.com/office/mac/drawingml/2011/main" val="1"/>
+              <ma14:wrappingTextBoxFlag xmlns:ma14="http://schemas.microsoft.com/office/mac/drawingml/2011/main" xmlns="" val="1"/>
             </a:ext>
           </a:extLst>
         </p:spPr>
@@ -1346,7 +1346,7 @@
           </a:ln>
           <a:extLst>
             <a:ext uri="{C572A759-6A51-4108-AA02-DFA0A04FC94B}">
-              <ma14:wrappingTextBoxFlag xmlns="" xmlns:ma14="http://schemas.microsoft.com/office/mac/drawingml/2011/main" val="1"/>
+              <ma14:wrappingTextBoxFlag xmlns:ma14="http://schemas.microsoft.com/office/mac/drawingml/2011/main" xmlns="" val="1"/>
             </a:ext>
           </a:extLst>
         </p:spPr>
@@ -1536,7 +1536,7 @@
           </a:ln>
           <a:extLst>
             <a:ext uri="{C572A759-6A51-4108-AA02-DFA0A04FC94B}">
-              <ma14:wrappingTextBoxFlag xmlns="" xmlns:ma14="http://schemas.microsoft.com/office/mac/drawingml/2011/main" val="1"/>
+              <ma14:wrappingTextBoxFlag xmlns:ma14="http://schemas.microsoft.com/office/mac/drawingml/2011/main" xmlns="" val="1"/>
             </a:ext>
           </a:extLst>
         </p:spPr>
@@ -1674,7 +1674,7 @@
           </a:ln>
           <a:extLst>
             <a:ext uri="{C572A759-6A51-4108-AA02-DFA0A04FC94B}">
-              <ma14:wrappingTextBoxFlag xmlns="" xmlns:ma14="http://schemas.microsoft.com/office/mac/drawingml/2011/main" val="1"/>
+              <ma14:wrappingTextBoxFlag xmlns:ma14="http://schemas.microsoft.com/office/mac/drawingml/2011/main" xmlns="" val="1"/>
             </a:ext>
           </a:extLst>
         </p:spPr>
@@ -1727,7 +1727,7 @@
           </a:ln>
           <a:extLst>
             <a:ext uri="{C572A759-6A51-4108-AA02-DFA0A04FC94B}">
-              <ma14:wrappingTextBoxFlag xmlns="" xmlns:ma14="http://schemas.microsoft.com/office/mac/drawingml/2011/main" val="1"/>
+              <ma14:wrappingTextBoxFlag xmlns:ma14="http://schemas.microsoft.com/office/mac/drawingml/2011/main" xmlns="" val="1"/>
             </a:ext>
           </a:extLst>
         </p:spPr>
@@ -1801,7 +1801,7 @@
           </a:ln>
           <a:extLst>
             <a:ext uri="{C572A759-6A51-4108-AA02-DFA0A04FC94B}">
-              <ma14:wrappingTextBoxFlag xmlns="" xmlns:ma14="http://schemas.microsoft.com/office/mac/drawingml/2011/main" val="1"/>
+              <ma14:wrappingTextBoxFlag xmlns:ma14="http://schemas.microsoft.com/office/mac/drawingml/2011/main" xmlns="" val="1"/>
             </a:ext>
           </a:extLst>
         </p:spPr>
@@ -2770,7 +2770,7 @@
           </a:ln>
           <a:extLst>
             <a:ext uri="{C572A759-6A51-4108-AA02-DFA0A04FC94B}">
-              <ma14:wrappingTextBoxFlag xmlns="" xmlns:ma14="http://schemas.microsoft.com/office/mac/drawingml/2011/main" val="1"/>
+              <ma14:wrappingTextBoxFlag xmlns:ma14="http://schemas.microsoft.com/office/mac/drawingml/2011/main" xmlns="" val="1"/>
             </a:ext>
           </a:extLst>
         </p:spPr>
@@ -2813,7 +2813,7 @@
           </a:ln>
           <a:extLst>
             <a:ext uri="{C572A759-6A51-4108-AA02-DFA0A04FC94B}">
-              <ma14:wrappingTextBoxFlag xmlns="" xmlns:ma14="http://schemas.microsoft.com/office/mac/drawingml/2011/main" val="1"/>
+              <ma14:wrappingTextBoxFlag xmlns:ma14="http://schemas.microsoft.com/office/mac/drawingml/2011/main" xmlns="" val="1"/>
             </a:ext>
           </a:extLst>
         </p:spPr>
@@ -3261,7 +3261,7 @@
           </a:ln>
           <a:extLst>
             <a:ext uri="{C572A759-6A51-4108-AA02-DFA0A04FC94B}">
-              <ma14:wrappingTextBoxFlag xmlns="" xmlns:ma14="http://schemas.microsoft.com/office/mac/drawingml/2011/main" val="1"/>
+              <ma14:wrappingTextBoxFlag xmlns:ma14="http://schemas.microsoft.com/office/mac/drawingml/2011/main" xmlns="" val="1"/>
             </a:ext>
           </a:extLst>
         </p:spPr>
@@ -3310,7 +3310,7 @@
           </a:ln>
           <a:extLst>
             <a:ext uri="{C572A759-6A51-4108-AA02-DFA0A04FC94B}">
-              <ma14:wrappingTextBoxFlag xmlns="" xmlns:ma14="http://schemas.microsoft.com/office/mac/drawingml/2011/main" val="1"/>
+              <ma14:wrappingTextBoxFlag xmlns:ma14="http://schemas.microsoft.com/office/mac/drawingml/2011/main" xmlns="" val="1"/>
             </a:ext>
           </a:extLst>
         </p:spPr>
@@ -4288,7 +4288,7 @@
         </p:nvGrpSpPr>
         <p:grpSpPr>
           <a:xfrm>
-            <a:off x="8365372" y="2415753"/>
+            <a:off x="8383358" y="2415753"/>
             <a:ext cx="502920" cy="457200"/>
             <a:chOff x="8826" y="0"/>
             <a:chExt cx="707231" cy="707231"/>
@@ -4584,7 +4584,7 @@
         </p:nvGrpSpPr>
         <p:grpSpPr>
           <a:xfrm>
-            <a:off x="8762663" y="3714536"/>
+            <a:off x="8406206" y="3729845"/>
             <a:ext cx="502920" cy="457200"/>
             <a:chOff x="75417" y="0"/>
             <a:chExt cx="707232" cy="707232"/>
@@ -4732,7 +4732,7 @@
         </p:nvGrpSpPr>
         <p:grpSpPr>
           <a:xfrm>
-            <a:off x="8762663" y="4900759"/>
+            <a:off x="8402612" y="4934341"/>
             <a:ext cx="502920" cy="457200"/>
             <a:chOff x="223397" y="0"/>
             <a:chExt cx="707232" cy="707232"/>
@@ -5014,365 +5014,6 @@
           </p:spPr>
         </p:pic>
       </p:grpSp>
-      <p:grpSp>
-        <p:nvGrpSpPr>
-          <p:cNvPr id="4" name="Group 3">
-            <a:extLst>
-              <a:ext uri="{FF2B5EF4-FFF2-40B4-BE49-F238E27FC236}">
-                <a16:creationId xmlns:a16="http://schemas.microsoft.com/office/drawing/2014/main" id="{76423F80-60E6-4046-9245-8C6329F0C2A4}"/>
-              </a:ext>
-            </a:extLst>
-          </p:cNvPr>
-          <p:cNvGrpSpPr/>
-          <p:nvPr/>
-        </p:nvGrpSpPr>
-        <p:grpSpPr>
-          <a:xfrm>
-            <a:off x="3260833" y="6465072"/>
-            <a:ext cx="502920" cy="457200"/>
-            <a:chOff x="3037039" y="6184418"/>
-            <a:chExt cx="749808" cy="694944"/>
-          </a:xfrm>
-        </p:grpSpPr>
-        <p:grpSp>
-          <p:nvGrpSpPr>
-            <p:cNvPr id="261" name="Group 260">
-              <a:extLst>
-                <a:ext uri="{FF2B5EF4-FFF2-40B4-BE49-F238E27FC236}">
-                  <a16:creationId xmlns:a16="http://schemas.microsoft.com/office/drawing/2014/main" id="{A0B4E7FD-F8C3-F349-AE3D-CAEAE382F2F3}"/>
-                </a:ext>
-              </a:extLst>
-            </p:cNvPr>
-            <p:cNvGrpSpPr/>
-            <p:nvPr/>
-          </p:nvGrpSpPr>
-          <p:grpSpPr>
-            <a:xfrm>
-              <a:off x="3037039" y="6184418"/>
-              <a:ext cx="749808" cy="694944"/>
-              <a:chOff x="6586374" y="3536992"/>
-              <a:chExt cx="749808" cy="694944"/>
-            </a:xfrm>
-          </p:grpSpPr>
-          <p:sp>
-            <p:nvSpPr>
-              <p:cNvPr id="262" name="Shape 252">
-                <a:extLst>
-                  <a:ext uri="{FF2B5EF4-FFF2-40B4-BE49-F238E27FC236}">
-                    <a16:creationId xmlns:a16="http://schemas.microsoft.com/office/drawing/2014/main" id="{ECFE8CD8-19DA-EC4F-8A8B-AF80107BFBBD}"/>
-                  </a:ext>
-                </a:extLst>
-              </p:cNvPr>
-              <p:cNvSpPr/>
-              <p:nvPr/>
-            </p:nvSpPr>
-            <p:spPr>
-              <a:xfrm>
-                <a:off x="6586374" y="3536992"/>
-                <a:ext cx="749808" cy="694944"/>
-              </a:xfrm>
-              <a:custGeom>
-                <a:avLst/>
-                <a:gdLst/>
-                <a:ahLst/>
-                <a:cxnLst>
-                  <a:cxn ang="0">
-                    <a:pos x="wd2" y="hd2"/>
-                  </a:cxn>
-                  <a:cxn ang="5400000">
-                    <a:pos x="wd2" y="hd2"/>
-                  </a:cxn>
-                  <a:cxn ang="10800000">
-                    <a:pos x="wd2" y="hd2"/>
-                  </a:cxn>
-                  <a:cxn ang="16200000">
-                    <a:pos x="wd2" y="hd2"/>
-                  </a:cxn>
-                </a:cxnLst>
-                <a:rect l="0" t="0" r="r" b="b"/>
-                <a:pathLst>
-                  <a:path w="19679" h="19679" extrusionOk="0">
-                    <a:moveTo>
-                      <a:pt x="16796" y="2882"/>
-                    </a:moveTo>
-                    <a:cubicBezTo>
-                      <a:pt x="20639" y="6724"/>
-                      <a:pt x="20639" y="12954"/>
-                      <a:pt x="16796" y="16796"/>
-                    </a:cubicBezTo>
-                    <a:cubicBezTo>
-                      <a:pt x="12954" y="20639"/>
-                      <a:pt x="6724" y="20639"/>
-                      <a:pt x="2882" y="16796"/>
-                    </a:cubicBezTo>
-                    <a:cubicBezTo>
-                      <a:pt x="-961" y="12954"/>
-                      <a:pt x="-961" y="6724"/>
-                      <a:pt x="2882" y="2882"/>
-                    </a:cubicBezTo>
-                    <a:cubicBezTo>
-                      <a:pt x="6724" y="-961"/>
-                      <a:pt x="12954" y="-961"/>
-                      <a:pt x="16796" y="2882"/>
-                    </a:cubicBezTo>
-                    <a:close/>
-                  </a:path>
-                </a:pathLst>
-              </a:custGeom>
-              <a:solidFill>
-                <a:srgbClr val="8DC53F"/>
-              </a:solidFill>
-              <a:ln w="3175" cap="flat">
-                <a:noFill/>
-                <a:miter lim="400000"/>
-              </a:ln>
-              <a:effectLst/>
-            </p:spPr>
-            <p:txBody>
-              <a:bodyPr wrap="square" lIns="0" tIns="0" rIns="0" bIns="0" numCol="1" anchor="ctr">
-                <a:noAutofit/>
-              </a:bodyPr>
-              <a:lstStyle/>
-              <a:p>
-                <a:pPr lvl="0">
-                  <a:defRPr sz="1800">
-                    <a:solidFill>
-                      <a:srgbClr val="FFFFFF"/>
-                    </a:solidFill>
-                  </a:defRPr>
-                </a:pPr>
-                <a:endParaRPr dirty="0"/>
-              </a:p>
-            </p:txBody>
-          </p:sp>
-          <p:cxnSp>
-            <p:nvCxnSpPr>
-              <p:cNvPr id="263" name="Straight Arrow Connector 262">
-                <a:extLst>
-                  <a:ext uri="{FF2B5EF4-FFF2-40B4-BE49-F238E27FC236}">
-                    <a16:creationId xmlns:a16="http://schemas.microsoft.com/office/drawing/2014/main" id="{3F95857A-B9E2-494D-9076-93BBDFA14BF6}"/>
-                  </a:ext>
-                </a:extLst>
-              </p:cNvPr>
-              <p:cNvCxnSpPr>
-                <a:cxnSpLocks/>
-              </p:cNvCxnSpPr>
-              <p:nvPr/>
-            </p:nvCxnSpPr>
-            <p:spPr>
-              <a:xfrm flipH="1">
-                <a:off x="7005901" y="3908629"/>
-                <a:ext cx="57412" cy="0"/>
-              </a:xfrm>
-              <a:prstGeom prst="straightConnector1">
-                <a:avLst/>
-              </a:prstGeom>
-              <a:noFill/>
-              <a:ln w="25400" cap="flat">
-                <a:solidFill>
-                  <a:srgbClr val="8DC53F"/>
-                </a:solidFill>
-                <a:prstDash val="solid"/>
-                <a:miter lim="400000"/>
-                <a:headEnd type="none"/>
-                <a:tailEnd type="none" w="med" len="sm"/>
-              </a:ln>
-              <a:effectLst/>
-            </p:spPr>
-            <p:style>
-              <a:lnRef idx="0">
-                <a:scrgbClr r="0" g="0" b="0"/>
-              </a:lnRef>
-              <a:fillRef idx="0">
-                <a:scrgbClr r="0" g="0" b="0"/>
-              </a:fillRef>
-              <a:effectRef idx="0">
-                <a:scrgbClr r="0" g="0" b="0"/>
-              </a:effectRef>
-              <a:fontRef idx="none"/>
-            </p:style>
-          </p:cxnSp>
-          <p:cxnSp>
-            <p:nvCxnSpPr>
-              <p:cNvPr id="264" name="Straight Arrow Connector 263">
-                <a:extLst>
-                  <a:ext uri="{FF2B5EF4-FFF2-40B4-BE49-F238E27FC236}">
-                    <a16:creationId xmlns:a16="http://schemas.microsoft.com/office/drawing/2014/main" id="{DF83CDB5-E160-4643-B15A-CA6E2ADA9B53}"/>
-                  </a:ext>
-                </a:extLst>
-              </p:cNvPr>
-              <p:cNvCxnSpPr>
-                <a:cxnSpLocks/>
-              </p:cNvCxnSpPr>
-              <p:nvPr/>
-            </p:nvCxnSpPr>
-            <p:spPr>
-              <a:xfrm flipH="1">
-                <a:off x="7005901" y="3939974"/>
-                <a:ext cx="57412" cy="0"/>
-              </a:xfrm>
-              <a:prstGeom prst="straightConnector1">
-                <a:avLst/>
-              </a:prstGeom>
-              <a:noFill/>
-              <a:ln w="25400" cap="flat">
-                <a:solidFill>
-                  <a:srgbClr val="8DC53F"/>
-                </a:solidFill>
-                <a:prstDash val="solid"/>
-                <a:miter lim="400000"/>
-                <a:headEnd type="none"/>
-                <a:tailEnd type="none" w="med" len="sm"/>
-              </a:ln>
-              <a:effectLst/>
-            </p:spPr>
-            <p:style>
-              <a:lnRef idx="0">
-                <a:scrgbClr r="0" g="0" b="0"/>
-              </a:lnRef>
-              <a:fillRef idx="0">
-                <a:scrgbClr r="0" g="0" b="0"/>
-              </a:fillRef>
-              <a:effectRef idx="0">
-                <a:scrgbClr r="0" g="0" b="0"/>
-              </a:effectRef>
-              <a:fontRef idx="none"/>
-            </p:style>
-          </p:cxnSp>
-          <p:cxnSp>
-            <p:nvCxnSpPr>
-              <p:cNvPr id="265" name="Straight Arrow Connector 264">
-                <a:extLst>
-                  <a:ext uri="{FF2B5EF4-FFF2-40B4-BE49-F238E27FC236}">
-                    <a16:creationId xmlns:a16="http://schemas.microsoft.com/office/drawing/2014/main" id="{C1ACEA82-DA09-A94F-BFFD-9D2703F45FD6}"/>
-                  </a:ext>
-                </a:extLst>
-              </p:cNvPr>
-              <p:cNvCxnSpPr>
-                <a:cxnSpLocks/>
-              </p:cNvCxnSpPr>
-              <p:nvPr/>
-            </p:nvCxnSpPr>
-            <p:spPr>
-              <a:xfrm flipH="1">
-                <a:off x="7005901" y="4000266"/>
-                <a:ext cx="57412" cy="0"/>
-              </a:xfrm>
-              <a:prstGeom prst="straightConnector1">
-                <a:avLst/>
-              </a:prstGeom>
-              <a:noFill/>
-              <a:ln w="25400" cap="flat">
-                <a:solidFill>
-                  <a:srgbClr val="8DC53F"/>
-                </a:solidFill>
-                <a:prstDash val="solid"/>
-                <a:miter lim="400000"/>
-                <a:headEnd type="none"/>
-                <a:tailEnd type="none" w="med" len="sm"/>
-              </a:ln>
-              <a:effectLst/>
-            </p:spPr>
-            <p:style>
-              <a:lnRef idx="0">
-                <a:scrgbClr r="0" g="0" b="0"/>
-              </a:lnRef>
-              <a:fillRef idx="0">
-                <a:scrgbClr r="0" g="0" b="0"/>
-              </a:fillRef>
-              <a:effectRef idx="0">
-                <a:scrgbClr r="0" g="0" b="0"/>
-              </a:effectRef>
-              <a:fontRef idx="none"/>
-            </p:style>
-          </p:cxnSp>
-          <p:cxnSp>
-            <p:nvCxnSpPr>
-              <p:cNvPr id="266" name="Straight Arrow Connector 265">
-                <a:extLst>
-                  <a:ext uri="{FF2B5EF4-FFF2-40B4-BE49-F238E27FC236}">
-                    <a16:creationId xmlns:a16="http://schemas.microsoft.com/office/drawing/2014/main" id="{0C0F5FF6-6A06-5149-9577-1BB7FE3F903B}"/>
-                  </a:ext>
-                </a:extLst>
-              </p:cNvPr>
-              <p:cNvCxnSpPr>
-                <a:cxnSpLocks/>
-              </p:cNvCxnSpPr>
-              <p:nvPr/>
-            </p:nvCxnSpPr>
-            <p:spPr>
-              <a:xfrm flipH="1">
-                <a:off x="7005901" y="4033154"/>
-                <a:ext cx="57412" cy="0"/>
-              </a:xfrm>
-              <a:prstGeom prst="straightConnector1">
-                <a:avLst/>
-              </a:prstGeom>
-              <a:noFill/>
-              <a:ln w="25400" cap="flat">
-                <a:solidFill>
-                  <a:srgbClr val="8DC53F"/>
-                </a:solidFill>
-                <a:prstDash val="solid"/>
-                <a:miter lim="400000"/>
-                <a:headEnd type="none"/>
-                <a:tailEnd type="none" w="med" len="sm"/>
-              </a:ln>
-              <a:effectLst/>
-            </p:spPr>
-            <p:style>
-              <a:lnRef idx="0">
-                <a:scrgbClr r="0" g="0" b="0"/>
-              </a:lnRef>
-              <a:fillRef idx="0">
-                <a:scrgbClr r="0" g="0" b="0"/>
-              </a:fillRef>
-              <a:effectRef idx="0">
-                <a:scrgbClr r="0" g="0" b="0"/>
-              </a:effectRef>
-              <a:fontRef idx="none"/>
-            </p:style>
-          </p:cxnSp>
-        </p:grpSp>
-        <p:pic>
-          <p:nvPicPr>
-            <p:cNvPr id="267" name="Picture 266">
-              <a:extLst>
-                <a:ext uri="{FF2B5EF4-FFF2-40B4-BE49-F238E27FC236}">
-                  <a16:creationId xmlns:a16="http://schemas.microsoft.com/office/drawing/2014/main" id="{ED101265-A737-0D49-A1D0-C44E41714133}"/>
-                </a:ext>
-              </a:extLst>
-            </p:cNvPr>
-            <p:cNvPicPr>
-              <a:picLocks noChangeAspect="1"/>
-            </p:cNvPicPr>
-            <p:nvPr/>
-          </p:nvPicPr>
-          <p:blipFill>
-            <a:blip r:embed="rId11">
-              <a:duotone>
-                <a:schemeClr val="accent2">
-                  <a:shade val="45000"/>
-                  <a:satMod val="135000"/>
-                </a:schemeClr>
-                <a:prstClr val="white"/>
-              </a:duotone>
-            </a:blip>
-            <a:stretch>
-              <a:fillRect/>
-            </a:stretch>
-          </p:blipFill>
-          <p:spPr>
-            <a:xfrm>
-              <a:off x="3207590" y="6297976"/>
-              <a:ext cx="417972" cy="484984"/>
-            </a:xfrm>
-            <a:prstGeom prst="rect">
-              <a:avLst/>
-            </a:prstGeom>
-          </p:spPr>
-        </p:pic>
-      </p:grpSp>
       <p:cxnSp>
         <p:nvCxnSpPr>
           <p:cNvPr id="107" name="Straight Arrow Connector 106">
@@ -5389,7 +5030,7 @@
         </p:nvCxnSpPr>
         <p:spPr>
           <a:xfrm>
-            <a:off x="9014123" y="4202858"/>
+            <a:off x="8654072" y="4200232"/>
             <a:ext cx="0" cy="697901"/>
           </a:xfrm>
           <a:prstGeom prst="straightConnector1">
@@ -5435,14 +5076,12 @@
           <p:nvPr/>
         </p:nvCxnSpPr>
         <p:spPr>
-          <a:xfrm rot="16200000" flipH="1">
-            <a:off x="8408697" y="3104173"/>
-            <a:ext cx="815321" cy="395535"/>
+          <a:xfrm>
+            <a:off x="8649907" y="2880382"/>
+            <a:ext cx="0" cy="861635"/>
           </a:xfrm>
-          <a:prstGeom prst="bentConnector3">
-            <a:avLst>
-              <a:gd name="adj1" fmla="val 50000"/>
-            </a:avLst>
+          <a:prstGeom prst="straightConnector1">
+            <a:avLst/>
           </a:prstGeom>
           <a:noFill/>
           <a:ln w="25400" cap="flat">
@@ -5469,363 +5108,6 @@
           <a:fontRef idx="none"/>
         </p:style>
       </p:cxnSp>
-      <p:grpSp>
-        <p:nvGrpSpPr>
-          <p:cNvPr id="117" name="Group 116">
-            <a:extLst>
-              <a:ext uri="{FF2B5EF4-FFF2-40B4-BE49-F238E27FC236}">
-                <a16:creationId xmlns:a16="http://schemas.microsoft.com/office/drawing/2014/main" id="{4E3ADDD0-6785-664B-BC10-7531EED13B17}"/>
-              </a:ext>
-            </a:extLst>
-          </p:cNvPr>
-          <p:cNvGrpSpPr/>
-          <p:nvPr/>
-        </p:nvGrpSpPr>
-        <p:grpSpPr>
-          <a:xfrm>
-            <a:off x="4269216" y="6465072"/>
-            <a:ext cx="502920" cy="457200"/>
-            <a:chOff x="583315" y="4742217"/>
-            <a:chExt cx="749808" cy="694944"/>
-          </a:xfrm>
-        </p:grpSpPr>
-        <p:grpSp>
-          <p:nvGrpSpPr>
-            <p:cNvPr id="118" name="Group 117">
-              <a:extLst>
-                <a:ext uri="{FF2B5EF4-FFF2-40B4-BE49-F238E27FC236}">
-                  <a16:creationId xmlns:a16="http://schemas.microsoft.com/office/drawing/2014/main" id="{667E182C-84BC-B94E-A0C6-D59017878074}"/>
-                </a:ext>
-              </a:extLst>
-            </p:cNvPr>
-            <p:cNvGrpSpPr/>
-            <p:nvPr/>
-          </p:nvGrpSpPr>
-          <p:grpSpPr>
-            <a:xfrm>
-              <a:off x="583315" y="4742217"/>
-              <a:ext cx="749808" cy="694944"/>
-              <a:chOff x="515395" y="1714061"/>
-              <a:chExt cx="749808" cy="694944"/>
-            </a:xfrm>
-          </p:grpSpPr>
-          <p:sp>
-            <p:nvSpPr>
-              <p:cNvPr id="127" name="Shape 252">
-                <a:extLst>
-                  <a:ext uri="{FF2B5EF4-FFF2-40B4-BE49-F238E27FC236}">
-                    <a16:creationId xmlns:a16="http://schemas.microsoft.com/office/drawing/2014/main" id="{88D62924-B5BE-9C4D-946B-B8CA84D45539}"/>
-                  </a:ext>
-                </a:extLst>
-              </p:cNvPr>
-              <p:cNvSpPr/>
-              <p:nvPr/>
-            </p:nvSpPr>
-            <p:spPr>
-              <a:xfrm>
-                <a:off x="515395" y="1714061"/>
-                <a:ext cx="749808" cy="694944"/>
-              </a:xfrm>
-              <a:custGeom>
-                <a:avLst/>
-                <a:gdLst/>
-                <a:ahLst/>
-                <a:cxnLst>
-                  <a:cxn ang="0">
-                    <a:pos x="wd2" y="hd2"/>
-                  </a:cxn>
-                  <a:cxn ang="5400000">
-                    <a:pos x="wd2" y="hd2"/>
-                  </a:cxn>
-                  <a:cxn ang="10800000">
-                    <a:pos x="wd2" y="hd2"/>
-                  </a:cxn>
-                  <a:cxn ang="16200000">
-                    <a:pos x="wd2" y="hd2"/>
-                  </a:cxn>
-                </a:cxnLst>
-                <a:rect l="0" t="0" r="r" b="b"/>
-                <a:pathLst>
-                  <a:path w="19679" h="19679" extrusionOk="0">
-                    <a:moveTo>
-                      <a:pt x="16796" y="2882"/>
-                    </a:moveTo>
-                    <a:cubicBezTo>
-                      <a:pt x="20639" y="6724"/>
-                      <a:pt x="20639" y="12954"/>
-                      <a:pt x="16796" y="16796"/>
-                    </a:cubicBezTo>
-                    <a:cubicBezTo>
-                      <a:pt x="12954" y="20639"/>
-                      <a:pt x="6724" y="20639"/>
-                      <a:pt x="2882" y="16796"/>
-                    </a:cubicBezTo>
-                    <a:cubicBezTo>
-                      <a:pt x="-961" y="12954"/>
-                      <a:pt x="-961" y="6724"/>
-                      <a:pt x="2882" y="2882"/>
-                    </a:cubicBezTo>
-                    <a:cubicBezTo>
-                      <a:pt x="6724" y="-961"/>
-                      <a:pt x="12954" y="-961"/>
-                      <a:pt x="16796" y="2882"/>
-                    </a:cubicBezTo>
-                    <a:close/>
-                  </a:path>
-                </a:pathLst>
-              </a:custGeom>
-              <a:solidFill>
-                <a:srgbClr val="8DC53F"/>
-              </a:solidFill>
-              <a:ln w="3175" cap="flat">
-                <a:noFill/>
-                <a:miter lim="400000"/>
-              </a:ln>
-              <a:effectLst/>
-            </p:spPr>
-            <p:txBody>
-              <a:bodyPr wrap="square" lIns="0" tIns="0" rIns="0" bIns="0" numCol="1" anchor="ctr">
-                <a:noAutofit/>
-              </a:bodyPr>
-              <a:lstStyle/>
-              <a:p>
-                <a:pPr lvl="0">
-                  <a:defRPr sz="1800">
-                    <a:solidFill>
-                      <a:srgbClr val="FFFFFF"/>
-                    </a:solidFill>
-                  </a:defRPr>
-                </a:pPr>
-                <a:endParaRPr dirty="0"/>
-              </a:p>
-            </p:txBody>
-          </p:sp>
-          <p:cxnSp>
-            <p:nvCxnSpPr>
-              <p:cNvPr id="130" name="Straight Arrow Connector 129">
-                <a:extLst>
-                  <a:ext uri="{FF2B5EF4-FFF2-40B4-BE49-F238E27FC236}">
-                    <a16:creationId xmlns:a16="http://schemas.microsoft.com/office/drawing/2014/main" id="{FF3224F9-D52A-244A-A964-6D812A95D6A3}"/>
-                  </a:ext>
-                </a:extLst>
-              </p:cNvPr>
-              <p:cNvCxnSpPr>
-                <a:cxnSpLocks/>
-              </p:cNvCxnSpPr>
-              <p:nvPr/>
-            </p:nvCxnSpPr>
-            <p:spPr>
-              <a:xfrm flipH="1">
-                <a:off x="934922" y="2085698"/>
-                <a:ext cx="57412" cy="0"/>
-              </a:xfrm>
-              <a:prstGeom prst="straightConnector1">
-                <a:avLst/>
-              </a:prstGeom>
-              <a:noFill/>
-              <a:ln w="25400" cap="flat">
-                <a:solidFill>
-                  <a:srgbClr val="8DC53F"/>
-                </a:solidFill>
-                <a:prstDash val="solid"/>
-                <a:miter lim="400000"/>
-                <a:headEnd type="none"/>
-                <a:tailEnd type="none" w="med" len="sm"/>
-              </a:ln>
-              <a:effectLst/>
-            </p:spPr>
-            <p:style>
-              <a:lnRef idx="0">
-                <a:scrgbClr r="0" g="0" b="0"/>
-              </a:lnRef>
-              <a:fillRef idx="0">
-                <a:scrgbClr r="0" g="0" b="0"/>
-              </a:fillRef>
-              <a:effectRef idx="0">
-                <a:scrgbClr r="0" g="0" b="0"/>
-              </a:effectRef>
-              <a:fontRef idx="none"/>
-            </p:style>
-          </p:cxnSp>
-          <p:cxnSp>
-            <p:nvCxnSpPr>
-              <p:cNvPr id="131" name="Straight Arrow Connector 130">
-                <a:extLst>
-                  <a:ext uri="{FF2B5EF4-FFF2-40B4-BE49-F238E27FC236}">
-                    <a16:creationId xmlns:a16="http://schemas.microsoft.com/office/drawing/2014/main" id="{4B5E00D2-90D4-D747-B39B-39B4945ED973}"/>
-                  </a:ext>
-                </a:extLst>
-              </p:cNvPr>
-              <p:cNvCxnSpPr>
-                <a:cxnSpLocks/>
-              </p:cNvCxnSpPr>
-              <p:nvPr/>
-            </p:nvCxnSpPr>
-            <p:spPr>
-              <a:xfrm flipH="1">
-                <a:off x="934922" y="2117043"/>
-                <a:ext cx="57412" cy="0"/>
-              </a:xfrm>
-              <a:prstGeom prst="straightConnector1">
-                <a:avLst/>
-              </a:prstGeom>
-              <a:noFill/>
-              <a:ln w="25400" cap="flat">
-                <a:solidFill>
-                  <a:srgbClr val="8DC53F"/>
-                </a:solidFill>
-                <a:prstDash val="solid"/>
-                <a:miter lim="400000"/>
-                <a:headEnd type="none"/>
-                <a:tailEnd type="none" w="med" len="sm"/>
-              </a:ln>
-              <a:effectLst/>
-            </p:spPr>
-            <p:style>
-              <a:lnRef idx="0">
-                <a:scrgbClr r="0" g="0" b="0"/>
-              </a:lnRef>
-              <a:fillRef idx="0">
-                <a:scrgbClr r="0" g="0" b="0"/>
-              </a:fillRef>
-              <a:effectRef idx="0">
-                <a:scrgbClr r="0" g="0" b="0"/>
-              </a:effectRef>
-              <a:fontRef idx="none"/>
-            </p:style>
-          </p:cxnSp>
-          <p:cxnSp>
-            <p:nvCxnSpPr>
-              <p:cNvPr id="132" name="Straight Arrow Connector 131">
-                <a:extLst>
-                  <a:ext uri="{FF2B5EF4-FFF2-40B4-BE49-F238E27FC236}">
-                    <a16:creationId xmlns:a16="http://schemas.microsoft.com/office/drawing/2014/main" id="{80A9FA47-D4C5-1948-ACD6-9CDD714EC02F}"/>
-                  </a:ext>
-                </a:extLst>
-              </p:cNvPr>
-              <p:cNvCxnSpPr>
-                <a:cxnSpLocks/>
-              </p:cNvCxnSpPr>
-              <p:nvPr/>
-            </p:nvCxnSpPr>
-            <p:spPr>
-              <a:xfrm flipH="1">
-                <a:off x="934922" y="2177335"/>
-                <a:ext cx="57412" cy="0"/>
-              </a:xfrm>
-              <a:prstGeom prst="straightConnector1">
-                <a:avLst/>
-              </a:prstGeom>
-              <a:noFill/>
-              <a:ln w="25400" cap="flat">
-                <a:solidFill>
-                  <a:srgbClr val="8DC53F"/>
-                </a:solidFill>
-                <a:prstDash val="solid"/>
-                <a:miter lim="400000"/>
-                <a:headEnd type="none"/>
-                <a:tailEnd type="none" w="med" len="sm"/>
-              </a:ln>
-              <a:effectLst/>
-            </p:spPr>
-            <p:style>
-              <a:lnRef idx="0">
-                <a:scrgbClr r="0" g="0" b="0"/>
-              </a:lnRef>
-              <a:fillRef idx="0">
-                <a:scrgbClr r="0" g="0" b="0"/>
-              </a:fillRef>
-              <a:effectRef idx="0">
-                <a:scrgbClr r="0" g="0" b="0"/>
-              </a:effectRef>
-              <a:fontRef idx="none"/>
-            </p:style>
-          </p:cxnSp>
-          <p:cxnSp>
-            <p:nvCxnSpPr>
-              <p:cNvPr id="133" name="Straight Arrow Connector 132">
-                <a:extLst>
-                  <a:ext uri="{FF2B5EF4-FFF2-40B4-BE49-F238E27FC236}">
-                    <a16:creationId xmlns:a16="http://schemas.microsoft.com/office/drawing/2014/main" id="{18092BA3-C47E-A341-9E29-BEB12A8F41AD}"/>
-                  </a:ext>
-                </a:extLst>
-              </p:cNvPr>
-              <p:cNvCxnSpPr>
-                <a:cxnSpLocks/>
-              </p:cNvCxnSpPr>
-              <p:nvPr/>
-            </p:nvCxnSpPr>
-            <p:spPr>
-              <a:xfrm flipH="1">
-                <a:off x="934922" y="2210223"/>
-                <a:ext cx="57412" cy="0"/>
-              </a:xfrm>
-              <a:prstGeom prst="straightConnector1">
-                <a:avLst/>
-              </a:prstGeom>
-              <a:noFill/>
-              <a:ln w="25400" cap="flat">
-                <a:solidFill>
-                  <a:srgbClr val="8DC53F"/>
-                </a:solidFill>
-                <a:prstDash val="solid"/>
-                <a:miter lim="400000"/>
-                <a:headEnd type="none"/>
-                <a:tailEnd type="none" w="med" len="sm"/>
-              </a:ln>
-              <a:effectLst/>
-            </p:spPr>
-            <p:style>
-              <a:lnRef idx="0">
-                <a:scrgbClr r="0" g="0" b="0"/>
-              </a:lnRef>
-              <a:fillRef idx="0">
-                <a:scrgbClr r="0" g="0" b="0"/>
-              </a:fillRef>
-              <a:effectRef idx="0">
-                <a:scrgbClr r="0" g="0" b="0"/>
-              </a:effectRef>
-              <a:fontRef idx="none"/>
-            </p:style>
-          </p:cxnSp>
-        </p:grpSp>
-        <p:pic>
-          <p:nvPicPr>
-            <p:cNvPr id="119" name="Picture 118">
-              <a:extLst>
-                <a:ext uri="{FF2B5EF4-FFF2-40B4-BE49-F238E27FC236}">
-                  <a16:creationId xmlns:a16="http://schemas.microsoft.com/office/drawing/2014/main" id="{1372EFC0-5A06-464E-B78E-ACA6605B9243}"/>
-                </a:ext>
-              </a:extLst>
-            </p:cNvPr>
-            <p:cNvPicPr>
-              <a:picLocks noChangeAspect="1"/>
-            </p:cNvPicPr>
-            <p:nvPr/>
-          </p:nvPicPr>
-          <p:blipFill>
-            <a:blip r:embed="rId12" cstate="print">
-              <a:extLst>
-                <a:ext uri="{28A0092B-C50C-407E-A947-70E740481C1C}">
-                  <a14:useLocalDpi xmlns:a14="http://schemas.microsoft.com/office/drawing/2010/main" val="0"/>
-                </a:ext>
-              </a:extLst>
-            </a:blip>
-            <a:stretch>
-              <a:fillRect/>
-            </a:stretch>
-          </p:blipFill>
-          <p:spPr>
-            <a:xfrm>
-              <a:off x="733935" y="4817416"/>
-              <a:ext cx="457200" cy="528284"/>
-            </a:xfrm>
-            <a:prstGeom prst="rect">
-              <a:avLst/>
-            </a:prstGeom>
-          </p:spPr>
-        </p:pic>
-      </p:grpSp>
       <p:cxnSp>
         <p:nvCxnSpPr>
           <p:cNvPr id="150" name="Elbow Connector 149">
@@ -6038,12 +5320,12 @@
         </p:nvCxnSpPr>
         <p:spPr>
           <a:xfrm>
-            <a:off x="7890578" y="3590257"/>
-            <a:ext cx="840414" cy="377160"/>
+            <a:off x="7914640" y="3571398"/>
+            <a:ext cx="522991" cy="369034"/>
           </a:xfrm>
           <a:prstGeom prst="bentConnector3">
             <a:avLst>
-              <a:gd name="adj1" fmla="val -476"/>
+              <a:gd name="adj1" fmla="val -1805"/>
             </a:avLst>
           </a:prstGeom>
           <a:noFill/>
@@ -6086,9 +5368,9 @@
         <p:grpSpPr>
           <a:xfrm>
             <a:off x="215911" y="120531"/>
-            <a:ext cx="9711661" cy="6985051"/>
+            <a:ext cx="9658512" cy="7104201"/>
             <a:chOff x="215911" y="120531"/>
-            <a:chExt cx="9711661" cy="6985051"/>
+            <a:chExt cx="9658512" cy="7104201"/>
           </a:xfrm>
         </p:grpSpPr>
         <p:sp>
@@ -6116,7 +5398,7 @@
             </a:ln>
             <a:extLst>
               <a:ext uri="{C572A759-6A51-4108-AA02-DFA0A04FC94B}">
-                <ma14:wrappingTextBoxFlag xmlns:ma14="http://schemas.microsoft.com/office/mac/drawingml/2011/main" xmlns="" val="1"/>
+                <ma14:wrappingTextBoxFlag xmlns="" xmlns:ma14="http://schemas.microsoft.com/office/mac/drawingml/2011/main" val="1"/>
               </a:ext>
             </a:extLst>
           </p:spPr>
@@ -6203,7 +5485,7 @@
             </a:ln>
             <a:extLst>
               <a:ext uri="{C572A759-6A51-4108-AA02-DFA0A04FC94B}">
-                <ma14:wrappingTextBoxFlag xmlns:ma14="http://schemas.microsoft.com/office/mac/drawingml/2011/main" xmlns="" val="1"/>
+                <ma14:wrappingTextBoxFlag xmlns="" xmlns:ma14="http://schemas.microsoft.com/office/mac/drawingml/2011/main" val="1"/>
               </a:ext>
             </a:extLst>
           </p:spPr>
@@ -6290,7 +5572,7 @@
             </a:ln>
             <a:extLst>
               <a:ext uri="{C572A759-6A51-4108-AA02-DFA0A04FC94B}">
-                <ma14:wrappingTextBoxFlag xmlns:ma14="http://schemas.microsoft.com/office/mac/drawingml/2011/main" xmlns="" val="1"/>
+                <ma14:wrappingTextBoxFlag xmlns="" xmlns:ma14="http://schemas.microsoft.com/office/mac/drawingml/2011/main" val="1"/>
               </a:ext>
             </a:extLst>
           </p:spPr>
@@ -6366,7 +5648,7 @@
           </p:nvSpPr>
           <p:spPr>
             <a:xfrm>
-              <a:off x="8352466" y="2096648"/>
+              <a:off x="8384592" y="2079484"/>
               <a:ext cx="852798" cy="307777"/>
             </a:xfrm>
             <a:prstGeom prst="rect">
@@ -6377,7 +5659,7 @@
             </a:ln>
             <a:extLst>
               <a:ext uri="{C572A759-6A51-4108-AA02-DFA0A04FC94B}">
-                <ma14:wrappingTextBoxFlag xmlns:ma14="http://schemas.microsoft.com/office/mac/drawingml/2011/main" xmlns="" val="1"/>
+                <ma14:wrappingTextBoxFlag xmlns="" xmlns:ma14="http://schemas.microsoft.com/office/mac/drawingml/2011/main" val="1"/>
               </a:ext>
             </a:extLst>
           </p:spPr>
@@ -6453,8 +5735,8 @@
           </p:nvSpPr>
           <p:spPr>
             <a:xfrm>
-              <a:off x="9172557" y="2880754"/>
-              <a:ext cx="755015" cy="307777"/>
+              <a:off x="9054775" y="2911676"/>
+              <a:ext cx="817531" cy="461665"/>
             </a:xfrm>
             <a:prstGeom prst="rect">
               <a:avLst/>
@@ -6464,7 +5746,7 @@
             </a:ln>
             <a:extLst>
               <a:ext uri="{C572A759-6A51-4108-AA02-DFA0A04FC94B}">
-                <ma14:wrappingTextBoxFlag xmlns:ma14="http://schemas.microsoft.com/office/mac/drawingml/2011/main" xmlns="" val="1"/>
+                <ma14:wrappingTextBoxFlag xmlns="" xmlns:ma14="http://schemas.microsoft.com/office/mac/drawingml/2011/main" val="1"/>
               </a:ext>
             </a:extLst>
           </p:spPr>
@@ -6485,6 +5767,23 @@
                 </a:defRPr>
               </a:lvl1pPr>
             </a:lstStyle>
+            <a:p>
+              <a:pPr lvl="0">
+                <a:defRPr sz="1800" b="0">
+                  <a:solidFill>
+                    <a:srgbClr val="000000"/>
+                  </a:solidFill>
+                </a:defRPr>
+              </a:pPr>
+              <a:r>
+                <a:rPr lang="en-US" sz="1000" b="1" dirty="0">
+                  <a:solidFill>
+                    <a:srgbClr val="4277BB"/>
+                  </a:solidFill>
+                </a:rPr>
+                <a:t>ENTERPRISE</a:t>
+              </a:r>
+            </a:p>
             <a:p>
               <a:pPr lvl="0">
                 <a:defRPr sz="1800" b="0">
@@ -6551,7 +5850,7 @@
             </a:ln>
             <a:extLst>
               <a:ext uri="{C572A759-6A51-4108-AA02-DFA0A04FC94B}">
-                <ma14:wrappingTextBoxFlag xmlns:ma14="http://schemas.microsoft.com/office/mac/drawingml/2011/main" xmlns="" val="1"/>
+                <ma14:wrappingTextBoxFlag xmlns="" xmlns:ma14="http://schemas.microsoft.com/office/mac/drawingml/2011/main" val="1"/>
               </a:ext>
             </a:extLst>
           </p:spPr>
@@ -6638,7 +5937,7 @@
             </a:ln>
             <a:extLst>
               <a:ext uri="{C572A759-6A51-4108-AA02-DFA0A04FC94B}">
-                <ma14:wrappingTextBoxFlag xmlns:ma14="http://schemas.microsoft.com/office/mac/drawingml/2011/main" xmlns="" val="1"/>
+                <ma14:wrappingTextBoxFlag xmlns="" xmlns:ma14="http://schemas.microsoft.com/office/mac/drawingml/2011/main" val="1"/>
               </a:ext>
             </a:extLst>
           </p:spPr>
@@ -6708,7 +6007,7 @@
             </a:ln>
             <a:extLst>
               <a:ext uri="{C572A759-6A51-4108-AA02-DFA0A04FC94B}">
-                <ma14:wrappingTextBoxFlag xmlns:ma14="http://schemas.microsoft.com/office/mac/drawingml/2011/main" xmlns="" val="1"/>
+                <ma14:wrappingTextBoxFlag xmlns="" xmlns:ma14="http://schemas.microsoft.com/office/mac/drawingml/2011/main" val="1"/>
               </a:ext>
             </a:extLst>
           </p:spPr>
@@ -6784,8 +6083,8 @@
           </p:nvSpPr>
           <p:spPr>
             <a:xfrm>
-              <a:off x="9313548" y="3920666"/>
-              <a:ext cx="347852" cy="153888"/>
+              <a:off x="8920636" y="3786544"/>
+              <a:ext cx="953787" cy="307777"/>
             </a:xfrm>
             <a:prstGeom prst="rect">
               <a:avLst/>
@@ -6795,7 +6094,7 @@
             </a:ln>
             <a:extLst>
               <a:ext uri="{C572A759-6A51-4108-AA02-DFA0A04FC94B}">
-                <ma14:wrappingTextBoxFlag xmlns:ma14="http://schemas.microsoft.com/office/mac/drawingml/2011/main" xmlns="" val="1"/>
+                <ma14:wrappingTextBoxFlag xmlns="" xmlns:ma14="http://schemas.microsoft.com/office/mac/drawingml/2011/main" val="1"/>
               </a:ext>
             </a:extLst>
           </p:spPr>
@@ -6830,7 +6129,24 @@
                     <a:srgbClr val="4277BB"/>
                   </a:solidFill>
                 </a:rPr>
-                <a:t>APPS</a:t>
+                <a:t>ENTERPRISE </a:t>
+              </a:r>
+            </a:p>
+            <a:p>
+              <a:pPr lvl="0">
+                <a:defRPr sz="1800" b="0">
+                  <a:solidFill>
+                    <a:srgbClr val="000000"/>
+                  </a:solidFill>
+                </a:defRPr>
+              </a:pPr>
+              <a:r>
+                <a:rPr lang="en-US" sz="1000" b="1" dirty="0">
+                  <a:solidFill>
+                    <a:srgbClr val="4277BB"/>
+                  </a:solidFill>
+                </a:rPr>
+                <a:t>APPLICATIONS</a:t>
               </a:r>
               <a:endParaRPr sz="1000" b="1" dirty="0">
                 <a:solidFill>
@@ -6854,8 +6170,8 @@
           </p:nvSpPr>
           <p:spPr>
             <a:xfrm>
-              <a:off x="9314198" y="5126757"/>
-              <a:ext cx="357470" cy="153888"/>
+              <a:off x="8388417" y="5424178"/>
+              <a:ext cx="852798" cy="307777"/>
             </a:xfrm>
             <a:prstGeom prst="rect">
               <a:avLst/>
@@ -6865,7 +6181,7 @@
             </a:ln>
             <a:extLst>
               <a:ext uri="{C572A759-6A51-4108-AA02-DFA0A04FC94B}">
-                <ma14:wrappingTextBoxFlag xmlns:ma14="http://schemas.microsoft.com/office/mac/drawingml/2011/main" xmlns="" val="1"/>
+                <ma14:wrappingTextBoxFlag xmlns="" xmlns:ma14="http://schemas.microsoft.com/office/mac/drawingml/2011/main" val="1"/>
               </a:ext>
             </a:extLst>
           </p:spPr>
@@ -6886,6 +6202,23 @@
                 </a:defRPr>
               </a:lvl1pPr>
             </a:lstStyle>
+            <a:p>
+              <a:pPr lvl="0">
+                <a:defRPr sz="1800" b="0">
+                  <a:solidFill>
+                    <a:srgbClr val="000000"/>
+                  </a:solidFill>
+                </a:defRPr>
+              </a:pPr>
+              <a:r>
+                <a:rPr lang="en-US" sz="1000" b="1" dirty="0">
+                  <a:solidFill>
+                    <a:srgbClr val="4277BB"/>
+                  </a:solidFill>
+                </a:rPr>
+                <a:t>ENTERPRISE </a:t>
+              </a:r>
+            </a:p>
             <a:p>
               <a:pPr lvl="0">
                 <a:defRPr sz="1800" b="0">
@@ -6935,7 +6268,7 @@
             </a:ln>
             <a:extLst>
               <a:ext uri="{C572A759-6A51-4108-AA02-DFA0A04FC94B}">
-                <ma14:wrappingTextBoxFlag xmlns:ma14="http://schemas.microsoft.com/office/mac/drawingml/2011/main" xmlns="" val="1"/>
+                <ma14:wrappingTextBoxFlag xmlns="" xmlns:ma14="http://schemas.microsoft.com/office/mac/drawingml/2011/main" val="1"/>
               </a:ext>
             </a:extLst>
           </p:spPr>
@@ -6971,76 +6304,6 @@
                   </a:solidFill>
                 </a:rPr>
                 <a:t>VPN</a:t>
-              </a:r>
-              <a:endParaRPr sz="1000" b="1" dirty="0">
-                <a:solidFill>
-                  <a:srgbClr val="4277BB"/>
-                </a:solidFill>
-              </a:endParaRPr>
-            </a:p>
-          </p:txBody>
-        </p:sp>
-        <p:sp>
-          <p:nvSpPr>
-            <p:cNvPr id="229" name="Shape 63">
-              <a:extLst>
-                <a:ext uri="{FF2B5EF4-FFF2-40B4-BE49-F238E27FC236}">
-                  <a16:creationId xmlns:a16="http://schemas.microsoft.com/office/drawing/2014/main" id="{87DE57C4-05C4-3745-9BA4-6C743FAE45B2}"/>
-                </a:ext>
-              </a:extLst>
-            </p:cNvPr>
-            <p:cNvSpPr/>
-            <p:nvPr/>
-          </p:nvSpPr>
-          <p:spPr>
-            <a:xfrm>
-              <a:off x="2105416" y="6390869"/>
-              <a:ext cx="646011" cy="153888"/>
-            </a:xfrm>
-            <a:prstGeom prst="rect">
-              <a:avLst/>
-            </a:prstGeom>
-            <a:ln w="3175">
-              <a:miter lim="400000"/>
-            </a:ln>
-            <a:extLst>
-              <a:ext uri="{C572A759-6A51-4108-AA02-DFA0A04FC94B}">
-                <ma14:wrappingTextBoxFlag xmlns:ma14="http://schemas.microsoft.com/office/mac/drawingml/2011/main" xmlns="" val="1"/>
-              </a:ext>
-            </a:extLst>
-          </p:spPr>
-          <p:txBody>
-            <a:bodyPr wrap="none" lIns="0" tIns="0" rIns="0" bIns="0">
-              <a:spAutoFit/>
-            </a:bodyPr>
-            <a:lstStyle>
-              <a:lvl1pPr algn="l">
-                <a:defRPr sz="1000" b="1">
-                  <a:solidFill>
-                    <a:srgbClr val="4277BB"/>
-                  </a:solidFill>
-                  <a:latin typeface="Helvetica"/>
-                  <a:ea typeface="Helvetica"/>
-                  <a:cs typeface="Helvetica"/>
-                  <a:sym typeface="Helvetica"/>
-                </a:defRPr>
-              </a:lvl1pPr>
-            </a:lstStyle>
-            <a:p>
-              <a:pPr lvl="0">
-                <a:defRPr sz="1800" b="0">
-                  <a:solidFill>
-                    <a:srgbClr val="000000"/>
-                  </a:solidFill>
-                </a:defRPr>
-              </a:pPr>
-              <a:r>
-                <a:rPr lang="en-US" sz="1000" b="1" dirty="0">
-                  <a:solidFill>
-                    <a:srgbClr val="4277BB"/>
-                  </a:solidFill>
-                </a:rPr>
-                <a:t>SERVICES</a:t>
               </a:r>
               <a:endParaRPr sz="1000" b="1" dirty="0">
                 <a:solidFill>
@@ -7064,8 +6327,8 @@
           </p:nvSpPr>
           <p:spPr>
             <a:xfrm>
-              <a:off x="3145434" y="6951694"/>
-              <a:ext cx="724557" cy="153888"/>
+              <a:off x="3784044" y="6916955"/>
+              <a:ext cx="934551" cy="307777"/>
             </a:xfrm>
             <a:prstGeom prst="rect">
               <a:avLst/>
@@ -7075,7 +6338,7 @@
             </a:ln>
             <a:extLst>
               <a:ext uri="{C572A759-6A51-4108-AA02-DFA0A04FC94B}">
-                <ma14:wrappingTextBoxFlag xmlns:ma14="http://schemas.microsoft.com/office/mac/drawingml/2011/main" xmlns="" val="1"/>
+                <ma14:wrappingTextBoxFlag xmlns="" xmlns:ma14="http://schemas.microsoft.com/office/mac/drawingml/2011/main" val="1"/>
               </a:ext>
             </a:extLst>
           </p:spPr>
@@ -7110,7 +6373,24 @@
                     <a:srgbClr val="4277BB"/>
                   </a:solidFill>
                 </a:rPr>
-                <a:t>OS IMAGES</a:t>
+                <a:t>     SYSTEM </a:t>
+              </a:r>
+            </a:p>
+            <a:p>
+              <a:pPr lvl="0">
+                <a:defRPr sz="1800" b="0">
+                  <a:solidFill>
+                    <a:srgbClr val="000000"/>
+                  </a:solidFill>
+                </a:defRPr>
+              </a:pPr>
+              <a:r>
+                <a:rPr lang="en-US" sz="1000" b="1" dirty="0">
+                  <a:solidFill>
+                    <a:srgbClr val="4277BB"/>
+                  </a:solidFill>
+                </a:rPr>
+                <a:t>MANAGEMENT</a:t>
               </a:r>
               <a:endParaRPr sz="1000" b="1" dirty="0">
                 <a:solidFill>
@@ -7134,8 +6414,8 @@
           </p:nvSpPr>
           <p:spPr>
             <a:xfrm>
-              <a:off x="4177455" y="6927135"/>
-              <a:ext cx="738985" cy="153888"/>
+              <a:off x="2494393" y="6911466"/>
+              <a:ext cx="940963" cy="307777"/>
             </a:xfrm>
             <a:prstGeom prst="rect">
               <a:avLst/>
@@ -7145,7 +6425,7 @@
             </a:ln>
             <a:extLst>
               <a:ext uri="{C572A759-6A51-4108-AA02-DFA0A04FC94B}">
-                <ma14:wrappingTextBoxFlag xmlns:ma14="http://schemas.microsoft.com/office/mac/drawingml/2011/main" xmlns="" val="1"/>
+                <ma14:wrappingTextBoxFlag xmlns="" xmlns:ma14="http://schemas.microsoft.com/office/mac/drawingml/2011/main" val="1"/>
               </a:ext>
             </a:extLst>
           </p:spPr>
@@ -7180,7 +6460,24 @@
                     <a:srgbClr val="4277BB"/>
                   </a:solidFill>
                 </a:rPr>
-                <a:t>USER KEYS</a:t>
+                <a:t>INFORMATION </a:t>
+              </a:r>
+            </a:p>
+            <a:p>
+              <a:pPr lvl="0">
+                <a:defRPr sz="1800" b="0">
+                  <a:solidFill>
+                    <a:srgbClr val="000000"/>
+                  </a:solidFill>
+                </a:defRPr>
+              </a:pPr>
+              <a:r>
+                <a:rPr lang="en-US" sz="1000" b="1" dirty="0">
+                  <a:solidFill>
+                    <a:srgbClr val="4277BB"/>
+                  </a:solidFill>
+                </a:rPr>
+                <a:t>GOVERNANCE</a:t>
               </a:r>
               <a:endParaRPr sz="1000" b="1" dirty="0">
                 <a:solidFill>
@@ -7215,7 +6512,7 @@
             </a:ln>
             <a:extLst>
               <a:ext uri="{C572A759-6A51-4108-AA02-DFA0A04FC94B}">
-                <ma14:wrappingTextBoxFlag xmlns:ma14="http://schemas.microsoft.com/office/mac/drawingml/2011/main" xmlns="" val="1"/>
+                <ma14:wrappingTextBoxFlag xmlns="" xmlns:ma14="http://schemas.microsoft.com/office/mac/drawingml/2011/main" val="1"/>
               </a:ext>
             </a:extLst>
           </p:spPr>
@@ -7285,7 +6582,7 @@
             </a:ln>
             <a:extLst>
               <a:ext uri="{C572A759-6A51-4108-AA02-DFA0A04FC94B}">
-                <ma14:wrappingTextBoxFlag xmlns:ma14="http://schemas.microsoft.com/office/mac/drawingml/2011/main" xmlns="" val="1"/>
+                <ma14:wrappingTextBoxFlag xmlns="" xmlns:ma14="http://schemas.microsoft.com/office/mac/drawingml/2011/main" val="1"/>
               </a:ext>
             </a:extLst>
           </p:spPr>
@@ -7355,7 +6652,7 @@
             </a:ln>
             <a:extLst>
               <a:ext uri="{C572A759-6A51-4108-AA02-DFA0A04FC94B}">
-                <ma14:wrappingTextBoxFlag xmlns:ma14="http://schemas.microsoft.com/office/mac/drawingml/2011/main" xmlns="" val="1"/>
+                <ma14:wrappingTextBoxFlag xmlns="" xmlns:ma14="http://schemas.microsoft.com/office/mac/drawingml/2011/main" val="1"/>
               </a:ext>
             </a:extLst>
           </p:spPr>
@@ -7425,7 +6722,7 @@
             </a:ln>
             <a:extLst>
               <a:ext uri="{C572A759-6A51-4108-AA02-DFA0A04FC94B}">
-                <ma14:wrappingTextBoxFlag xmlns:ma14="http://schemas.microsoft.com/office/mac/drawingml/2011/main" xmlns="" val="1"/>
+                <ma14:wrappingTextBoxFlag xmlns="" xmlns:ma14="http://schemas.microsoft.com/office/mac/drawingml/2011/main" val="1"/>
               </a:ext>
             </a:extLst>
           </p:spPr>
@@ -7495,7 +6792,7 @@
             </a:ln>
             <a:extLst>
               <a:ext uri="{C572A759-6A51-4108-AA02-DFA0A04FC94B}">
-                <ma14:wrappingTextBoxFlag xmlns:ma14="http://schemas.microsoft.com/office/mac/drawingml/2011/main" xmlns="" val="1"/>
+                <ma14:wrappingTextBoxFlag xmlns="" xmlns:ma14="http://schemas.microsoft.com/office/mac/drawingml/2011/main" val="1"/>
               </a:ext>
             </a:extLst>
           </p:spPr>
@@ -7565,7 +6862,7 @@
             </a:ln>
             <a:extLst>
               <a:ext uri="{C572A759-6A51-4108-AA02-DFA0A04FC94B}">
-                <ma14:wrappingTextBoxFlag xmlns:ma14="http://schemas.microsoft.com/office/mac/drawingml/2011/main" xmlns="" val="1"/>
+                <ma14:wrappingTextBoxFlag xmlns="" xmlns:ma14="http://schemas.microsoft.com/office/mac/drawingml/2011/main" val="1"/>
               </a:ext>
             </a:extLst>
           </p:spPr>
@@ -7635,7 +6932,7 @@
             </a:ln>
             <a:extLst>
               <a:ext uri="{C572A759-6A51-4108-AA02-DFA0A04FC94B}">
-                <ma14:wrappingTextBoxFlag xmlns:ma14="http://schemas.microsoft.com/office/mac/drawingml/2011/main" xmlns="" val="1"/>
+                <ma14:wrappingTextBoxFlag xmlns="" xmlns:ma14="http://schemas.microsoft.com/office/mac/drawingml/2011/main" val="1"/>
               </a:ext>
             </a:extLst>
           </p:spPr>
@@ -7705,7 +7002,7 @@
             </a:ln>
             <a:extLst>
               <a:ext uri="{C572A759-6A51-4108-AA02-DFA0A04FC94B}">
-                <ma14:wrappingTextBoxFlag xmlns:ma14="http://schemas.microsoft.com/office/mac/drawingml/2011/main" xmlns="" val="1"/>
+                <ma14:wrappingTextBoxFlag xmlns="" xmlns:ma14="http://schemas.microsoft.com/office/mac/drawingml/2011/main" val="1"/>
               </a:ext>
             </a:extLst>
           </p:spPr>
@@ -7775,7 +7072,7 @@
             </a:ln>
             <a:extLst>
               <a:ext uri="{C572A759-6A51-4108-AA02-DFA0A04FC94B}">
-                <ma14:wrappingTextBoxFlag xmlns:ma14="http://schemas.microsoft.com/office/mac/drawingml/2011/main" xmlns="" val="1"/>
+                <ma14:wrappingTextBoxFlag xmlns="" xmlns:ma14="http://schemas.microsoft.com/office/mac/drawingml/2011/main" val="1"/>
               </a:ext>
             </a:extLst>
           </p:spPr>
@@ -7845,7 +7142,7 @@
             </a:ln>
             <a:extLst>
               <a:ext uri="{C572A759-6A51-4108-AA02-DFA0A04FC94B}">
-                <ma14:wrappingTextBoxFlag xmlns:ma14="http://schemas.microsoft.com/office/mac/drawingml/2011/main" xmlns="" val="1"/>
+                <ma14:wrappingTextBoxFlag xmlns="" xmlns:ma14="http://schemas.microsoft.com/office/mac/drawingml/2011/main" val="1"/>
               </a:ext>
             </a:extLst>
           </p:spPr>
@@ -7915,7 +7212,7 @@
             </a:ln>
             <a:extLst>
               <a:ext uri="{C572A759-6A51-4108-AA02-DFA0A04FC94B}">
-                <ma14:wrappingTextBoxFlag xmlns:ma14="http://schemas.microsoft.com/office/mac/drawingml/2011/main" xmlns="" val="1"/>
+                <ma14:wrappingTextBoxFlag xmlns="" xmlns:ma14="http://schemas.microsoft.com/office/mac/drawingml/2011/main" val="1"/>
               </a:ext>
             </a:extLst>
           </p:spPr>
@@ -7985,7 +7282,7 @@
             </a:ln>
             <a:extLst>
               <a:ext uri="{C572A759-6A51-4108-AA02-DFA0A04FC94B}">
-                <ma14:wrappingTextBoxFlag xmlns:ma14="http://schemas.microsoft.com/office/mac/drawingml/2011/main" xmlns="" val="1"/>
+                <ma14:wrappingTextBoxFlag xmlns="" xmlns:ma14="http://schemas.microsoft.com/office/mac/drawingml/2011/main" val="1"/>
               </a:ext>
             </a:extLst>
           </p:spPr>
@@ -8055,7 +7352,7 @@
             </a:ln>
             <a:extLst>
               <a:ext uri="{C572A759-6A51-4108-AA02-DFA0A04FC94B}">
-                <ma14:wrappingTextBoxFlag xmlns:ma14="http://schemas.microsoft.com/office/mac/drawingml/2011/main" xmlns="" val="1"/>
+                <ma14:wrappingTextBoxFlag xmlns="" xmlns:ma14="http://schemas.microsoft.com/office/mac/drawingml/2011/main" val="1"/>
               </a:ext>
             </a:extLst>
           </p:spPr>
@@ -8125,7 +7422,7 @@
             </a:ln>
             <a:extLst>
               <a:ext uri="{C572A759-6A51-4108-AA02-DFA0A04FC94B}">
-                <ma14:wrappingTextBoxFlag xmlns:ma14="http://schemas.microsoft.com/office/mac/drawingml/2011/main" xmlns="" val="1"/>
+                <ma14:wrappingTextBoxFlag xmlns="" xmlns:ma14="http://schemas.microsoft.com/office/mac/drawingml/2011/main" val="1"/>
               </a:ext>
             </a:extLst>
           </p:spPr>
@@ -8314,7 +7611,7 @@
           </a:ln>
           <a:extLst>
             <a:ext uri="{C572A759-6A51-4108-AA02-DFA0A04FC94B}">
-              <ma14:wrappingTextBoxFlag xmlns:ma14="http://schemas.microsoft.com/office/mac/drawingml/2011/main" xmlns="" val="1"/>
+              <ma14:wrappingTextBoxFlag xmlns="" xmlns:ma14="http://schemas.microsoft.com/office/mac/drawingml/2011/main" val="1"/>
             </a:ext>
           </a:extLst>
         </p:spPr>
@@ -8545,9 +7842,9 @@
         <p:grpSpPr>
           <a:xfrm>
             <a:off x="2841805" y="1166411"/>
-            <a:ext cx="3800565" cy="1626646"/>
+            <a:ext cx="3799231" cy="1847998"/>
             <a:chOff x="976485" y="2069811"/>
-            <a:chExt cx="4685428" cy="1934774"/>
+            <a:chExt cx="4683784" cy="2198056"/>
           </a:xfrm>
         </p:grpSpPr>
         <p:cxnSp>
@@ -8772,7 +8069,7 @@
               <p:nvPr/>
             </p:nvPicPr>
             <p:blipFill>
-              <a:blip r:embed="rId13">
+              <a:blip r:embed="rId11">
                 <a:biLevel thresh="50000"/>
               </a:blip>
               <a:stretch>
@@ -8804,10 +8101,10 @@
           </p:nvGrpSpPr>
           <p:grpSpPr>
             <a:xfrm>
-              <a:off x="5006438" y="3441284"/>
-              <a:ext cx="655475" cy="548640"/>
-              <a:chOff x="535862" y="2000067"/>
-              <a:chExt cx="814378" cy="694944"/>
+              <a:off x="5006438" y="3441283"/>
+              <a:ext cx="653831" cy="826584"/>
+              <a:chOff x="535862" y="2000065"/>
+              <a:chExt cx="812335" cy="1047006"/>
             </a:xfrm>
           </p:grpSpPr>
           <p:sp>
@@ -8824,8 +8121,8 @@
             </p:nvSpPr>
             <p:spPr>
               <a:xfrm>
-                <a:off x="535862" y="2000067"/>
-                <a:ext cx="814378" cy="694944"/>
+                <a:off x="535862" y="2000065"/>
+                <a:ext cx="812335" cy="1047006"/>
               </a:xfrm>
               <a:custGeom>
                 <a:avLst/>
@@ -8916,7 +8213,7 @@
               <p:nvPr/>
             </p:nvPicPr>
             <p:blipFill>
-              <a:blip r:embed="rId14"/>
+              <a:blip r:embed="rId12"/>
               <a:stretch>
                 <a:fillRect/>
               </a:stretch>
@@ -9058,7 +8355,7 @@
               <p:nvPr/>
             </p:nvPicPr>
             <p:blipFill>
-              <a:blip r:embed="rId14"/>
+              <a:blip r:embed="rId12"/>
               <a:stretch>
                 <a:fillRect/>
               </a:stretch>
@@ -9200,7 +8497,7 @@
               <p:nvPr/>
             </p:nvPicPr>
             <p:blipFill>
-              <a:blip r:embed="rId14"/>
+              <a:blip r:embed="rId12"/>
               <a:stretch>
                 <a:fillRect/>
               </a:stretch>
@@ -9342,7 +8639,7 @@
               <p:nvPr/>
             </p:nvPicPr>
             <p:blipFill>
-              <a:blip r:embed="rId14"/>
+              <a:blip r:embed="rId12"/>
               <a:stretch>
                 <a:fillRect/>
               </a:stretch>
@@ -9373,7 +8670,7 @@
             <p:nvPr/>
           </p:nvPicPr>
           <p:blipFill>
-            <a:blip r:embed="rId15"/>
+            <a:blip r:embed="rId13"/>
             <a:stretch>
               <a:fillRect/>
             </a:stretch>
@@ -9403,7 +8700,7 @@
             <p:nvPr/>
           </p:nvPicPr>
           <p:blipFill>
-            <a:blip r:embed="rId15"/>
+            <a:blip r:embed="rId13"/>
             <a:stretch>
               <a:fillRect/>
             </a:stretch>
@@ -9434,7 +8731,7 @@
           <p:nvPr/>
         </p:nvPicPr>
         <p:blipFill>
-          <a:blip r:embed="rId16"/>
+          <a:blip r:embed="rId14"/>
           <a:stretch>
             <a:fillRect/>
           </a:stretch>
@@ -9682,7 +8979,7 @@
           <p:nvPr/>
         </p:nvPicPr>
         <p:blipFill>
-          <a:blip r:embed="rId17"/>
+          <a:blip r:embed="rId15"/>
           <a:stretch>
             <a:fillRect/>
           </a:stretch>
@@ -10265,7 +9562,7 @@
           </a:ln>
           <a:extLst>
             <a:ext uri="{C572A759-6A51-4108-AA02-DFA0A04FC94B}">
-              <ma14:wrappingTextBoxFlag xmlns:ma14="http://schemas.microsoft.com/office/mac/drawingml/2011/main" xmlns="" val="1"/>
+              <ma14:wrappingTextBoxFlag xmlns="" xmlns:ma14="http://schemas.microsoft.com/office/mac/drawingml/2011/main" val="1"/>
             </a:ext>
           </a:extLst>
         </p:spPr>
@@ -10335,7 +9632,7 @@
           </a:ln>
           <a:extLst>
             <a:ext uri="{C572A759-6A51-4108-AA02-DFA0A04FC94B}">
-              <ma14:wrappingTextBoxFlag xmlns:ma14="http://schemas.microsoft.com/office/mac/drawingml/2011/main" xmlns="" val="1"/>
+              <ma14:wrappingTextBoxFlag xmlns="" xmlns:ma14="http://schemas.microsoft.com/office/mac/drawingml/2011/main" val="1"/>
             </a:ext>
           </a:extLst>
         </p:spPr>
@@ -10395,7 +9692,7 @@
           <p:nvPr/>
         </p:nvPicPr>
         <p:blipFill>
-          <a:blip r:embed="rId15"/>
+          <a:blip r:embed="rId13"/>
           <a:stretch>
             <a:fillRect/>
           </a:stretch>
@@ -10425,7 +9722,7 @@
           <p:nvPr/>
         </p:nvPicPr>
         <p:blipFill>
-          <a:blip r:embed="rId15"/>
+          <a:blip r:embed="rId13"/>
           <a:stretch>
             <a:fillRect/>
           </a:stretch>
@@ -10465,7 +9762,7 @@
           </a:ln>
           <a:extLst>
             <a:ext uri="{C572A759-6A51-4108-AA02-DFA0A04FC94B}">
-              <ma14:wrappingTextBoxFlag xmlns:ma14="http://schemas.microsoft.com/office/mac/drawingml/2011/main" xmlns="" val="1"/>
+              <ma14:wrappingTextBoxFlag xmlns="" xmlns:ma14="http://schemas.microsoft.com/office/mac/drawingml/2011/main" val="1"/>
             </a:ext>
           </a:extLst>
         </p:spPr>
@@ -10535,7 +9832,7 @@
           </a:ln>
           <a:extLst>
             <a:ext uri="{C572A759-6A51-4108-AA02-DFA0A04FC94B}">
-              <ma14:wrappingTextBoxFlag xmlns:ma14="http://schemas.microsoft.com/office/mac/drawingml/2011/main" xmlns="" val="1"/>
+              <ma14:wrappingTextBoxFlag xmlns="" xmlns:ma14="http://schemas.microsoft.com/office/mac/drawingml/2011/main" val="1"/>
             </a:ext>
           </a:extLst>
         </p:spPr>
@@ -10969,7 +10266,7 @@
           </a:ln>
           <a:extLst>
             <a:ext uri="{C572A759-6A51-4108-AA02-DFA0A04FC94B}">
-              <ma14:wrappingTextBoxFlag xmlns:ma14="http://schemas.microsoft.com/office/mac/drawingml/2011/main" xmlns="" val="1"/>
+              <ma14:wrappingTextBoxFlag xmlns="" xmlns:ma14="http://schemas.microsoft.com/office/mac/drawingml/2011/main" val="1"/>
             </a:ext>
           </a:extLst>
         </p:spPr>
@@ -11039,7 +10336,7 @@
           </a:ln>
           <a:extLst>
             <a:ext uri="{C572A759-6A51-4108-AA02-DFA0A04FC94B}">
-              <ma14:wrappingTextBoxFlag xmlns:ma14="http://schemas.microsoft.com/office/mac/drawingml/2011/main" xmlns="" val="1"/>
+              <ma14:wrappingTextBoxFlag xmlns="" xmlns:ma14="http://schemas.microsoft.com/office/mac/drawingml/2011/main" val="1"/>
             </a:ext>
           </a:extLst>
         </p:spPr>
@@ -11109,7 +10406,7 @@
           </a:ln>
           <a:extLst>
             <a:ext uri="{C572A759-6A51-4108-AA02-DFA0A04FC94B}">
-              <ma14:wrappingTextBoxFlag xmlns:ma14="http://schemas.microsoft.com/office/mac/drawingml/2011/main" xmlns="" val="1"/>
+              <ma14:wrappingTextBoxFlag xmlns="" xmlns:ma14="http://schemas.microsoft.com/office/mac/drawingml/2011/main" val="1"/>
             </a:ext>
           </a:extLst>
         </p:spPr>
@@ -11179,7 +10476,7 @@
           </a:ln>
           <a:extLst>
             <a:ext uri="{C572A759-6A51-4108-AA02-DFA0A04FC94B}">
-              <ma14:wrappingTextBoxFlag xmlns:ma14="http://schemas.microsoft.com/office/mac/drawingml/2011/main" xmlns="" val="1"/>
+              <ma14:wrappingTextBoxFlag xmlns="" xmlns:ma14="http://schemas.microsoft.com/office/mac/drawingml/2011/main" val="1"/>
             </a:ext>
           </a:extLst>
         </p:spPr>
@@ -11327,7 +10624,7 @@
           </a:ln>
           <a:extLst>
             <a:ext uri="{C572A759-6A51-4108-AA02-DFA0A04FC94B}">
-              <ma14:wrappingTextBoxFlag xmlns:ma14="http://schemas.microsoft.com/office/mac/drawingml/2011/main" xmlns="" val="1"/>
+              <ma14:wrappingTextBoxFlag xmlns="" xmlns:ma14="http://schemas.microsoft.com/office/mac/drawingml/2011/main" val="1"/>
             </a:ext>
           </a:extLst>
         </p:spPr>
@@ -11434,7 +10731,7 @@
           <p:nvPr/>
         </p:nvPicPr>
         <p:blipFill>
-          <a:blip r:embed="rId14"/>
+          <a:blip r:embed="rId12"/>
           <a:stretch>
             <a:fillRect/>
           </a:stretch>
@@ -11464,7 +10761,7 @@
           <p:nvPr/>
         </p:nvPicPr>
         <p:blipFill>
-          <a:blip r:embed="rId14"/>
+          <a:blip r:embed="rId12"/>
           <a:stretch>
             <a:fillRect/>
           </a:stretch>
@@ -11494,7 +10791,7 @@
           <p:nvPr/>
         </p:nvPicPr>
         <p:blipFill>
-          <a:blip r:embed="rId14"/>
+          <a:blip r:embed="rId12"/>
           <a:stretch>
             <a:fillRect/>
           </a:stretch>
@@ -11524,7 +10821,7 @@
           <p:nvPr/>
         </p:nvPicPr>
         <p:blipFill>
-          <a:blip r:embed="rId14"/>
+          <a:blip r:embed="rId12"/>
           <a:stretch>
             <a:fillRect/>
           </a:stretch>
@@ -11539,6 +10836,520 @@
           </a:prstGeom>
         </p:spPr>
       </p:pic>
+      <p:grpSp>
+        <p:nvGrpSpPr>
+          <p:cNvPr id="171" name="Group 374">
+            <a:extLst>
+              <a:ext uri="{FF2B5EF4-FFF2-40B4-BE49-F238E27FC236}">
+                <a16:creationId xmlns:a16="http://schemas.microsoft.com/office/drawing/2014/main" id="{F9C6A169-A44B-3546-AF0F-8961F80C458C}"/>
+              </a:ext>
+            </a:extLst>
+          </p:cNvPr>
+          <p:cNvGrpSpPr/>
+          <p:nvPr/>
+        </p:nvGrpSpPr>
+        <p:grpSpPr>
+          <a:xfrm>
+            <a:off x="2713415" y="6419885"/>
+            <a:ext cx="502920" cy="457200"/>
+            <a:chOff x="106864" y="0"/>
+            <a:chExt cx="707233" cy="707232"/>
+          </a:xfrm>
+        </p:grpSpPr>
+        <p:sp>
+          <p:nvSpPr>
+            <p:cNvPr id="172" name="Shape 370">
+              <a:extLst>
+                <a:ext uri="{FF2B5EF4-FFF2-40B4-BE49-F238E27FC236}">
+                  <a16:creationId xmlns:a16="http://schemas.microsoft.com/office/drawing/2014/main" id="{A3B34192-502B-5741-B1B1-29A354EFFFF7}"/>
+                </a:ext>
+              </a:extLst>
+            </p:cNvPr>
+            <p:cNvSpPr/>
+            <p:nvPr/>
+          </p:nvSpPr>
+          <p:spPr>
+            <a:xfrm>
+              <a:off x="106864" y="0"/>
+              <a:ext cx="707233" cy="707232"/>
+            </a:xfrm>
+            <a:custGeom>
+              <a:avLst/>
+              <a:gdLst/>
+              <a:ahLst/>
+              <a:cxnLst>
+                <a:cxn ang="0">
+                  <a:pos x="wd2" y="hd2"/>
+                </a:cxn>
+                <a:cxn ang="5400000">
+                  <a:pos x="wd2" y="hd2"/>
+                </a:cxn>
+                <a:cxn ang="10800000">
+                  <a:pos x="wd2" y="hd2"/>
+                </a:cxn>
+                <a:cxn ang="16200000">
+                  <a:pos x="wd2" y="hd2"/>
+                </a:cxn>
+              </a:cxnLst>
+              <a:rect l="0" t="0" r="r" b="b"/>
+              <a:pathLst>
+                <a:path w="19679" h="19679" extrusionOk="0">
+                  <a:moveTo>
+                    <a:pt x="16796" y="2882"/>
+                  </a:moveTo>
+                  <a:cubicBezTo>
+                    <a:pt x="20639" y="6724"/>
+                    <a:pt x="20639" y="12954"/>
+                    <a:pt x="16796" y="16796"/>
+                  </a:cubicBezTo>
+                  <a:cubicBezTo>
+                    <a:pt x="12954" y="20639"/>
+                    <a:pt x="6724" y="20639"/>
+                    <a:pt x="2882" y="16796"/>
+                  </a:cubicBezTo>
+                  <a:cubicBezTo>
+                    <a:pt x="-961" y="12954"/>
+                    <a:pt x="-961" y="6724"/>
+                    <a:pt x="2882" y="2882"/>
+                  </a:cubicBezTo>
+                  <a:cubicBezTo>
+                    <a:pt x="6724" y="-961"/>
+                    <a:pt x="12954" y="-961"/>
+                    <a:pt x="16796" y="2882"/>
+                  </a:cubicBezTo>
+                  <a:close/>
+                </a:path>
+              </a:pathLst>
+            </a:custGeom>
+            <a:solidFill>
+              <a:srgbClr val="00B19E"/>
+            </a:solidFill>
+            <a:ln w="3175" cap="flat">
+              <a:noFill/>
+              <a:miter lim="400000"/>
+            </a:ln>
+            <a:effectLst/>
+          </p:spPr>
+          <p:txBody>
+            <a:bodyPr wrap="square" lIns="0" tIns="0" rIns="0" bIns="0" numCol="1" anchor="ctr">
+              <a:noAutofit/>
+            </a:bodyPr>
+            <a:lstStyle/>
+            <a:p>
+              <a:pPr lvl="0">
+                <a:defRPr sz="1800">
+                  <a:solidFill>
+                    <a:srgbClr val="FFFFFF"/>
+                  </a:solidFill>
+                </a:defRPr>
+              </a:pPr>
+              <a:endParaRPr/>
+            </a:p>
+          </p:txBody>
+        </p:sp>
+        <p:pic>
+          <p:nvPicPr>
+            <p:cNvPr id="177" name="_-20.png">
+              <a:extLst>
+                <a:ext uri="{FF2B5EF4-FFF2-40B4-BE49-F238E27FC236}">
+                  <a16:creationId xmlns:a16="http://schemas.microsoft.com/office/drawing/2014/main" id="{9995F2B5-A2DE-8145-80FE-816C54B6D2BD}"/>
+                </a:ext>
+              </a:extLst>
+            </p:cNvPr>
+            <p:cNvPicPr/>
+            <p:nvPr/>
+          </p:nvPicPr>
+          <p:blipFill>
+            <a:blip r:embed="rId16">
+              <a:extLst/>
+            </a:blip>
+            <a:srcRect l="12622" t="15591" r="9640" b="22263"/>
+            <a:stretch>
+              <a:fillRect/>
+            </a:stretch>
+          </p:blipFill>
+          <p:spPr>
+            <a:xfrm>
+              <a:off x="195087" y="119476"/>
+              <a:ext cx="548639" cy="457199"/>
+            </a:xfrm>
+            <a:prstGeom prst="rect">
+              <a:avLst/>
+            </a:prstGeom>
+            <a:ln w="3175" cap="flat">
+              <a:noFill/>
+              <a:miter lim="400000"/>
+            </a:ln>
+            <a:effectLst/>
+          </p:spPr>
+        </p:pic>
+      </p:grpSp>
+      <p:grpSp>
+        <p:nvGrpSpPr>
+          <p:cNvPr id="179" name="Group 178">
+            <a:extLst>
+              <a:ext uri="{FF2B5EF4-FFF2-40B4-BE49-F238E27FC236}">
+                <a16:creationId xmlns:a16="http://schemas.microsoft.com/office/drawing/2014/main" id="{C8A0BD56-386E-484D-BC4B-D243574339B5}"/>
+              </a:ext>
+            </a:extLst>
+          </p:cNvPr>
+          <p:cNvGrpSpPr/>
+          <p:nvPr/>
+        </p:nvGrpSpPr>
+        <p:grpSpPr>
+          <a:xfrm>
+            <a:off x="3998267" y="6403911"/>
+            <a:ext cx="502920" cy="457200"/>
+            <a:chOff x="-1334861" y="4454538"/>
+            <a:chExt cx="707235" cy="730612"/>
+          </a:xfrm>
+        </p:grpSpPr>
+        <p:sp>
+          <p:nvSpPr>
+            <p:cNvPr id="208" name="Shape 370">
+              <a:extLst>
+                <a:ext uri="{FF2B5EF4-FFF2-40B4-BE49-F238E27FC236}">
+                  <a16:creationId xmlns:a16="http://schemas.microsoft.com/office/drawing/2014/main" id="{B85AA538-A19B-C745-B593-52310B90935C}"/>
+                </a:ext>
+              </a:extLst>
+            </p:cNvPr>
+            <p:cNvSpPr/>
+            <p:nvPr/>
+          </p:nvSpPr>
+          <p:spPr>
+            <a:xfrm>
+              <a:off x="-1334861" y="4477917"/>
+              <a:ext cx="707235" cy="707233"/>
+            </a:xfrm>
+            <a:custGeom>
+              <a:avLst/>
+              <a:gdLst/>
+              <a:ahLst/>
+              <a:cxnLst>
+                <a:cxn ang="0">
+                  <a:pos x="wd2" y="hd2"/>
+                </a:cxn>
+                <a:cxn ang="5400000">
+                  <a:pos x="wd2" y="hd2"/>
+                </a:cxn>
+                <a:cxn ang="10800000">
+                  <a:pos x="wd2" y="hd2"/>
+                </a:cxn>
+                <a:cxn ang="16200000">
+                  <a:pos x="wd2" y="hd2"/>
+                </a:cxn>
+              </a:cxnLst>
+              <a:rect l="0" t="0" r="r" b="b"/>
+              <a:pathLst>
+                <a:path w="19679" h="19679" extrusionOk="0">
+                  <a:moveTo>
+                    <a:pt x="16796" y="2882"/>
+                  </a:moveTo>
+                  <a:cubicBezTo>
+                    <a:pt x="20639" y="6724"/>
+                    <a:pt x="20639" y="12954"/>
+                    <a:pt x="16796" y="16796"/>
+                  </a:cubicBezTo>
+                  <a:cubicBezTo>
+                    <a:pt x="12954" y="20639"/>
+                    <a:pt x="6724" y="20639"/>
+                    <a:pt x="2882" y="16796"/>
+                  </a:cubicBezTo>
+                  <a:cubicBezTo>
+                    <a:pt x="-961" y="12954"/>
+                    <a:pt x="-961" y="6724"/>
+                    <a:pt x="2882" y="2882"/>
+                  </a:cubicBezTo>
+                  <a:cubicBezTo>
+                    <a:pt x="6724" y="-961"/>
+                    <a:pt x="12954" y="-961"/>
+                    <a:pt x="16796" y="2882"/>
+                  </a:cubicBezTo>
+                  <a:close/>
+                </a:path>
+              </a:pathLst>
+            </a:custGeom>
+            <a:solidFill>
+              <a:srgbClr val="00B19E"/>
+            </a:solidFill>
+            <a:ln w="3175" cap="flat">
+              <a:noFill/>
+              <a:miter lim="400000"/>
+            </a:ln>
+            <a:effectLst/>
+          </p:spPr>
+          <p:txBody>
+            <a:bodyPr wrap="square" lIns="0" tIns="0" rIns="0" bIns="0" numCol="1" anchor="ctr">
+              <a:noAutofit/>
+            </a:bodyPr>
+            <a:lstStyle/>
+            <a:p>
+              <a:pPr lvl="0">
+                <a:defRPr sz="1800">
+                  <a:solidFill>
+                    <a:srgbClr val="FFFFFF"/>
+                  </a:solidFill>
+                </a:defRPr>
+              </a:pPr>
+              <a:endParaRPr/>
+            </a:p>
+          </p:txBody>
+        </p:sp>
+        <p:pic>
+          <p:nvPicPr>
+            <p:cNvPr id="207" name="Picture 206">
+              <a:extLst>
+                <a:ext uri="{FF2B5EF4-FFF2-40B4-BE49-F238E27FC236}">
+                  <a16:creationId xmlns:a16="http://schemas.microsoft.com/office/drawing/2014/main" id="{67133383-015A-C64B-949C-B7F372D952DA}"/>
+                </a:ext>
+              </a:extLst>
+            </p:cNvPr>
+            <p:cNvPicPr>
+              <a:picLocks noChangeAspect="1"/>
+            </p:cNvPicPr>
+            <p:nvPr/>
+          </p:nvPicPr>
+          <p:blipFill>
+            <a:blip r:embed="rId17">
+              <a:extLst>
+                <a:ext uri="{28A0092B-C50C-407E-A947-70E740481C1C}">
+                  <a14:useLocalDpi xmlns:a14="http://schemas.microsoft.com/office/drawing/2010/main" val="0"/>
+                </a:ext>
+              </a:extLst>
+            </a:blip>
+            <a:stretch>
+              <a:fillRect/>
+            </a:stretch>
+          </p:blipFill>
+          <p:spPr>
+            <a:xfrm>
+              <a:off x="-1248174" y="4454538"/>
+              <a:ext cx="560832" cy="670560"/>
+            </a:xfrm>
+            <a:prstGeom prst="rect">
+              <a:avLst/>
+            </a:prstGeom>
+          </p:spPr>
+        </p:pic>
+      </p:grpSp>
+      <p:grpSp>
+        <p:nvGrpSpPr>
+          <p:cNvPr id="210" name="Group 486">
+            <a:extLst>
+              <a:ext uri="{FF2B5EF4-FFF2-40B4-BE49-F238E27FC236}">
+                <a16:creationId xmlns:a16="http://schemas.microsoft.com/office/drawing/2014/main" id="{A119731E-120B-E94D-B436-BB015E73A8AB}"/>
+              </a:ext>
+            </a:extLst>
+          </p:cNvPr>
+          <p:cNvGrpSpPr/>
+          <p:nvPr/>
+        </p:nvGrpSpPr>
+        <p:grpSpPr>
+          <a:xfrm>
+            <a:off x="5245893" y="6397644"/>
+            <a:ext cx="502920" cy="457200"/>
+            <a:chOff x="0" y="0"/>
+            <a:chExt cx="707232" cy="707232"/>
+          </a:xfrm>
+        </p:grpSpPr>
+        <p:sp>
+          <p:nvSpPr>
+            <p:cNvPr id="220" name="Shape 482">
+              <a:extLst>
+                <a:ext uri="{FF2B5EF4-FFF2-40B4-BE49-F238E27FC236}">
+                  <a16:creationId xmlns:a16="http://schemas.microsoft.com/office/drawing/2014/main" id="{FB961DFF-1B37-1040-B735-E759B24179AF}"/>
+                </a:ext>
+              </a:extLst>
+            </p:cNvPr>
+            <p:cNvSpPr/>
+            <p:nvPr/>
+          </p:nvSpPr>
+          <p:spPr>
+            <a:xfrm>
+              <a:off x="0" y="0"/>
+              <a:ext cx="707232" cy="707232"/>
+            </a:xfrm>
+            <a:custGeom>
+              <a:avLst/>
+              <a:gdLst/>
+              <a:ahLst/>
+              <a:cxnLst>
+                <a:cxn ang="0">
+                  <a:pos x="wd2" y="hd2"/>
+                </a:cxn>
+                <a:cxn ang="5400000">
+                  <a:pos x="wd2" y="hd2"/>
+                </a:cxn>
+                <a:cxn ang="10800000">
+                  <a:pos x="wd2" y="hd2"/>
+                </a:cxn>
+                <a:cxn ang="16200000">
+                  <a:pos x="wd2" y="hd2"/>
+                </a:cxn>
+              </a:cxnLst>
+              <a:rect l="0" t="0" r="r" b="b"/>
+              <a:pathLst>
+                <a:path w="19679" h="19679" extrusionOk="0">
+                  <a:moveTo>
+                    <a:pt x="16796" y="2882"/>
+                  </a:moveTo>
+                  <a:cubicBezTo>
+                    <a:pt x="20639" y="6724"/>
+                    <a:pt x="20639" y="12954"/>
+                    <a:pt x="16796" y="16796"/>
+                  </a:cubicBezTo>
+                  <a:cubicBezTo>
+                    <a:pt x="12954" y="20639"/>
+                    <a:pt x="6724" y="20639"/>
+                    <a:pt x="2882" y="16796"/>
+                  </a:cubicBezTo>
+                  <a:cubicBezTo>
+                    <a:pt x="-961" y="12954"/>
+                    <a:pt x="-961" y="6724"/>
+                    <a:pt x="2882" y="2882"/>
+                  </a:cubicBezTo>
+                  <a:cubicBezTo>
+                    <a:pt x="6724" y="-961"/>
+                    <a:pt x="12954" y="-961"/>
+                    <a:pt x="16796" y="2882"/>
+                  </a:cubicBezTo>
+                  <a:close/>
+                </a:path>
+              </a:pathLst>
+            </a:custGeom>
+            <a:solidFill>
+              <a:srgbClr val="E42233"/>
+            </a:solidFill>
+            <a:ln w="3175" cap="flat">
+              <a:noFill/>
+              <a:miter lim="400000"/>
+            </a:ln>
+            <a:effectLst/>
+          </p:spPr>
+          <p:txBody>
+            <a:bodyPr wrap="square" lIns="0" tIns="0" rIns="0" bIns="0" numCol="1" anchor="ctr">
+              <a:noAutofit/>
+            </a:bodyPr>
+            <a:lstStyle/>
+            <a:p>
+              <a:pPr lvl="0">
+                <a:defRPr sz="1800">
+                  <a:solidFill>
+                    <a:srgbClr val="FFFFFF"/>
+                  </a:solidFill>
+                </a:defRPr>
+              </a:pPr>
+              <a:endParaRPr/>
+            </a:p>
+          </p:txBody>
+        </p:sp>
+        <p:pic>
+          <p:nvPicPr>
+            <p:cNvPr id="225" name="_-46.png">
+              <a:extLst>
+                <a:ext uri="{FF2B5EF4-FFF2-40B4-BE49-F238E27FC236}">
+                  <a16:creationId xmlns:a16="http://schemas.microsoft.com/office/drawing/2014/main" id="{EBA7567F-5CDA-BF4B-B300-3ED323B89622}"/>
+                </a:ext>
+              </a:extLst>
+            </p:cNvPr>
+            <p:cNvPicPr/>
+            <p:nvPr/>
+          </p:nvPicPr>
+          <p:blipFill>
+            <a:blip r:embed="rId18">
+              <a:extLst/>
+            </a:blip>
+            <a:srcRect l="26174" t="17171" r="26174" b="17171"/>
+            <a:stretch>
+              <a:fillRect/>
+            </a:stretch>
+          </p:blipFill>
+          <p:spPr>
+            <a:xfrm>
+              <a:off x="185113" y="122687"/>
+              <a:ext cx="337007" cy="464346"/>
+            </a:xfrm>
+            <a:prstGeom prst="rect">
+              <a:avLst/>
+            </a:prstGeom>
+            <a:ln w="3175" cap="flat">
+              <a:noFill/>
+              <a:miter lim="400000"/>
+            </a:ln>
+            <a:effectLst/>
+          </p:spPr>
+        </p:pic>
+      </p:grpSp>
+      <p:sp>
+        <p:nvSpPr>
+          <p:cNvPr id="226" name="Shape 63">
+            <a:extLst>
+              <a:ext uri="{FF2B5EF4-FFF2-40B4-BE49-F238E27FC236}">
+                <a16:creationId xmlns:a16="http://schemas.microsoft.com/office/drawing/2014/main" id="{9EF68BD4-DD29-C44D-9BB3-4427339F2DE8}"/>
+              </a:ext>
+            </a:extLst>
+          </p:cNvPr>
+          <p:cNvSpPr/>
+          <p:nvPr/>
+        </p:nvSpPr>
+        <p:spPr>
+          <a:xfrm>
+            <a:off x="5005685" y="6877085"/>
+            <a:ext cx="823944" cy="153888"/>
+          </a:xfrm>
+          <a:prstGeom prst="rect">
+            <a:avLst/>
+          </a:prstGeom>
+          <a:ln w="3175">
+            <a:miter lim="400000"/>
+          </a:ln>
+          <a:extLst>
+            <a:ext uri="{C572A759-6A51-4108-AA02-DFA0A04FC94B}">
+              <ma14:wrappingTextBoxFlag xmlns="" xmlns:ma14="http://schemas.microsoft.com/office/mac/drawingml/2011/main" val="1"/>
+            </a:ext>
+          </a:extLst>
+        </p:spPr>
+        <p:txBody>
+          <a:bodyPr wrap="none" lIns="0" tIns="0" rIns="0" bIns="0">
+            <a:spAutoFit/>
+          </a:bodyPr>
+          <a:lstStyle>
+            <a:lvl1pPr algn="l">
+              <a:defRPr sz="1000" b="1">
+                <a:solidFill>
+                  <a:srgbClr val="4277BB"/>
+                </a:solidFill>
+                <a:latin typeface="Helvetica"/>
+                <a:ea typeface="Helvetica"/>
+                <a:cs typeface="Helvetica"/>
+                <a:sym typeface="Helvetica"/>
+              </a:defRPr>
+            </a:lvl1pPr>
+          </a:lstStyle>
+          <a:p>
+            <a:pPr lvl="0">
+              <a:defRPr sz="1800" b="0">
+                <a:solidFill>
+                  <a:srgbClr val="000000"/>
+                </a:solidFill>
+              </a:defRPr>
+            </a:pPr>
+            <a:r>
+              <a:rPr lang="en-US" sz="1000" b="1" dirty="0">
+                <a:solidFill>
+                  <a:srgbClr val="4277BB"/>
+                </a:solidFill>
+              </a:rPr>
+              <a:t>     SECURITY</a:t>
+            </a:r>
+            <a:endParaRPr sz="1000" b="1" dirty="0">
+              <a:solidFill>
+                <a:srgbClr val="4277BB"/>
+              </a:solidFill>
+            </a:endParaRPr>
+          </a:p>
+        </p:txBody>
+      </p:sp>
     </p:spTree>
     <p:extLst>
       <p:ext uri="{BB962C8B-B14F-4D97-AF65-F5344CB8AC3E}">
@@ -11625,7 +11436,7 @@
           </a:ln>
           <a:extLst>
             <a:ext uri="{C572A759-6A51-4108-AA02-DFA0A04FC94B}">
-              <ma14:wrappingTextBoxFlag xmlns="" xmlns:ma14="http://schemas.microsoft.com/office/mac/drawingml/2011/main" val="1"/>
+              <ma14:wrappingTextBoxFlag xmlns:ma14="http://schemas.microsoft.com/office/mac/drawingml/2011/main" xmlns="" val="1"/>
             </a:ext>
           </a:extLst>
         </p:spPr>
@@ -11673,7 +11484,7 @@
           </a:ln>
           <a:extLst>
             <a:ext uri="{C572A759-6A51-4108-AA02-DFA0A04FC94B}">
-              <ma14:wrappingTextBoxFlag xmlns="" xmlns:ma14="http://schemas.microsoft.com/office/mac/drawingml/2011/main" val="1"/>
+              <ma14:wrappingTextBoxFlag xmlns:ma14="http://schemas.microsoft.com/office/mac/drawingml/2011/main" xmlns="" val="1"/>
             </a:ext>
           </a:extLst>
         </p:spPr>
@@ -11828,7 +11639,7 @@
             <a:effectLst/>
             <a:extLst>
               <a:ext uri="{C572A759-6A51-4108-AA02-DFA0A04FC94B}">
-                <ma14:wrappingTextBoxFlag xmlns="" xmlns:ma14="http://schemas.microsoft.com/office/mac/drawingml/2011/main" val="1"/>
+                <ma14:wrappingTextBoxFlag xmlns:ma14="http://schemas.microsoft.com/office/mac/drawingml/2011/main" xmlns="" val="1"/>
               </a:ext>
             </a:extLst>
           </p:spPr>
@@ -11990,7 +11801,7 @@
             <a:effectLst/>
             <a:extLst>
               <a:ext uri="{C572A759-6A51-4108-AA02-DFA0A04FC94B}">
-                <ma14:wrappingTextBoxFlag xmlns="" xmlns:ma14="http://schemas.microsoft.com/office/mac/drawingml/2011/main" val="1"/>
+                <ma14:wrappingTextBoxFlag xmlns:ma14="http://schemas.microsoft.com/office/mac/drawingml/2011/main" xmlns="" val="1"/>
               </a:ext>
             </a:extLst>
           </p:spPr>
@@ -12152,7 +11963,7 @@
             <a:effectLst/>
             <a:extLst>
               <a:ext uri="{C572A759-6A51-4108-AA02-DFA0A04FC94B}">
-                <ma14:wrappingTextBoxFlag xmlns="" xmlns:ma14="http://schemas.microsoft.com/office/mac/drawingml/2011/main" val="1"/>
+                <ma14:wrappingTextBoxFlag xmlns:ma14="http://schemas.microsoft.com/office/mac/drawingml/2011/main" xmlns="" val="1"/>
               </a:ext>
             </a:extLst>
           </p:spPr>
@@ -12314,7 +12125,7 @@
             <a:effectLst/>
             <a:extLst>
               <a:ext uri="{C572A759-6A51-4108-AA02-DFA0A04FC94B}">
-                <ma14:wrappingTextBoxFlag xmlns="" xmlns:ma14="http://schemas.microsoft.com/office/mac/drawingml/2011/main" val="1"/>
+                <ma14:wrappingTextBoxFlag xmlns:ma14="http://schemas.microsoft.com/office/mac/drawingml/2011/main" xmlns="" val="1"/>
               </a:ext>
             </a:extLst>
           </p:spPr>
@@ -12476,7 +12287,7 @@
             <a:effectLst/>
             <a:extLst>
               <a:ext uri="{C572A759-6A51-4108-AA02-DFA0A04FC94B}">
-                <ma14:wrappingTextBoxFlag xmlns="" xmlns:ma14="http://schemas.microsoft.com/office/mac/drawingml/2011/main" val="1"/>
+                <ma14:wrappingTextBoxFlag xmlns:ma14="http://schemas.microsoft.com/office/mac/drawingml/2011/main" xmlns="" val="1"/>
               </a:ext>
             </a:extLst>
           </p:spPr>
@@ -12638,7 +12449,7 @@
             <a:effectLst/>
             <a:extLst>
               <a:ext uri="{C572A759-6A51-4108-AA02-DFA0A04FC94B}">
-                <ma14:wrappingTextBoxFlag xmlns="" xmlns:ma14="http://schemas.microsoft.com/office/mac/drawingml/2011/main" val="1"/>
+                <ma14:wrappingTextBoxFlag xmlns:ma14="http://schemas.microsoft.com/office/mac/drawingml/2011/main" xmlns="" val="1"/>
               </a:ext>
             </a:extLst>
           </p:spPr>
@@ -12800,7 +12611,7 @@
             <a:effectLst/>
             <a:extLst>
               <a:ext uri="{C572A759-6A51-4108-AA02-DFA0A04FC94B}">
-                <ma14:wrappingTextBoxFlag xmlns="" xmlns:ma14="http://schemas.microsoft.com/office/mac/drawingml/2011/main" val="1"/>
+                <ma14:wrappingTextBoxFlag xmlns:ma14="http://schemas.microsoft.com/office/mac/drawingml/2011/main" xmlns="" val="1"/>
               </a:ext>
             </a:extLst>
           </p:spPr>
@@ -12962,7 +12773,7 @@
             <a:effectLst/>
             <a:extLst>
               <a:ext uri="{C572A759-6A51-4108-AA02-DFA0A04FC94B}">
-                <ma14:wrappingTextBoxFlag xmlns="" xmlns:ma14="http://schemas.microsoft.com/office/mac/drawingml/2011/main" val="1"/>
+                <ma14:wrappingTextBoxFlag xmlns:ma14="http://schemas.microsoft.com/office/mac/drawingml/2011/main" xmlns="" val="1"/>
               </a:ext>
             </a:extLst>
           </p:spPr>
@@ -13124,7 +12935,7 @@
             <a:effectLst/>
             <a:extLst>
               <a:ext uri="{C572A759-6A51-4108-AA02-DFA0A04FC94B}">
-                <ma14:wrappingTextBoxFlag xmlns="" xmlns:ma14="http://schemas.microsoft.com/office/mac/drawingml/2011/main" val="1"/>
+                <ma14:wrappingTextBoxFlag xmlns:ma14="http://schemas.microsoft.com/office/mac/drawingml/2011/main" xmlns="" val="1"/>
               </a:ext>
             </a:extLst>
           </p:spPr>
@@ -13286,7 +13097,7 @@
             <a:effectLst/>
             <a:extLst>
               <a:ext uri="{C572A759-6A51-4108-AA02-DFA0A04FC94B}">
-                <ma14:wrappingTextBoxFlag xmlns="" xmlns:ma14="http://schemas.microsoft.com/office/mac/drawingml/2011/main" val="1"/>
+                <ma14:wrappingTextBoxFlag xmlns:ma14="http://schemas.microsoft.com/office/mac/drawingml/2011/main" xmlns="" val="1"/>
               </a:ext>
             </a:extLst>
           </p:spPr>
@@ -13448,7 +13259,7 @@
             <a:effectLst/>
             <a:extLst>
               <a:ext uri="{C572A759-6A51-4108-AA02-DFA0A04FC94B}">
-                <ma14:wrappingTextBoxFlag xmlns="" xmlns:ma14="http://schemas.microsoft.com/office/mac/drawingml/2011/main" val="1"/>
+                <ma14:wrappingTextBoxFlag xmlns:ma14="http://schemas.microsoft.com/office/mac/drawingml/2011/main" xmlns="" val="1"/>
               </a:ext>
             </a:extLst>
           </p:spPr>
@@ -13610,7 +13421,7 @@
             <a:effectLst/>
             <a:extLst>
               <a:ext uri="{C572A759-6A51-4108-AA02-DFA0A04FC94B}">
-                <ma14:wrappingTextBoxFlag xmlns="" xmlns:ma14="http://schemas.microsoft.com/office/mac/drawingml/2011/main" val="1"/>
+                <ma14:wrappingTextBoxFlag xmlns:ma14="http://schemas.microsoft.com/office/mac/drawingml/2011/main" xmlns="" val="1"/>
               </a:ext>
             </a:extLst>
           </p:spPr>
@@ -13772,7 +13583,7 @@
             <a:effectLst/>
             <a:extLst>
               <a:ext uri="{C572A759-6A51-4108-AA02-DFA0A04FC94B}">
-                <ma14:wrappingTextBoxFlag xmlns="" xmlns:ma14="http://schemas.microsoft.com/office/mac/drawingml/2011/main" val="1"/>
+                <ma14:wrappingTextBoxFlag xmlns:ma14="http://schemas.microsoft.com/office/mac/drawingml/2011/main" xmlns="" val="1"/>
               </a:ext>
             </a:extLst>
           </p:spPr>
@@ -13934,7 +13745,7 @@
             <a:effectLst/>
             <a:extLst>
               <a:ext uri="{C572A759-6A51-4108-AA02-DFA0A04FC94B}">
-                <ma14:wrappingTextBoxFlag xmlns="" xmlns:ma14="http://schemas.microsoft.com/office/mac/drawingml/2011/main" val="1"/>
+                <ma14:wrappingTextBoxFlag xmlns:ma14="http://schemas.microsoft.com/office/mac/drawingml/2011/main" xmlns="" val="1"/>
               </a:ext>
             </a:extLst>
           </p:spPr>
@@ -14096,7 +13907,7 @@
             <a:effectLst/>
             <a:extLst>
               <a:ext uri="{C572A759-6A51-4108-AA02-DFA0A04FC94B}">
-                <ma14:wrappingTextBoxFlag xmlns="" xmlns:ma14="http://schemas.microsoft.com/office/mac/drawingml/2011/main" val="1"/>
+                <ma14:wrappingTextBoxFlag xmlns:ma14="http://schemas.microsoft.com/office/mac/drawingml/2011/main" xmlns="" val="1"/>
               </a:ext>
             </a:extLst>
           </p:spPr>
@@ -14258,7 +14069,7 @@
             <a:effectLst/>
             <a:extLst>
               <a:ext uri="{C572A759-6A51-4108-AA02-DFA0A04FC94B}">
-                <ma14:wrappingTextBoxFlag xmlns="" xmlns:ma14="http://schemas.microsoft.com/office/mac/drawingml/2011/main" val="1"/>
+                <ma14:wrappingTextBoxFlag xmlns:ma14="http://schemas.microsoft.com/office/mac/drawingml/2011/main" xmlns="" val="1"/>
               </a:ext>
             </a:extLst>
           </p:spPr>
@@ -14420,7 +14231,7 @@
             <a:effectLst/>
             <a:extLst>
               <a:ext uri="{C572A759-6A51-4108-AA02-DFA0A04FC94B}">
-                <ma14:wrappingTextBoxFlag xmlns="" xmlns:ma14="http://schemas.microsoft.com/office/mac/drawingml/2011/main" val="1"/>
+                <ma14:wrappingTextBoxFlag xmlns:ma14="http://schemas.microsoft.com/office/mac/drawingml/2011/main" xmlns="" val="1"/>
               </a:ext>
             </a:extLst>
           </p:spPr>
@@ -14582,7 +14393,7 @@
             <a:effectLst/>
             <a:extLst>
               <a:ext uri="{C572A759-6A51-4108-AA02-DFA0A04FC94B}">
-                <ma14:wrappingTextBoxFlag xmlns="" xmlns:ma14="http://schemas.microsoft.com/office/mac/drawingml/2011/main" val="1"/>
+                <ma14:wrappingTextBoxFlag xmlns:ma14="http://schemas.microsoft.com/office/mac/drawingml/2011/main" xmlns="" val="1"/>
               </a:ext>
             </a:extLst>
           </p:spPr>
@@ -14744,7 +14555,7 @@
             <a:effectLst/>
             <a:extLst>
               <a:ext uri="{C572A759-6A51-4108-AA02-DFA0A04FC94B}">
-                <ma14:wrappingTextBoxFlag xmlns="" xmlns:ma14="http://schemas.microsoft.com/office/mac/drawingml/2011/main" val="1"/>
+                <ma14:wrappingTextBoxFlag xmlns:ma14="http://schemas.microsoft.com/office/mac/drawingml/2011/main" xmlns="" val="1"/>
               </a:ext>
             </a:extLst>
           </p:spPr>
@@ -14906,7 +14717,7 @@
             <a:effectLst/>
             <a:extLst>
               <a:ext uri="{C572A759-6A51-4108-AA02-DFA0A04FC94B}">
-                <ma14:wrappingTextBoxFlag xmlns="" xmlns:ma14="http://schemas.microsoft.com/office/mac/drawingml/2011/main" val="1"/>
+                <ma14:wrappingTextBoxFlag xmlns:ma14="http://schemas.microsoft.com/office/mac/drawingml/2011/main" xmlns="" val="1"/>
               </a:ext>
             </a:extLst>
           </p:spPr>
@@ -15028,7 +14839,7 @@
           </a:ln>
           <a:extLst>
             <a:ext uri="{C572A759-6A51-4108-AA02-DFA0A04FC94B}">
-              <ma14:wrappingTextBoxFlag xmlns="" xmlns:ma14="http://schemas.microsoft.com/office/mac/drawingml/2011/main" val="1"/>
+              <ma14:wrappingTextBoxFlag xmlns:ma14="http://schemas.microsoft.com/office/mac/drawingml/2011/main" xmlns="" val="1"/>
             </a:ext>
           </a:extLst>
         </p:spPr>
@@ -15076,7 +14887,7 @@
           </a:ln>
           <a:extLst>
             <a:ext uri="{C572A759-6A51-4108-AA02-DFA0A04FC94B}">
-              <ma14:wrappingTextBoxFlag xmlns="" xmlns:ma14="http://schemas.microsoft.com/office/mac/drawingml/2011/main" val="1"/>
+              <ma14:wrappingTextBoxFlag xmlns:ma14="http://schemas.microsoft.com/office/mac/drawingml/2011/main" xmlns="" val="1"/>
             </a:ext>
           </a:extLst>
         </p:spPr>
@@ -15411,7 +15222,7 @@
               <a:effectLst/>
               <a:extLst>
                 <a:ext uri="{C572A759-6A51-4108-AA02-DFA0A04FC94B}">
-                  <ma14:wrappingTextBoxFlag xmlns="" xmlns:ma14="http://schemas.microsoft.com/office/mac/drawingml/2011/main" val="1"/>
+                  <ma14:wrappingTextBoxFlag xmlns:ma14="http://schemas.microsoft.com/office/mac/drawingml/2011/main" xmlns="" val="1"/>
                 </a:ext>
               </a:extLst>
             </p:spPr>

--- a/powerpoint/templates/VirtualPrivateCloudEditablePPT.pptx
+++ b/powerpoint/templates/VirtualPrivateCloudEditablePPT.pptx
@@ -791,7 +791,7 @@
           </a:ln>
           <a:extLst>
             <a:ext uri="{C572A759-6A51-4108-AA02-DFA0A04FC94B}">
-              <ma14:wrappingTextBoxFlag xmlns:ma14="http://schemas.microsoft.com/office/mac/drawingml/2011/main" xmlns="" val="1"/>
+              <ma14:wrappingTextBoxFlag xmlns="" xmlns:ma14="http://schemas.microsoft.com/office/mac/drawingml/2011/main" val="1"/>
             </a:ext>
           </a:extLst>
         </p:spPr>
@@ -844,7 +844,7 @@
           </a:ln>
           <a:extLst>
             <a:ext uri="{C572A759-6A51-4108-AA02-DFA0A04FC94B}">
-              <ma14:wrappingTextBoxFlag xmlns:ma14="http://schemas.microsoft.com/office/mac/drawingml/2011/main" xmlns="" val="1"/>
+              <ma14:wrappingTextBoxFlag xmlns="" xmlns:ma14="http://schemas.microsoft.com/office/mac/drawingml/2011/main" val="1"/>
             </a:ext>
           </a:extLst>
         </p:spPr>
@@ -892,7 +892,7 @@
           </a:ln>
           <a:extLst>
             <a:ext uri="{C572A759-6A51-4108-AA02-DFA0A04FC94B}">
-              <ma14:wrappingTextBoxFlag xmlns:ma14="http://schemas.microsoft.com/office/mac/drawingml/2011/main" xmlns="" val="1"/>
+              <ma14:wrappingTextBoxFlag xmlns="" xmlns:ma14="http://schemas.microsoft.com/office/mac/drawingml/2011/main" val="1"/>
             </a:ext>
           </a:extLst>
         </p:spPr>
@@ -980,7 +980,7 @@
           </a:ln>
           <a:extLst>
             <a:ext uri="{C572A759-6A51-4108-AA02-DFA0A04FC94B}">
-              <ma14:wrappingTextBoxFlag xmlns:ma14="http://schemas.microsoft.com/office/mac/drawingml/2011/main" xmlns="" val="1"/>
+              <ma14:wrappingTextBoxFlag xmlns="" xmlns:ma14="http://schemas.microsoft.com/office/mac/drawingml/2011/main" val="1"/>
             </a:ext>
           </a:extLst>
         </p:spPr>
@@ -1033,7 +1033,7 @@
           </a:ln>
           <a:extLst>
             <a:ext uri="{C572A759-6A51-4108-AA02-DFA0A04FC94B}">
-              <ma14:wrappingTextBoxFlag xmlns:ma14="http://schemas.microsoft.com/office/mac/drawingml/2011/main" xmlns="" val="1"/>
+              <ma14:wrappingTextBoxFlag xmlns="" xmlns:ma14="http://schemas.microsoft.com/office/mac/drawingml/2011/main" val="1"/>
             </a:ext>
           </a:extLst>
         </p:spPr>
@@ -1081,7 +1081,7 @@
           </a:ln>
           <a:extLst>
             <a:ext uri="{C572A759-6A51-4108-AA02-DFA0A04FC94B}">
-              <ma14:wrappingTextBoxFlag xmlns:ma14="http://schemas.microsoft.com/office/mac/drawingml/2011/main" xmlns="" val="1"/>
+              <ma14:wrappingTextBoxFlag xmlns="" xmlns:ma14="http://schemas.microsoft.com/office/mac/drawingml/2011/main" val="1"/>
             </a:ext>
           </a:extLst>
         </p:spPr>
@@ -1245,7 +1245,7 @@
           </a:ln>
           <a:extLst>
             <a:ext uri="{C572A759-6A51-4108-AA02-DFA0A04FC94B}">
-              <ma14:wrappingTextBoxFlag xmlns:ma14="http://schemas.microsoft.com/office/mac/drawingml/2011/main" xmlns="" val="1"/>
+              <ma14:wrappingTextBoxFlag xmlns="" xmlns:ma14="http://schemas.microsoft.com/office/mac/drawingml/2011/main" val="1"/>
             </a:ext>
           </a:extLst>
         </p:spPr>
@@ -1298,7 +1298,7 @@
           </a:ln>
           <a:extLst>
             <a:ext uri="{C572A759-6A51-4108-AA02-DFA0A04FC94B}">
-              <ma14:wrappingTextBoxFlag xmlns:ma14="http://schemas.microsoft.com/office/mac/drawingml/2011/main" xmlns="" val="1"/>
+              <ma14:wrappingTextBoxFlag xmlns="" xmlns:ma14="http://schemas.microsoft.com/office/mac/drawingml/2011/main" val="1"/>
             </a:ext>
           </a:extLst>
         </p:spPr>
@@ -1346,7 +1346,7 @@
           </a:ln>
           <a:extLst>
             <a:ext uri="{C572A759-6A51-4108-AA02-DFA0A04FC94B}">
-              <ma14:wrappingTextBoxFlag xmlns:ma14="http://schemas.microsoft.com/office/mac/drawingml/2011/main" xmlns="" val="1"/>
+              <ma14:wrappingTextBoxFlag xmlns="" xmlns:ma14="http://schemas.microsoft.com/office/mac/drawingml/2011/main" val="1"/>
             </a:ext>
           </a:extLst>
         </p:spPr>
@@ -1536,7 +1536,7 @@
           </a:ln>
           <a:extLst>
             <a:ext uri="{C572A759-6A51-4108-AA02-DFA0A04FC94B}">
-              <ma14:wrappingTextBoxFlag xmlns:ma14="http://schemas.microsoft.com/office/mac/drawingml/2011/main" xmlns="" val="1"/>
+              <ma14:wrappingTextBoxFlag xmlns="" xmlns:ma14="http://schemas.microsoft.com/office/mac/drawingml/2011/main" val="1"/>
             </a:ext>
           </a:extLst>
         </p:spPr>
@@ -1674,7 +1674,7 @@
           </a:ln>
           <a:extLst>
             <a:ext uri="{C572A759-6A51-4108-AA02-DFA0A04FC94B}">
-              <ma14:wrappingTextBoxFlag xmlns:ma14="http://schemas.microsoft.com/office/mac/drawingml/2011/main" xmlns="" val="1"/>
+              <ma14:wrappingTextBoxFlag xmlns="" xmlns:ma14="http://schemas.microsoft.com/office/mac/drawingml/2011/main" val="1"/>
             </a:ext>
           </a:extLst>
         </p:spPr>
@@ -1727,7 +1727,7 @@
           </a:ln>
           <a:extLst>
             <a:ext uri="{C572A759-6A51-4108-AA02-DFA0A04FC94B}">
-              <ma14:wrappingTextBoxFlag xmlns:ma14="http://schemas.microsoft.com/office/mac/drawingml/2011/main" xmlns="" val="1"/>
+              <ma14:wrappingTextBoxFlag xmlns="" xmlns:ma14="http://schemas.microsoft.com/office/mac/drawingml/2011/main" val="1"/>
             </a:ext>
           </a:extLst>
         </p:spPr>
@@ -1801,7 +1801,7 @@
           </a:ln>
           <a:extLst>
             <a:ext uri="{C572A759-6A51-4108-AA02-DFA0A04FC94B}">
-              <ma14:wrappingTextBoxFlag xmlns:ma14="http://schemas.microsoft.com/office/mac/drawingml/2011/main" xmlns="" val="1"/>
+              <ma14:wrappingTextBoxFlag xmlns="" xmlns:ma14="http://schemas.microsoft.com/office/mac/drawingml/2011/main" val="1"/>
             </a:ext>
           </a:extLst>
         </p:spPr>
@@ -2770,7 +2770,7 @@
           </a:ln>
           <a:extLst>
             <a:ext uri="{C572A759-6A51-4108-AA02-DFA0A04FC94B}">
-              <ma14:wrappingTextBoxFlag xmlns:ma14="http://schemas.microsoft.com/office/mac/drawingml/2011/main" xmlns="" val="1"/>
+              <ma14:wrappingTextBoxFlag xmlns="" xmlns:ma14="http://schemas.microsoft.com/office/mac/drawingml/2011/main" val="1"/>
             </a:ext>
           </a:extLst>
         </p:spPr>
@@ -2813,7 +2813,7 @@
           </a:ln>
           <a:extLst>
             <a:ext uri="{C572A759-6A51-4108-AA02-DFA0A04FC94B}">
-              <ma14:wrappingTextBoxFlag xmlns:ma14="http://schemas.microsoft.com/office/mac/drawingml/2011/main" xmlns="" val="1"/>
+              <ma14:wrappingTextBoxFlag xmlns="" xmlns:ma14="http://schemas.microsoft.com/office/mac/drawingml/2011/main" val="1"/>
             </a:ext>
           </a:extLst>
         </p:spPr>
@@ -3261,7 +3261,7 @@
           </a:ln>
           <a:extLst>
             <a:ext uri="{C572A759-6A51-4108-AA02-DFA0A04FC94B}">
-              <ma14:wrappingTextBoxFlag xmlns:ma14="http://schemas.microsoft.com/office/mac/drawingml/2011/main" xmlns="" val="1"/>
+              <ma14:wrappingTextBoxFlag xmlns="" xmlns:ma14="http://schemas.microsoft.com/office/mac/drawingml/2011/main" val="1"/>
             </a:ext>
           </a:extLst>
         </p:spPr>
@@ -3310,7 +3310,7 @@
           </a:ln>
           <a:extLst>
             <a:ext uri="{C572A759-6A51-4108-AA02-DFA0A04FC94B}">
-              <ma14:wrappingTextBoxFlag xmlns:ma14="http://schemas.microsoft.com/office/mac/drawingml/2011/main" xmlns="" val="1"/>
+              <ma14:wrappingTextBoxFlag xmlns="" xmlns:ma14="http://schemas.microsoft.com/office/mac/drawingml/2011/main" val="1"/>
             </a:ext>
           </a:extLst>
         </p:spPr>
@@ -3799,6 +3799,44 @@
           <a:chExt cx="0" cy="0"/>
         </a:xfrm>
       </p:grpSpPr>
+      <p:sp>
+        <p:nvSpPr>
+          <p:cNvPr id="136" name="Shape 66">
+            <a:extLst>
+              <a:ext uri="{FF2B5EF4-FFF2-40B4-BE49-F238E27FC236}">
+                <a16:creationId xmlns:a16="http://schemas.microsoft.com/office/drawing/2014/main" id="{968DFB3D-9547-704D-AD7F-FF7C078B591E}"/>
+              </a:ext>
+            </a:extLst>
+          </p:cNvPr>
+          <p:cNvSpPr/>
+          <p:nvPr/>
+        </p:nvSpPr>
+        <p:spPr>
+          <a:xfrm flipH="1" flipV="1">
+            <a:off x="8271926" y="96438"/>
+            <a:ext cx="5617" cy="6236298"/>
+          </a:xfrm>
+          <a:prstGeom prst="line">
+            <a:avLst/>
+          </a:prstGeom>
+          <a:ln w="3175">
+            <a:solidFill>
+              <a:srgbClr val="4277BB"/>
+            </a:solidFill>
+            <a:miter lim="400000"/>
+          </a:ln>
+        </p:spPr>
+        <p:txBody>
+          <a:bodyPr lIns="0" tIns="0" rIns="0" bIns="0" anchor="ctr"/>
+          <a:lstStyle/>
+          <a:p>
+            <a:pPr lvl="0">
+              <a:defRPr sz="1800"/>
+            </a:pPr>
+            <a:endParaRPr/>
+          </a:p>
+        </p:txBody>
+      </p:sp>
       <p:grpSp>
         <p:nvGrpSpPr>
           <p:cNvPr id="211" name="Group 210">
@@ -5367,10 +5405,10 @@
         </p:nvGrpSpPr>
         <p:grpSpPr>
           <a:xfrm>
-            <a:off x="215911" y="120531"/>
-            <a:ext cx="9658512" cy="7104201"/>
-            <a:chOff x="215911" y="120531"/>
-            <a:chExt cx="9658512" cy="7104201"/>
+            <a:off x="215911" y="120530"/>
+            <a:ext cx="9658512" cy="7090112"/>
+            <a:chOff x="215911" y="120530"/>
+            <a:chExt cx="9658512" cy="7090112"/>
           </a:xfrm>
         </p:grpSpPr>
         <p:sp>
@@ -5398,7 +5436,7 @@
             </a:ln>
             <a:extLst>
               <a:ext uri="{C572A759-6A51-4108-AA02-DFA0A04FC94B}">
-                <ma14:wrappingTextBoxFlag xmlns="" xmlns:ma14="http://schemas.microsoft.com/office/mac/drawingml/2011/main" val="1"/>
+                <ma14:wrappingTextBoxFlag xmlns:ma14="http://schemas.microsoft.com/office/mac/drawingml/2011/main" xmlns="" val="1"/>
               </a:ext>
             </a:extLst>
           </p:spPr>
@@ -5474,7 +5512,7 @@
           </p:nvSpPr>
           <p:spPr>
             <a:xfrm>
-              <a:off x="8402612" y="120531"/>
+              <a:off x="8383358" y="120530"/>
               <a:ext cx="852798" cy="307777"/>
             </a:xfrm>
             <a:prstGeom prst="rect">
@@ -5485,7 +5523,7 @@
             </a:ln>
             <a:extLst>
               <a:ext uri="{C572A759-6A51-4108-AA02-DFA0A04FC94B}">
-                <ma14:wrappingTextBoxFlag xmlns="" xmlns:ma14="http://schemas.microsoft.com/office/mac/drawingml/2011/main" val="1"/>
+                <ma14:wrappingTextBoxFlag xmlns:ma14="http://schemas.microsoft.com/office/mac/drawingml/2011/main" xmlns="" val="1"/>
               </a:ext>
             </a:extLst>
           </p:spPr>
@@ -5572,7 +5610,7 @@
             </a:ln>
             <a:extLst>
               <a:ext uri="{C572A759-6A51-4108-AA02-DFA0A04FC94B}">
-                <ma14:wrappingTextBoxFlag xmlns="" xmlns:ma14="http://schemas.microsoft.com/office/mac/drawingml/2011/main" val="1"/>
+                <ma14:wrappingTextBoxFlag xmlns:ma14="http://schemas.microsoft.com/office/mac/drawingml/2011/main" xmlns="" val="1"/>
               </a:ext>
             </a:extLst>
           </p:spPr>
@@ -5659,7 +5697,7 @@
             </a:ln>
             <a:extLst>
               <a:ext uri="{C572A759-6A51-4108-AA02-DFA0A04FC94B}">
-                <ma14:wrappingTextBoxFlag xmlns="" xmlns:ma14="http://schemas.microsoft.com/office/mac/drawingml/2011/main" val="1"/>
+                <ma14:wrappingTextBoxFlag xmlns:ma14="http://schemas.microsoft.com/office/mac/drawingml/2011/main" xmlns="" val="1"/>
               </a:ext>
             </a:extLst>
           </p:spPr>
@@ -5746,7 +5784,7 @@
             </a:ln>
             <a:extLst>
               <a:ext uri="{C572A759-6A51-4108-AA02-DFA0A04FC94B}">
-                <ma14:wrappingTextBoxFlag xmlns="" xmlns:ma14="http://schemas.microsoft.com/office/mac/drawingml/2011/main" val="1"/>
+                <ma14:wrappingTextBoxFlag xmlns:ma14="http://schemas.microsoft.com/office/mac/drawingml/2011/main" xmlns="" val="1"/>
               </a:ext>
             </a:extLst>
           </p:spPr>
@@ -5850,7 +5888,7 @@
             </a:ln>
             <a:extLst>
               <a:ext uri="{C572A759-6A51-4108-AA02-DFA0A04FC94B}">
-                <ma14:wrappingTextBoxFlag xmlns="" xmlns:ma14="http://schemas.microsoft.com/office/mac/drawingml/2011/main" val="1"/>
+                <ma14:wrappingTextBoxFlag xmlns:ma14="http://schemas.microsoft.com/office/mac/drawingml/2011/main" xmlns="" val="1"/>
               </a:ext>
             </a:extLst>
           </p:spPr>
@@ -5937,7 +5975,7 @@
             </a:ln>
             <a:extLst>
               <a:ext uri="{C572A759-6A51-4108-AA02-DFA0A04FC94B}">
-                <ma14:wrappingTextBoxFlag xmlns="" xmlns:ma14="http://schemas.microsoft.com/office/mac/drawingml/2011/main" val="1"/>
+                <ma14:wrappingTextBoxFlag xmlns:ma14="http://schemas.microsoft.com/office/mac/drawingml/2011/main" xmlns="" val="1"/>
               </a:ext>
             </a:extLst>
           </p:spPr>
@@ -6007,7 +6045,7 @@
             </a:ln>
             <a:extLst>
               <a:ext uri="{C572A759-6A51-4108-AA02-DFA0A04FC94B}">
-                <ma14:wrappingTextBoxFlag xmlns="" xmlns:ma14="http://schemas.microsoft.com/office/mac/drawingml/2011/main" val="1"/>
+                <ma14:wrappingTextBoxFlag xmlns:ma14="http://schemas.microsoft.com/office/mac/drawingml/2011/main" xmlns="" val="1"/>
               </a:ext>
             </a:extLst>
           </p:spPr>
@@ -6094,7 +6132,7 @@
             </a:ln>
             <a:extLst>
               <a:ext uri="{C572A759-6A51-4108-AA02-DFA0A04FC94B}">
-                <ma14:wrappingTextBoxFlag xmlns="" xmlns:ma14="http://schemas.microsoft.com/office/mac/drawingml/2011/main" val="1"/>
+                <ma14:wrappingTextBoxFlag xmlns:ma14="http://schemas.microsoft.com/office/mac/drawingml/2011/main" xmlns="" val="1"/>
               </a:ext>
             </a:extLst>
           </p:spPr>
@@ -6181,7 +6219,7 @@
             </a:ln>
             <a:extLst>
               <a:ext uri="{C572A759-6A51-4108-AA02-DFA0A04FC94B}">
-                <ma14:wrappingTextBoxFlag xmlns="" xmlns:ma14="http://schemas.microsoft.com/office/mac/drawingml/2011/main" val="1"/>
+                <ma14:wrappingTextBoxFlag xmlns:ma14="http://schemas.microsoft.com/office/mac/drawingml/2011/main" xmlns="" val="1"/>
               </a:ext>
             </a:extLst>
           </p:spPr>
@@ -6268,7 +6306,7 @@
             </a:ln>
             <a:extLst>
               <a:ext uri="{C572A759-6A51-4108-AA02-DFA0A04FC94B}">
-                <ma14:wrappingTextBoxFlag xmlns="" xmlns:ma14="http://schemas.microsoft.com/office/mac/drawingml/2011/main" val="1"/>
+                <ma14:wrappingTextBoxFlag xmlns:ma14="http://schemas.microsoft.com/office/mac/drawingml/2011/main" xmlns="" val="1"/>
               </a:ext>
             </a:extLst>
           </p:spPr>
@@ -6327,7 +6365,7 @@
           </p:nvSpPr>
           <p:spPr>
             <a:xfrm>
-              <a:off x="3784044" y="6916955"/>
+              <a:off x="4296050" y="6902865"/>
               <a:ext cx="934551" cy="307777"/>
             </a:xfrm>
             <a:prstGeom prst="rect">
@@ -6338,7 +6376,7 @@
             </a:ln>
             <a:extLst>
               <a:ext uri="{C572A759-6A51-4108-AA02-DFA0A04FC94B}">
-                <ma14:wrappingTextBoxFlag xmlns="" xmlns:ma14="http://schemas.microsoft.com/office/mac/drawingml/2011/main" val="1"/>
+                <ma14:wrappingTextBoxFlag xmlns:ma14="http://schemas.microsoft.com/office/mac/drawingml/2011/main" xmlns="" val="1"/>
               </a:ext>
             </a:extLst>
           </p:spPr>
@@ -6414,7 +6452,7 @@
           </p:nvSpPr>
           <p:spPr>
             <a:xfrm>
-              <a:off x="2494393" y="6911466"/>
+              <a:off x="3096938" y="6896203"/>
               <a:ext cx="940963" cy="307777"/>
             </a:xfrm>
             <a:prstGeom prst="rect">
@@ -6425,7 +6463,7 @@
             </a:ln>
             <a:extLst>
               <a:ext uri="{C572A759-6A51-4108-AA02-DFA0A04FC94B}">
-                <ma14:wrappingTextBoxFlag xmlns="" xmlns:ma14="http://schemas.microsoft.com/office/mac/drawingml/2011/main" val="1"/>
+                <ma14:wrappingTextBoxFlag xmlns:ma14="http://schemas.microsoft.com/office/mac/drawingml/2011/main" xmlns="" val="1"/>
               </a:ext>
             </a:extLst>
           </p:spPr>
@@ -6512,7 +6550,7 @@
             </a:ln>
             <a:extLst>
               <a:ext uri="{C572A759-6A51-4108-AA02-DFA0A04FC94B}">
-                <ma14:wrappingTextBoxFlag xmlns="" xmlns:ma14="http://schemas.microsoft.com/office/mac/drawingml/2011/main" val="1"/>
+                <ma14:wrappingTextBoxFlag xmlns:ma14="http://schemas.microsoft.com/office/mac/drawingml/2011/main" xmlns="" val="1"/>
               </a:ext>
             </a:extLst>
           </p:spPr>
@@ -6582,7 +6620,7 @@
             </a:ln>
             <a:extLst>
               <a:ext uri="{C572A759-6A51-4108-AA02-DFA0A04FC94B}">
-                <ma14:wrappingTextBoxFlag xmlns="" xmlns:ma14="http://schemas.microsoft.com/office/mac/drawingml/2011/main" val="1"/>
+                <ma14:wrappingTextBoxFlag xmlns:ma14="http://schemas.microsoft.com/office/mac/drawingml/2011/main" xmlns="" val="1"/>
               </a:ext>
             </a:extLst>
           </p:spPr>
@@ -6652,7 +6690,7 @@
             </a:ln>
             <a:extLst>
               <a:ext uri="{C572A759-6A51-4108-AA02-DFA0A04FC94B}">
-                <ma14:wrappingTextBoxFlag xmlns="" xmlns:ma14="http://schemas.microsoft.com/office/mac/drawingml/2011/main" val="1"/>
+                <ma14:wrappingTextBoxFlag xmlns:ma14="http://schemas.microsoft.com/office/mac/drawingml/2011/main" xmlns="" val="1"/>
               </a:ext>
             </a:extLst>
           </p:spPr>
@@ -6722,7 +6760,7 @@
             </a:ln>
             <a:extLst>
               <a:ext uri="{C572A759-6A51-4108-AA02-DFA0A04FC94B}">
-                <ma14:wrappingTextBoxFlag xmlns="" xmlns:ma14="http://schemas.microsoft.com/office/mac/drawingml/2011/main" val="1"/>
+                <ma14:wrappingTextBoxFlag xmlns:ma14="http://schemas.microsoft.com/office/mac/drawingml/2011/main" xmlns="" val="1"/>
               </a:ext>
             </a:extLst>
           </p:spPr>
@@ -6792,7 +6830,7 @@
             </a:ln>
             <a:extLst>
               <a:ext uri="{C572A759-6A51-4108-AA02-DFA0A04FC94B}">
-                <ma14:wrappingTextBoxFlag xmlns="" xmlns:ma14="http://schemas.microsoft.com/office/mac/drawingml/2011/main" val="1"/>
+                <ma14:wrappingTextBoxFlag xmlns:ma14="http://schemas.microsoft.com/office/mac/drawingml/2011/main" xmlns="" val="1"/>
               </a:ext>
             </a:extLst>
           </p:spPr>
@@ -6862,7 +6900,7 @@
             </a:ln>
             <a:extLst>
               <a:ext uri="{C572A759-6A51-4108-AA02-DFA0A04FC94B}">
-                <ma14:wrappingTextBoxFlag xmlns="" xmlns:ma14="http://schemas.microsoft.com/office/mac/drawingml/2011/main" val="1"/>
+                <ma14:wrappingTextBoxFlag xmlns:ma14="http://schemas.microsoft.com/office/mac/drawingml/2011/main" xmlns="" val="1"/>
               </a:ext>
             </a:extLst>
           </p:spPr>
@@ -6932,7 +6970,7 @@
             </a:ln>
             <a:extLst>
               <a:ext uri="{C572A759-6A51-4108-AA02-DFA0A04FC94B}">
-                <ma14:wrappingTextBoxFlag xmlns="" xmlns:ma14="http://schemas.microsoft.com/office/mac/drawingml/2011/main" val="1"/>
+                <ma14:wrappingTextBoxFlag xmlns:ma14="http://schemas.microsoft.com/office/mac/drawingml/2011/main" xmlns="" val="1"/>
               </a:ext>
             </a:extLst>
           </p:spPr>
@@ -7002,7 +7040,7 @@
             </a:ln>
             <a:extLst>
               <a:ext uri="{C572A759-6A51-4108-AA02-DFA0A04FC94B}">
-                <ma14:wrappingTextBoxFlag xmlns="" xmlns:ma14="http://schemas.microsoft.com/office/mac/drawingml/2011/main" val="1"/>
+                <ma14:wrappingTextBoxFlag xmlns:ma14="http://schemas.microsoft.com/office/mac/drawingml/2011/main" xmlns="" val="1"/>
               </a:ext>
             </a:extLst>
           </p:spPr>
@@ -7072,7 +7110,7 @@
             </a:ln>
             <a:extLst>
               <a:ext uri="{C572A759-6A51-4108-AA02-DFA0A04FC94B}">
-                <ma14:wrappingTextBoxFlag xmlns="" xmlns:ma14="http://schemas.microsoft.com/office/mac/drawingml/2011/main" val="1"/>
+                <ma14:wrappingTextBoxFlag xmlns:ma14="http://schemas.microsoft.com/office/mac/drawingml/2011/main" xmlns="" val="1"/>
               </a:ext>
             </a:extLst>
           </p:spPr>
@@ -7142,7 +7180,7 @@
             </a:ln>
             <a:extLst>
               <a:ext uri="{C572A759-6A51-4108-AA02-DFA0A04FC94B}">
-                <ma14:wrappingTextBoxFlag xmlns="" xmlns:ma14="http://schemas.microsoft.com/office/mac/drawingml/2011/main" val="1"/>
+                <ma14:wrappingTextBoxFlag xmlns:ma14="http://schemas.microsoft.com/office/mac/drawingml/2011/main" xmlns="" val="1"/>
               </a:ext>
             </a:extLst>
           </p:spPr>
@@ -7212,7 +7250,7 @@
             </a:ln>
             <a:extLst>
               <a:ext uri="{C572A759-6A51-4108-AA02-DFA0A04FC94B}">
-                <ma14:wrappingTextBoxFlag xmlns="" xmlns:ma14="http://schemas.microsoft.com/office/mac/drawingml/2011/main" val="1"/>
+                <ma14:wrappingTextBoxFlag xmlns:ma14="http://schemas.microsoft.com/office/mac/drawingml/2011/main" xmlns="" val="1"/>
               </a:ext>
             </a:extLst>
           </p:spPr>
@@ -7282,7 +7320,7 @@
             </a:ln>
             <a:extLst>
               <a:ext uri="{C572A759-6A51-4108-AA02-DFA0A04FC94B}">
-                <ma14:wrappingTextBoxFlag xmlns="" xmlns:ma14="http://schemas.microsoft.com/office/mac/drawingml/2011/main" val="1"/>
+                <ma14:wrappingTextBoxFlag xmlns:ma14="http://schemas.microsoft.com/office/mac/drawingml/2011/main" xmlns="" val="1"/>
               </a:ext>
             </a:extLst>
           </p:spPr>
@@ -7352,7 +7390,7 @@
             </a:ln>
             <a:extLst>
               <a:ext uri="{C572A759-6A51-4108-AA02-DFA0A04FC94B}">
-                <ma14:wrappingTextBoxFlag xmlns="" xmlns:ma14="http://schemas.microsoft.com/office/mac/drawingml/2011/main" val="1"/>
+                <ma14:wrappingTextBoxFlag xmlns:ma14="http://schemas.microsoft.com/office/mac/drawingml/2011/main" xmlns="" val="1"/>
               </a:ext>
             </a:extLst>
           </p:spPr>
@@ -7422,7 +7460,7 @@
             </a:ln>
             <a:extLst>
               <a:ext uri="{C572A759-6A51-4108-AA02-DFA0A04FC94B}">
-                <ma14:wrappingTextBoxFlag xmlns="" xmlns:ma14="http://schemas.microsoft.com/office/mac/drawingml/2011/main" val="1"/>
+                <ma14:wrappingTextBoxFlag xmlns:ma14="http://schemas.microsoft.com/office/mac/drawingml/2011/main" xmlns="" val="1"/>
               </a:ext>
             </a:extLst>
           </p:spPr>
@@ -7512,82 +7550,6 @@
       </p:sp>
       <p:sp>
         <p:nvSpPr>
-          <p:cNvPr id="136" name="Shape 66">
-            <a:extLst>
-              <a:ext uri="{FF2B5EF4-FFF2-40B4-BE49-F238E27FC236}">
-                <a16:creationId xmlns:a16="http://schemas.microsoft.com/office/drawing/2014/main" id="{968DFB3D-9547-704D-AD7F-FF7C078B591E}"/>
-              </a:ext>
-            </a:extLst>
-          </p:cNvPr>
-          <p:cNvSpPr/>
-          <p:nvPr/>
-        </p:nvSpPr>
-        <p:spPr>
-          <a:xfrm flipH="1" flipV="1">
-            <a:off x="8294141" y="80316"/>
-            <a:ext cx="0" cy="7268968"/>
-          </a:xfrm>
-          <a:prstGeom prst="line">
-            <a:avLst/>
-          </a:prstGeom>
-          <a:ln w="3175">
-            <a:solidFill>
-              <a:srgbClr val="4277BB"/>
-            </a:solidFill>
-            <a:miter lim="400000"/>
-          </a:ln>
-        </p:spPr>
-        <p:txBody>
-          <a:bodyPr lIns="0" tIns="0" rIns="0" bIns="0" anchor="ctr"/>
-          <a:lstStyle/>
-          <a:p>
-            <a:pPr lvl="0">
-              <a:defRPr sz="1800"/>
-            </a:pPr>
-            <a:endParaRPr/>
-          </a:p>
-        </p:txBody>
-      </p:sp>
-      <p:sp>
-        <p:nvSpPr>
-          <p:cNvPr id="141" name="Shape 66">
-            <a:extLst>
-              <a:ext uri="{FF2B5EF4-FFF2-40B4-BE49-F238E27FC236}">
-                <a16:creationId xmlns:a16="http://schemas.microsoft.com/office/drawing/2014/main" id="{84D49E6F-CCA3-1749-868F-1B1043B0879C}"/>
-              </a:ext>
-            </a:extLst>
-          </p:cNvPr>
-          <p:cNvSpPr/>
-          <p:nvPr/>
-        </p:nvSpPr>
-        <p:spPr>
-          <a:xfrm flipV="1">
-            <a:off x="1208787" y="80050"/>
-            <a:ext cx="2367" cy="7268972"/>
-          </a:xfrm>
-          <a:prstGeom prst="line">
-            <a:avLst/>
-          </a:prstGeom>
-          <a:ln w="3175">
-            <a:solidFill>
-              <a:srgbClr val="4277BB"/>
-            </a:solidFill>
-            <a:miter lim="400000"/>
-          </a:ln>
-        </p:spPr>
-        <p:txBody>
-          <a:bodyPr lIns="0" tIns="0" rIns="0" bIns="0" anchor="ctr"/>
-          <a:lstStyle/>
-          <a:p>
-            <a:pPr lvl="0">
-              <a:defRPr sz="1800"/>
-            </a:pPr>
-            <a:endParaRPr/>
-          </a:p>
-        </p:txBody>
-      </p:sp>
-      <p:sp>
-        <p:nvSpPr>
           <p:cNvPr id="147" name="Shape 63">
             <a:extLst>
               <a:ext uri="{FF2B5EF4-FFF2-40B4-BE49-F238E27FC236}">
@@ -7600,7 +7562,7 @@
         </p:nvSpPr>
         <p:spPr>
           <a:xfrm>
-            <a:off x="1327767" y="131982"/>
+            <a:off x="1327767" y="117076"/>
             <a:ext cx="678071" cy="307777"/>
           </a:xfrm>
           <a:prstGeom prst="rect">
@@ -7611,7 +7573,7 @@
           </a:ln>
           <a:extLst>
             <a:ext uri="{C572A759-6A51-4108-AA02-DFA0A04FC94B}">
-              <ma14:wrappingTextBoxFlag xmlns="" xmlns:ma14="http://schemas.microsoft.com/office/mac/drawingml/2011/main" val="1"/>
+              <ma14:wrappingTextBoxFlag xmlns:ma14="http://schemas.microsoft.com/office/mac/drawingml/2011/main" xmlns="" val="1"/>
             </a:ext>
           </a:extLst>
         </p:spPr>
@@ -9308,83 +9270,6 @@
       </p:sp>
       <p:sp>
         <p:nvSpPr>
-          <p:cNvPr id="154" name="Rounded Rectangle 153">
-            <a:extLst>
-              <a:ext uri="{FF2B5EF4-FFF2-40B4-BE49-F238E27FC236}">
-                <a16:creationId xmlns:a16="http://schemas.microsoft.com/office/drawing/2014/main" id="{11B4C085-2B1D-504D-BDA3-F79DCA86752C}"/>
-              </a:ext>
-            </a:extLst>
-          </p:cNvPr>
-          <p:cNvSpPr/>
-          <p:nvPr/>
-        </p:nvSpPr>
-        <p:spPr>
-          <a:xfrm>
-            <a:off x="2030353" y="6354622"/>
-            <a:ext cx="5465947" cy="834134"/>
-          </a:xfrm>
-          <a:prstGeom prst="roundRect">
-            <a:avLst>
-              <a:gd name="adj" fmla="val 2194"/>
-            </a:avLst>
-          </a:prstGeom>
-          <a:noFill/>
-          <a:ln w="6350">
-            <a:solidFill>
-              <a:srgbClr val="4E77B6"/>
-            </a:solidFill>
-          </a:ln>
-          <a:effectLst>
-            <a:outerShdw blurRad="50800" dist="38100" dir="8100000" algn="tr" rotWithShape="0">
-              <a:prstClr val="black">
-                <a:alpha val="40000"/>
-              </a:prstClr>
-            </a:outerShdw>
-          </a:effectLst>
-        </p:spPr>
-        <p:style>
-          <a:lnRef idx="2">
-            <a:schemeClr val="accent1">
-              <a:shade val="50000"/>
-            </a:schemeClr>
-          </a:lnRef>
-          <a:fillRef idx="1">
-            <a:schemeClr val="accent1"/>
-          </a:fillRef>
-          <a:effectRef idx="0">
-            <a:schemeClr val="accent1"/>
-          </a:effectRef>
-          <a:fontRef idx="minor">
-            <a:schemeClr val="lt1"/>
-          </a:fontRef>
-        </p:style>
-        <p:txBody>
-          <a:bodyPr rtlCol="0" anchor="ctr"/>
-          <a:lstStyle/>
-          <a:p>
-            <a:pPr algn="ctr"/>
-            <a:endParaRPr lang="en-US" b="1" dirty="0">
-              <a:ln w="22225">
-                <a:solidFill>
-                  <a:schemeClr val="accent2"/>
-                </a:solidFill>
-                <a:prstDash val="solid"/>
-              </a:ln>
-              <a:solidFill>
-                <a:schemeClr val="accent2">
-                  <a:lumMod val="40000"/>
-                  <a:lumOff val="60000"/>
-                </a:schemeClr>
-              </a:solidFill>
-              <a:latin typeface="IBM Plex Sans" charset="0"/>
-              <a:ea typeface="IBM Plex Sans" charset="0"/>
-              <a:cs typeface="IBM Plex Sans" charset="0"/>
-            </a:endParaRPr>
-          </a:p>
-        </p:txBody>
-      </p:sp>
-      <p:sp>
-        <p:nvSpPr>
           <p:cNvPr id="135" name="Rounded Rectangle 134">
             <a:extLst>
               <a:ext uri="{FF2B5EF4-FFF2-40B4-BE49-F238E27FC236}">
@@ -9562,7 +9447,7 @@
           </a:ln>
           <a:extLst>
             <a:ext uri="{C572A759-6A51-4108-AA02-DFA0A04FC94B}">
-              <ma14:wrappingTextBoxFlag xmlns="" xmlns:ma14="http://schemas.microsoft.com/office/mac/drawingml/2011/main" val="1"/>
+              <ma14:wrappingTextBoxFlag xmlns:ma14="http://schemas.microsoft.com/office/mac/drawingml/2011/main" xmlns="" val="1"/>
             </a:ext>
           </a:extLst>
         </p:spPr>
@@ -9632,7 +9517,7 @@
           </a:ln>
           <a:extLst>
             <a:ext uri="{C572A759-6A51-4108-AA02-DFA0A04FC94B}">
-              <ma14:wrappingTextBoxFlag xmlns="" xmlns:ma14="http://schemas.microsoft.com/office/mac/drawingml/2011/main" val="1"/>
+              <ma14:wrappingTextBoxFlag xmlns:ma14="http://schemas.microsoft.com/office/mac/drawingml/2011/main" xmlns="" val="1"/>
             </a:ext>
           </a:extLst>
         </p:spPr>
@@ -9762,7 +9647,7 @@
           </a:ln>
           <a:extLst>
             <a:ext uri="{C572A759-6A51-4108-AA02-DFA0A04FC94B}">
-              <ma14:wrappingTextBoxFlag xmlns="" xmlns:ma14="http://schemas.microsoft.com/office/mac/drawingml/2011/main" val="1"/>
+              <ma14:wrappingTextBoxFlag xmlns:ma14="http://schemas.microsoft.com/office/mac/drawingml/2011/main" xmlns="" val="1"/>
             </a:ext>
           </a:extLst>
         </p:spPr>
@@ -9832,7 +9717,7 @@
           </a:ln>
           <a:extLst>
             <a:ext uri="{C572A759-6A51-4108-AA02-DFA0A04FC94B}">
-              <ma14:wrappingTextBoxFlag xmlns="" xmlns:ma14="http://schemas.microsoft.com/office/mac/drawingml/2011/main" val="1"/>
+              <ma14:wrappingTextBoxFlag xmlns:ma14="http://schemas.microsoft.com/office/mac/drawingml/2011/main" xmlns="" val="1"/>
             </a:ext>
           </a:extLst>
         </p:spPr>
@@ -10266,7 +10151,7 @@
           </a:ln>
           <a:extLst>
             <a:ext uri="{C572A759-6A51-4108-AA02-DFA0A04FC94B}">
-              <ma14:wrappingTextBoxFlag xmlns="" xmlns:ma14="http://schemas.microsoft.com/office/mac/drawingml/2011/main" val="1"/>
+              <ma14:wrappingTextBoxFlag xmlns:ma14="http://schemas.microsoft.com/office/mac/drawingml/2011/main" xmlns="" val="1"/>
             </a:ext>
           </a:extLst>
         </p:spPr>
@@ -10336,7 +10221,7 @@
           </a:ln>
           <a:extLst>
             <a:ext uri="{C572A759-6A51-4108-AA02-DFA0A04FC94B}">
-              <ma14:wrappingTextBoxFlag xmlns="" xmlns:ma14="http://schemas.microsoft.com/office/mac/drawingml/2011/main" val="1"/>
+              <ma14:wrappingTextBoxFlag xmlns:ma14="http://schemas.microsoft.com/office/mac/drawingml/2011/main" xmlns="" val="1"/>
             </a:ext>
           </a:extLst>
         </p:spPr>
@@ -10406,7 +10291,7 @@
           </a:ln>
           <a:extLst>
             <a:ext uri="{C572A759-6A51-4108-AA02-DFA0A04FC94B}">
-              <ma14:wrappingTextBoxFlag xmlns="" xmlns:ma14="http://schemas.microsoft.com/office/mac/drawingml/2011/main" val="1"/>
+              <ma14:wrappingTextBoxFlag xmlns:ma14="http://schemas.microsoft.com/office/mac/drawingml/2011/main" xmlns="" val="1"/>
             </a:ext>
           </a:extLst>
         </p:spPr>
@@ -10476,7 +10361,7 @@
           </a:ln>
           <a:extLst>
             <a:ext uri="{C572A759-6A51-4108-AA02-DFA0A04FC94B}">
-              <ma14:wrappingTextBoxFlag xmlns="" xmlns:ma14="http://schemas.microsoft.com/office/mac/drawingml/2011/main" val="1"/>
+              <ma14:wrappingTextBoxFlag xmlns:ma14="http://schemas.microsoft.com/office/mac/drawingml/2011/main" xmlns="" val="1"/>
             </a:ext>
           </a:extLst>
         </p:spPr>
@@ -10624,7 +10509,7 @@
           </a:ln>
           <a:extLst>
             <a:ext uri="{C572A759-6A51-4108-AA02-DFA0A04FC94B}">
-              <ma14:wrappingTextBoxFlag xmlns="" xmlns:ma14="http://schemas.microsoft.com/office/mac/drawingml/2011/main" val="1"/>
+              <ma14:wrappingTextBoxFlag xmlns:ma14="http://schemas.microsoft.com/office/mac/drawingml/2011/main" xmlns="" val="1"/>
             </a:ext>
           </a:extLst>
         </p:spPr>
@@ -10850,7 +10735,7 @@
         </p:nvGrpSpPr>
         <p:grpSpPr>
           <a:xfrm>
-            <a:off x="2713415" y="6419885"/>
+            <a:off x="3315960" y="6404195"/>
             <a:ext cx="502920" cy="457200"/>
             <a:chOff x="106864" y="0"/>
             <a:chExt cx="707233" cy="707232"/>
@@ -10998,7 +10883,7 @@
         </p:nvGrpSpPr>
         <p:grpSpPr>
           <a:xfrm>
-            <a:off x="3998267" y="6403911"/>
+            <a:off x="4525170" y="6404195"/>
             <a:ext cx="502920" cy="457200"/>
             <a:chOff x="-1334861" y="4454538"/>
             <a:chExt cx="707235" cy="730612"/>
@@ -11146,7 +11031,7 @@
         </p:nvGrpSpPr>
         <p:grpSpPr>
           <a:xfrm>
-            <a:off x="5245893" y="6397644"/>
+            <a:off x="5734380" y="6411226"/>
             <a:ext cx="502920" cy="457200"/>
             <a:chOff x="0" y="0"/>
             <a:chExt cx="707232" cy="707232"/>
@@ -11294,7 +11179,7 @@
         </p:nvSpPr>
         <p:spPr>
           <a:xfrm>
-            <a:off x="5005685" y="6877085"/>
+            <a:off x="5465763" y="6925030"/>
             <a:ext cx="823944" cy="153888"/>
           </a:xfrm>
           <a:prstGeom prst="rect">
@@ -11305,7 +11190,7 @@
           </a:ln>
           <a:extLst>
             <a:ext uri="{C572A759-6A51-4108-AA02-DFA0A04FC94B}">
-              <ma14:wrappingTextBoxFlag xmlns="" xmlns:ma14="http://schemas.microsoft.com/office/mac/drawingml/2011/main" val="1"/>
+              <ma14:wrappingTextBoxFlag xmlns:ma14="http://schemas.microsoft.com/office/mac/drawingml/2011/main" xmlns="" val="1"/>
             </a:ext>
           </a:extLst>
         </p:spPr>
@@ -11347,6 +11232,121 @@
                 <a:srgbClr val="4277BB"/>
               </a:solidFill>
             </a:endParaRPr>
+          </a:p>
+        </p:txBody>
+      </p:sp>
+      <p:sp>
+        <p:nvSpPr>
+          <p:cNvPr id="154" name="Rounded Rectangle 153">
+            <a:extLst>
+              <a:ext uri="{FF2B5EF4-FFF2-40B4-BE49-F238E27FC236}">
+                <a16:creationId xmlns:a16="http://schemas.microsoft.com/office/drawing/2014/main" id="{11B4C085-2B1D-504D-BDA3-F79DCA86752C}"/>
+              </a:ext>
+            </a:extLst>
+          </p:cNvPr>
+          <p:cNvSpPr/>
+          <p:nvPr/>
+        </p:nvSpPr>
+        <p:spPr>
+          <a:xfrm>
+            <a:off x="991744" y="6354622"/>
+            <a:ext cx="7507664" cy="834134"/>
+          </a:xfrm>
+          <a:prstGeom prst="roundRect">
+            <a:avLst>
+              <a:gd name="adj" fmla="val 2194"/>
+            </a:avLst>
+          </a:prstGeom>
+          <a:noFill/>
+          <a:ln w="6350">
+            <a:solidFill>
+              <a:srgbClr val="4E77B6"/>
+            </a:solidFill>
+          </a:ln>
+          <a:effectLst>
+            <a:outerShdw blurRad="50800" dist="38100" dir="8100000" algn="tr" rotWithShape="0">
+              <a:prstClr val="black">
+                <a:alpha val="40000"/>
+              </a:prstClr>
+            </a:outerShdw>
+          </a:effectLst>
+        </p:spPr>
+        <p:style>
+          <a:lnRef idx="2">
+            <a:schemeClr val="accent1">
+              <a:shade val="50000"/>
+            </a:schemeClr>
+          </a:lnRef>
+          <a:fillRef idx="1">
+            <a:schemeClr val="accent1"/>
+          </a:fillRef>
+          <a:effectRef idx="0">
+            <a:schemeClr val="accent1"/>
+          </a:effectRef>
+          <a:fontRef idx="minor">
+            <a:schemeClr val="lt1"/>
+          </a:fontRef>
+        </p:style>
+        <p:txBody>
+          <a:bodyPr rtlCol="0" anchor="ctr"/>
+          <a:lstStyle/>
+          <a:p>
+            <a:pPr algn="ctr"/>
+            <a:endParaRPr lang="en-US" b="1" dirty="0">
+              <a:ln w="22225">
+                <a:solidFill>
+                  <a:schemeClr val="accent2"/>
+                </a:solidFill>
+                <a:prstDash val="solid"/>
+              </a:ln>
+              <a:solidFill>
+                <a:schemeClr val="accent2">
+                  <a:lumMod val="40000"/>
+                  <a:lumOff val="60000"/>
+                </a:schemeClr>
+              </a:solidFill>
+              <a:latin typeface="IBM Plex Sans" charset="0"/>
+              <a:ea typeface="IBM Plex Sans" charset="0"/>
+              <a:cs typeface="IBM Plex Sans" charset="0"/>
+            </a:endParaRPr>
+          </a:p>
+        </p:txBody>
+      </p:sp>
+      <p:sp>
+        <p:nvSpPr>
+          <p:cNvPr id="132" name="Shape 66">
+            <a:extLst>
+              <a:ext uri="{FF2B5EF4-FFF2-40B4-BE49-F238E27FC236}">
+                <a16:creationId xmlns:a16="http://schemas.microsoft.com/office/drawing/2014/main" id="{D44FCEBC-E017-6C4E-BF60-387EE48C88F5}"/>
+              </a:ext>
+            </a:extLst>
+          </p:cNvPr>
+          <p:cNvSpPr/>
+          <p:nvPr/>
+        </p:nvSpPr>
+        <p:spPr>
+          <a:xfrm flipH="1" flipV="1">
+            <a:off x="1202811" y="95541"/>
+            <a:ext cx="19800" cy="6259081"/>
+          </a:xfrm>
+          <a:prstGeom prst="line">
+            <a:avLst/>
+          </a:prstGeom>
+          <a:ln w="3175">
+            <a:solidFill>
+              <a:srgbClr val="4277BB"/>
+            </a:solidFill>
+            <a:miter lim="400000"/>
+          </a:ln>
+        </p:spPr>
+        <p:txBody>
+          <a:bodyPr lIns="0" tIns="0" rIns="0" bIns="0" anchor="ctr"/>
+          <a:lstStyle/>
+          <a:p>
+            <a:pPr lvl="0">
+              <a:defRPr sz="1800"/>
+            </a:pPr>
+            <a:endParaRPr/>
           </a:p>
         </p:txBody>
       </p:sp>
@@ -11436,7 +11436,7 @@
           </a:ln>
           <a:extLst>
             <a:ext uri="{C572A759-6A51-4108-AA02-DFA0A04FC94B}">
-              <ma14:wrappingTextBoxFlag xmlns:ma14="http://schemas.microsoft.com/office/mac/drawingml/2011/main" xmlns="" val="1"/>
+              <ma14:wrappingTextBoxFlag xmlns="" xmlns:ma14="http://schemas.microsoft.com/office/mac/drawingml/2011/main" val="1"/>
             </a:ext>
           </a:extLst>
         </p:spPr>
@@ -11484,7 +11484,7 @@
           </a:ln>
           <a:extLst>
             <a:ext uri="{C572A759-6A51-4108-AA02-DFA0A04FC94B}">
-              <ma14:wrappingTextBoxFlag xmlns:ma14="http://schemas.microsoft.com/office/mac/drawingml/2011/main" xmlns="" val="1"/>
+              <ma14:wrappingTextBoxFlag xmlns="" xmlns:ma14="http://schemas.microsoft.com/office/mac/drawingml/2011/main" val="1"/>
             </a:ext>
           </a:extLst>
         </p:spPr>
@@ -11639,7 +11639,7 @@
             <a:effectLst/>
             <a:extLst>
               <a:ext uri="{C572A759-6A51-4108-AA02-DFA0A04FC94B}">
-                <ma14:wrappingTextBoxFlag xmlns:ma14="http://schemas.microsoft.com/office/mac/drawingml/2011/main" xmlns="" val="1"/>
+                <ma14:wrappingTextBoxFlag xmlns="" xmlns:ma14="http://schemas.microsoft.com/office/mac/drawingml/2011/main" val="1"/>
               </a:ext>
             </a:extLst>
           </p:spPr>
@@ -11801,7 +11801,7 @@
             <a:effectLst/>
             <a:extLst>
               <a:ext uri="{C572A759-6A51-4108-AA02-DFA0A04FC94B}">
-                <ma14:wrappingTextBoxFlag xmlns:ma14="http://schemas.microsoft.com/office/mac/drawingml/2011/main" xmlns="" val="1"/>
+                <ma14:wrappingTextBoxFlag xmlns="" xmlns:ma14="http://schemas.microsoft.com/office/mac/drawingml/2011/main" val="1"/>
               </a:ext>
             </a:extLst>
           </p:spPr>
@@ -11963,7 +11963,7 @@
             <a:effectLst/>
             <a:extLst>
               <a:ext uri="{C572A759-6A51-4108-AA02-DFA0A04FC94B}">
-                <ma14:wrappingTextBoxFlag xmlns:ma14="http://schemas.microsoft.com/office/mac/drawingml/2011/main" xmlns="" val="1"/>
+                <ma14:wrappingTextBoxFlag xmlns="" xmlns:ma14="http://schemas.microsoft.com/office/mac/drawingml/2011/main" val="1"/>
               </a:ext>
             </a:extLst>
           </p:spPr>
@@ -12125,7 +12125,7 @@
             <a:effectLst/>
             <a:extLst>
               <a:ext uri="{C572A759-6A51-4108-AA02-DFA0A04FC94B}">
-                <ma14:wrappingTextBoxFlag xmlns:ma14="http://schemas.microsoft.com/office/mac/drawingml/2011/main" xmlns="" val="1"/>
+                <ma14:wrappingTextBoxFlag xmlns="" xmlns:ma14="http://schemas.microsoft.com/office/mac/drawingml/2011/main" val="1"/>
               </a:ext>
             </a:extLst>
           </p:spPr>
@@ -12287,7 +12287,7 @@
             <a:effectLst/>
             <a:extLst>
               <a:ext uri="{C572A759-6A51-4108-AA02-DFA0A04FC94B}">
-                <ma14:wrappingTextBoxFlag xmlns:ma14="http://schemas.microsoft.com/office/mac/drawingml/2011/main" xmlns="" val="1"/>
+                <ma14:wrappingTextBoxFlag xmlns="" xmlns:ma14="http://schemas.microsoft.com/office/mac/drawingml/2011/main" val="1"/>
               </a:ext>
             </a:extLst>
           </p:spPr>
@@ -12449,7 +12449,7 @@
             <a:effectLst/>
             <a:extLst>
               <a:ext uri="{C572A759-6A51-4108-AA02-DFA0A04FC94B}">
-                <ma14:wrappingTextBoxFlag xmlns:ma14="http://schemas.microsoft.com/office/mac/drawingml/2011/main" xmlns="" val="1"/>
+                <ma14:wrappingTextBoxFlag xmlns="" xmlns:ma14="http://schemas.microsoft.com/office/mac/drawingml/2011/main" val="1"/>
               </a:ext>
             </a:extLst>
           </p:spPr>
@@ -12611,7 +12611,7 @@
             <a:effectLst/>
             <a:extLst>
               <a:ext uri="{C572A759-6A51-4108-AA02-DFA0A04FC94B}">
-                <ma14:wrappingTextBoxFlag xmlns:ma14="http://schemas.microsoft.com/office/mac/drawingml/2011/main" xmlns="" val="1"/>
+                <ma14:wrappingTextBoxFlag xmlns="" xmlns:ma14="http://schemas.microsoft.com/office/mac/drawingml/2011/main" val="1"/>
               </a:ext>
             </a:extLst>
           </p:spPr>
@@ -12773,7 +12773,7 @@
             <a:effectLst/>
             <a:extLst>
               <a:ext uri="{C572A759-6A51-4108-AA02-DFA0A04FC94B}">
-                <ma14:wrappingTextBoxFlag xmlns:ma14="http://schemas.microsoft.com/office/mac/drawingml/2011/main" xmlns="" val="1"/>
+                <ma14:wrappingTextBoxFlag xmlns="" xmlns:ma14="http://schemas.microsoft.com/office/mac/drawingml/2011/main" val="1"/>
               </a:ext>
             </a:extLst>
           </p:spPr>
@@ -12935,7 +12935,7 @@
             <a:effectLst/>
             <a:extLst>
               <a:ext uri="{C572A759-6A51-4108-AA02-DFA0A04FC94B}">
-                <ma14:wrappingTextBoxFlag xmlns:ma14="http://schemas.microsoft.com/office/mac/drawingml/2011/main" xmlns="" val="1"/>
+                <ma14:wrappingTextBoxFlag xmlns="" xmlns:ma14="http://schemas.microsoft.com/office/mac/drawingml/2011/main" val="1"/>
               </a:ext>
             </a:extLst>
           </p:spPr>
@@ -13097,7 +13097,7 @@
             <a:effectLst/>
             <a:extLst>
               <a:ext uri="{C572A759-6A51-4108-AA02-DFA0A04FC94B}">
-                <ma14:wrappingTextBoxFlag xmlns:ma14="http://schemas.microsoft.com/office/mac/drawingml/2011/main" xmlns="" val="1"/>
+                <ma14:wrappingTextBoxFlag xmlns="" xmlns:ma14="http://schemas.microsoft.com/office/mac/drawingml/2011/main" val="1"/>
               </a:ext>
             </a:extLst>
           </p:spPr>
@@ -13259,7 +13259,7 @@
             <a:effectLst/>
             <a:extLst>
               <a:ext uri="{C572A759-6A51-4108-AA02-DFA0A04FC94B}">
-                <ma14:wrappingTextBoxFlag xmlns:ma14="http://schemas.microsoft.com/office/mac/drawingml/2011/main" xmlns="" val="1"/>
+                <ma14:wrappingTextBoxFlag xmlns="" xmlns:ma14="http://schemas.microsoft.com/office/mac/drawingml/2011/main" val="1"/>
               </a:ext>
             </a:extLst>
           </p:spPr>
@@ -13421,7 +13421,7 @@
             <a:effectLst/>
             <a:extLst>
               <a:ext uri="{C572A759-6A51-4108-AA02-DFA0A04FC94B}">
-                <ma14:wrappingTextBoxFlag xmlns:ma14="http://schemas.microsoft.com/office/mac/drawingml/2011/main" xmlns="" val="1"/>
+                <ma14:wrappingTextBoxFlag xmlns="" xmlns:ma14="http://schemas.microsoft.com/office/mac/drawingml/2011/main" val="1"/>
               </a:ext>
             </a:extLst>
           </p:spPr>
@@ -13583,7 +13583,7 @@
             <a:effectLst/>
             <a:extLst>
               <a:ext uri="{C572A759-6A51-4108-AA02-DFA0A04FC94B}">
-                <ma14:wrappingTextBoxFlag xmlns:ma14="http://schemas.microsoft.com/office/mac/drawingml/2011/main" xmlns="" val="1"/>
+                <ma14:wrappingTextBoxFlag xmlns="" xmlns:ma14="http://schemas.microsoft.com/office/mac/drawingml/2011/main" val="1"/>
               </a:ext>
             </a:extLst>
           </p:spPr>
@@ -13745,7 +13745,7 @@
             <a:effectLst/>
             <a:extLst>
               <a:ext uri="{C572A759-6A51-4108-AA02-DFA0A04FC94B}">
-                <ma14:wrappingTextBoxFlag xmlns:ma14="http://schemas.microsoft.com/office/mac/drawingml/2011/main" xmlns="" val="1"/>
+                <ma14:wrappingTextBoxFlag xmlns="" xmlns:ma14="http://schemas.microsoft.com/office/mac/drawingml/2011/main" val="1"/>
               </a:ext>
             </a:extLst>
           </p:spPr>
@@ -13907,7 +13907,7 @@
             <a:effectLst/>
             <a:extLst>
               <a:ext uri="{C572A759-6A51-4108-AA02-DFA0A04FC94B}">
-                <ma14:wrappingTextBoxFlag xmlns:ma14="http://schemas.microsoft.com/office/mac/drawingml/2011/main" xmlns="" val="1"/>
+                <ma14:wrappingTextBoxFlag xmlns="" xmlns:ma14="http://schemas.microsoft.com/office/mac/drawingml/2011/main" val="1"/>
               </a:ext>
             </a:extLst>
           </p:spPr>
@@ -14069,7 +14069,7 @@
             <a:effectLst/>
             <a:extLst>
               <a:ext uri="{C572A759-6A51-4108-AA02-DFA0A04FC94B}">
-                <ma14:wrappingTextBoxFlag xmlns:ma14="http://schemas.microsoft.com/office/mac/drawingml/2011/main" xmlns="" val="1"/>
+                <ma14:wrappingTextBoxFlag xmlns="" xmlns:ma14="http://schemas.microsoft.com/office/mac/drawingml/2011/main" val="1"/>
               </a:ext>
             </a:extLst>
           </p:spPr>
@@ -14231,7 +14231,7 @@
             <a:effectLst/>
             <a:extLst>
               <a:ext uri="{C572A759-6A51-4108-AA02-DFA0A04FC94B}">
-                <ma14:wrappingTextBoxFlag xmlns:ma14="http://schemas.microsoft.com/office/mac/drawingml/2011/main" xmlns="" val="1"/>
+                <ma14:wrappingTextBoxFlag xmlns="" xmlns:ma14="http://schemas.microsoft.com/office/mac/drawingml/2011/main" val="1"/>
               </a:ext>
             </a:extLst>
           </p:spPr>
@@ -14393,7 +14393,7 @@
             <a:effectLst/>
             <a:extLst>
               <a:ext uri="{C572A759-6A51-4108-AA02-DFA0A04FC94B}">
-                <ma14:wrappingTextBoxFlag xmlns:ma14="http://schemas.microsoft.com/office/mac/drawingml/2011/main" xmlns="" val="1"/>
+                <ma14:wrappingTextBoxFlag xmlns="" xmlns:ma14="http://schemas.microsoft.com/office/mac/drawingml/2011/main" val="1"/>
               </a:ext>
             </a:extLst>
           </p:spPr>
@@ -14555,7 +14555,7 @@
             <a:effectLst/>
             <a:extLst>
               <a:ext uri="{C572A759-6A51-4108-AA02-DFA0A04FC94B}">
-                <ma14:wrappingTextBoxFlag xmlns:ma14="http://schemas.microsoft.com/office/mac/drawingml/2011/main" xmlns="" val="1"/>
+                <ma14:wrappingTextBoxFlag xmlns="" xmlns:ma14="http://schemas.microsoft.com/office/mac/drawingml/2011/main" val="1"/>
               </a:ext>
             </a:extLst>
           </p:spPr>
@@ -14717,7 +14717,7 @@
             <a:effectLst/>
             <a:extLst>
               <a:ext uri="{C572A759-6A51-4108-AA02-DFA0A04FC94B}">
-                <ma14:wrappingTextBoxFlag xmlns:ma14="http://schemas.microsoft.com/office/mac/drawingml/2011/main" xmlns="" val="1"/>
+                <ma14:wrappingTextBoxFlag xmlns="" xmlns:ma14="http://schemas.microsoft.com/office/mac/drawingml/2011/main" val="1"/>
               </a:ext>
             </a:extLst>
           </p:spPr>
@@ -14839,7 +14839,7 @@
           </a:ln>
           <a:extLst>
             <a:ext uri="{C572A759-6A51-4108-AA02-DFA0A04FC94B}">
-              <ma14:wrappingTextBoxFlag xmlns:ma14="http://schemas.microsoft.com/office/mac/drawingml/2011/main" xmlns="" val="1"/>
+              <ma14:wrappingTextBoxFlag xmlns="" xmlns:ma14="http://schemas.microsoft.com/office/mac/drawingml/2011/main" val="1"/>
             </a:ext>
           </a:extLst>
         </p:spPr>
@@ -14887,7 +14887,7 @@
           </a:ln>
           <a:extLst>
             <a:ext uri="{C572A759-6A51-4108-AA02-DFA0A04FC94B}">
-              <ma14:wrappingTextBoxFlag xmlns:ma14="http://schemas.microsoft.com/office/mac/drawingml/2011/main" xmlns="" val="1"/>
+              <ma14:wrappingTextBoxFlag xmlns="" xmlns:ma14="http://schemas.microsoft.com/office/mac/drawingml/2011/main" val="1"/>
             </a:ext>
           </a:extLst>
         </p:spPr>
@@ -15222,7 +15222,7 @@
               <a:effectLst/>
               <a:extLst>
                 <a:ext uri="{C572A759-6A51-4108-AA02-DFA0A04FC94B}">
-                  <ma14:wrappingTextBoxFlag xmlns:ma14="http://schemas.microsoft.com/office/mac/drawingml/2011/main" xmlns="" val="1"/>
+                  <ma14:wrappingTextBoxFlag xmlns="" xmlns:ma14="http://schemas.microsoft.com/office/mac/drawingml/2011/main" val="1"/>
                 </a:ext>
               </a:extLst>
             </p:spPr>

--- a/powerpoint/templates/VirtualPrivateCloudEditablePPT.pptx
+++ b/powerpoint/templates/VirtualPrivateCloudEditablePPT.pptx
@@ -791,7 +791,7 @@
           </a:ln>
           <a:extLst>
             <a:ext uri="{C572A759-6A51-4108-AA02-DFA0A04FC94B}">
-              <ma14:wrappingTextBoxFlag xmlns="" xmlns:ma14="http://schemas.microsoft.com/office/mac/drawingml/2011/main" val="1"/>
+              <ma14:wrappingTextBoxFlag xmlns:ma14="http://schemas.microsoft.com/office/mac/drawingml/2011/main" xmlns="" val="1"/>
             </a:ext>
           </a:extLst>
         </p:spPr>
@@ -844,7 +844,7 @@
           </a:ln>
           <a:extLst>
             <a:ext uri="{C572A759-6A51-4108-AA02-DFA0A04FC94B}">
-              <ma14:wrappingTextBoxFlag xmlns="" xmlns:ma14="http://schemas.microsoft.com/office/mac/drawingml/2011/main" val="1"/>
+              <ma14:wrappingTextBoxFlag xmlns:ma14="http://schemas.microsoft.com/office/mac/drawingml/2011/main" xmlns="" val="1"/>
             </a:ext>
           </a:extLst>
         </p:spPr>
@@ -892,7 +892,7 @@
           </a:ln>
           <a:extLst>
             <a:ext uri="{C572A759-6A51-4108-AA02-DFA0A04FC94B}">
-              <ma14:wrappingTextBoxFlag xmlns="" xmlns:ma14="http://schemas.microsoft.com/office/mac/drawingml/2011/main" val="1"/>
+              <ma14:wrappingTextBoxFlag xmlns:ma14="http://schemas.microsoft.com/office/mac/drawingml/2011/main" xmlns="" val="1"/>
             </a:ext>
           </a:extLst>
         </p:spPr>
@@ -980,7 +980,7 @@
           </a:ln>
           <a:extLst>
             <a:ext uri="{C572A759-6A51-4108-AA02-DFA0A04FC94B}">
-              <ma14:wrappingTextBoxFlag xmlns="" xmlns:ma14="http://schemas.microsoft.com/office/mac/drawingml/2011/main" val="1"/>
+              <ma14:wrappingTextBoxFlag xmlns:ma14="http://schemas.microsoft.com/office/mac/drawingml/2011/main" xmlns="" val="1"/>
             </a:ext>
           </a:extLst>
         </p:spPr>
@@ -1033,7 +1033,7 @@
           </a:ln>
           <a:extLst>
             <a:ext uri="{C572A759-6A51-4108-AA02-DFA0A04FC94B}">
-              <ma14:wrappingTextBoxFlag xmlns="" xmlns:ma14="http://schemas.microsoft.com/office/mac/drawingml/2011/main" val="1"/>
+              <ma14:wrappingTextBoxFlag xmlns:ma14="http://schemas.microsoft.com/office/mac/drawingml/2011/main" xmlns="" val="1"/>
             </a:ext>
           </a:extLst>
         </p:spPr>
@@ -1081,7 +1081,7 @@
           </a:ln>
           <a:extLst>
             <a:ext uri="{C572A759-6A51-4108-AA02-DFA0A04FC94B}">
-              <ma14:wrappingTextBoxFlag xmlns="" xmlns:ma14="http://schemas.microsoft.com/office/mac/drawingml/2011/main" val="1"/>
+              <ma14:wrappingTextBoxFlag xmlns:ma14="http://schemas.microsoft.com/office/mac/drawingml/2011/main" xmlns="" val="1"/>
             </a:ext>
           </a:extLst>
         </p:spPr>
@@ -1245,7 +1245,7 @@
           </a:ln>
           <a:extLst>
             <a:ext uri="{C572A759-6A51-4108-AA02-DFA0A04FC94B}">
-              <ma14:wrappingTextBoxFlag xmlns="" xmlns:ma14="http://schemas.microsoft.com/office/mac/drawingml/2011/main" val="1"/>
+              <ma14:wrappingTextBoxFlag xmlns:ma14="http://schemas.microsoft.com/office/mac/drawingml/2011/main" xmlns="" val="1"/>
             </a:ext>
           </a:extLst>
         </p:spPr>
@@ -1298,7 +1298,7 @@
           </a:ln>
           <a:extLst>
             <a:ext uri="{C572A759-6A51-4108-AA02-DFA0A04FC94B}">
-              <ma14:wrappingTextBoxFlag xmlns="" xmlns:ma14="http://schemas.microsoft.com/office/mac/drawingml/2011/main" val="1"/>
+              <ma14:wrappingTextBoxFlag xmlns:ma14="http://schemas.microsoft.com/office/mac/drawingml/2011/main" xmlns="" val="1"/>
             </a:ext>
           </a:extLst>
         </p:spPr>
@@ -1346,7 +1346,7 @@
           </a:ln>
           <a:extLst>
             <a:ext uri="{C572A759-6A51-4108-AA02-DFA0A04FC94B}">
-              <ma14:wrappingTextBoxFlag xmlns="" xmlns:ma14="http://schemas.microsoft.com/office/mac/drawingml/2011/main" val="1"/>
+              <ma14:wrappingTextBoxFlag xmlns:ma14="http://schemas.microsoft.com/office/mac/drawingml/2011/main" xmlns="" val="1"/>
             </a:ext>
           </a:extLst>
         </p:spPr>
@@ -1536,7 +1536,7 @@
           </a:ln>
           <a:extLst>
             <a:ext uri="{C572A759-6A51-4108-AA02-DFA0A04FC94B}">
-              <ma14:wrappingTextBoxFlag xmlns="" xmlns:ma14="http://schemas.microsoft.com/office/mac/drawingml/2011/main" val="1"/>
+              <ma14:wrappingTextBoxFlag xmlns:ma14="http://schemas.microsoft.com/office/mac/drawingml/2011/main" xmlns="" val="1"/>
             </a:ext>
           </a:extLst>
         </p:spPr>
@@ -1674,7 +1674,7 @@
           </a:ln>
           <a:extLst>
             <a:ext uri="{C572A759-6A51-4108-AA02-DFA0A04FC94B}">
-              <ma14:wrappingTextBoxFlag xmlns="" xmlns:ma14="http://schemas.microsoft.com/office/mac/drawingml/2011/main" val="1"/>
+              <ma14:wrappingTextBoxFlag xmlns:ma14="http://schemas.microsoft.com/office/mac/drawingml/2011/main" xmlns="" val="1"/>
             </a:ext>
           </a:extLst>
         </p:spPr>
@@ -1727,7 +1727,7 @@
           </a:ln>
           <a:extLst>
             <a:ext uri="{C572A759-6A51-4108-AA02-DFA0A04FC94B}">
-              <ma14:wrappingTextBoxFlag xmlns="" xmlns:ma14="http://schemas.microsoft.com/office/mac/drawingml/2011/main" val="1"/>
+              <ma14:wrappingTextBoxFlag xmlns:ma14="http://schemas.microsoft.com/office/mac/drawingml/2011/main" xmlns="" val="1"/>
             </a:ext>
           </a:extLst>
         </p:spPr>
@@ -1801,7 +1801,7 @@
           </a:ln>
           <a:extLst>
             <a:ext uri="{C572A759-6A51-4108-AA02-DFA0A04FC94B}">
-              <ma14:wrappingTextBoxFlag xmlns="" xmlns:ma14="http://schemas.microsoft.com/office/mac/drawingml/2011/main" val="1"/>
+              <ma14:wrappingTextBoxFlag xmlns:ma14="http://schemas.microsoft.com/office/mac/drawingml/2011/main" xmlns="" val="1"/>
             </a:ext>
           </a:extLst>
         </p:spPr>
@@ -2770,7 +2770,7 @@
           </a:ln>
           <a:extLst>
             <a:ext uri="{C572A759-6A51-4108-AA02-DFA0A04FC94B}">
-              <ma14:wrappingTextBoxFlag xmlns="" xmlns:ma14="http://schemas.microsoft.com/office/mac/drawingml/2011/main" val="1"/>
+              <ma14:wrappingTextBoxFlag xmlns:ma14="http://schemas.microsoft.com/office/mac/drawingml/2011/main" xmlns="" val="1"/>
             </a:ext>
           </a:extLst>
         </p:spPr>
@@ -2813,7 +2813,7 @@
           </a:ln>
           <a:extLst>
             <a:ext uri="{C572A759-6A51-4108-AA02-DFA0A04FC94B}">
-              <ma14:wrappingTextBoxFlag xmlns="" xmlns:ma14="http://schemas.microsoft.com/office/mac/drawingml/2011/main" val="1"/>
+              <ma14:wrappingTextBoxFlag xmlns:ma14="http://schemas.microsoft.com/office/mac/drawingml/2011/main" xmlns="" val="1"/>
             </a:ext>
           </a:extLst>
         </p:spPr>
@@ -3261,7 +3261,7 @@
           </a:ln>
           <a:extLst>
             <a:ext uri="{C572A759-6A51-4108-AA02-DFA0A04FC94B}">
-              <ma14:wrappingTextBoxFlag xmlns="" xmlns:ma14="http://schemas.microsoft.com/office/mac/drawingml/2011/main" val="1"/>
+              <ma14:wrappingTextBoxFlag xmlns:ma14="http://schemas.microsoft.com/office/mac/drawingml/2011/main" xmlns="" val="1"/>
             </a:ext>
           </a:extLst>
         </p:spPr>
@@ -3310,7 +3310,7 @@
           </a:ln>
           <a:extLst>
             <a:ext uri="{C572A759-6A51-4108-AA02-DFA0A04FC94B}">
-              <ma14:wrappingTextBoxFlag xmlns="" xmlns:ma14="http://schemas.microsoft.com/office/mac/drawingml/2011/main" val="1"/>
+              <ma14:wrappingTextBoxFlag xmlns:ma14="http://schemas.microsoft.com/office/mac/drawingml/2011/main" xmlns="" val="1"/>
             </a:ext>
           </a:extLst>
         </p:spPr>
@@ -5406,9 +5406,9 @@
         <p:grpSpPr>
           <a:xfrm>
             <a:off x="215911" y="120530"/>
-            <a:ext cx="9658512" cy="7090112"/>
+            <a:ext cx="9658512" cy="7087750"/>
             <a:chOff x="215911" y="120530"/>
-            <a:chExt cx="9658512" cy="7090112"/>
+            <a:chExt cx="9658512" cy="7087750"/>
           </a:xfrm>
         </p:grpSpPr>
         <p:sp>
@@ -5436,7 +5436,7 @@
             </a:ln>
             <a:extLst>
               <a:ext uri="{C572A759-6A51-4108-AA02-DFA0A04FC94B}">
-                <ma14:wrappingTextBoxFlag xmlns:ma14="http://schemas.microsoft.com/office/mac/drawingml/2011/main" xmlns="" val="1"/>
+                <ma14:wrappingTextBoxFlag xmlns="" xmlns:ma14="http://schemas.microsoft.com/office/mac/drawingml/2011/main" val="1"/>
               </a:ext>
             </a:extLst>
           </p:spPr>
@@ -5523,7 +5523,7 @@
             </a:ln>
             <a:extLst>
               <a:ext uri="{C572A759-6A51-4108-AA02-DFA0A04FC94B}">
-                <ma14:wrappingTextBoxFlag xmlns:ma14="http://schemas.microsoft.com/office/mac/drawingml/2011/main" xmlns="" val="1"/>
+                <ma14:wrappingTextBoxFlag xmlns="" xmlns:ma14="http://schemas.microsoft.com/office/mac/drawingml/2011/main" val="1"/>
               </a:ext>
             </a:extLst>
           </p:spPr>
@@ -5610,7 +5610,7 @@
             </a:ln>
             <a:extLst>
               <a:ext uri="{C572A759-6A51-4108-AA02-DFA0A04FC94B}">
-                <ma14:wrappingTextBoxFlag xmlns:ma14="http://schemas.microsoft.com/office/mac/drawingml/2011/main" xmlns="" val="1"/>
+                <ma14:wrappingTextBoxFlag xmlns="" xmlns:ma14="http://schemas.microsoft.com/office/mac/drawingml/2011/main" val="1"/>
               </a:ext>
             </a:extLst>
           </p:spPr>
@@ -5697,7 +5697,7 @@
             </a:ln>
             <a:extLst>
               <a:ext uri="{C572A759-6A51-4108-AA02-DFA0A04FC94B}">
-                <ma14:wrappingTextBoxFlag xmlns:ma14="http://schemas.microsoft.com/office/mac/drawingml/2011/main" xmlns="" val="1"/>
+                <ma14:wrappingTextBoxFlag xmlns="" xmlns:ma14="http://schemas.microsoft.com/office/mac/drawingml/2011/main" val="1"/>
               </a:ext>
             </a:extLst>
           </p:spPr>
@@ -5784,7 +5784,7 @@
             </a:ln>
             <a:extLst>
               <a:ext uri="{C572A759-6A51-4108-AA02-DFA0A04FC94B}">
-                <ma14:wrappingTextBoxFlag xmlns:ma14="http://schemas.microsoft.com/office/mac/drawingml/2011/main" xmlns="" val="1"/>
+                <ma14:wrappingTextBoxFlag xmlns="" xmlns:ma14="http://schemas.microsoft.com/office/mac/drawingml/2011/main" val="1"/>
               </a:ext>
             </a:extLst>
           </p:spPr>
@@ -5888,7 +5888,7 @@
             </a:ln>
             <a:extLst>
               <a:ext uri="{C572A759-6A51-4108-AA02-DFA0A04FC94B}">
-                <ma14:wrappingTextBoxFlag xmlns:ma14="http://schemas.microsoft.com/office/mac/drawingml/2011/main" xmlns="" val="1"/>
+                <ma14:wrappingTextBoxFlag xmlns="" xmlns:ma14="http://schemas.microsoft.com/office/mac/drawingml/2011/main" val="1"/>
               </a:ext>
             </a:extLst>
           </p:spPr>
@@ -5975,7 +5975,7 @@
             </a:ln>
             <a:extLst>
               <a:ext uri="{C572A759-6A51-4108-AA02-DFA0A04FC94B}">
-                <ma14:wrappingTextBoxFlag xmlns:ma14="http://schemas.microsoft.com/office/mac/drawingml/2011/main" xmlns="" val="1"/>
+                <ma14:wrappingTextBoxFlag xmlns="" xmlns:ma14="http://schemas.microsoft.com/office/mac/drawingml/2011/main" val="1"/>
               </a:ext>
             </a:extLst>
           </p:spPr>
@@ -6045,7 +6045,7 @@
             </a:ln>
             <a:extLst>
               <a:ext uri="{C572A759-6A51-4108-AA02-DFA0A04FC94B}">
-                <ma14:wrappingTextBoxFlag xmlns:ma14="http://schemas.microsoft.com/office/mac/drawingml/2011/main" xmlns="" val="1"/>
+                <ma14:wrappingTextBoxFlag xmlns="" xmlns:ma14="http://schemas.microsoft.com/office/mac/drawingml/2011/main" val="1"/>
               </a:ext>
             </a:extLst>
           </p:spPr>
@@ -6132,7 +6132,7 @@
             </a:ln>
             <a:extLst>
               <a:ext uri="{C572A759-6A51-4108-AA02-DFA0A04FC94B}">
-                <ma14:wrappingTextBoxFlag xmlns:ma14="http://schemas.microsoft.com/office/mac/drawingml/2011/main" xmlns="" val="1"/>
+                <ma14:wrappingTextBoxFlag xmlns="" xmlns:ma14="http://schemas.microsoft.com/office/mac/drawingml/2011/main" val="1"/>
               </a:ext>
             </a:extLst>
           </p:spPr>
@@ -6219,7 +6219,7 @@
             </a:ln>
             <a:extLst>
               <a:ext uri="{C572A759-6A51-4108-AA02-DFA0A04FC94B}">
-                <ma14:wrappingTextBoxFlag xmlns:ma14="http://schemas.microsoft.com/office/mac/drawingml/2011/main" xmlns="" val="1"/>
+                <ma14:wrappingTextBoxFlag xmlns="" xmlns:ma14="http://schemas.microsoft.com/office/mac/drawingml/2011/main" val="1"/>
               </a:ext>
             </a:extLst>
           </p:spPr>
@@ -6306,7 +6306,7 @@
             </a:ln>
             <a:extLst>
               <a:ext uri="{C572A759-6A51-4108-AA02-DFA0A04FC94B}">
-                <ma14:wrappingTextBoxFlag xmlns:ma14="http://schemas.microsoft.com/office/mac/drawingml/2011/main" xmlns="" val="1"/>
+                <ma14:wrappingTextBoxFlag xmlns="" xmlns:ma14="http://schemas.microsoft.com/office/mac/drawingml/2011/main" val="1"/>
               </a:ext>
             </a:extLst>
           </p:spPr>
@@ -6365,7 +6365,7 @@
           </p:nvSpPr>
           <p:spPr>
             <a:xfrm>
-              <a:off x="4296050" y="6902865"/>
+              <a:off x="4318944" y="6900503"/>
               <a:ext cx="934551" cy="307777"/>
             </a:xfrm>
             <a:prstGeom prst="rect">
@@ -6376,7 +6376,7 @@
             </a:ln>
             <a:extLst>
               <a:ext uri="{C572A759-6A51-4108-AA02-DFA0A04FC94B}">
-                <ma14:wrappingTextBoxFlag xmlns:ma14="http://schemas.microsoft.com/office/mac/drawingml/2011/main" xmlns="" val="1"/>
+                <ma14:wrappingTextBoxFlag xmlns="" xmlns:ma14="http://schemas.microsoft.com/office/mac/drawingml/2011/main" val="1"/>
               </a:ext>
             </a:extLst>
           </p:spPr>
@@ -6463,7 +6463,7 @@
             </a:ln>
             <a:extLst>
               <a:ext uri="{C572A759-6A51-4108-AA02-DFA0A04FC94B}">
-                <ma14:wrappingTextBoxFlag xmlns:ma14="http://schemas.microsoft.com/office/mac/drawingml/2011/main" xmlns="" val="1"/>
+                <ma14:wrappingTextBoxFlag xmlns="" xmlns:ma14="http://schemas.microsoft.com/office/mac/drawingml/2011/main" val="1"/>
               </a:ext>
             </a:extLst>
           </p:spPr>
@@ -6550,7 +6550,7 @@
             </a:ln>
             <a:extLst>
               <a:ext uri="{C572A759-6A51-4108-AA02-DFA0A04FC94B}">
-                <ma14:wrappingTextBoxFlag xmlns:ma14="http://schemas.microsoft.com/office/mac/drawingml/2011/main" xmlns="" val="1"/>
+                <ma14:wrappingTextBoxFlag xmlns="" xmlns:ma14="http://schemas.microsoft.com/office/mac/drawingml/2011/main" val="1"/>
               </a:ext>
             </a:extLst>
           </p:spPr>
@@ -6620,7 +6620,7 @@
             </a:ln>
             <a:extLst>
               <a:ext uri="{C572A759-6A51-4108-AA02-DFA0A04FC94B}">
-                <ma14:wrappingTextBoxFlag xmlns:ma14="http://schemas.microsoft.com/office/mac/drawingml/2011/main" xmlns="" val="1"/>
+                <ma14:wrappingTextBoxFlag xmlns="" xmlns:ma14="http://schemas.microsoft.com/office/mac/drawingml/2011/main" val="1"/>
               </a:ext>
             </a:extLst>
           </p:spPr>
@@ -6690,7 +6690,7 @@
             </a:ln>
             <a:extLst>
               <a:ext uri="{C572A759-6A51-4108-AA02-DFA0A04FC94B}">
-                <ma14:wrappingTextBoxFlag xmlns:ma14="http://schemas.microsoft.com/office/mac/drawingml/2011/main" xmlns="" val="1"/>
+                <ma14:wrappingTextBoxFlag xmlns="" xmlns:ma14="http://schemas.microsoft.com/office/mac/drawingml/2011/main" val="1"/>
               </a:ext>
             </a:extLst>
           </p:spPr>
@@ -6760,7 +6760,7 @@
             </a:ln>
             <a:extLst>
               <a:ext uri="{C572A759-6A51-4108-AA02-DFA0A04FC94B}">
-                <ma14:wrappingTextBoxFlag xmlns:ma14="http://schemas.microsoft.com/office/mac/drawingml/2011/main" xmlns="" val="1"/>
+                <ma14:wrappingTextBoxFlag xmlns="" xmlns:ma14="http://schemas.microsoft.com/office/mac/drawingml/2011/main" val="1"/>
               </a:ext>
             </a:extLst>
           </p:spPr>
@@ -6830,7 +6830,7 @@
             </a:ln>
             <a:extLst>
               <a:ext uri="{C572A759-6A51-4108-AA02-DFA0A04FC94B}">
-                <ma14:wrappingTextBoxFlag xmlns:ma14="http://schemas.microsoft.com/office/mac/drawingml/2011/main" xmlns="" val="1"/>
+                <ma14:wrappingTextBoxFlag xmlns="" xmlns:ma14="http://schemas.microsoft.com/office/mac/drawingml/2011/main" val="1"/>
               </a:ext>
             </a:extLst>
           </p:spPr>
@@ -6900,7 +6900,7 @@
             </a:ln>
             <a:extLst>
               <a:ext uri="{C572A759-6A51-4108-AA02-DFA0A04FC94B}">
-                <ma14:wrappingTextBoxFlag xmlns:ma14="http://schemas.microsoft.com/office/mac/drawingml/2011/main" xmlns="" val="1"/>
+                <ma14:wrappingTextBoxFlag xmlns="" xmlns:ma14="http://schemas.microsoft.com/office/mac/drawingml/2011/main" val="1"/>
               </a:ext>
             </a:extLst>
           </p:spPr>
@@ -6970,7 +6970,7 @@
             </a:ln>
             <a:extLst>
               <a:ext uri="{C572A759-6A51-4108-AA02-DFA0A04FC94B}">
-                <ma14:wrappingTextBoxFlag xmlns:ma14="http://schemas.microsoft.com/office/mac/drawingml/2011/main" xmlns="" val="1"/>
+                <ma14:wrappingTextBoxFlag xmlns="" xmlns:ma14="http://schemas.microsoft.com/office/mac/drawingml/2011/main" val="1"/>
               </a:ext>
             </a:extLst>
           </p:spPr>
@@ -7040,7 +7040,7 @@
             </a:ln>
             <a:extLst>
               <a:ext uri="{C572A759-6A51-4108-AA02-DFA0A04FC94B}">
-                <ma14:wrappingTextBoxFlag xmlns:ma14="http://schemas.microsoft.com/office/mac/drawingml/2011/main" xmlns="" val="1"/>
+                <ma14:wrappingTextBoxFlag xmlns="" xmlns:ma14="http://schemas.microsoft.com/office/mac/drawingml/2011/main" val="1"/>
               </a:ext>
             </a:extLst>
           </p:spPr>
@@ -7110,7 +7110,7 @@
             </a:ln>
             <a:extLst>
               <a:ext uri="{C572A759-6A51-4108-AA02-DFA0A04FC94B}">
-                <ma14:wrappingTextBoxFlag xmlns:ma14="http://schemas.microsoft.com/office/mac/drawingml/2011/main" xmlns="" val="1"/>
+                <ma14:wrappingTextBoxFlag xmlns="" xmlns:ma14="http://schemas.microsoft.com/office/mac/drawingml/2011/main" val="1"/>
               </a:ext>
             </a:extLst>
           </p:spPr>
@@ -7180,7 +7180,7 @@
             </a:ln>
             <a:extLst>
               <a:ext uri="{C572A759-6A51-4108-AA02-DFA0A04FC94B}">
-                <ma14:wrappingTextBoxFlag xmlns:ma14="http://schemas.microsoft.com/office/mac/drawingml/2011/main" xmlns="" val="1"/>
+                <ma14:wrappingTextBoxFlag xmlns="" xmlns:ma14="http://schemas.microsoft.com/office/mac/drawingml/2011/main" val="1"/>
               </a:ext>
             </a:extLst>
           </p:spPr>
@@ -7250,7 +7250,7 @@
             </a:ln>
             <a:extLst>
               <a:ext uri="{C572A759-6A51-4108-AA02-DFA0A04FC94B}">
-                <ma14:wrappingTextBoxFlag xmlns:ma14="http://schemas.microsoft.com/office/mac/drawingml/2011/main" xmlns="" val="1"/>
+                <ma14:wrappingTextBoxFlag xmlns="" xmlns:ma14="http://schemas.microsoft.com/office/mac/drawingml/2011/main" val="1"/>
               </a:ext>
             </a:extLst>
           </p:spPr>
@@ -7320,7 +7320,7 @@
             </a:ln>
             <a:extLst>
               <a:ext uri="{C572A759-6A51-4108-AA02-DFA0A04FC94B}">
-                <ma14:wrappingTextBoxFlag xmlns:ma14="http://schemas.microsoft.com/office/mac/drawingml/2011/main" xmlns="" val="1"/>
+                <ma14:wrappingTextBoxFlag xmlns="" xmlns:ma14="http://schemas.microsoft.com/office/mac/drawingml/2011/main" val="1"/>
               </a:ext>
             </a:extLst>
           </p:spPr>
@@ -7390,7 +7390,7 @@
             </a:ln>
             <a:extLst>
               <a:ext uri="{C572A759-6A51-4108-AA02-DFA0A04FC94B}">
-                <ma14:wrappingTextBoxFlag xmlns:ma14="http://schemas.microsoft.com/office/mac/drawingml/2011/main" xmlns="" val="1"/>
+                <ma14:wrappingTextBoxFlag xmlns="" xmlns:ma14="http://schemas.microsoft.com/office/mac/drawingml/2011/main" val="1"/>
               </a:ext>
             </a:extLst>
           </p:spPr>
@@ -7460,7 +7460,7 @@
             </a:ln>
             <a:extLst>
               <a:ext uri="{C572A759-6A51-4108-AA02-DFA0A04FC94B}">
-                <ma14:wrappingTextBoxFlag xmlns:ma14="http://schemas.microsoft.com/office/mac/drawingml/2011/main" xmlns="" val="1"/>
+                <ma14:wrappingTextBoxFlag xmlns="" xmlns:ma14="http://schemas.microsoft.com/office/mac/drawingml/2011/main" val="1"/>
               </a:ext>
             </a:extLst>
           </p:spPr>
@@ -7573,7 +7573,7 @@
           </a:ln>
           <a:extLst>
             <a:ext uri="{C572A759-6A51-4108-AA02-DFA0A04FC94B}">
-              <ma14:wrappingTextBoxFlag xmlns:ma14="http://schemas.microsoft.com/office/mac/drawingml/2011/main" xmlns="" val="1"/>
+              <ma14:wrappingTextBoxFlag xmlns="" xmlns:ma14="http://schemas.microsoft.com/office/mac/drawingml/2011/main" val="1"/>
             </a:ext>
           </a:extLst>
         </p:spPr>
@@ -9447,7 +9447,7 @@
           </a:ln>
           <a:extLst>
             <a:ext uri="{C572A759-6A51-4108-AA02-DFA0A04FC94B}">
-              <ma14:wrappingTextBoxFlag xmlns:ma14="http://schemas.microsoft.com/office/mac/drawingml/2011/main" xmlns="" val="1"/>
+              <ma14:wrappingTextBoxFlag xmlns="" xmlns:ma14="http://schemas.microsoft.com/office/mac/drawingml/2011/main" val="1"/>
             </a:ext>
           </a:extLst>
         </p:spPr>
@@ -9517,7 +9517,7 @@
           </a:ln>
           <a:extLst>
             <a:ext uri="{C572A759-6A51-4108-AA02-DFA0A04FC94B}">
-              <ma14:wrappingTextBoxFlag xmlns:ma14="http://schemas.microsoft.com/office/mac/drawingml/2011/main" xmlns="" val="1"/>
+              <ma14:wrappingTextBoxFlag xmlns="" xmlns:ma14="http://schemas.microsoft.com/office/mac/drawingml/2011/main" val="1"/>
             </a:ext>
           </a:extLst>
         </p:spPr>
@@ -9647,7 +9647,7 @@
           </a:ln>
           <a:extLst>
             <a:ext uri="{C572A759-6A51-4108-AA02-DFA0A04FC94B}">
-              <ma14:wrappingTextBoxFlag xmlns:ma14="http://schemas.microsoft.com/office/mac/drawingml/2011/main" xmlns="" val="1"/>
+              <ma14:wrappingTextBoxFlag xmlns="" xmlns:ma14="http://schemas.microsoft.com/office/mac/drawingml/2011/main" val="1"/>
             </a:ext>
           </a:extLst>
         </p:spPr>
@@ -9717,7 +9717,7 @@
           </a:ln>
           <a:extLst>
             <a:ext uri="{C572A759-6A51-4108-AA02-DFA0A04FC94B}">
-              <ma14:wrappingTextBoxFlag xmlns:ma14="http://schemas.microsoft.com/office/mac/drawingml/2011/main" xmlns="" val="1"/>
+              <ma14:wrappingTextBoxFlag xmlns="" xmlns:ma14="http://schemas.microsoft.com/office/mac/drawingml/2011/main" val="1"/>
             </a:ext>
           </a:extLst>
         </p:spPr>
@@ -10151,7 +10151,7 @@
           </a:ln>
           <a:extLst>
             <a:ext uri="{C572A759-6A51-4108-AA02-DFA0A04FC94B}">
-              <ma14:wrappingTextBoxFlag xmlns:ma14="http://schemas.microsoft.com/office/mac/drawingml/2011/main" xmlns="" val="1"/>
+              <ma14:wrappingTextBoxFlag xmlns="" xmlns:ma14="http://schemas.microsoft.com/office/mac/drawingml/2011/main" val="1"/>
             </a:ext>
           </a:extLst>
         </p:spPr>
@@ -10221,7 +10221,7 @@
           </a:ln>
           <a:extLst>
             <a:ext uri="{C572A759-6A51-4108-AA02-DFA0A04FC94B}">
-              <ma14:wrappingTextBoxFlag xmlns:ma14="http://schemas.microsoft.com/office/mac/drawingml/2011/main" xmlns="" val="1"/>
+              <ma14:wrappingTextBoxFlag xmlns="" xmlns:ma14="http://schemas.microsoft.com/office/mac/drawingml/2011/main" val="1"/>
             </a:ext>
           </a:extLst>
         </p:spPr>
@@ -10291,7 +10291,7 @@
           </a:ln>
           <a:extLst>
             <a:ext uri="{C572A759-6A51-4108-AA02-DFA0A04FC94B}">
-              <ma14:wrappingTextBoxFlag xmlns:ma14="http://schemas.microsoft.com/office/mac/drawingml/2011/main" xmlns="" val="1"/>
+              <ma14:wrappingTextBoxFlag xmlns="" xmlns:ma14="http://schemas.microsoft.com/office/mac/drawingml/2011/main" val="1"/>
             </a:ext>
           </a:extLst>
         </p:spPr>
@@ -10361,7 +10361,7 @@
           </a:ln>
           <a:extLst>
             <a:ext uri="{C572A759-6A51-4108-AA02-DFA0A04FC94B}">
-              <ma14:wrappingTextBoxFlag xmlns:ma14="http://schemas.microsoft.com/office/mac/drawingml/2011/main" xmlns="" val="1"/>
+              <ma14:wrappingTextBoxFlag xmlns="" xmlns:ma14="http://schemas.microsoft.com/office/mac/drawingml/2011/main" val="1"/>
             </a:ext>
           </a:extLst>
         </p:spPr>
@@ -10509,7 +10509,7 @@
           </a:ln>
           <a:extLst>
             <a:ext uri="{C572A759-6A51-4108-AA02-DFA0A04FC94B}">
-              <ma14:wrappingTextBoxFlag xmlns:ma14="http://schemas.microsoft.com/office/mac/drawingml/2011/main" xmlns="" val="1"/>
+              <ma14:wrappingTextBoxFlag xmlns="" xmlns:ma14="http://schemas.microsoft.com/office/mac/drawingml/2011/main" val="1"/>
             </a:ext>
           </a:extLst>
         </p:spPr>
@@ -11179,7 +11179,7 @@
         </p:nvSpPr>
         <p:spPr>
           <a:xfrm>
-            <a:off x="5465763" y="6925030"/>
+            <a:off x="5479367" y="6879128"/>
             <a:ext cx="823944" cy="153888"/>
           </a:xfrm>
           <a:prstGeom prst="rect">
@@ -11190,7 +11190,7 @@
           </a:ln>
           <a:extLst>
             <a:ext uri="{C572A759-6A51-4108-AA02-DFA0A04FC94B}">
-              <ma14:wrappingTextBoxFlag xmlns:ma14="http://schemas.microsoft.com/office/mac/drawingml/2011/main" xmlns="" val="1"/>
+              <ma14:wrappingTextBoxFlag xmlns="" xmlns:ma14="http://schemas.microsoft.com/office/mac/drawingml/2011/main" val="1"/>
             </a:ext>
           </a:extLst>
         </p:spPr>
@@ -11436,7 +11436,7 @@
           </a:ln>
           <a:extLst>
             <a:ext uri="{C572A759-6A51-4108-AA02-DFA0A04FC94B}">
-              <ma14:wrappingTextBoxFlag xmlns="" xmlns:ma14="http://schemas.microsoft.com/office/mac/drawingml/2011/main" val="1"/>
+              <ma14:wrappingTextBoxFlag xmlns:ma14="http://schemas.microsoft.com/office/mac/drawingml/2011/main" xmlns="" val="1"/>
             </a:ext>
           </a:extLst>
         </p:spPr>
@@ -11484,7 +11484,7 @@
           </a:ln>
           <a:extLst>
             <a:ext uri="{C572A759-6A51-4108-AA02-DFA0A04FC94B}">
-              <ma14:wrappingTextBoxFlag xmlns="" xmlns:ma14="http://schemas.microsoft.com/office/mac/drawingml/2011/main" val="1"/>
+              <ma14:wrappingTextBoxFlag xmlns:ma14="http://schemas.microsoft.com/office/mac/drawingml/2011/main" xmlns="" val="1"/>
             </a:ext>
           </a:extLst>
         </p:spPr>
@@ -11639,7 +11639,7 @@
             <a:effectLst/>
             <a:extLst>
               <a:ext uri="{C572A759-6A51-4108-AA02-DFA0A04FC94B}">
-                <ma14:wrappingTextBoxFlag xmlns="" xmlns:ma14="http://schemas.microsoft.com/office/mac/drawingml/2011/main" val="1"/>
+                <ma14:wrappingTextBoxFlag xmlns:ma14="http://schemas.microsoft.com/office/mac/drawingml/2011/main" xmlns="" val="1"/>
               </a:ext>
             </a:extLst>
           </p:spPr>
@@ -11801,7 +11801,7 @@
             <a:effectLst/>
             <a:extLst>
               <a:ext uri="{C572A759-6A51-4108-AA02-DFA0A04FC94B}">
-                <ma14:wrappingTextBoxFlag xmlns="" xmlns:ma14="http://schemas.microsoft.com/office/mac/drawingml/2011/main" val="1"/>
+                <ma14:wrappingTextBoxFlag xmlns:ma14="http://schemas.microsoft.com/office/mac/drawingml/2011/main" xmlns="" val="1"/>
               </a:ext>
             </a:extLst>
           </p:spPr>
@@ -11963,7 +11963,7 @@
             <a:effectLst/>
             <a:extLst>
               <a:ext uri="{C572A759-6A51-4108-AA02-DFA0A04FC94B}">
-                <ma14:wrappingTextBoxFlag xmlns="" xmlns:ma14="http://schemas.microsoft.com/office/mac/drawingml/2011/main" val="1"/>
+                <ma14:wrappingTextBoxFlag xmlns:ma14="http://schemas.microsoft.com/office/mac/drawingml/2011/main" xmlns="" val="1"/>
               </a:ext>
             </a:extLst>
           </p:spPr>
@@ -12125,7 +12125,7 @@
             <a:effectLst/>
             <a:extLst>
               <a:ext uri="{C572A759-6A51-4108-AA02-DFA0A04FC94B}">
-                <ma14:wrappingTextBoxFlag xmlns="" xmlns:ma14="http://schemas.microsoft.com/office/mac/drawingml/2011/main" val="1"/>
+                <ma14:wrappingTextBoxFlag xmlns:ma14="http://schemas.microsoft.com/office/mac/drawingml/2011/main" xmlns="" val="1"/>
               </a:ext>
             </a:extLst>
           </p:spPr>
@@ -12287,7 +12287,7 @@
             <a:effectLst/>
             <a:extLst>
               <a:ext uri="{C572A759-6A51-4108-AA02-DFA0A04FC94B}">
-                <ma14:wrappingTextBoxFlag xmlns="" xmlns:ma14="http://schemas.microsoft.com/office/mac/drawingml/2011/main" val="1"/>
+                <ma14:wrappingTextBoxFlag xmlns:ma14="http://schemas.microsoft.com/office/mac/drawingml/2011/main" xmlns="" val="1"/>
               </a:ext>
             </a:extLst>
           </p:spPr>
@@ -12449,7 +12449,7 @@
             <a:effectLst/>
             <a:extLst>
               <a:ext uri="{C572A759-6A51-4108-AA02-DFA0A04FC94B}">
-                <ma14:wrappingTextBoxFlag xmlns="" xmlns:ma14="http://schemas.microsoft.com/office/mac/drawingml/2011/main" val="1"/>
+                <ma14:wrappingTextBoxFlag xmlns:ma14="http://schemas.microsoft.com/office/mac/drawingml/2011/main" xmlns="" val="1"/>
               </a:ext>
             </a:extLst>
           </p:spPr>
@@ -12611,7 +12611,7 @@
             <a:effectLst/>
             <a:extLst>
               <a:ext uri="{C572A759-6A51-4108-AA02-DFA0A04FC94B}">
-                <ma14:wrappingTextBoxFlag xmlns="" xmlns:ma14="http://schemas.microsoft.com/office/mac/drawingml/2011/main" val="1"/>
+                <ma14:wrappingTextBoxFlag xmlns:ma14="http://schemas.microsoft.com/office/mac/drawingml/2011/main" xmlns="" val="1"/>
               </a:ext>
             </a:extLst>
           </p:spPr>
@@ -12773,7 +12773,7 @@
             <a:effectLst/>
             <a:extLst>
               <a:ext uri="{C572A759-6A51-4108-AA02-DFA0A04FC94B}">
-                <ma14:wrappingTextBoxFlag xmlns="" xmlns:ma14="http://schemas.microsoft.com/office/mac/drawingml/2011/main" val="1"/>
+                <ma14:wrappingTextBoxFlag xmlns:ma14="http://schemas.microsoft.com/office/mac/drawingml/2011/main" xmlns="" val="1"/>
               </a:ext>
             </a:extLst>
           </p:spPr>
@@ -12935,7 +12935,7 @@
             <a:effectLst/>
             <a:extLst>
               <a:ext uri="{C572A759-6A51-4108-AA02-DFA0A04FC94B}">
-                <ma14:wrappingTextBoxFlag xmlns="" xmlns:ma14="http://schemas.microsoft.com/office/mac/drawingml/2011/main" val="1"/>
+                <ma14:wrappingTextBoxFlag xmlns:ma14="http://schemas.microsoft.com/office/mac/drawingml/2011/main" xmlns="" val="1"/>
               </a:ext>
             </a:extLst>
           </p:spPr>
@@ -13097,7 +13097,7 @@
             <a:effectLst/>
             <a:extLst>
               <a:ext uri="{C572A759-6A51-4108-AA02-DFA0A04FC94B}">
-                <ma14:wrappingTextBoxFlag xmlns="" xmlns:ma14="http://schemas.microsoft.com/office/mac/drawingml/2011/main" val="1"/>
+                <ma14:wrappingTextBoxFlag xmlns:ma14="http://schemas.microsoft.com/office/mac/drawingml/2011/main" xmlns="" val="1"/>
               </a:ext>
             </a:extLst>
           </p:spPr>
@@ -13259,7 +13259,7 @@
             <a:effectLst/>
             <a:extLst>
               <a:ext uri="{C572A759-6A51-4108-AA02-DFA0A04FC94B}">
-                <ma14:wrappingTextBoxFlag xmlns="" xmlns:ma14="http://schemas.microsoft.com/office/mac/drawingml/2011/main" val="1"/>
+                <ma14:wrappingTextBoxFlag xmlns:ma14="http://schemas.microsoft.com/office/mac/drawingml/2011/main" xmlns="" val="1"/>
               </a:ext>
             </a:extLst>
           </p:spPr>
@@ -13421,7 +13421,7 @@
             <a:effectLst/>
             <a:extLst>
               <a:ext uri="{C572A759-6A51-4108-AA02-DFA0A04FC94B}">
-                <ma14:wrappingTextBoxFlag xmlns="" xmlns:ma14="http://schemas.microsoft.com/office/mac/drawingml/2011/main" val="1"/>
+                <ma14:wrappingTextBoxFlag xmlns:ma14="http://schemas.microsoft.com/office/mac/drawingml/2011/main" xmlns="" val="1"/>
               </a:ext>
             </a:extLst>
           </p:spPr>
@@ -13583,7 +13583,7 @@
             <a:effectLst/>
             <a:extLst>
               <a:ext uri="{C572A759-6A51-4108-AA02-DFA0A04FC94B}">
-                <ma14:wrappingTextBoxFlag xmlns="" xmlns:ma14="http://schemas.microsoft.com/office/mac/drawingml/2011/main" val="1"/>
+                <ma14:wrappingTextBoxFlag xmlns:ma14="http://schemas.microsoft.com/office/mac/drawingml/2011/main" xmlns="" val="1"/>
               </a:ext>
             </a:extLst>
           </p:spPr>
@@ -13745,7 +13745,7 @@
             <a:effectLst/>
             <a:extLst>
               <a:ext uri="{C572A759-6A51-4108-AA02-DFA0A04FC94B}">
-                <ma14:wrappingTextBoxFlag xmlns="" xmlns:ma14="http://schemas.microsoft.com/office/mac/drawingml/2011/main" val="1"/>
+                <ma14:wrappingTextBoxFlag xmlns:ma14="http://schemas.microsoft.com/office/mac/drawingml/2011/main" xmlns="" val="1"/>
               </a:ext>
             </a:extLst>
           </p:spPr>
@@ -13907,7 +13907,7 @@
             <a:effectLst/>
             <a:extLst>
               <a:ext uri="{C572A759-6A51-4108-AA02-DFA0A04FC94B}">
-                <ma14:wrappingTextBoxFlag xmlns="" xmlns:ma14="http://schemas.microsoft.com/office/mac/drawingml/2011/main" val="1"/>
+                <ma14:wrappingTextBoxFlag xmlns:ma14="http://schemas.microsoft.com/office/mac/drawingml/2011/main" xmlns="" val="1"/>
               </a:ext>
             </a:extLst>
           </p:spPr>
@@ -14069,7 +14069,7 @@
             <a:effectLst/>
             <a:extLst>
               <a:ext uri="{C572A759-6A51-4108-AA02-DFA0A04FC94B}">
-                <ma14:wrappingTextBoxFlag xmlns="" xmlns:ma14="http://schemas.microsoft.com/office/mac/drawingml/2011/main" val="1"/>
+                <ma14:wrappingTextBoxFlag xmlns:ma14="http://schemas.microsoft.com/office/mac/drawingml/2011/main" xmlns="" val="1"/>
               </a:ext>
             </a:extLst>
           </p:spPr>
@@ -14231,7 +14231,7 @@
             <a:effectLst/>
             <a:extLst>
               <a:ext uri="{C572A759-6A51-4108-AA02-DFA0A04FC94B}">
-                <ma14:wrappingTextBoxFlag xmlns="" xmlns:ma14="http://schemas.microsoft.com/office/mac/drawingml/2011/main" val="1"/>
+                <ma14:wrappingTextBoxFlag xmlns:ma14="http://schemas.microsoft.com/office/mac/drawingml/2011/main" xmlns="" val="1"/>
               </a:ext>
             </a:extLst>
           </p:spPr>
@@ -14393,7 +14393,7 @@
             <a:effectLst/>
             <a:extLst>
               <a:ext uri="{C572A759-6A51-4108-AA02-DFA0A04FC94B}">
-                <ma14:wrappingTextBoxFlag xmlns="" xmlns:ma14="http://schemas.microsoft.com/office/mac/drawingml/2011/main" val="1"/>
+                <ma14:wrappingTextBoxFlag xmlns:ma14="http://schemas.microsoft.com/office/mac/drawingml/2011/main" xmlns="" val="1"/>
               </a:ext>
             </a:extLst>
           </p:spPr>
@@ -14555,7 +14555,7 @@
             <a:effectLst/>
             <a:extLst>
               <a:ext uri="{C572A759-6A51-4108-AA02-DFA0A04FC94B}">
-                <ma14:wrappingTextBoxFlag xmlns="" xmlns:ma14="http://schemas.microsoft.com/office/mac/drawingml/2011/main" val="1"/>
+                <ma14:wrappingTextBoxFlag xmlns:ma14="http://schemas.microsoft.com/office/mac/drawingml/2011/main" xmlns="" val="1"/>
               </a:ext>
             </a:extLst>
           </p:spPr>
@@ -14717,7 +14717,7 @@
             <a:effectLst/>
             <a:extLst>
               <a:ext uri="{C572A759-6A51-4108-AA02-DFA0A04FC94B}">
-                <ma14:wrappingTextBoxFlag xmlns="" xmlns:ma14="http://schemas.microsoft.com/office/mac/drawingml/2011/main" val="1"/>
+                <ma14:wrappingTextBoxFlag xmlns:ma14="http://schemas.microsoft.com/office/mac/drawingml/2011/main" xmlns="" val="1"/>
               </a:ext>
             </a:extLst>
           </p:spPr>
@@ -14839,7 +14839,7 @@
           </a:ln>
           <a:extLst>
             <a:ext uri="{C572A759-6A51-4108-AA02-DFA0A04FC94B}">
-              <ma14:wrappingTextBoxFlag xmlns="" xmlns:ma14="http://schemas.microsoft.com/office/mac/drawingml/2011/main" val="1"/>
+              <ma14:wrappingTextBoxFlag xmlns:ma14="http://schemas.microsoft.com/office/mac/drawingml/2011/main" xmlns="" val="1"/>
             </a:ext>
           </a:extLst>
         </p:spPr>
@@ -14887,7 +14887,7 @@
           </a:ln>
           <a:extLst>
             <a:ext uri="{C572A759-6A51-4108-AA02-DFA0A04FC94B}">
-              <ma14:wrappingTextBoxFlag xmlns="" xmlns:ma14="http://schemas.microsoft.com/office/mac/drawingml/2011/main" val="1"/>
+              <ma14:wrappingTextBoxFlag xmlns:ma14="http://schemas.microsoft.com/office/mac/drawingml/2011/main" xmlns="" val="1"/>
             </a:ext>
           </a:extLst>
         </p:spPr>
@@ -15222,7 +15222,7 @@
               <a:effectLst/>
               <a:extLst>
                 <a:ext uri="{C572A759-6A51-4108-AA02-DFA0A04FC94B}">
-                  <ma14:wrappingTextBoxFlag xmlns="" xmlns:ma14="http://schemas.microsoft.com/office/mac/drawingml/2011/main" val="1"/>
+                  <ma14:wrappingTextBoxFlag xmlns:ma14="http://schemas.microsoft.com/office/mac/drawingml/2011/main" xmlns="" val="1"/>
                 </a:ext>
               </a:extLst>
             </p:spPr>

--- a/powerpoint/templates/VirtualPrivateCloudEditablePPT.pptx
+++ b/powerpoint/templates/VirtualPrivateCloudEditablePPT.pptx
@@ -791,7 +791,7 @@
           </a:ln>
           <a:extLst>
             <a:ext uri="{C572A759-6A51-4108-AA02-DFA0A04FC94B}">
-              <ma14:wrappingTextBoxFlag xmlns:ma14="http://schemas.microsoft.com/office/mac/drawingml/2011/main" xmlns="" val="1"/>
+              <ma14:wrappingTextBoxFlag xmlns="" xmlns:ma14="http://schemas.microsoft.com/office/mac/drawingml/2011/main" val="1"/>
             </a:ext>
           </a:extLst>
         </p:spPr>
@@ -844,7 +844,7 @@
           </a:ln>
           <a:extLst>
             <a:ext uri="{C572A759-6A51-4108-AA02-DFA0A04FC94B}">
-              <ma14:wrappingTextBoxFlag xmlns:ma14="http://schemas.microsoft.com/office/mac/drawingml/2011/main" xmlns="" val="1"/>
+              <ma14:wrappingTextBoxFlag xmlns="" xmlns:ma14="http://schemas.microsoft.com/office/mac/drawingml/2011/main" val="1"/>
             </a:ext>
           </a:extLst>
         </p:spPr>
@@ -892,7 +892,7 @@
           </a:ln>
           <a:extLst>
             <a:ext uri="{C572A759-6A51-4108-AA02-DFA0A04FC94B}">
-              <ma14:wrappingTextBoxFlag xmlns:ma14="http://schemas.microsoft.com/office/mac/drawingml/2011/main" xmlns="" val="1"/>
+              <ma14:wrappingTextBoxFlag xmlns="" xmlns:ma14="http://schemas.microsoft.com/office/mac/drawingml/2011/main" val="1"/>
             </a:ext>
           </a:extLst>
         </p:spPr>
@@ -980,7 +980,7 @@
           </a:ln>
           <a:extLst>
             <a:ext uri="{C572A759-6A51-4108-AA02-DFA0A04FC94B}">
-              <ma14:wrappingTextBoxFlag xmlns:ma14="http://schemas.microsoft.com/office/mac/drawingml/2011/main" xmlns="" val="1"/>
+              <ma14:wrappingTextBoxFlag xmlns="" xmlns:ma14="http://schemas.microsoft.com/office/mac/drawingml/2011/main" val="1"/>
             </a:ext>
           </a:extLst>
         </p:spPr>
@@ -1033,7 +1033,7 @@
           </a:ln>
           <a:extLst>
             <a:ext uri="{C572A759-6A51-4108-AA02-DFA0A04FC94B}">
-              <ma14:wrappingTextBoxFlag xmlns:ma14="http://schemas.microsoft.com/office/mac/drawingml/2011/main" xmlns="" val="1"/>
+              <ma14:wrappingTextBoxFlag xmlns="" xmlns:ma14="http://schemas.microsoft.com/office/mac/drawingml/2011/main" val="1"/>
             </a:ext>
           </a:extLst>
         </p:spPr>
@@ -1081,7 +1081,7 @@
           </a:ln>
           <a:extLst>
             <a:ext uri="{C572A759-6A51-4108-AA02-DFA0A04FC94B}">
-              <ma14:wrappingTextBoxFlag xmlns:ma14="http://schemas.microsoft.com/office/mac/drawingml/2011/main" xmlns="" val="1"/>
+              <ma14:wrappingTextBoxFlag xmlns="" xmlns:ma14="http://schemas.microsoft.com/office/mac/drawingml/2011/main" val="1"/>
             </a:ext>
           </a:extLst>
         </p:spPr>
@@ -1245,7 +1245,7 @@
           </a:ln>
           <a:extLst>
             <a:ext uri="{C572A759-6A51-4108-AA02-DFA0A04FC94B}">
-              <ma14:wrappingTextBoxFlag xmlns:ma14="http://schemas.microsoft.com/office/mac/drawingml/2011/main" xmlns="" val="1"/>
+              <ma14:wrappingTextBoxFlag xmlns="" xmlns:ma14="http://schemas.microsoft.com/office/mac/drawingml/2011/main" val="1"/>
             </a:ext>
           </a:extLst>
         </p:spPr>
@@ -1298,7 +1298,7 @@
           </a:ln>
           <a:extLst>
             <a:ext uri="{C572A759-6A51-4108-AA02-DFA0A04FC94B}">
-              <ma14:wrappingTextBoxFlag xmlns:ma14="http://schemas.microsoft.com/office/mac/drawingml/2011/main" xmlns="" val="1"/>
+              <ma14:wrappingTextBoxFlag xmlns="" xmlns:ma14="http://schemas.microsoft.com/office/mac/drawingml/2011/main" val="1"/>
             </a:ext>
           </a:extLst>
         </p:spPr>
@@ -1346,7 +1346,7 @@
           </a:ln>
           <a:extLst>
             <a:ext uri="{C572A759-6A51-4108-AA02-DFA0A04FC94B}">
-              <ma14:wrappingTextBoxFlag xmlns:ma14="http://schemas.microsoft.com/office/mac/drawingml/2011/main" xmlns="" val="1"/>
+              <ma14:wrappingTextBoxFlag xmlns="" xmlns:ma14="http://schemas.microsoft.com/office/mac/drawingml/2011/main" val="1"/>
             </a:ext>
           </a:extLst>
         </p:spPr>
@@ -1536,7 +1536,7 @@
           </a:ln>
           <a:extLst>
             <a:ext uri="{C572A759-6A51-4108-AA02-DFA0A04FC94B}">
-              <ma14:wrappingTextBoxFlag xmlns:ma14="http://schemas.microsoft.com/office/mac/drawingml/2011/main" xmlns="" val="1"/>
+              <ma14:wrappingTextBoxFlag xmlns="" xmlns:ma14="http://schemas.microsoft.com/office/mac/drawingml/2011/main" val="1"/>
             </a:ext>
           </a:extLst>
         </p:spPr>
@@ -1674,7 +1674,7 @@
           </a:ln>
           <a:extLst>
             <a:ext uri="{C572A759-6A51-4108-AA02-DFA0A04FC94B}">
-              <ma14:wrappingTextBoxFlag xmlns:ma14="http://schemas.microsoft.com/office/mac/drawingml/2011/main" xmlns="" val="1"/>
+              <ma14:wrappingTextBoxFlag xmlns="" xmlns:ma14="http://schemas.microsoft.com/office/mac/drawingml/2011/main" val="1"/>
             </a:ext>
           </a:extLst>
         </p:spPr>
@@ -1727,7 +1727,7 @@
           </a:ln>
           <a:extLst>
             <a:ext uri="{C572A759-6A51-4108-AA02-DFA0A04FC94B}">
-              <ma14:wrappingTextBoxFlag xmlns:ma14="http://schemas.microsoft.com/office/mac/drawingml/2011/main" xmlns="" val="1"/>
+              <ma14:wrappingTextBoxFlag xmlns="" xmlns:ma14="http://schemas.microsoft.com/office/mac/drawingml/2011/main" val="1"/>
             </a:ext>
           </a:extLst>
         </p:spPr>
@@ -1801,7 +1801,7 @@
           </a:ln>
           <a:extLst>
             <a:ext uri="{C572A759-6A51-4108-AA02-DFA0A04FC94B}">
-              <ma14:wrappingTextBoxFlag xmlns:ma14="http://schemas.microsoft.com/office/mac/drawingml/2011/main" xmlns="" val="1"/>
+              <ma14:wrappingTextBoxFlag xmlns="" xmlns:ma14="http://schemas.microsoft.com/office/mac/drawingml/2011/main" val="1"/>
             </a:ext>
           </a:extLst>
         </p:spPr>
@@ -2770,7 +2770,7 @@
           </a:ln>
           <a:extLst>
             <a:ext uri="{C572A759-6A51-4108-AA02-DFA0A04FC94B}">
-              <ma14:wrappingTextBoxFlag xmlns:ma14="http://schemas.microsoft.com/office/mac/drawingml/2011/main" xmlns="" val="1"/>
+              <ma14:wrappingTextBoxFlag xmlns="" xmlns:ma14="http://schemas.microsoft.com/office/mac/drawingml/2011/main" val="1"/>
             </a:ext>
           </a:extLst>
         </p:spPr>
@@ -2813,7 +2813,7 @@
           </a:ln>
           <a:extLst>
             <a:ext uri="{C572A759-6A51-4108-AA02-DFA0A04FC94B}">
-              <ma14:wrappingTextBoxFlag xmlns:ma14="http://schemas.microsoft.com/office/mac/drawingml/2011/main" xmlns="" val="1"/>
+              <ma14:wrappingTextBoxFlag xmlns="" xmlns:ma14="http://schemas.microsoft.com/office/mac/drawingml/2011/main" val="1"/>
             </a:ext>
           </a:extLst>
         </p:spPr>
@@ -3261,7 +3261,7 @@
           </a:ln>
           <a:extLst>
             <a:ext uri="{C572A759-6A51-4108-AA02-DFA0A04FC94B}">
-              <ma14:wrappingTextBoxFlag xmlns:ma14="http://schemas.microsoft.com/office/mac/drawingml/2011/main" xmlns="" val="1"/>
+              <ma14:wrappingTextBoxFlag xmlns="" xmlns:ma14="http://schemas.microsoft.com/office/mac/drawingml/2011/main" val="1"/>
             </a:ext>
           </a:extLst>
         </p:spPr>
@@ -3310,7 +3310,7 @@
           </a:ln>
           <a:extLst>
             <a:ext uri="{C572A759-6A51-4108-AA02-DFA0A04FC94B}">
-              <ma14:wrappingTextBoxFlag xmlns:ma14="http://schemas.microsoft.com/office/mac/drawingml/2011/main" xmlns="" val="1"/>
+              <ma14:wrappingTextBoxFlag xmlns="" xmlns:ma14="http://schemas.microsoft.com/office/mac/drawingml/2011/main" val="1"/>
             </a:ext>
           </a:extLst>
         </p:spPr>
@@ -5436,7 +5436,7 @@
             </a:ln>
             <a:extLst>
               <a:ext uri="{C572A759-6A51-4108-AA02-DFA0A04FC94B}">
-                <ma14:wrappingTextBoxFlag xmlns="" xmlns:ma14="http://schemas.microsoft.com/office/mac/drawingml/2011/main" val="1"/>
+                <ma14:wrappingTextBoxFlag xmlns:ma14="http://schemas.microsoft.com/office/mac/drawingml/2011/main" xmlns="" val="1"/>
               </a:ext>
             </a:extLst>
           </p:spPr>
@@ -5523,7 +5523,7 @@
             </a:ln>
             <a:extLst>
               <a:ext uri="{C572A759-6A51-4108-AA02-DFA0A04FC94B}">
-                <ma14:wrappingTextBoxFlag xmlns="" xmlns:ma14="http://schemas.microsoft.com/office/mac/drawingml/2011/main" val="1"/>
+                <ma14:wrappingTextBoxFlag xmlns:ma14="http://schemas.microsoft.com/office/mac/drawingml/2011/main" xmlns="" val="1"/>
               </a:ext>
             </a:extLst>
           </p:spPr>
@@ -5610,7 +5610,7 @@
             </a:ln>
             <a:extLst>
               <a:ext uri="{C572A759-6A51-4108-AA02-DFA0A04FC94B}">
-                <ma14:wrappingTextBoxFlag xmlns="" xmlns:ma14="http://schemas.microsoft.com/office/mac/drawingml/2011/main" val="1"/>
+                <ma14:wrappingTextBoxFlag xmlns:ma14="http://schemas.microsoft.com/office/mac/drawingml/2011/main" xmlns="" val="1"/>
               </a:ext>
             </a:extLst>
           </p:spPr>
@@ -5697,7 +5697,7 @@
             </a:ln>
             <a:extLst>
               <a:ext uri="{C572A759-6A51-4108-AA02-DFA0A04FC94B}">
-                <ma14:wrappingTextBoxFlag xmlns="" xmlns:ma14="http://schemas.microsoft.com/office/mac/drawingml/2011/main" val="1"/>
+                <ma14:wrappingTextBoxFlag xmlns:ma14="http://schemas.microsoft.com/office/mac/drawingml/2011/main" xmlns="" val="1"/>
               </a:ext>
             </a:extLst>
           </p:spPr>
@@ -5784,7 +5784,7 @@
             </a:ln>
             <a:extLst>
               <a:ext uri="{C572A759-6A51-4108-AA02-DFA0A04FC94B}">
-                <ma14:wrappingTextBoxFlag xmlns="" xmlns:ma14="http://schemas.microsoft.com/office/mac/drawingml/2011/main" val="1"/>
+                <ma14:wrappingTextBoxFlag xmlns:ma14="http://schemas.microsoft.com/office/mac/drawingml/2011/main" xmlns="" val="1"/>
               </a:ext>
             </a:extLst>
           </p:spPr>
@@ -5888,7 +5888,7 @@
             </a:ln>
             <a:extLst>
               <a:ext uri="{C572A759-6A51-4108-AA02-DFA0A04FC94B}">
-                <ma14:wrappingTextBoxFlag xmlns="" xmlns:ma14="http://schemas.microsoft.com/office/mac/drawingml/2011/main" val="1"/>
+                <ma14:wrappingTextBoxFlag xmlns:ma14="http://schemas.microsoft.com/office/mac/drawingml/2011/main" xmlns="" val="1"/>
               </a:ext>
             </a:extLst>
           </p:spPr>
@@ -5975,7 +5975,7 @@
             </a:ln>
             <a:extLst>
               <a:ext uri="{C572A759-6A51-4108-AA02-DFA0A04FC94B}">
-                <ma14:wrappingTextBoxFlag xmlns="" xmlns:ma14="http://schemas.microsoft.com/office/mac/drawingml/2011/main" val="1"/>
+                <ma14:wrappingTextBoxFlag xmlns:ma14="http://schemas.microsoft.com/office/mac/drawingml/2011/main" xmlns="" val="1"/>
               </a:ext>
             </a:extLst>
           </p:spPr>
@@ -6045,7 +6045,7 @@
             </a:ln>
             <a:extLst>
               <a:ext uri="{C572A759-6A51-4108-AA02-DFA0A04FC94B}">
-                <ma14:wrappingTextBoxFlag xmlns="" xmlns:ma14="http://schemas.microsoft.com/office/mac/drawingml/2011/main" val="1"/>
+                <ma14:wrappingTextBoxFlag xmlns:ma14="http://schemas.microsoft.com/office/mac/drawingml/2011/main" xmlns="" val="1"/>
               </a:ext>
             </a:extLst>
           </p:spPr>
@@ -6132,7 +6132,7 @@
             </a:ln>
             <a:extLst>
               <a:ext uri="{C572A759-6A51-4108-AA02-DFA0A04FC94B}">
-                <ma14:wrappingTextBoxFlag xmlns="" xmlns:ma14="http://schemas.microsoft.com/office/mac/drawingml/2011/main" val="1"/>
+                <ma14:wrappingTextBoxFlag xmlns:ma14="http://schemas.microsoft.com/office/mac/drawingml/2011/main" xmlns="" val="1"/>
               </a:ext>
             </a:extLst>
           </p:spPr>
@@ -6219,7 +6219,7 @@
             </a:ln>
             <a:extLst>
               <a:ext uri="{C572A759-6A51-4108-AA02-DFA0A04FC94B}">
-                <ma14:wrappingTextBoxFlag xmlns="" xmlns:ma14="http://schemas.microsoft.com/office/mac/drawingml/2011/main" val="1"/>
+                <ma14:wrappingTextBoxFlag xmlns:ma14="http://schemas.microsoft.com/office/mac/drawingml/2011/main" xmlns="" val="1"/>
               </a:ext>
             </a:extLst>
           </p:spPr>
@@ -6306,7 +6306,7 @@
             </a:ln>
             <a:extLst>
               <a:ext uri="{C572A759-6A51-4108-AA02-DFA0A04FC94B}">
-                <ma14:wrappingTextBoxFlag xmlns="" xmlns:ma14="http://schemas.microsoft.com/office/mac/drawingml/2011/main" val="1"/>
+                <ma14:wrappingTextBoxFlag xmlns:ma14="http://schemas.microsoft.com/office/mac/drawingml/2011/main" xmlns="" val="1"/>
               </a:ext>
             </a:extLst>
           </p:spPr>
@@ -6376,7 +6376,7 @@
             </a:ln>
             <a:extLst>
               <a:ext uri="{C572A759-6A51-4108-AA02-DFA0A04FC94B}">
-                <ma14:wrappingTextBoxFlag xmlns="" xmlns:ma14="http://schemas.microsoft.com/office/mac/drawingml/2011/main" val="1"/>
+                <ma14:wrappingTextBoxFlag xmlns:ma14="http://schemas.microsoft.com/office/mac/drawingml/2011/main" xmlns="" val="1"/>
               </a:ext>
             </a:extLst>
           </p:spPr>
@@ -6463,7 +6463,7 @@
             </a:ln>
             <a:extLst>
               <a:ext uri="{C572A759-6A51-4108-AA02-DFA0A04FC94B}">
-                <ma14:wrappingTextBoxFlag xmlns="" xmlns:ma14="http://schemas.microsoft.com/office/mac/drawingml/2011/main" val="1"/>
+                <ma14:wrappingTextBoxFlag xmlns:ma14="http://schemas.microsoft.com/office/mac/drawingml/2011/main" xmlns="" val="1"/>
               </a:ext>
             </a:extLst>
           </p:spPr>
@@ -6550,7 +6550,7 @@
             </a:ln>
             <a:extLst>
               <a:ext uri="{C572A759-6A51-4108-AA02-DFA0A04FC94B}">
-                <ma14:wrappingTextBoxFlag xmlns="" xmlns:ma14="http://schemas.microsoft.com/office/mac/drawingml/2011/main" val="1"/>
+                <ma14:wrappingTextBoxFlag xmlns:ma14="http://schemas.microsoft.com/office/mac/drawingml/2011/main" xmlns="" val="1"/>
               </a:ext>
             </a:extLst>
           </p:spPr>
@@ -6620,7 +6620,7 @@
             </a:ln>
             <a:extLst>
               <a:ext uri="{C572A759-6A51-4108-AA02-DFA0A04FC94B}">
-                <ma14:wrappingTextBoxFlag xmlns="" xmlns:ma14="http://schemas.microsoft.com/office/mac/drawingml/2011/main" val="1"/>
+                <ma14:wrappingTextBoxFlag xmlns:ma14="http://schemas.microsoft.com/office/mac/drawingml/2011/main" xmlns="" val="1"/>
               </a:ext>
             </a:extLst>
           </p:spPr>
@@ -6690,7 +6690,7 @@
             </a:ln>
             <a:extLst>
               <a:ext uri="{C572A759-6A51-4108-AA02-DFA0A04FC94B}">
-                <ma14:wrappingTextBoxFlag xmlns="" xmlns:ma14="http://schemas.microsoft.com/office/mac/drawingml/2011/main" val="1"/>
+                <ma14:wrappingTextBoxFlag xmlns:ma14="http://schemas.microsoft.com/office/mac/drawingml/2011/main" xmlns="" val="1"/>
               </a:ext>
             </a:extLst>
           </p:spPr>
@@ -6760,7 +6760,7 @@
             </a:ln>
             <a:extLst>
               <a:ext uri="{C572A759-6A51-4108-AA02-DFA0A04FC94B}">
-                <ma14:wrappingTextBoxFlag xmlns="" xmlns:ma14="http://schemas.microsoft.com/office/mac/drawingml/2011/main" val="1"/>
+                <ma14:wrappingTextBoxFlag xmlns:ma14="http://schemas.microsoft.com/office/mac/drawingml/2011/main" xmlns="" val="1"/>
               </a:ext>
             </a:extLst>
           </p:spPr>
@@ -6830,7 +6830,7 @@
             </a:ln>
             <a:extLst>
               <a:ext uri="{C572A759-6A51-4108-AA02-DFA0A04FC94B}">
-                <ma14:wrappingTextBoxFlag xmlns="" xmlns:ma14="http://schemas.microsoft.com/office/mac/drawingml/2011/main" val="1"/>
+                <ma14:wrappingTextBoxFlag xmlns:ma14="http://schemas.microsoft.com/office/mac/drawingml/2011/main" xmlns="" val="1"/>
               </a:ext>
             </a:extLst>
           </p:spPr>
@@ -6900,7 +6900,7 @@
             </a:ln>
             <a:extLst>
               <a:ext uri="{C572A759-6A51-4108-AA02-DFA0A04FC94B}">
-                <ma14:wrappingTextBoxFlag xmlns="" xmlns:ma14="http://schemas.microsoft.com/office/mac/drawingml/2011/main" val="1"/>
+                <ma14:wrappingTextBoxFlag xmlns:ma14="http://schemas.microsoft.com/office/mac/drawingml/2011/main" xmlns="" val="1"/>
               </a:ext>
             </a:extLst>
           </p:spPr>
@@ -6970,7 +6970,7 @@
             </a:ln>
             <a:extLst>
               <a:ext uri="{C572A759-6A51-4108-AA02-DFA0A04FC94B}">
-                <ma14:wrappingTextBoxFlag xmlns="" xmlns:ma14="http://schemas.microsoft.com/office/mac/drawingml/2011/main" val="1"/>
+                <ma14:wrappingTextBoxFlag xmlns:ma14="http://schemas.microsoft.com/office/mac/drawingml/2011/main" xmlns="" val="1"/>
               </a:ext>
             </a:extLst>
           </p:spPr>
@@ -7040,7 +7040,7 @@
             </a:ln>
             <a:extLst>
               <a:ext uri="{C572A759-6A51-4108-AA02-DFA0A04FC94B}">
-                <ma14:wrappingTextBoxFlag xmlns="" xmlns:ma14="http://schemas.microsoft.com/office/mac/drawingml/2011/main" val="1"/>
+                <ma14:wrappingTextBoxFlag xmlns:ma14="http://schemas.microsoft.com/office/mac/drawingml/2011/main" xmlns="" val="1"/>
               </a:ext>
             </a:extLst>
           </p:spPr>
@@ -7110,7 +7110,7 @@
             </a:ln>
             <a:extLst>
               <a:ext uri="{C572A759-6A51-4108-AA02-DFA0A04FC94B}">
-                <ma14:wrappingTextBoxFlag xmlns="" xmlns:ma14="http://schemas.microsoft.com/office/mac/drawingml/2011/main" val="1"/>
+                <ma14:wrappingTextBoxFlag xmlns:ma14="http://schemas.microsoft.com/office/mac/drawingml/2011/main" xmlns="" val="1"/>
               </a:ext>
             </a:extLst>
           </p:spPr>
@@ -7180,7 +7180,7 @@
             </a:ln>
             <a:extLst>
               <a:ext uri="{C572A759-6A51-4108-AA02-DFA0A04FC94B}">
-                <ma14:wrappingTextBoxFlag xmlns="" xmlns:ma14="http://schemas.microsoft.com/office/mac/drawingml/2011/main" val="1"/>
+                <ma14:wrappingTextBoxFlag xmlns:ma14="http://schemas.microsoft.com/office/mac/drawingml/2011/main" xmlns="" val="1"/>
               </a:ext>
             </a:extLst>
           </p:spPr>
@@ -7250,7 +7250,7 @@
             </a:ln>
             <a:extLst>
               <a:ext uri="{C572A759-6A51-4108-AA02-DFA0A04FC94B}">
-                <ma14:wrappingTextBoxFlag xmlns="" xmlns:ma14="http://schemas.microsoft.com/office/mac/drawingml/2011/main" val="1"/>
+                <ma14:wrappingTextBoxFlag xmlns:ma14="http://schemas.microsoft.com/office/mac/drawingml/2011/main" xmlns="" val="1"/>
               </a:ext>
             </a:extLst>
           </p:spPr>
@@ -7320,7 +7320,7 @@
             </a:ln>
             <a:extLst>
               <a:ext uri="{C572A759-6A51-4108-AA02-DFA0A04FC94B}">
-                <ma14:wrappingTextBoxFlag xmlns="" xmlns:ma14="http://schemas.microsoft.com/office/mac/drawingml/2011/main" val="1"/>
+                <ma14:wrappingTextBoxFlag xmlns:ma14="http://schemas.microsoft.com/office/mac/drawingml/2011/main" xmlns="" val="1"/>
               </a:ext>
             </a:extLst>
           </p:spPr>
@@ -7390,7 +7390,7 @@
             </a:ln>
             <a:extLst>
               <a:ext uri="{C572A759-6A51-4108-AA02-DFA0A04FC94B}">
-                <ma14:wrappingTextBoxFlag xmlns="" xmlns:ma14="http://schemas.microsoft.com/office/mac/drawingml/2011/main" val="1"/>
+                <ma14:wrappingTextBoxFlag xmlns:ma14="http://schemas.microsoft.com/office/mac/drawingml/2011/main" xmlns="" val="1"/>
               </a:ext>
             </a:extLst>
           </p:spPr>
@@ -7460,7 +7460,7 @@
             </a:ln>
             <a:extLst>
               <a:ext uri="{C572A759-6A51-4108-AA02-DFA0A04FC94B}">
-                <ma14:wrappingTextBoxFlag xmlns="" xmlns:ma14="http://schemas.microsoft.com/office/mac/drawingml/2011/main" val="1"/>
+                <ma14:wrappingTextBoxFlag xmlns:ma14="http://schemas.microsoft.com/office/mac/drawingml/2011/main" xmlns="" val="1"/>
               </a:ext>
             </a:extLst>
           </p:spPr>
@@ -7573,7 +7573,7 @@
           </a:ln>
           <a:extLst>
             <a:ext uri="{C572A759-6A51-4108-AA02-DFA0A04FC94B}">
-              <ma14:wrappingTextBoxFlag xmlns="" xmlns:ma14="http://schemas.microsoft.com/office/mac/drawingml/2011/main" val="1"/>
+              <ma14:wrappingTextBoxFlag xmlns:ma14="http://schemas.microsoft.com/office/mac/drawingml/2011/main" xmlns="" val="1"/>
             </a:ext>
           </a:extLst>
         </p:spPr>
@@ -7804,9 +7804,9 @@
         <p:grpSpPr>
           <a:xfrm>
             <a:off x="2841805" y="1166411"/>
-            <a:ext cx="3799231" cy="1847998"/>
+            <a:ext cx="3771799" cy="1626646"/>
             <a:chOff x="976485" y="2069811"/>
-            <a:chExt cx="4683784" cy="2198056"/>
+            <a:chExt cx="4649965" cy="1934774"/>
           </a:xfrm>
         </p:grpSpPr>
         <p:cxnSp>
@@ -7919,10 +7919,10 @@
           </p:nvGrpSpPr>
           <p:grpSpPr>
             <a:xfrm>
-              <a:off x="3078626" y="2069811"/>
-              <a:ext cx="655475" cy="548640"/>
+              <a:off x="3078627" y="2069811"/>
+              <a:ext cx="620012" cy="548640"/>
               <a:chOff x="5913506" y="4650196"/>
-              <a:chExt cx="816389" cy="692612"/>
+              <a:chExt cx="772220" cy="692612"/>
             </a:xfrm>
           </p:grpSpPr>
           <p:sp>
@@ -7940,7 +7940,7 @@
             <p:spPr>
               <a:xfrm>
                 <a:off x="5913506" y="4650196"/>
-                <a:ext cx="816389" cy="692612"/>
+                <a:ext cx="772220" cy="692612"/>
               </a:xfrm>
               <a:custGeom>
                 <a:avLst/>
@@ -8063,10 +8063,10 @@
           </p:nvGrpSpPr>
           <p:grpSpPr>
             <a:xfrm>
-              <a:off x="5006438" y="3441283"/>
-              <a:ext cx="653831" cy="826584"/>
+              <a:off x="5006438" y="3441282"/>
+              <a:ext cx="620012" cy="543805"/>
               <a:chOff x="535862" y="2000065"/>
-              <a:chExt cx="812335" cy="1047006"/>
+              <a:chExt cx="770318" cy="688820"/>
             </a:xfrm>
           </p:grpSpPr>
           <p:sp>
@@ -8084,7 +8084,7 @@
             <p:spPr>
               <a:xfrm>
                 <a:off x="535862" y="2000065"/>
-                <a:ext cx="812335" cy="1047006"/>
+                <a:ext cx="770318" cy="688820"/>
               </a:xfrm>
               <a:custGeom>
                 <a:avLst/>
@@ -8183,7 +8183,7 @@
             <p:spPr>
               <a:xfrm>
                 <a:off x="658344" y="2048602"/>
-                <a:ext cx="551168" cy="551167"/>
+                <a:ext cx="538841" cy="538840"/>
               </a:xfrm>
               <a:prstGeom prst="rect">
                 <a:avLst/>
@@ -8205,10 +8205,10 @@
           </p:nvGrpSpPr>
           <p:grpSpPr>
             <a:xfrm>
-              <a:off x="4228135" y="3447743"/>
-              <a:ext cx="655475" cy="548640"/>
-              <a:chOff x="435223" y="2037197"/>
-              <a:chExt cx="814378" cy="694944"/>
+              <a:off x="4228134" y="3447743"/>
+              <a:ext cx="620013" cy="548640"/>
+              <a:chOff x="435221" y="2037197"/>
+              <a:chExt cx="770319" cy="694944"/>
             </a:xfrm>
           </p:grpSpPr>
           <p:sp>
@@ -8225,8 +8225,8 @@
             </p:nvSpPr>
             <p:spPr>
               <a:xfrm>
-                <a:off x="435223" y="2037197"/>
-                <a:ext cx="814378" cy="694944"/>
+                <a:off x="435221" y="2037197"/>
+                <a:ext cx="770319" cy="694944"/>
               </a:xfrm>
               <a:custGeom>
                 <a:avLst/>
@@ -8348,9 +8348,9 @@
           <p:grpSpPr>
             <a:xfrm>
               <a:off x="1894542" y="3460780"/>
-              <a:ext cx="655474" cy="543805"/>
+              <a:ext cx="620012" cy="543805"/>
               <a:chOff x="597584" y="2012118"/>
-              <a:chExt cx="814378" cy="688820"/>
+              <a:chExt cx="770319" cy="688820"/>
             </a:xfrm>
           </p:grpSpPr>
           <p:sp>
@@ -8368,7 +8368,7 @@
             <p:spPr>
               <a:xfrm>
                 <a:off x="597584" y="2012118"/>
-                <a:ext cx="814378" cy="688820"/>
+                <a:ext cx="770319" cy="688820"/>
               </a:xfrm>
               <a:custGeom>
                 <a:avLst/>
@@ -8489,10 +8489,10 @@
           </p:nvGrpSpPr>
           <p:grpSpPr>
             <a:xfrm>
-              <a:off x="1142000" y="3447743"/>
-              <a:ext cx="655475" cy="543805"/>
-              <a:chOff x="559496" y="2005665"/>
-              <a:chExt cx="814378" cy="688820"/>
+              <a:off x="1141999" y="3447743"/>
+              <a:ext cx="620013" cy="543805"/>
+              <a:chOff x="559494" y="2005665"/>
+              <a:chExt cx="770319" cy="688820"/>
             </a:xfrm>
           </p:grpSpPr>
           <p:sp>
@@ -8509,8 +8509,8 @@
             </p:nvSpPr>
             <p:spPr>
               <a:xfrm>
-                <a:off x="559496" y="2005665"/>
-                <a:ext cx="814378" cy="688820"/>
+                <a:off x="559494" y="2005665"/>
+                <a:ext cx="770319" cy="688820"/>
               </a:xfrm>
               <a:custGeom>
                 <a:avLst/>
@@ -9447,7 +9447,7 @@
           </a:ln>
           <a:extLst>
             <a:ext uri="{C572A759-6A51-4108-AA02-DFA0A04FC94B}">
-              <ma14:wrappingTextBoxFlag xmlns="" xmlns:ma14="http://schemas.microsoft.com/office/mac/drawingml/2011/main" val="1"/>
+              <ma14:wrappingTextBoxFlag xmlns:ma14="http://schemas.microsoft.com/office/mac/drawingml/2011/main" xmlns="" val="1"/>
             </a:ext>
           </a:extLst>
         </p:spPr>
@@ -9517,7 +9517,7 @@
           </a:ln>
           <a:extLst>
             <a:ext uri="{C572A759-6A51-4108-AA02-DFA0A04FC94B}">
-              <ma14:wrappingTextBoxFlag xmlns="" xmlns:ma14="http://schemas.microsoft.com/office/mac/drawingml/2011/main" val="1"/>
+              <ma14:wrappingTextBoxFlag xmlns:ma14="http://schemas.microsoft.com/office/mac/drawingml/2011/main" xmlns="" val="1"/>
             </a:ext>
           </a:extLst>
         </p:spPr>
@@ -9647,7 +9647,7 @@
           </a:ln>
           <a:extLst>
             <a:ext uri="{C572A759-6A51-4108-AA02-DFA0A04FC94B}">
-              <ma14:wrappingTextBoxFlag xmlns="" xmlns:ma14="http://schemas.microsoft.com/office/mac/drawingml/2011/main" val="1"/>
+              <ma14:wrappingTextBoxFlag xmlns:ma14="http://schemas.microsoft.com/office/mac/drawingml/2011/main" xmlns="" val="1"/>
             </a:ext>
           </a:extLst>
         </p:spPr>
@@ -9717,7 +9717,7 @@
           </a:ln>
           <a:extLst>
             <a:ext uri="{C572A759-6A51-4108-AA02-DFA0A04FC94B}">
-              <ma14:wrappingTextBoxFlag xmlns="" xmlns:ma14="http://schemas.microsoft.com/office/mac/drawingml/2011/main" val="1"/>
+              <ma14:wrappingTextBoxFlag xmlns:ma14="http://schemas.microsoft.com/office/mac/drawingml/2011/main" xmlns="" val="1"/>
             </a:ext>
           </a:extLst>
         </p:spPr>
@@ -9777,7 +9777,7 @@
         <p:spPr>
           <a:xfrm>
             <a:off x="2976027" y="4397527"/>
-            <a:ext cx="531685" cy="457200"/>
+            <a:ext cx="502920" cy="457200"/>
           </a:xfrm>
           <a:custGeom>
             <a:avLst/>
@@ -9868,7 +9868,7 @@
         <p:spPr>
           <a:xfrm>
             <a:off x="6095810" y="4420558"/>
-            <a:ext cx="531685" cy="457200"/>
+            <a:ext cx="502920" cy="457200"/>
           </a:xfrm>
           <a:custGeom>
             <a:avLst/>
@@ -9959,7 +9959,7 @@
         <p:spPr>
           <a:xfrm>
             <a:off x="5479367" y="4412247"/>
-            <a:ext cx="531685" cy="457200"/>
+            <a:ext cx="502920" cy="457200"/>
           </a:xfrm>
           <a:custGeom>
             <a:avLst/>
@@ -10050,7 +10050,7 @@
         <p:spPr>
           <a:xfrm>
             <a:off x="3591331" y="4397527"/>
-            <a:ext cx="531685" cy="457200"/>
+            <a:ext cx="502920" cy="457200"/>
           </a:xfrm>
           <a:custGeom>
             <a:avLst/>
@@ -10151,7 +10151,7 @@
           </a:ln>
           <a:extLst>
             <a:ext uri="{C572A759-6A51-4108-AA02-DFA0A04FC94B}">
-              <ma14:wrappingTextBoxFlag xmlns="" xmlns:ma14="http://schemas.microsoft.com/office/mac/drawingml/2011/main" val="1"/>
+              <ma14:wrappingTextBoxFlag xmlns:ma14="http://schemas.microsoft.com/office/mac/drawingml/2011/main" xmlns="" val="1"/>
             </a:ext>
           </a:extLst>
         </p:spPr>
@@ -10221,7 +10221,7 @@
           </a:ln>
           <a:extLst>
             <a:ext uri="{C572A759-6A51-4108-AA02-DFA0A04FC94B}">
-              <ma14:wrappingTextBoxFlag xmlns="" xmlns:ma14="http://schemas.microsoft.com/office/mac/drawingml/2011/main" val="1"/>
+              <ma14:wrappingTextBoxFlag xmlns:ma14="http://schemas.microsoft.com/office/mac/drawingml/2011/main" xmlns="" val="1"/>
             </a:ext>
           </a:extLst>
         </p:spPr>
@@ -10291,7 +10291,7 @@
           </a:ln>
           <a:extLst>
             <a:ext uri="{C572A759-6A51-4108-AA02-DFA0A04FC94B}">
-              <ma14:wrappingTextBoxFlag xmlns="" xmlns:ma14="http://schemas.microsoft.com/office/mac/drawingml/2011/main" val="1"/>
+              <ma14:wrappingTextBoxFlag xmlns:ma14="http://schemas.microsoft.com/office/mac/drawingml/2011/main" xmlns="" val="1"/>
             </a:ext>
           </a:extLst>
         </p:spPr>
@@ -10361,7 +10361,7 @@
           </a:ln>
           <a:extLst>
             <a:ext uri="{C572A759-6A51-4108-AA02-DFA0A04FC94B}">
-              <ma14:wrappingTextBoxFlag xmlns="" xmlns:ma14="http://schemas.microsoft.com/office/mac/drawingml/2011/main" val="1"/>
+              <ma14:wrappingTextBoxFlag xmlns:ma14="http://schemas.microsoft.com/office/mac/drawingml/2011/main" xmlns="" val="1"/>
             </a:ext>
           </a:extLst>
         </p:spPr>
@@ -10509,7 +10509,7 @@
           </a:ln>
           <a:extLst>
             <a:ext uri="{C572A759-6A51-4108-AA02-DFA0A04FC94B}">
-              <ma14:wrappingTextBoxFlag xmlns="" xmlns:ma14="http://schemas.microsoft.com/office/mac/drawingml/2011/main" val="1"/>
+              <ma14:wrappingTextBoxFlag xmlns:ma14="http://schemas.microsoft.com/office/mac/drawingml/2011/main" xmlns="" val="1"/>
             </a:ext>
           </a:extLst>
         </p:spPr>
@@ -11190,7 +11190,7 @@
           </a:ln>
           <a:extLst>
             <a:ext uri="{C572A759-6A51-4108-AA02-DFA0A04FC94B}">
-              <ma14:wrappingTextBoxFlag xmlns="" xmlns:ma14="http://schemas.microsoft.com/office/mac/drawingml/2011/main" val="1"/>
+              <ma14:wrappingTextBoxFlag xmlns:ma14="http://schemas.microsoft.com/office/mac/drawingml/2011/main" xmlns="" val="1"/>
             </a:ext>
           </a:extLst>
         </p:spPr>
@@ -11436,7 +11436,7 @@
           </a:ln>
           <a:extLst>
             <a:ext uri="{C572A759-6A51-4108-AA02-DFA0A04FC94B}">
-              <ma14:wrappingTextBoxFlag xmlns:ma14="http://schemas.microsoft.com/office/mac/drawingml/2011/main" xmlns="" val="1"/>
+              <ma14:wrappingTextBoxFlag xmlns="" xmlns:ma14="http://schemas.microsoft.com/office/mac/drawingml/2011/main" val="1"/>
             </a:ext>
           </a:extLst>
         </p:spPr>
@@ -11484,7 +11484,7 @@
           </a:ln>
           <a:extLst>
             <a:ext uri="{C572A759-6A51-4108-AA02-DFA0A04FC94B}">
-              <ma14:wrappingTextBoxFlag xmlns:ma14="http://schemas.microsoft.com/office/mac/drawingml/2011/main" xmlns="" val="1"/>
+              <ma14:wrappingTextBoxFlag xmlns="" xmlns:ma14="http://schemas.microsoft.com/office/mac/drawingml/2011/main" val="1"/>
             </a:ext>
           </a:extLst>
         </p:spPr>
@@ -11639,7 +11639,7 @@
             <a:effectLst/>
             <a:extLst>
               <a:ext uri="{C572A759-6A51-4108-AA02-DFA0A04FC94B}">
-                <ma14:wrappingTextBoxFlag xmlns:ma14="http://schemas.microsoft.com/office/mac/drawingml/2011/main" xmlns="" val="1"/>
+                <ma14:wrappingTextBoxFlag xmlns="" xmlns:ma14="http://schemas.microsoft.com/office/mac/drawingml/2011/main" val="1"/>
               </a:ext>
             </a:extLst>
           </p:spPr>
@@ -11801,7 +11801,7 @@
             <a:effectLst/>
             <a:extLst>
               <a:ext uri="{C572A759-6A51-4108-AA02-DFA0A04FC94B}">
-                <ma14:wrappingTextBoxFlag xmlns:ma14="http://schemas.microsoft.com/office/mac/drawingml/2011/main" xmlns="" val="1"/>
+                <ma14:wrappingTextBoxFlag xmlns="" xmlns:ma14="http://schemas.microsoft.com/office/mac/drawingml/2011/main" val="1"/>
               </a:ext>
             </a:extLst>
           </p:spPr>
@@ -11963,7 +11963,7 @@
             <a:effectLst/>
             <a:extLst>
               <a:ext uri="{C572A759-6A51-4108-AA02-DFA0A04FC94B}">
-                <ma14:wrappingTextBoxFlag xmlns:ma14="http://schemas.microsoft.com/office/mac/drawingml/2011/main" xmlns="" val="1"/>
+                <ma14:wrappingTextBoxFlag xmlns="" xmlns:ma14="http://schemas.microsoft.com/office/mac/drawingml/2011/main" val="1"/>
               </a:ext>
             </a:extLst>
           </p:spPr>
@@ -12125,7 +12125,7 @@
             <a:effectLst/>
             <a:extLst>
               <a:ext uri="{C572A759-6A51-4108-AA02-DFA0A04FC94B}">
-                <ma14:wrappingTextBoxFlag xmlns:ma14="http://schemas.microsoft.com/office/mac/drawingml/2011/main" xmlns="" val="1"/>
+                <ma14:wrappingTextBoxFlag xmlns="" xmlns:ma14="http://schemas.microsoft.com/office/mac/drawingml/2011/main" val="1"/>
               </a:ext>
             </a:extLst>
           </p:spPr>
@@ -12287,7 +12287,7 @@
             <a:effectLst/>
             <a:extLst>
               <a:ext uri="{C572A759-6A51-4108-AA02-DFA0A04FC94B}">
-                <ma14:wrappingTextBoxFlag xmlns:ma14="http://schemas.microsoft.com/office/mac/drawingml/2011/main" xmlns="" val="1"/>
+                <ma14:wrappingTextBoxFlag xmlns="" xmlns:ma14="http://schemas.microsoft.com/office/mac/drawingml/2011/main" val="1"/>
               </a:ext>
             </a:extLst>
           </p:spPr>
@@ -12449,7 +12449,7 @@
             <a:effectLst/>
             <a:extLst>
               <a:ext uri="{C572A759-6A51-4108-AA02-DFA0A04FC94B}">
-                <ma14:wrappingTextBoxFlag xmlns:ma14="http://schemas.microsoft.com/office/mac/drawingml/2011/main" xmlns="" val="1"/>
+                <ma14:wrappingTextBoxFlag xmlns="" xmlns:ma14="http://schemas.microsoft.com/office/mac/drawingml/2011/main" val="1"/>
               </a:ext>
             </a:extLst>
           </p:spPr>
@@ -12611,7 +12611,7 @@
             <a:effectLst/>
             <a:extLst>
               <a:ext uri="{C572A759-6A51-4108-AA02-DFA0A04FC94B}">
-                <ma14:wrappingTextBoxFlag xmlns:ma14="http://schemas.microsoft.com/office/mac/drawingml/2011/main" xmlns="" val="1"/>
+                <ma14:wrappingTextBoxFlag xmlns="" xmlns:ma14="http://schemas.microsoft.com/office/mac/drawingml/2011/main" val="1"/>
               </a:ext>
             </a:extLst>
           </p:spPr>
@@ -12773,7 +12773,7 @@
             <a:effectLst/>
             <a:extLst>
               <a:ext uri="{C572A759-6A51-4108-AA02-DFA0A04FC94B}">
-                <ma14:wrappingTextBoxFlag xmlns:ma14="http://schemas.microsoft.com/office/mac/drawingml/2011/main" xmlns="" val="1"/>
+                <ma14:wrappingTextBoxFlag xmlns="" xmlns:ma14="http://schemas.microsoft.com/office/mac/drawingml/2011/main" val="1"/>
               </a:ext>
             </a:extLst>
           </p:spPr>
@@ -12935,7 +12935,7 @@
             <a:effectLst/>
             <a:extLst>
               <a:ext uri="{C572A759-6A51-4108-AA02-DFA0A04FC94B}">
-                <ma14:wrappingTextBoxFlag xmlns:ma14="http://schemas.microsoft.com/office/mac/drawingml/2011/main" xmlns="" val="1"/>
+                <ma14:wrappingTextBoxFlag xmlns="" xmlns:ma14="http://schemas.microsoft.com/office/mac/drawingml/2011/main" val="1"/>
               </a:ext>
             </a:extLst>
           </p:spPr>
@@ -13097,7 +13097,7 @@
             <a:effectLst/>
             <a:extLst>
               <a:ext uri="{C572A759-6A51-4108-AA02-DFA0A04FC94B}">
-                <ma14:wrappingTextBoxFlag xmlns:ma14="http://schemas.microsoft.com/office/mac/drawingml/2011/main" xmlns="" val="1"/>
+                <ma14:wrappingTextBoxFlag xmlns="" xmlns:ma14="http://schemas.microsoft.com/office/mac/drawingml/2011/main" val="1"/>
               </a:ext>
             </a:extLst>
           </p:spPr>
@@ -13259,7 +13259,7 @@
             <a:effectLst/>
             <a:extLst>
               <a:ext uri="{C572A759-6A51-4108-AA02-DFA0A04FC94B}">
-                <ma14:wrappingTextBoxFlag xmlns:ma14="http://schemas.microsoft.com/office/mac/drawingml/2011/main" xmlns="" val="1"/>
+                <ma14:wrappingTextBoxFlag xmlns="" xmlns:ma14="http://schemas.microsoft.com/office/mac/drawingml/2011/main" val="1"/>
               </a:ext>
             </a:extLst>
           </p:spPr>
@@ -13421,7 +13421,7 @@
             <a:effectLst/>
             <a:extLst>
               <a:ext uri="{C572A759-6A51-4108-AA02-DFA0A04FC94B}">
-                <ma14:wrappingTextBoxFlag xmlns:ma14="http://schemas.microsoft.com/office/mac/drawingml/2011/main" xmlns="" val="1"/>
+                <ma14:wrappingTextBoxFlag xmlns="" xmlns:ma14="http://schemas.microsoft.com/office/mac/drawingml/2011/main" val="1"/>
               </a:ext>
             </a:extLst>
           </p:spPr>
@@ -13583,7 +13583,7 @@
             <a:effectLst/>
             <a:extLst>
               <a:ext uri="{C572A759-6A51-4108-AA02-DFA0A04FC94B}">
-                <ma14:wrappingTextBoxFlag xmlns:ma14="http://schemas.microsoft.com/office/mac/drawingml/2011/main" xmlns="" val="1"/>
+                <ma14:wrappingTextBoxFlag xmlns="" xmlns:ma14="http://schemas.microsoft.com/office/mac/drawingml/2011/main" val="1"/>
               </a:ext>
             </a:extLst>
           </p:spPr>
@@ -13745,7 +13745,7 @@
             <a:effectLst/>
             <a:extLst>
               <a:ext uri="{C572A759-6A51-4108-AA02-DFA0A04FC94B}">
-                <ma14:wrappingTextBoxFlag xmlns:ma14="http://schemas.microsoft.com/office/mac/drawingml/2011/main" xmlns="" val="1"/>
+                <ma14:wrappingTextBoxFlag xmlns="" xmlns:ma14="http://schemas.microsoft.com/office/mac/drawingml/2011/main" val="1"/>
               </a:ext>
             </a:extLst>
           </p:spPr>
@@ -13907,7 +13907,7 @@
             <a:effectLst/>
             <a:extLst>
               <a:ext uri="{C572A759-6A51-4108-AA02-DFA0A04FC94B}">
-                <ma14:wrappingTextBoxFlag xmlns:ma14="http://schemas.microsoft.com/office/mac/drawingml/2011/main" xmlns="" val="1"/>
+                <ma14:wrappingTextBoxFlag xmlns="" xmlns:ma14="http://schemas.microsoft.com/office/mac/drawingml/2011/main" val="1"/>
               </a:ext>
             </a:extLst>
           </p:spPr>
@@ -14069,7 +14069,7 @@
             <a:effectLst/>
             <a:extLst>
               <a:ext uri="{C572A759-6A51-4108-AA02-DFA0A04FC94B}">
-                <ma14:wrappingTextBoxFlag xmlns:ma14="http://schemas.microsoft.com/office/mac/drawingml/2011/main" xmlns="" val="1"/>
+                <ma14:wrappingTextBoxFlag xmlns="" xmlns:ma14="http://schemas.microsoft.com/office/mac/drawingml/2011/main" val="1"/>
               </a:ext>
             </a:extLst>
           </p:spPr>
@@ -14231,7 +14231,7 @@
             <a:effectLst/>
             <a:extLst>
               <a:ext uri="{C572A759-6A51-4108-AA02-DFA0A04FC94B}">
-                <ma14:wrappingTextBoxFlag xmlns:ma14="http://schemas.microsoft.com/office/mac/drawingml/2011/main" xmlns="" val="1"/>
+                <ma14:wrappingTextBoxFlag xmlns="" xmlns:ma14="http://schemas.microsoft.com/office/mac/drawingml/2011/main" val="1"/>
               </a:ext>
             </a:extLst>
           </p:spPr>
@@ -14393,7 +14393,7 @@
             <a:effectLst/>
             <a:extLst>
               <a:ext uri="{C572A759-6A51-4108-AA02-DFA0A04FC94B}">
-                <ma14:wrappingTextBoxFlag xmlns:ma14="http://schemas.microsoft.com/office/mac/drawingml/2011/main" xmlns="" val="1"/>
+                <ma14:wrappingTextBoxFlag xmlns="" xmlns:ma14="http://schemas.microsoft.com/office/mac/drawingml/2011/main" val="1"/>
               </a:ext>
             </a:extLst>
           </p:spPr>
@@ -14555,7 +14555,7 @@
             <a:effectLst/>
             <a:extLst>
               <a:ext uri="{C572A759-6A51-4108-AA02-DFA0A04FC94B}">
-                <ma14:wrappingTextBoxFlag xmlns:ma14="http://schemas.microsoft.com/office/mac/drawingml/2011/main" xmlns="" val="1"/>
+                <ma14:wrappingTextBoxFlag xmlns="" xmlns:ma14="http://schemas.microsoft.com/office/mac/drawingml/2011/main" val="1"/>
               </a:ext>
             </a:extLst>
           </p:spPr>
@@ -14717,7 +14717,7 @@
             <a:effectLst/>
             <a:extLst>
               <a:ext uri="{C572A759-6A51-4108-AA02-DFA0A04FC94B}">
-                <ma14:wrappingTextBoxFlag xmlns:ma14="http://schemas.microsoft.com/office/mac/drawingml/2011/main" xmlns="" val="1"/>
+                <ma14:wrappingTextBoxFlag xmlns="" xmlns:ma14="http://schemas.microsoft.com/office/mac/drawingml/2011/main" val="1"/>
               </a:ext>
             </a:extLst>
           </p:spPr>
@@ -14839,7 +14839,7 @@
           </a:ln>
           <a:extLst>
             <a:ext uri="{C572A759-6A51-4108-AA02-DFA0A04FC94B}">
-              <ma14:wrappingTextBoxFlag xmlns:ma14="http://schemas.microsoft.com/office/mac/drawingml/2011/main" xmlns="" val="1"/>
+              <ma14:wrappingTextBoxFlag xmlns="" xmlns:ma14="http://schemas.microsoft.com/office/mac/drawingml/2011/main" val="1"/>
             </a:ext>
           </a:extLst>
         </p:spPr>
@@ -14887,7 +14887,7 @@
           </a:ln>
           <a:extLst>
             <a:ext uri="{C572A759-6A51-4108-AA02-DFA0A04FC94B}">
-              <ma14:wrappingTextBoxFlag xmlns:ma14="http://schemas.microsoft.com/office/mac/drawingml/2011/main" xmlns="" val="1"/>
+              <ma14:wrappingTextBoxFlag xmlns="" xmlns:ma14="http://schemas.microsoft.com/office/mac/drawingml/2011/main" val="1"/>
             </a:ext>
           </a:extLst>
         </p:spPr>
@@ -15222,7 +15222,7 @@
               <a:effectLst/>
               <a:extLst>
                 <a:ext uri="{C572A759-6A51-4108-AA02-DFA0A04FC94B}">
-                  <ma14:wrappingTextBoxFlag xmlns:ma14="http://schemas.microsoft.com/office/mac/drawingml/2011/main" xmlns="" val="1"/>
+                  <ma14:wrappingTextBoxFlag xmlns="" xmlns:ma14="http://schemas.microsoft.com/office/mac/drawingml/2011/main" val="1"/>
                 </a:ext>
               </a:extLst>
             </p:spPr>

--- a/powerpoint/templates/VirtualPrivateCloudEditablePPT.pptx
+++ b/powerpoint/templates/VirtualPrivateCloudEditablePPT.pptx
@@ -791,7 +791,7 @@
           </a:ln>
           <a:extLst>
             <a:ext uri="{C572A759-6A51-4108-AA02-DFA0A04FC94B}">
-              <ma14:wrappingTextBoxFlag xmlns="" xmlns:ma14="http://schemas.microsoft.com/office/mac/drawingml/2011/main" val="1"/>
+              <ma14:wrappingTextBoxFlag xmlns:ma14="http://schemas.microsoft.com/office/mac/drawingml/2011/main" xmlns="" val="1"/>
             </a:ext>
           </a:extLst>
         </p:spPr>
@@ -844,7 +844,7 @@
           </a:ln>
           <a:extLst>
             <a:ext uri="{C572A759-6A51-4108-AA02-DFA0A04FC94B}">
-              <ma14:wrappingTextBoxFlag xmlns="" xmlns:ma14="http://schemas.microsoft.com/office/mac/drawingml/2011/main" val="1"/>
+              <ma14:wrappingTextBoxFlag xmlns:ma14="http://schemas.microsoft.com/office/mac/drawingml/2011/main" xmlns="" val="1"/>
             </a:ext>
           </a:extLst>
         </p:spPr>
@@ -892,7 +892,7 @@
           </a:ln>
           <a:extLst>
             <a:ext uri="{C572A759-6A51-4108-AA02-DFA0A04FC94B}">
-              <ma14:wrappingTextBoxFlag xmlns="" xmlns:ma14="http://schemas.microsoft.com/office/mac/drawingml/2011/main" val="1"/>
+              <ma14:wrappingTextBoxFlag xmlns:ma14="http://schemas.microsoft.com/office/mac/drawingml/2011/main" xmlns="" val="1"/>
             </a:ext>
           </a:extLst>
         </p:spPr>
@@ -980,7 +980,7 @@
           </a:ln>
           <a:extLst>
             <a:ext uri="{C572A759-6A51-4108-AA02-DFA0A04FC94B}">
-              <ma14:wrappingTextBoxFlag xmlns="" xmlns:ma14="http://schemas.microsoft.com/office/mac/drawingml/2011/main" val="1"/>
+              <ma14:wrappingTextBoxFlag xmlns:ma14="http://schemas.microsoft.com/office/mac/drawingml/2011/main" xmlns="" val="1"/>
             </a:ext>
           </a:extLst>
         </p:spPr>
@@ -1033,7 +1033,7 @@
           </a:ln>
           <a:extLst>
             <a:ext uri="{C572A759-6A51-4108-AA02-DFA0A04FC94B}">
-              <ma14:wrappingTextBoxFlag xmlns="" xmlns:ma14="http://schemas.microsoft.com/office/mac/drawingml/2011/main" val="1"/>
+              <ma14:wrappingTextBoxFlag xmlns:ma14="http://schemas.microsoft.com/office/mac/drawingml/2011/main" xmlns="" val="1"/>
             </a:ext>
           </a:extLst>
         </p:spPr>
@@ -1081,7 +1081,7 @@
           </a:ln>
           <a:extLst>
             <a:ext uri="{C572A759-6A51-4108-AA02-DFA0A04FC94B}">
-              <ma14:wrappingTextBoxFlag xmlns="" xmlns:ma14="http://schemas.microsoft.com/office/mac/drawingml/2011/main" val="1"/>
+              <ma14:wrappingTextBoxFlag xmlns:ma14="http://schemas.microsoft.com/office/mac/drawingml/2011/main" xmlns="" val="1"/>
             </a:ext>
           </a:extLst>
         </p:spPr>
@@ -1245,7 +1245,7 @@
           </a:ln>
           <a:extLst>
             <a:ext uri="{C572A759-6A51-4108-AA02-DFA0A04FC94B}">
-              <ma14:wrappingTextBoxFlag xmlns="" xmlns:ma14="http://schemas.microsoft.com/office/mac/drawingml/2011/main" val="1"/>
+              <ma14:wrappingTextBoxFlag xmlns:ma14="http://schemas.microsoft.com/office/mac/drawingml/2011/main" xmlns="" val="1"/>
             </a:ext>
           </a:extLst>
         </p:spPr>
@@ -1298,7 +1298,7 @@
           </a:ln>
           <a:extLst>
             <a:ext uri="{C572A759-6A51-4108-AA02-DFA0A04FC94B}">
-              <ma14:wrappingTextBoxFlag xmlns="" xmlns:ma14="http://schemas.microsoft.com/office/mac/drawingml/2011/main" val="1"/>
+              <ma14:wrappingTextBoxFlag xmlns:ma14="http://schemas.microsoft.com/office/mac/drawingml/2011/main" xmlns="" val="1"/>
             </a:ext>
           </a:extLst>
         </p:spPr>
@@ -1346,7 +1346,7 @@
           </a:ln>
           <a:extLst>
             <a:ext uri="{C572A759-6A51-4108-AA02-DFA0A04FC94B}">
-              <ma14:wrappingTextBoxFlag xmlns="" xmlns:ma14="http://schemas.microsoft.com/office/mac/drawingml/2011/main" val="1"/>
+              <ma14:wrappingTextBoxFlag xmlns:ma14="http://schemas.microsoft.com/office/mac/drawingml/2011/main" xmlns="" val="1"/>
             </a:ext>
           </a:extLst>
         </p:spPr>
@@ -1536,7 +1536,7 @@
           </a:ln>
           <a:extLst>
             <a:ext uri="{C572A759-6A51-4108-AA02-DFA0A04FC94B}">
-              <ma14:wrappingTextBoxFlag xmlns="" xmlns:ma14="http://schemas.microsoft.com/office/mac/drawingml/2011/main" val="1"/>
+              <ma14:wrappingTextBoxFlag xmlns:ma14="http://schemas.microsoft.com/office/mac/drawingml/2011/main" xmlns="" val="1"/>
             </a:ext>
           </a:extLst>
         </p:spPr>
@@ -1674,7 +1674,7 @@
           </a:ln>
           <a:extLst>
             <a:ext uri="{C572A759-6A51-4108-AA02-DFA0A04FC94B}">
-              <ma14:wrappingTextBoxFlag xmlns="" xmlns:ma14="http://schemas.microsoft.com/office/mac/drawingml/2011/main" val="1"/>
+              <ma14:wrappingTextBoxFlag xmlns:ma14="http://schemas.microsoft.com/office/mac/drawingml/2011/main" xmlns="" val="1"/>
             </a:ext>
           </a:extLst>
         </p:spPr>
@@ -1727,7 +1727,7 @@
           </a:ln>
           <a:extLst>
             <a:ext uri="{C572A759-6A51-4108-AA02-DFA0A04FC94B}">
-              <ma14:wrappingTextBoxFlag xmlns="" xmlns:ma14="http://schemas.microsoft.com/office/mac/drawingml/2011/main" val="1"/>
+              <ma14:wrappingTextBoxFlag xmlns:ma14="http://schemas.microsoft.com/office/mac/drawingml/2011/main" xmlns="" val="1"/>
             </a:ext>
           </a:extLst>
         </p:spPr>
@@ -1801,7 +1801,7 @@
           </a:ln>
           <a:extLst>
             <a:ext uri="{C572A759-6A51-4108-AA02-DFA0A04FC94B}">
-              <ma14:wrappingTextBoxFlag xmlns="" xmlns:ma14="http://schemas.microsoft.com/office/mac/drawingml/2011/main" val="1"/>
+              <ma14:wrappingTextBoxFlag xmlns:ma14="http://schemas.microsoft.com/office/mac/drawingml/2011/main" xmlns="" val="1"/>
             </a:ext>
           </a:extLst>
         </p:spPr>
@@ -2770,7 +2770,7 @@
           </a:ln>
           <a:extLst>
             <a:ext uri="{C572A759-6A51-4108-AA02-DFA0A04FC94B}">
-              <ma14:wrappingTextBoxFlag xmlns="" xmlns:ma14="http://schemas.microsoft.com/office/mac/drawingml/2011/main" val="1"/>
+              <ma14:wrappingTextBoxFlag xmlns:ma14="http://schemas.microsoft.com/office/mac/drawingml/2011/main" xmlns="" val="1"/>
             </a:ext>
           </a:extLst>
         </p:spPr>
@@ -2813,7 +2813,7 @@
           </a:ln>
           <a:extLst>
             <a:ext uri="{C572A759-6A51-4108-AA02-DFA0A04FC94B}">
-              <ma14:wrappingTextBoxFlag xmlns="" xmlns:ma14="http://schemas.microsoft.com/office/mac/drawingml/2011/main" val="1"/>
+              <ma14:wrappingTextBoxFlag xmlns:ma14="http://schemas.microsoft.com/office/mac/drawingml/2011/main" xmlns="" val="1"/>
             </a:ext>
           </a:extLst>
         </p:spPr>
@@ -3261,7 +3261,7 @@
           </a:ln>
           <a:extLst>
             <a:ext uri="{C572A759-6A51-4108-AA02-DFA0A04FC94B}">
-              <ma14:wrappingTextBoxFlag xmlns="" xmlns:ma14="http://schemas.microsoft.com/office/mac/drawingml/2011/main" val="1"/>
+              <ma14:wrappingTextBoxFlag xmlns:ma14="http://schemas.microsoft.com/office/mac/drawingml/2011/main" xmlns="" val="1"/>
             </a:ext>
           </a:extLst>
         </p:spPr>
@@ -3310,7 +3310,7 @@
           </a:ln>
           <a:extLst>
             <a:ext uri="{C572A759-6A51-4108-AA02-DFA0A04FC94B}">
-              <ma14:wrappingTextBoxFlag xmlns="" xmlns:ma14="http://schemas.microsoft.com/office/mac/drawingml/2011/main" val="1"/>
+              <ma14:wrappingTextBoxFlag xmlns:ma14="http://schemas.microsoft.com/office/mac/drawingml/2011/main" xmlns="" val="1"/>
             </a:ext>
           </a:extLst>
         </p:spPr>
@@ -3730,7 +3730,7 @@
                   <a:srgbClr val="000000"/>
                 </a:solidFill>
               </a:rPr>
-              <a:t>September 4</a:t>
+              <a:t>September 7</a:t>
             </a:r>
             <a:r>
               <a:rPr lang="en-US" sz="1200" b="1" baseline="30000" dirty="0">
@@ -3799,44 +3799,6 @@
           <a:chExt cx="0" cy="0"/>
         </a:xfrm>
       </p:grpSpPr>
-      <p:sp>
-        <p:nvSpPr>
-          <p:cNvPr id="136" name="Shape 66">
-            <a:extLst>
-              <a:ext uri="{FF2B5EF4-FFF2-40B4-BE49-F238E27FC236}">
-                <a16:creationId xmlns:a16="http://schemas.microsoft.com/office/drawing/2014/main" id="{968DFB3D-9547-704D-AD7F-FF7C078B591E}"/>
-              </a:ext>
-            </a:extLst>
-          </p:cNvPr>
-          <p:cNvSpPr/>
-          <p:nvPr/>
-        </p:nvSpPr>
-        <p:spPr>
-          <a:xfrm flipH="1" flipV="1">
-            <a:off x="8271926" y="96438"/>
-            <a:ext cx="5617" cy="6236298"/>
-          </a:xfrm>
-          <a:prstGeom prst="line">
-            <a:avLst/>
-          </a:prstGeom>
-          <a:ln w="3175">
-            <a:solidFill>
-              <a:srgbClr val="4277BB"/>
-            </a:solidFill>
-            <a:miter lim="400000"/>
-          </a:ln>
-        </p:spPr>
-        <p:txBody>
-          <a:bodyPr lIns="0" tIns="0" rIns="0" bIns="0" anchor="ctr"/>
-          <a:lstStyle/>
-          <a:p>
-            <a:pPr lvl="0">
-              <a:defRPr sz="1800"/>
-            </a:pPr>
-            <a:endParaRPr/>
-          </a:p>
-        </p:txBody>
-      </p:sp>
       <p:grpSp>
         <p:nvGrpSpPr>
           <p:cNvPr id="211" name="Group 210">
@@ -3995,7 +3957,7 @@
         </p:nvGrpSpPr>
         <p:grpSpPr>
           <a:xfrm>
-            <a:off x="1369293" y="1600319"/>
+            <a:off x="7640298" y="2468555"/>
             <a:ext cx="502920" cy="457200"/>
             <a:chOff x="7855527" y="2681064"/>
             <a:chExt cx="751660" cy="692612"/>
@@ -4139,7 +4101,7 @@
         </p:nvGrpSpPr>
         <p:grpSpPr>
           <a:xfrm>
-            <a:off x="7646429" y="3115984"/>
+            <a:off x="7640298" y="3797369"/>
             <a:ext cx="502920" cy="457200"/>
             <a:chOff x="8487970" y="1994397"/>
             <a:chExt cx="751660" cy="692612"/>
@@ -4326,7 +4288,7 @@
         </p:nvGrpSpPr>
         <p:grpSpPr>
           <a:xfrm>
-            <a:off x="8383358" y="2415753"/>
+            <a:off x="8437863" y="1876435"/>
             <a:ext cx="502920" cy="457200"/>
             <a:chOff x="8826" y="0"/>
             <a:chExt cx="707231" cy="707231"/>
@@ -4622,7 +4584,7 @@
         </p:nvGrpSpPr>
         <p:grpSpPr>
           <a:xfrm>
-            <a:off x="8406206" y="3729845"/>
+            <a:off x="8431427" y="4402873"/>
             <a:ext cx="502920" cy="457200"/>
             <a:chOff x="75417" y="0"/>
             <a:chExt cx="707232" cy="707232"/>
@@ -4770,7 +4732,7 @@
         </p:nvGrpSpPr>
         <p:grpSpPr>
           <a:xfrm>
-            <a:off x="8402612" y="4934341"/>
+            <a:off x="8431427" y="5458579"/>
             <a:ext cx="502920" cy="457200"/>
             <a:chOff x="223397" y="0"/>
             <a:chExt cx="707232" cy="707232"/>
@@ -4918,7 +4880,7 @@
         </p:nvGrpSpPr>
         <p:grpSpPr>
           <a:xfrm>
-            <a:off x="9362374" y="2409045"/>
+            <a:off x="8433230" y="822413"/>
             <a:ext cx="502920" cy="457200"/>
             <a:chOff x="196910" y="0"/>
             <a:chExt cx="707233" cy="707232"/>
@@ -5068,8 +5030,8 @@
         </p:nvCxnSpPr>
         <p:spPr>
           <a:xfrm>
-            <a:off x="8654072" y="4200232"/>
-            <a:ext cx="0" cy="697901"/>
+            <a:off x="8682887" y="1298756"/>
+            <a:ext cx="0" cy="558596"/>
           </a:xfrm>
           <a:prstGeom prst="straightConnector1">
             <a:avLst/>
@@ -5114,9 +5076,9 @@
           <p:nvPr/>
         </p:nvCxnSpPr>
         <p:spPr>
-          <a:xfrm>
-            <a:off x="8649907" y="2880382"/>
-            <a:ext cx="0" cy="861635"/>
+          <a:xfrm flipH="1">
+            <a:off x="8837533" y="2319464"/>
+            <a:ext cx="16448" cy="2124026"/>
           </a:xfrm>
           <a:prstGeom prst="straightConnector1">
             <a:avLst/>
@@ -5125,55 +5087,6 @@
           <a:ln w="25400" cap="flat">
             <a:solidFill>
               <a:srgbClr val="4277BB"/>
-            </a:solidFill>
-            <a:prstDash val="solid"/>
-            <a:miter lim="400000"/>
-            <a:headEnd type="triangle"/>
-            <a:tailEnd type="triangle"/>
-          </a:ln>
-          <a:effectLst/>
-        </p:spPr>
-        <p:style>
-          <a:lnRef idx="0">
-            <a:scrgbClr r="0" g="0" b="0"/>
-          </a:lnRef>
-          <a:fillRef idx="0">
-            <a:scrgbClr r="0" g="0" b="0"/>
-          </a:fillRef>
-          <a:effectRef idx="0">
-            <a:scrgbClr r="0" g="0" b="0"/>
-          </a:effectRef>
-          <a:fontRef idx="none"/>
-        </p:style>
-      </p:cxnSp>
-      <p:cxnSp>
-        <p:nvCxnSpPr>
-          <p:cNvPr id="150" name="Elbow Connector 149">
-            <a:extLst>
-              <a:ext uri="{FF2B5EF4-FFF2-40B4-BE49-F238E27FC236}">
-                <a16:creationId xmlns:a16="http://schemas.microsoft.com/office/drawing/2014/main" id="{40F94096-CFF4-5F48-A185-9BA73A5F5209}"/>
-              </a:ext>
-            </a:extLst>
-          </p:cNvPr>
-          <p:cNvCxnSpPr>
-            <a:cxnSpLocks/>
-          </p:cNvCxnSpPr>
-          <p:nvPr/>
-        </p:nvCxnSpPr>
-        <p:spPr>
-          <a:xfrm rot="5400000" flipH="1" flipV="1">
-            <a:off x="362841" y="2603589"/>
-            <a:ext cx="1771385" cy="709759"/>
-          </a:xfrm>
-          <a:prstGeom prst="bentConnector3">
-            <a:avLst>
-              <a:gd name="adj1" fmla="val 60111"/>
-            </a:avLst>
-          </a:prstGeom>
-          <a:noFill/>
-          <a:ln w="25400" cap="flat">
-            <a:solidFill>
-              <a:srgbClr val="FF0000"/>
             </a:solidFill>
             <a:prstDash val="solid"/>
             <a:miter lim="400000"/>
@@ -5218,55 +5131,8 @@
           </a:xfrm>
           <a:prstGeom prst="bentConnector3">
             <a:avLst>
-              <a:gd name="adj1" fmla="val 59481"/>
+              <a:gd name="adj1" fmla="val 46445"/>
             </a:avLst>
-          </a:prstGeom>
-          <a:noFill/>
-          <a:ln w="25400" cap="flat">
-            <a:solidFill>
-              <a:srgbClr val="FF0000"/>
-            </a:solidFill>
-            <a:prstDash val="solid"/>
-            <a:miter lim="400000"/>
-            <a:headEnd type="triangle"/>
-            <a:tailEnd type="triangle"/>
-          </a:ln>
-          <a:effectLst/>
-        </p:spPr>
-        <p:style>
-          <a:lnRef idx="0">
-            <a:scrgbClr r="0" g="0" b="0"/>
-          </a:lnRef>
-          <a:fillRef idx="0">
-            <a:scrgbClr r="0" g="0" b="0"/>
-          </a:fillRef>
-          <a:effectRef idx="0">
-            <a:scrgbClr r="0" g="0" b="0"/>
-          </a:effectRef>
-          <a:fontRef idx="none"/>
-        </p:style>
-      </p:cxnSp>
-      <p:cxnSp>
-        <p:nvCxnSpPr>
-          <p:cNvPr id="180" name="Straight Arrow Connector 179">
-            <a:extLst>
-              <a:ext uri="{FF2B5EF4-FFF2-40B4-BE49-F238E27FC236}">
-                <a16:creationId xmlns:a16="http://schemas.microsoft.com/office/drawing/2014/main" id="{DFD8FFEE-BCEC-8F43-9C78-C1E9E80B56D6}"/>
-              </a:ext>
-            </a:extLst>
-          </p:cNvPr>
-          <p:cNvCxnSpPr>
-            <a:cxnSpLocks/>
-          </p:cNvCxnSpPr>
-          <p:nvPr/>
-        </p:nvCxnSpPr>
-        <p:spPr>
-          <a:xfrm flipH="1">
-            <a:off x="682897" y="2737101"/>
-            <a:ext cx="4665" cy="1106994"/>
-          </a:xfrm>
-          <a:prstGeom prst="straightConnector1">
-            <a:avLst/>
           </a:prstGeom>
           <a:noFill/>
           <a:ln w="25400" cap="flat">
@@ -5357,14 +5223,12 @@
           <p:nvPr/>
         </p:nvCxnSpPr>
         <p:spPr>
-          <a:xfrm>
-            <a:off x="7914640" y="3571398"/>
-            <a:ext cx="522991" cy="369034"/>
+          <a:xfrm rot="5400000">
+            <a:off x="7503278" y="2918777"/>
+            <a:ext cx="380718" cy="394674"/>
           </a:xfrm>
-          <a:prstGeom prst="bentConnector3">
-            <a:avLst>
-              <a:gd name="adj1" fmla="val -1805"/>
-            </a:avLst>
+          <a:prstGeom prst="bentConnector2">
+            <a:avLst/>
           </a:prstGeom>
           <a:noFill/>
           <a:ln w="25400" cap="flat">
@@ -5406,9 +5270,9 @@
         <p:grpSpPr>
           <a:xfrm>
             <a:off x="215911" y="120530"/>
-            <a:ext cx="9658512" cy="7087750"/>
+            <a:ext cx="9725780" cy="5762477"/>
             <a:chOff x="215911" y="120530"/>
-            <a:chExt cx="9658512" cy="7087750"/>
+            <a:chExt cx="9725780" cy="5762477"/>
           </a:xfrm>
         </p:grpSpPr>
         <p:sp>
@@ -5436,7 +5300,7 @@
             </a:ln>
             <a:extLst>
               <a:ext uri="{C572A759-6A51-4108-AA02-DFA0A04FC94B}">
-                <ma14:wrappingTextBoxFlag xmlns:ma14="http://schemas.microsoft.com/office/mac/drawingml/2011/main" xmlns="" val="1"/>
+                <ma14:wrappingTextBoxFlag xmlns="" xmlns:ma14="http://schemas.microsoft.com/office/mac/drawingml/2011/main" val="1"/>
               </a:ext>
             </a:extLst>
           </p:spPr>
@@ -5523,7 +5387,7 @@
             </a:ln>
             <a:extLst>
               <a:ext uri="{C572A759-6A51-4108-AA02-DFA0A04FC94B}">
-                <ma14:wrappingTextBoxFlag xmlns:ma14="http://schemas.microsoft.com/office/mac/drawingml/2011/main" xmlns="" val="1"/>
+                <ma14:wrappingTextBoxFlag xmlns="" xmlns:ma14="http://schemas.microsoft.com/office/mac/drawingml/2011/main" val="1"/>
               </a:ext>
             </a:extLst>
           </p:spPr>
@@ -5610,7 +5474,7 @@
             </a:ln>
             <a:extLst>
               <a:ext uri="{C572A759-6A51-4108-AA02-DFA0A04FC94B}">
-                <ma14:wrappingTextBoxFlag xmlns:ma14="http://schemas.microsoft.com/office/mac/drawingml/2011/main" xmlns="" val="1"/>
+                <ma14:wrappingTextBoxFlag xmlns="" xmlns:ma14="http://schemas.microsoft.com/office/mac/drawingml/2011/main" val="1"/>
               </a:ext>
             </a:extLst>
           </p:spPr>
@@ -5686,7 +5550,7 @@
           </p:nvSpPr>
           <p:spPr>
             <a:xfrm>
-              <a:off x="8384592" y="2079484"/>
+              <a:off x="8987904" y="1946654"/>
               <a:ext cx="852798" cy="307777"/>
             </a:xfrm>
             <a:prstGeom prst="rect">
@@ -5697,7 +5561,7 @@
             </a:ln>
             <a:extLst>
               <a:ext uri="{C572A759-6A51-4108-AA02-DFA0A04FC94B}">
-                <ma14:wrappingTextBoxFlag xmlns:ma14="http://schemas.microsoft.com/office/mac/drawingml/2011/main" xmlns="" val="1"/>
+                <ma14:wrappingTextBoxFlag xmlns="" xmlns:ma14="http://schemas.microsoft.com/office/mac/drawingml/2011/main" val="1"/>
               </a:ext>
             </a:extLst>
           </p:spPr>
@@ -5773,7 +5637,7 @@
           </p:nvSpPr>
           <p:spPr>
             <a:xfrm>
-              <a:off x="9054775" y="2911676"/>
+              <a:off x="8987904" y="822413"/>
               <a:ext cx="817531" cy="461665"/>
             </a:xfrm>
             <a:prstGeom prst="rect">
@@ -5784,7 +5648,7 @@
             </a:ln>
             <a:extLst>
               <a:ext uri="{C572A759-6A51-4108-AA02-DFA0A04FC94B}">
-                <ma14:wrappingTextBoxFlag xmlns:ma14="http://schemas.microsoft.com/office/mac/drawingml/2011/main" xmlns="" val="1"/>
+                <ma14:wrappingTextBoxFlag xmlns="" xmlns:ma14="http://schemas.microsoft.com/office/mac/drawingml/2011/main" val="1"/>
               </a:ext>
             </a:extLst>
           </p:spPr>
@@ -5888,7 +5752,7 @@
             </a:ln>
             <a:extLst>
               <a:ext uri="{C572A759-6A51-4108-AA02-DFA0A04FC94B}">
-                <ma14:wrappingTextBoxFlag xmlns:ma14="http://schemas.microsoft.com/office/mac/drawingml/2011/main" xmlns="" val="1"/>
+                <ma14:wrappingTextBoxFlag xmlns="" xmlns:ma14="http://schemas.microsoft.com/office/mac/drawingml/2011/main" val="1"/>
               </a:ext>
             </a:extLst>
           </p:spPr>
@@ -5975,7 +5839,7 @@
             </a:ln>
             <a:extLst>
               <a:ext uri="{C572A759-6A51-4108-AA02-DFA0A04FC94B}">
-                <ma14:wrappingTextBoxFlag xmlns:ma14="http://schemas.microsoft.com/office/mac/drawingml/2011/main" xmlns="" val="1"/>
+                <ma14:wrappingTextBoxFlag xmlns="" xmlns:ma14="http://schemas.microsoft.com/office/mac/drawingml/2011/main" val="1"/>
               </a:ext>
             </a:extLst>
           </p:spPr>
@@ -6034,7 +5898,7 @@
           </p:nvSpPr>
           <p:spPr>
             <a:xfrm>
-              <a:off x="7686905" y="2804665"/>
+              <a:off x="7654440" y="4261879"/>
               <a:ext cx="512961" cy="307777"/>
             </a:xfrm>
             <a:prstGeom prst="rect">
@@ -6045,7 +5909,7 @@
             </a:ln>
             <a:extLst>
               <a:ext uri="{C572A759-6A51-4108-AA02-DFA0A04FC94B}">
-                <ma14:wrappingTextBoxFlag xmlns:ma14="http://schemas.microsoft.com/office/mac/drawingml/2011/main" xmlns="" val="1"/>
+                <ma14:wrappingTextBoxFlag xmlns="" xmlns:ma14="http://schemas.microsoft.com/office/mac/drawingml/2011/main" val="1"/>
               </a:ext>
             </a:extLst>
           </p:spPr>
@@ -6121,7 +5985,7 @@
           </p:nvSpPr>
           <p:spPr>
             <a:xfrm>
-              <a:off x="8920636" y="3786544"/>
+              <a:off x="8987904" y="4525358"/>
               <a:ext cx="953787" cy="307777"/>
             </a:xfrm>
             <a:prstGeom prst="rect">
@@ -6132,7 +5996,7 @@
             </a:ln>
             <a:extLst>
               <a:ext uri="{C572A759-6A51-4108-AA02-DFA0A04FC94B}">
-                <ma14:wrappingTextBoxFlag xmlns:ma14="http://schemas.microsoft.com/office/mac/drawingml/2011/main" xmlns="" val="1"/>
+                <ma14:wrappingTextBoxFlag xmlns="" xmlns:ma14="http://schemas.microsoft.com/office/mac/drawingml/2011/main" val="1"/>
               </a:ext>
             </a:extLst>
           </p:spPr>
@@ -6208,7 +6072,7 @@
           </p:nvSpPr>
           <p:spPr>
             <a:xfrm>
-              <a:off x="8388417" y="5424178"/>
+              <a:off x="8987904" y="5575230"/>
               <a:ext cx="852798" cy="307777"/>
             </a:xfrm>
             <a:prstGeom prst="rect">
@@ -6219,7 +6083,7 @@
             </a:ln>
             <a:extLst>
               <a:ext uri="{C572A759-6A51-4108-AA02-DFA0A04FC94B}">
-                <ma14:wrappingTextBoxFlag xmlns:ma14="http://schemas.microsoft.com/office/mac/drawingml/2011/main" xmlns="" val="1"/>
+                <ma14:wrappingTextBoxFlag xmlns="" xmlns:ma14="http://schemas.microsoft.com/office/mac/drawingml/2011/main" val="1"/>
               </a:ext>
             </a:extLst>
           </p:spPr>
@@ -6295,7 +6159,7 @@
           </p:nvSpPr>
           <p:spPr>
             <a:xfrm>
-              <a:off x="1494299" y="1448983"/>
+              <a:off x="7741964" y="2301435"/>
               <a:ext cx="262892" cy="153888"/>
             </a:xfrm>
             <a:prstGeom prst="rect">
@@ -6306,7 +6170,7 @@
             </a:ln>
             <a:extLst>
               <a:ext uri="{C572A759-6A51-4108-AA02-DFA0A04FC94B}">
-                <ma14:wrappingTextBoxFlag xmlns:ma14="http://schemas.microsoft.com/office/mac/drawingml/2011/main" xmlns="" val="1"/>
+                <ma14:wrappingTextBoxFlag xmlns="" xmlns:ma14="http://schemas.microsoft.com/office/mac/drawingml/2011/main" val="1"/>
               </a:ext>
             </a:extLst>
           </p:spPr>
@@ -6342,180 +6206,6 @@
                   </a:solidFill>
                 </a:rPr>
                 <a:t>VPN</a:t>
-              </a:r>
-              <a:endParaRPr sz="1000" b="1" dirty="0">
-                <a:solidFill>
-                  <a:srgbClr val="4277BB"/>
-                </a:solidFill>
-              </a:endParaRPr>
-            </a:p>
-          </p:txBody>
-        </p:sp>
-        <p:sp>
-          <p:nvSpPr>
-            <p:cNvPr id="237" name="Shape 63">
-              <a:extLst>
-                <a:ext uri="{FF2B5EF4-FFF2-40B4-BE49-F238E27FC236}">
-                  <a16:creationId xmlns:a16="http://schemas.microsoft.com/office/drawing/2014/main" id="{352F3BC1-30A5-5847-BBD2-B15577BBF258}"/>
-                </a:ext>
-              </a:extLst>
-            </p:cNvPr>
-            <p:cNvSpPr/>
-            <p:nvPr/>
-          </p:nvSpPr>
-          <p:spPr>
-            <a:xfrm>
-              <a:off x="4318944" y="6900503"/>
-              <a:ext cx="934551" cy="307777"/>
-            </a:xfrm>
-            <a:prstGeom prst="rect">
-              <a:avLst/>
-            </a:prstGeom>
-            <a:ln w="3175">
-              <a:miter lim="400000"/>
-            </a:ln>
-            <a:extLst>
-              <a:ext uri="{C572A759-6A51-4108-AA02-DFA0A04FC94B}">
-                <ma14:wrappingTextBoxFlag xmlns:ma14="http://schemas.microsoft.com/office/mac/drawingml/2011/main" xmlns="" val="1"/>
-              </a:ext>
-            </a:extLst>
-          </p:spPr>
-          <p:txBody>
-            <a:bodyPr wrap="none" lIns="0" tIns="0" rIns="0" bIns="0">
-              <a:spAutoFit/>
-            </a:bodyPr>
-            <a:lstStyle>
-              <a:lvl1pPr algn="l">
-                <a:defRPr sz="1000" b="1">
-                  <a:solidFill>
-                    <a:srgbClr val="4277BB"/>
-                  </a:solidFill>
-                  <a:latin typeface="Helvetica"/>
-                  <a:ea typeface="Helvetica"/>
-                  <a:cs typeface="Helvetica"/>
-                  <a:sym typeface="Helvetica"/>
-                </a:defRPr>
-              </a:lvl1pPr>
-            </a:lstStyle>
-            <a:p>
-              <a:pPr lvl="0">
-                <a:defRPr sz="1800" b="0">
-                  <a:solidFill>
-                    <a:srgbClr val="000000"/>
-                  </a:solidFill>
-                </a:defRPr>
-              </a:pPr>
-              <a:r>
-                <a:rPr lang="en-US" sz="1000" b="1" dirty="0">
-                  <a:solidFill>
-                    <a:srgbClr val="4277BB"/>
-                  </a:solidFill>
-                </a:rPr>
-                <a:t>     SYSTEM </a:t>
-              </a:r>
-            </a:p>
-            <a:p>
-              <a:pPr lvl="0">
-                <a:defRPr sz="1800" b="0">
-                  <a:solidFill>
-                    <a:srgbClr val="000000"/>
-                  </a:solidFill>
-                </a:defRPr>
-              </a:pPr>
-              <a:r>
-                <a:rPr lang="en-US" sz="1000" b="1" dirty="0">
-                  <a:solidFill>
-                    <a:srgbClr val="4277BB"/>
-                  </a:solidFill>
-                </a:rPr>
-                <a:t>MANAGEMENT</a:t>
-              </a:r>
-              <a:endParaRPr sz="1000" b="1" dirty="0">
-                <a:solidFill>
-                  <a:srgbClr val="4277BB"/>
-                </a:solidFill>
-              </a:endParaRPr>
-            </a:p>
-          </p:txBody>
-        </p:sp>
-        <p:sp>
-          <p:nvSpPr>
-            <p:cNvPr id="239" name="Shape 63">
-              <a:extLst>
-                <a:ext uri="{FF2B5EF4-FFF2-40B4-BE49-F238E27FC236}">
-                  <a16:creationId xmlns:a16="http://schemas.microsoft.com/office/drawing/2014/main" id="{0AC60484-30E5-1F40-8491-F943FE610C10}"/>
-                </a:ext>
-              </a:extLst>
-            </p:cNvPr>
-            <p:cNvSpPr/>
-            <p:nvPr/>
-          </p:nvSpPr>
-          <p:spPr>
-            <a:xfrm>
-              <a:off x="3096938" y="6896203"/>
-              <a:ext cx="940963" cy="307777"/>
-            </a:xfrm>
-            <a:prstGeom prst="rect">
-              <a:avLst/>
-            </a:prstGeom>
-            <a:ln w="3175">
-              <a:miter lim="400000"/>
-            </a:ln>
-            <a:extLst>
-              <a:ext uri="{C572A759-6A51-4108-AA02-DFA0A04FC94B}">
-                <ma14:wrappingTextBoxFlag xmlns:ma14="http://schemas.microsoft.com/office/mac/drawingml/2011/main" xmlns="" val="1"/>
-              </a:ext>
-            </a:extLst>
-          </p:spPr>
-          <p:txBody>
-            <a:bodyPr wrap="none" lIns="0" tIns="0" rIns="0" bIns="0">
-              <a:spAutoFit/>
-            </a:bodyPr>
-            <a:lstStyle>
-              <a:lvl1pPr algn="l">
-                <a:defRPr sz="1000" b="1">
-                  <a:solidFill>
-                    <a:srgbClr val="4277BB"/>
-                  </a:solidFill>
-                  <a:latin typeface="Helvetica"/>
-                  <a:ea typeface="Helvetica"/>
-                  <a:cs typeface="Helvetica"/>
-                  <a:sym typeface="Helvetica"/>
-                </a:defRPr>
-              </a:lvl1pPr>
-            </a:lstStyle>
-            <a:p>
-              <a:pPr lvl="0">
-                <a:defRPr sz="1800" b="0">
-                  <a:solidFill>
-                    <a:srgbClr val="000000"/>
-                  </a:solidFill>
-                </a:defRPr>
-              </a:pPr>
-              <a:r>
-                <a:rPr lang="en-US" sz="1000" b="1" dirty="0">
-                  <a:solidFill>
-                    <a:srgbClr val="4277BB"/>
-                  </a:solidFill>
-                </a:rPr>
-                <a:t>INFORMATION </a:t>
-              </a:r>
-            </a:p>
-            <a:p>
-              <a:pPr lvl="0">
-                <a:defRPr sz="1800" b="0">
-                  <a:solidFill>
-                    <a:srgbClr val="000000"/>
-                  </a:solidFill>
-                </a:defRPr>
-              </a:pPr>
-              <a:r>
-                <a:rPr lang="en-US" sz="1000" b="1" dirty="0">
-                  <a:solidFill>
-                    <a:srgbClr val="4277BB"/>
-                  </a:solidFill>
-                </a:rPr>
-                <a:t>GOVERNANCE</a:t>
               </a:r>
               <a:endParaRPr sz="1000" b="1" dirty="0">
                 <a:solidFill>
@@ -6539,7 +6229,7 @@
           </p:nvSpPr>
           <p:spPr>
             <a:xfrm>
-              <a:off x="2403497" y="1077665"/>
+              <a:off x="2382751" y="979712"/>
               <a:ext cx="670055" cy="153888"/>
             </a:xfrm>
             <a:prstGeom prst="rect">
@@ -6550,7 +6240,7 @@
             </a:ln>
             <a:extLst>
               <a:ext uri="{C572A759-6A51-4108-AA02-DFA0A04FC94B}">
-                <ma14:wrappingTextBoxFlag xmlns:ma14="http://schemas.microsoft.com/office/mac/drawingml/2011/main" xmlns="" val="1"/>
+                <ma14:wrappingTextBoxFlag xmlns="" xmlns:ma14="http://schemas.microsoft.com/office/mac/drawingml/2011/main" val="1"/>
               </a:ext>
             </a:extLst>
           </p:spPr>
@@ -6620,7 +6310,7 @@
             </a:ln>
             <a:extLst>
               <a:ext uri="{C572A759-6A51-4108-AA02-DFA0A04FC94B}">
-                <ma14:wrappingTextBoxFlag xmlns:ma14="http://schemas.microsoft.com/office/mac/drawingml/2011/main" xmlns="" val="1"/>
+                <ma14:wrappingTextBoxFlag xmlns="" xmlns:ma14="http://schemas.microsoft.com/office/mac/drawingml/2011/main" val="1"/>
               </a:ext>
             </a:extLst>
           </p:spPr>
@@ -6690,7 +6380,7 @@
             </a:ln>
             <a:extLst>
               <a:ext uri="{C572A759-6A51-4108-AA02-DFA0A04FC94B}">
-                <ma14:wrappingTextBoxFlag xmlns:ma14="http://schemas.microsoft.com/office/mac/drawingml/2011/main" xmlns="" val="1"/>
+                <ma14:wrappingTextBoxFlag xmlns="" xmlns:ma14="http://schemas.microsoft.com/office/mac/drawingml/2011/main" val="1"/>
               </a:ext>
             </a:extLst>
           </p:spPr>
@@ -6760,7 +6450,7 @@
             </a:ln>
             <a:extLst>
               <a:ext uri="{C572A759-6A51-4108-AA02-DFA0A04FC94B}">
-                <ma14:wrappingTextBoxFlag xmlns:ma14="http://schemas.microsoft.com/office/mac/drawingml/2011/main" xmlns="" val="1"/>
+                <ma14:wrappingTextBoxFlag xmlns="" xmlns:ma14="http://schemas.microsoft.com/office/mac/drawingml/2011/main" val="1"/>
               </a:ext>
             </a:extLst>
           </p:spPr>
@@ -6819,8 +6509,8 @@
           </p:nvSpPr>
           <p:spPr>
             <a:xfrm>
-              <a:off x="4705415" y="1675031"/>
-              <a:ext cx="171522" cy="153888"/>
+              <a:off x="5075150" y="1022453"/>
+              <a:ext cx="721351" cy="307777"/>
             </a:xfrm>
             <a:prstGeom prst="rect">
               <a:avLst/>
@@ -6830,7 +6520,7 @@
             </a:ln>
             <a:extLst>
               <a:ext uri="{C572A759-6A51-4108-AA02-DFA0A04FC94B}">
-                <ma14:wrappingTextBoxFlag xmlns:ma14="http://schemas.microsoft.com/office/mac/drawingml/2011/main" xmlns="" val="1"/>
+                <ma14:wrappingTextBoxFlag xmlns="" xmlns:ma14="http://schemas.microsoft.com/office/mac/drawingml/2011/main" val="1"/>
               </a:ext>
             </a:extLst>
           </p:spPr>
@@ -6865,7 +6555,24 @@
                     <a:srgbClr val="4277BB"/>
                   </a:solidFill>
                 </a:rPr>
-                <a:t>LB</a:t>
+                <a:t>LOAD </a:t>
+              </a:r>
+            </a:p>
+            <a:p>
+              <a:pPr lvl="0">
+                <a:defRPr sz="1800" b="0">
+                  <a:solidFill>
+                    <a:srgbClr val="000000"/>
+                  </a:solidFill>
+                </a:defRPr>
+              </a:pPr>
+              <a:r>
+                <a:rPr lang="en-US" sz="1000" b="1" dirty="0">
+                  <a:solidFill>
+                    <a:srgbClr val="4277BB"/>
+                  </a:solidFill>
+                </a:rPr>
+                <a:t>BALANCER</a:t>
               </a:r>
               <a:endParaRPr sz="1000" b="1" dirty="0">
                 <a:solidFill>
@@ -6889,8 +6596,8 @@
           </p:nvSpPr>
           <p:spPr>
             <a:xfrm>
-              <a:off x="4673279" y="2215757"/>
-              <a:ext cx="254878" cy="153888"/>
+              <a:off x="4487405" y="2198379"/>
+              <a:ext cx="682879" cy="307777"/>
             </a:xfrm>
             <a:prstGeom prst="rect">
               <a:avLst/>
@@ -6900,7 +6607,7 @@
             </a:ln>
             <a:extLst>
               <a:ext uri="{C572A759-6A51-4108-AA02-DFA0A04FC94B}">
-                <ma14:wrappingTextBoxFlag xmlns:ma14="http://schemas.microsoft.com/office/mac/drawingml/2011/main" xmlns="" val="1"/>
+                <ma14:wrappingTextBoxFlag xmlns="" xmlns:ma14="http://schemas.microsoft.com/office/mac/drawingml/2011/main" val="1"/>
               </a:ext>
             </a:extLst>
           </p:spPr>
@@ -6935,7 +6642,24 @@
                     <a:srgbClr val="4277BB"/>
                   </a:solidFill>
                 </a:rPr>
-                <a:t>SG1</a:t>
+                <a:t>SECURITY </a:t>
+              </a:r>
+            </a:p>
+            <a:p>
+              <a:pPr lvl="0">
+                <a:defRPr sz="1800" b="0">
+                  <a:solidFill>
+                    <a:srgbClr val="000000"/>
+                  </a:solidFill>
+                </a:defRPr>
+              </a:pPr>
+              <a:r>
+                <a:rPr lang="en-US" sz="1000" b="1" dirty="0">
+                  <a:solidFill>
+                    <a:srgbClr val="4277BB"/>
+                  </a:solidFill>
+                </a:rPr>
+                <a:t>GROUP</a:t>
               </a:r>
               <a:endParaRPr sz="1000" b="1" dirty="0">
                 <a:solidFill>
@@ -6960,7 +6684,7 @@
           <p:spPr>
             <a:xfrm>
               <a:off x="3056810" y="1765548"/>
-              <a:ext cx="335028" cy="153888"/>
+              <a:ext cx="264496" cy="153888"/>
             </a:xfrm>
             <a:prstGeom prst="rect">
               <a:avLst/>
@@ -6970,7 +6694,7 @@
             </a:ln>
             <a:extLst>
               <a:ext uri="{C572A759-6A51-4108-AA02-DFA0A04FC94B}">
-                <ma14:wrappingTextBoxFlag xmlns:ma14="http://schemas.microsoft.com/office/mac/drawingml/2011/main" xmlns="" val="1"/>
+                <ma14:wrappingTextBoxFlag xmlns="" xmlns:ma14="http://schemas.microsoft.com/office/mac/drawingml/2011/main" val="1"/>
               </a:ext>
             </a:extLst>
           </p:spPr>
@@ -7005,7 +6729,7 @@
                     <a:srgbClr val="4277BB"/>
                   </a:solidFill>
                 </a:rPr>
-                <a:t>ACL1</a:t>
+                <a:t>ACL</a:t>
               </a:r>
               <a:endParaRPr sz="1000" b="1" dirty="0">
                 <a:solidFill>
@@ -7030,7 +6754,7 @@
           <p:spPr>
             <a:xfrm>
               <a:off x="5679547" y="1752349"/>
-              <a:ext cx="335028" cy="153888"/>
+              <a:ext cx="264496" cy="153888"/>
             </a:xfrm>
             <a:prstGeom prst="rect">
               <a:avLst/>
@@ -7040,7 +6764,7 @@
             </a:ln>
             <a:extLst>
               <a:ext uri="{C572A759-6A51-4108-AA02-DFA0A04FC94B}">
-                <ma14:wrappingTextBoxFlag xmlns:ma14="http://schemas.microsoft.com/office/mac/drawingml/2011/main" xmlns="" val="1"/>
+                <ma14:wrappingTextBoxFlag xmlns="" xmlns:ma14="http://schemas.microsoft.com/office/mac/drawingml/2011/main" val="1"/>
               </a:ext>
             </a:extLst>
           </p:spPr>
@@ -7075,7 +6799,7 @@
                     <a:srgbClr val="4277BB"/>
                   </a:solidFill>
                 </a:rPr>
-                <a:t>ACL1</a:t>
+                <a:t>ACL</a:t>
               </a:r>
               <a:endParaRPr sz="1000" b="1" dirty="0">
                 <a:solidFill>
@@ -7110,7 +6834,7 @@
             </a:ln>
             <a:extLst>
               <a:ext uri="{C572A759-6A51-4108-AA02-DFA0A04FC94B}">
-                <ma14:wrappingTextBoxFlag xmlns:ma14="http://schemas.microsoft.com/office/mac/drawingml/2011/main" xmlns="" val="1"/>
+                <ma14:wrappingTextBoxFlag xmlns="" xmlns:ma14="http://schemas.microsoft.com/office/mac/drawingml/2011/main" val="1"/>
               </a:ext>
             </a:extLst>
           </p:spPr>
@@ -7180,7 +6904,7 @@
             </a:ln>
             <a:extLst>
               <a:ext uri="{C572A759-6A51-4108-AA02-DFA0A04FC94B}">
-                <ma14:wrappingTextBoxFlag xmlns:ma14="http://schemas.microsoft.com/office/mac/drawingml/2011/main" xmlns="" val="1"/>
+                <ma14:wrappingTextBoxFlag xmlns="" xmlns:ma14="http://schemas.microsoft.com/office/mac/drawingml/2011/main" val="1"/>
               </a:ext>
             </a:extLst>
           </p:spPr>
@@ -7250,7 +6974,7 @@
             </a:ln>
             <a:extLst>
               <a:ext uri="{C572A759-6A51-4108-AA02-DFA0A04FC94B}">
-                <ma14:wrappingTextBoxFlag xmlns:ma14="http://schemas.microsoft.com/office/mac/drawingml/2011/main" xmlns="" val="1"/>
+                <ma14:wrappingTextBoxFlag xmlns="" xmlns:ma14="http://schemas.microsoft.com/office/mac/drawingml/2011/main" val="1"/>
               </a:ext>
             </a:extLst>
           </p:spPr>
@@ -7320,7 +7044,7 @@
             </a:ln>
             <a:extLst>
               <a:ext uri="{C572A759-6A51-4108-AA02-DFA0A04FC94B}">
-                <ma14:wrappingTextBoxFlag xmlns:ma14="http://schemas.microsoft.com/office/mac/drawingml/2011/main" xmlns="" val="1"/>
+                <ma14:wrappingTextBoxFlag xmlns="" xmlns:ma14="http://schemas.microsoft.com/office/mac/drawingml/2011/main" val="1"/>
               </a:ext>
             </a:extLst>
           </p:spPr>
@@ -7390,7 +7114,7 @@
             </a:ln>
             <a:extLst>
               <a:ext uri="{C572A759-6A51-4108-AA02-DFA0A04FC94B}">
-                <ma14:wrappingTextBoxFlag xmlns:ma14="http://schemas.microsoft.com/office/mac/drawingml/2011/main" xmlns="" val="1"/>
+                <ma14:wrappingTextBoxFlag xmlns="" xmlns:ma14="http://schemas.microsoft.com/office/mac/drawingml/2011/main" val="1"/>
               </a:ext>
             </a:extLst>
           </p:spPr>
@@ -7460,7 +7184,7 @@
             </a:ln>
             <a:extLst>
               <a:ext uri="{C572A759-6A51-4108-AA02-DFA0A04FC94B}">
-                <ma14:wrappingTextBoxFlag xmlns:ma14="http://schemas.microsoft.com/office/mac/drawingml/2011/main" xmlns="" val="1"/>
+                <ma14:wrappingTextBoxFlag xmlns="" xmlns:ma14="http://schemas.microsoft.com/office/mac/drawingml/2011/main" val="1"/>
               </a:ext>
             </a:extLst>
           </p:spPr>
@@ -7573,7 +7297,7 @@
           </a:ln>
           <a:extLst>
             <a:ext uri="{C572A759-6A51-4108-AA02-DFA0A04FC94B}">
-              <ma14:wrappingTextBoxFlag xmlns:ma14="http://schemas.microsoft.com/office/mac/drawingml/2011/main" xmlns="" val="1"/>
+              <ma14:wrappingTextBoxFlag xmlns="" xmlns:ma14="http://schemas.microsoft.com/office/mac/drawingml/2011/main" val="1"/>
             </a:ext>
           </a:extLst>
         </p:spPr>
@@ -7803,108 +7527,12 @@
         </p:nvGrpSpPr>
         <p:grpSpPr>
           <a:xfrm>
-            <a:off x="2841805" y="1166411"/>
-            <a:ext cx="3771799" cy="1626646"/>
-            <a:chOff x="976485" y="2069811"/>
-            <a:chExt cx="4649965" cy="1934774"/>
+            <a:off x="2841805" y="1076372"/>
+            <a:ext cx="3771799" cy="1716685"/>
+            <a:chOff x="976485" y="1962716"/>
+            <a:chExt cx="4649965" cy="2041869"/>
           </a:xfrm>
         </p:grpSpPr>
-        <p:cxnSp>
-          <p:nvCxnSpPr>
-            <p:cNvPr id="174" name="Straight Arrow Connector 164">
-              <a:extLst>
-                <a:ext uri="{FF2B5EF4-FFF2-40B4-BE49-F238E27FC236}">
-                  <a16:creationId xmlns:a16="http://schemas.microsoft.com/office/drawing/2014/main" id="{D6B14280-8EC1-0945-BF8E-26635BB8E1D7}"/>
-                </a:ext>
-              </a:extLst>
-            </p:cNvPr>
-            <p:cNvCxnSpPr>
-              <a:cxnSpLocks/>
-            </p:cNvCxnSpPr>
-            <p:nvPr/>
-          </p:nvCxnSpPr>
-          <p:spPr>
-            <a:xfrm>
-              <a:off x="3439067" y="2379769"/>
-              <a:ext cx="410203" cy="334884"/>
-            </a:xfrm>
-            <a:prstGeom prst="bentConnector3">
-              <a:avLst>
-                <a:gd name="adj1" fmla="val 50000"/>
-              </a:avLst>
-            </a:prstGeom>
-            <a:noFill/>
-            <a:ln w="25400" cap="flat">
-              <a:solidFill>
-                <a:srgbClr val="4277BB"/>
-              </a:solidFill>
-              <a:prstDash val="solid"/>
-              <a:miter lim="400000"/>
-              <a:tailEnd type="triangle"/>
-            </a:ln>
-            <a:effectLst/>
-          </p:spPr>
-          <p:style>
-            <a:lnRef idx="0">
-              <a:scrgbClr r="0" g="0" b="0"/>
-            </a:lnRef>
-            <a:fillRef idx="0">
-              <a:scrgbClr r="0" g="0" b="0"/>
-            </a:fillRef>
-            <a:effectRef idx="0">
-              <a:scrgbClr r="0" g="0" b="0"/>
-            </a:effectRef>
-            <a:fontRef idx="none"/>
-          </p:style>
-        </p:cxnSp>
-        <p:cxnSp>
-          <p:nvCxnSpPr>
-            <p:cNvPr id="175" name="Straight Arrow Connector 166">
-              <a:extLst>
-                <a:ext uri="{FF2B5EF4-FFF2-40B4-BE49-F238E27FC236}">
-                  <a16:creationId xmlns:a16="http://schemas.microsoft.com/office/drawing/2014/main" id="{144C8520-1F72-C64F-89EB-7B28BFE99F58}"/>
-                </a:ext>
-              </a:extLst>
-            </p:cNvPr>
-            <p:cNvCxnSpPr>
-              <a:cxnSpLocks/>
-            </p:cNvCxnSpPr>
-            <p:nvPr/>
-          </p:nvCxnSpPr>
-          <p:spPr>
-            <a:xfrm rot="10800000" flipV="1">
-              <a:off x="2904608" y="2492285"/>
-              <a:ext cx="681052" cy="231987"/>
-            </a:xfrm>
-            <a:prstGeom prst="bentConnector3">
-              <a:avLst>
-                <a:gd name="adj1" fmla="val 63654"/>
-              </a:avLst>
-            </a:prstGeom>
-            <a:noFill/>
-            <a:ln w="25400" cap="flat">
-              <a:solidFill>
-                <a:srgbClr val="4277BB"/>
-              </a:solidFill>
-              <a:prstDash val="solid"/>
-              <a:miter lim="400000"/>
-              <a:tailEnd type="triangle"/>
-            </a:ln>
-            <a:effectLst/>
-          </p:spPr>
-          <p:style>
-            <a:lnRef idx="0">
-              <a:scrgbClr r="0" g="0" b="0"/>
-            </a:lnRef>
-            <a:fillRef idx="0">
-              <a:scrgbClr r="0" g="0" b="0"/>
-            </a:fillRef>
-            <a:effectRef idx="0">
-              <a:scrgbClr r="0" g="0" b="0"/>
-            </a:effectRef>
-            <a:fontRef idx="none"/>
-          </p:style>
-        </p:cxnSp>
         <p:grpSp>
           <p:nvGrpSpPr>
             <p:cNvPr id="176" name="Group 175">
@@ -7919,10 +7547,10 @@
           </p:nvGrpSpPr>
           <p:grpSpPr>
             <a:xfrm>
-              <a:off x="3078627" y="2069811"/>
-              <a:ext cx="620012" cy="548640"/>
-              <a:chOff x="5913506" y="4650196"/>
-              <a:chExt cx="772220" cy="692612"/>
+              <a:off x="3077920" y="1962716"/>
+              <a:ext cx="620012" cy="548639"/>
+              <a:chOff x="5912626" y="4515000"/>
+              <a:chExt cx="772220" cy="692611"/>
             </a:xfrm>
           </p:grpSpPr>
           <p:sp>
@@ -7939,8 +7567,8 @@
             </p:nvSpPr>
             <p:spPr>
               <a:xfrm>
-                <a:off x="5913506" y="4650196"/>
-                <a:ext cx="772220" cy="692612"/>
+                <a:off x="5912626" y="4515000"/>
+                <a:ext cx="772220" cy="692611"/>
               </a:xfrm>
               <a:custGeom>
                 <a:avLst/>
@@ -8040,8 +7668,8 @@
             </p:blipFill>
             <p:spPr>
               <a:xfrm>
-                <a:off x="6053117" y="4713648"/>
-                <a:ext cx="472441" cy="501965"/>
+                <a:off x="6050759" y="4572547"/>
+                <a:ext cx="472440" cy="501965"/>
               </a:xfrm>
               <a:prstGeom prst="rect">
                 <a:avLst/>
@@ -8755,100 +8383,6 @@
           <a:fontRef idx="none"/>
         </p:style>
       </p:cxnSp>
-      <p:cxnSp>
-        <p:nvCxnSpPr>
-          <p:cNvPr id="185" name="Straight Arrow Connector 184">
-            <a:extLst>
-              <a:ext uri="{FF2B5EF4-FFF2-40B4-BE49-F238E27FC236}">
-                <a16:creationId xmlns:a16="http://schemas.microsoft.com/office/drawing/2014/main" id="{91ADAA41-4CA7-7649-812B-AA150ABC4616}"/>
-              </a:ext>
-            </a:extLst>
-          </p:cNvPr>
-          <p:cNvCxnSpPr>
-            <a:cxnSpLocks/>
-          </p:cNvCxnSpPr>
-          <p:nvPr/>
-        </p:nvCxnSpPr>
-        <p:spPr>
-          <a:xfrm flipV="1">
-            <a:off x="1847702" y="1829730"/>
-            <a:ext cx="443301" cy="2"/>
-          </a:xfrm>
-          <a:prstGeom prst="straightConnector1">
-            <a:avLst/>
-          </a:prstGeom>
-          <a:noFill/>
-          <a:ln w="25400" cap="flat">
-            <a:solidFill>
-              <a:srgbClr val="FF0000"/>
-            </a:solidFill>
-            <a:prstDash val="solid"/>
-            <a:miter lim="400000"/>
-            <a:headEnd type="triangle"/>
-            <a:tailEnd type="triangle"/>
-          </a:ln>
-          <a:effectLst/>
-        </p:spPr>
-        <p:style>
-          <a:lnRef idx="0">
-            <a:scrgbClr r="0" g="0" b="0"/>
-          </a:lnRef>
-          <a:fillRef idx="0">
-            <a:scrgbClr r="0" g="0" b="0"/>
-          </a:fillRef>
-          <a:effectRef idx="0">
-            <a:scrgbClr r="0" g="0" b="0"/>
-          </a:effectRef>
-          <a:fontRef idx="none"/>
-        </p:style>
-      </p:cxnSp>
-      <p:cxnSp>
-        <p:nvCxnSpPr>
-          <p:cNvPr id="227" name="Straight Arrow Connector 110">
-            <a:extLst>
-              <a:ext uri="{FF2B5EF4-FFF2-40B4-BE49-F238E27FC236}">
-                <a16:creationId xmlns:a16="http://schemas.microsoft.com/office/drawing/2014/main" id="{F030D647-F12F-9042-B368-27565F1D00A3}"/>
-              </a:ext>
-            </a:extLst>
-          </p:cNvPr>
-          <p:cNvCxnSpPr>
-            <a:cxnSpLocks/>
-          </p:cNvCxnSpPr>
-          <p:nvPr/>
-        </p:nvCxnSpPr>
-        <p:spPr>
-          <a:xfrm>
-            <a:off x="7051665" y="3354115"/>
-            <a:ext cx="594764" cy="0"/>
-          </a:xfrm>
-          <a:prstGeom prst="straightConnector1">
-            <a:avLst/>
-          </a:prstGeom>
-          <a:noFill/>
-          <a:ln w="25400" cap="flat">
-            <a:solidFill>
-              <a:srgbClr val="4277BB"/>
-            </a:solidFill>
-            <a:prstDash val="solid"/>
-            <a:miter lim="400000"/>
-            <a:headEnd type="triangle"/>
-            <a:tailEnd type="triangle"/>
-          </a:ln>
-          <a:effectLst/>
-        </p:spPr>
-        <p:style>
-          <a:lnRef idx="0">
-            <a:scrgbClr r="0" g="0" b="0"/>
-          </a:lnRef>
-          <a:fillRef idx="0">
-            <a:scrgbClr r="0" g="0" b="0"/>
-          </a:fillRef>
-          <a:effectRef idx="0">
-            <a:scrgbClr r="0" g="0" b="0"/>
-          </a:effectRef>
-          <a:fontRef idx="none"/>
-        </p:style>
-      </p:cxnSp>
       <p:sp>
         <p:nvSpPr>
           <p:cNvPr id="126" name="Rounded Rectangle 125">
@@ -8863,8 +8397,8 @@
         </p:nvSpPr>
         <p:spPr>
           <a:xfrm>
-            <a:off x="2030353" y="683549"/>
-            <a:ext cx="5465947" cy="5458489"/>
+            <a:off x="2030353" y="604433"/>
+            <a:ext cx="5465947" cy="5537605"/>
           </a:xfrm>
           <a:prstGeom prst="roundRect">
             <a:avLst>
@@ -8948,7 +8482,7 @@
         </p:blipFill>
         <p:spPr>
           <a:xfrm>
-            <a:off x="2116808" y="485042"/>
+            <a:off x="2099340" y="407989"/>
             <a:ext cx="469692" cy="330200"/>
           </a:xfrm>
           <a:prstGeom prst="rect">
@@ -8970,8 +8504,8 @@
         </p:nvSpPr>
         <p:spPr>
           <a:xfrm>
-            <a:off x="2288202" y="1051115"/>
-            <a:ext cx="4976857" cy="4868918"/>
+            <a:off x="2288202" y="934633"/>
+            <a:ext cx="4976857" cy="4985400"/>
           </a:xfrm>
           <a:prstGeom prst="roundRect">
             <a:avLst>
@@ -9447,7 +8981,7 @@
           </a:ln>
           <a:extLst>
             <a:ext uri="{C572A759-6A51-4108-AA02-DFA0A04FC94B}">
-              <ma14:wrappingTextBoxFlag xmlns:ma14="http://schemas.microsoft.com/office/mac/drawingml/2011/main" xmlns="" val="1"/>
+              <ma14:wrappingTextBoxFlag xmlns="" xmlns:ma14="http://schemas.microsoft.com/office/mac/drawingml/2011/main" val="1"/>
             </a:ext>
           </a:extLst>
         </p:spPr>
@@ -9517,7 +9051,7 @@
           </a:ln>
           <a:extLst>
             <a:ext uri="{C572A759-6A51-4108-AA02-DFA0A04FC94B}">
-              <ma14:wrappingTextBoxFlag xmlns:ma14="http://schemas.microsoft.com/office/mac/drawingml/2011/main" xmlns="" val="1"/>
+              <ma14:wrappingTextBoxFlag xmlns="" xmlns:ma14="http://schemas.microsoft.com/office/mac/drawingml/2011/main" val="1"/>
             </a:ext>
           </a:extLst>
         </p:spPr>
@@ -9637,7 +9171,7 @@
         <p:spPr>
           <a:xfrm>
             <a:off x="5679547" y="3709600"/>
-            <a:ext cx="335028" cy="153888"/>
+            <a:ext cx="264496" cy="153888"/>
           </a:xfrm>
           <a:prstGeom prst="rect">
             <a:avLst/>
@@ -9647,7 +9181,7 @@
           </a:ln>
           <a:extLst>
             <a:ext uri="{C572A759-6A51-4108-AA02-DFA0A04FC94B}">
-              <ma14:wrappingTextBoxFlag xmlns:ma14="http://schemas.microsoft.com/office/mac/drawingml/2011/main" xmlns="" val="1"/>
+              <ma14:wrappingTextBoxFlag xmlns="" xmlns:ma14="http://schemas.microsoft.com/office/mac/drawingml/2011/main" val="1"/>
             </a:ext>
           </a:extLst>
         </p:spPr>
@@ -9682,7 +9216,7 @@
                   <a:srgbClr val="4277BB"/>
                 </a:solidFill>
               </a:rPr>
-              <a:t>ACL1</a:t>
+              <a:t>ACL</a:t>
             </a:r>
             <a:endParaRPr sz="1000" b="1" dirty="0">
               <a:solidFill>
@@ -9706,8 +9240,8 @@
         </p:nvSpPr>
         <p:spPr>
           <a:xfrm>
-            <a:off x="3069258" y="3729845"/>
-            <a:ext cx="335028" cy="153888"/>
+            <a:off x="3069500" y="3699520"/>
+            <a:ext cx="264496" cy="153888"/>
           </a:xfrm>
           <a:prstGeom prst="rect">
             <a:avLst/>
@@ -9717,7 +9251,7 @@
           </a:ln>
           <a:extLst>
             <a:ext uri="{C572A759-6A51-4108-AA02-DFA0A04FC94B}">
-              <ma14:wrappingTextBoxFlag xmlns:ma14="http://schemas.microsoft.com/office/mac/drawingml/2011/main" xmlns="" val="1"/>
+              <ma14:wrappingTextBoxFlag xmlns="" xmlns:ma14="http://schemas.microsoft.com/office/mac/drawingml/2011/main" val="1"/>
             </a:ext>
           </a:extLst>
         </p:spPr>
@@ -9752,7 +9286,7 @@
                   <a:srgbClr val="4277BB"/>
                 </a:solidFill>
               </a:rPr>
-              <a:t>ACL1</a:t>
+              <a:t>ACL</a:t>
             </a:r>
             <a:endParaRPr sz="1000" b="1" dirty="0">
               <a:solidFill>
@@ -10151,7 +9685,7 @@
           </a:ln>
           <a:extLst>
             <a:ext uri="{C572A759-6A51-4108-AA02-DFA0A04FC94B}">
-              <ma14:wrappingTextBoxFlag xmlns:ma14="http://schemas.microsoft.com/office/mac/drawingml/2011/main" xmlns="" val="1"/>
+              <ma14:wrappingTextBoxFlag xmlns="" xmlns:ma14="http://schemas.microsoft.com/office/mac/drawingml/2011/main" val="1"/>
             </a:ext>
           </a:extLst>
         </p:spPr>
@@ -10221,7 +9755,7 @@
           </a:ln>
           <a:extLst>
             <a:ext uri="{C572A759-6A51-4108-AA02-DFA0A04FC94B}">
-              <ma14:wrappingTextBoxFlag xmlns:ma14="http://schemas.microsoft.com/office/mac/drawingml/2011/main" xmlns="" val="1"/>
+              <ma14:wrappingTextBoxFlag xmlns="" xmlns:ma14="http://schemas.microsoft.com/office/mac/drawingml/2011/main" val="1"/>
             </a:ext>
           </a:extLst>
         </p:spPr>
@@ -10291,7 +9825,7 @@
           </a:ln>
           <a:extLst>
             <a:ext uri="{C572A759-6A51-4108-AA02-DFA0A04FC94B}">
-              <ma14:wrappingTextBoxFlag xmlns:ma14="http://schemas.microsoft.com/office/mac/drawingml/2011/main" xmlns="" val="1"/>
+              <ma14:wrappingTextBoxFlag xmlns="" xmlns:ma14="http://schemas.microsoft.com/office/mac/drawingml/2011/main" val="1"/>
             </a:ext>
           </a:extLst>
         </p:spPr>
@@ -10361,7 +9895,7 @@
           </a:ln>
           <a:extLst>
             <a:ext uri="{C572A759-6A51-4108-AA02-DFA0A04FC94B}">
-              <ma14:wrappingTextBoxFlag xmlns:ma14="http://schemas.microsoft.com/office/mac/drawingml/2011/main" xmlns="" val="1"/>
+              <ma14:wrappingTextBoxFlag xmlns="" xmlns:ma14="http://schemas.microsoft.com/office/mac/drawingml/2011/main" val="1"/>
             </a:ext>
           </a:extLst>
         </p:spPr>
@@ -10498,8 +10032,8 @@
         </p:nvSpPr>
         <p:spPr>
           <a:xfrm>
-            <a:off x="4655396" y="4266670"/>
-            <a:ext cx="254878" cy="153888"/>
+            <a:off x="4487339" y="4282288"/>
+            <a:ext cx="682879" cy="307777"/>
           </a:xfrm>
           <a:prstGeom prst="rect">
             <a:avLst/>
@@ -10509,7 +10043,7 @@
           </a:ln>
           <a:extLst>
             <a:ext uri="{C572A759-6A51-4108-AA02-DFA0A04FC94B}">
-              <ma14:wrappingTextBoxFlag xmlns:ma14="http://schemas.microsoft.com/office/mac/drawingml/2011/main" xmlns="" val="1"/>
+              <ma14:wrappingTextBoxFlag xmlns="" xmlns:ma14="http://schemas.microsoft.com/office/mac/drawingml/2011/main" val="1"/>
             </a:ext>
           </a:extLst>
         </p:spPr>
@@ -10544,7 +10078,24 @@
                   <a:srgbClr val="4277BB"/>
                 </a:solidFill>
               </a:rPr>
-              <a:t>SG2</a:t>
+              <a:t>SECURITY </a:t>
+            </a:r>
+          </a:p>
+          <a:p>
+            <a:pPr lvl="0">
+              <a:defRPr sz="1800" b="0">
+                <a:solidFill>
+                  <a:srgbClr val="000000"/>
+                </a:solidFill>
+              </a:defRPr>
+            </a:pPr>
+            <a:r>
+              <a:rPr lang="en-US" sz="1000" b="1" dirty="0">
+                <a:solidFill>
+                  <a:srgbClr val="4277BB"/>
+                </a:solidFill>
+              </a:rPr>
+              <a:t>GROUP</a:t>
             </a:r>
             <a:endParaRPr sz="1000" b="1" dirty="0">
               <a:solidFill>
@@ -10554,53 +10105,6 @@
           </a:p>
         </p:txBody>
       </p:sp>
-      <p:cxnSp>
-        <p:nvCxnSpPr>
-          <p:cNvPr id="275" name="Straight Arrow Connector 110">
-            <a:extLst>
-              <a:ext uri="{FF2B5EF4-FFF2-40B4-BE49-F238E27FC236}">
-                <a16:creationId xmlns:a16="http://schemas.microsoft.com/office/drawing/2014/main" id="{BF0AFFA3-8DD4-BE47-ACBA-AD65FC5EFC0C}"/>
-              </a:ext>
-            </a:extLst>
-          </p:cNvPr>
-          <p:cNvCxnSpPr>
-            <a:cxnSpLocks/>
-          </p:cNvCxnSpPr>
-          <p:nvPr/>
-        </p:nvCxnSpPr>
-        <p:spPr>
-          <a:xfrm>
-            <a:off x="8868293" y="2658104"/>
-            <a:ext cx="493886" cy="0"/>
-          </a:xfrm>
-          <a:prstGeom prst="straightConnector1">
-            <a:avLst/>
-          </a:prstGeom>
-          <a:noFill/>
-          <a:ln w="25400" cap="flat">
-            <a:solidFill>
-              <a:srgbClr val="4277BB"/>
-            </a:solidFill>
-            <a:prstDash val="solid"/>
-            <a:miter lim="400000"/>
-            <a:headEnd type="triangle"/>
-            <a:tailEnd type="triangle"/>
-          </a:ln>
-          <a:effectLst/>
-        </p:spPr>
-        <p:style>
-          <a:lnRef idx="0">
-            <a:scrgbClr r="0" g="0" b="0"/>
-          </a:lnRef>
-          <a:fillRef idx="0">
-            <a:scrgbClr r="0" g="0" b="0"/>
-          </a:fillRef>
-          <a:effectRef idx="0">
-            <a:scrgbClr r="0" g="0" b="0"/>
-          </a:effectRef>
-          <a:fontRef idx="none"/>
-        </p:style>
-      </p:cxnSp>
       <p:pic>
         <p:nvPicPr>
           <p:cNvPr id="142" name="Picture 141">
@@ -10721,603 +10225,347 @@
           </a:prstGeom>
         </p:spPr>
       </p:pic>
-      <p:grpSp>
-        <p:nvGrpSpPr>
-          <p:cNvPr id="171" name="Group 374">
+      <p:cxnSp>
+        <p:nvCxnSpPr>
+          <p:cNvPr id="133" name="Straight Arrow Connector 110">
             <a:extLst>
               <a:ext uri="{FF2B5EF4-FFF2-40B4-BE49-F238E27FC236}">
-                <a16:creationId xmlns:a16="http://schemas.microsoft.com/office/drawing/2014/main" id="{F9C6A169-A44B-3546-AF0F-8961F80C458C}"/>
+                <a16:creationId xmlns:a16="http://schemas.microsoft.com/office/drawing/2014/main" id="{39AF5680-DC4E-A243-BCA0-CF38EEA852CE}"/>
               </a:ext>
             </a:extLst>
           </p:cNvPr>
-          <p:cNvGrpSpPr/>
+          <p:cNvCxnSpPr>
+            <a:cxnSpLocks/>
+          </p:cNvCxnSpPr>
           <p:nvPr/>
-        </p:nvGrpSpPr>
-        <p:grpSpPr>
+        </p:nvCxnSpPr>
+        <p:spPr>
           <a:xfrm>
-            <a:off x="3315960" y="6404195"/>
-            <a:ext cx="502920" cy="457200"/>
-            <a:chOff x="106864" y="0"/>
-            <a:chExt cx="707233" cy="707232"/>
+            <a:off x="8143520" y="4064913"/>
+            <a:ext cx="539367" cy="322736"/>
           </a:xfrm>
-        </p:grpSpPr>
-        <p:sp>
-          <p:nvSpPr>
-            <p:cNvPr id="172" name="Shape 370">
-              <a:extLst>
-                <a:ext uri="{FF2B5EF4-FFF2-40B4-BE49-F238E27FC236}">
-                  <a16:creationId xmlns:a16="http://schemas.microsoft.com/office/drawing/2014/main" id="{A3B34192-502B-5741-B1B1-29A354EFFFF7}"/>
-                </a:ext>
-              </a:extLst>
-            </p:cNvPr>
-            <p:cNvSpPr/>
-            <p:nvPr/>
-          </p:nvSpPr>
-          <p:spPr>
-            <a:xfrm>
-              <a:off x="106864" y="0"/>
-              <a:ext cx="707233" cy="707232"/>
-            </a:xfrm>
-            <a:custGeom>
-              <a:avLst/>
-              <a:gdLst/>
-              <a:ahLst/>
-              <a:cxnLst>
-                <a:cxn ang="0">
-                  <a:pos x="wd2" y="hd2"/>
-                </a:cxn>
-                <a:cxn ang="5400000">
-                  <a:pos x="wd2" y="hd2"/>
-                </a:cxn>
-                <a:cxn ang="10800000">
-                  <a:pos x="wd2" y="hd2"/>
-                </a:cxn>
-                <a:cxn ang="16200000">
-                  <a:pos x="wd2" y="hd2"/>
-                </a:cxn>
-              </a:cxnLst>
-              <a:rect l="0" t="0" r="r" b="b"/>
-              <a:pathLst>
-                <a:path w="19679" h="19679" extrusionOk="0">
-                  <a:moveTo>
-                    <a:pt x="16796" y="2882"/>
-                  </a:moveTo>
-                  <a:cubicBezTo>
-                    <a:pt x="20639" y="6724"/>
-                    <a:pt x="20639" y="12954"/>
-                    <a:pt x="16796" y="16796"/>
-                  </a:cubicBezTo>
-                  <a:cubicBezTo>
-                    <a:pt x="12954" y="20639"/>
-                    <a:pt x="6724" y="20639"/>
-                    <a:pt x="2882" y="16796"/>
-                  </a:cubicBezTo>
-                  <a:cubicBezTo>
-                    <a:pt x="-961" y="12954"/>
-                    <a:pt x="-961" y="6724"/>
-                    <a:pt x="2882" y="2882"/>
-                  </a:cubicBezTo>
-                  <a:cubicBezTo>
-                    <a:pt x="6724" y="-961"/>
-                    <a:pt x="12954" y="-961"/>
-                    <a:pt x="16796" y="2882"/>
-                  </a:cubicBezTo>
-                  <a:close/>
-                </a:path>
-              </a:pathLst>
-            </a:custGeom>
+          <a:prstGeom prst="bentConnector3">
+            <a:avLst>
+              <a:gd name="adj1" fmla="val 98848"/>
+            </a:avLst>
+          </a:prstGeom>
+          <a:noFill/>
+          <a:ln w="25400" cap="flat">
             <a:solidFill>
-              <a:srgbClr val="00B19E"/>
+              <a:srgbClr val="4277BB"/>
             </a:solidFill>
-            <a:ln w="3175" cap="flat">
-              <a:noFill/>
-              <a:miter lim="400000"/>
-            </a:ln>
-            <a:effectLst/>
-          </p:spPr>
-          <p:txBody>
-            <a:bodyPr wrap="square" lIns="0" tIns="0" rIns="0" bIns="0" numCol="1" anchor="ctr">
-              <a:noAutofit/>
-            </a:bodyPr>
-            <a:lstStyle/>
-            <a:p>
-              <a:pPr lvl="0">
-                <a:defRPr sz="1800">
-                  <a:solidFill>
-                    <a:srgbClr val="FFFFFF"/>
-                  </a:solidFill>
-                </a:defRPr>
-              </a:pPr>
-              <a:endParaRPr/>
-            </a:p>
-          </p:txBody>
-        </p:sp>
-        <p:pic>
-          <p:nvPicPr>
-            <p:cNvPr id="177" name="_-20.png">
-              <a:extLst>
-                <a:ext uri="{FF2B5EF4-FFF2-40B4-BE49-F238E27FC236}">
-                  <a16:creationId xmlns:a16="http://schemas.microsoft.com/office/drawing/2014/main" id="{9995F2B5-A2DE-8145-80FE-816C54B6D2BD}"/>
-                </a:ext>
-              </a:extLst>
-            </p:cNvPr>
-            <p:cNvPicPr/>
-            <p:nvPr/>
-          </p:nvPicPr>
-          <p:blipFill>
-            <a:blip r:embed="rId16">
-              <a:extLst/>
-            </a:blip>
-            <a:srcRect l="12622" t="15591" r="9640" b="22263"/>
-            <a:stretch>
-              <a:fillRect/>
-            </a:stretch>
-          </p:blipFill>
-          <p:spPr>
-            <a:xfrm>
-              <a:off x="195087" y="119476"/>
-              <a:ext cx="548639" cy="457199"/>
-            </a:xfrm>
-            <a:prstGeom prst="rect">
-              <a:avLst/>
-            </a:prstGeom>
-            <a:ln w="3175" cap="flat">
-              <a:noFill/>
-              <a:miter lim="400000"/>
-            </a:ln>
-            <a:effectLst/>
-          </p:spPr>
-        </p:pic>
-      </p:grpSp>
-      <p:grpSp>
-        <p:nvGrpSpPr>
-          <p:cNvPr id="179" name="Group 178">
+            <a:prstDash val="solid"/>
+            <a:miter lim="400000"/>
+            <a:headEnd type="triangle"/>
+            <a:tailEnd type="triangle"/>
+          </a:ln>
+          <a:effectLst/>
+        </p:spPr>
+        <p:style>
+          <a:lnRef idx="0">
+            <a:scrgbClr r="0" g="0" b="0"/>
+          </a:lnRef>
+          <a:fillRef idx="0">
+            <a:scrgbClr r="0" g="0" b="0"/>
+          </a:fillRef>
+          <a:effectRef idx="0">
+            <a:scrgbClr r="0" g="0" b="0"/>
+          </a:effectRef>
+          <a:fontRef idx="none"/>
+        </p:style>
+      </p:cxnSp>
+      <p:cxnSp>
+        <p:nvCxnSpPr>
+          <p:cNvPr id="141" name="Straight Arrow Connector 110">
             <a:extLst>
               <a:ext uri="{FF2B5EF4-FFF2-40B4-BE49-F238E27FC236}">
-                <a16:creationId xmlns:a16="http://schemas.microsoft.com/office/drawing/2014/main" id="{C8A0BD56-386E-484D-BC4B-D243574339B5}"/>
+                <a16:creationId xmlns:a16="http://schemas.microsoft.com/office/drawing/2014/main" id="{2A62EB10-1D39-AC4A-99D0-58EEBE373851}"/>
               </a:ext>
             </a:extLst>
           </p:cNvPr>
-          <p:cNvGrpSpPr/>
+          <p:cNvCxnSpPr>
+            <a:cxnSpLocks/>
+          </p:cNvCxnSpPr>
           <p:nvPr/>
-        </p:nvGrpSpPr>
-        <p:grpSpPr>
-          <a:xfrm>
-            <a:off x="4525170" y="6404195"/>
-            <a:ext cx="502920" cy="457200"/>
-            <a:chOff x="-1334861" y="4454538"/>
-            <a:chExt cx="707235" cy="730612"/>
+        </p:nvCxnSpPr>
+        <p:spPr>
+          <a:xfrm flipV="1">
+            <a:off x="8134398" y="2369331"/>
+            <a:ext cx="548489" cy="342891"/>
           </a:xfrm>
-        </p:grpSpPr>
-        <p:sp>
-          <p:nvSpPr>
-            <p:cNvPr id="208" name="Shape 370">
-              <a:extLst>
-                <a:ext uri="{FF2B5EF4-FFF2-40B4-BE49-F238E27FC236}">
-                  <a16:creationId xmlns:a16="http://schemas.microsoft.com/office/drawing/2014/main" id="{B85AA538-A19B-C745-B593-52310B90935C}"/>
-                </a:ext>
-              </a:extLst>
-            </p:cNvPr>
-            <p:cNvSpPr/>
-            <p:nvPr/>
-          </p:nvSpPr>
-          <p:spPr>
-            <a:xfrm>
-              <a:off x="-1334861" y="4477917"/>
-              <a:ext cx="707235" cy="707233"/>
-            </a:xfrm>
-            <a:custGeom>
-              <a:avLst/>
-              <a:gdLst/>
-              <a:ahLst/>
-              <a:cxnLst>
-                <a:cxn ang="0">
-                  <a:pos x="wd2" y="hd2"/>
-                </a:cxn>
-                <a:cxn ang="5400000">
-                  <a:pos x="wd2" y="hd2"/>
-                </a:cxn>
-                <a:cxn ang="10800000">
-                  <a:pos x="wd2" y="hd2"/>
-                </a:cxn>
-                <a:cxn ang="16200000">
-                  <a:pos x="wd2" y="hd2"/>
-                </a:cxn>
-              </a:cxnLst>
-              <a:rect l="0" t="0" r="r" b="b"/>
-              <a:pathLst>
-                <a:path w="19679" h="19679" extrusionOk="0">
-                  <a:moveTo>
-                    <a:pt x="16796" y="2882"/>
-                  </a:moveTo>
-                  <a:cubicBezTo>
-                    <a:pt x="20639" y="6724"/>
-                    <a:pt x="20639" y="12954"/>
-                    <a:pt x="16796" y="16796"/>
-                  </a:cubicBezTo>
-                  <a:cubicBezTo>
-                    <a:pt x="12954" y="20639"/>
-                    <a:pt x="6724" y="20639"/>
-                    <a:pt x="2882" y="16796"/>
-                  </a:cubicBezTo>
-                  <a:cubicBezTo>
-                    <a:pt x="-961" y="12954"/>
-                    <a:pt x="-961" y="6724"/>
-                    <a:pt x="2882" y="2882"/>
-                  </a:cubicBezTo>
-                  <a:cubicBezTo>
-                    <a:pt x="6724" y="-961"/>
-                    <a:pt x="12954" y="-961"/>
-                    <a:pt x="16796" y="2882"/>
-                  </a:cubicBezTo>
-                  <a:close/>
-                </a:path>
-              </a:pathLst>
-            </a:custGeom>
+          <a:prstGeom prst="bentConnector3">
+            <a:avLst>
+              <a:gd name="adj1" fmla="val 98036"/>
+            </a:avLst>
+          </a:prstGeom>
+          <a:noFill/>
+          <a:ln w="25400" cap="flat">
             <a:solidFill>
-              <a:srgbClr val="00B19E"/>
+              <a:srgbClr val="4277BB"/>
             </a:solidFill>
-            <a:ln w="3175" cap="flat">
-              <a:noFill/>
-              <a:miter lim="400000"/>
-            </a:ln>
-            <a:effectLst/>
-          </p:spPr>
-          <p:txBody>
-            <a:bodyPr wrap="square" lIns="0" tIns="0" rIns="0" bIns="0" numCol="1" anchor="ctr">
-              <a:noAutofit/>
-            </a:bodyPr>
-            <a:lstStyle/>
-            <a:p>
-              <a:pPr lvl="0">
-                <a:defRPr sz="1800">
-                  <a:solidFill>
-                    <a:srgbClr val="FFFFFF"/>
-                  </a:solidFill>
-                </a:defRPr>
-              </a:pPr>
-              <a:endParaRPr/>
-            </a:p>
-          </p:txBody>
-        </p:sp>
-        <p:pic>
-          <p:nvPicPr>
-            <p:cNvPr id="207" name="Picture 206">
-              <a:extLst>
-                <a:ext uri="{FF2B5EF4-FFF2-40B4-BE49-F238E27FC236}">
-                  <a16:creationId xmlns:a16="http://schemas.microsoft.com/office/drawing/2014/main" id="{67133383-015A-C64B-949C-B7F372D952DA}"/>
-                </a:ext>
-              </a:extLst>
-            </p:cNvPr>
-            <p:cNvPicPr>
-              <a:picLocks noChangeAspect="1"/>
-            </p:cNvPicPr>
-            <p:nvPr/>
-          </p:nvPicPr>
-          <p:blipFill>
-            <a:blip r:embed="rId17">
-              <a:extLst>
-                <a:ext uri="{28A0092B-C50C-407E-A947-70E740481C1C}">
-                  <a14:useLocalDpi xmlns:a14="http://schemas.microsoft.com/office/drawing/2010/main" val="0"/>
-                </a:ext>
-              </a:extLst>
-            </a:blip>
-            <a:stretch>
-              <a:fillRect/>
-            </a:stretch>
-          </p:blipFill>
-          <p:spPr>
-            <a:xfrm>
-              <a:off x="-1248174" y="4454538"/>
-              <a:ext cx="560832" cy="670560"/>
-            </a:xfrm>
-            <a:prstGeom prst="rect">
-              <a:avLst/>
-            </a:prstGeom>
-          </p:spPr>
-        </p:pic>
-      </p:grpSp>
-      <p:grpSp>
-        <p:nvGrpSpPr>
-          <p:cNvPr id="210" name="Group 486">
+            <a:prstDash val="solid"/>
+            <a:miter lim="400000"/>
+            <a:headEnd type="triangle"/>
+            <a:tailEnd type="triangle"/>
+          </a:ln>
+          <a:effectLst/>
+        </p:spPr>
+        <p:style>
+          <a:lnRef idx="0">
+            <a:scrgbClr r="0" g="0" b="0"/>
+          </a:lnRef>
+          <a:fillRef idx="0">
+            <a:scrgbClr r="0" g="0" b="0"/>
+          </a:fillRef>
+          <a:effectRef idx="0">
+            <a:scrgbClr r="0" g="0" b="0"/>
+          </a:effectRef>
+          <a:fontRef idx="none"/>
+        </p:style>
+      </p:cxnSp>
+      <p:cxnSp>
+        <p:nvCxnSpPr>
+          <p:cNvPr id="209" name="Straight Arrow Connector 110">
             <a:extLst>
               <a:ext uri="{FF2B5EF4-FFF2-40B4-BE49-F238E27FC236}">
-                <a16:creationId xmlns:a16="http://schemas.microsoft.com/office/drawing/2014/main" id="{A119731E-120B-E94D-B436-BB015E73A8AB}"/>
+                <a16:creationId xmlns:a16="http://schemas.microsoft.com/office/drawing/2014/main" id="{2A6DA758-0F80-E941-AB8D-28F532A85CBF}"/>
               </a:ext>
             </a:extLst>
           </p:cNvPr>
-          <p:cNvGrpSpPr/>
+          <p:cNvCxnSpPr>
+            <a:cxnSpLocks/>
+          </p:cNvCxnSpPr>
           <p:nvPr/>
-        </p:nvGrpSpPr>
-        <p:grpSpPr>
-          <a:xfrm>
-            <a:off x="5734380" y="6411226"/>
-            <a:ext cx="502920" cy="457200"/>
-            <a:chOff x="0" y="0"/>
-            <a:chExt cx="707232" cy="707232"/>
+        </p:nvCxnSpPr>
+        <p:spPr>
+          <a:xfrm rot="16200000" flipV="1">
+            <a:off x="7508547" y="3441457"/>
+            <a:ext cx="370178" cy="396269"/>
           </a:xfrm>
-        </p:grpSpPr>
-        <p:sp>
-          <p:nvSpPr>
-            <p:cNvPr id="220" name="Shape 482">
-              <a:extLst>
-                <a:ext uri="{FF2B5EF4-FFF2-40B4-BE49-F238E27FC236}">
-                  <a16:creationId xmlns:a16="http://schemas.microsoft.com/office/drawing/2014/main" id="{FB961DFF-1B37-1040-B735-E759B24179AF}"/>
-                </a:ext>
-              </a:extLst>
-            </p:cNvPr>
-            <p:cNvSpPr/>
-            <p:nvPr/>
-          </p:nvSpPr>
-          <p:spPr>
-            <a:xfrm>
-              <a:off x="0" y="0"/>
-              <a:ext cx="707232" cy="707232"/>
-            </a:xfrm>
-            <a:custGeom>
-              <a:avLst/>
-              <a:gdLst/>
-              <a:ahLst/>
-              <a:cxnLst>
-                <a:cxn ang="0">
-                  <a:pos x="wd2" y="hd2"/>
-                </a:cxn>
-                <a:cxn ang="5400000">
-                  <a:pos x="wd2" y="hd2"/>
-                </a:cxn>
-                <a:cxn ang="10800000">
-                  <a:pos x="wd2" y="hd2"/>
-                </a:cxn>
-                <a:cxn ang="16200000">
-                  <a:pos x="wd2" y="hd2"/>
-                </a:cxn>
-              </a:cxnLst>
-              <a:rect l="0" t="0" r="r" b="b"/>
-              <a:pathLst>
-                <a:path w="19679" h="19679" extrusionOk="0">
-                  <a:moveTo>
-                    <a:pt x="16796" y="2882"/>
-                  </a:moveTo>
-                  <a:cubicBezTo>
-                    <a:pt x="20639" y="6724"/>
-                    <a:pt x="20639" y="12954"/>
-                    <a:pt x="16796" y="16796"/>
-                  </a:cubicBezTo>
-                  <a:cubicBezTo>
-                    <a:pt x="12954" y="20639"/>
-                    <a:pt x="6724" y="20639"/>
-                    <a:pt x="2882" y="16796"/>
-                  </a:cubicBezTo>
-                  <a:cubicBezTo>
-                    <a:pt x="-961" y="12954"/>
-                    <a:pt x="-961" y="6724"/>
-                    <a:pt x="2882" y="2882"/>
-                  </a:cubicBezTo>
-                  <a:cubicBezTo>
-                    <a:pt x="6724" y="-961"/>
-                    <a:pt x="12954" y="-961"/>
-                    <a:pt x="16796" y="2882"/>
-                  </a:cubicBezTo>
-                  <a:close/>
-                </a:path>
-              </a:pathLst>
-            </a:custGeom>
+          <a:prstGeom prst="bentConnector2">
+            <a:avLst/>
+          </a:prstGeom>
+          <a:noFill/>
+          <a:ln w="25400" cap="flat">
             <a:solidFill>
-              <a:srgbClr val="E42233"/>
+              <a:srgbClr val="4277BB"/>
             </a:solidFill>
-            <a:ln w="3175" cap="flat">
-              <a:noFill/>
-              <a:miter lim="400000"/>
-            </a:ln>
-            <a:effectLst/>
-          </p:spPr>
-          <p:txBody>
-            <a:bodyPr wrap="square" lIns="0" tIns="0" rIns="0" bIns="0" numCol="1" anchor="ctr">
-              <a:noAutofit/>
-            </a:bodyPr>
-            <a:lstStyle/>
-            <a:p>
-              <a:pPr lvl="0">
-                <a:defRPr sz="1800">
-                  <a:solidFill>
-                    <a:srgbClr val="FFFFFF"/>
-                  </a:solidFill>
-                </a:defRPr>
-              </a:pPr>
-              <a:endParaRPr/>
-            </a:p>
-          </p:txBody>
-        </p:sp>
-        <p:pic>
-          <p:nvPicPr>
-            <p:cNvPr id="225" name="_-46.png">
-              <a:extLst>
-                <a:ext uri="{FF2B5EF4-FFF2-40B4-BE49-F238E27FC236}">
-                  <a16:creationId xmlns:a16="http://schemas.microsoft.com/office/drawing/2014/main" id="{EBA7567F-5CDA-BF4B-B300-3ED323B89622}"/>
-                </a:ext>
-              </a:extLst>
-            </p:cNvPr>
-            <p:cNvPicPr/>
-            <p:nvPr/>
-          </p:nvPicPr>
-          <p:blipFill>
-            <a:blip r:embed="rId18">
-              <a:extLst/>
-            </a:blip>
-            <a:srcRect l="26174" t="17171" r="26174" b="17171"/>
-            <a:stretch>
-              <a:fillRect/>
-            </a:stretch>
-          </p:blipFill>
-          <p:spPr>
-            <a:xfrm>
-              <a:off x="185113" y="122687"/>
-              <a:ext cx="337007" cy="464346"/>
-            </a:xfrm>
-            <a:prstGeom prst="rect">
-              <a:avLst/>
-            </a:prstGeom>
-            <a:ln w="3175" cap="flat">
-              <a:noFill/>
-              <a:miter lim="400000"/>
-            </a:ln>
-            <a:effectLst/>
-          </p:spPr>
-        </p:pic>
-      </p:grpSp>
-      <p:sp>
-        <p:nvSpPr>
-          <p:cNvPr id="226" name="Shape 63">
+            <a:prstDash val="solid"/>
+            <a:miter lim="400000"/>
+            <a:headEnd type="triangle"/>
+            <a:tailEnd type="triangle"/>
+          </a:ln>
+          <a:effectLst/>
+        </p:spPr>
+        <p:style>
+          <a:lnRef idx="0">
+            <a:scrgbClr r="0" g="0" b="0"/>
+          </a:lnRef>
+          <a:fillRef idx="0">
+            <a:scrgbClr r="0" g="0" b="0"/>
+          </a:fillRef>
+          <a:effectRef idx="0">
+            <a:scrgbClr r="0" g="0" b="0"/>
+          </a:effectRef>
+          <a:fontRef idx="none"/>
+        </p:style>
+      </p:cxnSp>
+      <p:cxnSp>
+        <p:nvCxnSpPr>
+          <p:cNvPr id="229" name="Straight Arrow Connector 228">
             <a:extLst>
               <a:ext uri="{FF2B5EF4-FFF2-40B4-BE49-F238E27FC236}">
-                <a16:creationId xmlns:a16="http://schemas.microsoft.com/office/drawing/2014/main" id="{9EF68BD4-DD29-C44D-9BB3-4427339F2DE8}"/>
+                <a16:creationId xmlns:a16="http://schemas.microsoft.com/office/drawing/2014/main" id="{6630BE55-0878-1743-9C1A-C2B8CD0EC510}"/>
               </a:ext>
             </a:extLst>
           </p:cNvPr>
-          <p:cNvSpPr/>
+          <p:cNvCxnSpPr>
+            <a:cxnSpLocks/>
+          </p:cNvCxnSpPr>
           <p:nvPr/>
-        </p:nvSpPr>
+        </p:nvCxnSpPr>
         <p:spPr>
           <a:xfrm>
-            <a:off x="5479367" y="6879128"/>
-            <a:ext cx="823944" cy="153888"/>
+            <a:off x="8682887" y="4889861"/>
+            <a:ext cx="0" cy="558596"/>
           </a:xfrm>
-          <a:prstGeom prst="rect">
+          <a:prstGeom prst="straightConnector1">
             <a:avLst/>
           </a:prstGeom>
-          <a:ln w="3175">
+          <a:noFill/>
+          <a:ln w="25400" cap="flat">
+            <a:solidFill>
+              <a:srgbClr val="4277BB"/>
+            </a:solidFill>
+            <a:prstDash val="solid"/>
             <a:miter lim="400000"/>
+            <a:headEnd type="triangle"/>
+            <a:tailEnd type="triangle"/>
           </a:ln>
-          <a:extLst>
-            <a:ext uri="{C572A759-6A51-4108-AA02-DFA0A04FC94B}">
-              <ma14:wrappingTextBoxFlag xmlns:ma14="http://schemas.microsoft.com/office/mac/drawingml/2011/main" xmlns="" val="1"/>
-            </a:ext>
-          </a:extLst>
+          <a:effectLst/>
         </p:spPr>
-        <p:txBody>
-          <a:bodyPr wrap="none" lIns="0" tIns="0" rIns="0" bIns="0">
-            <a:spAutoFit/>
-          </a:bodyPr>
-          <a:lstStyle>
-            <a:lvl1pPr algn="l">
-              <a:defRPr sz="1000" b="1">
-                <a:solidFill>
-                  <a:srgbClr val="4277BB"/>
-                </a:solidFill>
-                <a:latin typeface="Helvetica"/>
-                <a:ea typeface="Helvetica"/>
-                <a:cs typeface="Helvetica"/>
-                <a:sym typeface="Helvetica"/>
-              </a:defRPr>
-            </a:lvl1pPr>
-          </a:lstStyle>
-          <a:p>
-            <a:pPr lvl="0">
-              <a:defRPr sz="1800" b="0">
-                <a:solidFill>
-                  <a:srgbClr val="000000"/>
-                </a:solidFill>
-              </a:defRPr>
-            </a:pPr>
-            <a:r>
-              <a:rPr lang="en-US" sz="1000" b="1" dirty="0">
-                <a:solidFill>
-                  <a:srgbClr val="4277BB"/>
-                </a:solidFill>
-              </a:rPr>
-              <a:t>     SECURITY</a:t>
-            </a:r>
-            <a:endParaRPr sz="1000" b="1" dirty="0">
-              <a:solidFill>
-                <a:srgbClr val="4277BB"/>
-              </a:solidFill>
-            </a:endParaRPr>
-          </a:p>
-        </p:txBody>
-      </p:sp>
-      <p:sp>
-        <p:nvSpPr>
-          <p:cNvPr id="154" name="Rounded Rectangle 153">
+        <p:style>
+          <a:lnRef idx="0">
+            <a:scrgbClr r="0" g="0" b="0"/>
+          </a:lnRef>
+          <a:fillRef idx="0">
+            <a:scrgbClr r="0" g="0" b="0"/>
+          </a:fillRef>
+          <a:effectRef idx="0">
+            <a:scrgbClr r="0" g="0" b="0"/>
+          </a:effectRef>
+          <a:fontRef idx="none"/>
+        </p:style>
+      </p:cxnSp>
+      <p:cxnSp>
+        <p:nvCxnSpPr>
+          <p:cNvPr id="261" name="Straight Arrow Connector 166">
             <a:extLst>
               <a:ext uri="{FF2B5EF4-FFF2-40B4-BE49-F238E27FC236}">
-                <a16:creationId xmlns:a16="http://schemas.microsoft.com/office/drawing/2014/main" id="{11B4C085-2B1D-504D-BDA3-F79DCA86752C}"/>
+                <a16:creationId xmlns:a16="http://schemas.microsoft.com/office/drawing/2014/main" id="{675C06DE-E71C-4047-A5D4-83EF1D13E402}"/>
               </a:ext>
             </a:extLst>
           </p:cNvPr>
-          <p:cNvSpPr/>
+          <p:cNvCxnSpPr>
+            <a:cxnSpLocks/>
+          </p:cNvCxnSpPr>
           <p:nvPr/>
-        </p:nvSpPr>
+        </p:nvCxnSpPr>
         <p:spPr>
-          <a:xfrm>
-            <a:off x="991744" y="6354622"/>
-            <a:ext cx="7507664" cy="834134"/>
+          <a:xfrm rot="16200000" flipH="1">
+            <a:off x="4850673" y="1564494"/>
+            <a:ext cx="363935" cy="317866"/>
           </a:xfrm>
-          <a:prstGeom prst="roundRect">
+          <a:prstGeom prst="bentConnector3">
             <a:avLst>
-              <a:gd name="adj" fmla="val 2194"/>
+              <a:gd name="adj1" fmla="val 101102"/>
             </a:avLst>
           </a:prstGeom>
           <a:noFill/>
-          <a:ln w="6350">
+          <a:ln w="25400" cap="flat">
             <a:solidFill>
-              <a:srgbClr val="4E77B6"/>
+              <a:srgbClr val="4277BB"/>
             </a:solidFill>
+            <a:prstDash val="solid"/>
+            <a:miter lim="400000"/>
+            <a:tailEnd type="triangle"/>
           </a:ln>
-          <a:effectLst>
-            <a:outerShdw blurRad="50800" dist="38100" dir="8100000" algn="tr" rotWithShape="0">
-              <a:prstClr val="black">
-                <a:alpha val="40000"/>
-              </a:prstClr>
-            </a:outerShdw>
-          </a:effectLst>
+          <a:effectLst/>
         </p:spPr>
         <p:style>
-          <a:lnRef idx="2">
-            <a:schemeClr val="accent1">
-              <a:shade val="50000"/>
-            </a:schemeClr>
+          <a:lnRef idx="0">
+            <a:scrgbClr r="0" g="0" b="0"/>
           </a:lnRef>
-          <a:fillRef idx="1">
-            <a:schemeClr val="accent1"/>
+          <a:fillRef idx="0">
+            <a:scrgbClr r="0" g="0" b="0"/>
           </a:fillRef>
           <a:effectRef idx="0">
-            <a:schemeClr val="accent1"/>
+            <a:scrgbClr r="0" g="0" b="0"/>
           </a:effectRef>
-          <a:fontRef idx="minor">
-            <a:schemeClr val="lt1"/>
-          </a:fontRef>
+          <a:fontRef idx="none"/>
         </p:style>
-        <p:txBody>
-          <a:bodyPr rtlCol="0" anchor="ctr"/>
-          <a:lstStyle/>
-          <a:p>
-            <a:pPr algn="ctr"/>
-            <a:endParaRPr lang="en-US" b="1" dirty="0">
-              <a:ln w="22225">
-                <a:solidFill>
-                  <a:schemeClr val="accent2"/>
-                </a:solidFill>
-                <a:prstDash val="solid"/>
-              </a:ln>
-              <a:solidFill>
-                <a:schemeClr val="accent2">
-                  <a:lumMod val="40000"/>
-                  <a:lumOff val="60000"/>
-                </a:schemeClr>
-              </a:solidFill>
-              <a:latin typeface="IBM Plex Sans" charset="0"/>
-              <a:ea typeface="IBM Plex Sans" charset="0"/>
-              <a:cs typeface="IBM Plex Sans" charset="0"/>
-            </a:endParaRPr>
-          </a:p>
-        </p:txBody>
-      </p:sp>
+      </p:cxnSp>
+      <p:cxnSp>
+        <p:nvCxnSpPr>
+          <p:cNvPr id="290" name="Straight Arrow Connector 166">
+            <a:extLst>
+              <a:ext uri="{FF2B5EF4-FFF2-40B4-BE49-F238E27FC236}">
+                <a16:creationId xmlns:a16="http://schemas.microsoft.com/office/drawing/2014/main" id="{669E0357-35F4-C34D-A262-B7A6A066EE9B}"/>
+              </a:ext>
+            </a:extLst>
+          </p:cNvPr>
+          <p:cNvCxnSpPr>
+            <a:cxnSpLocks/>
+          </p:cNvCxnSpPr>
+          <p:nvPr/>
+        </p:nvCxnSpPr>
+        <p:spPr>
+          <a:xfrm rot="5400000">
+            <a:off x="4397726" y="1571665"/>
+            <a:ext cx="333274" cy="289336"/>
+          </a:xfrm>
+          <a:prstGeom prst="bentConnector3">
+            <a:avLst>
+              <a:gd name="adj1" fmla="val 101154"/>
+            </a:avLst>
+          </a:prstGeom>
+          <a:noFill/>
+          <a:ln w="25400" cap="flat">
+            <a:solidFill>
+              <a:srgbClr val="4277BB"/>
+            </a:solidFill>
+            <a:prstDash val="solid"/>
+            <a:miter lim="400000"/>
+            <a:tailEnd type="triangle"/>
+          </a:ln>
+          <a:effectLst/>
+        </p:spPr>
+        <p:style>
+          <a:lnRef idx="0">
+            <a:scrgbClr r="0" g="0" b="0"/>
+          </a:lnRef>
+          <a:fillRef idx="0">
+            <a:scrgbClr r="0" g="0" b="0"/>
+          </a:fillRef>
+          <a:effectRef idx="0">
+            <a:scrgbClr r="0" g="0" b="0"/>
+          </a:effectRef>
+          <a:fontRef idx="none"/>
+        </p:style>
+      </p:cxnSp>
+      <p:cxnSp>
+        <p:nvCxnSpPr>
+          <p:cNvPr id="306" name="Straight Arrow Connector 305">
+            <a:extLst>
+              <a:ext uri="{FF2B5EF4-FFF2-40B4-BE49-F238E27FC236}">
+                <a16:creationId xmlns:a16="http://schemas.microsoft.com/office/drawing/2014/main" id="{975A56B5-DB26-F44F-9826-4FB8ED5531AA}"/>
+              </a:ext>
+            </a:extLst>
+          </p:cNvPr>
+          <p:cNvCxnSpPr>
+            <a:cxnSpLocks/>
+          </p:cNvCxnSpPr>
+          <p:nvPr/>
+        </p:nvCxnSpPr>
+        <p:spPr>
+          <a:xfrm flipH="1">
+            <a:off x="687785" y="2700990"/>
+            <a:ext cx="11552" cy="1136885"/>
+          </a:xfrm>
+          <a:prstGeom prst="straightConnector1">
+            <a:avLst/>
+          </a:prstGeom>
+          <a:noFill/>
+          <a:ln w="25400" cap="flat">
+            <a:solidFill>
+              <a:srgbClr val="4277BB"/>
+            </a:solidFill>
+            <a:prstDash val="solid"/>
+            <a:miter lim="400000"/>
+            <a:headEnd type="triangle"/>
+            <a:tailEnd type="triangle"/>
+          </a:ln>
+          <a:effectLst/>
+        </p:spPr>
+        <p:style>
+          <a:lnRef idx="0">
+            <a:scrgbClr r="0" g="0" b="0"/>
+          </a:lnRef>
+          <a:fillRef idx="0">
+            <a:scrgbClr r="0" g="0" b="0"/>
+          </a:fillRef>
+          <a:effectRef idx="0">
+            <a:scrgbClr r="0" g="0" b="0"/>
+          </a:effectRef>
+          <a:fontRef idx="none"/>
+        </p:style>
+      </p:cxnSp>
       <p:sp>
         <p:nvSpPr>
-          <p:cNvPr id="132" name="Shape 66">
+          <p:cNvPr id="173" name="Shape 66">
             <a:extLst>
               <a:ext uri="{FF2B5EF4-FFF2-40B4-BE49-F238E27FC236}">
-                <a16:creationId xmlns:a16="http://schemas.microsoft.com/office/drawing/2014/main" id="{D44FCEBC-E017-6C4E-BF60-387EE48C88F5}"/>
+                <a16:creationId xmlns:a16="http://schemas.microsoft.com/office/drawing/2014/main" id="{D9FDD751-C691-9C44-B17E-795249485491}"/>
               </a:ext>
             </a:extLst>
           </p:cNvPr>
@@ -11326,8 +10574,46 @@
         </p:nvSpPr>
         <p:spPr>
           <a:xfrm flipH="1" flipV="1">
-            <a:off x="1202811" y="95541"/>
-            <a:ext cx="19800" cy="6259081"/>
+            <a:off x="1234846" y="95539"/>
+            <a:ext cx="20430" cy="7253748"/>
+          </a:xfrm>
+          <a:prstGeom prst="line">
+            <a:avLst/>
+          </a:prstGeom>
+          <a:ln w="3175">
+            <a:solidFill>
+              <a:srgbClr val="4277BB"/>
+            </a:solidFill>
+            <a:miter lim="400000"/>
+          </a:ln>
+        </p:spPr>
+        <p:txBody>
+          <a:bodyPr lIns="0" tIns="0" rIns="0" bIns="0" anchor="ctr"/>
+          <a:lstStyle/>
+          <a:p>
+            <a:pPr lvl="0">
+              <a:defRPr sz="1800"/>
+            </a:pPr>
+            <a:endParaRPr/>
+          </a:p>
+        </p:txBody>
+      </p:sp>
+      <p:sp>
+        <p:nvSpPr>
+          <p:cNvPr id="174" name="Shape 66">
+            <a:extLst>
+              <a:ext uri="{FF2B5EF4-FFF2-40B4-BE49-F238E27FC236}">
+                <a16:creationId xmlns:a16="http://schemas.microsoft.com/office/drawing/2014/main" id="{5DA1D880-9A96-A94F-8D03-9F42BFFC1392}"/>
+              </a:ext>
+            </a:extLst>
+          </p:cNvPr>
+          <p:cNvSpPr/>
+          <p:nvPr/>
+        </p:nvSpPr>
+        <p:spPr>
+          <a:xfrm flipV="1">
+            <a:off x="8278097" y="66495"/>
+            <a:ext cx="19971" cy="7282792"/>
           </a:xfrm>
           <a:prstGeom prst="line">
             <a:avLst/>
@@ -11436,7 +10722,7 @@
           </a:ln>
           <a:extLst>
             <a:ext uri="{C572A759-6A51-4108-AA02-DFA0A04FC94B}">
-              <ma14:wrappingTextBoxFlag xmlns="" xmlns:ma14="http://schemas.microsoft.com/office/mac/drawingml/2011/main" val="1"/>
+              <ma14:wrappingTextBoxFlag xmlns:ma14="http://schemas.microsoft.com/office/mac/drawingml/2011/main" xmlns="" val="1"/>
             </a:ext>
           </a:extLst>
         </p:spPr>
@@ -11484,7 +10770,7 @@
           </a:ln>
           <a:extLst>
             <a:ext uri="{C572A759-6A51-4108-AA02-DFA0A04FC94B}">
-              <ma14:wrappingTextBoxFlag xmlns="" xmlns:ma14="http://schemas.microsoft.com/office/mac/drawingml/2011/main" val="1"/>
+              <ma14:wrappingTextBoxFlag xmlns:ma14="http://schemas.microsoft.com/office/mac/drawingml/2011/main" xmlns="" val="1"/>
             </a:ext>
           </a:extLst>
         </p:spPr>
@@ -11639,7 +10925,7 @@
             <a:effectLst/>
             <a:extLst>
               <a:ext uri="{C572A759-6A51-4108-AA02-DFA0A04FC94B}">
-                <ma14:wrappingTextBoxFlag xmlns="" xmlns:ma14="http://schemas.microsoft.com/office/mac/drawingml/2011/main" val="1"/>
+                <ma14:wrappingTextBoxFlag xmlns:ma14="http://schemas.microsoft.com/office/mac/drawingml/2011/main" xmlns="" val="1"/>
               </a:ext>
             </a:extLst>
           </p:spPr>
@@ -11801,7 +11087,7 @@
             <a:effectLst/>
             <a:extLst>
               <a:ext uri="{C572A759-6A51-4108-AA02-DFA0A04FC94B}">
-                <ma14:wrappingTextBoxFlag xmlns="" xmlns:ma14="http://schemas.microsoft.com/office/mac/drawingml/2011/main" val="1"/>
+                <ma14:wrappingTextBoxFlag xmlns:ma14="http://schemas.microsoft.com/office/mac/drawingml/2011/main" xmlns="" val="1"/>
               </a:ext>
             </a:extLst>
           </p:spPr>
@@ -11963,7 +11249,7 @@
             <a:effectLst/>
             <a:extLst>
               <a:ext uri="{C572A759-6A51-4108-AA02-DFA0A04FC94B}">
-                <ma14:wrappingTextBoxFlag xmlns="" xmlns:ma14="http://schemas.microsoft.com/office/mac/drawingml/2011/main" val="1"/>
+                <ma14:wrappingTextBoxFlag xmlns:ma14="http://schemas.microsoft.com/office/mac/drawingml/2011/main" xmlns="" val="1"/>
               </a:ext>
             </a:extLst>
           </p:spPr>
@@ -12125,7 +11411,7 @@
             <a:effectLst/>
             <a:extLst>
               <a:ext uri="{C572A759-6A51-4108-AA02-DFA0A04FC94B}">
-                <ma14:wrappingTextBoxFlag xmlns="" xmlns:ma14="http://schemas.microsoft.com/office/mac/drawingml/2011/main" val="1"/>
+                <ma14:wrappingTextBoxFlag xmlns:ma14="http://schemas.microsoft.com/office/mac/drawingml/2011/main" xmlns="" val="1"/>
               </a:ext>
             </a:extLst>
           </p:spPr>
@@ -12287,7 +11573,7 @@
             <a:effectLst/>
             <a:extLst>
               <a:ext uri="{C572A759-6A51-4108-AA02-DFA0A04FC94B}">
-                <ma14:wrappingTextBoxFlag xmlns="" xmlns:ma14="http://schemas.microsoft.com/office/mac/drawingml/2011/main" val="1"/>
+                <ma14:wrappingTextBoxFlag xmlns:ma14="http://schemas.microsoft.com/office/mac/drawingml/2011/main" xmlns="" val="1"/>
               </a:ext>
             </a:extLst>
           </p:spPr>
@@ -12449,7 +11735,7 @@
             <a:effectLst/>
             <a:extLst>
               <a:ext uri="{C572A759-6A51-4108-AA02-DFA0A04FC94B}">
-                <ma14:wrappingTextBoxFlag xmlns="" xmlns:ma14="http://schemas.microsoft.com/office/mac/drawingml/2011/main" val="1"/>
+                <ma14:wrappingTextBoxFlag xmlns:ma14="http://schemas.microsoft.com/office/mac/drawingml/2011/main" xmlns="" val="1"/>
               </a:ext>
             </a:extLst>
           </p:spPr>
@@ -12611,7 +11897,7 @@
             <a:effectLst/>
             <a:extLst>
               <a:ext uri="{C572A759-6A51-4108-AA02-DFA0A04FC94B}">
-                <ma14:wrappingTextBoxFlag xmlns="" xmlns:ma14="http://schemas.microsoft.com/office/mac/drawingml/2011/main" val="1"/>
+                <ma14:wrappingTextBoxFlag xmlns:ma14="http://schemas.microsoft.com/office/mac/drawingml/2011/main" xmlns="" val="1"/>
               </a:ext>
             </a:extLst>
           </p:spPr>
@@ -12773,7 +12059,7 @@
             <a:effectLst/>
             <a:extLst>
               <a:ext uri="{C572A759-6A51-4108-AA02-DFA0A04FC94B}">
-                <ma14:wrappingTextBoxFlag xmlns="" xmlns:ma14="http://schemas.microsoft.com/office/mac/drawingml/2011/main" val="1"/>
+                <ma14:wrappingTextBoxFlag xmlns:ma14="http://schemas.microsoft.com/office/mac/drawingml/2011/main" xmlns="" val="1"/>
               </a:ext>
             </a:extLst>
           </p:spPr>
@@ -12935,7 +12221,7 @@
             <a:effectLst/>
             <a:extLst>
               <a:ext uri="{C572A759-6A51-4108-AA02-DFA0A04FC94B}">
-                <ma14:wrappingTextBoxFlag xmlns="" xmlns:ma14="http://schemas.microsoft.com/office/mac/drawingml/2011/main" val="1"/>
+                <ma14:wrappingTextBoxFlag xmlns:ma14="http://schemas.microsoft.com/office/mac/drawingml/2011/main" xmlns="" val="1"/>
               </a:ext>
             </a:extLst>
           </p:spPr>
@@ -13097,7 +12383,7 @@
             <a:effectLst/>
             <a:extLst>
               <a:ext uri="{C572A759-6A51-4108-AA02-DFA0A04FC94B}">
-                <ma14:wrappingTextBoxFlag xmlns="" xmlns:ma14="http://schemas.microsoft.com/office/mac/drawingml/2011/main" val="1"/>
+                <ma14:wrappingTextBoxFlag xmlns:ma14="http://schemas.microsoft.com/office/mac/drawingml/2011/main" xmlns="" val="1"/>
               </a:ext>
             </a:extLst>
           </p:spPr>
@@ -13259,7 +12545,7 @@
             <a:effectLst/>
             <a:extLst>
               <a:ext uri="{C572A759-6A51-4108-AA02-DFA0A04FC94B}">
-                <ma14:wrappingTextBoxFlag xmlns="" xmlns:ma14="http://schemas.microsoft.com/office/mac/drawingml/2011/main" val="1"/>
+                <ma14:wrappingTextBoxFlag xmlns:ma14="http://schemas.microsoft.com/office/mac/drawingml/2011/main" xmlns="" val="1"/>
               </a:ext>
             </a:extLst>
           </p:spPr>
@@ -13421,7 +12707,7 @@
             <a:effectLst/>
             <a:extLst>
               <a:ext uri="{C572A759-6A51-4108-AA02-DFA0A04FC94B}">
-                <ma14:wrappingTextBoxFlag xmlns="" xmlns:ma14="http://schemas.microsoft.com/office/mac/drawingml/2011/main" val="1"/>
+                <ma14:wrappingTextBoxFlag xmlns:ma14="http://schemas.microsoft.com/office/mac/drawingml/2011/main" xmlns="" val="1"/>
               </a:ext>
             </a:extLst>
           </p:spPr>
@@ -13583,7 +12869,7 @@
             <a:effectLst/>
             <a:extLst>
               <a:ext uri="{C572A759-6A51-4108-AA02-DFA0A04FC94B}">
-                <ma14:wrappingTextBoxFlag xmlns="" xmlns:ma14="http://schemas.microsoft.com/office/mac/drawingml/2011/main" val="1"/>
+                <ma14:wrappingTextBoxFlag xmlns:ma14="http://schemas.microsoft.com/office/mac/drawingml/2011/main" xmlns="" val="1"/>
               </a:ext>
             </a:extLst>
           </p:spPr>
@@ -13745,7 +13031,7 @@
             <a:effectLst/>
             <a:extLst>
               <a:ext uri="{C572A759-6A51-4108-AA02-DFA0A04FC94B}">
-                <ma14:wrappingTextBoxFlag xmlns="" xmlns:ma14="http://schemas.microsoft.com/office/mac/drawingml/2011/main" val="1"/>
+                <ma14:wrappingTextBoxFlag xmlns:ma14="http://schemas.microsoft.com/office/mac/drawingml/2011/main" xmlns="" val="1"/>
               </a:ext>
             </a:extLst>
           </p:spPr>
@@ -13907,7 +13193,7 @@
             <a:effectLst/>
             <a:extLst>
               <a:ext uri="{C572A759-6A51-4108-AA02-DFA0A04FC94B}">
-                <ma14:wrappingTextBoxFlag xmlns="" xmlns:ma14="http://schemas.microsoft.com/office/mac/drawingml/2011/main" val="1"/>
+                <ma14:wrappingTextBoxFlag xmlns:ma14="http://schemas.microsoft.com/office/mac/drawingml/2011/main" xmlns="" val="1"/>
               </a:ext>
             </a:extLst>
           </p:spPr>
@@ -14069,7 +13355,7 @@
             <a:effectLst/>
             <a:extLst>
               <a:ext uri="{C572A759-6A51-4108-AA02-DFA0A04FC94B}">
-                <ma14:wrappingTextBoxFlag xmlns="" xmlns:ma14="http://schemas.microsoft.com/office/mac/drawingml/2011/main" val="1"/>
+                <ma14:wrappingTextBoxFlag xmlns:ma14="http://schemas.microsoft.com/office/mac/drawingml/2011/main" xmlns="" val="1"/>
               </a:ext>
             </a:extLst>
           </p:spPr>
@@ -14231,7 +13517,7 @@
             <a:effectLst/>
             <a:extLst>
               <a:ext uri="{C572A759-6A51-4108-AA02-DFA0A04FC94B}">
-                <ma14:wrappingTextBoxFlag xmlns="" xmlns:ma14="http://schemas.microsoft.com/office/mac/drawingml/2011/main" val="1"/>
+                <ma14:wrappingTextBoxFlag xmlns:ma14="http://schemas.microsoft.com/office/mac/drawingml/2011/main" xmlns="" val="1"/>
               </a:ext>
             </a:extLst>
           </p:spPr>
@@ -14393,7 +13679,7 @@
             <a:effectLst/>
             <a:extLst>
               <a:ext uri="{C572A759-6A51-4108-AA02-DFA0A04FC94B}">
-                <ma14:wrappingTextBoxFlag xmlns="" xmlns:ma14="http://schemas.microsoft.com/office/mac/drawingml/2011/main" val="1"/>
+                <ma14:wrappingTextBoxFlag xmlns:ma14="http://schemas.microsoft.com/office/mac/drawingml/2011/main" xmlns="" val="1"/>
               </a:ext>
             </a:extLst>
           </p:spPr>
@@ -14555,7 +13841,7 @@
             <a:effectLst/>
             <a:extLst>
               <a:ext uri="{C572A759-6A51-4108-AA02-DFA0A04FC94B}">
-                <ma14:wrappingTextBoxFlag xmlns="" xmlns:ma14="http://schemas.microsoft.com/office/mac/drawingml/2011/main" val="1"/>
+                <ma14:wrappingTextBoxFlag xmlns:ma14="http://schemas.microsoft.com/office/mac/drawingml/2011/main" xmlns="" val="1"/>
               </a:ext>
             </a:extLst>
           </p:spPr>
@@ -14717,7 +14003,7 @@
             <a:effectLst/>
             <a:extLst>
               <a:ext uri="{C572A759-6A51-4108-AA02-DFA0A04FC94B}">
-                <ma14:wrappingTextBoxFlag xmlns="" xmlns:ma14="http://schemas.microsoft.com/office/mac/drawingml/2011/main" val="1"/>
+                <ma14:wrappingTextBoxFlag xmlns:ma14="http://schemas.microsoft.com/office/mac/drawingml/2011/main" xmlns="" val="1"/>
               </a:ext>
             </a:extLst>
           </p:spPr>
@@ -14839,7 +14125,7 @@
           </a:ln>
           <a:extLst>
             <a:ext uri="{C572A759-6A51-4108-AA02-DFA0A04FC94B}">
-              <ma14:wrappingTextBoxFlag xmlns="" xmlns:ma14="http://schemas.microsoft.com/office/mac/drawingml/2011/main" val="1"/>
+              <ma14:wrappingTextBoxFlag xmlns:ma14="http://schemas.microsoft.com/office/mac/drawingml/2011/main" xmlns="" val="1"/>
             </a:ext>
           </a:extLst>
         </p:spPr>
@@ -14887,7 +14173,7 @@
           </a:ln>
           <a:extLst>
             <a:ext uri="{C572A759-6A51-4108-AA02-DFA0A04FC94B}">
-              <ma14:wrappingTextBoxFlag xmlns="" xmlns:ma14="http://schemas.microsoft.com/office/mac/drawingml/2011/main" val="1"/>
+              <ma14:wrappingTextBoxFlag xmlns:ma14="http://schemas.microsoft.com/office/mac/drawingml/2011/main" xmlns="" val="1"/>
             </a:ext>
           </a:extLst>
         </p:spPr>
@@ -15222,7 +14508,7 @@
               <a:effectLst/>
               <a:extLst>
                 <a:ext uri="{C572A759-6A51-4108-AA02-DFA0A04FC94B}">
-                  <ma14:wrappingTextBoxFlag xmlns="" xmlns:ma14="http://schemas.microsoft.com/office/mac/drawingml/2011/main" val="1"/>
+                  <ma14:wrappingTextBoxFlag xmlns:ma14="http://schemas.microsoft.com/office/mac/drawingml/2011/main" xmlns="" val="1"/>
                 </a:ext>
               </a:extLst>
             </p:spPr>

--- a/powerpoint/templates/VirtualPrivateCloudEditablePPT.pptx
+++ b/powerpoint/templates/VirtualPrivateCloudEditablePPT.pptx
@@ -3730,7 +3730,7 @@
                   <a:srgbClr val="000000"/>
                 </a:solidFill>
               </a:rPr>
-              <a:t>September 7</a:t>
+              <a:t>September 10</a:t>
             </a:r>
             <a:r>
               <a:rPr lang="en-US" sz="1200" b="1" baseline="30000" dirty="0">
@@ -7677,574 +7677,370 @@
             </p:spPr>
           </p:pic>
         </p:grpSp>
-        <p:grpSp>
-          <p:nvGrpSpPr>
-            <p:cNvPr id="193" name="Group 192">
+        <p:sp>
+          <p:nvSpPr>
+            <p:cNvPr id="203" name="Shape 252">
               <a:extLst>
                 <a:ext uri="{FF2B5EF4-FFF2-40B4-BE49-F238E27FC236}">
-                  <a16:creationId xmlns:a16="http://schemas.microsoft.com/office/drawing/2014/main" id="{5BC2C5BC-E706-AF43-A9A3-BF59C87FEC91}"/>
+                  <a16:creationId xmlns:a16="http://schemas.microsoft.com/office/drawing/2014/main" id="{51EE6EC0-BDCE-8249-B236-60752E71DC29}"/>
                 </a:ext>
               </a:extLst>
             </p:cNvPr>
-            <p:cNvGrpSpPr/>
+            <p:cNvSpPr/>
             <p:nvPr/>
-          </p:nvGrpSpPr>
-          <p:grpSpPr>
+          </p:nvSpPr>
+          <p:spPr>
             <a:xfrm>
-              <a:off x="5006438" y="3441282"/>
+              <a:off x="5006438" y="3441283"/>
               <a:ext cx="620012" cy="543805"/>
-              <a:chOff x="535862" y="2000065"/>
-              <a:chExt cx="770318" cy="688820"/>
             </a:xfrm>
-          </p:grpSpPr>
-          <p:sp>
-            <p:nvSpPr>
-              <p:cNvPr id="203" name="Shape 252">
-                <a:extLst>
-                  <a:ext uri="{FF2B5EF4-FFF2-40B4-BE49-F238E27FC236}">
-                    <a16:creationId xmlns:a16="http://schemas.microsoft.com/office/drawing/2014/main" id="{51EE6EC0-BDCE-8249-B236-60752E71DC29}"/>
-                  </a:ext>
-                </a:extLst>
-              </p:cNvPr>
-              <p:cNvSpPr/>
-              <p:nvPr/>
-            </p:nvSpPr>
-            <p:spPr>
-              <a:xfrm>
-                <a:off x="535862" y="2000065"/>
-                <a:ext cx="770318" cy="688820"/>
-              </a:xfrm>
-              <a:custGeom>
-                <a:avLst/>
-                <a:gdLst/>
-                <a:ahLst/>
-                <a:cxnLst>
-                  <a:cxn ang="0">
-                    <a:pos x="wd2" y="hd2"/>
-                  </a:cxn>
-                  <a:cxn ang="5400000">
-                    <a:pos x="wd2" y="hd2"/>
-                  </a:cxn>
-                  <a:cxn ang="10800000">
-                    <a:pos x="wd2" y="hd2"/>
-                  </a:cxn>
-                  <a:cxn ang="16200000">
-                    <a:pos x="wd2" y="hd2"/>
-                  </a:cxn>
-                </a:cxnLst>
-                <a:rect l="0" t="0" r="r" b="b"/>
-                <a:pathLst>
-                  <a:path w="19679" h="19679" extrusionOk="0">
-                    <a:moveTo>
-                      <a:pt x="16796" y="2882"/>
-                    </a:moveTo>
-                    <a:cubicBezTo>
-                      <a:pt x="20639" y="6724"/>
-                      <a:pt x="20639" y="12954"/>
-                      <a:pt x="16796" y="16796"/>
-                    </a:cubicBezTo>
-                    <a:cubicBezTo>
-                      <a:pt x="12954" y="20639"/>
-                      <a:pt x="6724" y="20639"/>
-                      <a:pt x="2882" y="16796"/>
-                    </a:cubicBezTo>
-                    <a:cubicBezTo>
-                      <a:pt x="-961" y="12954"/>
-                      <a:pt x="-961" y="6724"/>
-                      <a:pt x="2882" y="2882"/>
-                    </a:cubicBezTo>
-                    <a:cubicBezTo>
-                      <a:pt x="6724" y="-961"/>
-                      <a:pt x="12954" y="-961"/>
-                      <a:pt x="16796" y="2882"/>
-                    </a:cubicBezTo>
-                    <a:close/>
-                  </a:path>
-                </a:pathLst>
-              </a:custGeom>
-              <a:solidFill>
-                <a:srgbClr val="8DC53F"/>
-              </a:solidFill>
-              <a:ln w="3175" cap="flat">
-                <a:noFill/>
-                <a:miter lim="400000"/>
-              </a:ln>
-              <a:effectLst/>
-            </p:spPr>
-            <p:txBody>
-              <a:bodyPr wrap="square" lIns="0" tIns="0" rIns="0" bIns="0" numCol="1" anchor="ctr">
-                <a:noAutofit/>
-              </a:bodyPr>
-              <a:lstStyle/>
-              <a:p>
-                <a:pPr lvl="0">
-                  <a:defRPr sz="1800">
-                    <a:solidFill>
-                      <a:srgbClr val="FFFFFF"/>
-                    </a:solidFill>
-                  </a:defRPr>
-                </a:pPr>
-                <a:endParaRPr/>
-              </a:p>
-            </p:txBody>
-          </p:sp>
-          <p:pic>
-            <p:nvPicPr>
-              <p:cNvPr id="204" name="Picture 203">
-                <a:extLst>
-                  <a:ext uri="{FF2B5EF4-FFF2-40B4-BE49-F238E27FC236}">
-                    <a16:creationId xmlns:a16="http://schemas.microsoft.com/office/drawing/2014/main" id="{E950FF29-BAD7-5749-BCAE-4BC7AD0F0D26}"/>
-                  </a:ext>
-                </a:extLst>
-              </p:cNvPr>
-              <p:cNvPicPr>
-                <a:picLocks noChangeAspect="1"/>
-              </p:cNvPicPr>
-              <p:nvPr/>
-            </p:nvPicPr>
-            <p:blipFill>
-              <a:blip r:embed="rId12"/>
-              <a:stretch>
-                <a:fillRect/>
-              </a:stretch>
-            </p:blipFill>
-            <p:spPr>
-              <a:xfrm>
-                <a:off x="658344" y="2048602"/>
-                <a:ext cx="538841" cy="538840"/>
-              </a:xfrm>
-              <a:prstGeom prst="rect">
-                <a:avLst/>
-              </a:prstGeom>
-            </p:spPr>
-          </p:pic>
-        </p:grpSp>
-        <p:grpSp>
-          <p:nvGrpSpPr>
-            <p:cNvPr id="194" name="Group 193">
+            <a:custGeom>
+              <a:avLst/>
+              <a:gdLst/>
+              <a:ahLst/>
+              <a:cxnLst>
+                <a:cxn ang="0">
+                  <a:pos x="wd2" y="hd2"/>
+                </a:cxn>
+                <a:cxn ang="5400000">
+                  <a:pos x="wd2" y="hd2"/>
+                </a:cxn>
+                <a:cxn ang="10800000">
+                  <a:pos x="wd2" y="hd2"/>
+                </a:cxn>
+                <a:cxn ang="16200000">
+                  <a:pos x="wd2" y="hd2"/>
+                </a:cxn>
+              </a:cxnLst>
+              <a:rect l="0" t="0" r="r" b="b"/>
+              <a:pathLst>
+                <a:path w="19679" h="19679" extrusionOk="0">
+                  <a:moveTo>
+                    <a:pt x="16796" y="2882"/>
+                  </a:moveTo>
+                  <a:cubicBezTo>
+                    <a:pt x="20639" y="6724"/>
+                    <a:pt x="20639" y="12954"/>
+                    <a:pt x="16796" y="16796"/>
+                  </a:cubicBezTo>
+                  <a:cubicBezTo>
+                    <a:pt x="12954" y="20639"/>
+                    <a:pt x="6724" y="20639"/>
+                    <a:pt x="2882" y="16796"/>
+                  </a:cubicBezTo>
+                  <a:cubicBezTo>
+                    <a:pt x="-961" y="12954"/>
+                    <a:pt x="-961" y="6724"/>
+                    <a:pt x="2882" y="2882"/>
+                  </a:cubicBezTo>
+                  <a:cubicBezTo>
+                    <a:pt x="6724" y="-961"/>
+                    <a:pt x="12954" y="-961"/>
+                    <a:pt x="16796" y="2882"/>
+                  </a:cubicBezTo>
+                  <a:close/>
+                </a:path>
+              </a:pathLst>
+            </a:custGeom>
+            <a:solidFill>
+              <a:srgbClr val="8DC53F"/>
+            </a:solidFill>
+            <a:ln w="3175" cap="flat">
+              <a:noFill/>
+              <a:miter lim="400000"/>
+            </a:ln>
+            <a:effectLst/>
+          </p:spPr>
+          <p:txBody>
+            <a:bodyPr wrap="square" lIns="0" tIns="0" rIns="0" bIns="0" numCol="1" anchor="ctr">
+              <a:noAutofit/>
+            </a:bodyPr>
+            <a:lstStyle/>
+            <a:p>
+              <a:pPr lvl="0">
+                <a:defRPr sz="1800">
+                  <a:solidFill>
+                    <a:srgbClr val="FFFFFF"/>
+                  </a:solidFill>
+                </a:defRPr>
+              </a:pPr>
+              <a:endParaRPr/>
+            </a:p>
+          </p:txBody>
+        </p:sp>
+        <p:sp>
+          <p:nvSpPr>
+            <p:cNvPr id="201" name="Shape 252">
               <a:extLst>
                 <a:ext uri="{FF2B5EF4-FFF2-40B4-BE49-F238E27FC236}">
-                  <a16:creationId xmlns:a16="http://schemas.microsoft.com/office/drawing/2014/main" id="{0AD42B79-E013-F149-B7BF-E03B0F25BA4E}"/>
+                  <a16:creationId xmlns:a16="http://schemas.microsoft.com/office/drawing/2014/main" id="{9F893F15-BFC8-734E-89D3-325A13BDDD8B}"/>
                 </a:ext>
               </a:extLst>
             </p:cNvPr>
-            <p:cNvGrpSpPr/>
+            <p:cNvSpPr/>
             <p:nvPr/>
-          </p:nvGrpSpPr>
-          <p:grpSpPr>
+          </p:nvSpPr>
+          <p:spPr>
             <a:xfrm>
-              <a:off x="4228134" y="3447743"/>
+              <a:off x="4228134" y="3447744"/>
               <a:ext cx="620013" cy="548640"/>
-              <a:chOff x="435221" y="2037197"/>
-              <a:chExt cx="770319" cy="694944"/>
             </a:xfrm>
-          </p:grpSpPr>
-          <p:sp>
-            <p:nvSpPr>
-              <p:cNvPr id="201" name="Shape 252">
-                <a:extLst>
-                  <a:ext uri="{FF2B5EF4-FFF2-40B4-BE49-F238E27FC236}">
-                    <a16:creationId xmlns:a16="http://schemas.microsoft.com/office/drawing/2014/main" id="{9F893F15-BFC8-734E-89D3-325A13BDDD8B}"/>
-                  </a:ext>
-                </a:extLst>
-              </p:cNvPr>
-              <p:cNvSpPr/>
-              <p:nvPr/>
-            </p:nvSpPr>
-            <p:spPr>
-              <a:xfrm>
-                <a:off x="435221" y="2037197"/>
-                <a:ext cx="770319" cy="694944"/>
-              </a:xfrm>
-              <a:custGeom>
-                <a:avLst/>
-                <a:gdLst/>
-                <a:ahLst/>
-                <a:cxnLst>
-                  <a:cxn ang="0">
-                    <a:pos x="wd2" y="hd2"/>
-                  </a:cxn>
-                  <a:cxn ang="5400000">
-                    <a:pos x="wd2" y="hd2"/>
-                  </a:cxn>
-                  <a:cxn ang="10800000">
-                    <a:pos x="wd2" y="hd2"/>
-                  </a:cxn>
-                  <a:cxn ang="16200000">
-                    <a:pos x="wd2" y="hd2"/>
-                  </a:cxn>
-                </a:cxnLst>
-                <a:rect l="0" t="0" r="r" b="b"/>
-                <a:pathLst>
-                  <a:path w="19679" h="19679" extrusionOk="0">
-                    <a:moveTo>
-                      <a:pt x="16796" y="2882"/>
-                    </a:moveTo>
-                    <a:cubicBezTo>
-                      <a:pt x="20639" y="6724"/>
-                      <a:pt x="20639" y="12954"/>
-                      <a:pt x="16796" y="16796"/>
-                    </a:cubicBezTo>
-                    <a:cubicBezTo>
-                      <a:pt x="12954" y="20639"/>
-                      <a:pt x="6724" y="20639"/>
-                      <a:pt x="2882" y="16796"/>
-                    </a:cubicBezTo>
-                    <a:cubicBezTo>
-                      <a:pt x="-961" y="12954"/>
-                      <a:pt x="-961" y="6724"/>
-                      <a:pt x="2882" y="2882"/>
-                    </a:cubicBezTo>
-                    <a:cubicBezTo>
-                      <a:pt x="6724" y="-961"/>
-                      <a:pt x="12954" y="-961"/>
-                      <a:pt x="16796" y="2882"/>
-                    </a:cubicBezTo>
-                    <a:close/>
-                  </a:path>
-                </a:pathLst>
-              </a:custGeom>
-              <a:solidFill>
-                <a:srgbClr val="8DC53F"/>
-              </a:solidFill>
-              <a:ln w="3175" cap="flat">
-                <a:noFill/>
-                <a:miter lim="400000"/>
-              </a:ln>
-              <a:effectLst/>
-            </p:spPr>
-            <p:txBody>
-              <a:bodyPr wrap="square" lIns="0" tIns="0" rIns="0" bIns="0" numCol="1" anchor="ctr">
-                <a:noAutofit/>
-              </a:bodyPr>
-              <a:lstStyle/>
-              <a:p>
-                <a:pPr lvl="0">
-                  <a:defRPr sz="1800">
-                    <a:solidFill>
-                      <a:srgbClr val="FFFFFF"/>
-                    </a:solidFill>
-                  </a:defRPr>
-                </a:pPr>
-                <a:endParaRPr/>
-              </a:p>
-            </p:txBody>
-          </p:sp>
-          <p:pic>
-            <p:nvPicPr>
-              <p:cNvPr id="202" name="Picture 201">
-                <a:extLst>
-                  <a:ext uri="{FF2B5EF4-FFF2-40B4-BE49-F238E27FC236}">
-                    <a16:creationId xmlns:a16="http://schemas.microsoft.com/office/drawing/2014/main" id="{348B7525-69CA-9048-A2A7-6C1F2FE3FA15}"/>
-                  </a:ext>
-                </a:extLst>
-              </p:cNvPr>
-              <p:cNvPicPr>
-                <a:picLocks noChangeAspect="1"/>
-              </p:cNvPicPr>
-              <p:nvPr/>
-            </p:nvPicPr>
-            <p:blipFill>
-              <a:blip r:embed="rId12"/>
-              <a:stretch>
-                <a:fillRect/>
-              </a:stretch>
-            </p:blipFill>
-            <p:spPr>
-              <a:xfrm>
-                <a:off x="555813" y="2076372"/>
-                <a:ext cx="540022" cy="540018"/>
-              </a:xfrm>
-              <a:prstGeom prst="rect">
-                <a:avLst/>
-              </a:prstGeom>
-            </p:spPr>
-          </p:pic>
-        </p:grpSp>
-        <p:grpSp>
-          <p:nvGrpSpPr>
-            <p:cNvPr id="195" name="Group 194">
+            <a:custGeom>
+              <a:avLst/>
+              <a:gdLst/>
+              <a:ahLst/>
+              <a:cxnLst>
+                <a:cxn ang="0">
+                  <a:pos x="wd2" y="hd2"/>
+                </a:cxn>
+                <a:cxn ang="5400000">
+                  <a:pos x="wd2" y="hd2"/>
+                </a:cxn>
+                <a:cxn ang="10800000">
+                  <a:pos x="wd2" y="hd2"/>
+                </a:cxn>
+                <a:cxn ang="16200000">
+                  <a:pos x="wd2" y="hd2"/>
+                </a:cxn>
+              </a:cxnLst>
+              <a:rect l="0" t="0" r="r" b="b"/>
+              <a:pathLst>
+                <a:path w="19679" h="19679" extrusionOk="0">
+                  <a:moveTo>
+                    <a:pt x="16796" y="2882"/>
+                  </a:moveTo>
+                  <a:cubicBezTo>
+                    <a:pt x="20639" y="6724"/>
+                    <a:pt x="20639" y="12954"/>
+                    <a:pt x="16796" y="16796"/>
+                  </a:cubicBezTo>
+                  <a:cubicBezTo>
+                    <a:pt x="12954" y="20639"/>
+                    <a:pt x="6724" y="20639"/>
+                    <a:pt x="2882" y="16796"/>
+                  </a:cubicBezTo>
+                  <a:cubicBezTo>
+                    <a:pt x="-961" y="12954"/>
+                    <a:pt x="-961" y="6724"/>
+                    <a:pt x="2882" y="2882"/>
+                  </a:cubicBezTo>
+                  <a:cubicBezTo>
+                    <a:pt x="6724" y="-961"/>
+                    <a:pt x="12954" y="-961"/>
+                    <a:pt x="16796" y="2882"/>
+                  </a:cubicBezTo>
+                  <a:close/>
+                </a:path>
+              </a:pathLst>
+            </a:custGeom>
+            <a:solidFill>
+              <a:srgbClr val="8DC53F"/>
+            </a:solidFill>
+            <a:ln w="3175" cap="flat">
+              <a:noFill/>
+              <a:miter lim="400000"/>
+            </a:ln>
+            <a:effectLst/>
+          </p:spPr>
+          <p:txBody>
+            <a:bodyPr wrap="square" lIns="0" tIns="0" rIns="0" bIns="0" numCol="1" anchor="ctr">
+              <a:noAutofit/>
+            </a:bodyPr>
+            <a:lstStyle/>
+            <a:p>
+              <a:pPr lvl="0">
+                <a:defRPr sz="1800">
+                  <a:solidFill>
+                    <a:srgbClr val="FFFFFF"/>
+                  </a:solidFill>
+                </a:defRPr>
+              </a:pPr>
+              <a:endParaRPr/>
+            </a:p>
+          </p:txBody>
+        </p:sp>
+        <p:sp>
+          <p:nvSpPr>
+            <p:cNvPr id="199" name="Shape 252">
               <a:extLst>
                 <a:ext uri="{FF2B5EF4-FFF2-40B4-BE49-F238E27FC236}">
-                  <a16:creationId xmlns:a16="http://schemas.microsoft.com/office/drawing/2014/main" id="{1CBCEA44-38FF-5E48-B9A1-E6E7C61BBDB2}"/>
+                  <a16:creationId xmlns:a16="http://schemas.microsoft.com/office/drawing/2014/main" id="{95565842-93AD-CC44-8383-974702C060EA}"/>
                 </a:ext>
               </a:extLst>
             </p:cNvPr>
-            <p:cNvGrpSpPr/>
+            <p:cNvSpPr/>
             <p:nvPr/>
-          </p:nvGrpSpPr>
-          <p:grpSpPr>
+          </p:nvSpPr>
+          <p:spPr>
             <a:xfrm>
               <a:off x="1894542" y="3460780"/>
               <a:ext cx="620012" cy="543805"/>
-              <a:chOff x="597584" y="2012118"/>
-              <a:chExt cx="770319" cy="688820"/>
             </a:xfrm>
-          </p:grpSpPr>
-          <p:sp>
-            <p:nvSpPr>
-              <p:cNvPr id="199" name="Shape 252">
-                <a:extLst>
-                  <a:ext uri="{FF2B5EF4-FFF2-40B4-BE49-F238E27FC236}">
-                    <a16:creationId xmlns:a16="http://schemas.microsoft.com/office/drawing/2014/main" id="{95565842-93AD-CC44-8383-974702C060EA}"/>
-                  </a:ext>
-                </a:extLst>
-              </p:cNvPr>
-              <p:cNvSpPr/>
-              <p:nvPr/>
-            </p:nvSpPr>
-            <p:spPr>
-              <a:xfrm>
-                <a:off x="597584" y="2012118"/>
-                <a:ext cx="770319" cy="688820"/>
-              </a:xfrm>
-              <a:custGeom>
-                <a:avLst/>
-                <a:gdLst/>
-                <a:ahLst/>
-                <a:cxnLst>
-                  <a:cxn ang="0">
-                    <a:pos x="wd2" y="hd2"/>
-                  </a:cxn>
-                  <a:cxn ang="5400000">
-                    <a:pos x="wd2" y="hd2"/>
-                  </a:cxn>
-                  <a:cxn ang="10800000">
-                    <a:pos x="wd2" y="hd2"/>
-                  </a:cxn>
-                  <a:cxn ang="16200000">
-                    <a:pos x="wd2" y="hd2"/>
-                  </a:cxn>
-                </a:cxnLst>
-                <a:rect l="0" t="0" r="r" b="b"/>
-                <a:pathLst>
-                  <a:path w="19679" h="19679" extrusionOk="0">
-                    <a:moveTo>
-                      <a:pt x="16796" y="2882"/>
-                    </a:moveTo>
-                    <a:cubicBezTo>
-                      <a:pt x="20639" y="6724"/>
-                      <a:pt x="20639" y="12954"/>
-                      <a:pt x="16796" y="16796"/>
-                    </a:cubicBezTo>
-                    <a:cubicBezTo>
-                      <a:pt x="12954" y="20639"/>
-                      <a:pt x="6724" y="20639"/>
-                      <a:pt x="2882" y="16796"/>
-                    </a:cubicBezTo>
-                    <a:cubicBezTo>
-                      <a:pt x="-961" y="12954"/>
-                      <a:pt x="-961" y="6724"/>
-                      <a:pt x="2882" y="2882"/>
-                    </a:cubicBezTo>
-                    <a:cubicBezTo>
-                      <a:pt x="6724" y="-961"/>
-                      <a:pt x="12954" y="-961"/>
-                      <a:pt x="16796" y="2882"/>
-                    </a:cubicBezTo>
-                    <a:close/>
-                  </a:path>
-                </a:pathLst>
-              </a:custGeom>
-              <a:solidFill>
-                <a:srgbClr val="8DC53F"/>
-              </a:solidFill>
-              <a:ln w="3175" cap="flat">
-                <a:noFill/>
-                <a:miter lim="400000"/>
-              </a:ln>
-              <a:effectLst/>
-            </p:spPr>
-            <p:txBody>
-              <a:bodyPr wrap="square" lIns="0" tIns="0" rIns="0" bIns="0" numCol="1" anchor="ctr">
-                <a:noAutofit/>
-              </a:bodyPr>
-              <a:lstStyle/>
-              <a:p>
-                <a:pPr lvl="0">
-                  <a:defRPr sz="1800">
-                    <a:solidFill>
-                      <a:srgbClr val="FFFFFF"/>
-                    </a:solidFill>
-                  </a:defRPr>
-                </a:pPr>
-                <a:endParaRPr/>
-              </a:p>
-            </p:txBody>
-          </p:sp>
-          <p:pic>
-            <p:nvPicPr>
-              <p:cNvPr id="200" name="Picture 199">
-                <a:extLst>
-                  <a:ext uri="{FF2B5EF4-FFF2-40B4-BE49-F238E27FC236}">
-                    <a16:creationId xmlns:a16="http://schemas.microsoft.com/office/drawing/2014/main" id="{8C0770CF-0E7B-6642-9831-F75B7D035987}"/>
-                  </a:ext>
-                </a:extLst>
-              </p:cNvPr>
-              <p:cNvPicPr>
-                <a:picLocks noChangeAspect="1"/>
-              </p:cNvPicPr>
-              <p:nvPr/>
-            </p:nvPicPr>
-            <p:blipFill>
-              <a:blip r:embed="rId12"/>
-              <a:stretch>
-                <a:fillRect/>
-              </a:stretch>
-            </p:blipFill>
-            <p:spPr>
-              <a:xfrm>
-                <a:off x="730071" y="2077868"/>
-                <a:ext cx="527382" cy="527384"/>
-              </a:xfrm>
-              <a:prstGeom prst="rect">
-                <a:avLst/>
-              </a:prstGeom>
-            </p:spPr>
-          </p:pic>
-        </p:grpSp>
-        <p:grpSp>
-          <p:nvGrpSpPr>
-            <p:cNvPr id="196" name="Group 195">
+            <a:custGeom>
+              <a:avLst/>
+              <a:gdLst/>
+              <a:ahLst/>
+              <a:cxnLst>
+                <a:cxn ang="0">
+                  <a:pos x="wd2" y="hd2"/>
+                </a:cxn>
+                <a:cxn ang="5400000">
+                  <a:pos x="wd2" y="hd2"/>
+                </a:cxn>
+                <a:cxn ang="10800000">
+                  <a:pos x="wd2" y="hd2"/>
+                </a:cxn>
+                <a:cxn ang="16200000">
+                  <a:pos x="wd2" y="hd2"/>
+                </a:cxn>
+              </a:cxnLst>
+              <a:rect l="0" t="0" r="r" b="b"/>
+              <a:pathLst>
+                <a:path w="19679" h="19679" extrusionOk="0">
+                  <a:moveTo>
+                    <a:pt x="16796" y="2882"/>
+                  </a:moveTo>
+                  <a:cubicBezTo>
+                    <a:pt x="20639" y="6724"/>
+                    <a:pt x="20639" y="12954"/>
+                    <a:pt x="16796" y="16796"/>
+                  </a:cubicBezTo>
+                  <a:cubicBezTo>
+                    <a:pt x="12954" y="20639"/>
+                    <a:pt x="6724" y="20639"/>
+                    <a:pt x="2882" y="16796"/>
+                  </a:cubicBezTo>
+                  <a:cubicBezTo>
+                    <a:pt x="-961" y="12954"/>
+                    <a:pt x="-961" y="6724"/>
+                    <a:pt x="2882" y="2882"/>
+                  </a:cubicBezTo>
+                  <a:cubicBezTo>
+                    <a:pt x="6724" y="-961"/>
+                    <a:pt x="12954" y="-961"/>
+                    <a:pt x="16796" y="2882"/>
+                  </a:cubicBezTo>
+                  <a:close/>
+                </a:path>
+              </a:pathLst>
+            </a:custGeom>
+            <a:solidFill>
+              <a:srgbClr val="8DC53F"/>
+            </a:solidFill>
+            <a:ln w="3175" cap="flat">
+              <a:noFill/>
+              <a:miter lim="400000"/>
+            </a:ln>
+            <a:effectLst/>
+          </p:spPr>
+          <p:txBody>
+            <a:bodyPr wrap="square" lIns="0" tIns="0" rIns="0" bIns="0" numCol="1" anchor="ctr">
+              <a:noAutofit/>
+            </a:bodyPr>
+            <a:lstStyle/>
+            <a:p>
+              <a:pPr lvl="0">
+                <a:defRPr sz="1800">
+                  <a:solidFill>
+                    <a:srgbClr val="FFFFFF"/>
+                  </a:solidFill>
+                </a:defRPr>
+              </a:pPr>
+              <a:endParaRPr/>
+            </a:p>
+          </p:txBody>
+        </p:sp>
+        <p:sp>
+          <p:nvSpPr>
+            <p:cNvPr id="197" name="Shape 252">
               <a:extLst>
                 <a:ext uri="{FF2B5EF4-FFF2-40B4-BE49-F238E27FC236}">
-                  <a16:creationId xmlns:a16="http://schemas.microsoft.com/office/drawing/2014/main" id="{1FA7DBEC-93D4-604E-A41C-F46E42C8B490}"/>
+                  <a16:creationId xmlns:a16="http://schemas.microsoft.com/office/drawing/2014/main" id="{71B8CF2C-C2EC-1742-935A-75F6DBF7EA21}"/>
                 </a:ext>
               </a:extLst>
             </p:cNvPr>
-            <p:cNvGrpSpPr/>
+            <p:cNvSpPr/>
             <p:nvPr/>
-          </p:nvGrpSpPr>
-          <p:grpSpPr>
+          </p:nvSpPr>
+          <p:spPr>
             <a:xfrm>
-              <a:off x="1141999" y="3447743"/>
+              <a:off x="1141999" y="3447744"/>
               <a:ext cx="620013" cy="543805"/>
-              <a:chOff x="559494" y="2005665"/>
-              <a:chExt cx="770319" cy="688820"/>
             </a:xfrm>
-          </p:grpSpPr>
-          <p:sp>
-            <p:nvSpPr>
-              <p:cNvPr id="197" name="Shape 252">
-                <a:extLst>
-                  <a:ext uri="{FF2B5EF4-FFF2-40B4-BE49-F238E27FC236}">
-                    <a16:creationId xmlns:a16="http://schemas.microsoft.com/office/drawing/2014/main" id="{71B8CF2C-C2EC-1742-935A-75F6DBF7EA21}"/>
-                  </a:ext>
-                </a:extLst>
-              </p:cNvPr>
-              <p:cNvSpPr/>
-              <p:nvPr/>
-            </p:nvSpPr>
-            <p:spPr>
-              <a:xfrm>
-                <a:off x="559494" y="2005665"/>
-                <a:ext cx="770319" cy="688820"/>
-              </a:xfrm>
-              <a:custGeom>
-                <a:avLst/>
-                <a:gdLst/>
-                <a:ahLst/>
-                <a:cxnLst>
-                  <a:cxn ang="0">
-                    <a:pos x="wd2" y="hd2"/>
-                  </a:cxn>
-                  <a:cxn ang="5400000">
-                    <a:pos x="wd2" y="hd2"/>
-                  </a:cxn>
-                  <a:cxn ang="10800000">
-                    <a:pos x="wd2" y="hd2"/>
-                  </a:cxn>
-                  <a:cxn ang="16200000">
-                    <a:pos x="wd2" y="hd2"/>
-                  </a:cxn>
-                </a:cxnLst>
-                <a:rect l="0" t="0" r="r" b="b"/>
-                <a:pathLst>
-                  <a:path w="19679" h="19679" extrusionOk="0">
-                    <a:moveTo>
-                      <a:pt x="16796" y="2882"/>
-                    </a:moveTo>
-                    <a:cubicBezTo>
-                      <a:pt x="20639" y="6724"/>
-                      <a:pt x="20639" y="12954"/>
-                      <a:pt x="16796" y="16796"/>
-                    </a:cubicBezTo>
-                    <a:cubicBezTo>
-                      <a:pt x="12954" y="20639"/>
-                      <a:pt x="6724" y="20639"/>
-                      <a:pt x="2882" y="16796"/>
-                    </a:cubicBezTo>
-                    <a:cubicBezTo>
-                      <a:pt x="-961" y="12954"/>
-                      <a:pt x="-961" y="6724"/>
-                      <a:pt x="2882" y="2882"/>
-                    </a:cubicBezTo>
-                    <a:cubicBezTo>
-                      <a:pt x="6724" y="-961"/>
-                      <a:pt x="12954" y="-961"/>
-                      <a:pt x="16796" y="2882"/>
-                    </a:cubicBezTo>
-                    <a:close/>
-                  </a:path>
-                </a:pathLst>
-              </a:custGeom>
-              <a:solidFill>
-                <a:srgbClr val="8DC53F"/>
-              </a:solidFill>
-              <a:ln w="3175" cap="flat">
-                <a:noFill/>
-                <a:miter lim="400000"/>
-              </a:ln>
-              <a:effectLst/>
-            </p:spPr>
-            <p:txBody>
-              <a:bodyPr wrap="square" lIns="0" tIns="0" rIns="0" bIns="0" numCol="1" anchor="ctr">
-                <a:noAutofit/>
-              </a:bodyPr>
-              <a:lstStyle/>
-              <a:p>
-                <a:pPr lvl="0">
-                  <a:defRPr sz="1800">
-                    <a:solidFill>
-                      <a:srgbClr val="FFFFFF"/>
-                    </a:solidFill>
-                  </a:defRPr>
-                </a:pPr>
-                <a:endParaRPr/>
-              </a:p>
-            </p:txBody>
-          </p:sp>
-          <p:pic>
-            <p:nvPicPr>
-              <p:cNvPr id="198" name="Picture 197">
-                <a:extLst>
-                  <a:ext uri="{FF2B5EF4-FFF2-40B4-BE49-F238E27FC236}">
-                    <a16:creationId xmlns:a16="http://schemas.microsoft.com/office/drawing/2014/main" id="{EDD43958-3529-FF46-8D14-109A84F5FCD6}"/>
-                  </a:ext>
-                </a:extLst>
-              </p:cNvPr>
-              <p:cNvPicPr>
-                <a:picLocks noChangeAspect="1"/>
-              </p:cNvPicPr>
-              <p:nvPr/>
-            </p:nvPicPr>
-            <p:blipFill>
-              <a:blip r:embed="rId12"/>
-              <a:stretch>
-                <a:fillRect/>
-              </a:stretch>
-            </p:blipFill>
-            <p:spPr>
-              <a:xfrm>
-                <a:off x="662260" y="2042785"/>
-                <a:ext cx="548013" cy="548011"/>
-              </a:xfrm>
-              <a:prstGeom prst="rect">
-                <a:avLst/>
-              </a:prstGeom>
-            </p:spPr>
-          </p:pic>
-        </p:grpSp>
+            <a:custGeom>
+              <a:avLst/>
+              <a:gdLst/>
+              <a:ahLst/>
+              <a:cxnLst>
+                <a:cxn ang="0">
+                  <a:pos x="wd2" y="hd2"/>
+                </a:cxn>
+                <a:cxn ang="5400000">
+                  <a:pos x="wd2" y="hd2"/>
+                </a:cxn>
+                <a:cxn ang="10800000">
+                  <a:pos x="wd2" y="hd2"/>
+                </a:cxn>
+                <a:cxn ang="16200000">
+                  <a:pos x="wd2" y="hd2"/>
+                </a:cxn>
+              </a:cxnLst>
+              <a:rect l="0" t="0" r="r" b="b"/>
+              <a:pathLst>
+                <a:path w="19679" h="19679" extrusionOk="0">
+                  <a:moveTo>
+                    <a:pt x="16796" y="2882"/>
+                  </a:moveTo>
+                  <a:cubicBezTo>
+                    <a:pt x="20639" y="6724"/>
+                    <a:pt x="20639" y="12954"/>
+                    <a:pt x="16796" y="16796"/>
+                  </a:cubicBezTo>
+                  <a:cubicBezTo>
+                    <a:pt x="12954" y="20639"/>
+                    <a:pt x="6724" y="20639"/>
+                    <a:pt x="2882" y="16796"/>
+                  </a:cubicBezTo>
+                  <a:cubicBezTo>
+                    <a:pt x="-961" y="12954"/>
+                    <a:pt x="-961" y="6724"/>
+                    <a:pt x="2882" y="2882"/>
+                  </a:cubicBezTo>
+                  <a:cubicBezTo>
+                    <a:pt x="6724" y="-961"/>
+                    <a:pt x="12954" y="-961"/>
+                    <a:pt x="16796" y="2882"/>
+                  </a:cubicBezTo>
+                  <a:close/>
+                </a:path>
+              </a:pathLst>
+            </a:custGeom>
+            <a:solidFill>
+              <a:srgbClr val="8DC53F"/>
+            </a:solidFill>
+            <a:ln w="3175" cap="flat">
+              <a:noFill/>
+              <a:miter lim="400000"/>
+            </a:ln>
+            <a:effectLst/>
+          </p:spPr>
+          <p:txBody>
+            <a:bodyPr wrap="square" lIns="0" tIns="0" rIns="0" bIns="0" numCol="1" anchor="ctr">
+              <a:noAutofit/>
+            </a:bodyPr>
+            <a:lstStyle/>
+            <a:p>
+              <a:pPr lvl="0">
+                <a:defRPr sz="1800">
+                  <a:solidFill>
+                    <a:srgbClr val="FFFFFF"/>
+                  </a:solidFill>
+                </a:defRPr>
+              </a:pPr>
+              <a:endParaRPr/>
+            </a:p>
+          </p:txBody>
+        </p:sp>
         <p:pic>
           <p:nvPicPr>
             <p:cNvPr id="158" name="Picture 157">
@@ -8260,7 +8056,7 @@
             <p:nvPr/>
           </p:nvPicPr>
           <p:blipFill>
-            <a:blip r:embed="rId13"/>
+            <a:blip r:embed="rId12"/>
             <a:stretch>
               <a:fillRect/>
             </a:stretch>
@@ -8290,7 +8086,7 @@
             <p:nvPr/>
           </p:nvPicPr>
           <p:blipFill>
-            <a:blip r:embed="rId13"/>
+            <a:blip r:embed="rId12"/>
             <a:stretch>
               <a:fillRect/>
             </a:stretch>
@@ -8321,7 +8117,7 @@
           <p:nvPr/>
         </p:nvPicPr>
         <p:blipFill>
-          <a:blip r:embed="rId14"/>
+          <a:blip r:embed="rId13"/>
           <a:stretch>
             <a:fillRect/>
           </a:stretch>
@@ -8475,7 +8271,7 @@
           <p:nvPr/>
         </p:nvPicPr>
         <p:blipFill>
-          <a:blip r:embed="rId15"/>
+          <a:blip r:embed="rId14"/>
           <a:stretch>
             <a:fillRect/>
           </a:stretch>
@@ -9111,7 +8907,7 @@
           <p:nvPr/>
         </p:nvPicPr>
         <p:blipFill>
-          <a:blip r:embed="rId13"/>
+          <a:blip r:embed="rId12"/>
           <a:stretch>
             <a:fillRect/>
           </a:stretch>
@@ -9141,7 +8937,7 @@
           <p:nvPr/>
         </p:nvPicPr>
         <p:blipFill>
-          <a:blip r:embed="rId13"/>
+          <a:blip r:embed="rId12"/>
           <a:stretch>
             <a:fillRect/>
           </a:stretch>
@@ -10105,126 +9901,6 @@
           </a:p>
         </p:txBody>
       </p:sp>
-      <p:pic>
-        <p:nvPicPr>
-          <p:cNvPr id="142" name="Picture 141">
-            <a:extLst>
-              <a:ext uri="{FF2B5EF4-FFF2-40B4-BE49-F238E27FC236}">
-                <a16:creationId xmlns:a16="http://schemas.microsoft.com/office/drawing/2014/main" id="{EDC6911C-961F-CE4D-9330-F5342EDE20D8}"/>
-              </a:ext>
-            </a:extLst>
-          </p:cNvPr>
-          <p:cNvPicPr>
-            <a:picLocks noChangeAspect="1"/>
-          </p:cNvPicPr>
-          <p:nvPr/>
-        </p:nvPicPr>
-        <p:blipFill>
-          <a:blip r:embed="rId12"/>
-          <a:stretch>
-            <a:fillRect/>
-          </a:stretch>
-        </p:blipFill>
-        <p:spPr>
-          <a:xfrm>
-            <a:off x="3052449" y="4414616"/>
-            <a:ext cx="357783" cy="363739"/>
-          </a:xfrm>
-          <a:prstGeom prst="rect">
-            <a:avLst/>
-          </a:prstGeom>
-        </p:spPr>
-      </p:pic>
-      <p:pic>
-        <p:nvPicPr>
-          <p:cNvPr id="144" name="Picture 143">
-            <a:extLst>
-              <a:ext uri="{FF2B5EF4-FFF2-40B4-BE49-F238E27FC236}">
-                <a16:creationId xmlns:a16="http://schemas.microsoft.com/office/drawing/2014/main" id="{5672CF36-C65F-8C49-830A-55CFE01EB73F}"/>
-              </a:ext>
-            </a:extLst>
-          </p:cNvPr>
-          <p:cNvPicPr>
-            <a:picLocks noChangeAspect="1"/>
-          </p:cNvPicPr>
-          <p:nvPr/>
-        </p:nvPicPr>
-        <p:blipFill>
-          <a:blip r:embed="rId12"/>
-          <a:stretch>
-            <a:fillRect/>
-          </a:stretch>
-        </p:blipFill>
-        <p:spPr>
-          <a:xfrm>
-            <a:off x="3666244" y="4423155"/>
-            <a:ext cx="357783" cy="363739"/>
-          </a:xfrm>
-          <a:prstGeom prst="rect">
-            <a:avLst/>
-          </a:prstGeom>
-        </p:spPr>
-      </p:pic>
-      <p:pic>
-        <p:nvPicPr>
-          <p:cNvPr id="169" name="Picture 168">
-            <a:extLst>
-              <a:ext uri="{FF2B5EF4-FFF2-40B4-BE49-F238E27FC236}">
-                <a16:creationId xmlns:a16="http://schemas.microsoft.com/office/drawing/2014/main" id="{F02D6736-7A4C-0A43-9D4D-741B8FD2324B}"/>
-              </a:ext>
-            </a:extLst>
-          </p:cNvPr>
-          <p:cNvPicPr>
-            <a:picLocks noChangeAspect="1"/>
-          </p:cNvPicPr>
-          <p:nvPr/>
-        </p:nvPicPr>
-        <p:blipFill>
-          <a:blip r:embed="rId12"/>
-          <a:stretch>
-            <a:fillRect/>
-          </a:stretch>
-        </p:blipFill>
-        <p:spPr>
-          <a:xfrm>
-            <a:off x="5565880" y="4443490"/>
-            <a:ext cx="357783" cy="363739"/>
-          </a:xfrm>
-          <a:prstGeom prst="rect">
-            <a:avLst/>
-          </a:prstGeom>
-        </p:spPr>
-      </p:pic>
-      <p:pic>
-        <p:nvPicPr>
-          <p:cNvPr id="170" name="Picture 169">
-            <a:extLst>
-              <a:ext uri="{FF2B5EF4-FFF2-40B4-BE49-F238E27FC236}">
-                <a16:creationId xmlns:a16="http://schemas.microsoft.com/office/drawing/2014/main" id="{AB6B5C46-B80F-4B42-9F25-D352526A9108}"/>
-              </a:ext>
-            </a:extLst>
-          </p:cNvPr>
-          <p:cNvPicPr>
-            <a:picLocks noChangeAspect="1"/>
-          </p:cNvPicPr>
-          <p:nvPr/>
-        </p:nvPicPr>
-        <p:blipFill>
-          <a:blip r:embed="rId12"/>
-          <a:stretch>
-            <a:fillRect/>
-          </a:stretch>
-        </p:blipFill>
-        <p:spPr>
-          <a:xfrm>
-            <a:off x="6174468" y="4443490"/>
-            <a:ext cx="357783" cy="363739"/>
-          </a:xfrm>
-          <a:prstGeom prst="rect">
-            <a:avLst/>
-          </a:prstGeom>
-        </p:spPr>
-      </p:pic>
       <p:cxnSp>
         <p:nvCxnSpPr>
           <p:cNvPr id="133" name="Straight Arrow Connector 110">
@@ -10636,6 +10312,246 @@
           </a:p>
         </p:txBody>
       </p:sp>
+      <p:pic>
+        <p:nvPicPr>
+          <p:cNvPr id="119" name="Picture 118">
+            <a:extLst>
+              <a:ext uri="{FF2B5EF4-FFF2-40B4-BE49-F238E27FC236}">
+                <a16:creationId xmlns:a16="http://schemas.microsoft.com/office/drawing/2014/main" id="{3C3ED61B-ABAC-674A-9839-94767AA7338C}"/>
+              </a:ext>
+            </a:extLst>
+          </p:cNvPr>
+          <p:cNvPicPr>
+            <a:picLocks noChangeAspect="1"/>
+          </p:cNvPicPr>
+          <p:nvPr/>
+        </p:nvPicPr>
+        <p:blipFill>
+          <a:blip r:embed="rId15"/>
+          <a:stretch>
+            <a:fillRect/>
+          </a:stretch>
+        </p:blipFill>
+        <p:spPr>
+          <a:xfrm>
+            <a:off x="3033289" y="2339759"/>
+            <a:ext cx="349880" cy="375797"/>
+          </a:xfrm>
+          <a:prstGeom prst="rect">
+            <a:avLst/>
+          </a:prstGeom>
+        </p:spPr>
+      </p:pic>
+      <p:pic>
+        <p:nvPicPr>
+          <p:cNvPr id="120" name="Picture 119">
+            <a:extLst>
+              <a:ext uri="{FF2B5EF4-FFF2-40B4-BE49-F238E27FC236}">
+                <a16:creationId xmlns:a16="http://schemas.microsoft.com/office/drawing/2014/main" id="{EB1BD970-2C6D-8D47-9636-90C4B489D874}"/>
+              </a:ext>
+            </a:extLst>
+          </p:cNvPr>
+          <p:cNvPicPr>
+            <a:picLocks noChangeAspect="1"/>
+          </p:cNvPicPr>
+          <p:nvPr/>
+        </p:nvPicPr>
+        <p:blipFill>
+          <a:blip r:embed="rId15"/>
+          <a:stretch>
+            <a:fillRect/>
+          </a:stretch>
+        </p:blipFill>
+        <p:spPr>
+          <a:xfrm>
+            <a:off x="3648960" y="2352719"/>
+            <a:ext cx="349880" cy="375797"/>
+          </a:xfrm>
+          <a:prstGeom prst="rect">
+            <a:avLst/>
+          </a:prstGeom>
+        </p:spPr>
+      </p:pic>
+      <p:pic>
+        <p:nvPicPr>
+          <p:cNvPr id="121" name="Picture 120">
+            <a:extLst>
+              <a:ext uri="{FF2B5EF4-FFF2-40B4-BE49-F238E27FC236}">
+                <a16:creationId xmlns:a16="http://schemas.microsoft.com/office/drawing/2014/main" id="{5CD214C2-BF19-364F-B4BC-ECF8E06C3C4A}"/>
+              </a:ext>
+            </a:extLst>
+          </p:cNvPr>
+          <p:cNvPicPr>
+            <a:picLocks noChangeAspect="1"/>
+          </p:cNvPicPr>
+          <p:nvPr/>
+        </p:nvPicPr>
+        <p:blipFill>
+          <a:blip r:embed="rId15"/>
+          <a:stretch>
+            <a:fillRect/>
+          </a:stretch>
+        </p:blipFill>
+        <p:spPr>
+          <a:xfrm>
+            <a:off x="5538131" y="2335464"/>
+            <a:ext cx="349880" cy="375797"/>
+          </a:xfrm>
+          <a:prstGeom prst="rect">
+            <a:avLst/>
+          </a:prstGeom>
+        </p:spPr>
+      </p:pic>
+      <p:pic>
+        <p:nvPicPr>
+          <p:cNvPr id="122" name="Picture 121">
+            <a:extLst>
+              <a:ext uri="{FF2B5EF4-FFF2-40B4-BE49-F238E27FC236}">
+                <a16:creationId xmlns:a16="http://schemas.microsoft.com/office/drawing/2014/main" id="{D1B07C15-CAA9-5846-A29F-A2BE8C6FC1AF}"/>
+              </a:ext>
+            </a:extLst>
+          </p:cNvPr>
+          <p:cNvPicPr>
+            <a:picLocks noChangeAspect="1"/>
+          </p:cNvPicPr>
+          <p:nvPr/>
+        </p:nvPicPr>
+        <p:blipFill>
+          <a:blip r:embed="rId15"/>
+          <a:stretch>
+            <a:fillRect/>
+          </a:stretch>
+        </p:blipFill>
+        <p:spPr>
+          <a:xfrm>
+            <a:off x="6176229" y="2339759"/>
+            <a:ext cx="349880" cy="375797"/>
+          </a:xfrm>
+          <a:prstGeom prst="rect">
+            <a:avLst/>
+          </a:prstGeom>
+        </p:spPr>
+      </p:pic>
+      <p:pic>
+        <p:nvPicPr>
+          <p:cNvPr id="123" name="Picture 122">
+            <a:extLst>
+              <a:ext uri="{FF2B5EF4-FFF2-40B4-BE49-F238E27FC236}">
+                <a16:creationId xmlns:a16="http://schemas.microsoft.com/office/drawing/2014/main" id="{71D1DFCE-43F9-C843-87A7-2B72C10A733B}"/>
+              </a:ext>
+            </a:extLst>
+          </p:cNvPr>
+          <p:cNvPicPr>
+            <a:picLocks noChangeAspect="1"/>
+          </p:cNvPicPr>
+          <p:nvPr/>
+        </p:nvPicPr>
+        <p:blipFill>
+          <a:blip r:embed="rId15"/>
+          <a:stretch>
+            <a:fillRect/>
+          </a:stretch>
+        </p:blipFill>
+        <p:spPr>
+          <a:xfrm>
+            <a:off x="3031572" y="4412247"/>
+            <a:ext cx="349880" cy="375797"/>
+          </a:xfrm>
+          <a:prstGeom prst="rect">
+            <a:avLst/>
+          </a:prstGeom>
+        </p:spPr>
+      </p:pic>
+      <p:pic>
+        <p:nvPicPr>
+          <p:cNvPr id="124" name="Picture 123">
+            <a:extLst>
+              <a:ext uri="{FF2B5EF4-FFF2-40B4-BE49-F238E27FC236}">
+                <a16:creationId xmlns:a16="http://schemas.microsoft.com/office/drawing/2014/main" id="{E8FC543C-1C1F-064B-8172-B8CE72C96CD1}"/>
+              </a:ext>
+            </a:extLst>
+          </p:cNvPr>
+          <p:cNvPicPr>
+            <a:picLocks noChangeAspect="1"/>
+          </p:cNvPicPr>
+          <p:nvPr/>
+        </p:nvPicPr>
+        <p:blipFill>
+          <a:blip r:embed="rId15"/>
+          <a:stretch>
+            <a:fillRect/>
+          </a:stretch>
+        </p:blipFill>
+        <p:spPr>
+          <a:xfrm>
+            <a:off x="3651719" y="4412247"/>
+            <a:ext cx="349880" cy="375797"/>
+          </a:xfrm>
+          <a:prstGeom prst="rect">
+            <a:avLst/>
+          </a:prstGeom>
+        </p:spPr>
+      </p:pic>
+      <p:pic>
+        <p:nvPicPr>
+          <p:cNvPr id="125" name="Picture 124">
+            <a:extLst>
+              <a:ext uri="{FF2B5EF4-FFF2-40B4-BE49-F238E27FC236}">
+                <a16:creationId xmlns:a16="http://schemas.microsoft.com/office/drawing/2014/main" id="{92A6C325-406A-E540-9A17-25EC2BA27163}"/>
+              </a:ext>
+            </a:extLst>
+          </p:cNvPr>
+          <p:cNvPicPr>
+            <a:picLocks noChangeAspect="1"/>
+          </p:cNvPicPr>
+          <p:nvPr/>
+        </p:nvPicPr>
+        <p:blipFill>
+          <a:blip r:embed="rId15"/>
+          <a:stretch>
+            <a:fillRect/>
+          </a:stretch>
+        </p:blipFill>
+        <p:spPr>
+          <a:xfrm>
+            <a:off x="5541472" y="4428774"/>
+            <a:ext cx="349880" cy="375797"/>
+          </a:xfrm>
+          <a:prstGeom prst="rect">
+            <a:avLst/>
+          </a:prstGeom>
+        </p:spPr>
+      </p:pic>
+      <p:pic>
+        <p:nvPicPr>
+          <p:cNvPr id="127" name="Picture 126">
+            <a:extLst>
+              <a:ext uri="{FF2B5EF4-FFF2-40B4-BE49-F238E27FC236}">
+                <a16:creationId xmlns:a16="http://schemas.microsoft.com/office/drawing/2014/main" id="{220B7FCE-D922-154A-A6F2-2B722ABF7417}"/>
+              </a:ext>
+            </a:extLst>
+          </p:cNvPr>
+          <p:cNvPicPr>
+            <a:picLocks noChangeAspect="1"/>
+          </p:cNvPicPr>
+          <p:nvPr/>
+        </p:nvPicPr>
+        <p:blipFill>
+          <a:blip r:embed="rId15"/>
+          <a:stretch>
+            <a:fillRect/>
+          </a:stretch>
+        </p:blipFill>
+        <p:spPr>
+          <a:xfrm>
+            <a:off x="6157136" y="4428774"/>
+            <a:ext cx="349880" cy="375797"/>
+          </a:xfrm>
+          <a:prstGeom prst="rect">
+            <a:avLst/>
+          </a:prstGeom>
+        </p:spPr>
+      </p:pic>
     </p:spTree>
     <p:extLst>
       <p:ext uri="{BB962C8B-B14F-4D97-AF65-F5344CB8AC3E}">

--- a/powerpoint/templates/VirtualPrivateCloudEditablePPT.pptx
+++ b/powerpoint/templates/VirtualPrivateCloudEditablePPT.pptx
@@ -791,7 +791,7 @@
           </a:ln>
           <a:extLst>
             <a:ext uri="{C572A759-6A51-4108-AA02-DFA0A04FC94B}">
-              <ma14:wrappingTextBoxFlag xmlns:ma14="http://schemas.microsoft.com/office/mac/drawingml/2011/main" xmlns="" val="1"/>
+              <ma14:wrappingTextBoxFlag xmlns="" xmlns:ma14="http://schemas.microsoft.com/office/mac/drawingml/2011/main" val="1"/>
             </a:ext>
           </a:extLst>
         </p:spPr>
@@ -844,7 +844,7 @@
           </a:ln>
           <a:extLst>
             <a:ext uri="{C572A759-6A51-4108-AA02-DFA0A04FC94B}">
-              <ma14:wrappingTextBoxFlag xmlns:ma14="http://schemas.microsoft.com/office/mac/drawingml/2011/main" xmlns="" val="1"/>
+              <ma14:wrappingTextBoxFlag xmlns="" xmlns:ma14="http://schemas.microsoft.com/office/mac/drawingml/2011/main" val="1"/>
             </a:ext>
           </a:extLst>
         </p:spPr>
@@ -892,7 +892,7 @@
           </a:ln>
           <a:extLst>
             <a:ext uri="{C572A759-6A51-4108-AA02-DFA0A04FC94B}">
-              <ma14:wrappingTextBoxFlag xmlns:ma14="http://schemas.microsoft.com/office/mac/drawingml/2011/main" xmlns="" val="1"/>
+              <ma14:wrappingTextBoxFlag xmlns="" xmlns:ma14="http://schemas.microsoft.com/office/mac/drawingml/2011/main" val="1"/>
             </a:ext>
           </a:extLst>
         </p:spPr>
@@ -980,7 +980,7 @@
           </a:ln>
           <a:extLst>
             <a:ext uri="{C572A759-6A51-4108-AA02-DFA0A04FC94B}">
-              <ma14:wrappingTextBoxFlag xmlns:ma14="http://schemas.microsoft.com/office/mac/drawingml/2011/main" xmlns="" val="1"/>
+              <ma14:wrappingTextBoxFlag xmlns="" xmlns:ma14="http://schemas.microsoft.com/office/mac/drawingml/2011/main" val="1"/>
             </a:ext>
           </a:extLst>
         </p:spPr>
@@ -1033,7 +1033,7 @@
           </a:ln>
           <a:extLst>
             <a:ext uri="{C572A759-6A51-4108-AA02-DFA0A04FC94B}">
-              <ma14:wrappingTextBoxFlag xmlns:ma14="http://schemas.microsoft.com/office/mac/drawingml/2011/main" xmlns="" val="1"/>
+              <ma14:wrappingTextBoxFlag xmlns="" xmlns:ma14="http://schemas.microsoft.com/office/mac/drawingml/2011/main" val="1"/>
             </a:ext>
           </a:extLst>
         </p:spPr>
@@ -1081,7 +1081,7 @@
           </a:ln>
           <a:extLst>
             <a:ext uri="{C572A759-6A51-4108-AA02-DFA0A04FC94B}">
-              <ma14:wrappingTextBoxFlag xmlns:ma14="http://schemas.microsoft.com/office/mac/drawingml/2011/main" xmlns="" val="1"/>
+              <ma14:wrappingTextBoxFlag xmlns="" xmlns:ma14="http://schemas.microsoft.com/office/mac/drawingml/2011/main" val="1"/>
             </a:ext>
           </a:extLst>
         </p:spPr>
@@ -1245,7 +1245,7 @@
           </a:ln>
           <a:extLst>
             <a:ext uri="{C572A759-6A51-4108-AA02-DFA0A04FC94B}">
-              <ma14:wrappingTextBoxFlag xmlns:ma14="http://schemas.microsoft.com/office/mac/drawingml/2011/main" xmlns="" val="1"/>
+              <ma14:wrappingTextBoxFlag xmlns="" xmlns:ma14="http://schemas.microsoft.com/office/mac/drawingml/2011/main" val="1"/>
             </a:ext>
           </a:extLst>
         </p:spPr>
@@ -1298,7 +1298,7 @@
           </a:ln>
           <a:extLst>
             <a:ext uri="{C572A759-6A51-4108-AA02-DFA0A04FC94B}">
-              <ma14:wrappingTextBoxFlag xmlns:ma14="http://schemas.microsoft.com/office/mac/drawingml/2011/main" xmlns="" val="1"/>
+              <ma14:wrappingTextBoxFlag xmlns="" xmlns:ma14="http://schemas.microsoft.com/office/mac/drawingml/2011/main" val="1"/>
             </a:ext>
           </a:extLst>
         </p:spPr>
@@ -1346,7 +1346,7 @@
           </a:ln>
           <a:extLst>
             <a:ext uri="{C572A759-6A51-4108-AA02-DFA0A04FC94B}">
-              <ma14:wrappingTextBoxFlag xmlns:ma14="http://schemas.microsoft.com/office/mac/drawingml/2011/main" xmlns="" val="1"/>
+              <ma14:wrappingTextBoxFlag xmlns="" xmlns:ma14="http://schemas.microsoft.com/office/mac/drawingml/2011/main" val="1"/>
             </a:ext>
           </a:extLst>
         </p:spPr>
@@ -1536,7 +1536,7 @@
           </a:ln>
           <a:extLst>
             <a:ext uri="{C572A759-6A51-4108-AA02-DFA0A04FC94B}">
-              <ma14:wrappingTextBoxFlag xmlns:ma14="http://schemas.microsoft.com/office/mac/drawingml/2011/main" xmlns="" val="1"/>
+              <ma14:wrappingTextBoxFlag xmlns="" xmlns:ma14="http://schemas.microsoft.com/office/mac/drawingml/2011/main" val="1"/>
             </a:ext>
           </a:extLst>
         </p:spPr>
@@ -1674,7 +1674,7 @@
           </a:ln>
           <a:extLst>
             <a:ext uri="{C572A759-6A51-4108-AA02-DFA0A04FC94B}">
-              <ma14:wrappingTextBoxFlag xmlns:ma14="http://schemas.microsoft.com/office/mac/drawingml/2011/main" xmlns="" val="1"/>
+              <ma14:wrappingTextBoxFlag xmlns="" xmlns:ma14="http://schemas.microsoft.com/office/mac/drawingml/2011/main" val="1"/>
             </a:ext>
           </a:extLst>
         </p:spPr>
@@ -1727,7 +1727,7 @@
           </a:ln>
           <a:extLst>
             <a:ext uri="{C572A759-6A51-4108-AA02-DFA0A04FC94B}">
-              <ma14:wrappingTextBoxFlag xmlns:ma14="http://schemas.microsoft.com/office/mac/drawingml/2011/main" xmlns="" val="1"/>
+              <ma14:wrappingTextBoxFlag xmlns="" xmlns:ma14="http://schemas.microsoft.com/office/mac/drawingml/2011/main" val="1"/>
             </a:ext>
           </a:extLst>
         </p:spPr>
@@ -1801,7 +1801,7 @@
           </a:ln>
           <a:extLst>
             <a:ext uri="{C572A759-6A51-4108-AA02-DFA0A04FC94B}">
-              <ma14:wrappingTextBoxFlag xmlns:ma14="http://schemas.microsoft.com/office/mac/drawingml/2011/main" xmlns="" val="1"/>
+              <ma14:wrappingTextBoxFlag xmlns="" xmlns:ma14="http://schemas.microsoft.com/office/mac/drawingml/2011/main" val="1"/>
             </a:ext>
           </a:extLst>
         </p:spPr>
@@ -2770,7 +2770,7 @@
           </a:ln>
           <a:extLst>
             <a:ext uri="{C572A759-6A51-4108-AA02-DFA0A04FC94B}">
-              <ma14:wrappingTextBoxFlag xmlns:ma14="http://schemas.microsoft.com/office/mac/drawingml/2011/main" xmlns="" val="1"/>
+              <ma14:wrappingTextBoxFlag xmlns="" xmlns:ma14="http://schemas.microsoft.com/office/mac/drawingml/2011/main" val="1"/>
             </a:ext>
           </a:extLst>
         </p:spPr>
@@ -2813,7 +2813,7 @@
           </a:ln>
           <a:extLst>
             <a:ext uri="{C572A759-6A51-4108-AA02-DFA0A04FC94B}">
-              <ma14:wrappingTextBoxFlag xmlns:ma14="http://schemas.microsoft.com/office/mac/drawingml/2011/main" xmlns="" val="1"/>
+              <ma14:wrappingTextBoxFlag xmlns="" xmlns:ma14="http://schemas.microsoft.com/office/mac/drawingml/2011/main" val="1"/>
             </a:ext>
           </a:extLst>
         </p:spPr>
@@ -3261,7 +3261,7 @@
           </a:ln>
           <a:extLst>
             <a:ext uri="{C572A759-6A51-4108-AA02-DFA0A04FC94B}">
-              <ma14:wrappingTextBoxFlag xmlns:ma14="http://schemas.microsoft.com/office/mac/drawingml/2011/main" xmlns="" val="1"/>
+              <ma14:wrappingTextBoxFlag xmlns="" xmlns:ma14="http://schemas.microsoft.com/office/mac/drawingml/2011/main" val="1"/>
             </a:ext>
           </a:extLst>
         </p:spPr>
@@ -3310,7 +3310,7 @@
           </a:ln>
           <a:extLst>
             <a:ext uri="{C572A759-6A51-4108-AA02-DFA0A04FC94B}">
-              <ma14:wrappingTextBoxFlag xmlns:ma14="http://schemas.microsoft.com/office/mac/drawingml/2011/main" xmlns="" val="1"/>
+              <ma14:wrappingTextBoxFlag xmlns="" xmlns:ma14="http://schemas.microsoft.com/office/mac/drawingml/2011/main" val="1"/>
             </a:ext>
           </a:extLst>
         </p:spPr>
@@ -5300,7 +5300,7 @@
             </a:ln>
             <a:extLst>
               <a:ext uri="{C572A759-6A51-4108-AA02-DFA0A04FC94B}">
-                <ma14:wrappingTextBoxFlag xmlns="" xmlns:ma14="http://schemas.microsoft.com/office/mac/drawingml/2011/main" val="1"/>
+                <ma14:wrappingTextBoxFlag xmlns:ma14="http://schemas.microsoft.com/office/mac/drawingml/2011/main" xmlns="" val="1"/>
               </a:ext>
             </a:extLst>
           </p:spPr>
@@ -5387,7 +5387,7 @@
             </a:ln>
             <a:extLst>
               <a:ext uri="{C572A759-6A51-4108-AA02-DFA0A04FC94B}">
-                <ma14:wrappingTextBoxFlag xmlns="" xmlns:ma14="http://schemas.microsoft.com/office/mac/drawingml/2011/main" val="1"/>
+                <ma14:wrappingTextBoxFlag xmlns:ma14="http://schemas.microsoft.com/office/mac/drawingml/2011/main" xmlns="" val="1"/>
               </a:ext>
             </a:extLst>
           </p:spPr>
@@ -5474,7 +5474,7 @@
             </a:ln>
             <a:extLst>
               <a:ext uri="{C572A759-6A51-4108-AA02-DFA0A04FC94B}">
-                <ma14:wrappingTextBoxFlag xmlns="" xmlns:ma14="http://schemas.microsoft.com/office/mac/drawingml/2011/main" val="1"/>
+                <ma14:wrappingTextBoxFlag xmlns:ma14="http://schemas.microsoft.com/office/mac/drawingml/2011/main" xmlns="" val="1"/>
               </a:ext>
             </a:extLst>
           </p:spPr>
@@ -5561,7 +5561,7 @@
             </a:ln>
             <a:extLst>
               <a:ext uri="{C572A759-6A51-4108-AA02-DFA0A04FC94B}">
-                <ma14:wrappingTextBoxFlag xmlns="" xmlns:ma14="http://schemas.microsoft.com/office/mac/drawingml/2011/main" val="1"/>
+                <ma14:wrappingTextBoxFlag xmlns:ma14="http://schemas.microsoft.com/office/mac/drawingml/2011/main" xmlns="" val="1"/>
               </a:ext>
             </a:extLst>
           </p:spPr>
@@ -5648,7 +5648,7 @@
             </a:ln>
             <a:extLst>
               <a:ext uri="{C572A759-6A51-4108-AA02-DFA0A04FC94B}">
-                <ma14:wrappingTextBoxFlag xmlns="" xmlns:ma14="http://schemas.microsoft.com/office/mac/drawingml/2011/main" val="1"/>
+                <ma14:wrappingTextBoxFlag xmlns:ma14="http://schemas.microsoft.com/office/mac/drawingml/2011/main" xmlns="" val="1"/>
               </a:ext>
             </a:extLst>
           </p:spPr>
@@ -5752,7 +5752,7 @@
             </a:ln>
             <a:extLst>
               <a:ext uri="{C572A759-6A51-4108-AA02-DFA0A04FC94B}">
-                <ma14:wrappingTextBoxFlag xmlns="" xmlns:ma14="http://schemas.microsoft.com/office/mac/drawingml/2011/main" val="1"/>
+                <ma14:wrappingTextBoxFlag xmlns:ma14="http://schemas.microsoft.com/office/mac/drawingml/2011/main" xmlns="" val="1"/>
               </a:ext>
             </a:extLst>
           </p:spPr>
@@ -5839,7 +5839,7 @@
             </a:ln>
             <a:extLst>
               <a:ext uri="{C572A759-6A51-4108-AA02-DFA0A04FC94B}">
-                <ma14:wrappingTextBoxFlag xmlns="" xmlns:ma14="http://schemas.microsoft.com/office/mac/drawingml/2011/main" val="1"/>
+                <ma14:wrappingTextBoxFlag xmlns:ma14="http://schemas.microsoft.com/office/mac/drawingml/2011/main" xmlns="" val="1"/>
               </a:ext>
             </a:extLst>
           </p:spPr>
@@ -5909,7 +5909,7 @@
             </a:ln>
             <a:extLst>
               <a:ext uri="{C572A759-6A51-4108-AA02-DFA0A04FC94B}">
-                <ma14:wrappingTextBoxFlag xmlns="" xmlns:ma14="http://schemas.microsoft.com/office/mac/drawingml/2011/main" val="1"/>
+                <ma14:wrappingTextBoxFlag xmlns:ma14="http://schemas.microsoft.com/office/mac/drawingml/2011/main" xmlns="" val="1"/>
               </a:ext>
             </a:extLst>
           </p:spPr>
@@ -5996,7 +5996,7 @@
             </a:ln>
             <a:extLst>
               <a:ext uri="{C572A759-6A51-4108-AA02-DFA0A04FC94B}">
-                <ma14:wrappingTextBoxFlag xmlns="" xmlns:ma14="http://schemas.microsoft.com/office/mac/drawingml/2011/main" val="1"/>
+                <ma14:wrappingTextBoxFlag xmlns:ma14="http://schemas.microsoft.com/office/mac/drawingml/2011/main" xmlns="" val="1"/>
               </a:ext>
             </a:extLst>
           </p:spPr>
@@ -6083,7 +6083,7 @@
             </a:ln>
             <a:extLst>
               <a:ext uri="{C572A759-6A51-4108-AA02-DFA0A04FC94B}">
-                <ma14:wrappingTextBoxFlag xmlns="" xmlns:ma14="http://schemas.microsoft.com/office/mac/drawingml/2011/main" val="1"/>
+                <ma14:wrappingTextBoxFlag xmlns:ma14="http://schemas.microsoft.com/office/mac/drawingml/2011/main" xmlns="" val="1"/>
               </a:ext>
             </a:extLst>
           </p:spPr>
@@ -6170,7 +6170,7 @@
             </a:ln>
             <a:extLst>
               <a:ext uri="{C572A759-6A51-4108-AA02-DFA0A04FC94B}">
-                <ma14:wrappingTextBoxFlag xmlns="" xmlns:ma14="http://schemas.microsoft.com/office/mac/drawingml/2011/main" val="1"/>
+                <ma14:wrappingTextBoxFlag xmlns:ma14="http://schemas.microsoft.com/office/mac/drawingml/2011/main" xmlns="" val="1"/>
               </a:ext>
             </a:extLst>
           </p:spPr>
@@ -6240,7 +6240,7 @@
             </a:ln>
             <a:extLst>
               <a:ext uri="{C572A759-6A51-4108-AA02-DFA0A04FC94B}">
-                <ma14:wrappingTextBoxFlag xmlns="" xmlns:ma14="http://schemas.microsoft.com/office/mac/drawingml/2011/main" val="1"/>
+                <ma14:wrappingTextBoxFlag xmlns:ma14="http://schemas.microsoft.com/office/mac/drawingml/2011/main" xmlns="" val="1"/>
               </a:ext>
             </a:extLst>
           </p:spPr>
@@ -6310,7 +6310,7 @@
             </a:ln>
             <a:extLst>
               <a:ext uri="{C572A759-6A51-4108-AA02-DFA0A04FC94B}">
-                <ma14:wrappingTextBoxFlag xmlns="" xmlns:ma14="http://schemas.microsoft.com/office/mac/drawingml/2011/main" val="1"/>
+                <ma14:wrappingTextBoxFlag xmlns:ma14="http://schemas.microsoft.com/office/mac/drawingml/2011/main" xmlns="" val="1"/>
               </a:ext>
             </a:extLst>
           </p:spPr>
@@ -6380,7 +6380,7 @@
             </a:ln>
             <a:extLst>
               <a:ext uri="{C572A759-6A51-4108-AA02-DFA0A04FC94B}">
-                <ma14:wrappingTextBoxFlag xmlns="" xmlns:ma14="http://schemas.microsoft.com/office/mac/drawingml/2011/main" val="1"/>
+                <ma14:wrappingTextBoxFlag xmlns:ma14="http://schemas.microsoft.com/office/mac/drawingml/2011/main" xmlns="" val="1"/>
               </a:ext>
             </a:extLst>
           </p:spPr>
@@ -6450,7 +6450,7 @@
             </a:ln>
             <a:extLst>
               <a:ext uri="{C572A759-6A51-4108-AA02-DFA0A04FC94B}">
-                <ma14:wrappingTextBoxFlag xmlns="" xmlns:ma14="http://schemas.microsoft.com/office/mac/drawingml/2011/main" val="1"/>
+                <ma14:wrappingTextBoxFlag xmlns:ma14="http://schemas.microsoft.com/office/mac/drawingml/2011/main" xmlns="" val="1"/>
               </a:ext>
             </a:extLst>
           </p:spPr>
@@ -6520,7 +6520,7 @@
             </a:ln>
             <a:extLst>
               <a:ext uri="{C572A759-6A51-4108-AA02-DFA0A04FC94B}">
-                <ma14:wrappingTextBoxFlag xmlns="" xmlns:ma14="http://schemas.microsoft.com/office/mac/drawingml/2011/main" val="1"/>
+                <ma14:wrappingTextBoxFlag xmlns:ma14="http://schemas.microsoft.com/office/mac/drawingml/2011/main" xmlns="" val="1"/>
               </a:ext>
             </a:extLst>
           </p:spPr>
@@ -6607,7 +6607,7 @@
             </a:ln>
             <a:extLst>
               <a:ext uri="{C572A759-6A51-4108-AA02-DFA0A04FC94B}">
-                <ma14:wrappingTextBoxFlag xmlns="" xmlns:ma14="http://schemas.microsoft.com/office/mac/drawingml/2011/main" val="1"/>
+                <ma14:wrappingTextBoxFlag xmlns:ma14="http://schemas.microsoft.com/office/mac/drawingml/2011/main" xmlns="" val="1"/>
               </a:ext>
             </a:extLst>
           </p:spPr>
@@ -6694,7 +6694,7 @@
             </a:ln>
             <a:extLst>
               <a:ext uri="{C572A759-6A51-4108-AA02-DFA0A04FC94B}">
-                <ma14:wrappingTextBoxFlag xmlns="" xmlns:ma14="http://schemas.microsoft.com/office/mac/drawingml/2011/main" val="1"/>
+                <ma14:wrappingTextBoxFlag xmlns:ma14="http://schemas.microsoft.com/office/mac/drawingml/2011/main" xmlns="" val="1"/>
               </a:ext>
             </a:extLst>
           </p:spPr>
@@ -6764,7 +6764,7 @@
             </a:ln>
             <a:extLst>
               <a:ext uri="{C572A759-6A51-4108-AA02-DFA0A04FC94B}">
-                <ma14:wrappingTextBoxFlag xmlns="" xmlns:ma14="http://schemas.microsoft.com/office/mac/drawingml/2011/main" val="1"/>
+                <ma14:wrappingTextBoxFlag xmlns:ma14="http://schemas.microsoft.com/office/mac/drawingml/2011/main" xmlns="" val="1"/>
               </a:ext>
             </a:extLst>
           </p:spPr>
@@ -6824,7 +6824,7 @@
           <p:spPr>
             <a:xfrm>
               <a:off x="3105326" y="2804714"/>
-              <a:ext cx="262892" cy="153888"/>
+              <a:ext cx="205184" cy="153888"/>
             </a:xfrm>
             <a:prstGeom prst="rect">
               <a:avLst/>
@@ -6834,7 +6834,7 @@
             </a:ln>
             <a:extLst>
               <a:ext uri="{C572A759-6A51-4108-AA02-DFA0A04FC94B}">
-                <ma14:wrappingTextBoxFlag xmlns="" xmlns:ma14="http://schemas.microsoft.com/office/mac/drawingml/2011/main" val="1"/>
+                <ma14:wrappingTextBoxFlag xmlns:ma14="http://schemas.microsoft.com/office/mac/drawingml/2011/main" xmlns="" val="1"/>
               </a:ext>
             </a:extLst>
           </p:spPr>
@@ -6869,7 +6869,7 @@
                     <a:srgbClr val="4277BB"/>
                   </a:solidFill>
                 </a:rPr>
-                <a:t>VM1</a:t>
+                <a:t>VSI</a:t>
               </a:r>
               <a:endParaRPr sz="1000" b="1" dirty="0">
                 <a:solidFill>
@@ -6894,7 +6894,7 @@
           <p:spPr>
             <a:xfrm>
               <a:off x="3727818" y="2796009"/>
-              <a:ext cx="262892" cy="153888"/>
+              <a:ext cx="205184" cy="153888"/>
             </a:xfrm>
             <a:prstGeom prst="rect">
               <a:avLst/>
@@ -6904,7 +6904,7 @@
             </a:ln>
             <a:extLst>
               <a:ext uri="{C572A759-6A51-4108-AA02-DFA0A04FC94B}">
-                <ma14:wrappingTextBoxFlag xmlns="" xmlns:ma14="http://schemas.microsoft.com/office/mac/drawingml/2011/main" val="1"/>
+                <ma14:wrappingTextBoxFlag xmlns:ma14="http://schemas.microsoft.com/office/mac/drawingml/2011/main" xmlns="" val="1"/>
               </a:ext>
             </a:extLst>
           </p:spPr>
@@ -6939,7 +6939,7 @@
                     <a:srgbClr val="4277BB"/>
                   </a:solidFill>
                 </a:rPr>
-                <a:t>VM2</a:t>
+                <a:t>VSI</a:t>
               </a:r>
               <a:endParaRPr sz="1000" b="1" dirty="0">
                 <a:solidFill>
@@ -6964,7 +6964,7 @@
           <p:spPr>
             <a:xfrm>
               <a:off x="5613763" y="2800329"/>
-              <a:ext cx="262892" cy="153888"/>
+              <a:ext cx="205184" cy="153888"/>
             </a:xfrm>
             <a:prstGeom prst="rect">
               <a:avLst/>
@@ -6974,7 +6974,7 @@
             </a:ln>
             <a:extLst>
               <a:ext uri="{C572A759-6A51-4108-AA02-DFA0A04FC94B}">
-                <ma14:wrappingTextBoxFlag xmlns="" xmlns:ma14="http://schemas.microsoft.com/office/mac/drawingml/2011/main" val="1"/>
+                <ma14:wrappingTextBoxFlag xmlns:ma14="http://schemas.microsoft.com/office/mac/drawingml/2011/main" xmlns="" val="1"/>
               </a:ext>
             </a:extLst>
           </p:spPr>
@@ -7009,7 +7009,7 @@
                     <a:srgbClr val="4277BB"/>
                   </a:solidFill>
                 </a:rPr>
-                <a:t>VM5</a:t>
+                <a:t>VSI</a:t>
               </a:r>
               <a:endParaRPr sz="1000" b="1" dirty="0">
                 <a:solidFill>
@@ -7034,7 +7034,7 @@
           <p:spPr>
             <a:xfrm>
               <a:off x="6263757" y="2803438"/>
-              <a:ext cx="262892" cy="153888"/>
+              <a:ext cx="205184" cy="153888"/>
             </a:xfrm>
             <a:prstGeom prst="rect">
               <a:avLst/>
@@ -7044,7 +7044,7 @@
             </a:ln>
             <a:extLst>
               <a:ext uri="{C572A759-6A51-4108-AA02-DFA0A04FC94B}">
-                <ma14:wrappingTextBoxFlag xmlns="" xmlns:ma14="http://schemas.microsoft.com/office/mac/drawingml/2011/main" val="1"/>
+                <ma14:wrappingTextBoxFlag xmlns:ma14="http://schemas.microsoft.com/office/mac/drawingml/2011/main" xmlns="" val="1"/>
               </a:ext>
             </a:extLst>
           </p:spPr>
@@ -7079,7 +7079,7 @@
                     <a:srgbClr val="4277BB"/>
                   </a:solidFill>
                 </a:rPr>
-                <a:t>VM6</a:t>
+                <a:t>VSI</a:t>
               </a:r>
               <a:endParaRPr sz="1000" b="1" dirty="0">
                 <a:solidFill>
@@ -7114,7 +7114,7 @@
             </a:ln>
             <a:extLst>
               <a:ext uri="{C572A759-6A51-4108-AA02-DFA0A04FC94B}">
-                <ma14:wrappingTextBoxFlag xmlns="" xmlns:ma14="http://schemas.microsoft.com/office/mac/drawingml/2011/main" val="1"/>
+                <ma14:wrappingTextBoxFlag xmlns:ma14="http://schemas.microsoft.com/office/mac/drawingml/2011/main" xmlns="" val="1"/>
               </a:ext>
             </a:extLst>
           </p:spPr>
@@ -7184,7 +7184,7 @@
             </a:ln>
             <a:extLst>
               <a:ext uri="{C572A759-6A51-4108-AA02-DFA0A04FC94B}">
-                <ma14:wrappingTextBoxFlag xmlns="" xmlns:ma14="http://schemas.microsoft.com/office/mac/drawingml/2011/main" val="1"/>
+                <ma14:wrappingTextBoxFlag xmlns:ma14="http://schemas.microsoft.com/office/mac/drawingml/2011/main" xmlns="" val="1"/>
               </a:ext>
             </a:extLst>
           </p:spPr>
@@ -7297,7 +7297,7 @@
           </a:ln>
           <a:extLst>
             <a:ext uri="{C572A759-6A51-4108-AA02-DFA0A04FC94B}">
-              <ma14:wrappingTextBoxFlag xmlns="" xmlns:ma14="http://schemas.microsoft.com/office/mac/drawingml/2011/main" val="1"/>
+              <ma14:wrappingTextBoxFlag xmlns:ma14="http://schemas.microsoft.com/office/mac/drawingml/2011/main" xmlns="" val="1"/>
             </a:ext>
           </a:extLst>
         </p:spPr>
@@ -8777,7 +8777,7 @@
           </a:ln>
           <a:extLst>
             <a:ext uri="{C572A759-6A51-4108-AA02-DFA0A04FC94B}">
-              <ma14:wrappingTextBoxFlag xmlns="" xmlns:ma14="http://schemas.microsoft.com/office/mac/drawingml/2011/main" val="1"/>
+              <ma14:wrappingTextBoxFlag xmlns:ma14="http://schemas.microsoft.com/office/mac/drawingml/2011/main" xmlns="" val="1"/>
             </a:ext>
           </a:extLst>
         </p:spPr>
@@ -8847,7 +8847,7 @@
           </a:ln>
           <a:extLst>
             <a:ext uri="{C572A759-6A51-4108-AA02-DFA0A04FC94B}">
-              <ma14:wrappingTextBoxFlag xmlns="" xmlns:ma14="http://schemas.microsoft.com/office/mac/drawingml/2011/main" val="1"/>
+              <ma14:wrappingTextBoxFlag xmlns:ma14="http://schemas.microsoft.com/office/mac/drawingml/2011/main" xmlns="" val="1"/>
             </a:ext>
           </a:extLst>
         </p:spPr>
@@ -8977,7 +8977,7 @@
           </a:ln>
           <a:extLst>
             <a:ext uri="{C572A759-6A51-4108-AA02-DFA0A04FC94B}">
-              <ma14:wrappingTextBoxFlag xmlns="" xmlns:ma14="http://schemas.microsoft.com/office/mac/drawingml/2011/main" val="1"/>
+              <ma14:wrappingTextBoxFlag xmlns:ma14="http://schemas.microsoft.com/office/mac/drawingml/2011/main" xmlns="" val="1"/>
             </a:ext>
           </a:extLst>
         </p:spPr>
@@ -9047,7 +9047,7 @@
           </a:ln>
           <a:extLst>
             <a:ext uri="{C572A759-6A51-4108-AA02-DFA0A04FC94B}">
-              <ma14:wrappingTextBoxFlag xmlns="" xmlns:ma14="http://schemas.microsoft.com/office/mac/drawingml/2011/main" val="1"/>
+              <ma14:wrappingTextBoxFlag xmlns:ma14="http://schemas.microsoft.com/office/mac/drawingml/2011/main" xmlns="" val="1"/>
             </a:ext>
           </a:extLst>
         </p:spPr>
@@ -9471,7 +9471,7 @@
         <p:spPr>
           <a:xfrm>
             <a:off x="3084889" y="4882488"/>
-            <a:ext cx="262892" cy="153888"/>
+            <a:ext cx="205184" cy="153888"/>
           </a:xfrm>
           <a:prstGeom prst="rect">
             <a:avLst/>
@@ -9481,7 +9481,7 @@
           </a:ln>
           <a:extLst>
             <a:ext uri="{C572A759-6A51-4108-AA02-DFA0A04FC94B}">
-              <ma14:wrappingTextBoxFlag xmlns="" xmlns:ma14="http://schemas.microsoft.com/office/mac/drawingml/2011/main" val="1"/>
+              <ma14:wrappingTextBoxFlag xmlns:ma14="http://schemas.microsoft.com/office/mac/drawingml/2011/main" xmlns="" val="1"/>
             </a:ext>
           </a:extLst>
         </p:spPr>
@@ -9516,7 +9516,7 @@
                   <a:srgbClr val="4277BB"/>
                 </a:solidFill>
               </a:rPr>
-              <a:t>VM3</a:t>
+              <a:t>VSI</a:t>
             </a:r>
             <a:endParaRPr sz="1000" b="1" dirty="0">
               <a:solidFill>
@@ -9541,7 +9541,7 @@
         <p:spPr>
           <a:xfrm>
             <a:off x="3727818" y="4882488"/>
-            <a:ext cx="262892" cy="153888"/>
+            <a:ext cx="205184" cy="153888"/>
           </a:xfrm>
           <a:prstGeom prst="rect">
             <a:avLst/>
@@ -9551,7 +9551,7 @@
           </a:ln>
           <a:extLst>
             <a:ext uri="{C572A759-6A51-4108-AA02-DFA0A04FC94B}">
-              <ma14:wrappingTextBoxFlag xmlns="" xmlns:ma14="http://schemas.microsoft.com/office/mac/drawingml/2011/main" val="1"/>
+              <ma14:wrappingTextBoxFlag xmlns:ma14="http://schemas.microsoft.com/office/mac/drawingml/2011/main" xmlns="" val="1"/>
             </a:ext>
           </a:extLst>
         </p:spPr>
@@ -9586,7 +9586,7 @@
                   <a:srgbClr val="4277BB"/>
                 </a:solidFill>
               </a:rPr>
-              <a:t>VM4</a:t>
+              <a:t>VSI</a:t>
             </a:r>
             <a:endParaRPr sz="1000" b="1" dirty="0">
               <a:solidFill>
@@ -9611,7 +9611,7 @@
         <p:spPr>
           <a:xfrm>
             <a:off x="6239124" y="4883248"/>
-            <a:ext cx="262892" cy="153888"/>
+            <a:ext cx="205184" cy="153888"/>
           </a:xfrm>
           <a:prstGeom prst="rect">
             <a:avLst/>
@@ -9621,7 +9621,7 @@
           </a:ln>
           <a:extLst>
             <a:ext uri="{C572A759-6A51-4108-AA02-DFA0A04FC94B}">
-              <ma14:wrappingTextBoxFlag xmlns="" xmlns:ma14="http://schemas.microsoft.com/office/mac/drawingml/2011/main" val="1"/>
+              <ma14:wrappingTextBoxFlag xmlns:ma14="http://schemas.microsoft.com/office/mac/drawingml/2011/main" xmlns="" val="1"/>
             </a:ext>
           </a:extLst>
         </p:spPr>
@@ -9656,7 +9656,7 @@
                   <a:srgbClr val="4277BB"/>
                 </a:solidFill>
               </a:rPr>
-              <a:t>VM8</a:t>
+              <a:t>VSI</a:t>
             </a:r>
             <a:endParaRPr sz="1000" b="1" dirty="0">
               <a:solidFill>
@@ -9681,7 +9681,7 @@
         <p:spPr>
           <a:xfrm>
             <a:off x="5614048" y="4902793"/>
-            <a:ext cx="262892" cy="153888"/>
+            <a:ext cx="205184" cy="153888"/>
           </a:xfrm>
           <a:prstGeom prst="rect">
             <a:avLst/>
@@ -9691,7 +9691,7 @@
           </a:ln>
           <a:extLst>
             <a:ext uri="{C572A759-6A51-4108-AA02-DFA0A04FC94B}">
-              <ma14:wrappingTextBoxFlag xmlns="" xmlns:ma14="http://schemas.microsoft.com/office/mac/drawingml/2011/main" val="1"/>
+              <ma14:wrappingTextBoxFlag xmlns:ma14="http://schemas.microsoft.com/office/mac/drawingml/2011/main" xmlns="" val="1"/>
             </a:ext>
           </a:extLst>
         </p:spPr>
@@ -9726,7 +9726,7 @@
                   <a:srgbClr val="4277BB"/>
                 </a:solidFill>
               </a:rPr>
-              <a:t>VM7</a:t>
+              <a:t>VSI</a:t>
             </a:r>
             <a:endParaRPr sz="1000" b="1" dirty="0">
               <a:solidFill>
@@ -9839,7 +9839,7 @@
           </a:ln>
           <a:extLst>
             <a:ext uri="{C572A759-6A51-4108-AA02-DFA0A04FC94B}">
-              <ma14:wrappingTextBoxFlag xmlns="" xmlns:ma14="http://schemas.microsoft.com/office/mac/drawingml/2011/main" val="1"/>
+              <ma14:wrappingTextBoxFlag xmlns:ma14="http://schemas.microsoft.com/office/mac/drawingml/2011/main" xmlns="" val="1"/>
             </a:ext>
           </a:extLst>
         </p:spPr>
@@ -10638,7 +10638,7 @@
           </a:ln>
           <a:extLst>
             <a:ext uri="{C572A759-6A51-4108-AA02-DFA0A04FC94B}">
-              <ma14:wrappingTextBoxFlag xmlns:ma14="http://schemas.microsoft.com/office/mac/drawingml/2011/main" xmlns="" val="1"/>
+              <ma14:wrappingTextBoxFlag xmlns="" xmlns:ma14="http://schemas.microsoft.com/office/mac/drawingml/2011/main" val="1"/>
             </a:ext>
           </a:extLst>
         </p:spPr>
@@ -10686,7 +10686,7 @@
           </a:ln>
           <a:extLst>
             <a:ext uri="{C572A759-6A51-4108-AA02-DFA0A04FC94B}">
-              <ma14:wrappingTextBoxFlag xmlns:ma14="http://schemas.microsoft.com/office/mac/drawingml/2011/main" xmlns="" val="1"/>
+              <ma14:wrappingTextBoxFlag xmlns="" xmlns:ma14="http://schemas.microsoft.com/office/mac/drawingml/2011/main" val="1"/>
             </a:ext>
           </a:extLst>
         </p:spPr>
@@ -10841,7 +10841,7 @@
             <a:effectLst/>
             <a:extLst>
               <a:ext uri="{C572A759-6A51-4108-AA02-DFA0A04FC94B}">
-                <ma14:wrappingTextBoxFlag xmlns:ma14="http://schemas.microsoft.com/office/mac/drawingml/2011/main" xmlns="" val="1"/>
+                <ma14:wrappingTextBoxFlag xmlns="" xmlns:ma14="http://schemas.microsoft.com/office/mac/drawingml/2011/main" val="1"/>
               </a:ext>
             </a:extLst>
           </p:spPr>
@@ -11003,7 +11003,7 @@
             <a:effectLst/>
             <a:extLst>
               <a:ext uri="{C572A759-6A51-4108-AA02-DFA0A04FC94B}">
-                <ma14:wrappingTextBoxFlag xmlns:ma14="http://schemas.microsoft.com/office/mac/drawingml/2011/main" xmlns="" val="1"/>
+                <ma14:wrappingTextBoxFlag xmlns="" xmlns:ma14="http://schemas.microsoft.com/office/mac/drawingml/2011/main" val="1"/>
               </a:ext>
             </a:extLst>
           </p:spPr>
@@ -11165,7 +11165,7 @@
             <a:effectLst/>
             <a:extLst>
               <a:ext uri="{C572A759-6A51-4108-AA02-DFA0A04FC94B}">
-                <ma14:wrappingTextBoxFlag xmlns:ma14="http://schemas.microsoft.com/office/mac/drawingml/2011/main" xmlns="" val="1"/>
+                <ma14:wrappingTextBoxFlag xmlns="" xmlns:ma14="http://schemas.microsoft.com/office/mac/drawingml/2011/main" val="1"/>
               </a:ext>
             </a:extLst>
           </p:spPr>
@@ -11327,7 +11327,7 @@
             <a:effectLst/>
             <a:extLst>
               <a:ext uri="{C572A759-6A51-4108-AA02-DFA0A04FC94B}">
-                <ma14:wrappingTextBoxFlag xmlns:ma14="http://schemas.microsoft.com/office/mac/drawingml/2011/main" xmlns="" val="1"/>
+                <ma14:wrappingTextBoxFlag xmlns="" xmlns:ma14="http://schemas.microsoft.com/office/mac/drawingml/2011/main" val="1"/>
               </a:ext>
             </a:extLst>
           </p:spPr>
@@ -11489,7 +11489,7 @@
             <a:effectLst/>
             <a:extLst>
               <a:ext uri="{C572A759-6A51-4108-AA02-DFA0A04FC94B}">
-                <ma14:wrappingTextBoxFlag xmlns:ma14="http://schemas.microsoft.com/office/mac/drawingml/2011/main" xmlns="" val="1"/>
+                <ma14:wrappingTextBoxFlag xmlns="" xmlns:ma14="http://schemas.microsoft.com/office/mac/drawingml/2011/main" val="1"/>
               </a:ext>
             </a:extLst>
           </p:spPr>
@@ -11651,7 +11651,7 @@
             <a:effectLst/>
             <a:extLst>
               <a:ext uri="{C572A759-6A51-4108-AA02-DFA0A04FC94B}">
-                <ma14:wrappingTextBoxFlag xmlns:ma14="http://schemas.microsoft.com/office/mac/drawingml/2011/main" xmlns="" val="1"/>
+                <ma14:wrappingTextBoxFlag xmlns="" xmlns:ma14="http://schemas.microsoft.com/office/mac/drawingml/2011/main" val="1"/>
               </a:ext>
             </a:extLst>
           </p:spPr>
@@ -11813,7 +11813,7 @@
             <a:effectLst/>
             <a:extLst>
               <a:ext uri="{C572A759-6A51-4108-AA02-DFA0A04FC94B}">
-                <ma14:wrappingTextBoxFlag xmlns:ma14="http://schemas.microsoft.com/office/mac/drawingml/2011/main" xmlns="" val="1"/>
+                <ma14:wrappingTextBoxFlag xmlns="" xmlns:ma14="http://schemas.microsoft.com/office/mac/drawingml/2011/main" val="1"/>
               </a:ext>
             </a:extLst>
           </p:spPr>
@@ -11975,7 +11975,7 @@
             <a:effectLst/>
             <a:extLst>
               <a:ext uri="{C572A759-6A51-4108-AA02-DFA0A04FC94B}">
-                <ma14:wrappingTextBoxFlag xmlns:ma14="http://schemas.microsoft.com/office/mac/drawingml/2011/main" xmlns="" val="1"/>
+                <ma14:wrappingTextBoxFlag xmlns="" xmlns:ma14="http://schemas.microsoft.com/office/mac/drawingml/2011/main" val="1"/>
               </a:ext>
             </a:extLst>
           </p:spPr>
@@ -12137,7 +12137,7 @@
             <a:effectLst/>
             <a:extLst>
               <a:ext uri="{C572A759-6A51-4108-AA02-DFA0A04FC94B}">
-                <ma14:wrappingTextBoxFlag xmlns:ma14="http://schemas.microsoft.com/office/mac/drawingml/2011/main" xmlns="" val="1"/>
+                <ma14:wrappingTextBoxFlag xmlns="" xmlns:ma14="http://schemas.microsoft.com/office/mac/drawingml/2011/main" val="1"/>
               </a:ext>
             </a:extLst>
           </p:spPr>
@@ -12299,7 +12299,7 @@
             <a:effectLst/>
             <a:extLst>
               <a:ext uri="{C572A759-6A51-4108-AA02-DFA0A04FC94B}">
-                <ma14:wrappingTextBoxFlag xmlns:ma14="http://schemas.microsoft.com/office/mac/drawingml/2011/main" xmlns="" val="1"/>
+                <ma14:wrappingTextBoxFlag xmlns="" xmlns:ma14="http://schemas.microsoft.com/office/mac/drawingml/2011/main" val="1"/>
               </a:ext>
             </a:extLst>
           </p:spPr>
@@ -12461,7 +12461,7 @@
             <a:effectLst/>
             <a:extLst>
               <a:ext uri="{C572A759-6A51-4108-AA02-DFA0A04FC94B}">
-                <ma14:wrappingTextBoxFlag xmlns:ma14="http://schemas.microsoft.com/office/mac/drawingml/2011/main" xmlns="" val="1"/>
+                <ma14:wrappingTextBoxFlag xmlns="" xmlns:ma14="http://schemas.microsoft.com/office/mac/drawingml/2011/main" val="1"/>
               </a:ext>
             </a:extLst>
           </p:spPr>
@@ -12623,7 +12623,7 @@
             <a:effectLst/>
             <a:extLst>
               <a:ext uri="{C572A759-6A51-4108-AA02-DFA0A04FC94B}">
-                <ma14:wrappingTextBoxFlag xmlns:ma14="http://schemas.microsoft.com/office/mac/drawingml/2011/main" xmlns="" val="1"/>
+                <ma14:wrappingTextBoxFlag xmlns="" xmlns:ma14="http://schemas.microsoft.com/office/mac/drawingml/2011/main" val="1"/>
               </a:ext>
             </a:extLst>
           </p:spPr>
@@ -12785,7 +12785,7 @@
             <a:effectLst/>
             <a:extLst>
               <a:ext uri="{C572A759-6A51-4108-AA02-DFA0A04FC94B}">
-                <ma14:wrappingTextBoxFlag xmlns:ma14="http://schemas.microsoft.com/office/mac/drawingml/2011/main" xmlns="" val="1"/>
+                <ma14:wrappingTextBoxFlag xmlns="" xmlns:ma14="http://schemas.microsoft.com/office/mac/drawingml/2011/main" val="1"/>
               </a:ext>
             </a:extLst>
           </p:spPr>
@@ -12947,7 +12947,7 @@
             <a:effectLst/>
             <a:extLst>
               <a:ext uri="{C572A759-6A51-4108-AA02-DFA0A04FC94B}">
-                <ma14:wrappingTextBoxFlag xmlns:ma14="http://schemas.microsoft.com/office/mac/drawingml/2011/main" xmlns="" val="1"/>
+                <ma14:wrappingTextBoxFlag xmlns="" xmlns:ma14="http://schemas.microsoft.com/office/mac/drawingml/2011/main" val="1"/>
               </a:ext>
             </a:extLst>
           </p:spPr>
@@ -13109,7 +13109,7 @@
             <a:effectLst/>
             <a:extLst>
               <a:ext uri="{C572A759-6A51-4108-AA02-DFA0A04FC94B}">
-                <ma14:wrappingTextBoxFlag xmlns:ma14="http://schemas.microsoft.com/office/mac/drawingml/2011/main" xmlns="" val="1"/>
+                <ma14:wrappingTextBoxFlag xmlns="" xmlns:ma14="http://schemas.microsoft.com/office/mac/drawingml/2011/main" val="1"/>
               </a:ext>
             </a:extLst>
           </p:spPr>
@@ -13271,7 +13271,7 @@
             <a:effectLst/>
             <a:extLst>
               <a:ext uri="{C572A759-6A51-4108-AA02-DFA0A04FC94B}">
-                <ma14:wrappingTextBoxFlag xmlns:ma14="http://schemas.microsoft.com/office/mac/drawingml/2011/main" xmlns="" val="1"/>
+                <ma14:wrappingTextBoxFlag xmlns="" xmlns:ma14="http://schemas.microsoft.com/office/mac/drawingml/2011/main" val="1"/>
               </a:ext>
             </a:extLst>
           </p:spPr>
@@ -13433,7 +13433,7 @@
             <a:effectLst/>
             <a:extLst>
               <a:ext uri="{C572A759-6A51-4108-AA02-DFA0A04FC94B}">
-                <ma14:wrappingTextBoxFlag xmlns:ma14="http://schemas.microsoft.com/office/mac/drawingml/2011/main" xmlns="" val="1"/>
+                <ma14:wrappingTextBoxFlag xmlns="" xmlns:ma14="http://schemas.microsoft.com/office/mac/drawingml/2011/main" val="1"/>
               </a:ext>
             </a:extLst>
           </p:spPr>
@@ -13595,7 +13595,7 @@
             <a:effectLst/>
             <a:extLst>
               <a:ext uri="{C572A759-6A51-4108-AA02-DFA0A04FC94B}">
-                <ma14:wrappingTextBoxFlag xmlns:ma14="http://schemas.microsoft.com/office/mac/drawingml/2011/main" xmlns="" val="1"/>
+                <ma14:wrappingTextBoxFlag xmlns="" xmlns:ma14="http://schemas.microsoft.com/office/mac/drawingml/2011/main" val="1"/>
               </a:ext>
             </a:extLst>
           </p:spPr>
@@ -13757,7 +13757,7 @@
             <a:effectLst/>
             <a:extLst>
               <a:ext uri="{C572A759-6A51-4108-AA02-DFA0A04FC94B}">
-                <ma14:wrappingTextBoxFlag xmlns:ma14="http://schemas.microsoft.com/office/mac/drawingml/2011/main" xmlns="" val="1"/>
+                <ma14:wrappingTextBoxFlag xmlns="" xmlns:ma14="http://schemas.microsoft.com/office/mac/drawingml/2011/main" val="1"/>
               </a:ext>
             </a:extLst>
           </p:spPr>
@@ -13919,7 +13919,7 @@
             <a:effectLst/>
             <a:extLst>
               <a:ext uri="{C572A759-6A51-4108-AA02-DFA0A04FC94B}">
-                <ma14:wrappingTextBoxFlag xmlns:ma14="http://schemas.microsoft.com/office/mac/drawingml/2011/main" xmlns="" val="1"/>
+                <ma14:wrappingTextBoxFlag xmlns="" xmlns:ma14="http://schemas.microsoft.com/office/mac/drawingml/2011/main" val="1"/>
               </a:ext>
             </a:extLst>
           </p:spPr>
@@ -14041,7 +14041,7 @@
           </a:ln>
           <a:extLst>
             <a:ext uri="{C572A759-6A51-4108-AA02-DFA0A04FC94B}">
-              <ma14:wrappingTextBoxFlag xmlns:ma14="http://schemas.microsoft.com/office/mac/drawingml/2011/main" xmlns="" val="1"/>
+              <ma14:wrappingTextBoxFlag xmlns="" xmlns:ma14="http://schemas.microsoft.com/office/mac/drawingml/2011/main" val="1"/>
             </a:ext>
           </a:extLst>
         </p:spPr>
@@ -14089,7 +14089,7 @@
           </a:ln>
           <a:extLst>
             <a:ext uri="{C572A759-6A51-4108-AA02-DFA0A04FC94B}">
-              <ma14:wrappingTextBoxFlag xmlns:ma14="http://schemas.microsoft.com/office/mac/drawingml/2011/main" xmlns="" val="1"/>
+              <ma14:wrappingTextBoxFlag xmlns="" xmlns:ma14="http://schemas.microsoft.com/office/mac/drawingml/2011/main" val="1"/>
             </a:ext>
           </a:extLst>
         </p:spPr>
@@ -14424,7 +14424,7 @@
               <a:effectLst/>
               <a:extLst>
                 <a:ext uri="{C572A759-6A51-4108-AA02-DFA0A04FC94B}">
-                  <ma14:wrappingTextBoxFlag xmlns:ma14="http://schemas.microsoft.com/office/mac/drawingml/2011/main" xmlns="" val="1"/>
+                  <ma14:wrappingTextBoxFlag xmlns="" xmlns:ma14="http://schemas.microsoft.com/office/mac/drawingml/2011/main" val="1"/>
                 </a:ext>
               </a:extLst>
             </p:spPr>

--- a/powerpoint/templates/VirtualPrivateCloudEditablePPT.pptx
+++ b/powerpoint/templates/VirtualPrivateCloudEditablePPT.pptx
@@ -791,7 +791,7 @@
           </a:ln>
           <a:extLst>
             <a:ext uri="{C572A759-6A51-4108-AA02-DFA0A04FC94B}">
-              <ma14:wrappingTextBoxFlag xmlns:ma14="http://schemas.microsoft.com/office/mac/drawingml/2011/main" xmlns="" val="1"/>
+              <ma14:wrappingTextBoxFlag xmlns="" xmlns:ma14="http://schemas.microsoft.com/office/mac/drawingml/2011/main" val="1"/>
             </a:ext>
           </a:extLst>
         </p:spPr>
@@ -844,7 +844,7 @@
           </a:ln>
           <a:extLst>
             <a:ext uri="{C572A759-6A51-4108-AA02-DFA0A04FC94B}">
-              <ma14:wrappingTextBoxFlag xmlns:ma14="http://schemas.microsoft.com/office/mac/drawingml/2011/main" xmlns="" val="1"/>
+              <ma14:wrappingTextBoxFlag xmlns="" xmlns:ma14="http://schemas.microsoft.com/office/mac/drawingml/2011/main" val="1"/>
             </a:ext>
           </a:extLst>
         </p:spPr>
@@ -892,7 +892,7 @@
           </a:ln>
           <a:extLst>
             <a:ext uri="{C572A759-6A51-4108-AA02-DFA0A04FC94B}">
-              <ma14:wrappingTextBoxFlag xmlns:ma14="http://schemas.microsoft.com/office/mac/drawingml/2011/main" xmlns="" val="1"/>
+              <ma14:wrappingTextBoxFlag xmlns="" xmlns:ma14="http://schemas.microsoft.com/office/mac/drawingml/2011/main" val="1"/>
             </a:ext>
           </a:extLst>
         </p:spPr>
@@ -980,7 +980,7 @@
           </a:ln>
           <a:extLst>
             <a:ext uri="{C572A759-6A51-4108-AA02-DFA0A04FC94B}">
-              <ma14:wrappingTextBoxFlag xmlns:ma14="http://schemas.microsoft.com/office/mac/drawingml/2011/main" xmlns="" val="1"/>
+              <ma14:wrappingTextBoxFlag xmlns="" xmlns:ma14="http://schemas.microsoft.com/office/mac/drawingml/2011/main" val="1"/>
             </a:ext>
           </a:extLst>
         </p:spPr>
@@ -1033,7 +1033,7 @@
           </a:ln>
           <a:extLst>
             <a:ext uri="{C572A759-6A51-4108-AA02-DFA0A04FC94B}">
-              <ma14:wrappingTextBoxFlag xmlns:ma14="http://schemas.microsoft.com/office/mac/drawingml/2011/main" xmlns="" val="1"/>
+              <ma14:wrappingTextBoxFlag xmlns="" xmlns:ma14="http://schemas.microsoft.com/office/mac/drawingml/2011/main" val="1"/>
             </a:ext>
           </a:extLst>
         </p:spPr>
@@ -1081,7 +1081,7 @@
           </a:ln>
           <a:extLst>
             <a:ext uri="{C572A759-6A51-4108-AA02-DFA0A04FC94B}">
-              <ma14:wrappingTextBoxFlag xmlns:ma14="http://schemas.microsoft.com/office/mac/drawingml/2011/main" xmlns="" val="1"/>
+              <ma14:wrappingTextBoxFlag xmlns="" xmlns:ma14="http://schemas.microsoft.com/office/mac/drawingml/2011/main" val="1"/>
             </a:ext>
           </a:extLst>
         </p:spPr>
@@ -1245,7 +1245,7 @@
           </a:ln>
           <a:extLst>
             <a:ext uri="{C572A759-6A51-4108-AA02-DFA0A04FC94B}">
-              <ma14:wrappingTextBoxFlag xmlns:ma14="http://schemas.microsoft.com/office/mac/drawingml/2011/main" xmlns="" val="1"/>
+              <ma14:wrappingTextBoxFlag xmlns="" xmlns:ma14="http://schemas.microsoft.com/office/mac/drawingml/2011/main" val="1"/>
             </a:ext>
           </a:extLst>
         </p:spPr>
@@ -1298,7 +1298,7 @@
           </a:ln>
           <a:extLst>
             <a:ext uri="{C572A759-6A51-4108-AA02-DFA0A04FC94B}">
-              <ma14:wrappingTextBoxFlag xmlns:ma14="http://schemas.microsoft.com/office/mac/drawingml/2011/main" xmlns="" val="1"/>
+              <ma14:wrappingTextBoxFlag xmlns="" xmlns:ma14="http://schemas.microsoft.com/office/mac/drawingml/2011/main" val="1"/>
             </a:ext>
           </a:extLst>
         </p:spPr>
@@ -1346,7 +1346,7 @@
           </a:ln>
           <a:extLst>
             <a:ext uri="{C572A759-6A51-4108-AA02-DFA0A04FC94B}">
-              <ma14:wrappingTextBoxFlag xmlns:ma14="http://schemas.microsoft.com/office/mac/drawingml/2011/main" xmlns="" val="1"/>
+              <ma14:wrappingTextBoxFlag xmlns="" xmlns:ma14="http://schemas.microsoft.com/office/mac/drawingml/2011/main" val="1"/>
             </a:ext>
           </a:extLst>
         </p:spPr>
@@ -1536,7 +1536,7 @@
           </a:ln>
           <a:extLst>
             <a:ext uri="{C572A759-6A51-4108-AA02-DFA0A04FC94B}">
-              <ma14:wrappingTextBoxFlag xmlns:ma14="http://schemas.microsoft.com/office/mac/drawingml/2011/main" xmlns="" val="1"/>
+              <ma14:wrappingTextBoxFlag xmlns="" xmlns:ma14="http://schemas.microsoft.com/office/mac/drawingml/2011/main" val="1"/>
             </a:ext>
           </a:extLst>
         </p:spPr>
@@ -1674,7 +1674,7 @@
           </a:ln>
           <a:extLst>
             <a:ext uri="{C572A759-6A51-4108-AA02-DFA0A04FC94B}">
-              <ma14:wrappingTextBoxFlag xmlns:ma14="http://schemas.microsoft.com/office/mac/drawingml/2011/main" xmlns="" val="1"/>
+              <ma14:wrappingTextBoxFlag xmlns="" xmlns:ma14="http://schemas.microsoft.com/office/mac/drawingml/2011/main" val="1"/>
             </a:ext>
           </a:extLst>
         </p:spPr>
@@ -1727,7 +1727,7 @@
           </a:ln>
           <a:extLst>
             <a:ext uri="{C572A759-6A51-4108-AA02-DFA0A04FC94B}">
-              <ma14:wrappingTextBoxFlag xmlns:ma14="http://schemas.microsoft.com/office/mac/drawingml/2011/main" xmlns="" val="1"/>
+              <ma14:wrappingTextBoxFlag xmlns="" xmlns:ma14="http://schemas.microsoft.com/office/mac/drawingml/2011/main" val="1"/>
             </a:ext>
           </a:extLst>
         </p:spPr>
@@ -1801,7 +1801,7 @@
           </a:ln>
           <a:extLst>
             <a:ext uri="{C572A759-6A51-4108-AA02-DFA0A04FC94B}">
-              <ma14:wrappingTextBoxFlag xmlns:ma14="http://schemas.microsoft.com/office/mac/drawingml/2011/main" xmlns="" val="1"/>
+              <ma14:wrappingTextBoxFlag xmlns="" xmlns:ma14="http://schemas.microsoft.com/office/mac/drawingml/2011/main" val="1"/>
             </a:ext>
           </a:extLst>
         </p:spPr>
@@ -2770,7 +2770,7 @@
           </a:ln>
           <a:extLst>
             <a:ext uri="{C572A759-6A51-4108-AA02-DFA0A04FC94B}">
-              <ma14:wrappingTextBoxFlag xmlns:ma14="http://schemas.microsoft.com/office/mac/drawingml/2011/main" xmlns="" val="1"/>
+              <ma14:wrappingTextBoxFlag xmlns="" xmlns:ma14="http://schemas.microsoft.com/office/mac/drawingml/2011/main" val="1"/>
             </a:ext>
           </a:extLst>
         </p:spPr>
@@ -2813,7 +2813,7 @@
           </a:ln>
           <a:extLst>
             <a:ext uri="{C572A759-6A51-4108-AA02-DFA0A04FC94B}">
-              <ma14:wrappingTextBoxFlag xmlns:ma14="http://schemas.microsoft.com/office/mac/drawingml/2011/main" xmlns="" val="1"/>
+              <ma14:wrappingTextBoxFlag xmlns="" xmlns:ma14="http://schemas.microsoft.com/office/mac/drawingml/2011/main" val="1"/>
             </a:ext>
           </a:extLst>
         </p:spPr>
@@ -3261,7 +3261,7 @@
           </a:ln>
           <a:extLst>
             <a:ext uri="{C572A759-6A51-4108-AA02-DFA0A04FC94B}">
-              <ma14:wrappingTextBoxFlag xmlns:ma14="http://schemas.microsoft.com/office/mac/drawingml/2011/main" xmlns="" val="1"/>
+              <ma14:wrappingTextBoxFlag xmlns="" xmlns:ma14="http://schemas.microsoft.com/office/mac/drawingml/2011/main" val="1"/>
             </a:ext>
           </a:extLst>
         </p:spPr>
@@ -3310,7 +3310,7 @@
           </a:ln>
           <a:extLst>
             <a:ext uri="{C572A759-6A51-4108-AA02-DFA0A04FC94B}">
-              <ma14:wrappingTextBoxFlag xmlns:ma14="http://schemas.microsoft.com/office/mac/drawingml/2011/main" xmlns="" val="1"/>
+              <ma14:wrappingTextBoxFlag xmlns="" xmlns:ma14="http://schemas.microsoft.com/office/mac/drawingml/2011/main" val="1"/>
             </a:ext>
           </a:extLst>
         </p:spPr>
@@ -3813,7 +3813,7 @@
         </p:nvGrpSpPr>
         <p:grpSpPr>
           <a:xfrm>
-            <a:off x="2134225" y="3026263"/>
+            <a:off x="1881223" y="2504283"/>
             <a:ext cx="502920" cy="457200"/>
             <a:chOff x="5270034" y="4579362"/>
             <a:chExt cx="751660" cy="692612"/>
@@ -3957,7 +3957,7 @@
         </p:nvGrpSpPr>
         <p:grpSpPr>
           <a:xfrm>
-            <a:off x="7959824" y="5665288"/>
+            <a:off x="8248795" y="4724489"/>
             <a:ext cx="502920" cy="457200"/>
             <a:chOff x="8487970" y="1994397"/>
             <a:chExt cx="751660" cy="692612"/>
@@ -4122,7 +4122,7 @@
         </p:blipFill>
         <p:spPr>
           <a:xfrm>
-            <a:off x="361881" y="2634199"/>
+            <a:off x="63524" y="2397525"/>
             <a:ext cx="642178" cy="653063"/>
           </a:xfrm>
           <a:prstGeom prst="rect">
@@ -4144,7 +4144,7 @@
         </p:nvGrpSpPr>
         <p:grpSpPr>
           <a:xfrm>
-            <a:off x="8939500" y="3562259"/>
+            <a:off x="9139329" y="3292399"/>
             <a:ext cx="502920" cy="457200"/>
             <a:chOff x="8826" y="0"/>
             <a:chExt cx="707231" cy="707231"/>
@@ -4292,7 +4292,7 @@
         </p:nvGrpSpPr>
         <p:grpSpPr>
           <a:xfrm>
-            <a:off x="389197" y="1022453"/>
+            <a:off x="635482" y="1670536"/>
             <a:ext cx="502920" cy="457200"/>
             <a:chOff x="8826" y="0"/>
             <a:chExt cx="707231" cy="707231"/>
@@ -4440,7 +4440,7 @@
         </p:nvGrpSpPr>
         <p:grpSpPr>
           <a:xfrm>
-            <a:off x="8969478" y="5623709"/>
+            <a:off x="9145208" y="4709288"/>
             <a:ext cx="502920" cy="457200"/>
             <a:chOff x="75417" y="0"/>
             <a:chExt cx="707232" cy="707232"/>
@@ -4588,7 +4588,7 @@
         </p:nvGrpSpPr>
         <p:grpSpPr>
           <a:xfrm>
-            <a:off x="8969478" y="6450959"/>
+            <a:off x="9145208" y="6133807"/>
             <a:ext cx="502920" cy="457200"/>
             <a:chOff x="223397" y="0"/>
             <a:chExt cx="707232" cy="707232"/>
@@ -4736,7 +4736,7 @@
         </p:nvGrpSpPr>
         <p:grpSpPr>
           <a:xfrm>
-            <a:off x="8945889" y="2538934"/>
+            <a:off x="9145208" y="1669879"/>
             <a:ext cx="502920" cy="457200"/>
             <a:chOff x="196910" y="0"/>
             <a:chExt cx="707233" cy="707232"/>
@@ -4872,10 +4872,10 @@
       </p:grpSp>
       <p:cxnSp>
         <p:nvCxnSpPr>
-          <p:cNvPr id="111" name="Straight Arrow Connector 110">
+          <p:cNvPr id="190" name="Straight Arrow Connector 110">
             <a:extLst>
               <a:ext uri="{FF2B5EF4-FFF2-40B4-BE49-F238E27FC236}">
-                <a16:creationId xmlns:a16="http://schemas.microsoft.com/office/drawing/2014/main" id="{01FA9B46-FA0E-904E-9B87-E90906B58236}"/>
+                <a16:creationId xmlns:a16="http://schemas.microsoft.com/office/drawing/2014/main" id="{0B40E003-8582-A149-B974-255088761AB3}"/>
               </a:ext>
             </a:extLst>
           </p:cNvPr>
@@ -4885,60 +4885,14 @@
           <p:nvPr/>
         </p:nvCxnSpPr>
         <p:spPr>
-          <a:xfrm>
-            <a:off x="9321707" y="4055989"/>
-            <a:ext cx="0" cy="1267419"/>
+          <a:xfrm rot="10800000" flipV="1">
+            <a:off x="3202271" y="2616687"/>
+            <a:ext cx="1253266" cy="471457"/>
           </a:xfrm>
-          <a:prstGeom prst="straightConnector1">
-            <a:avLst/>
-          </a:prstGeom>
-          <a:noFill/>
-          <a:ln w="12700" cap="flat">
-            <a:solidFill>
-              <a:schemeClr val="tx1"/>
-            </a:solidFill>
-            <a:prstDash val="solid"/>
-            <a:miter lim="400000"/>
-            <a:headEnd type="triangle" w="lg" len="med"/>
-            <a:tailEnd type="triangle" w="lg" len="med"/>
-          </a:ln>
-          <a:effectLst/>
-        </p:spPr>
-        <p:style>
-          <a:lnRef idx="0">
-            <a:scrgbClr r="0" g="0" b="0"/>
-          </a:lnRef>
-          <a:fillRef idx="0">
-            <a:scrgbClr r="0" g="0" b="0"/>
-          </a:fillRef>
-          <a:effectRef idx="0">
-            <a:scrgbClr r="0" g="0" b="0"/>
-          </a:effectRef>
-          <a:fontRef idx="none"/>
-        </p:style>
-      </p:cxnSp>
-      <p:cxnSp>
-        <p:nvCxnSpPr>
-          <p:cNvPr id="190" name="Straight Arrow Connector 110">
-            <a:extLst>
-              <a:ext uri="{FF2B5EF4-FFF2-40B4-BE49-F238E27FC236}">
-                <a16:creationId xmlns:a16="http://schemas.microsoft.com/office/drawing/2014/main" id="{0B40E003-8582-A149-B974-255088761AB3}"/>
-              </a:ext>
-            </a:extLst>
-          </p:cNvPr>
-          <p:cNvCxnSpPr>
-            <a:cxnSpLocks/>
-            <a:endCxn id="285" idx="0"/>
-          </p:cNvCxnSpPr>
-          <p:nvPr/>
-        </p:nvCxnSpPr>
-        <p:spPr>
-          <a:xfrm rot="10800000" flipV="1">
-            <a:off x="3210595" y="2724578"/>
-            <a:ext cx="1383498" cy="339675"/>
-          </a:xfrm>
-          <a:prstGeom prst="bentConnector2">
-            <a:avLst/>
+          <a:prstGeom prst="bentConnector3">
+            <a:avLst>
+              <a:gd name="adj1" fmla="val 100318"/>
+            </a:avLst>
           </a:prstGeom>
           <a:noFill/>
           <a:ln w="12700" cap="flat">
@@ -4979,10 +4933,10 @@
         </p:nvGrpSpPr>
         <p:grpSpPr>
           <a:xfrm>
-            <a:off x="215911" y="120531"/>
-            <a:ext cx="9558104" cy="369332"/>
-            <a:chOff x="215911" y="120531"/>
-            <a:chExt cx="9558104" cy="369332"/>
+            <a:off x="407566" y="493805"/>
+            <a:ext cx="9558216" cy="433132"/>
+            <a:chOff x="407566" y="493805"/>
+            <a:chExt cx="9558216" cy="433132"/>
           </a:xfrm>
         </p:grpSpPr>
         <p:sp>
@@ -4999,7 +4953,7 @@
           </p:nvSpPr>
           <p:spPr>
             <a:xfrm>
-              <a:off x="8748093" y="120531"/>
+              <a:off x="8939860" y="557605"/>
               <a:ext cx="1025922" cy="369332"/>
             </a:xfrm>
             <a:prstGeom prst="rect">
@@ -5010,7 +4964,7 @@
             </a:ln>
             <a:extLst>
               <a:ext uri="{C572A759-6A51-4108-AA02-DFA0A04FC94B}">
-                <ma14:wrappingTextBoxFlag xmlns="" xmlns:ma14="http://schemas.microsoft.com/office/mac/drawingml/2011/main" val="1"/>
+                <ma14:wrappingTextBoxFlag xmlns:ma14="http://schemas.microsoft.com/office/mac/drawingml/2011/main" xmlns="" val="1"/>
               </a:ext>
             </a:extLst>
           </p:spPr>
@@ -5086,8 +5040,8 @@
           </p:nvSpPr>
           <p:spPr>
             <a:xfrm>
-              <a:off x="215911" y="120531"/>
-              <a:ext cx="787075" cy="369332"/>
+              <a:off x="407566" y="493805"/>
+              <a:ext cx="562655" cy="369332"/>
             </a:xfrm>
             <a:prstGeom prst="rect">
               <a:avLst/>
@@ -5097,7 +5051,7 @@
             </a:ln>
             <a:extLst>
               <a:ext uri="{C572A759-6A51-4108-AA02-DFA0A04FC94B}">
-                <ma14:wrappingTextBoxFlag xmlns="" xmlns:ma14="http://schemas.microsoft.com/office/mac/drawingml/2011/main" val="1"/>
+                <ma14:wrappingTextBoxFlag xmlns:ma14="http://schemas.microsoft.com/office/mac/drawingml/2011/main" xmlns="" val="1"/>
               </a:ext>
             </a:extLst>
           </p:spPr>
@@ -5132,7 +5086,7 @@
                     <a:schemeClr val="tx1"/>
                   </a:solidFill>
                 </a:rPr>
-                <a:t>PUBLIC </a:t>
+                <a:t>Public </a:t>
               </a:r>
             </a:p>
             <a:p>
@@ -5149,7 +5103,7 @@
                     <a:schemeClr val="tx1"/>
                   </a:solidFill>
                 </a:rPr>
-                <a:t>NETWORK</a:t>
+                <a:t>Network</a:t>
               </a:r>
               <a:endParaRPr sz="1200" b="0" dirty="0">
                 <a:solidFill>
@@ -5174,12 +5128,12 @@
         </p:nvSpPr>
         <p:spPr>
           <a:xfrm>
-            <a:off x="2739502" y="2150134"/>
-            <a:ext cx="1371600" cy="1830947"/>
+            <a:off x="2597389" y="2165309"/>
+            <a:ext cx="1371600" cy="2272324"/>
           </a:xfrm>
           <a:prstGeom prst="roundRect">
             <a:avLst>
-              <a:gd name="adj" fmla="val 2194"/>
+              <a:gd name="adj" fmla="val 0"/>
             </a:avLst>
           </a:prstGeom>
           <a:noFill/>
@@ -5251,12 +5205,12 @@
         </p:nvSpPr>
         <p:spPr>
           <a:xfrm>
-            <a:off x="5068833" y="2105411"/>
-            <a:ext cx="1607195" cy="1880141"/>
+            <a:off x="4989639" y="2104568"/>
+            <a:ext cx="1312514" cy="2305819"/>
           </a:xfrm>
           <a:prstGeom prst="roundRect">
             <a:avLst>
-              <a:gd name="adj" fmla="val 2194"/>
+              <a:gd name="adj" fmla="val 0"/>
             </a:avLst>
           </a:prstGeom>
           <a:noFill/>
@@ -5314,36 +5268,6 @@
           </a:p>
         </p:txBody>
       </p:sp>
-      <p:pic>
-        <p:nvPicPr>
-          <p:cNvPr id="224" name="Picture 223">
-            <a:extLst>
-              <a:ext uri="{FF2B5EF4-FFF2-40B4-BE49-F238E27FC236}">
-                <a16:creationId xmlns:a16="http://schemas.microsoft.com/office/drawing/2014/main" id="{C8BAD4E0-6901-3B46-A427-1D7885E19F56}"/>
-              </a:ext>
-            </a:extLst>
-          </p:cNvPr>
-          <p:cNvPicPr>
-            <a:picLocks noChangeAspect="1"/>
-          </p:cNvPicPr>
-          <p:nvPr/>
-        </p:nvPicPr>
-        <p:blipFill>
-          <a:blip r:embed="rId10"/>
-          <a:stretch>
-            <a:fillRect/>
-          </a:stretch>
-        </p:blipFill>
-        <p:spPr>
-          <a:xfrm rot="10800000">
-            <a:off x="4818696" y="3128120"/>
-            <a:ext cx="684409" cy="241300"/>
-          </a:xfrm>
-          <a:prstGeom prst="rect">
-            <a:avLst/>
-          </a:prstGeom>
-        </p:spPr>
-      </p:pic>
       <p:cxnSp>
         <p:nvCxnSpPr>
           <p:cNvPr id="182" name="Straight Arrow Connector 110">
@@ -5360,8 +5284,8 @@
         </p:nvCxnSpPr>
         <p:spPr>
           <a:xfrm>
-            <a:off x="2620949" y="3248770"/>
-            <a:ext cx="436627" cy="0"/>
+            <a:off x="848758" y="3257477"/>
+            <a:ext cx="1541848" cy="0"/>
           </a:xfrm>
           <a:prstGeom prst="straightConnector1">
             <a:avLst/>
@@ -5374,7 +5298,7 @@
             <a:prstDash val="solid"/>
             <a:miter lim="400000"/>
             <a:headEnd type="triangle" w="lg" len="med"/>
-            <a:tailEnd type="none"/>
+            <a:tailEnd type="triangle" w="lg" len="med"/>
           </a:ln>
           <a:effectLst/>
         </p:spPr>
@@ -5405,12 +5329,12 @@
         </p:nvSpPr>
         <p:spPr>
           <a:xfrm>
-            <a:off x="2878264" y="4951101"/>
-            <a:ext cx="3647846" cy="831464"/>
+            <a:off x="2712816" y="5566405"/>
+            <a:ext cx="3463413" cy="831464"/>
           </a:xfrm>
           <a:prstGeom prst="roundRect">
             <a:avLst>
-              <a:gd name="adj" fmla="val 6052"/>
+              <a:gd name="adj" fmla="val 0"/>
             </a:avLst>
           </a:prstGeom>
           <a:noFill/>
@@ -5483,12 +5407,12 @@
         </p:nvSpPr>
         <p:spPr>
           <a:xfrm>
-            <a:off x="2908546" y="2885390"/>
-            <a:ext cx="3617563" cy="831464"/>
+            <a:off x="2712816" y="2981518"/>
+            <a:ext cx="3478898" cy="863610"/>
           </a:xfrm>
           <a:prstGeom prst="roundRect">
             <a:avLst>
-              <a:gd name="adj" fmla="val 6052"/>
+              <a:gd name="adj" fmla="val 0"/>
             </a:avLst>
           </a:prstGeom>
           <a:noFill/>
@@ -5563,7 +5487,7 @@
         </p:nvCxnSpPr>
         <p:spPr>
           <a:xfrm flipV="1">
-            <a:off x="8462744" y="4048516"/>
+            <a:off x="9672503" y="6339406"/>
             <a:ext cx="705990" cy="647418"/>
           </a:xfrm>
           <a:prstGeom prst="bentConnector3">
@@ -5612,7 +5536,7 @@
         </p:nvCxnSpPr>
         <p:spPr>
           <a:xfrm>
-            <a:off x="9220938" y="6046238"/>
+            <a:off x="7297827" y="5585855"/>
             <a:ext cx="0" cy="367123"/>
           </a:xfrm>
           <a:prstGeom prst="straightConnector1">
@@ -5660,8 +5584,8 @@
         </p:nvCxnSpPr>
         <p:spPr>
           <a:xfrm>
-            <a:off x="1004059" y="2960731"/>
-            <a:ext cx="1122798" cy="288665"/>
+            <a:off x="705702" y="2724057"/>
+            <a:ext cx="1141302" cy="4490"/>
           </a:xfrm>
           <a:prstGeom prst="bentConnector3">
             <a:avLst>
@@ -5709,8 +5633,8 @@
         </p:nvCxnSpPr>
         <p:spPr>
           <a:xfrm>
-            <a:off x="640726" y="1479654"/>
-            <a:ext cx="0" cy="1023524"/>
+            <a:off x="374558" y="1658108"/>
+            <a:ext cx="0" cy="631953"/>
           </a:xfrm>
           <a:prstGeom prst="straightConnector1">
             <a:avLst/>
@@ -5740,36 +5664,6 @@
           <a:fontRef idx="none"/>
         </p:style>
       </p:cxnSp>
-      <p:pic>
-        <p:nvPicPr>
-          <p:cNvPr id="122" name="Picture 121">
-            <a:extLst>
-              <a:ext uri="{FF2B5EF4-FFF2-40B4-BE49-F238E27FC236}">
-                <a16:creationId xmlns:a16="http://schemas.microsoft.com/office/drawing/2014/main" id="{D1B07C15-CAA9-5846-A29F-A2BE8C6FC1AF}"/>
-              </a:ext>
-            </a:extLst>
-          </p:cNvPr>
-          <p:cNvPicPr>
-            <a:picLocks noChangeAspect="1"/>
-          </p:cNvPicPr>
-          <p:nvPr/>
-        </p:nvPicPr>
-        <p:blipFill>
-          <a:blip r:embed="rId11"/>
-          <a:stretch>
-            <a:fillRect/>
-          </a:stretch>
-        </p:blipFill>
-        <p:spPr>
-          <a:xfrm>
-            <a:off x="6176229" y="2339759"/>
-            <a:ext cx="349880" cy="375797"/>
-          </a:xfrm>
-          <a:prstGeom prst="rect">
-            <a:avLst/>
-          </a:prstGeom>
-        </p:spPr>
-      </p:pic>
       <p:grpSp>
         <p:nvGrpSpPr>
           <p:cNvPr id="115" name="Group 114">
@@ -5784,10 +5678,10 @@
         </p:nvGrpSpPr>
         <p:grpSpPr>
           <a:xfrm>
-            <a:off x="52818" y="65942"/>
-            <a:ext cx="9882240" cy="7301823"/>
-            <a:chOff x="207305" y="2127891"/>
-            <a:chExt cx="2856020" cy="1688131"/>
+            <a:off x="31025" y="57379"/>
+            <a:ext cx="9882240" cy="7289354"/>
+            <a:chOff x="207305" y="2126580"/>
+            <a:chExt cx="2856020" cy="1689442"/>
           </a:xfrm>
         </p:grpSpPr>
         <p:grpSp>
@@ -5804,10 +5698,10 @@
           </p:nvGrpSpPr>
           <p:grpSpPr>
             <a:xfrm>
-              <a:off x="207305" y="2127891"/>
-              <a:ext cx="2856020" cy="1688131"/>
-              <a:chOff x="234117" y="1858103"/>
-              <a:chExt cx="2856020" cy="1688131"/>
+              <a:off x="207305" y="2126580"/>
+              <a:ext cx="2856020" cy="1689442"/>
+              <a:chOff x="234117" y="1856792"/>
+              <a:chExt cx="2856020" cy="1689442"/>
             </a:xfrm>
           </p:grpSpPr>
           <p:sp>
@@ -5829,7 +5723,7 @@
               </a:xfrm>
               <a:prstGeom prst="roundRect">
                 <a:avLst>
-                  <a:gd name="adj" fmla="val 2194"/>
+                  <a:gd name="adj" fmla="val 0"/>
                 </a:avLst>
               </a:prstGeom>
               <a:noFill/>
@@ -5901,12 +5795,12 @@
             </p:nvSpPr>
             <p:spPr>
               <a:xfrm>
-                <a:off x="576256" y="1858103"/>
-                <a:ext cx="2127345" cy="1688130"/>
+                <a:off x="572580" y="1856792"/>
+                <a:ext cx="2217657" cy="1688401"/>
               </a:xfrm>
               <a:prstGeom prst="roundRect">
                 <a:avLst>
-                  <a:gd name="adj" fmla="val 2194"/>
+                  <a:gd name="adj" fmla="val 0"/>
                 </a:avLst>
               </a:prstGeom>
               <a:noFill/>
@@ -5979,7 +5873,7 @@
           </p:nvSpPr>
           <p:spPr>
             <a:xfrm>
-              <a:off x="694763" y="2145243"/>
+              <a:off x="655104" y="2141575"/>
               <a:ext cx="1209094" cy="66412"/>
             </a:xfrm>
             <a:prstGeom prst="rect">
@@ -5990,7 +5884,7 @@
             </a:ln>
             <a:extLst>
               <a:ext uri="{C572A759-6A51-4108-AA02-DFA0A04FC94B}">
-                <ma14:wrappingTextBoxFlag xmlns="" xmlns:ma14="http://schemas.microsoft.com/office/mac/drawingml/2011/main" val="1"/>
+                <ma14:wrappingTextBoxFlag xmlns:ma14="http://schemas.microsoft.com/office/mac/drawingml/2011/main" xmlns="" val="1"/>
               </a:ext>
             </a:extLst>
           </p:spPr>
@@ -6017,7 +5911,7 @@
                   <a:latin typeface="Helvetica" panose="020B0604020202020204" pitchFamily="34" charset="0"/>
                   <a:cs typeface="Helvetica" panose="020B0604020202020204" pitchFamily="34" charset="0"/>
                 </a:rPr>
-                <a:t>IBM CLOUD</a:t>
+                <a:t>IBM Cloud</a:t>
               </a:r>
               <a:endParaRPr sz="1200" dirty="0">
                 <a:latin typeface="Helvetica" panose="020B0604020202020204" pitchFamily="34" charset="0"/>
@@ -6041,7 +5935,7 @@
         </p:nvGrpSpPr>
         <p:grpSpPr>
           <a:xfrm>
-            <a:off x="1242895" y="60103"/>
+            <a:off x="1190476" y="64400"/>
             <a:ext cx="365760" cy="365760"/>
             <a:chOff x="3364358" y="1940961"/>
             <a:chExt cx="365760" cy="365760"/>
@@ -6141,7 +6035,7 @@
             <p:nvPr/>
           </p:nvPicPr>
           <p:blipFill>
-            <a:blip r:embed="rId12"/>
+            <a:blip r:embed="rId10"/>
             <a:stretch>
               <a:fillRect/>
             </a:stretch>
@@ -6171,10 +6065,10 @@
         </p:nvGrpSpPr>
         <p:grpSpPr>
           <a:xfrm>
-            <a:off x="1451892" y="630841"/>
-            <a:ext cx="6459795" cy="6394799"/>
-            <a:chOff x="283602" y="4878359"/>
-            <a:chExt cx="1606333" cy="1651584"/>
+            <a:off x="1375258" y="567565"/>
+            <a:ext cx="6719722" cy="6633763"/>
+            <a:chOff x="264758" y="4847047"/>
+            <a:chExt cx="1546996" cy="1713301"/>
           </a:xfrm>
         </p:grpSpPr>
         <p:sp>
@@ -6191,12 +6085,12 @@
           </p:nvSpPr>
           <p:spPr>
             <a:xfrm>
-              <a:off x="283602" y="4878359"/>
-              <a:ext cx="1606333" cy="1651584"/>
+              <a:off x="264758" y="4847047"/>
+              <a:ext cx="1546996" cy="1713301"/>
             </a:xfrm>
             <a:prstGeom prst="roundRect">
               <a:avLst>
-                <a:gd name="adj" fmla="val 2194"/>
+                <a:gd name="adj" fmla="val 0"/>
               </a:avLst>
             </a:prstGeom>
             <a:noFill/>
@@ -6269,7 +6163,7 @@
           </p:nvSpPr>
           <p:spPr>
             <a:xfrm>
-              <a:off x="400205" y="4886585"/>
+              <a:off x="355288" y="4853732"/>
               <a:ext cx="310974" cy="74190"/>
             </a:xfrm>
             <a:prstGeom prst="rect">
@@ -6280,7 +6174,7 @@
             </a:ln>
             <a:extLst>
               <a:ext uri="{C572A759-6A51-4108-AA02-DFA0A04FC94B}">
-                <ma14:wrappingTextBoxFlag xmlns="" xmlns:ma14="http://schemas.microsoft.com/office/mac/drawingml/2011/main" val="1"/>
+                <ma14:wrappingTextBoxFlag xmlns:ma14="http://schemas.microsoft.com/office/mac/drawingml/2011/main" xmlns="" val="1"/>
               </a:ext>
             </a:extLst>
           </p:spPr>
@@ -6307,7 +6201,7 @@
                   <a:latin typeface="Helvetica" panose="020B0604020202020204" pitchFamily="34" charset="0"/>
                   <a:cs typeface="Helvetica" panose="020B0604020202020204" pitchFamily="34" charset="0"/>
                 </a:rPr>
-                <a:t>US SOUTH</a:t>
+                <a:t>US South</a:t>
               </a:r>
               <a:endParaRPr sz="1200" dirty="0">
                 <a:latin typeface="Helvetica" panose="020B0604020202020204" pitchFamily="34" charset="0"/>
@@ -6331,8 +6225,8 @@
         </p:nvGrpSpPr>
         <p:grpSpPr>
           <a:xfrm>
-            <a:off x="1460812" y="636159"/>
-            <a:ext cx="365760" cy="365760"/>
+            <a:off x="1379538" y="566325"/>
+            <a:ext cx="348370" cy="383181"/>
             <a:chOff x="265242" y="4853633"/>
             <a:chExt cx="365760" cy="365760"/>
           </a:xfrm>
@@ -6432,7 +6326,7 @@
             <p:nvPr/>
           </p:nvPicPr>
           <p:blipFill>
-            <a:blip r:embed="rId13"/>
+            <a:blip r:embed="rId11"/>
             <a:stretch>
               <a:fillRect/>
             </a:stretch>
@@ -6462,12 +6356,12 @@
         </p:nvSpPr>
         <p:spPr>
           <a:xfrm>
-            <a:off x="1698123" y="1106486"/>
-            <a:ext cx="5994583" cy="5624807"/>
+            <a:off x="1547600" y="1038948"/>
+            <a:ext cx="4972956" cy="6012802"/>
           </a:xfrm>
           <a:prstGeom prst="roundRect">
             <a:avLst>
-              <a:gd name="adj" fmla="val 2194"/>
+              <a:gd name="adj" fmla="val 0"/>
             </a:avLst>
           </a:prstGeom>
           <a:noFill/>
@@ -6539,7 +6433,7 @@
         </p:nvGrpSpPr>
         <p:grpSpPr>
           <a:xfrm>
-            <a:off x="1698123" y="1087095"/>
+            <a:off x="1556963" y="1046117"/>
             <a:ext cx="365760" cy="365760"/>
             <a:chOff x="5452961" y="3516912"/>
             <a:chExt cx="1263556" cy="967351"/>
@@ -6659,7 +6553,7 @@
               <p:nvPr/>
             </p:nvPicPr>
             <p:blipFill>
-              <a:blip r:embed="rId12"/>
+              <a:blip r:embed="rId10"/>
               <a:stretch>
                 <a:fillRect/>
               </a:stretch>
@@ -6690,7 +6584,7 @@
             <p:nvPr/>
           </p:nvPicPr>
           <p:blipFill>
-            <a:blip r:embed="rId14"/>
+            <a:blip r:embed="rId12"/>
             <a:stretch>
               <a:fillRect/>
             </a:stretch>
@@ -6720,7 +6614,7 @@
         </p:nvSpPr>
         <p:spPr>
           <a:xfrm>
-            <a:off x="2174234" y="1133813"/>
+            <a:off x="1936211" y="1084538"/>
             <a:ext cx="2033640" cy="287258"/>
           </a:xfrm>
           <a:prstGeom prst="rect">
@@ -6731,7 +6625,7 @@
           </a:ln>
           <a:extLst>
             <a:ext uri="{C572A759-6A51-4108-AA02-DFA0A04FC94B}">
-              <ma14:wrappingTextBoxFlag xmlns="" xmlns:ma14="http://schemas.microsoft.com/office/mac/drawingml/2011/main" val="1"/>
+              <ma14:wrappingTextBoxFlag xmlns:ma14="http://schemas.microsoft.com/office/mac/drawingml/2011/main" xmlns="" val="1"/>
             </a:ext>
           </a:extLst>
         </p:spPr>
@@ -6758,7 +6652,7 @@
                 <a:latin typeface="Helvetica" panose="020B0604020202020204" pitchFamily="34" charset="0"/>
                 <a:cs typeface="Helvetica" panose="020B0604020202020204" pitchFamily="34" charset="0"/>
               </a:rPr>
-              <a:t>VIRTUAL PRIVATE CLOUD</a:t>
+              <a:t>VPC</a:t>
             </a:r>
             <a:endParaRPr sz="1200" dirty="0">
               <a:latin typeface="Helvetica" panose="020B0604020202020204" pitchFamily="34" charset="0"/>
@@ -6781,8 +6675,8 @@
         </p:nvSpPr>
         <p:spPr>
           <a:xfrm>
-            <a:off x="369159" y="579089"/>
-            <a:ext cx="761786" cy="471924"/>
+            <a:off x="195937" y="1221262"/>
+            <a:ext cx="761786" cy="287258"/>
           </a:xfrm>
           <a:prstGeom prst="rect">
             <a:avLst/>
@@ -6792,7 +6686,7 @@
           </a:ln>
           <a:extLst>
             <a:ext uri="{C572A759-6A51-4108-AA02-DFA0A04FC94B}">
-              <ma14:wrappingTextBoxFlag xmlns="" xmlns:ma14="http://schemas.microsoft.com/office/mac/drawingml/2011/main" val="1"/>
+              <ma14:wrappingTextBoxFlag xmlns:ma14="http://schemas.microsoft.com/office/mac/drawingml/2011/main" xmlns="" val="1"/>
             </a:ext>
           </a:extLst>
         </p:spPr>
@@ -6819,19 +6713,7 @@
                 <a:latin typeface="Helvetica" panose="020B0604020202020204" pitchFamily="34" charset="0"/>
                 <a:cs typeface="Helvetica" panose="020B0604020202020204" pitchFamily="34" charset="0"/>
               </a:rPr>
-              <a:t>CLOUD</a:t>
-            </a:r>
-          </a:p>
-          <a:p>
-            <a:pPr lvl="0">
-              <a:defRPr sz="1800"/>
-            </a:pPr>
-            <a:r>
-              <a:rPr lang="en-US" sz="1200" dirty="0">
-                <a:latin typeface="Helvetica" panose="020B0604020202020204" pitchFamily="34" charset="0"/>
-                <a:cs typeface="Helvetica" panose="020B0604020202020204" pitchFamily="34" charset="0"/>
-              </a:rPr>
-              <a:t>USER</a:t>
+              <a:t>User</a:t>
             </a:r>
             <a:endParaRPr sz="1200" dirty="0">
               <a:latin typeface="Helvetica" panose="020B0604020202020204" pitchFamily="34" charset="0"/>
@@ -6854,7 +6736,7 @@
         </p:nvSpPr>
         <p:spPr>
           <a:xfrm>
-            <a:off x="241281" y="2470080"/>
+            <a:off x="99841" y="3001919"/>
             <a:ext cx="1250568" cy="287258"/>
           </a:xfrm>
           <a:prstGeom prst="rect">
@@ -6865,7 +6747,7 @@
           </a:ln>
           <a:extLst>
             <a:ext uri="{C572A759-6A51-4108-AA02-DFA0A04FC94B}">
-              <ma14:wrappingTextBoxFlag xmlns="" xmlns:ma14="http://schemas.microsoft.com/office/mac/drawingml/2011/main" val="1"/>
+              <ma14:wrappingTextBoxFlag xmlns:ma14="http://schemas.microsoft.com/office/mac/drawingml/2011/main" xmlns="" val="1"/>
             </a:ext>
           </a:extLst>
         </p:spPr>
@@ -6892,7 +6774,7 @@
                 <a:latin typeface="Helvetica" panose="020B0604020202020204" pitchFamily="34" charset="0"/>
                 <a:cs typeface="Helvetica" panose="020B0604020202020204" pitchFamily="34" charset="0"/>
               </a:rPr>
-              <a:t>INTERNET</a:t>
+              <a:t>Internet</a:t>
             </a:r>
             <a:endParaRPr sz="1200" dirty="0">
               <a:latin typeface="Helvetica" panose="020B0604020202020204" pitchFamily="34" charset="0"/>
@@ -6915,12 +6797,12 @@
         </p:nvSpPr>
         <p:spPr>
           <a:xfrm>
-            <a:off x="1970348" y="1551142"/>
-            <a:ext cx="2351520" cy="4862219"/>
+            <a:off x="1713089" y="1538031"/>
+            <a:ext cx="2436012" cy="5343800"/>
           </a:xfrm>
           <a:prstGeom prst="roundRect">
             <a:avLst>
-              <a:gd name="adj" fmla="val 2194"/>
+              <a:gd name="adj" fmla="val 0"/>
             </a:avLst>
           </a:prstGeom>
           <a:noFill/>
@@ -6993,7 +6875,7 @@
         </p:nvSpPr>
         <p:spPr>
           <a:xfrm>
-            <a:off x="2406166" y="1583967"/>
+            <a:off x="2105327" y="1568794"/>
             <a:ext cx="1250568" cy="287258"/>
           </a:xfrm>
           <a:prstGeom prst="rect">
@@ -7004,7 +6886,7 @@
           </a:ln>
           <a:extLst>
             <a:ext uri="{C572A759-6A51-4108-AA02-DFA0A04FC94B}">
-              <ma14:wrappingTextBoxFlag xmlns="" xmlns:ma14="http://schemas.microsoft.com/office/mac/drawingml/2011/main" val="1"/>
+              <ma14:wrappingTextBoxFlag xmlns:ma14="http://schemas.microsoft.com/office/mac/drawingml/2011/main" xmlns="" val="1"/>
             </a:ext>
           </a:extLst>
         </p:spPr>
@@ -7031,7 +6913,7 @@
                 <a:latin typeface="Helvetica" panose="020B0604020202020204" pitchFamily="34" charset="0"/>
                 <a:cs typeface="Helvetica" panose="020B0604020202020204" pitchFamily="34" charset="0"/>
               </a:rPr>
-              <a:t>ZONE 1</a:t>
+              <a:t>Zone 1</a:t>
             </a:r>
             <a:endParaRPr sz="1200" dirty="0">
               <a:latin typeface="Helvetica" panose="020B0604020202020204" pitchFamily="34" charset="0"/>
@@ -7054,7 +6936,7 @@
         </p:nvGrpSpPr>
         <p:grpSpPr>
           <a:xfrm>
-            <a:off x="1972386" y="1528828"/>
+            <a:off x="1724254" y="1522234"/>
             <a:ext cx="365760" cy="365760"/>
             <a:chOff x="1203157" y="4869086"/>
             <a:chExt cx="365760" cy="365760"/>
@@ -7155,7 +7037,7 @@
             <p:nvPr/>
           </p:nvPicPr>
           <p:blipFill>
-            <a:blip r:embed="rId15">
+            <a:blip r:embed="rId13">
               <a:extLst>
                 <a:ext uri="{28A0092B-C50C-407E-A947-70E740481C1C}">
                   <a14:useLocalDpi xmlns:a14="http://schemas.microsoft.com/office/drawing/2010/main" val="0"/>
@@ -7192,11 +7074,11 @@
         <p:spPr>
           <a:xfrm>
             <a:off x="4874961" y="1541096"/>
-            <a:ext cx="1999406" cy="4862219"/>
+            <a:ext cx="1542459" cy="5340735"/>
           </a:xfrm>
           <a:prstGeom prst="roundRect">
             <a:avLst>
-              <a:gd name="adj" fmla="val 2194"/>
+              <a:gd name="adj" fmla="val 0"/>
             </a:avLst>
           </a:prstGeom>
           <a:noFill/>
@@ -7269,7 +7151,7 @@
         </p:nvSpPr>
         <p:spPr>
           <a:xfrm>
-            <a:off x="5315523" y="1595991"/>
+            <a:off x="5250654" y="1595564"/>
             <a:ext cx="1250568" cy="287258"/>
           </a:xfrm>
           <a:prstGeom prst="rect">
@@ -7280,7 +7162,7 @@
           </a:ln>
           <a:extLst>
             <a:ext uri="{C572A759-6A51-4108-AA02-DFA0A04FC94B}">
-              <ma14:wrappingTextBoxFlag xmlns="" xmlns:ma14="http://schemas.microsoft.com/office/mac/drawingml/2011/main" val="1"/>
+              <ma14:wrappingTextBoxFlag xmlns:ma14="http://schemas.microsoft.com/office/mac/drawingml/2011/main" xmlns="" val="1"/>
             </a:ext>
           </a:extLst>
         </p:spPr>
@@ -7307,7 +7189,7 @@
                 <a:latin typeface="Helvetica" panose="020B0604020202020204" pitchFamily="34" charset="0"/>
                 <a:cs typeface="Helvetica" panose="020B0604020202020204" pitchFamily="34" charset="0"/>
               </a:rPr>
-              <a:t>ZONE 2</a:t>
+              <a:t>Zone 2</a:t>
             </a:r>
             <a:endParaRPr sz="1200" dirty="0">
               <a:latin typeface="Helvetica" panose="020B0604020202020204" pitchFamily="34" charset="0"/>
@@ -7431,7 +7313,7 @@
             <p:nvPr/>
           </p:nvPicPr>
           <p:blipFill>
-            <a:blip r:embed="rId15">
+            <a:blip r:embed="rId13">
               <a:extLst>
                 <a:ext uri="{28A0092B-C50C-407E-A947-70E740481C1C}">
                   <a14:useLocalDpi xmlns:a14="http://schemas.microsoft.com/office/drawing/2010/main" val="0"/>
@@ -7467,7 +7349,7 @@
         </p:nvGrpSpPr>
         <p:grpSpPr>
           <a:xfrm>
-            <a:off x="2740699" y="2140914"/>
+            <a:off x="2598338" y="2156566"/>
             <a:ext cx="365760" cy="365760"/>
             <a:chOff x="6918835" y="3703319"/>
             <a:chExt cx="1529706" cy="1450745"/>
@@ -7567,7 +7449,7 @@
             <p:nvPr/>
           </p:nvPicPr>
           <p:blipFill>
-            <a:blip r:embed="rId14"/>
+            <a:blip r:embed="rId12"/>
             <a:stretch>
               <a:fillRect/>
             </a:stretch>
@@ -7597,12 +7479,12 @@
         </p:nvSpPr>
         <p:spPr>
           <a:xfrm>
-            <a:off x="2731193" y="4299998"/>
+            <a:off x="2586893" y="4866825"/>
             <a:ext cx="1371600" cy="1828800"/>
           </a:xfrm>
           <a:prstGeom prst="roundRect">
             <a:avLst>
-              <a:gd name="adj" fmla="val 2194"/>
+              <a:gd name="adj" fmla="val 0"/>
             </a:avLst>
           </a:prstGeom>
           <a:noFill/>
@@ -7674,12 +7556,12 @@
         </p:nvSpPr>
         <p:spPr>
           <a:xfrm>
-            <a:off x="5068833" y="4304265"/>
-            <a:ext cx="1607194" cy="1828800"/>
+            <a:off x="5008702" y="4867754"/>
+            <a:ext cx="1278727" cy="1828800"/>
           </a:xfrm>
           <a:prstGeom prst="roundRect">
             <a:avLst>
-              <a:gd name="adj" fmla="val 2194"/>
+              <a:gd name="adj" fmla="val 0"/>
             </a:avLst>
           </a:prstGeom>
           <a:noFill/>
@@ -7751,7 +7633,7 @@
         </p:nvGrpSpPr>
         <p:grpSpPr>
           <a:xfrm>
-            <a:off x="2726524" y="4307902"/>
+            <a:off x="2582861" y="4873877"/>
             <a:ext cx="365760" cy="365760"/>
             <a:chOff x="5566667" y="5655643"/>
             <a:chExt cx="365760" cy="365760"/>
@@ -7852,7 +7734,7 @@
             <p:nvPr/>
           </p:nvPicPr>
           <p:blipFill>
-            <a:blip r:embed="rId14"/>
+            <a:blip r:embed="rId12"/>
             <a:stretch>
               <a:fillRect/>
             </a:stretch>
@@ -7882,7 +7764,7 @@
         </p:nvGrpSpPr>
         <p:grpSpPr>
           <a:xfrm>
-            <a:off x="5073477" y="4320305"/>
+            <a:off x="5022905" y="4874080"/>
             <a:ext cx="365760" cy="365760"/>
             <a:chOff x="5566667" y="5655643"/>
             <a:chExt cx="365760" cy="365760"/>
@@ -7983,7 +7865,7 @@
             <p:nvPr/>
           </p:nvPicPr>
           <p:blipFill>
-            <a:blip r:embed="rId14"/>
+            <a:blip r:embed="rId12"/>
             <a:stretch>
               <a:fillRect/>
             </a:stretch>
@@ -8013,7 +7895,7 @@
         </p:nvGrpSpPr>
         <p:grpSpPr>
           <a:xfrm>
-            <a:off x="5089634" y="2107181"/>
+            <a:off x="4981179" y="2105430"/>
             <a:ext cx="365760" cy="365760"/>
             <a:chOff x="6918829" y="3703319"/>
             <a:chExt cx="1529705" cy="1450744"/>
@@ -8113,7 +7995,7 @@
             <p:nvPr/>
           </p:nvPicPr>
           <p:blipFill>
-            <a:blip r:embed="rId14"/>
+            <a:blip r:embed="rId12"/>
             <a:stretch>
               <a:fillRect/>
             </a:stretch>
@@ -8143,7 +8025,7 @@
         </p:nvGrpSpPr>
         <p:grpSpPr>
           <a:xfrm>
-            <a:off x="2994586" y="3047847"/>
+            <a:off x="2962767" y="3096596"/>
             <a:ext cx="457200" cy="457200"/>
             <a:chOff x="559577" y="2006407"/>
             <a:chExt cx="704088" cy="704088"/>
@@ -8255,7 +8137,7 @@
             <p:nvPr/>
           </p:nvPicPr>
           <p:blipFill>
-            <a:blip r:embed="rId11"/>
+            <a:blip r:embed="rId14"/>
             <a:stretch>
               <a:fillRect/>
             </a:stretch>
@@ -8285,7 +8167,7 @@
         </p:nvSpPr>
         <p:spPr>
           <a:xfrm>
-            <a:off x="3609204" y="3481853"/>
+            <a:off x="5377510" y="3532649"/>
             <a:ext cx="457200" cy="287258"/>
           </a:xfrm>
           <a:prstGeom prst="rect">
@@ -8296,7 +8178,7 @@
           </a:ln>
           <a:extLst>
             <a:ext uri="{C572A759-6A51-4108-AA02-DFA0A04FC94B}">
-              <ma14:wrappingTextBoxFlag xmlns="" xmlns:ma14="http://schemas.microsoft.com/office/mac/drawingml/2011/main" val="1"/>
+              <ma14:wrappingTextBoxFlag xmlns:ma14="http://schemas.microsoft.com/office/mac/drawingml/2011/main" xmlns="" val="1"/>
             </a:ext>
           </a:extLst>
         </p:spPr>
@@ -8346,7 +8228,7 @@
         </p:nvSpPr>
         <p:spPr>
           <a:xfrm>
-            <a:off x="3110003" y="2110440"/>
+            <a:off x="2967345" y="2141615"/>
             <a:ext cx="1250568" cy="471924"/>
           </a:xfrm>
           <a:prstGeom prst="rect">
@@ -8357,7 +8239,7 @@
           </a:ln>
           <a:extLst>
             <a:ext uri="{C572A759-6A51-4108-AA02-DFA0A04FC94B}">
-              <ma14:wrappingTextBoxFlag xmlns="" xmlns:ma14="http://schemas.microsoft.com/office/mac/drawingml/2011/main" val="1"/>
+              <ma14:wrappingTextBoxFlag xmlns:ma14="http://schemas.microsoft.com/office/mac/drawingml/2011/main" xmlns="" val="1"/>
             </a:ext>
           </a:extLst>
         </p:spPr>
@@ -8384,7 +8266,19 @@
                 <a:latin typeface="Helvetica" panose="020B0604020202020204" pitchFamily="34" charset="0"/>
                 <a:cs typeface="Helvetica" panose="020B0604020202020204" pitchFamily="34" charset="0"/>
               </a:rPr>
-              <a:t>PUBLIC SUBNET</a:t>
+              <a:t>Public </a:t>
+            </a:r>
+          </a:p>
+          <a:p>
+            <a:pPr lvl="0">
+              <a:defRPr sz="1800"/>
+            </a:pPr>
+            <a:r>
+              <a:rPr lang="en-US" sz="1200" dirty="0">
+                <a:latin typeface="Helvetica" panose="020B0604020202020204" pitchFamily="34" charset="0"/>
+                <a:cs typeface="Helvetica" panose="020B0604020202020204" pitchFamily="34" charset="0"/>
+              </a:rPr>
+              <a:t>Subnet</a:t>
             </a:r>
             <a:endParaRPr sz="1200" dirty="0">
               <a:latin typeface="Helvetica" panose="020B0604020202020204" pitchFamily="34" charset="0"/>
@@ -8407,7 +8301,7 @@
         </p:nvSpPr>
         <p:spPr>
           <a:xfrm>
-            <a:off x="5488074" y="2089554"/>
+            <a:off x="5330161" y="2057200"/>
             <a:ext cx="1250568" cy="471924"/>
           </a:xfrm>
           <a:prstGeom prst="rect">
@@ -8418,7 +8312,7 @@
           </a:ln>
           <a:extLst>
             <a:ext uri="{C572A759-6A51-4108-AA02-DFA0A04FC94B}">
-              <ma14:wrappingTextBoxFlag xmlns="" xmlns:ma14="http://schemas.microsoft.com/office/mac/drawingml/2011/main" val="1"/>
+              <ma14:wrappingTextBoxFlag xmlns:ma14="http://schemas.microsoft.com/office/mac/drawingml/2011/main" xmlns="" val="1"/>
             </a:ext>
           </a:extLst>
         </p:spPr>
@@ -8445,7 +8339,19 @@
                 <a:latin typeface="Helvetica" panose="020B0604020202020204" pitchFamily="34" charset="0"/>
                 <a:cs typeface="Helvetica" panose="020B0604020202020204" pitchFamily="34" charset="0"/>
               </a:rPr>
-              <a:t>PUBLIC SUBNET</a:t>
+              <a:t>Public </a:t>
+            </a:r>
+          </a:p>
+          <a:p>
+            <a:pPr lvl="0">
+              <a:defRPr sz="1800"/>
+            </a:pPr>
+            <a:r>
+              <a:rPr lang="en-US" sz="1200" dirty="0">
+                <a:latin typeface="Helvetica" panose="020B0604020202020204" pitchFamily="34" charset="0"/>
+                <a:cs typeface="Helvetica" panose="020B0604020202020204" pitchFamily="34" charset="0"/>
+              </a:rPr>
+              <a:t>Subnet</a:t>
             </a:r>
             <a:endParaRPr sz="1200" dirty="0">
               <a:latin typeface="Helvetica" panose="020B0604020202020204" pitchFamily="34" charset="0"/>
@@ -8468,7 +8374,7 @@
         </p:nvSpPr>
         <p:spPr>
           <a:xfrm>
-            <a:off x="3105990" y="4284107"/>
+            <a:off x="2953031" y="4850934"/>
             <a:ext cx="1250568" cy="471924"/>
           </a:xfrm>
           <a:prstGeom prst="rect">
@@ -8479,7 +8385,7 @@
           </a:ln>
           <a:extLst>
             <a:ext uri="{C572A759-6A51-4108-AA02-DFA0A04FC94B}">
-              <ma14:wrappingTextBoxFlag xmlns="" xmlns:ma14="http://schemas.microsoft.com/office/mac/drawingml/2011/main" val="1"/>
+              <ma14:wrappingTextBoxFlag xmlns:ma14="http://schemas.microsoft.com/office/mac/drawingml/2011/main" xmlns="" val="1"/>
             </a:ext>
           </a:extLst>
         </p:spPr>
@@ -8506,7 +8412,19 @@
                 <a:latin typeface="Helvetica" panose="020B0604020202020204" pitchFamily="34" charset="0"/>
                 <a:cs typeface="Helvetica" panose="020B0604020202020204" pitchFamily="34" charset="0"/>
               </a:rPr>
-              <a:t>PRIVATE SUBNET</a:t>
+              <a:t>Private </a:t>
+            </a:r>
+          </a:p>
+          <a:p>
+            <a:pPr lvl="0">
+              <a:defRPr sz="1800"/>
+            </a:pPr>
+            <a:r>
+              <a:rPr lang="en-US" sz="1200" dirty="0">
+                <a:latin typeface="Helvetica" panose="020B0604020202020204" pitchFamily="34" charset="0"/>
+                <a:cs typeface="Helvetica" panose="020B0604020202020204" pitchFamily="34" charset="0"/>
+              </a:rPr>
+              <a:t>Subnet</a:t>
             </a:r>
             <a:endParaRPr sz="1200" dirty="0">
               <a:latin typeface="Helvetica" panose="020B0604020202020204" pitchFamily="34" charset="0"/>
@@ -8529,7 +8447,7 @@
         </p:nvSpPr>
         <p:spPr>
           <a:xfrm>
-            <a:off x="5465306" y="4298524"/>
+            <a:off x="5388619" y="4864319"/>
             <a:ext cx="1250568" cy="471924"/>
           </a:xfrm>
           <a:prstGeom prst="rect">
@@ -8540,7 +8458,7 @@
           </a:ln>
           <a:extLst>
             <a:ext uri="{C572A759-6A51-4108-AA02-DFA0A04FC94B}">
-              <ma14:wrappingTextBoxFlag xmlns="" xmlns:ma14="http://schemas.microsoft.com/office/mac/drawingml/2011/main" val="1"/>
+              <ma14:wrappingTextBoxFlag xmlns:ma14="http://schemas.microsoft.com/office/mac/drawingml/2011/main" xmlns="" val="1"/>
             </a:ext>
           </a:extLst>
         </p:spPr>
@@ -8567,7 +8485,19 @@
                 <a:latin typeface="Helvetica" panose="020B0604020202020204" pitchFamily="34" charset="0"/>
                 <a:cs typeface="Helvetica" panose="020B0604020202020204" pitchFamily="34" charset="0"/>
               </a:rPr>
-              <a:t>PRIVATE SUBNET</a:t>
+              <a:t>Private </a:t>
+            </a:r>
+          </a:p>
+          <a:p>
+            <a:pPr lvl="0">
+              <a:defRPr sz="1800"/>
+            </a:pPr>
+            <a:r>
+              <a:rPr lang="en-US" sz="1200" dirty="0">
+                <a:latin typeface="Helvetica" panose="020B0604020202020204" pitchFamily="34" charset="0"/>
+                <a:cs typeface="Helvetica" panose="020B0604020202020204" pitchFamily="34" charset="0"/>
+              </a:rPr>
+              <a:t>Subnet</a:t>
             </a:r>
             <a:endParaRPr sz="1200" dirty="0">
               <a:latin typeface="Helvetica" panose="020B0604020202020204" pitchFamily="34" charset="0"/>
@@ -8590,7 +8520,7 @@
         </p:nvSpPr>
         <p:spPr>
           <a:xfrm>
-            <a:off x="2893121" y="3768731"/>
+            <a:off x="2782682" y="4211173"/>
             <a:ext cx="1250568" cy="287258"/>
           </a:xfrm>
           <a:prstGeom prst="rect">
@@ -8601,7 +8531,7 @@
           </a:ln>
           <a:extLst>
             <a:ext uri="{C572A759-6A51-4108-AA02-DFA0A04FC94B}">
-              <ma14:wrappingTextBoxFlag xmlns="" xmlns:ma14="http://schemas.microsoft.com/office/mac/drawingml/2011/main" val="1"/>
+              <ma14:wrappingTextBoxFlag xmlns:ma14="http://schemas.microsoft.com/office/mac/drawingml/2011/main" xmlns="" val="1"/>
             </a:ext>
           </a:extLst>
         </p:spPr>
@@ -8651,7 +8581,7 @@
         </p:nvSpPr>
         <p:spPr>
           <a:xfrm>
-            <a:off x="2863333" y="5895803"/>
+            <a:off x="2769533" y="6446195"/>
             <a:ext cx="1250568" cy="287258"/>
           </a:xfrm>
           <a:prstGeom prst="rect">
@@ -8662,7 +8592,7 @@
           </a:ln>
           <a:extLst>
             <a:ext uri="{C572A759-6A51-4108-AA02-DFA0A04FC94B}">
-              <ma14:wrappingTextBoxFlag xmlns="" xmlns:ma14="http://schemas.microsoft.com/office/mac/drawingml/2011/main" val="1"/>
+              <ma14:wrappingTextBoxFlag xmlns:ma14="http://schemas.microsoft.com/office/mac/drawingml/2011/main" xmlns="" val="1"/>
             </a:ext>
           </a:extLst>
         </p:spPr>
@@ -8712,7 +8642,7 @@
         </p:nvSpPr>
         <p:spPr>
           <a:xfrm>
-            <a:off x="5360597" y="3748162"/>
+            <a:off x="5124598" y="4174498"/>
             <a:ext cx="1250568" cy="287258"/>
           </a:xfrm>
           <a:prstGeom prst="rect">
@@ -8723,7 +8653,7 @@
           </a:ln>
           <a:extLst>
             <a:ext uri="{C572A759-6A51-4108-AA02-DFA0A04FC94B}">
-              <ma14:wrappingTextBoxFlag xmlns="" xmlns:ma14="http://schemas.microsoft.com/office/mac/drawingml/2011/main" val="1"/>
+              <ma14:wrappingTextBoxFlag xmlns:ma14="http://schemas.microsoft.com/office/mac/drawingml/2011/main" xmlns="" val="1"/>
             </a:ext>
           </a:extLst>
         </p:spPr>
@@ -8773,7 +8703,7 @@
         </p:nvSpPr>
         <p:spPr>
           <a:xfrm>
-            <a:off x="5358108" y="5890696"/>
+            <a:off x="5170271" y="6459671"/>
             <a:ext cx="1250568" cy="287258"/>
           </a:xfrm>
           <a:prstGeom prst="rect">
@@ -8784,7 +8714,7 @@
           </a:ln>
           <a:extLst>
             <a:ext uri="{C572A759-6A51-4108-AA02-DFA0A04FC94B}">
-              <ma14:wrappingTextBoxFlag xmlns="" xmlns:ma14="http://schemas.microsoft.com/office/mac/drawingml/2011/main" val="1"/>
+              <ma14:wrappingTextBoxFlag xmlns:ma14="http://schemas.microsoft.com/office/mac/drawingml/2011/main" xmlns="" val="1"/>
             </a:ext>
           </a:extLst>
         </p:spPr>
@@ -8834,7 +8764,7 @@
         </p:nvGrpSpPr>
         <p:grpSpPr>
           <a:xfrm>
-            <a:off x="6023620" y="3011228"/>
+            <a:off x="5593621" y="3090904"/>
             <a:ext cx="457200" cy="457200"/>
             <a:chOff x="559577" y="2006407"/>
             <a:chExt cx="704088" cy="704088"/>
@@ -8946,7 +8876,7 @@
             <p:nvPr/>
           </p:nvPicPr>
           <p:blipFill>
-            <a:blip r:embed="rId11"/>
+            <a:blip r:embed="rId14"/>
             <a:stretch>
               <a:fillRect/>
             </a:stretch>
@@ -8954,148 +8884,6 @@
           <p:spPr>
             <a:xfrm>
               <a:off x="633103" y="2031674"/>
-              <a:ext cx="518255" cy="556642"/>
-            </a:xfrm>
-            <a:prstGeom prst="rect">
-              <a:avLst/>
-            </a:prstGeom>
-          </p:spPr>
-        </p:pic>
-      </p:grpSp>
-      <p:grpSp>
-        <p:nvGrpSpPr>
-          <p:cNvPr id="305" name="Group 304">
-            <a:extLst>
-              <a:ext uri="{FF2B5EF4-FFF2-40B4-BE49-F238E27FC236}">
-                <a16:creationId xmlns:a16="http://schemas.microsoft.com/office/drawing/2014/main" id="{2ECE52E9-6230-6542-BBF2-135281B09888}"/>
-              </a:ext>
-            </a:extLst>
-          </p:cNvPr>
-          <p:cNvGrpSpPr/>
-          <p:nvPr/>
-        </p:nvGrpSpPr>
-        <p:grpSpPr>
-          <a:xfrm>
-            <a:off x="5428959" y="5120235"/>
-            <a:ext cx="457200" cy="457200"/>
-            <a:chOff x="559577" y="2006407"/>
-            <a:chExt cx="704088" cy="704088"/>
-          </a:xfrm>
-        </p:grpSpPr>
-        <p:sp>
-          <p:nvSpPr>
-            <p:cNvPr id="307" name="Shape 252">
-              <a:extLst>
-                <a:ext uri="{FF2B5EF4-FFF2-40B4-BE49-F238E27FC236}">
-                  <a16:creationId xmlns:a16="http://schemas.microsoft.com/office/drawing/2014/main" id="{DB5ED775-62C6-824E-80FF-C5B476153D01}"/>
-                </a:ext>
-              </a:extLst>
-            </p:cNvPr>
-            <p:cNvSpPr/>
-            <p:nvPr/>
-          </p:nvSpPr>
-          <p:spPr>
-            <a:xfrm>
-              <a:off x="559577" y="2006407"/>
-              <a:ext cx="704088" cy="704088"/>
-            </a:xfrm>
-            <a:custGeom>
-              <a:avLst/>
-              <a:gdLst/>
-              <a:ahLst/>
-              <a:cxnLst>
-                <a:cxn ang="0">
-                  <a:pos x="wd2" y="hd2"/>
-                </a:cxn>
-                <a:cxn ang="5400000">
-                  <a:pos x="wd2" y="hd2"/>
-                </a:cxn>
-                <a:cxn ang="10800000">
-                  <a:pos x="wd2" y="hd2"/>
-                </a:cxn>
-                <a:cxn ang="16200000">
-                  <a:pos x="wd2" y="hd2"/>
-                </a:cxn>
-              </a:cxnLst>
-              <a:rect l="0" t="0" r="r" b="b"/>
-              <a:pathLst>
-                <a:path w="19679" h="19679" extrusionOk="0">
-                  <a:moveTo>
-                    <a:pt x="16796" y="2882"/>
-                  </a:moveTo>
-                  <a:cubicBezTo>
-                    <a:pt x="20639" y="6724"/>
-                    <a:pt x="20639" y="12954"/>
-                    <a:pt x="16796" y="16796"/>
-                  </a:cubicBezTo>
-                  <a:cubicBezTo>
-                    <a:pt x="12954" y="20639"/>
-                    <a:pt x="6724" y="20639"/>
-                    <a:pt x="2882" y="16796"/>
-                  </a:cubicBezTo>
-                  <a:cubicBezTo>
-                    <a:pt x="-961" y="12954"/>
-                    <a:pt x="-961" y="6724"/>
-                    <a:pt x="2882" y="2882"/>
-                  </a:cubicBezTo>
-                  <a:cubicBezTo>
-                    <a:pt x="6724" y="-961"/>
-                    <a:pt x="12954" y="-961"/>
-                    <a:pt x="16796" y="2882"/>
-                  </a:cubicBezTo>
-                  <a:close/>
-                </a:path>
-              </a:pathLst>
-            </a:custGeom>
-            <a:solidFill>
-              <a:srgbClr val="8DC53F"/>
-            </a:solidFill>
-            <a:ln w="3175" cap="flat">
-              <a:noFill/>
-              <a:miter lim="400000"/>
-            </a:ln>
-            <a:effectLst/>
-          </p:spPr>
-          <p:txBody>
-            <a:bodyPr wrap="square" lIns="0" tIns="0" rIns="0" bIns="0" numCol="1" anchor="ctr">
-              <a:noAutofit/>
-            </a:bodyPr>
-            <a:lstStyle/>
-            <a:p>
-              <a:pPr lvl="0">
-                <a:defRPr sz="1800">
-                  <a:solidFill>
-                    <a:srgbClr val="FFFFFF"/>
-                  </a:solidFill>
-                </a:defRPr>
-              </a:pPr>
-              <a:endParaRPr/>
-            </a:p>
-          </p:txBody>
-        </p:sp>
-        <p:pic>
-          <p:nvPicPr>
-            <p:cNvPr id="308" name="Picture 307">
-              <a:extLst>
-                <a:ext uri="{FF2B5EF4-FFF2-40B4-BE49-F238E27FC236}">
-                  <a16:creationId xmlns:a16="http://schemas.microsoft.com/office/drawing/2014/main" id="{895B9C10-2662-F942-A72A-10291189CD50}"/>
-                </a:ext>
-              </a:extLst>
-            </p:cNvPr>
-            <p:cNvPicPr>
-              <a:picLocks noChangeAspect="1"/>
-            </p:cNvPicPr>
-            <p:nvPr/>
-          </p:nvPicPr>
-          <p:blipFill>
-            <a:blip r:embed="rId11"/>
-            <a:stretch>
-              <a:fillRect/>
-            </a:stretch>
-          </p:blipFill>
-          <p:spPr>
-            <a:xfrm>
-              <a:off x="633103" y="2031673"/>
               <a:ext cx="518255" cy="556642"/>
             </a:xfrm>
             <a:prstGeom prst="rect">
@@ -9118,7 +8906,7 @@
         </p:nvGrpSpPr>
         <p:grpSpPr>
           <a:xfrm>
-            <a:off x="5998272" y="5087356"/>
+            <a:off x="5575094" y="5703770"/>
             <a:ext cx="457200" cy="457200"/>
             <a:chOff x="559577" y="2006407"/>
             <a:chExt cx="704088" cy="704088"/>
@@ -9230,7 +9018,7 @@
             <p:nvPr/>
           </p:nvPicPr>
           <p:blipFill>
-            <a:blip r:embed="rId11"/>
+            <a:blip r:embed="rId14"/>
             <a:stretch>
               <a:fillRect/>
             </a:stretch>
@@ -9260,7 +9048,7 @@
         </p:nvGrpSpPr>
         <p:grpSpPr>
           <a:xfrm>
-            <a:off x="2975046" y="5073284"/>
+            <a:off x="2929370" y="5687363"/>
             <a:ext cx="457200" cy="457200"/>
             <a:chOff x="559577" y="2006407"/>
             <a:chExt cx="704088" cy="704088"/>
@@ -9372,7 +9160,7 @@
             <p:nvPr/>
           </p:nvPicPr>
           <p:blipFill>
-            <a:blip r:embed="rId11"/>
+            <a:blip r:embed="rId14"/>
             <a:stretch>
               <a:fillRect/>
             </a:stretch>
@@ -9381,296 +9169,6 @@
             <a:xfrm>
               <a:off x="633103" y="2031674"/>
               <a:ext cx="518254" cy="556643"/>
-            </a:xfrm>
-            <a:prstGeom prst="rect">
-              <a:avLst/>
-            </a:prstGeom>
-          </p:spPr>
-        </p:pic>
-      </p:grpSp>
-      <p:grpSp>
-        <p:nvGrpSpPr>
-          <p:cNvPr id="315" name="Group 314">
-            <a:extLst>
-              <a:ext uri="{FF2B5EF4-FFF2-40B4-BE49-F238E27FC236}">
-                <a16:creationId xmlns:a16="http://schemas.microsoft.com/office/drawing/2014/main" id="{6FC3C9E4-BC39-1543-B260-584A046EF422}"/>
-              </a:ext>
-            </a:extLst>
-          </p:cNvPr>
-          <p:cNvGrpSpPr/>
-          <p:nvPr/>
-        </p:nvGrpSpPr>
-        <p:grpSpPr>
-          <a:xfrm>
-            <a:off x="3506817" y="5070949"/>
-            <a:ext cx="457200" cy="457200"/>
-            <a:chOff x="559577" y="2006407"/>
-            <a:chExt cx="704088" cy="704088"/>
-          </a:xfrm>
-        </p:grpSpPr>
-        <p:sp>
-          <p:nvSpPr>
-            <p:cNvPr id="316" name="Shape 252">
-              <a:extLst>
-                <a:ext uri="{FF2B5EF4-FFF2-40B4-BE49-F238E27FC236}">
-                  <a16:creationId xmlns:a16="http://schemas.microsoft.com/office/drawing/2014/main" id="{C2E961B0-4F7F-2741-B9BF-79EF5F845EA0}"/>
-                </a:ext>
-              </a:extLst>
-            </p:cNvPr>
-            <p:cNvSpPr/>
-            <p:nvPr/>
-          </p:nvSpPr>
-          <p:spPr>
-            <a:xfrm>
-              <a:off x="559577" y="2006407"/>
-              <a:ext cx="704088" cy="704088"/>
-            </a:xfrm>
-            <a:custGeom>
-              <a:avLst/>
-              <a:gdLst/>
-              <a:ahLst/>
-              <a:cxnLst>
-                <a:cxn ang="0">
-                  <a:pos x="wd2" y="hd2"/>
-                </a:cxn>
-                <a:cxn ang="5400000">
-                  <a:pos x="wd2" y="hd2"/>
-                </a:cxn>
-                <a:cxn ang="10800000">
-                  <a:pos x="wd2" y="hd2"/>
-                </a:cxn>
-                <a:cxn ang="16200000">
-                  <a:pos x="wd2" y="hd2"/>
-                </a:cxn>
-              </a:cxnLst>
-              <a:rect l="0" t="0" r="r" b="b"/>
-              <a:pathLst>
-                <a:path w="19679" h="19679" extrusionOk="0">
-                  <a:moveTo>
-                    <a:pt x="16796" y="2882"/>
-                  </a:moveTo>
-                  <a:cubicBezTo>
-                    <a:pt x="20639" y="6724"/>
-                    <a:pt x="20639" y="12954"/>
-                    <a:pt x="16796" y="16796"/>
-                  </a:cubicBezTo>
-                  <a:cubicBezTo>
-                    <a:pt x="12954" y="20639"/>
-                    <a:pt x="6724" y="20639"/>
-                    <a:pt x="2882" y="16796"/>
-                  </a:cubicBezTo>
-                  <a:cubicBezTo>
-                    <a:pt x="-961" y="12954"/>
-                    <a:pt x="-961" y="6724"/>
-                    <a:pt x="2882" y="2882"/>
-                  </a:cubicBezTo>
-                  <a:cubicBezTo>
-                    <a:pt x="6724" y="-961"/>
-                    <a:pt x="12954" y="-961"/>
-                    <a:pt x="16796" y="2882"/>
-                  </a:cubicBezTo>
-                  <a:close/>
-                </a:path>
-              </a:pathLst>
-            </a:custGeom>
-            <a:solidFill>
-              <a:srgbClr val="8DC53F"/>
-            </a:solidFill>
-            <a:ln w="3175" cap="flat">
-              <a:noFill/>
-              <a:miter lim="400000"/>
-            </a:ln>
-            <a:effectLst/>
-          </p:spPr>
-          <p:txBody>
-            <a:bodyPr wrap="square" lIns="0" tIns="0" rIns="0" bIns="0" numCol="1" anchor="ctr">
-              <a:noAutofit/>
-            </a:bodyPr>
-            <a:lstStyle/>
-            <a:p>
-              <a:pPr lvl="0">
-                <a:defRPr sz="1800">
-                  <a:solidFill>
-                    <a:srgbClr val="FFFFFF"/>
-                  </a:solidFill>
-                </a:defRPr>
-              </a:pPr>
-              <a:endParaRPr/>
-            </a:p>
-          </p:txBody>
-        </p:sp>
-        <p:pic>
-          <p:nvPicPr>
-            <p:cNvPr id="317" name="Picture 316">
-              <a:extLst>
-                <a:ext uri="{FF2B5EF4-FFF2-40B4-BE49-F238E27FC236}">
-                  <a16:creationId xmlns:a16="http://schemas.microsoft.com/office/drawing/2014/main" id="{F5BD99C5-294E-9448-872A-FE3F29759FD7}"/>
-                </a:ext>
-              </a:extLst>
-            </p:cNvPr>
-            <p:cNvPicPr>
-              <a:picLocks noChangeAspect="1"/>
-            </p:cNvPicPr>
-            <p:nvPr/>
-          </p:nvPicPr>
-          <p:blipFill>
-            <a:blip r:embed="rId11"/>
-            <a:stretch>
-              <a:fillRect/>
-            </a:stretch>
-          </p:blipFill>
-          <p:spPr>
-            <a:xfrm>
-              <a:off x="633103" y="2031674"/>
-              <a:ext cx="518254" cy="556643"/>
-            </a:xfrm>
-            <a:prstGeom prst="rect">
-              <a:avLst/>
-            </a:prstGeom>
-          </p:spPr>
-        </p:pic>
-      </p:grpSp>
-      <p:grpSp>
-        <p:nvGrpSpPr>
-          <p:cNvPr id="326" name="Group 325">
-            <a:extLst>
-              <a:ext uri="{FF2B5EF4-FFF2-40B4-BE49-F238E27FC236}">
-                <a16:creationId xmlns:a16="http://schemas.microsoft.com/office/drawing/2014/main" id="{5A6F7937-536B-8C4F-854E-148B8E1AA679}"/>
-              </a:ext>
-            </a:extLst>
-          </p:cNvPr>
-          <p:cNvGrpSpPr/>
-          <p:nvPr/>
-        </p:nvGrpSpPr>
-        <p:grpSpPr>
-          <a:xfrm>
-            <a:off x="8046261" y="4527725"/>
-            <a:ext cx="457200" cy="457200"/>
-            <a:chOff x="570630" y="3331754"/>
-            <a:chExt cx="704088" cy="704088"/>
-          </a:xfrm>
-        </p:grpSpPr>
-        <p:sp>
-          <p:nvSpPr>
-            <p:cNvPr id="327" name="Shape 252">
-              <a:extLst>
-                <a:ext uri="{FF2B5EF4-FFF2-40B4-BE49-F238E27FC236}">
-                  <a16:creationId xmlns:a16="http://schemas.microsoft.com/office/drawing/2014/main" id="{C55897E7-DB41-5A4E-B37A-E734ADDA76F4}"/>
-                </a:ext>
-              </a:extLst>
-            </p:cNvPr>
-            <p:cNvSpPr/>
-            <p:nvPr/>
-          </p:nvSpPr>
-          <p:spPr>
-            <a:xfrm>
-              <a:off x="570630" y="3331754"/>
-              <a:ext cx="704088" cy="704088"/>
-            </a:xfrm>
-            <a:custGeom>
-              <a:avLst/>
-              <a:gdLst/>
-              <a:ahLst/>
-              <a:cxnLst>
-                <a:cxn ang="0">
-                  <a:pos x="wd2" y="hd2"/>
-                </a:cxn>
-                <a:cxn ang="5400000">
-                  <a:pos x="wd2" y="hd2"/>
-                </a:cxn>
-                <a:cxn ang="10800000">
-                  <a:pos x="wd2" y="hd2"/>
-                </a:cxn>
-                <a:cxn ang="16200000">
-                  <a:pos x="wd2" y="hd2"/>
-                </a:cxn>
-              </a:cxnLst>
-              <a:rect l="0" t="0" r="r" b="b"/>
-              <a:pathLst>
-                <a:path w="19679" h="19679" extrusionOk="0">
-                  <a:moveTo>
-                    <a:pt x="16796" y="2882"/>
-                  </a:moveTo>
-                  <a:cubicBezTo>
-                    <a:pt x="20639" y="6724"/>
-                    <a:pt x="20639" y="12954"/>
-                    <a:pt x="16796" y="16796"/>
-                  </a:cubicBezTo>
-                  <a:cubicBezTo>
-                    <a:pt x="12954" y="20639"/>
-                    <a:pt x="6724" y="20639"/>
-                    <a:pt x="2882" y="16796"/>
-                  </a:cubicBezTo>
-                  <a:cubicBezTo>
-                    <a:pt x="-961" y="12954"/>
-                    <a:pt x="-961" y="6724"/>
-                    <a:pt x="2882" y="2882"/>
-                  </a:cubicBezTo>
-                  <a:cubicBezTo>
-                    <a:pt x="6724" y="-961"/>
-                    <a:pt x="12954" y="-961"/>
-                    <a:pt x="16796" y="2882"/>
-                  </a:cubicBezTo>
-                  <a:close/>
-                </a:path>
-              </a:pathLst>
-            </a:custGeom>
-            <a:solidFill>
-              <a:srgbClr val="8DC53F"/>
-            </a:solidFill>
-            <a:ln w="3175" cap="flat">
-              <a:noFill/>
-              <a:miter lim="400000"/>
-            </a:ln>
-            <a:effectLst/>
-          </p:spPr>
-          <p:txBody>
-            <a:bodyPr wrap="square" lIns="0" tIns="0" rIns="0" bIns="0" numCol="1" anchor="ctr">
-              <a:noAutofit/>
-            </a:bodyPr>
-            <a:lstStyle/>
-            <a:p>
-              <a:pPr lvl="0">
-                <a:defRPr sz="1800">
-                  <a:solidFill>
-                    <a:srgbClr val="FFFFFF"/>
-                  </a:solidFill>
-                </a:defRPr>
-              </a:pPr>
-              <a:endParaRPr/>
-            </a:p>
-          </p:txBody>
-        </p:sp>
-        <p:pic>
-          <p:nvPicPr>
-            <p:cNvPr id="328" name="Picture 327">
-              <a:extLst>
-                <a:ext uri="{FF2B5EF4-FFF2-40B4-BE49-F238E27FC236}">
-                  <a16:creationId xmlns:a16="http://schemas.microsoft.com/office/drawing/2014/main" id="{2F0E201A-0839-6240-AAF9-F8A98136CF30}"/>
-                </a:ext>
-              </a:extLst>
-            </p:cNvPr>
-            <p:cNvPicPr>
-              <a:picLocks noChangeAspect="1"/>
-            </p:cNvPicPr>
-            <p:nvPr/>
-          </p:nvPicPr>
-          <p:blipFill>
-            <a:blip r:embed="rId16">
-              <a:extLst>
-                <a:ext uri="{28A0092B-C50C-407E-A947-70E740481C1C}">
-                  <a14:useLocalDpi xmlns:a14="http://schemas.microsoft.com/office/drawing/2010/main" val="0"/>
-                </a:ext>
-              </a:extLst>
-            </a:blip>
-            <a:stretch>
-              <a:fillRect/>
-            </a:stretch>
-          </p:blipFill>
-          <p:spPr>
-            <a:xfrm>
-              <a:off x="632001" y="3367274"/>
-              <a:ext cx="552094" cy="552094"/>
             </a:xfrm>
             <a:prstGeom prst="rect">
               <a:avLst/>
@@ -9692,7 +9190,7 @@
         </p:nvSpPr>
         <p:spPr>
           <a:xfrm>
-            <a:off x="6871222" y="4962048"/>
+            <a:off x="1855996" y="3889870"/>
             <a:ext cx="948169" cy="471924"/>
           </a:xfrm>
           <a:prstGeom prst="rect">
@@ -9703,7 +9201,7 @@
           </a:ln>
           <a:extLst>
             <a:ext uri="{C572A759-6A51-4108-AA02-DFA0A04FC94B}">
-              <ma14:wrappingTextBoxFlag xmlns="" xmlns:ma14="http://schemas.microsoft.com/office/mac/drawingml/2011/main" val="1"/>
+              <ma14:wrappingTextBoxFlag xmlns:ma14="http://schemas.microsoft.com/office/mac/drawingml/2011/main" xmlns="" val="1"/>
             </a:ext>
           </a:extLst>
         </p:spPr>
@@ -9742,7 +9240,7 @@
                 <a:latin typeface="Helvetica" panose="020B0604020202020204" pitchFamily="34" charset="0"/>
                 <a:cs typeface="Helvetica" panose="020B0604020202020204" pitchFamily="34" charset="0"/>
               </a:rPr>
-              <a:t>GATEWAY</a:t>
+              <a:t>Gateway</a:t>
             </a:r>
             <a:endParaRPr sz="1200" dirty="0">
               <a:latin typeface="Helvetica" panose="020B0604020202020204" pitchFamily="34" charset="0"/>
@@ -9765,7 +9263,7 @@
         </p:nvSpPr>
         <p:spPr>
           <a:xfrm>
-            <a:off x="7919315" y="6157158"/>
+            <a:off x="8234788" y="5118308"/>
             <a:ext cx="1161880" cy="471924"/>
           </a:xfrm>
           <a:prstGeom prst="rect">
@@ -9776,7 +9274,7 @@
           </a:ln>
           <a:extLst>
             <a:ext uri="{C572A759-6A51-4108-AA02-DFA0A04FC94B}">
-              <ma14:wrappingTextBoxFlag xmlns="" xmlns:ma14="http://schemas.microsoft.com/office/mac/drawingml/2011/main" val="1"/>
+              <ma14:wrappingTextBoxFlag xmlns:ma14="http://schemas.microsoft.com/office/mac/drawingml/2011/main" xmlns="" val="1"/>
             </a:ext>
           </a:extLst>
         </p:spPr>
@@ -9803,7 +9301,7 @@
                 <a:latin typeface="Helvetica" panose="020B0604020202020204" pitchFamily="34" charset="0"/>
                 <a:cs typeface="Helvetica" panose="020B0604020202020204" pitchFamily="34" charset="0"/>
               </a:rPr>
-              <a:t>DIRECT </a:t>
+              <a:t>Direct</a:t>
             </a:r>
           </a:p>
           <a:p>
@@ -9815,7 +9313,7 @@
                 <a:latin typeface="Helvetica" panose="020B0604020202020204" pitchFamily="34" charset="0"/>
                 <a:cs typeface="Helvetica" panose="020B0604020202020204" pitchFamily="34" charset="0"/>
               </a:rPr>
-              <a:t>LINK</a:t>
+              <a:t>Link</a:t>
             </a:r>
             <a:endParaRPr sz="1200" dirty="0">
               <a:latin typeface="Helvetica" panose="020B0604020202020204" pitchFamily="34" charset="0"/>
@@ -9838,8 +9336,8 @@
         </p:nvSpPr>
         <p:spPr>
           <a:xfrm>
-            <a:off x="7789745" y="4969168"/>
-            <a:ext cx="948169" cy="471924"/>
+            <a:off x="145136" y="3726218"/>
+            <a:ext cx="948169" cy="656590"/>
           </a:xfrm>
           <a:prstGeom prst="rect">
             <a:avLst/>
@@ -9849,7 +9347,7 @@
           </a:ln>
           <a:extLst>
             <a:ext uri="{C572A759-6A51-4108-AA02-DFA0A04FC94B}">
-              <ma14:wrappingTextBoxFlag xmlns="" xmlns:ma14="http://schemas.microsoft.com/office/mac/drawingml/2011/main" val="1"/>
+              <ma14:wrappingTextBoxFlag xmlns:ma14="http://schemas.microsoft.com/office/mac/drawingml/2011/main" xmlns="" val="1"/>
             </a:ext>
           </a:extLst>
         </p:spPr>
@@ -9871,13 +9369,10 @@
             <a:pPr lvl="0">
               <a:defRPr sz="1800"/>
             </a:pPr>
-            <a:r>
-              <a:rPr lang="en-US" sz="1200" dirty="0">
-                <a:latin typeface="Helvetica" panose="020B0604020202020204" pitchFamily="34" charset="0"/>
-                <a:cs typeface="Helvetica" panose="020B0604020202020204" pitchFamily="34" charset="0"/>
-              </a:rPr>
-              <a:t>VPN</a:t>
-            </a:r>
+            <a:endParaRPr lang="en-US" sz="1200" dirty="0">
+              <a:latin typeface="Helvetica" panose="020B0604020202020204" pitchFamily="34" charset="0"/>
+              <a:cs typeface="Helvetica" panose="020B0604020202020204" pitchFamily="34" charset="0"/>
+            </a:endParaRPr>
           </a:p>
           <a:p>
             <a:pPr lvl="0">
@@ -9888,7 +9383,7 @@
                 <a:latin typeface="Helvetica" panose="020B0604020202020204" pitchFamily="34" charset="0"/>
                 <a:cs typeface="Helvetica" panose="020B0604020202020204" pitchFamily="34" charset="0"/>
               </a:rPr>
-              <a:t>CONNECT</a:t>
+              <a:t>VPN Connection</a:t>
             </a:r>
             <a:endParaRPr sz="1200" dirty="0">
               <a:latin typeface="Helvetica" panose="020B0604020202020204" pitchFamily="34" charset="0"/>
@@ -9911,7 +9406,7 @@
         </p:nvSpPr>
         <p:spPr>
           <a:xfrm>
-            <a:off x="3007466" y="3476863"/>
+            <a:off x="3275407" y="3492873"/>
             <a:ext cx="457200" cy="287258"/>
           </a:xfrm>
           <a:prstGeom prst="rect">
@@ -9922,129 +9417,7 @@
           </a:ln>
           <a:extLst>
             <a:ext uri="{C572A759-6A51-4108-AA02-DFA0A04FC94B}">
-              <ma14:wrappingTextBoxFlag xmlns="" xmlns:ma14="http://schemas.microsoft.com/office/mac/drawingml/2011/main" val="1"/>
-            </a:ext>
-          </a:extLst>
-        </p:spPr>
-        <p:txBody>
-          <a:bodyPr wrap="square" lIns="50800" tIns="50800" rIns="50800" bIns="50800">
-            <a:spAutoFit/>
-          </a:bodyPr>
-          <a:lstStyle>
-            <a:lvl1pPr algn="l" defTabSz="457200">
-              <a:defRPr sz="1000">
-                <a:latin typeface="Helvetica Neue"/>
-                <a:ea typeface="Helvetica Neue"/>
-                <a:cs typeface="Helvetica Neue"/>
-                <a:sym typeface="Helvetica Neue"/>
-              </a:defRPr>
-            </a:lvl1pPr>
-          </a:lstStyle>
-          <a:p>
-            <a:pPr lvl="0">
-              <a:defRPr sz="1800"/>
-            </a:pPr>
-            <a:r>
-              <a:rPr lang="en-US" sz="1200" dirty="0">
-                <a:latin typeface="Helvetica" panose="020B0604020202020204" pitchFamily="34" charset="0"/>
-                <a:cs typeface="Helvetica" panose="020B0604020202020204" pitchFamily="34" charset="0"/>
-              </a:rPr>
-              <a:t>VSI</a:t>
-            </a:r>
-            <a:endParaRPr sz="1200" dirty="0">
-              <a:latin typeface="Helvetica" panose="020B0604020202020204" pitchFamily="34" charset="0"/>
-              <a:cs typeface="Helvetica" panose="020B0604020202020204" pitchFamily="34" charset="0"/>
-            </a:endParaRPr>
-          </a:p>
-        </p:txBody>
-      </p:sp>
-      <p:sp>
-        <p:nvSpPr>
-          <p:cNvPr id="334" name="Shape 535">
-            <a:extLst>
-              <a:ext uri="{FF2B5EF4-FFF2-40B4-BE49-F238E27FC236}">
-                <a16:creationId xmlns:a16="http://schemas.microsoft.com/office/drawing/2014/main" id="{B6B9A1B8-8CF6-1749-AF3F-C353FB7CF466}"/>
-              </a:ext>
-            </a:extLst>
-          </p:cNvPr>
-          <p:cNvSpPr/>
-          <p:nvPr/>
-        </p:nvSpPr>
-        <p:spPr>
-          <a:xfrm>
-            <a:off x="5522641" y="3451168"/>
-            <a:ext cx="457200" cy="287258"/>
-          </a:xfrm>
-          <a:prstGeom prst="rect">
-            <a:avLst/>
-          </a:prstGeom>
-          <a:ln w="3175">
-            <a:miter lim="400000"/>
-          </a:ln>
-          <a:extLst>
-            <a:ext uri="{C572A759-6A51-4108-AA02-DFA0A04FC94B}">
-              <ma14:wrappingTextBoxFlag xmlns="" xmlns:ma14="http://schemas.microsoft.com/office/mac/drawingml/2011/main" val="1"/>
-            </a:ext>
-          </a:extLst>
-        </p:spPr>
-        <p:txBody>
-          <a:bodyPr wrap="square" lIns="50800" tIns="50800" rIns="50800" bIns="50800">
-            <a:spAutoFit/>
-          </a:bodyPr>
-          <a:lstStyle>
-            <a:lvl1pPr algn="l" defTabSz="457200">
-              <a:defRPr sz="1000">
-                <a:latin typeface="Helvetica Neue"/>
-                <a:ea typeface="Helvetica Neue"/>
-                <a:cs typeface="Helvetica Neue"/>
-                <a:sym typeface="Helvetica Neue"/>
-              </a:defRPr>
-            </a:lvl1pPr>
-          </a:lstStyle>
-          <a:p>
-            <a:pPr lvl="0">
-              <a:defRPr sz="1800"/>
-            </a:pPr>
-            <a:r>
-              <a:rPr lang="en-US" sz="1200" dirty="0">
-                <a:latin typeface="Helvetica" panose="020B0604020202020204" pitchFamily="34" charset="0"/>
-                <a:cs typeface="Helvetica" panose="020B0604020202020204" pitchFamily="34" charset="0"/>
-              </a:rPr>
-              <a:t>VSI</a:t>
-            </a:r>
-            <a:endParaRPr sz="1200" dirty="0">
-              <a:latin typeface="Helvetica" panose="020B0604020202020204" pitchFamily="34" charset="0"/>
-              <a:cs typeface="Helvetica" panose="020B0604020202020204" pitchFamily="34" charset="0"/>
-            </a:endParaRPr>
-          </a:p>
-        </p:txBody>
-      </p:sp>
-      <p:sp>
-        <p:nvSpPr>
-          <p:cNvPr id="335" name="Shape 535">
-            <a:extLst>
-              <a:ext uri="{FF2B5EF4-FFF2-40B4-BE49-F238E27FC236}">
-                <a16:creationId xmlns:a16="http://schemas.microsoft.com/office/drawing/2014/main" id="{9996B206-04FC-4744-9945-6B1EF3CC2C2A}"/>
-              </a:ext>
-            </a:extLst>
-          </p:cNvPr>
-          <p:cNvSpPr/>
-          <p:nvPr/>
-        </p:nvSpPr>
-        <p:spPr>
-          <a:xfrm>
-            <a:off x="6069897" y="3444075"/>
-            <a:ext cx="457200" cy="287258"/>
-          </a:xfrm>
-          <a:prstGeom prst="rect">
-            <a:avLst/>
-          </a:prstGeom>
-          <a:ln w="3175">
-            <a:miter lim="400000"/>
-          </a:ln>
-          <a:extLst>
-            <a:ext uri="{C572A759-6A51-4108-AA02-DFA0A04FC94B}">
-              <ma14:wrappingTextBoxFlag xmlns="" xmlns:ma14="http://schemas.microsoft.com/office/mac/drawingml/2011/main" val="1"/>
+              <ma14:wrappingTextBoxFlag xmlns:ma14="http://schemas.microsoft.com/office/mac/drawingml/2011/main" xmlns="" val="1"/>
             </a:ext>
           </a:extLst>
         </p:spPr>
@@ -10094,7 +9467,7 @@
         </p:nvSpPr>
         <p:spPr>
           <a:xfrm>
-            <a:off x="3041895" y="5526802"/>
+            <a:off x="2943486" y="6129525"/>
             <a:ext cx="457200" cy="287258"/>
           </a:xfrm>
           <a:prstGeom prst="rect">
@@ -10105,7 +9478,7 @@
           </a:ln>
           <a:extLst>
             <a:ext uri="{C572A759-6A51-4108-AA02-DFA0A04FC94B}">
-              <ma14:wrappingTextBoxFlag xmlns="" xmlns:ma14="http://schemas.microsoft.com/office/mac/drawingml/2011/main" val="1"/>
+              <ma14:wrappingTextBoxFlag xmlns:ma14="http://schemas.microsoft.com/office/mac/drawingml/2011/main" xmlns="" val="1"/>
             </a:ext>
           </a:extLst>
         </p:spPr>
@@ -10154,8 +9527,8 @@
           <p:nvPr/>
         </p:nvSpPr>
         <p:spPr>
-          <a:xfrm>
-            <a:off x="3547652" y="5526802"/>
+          <a:xfrm rot="21357437">
+            <a:off x="3471852" y="6118669"/>
             <a:ext cx="457200" cy="287258"/>
           </a:xfrm>
           <a:prstGeom prst="rect">
@@ -10166,7 +9539,7 @@
           </a:ln>
           <a:extLst>
             <a:ext uri="{C572A759-6A51-4108-AA02-DFA0A04FC94B}">
-              <ma14:wrappingTextBoxFlag xmlns="" xmlns:ma14="http://schemas.microsoft.com/office/mac/drawingml/2011/main" val="1"/>
+              <ma14:wrappingTextBoxFlag xmlns:ma14="http://schemas.microsoft.com/office/mac/drawingml/2011/main" xmlns="" val="1"/>
             </a:ext>
           </a:extLst>
         </p:spPr>
@@ -10216,7 +9589,7 @@
         </p:nvSpPr>
         <p:spPr>
           <a:xfrm>
-            <a:off x="5488236" y="5511055"/>
+            <a:off x="5107435" y="6110611"/>
             <a:ext cx="457200" cy="287258"/>
           </a:xfrm>
           <a:prstGeom prst="rect">
@@ -10227,7 +9600,7 @@
           </a:ln>
           <a:extLst>
             <a:ext uri="{C572A759-6A51-4108-AA02-DFA0A04FC94B}">
-              <ma14:wrappingTextBoxFlag xmlns="" xmlns:ma14="http://schemas.microsoft.com/office/mac/drawingml/2011/main" val="1"/>
+              <ma14:wrappingTextBoxFlag xmlns:ma14="http://schemas.microsoft.com/office/mac/drawingml/2011/main" xmlns="" val="1"/>
             </a:ext>
           </a:extLst>
         </p:spPr>
@@ -10277,7 +9650,7 @@
         </p:nvSpPr>
         <p:spPr>
           <a:xfrm>
-            <a:off x="6037363" y="5526038"/>
+            <a:off x="5643530" y="6109775"/>
             <a:ext cx="457200" cy="287258"/>
           </a:xfrm>
           <a:prstGeom prst="rect">
@@ -10288,7 +9661,7 @@
           </a:ln>
           <a:extLst>
             <a:ext uri="{C572A759-6A51-4108-AA02-DFA0A04FC94B}">
-              <ma14:wrappingTextBoxFlag xmlns="" xmlns:ma14="http://schemas.microsoft.com/office/mac/drawingml/2011/main" val="1"/>
+              <ma14:wrappingTextBoxFlag xmlns:ma14="http://schemas.microsoft.com/office/mac/drawingml/2011/main" xmlns="" val="1"/>
             </a:ext>
           </a:extLst>
         </p:spPr>
@@ -10338,7 +9711,7 @@
         </p:nvSpPr>
         <p:spPr>
           <a:xfrm>
-            <a:off x="1932082" y="3460154"/>
+            <a:off x="1727908" y="2087832"/>
             <a:ext cx="948169" cy="471924"/>
           </a:xfrm>
           <a:prstGeom prst="rect">
@@ -10349,7 +9722,7 @@
           </a:ln>
           <a:extLst>
             <a:ext uri="{C572A759-6A51-4108-AA02-DFA0A04FC94B}">
-              <ma14:wrappingTextBoxFlag xmlns="" xmlns:ma14="http://schemas.microsoft.com/office/mac/drawingml/2011/main" val="1"/>
+              <ma14:wrappingTextBoxFlag xmlns:ma14="http://schemas.microsoft.com/office/mac/drawingml/2011/main" xmlns="" val="1"/>
             </a:ext>
           </a:extLst>
         </p:spPr>
@@ -10376,19 +9749,7 @@
                 <a:latin typeface="Helvetica" panose="020B0604020202020204" pitchFamily="34" charset="0"/>
                 <a:cs typeface="Helvetica" panose="020B0604020202020204" pitchFamily="34" charset="0"/>
               </a:rPr>
-              <a:t>PUBLIC</a:t>
-            </a:r>
-          </a:p>
-          <a:p>
-            <a:pPr lvl="0">
-              <a:defRPr sz="1800"/>
-            </a:pPr>
-            <a:r>
-              <a:rPr lang="en-US" sz="1200" dirty="0">
-                <a:latin typeface="Helvetica" panose="020B0604020202020204" pitchFamily="34" charset="0"/>
-                <a:cs typeface="Helvetica" panose="020B0604020202020204" pitchFamily="34" charset="0"/>
-              </a:rPr>
-              <a:t>GATEWAY</a:t>
+              <a:t>Public Gateway</a:t>
             </a:r>
             <a:endParaRPr sz="1200" dirty="0">
               <a:latin typeface="Helvetica" panose="020B0604020202020204" pitchFamily="34" charset="0"/>
@@ -10411,7 +9772,7 @@
         </p:nvSpPr>
         <p:spPr>
           <a:xfrm>
-            <a:off x="5062439" y="3268028"/>
+            <a:off x="2698641" y="3314711"/>
             <a:ext cx="551227" cy="287258"/>
           </a:xfrm>
           <a:prstGeom prst="rect">
@@ -10422,7 +9783,7 @@
           </a:ln>
           <a:extLst>
             <a:ext uri="{C572A759-6A51-4108-AA02-DFA0A04FC94B}">
-              <ma14:wrappingTextBoxFlag xmlns="" xmlns:ma14="http://schemas.microsoft.com/office/mac/drawingml/2011/main" val="1"/>
+              <ma14:wrappingTextBoxFlag xmlns:ma14="http://schemas.microsoft.com/office/mac/drawingml/2011/main" xmlns="" val="1"/>
             </a:ext>
           </a:extLst>
         </p:spPr>
@@ -10474,8 +9835,8 @@
         </p:nvCxnSpPr>
         <p:spPr>
           <a:xfrm>
-            <a:off x="8444615" y="5893888"/>
-            <a:ext cx="532362" cy="0"/>
+            <a:off x="8737914" y="4941599"/>
+            <a:ext cx="357656" cy="0"/>
           </a:xfrm>
           <a:prstGeom prst="straightConnector1">
             <a:avLst/>
@@ -10519,8 +9880,8 @@
         </p:nvSpPr>
         <p:spPr>
           <a:xfrm>
-            <a:off x="8650304" y="5352464"/>
-            <a:ext cx="1315478" cy="287258"/>
+            <a:off x="9038507" y="5163467"/>
+            <a:ext cx="1315478" cy="471924"/>
           </a:xfrm>
           <a:prstGeom prst="rect">
             <a:avLst/>
@@ -10530,7 +9891,7 @@
           </a:ln>
           <a:extLst>
             <a:ext uri="{C572A759-6A51-4108-AA02-DFA0A04FC94B}">
-              <ma14:wrappingTextBoxFlag xmlns="" xmlns:ma14="http://schemas.microsoft.com/office/mac/drawingml/2011/main" val="1"/>
+              <ma14:wrappingTextBoxFlag xmlns:ma14="http://schemas.microsoft.com/office/mac/drawingml/2011/main" xmlns="" val="1"/>
             </a:ext>
           </a:extLst>
         </p:spPr>
@@ -10557,7 +9918,7 @@
                 <a:latin typeface="Helvetica" panose="020B0604020202020204" pitchFamily="34" charset="0"/>
                 <a:cs typeface="Helvetica" panose="020B0604020202020204" pitchFamily="34" charset="0"/>
               </a:rPr>
-              <a:t>APPLICATIONS</a:t>
+              <a:t>Enterprise Applications</a:t>
             </a:r>
           </a:p>
         </p:txBody>
@@ -10578,7 +9939,7 @@
         </p:nvCxnSpPr>
         <p:spPr>
           <a:xfrm>
-            <a:off x="9189720" y="2996134"/>
+            <a:off x="9396668" y="2698881"/>
             <a:ext cx="0" cy="558596"/>
           </a:xfrm>
           <a:prstGeom prst="straightConnector1">
@@ -10591,7 +9952,7 @@
             </a:solidFill>
             <a:prstDash val="solid"/>
             <a:miter lim="400000"/>
-            <a:headEnd type="triangle" w="lg" len="med"/>
+            <a:headEnd type="none" w="lg" len="med"/>
             <a:tailEnd type="triangle" w="lg" len="med"/>
           </a:ln>
           <a:effectLst/>
@@ -10623,8 +9984,8 @@
         </p:nvSpPr>
         <p:spPr>
           <a:xfrm>
-            <a:off x="8956927" y="6918505"/>
-            <a:ext cx="879483" cy="296290"/>
+            <a:off x="9081195" y="6570782"/>
+            <a:ext cx="879483" cy="471924"/>
           </a:xfrm>
           <a:prstGeom prst="rect">
             <a:avLst/>
@@ -10634,7 +9995,75 @@
           </a:ln>
           <a:extLst>
             <a:ext uri="{C572A759-6A51-4108-AA02-DFA0A04FC94B}">
-              <ma14:wrappingTextBoxFlag xmlns="" xmlns:ma14="http://schemas.microsoft.com/office/mac/drawingml/2011/main" val="1"/>
+              <ma14:wrappingTextBoxFlag xmlns:ma14="http://schemas.microsoft.com/office/mac/drawingml/2011/main" xmlns="" val="1"/>
+            </a:ext>
+          </a:extLst>
+        </p:spPr>
+        <p:txBody>
+          <a:bodyPr wrap="square" lIns="50800" tIns="50800" rIns="50800" bIns="50800">
+            <a:spAutoFit/>
+          </a:bodyPr>
+          <a:lstStyle>
+            <a:lvl1pPr algn="l" defTabSz="457200">
+              <a:defRPr sz="1000">
+                <a:latin typeface="Helvetica Neue"/>
+                <a:ea typeface="Helvetica Neue"/>
+                <a:cs typeface="Helvetica Neue"/>
+                <a:sym typeface="Helvetica Neue"/>
+              </a:defRPr>
+            </a:lvl1pPr>
+          </a:lstStyle>
+          <a:p>
+            <a:pPr lvl="0">
+              <a:defRPr sz="1800"/>
+            </a:pPr>
+            <a:r>
+              <a:rPr lang="en-US" sz="1200" dirty="0" err="1">
+                <a:latin typeface="Helvetica" panose="020B0604020202020204" pitchFamily="34" charset="0"/>
+                <a:cs typeface="Helvetica" panose="020B0604020202020204" pitchFamily="34" charset="0"/>
+              </a:rPr>
+              <a:t>Entterprise</a:t>
+            </a:r>
+            <a:r>
+              <a:rPr lang="en-US" sz="1200" dirty="0">
+                <a:latin typeface="Helvetica" panose="020B0604020202020204" pitchFamily="34" charset="0"/>
+                <a:cs typeface="Helvetica" panose="020B0604020202020204" pitchFamily="34" charset="0"/>
+              </a:rPr>
+              <a:t> Data</a:t>
+            </a:r>
+            <a:endParaRPr sz="1200" dirty="0">
+              <a:latin typeface="Helvetica" panose="020B0604020202020204" pitchFamily="34" charset="0"/>
+              <a:cs typeface="Helvetica" panose="020B0604020202020204" pitchFamily="34" charset="0"/>
+            </a:endParaRPr>
+          </a:p>
+        </p:txBody>
+      </p:sp>
+      <p:sp>
+        <p:nvSpPr>
+          <p:cNvPr id="346" name="Shape 535">
+            <a:extLst>
+              <a:ext uri="{FF2B5EF4-FFF2-40B4-BE49-F238E27FC236}">
+                <a16:creationId xmlns:a16="http://schemas.microsoft.com/office/drawing/2014/main" id="{6E2A572B-9A72-864B-852A-E8A577EADCF6}"/>
+              </a:ext>
+            </a:extLst>
+          </p:cNvPr>
+          <p:cNvSpPr/>
+          <p:nvPr/>
+        </p:nvSpPr>
+        <p:spPr>
+          <a:xfrm>
+            <a:off x="9095570" y="3724294"/>
+            <a:ext cx="879483" cy="471924"/>
+          </a:xfrm>
+          <a:prstGeom prst="rect">
+            <a:avLst/>
+          </a:prstGeom>
+          <a:ln w="3175">
+            <a:miter lim="400000"/>
+          </a:ln>
+          <a:extLst>
+            <a:ext uri="{C572A759-6A51-4108-AA02-DFA0A04FC94B}">
+              <ma14:wrappingTextBoxFlag xmlns:ma14="http://schemas.microsoft.com/office/mac/drawingml/2011/main" xmlns="" val="1"/>
             </a:ext>
           </a:extLst>
         </p:spPr>
@@ -10661,7 +10090,7 @@
                 <a:latin typeface="Helvetica" panose="020B0604020202020204" pitchFamily="34" charset="0"/>
                 <a:cs typeface="Helvetica" panose="020B0604020202020204" pitchFamily="34" charset="0"/>
               </a:rPr>
-              <a:t>DATA</a:t>
+              <a:t>Enterprise User</a:t>
             </a:r>
             <a:endParaRPr sz="1200" dirty="0">
               <a:latin typeface="Helvetica" panose="020B0604020202020204" pitchFamily="34" charset="0"/>
@@ -10672,10 +10101,10 @@
       </p:sp>
       <p:sp>
         <p:nvSpPr>
-          <p:cNvPr id="346" name="Shape 535">
+          <p:cNvPr id="347" name="Shape 535">
             <a:extLst>
               <a:ext uri="{FF2B5EF4-FFF2-40B4-BE49-F238E27FC236}">
-                <a16:creationId xmlns:a16="http://schemas.microsoft.com/office/drawing/2014/main" id="{6E2A572B-9A72-864B-852A-E8A577EADCF6}"/>
+                <a16:creationId xmlns:a16="http://schemas.microsoft.com/office/drawing/2014/main" id="{2EFA01C3-7D13-4C4D-8C2D-E34DF45ED188}"/>
               </a:ext>
             </a:extLst>
           </p:cNvPr>
@@ -10684,8 +10113,8 @@
         </p:nvSpPr>
         <p:spPr>
           <a:xfrm>
-            <a:off x="9425678" y="3647230"/>
-            <a:ext cx="879483" cy="287258"/>
+            <a:off x="9081195" y="2098969"/>
+            <a:ext cx="1025921" cy="656590"/>
           </a:xfrm>
           <a:prstGeom prst="rect">
             <a:avLst/>
@@ -10695,7 +10124,7 @@
           </a:ln>
           <a:extLst>
             <a:ext uri="{C572A759-6A51-4108-AA02-DFA0A04FC94B}">
-              <ma14:wrappingTextBoxFlag xmlns="" xmlns:ma14="http://schemas.microsoft.com/office/mac/drawingml/2011/main" val="1"/>
+              <ma14:wrappingTextBoxFlag xmlns:ma14="http://schemas.microsoft.com/office/mac/drawingml/2011/main" xmlns="" val="1"/>
             </a:ext>
           </a:extLst>
         </p:spPr>
@@ -10722,7 +10151,7 @@
                 <a:latin typeface="Helvetica" panose="020B0604020202020204" pitchFamily="34" charset="0"/>
                 <a:cs typeface="Helvetica" panose="020B0604020202020204" pitchFamily="34" charset="0"/>
               </a:rPr>
-              <a:t>USER</a:t>
+              <a:t>Enterprise User Directory</a:t>
             </a:r>
             <a:endParaRPr sz="1200" dirty="0">
               <a:latin typeface="Helvetica" panose="020B0604020202020204" pitchFamily="34" charset="0"/>
@@ -10731,114 +10160,6 @@
           </a:p>
         </p:txBody>
       </p:sp>
-      <p:sp>
-        <p:nvSpPr>
-          <p:cNvPr id="347" name="Shape 535">
-            <a:extLst>
-              <a:ext uri="{FF2B5EF4-FFF2-40B4-BE49-F238E27FC236}">
-                <a16:creationId xmlns:a16="http://schemas.microsoft.com/office/drawing/2014/main" id="{2EFA01C3-7D13-4C4D-8C2D-E34DF45ED188}"/>
-              </a:ext>
-            </a:extLst>
-          </p:cNvPr>
-          <p:cNvSpPr/>
-          <p:nvPr/>
-        </p:nvSpPr>
-        <p:spPr>
-          <a:xfrm>
-            <a:off x="8821732" y="2015747"/>
-            <a:ext cx="1025921" cy="471924"/>
-          </a:xfrm>
-          <a:prstGeom prst="rect">
-            <a:avLst/>
-          </a:prstGeom>
-          <a:ln w="3175">
-            <a:miter lim="400000"/>
-          </a:ln>
-          <a:extLst>
-            <a:ext uri="{C572A759-6A51-4108-AA02-DFA0A04FC94B}">
-              <ma14:wrappingTextBoxFlag xmlns="" xmlns:ma14="http://schemas.microsoft.com/office/mac/drawingml/2011/main" val="1"/>
-            </a:ext>
-          </a:extLst>
-        </p:spPr>
-        <p:txBody>
-          <a:bodyPr wrap="square" lIns="50800" tIns="50800" rIns="50800" bIns="50800">
-            <a:spAutoFit/>
-          </a:bodyPr>
-          <a:lstStyle>
-            <a:lvl1pPr algn="l" defTabSz="457200">
-              <a:defRPr sz="1000">
-                <a:latin typeface="Helvetica Neue"/>
-                <a:ea typeface="Helvetica Neue"/>
-                <a:cs typeface="Helvetica Neue"/>
-                <a:sym typeface="Helvetica Neue"/>
-              </a:defRPr>
-            </a:lvl1pPr>
-          </a:lstStyle>
-          <a:p>
-            <a:pPr lvl="0">
-              <a:defRPr sz="1800"/>
-            </a:pPr>
-            <a:r>
-              <a:rPr lang="en-US" sz="1200" dirty="0">
-                <a:latin typeface="Helvetica" panose="020B0604020202020204" pitchFamily="34" charset="0"/>
-                <a:cs typeface="Helvetica" panose="020B0604020202020204" pitchFamily="34" charset="0"/>
-              </a:rPr>
-              <a:t>USER DIRECTORY</a:t>
-            </a:r>
-            <a:endParaRPr sz="1200" dirty="0">
-              <a:latin typeface="Helvetica" panose="020B0604020202020204" pitchFamily="34" charset="0"/>
-              <a:cs typeface="Helvetica" panose="020B0604020202020204" pitchFamily="34" charset="0"/>
-            </a:endParaRPr>
-          </a:p>
-        </p:txBody>
-      </p:sp>
-      <p:cxnSp>
-        <p:nvCxnSpPr>
-          <p:cNvPr id="348" name="Straight Arrow Connector 110">
-            <a:extLst>
-              <a:ext uri="{FF2B5EF4-FFF2-40B4-BE49-F238E27FC236}">
-                <a16:creationId xmlns:a16="http://schemas.microsoft.com/office/drawing/2014/main" id="{D5630A56-8E6B-2D4F-BACA-0C0068A4329F}"/>
-              </a:ext>
-            </a:extLst>
-          </p:cNvPr>
-          <p:cNvCxnSpPr>
-            <a:cxnSpLocks/>
-          </p:cNvCxnSpPr>
-          <p:nvPr/>
-        </p:nvCxnSpPr>
-        <p:spPr>
-          <a:xfrm>
-            <a:off x="7524501" y="4756031"/>
-            <a:ext cx="532362" cy="0"/>
-          </a:xfrm>
-          <a:prstGeom prst="straightConnector1">
-            <a:avLst/>
-          </a:prstGeom>
-          <a:noFill/>
-          <a:ln w="12700" cap="flat">
-            <a:solidFill>
-              <a:schemeClr val="tx1"/>
-            </a:solidFill>
-            <a:prstDash val="solid"/>
-            <a:miter lim="400000"/>
-            <a:headEnd type="triangle" w="lg" len="med"/>
-            <a:tailEnd type="triangle" w="lg" len="med"/>
-          </a:ln>
-          <a:effectLst/>
-        </p:spPr>
-        <p:style>
-          <a:lnRef idx="0">
-            <a:scrgbClr r="0" g="0" b="0"/>
-          </a:lnRef>
-          <a:fillRef idx="0">
-            <a:scrgbClr r="0" g="0" b="0"/>
-          </a:fillRef>
-          <a:effectRef idx="0">
-            <a:scrgbClr r="0" g="0" b="0"/>
-          </a:effectRef>
-          <a:fontRef idx="none"/>
-        </p:style>
-      </p:cxnSp>
       <p:cxnSp>
         <p:nvCxnSpPr>
           <p:cNvPr id="349" name="Straight Arrow Connector 110">
@@ -10855,8 +10176,8 @@
         </p:nvCxnSpPr>
         <p:spPr>
           <a:xfrm>
-            <a:off x="6667683" y="4754310"/>
-            <a:ext cx="391990" cy="1721"/>
+            <a:off x="2302728" y="3726053"/>
+            <a:ext cx="299649" cy="165"/>
           </a:xfrm>
           <a:prstGeom prst="straightConnector1">
             <a:avLst/>
@@ -10900,7 +10221,7 @@
         </p:nvGrpSpPr>
         <p:grpSpPr>
           <a:xfrm>
-            <a:off x="7067301" y="4541848"/>
+            <a:off x="1880671" y="3491290"/>
             <a:ext cx="457200" cy="457200"/>
             <a:chOff x="3558432" y="3338724"/>
             <a:chExt cx="704088" cy="704088"/>
@@ -11249,7 +10570,7 @@
             <p:nvPr/>
           </p:nvPicPr>
           <p:blipFill>
-            <a:blip r:embed="rId14"/>
+            <a:blip r:embed="rId12"/>
             <a:stretch>
               <a:fillRect/>
             </a:stretch>
@@ -11279,7 +10600,7 @@
         </p:nvGrpSpPr>
         <p:grpSpPr>
           <a:xfrm>
-            <a:off x="4368879" y="2062401"/>
+            <a:off x="4276661" y="1779784"/>
             <a:ext cx="457200" cy="457200"/>
             <a:chOff x="6587463" y="2092052"/>
             <a:chExt cx="751660" cy="692612"/>
@@ -11391,7 +10712,7 @@
             <p:nvPr/>
           </p:nvPicPr>
           <p:blipFill>
-            <a:blip r:embed="rId17">
+            <a:blip r:embed="rId15">
               <a:biLevel thresh="50000"/>
             </a:blip>
             <a:stretch>
@@ -11423,7 +10744,7 @@
         </p:nvSpPr>
         <p:spPr>
           <a:xfrm>
-            <a:off x="4344611" y="1576144"/>
+            <a:off x="4312755" y="1324417"/>
             <a:ext cx="948169" cy="471924"/>
           </a:xfrm>
           <a:prstGeom prst="rect">
@@ -11434,7 +10755,7 @@
           </a:ln>
           <a:extLst>
             <a:ext uri="{C572A759-6A51-4108-AA02-DFA0A04FC94B}">
-              <ma14:wrappingTextBoxFlag xmlns="" xmlns:ma14="http://schemas.microsoft.com/office/mac/drawingml/2011/main" val="1"/>
+              <ma14:wrappingTextBoxFlag xmlns:ma14="http://schemas.microsoft.com/office/mac/drawingml/2011/main" xmlns="" val="1"/>
             </a:ext>
           </a:extLst>
         </p:spPr>
@@ -11461,7 +10782,7 @@
                 <a:latin typeface="Helvetica" panose="020B0604020202020204" pitchFamily="34" charset="0"/>
                 <a:cs typeface="Helvetica" panose="020B0604020202020204" pitchFamily="34" charset="0"/>
               </a:rPr>
-              <a:t>LOAD </a:t>
+              <a:t>Public </a:t>
             </a:r>
           </a:p>
           <a:p>
@@ -11473,7 +10794,7 @@
                 <a:latin typeface="Helvetica" panose="020B0604020202020204" pitchFamily="34" charset="0"/>
                 <a:cs typeface="Helvetica" panose="020B0604020202020204" pitchFamily="34" charset="0"/>
               </a:rPr>
-              <a:t>BAL</a:t>
+              <a:t>LB</a:t>
             </a:r>
             <a:endParaRPr sz="1200" dirty="0">
               <a:latin typeface="Helvetica" panose="020B0604020202020204" pitchFamily="34" charset="0"/>
@@ -11499,57 +10820,10 @@
         </p:nvCxnSpPr>
         <p:spPr>
           <a:xfrm>
-            <a:off x="4533049" y="2730612"/>
-            <a:ext cx="1706580" cy="297023"/>
+            <a:off x="4444522" y="2617680"/>
+            <a:ext cx="1365108" cy="489631"/>
           </a:xfrm>
           <a:prstGeom prst="bentConnector2">
-            <a:avLst/>
-          </a:prstGeom>
-          <a:noFill/>
-          <a:ln w="12700" cap="flat">
-            <a:solidFill>
-              <a:schemeClr val="tx1"/>
-            </a:solidFill>
-            <a:prstDash val="solid"/>
-            <a:miter lim="400000"/>
-            <a:headEnd type="none"/>
-            <a:tailEnd type="none"/>
-          </a:ln>
-          <a:effectLst/>
-        </p:spPr>
-        <p:style>
-          <a:lnRef idx="0">
-            <a:scrgbClr r="0" g="0" b="0"/>
-          </a:lnRef>
-          <a:fillRef idx="0">
-            <a:scrgbClr r="0" g="0" b="0"/>
-          </a:fillRef>
-          <a:effectRef idx="0">
-            <a:scrgbClr r="0" g="0" b="0"/>
-          </a:effectRef>
-          <a:fontRef idx="none"/>
-        </p:style>
-      </p:cxnSp>
-      <p:cxnSp>
-        <p:nvCxnSpPr>
-          <p:cNvPr id="356" name="Straight Arrow Connector 355">
-            <a:extLst>
-              <a:ext uri="{FF2B5EF4-FFF2-40B4-BE49-F238E27FC236}">
-                <a16:creationId xmlns:a16="http://schemas.microsoft.com/office/drawing/2014/main" id="{3044A81C-8382-244F-B4D4-E5F84B279A82}"/>
-              </a:ext>
-            </a:extLst>
-          </p:cNvPr>
-          <p:cNvCxnSpPr>
-            <a:cxnSpLocks/>
-          </p:cNvCxnSpPr>
-          <p:nvPr/>
-        </p:nvCxnSpPr>
-        <p:spPr>
-          <a:xfrm>
-            <a:off x="3776252" y="2741029"/>
-            <a:ext cx="0" cy="404519"/>
-          </a:xfrm>
-          <a:prstGeom prst="straightConnector1">
             <a:avLst/>
           </a:prstGeom>
           <a:noFill/>
@@ -11593,55 +10867,8 @@
         </p:nvCxnSpPr>
         <p:spPr>
           <a:xfrm>
-            <a:off x="5710529" y="2718768"/>
-            <a:ext cx="0" cy="404519"/>
-          </a:xfrm>
-          <a:prstGeom prst="straightConnector1">
-            <a:avLst/>
-          </a:prstGeom>
-          <a:noFill/>
-          <a:ln w="12700" cap="flat">
-            <a:solidFill>
-              <a:schemeClr val="tx1"/>
-            </a:solidFill>
-            <a:prstDash val="solid"/>
-            <a:miter lim="400000"/>
-            <a:headEnd type="none"/>
-            <a:tailEnd type="none"/>
-          </a:ln>
-          <a:effectLst/>
-        </p:spPr>
-        <p:style>
-          <a:lnRef idx="0">
-            <a:scrgbClr r="0" g="0" b="0"/>
-          </a:lnRef>
-          <a:fillRef idx="0">
-            <a:scrgbClr r="0" g="0" b="0"/>
-          </a:fillRef>
-          <a:effectRef idx="0">
-            <a:scrgbClr r="0" g="0" b="0"/>
-          </a:effectRef>
-          <a:fontRef idx="none"/>
-        </p:style>
-      </p:cxnSp>
-      <p:cxnSp>
-        <p:nvCxnSpPr>
-          <p:cNvPr id="360" name="Straight Arrow Connector 359">
-            <a:extLst>
-              <a:ext uri="{FF2B5EF4-FFF2-40B4-BE49-F238E27FC236}">
-                <a16:creationId xmlns:a16="http://schemas.microsoft.com/office/drawing/2014/main" id="{A28F9834-7559-1544-9309-333FF01B291D}"/>
-              </a:ext>
-            </a:extLst>
-          </p:cNvPr>
-          <p:cNvCxnSpPr>
-            <a:cxnSpLocks/>
-          </p:cNvCxnSpPr>
-          <p:nvPr/>
-        </p:nvCxnSpPr>
-        <p:spPr>
-          <a:xfrm>
-            <a:off x="4594093" y="2503178"/>
-            <a:ext cx="0" cy="237851"/>
+            <a:off x="5277407" y="2617680"/>
+            <a:ext cx="0" cy="473557"/>
           </a:xfrm>
           <a:prstGeom prst="straightConnector1">
             <a:avLst/>
@@ -11685,7 +10912,7 @@
         </p:nvGrpSpPr>
         <p:grpSpPr>
           <a:xfrm>
-            <a:off x="5481929" y="3011956"/>
+            <a:off x="5054441" y="3107326"/>
             <a:ext cx="457200" cy="457200"/>
             <a:chOff x="559577" y="2006407"/>
             <a:chExt cx="704088" cy="704088"/>
@@ -11797,7 +11024,7 @@
             <p:nvPr/>
           </p:nvPicPr>
           <p:blipFill>
-            <a:blip r:embed="rId11"/>
+            <a:blip r:embed="rId14"/>
             <a:stretch>
               <a:fillRect/>
             </a:stretch>
@@ -11827,7 +11054,7 @@
         </p:nvGrpSpPr>
         <p:grpSpPr>
           <a:xfrm>
-            <a:off x="3560814" y="3011228"/>
+            <a:off x="3511789" y="3093953"/>
             <a:ext cx="457200" cy="457200"/>
             <a:chOff x="559577" y="2006407"/>
             <a:chExt cx="704088" cy="704088"/>
@@ -11939,7 +11166,7 @@
             <p:nvPr/>
           </p:nvPicPr>
           <p:blipFill>
-            <a:blip r:embed="rId11"/>
+            <a:blip r:embed="rId14"/>
             <a:stretch>
               <a:fillRect/>
             </a:stretch>
@@ -11966,13 +11193,12 @@
           </p:cNvPr>
           <p:cNvCxnSpPr>
             <a:cxnSpLocks/>
-            <a:stCxn id="222" idx="2"/>
           </p:cNvCxnSpPr>
           <p:nvPr/>
         </p:nvCxnSpPr>
         <p:spPr>
           <a:xfrm rot="5400000" flipH="1" flipV="1">
-            <a:off x="2750050" y="1193854"/>
+            <a:off x="8724750" y="4295099"/>
             <a:ext cx="26328" cy="4160488"/>
           </a:xfrm>
           <a:prstGeom prst="bentConnector4">
@@ -12020,7 +11246,7 @@
         </p:nvSpPr>
         <p:spPr>
           <a:xfrm>
-            <a:off x="4456496" y="5526038"/>
+            <a:off x="4302786" y="5536078"/>
             <a:ext cx="495496" cy="287258"/>
           </a:xfrm>
           <a:prstGeom prst="rect">
@@ -12031,7 +11257,7 @@
           </a:ln>
           <a:extLst>
             <a:ext uri="{C572A759-6A51-4108-AA02-DFA0A04FC94B}">
-              <ma14:wrappingTextBoxFlag xmlns="" xmlns:ma14="http://schemas.microsoft.com/office/mac/drawingml/2011/main" val="1"/>
+              <ma14:wrappingTextBoxFlag xmlns:ma14="http://schemas.microsoft.com/office/mac/drawingml/2011/main" xmlns="" val="1"/>
             </a:ext>
           </a:extLst>
         </p:spPr>
@@ -12058,7 +11284,7 @@
                 <a:latin typeface="Helvetica" panose="020B0604020202020204" pitchFamily="34" charset="0"/>
                 <a:cs typeface="Helvetica" panose="020B0604020202020204" pitchFamily="34" charset="0"/>
               </a:rPr>
-              <a:t>SG</a:t>
+              <a:t>SG 2</a:t>
             </a:r>
             <a:endParaRPr sz="1200" dirty="0">
               <a:latin typeface="Helvetica" panose="020B0604020202020204" pitchFamily="34" charset="0"/>
@@ -12081,7 +11307,7 @@
         </p:nvSpPr>
         <p:spPr>
           <a:xfrm>
-            <a:off x="4450982" y="2845133"/>
+            <a:off x="4293046" y="2970946"/>
             <a:ext cx="495496" cy="287258"/>
           </a:xfrm>
           <a:prstGeom prst="rect">
@@ -12092,7 +11318,7 @@
           </a:ln>
           <a:extLst>
             <a:ext uri="{C572A759-6A51-4108-AA02-DFA0A04FC94B}">
-              <ma14:wrappingTextBoxFlag xmlns="" xmlns:ma14="http://schemas.microsoft.com/office/mac/drawingml/2011/main" val="1"/>
+              <ma14:wrappingTextBoxFlag xmlns:ma14="http://schemas.microsoft.com/office/mac/drawingml/2011/main" xmlns="" val="1"/>
             </a:ext>
           </a:extLst>
         </p:spPr>
@@ -12119,7 +11345,7 @@
                 <a:latin typeface="Helvetica" panose="020B0604020202020204" pitchFamily="34" charset="0"/>
                 <a:cs typeface="Helvetica" panose="020B0604020202020204" pitchFamily="34" charset="0"/>
               </a:rPr>
-              <a:t>SG</a:t>
+              <a:t>SG 1</a:t>
             </a:r>
             <a:endParaRPr sz="1200" dirty="0">
               <a:latin typeface="Helvetica" panose="020B0604020202020204" pitchFamily="34" charset="0"/>
@@ -12128,12 +11354,326 @@
           </a:p>
         </p:txBody>
       </p:sp>
+      <p:grpSp>
+        <p:nvGrpSpPr>
+          <p:cNvPr id="167" name="Group 166">
+            <a:extLst>
+              <a:ext uri="{FF2B5EF4-FFF2-40B4-BE49-F238E27FC236}">
+                <a16:creationId xmlns:a16="http://schemas.microsoft.com/office/drawing/2014/main" id="{9C8967D5-ED52-374E-A1E8-0BA25EDF65FA}"/>
+              </a:ext>
+            </a:extLst>
+          </p:cNvPr>
+          <p:cNvGrpSpPr/>
+          <p:nvPr/>
+        </p:nvGrpSpPr>
+        <p:grpSpPr>
+          <a:xfrm>
+            <a:off x="178966" y="3500094"/>
+            <a:ext cx="457200" cy="457200"/>
+            <a:chOff x="570630" y="3331754"/>
+            <a:chExt cx="704088" cy="704088"/>
+          </a:xfrm>
+        </p:grpSpPr>
+        <p:sp>
+          <p:nvSpPr>
+            <p:cNvPr id="168" name="Shape 252">
+              <a:extLst>
+                <a:ext uri="{FF2B5EF4-FFF2-40B4-BE49-F238E27FC236}">
+                  <a16:creationId xmlns:a16="http://schemas.microsoft.com/office/drawing/2014/main" id="{3E558EDB-FFAF-244F-8947-C5F7F5E902C3}"/>
+                </a:ext>
+              </a:extLst>
+            </p:cNvPr>
+            <p:cNvSpPr/>
+            <p:nvPr/>
+          </p:nvSpPr>
+          <p:spPr>
+            <a:xfrm>
+              <a:off x="570630" y="3331754"/>
+              <a:ext cx="704088" cy="704088"/>
+            </a:xfrm>
+            <a:custGeom>
+              <a:avLst/>
+              <a:gdLst/>
+              <a:ahLst/>
+              <a:cxnLst>
+                <a:cxn ang="0">
+                  <a:pos x="wd2" y="hd2"/>
+                </a:cxn>
+                <a:cxn ang="5400000">
+                  <a:pos x="wd2" y="hd2"/>
+                </a:cxn>
+                <a:cxn ang="10800000">
+                  <a:pos x="wd2" y="hd2"/>
+                </a:cxn>
+                <a:cxn ang="16200000">
+                  <a:pos x="wd2" y="hd2"/>
+                </a:cxn>
+              </a:cxnLst>
+              <a:rect l="0" t="0" r="r" b="b"/>
+              <a:pathLst>
+                <a:path w="19679" h="19679" extrusionOk="0">
+                  <a:moveTo>
+                    <a:pt x="16796" y="2882"/>
+                  </a:moveTo>
+                  <a:cubicBezTo>
+                    <a:pt x="20639" y="6724"/>
+                    <a:pt x="20639" y="12954"/>
+                    <a:pt x="16796" y="16796"/>
+                  </a:cubicBezTo>
+                  <a:cubicBezTo>
+                    <a:pt x="12954" y="20639"/>
+                    <a:pt x="6724" y="20639"/>
+                    <a:pt x="2882" y="16796"/>
+                  </a:cubicBezTo>
+                  <a:cubicBezTo>
+                    <a:pt x="-961" y="12954"/>
+                    <a:pt x="-961" y="6724"/>
+                    <a:pt x="2882" y="2882"/>
+                  </a:cubicBezTo>
+                  <a:cubicBezTo>
+                    <a:pt x="6724" y="-961"/>
+                    <a:pt x="12954" y="-961"/>
+                    <a:pt x="16796" y="2882"/>
+                  </a:cubicBezTo>
+                  <a:close/>
+                </a:path>
+              </a:pathLst>
+            </a:custGeom>
+            <a:solidFill>
+              <a:srgbClr val="8DC53F"/>
+            </a:solidFill>
+            <a:ln w="3175" cap="flat">
+              <a:noFill/>
+              <a:miter lim="400000"/>
+            </a:ln>
+            <a:effectLst/>
+          </p:spPr>
+          <p:txBody>
+            <a:bodyPr wrap="square" lIns="0" tIns="0" rIns="0" bIns="0" numCol="1" anchor="ctr">
+              <a:noAutofit/>
+            </a:bodyPr>
+            <a:lstStyle/>
+            <a:p>
+              <a:pPr lvl="0">
+                <a:defRPr sz="1800">
+                  <a:solidFill>
+                    <a:srgbClr val="FFFFFF"/>
+                  </a:solidFill>
+                </a:defRPr>
+              </a:pPr>
+              <a:endParaRPr/>
+            </a:p>
+          </p:txBody>
+        </p:sp>
+        <p:pic>
+          <p:nvPicPr>
+            <p:cNvPr id="171" name="Picture 170">
+              <a:extLst>
+                <a:ext uri="{FF2B5EF4-FFF2-40B4-BE49-F238E27FC236}">
+                  <a16:creationId xmlns:a16="http://schemas.microsoft.com/office/drawing/2014/main" id="{34CE25A0-EF65-8544-9D03-1BA4B93B72A5}"/>
+                </a:ext>
+              </a:extLst>
+            </p:cNvPr>
+            <p:cNvPicPr>
+              <a:picLocks noChangeAspect="1"/>
+            </p:cNvPicPr>
+            <p:nvPr/>
+          </p:nvPicPr>
+          <p:blipFill>
+            <a:blip r:embed="rId16">
+              <a:extLst>
+                <a:ext uri="{28A0092B-C50C-407E-A947-70E740481C1C}">
+                  <a14:useLocalDpi xmlns:a14="http://schemas.microsoft.com/office/drawing/2010/main" val="0"/>
+                </a:ext>
+              </a:extLst>
+            </a:blip>
+            <a:stretch>
+              <a:fillRect/>
+            </a:stretch>
+          </p:blipFill>
+          <p:spPr>
+            <a:xfrm>
+              <a:off x="632001" y="3367274"/>
+              <a:ext cx="552094" cy="552094"/>
+            </a:xfrm>
+            <a:prstGeom prst="rect">
+              <a:avLst/>
+            </a:prstGeom>
+          </p:spPr>
+        </p:pic>
+      </p:grpSp>
+      <p:grpSp>
+        <p:nvGrpSpPr>
+          <p:cNvPr id="173" name="Group 172">
+            <a:extLst>
+              <a:ext uri="{FF2B5EF4-FFF2-40B4-BE49-F238E27FC236}">
+                <a16:creationId xmlns:a16="http://schemas.microsoft.com/office/drawing/2014/main" id="{1525A8F9-8DAA-314E-BD52-2236CB5A5556}"/>
+              </a:ext>
+            </a:extLst>
+          </p:cNvPr>
+          <p:cNvGrpSpPr/>
+          <p:nvPr/>
+        </p:nvGrpSpPr>
+        <p:grpSpPr>
+          <a:xfrm>
+            <a:off x="456132" y="77967"/>
+            <a:ext cx="365760" cy="365760"/>
+            <a:chOff x="8082708" y="5122007"/>
+            <a:chExt cx="876300" cy="807222"/>
+          </a:xfrm>
+        </p:grpSpPr>
+        <p:sp>
+          <p:nvSpPr>
+            <p:cNvPr id="174" name="Rounded Rectangle 67">
+              <a:extLst>
+                <a:ext uri="{FF2B5EF4-FFF2-40B4-BE49-F238E27FC236}">
+                  <a16:creationId xmlns:a16="http://schemas.microsoft.com/office/drawing/2014/main" id="{5BA1531F-FFEA-114F-95D4-9FE2624468D2}"/>
+                </a:ext>
+              </a:extLst>
+            </p:cNvPr>
+            <p:cNvSpPr/>
+            <p:nvPr/>
+          </p:nvSpPr>
+          <p:spPr>
+            <a:xfrm>
+              <a:off x="8082708" y="5122007"/>
+              <a:ext cx="876300" cy="807222"/>
+            </a:xfrm>
+            <a:prstGeom prst="roundRect">
+              <a:avLst>
+                <a:gd name="adj" fmla="val 2194"/>
+              </a:avLst>
+            </a:prstGeom>
+            <a:solidFill>
+              <a:srgbClr val="4E77B6"/>
+            </a:solidFill>
+            <a:ln w="6350">
+              <a:solidFill>
+                <a:srgbClr val="4E77B6"/>
+              </a:solidFill>
+            </a:ln>
+            <a:effectLst>
+              <a:outerShdw blurRad="50800" dist="38100" dir="8100000" algn="tr" rotWithShape="0">
+                <a:prstClr val="black">
+                  <a:alpha val="40000"/>
+                </a:prstClr>
+              </a:outerShdw>
+            </a:effectLst>
+          </p:spPr>
+          <p:style>
+            <a:lnRef idx="2">
+              <a:schemeClr val="accent1">
+                <a:shade val="50000"/>
+              </a:schemeClr>
+            </a:lnRef>
+            <a:fillRef idx="1">
+              <a:schemeClr val="accent1"/>
+            </a:fillRef>
+            <a:effectRef idx="0">
+              <a:schemeClr val="accent1"/>
+            </a:effectRef>
+            <a:fontRef idx="minor">
+              <a:schemeClr val="lt1"/>
+            </a:fontRef>
+          </p:style>
+          <p:txBody>
+            <a:bodyPr rtlCol="0" anchor="ctr"/>
+            <a:lstStyle/>
+            <a:p>
+              <a:pPr algn="ctr"/>
+              <a:endParaRPr lang="en-US" b="1" dirty="0">
+                <a:ln w="22225">
+                  <a:solidFill>
+                    <a:schemeClr val="accent2"/>
+                  </a:solidFill>
+                  <a:prstDash val="solid"/>
+                </a:ln>
+                <a:solidFill>
+                  <a:schemeClr val="accent2">
+                    <a:lumMod val="40000"/>
+                    <a:lumOff val="60000"/>
+                  </a:schemeClr>
+                </a:solidFill>
+                <a:latin typeface="IBM Plex Sans" charset="0"/>
+                <a:ea typeface="IBM Plex Sans" charset="0"/>
+                <a:cs typeface="IBM Plex Sans" charset="0"/>
+              </a:endParaRPr>
+            </a:p>
+          </p:txBody>
+        </p:sp>
+        <p:pic>
+          <p:nvPicPr>
+            <p:cNvPr id="176" name="Picture 175">
+              <a:extLst>
+                <a:ext uri="{FF2B5EF4-FFF2-40B4-BE49-F238E27FC236}">
+                  <a16:creationId xmlns:a16="http://schemas.microsoft.com/office/drawing/2014/main" id="{FD3BAEB8-DC85-C748-B3D5-28D08C5390AF}"/>
+                </a:ext>
+              </a:extLst>
+            </p:cNvPr>
+            <p:cNvPicPr>
+              <a:picLocks noChangeAspect="1"/>
+            </p:cNvPicPr>
+            <p:nvPr/>
+          </p:nvPicPr>
+          <p:blipFill>
+            <a:blip r:embed="rId17" cstate="print">
+              <a:extLst>
+                <a:ext uri="{28A0092B-C50C-407E-A947-70E740481C1C}">
+                  <a14:useLocalDpi xmlns:a14="http://schemas.microsoft.com/office/drawing/2010/main" val="0"/>
+                </a:ext>
+              </a:extLst>
+            </a:blip>
+            <a:stretch>
+              <a:fillRect/>
+            </a:stretch>
+          </p:blipFill>
+          <p:spPr>
+            <a:xfrm>
+              <a:off x="8232853" y="5203991"/>
+              <a:ext cx="625527" cy="641988"/>
+            </a:xfrm>
+            <a:prstGeom prst="rect">
+              <a:avLst/>
+            </a:prstGeom>
+          </p:spPr>
+        </p:pic>
+      </p:grpSp>
+      <p:pic>
+        <p:nvPicPr>
+          <p:cNvPr id="224" name="Picture 223">
+            <a:extLst>
+              <a:ext uri="{FF2B5EF4-FFF2-40B4-BE49-F238E27FC236}">
+                <a16:creationId xmlns:a16="http://schemas.microsoft.com/office/drawing/2014/main" id="{C8BAD4E0-6901-3B46-A427-1D7885E19F56}"/>
+              </a:ext>
+            </a:extLst>
+          </p:cNvPr>
+          <p:cNvPicPr>
+            <a:picLocks noChangeAspect="1"/>
+          </p:cNvPicPr>
+          <p:nvPr/>
+        </p:nvPicPr>
+        <p:blipFill>
+          <a:blip r:embed="rId18"/>
+          <a:stretch>
+            <a:fillRect/>
+          </a:stretch>
+        </p:blipFill>
+        <p:spPr>
+          <a:xfrm rot="10800000">
+            <a:off x="2390607" y="3175830"/>
+            <a:ext cx="604881" cy="213261"/>
+          </a:xfrm>
+          <a:prstGeom prst="rect">
+            <a:avLst/>
+          </a:prstGeom>
+        </p:spPr>
+      </p:pic>
       <p:cxnSp>
         <p:nvCxnSpPr>
-          <p:cNvPr id="364" name="Straight Arrow Connector 110">
+          <p:cNvPr id="177" name="Straight Arrow Connector 176">
             <a:extLst>
               <a:ext uri="{FF2B5EF4-FFF2-40B4-BE49-F238E27FC236}">
-                <a16:creationId xmlns:a16="http://schemas.microsoft.com/office/drawing/2014/main" id="{3D955E83-69FB-C640-A17A-775367566ABA}"/>
+                <a16:creationId xmlns:a16="http://schemas.microsoft.com/office/drawing/2014/main" id="{C037B370-7EAA-A545-9319-F364338CC69C}"/>
               </a:ext>
             </a:extLst>
           </p:cNvPr>
@@ -12144,8 +11684,8 @@
         </p:nvCxnSpPr>
         <p:spPr>
           <a:xfrm>
-            <a:off x="7692706" y="5890696"/>
-            <a:ext cx="269156" cy="0"/>
+            <a:off x="398496" y="3198133"/>
+            <a:ext cx="9070" cy="301961"/>
           </a:xfrm>
           <a:prstGeom prst="straightConnector1">
             <a:avLst/>
@@ -12175,6 +11715,2985 @@
           <a:fontRef idx="none"/>
         </p:style>
       </p:cxnSp>
+      <p:cxnSp>
+        <p:nvCxnSpPr>
+          <p:cNvPr id="181" name="Straight Arrow Connector 110">
+            <a:extLst>
+              <a:ext uri="{FF2B5EF4-FFF2-40B4-BE49-F238E27FC236}">
+                <a16:creationId xmlns:a16="http://schemas.microsoft.com/office/drawing/2014/main" id="{83991EE0-0032-344F-8C81-E12B174DBF4F}"/>
+              </a:ext>
+            </a:extLst>
+          </p:cNvPr>
+          <p:cNvCxnSpPr>
+            <a:cxnSpLocks/>
+          </p:cNvCxnSpPr>
+          <p:nvPr/>
+        </p:nvCxnSpPr>
+        <p:spPr>
+          <a:xfrm>
+            <a:off x="639012" y="3716854"/>
+            <a:ext cx="1182193" cy="0"/>
+          </a:xfrm>
+          <a:prstGeom prst="straightConnector1">
+            <a:avLst/>
+          </a:prstGeom>
+          <a:noFill/>
+          <a:ln w="12700" cap="flat">
+            <a:solidFill>
+              <a:schemeClr val="tx1"/>
+            </a:solidFill>
+            <a:prstDash val="solid"/>
+            <a:miter lim="400000"/>
+            <a:headEnd type="triangle" w="lg" len="med"/>
+            <a:tailEnd type="triangle" w="lg" len="med"/>
+          </a:ln>
+          <a:effectLst/>
+        </p:spPr>
+        <p:style>
+          <a:lnRef idx="0">
+            <a:scrgbClr r="0" g="0" b="0"/>
+          </a:lnRef>
+          <a:fillRef idx="0">
+            <a:scrgbClr r="0" g="0" b="0"/>
+          </a:fillRef>
+          <a:effectRef idx="0">
+            <a:scrgbClr r="0" g="0" b="0"/>
+          </a:effectRef>
+          <a:fontRef idx="none"/>
+        </p:style>
+      </p:cxnSp>
+      <p:grpSp>
+        <p:nvGrpSpPr>
+          <p:cNvPr id="184" name="Group 183">
+            <a:extLst>
+              <a:ext uri="{FF2B5EF4-FFF2-40B4-BE49-F238E27FC236}">
+                <a16:creationId xmlns:a16="http://schemas.microsoft.com/office/drawing/2014/main" id="{4C21AC7A-B819-6541-853D-540B6EB2EE7A}"/>
+              </a:ext>
+            </a:extLst>
+          </p:cNvPr>
+          <p:cNvGrpSpPr/>
+          <p:nvPr/>
+        </p:nvGrpSpPr>
+        <p:grpSpPr>
+          <a:xfrm>
+            <a:off x="4271736" y="4464395"/>
+            <a:ext cx="457200" cy="457200"/>
+            <a:chOff x="6587463" y="2092052"/>
+            <a:chExt cx="751660" cy="692612"/>
+          </a:xfrm>
+        </p:grpSpPr>
+        <p:sp>
+          <p:nvSpPr>
+            <p:cNvPr id="186" name="Shape 252">
+              <a:extLst>
+                <a:ext uri="{FF2B5EF4-FFF2-40B4-BE49-F238E27FC236}">
+                  <a16:creationId xmlns:a16="http://schemas.microsoft.com/office/drawing/2014/main" id="{E3B9127D-7BD9-724C-BEAE-09D116925E53}"/>
+                </a:ext>
+              </a:extLst>
+            </p:cNvPr>
+            <p:cNvSpPr/>
+            <p:nvPr/>
+          </p:nvSpPr>
+          <p:spPr>
+            <a:xfrm>
+              <a:off x="6587463" y="2092052"/>
+              <a:ext cx="751660" cy="692612"/>
+            </a:xfrm>
+            <a:custGeom>
+              <a:avLst/>
+              <a:gdLst/>
+              <a:ahLst/>
+              <a:cxnLst>
+                <a:cxn ang="0">
+                  <a:pos x="wd2" y="hd2"/>
+                </a:cxn>
+                <a:cxn ang="5400000">
+                  <a:pos x="wd2" y="hd2"/>
+                </a:cxn>
+                <a:cxn ang="10800000">
+                  <a:pos x="wd2" y="hd2"/>
+                </a:cxn>
+                <a:cxn ang="16200000">
+                  <a:pos x="wd2" y="hd2"/>
+                </a:cxn>
+              </a:cxnLst>
+              <a:rect l="0" t="0" r="r" b="b"/>
+              <a:pathLst>
+                <a:path w="19679" h="19679" extrusionOk="0">
+                  <a:moveTo>
+                    <a:pt x="16796" y="2882"/>
+                  </a:moveTo>
+                  <a:cubicBezTo>
+                    <a:pt x="20639" y="6724"/>
+                    <a:pt x="20639" y="12954"/>
+                    <a:pt x="16796" y="16796"/>
+                  </a:cubicBezTo>
+                  <a:cubicBezTo>
+                    <a:pt x="12954" y="20639"/>
+                    <a:pt x="6724" y="20639"/>
+                    <a:pt x="2882" y="16796"/>
+                  </a:cubicBezTo>
+                  <a:cubicBezTo>
+                    <a:pt x="-961" y="12954"/>
+                    <a:pt x="-961" y="6724"/>
+                    <a:pt x="2882" y="2882"/>
+                  </a:cubicBezTo>
+                  <a:cubicBezTo>
+                    <a:pt x="6724" y="-961"/>
+                    <a:pt x="12954" y="-961"/>
+                    <a:pt x="16796" y="2882"/>
+                  </a:cubicBezTo>
+                  <a:close/>
+                </a:path>
+              </a:pathLst>
+            </a:custGeom>
+            <a:solidFill>
+              <a:srgbClr val="8DC53F"/>
+            </a:solidFill>
+            <a:ln w="3175" cap="flat">
+              <a:noFill/>
+              <a:miter lim="400000"/>
+            </a:ln>
+            <a:effectLst/>
+          </p:spPr>
+          <p:txBody>
+            <a:bodyPr wrap="square" lIns="0" tIns="0" rIns="0" bIns="0" numCol="1" anchor="ctr">
+              <a:noAutofit/>
+            </a:bodyPr>
+            <a:lstStyle/>
+            <a:p>
+              <a:pPr lvl="0">
+                <a:defRPr sz="1800">
+                  <a:solidFill>
+                    <a:srgbClr val="FFFFFF"/>
+                  </a:solidFill>
+                </a:defRPr>
+              </a:pPr>
+              <a:endParaRPr/>
+            </a:p>
+          </p:txBody>
+        </p:sp>
+        <p:pic>
+          <p:nvPicPr>
+            <p:cNvPr id="187" name="Picture 186">
+              <a:extLst>
+                <a:ext uri="{FF2B5EF4-FFF2-40B4-BE49-F238E27FC236}">
+                  <a16:creationId xmlns:a16="http://schemas.microsoft.com/office/drawing/2014/main" id="{11AD5DFE-6522-734A-B646-FDD7A18C1EB9}"/>
+                </a:ext>
+              </a:extLst>
+            </p:cNvPr>
+            <p:cNvPicPr>
+              <a:picLocks noChangeAspect="1"/>
+            </p:cNvPicPr>
+            <p:nvPr/>
+          </p:nvPicPr>
+          <p:blipFill>
+            <a:blip r:embed="rId15">
+              <a:biLevel thresh="50000"/>
+            </a:blip>
+            <a:stretch>
+              <a:fillRect/>
+            </a:stretch>
+          </p:blipFill>
+          <p:spPr>
+            <a:xfrm>
+              <a:off x="6727072" y="2155504"/>
+              <a:ext cx="472441" cy="501965"/>
+            </a:xfrm>
+            <a:prstGeom prst="rect">
+              <a:avLst/>
+            </a:prstGeom>
+          </p:spPr>
+        </p:pic>
+      </p:grpSp>
+      <p:sp>
+        <p:nvSpPr>
+          <p:cNvPr id="188" name="Shape 535">
+            <a:extLst>
+              <a:ext uri="{FF2B5EF4-FFF2-40B4-BE49-F238E27FC236}">
+                <a16:creationId xmlns:a16="http://schemas.microsoft.com/office/drawing/2014/main" id="{CF8BAFB2-7065-2545-A5F5-D44731A68A23}"/>
+              </a:ext>
+            </a:extLst>
+          </p:cNvPr>
+          <p:cNvSpPr/>
+          <p:nvPr/>
+        </p:nvSpPr>
+        <p:spPr>
+          <a:xfrm>
+            <a:off x="4735020" y="4471886"/>
+            <a:ext cx="948169" cy="471924"/>
+          </a:xfrm>
+          <a:prstGeom prst="rect">
+            <a:avLst/>
+          </a:prstGeom>
+          <a:ln w="3175">
+            <a:miter lim="400000"/>
+          </a:ln>
+          <a:extLst>
+            <a:ext uri="{C572A759-6A51-4108-AA02-DFA0A04FC94B}">
+              <ma14:wrappingTextBoxFlag xmlns:ma14="http://schemas.microsoft.com/office/mac/drawingml/2011/main" xmlns="" val="1"/>
+            </a:ext>
+          </a:extLst>
+        </p:spPr>
+        <p:txBody>
+          <a:bodyPr wrap="square" lIns="50800" tIns="50800" rIns="50800" bIns="50800">
+            <a:spAutoFit/>
+          </a:bodyPr>
+          <a:lstStyle>
+            <a:lvl1pPr algn="l" defTabSz="457200">
+              <a:defRPr sz="1000">
+                <a:latin typeface="Helvetica Neue"/>
+                <a:ea typeface="Helvetica Neue"/>
+                <a:cs typeface="Helvetica Neue"/>
+                <a:sym typeface="Helvetica Neue"/>
+              </a:defRPr>
+            </a:lvl1pPr>
+          </a:lstStyle>
+          <a:p>
+            <a:pPr lvl="0">
+              <a:defRPr sz="1800"/>
+            </a:pPr>
+            <a:r>
+              <a:rPr lang="en-US" sz="1200" dirty="0">
+                <a:latin typeface="Helvetica" panose="020B0604020202020204" pitchFamily="34" charset="0"/>
+                <a:cs typeface="Helvetica" panose="020B0604020202020204" pitchFamily="34" charset="0"/>
+              </a:rPr>
+              <a:t>Private </a:t>
+            </a:r>
+          </a:p>
+          <a:p>
+            <a:pPr lvl="0">
+              <a:defRPr sz="1800"/>
+            </a:pPr>
+            <a:r>
+              <a:rPr lang="en-US" sz="1200" dirty="0">
+                <a:latin typeface="Helvetica" panose="020B0604020202020204" pitchFamily="34" charset="0"/>
+                <a:cs typeface="Helvetica" panose="020B0604020202020204" pitchFamily="34" charset="0"/>
+              </a:rPr>
+              <a:t>LB</a:t>
+            </a:r>
+            <a:endParaRPr sz="1200" dirty="0">
+              <a:latin typeface="Helvetica" panose="020B0604020202020204" pitchFamily="34" charset="0"/>
+              <a:cs typeface="Helvetica" panose="020B0604020202020204" pitchFamily="34" charset="0"/>
+            </a:endParaRPr>
+          </a:p>
+        </p:txBody>
+      </p:sp>
+      <p:cxnSp>
+        <p:nvCxnSpPr>
+          <p:cNvPr id="194" name="Straight Arrow Connector 193">
+            <a:extLst>
+              <a:ext uri="{FF2B5EF4-FFF2-40B4-BE49-F238E27FC236}">
+                <a16:creationId xmlns:a16="http://schemas.microsoft.com/office/drawing/2014/main" id="{2C77CC1D-5B9C-9347-A689-AF929A761582}"/>
+              </a:ext>
+            </a:extLst>
+          </p:cNvPr>
+          <p:cNvCxnSpPr>
+            <a:cxnSpLocks/>
+          </p:cNvCxnSpPr>
+          <p:nvPr/>
+        </p:nvCxnSpPr>
+        <p:spPr>
+          <a:xfrm>
+            <a:off x="4479470" y="2203001"/>
+            <a:ext cx="3052" cy="423577"/>
+          </a:xfrm>
+          <a:prstGeom prst="straightConnector1">
+            <a:avLst/>
+          </a:prstGeom>
+          <a:noFill/>
+          <a:ln w="12700" cap="flat">
+            <a:solidFill>
+              <a:schemeClr val="tx1"/>
+            </a:solidFill>
+            <a:prstDash val="solid"/>
+            <a:miter lim="400000"/>
+            <a:headEnd type="none"/>
+            <a:tailEnd type="none"/>
+          </a:ln>
+          <a:effectLst/>
+        </p:spPr>
+        <p:style>
+          <a:lnRef idx="0">
+            <a:scrgbClr r="0" g="0" b="0"/>
+          </a:lnRef>
+          <a:fillRef idx="0">
+            <a:scrgbClr r="0" g="0" b="0"/>
+          </a:fillRef>
+          <a:effectRef idx="0">
+            <a:scrgbClr r="0" g="0" b="0"/>
+          </a:effectRef>
+          <a:fontRef idx="none"/>
+        </p:style>
+      </p:cxnSp>
+      <p:cxnSp>
+        <p:nvCxnSpPr>
+          <p:cNvPr id="199" name="Straight Arrow Connector 198">
+            <a:extLst>
+              <a:ext uri="{FF2B5EF4-FFF2-40B4-BE49-F238E27FC236}">
+                <a16:creationId xmlns:a16="http://schemas.microsoft.com/office/drawing/2014/main" id="{CAF9220E-DD73-AA48-B667-0CF2CA18C4D8}"/>
+              </a:ext>
+            </a:extLst>
+          </p:cNvPr>
+          <p:cNvCxnSpPr>
+            <a:cxnSpLocks/>
+          </p:cNvCxnSpPr>
+          <p:nvPr/>
+        </p:nvCxnSpPr>
+        <p:spPr>
+          <a:xfrm>
+            <a:off x="3735287" y="2614588"/>
+            <a:ext cx="0" cy="473557"/>
+          </a:xfrm>
+          <a:prstGeom prst="straightConnector1">
+            <a:avLst/>
+          </a:prstGeom>
+          <a:noFill/>
+          <a:ln w="12700" cap="flat">
+            <a:solidFill>
+              <a:schemeClr val="tx1"/>
+            </a:solidFill>
+            <a:prstDash val="solid"/>
+            <a:miter lim="400000"/>
+            <a:headEnd type="none"/>
+            <a:tailEnd type="none"/>
+          </a:ln>
+          <a:effectLst/>
+        </p:spPr>
+        <p:style>
+          <a:lnRef idx="0">
+            <a:scrgbClr r="0" g="0" b="0"/>
+          </a:lnRef>
+          <a:fillRef idx="0">
+            <a:scrgbClr r="0" g="0" b="0"/>
+          </a:fillRef>
+          <a:effectRef idx="0">
+            <a:scrgbClr r="0" g="0" b="0"/>
+          </a:effectRef>
+          <a:fontRef idx="none"/>
+        </p:style>
+      </p:cxnSp>
+      <p:cxnSp>
+        <p:nvCxnSpPr>
+          <p:cNvPr id="201" name="Straight Arrow Connector 110">
+            <a:extLst>
+              <a:ext uri="{FF2B5EF4-FFF2-40B4-BE49-F238E27FC236}">
+                <a16:creationId xmlns:a16="http://schemas.microsoft.com/office/drawing/2014/main" id="{4FC6F156-F0AD-7E48-864D-F0701261F3D2}"/>
+              </a:ext>
+            </a:extLst>
+          </p:cNvPr>
+          <p:cNvCxnSpPr>
+            <a:cxnSpLocks/>
+            <a:endCxn id="311" idx="0"/>
+          </p:cNvCxnSpPr>
+          <p:nvPr/>
+        </p:nvCxnSpPr>
+        <p:spPr>
+          <a:xfrm>
+            <a:off x="4424258" y="5324052"/>
+            <a:ext cx="1366845" cy="396125"/>
+          </a:xfrm>
+          <a:prstGeom prst="bentConnector2">
+            <a:avLst/>
+          </a:prstGeom>
+          <a:noFill/>
+          <a:ln w="12700" cap="flat">
+            <a:solidFill>
+              <a:schemeClr val="tx1"/>
+            </a:solidFill>
+            <a:prstDash val="solid"/>
+            <a:miter lim="400000"/>
+            <a:headEnd type="none"/>
+            <a:tailEnd type="none"/>
+          </a:ln>
+          <a:effectLst/>
+        </p:spPr>
+        <p:style>
+          <a:lnRef idx="0">
+            <a:scrgbClr r="0" g="0" b="0"/>
+          </a:lnRef>
+          <a:fillRef idx="0">
+            <a:scrgbClr r="0" g="0" b="0"/>
+          </a:fillRef>
+          <a:effectRef idx="0">
+            <a:scrgbClr r="0" g="0" b="0"/>
+          </a:effectRef>
+          <a:fontRef idx="none"/>
+        </p:style>
+      </p:cxnSp>
+      <p:cxnSp>
+        <p:nvCxnSpPr>
+          <p:cNvPr id="203" name="Straight Arrow Connector 110">
+            <a:extLst>
+              <a:ext uri="{FF2B5EF4-FFF2-40B4-BE49-F238E27FC236}">
+                <a16:creationId xmlns:a16="http://schemas.microsoft.com/office/drawing/2014/main" id="{5A7A9ABF-1BFE-AD42-B1B5-B2064EA43671}"/>
+              </a:ext>
+            </a:extLst>
+          </p:cNvPr>
+          <p:cNvCxnSpPr>
+            <a:cxnSpLocks/>
+            <a:endCxn id="314" idx="0"/>
+          </p:cNvCxnSpPr>
+          <p:nvPr/>
+        </p:nvCxnSpPr>
+        <p:spPr>
+          <a:xfrm rot="10800000" flipV="1">
+            <a:off x="3145380" y="5322860"/>
+            <a:ext cx="1273159" cy="380910"/>
+          </a:xfrm>
+          <a:prstGeom prst="bentConnector2">
+            <a:avLst/>
+          </a:prstGeom>
+          <a:noFill/>
+          <a:ln w="12700" cap="flat">
+            <a:solidFill>
+              <a:schemeClr val="tx1"/>
+            </a:solidFill>
+            <a:prstDash val="solid"/>
+            <a:miter lim="400000"/>
+            <a:headEnd type="none"/>
+            <a:tailEnd type="none"/>
+          </a:ln>
+          <a:effectLst/>
+        </p:spPr>
+        <p:style>
+          <a:lnRef idx="0">
+            <a:scrgbClr r="0" g="0" b="0"/>
+          </a:lnRef>
+          <a:fillRef idx="0">
+            <a:scrgbClr r="0" g="0" b="0"/>
+          </a:fillRef>
+          <a:effectRef idx="0">
+            <a:scrgbClr r="0" g="0" b="0"/>
+          </a:effectRef>
+          <a:fontRef idx="none"/>
+        </p:style>
+      </p:cxnSp>
+      <p:cxnSp>
+        <p:nvCxnSpPr>
+          <p:cNvPr id="206" name="Straight Arrow Connector 205">
+            <a:extLst>
+              <a:ext uri="{FF2B5EF4-FFF2-40B4-BE49-F238E27FC236}">
+                <a16:creationId xmlns:a16="http://schemas.microsoft.com/office/drawing/2014/main" id="{72B116BF-CB53-AB49-8802-6AAF9D1DDAE8}"/>
+              </a:ext>
+            </a:extLst>
+          </p:cNvPr>
+          <p:cNvCxnSpPr>
+            <a:cxnSpLocks/>
+          </p:cNvCxnSpPr>
+          <p:nvPr/>
+        </p:nvCxnSpPr>
+        <p:spPr>
+          <a:xfrm>
+            <a:off x="3654220" y="5336322"/>
+            <a:ext cx="3052" cy="423577"/>
+          </a:xfrm>
+          <a:prstGeom prst="straightConnector1">
+            <a:avLst/>
+          </a:prstGeom>
+          <a:noFill/>
+          <a:ln w="12700" cap="flat">
+            <a:solidFill>
+              <a:schemeClr val="tx1"/>
+            </a:solidFill>
+            <a:prstDash val="solid"/>
+            <a:miter lim="400000"/>
+            <a:headEnd type="none"/>
+            <a:tailEnd type="none"/>
+          </a:ln>
+          <a:effectLst/>
+        </p:spPr>
+        <p:style>
+          <a:lnRef idx="0">
+            <a:scrgbClr r="0" g="0" b="0"/>
+          </a:lnRef>
+          <a:fillRef idx="0">
+            <a:scrgbClr r="0" g="0" b="0"/>
+          </a:fillRef>
+          <a:effectRef idx="0">
+            <a:scrgbClr r="0" g="0" b="0"/>
+          </a:effectRef>
+          <a:fontRef idx="none"/>
+        </p:style>
+      </p:cxnSp>
+      <p:cxnSp>
+        <p:nvCxnSpPr>
+          <p:cNvPr id="205" name="Straight Arrow Connector 204">
+            <a:extLst>
+              <a:ext uri="{FF2B5EF4-FFF2-40B4-BE49-F238E27FC236}">
+                <a16:creationId xmlns:a16="http://schemas.microsoft.com/office/drawing/2014/main" id="{426A2A08-14F3-414F-9E64-13E8B7BB27C6}"/>
+              </a:ext>
+            </a:extLst>
+          </p:cNvPr>
+          <p:cNvCxnSpPr>
+            <a:cxnSpLocks/>
+          </p:cNvCxnSpPr>
+          <p:nvPr/>
+        </p:nvCxnSpPr>
+        <p:spPr>
+          <a:xfrm>
+            <a:off x="4490777" y="4941599"/>
+            <a:ext cx="3052" cy="423577"/>
+          </a:xfrm>
+          <a:prstGeom prst="straightConnector1">
+            <a:avLst/>
+          </a:prstGeom>
+          <a:noFill/>
+          <a:ln w="12700" cap="flat">
+            <a:solidFill>
+              <a:schemeClr val="tx1"/>
+            </a:solidFill>
+            <a:prstDash val="solid"/>
+            <a:miter lim="400000"/>
+            <a:headEnd type="none"/>
+            <a:tailEnd type="none"/>
+          </a:ln>
+          <a:effectLst/>
+        </p:spPr>
+        <p:style>
+          <a:lnRef idx="0">
+            <a:scrgbClr r="0" g="0" b="0"/>
+          </a:lnRef>
+          <a:fillRef idx="0">
+            <a:scrgbClr r="0" g="0" b="0"/>
+          </a:fillRef>
+          <a:effectRef idx="0">
+            <a:scrgbClr r="0" g="0" b="0"/>
+          </a:effectRef>
+          <a:fontRef idx="none"/>
+        </p:style>
+      </p:cxnSp>
+      <p:grpSp>
+        <p:nvGrpSpPr>
+          <p:cNvPr id="315" name="Group 314">
+            <a:extLst>
+              <a:ext uri="{FF2B5EF4-FFF2-40B4-BE49-F238E27FC236}">
+                <a16:creationId xmlns:a16="http://schemas.microsoft.com/office/drawing/2014/main" id="{6FC3C9E4-BC39-1543-B260-584A046EF422}"/>
+              </a:ext>
+            </a:extLst>
+          </p:cNvPr>
+          <p:cNvGrpSpPr/>
+          <p:nvPr/>
+        </p:nvGrpSpPr>
+        <p:grpSpPr>
+          <a:xfrm>
+            <a:off x="3428050" y="5704164"/>
+            <a:ext cx="457200" cy="457200"/>
+            <a:chOff x="559577" y="2006407"/>
+            <a:chExt cx="704088" cy="704088"/>
+          </a:xfrm>
+        </p:grpSpPr>
+        <p:sp>
+          <p:nvSpPr>
+            <p:cNvPr id="316" name="Shape 252">
+              <a:extLst>
+                <a:ext uri="{FF2B5EF4-FFF2-40B4-BE49-F238E27FC236}">
+                  <a16:creationId xmlns:a16="http://schemas.microsoft.com/office/drawing/2014/main" id="{C2E961B0-4F7F-2741-B9BF-79EF5F845EA0}"/>
+                </a:ext>
+              </a:extLst>
+            </p:cNvPr>
+            <p:cNvSpPr/>
+            <p:nvPr/>
+          </p:nvSpPr>
+          <p:spPr>
+            <a:xfrm>
+              <a:off x="559577" y="2006407"/>
+              <a:ext cx="704088" cy="704088"/>
+            </a:xfrm>
+            <a:custGeom>
+              <a:avLst/>
+              <a:gdLst/>
+              <a:ahLst/>
+              <a:cxnLst>
+                <a:cxn ang="0">
+                  <a:pos x="wd2" y="hd2"/>
+                </a:cxn>
+                <a:cxn ang="5400000">
+                  <a:pos x="wd2" y="hd2"/>
+                </a:cxn>
+                <a:cxn ang="10800000">
+                  <a:pos x="wd2" y="hd2"/>
+                </a:cxn>
+                <a:cxn ang="16200000">
+                  <a:pos x="wd2" y="hd2"/>
+                </a:cxn>
+              </a:cxnLst>
+              <a:rect l="0" t="0" r="r" b="b"/>
+              <a:pathLst>
+                <a:path w="19679" h="19679" extrusionOk="0">
+                  <a:moveTo>
+                    <a:pt x="16796" y="2882"/>
+                  </a:moveTo>
+                  <a:cubicBezTo>
+                    <a:pt x="20639" y="6724"/>
+                    <a:pt x="20639" y="12954"/>
+                    <a:pt x="16796" y="16796"/>
+                  </a:cubicBezTo>
+                  <a:cubicBezTo>
+                    <a:pt x="12954" y="20639"/>
+                    <a:pt x="6724" y="20639"/>
+                    <a:pt x="2882" y="16796"/>
+                  </a:cubicBezTo>
+                  <a:cubicBezTo>
+                    <a:pt x="-961" y="12954"/>
+                    <a:pt x="-961" y="6724"/>
+                    <a:pt x="2882" y="2882"/>
+                  </a:cubicBezTo>
+                  <a:cubicBezTo>
+                    <a:pt x="6724" y="-961"/>
+                    <a:pt x="12954" y="-961"/>
+                    <a:pt x="16796" y="2882"/>
+                  </a:cubicBezTo>
+                  <a:close/>
+                </a:path>
+              </a:pathLst>
+            </a:custGeom>
+            <a:solidFill>
+              <a:srgbClr val="8DC53F"/>
+            </a:solidFill>
+            <a:ln w="3175" cap="flat">
+              <a:noFill/>
+              <a:miter lim="400000"/>
+            </a:ln>
+            <a:effectLst/>
+          </p:spPr>
+          <p:txBody>
+            <a:bodyPr wrap="square" lIns="0" tIns="0" rIns="0" bIns="0" numCol="1" anchor="ctr">
+              <a:noAutofit/>
+            </a:bodyPr>
+            <a:lstStyle/>
+            <a:p>
+              <a:pPr lvl="0">
+                <a:defRPr sz="1800">
+                  <a:solidFill>
+                    <a:srgbClr val="FFFFFF"/>
+                  </a:solidFill>
+                </a:defRPr>
+              </a:pPr>
+              <a:endParaRPr/>
+            </a:p>
+          </p:txBody>
+        </p:sp>
+        <p:pic>
+          <p:nvPicPr>
+            <p:cNvPr id="317" name="Picture 316">
+              <a:extLst>
+                <a:ext uri="{FF2B5EF4-FFF2-40B4-BE49-F238E27FC236}">
+                  <a16:creationId xmlns:a16="http://schemas.microsoft.com/office/drawing/2014/main" id="{F5BD99C5-294E-9448-872A-FE3F29759FD7}"/>
+                </a:ext>
+              </a:extLst>
+            </p:cNvPr>
+            <p:cNvPicPr>
+              <a:picLocks noChangeAspect="1"/>
+            </p:cNvPicPr>
+            <p:nvPr/>
+          </p:nvPicPr>
+          <p:blipFill>
+            <a:blip r:embed="rId14"/>
+            <a:stretch>
+              <a:fillRect/>
+            </a:stretch>
+          </p:blipFill>
+          <p:spPr>
+            <a:xfrm>
+              <a:off x="633103" y="2031674"/>
+              <a:ext cx="518254" cy="556643"/>
+            </a:xfrm>
+            <a:prstGeom prst="rect">
+              <a:avLst/>
+            </a:prstGeom>
+          </p:spPr>
+        </p:pic>
+      </p:grpSp>
+      <p:cxnSp>
+        <p:nvCxnSpPr>
+          <p:cNvPr id="209" name="Straight Arrow Connector 208">
+            <a:extLst>
+              <a:ext uri="{FF2B5EF4-FFF2-40B4-BE49-F238E27FC236}">
+                <a16:creationId xmlns:a16="http://schemas.microsoft.com/office/drawing/2014/main" id="{AB8977D7-6D6C-1F44-8851-4F0D4A34B228}"/>
+              </a:ext>
+            </a:extLst>
+          </p:cNvPr>
+          <p:cNvCxnSpPr>
+            <a:cxnSpLocks/>
+          </p:cNvCxnSpPr>
+          <p:nvPr/>
+        </p:nvCxnSpPr>
+        <p:spPr>
+          <a:xfrm>
+            <a:off x="5272503" y="5348179"/>
+            <a:ext cx="3052" cy="423577"/>
+          </a:xfrm>
+          <a:prstGeom prst="straightConnector1">
+            <a:avLst/>
+          </a:prstGeom>
+          <a:noFill/>
+          <a:ln w="12700" cap="flat">
+            <a:solidFill>
+              <a:schemeClr val="tx1"/>
+            </a:solidFill>
+            <a:prstDash val="solid"/>
+            <a:miter lim="400000"/>
+            <a:headEnd type="none"/>
+            <a:tailEnd type="none"/>
+          </a:ln>
+          <a:effectLst/>
+        </p:spPr>
+        <p:style>
+          <a:lnRef idx="0">
+            <a:scrgbClr r="0" g="0" b="0"/>
+          </a:lnRef>
+          <a:fillRef idx="0">
+            <a:scrgbClr r="0" g="0" b="0"/>
+          </a:fillRef>
+          <a:effectRef idx="0">
+            <a:scrgbClr r="0" g="0" b="0"/>
+          </a:effectRef>
+          <a:fontRef idx="none"/>
+        </p:style>
+      </p:cxnSp>
+      <p:grpSp>
+        <p:nvGrpSpPr>
+          <p:cNvPr id="305" name="Group 304">
+            <a:extLst>
+              <a:ext uri="{FF2B5EF4-FFF2-40B4-BE49-F238E27FC236}">
+                <a16:creationId xmlns:a16="http://schemas.microsoft.com/office/drawing/2014/main" id="{2ECE52E9-6230-6542-BBF2-135281B09888}"/>
+              </a:ext>
+            </a:extLst>
+          </p:cNvPr>
+          <p:cNvGrpSpPr/>
+          <p:nvPr/>
+        </p:nvGrpSpPr>
+        <p:grpSpPr>
+          <a:xfrm>
+            <a:off x="5067033" y="5703770"/>
+            <a:ext cx="457200" cy="457200"/>
+            <a:chOff x="559577" y="2006407"/>
+            <a:chExt cx="704088" cy="704088"/>
+          </a:xfrm>
+        </p:grpSpPr>
+        <p:sp>
+          <p:nvSpPr>
+            <p:cNvPr id="307" name="Shape 252">
+              <a:extLst>
+                <a:ext uri="{FF2B5EF4-FFF2-40B4-BE49-F238E27FC236}">
+                  <a16:creationId xmlns:a16="http://schemas.microsoft.com/office/drawing/2014/main" id="{DB5ED775-62C6-824E-80FF-C5B476153D01}"/>
+                </a:ext>
+              </a:extLst>
+            </p:cNvPr>
+            <p:cNvSpPr/>
+            <p:nvPr/>
+          </p:nvSpPr>
+          <p:spPr>
+            <a:xfrm>
+              <a:off x="559577" y="2006407"/>
+              <a:ext cx="704088" cy="704088"/>
+            </a:xfrm>
+            <a:custGeom>
+              <a:avLst/>
+              <a:gdLst/>
+              <a:ahLst/>
+              <a:cxnLst>
+                <a:cxn ang="0">
+                  <a:pos x="wd2" y="hd2"/>
+                </a:cxn>
+                <a:cxn ang="5400000">
+                  <a:pos x="wd2" y="hd2"/>
+                </a:cxn>
+                <a:cxn ang="10800000">
+                  <a:pos x="wd2" y="hd2"/>
+                </a:cxn>
+                <a:cxn ang="16200000">
+                  <a:pos x="wd2" y="hd2"/>
+                </a:cxn>
+              </a:cxnLst>
+              <a:rect l="0" t="0" r="r" b="b"/>
+              <a:pathLst>
+                <a:path w="19679" h="19679" extrusionOk="0">
+                  <a:moveTo>
+                    <a:pt x="16796" y="2882"/>
+                  </a:moveTo>
+                  <a:cubicBezTo>
+                    <a:pt x="20639" y="6724"/>
+                    <a:pt x="20639" y="12954"/>
+                    <a:pt x="16796" y="16796"/>
+                  </a:cubicBezTo>
+                  <a:cubicBezTo>
+                    <a:pt x="12954" y="20639"/>
+                    <a:pt x="6724" y="20639"/>
+                    <a:pt x="2882" y="16796"/>
+                  </a:cubicBezTo>
+                  <a:cubicBezTo>
+                    <a:pt x="-961" y="12954"/>
+                    <a:pt x="-961" y="6724"/>
+                    <a:pt x="2882" y="2882"/>
+                  </a:cubicBezTo>
+                  <a:cubicBezTo>
+                    <a:pt x="6724" y="-961"/>
+                    <a:pt x="12954" y="-961"/>
+                    <a:pt x="16796" y="2882"/>
+                  </a:cubicBezTo>
+                  <a:close/>
+                </a:path>
+              </a:pathLst>
+            </a:custGeom>
+            <a:solidFill>
+              <a:srgbClr val="8DC53F"/>
+            </a:solidFill>
+            <a:ln w="3175" cap="flat">
+              <a:noFill/>
+              <a:miter lim="400000"/>
+            </a:ln>
+            <a:effectLst/>
+          </p:spPr>
+          <p:txBody>
+            <a:bodyPr wrap="square" lIns="0" tIns="0" rIns="0" bIns="0" numCol="1" anchor="ctr">
+              <a:noAutofit/>
+            </a:bodyPr>
+            <a:lstStyle/>
+            <a:p>
+              <a:pPr lvl="0">
+                <a:defRPr sz="1800">
+                  <a:solidFill>
+                    <a:srgbClr val="FFFFFF"/>
+                  </a:solidFill>
+                </a:defRPr>
+              </a:pPr>
+              <a:endParaRPr/>
+            </a:p>
+          </p:txBody>
+        </p:sp>
+        <p:pic>
+          <p:nvPicPr>
+            <p:cNvPr id="308" name="Picture 307">
+              <a:extLst>
+                <a:ext uri="{FF2B5EF4-FFF2-40B4-BE49-F238E27FC236}">
+                  <a16:creationId xmlns:a16="http://schemas.microsoft.com/office/drawing/2014/main" id="{895B9C10-2662-F942-A72A-10291189CD50}"/>
+                </a:ext>
+              </a:extLst>
+            </p:cNvPr>
+            <p:cNvPicPr>
+              <a:picLocks noChangeAspect="1"/>
+            </p:cNvPicPr>
+            <p:nvPr/>
+          </p:nvPicPr>
+          <p:blipFill>
+            <a:blip r:embed="rId14"/>
+            <a:stretch>
+              <a:fillRect/>
+            </a:stretch>
+          </p:blipFill>
+          <p:spPr>
+            <a:xfrm>
+              <a:off x="633103" y="2031673"/>
+              <a:ext cx="518255" cy="556642"/>
+            </a:xfrm>
+            <a:prstGeom prst="rect">
+              <a:avLst/>
+            </a:prstGeom>
+          </p:spPr>
+        </p:pic>
+      </p:grpSp>
+      <p:cxnSp>
+        <p:nvCxnSpPr>
+          <p:cNvPr id="214" name="Straight Arrow Connector 110">
+            <a:extLst>
+              <a:ext uri="{FF2B5EF4-FFF2-40B4-BE49-F238E27FC236}">
+                <a16:creationId xmlns:a16="http://schemas.microsoft.com/office/drawing/2014/main" id="{FF10D639-4D77-A947-A442-184381664E08}"/>
+              </a:ext>
+            </a:extLst>
+          </p:cNvPr>
+          <p:cNvCxnSpPr>
+            <a:cxnSpLocks/>
+          </p:cNvCxnSpPr>
+          <p:nvPr/>
+        </p:nvCxnSpPr>
+        <p:spPr>
+          <a:xfrm rot="10800000">
+            <a:off x="3202271" y="3565230"/>
+            <a:ext cx="1249994" cy="564807"/>
+          </a:xfrm>
+          <a:prstGeom prst="bentConnector3">
+            <a:avLst>
+              <a:gd name="adj1" fmla="val 100450"/>
+            </a:avLst>
+          </a:prstGeom>
+          <a:noFill/>
+          <a:ln w="12700" cap="flat">
+            <a:solidFill>
+              <a:schemeClr val="tx1"/>
+            </a:solidFill>
+            <a:prstDash val="solid"/>
+            <a:miter lim="400000"/>
+            <a:headEnd type="none"/>
+            <a:tailEnd type="none"/>
+          </a:ln>
+          <a:effectLst/>
+        </p:spPr>
+        <p:style>
+          <a:lnRef idx="0">
+            <a:scrgbClr r="0" g="0" b="0"/>
+          </a:lnRef>
+          <a:fillRef idx="0">
+            <a:scrgbClr r="0" g="0" b="0"/>
+          </a:fillRef>
+          <a:effectRef idx="0">
+            <a:scrgbClr r="0" g="0" b="0"/>
+          </a:effectRef>
+          <a:fontRef idx="none"/>
+        </p:style>
+      </p:cxnSp>
+      <p:cxnSp>
+        <p:nvCxnSpPr>
+          <p:cNvPr id="215" name="Straight Arrow Connector 110">
+            <a:extLst>
+              <a:ext uri="{FF2B5EF4-FFF2-40B4-BE49-F238E27FC236}">
+                <a16:creationId xmlns:a16="http://schemas.microsoft.com/office/drawing/2014/main" id="{406C96BC-1676-1644-8F4F-211BD65B31F8}"/>
+              </a:ext>
+            </a:extLst>
+          </p:cNvPr>
+          <p:cNvCxnSpPr>
+            <a:cxnSpLocks/>
+          </p:cNvCxnSpPr>
+          <p:nvPr/>
+        </p:nvCxnSpPr>
+        <p:spPr>
+          <a:xfrm flipV="1">
+            <a:off x="4407507" y="3561961"/>
+            <a:ext cx="1410594" cy="569624"/>
+          </a:xfrm>
+          <a:prstGeom prst="bentConnector3">
+            <a:avLst>
+              <a:gd name="adj1" fmla="val 100294"/>
+            </a:avLst>
+          </a:prstGeom>
+          <a:noFill/>
+          <a:ln w="12700" cap="flat">
+            <a:solidFill>
+              <a:schemeClr val="tx1"/>
+            </a:solidFill>
+            <a:prstDash val="solid"/>
+            <a:miter lim="400000"/>
+            <a:headEnd type="none"/>
+            <a:tailEnd type="none"/>
+          </a:ln>
+          <a:effectLst/>
+        </p:spPr>
+        <p:style>
+          <a:lnRef idx="0">
+            <a:scrgbClr r="0" g="0" b="0"/>
+          </a:lnRef>
+          <a:fillRef idx="0">
+            <a:scrgbClr r="0" g="0" b="0"/>
+          </a:fillRef>
+          <a:effectRef idx="0">
+            <a:scrgbClr r="0" g="0" b="0"/>
+          </a:effectRef>
+          <a:fontRef idx="none"/>
+        </p:style>
+      </p:cxnSp>
+      <p:cxnSp>
+        <p:nvCxnSpPr>
+          <p:cNvPr id="220" name="Straight Arrow Connector 219">
+            <a:extLst>
+              <a:ext uri="{FF2B5EF4-FFF2-40B4-BE49-F238E27FC236}">
+                <a16:creationId xmlns:a16="http://schemas.microsoft.com/office/drawing/2014/main" id="{0F71166A-0A0E-884A-A6C0-559EA9D690F1}"/>
+              </a:ext>
+            </a:extLst>
+          </p:cNvPr>
+          <p:cNvCxnSpPr>
+            <a:cxnSpLocks/>
+          </p:cNvCxnSpPr>
+          <p:nvPr/>
+        </p:nvCxnSpPr>
+        <p:spPr>
+          <a:xfrm>
+            <a:off x="4488483" y="4143013"/>
+            <a:ext cx="5346" cy="314624"/>
+          </a:xfrm>
+          <a:prstGeom prst="straightConnector1">
+            <a:avLst/>
+          </a:prstGeom>
+          <a:noFill/>
+          <a:ln w="12700" cap="flat">
+            <a:solidFill>
+              <a:schemeClr val="tx1"/>
+            </a:solidFill>
+            <a:prstDash val="solid"/>
+            <a:miter lim="400000"/>
+            <a:headEnd type="none"/>
+            <a:tailEnd type="none"/>
+          </a:ln>
+          <a:effectLst/>
+        </p:spPr>
+        <p:style>
+          <a:lnRef idx="0">
+            <a:scrgbClr r="0" g="0" b="0"/>
+          </a:lnRef>
+          <a:fillRef idx="0">
+            <a:scrgbClr r="0" g="0" b="0"/>
+          </a:fillRef>
+          <a:effectRef idx="0">
+            <a:scrgbClr r="0" g="0" b="0"/>
+          </a:effectRef>
+          <a:fontRef idx="none"/>
+        </p:style>
+      </p:cxnSp>
+      <p:cxnSp>
+        <p:nvCxnSpPr>
+          <p:cNvPr id="247" name="Straight Arrow Connector 246">
+            <a:extLst>
+              <a:ext uri="{FF2B5EF4-FFF2-40B4-BE49-F238E27FC236}">
+                <a16:creationId xmlns:a16="http://schemas.microsoft.com/office/drawing/2014/main" id="{466CDDDC-1E1C-2546-9978-22E8E966AE61}"/>
+              </a:ext>
+            </a:extLst>
+          </p:cNvPr>
+          <p:cNvCxnSpPr>
+            <a:cxnSpLocks/>
+          </p:cNvCxnSpPr>
+          <p:nvPr/>
+        </p:nvCxnSpPr>
+        <p:spPr>
+          <a:xfrm flipH="1">
+            <a:off x="5267859" y="3554730"/>
+            <a:ext cx="4645" cy="608815"/>
+          </a:xfrm>
+          <a:prstGeom prst="straightConnector1">
+            <a:avLst/>
+          </a:prstGeom>
+          <a:noFill/>
+          <a:ln w="12700" cap="flat">
+            <a:solidFill>
+              <a:schemeClr val="tx1"/>
+            </a:solidFill>
+            <a:prstDash val="solid"/>
+            <a:miter lim="400000"/>
+            <a:headEnd type="none"/>
+            <a:tailEnd type="none"/>
+          </a:ln>
+          <a:effectLst/>
+        </p:spPr>
+        <p:style>
+          <a:lnRef idx="0">
+            <a:scrgbClr r="0" g="0" b="0"/>
+          </a:lnRef>
+          <a:fillRef idx="0">
+            <a:scrgbClr r="0" g="0" b="0"/>
+          </a:fillRef>
+          <a:effectRef idx="0">
+            <a:scrgbClr r="0" g="0" b="0"/>
+          </a:effectRef>
+          <a:fontRef idx="none"/>
+        </p:style>
+      </p:cxnSp>
+      <p:cxnSp>
+        <p:nvCxnSpPr>
+          <p:cNvPr id="249" name="Straight Arrow Connector 248">
+            <a:extLst>
+              <a:ext uri="{FF2B5EF4-FFF2-40B4-BE49-F238E27FC236}">
+                <a16:creationId xmlns:a16="http://schemas.microsoft.com/office/drawing/2014/main" id="{8C65D8C7-255C-7A4D-9426-CD93F1C93552}"/>
+              </a:ext>
+            </a:extLst>
+          </p:cNvPr>
+          <p:cNvCxnSpPr>
+            <a:cxnSpLocks/>
+          </p:cNvCxnSpPr>
+          <p:nvPr/>
+        </p:nvCxnSpPr>
+        <p:spPr>
+          <a:xfrm flipH="1">
+            <a:off x="3722785" y="3565229"/>
+            <a:ext cx="1" cy="564807"/>
+          </a:xfrm>
+          <a:prstGeom prst="straightConnector1">
+            <a:avLst/>
+          </a:prstGeom>
+          <a:noFill/>
+          <a:ln w="12700" cap="flat">
+            <a:solidFill>
+              <a:schemeClr val="tx1"/>
+            </a:solidFill>
+            <a:prstDash val="solid"/>
+            <a:miter lim="400000"/>
+            <a:headEnd type="none"/>
+            <a:tailEnd type="none"/>
+          </a:ln>
+          <a:effectLst/>
+        </p:spPr>
+        <p:style>
+          <a:lnRef idx="0">
+            <a:scrgbClr r="0" g="0" b="0"/>
+          </a:lnRef>
+          <a:fillRef idx="0">
+            <a:scrgbClr r="0" g="0" b="0"/>
+          </a:fillRef>
+          <a:effectRef idx="0">
+            <a:scrgbClr r="0" g="0" b="0"/>
+          </a:effectRef>
+          <a:fontRef idx="none"/>
+        </p:style>
+      </p:cxnSp>
+      <p:cxnSp>
+        <p:nvCxnSpPr>
+          <p:cNvPr id="257" name="Straight Arrow Connector 110">
+            <a:extLst>
+              <a:ext uri="{FF2B5EF4-FFF2-40B4-BE49-F238E27FC236}">
+                <a16:creationId xmlns:a16="http://schemas.microsoft.com/office/drawing/2014/main" id="{02C6859E-424C-4F4E-8D94-1F3B9B8CEF3C}"/>
+              </a:ext>
+            </a:extLst>
+          </p:cNvPr>
+          <p:cNvCxnSpPr>
+            <a:cxnSpLocks/>
+          </p:cNvCxnSpPr>
+          <p:nvPr/>
+        </p:nvCxnSpPr>
+        <p:spPr>
+          <a:xfrm>
+            <a:off x="6566356" y="6193749"/>
+            <a:ext cx="469188" cy="6082"/>
+          </a:xfrm>
+          <a:prstGeom prst="straightConnector1">
+            <a:avLst/>
+          </a:prstGeom>
+          <a:noFill/>
+          <a:ln w="12700" cap="flat">
+            <a:solidFill>
+              <a:schemeClr val="tx1"/>
+            </a:solidFill>
+            <a:prstDash val="solid"/>
+            <a:miter lim="400000"/>
+            <a:headEnd type="triangle" w="lg" len="med"/>
+            <a:tailEnd type="triangle" w="lg" len="med"/>
+          </a:ln>
+          <a:effectLst/>
+        </p:spPr>
+        <p:style>
+          <a:lnRef idx="0">
+            <a:scrgbClr r="0" g="0" b="0"/>
+          </a:lnRef>
+          <a:fillRef idx="0">
+            <a:scrgbClr r="0" g="0" b="0"/>
+          </a:fillRef>
+          <a:effectRef idx="0">
+            <a:scrgbClr r="0" g="0" b="0"/>
+          </a:effectRef>
+          <a:fontRef idx="none"/>
+        </p:style>
+      </p:cxnSp>
+      <p:sp>
+        <p:nvSpPr>
+          <p:cNvPr id="258" name="Shape 535">
+            <a:extLst>
+              <a:ext uri="{FF2B5EF4-FFF2-40B4-BE49-F238E27FC236}">
+                <a16:creationId xmlns:a16="http://schemas.microsoft.com/office/drawing/2014/main" id="{9A6D43B1-188F-504E-89B4-42857CD16842}"/>
+              </a:ext>
+            </a:extLst>
+          </p:cNvPr>
+          <p:cNvSpPr/>
+          <p:nvPr/>
+        </p:nvSpPr>
+        <p:spPr>
+          <a:xfrm>
+            <a:off x="7013693" y="6485114"/>
+            <a:ext cx="948169" cy="471924"/>
+          </a:xfrm>
+          <a:prstGeom prst="rect">
+            <a:avLst/>
+          </a:prstGeom>
+          <a:ln w="3175">
+            <a:miter lim="400000"/>
+          </a:ln>
+          <a:extLst>
+            <a:ext uri="{C572A759-6A51-4108-AA02-DFA0A04FC94B}">
+              <ma14:wrappingTextBoxFlag xmlns:ma14="http://schemas.microsoft.com/office/mac/drawingml/2011/main" xmlns="" val="1"/>
+            </a:ext>
+          </a:extLst>
+        </p:spPr>
+        <p:txBody>
+          <a:bodyPr wrap="square" lIns="50800" tIns="50800" rIns="50800" bIns="50800">
+            <a:spAutoFit/>
+          </a:bodyPr>
+          <a:lstStyle>
+            <a:lvl1pPr algn="l" defTabSz="457200">
+              <a:defRPr sz="1000">
+                <a:latin typeface="Helvetica Neue"/>
+                <a:ea typeface="Helvetica Neue"/>
+                <a:cs typeface="Helvetica Neue"/>
+                <a:sym typeface="Helvetica Neue"/>
+              </a:defRPr>
+            </a:lvl1pPr>
+          </a:lstStyle>
+          <a:p>
+            <a:pPr lvl="0">
+              <a:defRPr sz="1800"/>
+            </a:pPr>
+            <a:r>
+              <a:rPr lang="en-US" sz="1200" dirty="0">
+                <a:latin typeface="Helvetica" panose="020B0604020202020204" pitchFamily="34" charset="0"/>
+                <a:cs typeface="Helvetica" panose="020B0604020202020204" pitchFamily="34" charset="0"/>
+              </a:rPr>
+              <a:t>implicit Router</a:t>
+            </a:r>
+            <a:endParaRPr sz="1200" dirty="0">
+              <a:latin typeface="Helvetica" panose="020B0604020202020204" pitchFamily="34" charset="0"/>
+              <a:cs typeface="Helvetica" panose="020B0604020202020204" pitchFamily="34" charset="0"/>
+            </a:endParaRPr>
+          </a:p>
+        </p:txBody>
+      </p:sp>
+      <p:grpSp>
+        <p:nvGrpSpPr>
+          <p:cNvPr id="259" name="Group 258">
+            <a:extLst>
+              <a:ext uri="{FF2B5EF4-FFF2-40B4-BE49-F238E27FC236}">
+                <a16:creationId xmlns:a16="http://schemas.microsoft.com/office/drawing/2014/main" id="{D8F4241F-68CD-0A4C-83E9-A1A0AAB5B6D4}"/>
+              </a:ext>
+            </a:extLst>
+          </p:cNvPr>
+          <p:cNvGrpSpPr/>
+          <p:nvPr/>
+        </p:nvGrpSpPr>
+        <p:grpSpPr>
+          <a:xfrm>
+            <a:off x="7082762" y="5998546"/>
+            <a:ext cx="457200" cy="457200"/>
+            <a:chOff x="7776669" y="5031984"/>
+            <a:chExt cx="751660" cy="692612"/>
+          </a:xfrm>
+        </p:grpSpPr>
+        <p:sp>
+          <p:nvSpPr>
+            <p:cNvPr id="260" name="Shape 252">
+              <a:extLst>
+                <a:ext uri="{FF2B5EF4-FFF2-40B4-BE49-F238E27FC236}">
+                  <a16:creationId xmlns:a16="http://schemas.microsoft.com/office/drawing/2014/main" id="{39D6DD28-5D2C-0A4D-B83F-C6BC7622F6D8}"/>
+                </a:ext>
+              </a:extLst>
+            </p:cNvPr>
+            <p:cNvSpPr/>
+            <p:nvPr/>
+          </p:nvSpPr>
+          <p:spPr>
+            <a:xfrm>
+              <a:off x="7776669" y="5031984"/>
+              <a:ext cx="751660" cy="692612"/>
+            </a:xfrm>
+            <a:custGeom>
+              <a:avLst/>
+              <a:gdLst/>
+              <a:ahLst/>
+              <a:cxnLst>
+                <a:cxn ang="0">
+                  <a:pos x="wd2" y="hd2"/>
+                </a:cxn>
+                <a:cxn ang="5400000">
+                  <a:pos x="wd2" y="hd2"/>
+                </a:cxn>
+                <a:cxn ang="10800000">
+                  <a:pos x="wd2" y="hd2"/>
+                </a:cxn>
+                <a:cxn ang="16200000">
+                  <a:pos x="wd2" y="hd2"/>
+                </a:cxn>
+              </a:cxnLst>
+              <a:rect l="0" t="0" r="r" b="b"/>
+              <a:pathLst>
+                <a:path w="19679" h="19679" extrusionOk="0">
+                  <a:moveTo>
+                    <a:pt x="16796" y="2882"/>
+                  </a:moveTo>
+                  <a:cubicBezTo>
+                    <a:pt x="20639" y="6724"/>
+                    <a:pt x="20639" y="12954"/>
+                    <a:pt x="16796" y="16796"/>
+                  </a:cubicBezTo>
+                  <a:cubicBezTo>
+                    <a:pt x="12954" y="20639"/>
+                    <a:pt x="6724" y="20639"/>
+                    <a:pt x="2882" y="16796"/>
+                  </a:cubicBezTo>
+                  <a:cubicBezTo>
+                    <a:pt x="-961" y="12954"/>
+                    <a:pt x="-961" y="6724"/>
+                    <a:pt x="2882" y="2882"/>
+                  </a:cubicBezTo>
+                  <a:cubicBezTo>
+                    <a:pt x="6724" y="-961"/>
+                    <a:pt x="12954" y="-961"/>
+                    <a:pt x="16796" y="2882"/>
+                  </a:cubicBezTo>
+                  <a:close/>
+                </a:path>
+              </a:pathLst>
+            </a:custGeom>
+            <a:solidFill>
+              <a:srgbClr val="8DC53F"/>
+            </a:solidFill>
+            <a:ln w="3175" cap="flat">
+              <a:noFill/>
+              <a:miter lim="400000"/>
+            </a:ln>
+            <a:effectLst/>
+          </p:spPr>
+          <p:txBody>
+            <a:bodyPr wrap="square" lIns="0" tIns="0" rIns="0" bIns="0" numCol="1" anchor="ctr">
+              <a:noAutofit/>
+            </a:bodyPr>
+            <a:lstStyle/>
+            <a:p>
+              <a:pPr lvl="0">
+                <a:defRPr sz="1800">
+                  <a:solidFill>
+                    <a:srgbClr val="FFFFFF"/>
+                  </a:solidFill>
+                </a:defRPr>
+              </a:pPr>
+              <a:endParaRPr/>
+            </a:p>
+          </p:txBody>
+        </p:sp>
+        <p:pic>
+          <p:nvPicPr>
+            <p:cNvPr id="268" name="Picture 267">
+              <a:extLst>
+                <a:ext uri="{FF2B5EF4-FFF2-40B4-BE49-F238E27FC236}">
+                  <a16:creationId xmlns:a16="http://schemas.microsoft.com/office/drawing/2014/main" id="{A675F4E7-6FC8-7249-9FC0-8540E6DA8946}"/>
+                </a:ext>
+              </a:extLst>
+            </p:cNvPr>
+            <p:cNvPicPr>
+              <a:picLocks noChangeAspect="1"/>
+            </p:cNvPicPr>
+            <p:nvPr/>
+          </p:nvPicPr>
+          <p:blipFill>
+            <a:blip r:embed="rId19">
+              <a:biLevel thresh="50000"/>
+            </a:blip>
+            <a:stretch>
+              <a:fillRect/>
+            </a:stretch>
+          </p:blipFill>
+          <p:spPr>
+            <a:xfrm>
+              <a:off x="7915165" y="5141397"/>
+              <a:ext cx="474667" cy="474667"/>
+            </a:xfrm>
+            <a:prstGeom prst="rect">
+              <a:avLst/>
+            </a:prstGeom>
+          </p:spPr>
+        </p:pic>
+      </p:grpSp>
+      <p:grpSp>
+        <p:nvGrpSpPr>
+          <p:cNvPr id="269" name="Group 268">
+            <a:extLst>
+              <a:ext uri="{FF2B5EF4-FFF2-40B4-BE49-F238E27FC236}">
+                <a16:creationId xmlns:a16="http://schemas.microsoft.com/office/drawing/2014/main" id="{03254DD8-978A-274A-B30E-140D821E3C33}"/>
+              </a:ext>
+            </a:extLst>
+          </p:cNvPr>
+          <p:cNvGrpSpPr/>
+          <p:nvPr/>
+        </p:nvGrpSpPr>
+        <p:grpSpPr>
+          <a:xfrm>
+            <a:off x="9213788" y="129617"/>
+            <a:ext cx="365760" cy="365760"/>
+            <a:chOff x="5121119" y="4630609"/>
+            <a:chExt cx="1133856" cy="1052958"/>
+          </a:xfrm>
+        </p:grpSpPr>
+        <p:sp>
+          <p:nvSpPr>
+            <p:cNvPr id="270" name="Rounded Rectangle 41">
+              <a:extLst>
+                <a:ext uri="{FF2B5EF4-FFF2-40B4-BE49-F238E27FC236}">
+                  <a16:creationId xmlns:a16="http://schemas.microsoft.com/office/drawing/2014/main" id="{7AEB8E2E-62E6-C444-A450-8E408D384DAB}"/>
+                </a:ext>
+              </a:extLst>
+            </p:cNvPr>
+            <p:cNvSpPr/>
+            <p:nvPr/>
+          </p:nvSpPr>
+          <p:spPr>
+            <a:xfrm>
+              <a:off x="5121119" y="4630609"/>
+              <a:ext cx="1133856" cy="1052958"/>
+            </a:xfrm>
+            <a:prstGeom prst="roundRect">
+              <a:avLst>
+                <a:gd name="adj" fmla="val 2194"/>
+              </a:avLst>
+            </a:prstGeom>
+            <a:solidFill>
+              <a:srgbClr val="4E77B6"/>
+            </a:solidFill>
+            <a:ln w="6350">
+              <a:solidFill>
+                <a:srgbClr val="4E77B6"/>
+              </a:solidFill>
+            </a:ln>
+            <a:effectLst>
+              <a:outerShdw blurRad="50800" dist="38100" dir="8100000" algn="tr" rotWithShape="0">
+                <a:prstClr val="black">
+                  <a:alpha val="40000"/>
+                </a:prstClr>
+              </a:outerShdw>
+            </a:effectLst>
+          </p:spPr>
+          <p:style>
+            <a:lnRef idx="2">
+              <a:schemeClr val="accent1">
+                <a:shade val="50000"/>
+              </a:schemeClr>
+            </a:lnRef>
+            <a:fillRef idx="1">
+              <a:schemeClr val="accent1"/>
+            </a:fillRef>
+            <a:effectRef idx="0">
+              <a:schemeClr val="accent1"/>
+            </a:effectRef>
+            <a:fontRef idx="minor">
+              <a:schemeClr val="lt1"/>
+            </a:fontRef>
+          </p:style>
+          <p:txBody>
+            <a:bodyPr rtlCol="0" anchor="ctr"/>
+            <a:lstStyle/>
+            <a:p>
+              <a:pPr algn="ctr"/>
+              <a:endParaRPr lang="en-US" b="1" dirty="0">
+                <a:ln w="22225">
+                  <a:solidFill>
+                    <a:schemeClr val="accent2"/>
+                  </a:solidFill>
+                  <a:prstDash val="solid"/>
+                </a:ln>
+                <a:solidFill>
+                  <a:schemeClr val="accent2">
+                    <a:lumMod val="40000"/>
+                    <a:lumOff val="60000"/>
+                  </a:schemeClr>
+                </a:solidFill>
+                <a:latin typeface="IBM Plex Sans" charset="0"/>
+                <a:ea typeface="IBM Plex Sans" charset="0"/>
+                <a:cs typeface="IBM Plex Sans" charset="0"/>
+              </a:endParaRPr>
+            </a:p>
+          </p:txBody>
+        </p:sp>
+        <p:pic>
+          <p:nvPicPr>
+            <p:cNvPr id="271" name="Picture 270">
+              <a:extLst>
+                <a:ext uri="{FF2B5EF4-FFF2-40B4-BE49-F238E27FC236}">
+                  <a16:creationId xmlns:a16="http://schemas.microsoft.com/office/drawing/2014/main" id="{9D8D01BF-66AC-2546-A99F-FDC517B47097}"/>
+                </a:ext>
+              </a:extLst>
+            </p:cNvPr>
+            <p:cNvPicPr>
+              <a:picLocks noChangeAspect="1"/>
+            </p:cNvPicPr>
+            <p:nvPr/>
+          </p:nvPicPr>
+          <p:blipFill>
+            <a:blip r:embed="rId20"/>
+            <a:stretch>
+              <a:fillRect/>
+            </a:stretch>
+          </p:blipFill>
+          <p:spPr>
+            <a:xfrm>
+              <a:off x="5247533" y="4788787"/>
+              <a:ext cx="877783" cy="736601"/>
+            </a:xfrm>
+            <a:prstGeom prst="rect">
+              <a:avLst/>
+            </a:prstGeom>
+          </p:spPr>
+        </p:pic>
+      </p:grpSp>
+      <p:sp>
+        <p:nvSpPr>
+          <p:cNvPr id="273" name="Rounded Rectangle 272">
+            <a:extLst>
+              <a:ext uri="{FF2B5EF4-FFF2-40B4-BE49-F238E27FC236}">
+                <a16:creationId xmlns:a16="http://schemas.microsoft.com/office/drawing/2014/main" id="{16352806-C55A-4A45-8409-827942289967}"/>
+              </a:ext>
+            </a:extLst>
+          </p:cNvPr>
+          <p:cNvSpPr/>
+          <p:nvPr/>
+        </p:nvSpPr>
+        <p:spPr>
+          <a:xfrm>
+            <a:off x="6667057" y="1048112"/>
+            <a:ext cx="1261540" cy="4514628"/>
+          </a:xfrm>
+          <a:prstGeom prst="roundRect">
+            <a:avLst>
+              <a:gd name="adj" fmla="val 0"/>
+            </a:avLst>
+          </a:prstGeom>
+          <a:noFill/>
+          <a:ln w="6350">
+            <a:solidFill>
+              <a:srgbClr val="4E77B6"/>
+            </a:solidFill>
+          </a:ln>
+          <a:effectLst>
+            <a:outerShdw blurRad="50800" dist="38100" dir="8100000" algn="tr" rotWithShape="0">
+              <a:prstClr val="black">
+                <a:alpha val="40000"/>
+              </a:prstClr>
+            </a:outerShdw>
+          </a:effectLst>
+        </p:spPr>
+        <p:style>
+          <a:lnRef idx="2">
+            <a:schemeClr val="accent1">
+              <a:shade val="50000"/>
+            </a:schemeClr>
+          </a:lnRef>
+          <a:fillRef idx="1">
+            <a:schemeClr val="accent1"/>
+          </a:fillRef>
+          <a:effectRef idx="0">
+            <a:schemeClr val="accent1"/>
+          </a:effectRef>
+          <a:fontRef idx="minor">
+            <a:schemeClr val="lt1"/>
+          </a:fontRef>
+        </p:style>
+        <p:txBody>
+          <a:bodyPr rtlCol="0" anchor="ctr"/>
+          <a:lstStyle/>
+          <a:p>
+            <a:pPr algn="ctr"/>
+            <a:endParaRPr lang="en-US" b="1" dirty="0">
+              <a:ln w="22225">
+                <a:solidFill>
+                  <a:schemeClr val="accent2"/>
+                </a:solidFill>
+                <a:prstDash val="solid"/>
+              </a:ln>
+              <a:solidFill>
+                <a:schemeClr val="accent2">
+                  <a:lumMod val="40000"/>
+                  <a:lumOff val="60000"/>
+                </a:schemeClr>
+              </a:solidFill>
+              <a:latin typeface="IBM Plex Sans" charset="0"/>
+              <a:ea typeface="IBM Plex Sans" charset="0"/>
+              <a:cs typeface="IBM Plex Sans" charset="0"/>
+            </a:endParaRPr>
+          </a:p>
+        </p:txBody>
+      </p:sp>
+      <p:pic>
+        <p:nvPicPr>
+          <p:cNvPr id="274" name="Picture 273">
+            <a:extLst>
+              <a:ext uri="{FF2B5EF4-FFF2-40B4-BE49-F238E27FC236}">
+                <a16:creationId xmlns:a16="http://schemas.microsoft.com/office/drawing/2014/main" id="{B8F04B28-45FA-E446-AA25-4BD066E2A0F9}"/>
+              </a:ext>
+            </a:extLst>
+          </p:cNvPr>
+          <p:cNvPicPr>
+            <a:picLocks noChangeAspect="1"/>
+          </p:cNvPicPr>
+          <p:nvPr/>
+        </p:nvPicPr>
+        <p:blipFill>
+          <a:blip r:embed="rId21"/>
+          <a:stretch>
+            <a:fillRect/>
+          </a:stretch>
+        </p:blipFill>
+        <p:spPr>
+          <a:xfrm>
+            <a:off x="6657670" y="1046569"/>
+            <a:ext cx="317181" cy="321046"/>
+          </a:xfrm>
+          <a:prstGeom prst="rect">
+            <a:avLst/>
+          </a:prstGeom>
+        </p:spPr>
+      </p:pic>
+      <p:sp>
+        <p:nvSpPr>
+          <p:cNvPr id="290" name="Shape 535">
+            <a:extLst>
+              <a:ext uri="{FF2B5EF4-FFF2-40B4-BE49-F238E27FC236}">
+                <a16:creationId xmlns:a16="http://schemas.microsoft.com/office/drawing/2014/main" id="{256C19BE-D117-2240-9A0D-1B323B18FA5E}"/>
+              </a:ext>
+            </a:extLst>
+          </p:cNvPr>
+          <p:cNvSpPr/>
+          <p:nvPr/>
+        </p:nvSpPr>
+        <p:spPr>
+          <a:xfrm>
+            <a:off x="6921164" y="992205"/>
+            <a:ext cx="2033640" cy="471924"/>
+          </a:xfrm>
+          <a:prstGeom prst="rect">
+            <a:avLst/>
+          </a:prstGeom>
+          <a:ln w="3175">
+            <a:miter lim="400000"/>
+          </a:ln>
+          <a:extLst>
+            <a:ext uri="{C572A759-6A51-4108-AA02-DFA0A04FC94B}">
+              <ma14:wrappingTextBoxFlag xmlns:ma14="http://schemas.microsoft.com/office/mac/drawingml/2011/main" xmlns="" val="1"/>
+            </a:ext>
+          </a:extLst>
+        </p:spPr>
+        <p:txBody>
+          <a:bodyPr wrap="square" lIns="50800" tIns="50800" rIns="50800" bIns="50800">
+            <a:spAutoFit/>
+          </a:bodyPr>
+          <a:lstStyle>
+            <a:lvl1pPr algn="l" defTabSz="457200">
+              <a:defRPr sz="1000">
+                <a:latin typeface="Helvetica Neue"/>
+                <a:ea typeface="Helvetica Neue"/>
+                <a:cs typeface="Helvetica Neue"/>
+                <a:sym typeface="Helvetica Neue"/>
+              </a:defRPr>
+            </a:lvl1pPr>
+          </a:lstStyle>
+          <a:p>
+            <a:pPr lvl="0">
+              <a:defRPr sz="1800"/>
+            </a:pPr>
+            <a:r>
+              <a:rPr lang="en-US" sz="1200" dirty="0">
+                <a:latin typeface="Helvetica" panose="020B0604020202020204" pitchFamily="34" charset="0"/>
+                <a:cs typeface="Helvetica" panose="020B0604020202020204" pitchFamily="34" charset="0"/>
+              </a:rPr>
+              <a:t>Classic</a:t>
+            </a:r>
+          </a:p>
+          <a:p>
+            <a:pPr lvl="0">
+              <a:defRPr sz="1800"/>
+            </a:pPr>
+            <a:r>
+              <a:rPr lang="en-US" sz="1200" dirty="0">
+                <a:latin typeface="Helvetica" panose="020B0604020202020204" pitchFamily="34" charset="0"/>
+                <a:cs typeface="Helvetica" panose="020B0604020202020204" pitchFamily="34" charset="0"/>
+              </a:rPr>
+              <a:t>Infrastructure</a:t>
+            </a:r>
+            <a:endParaRPr sz="1200" dirty="0">
+              <a:latin typeface="Helvetica" panose="020B0604020202020204" pitchFamily="34" charset="0"/>
+              <a:cs typeface="Helvetica" panose="020B0604020202020204" pitchFamily="34" charset="0"/>
+            </a:endParaRPr>
+          </a:p>
+        </p:txBody>
+      </p:sp>
+      <p:grpSp>
+        <p:nvGrpSpPr>
+          <p:cNvPr id="332" name="Group 331">
+            <a:extLst>
+              <a:ext uri="{FF2B5EF4-FFF2-40B4-BE49-F238E27FC236}">
+                <a16:creationId xmlns:a16="http://schemas.microsoft.com/office/drawing/2014/main" id="{E34A014C-32F3-8949-BAF1-015DDD0601C3}"/>
+              </a:ext>
+            </a:extLst>
+          </p:cNvPr>
+          <p:cNvGrpSpPr/>
+          <p:nvPr/>
+        </p:nvGrpSpPr>
+        <p:grpSpPr>
+          <a:xfrm>
+            <a:off x="7082762" y="2007694"/>
+            <a:ext cx="457200" cy="457200"/>
+            <a:chOff x="3912190" y="4796511"/>
+            <a:chExt cx="749808" cy="694944"/>
+          </a:xfrm>
+        </p:grpSpPr>
+        <p:grpSp>
+          <p:nvGrpSpPr>
+            <p:cNvPr id="355" name="Group 354">
+              <a:extLst>
+                <a:ext uri="{FF2B5EF4-FFF2-40B4-BE49-F238E27FC236}">
+                  <a16:creationId xmlns:a16="http://schemas.microsoft.com/office/drawing/2014/main" id="{81BA4B21-E654-0F4E-BEC3-1193327DB657}"/>
+                </a:ext>
+              </a:extLst>
+            </p:cNvPr>
+            <p:cNvGrpSpPr/>
+            <p:nvPr/>
+          </p:nvGrpSpPr>
+          <p:grpSpPr>
+            <a:xfrm>
+              <a:off x="3912190" y="4796511"/>
+              <a:ext cx="749808" cy="694944"/>
+              <a:chOff x="7218871" y="6217351"/>
+              <a:chExt cx="829272" cy="692612"/>
+            </a:xfrm>
+          </p:grpSpPr>
+          <p:sp>
+            <p:nvSpPr>
+              <p:cNvPr id="358" name="Shape 252">
+                <a:extLst>
+                  <a:ext uri="{FF2B5EF4-FFF2-40B4-BE49-F238E27FC236}">
+                    <a16:creationId xmlns:a16="http://schemas.microsoft.com/office/drawing/2014/main" id="{559FB624-EAAF-844C-804B-E18BFFD3A943}"/>
+                  </a:ext>
+                </a:extLst>
+              </p:cNvPr>
+              <p:cNvSpPr/>
+              <p:nvPr/>
+            </p:nvSpPr>
+            <p:spPr>
+              <a:xfrm>
+                <a:off x="7218871" y="6217351"/>
+                <a:ext cx="829272" cy="692612"/>
+              </a:xfrm>
+              <a:custGeom>
+                <a:avLst/>
+                <a:gdLst/>
+                <a:ahLst/>
+                <a:cxnLst>
+                  <a:cxn ang="0">
+                    <a:pos x="wd2" y="hd2"/>
+                  </a:cxn>
+                  <a:cxn ang="5400000">
+                    <a:pos x="wd2" y="hd2"/>
+                  </a:cxn>
+                  <a:cxn ang="10800000">
+                    <a:pos x="wd2" y="hd2"/>
+                  </a:cxn>
+                  <a:cxn ang="16200000">
+                    <a:pos x="wd2" y="hd2"/>
+                  </a:cxn>
+                </a:cxnLst>
+                <a:rect l="0" t="0" r="r" b="b"/>
+                <a:pathLst>
+                  <a:path w="19679" h="19679" extrusionOk="0">
+                    <a:moveTo>
+                      <a:pt x="16796" y="2882"/>
+                    </a:moveTo>
+                    <a:cubicBezTo>
+                      <a:pt x="20639" y="6724"/>
+                      <a:pt x="20639" y="12954"/>
+                      <a:pt x="16796" y="16796"/>
+                    </a:cubicBezTo>
+                    <a:cubicBezTo>
+                      <a:pt x="12954" y="20639"/>
+                      <a:pt x="6724" y="20639"/>
+                      <a:pt x="2882" y="16796"/>
+                    </a:cubicBezTo>
+                    <a:cubicBezTo>
+                      <a:pt x="-961" y="12954"/>
+                      <a:pt x="-961" y="6724"/>
+                      <a:pt x="2882" y="2882"/>
+                    </a:cubicBezTo>
+                    <a:cubicBezTo>
+                      <a:pt x="6724" y="-961"/>
+                      <a:pt x="12954" y="-961"/>
+                      <a:pt x="16796" y="2882"/>
+                    </a:cubicBezTo>
+                    <a:close/>
+                  </a:path>
+                </a:pathLst>
+              </a:custGeom>
+              <a:solidFill>
+                <a:srgbClr val="8DC53F"/>
+              </a:solidFill>
+              <a:ln w="3175" cap="flat">
+                <a:noFill/>
+                <a:miter lim="400000"/>
+              </a:ln>
+              <a:effectLst/>
+            </p:spPr>
+            <p:txBody>
+              <a:bodyPr wrap="square" lIns="0" tIns="0" rIns="0" bIns="0" numCol="1" anchor="ctr">
+                <a:noAutofit/>
+              </a:bodyPr>
+              <a:lstStyle/>
+              <a:p>
+                <a:pPr lvl="0">
+                  <a:defRPr sz="1800">
+                    <a:solidFill>
+                      <a:srgbClr val="FFFFFF"/>
+                    </a:solidFill>
+                  </a:defRPr>
+                </a:pPr>
+                <a:endParaRPr dirty="0"/>
+              </a:p>
+            </p:txBody>
+          </p:sp>
+          <p:cxnSp>
+            <p:nvCxnSpPr>
+              <p:cNvPr id="361" name="Straight Arrow Connector 360">
+                <a:extLst>
+                  <a:ext uri="{FF2B5EF4-FFF2-40B4-BE49-F238E27FC236}">
+                    <a16:creationId xmlns:a16="http://schemas.microsoft.com/office/drawing/2014/main" id="{67BDC030-F1D8-9643-8B01-08E23FBFA2B7}"/>
+                  </a:ext>
+                </a:extLst>
+              </p:cNvPr>
+              <p:cNvCxnSpPr>
+                <a:cxnSpLocks/>
+              </p:cNvCxnSpPr>
+              <p:nvPr/>
+            </p:nvCxnSpPr>
+            <p:spPr>
+              <a:xfrm>
+                <a:off x="7633507" y="6451355"/>
+                <a:ext cx="0" cy="225369"/>
+              </a:xfrm>
+              <a:prstGeom prst="straightConnector1">
+                <a:avLst/>
+              </a:prstGeom>
+              <a:noFill/>
+              <a:ln w="41275" cap="flat">
+                <a:solidFill>
+                  <a:srgbClr val="8DC53F"/>
+                </a:solidFill>
+                <a:prstDash val="solid"/>
+                <a:miter lim="400000"/>
+                <a:headEnd type="none"/>
+                <a:tailEnd type="arrow" w="med" len="sm"/>
+              </a:ln>
+              <a:effectLst/>
+            </p:spPr>
+            <p:style>
+              <a:lnRef idx="0">
+                <a:scrgbClr r="0" g="0" b="0"/>
+              </a:lnRef>
+              <a:fillRef idx="0">
+                <a:scrgbClr r="0" g="0" b="0"/>
+              </a:fillRef>
+              <a:effectRef idx="0">
+                <a:scrgbClr r="0" g="0" b="0"/>
+              </a:effectRef>
+              <a:fontRef idx="none"/>
+            </p:style>
+          </p:cxnSp>
+        </p:grpSp>
+        <p:pic>
+          <p:nvPicPr>
+            <p:cNvPr id="357" name="Picture 356">
+              <a:extLst>
+                <a:ext uri="{FF2B5EF4-FFF2-40B4-BE49-F238E27FC236}">
+                  <a16:creationId xmlns:a16="http://schemas.microsoft.com/office/drawing/2014/main" id="{63DBD55C-FE52-CB41-9833-77B16848153A}"/>
+                </a:ext>
+              </a:extLst>
+            </p:cNvPr>
+            <p:cNvPicPr>
+              <a:picLocks noChangeAspect="1"/>
+            </p:cNvPicPr>
+            <p:nvPr/>
+          </p:nvPicPr>
+          <p:blipFill>
+            <a:blip r:embed="rId22"/>
+            <a:stretch>
+              <a:fillRect/>
+            </a:stretch>
+          </p:blipFill>
+          <p:spPr>
+            <a:xfrm>
+              <a:off x="4056488" y="4872353"/>
+              <a:ext cx="437242" cy="483881"/>
+            </a:xfrm>
+            <a:prstGeom prst="rect">
+              <a:avLst/>
+            </a:prstGeom>
+          </p:spPr>
+        </p:pic>
+      </p:grpSp>
+      <p:sp>
+        <p:nvSpPr>
+          <p:cNvPr id="365" name="Shape 535">
+            <a:extLst>
+              <a:ext uri="{FF2B5EF4-FFF2-40B4-BE49-F238E27FC236}">
+                <a16:creationId xmlns:a16="http://schemas.microsoft.com/office/drawing/2014/main" id="{734D8829-AC70-E146-B250-2D5ECD702C38}"/>
+              </a:ext>
+            </a:extLst>
+          </p:cNvPr>
+          <p:cNvSpPr/>
+          <p:nvPr/>
+        </p:nvSpPr>
+        <p:spPr>
+          <a:xfrm>
+            <a:off x="6956193" y="2407087"/>
+            <a:ext cx="1025921" cy="471924"/>
+          </a:xfrm>
+          <a:prstGeom prst="rect">
+            <a:avLst/>
+          </a:prstGeom>
+          <a:ln w="3175">
+            <a:miter lim="400000"/>
+          </a:ln>
+          <a:extLst>
+            <a:ext uri="{C572A759-6A51-4108-AA02-DFA0A04FC94B}">
+              <ma14:wrappingTextBoxFlag xmlns:ma14="http://schemas.microsoft.com/office/mac/drawingml/2011/main" xmlns="" val="1"/>
+            </a:ext>
+          </a:extLst>
+        </p:spPr>
+        <p:txBody>
+          <a:bodyPr wrap="square" lIns="50800" tIns="50800" rIns="50800" bIns="50800">
+            <a:spAutoFit/>
+          </a:bodyPr>
+          <a:lstStyle>
+            <a:lvl1pPr algn="l" defTabSz="457200">
+              <a:defRPr sz="1000">
+                <a:latin typeface="Helvetica Neue"/>
+                <a:ea typeface="Helvetica Neue"/>
+                <a:cs typeface="Helvetica Neue"/>
+                <a:sym typeface="Helvetica Neue"/>
+              </a:defRPr>
+            </a:lvl1pPr>
+          </a:lstStyle>
+          <a:p>
+            <a:pPr lvl="0">
+              <a:defRPr sz="1800"/>
+            </a:pPr>
+            <a:r>
+              <a:rPr lang="en-US" sz="1200" dirty="0">
+                <a:latin typeface="Helvetica" panose="020B0604020202020204" pitchFamily="34" charset="0"/>
+                <a:cs typeface="Helvetica" panose="020B0604020202020204" pitchFamily="34" charset="0"/>
+              </a:rPr>
+              <a:t>Gateway Appliance</a:t>
+            </a:r>
+            <a:endParaRPr sz="1200" dirty="0">
+              <a:latin typeface="Helvetica" panose="020B0604020202020204" pitchFamily="34" charset="0"/>
+              <a:cs typeface="Helvetica" panose="020B0604020202020204" pitchFamily="34" charset="0"/>
+            </a:endParaRPr>
+          </a:p>
+        </p:txBody>
+      </p:sp>
+      <p:grpSp>
+        <p:nvGrpSpPr>
+          <p:cNvPr id="367" name="Group 366">
+            <a:extLst>
+              <a:ext uri="{FF2B5EF4-FFF2-40B4-BE49-F238E27FC236}">
+                <a16:creationId xmlns:a16="http://schemas.microsoft.com/office/drawing/2014/main" id="{6FFA6B2A-855C-5A46-8710-674773E0A574}"/>
+              </a:ext>
+            </a:extLst>
+          </p:cNvPr>
+          <p:cNvGrpSpPr/>
+          <p:nvPr/>
+        </p:nvGrpSpPr>
+        <p:grpSpPr>
+          <a:xfrm>
+            <a:off x="7074468" y="3001919"/>
+            <a:ext cx="457200" cy="457200"/>
+            <a:chOff x="6587463" y="2092052"/>
+            <a:chExt cx="751660" cy="692612"/>
+          </a:xfrm>
+        </p:grpSpPr>
+        <p:sp>
+          <p:nvSpPr>
+            <p:cNvPr id="368" name="Shape 252">
+              <a:extLst>
+                <a:ext uri="{FF2B5EF4-FFF2-40B4-BE49-F238E27FC236}">
+                  <a16:creationId xmlns:a16="http://schemas.microsoft.com/office/drawing/2014/main" id="{6514EE7D-01D7-384E-836B-FC63A412AF7E}"/>
+                </a:ext>
+              </a:extLst>
+            </p:cNvPr>
+            <p:cNvSpPr/>
+            <p:nvPr/>
+          </p:nvSpPr>
+          <p:spPr>
+            <a:xfrm>
+              <a:off x="6587463" y="2092052"/>
+              <a:ext cx="751660" cy="692612"/>
+            </a:xfrm>
+            <a:custGeom>
+              <a:avLst/>
+              <a:gdLst/>
+              <a:ahLst/>
+              <a:cxnLst>
+                <a:cxn ang="0">
+                  <a:pos x="wd2" y="hd2"/>
+                </a:cxn>
+                <a:cxn ang="5400000">
+                  <a:pos x="wd2" y="hd2"/>
+                </a:cxn>
+                <a:cxn ang="10800000">
+                  <a:pos x="wd2" y="hd2"/>
+                </a:cxn>
+                <a:cxn ang="16200000">
+                  <a:pos x="wd2" y="hd2"/>
+                </a:cxn>
+              </a:cxnLst>
+              <a:rect l="0" t="0" r="r" b="b"/>
+              <a:pathLst>
+                <a:path w="19679" h="19679" extrusionOk="0">
+                  <a:moveTo>
+                    <a:pt x="16796" y="2882"/>
+                  </a:moveTo>
+                  <a:cubicBezTo>
+                    <a:pt x="20639" y="6724"/>
+                    <a:pt x="20639" y="12954"/>
+                    <a:pt x="16796" y="16796"/>
+                  </a:cubicBezTo>
+                  <a:cubicBezTo>
+                    <a:pt x="12954" y="20639"/>
+                    <a:pt x="6724" y="20639"/>
+                    <a:pt x="2882" y="16796"/>
+                  </a:cubicBezTo>
+                  <a:cubicBezTo>
+                    <a:pt x="-961" y="12954"/>
+                    <a:pt x="-961" y="6724"/>
+                    <a:pt x="2882" y="2882"/>
+                  </a:cubicBezTo>
+                  <a:cubicBezTo>
+                    <a:pt x="6724" y="-961"/>
+                    <a:pt x="12954" y="-961"/>
+                    <a:pt x="16796" y="2882"/>
+                  </a:cubicBezTo>
+                  <a:close/>
+                </a:path>
+              </a:pathLst>
+            </a:custGeom>
+            <a:solidFill>
+              <a:srgbClr val="8DC53F"/>
+            </a:solidFill>
+            <a:ln w="3175" cap="flat">
+              <a:noFill/>
+              <a:miter lim="400000"/>
+            </a:ln>
+            <a:effectLst/>
+          </p:spPr>
+          <p:txBody>
+            <a:bodyPr wrap="square" lIns="0" tIns="0" rIns="0" bIns="0" numCol="1" anchor="ctr">
+              <a:noAutofit/>
+            </a:bodyPr>
+            <a:lstStyle/>
+            <a:p>
+              <a:pPr lvl="0">
+                <a:defRPr sz="1800">
+                  <a:solidFill>
+                    <a:srgbClr val="FFFFFF"/>
+                  </a:solidFill>
+                </a:defRPr>
+              </a:pPr>
+              <a:endParaRPr/>
+            </a:p>
+          </p:txBody>
+        </p:sp>
+        <p:pic>
+          <p:nvPicPr>
+            <p:cNvPr id="369" name="Picture 368">
+              <a:extLst>
+                <a:ext uri="{FF2B5EF4-FFF2-40B4-BE49-F238E27FC236}">
+                  <a16:creationId xmlns:a16="http://schemas.microsoft.com/office/drawing/2014/main" id="{53B6080D-B95F-A04B-91C8-2EC642A8B2AB}"/>
+                </a:ext>
+              </a:extLst>
+            </p:cNvPr>
+            <p:cNvPicPr>
+              <a:picLocks noChangeAspect="1"/>
+            </p:cNvPicPr>
+            <p:nvPr/>
+          </p:nvPicPr>
+          <p:blipFill>
+            <a:blip r:embed="rId15">
+              <a:biLevel thresh="50000"/>
+            </a:blip>
+            <a:stretch>
+              <a:fillRect/>
+            </a:stretch>
+          </p:blipFill>
+          <p:spPr>
+            <a:xfrm>
+              <a:off x="6727072" y="2155504"/>
+              <a:ext cx="472441" cy="501965"/>
+            </a:xfrm>
+            <a:prstGeom prst="rect">
+              <a:avLst/>
+            </a:prstGeom>
+          </p:spPr>
+        </p:pic>
+      </p:grpSp>
+      <p:sp>
+        <p:nvSpPr>
+          <p:cNvPr id="370" name="Shape 535">
+            <a:extLst>
+              <a:ext uri="{FF2B5EF4-FFF2-40B4-BE49-F238E27FC236}">
+                <a16:creationId xmlns:a16="http://schemas.microsoft.com/office/drawing/2014/main" id="{4D14D441-1FE3-CC4A-8413-44C3A9588C57}"/>
+              </a:ext>
+            </a:extLst>
+          </p:cNvPr>
+          <p:cNvSpPr/>
+          <p:nvPr/>
+        </p:nvSpPr>
+        <p:spPr>
+          <a:xfrm>
+            <a:off x="6899370" y="3422742"/>
+            <a:ext cx="1025921" cy="287258"/>
+          </a:xfrm>
+          <a:prstGeom prst="rect">
+            <a:avLst/>
+          </a:prstGeom>
+          <a:ln w="3175">
+            <a:miter lim="400000"/>
+          </a:ln>
+          <a:extLst>
+            <a:ext uri="{C572A759-6A51-4108-AA02-DFA0A04FC94B}">
+              <ma14:wrappingTextBoxFlag xmlns:ma14="http://schemas.microsoft.com/office/mac/drawingml/2011/main" xmlns="" val="1"/>
+            </a:ext>
+          </a:extLst>
+        </p:spPr>
+        <p:txBody>
+          <a:bodyPr wrap="square" lIns="50800" tIns="50800" rIns="50800" bIns="50800">
+            <a:spAutoFit/>
+          </a:bodyPr>
+          <a:lstStyle>
+            <a:lvl1pPr algn="l" defTabSz="457200">
+              <a:defRPr sz="1000">
+                <a:latin typeface="Helvetica Neue"/>
+                <a:ea typeface="Helvetica Neue"/>
+                <a:cs typeface="Helvetica Neue"/>
+                <a:sym typeface="Helvetica Neue"/>
+              </a:defRPr>
+            </a:lvl1pPr>
+          </a:lstStyle>
+          <a:p>
+            <a:pPr lvl="0">
+              <a:defRPr sz="1800"/>
+            </a:pPr>
+            <a:r>
+              <a:rPr lang="en-US" sz="1200" dirty="0">
+                <a:latin typeface="Helvetica" panose="020B0604020202020204" pitchFamily="34" charset="0"/>
+                <a:cs typeface="Helvetica" panose="020B0604020202020204" pitchFamily="34" charset="0"/>
+              </a:rPr>
+              <a:t>Classic LB</a:t>
+            </a:r>
+            <a:endParaRPr sz="1200" dirty="0">
+              <a:latin typeface="Helvetica" panose="020B0604020202020204" pitchFamily="34" charset="0"/>
+              <a:cs typeface="Helvetica" panose="020B0604020202020204" pitchFamily="34" charset="0"/>
+            </a:endParaRPr>
+          </a:p>
+        </p:txBody>
+      </p:sp>
+      <p:grpSp>
+        <p:nvGrpSpPr>
+          <p:cNvPr id="371" name="Group 370">
+            <a:extLst>
+              <a:ext uri="{FF2B5EF4-FFF2-40B4-BE49-F238E27FC236}">
+                <a16:creationId xmlns:a16="http://schemas.microsoft.com/office/drawing/2014/main" id="{37805488-2BB5-D148-A6E1-43708DA23DD6}"/>
+              </a:ext>
+            </a:extLst>
+          </p:cNvPr>
+          <p:cNvGrpSpPr/>
+          <p:nvPr/>
+        </p:nvGrpSpPr>
+        <p:grpSpPr>
+          <a:xfrm>
+            <a:off x="7074468" y="3851011"/>
+            <a:ext cx="457200" cy="457200"/>
+            <a:chOff x="559577" y="2006407"/>
+            <a:chExt cx="704088" cy="704088"/>
+          </a:xfrm>
+        </p:grpSpPr>
+        <p:sp>
+          <p:nvSpPr>
+            <p:cNvPr id="372" name="Shape 252">
+              <a:extLst>
+                <a:ext uri="{FF2B5EF4-FFF2-40B4-BE49-F238E27FC236}">
+                  <a16:creationId xmlns:a16="http://schemas.microsoft.com/office/drawing/2014/main" id="{EAED3F16-1092-0541-BC54-9D38054055AD}"/>
+                </a:ext>
+              </a:extLst>
+            </p:cNvPr>
+            <p:cNvSpPr/>
+            <p:nvPr/>
+          </p:nvSpPr>
+          <p:spPr>
+            <a:xfrm>
+              <a:off x="559577" y="2006407"/>
+              <a:ext cx="704088" cy="704088"/>
+            </a:xfrm>
+            <a:custGeom>
+              <a:avLst/>
+              <a:gdLst/>
+              <a:ahLst/>
+              <a:cxnLst>
+                <a:cxn ang="0">
+                  <a:pos x="wd2" y="hd2"/>
+                </a:cxn>
+                <a:cxn ang="5400000">
+                  <a:pos x="wd2" y="hd2"/>
+                </a:cxn>
+                <a:cxn ang="10800000">
+                  <a:pos x="wd2" y="hd2"/>
+                </a:cxn>
+                <a:cxn ang="16200000">
+                  <a:pos x="wd2" y="hd2"/>
+                </a:cxn>
+              </a:cxnLst>
+              <a:rect l="0" t="0" r="r" b="b"/>
+              <a:pathLst>
+                <a:path w="19679" h="19679" extrusionOk="0">
+                  <a:moveTo>
+                    <a:pt x="16796" y="2882"/>
+                  </a:moveTo>
+                  <a:cubicBezTo>
+                    <a:pt x="20639" y="6724"/>
+                    <a:pt x="20639" y="12954"/>
+                    <a:pt x="16796" y="16796"/>
+                  </a:cubicBezTo>
+                  <a:cubicBezTo>
+                    <a:pt x="12954" y="20639"/>
+                    <a:pt x="6724" y="20639"/>
+                    <a:pt x="2882" y="16796"/>
+                  </a:cubicBezTo>
+                  <a:cubicBezTo>
+                    <a:pt x="-961" y="12954"/>
+                    <a:pt x="-961" y="6724"/>
+                    <a:pt x="2882" y="2882"/>
+                  </a:cubicBezTo>
+                  <a:cubicBezTo>
+                    <a:pt x="6724" y="-961"/>
+                    <a:pt x="12954" y="-961"/>
+                    <a:pt x="16796" y="2882"/>
+                  </a:cubicBezTo>
+                  <a:close/>
+                </a:path>
+              </a:pathLst>
+            </a:custGeom>
+            <a:solidFill>
+              <a:srgbClr val="8DC53F"/>
+            </a:solidFill>
+            <a:ln w="3175" cap="flat">
+              <a:noFill/>
+              <a:miter lim="400000"/>
+            </a:ln>
+            <a:effectLst/>
+          </p:spPr>
+          <p:txBody>
+            <a:bodyPr wrap="square" lIns="0" tIns="0" rIns="0" bIns="0" numCol="1" anchor="ctr">
+              <a:noAutofit/>
+            </a:bodyPr>
+            <a:lstStyle/>
+            <a:p>
+              <a:pPr lvl="0">
+                <a:defRPr sz="1800">
+                  <a:solidFill>
+                    <a:srgbClr val="FFFFFF"/>
+                  </a:solidFill>
+                </a:defRPr>
+              </a:pPr>
+              <a:endParaRPr/>
+            </a:p>
+          </p:txBody>
+        </p:sp>
+        <p:pic>
+          <p:nvPicPr>
+            <p:cNvPr id="373" name="Picture 372">
+              <a:extLst>
+                <a:ext uri="{FF2B5EF4-FFF2-40B4-BE49-F238E27FC236}">
+                  <a16:creationId xmlns:a16="http://schemas.microsoft.com/office/drawing/2014/main" id="{AFDABE35-45B1-DB4F-A60C-08983CD60E97}"/>
+                </a:ext>
+              </a:extLst>
+            </p:cNvPr>
+            <p:cNvPicPr>
+              <a:picLocks noChangeAspect="1"/>
+            </p:cNvPicPr>
+            <p:nvPr/>
+          </p:nvPicPr>
+          <p:blipFill>
+            <a:blip r:embed="rId14"/>
+            <a:stretch>
+              <a:fillRect/>
+            </a:stretch>
+          </p:blipFill>
+          <p:spPr>
+            <a:xfrm>
+              <a:off x="633103" y="2031674"/>
+              <a:ext cx="518255" cy="556642"/>
+            </a:xfrm>
+            <a:prstGeom prst="rect">
+              <a:avLst/>
+            </a:prstGeom>
+          </p:spPr>
+        </p:pic>
+      </p:grpSp>
+      <p:sp>
+        <p:nvSpPr>
+          <p:cNvPr id="374" name="Shape 535">
+            <a:extLst>
+              <a:ext uri="{FF2B5EF4-FFF2-40B4-BE49-F238E27FC236}">
+                <a16:creationId xmlns:a16="http://schemas.microsoft.com/office/drawing/2014/main" id="{48822929-7D15-4248-8AAC-96134D558D8E}"/>
+              </a:ext>
+            </a:extLst>
+          </p:cNvPr>
+          <p:cNvSpPr/>
+          <p:nvPr/>
+        </p:nvSpPr>
+        <p:spPr>
+          <a:xfrm>
+            <a:off x="6858980" y="4253732"/>
+            <a:ext cx="1025921" cy="287258"/>
+          </a:xfrm>
+          <a:prstGeom prst="rect">
+            <a:avLst/>
+          </a:prstGeom>
+          <a:ln w="3175">
+            <a:miter lim="400000"/>
+          </a:ln>
+          <a:extLst>
+            <a:ext uri="{C572A759-6A51-4108-AA02-DFA0A04FC94B}">
+              <ma14:wrappingTextBoxFlag xmlns:ma14="http://schemas.microsoft.com/office/mac/drawingml/2011/main" xmlns="" val="1"/>
+            </a:ext>
+          </a:extLst>
+        </p:spPr>
+        <p:txBody>
+          <a:bodyPr wrap="square" lIns="50800" tIns="50800" rIns="50800" bIns="50800">
+            <a:spAutoFit/>
+          </a:bodyPr>
+          <a:lstStyle>
+            <a:lvl1pPr algn="l" defTabSz="457200">
+              <a:defRPr sz="1000">
+                <a:latin typeface="Helvetica Neue"/>
+                <a:ea typeface="Helvetica Neue"/>
+                <a:cs typeface="Helvetica Neue"/>
+                <a:sym typeface="Helvetica Neue"/>
+              </a:defRPr>
+            </a:lvl1pPr>
+          </a:lstStyle>
+          <a:p>
+            <a:pPr lvl="0">
+              <a:defRPr sz="1800"/>
+            </a:pPr>
+            <a:r>
+              <a:rPr lang="en-US" sz="1200" dirty="0">
+                <a:latin typeface="Helvetica" panose="020B0604020202020204" pitchFamily="34" charset="0"/>
+                <a:cs typeface="Helvetica" panose="020B0604020202020204" pitchFamily="34" charset="0"/>
+              </a:rPr>
+              <a:t>Classic VSI</a:t>
+            </a:r>
+            <a:endParaRPr sz="1200" dirty="0">
+              <a:latin typeface="Helvetica" panose="020B0604020202020204" pitchFamily="34" charset="0"/>
+              <a:cs typeface="Helvetica" panose="020B0604020202020204" pitchFamily="34" charset="0"/>
+            </a:endParaRPr>
+          </a:p>
+        </p:txBody>
+      </p:sp>
+      <p:grpSp>
+        <p:nvGrpSpPr>
+          <p:cNvPr id="48" name="Group 47">
+            <a:extLst>
+              <a:ext uri="{FF2B5EF4-FFF2-40B4-BE49-F238E27FC236}">
+                <a16:creationId xmlns:a16="http://schemas.microsoft.com/office/drawing/2014/main" id="{3DB6B2C3-E370-6548-9C2D-11D1B9C7AB2F}"/>
+              </a:ext>
+            </a:extLst>
+          </p:cNvPr>
+          <p:cNvGrpSpPr/>
+          <p:nvPr/>
+        </p:nvGrpSpPr>
+        <p:grpSpPr>
+          <a:xfrm>
+            <a:off x="7027263" y="4644255"/>
+            <a:ext cx="490398" cy="513691"/>
+            <a:chOff x="7011655" y="4521505"/>
+            <a:chExt cx="490398" cy="513691"/>
+          </a:xfrm>
+        </p:grpSpPr>
+        <p:sp>
+          <p:nvSpPr>
+            <p:cNvPr id="378" name="Shape 298">
+              <a:extLst>
+                <a:ext uri="{FF2B5EF4-FFF2-40B4-BE49-F238E27FC236}">
+                  <a16:creationId xmlns:a16="http://schemas.microsoft.com/office/drawing/2014/main" id="{36EE1958-EFB3-984C-883E-34488DDDC1F0}"/>
+                </a:ext>
+              </a:extLst>
+            </p:cNvPr>
+            <p:cNvSpPr/>
+            <p:nvPr/>
+          </p:nvSpPr>
+          <p:spPr>
+            <a:xfrm>
+              <a:off x="7011655" y="4521505"/>
+              <a:ext cx="490398" cy="513691"/>
+            </a:xfrm>
+            <a:custGeom>
+              <a:avLst/>
+              <a:gdLst/>
+              <a:ahLst/>
+              <a:cxnLst>
+                <a:cxn ang="0">
+                  <a:pos x="wd2" y="hd2"/>
+                </a:cxn>
+                <a:cxn ang="5400000">
+                  <a:pos x="wd2" y="hd2"/>
+                </a:cxn>
+                <a:cxn ang="10800000">
+                  <a:pos x="wd2" y="hd2"/>
+                </a:cxn>
+                <a:cxn ang="16200000">
+                  <a:pos x="wd2" y="hd2"/>
+                </a:cxn>
+              </a:cxnLst>
+              <a:rect l="0" t="0" r="r" b="b"/>
+              <a:pathLst>
+                <a:path w="19679" h="19679" extrusionOk="0">
+                  <a:moveTo>
+                    <a:pt x="16796" y="2882"/>
+                  </a:moveTo>
+                  <a:cubicBezTo>
+                    <a:pt x="20639" y="6724"/>
+                    <a:pt x="20639" y="12954"/>
+                    <a:pt x="16796" y="16796"/>
+                  </a:cubicBezTo>
+                  <a:cubicBezTo>
+                    <a:pt x="12954" y="20639"/>
+                    <a:pt x="6724" y="20639"/>
+                    <a:pt x="2882" y="16796"/>
+                  </a:cubicBezTo>
+                  <a:cubicBezTo>
+                    <a:pt x="-961" y="12954"/>
+                    <a:pt x="-961" y="6724"/>
+                    <a:pt x="2882" y="2882"/>
+                  </a:cubicBezTo>
+                  <a:cubicBezTo>
+                    <a:pt x="6724" y="-961"/>
+                    <a:pt x="12954" y="-961"/>
+                    <a:pt x="16796" y="2882"/>
+                  </a:cubicBezTo>
+                  <a:close/>
+                </a:path>
+              </a:pathLst>
+            </a:custGeom>
+            <a:solidFill>
+              <a:srgbClr val="8BC831"/>
+            </a:solidFill>
+            <a:ln w="3175" cap="flat">
+              <a:noFill/>
+              <a:miter lim="400000"/>
+            </a:ln>
+            <a:effectLst/>
+          </p:spPr>
+          <p:txBody>
+            <a:bodyPr wrap="square" lIns="0" tIns="0" rIns="0" bIns="0" numCol="1" anchor="ctr">
+              <a:noAutofit/>
+            </a:bodyPr>
+            <a:lstStyle/>
+            <a:p>
+              <a:pPr lvl="0">
+                <a:defRPr sz="1800">
+                  <a:solidFill>
+                    <a:srgbClr val="FFFFFF"/>
+                  </a:solidFill>
+                </a:defRPr>
+              </a:pPr>
+              <a:endParaRPr/>
+            </a:p>
+          </p:txBody>
+        </p:sp>
+        <p:pic>
+          <p:nvPicPr>
+            <p:cNvPr id="377" name="Picture 376">
+              <a:extLst>
+                <a:ext uri="{FF2B5EF4-FFF2-40B4-BE49-F238E27FC236}">
+                  <a16:creationId xmlns:a16="http://schemas.microsoft.com/office/drawing/2014/main" id="{8C0EE363-693D-444B-AF9A-918985854B1E}"/>
+                </a:ext>
+              </a:extLst>
+            </p:cNvPr>
+            <p:cNvPicPr>
+              <a:picLocks noChangeAspect="1"/>
+            </p:cNvPicPr>
+            <p:nvPr/>
+          </p:nvPicPr>
+          <p:blipFill>
+            <a:blip r:embed="rId23"/>
+            <a:stretch>
+              <a:fillRect/>
+            </a:stretch>
+          </p:blipFill>
+          <p:spPr>
+            <a:xfrm>
+              <a:off x="7101571" y="4599964"/>
+              <a:ext cx="308218" cy="350531"/>
+            </a:xfrm>
+            <a:prstGeom prst="rect">
+              <a:avLst/>
+            </a:prstGeom>
+          </p:spPr>
+        </p:pic>
+      </p:grpSp>
+      <p:sp>
+        <p:nvSpPr>
+          <p:cNvPr id="380" name="Shape 535">
+            <a:extLst>
+              <a:ext uri="{FF2B5EF4-FFF2-40B4-BE49-F238E27FC236}">
+                <a16:creationId xmlns:a16="http://schemas.microsoft.com/office/drawing/2014/main" id="{70C9821B-E7E0-9D4F-A641-1064CD4DE5EE}"/>
+              </a:ext>
+            </a:extLst>
+          </p:cNvPr>
+          <p:cNvSpPr/>
+          <p:nvPr/>
+        </p:nvSpPr>
+        <p:spPr>
+          <a:xfrm>
+            <a:off x="6880660" y="5107650"/>
+            <a:ext cx="1025921" cy="287258"/>
+          </a:xfrm>
+          <a:prstGeom prst="rect">
+            <a:avLst/>
+          </a:prstGeom>
+          <a:ln w="3175">
+            <a:miter lim="400000"/>
+          </a:ln>
+          <a:extLst>
+            <a:ext uri="{C572A759-6A51-4108-AA02-DFA0A04FC94B}">
+              <ma14:wrappingTextBoxFlag xmlns:ma14="http://schemas.microsoft.com/office/mac/drawingml/2011/main" xmlns="" val="1"/>
+            </a:ext>
+          </a:extLst>
+        </p:spPr>
+        <p:txBody>
+          <a:bodyPr wrap="square" lIns="50800" tIns="50800" rIns="50800" bIns="50800">
+            <a:spAutoFit/>
+          </a:bodyPr>
+          <a:lstStyle>
+            <a:lvl1pPr algn="l" defTabSz="457200">
+              <a:defRPr sz="1000">
+                <a:latin typeface="Helvetica Neue"/>
+                <a:ea typeface="Helvetica Neue"/>
+                <a:cs typeface="Helvetica Neue"/>
+                <a:sym typeface="Helvetica Neue"/>
+              </a:defRPr>
+            </a:lvl1pPr>
+          </a:lstStyle>
+          <a:p>
+            <a:pPr lvl="0">
+              <a:defRPr sz="1800"/>
+            </a:pPr>
+            <a:r>
+              <a:rPr lang="en-US" sz="1200" dirty="0">
+                <a:latin typeface="Helvetica" panose="020B0604020202020204" pitchFamily="34" charset="0"/>
+                <a:cs typeface="Helvetica" panose="020B0604020202020204" pitchFamily="34" charset="0"/>
+              </a:rPr>
+              <a:t>Bare Metal</a:t>
+            </a:r>
+            <a:endParaRPr sz="1200" dirty="0">
+              <a:latin typeface="Helvetica" panose="020B0604020202020204" pitchFamily="34" charset="0"/>
+              <a:cs typeface="Helvetica" panose="020B0604020202020204" pitchFamily="34" charset="0"/>
+            </a:endParaRPr>
+          </a:p>
+        </p:txBody>
+      </p:sp>
+      <p:cxnSp>
+        <p:nvCxnSpPr>
+          <p:cNvPr id="381" name="Straight Arrow Connector 110">
+            <a:extLst>
+              <a:ext uri="{FF2B5EF4-FFF2-40B4-BE49-F238E27FC236}">
+                <a16:creationId xmlns:a16="http://schemas.microsoft.com/office/drawing/2014/main" id="{68B81812-AD6D-3B40-B942-F544CDB9899B}"/>
+              </a:ext>
+            </a:extLst>
+          </p:cNvPr>
+          <p:cNvCxnSpPr>
+            <a:cxnSpLocks/>
+          </p:cNvCxnSpPr>
+          <p:nvPr/>
+        </p:nvCxnSpPr>
+        <p:spPr>
+          <a:xfrm>
+            <a:off x="7928597" y="4941599"/>
+            <a:ext cx="301003" cy="0"/>
+          </a:xfrm>
+          <a:prstGeom prst="straightConnector1">
+            <a:avLst/>
+          </a:prstGeom>
+          <a:noFill/>
+          <a:ln w="12700" cap="flat">
+            <a:solidFill>
+              <a:schemeClr val="tx1"/>
+            </a:solidFill>
+            <a:prstDash val="solid"/>
+            <a:miter lim="400000"/>
+            <a:headEnd type="triangle" w="lg" len="med"/>
+            <a:tailEnd type="triangle" w="lg" len="med"/>
+          </a:ln>
+          <a:effectLst/>
+        </p:spPr>
+        <p:style>
+          <a:lnRef idx="0">
+            <a:scrgbClr r="0" g="0" b="0"/>
+          </a:lnRef>
+          <a:fillRef idx="0">
+            <a:scrgbClr r="0" g="0" b="0"/>
+          </a:fillRef>
+          <a:effectRef idx="0">
+            <a:scrgbClr r="0" g="0" b="0"/>
+          </a:effectRef>
+          <a:fontRef idx="none"/>
+        </p:style>
+      </p:cxnSp>
+      <p:cxnSp>
+        <p:nvCxnSpPr>
+          <p:cNvPr id="382" name="Straight Arrow Connector 381">
+            <a:extLst>
+              <a:ext uri="{FF2B5EF4-FFF2-40B4-BE49-F238E27FC236}">
+                <a16:creationId xmlns:a16="http://schemas.microsoft.com/office/drawing/2014/main" id="{B0B6F7BE-7881-6643-A6E1-66504B70F3B7}"/>
+              </a:ext>
+            </a:extLst>
+          </p:cNvPr>
+          <p:cNvCxnSpPr>
+            <a:cxnSpLocks/>
+          </p:cNvCxnSpPr>
+          <p:nvPr/>
+        </p:nvCxnSpPr>
+        <p:spPr>
+          <a:xfrm>
+            <a:off x="9396668" y="4125832"/>
+            <a:ext cx="0" cy="558596"/>
+          </a:xfrm>
+          <a:prstGeom prst="straightConnector1">
+            <a:avLst/>
+          </a:prstGeom>
+          <a:noFill/>
+          <a:ln w="12700" cap="flat">
+            <a:solidFill>
+              <a:schemeClr val="tx1"/>
+            </a:solidFill>
+            <a:prstDash val="solid"/>
+            <a:miter lim="400000"/>
+            <a:headEnd type="triangle" w="lg" len="med"/>
+            <a:tailEnd type="triangle" w="lg" len="med"/>
+          </a:ln>
+          <a:effectLst/>
+        </p:spPr>
+        <p:style>
+          <a:lnRef idx="0">
+            <a:scrgbClr r="0" g="0" b="0"/>
+          </a:lnRef>
+          <a:fillRef idx="0">
+            <a:scrgbClr r="0" g="0" b="0"/>
+          </a:fillRef>
+          <a:effectRef idx="0">
+            <a:scrgbClr r="0" g="0" b="0"/>
+          </a:effectRef>
+          <a:fontRef idx="none"/>
+        </p:style>
+      </p:cxnSp>
+      <p:cxnSp>
+        <p:nvCxnSpPr>
+          <p:cNvPr id="383" name="Straight Arrow Connector 382">
+            <a:extLst>
+              <a:ext uri="{FF2B5EF4-FFF2-40B4-BE49-F238E27FC236}">
+                <a16:creationId xmlns:a16="http://schemas.microsoft.com/office/drawing/2014/main" id="{470F8364-AE58-ED43-AAAB-7E4C27A20F02}"/>
+              </a:ext>
+            </a:extLst>
+          </p:cNvPr>
+          <p:cNvCxnSpPr>
+            <a:cxnSpLocks/>
+          </p:cNvCxnSpPr>
+          <p:nvPr/>
+        </p:nvCxnSpPr>
+        <p:spPr>
+          <a:xfrm>
+            <a:off x="9396668" y="5579450"/>
+            <a:ext cx="0" cy="558596"/>
+          </a:xfrm>
+          <a:prstGeom prst="straightConnector1">
+            <a:avLst/>
+          </a:prstGeom>
+          <a:noFill/>
+          <a:ln w="12700" cap="flat">
+            <a:solidFill>
+              <a:schemeClr val="tx1"/>
+            </a:solidFill>
+            <a:prstDash val="solid"/>
+            <a:miter lim="400000"/>
+            <a:headEnd type="triangle" w="lg" len="med"/>
+            <a:tailEnd type="triangle" w="lg" len="med"/>
+          </a:ln>
+          <a:effectLst/>
+        </p:spPr>
+        <p:style>
+          <a:lnRef idx="0">
+            <a:scrgbClr r="0" g="0" b="0"/>
+          </a:lnRef>
+          <a:fillRef idx="0">
+            <a:scrgbClr r="0" g="0" b="0"/>
+          </a:fillRef>
+          <a:effectRef idx="0">
+            <a:scrgbClr r="0" g="0" b="0"/>
+          </a:effectRef>
+          <a:fontRef idx="none"/>
+        </p:style>
+      </p:cxnSp>
+      <p:sp>
+        <p:nvSpPr>
+          <p:cNvPr id="384" name="Rounded Rectangle 383">
+            <a:extLst>
+              <a:ext uri="{FF2B5EF4-FFF2-40B4-BE49-F238E27FC236}">
+                <a16:creationId xmlns:a16="http://schemas.microsoft.com/office/drawing/2014/main" id="{50A1D703-D6A0-FB4A-BDE2-26E654E4EE92}"/>
+              </a:ext>
+            </a:extLst>
+          </p:cNvPr>
+          <p:cNvSpPr/>
+          <p:nvPr/>
+        </p:nvSpPr>
+        <p:spPr>
+          <a:xfrm>
+            <a:off x="6777640" y="1518494"/>
+            <a:ext cx="1043923" cy="3905014"/>
+          </a:xfrm>
+          <a:prstGeom prst="roundRect">
+            <a:avLst>
+              <a:gd name="adj" fmla="val 0"/>
+            </a:avLst>
+          </a:prstGeom>
+          <a:noFill/>
+          <a:ln w="19050">
+            <a:solidFill>
+              <a:srgbClr val="00882B"/>
+            </a:solidFill>
+            <a:prstDash val="lgDash"/>
+          </a:ln>
+          <a:effectLst>
+            <a:outerShdw blurRad="50800" dist="38100" dir="8100000" algn="tr" rotWithShape="0">
+              <a:prstClr val="black">
+                <a:alpha val="40000"/>
+              </a:prstClr>
+            </a:outerShdw>
+          </a:effectLst>
+        </p:spPr>
+        <p:style>
+          <a:lnRef idx="2">
+            <a:schemeClr val="accent1">
+              <a:shade val="50000"/>
+            </a:schemeClr>
+          </a:lnRef>
+          <a:fillRef idx="1">
+            <a:schemeClr val="accent1"/>
+          </a:fillRef>
+          <a:effectRef idx="0">
+            <a:schemeClr val="accent1"/>
+          </a:effectRef>
+          <a:fontRef idx="minor">
+            <a:schemeClr val="lt1"/>
+          </a:fontRef>
+        </p:style>
+        <p:txBody>
+          <a:bodyPr rtlCol="0" anchor="ctr"/>
+          <a:lstStyle/>
+          <a:p>
+            <a:pPr algn="ctr"/>
+            <a:endParaRPr lang="en-US" b="1" dirty="0">
+              <a:ln w="22225">
+                <a:solidFill>
+                  <a:schemeClr val="accent2"/>
+                </a:solidFill>
+                <a:prstDash val="solid"/>
+              </a:ln>
+              <a:solidFill>
+                <a:schemeClr val="accent2">
+                  <a:lumMod val="40000"/>
+                  <a:lumOff val="60000"/>
+                </a:schemeClr>
+              </a:solidFill>
+              <a:latin typeface="IBM Plex Sans" charset="0"/>
+              <a:ea typeface="IBM Plex Sans" charset="0"/>
+              <a:cs typeface="IBM Plex Sans" charset="0"/>
+            </a:endParaRPr>
+          </a:p>
+        </p:txBody>
+      </p:sp>
+      <p:grpSp>
+        <p:nvGrpSpPr>
+          <p:cNvPr id="385" name="Group 384">
+            <a:extLst>
+              <a:ext uri="{FF2B5EF4-FFF2-40B4-BE49-F238E27FC236}">
+                <a16:creationId xmlns:a16="http://schemas.microsoft.com/office/drawing/2014/main" id="{9D6BEC74-DB5D-8F47-A56E-58FC88C87661}"/>
+              </a:ext>
+            </a:extLst>
+          </p:cNvPr>
+          <p:cNvGrpSpPr/>
+          <p:nvPr/>
+        </p:nvGrpSpPr>
+        <p:grpSpPr>
+          <a:xfrm>
+            <a:off x="6784612" y="1505382"/>
+            <a:ext cx="365760" cy="365760"/>
+            <a:chOff x="1203157" y="4869086"/>
+            <a:chExt cx="365760" cy="365760"/>
+          </a:xfrm>
+        </p:grpSpPr>
+        <p:sp>
+          <p:nvSpPr>
+            <p:cNvPr id="386" name="Rounded Rectangle 34">
+              <a:extLst>
+                <a:ext uri="{FF2B5EF4-FFF2-40B4-BE49-F238E27FC236}">
+                  <a16:creationId xmlns:a16="http://schemas.microsoft.com/office/drawing/2014/main" id="{738E60AF-C7EF-9742-8E74-EC6DC5AED5B0}"/>
+                </a:ext>
+              </a:extLst>
+            </p:cNvPr>
+            <p:cNvSpPr/>
+            <p:nvPr/>
+          </p:nvSpPr>
+          <p:spPr>
+            <a:xfrm>
+              <a:off x="1203157" y="4869086"/>
+              <a:ext cx="365760" cy="365760"/>
+            </a:xfrm>
+            <a:prstGeom prst="roundRect">
+              <a:avLst>
+                <a:gd name="adj" fmla="val 2194"/>
+              </a:avLst>
+            </a:prstGeom>
+            <a:solidFill>
+              <a:srgbClr val="00882B"/>
+            </a:solidFill>
+            <a:ln w="19050">
+              <a:solidFill>
+                <a:srgbClr val="00882B"/>
+              </a:solidFill>
+              <a:prstDash val="solid"/>
+            </a:ln>
+            <a:effectLst>
+              <a:outerShdw blurRad="50800" dist="38100" dir="8100000" algn="tr" rotWithShape="0">
+                <a:prstClr val="black">
+                  <a:alpha val="40000"/>
+                </a:prstClr>
+              </a:outerShdw>
+            </a:effectLst>
+          </p:spPr>
+          <p:style>
+            <a:lnRef idx="2">
+              <a:schemeClr val="accent1">
+                <a:shade val="50000"/>
+              </a:schemeClr>
+            </a:lnRef>
+            <a:fillRef idx="1">
+              <a:schemeClr val="accent1"/>
+            </a:fillRef>
+            <a:effectRef idx="0">
+              <a:schemeClr val="accent1"/>
+            </a:effectRef>
+            <a:fontRef idx="minor">
+              <a:schemeClr val="lt1"/>
+            </a:fontRef>
+          </p:style>
+          <p:txBody>
+            <a:bodyPr rtlCol="0" anchor="ctr"/>
+            <a:lstStyle/>
+            <a:p>
+              <a:pPr algn="ctr"/>
+              <a:endParaRPr lang="en-US" b="1" dirty="0">
+                <a:ln w="22225">
+                  <a:solidFill>
+                    <a:schemeClr val="accent2"/>
+                  </a:solidFill>
+                  <a:prstDash val="solid"/>
+                </a:ln>
+                <a:solidFill>
+                  <a:schemeClr val="accent2">
+                    <a:lumMod val="40000"/>
+                    <a:lumOff val="60000"/>
+                  </a:schemeClr>
+                </a:solidFill>
+                <a:latin typeface="IBM Plex Sans" charset="0"/>
+                <a:ea typeface="IBM Plex Sans" charset="0"/>
+                <a:cs typeface="IBM Plex Sans" charset="0"/>
+              </a:endParaRPr>
+            </a:p>
+          </p:txBody>
+        </p:sp>
+        <p:pic>
+          <p:nvPicPr>
+            <p:cNvPr id="387" name="Picture 386">
+              <a:extLst>
+                <a:ext uri="{FF2B5EF4-FFF2-40B4-BE49-F238E27FC236}">
+                  <a16:creationId xmlns:a16="http://schemas.microsoft.com/office/drawing/2014/main" id="{CEF1B652-950E-EA4C-A3F6-5CE6894E41C2}"/>
+                </a:ext>
+              </a:extLst>
+            </p:cNvPr>
+            <p:cNvPicPr>
+              <a:picLocks noChangeAspect="1"/>
+            </p:cNvPicPr>
+            <p:nvPr/>
+          </p:nvPicPr>
+          <p:blipFill>
+            <a:blip r:embed="rId13">
+              <a:extLst>
+                <a:ext uri="{28A0092B-C50C-407E-A947-70E740481C1C}">
+                  <a14:useLocalDpi xmlns:a14="http://schemas.microsoft.com/office/drawing/2010/main" val="0"/>
+                </a:ext>
+              </a:extLst>
+            </a:blip>
+            <a:stretch>
+              <a:fillRect/>
+            </a:stretch>
+          </p:blipFill>
+          <p:spPr>
+            <a:xfrm>
+              <a:off x="1247409" y="4913338"/>
+              <a:ext cx="277256" cy="277256"/>
+            </a:xfrm>
+            <a:prstGeom prst="rect">
+              <a:avLst/>
+            </a:prstGeom>
+          </p:spPr>
+        </p:pic>
+      </p:grpSp>
+      <p:sp>
+        <p:nvSpPr>
+          <p:cNvPr id="388" name="Shape 535">
+            <a:extLst>
+              <a:ext uri="{FF2B5EF4-FFF2-40B4-BE49-F238E27FC236}">
+                <a16:creationId xmlns:a16="http://schemas.microsoft.com/office/drawing/2014/main" id="{F66FB428-83FF-0743-BEB5-FCAB675E42C6}"/>
+              </a:ext>
+            </a:extLst>
+          </p:cNvPr>
+          <p:cNvSpPr/>
+          <p:nvPr/>
+        </p:nvSpPr>
+        <p:spPr>
+          <a:xfrm>
+            <a:off x="7175591" y="1561804"/>
+            <a:ext cx="1250568" cy="287258"/>
+          </a:xfrm>
+          <a:prstGeom prst="rect">
+            <a:avLst/>
+          </a:prstGeom>
+          <a:ln w="3175">
+            <a:miter lim="400000"/>
+          </a:ln>
+          <a:extLst>
+            <a:ext uri="{C572A759-6A51-4108-AA02-DFA0A04FC94B}">
+              <ma14:wrappingTextBoxFlag xmlns:ma14="http://schemas.microsoft.com/office/mac/drawingml/2011/main" xmlns="" val="1"/>
+            </a:ext>
+          </a:extLst>
+        </p:spPr>
+        <p:txBody>
+          <a:bodyPr wrap="square" lIns="50800" tIns="50800" rIns="50800" bIns="50800">
+            <a:spAutoFit/>
+          </a:bodyPr>
+          <a:lstStyle>
+            <a:lvl1pPr algn="l" defTabSz="457200">
+              <a:defRPr sz="1000">
+                <a:latin typeface="Helvetica Neue"/>
+                <a:ea typeface="Helvetica Neue"/>
+                <a:cs typeface="Helvetica Neue"/>
+                <a:sym typeface="Helvetica Neue"/>
+              </a:defRPr>
+            </a:lvl1pPr>
+          </a:lstStyle>
+          <a:p>
+            <a:pPr lvl="0">
+              <a:defRPr sz="1800"/>
+            </a:pPr>
+            <a:r>
+              <a:rPr lang="en-US" sz="1200" dirty="0">
+                <a:latin typeface="Helvetica" panose="020B0604020202020204" pitchFamily="34" charset="0"/>
+                <a:cs typeface="Helvetica" panose="020B0604020202020204" pitchFamily="34" charset="0"/>
+              </a:rPr>
+              <a:t>Zone 1</a:t>
+            </a:r>
+            <a:endParaRPr sz="1200" dirty="0">
+              <a:latin typeface="Helvetica" panose="020B0604020202020204" pitchFamily="34" charset="0"/>
+              <a:cs typeface="Helvetica" panose="020B0604020202020204" pitchFamily="34" charset="0"/>
+            </a:endParaRPr>
+          </a:p>
+        </p:txBody>
+      </p:sp>
     </p:spTree>
     <p:extLst>
       <p:ext uri="{BB962C8B-B14F-4D97-AF65-F5344CB8AC3E}">
@@ -12261,7 +14780,7 @@
           </a:ln>
           <a:extLst>
             <a:ext uri="{C572A759-6A51-4108-AA02-DFA0A04FC94B}">
-              <ma14:wrappingTextBoxFlag xmlns:ma14="http://schemas.microsoft.com/office/mac/drawingml/2011/main" xmlns="" val="1"/>
+              <ma14:wrappingTextBoxFlag xmlns="" xmlns:ma14="http://schemas.microsoft.com/office/mac/drawingml/2011/main" val="1"/>
             </a:ext>
           </a:extLst>
         </p:spPr>
@@ -12309,7 +14828,7 @@
           </a:ln>
           <a:extLst>
             <a:ext uri="{C572A759-6A51-4108-AA02-DFA0A04FC94B}">
-              <ma14:wrappingTextBoxFlag xmlns:ma14="http://schemas.microsoft.com/office/mac/drawingml/2011/main" xmlns="" val="1"/>
+              <ma14:wrappingTextBoxFlag xmlns="" xmlns:ma14="http://schemas.microsoft.com/office/mac/drawingml/2011/main" val="1"/>
             </a:ext>
           </a:extLst>
         </p:spPr>
@@ -12464,7 +14983,7 @@
             <a:effectLst/>
             <a:extLst>
               <a:ext uri="{C572A759-6A51-4108-AA02-DFA0A04FC94B}">
-                <ma14:wrappingTextBoxFlag xmlns:ma14="http://schemas.microsoft.com/office/mac/drawingml/2011/main" xmlns="" val="1"/>
+                <ma14:wrappingTextBoxFlag xmlns="" xmlns:ma14="http://schemas.microsoft.com/office/mac/drawingml/2011/main" val="1"/>
               </a:ext>
             </a:extLst>
           </p:spPr>
@@ -12626,7 +15145,7 @@
             <a:effectLst/>
             <a:extLst>
               <a:ext uri="{C572A759-6A51-4108-AA02-DFA0A04FC94B}">
-                <ma14:wrappingTextBoxFlag xmlns:ma14="http://schemas.microsoft.com/office/mac/drawingml/2011/main" xmlns="" val="1"/>
+                <ma14:wrappingTextBoxFlag xmlns="" xmlns:ma14="http://schemas.microsoft.com/office/mac/drawingml/2011/main" val="1"/>
               </a:ext>
             </a:extLst>
           </p:spPr>
@@ -12788,7 +15307,7 @@
             <a:effectLst/>
             <a:extLst>
               <a:ext uri="{C572A759-6A51-4108-AA02-DFA0A04FC94B}">
-                <ma14:wrappingTextBoxFlag xmlns:ma14="http://schemas.microsoft.com/office/mac/drawingml/2011/main" xmlns="" val="1"/>
+                <ma14:wrappingTextBoxFlag xmlns="" xmlns:ma14="http://schemas.microsoft.com/office/mac/drawingml/2011/main" val="1"/>
               </a:ext>
             </a:extLst>
           </p:spPr>
@@ -12950,7 +15469,7 @@
             <a:effectLst/>
             <a:extLst>
               <a:ext uri="{C572A759-6A51-4108-AA02-DFA0A04FC94B}">
-                <ma14:wrappingTextBoxFlag xmlns:ma14="http://schemas.microsoft.com/office/mac/drawingml/2011/main" xmlns="" val="1"/>
+                <ma14:wrappingTextBoxFlag xmlns="" xmlns:ma14="http://schemas.microsoft.com/office/mac/drawingml/2011/main" val="1"/>
               </a:ext>
             </a:extLst>
           </p:spPr>
@@ -13112,7 +15631,7 @@
             <a:effectLst/>
             <a:extLst>
               <a:ext uri="{C572A759-6A51-4108-AA02-DFA0A04FC94B}">
-                <ma14:wrappingTextBoxFlag xmlns:ma14="http://schemas.microsoft.com/office/mac/drawingml/2011/main" xmlns="" val="1"/>
+                <ma14:wrappingTextBoxFlag xmlns="" xmlns:ma14="http://schemas.microsoft.com/office/mac/drawingml/2011/main" val="1"/>
               </a:ext>
             </a:extLst>
           </p:spPr>
@@ -13274,7 +15793,7 @@
             <a:effectLst/>
             <a:extLst>
               <a:ext uri="{C572A759-6A51-4108-AA02-DFA0A04FC94B}">
-                <ma14:wrappingTextBoxFlag xmlns:ma14="http://schemas.microsoft.com/office/mac/drawingml/2011/main" xmlns="" val="1"/>
+                <ma14:wrappingTextBoxFlag xmlns="" xmlns:ma14="http://schemas.microsoft.com/office/mac/drawingml/2011/main" val="1"/>
               </a:ext>
             </a:extLst>
           </p:spPr>
@@ -13436,7 +15955,7 @@
             <a:effectLst/>
             <a:extLst>
               <a:ext uri="{C572A759-6A51-4108-AA02-DFA0A04FC94B}">
-                <ma14:wrappingTextBoxFlag xmlns:ma14="http://schemas.microsoft.com/office/mac/drawingml/2011/main" xmlns="" val="1"/>
+                <ma14:wrappingTextBoxFlag xmlns="" xmlns:ma14="http://schemas.microsoft.com/office/mac/drawingml/2011/main" val="1"/>
               </a:ext>
             </a:extLst>
           </p:spPr>
@@ -13598,7 +16117,7 @@
             <a:effectLst/>
             <a:extLst>
               <a:ext uri="{C572A759-6A51-4108-AA02-DFA0A04FC94B}">
-                <ma14:wrappingTextBoxFlag xmlns:ma14="http://schemas.microsoft.com/office/mac/drawingml/2011/main" xmlns="" val="1"/>
+                <ma14:wrappingTextBoxFlag xmlns="" xmlns:ma14="http://schemas.microsoft.com/office/mac/drawingml/2011/main" val="1"/>
               </a:ext>
             </a:extLst>
           </p:spPr>
@@ -13760,7 +16279,7 @@
             <a:effectLst/>
             <a:extLst>
               <a:ext uri="{C572A759-6A51-4108-AA02-DFA0A04FC94B}">
-                <ma14:wrappingTextBoxFlag xmlns:ma14="http://schemas.microsoft.com/office/mac/drawingml/2011/main" xmlns="" val="1"/>
+                <ma14:wrappingTextBoxFlag xmlns="" xmlns:ma14="http://schemas.microsoft.com/office/mac/drawingml/2011/main" val="1"/>
               </a:ext>
             </a:extLst>
           </p:spPr>
@@ -13922,7 +16441,7 @@
             <a:effectLst/>
             <a:extLst>
               <a:ext uri="{C572A759-6A51-4108-AA02-DFA0A04FC94B}">
-                <ma14:wrappingTextBoxFlag xmlns:ma14="http://schemas.microsoft.com/office/mac/drawingml/2011/main" xmlns="" val="1"/>
+                <ma14:wrappingTextBoxFlag xmlns="" xmlns:ma14="http://schemas.microsoft.com/office/mac/drawingml/2011/main" val="1"/>
               </a:ext>
             </a:extLst>
           </p:spPr>
@@ -14084,7 +16603,7 @@
             <a:effectLst/>
             <a:extLst>
               <a:ext uri="{C572A759-6A51-4108-AA02-DFA0A04FC94B}">
-                <ma14:wrappingTextBoxFlag xmlns:ma14="http://schemas.microsoft.com/office/mac/drawingml/2011/main" xmlns="" val="1"/>
+                <ma14:wrappingTextBoxFlag xmlns="" xmlns:ma14="http://schemas.microsoft.com/office/mac/drawingml/2011/main" val="1"/>
               </a:ext>
             </a:extLst>
           </p:spPr>
@@ -14246,7 +16765,7 @@
             <a:effectLst/>
             <a:extLst>
               <a:ext uri="{C572A759-6A51-4108-AA02-DFA0A04FC94B}">
-                <ma14:wrappingTextBoxFlag xmlns:ma14="http://schemas.microsoft.com/office/mac/drawingml/2011/main" xmlns="" val="1"/>
+                <ma14:wrappingTextBoxFlag xmlns="" xmlns:ma14="http://schemas.microsoft.com/office/mac/drawingml/2011/main" val="1"/>
               </a:ext>
             </a:extLst>
           </p:spPr>
@@ -14408,7 +16927,7 @@
             <a:effectLst/>
             <a:extLst>
               <a:ext uri="{C572A759-6A51-4108-AA02-DFA0A04FC94B}">
-                <ma14:wrappingTextBoxFlag xmlns:ma14="http://schemas.microsoft.com/office/mac/drawingml/2011/main" xmlns="" val="1"/>
+                <ma14:wrappingTextBoxFlag xmlns="" xmlns:ma14="http://schemas.microsoft.com/office/mac/drawingml/2011/main" val="1"/>
               </a:ext>
             </a:extLst>
           </p:spPr>
@@ -14570,7 +17089,7 @@
             <a:effectLst/>
             <a:extLst>
               <a:ext uri="{C572A759-6A51-4108-AA02-DFA0A04FC94B}">
-                <ma14:wrappingTextBoxFlag xmlns:ma14="http://schemas.microsoft.com/office/mac/drawingml/2011/main" xmlns="" val="1"/>
+                <ma14:wrappingTextBoxFlag xmlns="" xmlns:ma14="http://schemas.microsoft.com/office/mac/drawingml/2011/main" val="1"/>
               </a:ext>
             </a:extLst>
           </p:spPr>
@@ -14732,7 +17251,7 @@
             <a:effectLst/>
             <a:extLst>
               <a:ext uri="{C572A759-6A51-4108-AA02-DFA0A04FC94B}">
-                <ma14:wrappingTextBoxFlag xmlns:ma14="http://schemas.microsoft.com/office/mac/drawingml/2011/main" xmlns="" val="1"/>
+                <ma14:wrappingTextBoxFlag xmlns="" xmlns:ma14="http://schemas.microsoft.com/office/mac/drawingml/2011/main" val="1"/>
               </a:ext>
             </a:extLst>
           </p:spPr>
@@ -14894,7 +17413,7 @@
             <a:effectLst/>
             <a:extLst>
               <a:ext uri="{C572A759-6A51-4108-AA02-DFA0A04FC94B}">
-                <ma14:wrappingTextBoxFlag xmlns:ma14="http://schemas.microsoft.com/office/mac/drawingml/2011/main" xmlns="" val="1"/>
+                <ma14:wrappingTextBoxFlag xmlns="" xmlns:ma14="http://schemas.microsoft.com/office/mac/drawingml/2011/main" val="1"/>
               </a:ext>
             </a:extLst>
           </p:spPr>
@@ -15056,7 +17575,7 @@
             <a:effectLst/>
             <a:extLst>
               <a:ext uri="{C572A759-6A51-4108-AA02-DFA0A04FC94B}">
-                <ma14:wrappingTextBoxFlag xmlns:ma14="http://schemas.microsoft.com/office/mac/drawingml/2011/main" xmlns="" val="1"/>
+                <ma14:wrappingTextBoxFlag xmlns="" xmlns:ma14="http://schemas.microsoft.com/office/mac/drawingml/2011/main" val="1"/>
               </a:ext>
             </a:extLst>
           </p:spPr>
@@ -15218,7 +17737,7 @@
             <a:effectLst/>
             <a:extLst>
               <a:ext uri="{C572A759-6A51-4108-AA02-DFA0A04FC94B}">
-                <ma14:wrappingTextBoxFlag xmlns:ma14="http://schemas.microsoft.com/office/mac/drawingml/2011/main" xmlns="" val="1"/>
+                <ma14:wrappingTextBoxFlag xmlns="" xmlns:ma14="http://schemas.microsoft.com/office/mac/drawingml/2011/main" val="1"/>
               </a:ext>
             </a:extLst>
           </p:spPr>
@@ -15380,7 +17899,7 @@
             <a:effectLst/>
             <a:extLst>
               <a:ext uri="{C572A759-6A51-4108-AA02-DFA0A04FC94B}">
-                <ma14:wrappingTextBoxFlag xmlns:ma14="http://schemas.microsoft.com/office/mac/drawingml/2011/main" xmlns="" val="1"/>
+                <ma14:wrappingTextBoxFlag xmlns="" xmlns:ma14="http://schemas.microsoft.com/office/mac/drawingml/2011/main" val="1"/>
               </a:ext>
             </a:extLst>
           </p:spPr>
@@ -15542,7 +18061,7 @@
             <a:effectLst/>
             <a:extLst>
               <a:ext uri="{C572A759-6A51-4108-AA02-DFA0A04FC94B}">
-                <ma14:wrappingTextBoxFlag xmlns:ma14="http://schemas.microsoft.com/office/mac/drawingml/2011/main" xmlns="" val="1"/>
+                <ma14:wrappingTextBoxFlag xmlns="" xmlns:ma14="http://schemas.microsoft.com/office/mac/drawingml/2011/main" val="1"/>
               </a:ext>
             </a:extLst>
           </p:spPr>
@@ -15664,7 +18183,7 @@
           </a:ln>
           <a:extLst>
             <a:ext uri="{C572A759-6A51-4108-AA02-DFA0A04FC94B}">
-              <ma14:wrappingTextBoxFlag xmlns:ma14="http://schemas.microsoft.com/office/mac/drawingml/2011/main" xmlns="" val="1"/>
+              <ma14:wrappingTextBoxFlag xmlns="" xmlns:ma14="http://schemas.microsoft.com/office/mac/drawingml/2011/main" val="1"/>
             </a:ext>
           </a:extLst>
         </p:spPr>
@@ -15712,7 +18231,7 @@
           </a:ln>
           <a:extLst>
             <a:ext uri="{C572A759-6A51-4108-AA02-DFA0A04FC94B}">
-              <ma14:wrappingTextBoxFlag xmlns:ma14="http://schemas.microsoft.com/office/mac/drawingml/2011/main" xmlns="" val="1"/>
+              <ma14:wrappingTextBoxFlag xmlns="" xmlns:ma14="http://schemas.microsoft.com/office/mac/drawingml/2011/main" val="1"/>
             </a:ext>
           </a:extLst>
         </p:spPr>
@@ -16047,7 +18566,7 @@
               <a:effectLst/>
               <a:extLst>
                 <a:ext uri="{C572A759-6A51-4108-AA02-DFA0A04FC94B}">
-                  <ma14:wrappingTextBoxFlag xmlns:ma14="http://schemas.microsoft.com/office/mac/drawingml/2011/main" xmlns="" val="1"/>
+                  <ma14:wrappingTextBoxFlag xmlns="" xmlns:ma14="http://schemas.microsoft.com/office/mac/drawingml/2011/main" val="1"/>
                 </a:ext>
               </a:extLst>
             </p:spPr>

--- a/powerpoint/templates/VirtualPrivateCloudEditablePPT.pptx
+++ b/powerpoint/templates/VirtualPrivateCloudEditablePPT.pptx
@@ -791,7 +791,7 @@
           </a:ln>
           <a:extLst>
             <a:ext uri="{C572A759-6A51-4108-AA02-DFA0A04FC94B}">
-              <ma14:wrappingTextBoxFlag xmlns="" xmlns:ma14="http://schemas.microsoft.com/office/mac/drawingml/2011/main" val="1"/>
+              <ma14:wrappingTextBoxFlag xmlns:ma14="http://schemas.microsoft.com/office/mac/drawingml/2011/main" xmlns="" val="1"/>
             </a:ext>
           </a:extLst>
         </p:spPr>
@@ -844,7 +844,7 @@
           </a:ln>
           <a:extLst>
             <a:ext uri="{C572A759-6A51-4108-AA02-DFA0A04FC94B}">
-              <ma14:wrappingTextBoxFlag xmlns="" xmlns:ma14="http://schemas.microsoft.com/office/mac/drawingml/2011/main" val="1"/>
+              <ma14:wrappingTextBoxFlag xmlns:ma14="http://schemas.microsoft.com/office/mac/drawingml/2011/main" xmlns="" val="1"/>
             </a:ext>
           </a:extLst>
         </p:spPr>
@@ -892,7 +892,7 @@
           </a:ln>
           <a:extLst>
             <a:ext uri="{C572A759-6A51-4108-AA02-DFA0A04FC94B}">
-              <ma14:wrappingTextBoxFlag xmlns="" xmlns:ma14="http://schemas.microsoft.com/office/mac/drawingml/2011/main" val="1"/>
+              <ma14:wrappingTextBoxFlag xmlns:ma14="http://schemas.microsoft.com/office/mac/drawingml/2011/main" xmlns="" val="1"/>
             </a:ext>
           </a:extLst>
         </p:spPr>
@@ -980,7 +980,7 @@
           </a:ln>
           <a:extLst>
             <a:ext uri="{C572A759-6A51-4108-AA02-DFA0A04FC94B}">
-              <ma14:wrappingTextBoxFlag xmlns="" xmlns:ma14="http://schemas.microsoft.com/office/mac/drawingml/2011/main" val="1"/>
+              <ma14:wrappingTextBoxFlag xmlns:ma14="http://schemas.microsoft.com/office/mac/drawingml/2011/main" xmlns="" val="1"/>
             </a:ext>
           </a:extLst>
         </p:spPr>
@@ -1033,7 +1033,7 @@
           </a:ln>
           <a:extLst>
             <a:ext uri="{C572A759-6A51-4108-AA02-DFA0A04FC94B}">
-              <ma14:wrappingTextBoxFlag xmlns="" xmlns:ma14="http://schemas.microsoft.com/office/mac/drawingml/2011/main" val="1"/>
+              <ma14:wrappingTextBoxFlag xmlns:ma14="http://schemas.microsoft.com/office/mac/drawingml/2011/main" xmlns="" val="1"/>
             </a:ext>
           </a:extLst>
         </p:spPr>
@@ -1081,7 +1081,7 @@
           </a:ln>
           <a:extLst>
             <a:ext uri="{C572A759-6A51-4108-AA02-DFA0A04FC94B}">
-              <ma14:wrappingTextBoxFlag xmlns="" xmlns:ma14="http://schemas.microsoft.com/office/mac/drawingml/2011/main" val="1"/>
+              <ma14:wrappingTextBoxFlag xmlns:ma14="http://schemas.microsoft.com/office/mac/drawingml/2011/main" xmlns="" val="1"/>
             </a:ext>
           </a:extLst>
         </p:spPr>
@@ -1245,7 +1245,7 @@
           </a:ln>
           <a:extLst>
             <a:ext uri="{C572A759-6A51-4108-AA02-DFA0A04FC94B}">
-              <ma14:wrappingTextBoxFlag xmlns="" xmlns:ma14="http://schemas.microsoft.com/office/mac/drawingml/2011/main" val="1"/>
+              <ma14:wrappingTextBoxFlag xmlns:ma14="http://schemas.microsoft.com/office/mac/drawingml/2011/main" xmlns="" val="1"/>
             </a:ext>
           </a:extLst>
         </p:spPr>
@@ -1298,7 +1298,7 @@
           </a:ln>
           <a:extLst>
             <a:ext uri="{C572A759-6A51-4108-AA02-DFA0A04FC94B}">
-              <ma14:wrappingTextBoxFlag xmlns="" xmlns:ma14="http://schemas.microsoft.com/office/mac/drawingml/2011/main" val="1"/>
+              <ma14:wrappingTextBoxFlag xmlns:ma14="http://schemas.microsoft.com/office/mac/drawingml/2011/main" xmlns="" val="1"/>
             </a:ext>
           </a:extLst>
         </p:spPr>
@@ -1346,7 +1346,7 @@
           </a:ln>
           <a:extLst>
             <a:ext uri="{C572A759-6A51-4108-AA02-DFA0A04FC94B}">
-              <ma14:wrappingTextBoxFlag xmlns="" xmlns:ma14="http://schemas.microsoft.com/office/mac/drawingml/2011/main" val="1"/>
+              <ma14:wrappingTextBoxFlag xmlns:ma14="http://schemas.microsoft.com/office/mac/drawingml/2011/main" xmlns="" val="1"/>
             </a:ext>
           </a:extLst>
         </p:spPr>
@@ -1536,7 +1536,7 @@
           </a:ln>
           <a:extLst>
             <a:ext uri="{C572A759-6A51-4108-AA02-DFA0A04FC94B}">
-              <ma14:wrappingTextBoxFlag xmlns="" xmlns:ma14="http://schemas.microsoft.com/office/mac/drawingml/2011/main" val="1"/>
+              <ma14:wrappingTextBoxFlag xmlns:ma14="http://schemas.microsoft.com/office/mac/drawingml/2011/main" xmlns="" val="1"/>
             </a:ext>
           </a:extLst>
         </p:spPr>
@@ -1674,7 +1674,7 @@
           </a:ln>
           <a:extLst>
             <a:ext uri="{C572A759-6A51-4108-AA02-DFA0A04FC94B}">
-              <ma14:wrappingTextBoxFlag xmlns="" xmlns:ma14="http://schemas.microsoft.com/office/mac/drawingml/2011/main" val="1"/>
+              <ma14:wrappingTextBoxFlag xmlns:ma14="http://schemas.microsoft.com/office/mac/drawingml/2011/main" xmlns="" val="1"/>
             </a:ext>
           </a:extLst>
         </p:spPr>
@@ -1727,7 +1727,7 @@
           </a:ln>
           <a:extLst>
             <a:ext uri="{C572A759-6A51-4108-AA02-DFA0A04FC94B}">
-              <ma14:wrappingTextBoxFlag xmlns="" xmlns:ma14="http://schemas.microsoft.com/office/mac/drawingml/2011/main" val="1"/>
+              <ma14:wrappingTextBoxFlag xmlns:ma14="http://schemas.microsoft.com/office/mac/drawingml/2011/main" xmlns="" val="1"/>
             </a:ext>
           </a:extLst>
         </p:spPr>
@@ -1801,7 +1801,7 @@
           </a:ln>
           <a:extLst>
             <a:ext uri="{C572A759-6A51-4108-AA02-DFA0A04FC94B}">
-              <ma14:wrappingTextBoxFlag xmlns="" xmlns:ma14="http://schemas.microsoft.com/office/mac/drawingml/2011/main" val="1"/>
+              <ma14:wrappingTextBoxFlag xmlns:ma14="http://schemas.microsoft.com/office/mac/drawingml/2011/main" xmlns="" val="1"/>
             </a:ext>
           </a:extLst>
         </p:spPr>
@@ -2770,7 +2770,7 @@
           </a:ln>
           <a:extLst>
             <a:ext uri="{C572A759-6A51-4108-AA02-DFA0A04FC94B}">
-              <ma14:wrappingTextBoxFlag xmlns="" xmlns:ma14="http://schemas.microsoft.com/office/mac/drawingml/2011/main" val="1"/>
+              <ma14:wrappingTextBoxFlag xmlns:ma14="http://schemas.microsoft.com/office/mac/drawingml/2011/main" xmlns="" val="1"/>
             </a:ext>
           </a:extLst>
         </p:spPr>
@@ -2813,7 +2813,7 @@
           </a:ln>
           <a:extLst>
             <a:ext uri="{C572A759-6A51-4108-AA02-DFA0A04FC94B}">
-              <ma14:wrappingTextBoxFlag xmlns="" xmlns:ma14="http://schemas.microsoft.com/office/mac/drawingml/2011/main" val="1"/>
+              <ma14:wrappingTextBoxFlag xmlns:ma14="http://schemas.microsoft.com/office/mac/drawingml/2011/main" xmlns="" val="1"/>
             </a:ext>
           </a:extLst>
         </p:spPr>
@@ -3261,7 +3261,7 @@
           </a:ln>
           <a:extLst>
             <a:ext uri="{C572A759-6A51-4108-AA02-DFA0A04FC94B}">
-              <ma14:wrappingTextBoxFlag xmlns="" xmlns:ma14="http://schemas.microsoft.com/office/mac/drawingml/2011/main" val="1"/>
+              <ma14:wrappingTextBoxFlag xmlns:ma14="http://schemas.microsoft.com/office/mac/drawingml/2011/main" xmlns="" val="1"/>
             </a:ext>
           </a:extLst>
         </p:spPr>
@@ -3310,7 +3310,7 @@
           </a:ln>
           <a:extLst>
             <a:ext uri="{C572A759-6A51-4108-AA02-DFA0A04FC94B}">
-              <ma14:wrappingTextBoxFlag xmlns="" xmlns:ma14="http://schemas.microsoft.com/office/mac/drawingml/2011/main" val="1"/>
+              <ma14:wrappingTextBoxFlag xmlns:ma14="http://schemas.microsoft.com/office/mac/drawingml/2011/main" xmlns="" val="1"/>
             </a:ext>
           </a:extLst>
         </p:spPr>
@@ -3610,7 +3610,7 @@
                 <a:ea typeface="Helvetica" charset="0"/>
                 <a:cs typeface="Helvetica" charset="0"/>
               </a:rPr>
-              <a:t>See instructions on how to gray out icons and lines on Page 5</a:t>
+              <a:t>See instructions on how to gray out icons and lines on Page 4</a:t>
             </a:r>
           </a:p>
           <a:p>
@@ -3813,7 +3813,7 @@
         </p:nvGrpSpPr>
         <p:grpSpPr>
           <a:xfrm>
-            <a:off x="1881223" y="2504283"/>
+            <a:off x="1841806" y="2513746"/>
             <a:ext cx="502920" cy="457200"/>
             <a:chOff x="5270034" y="4579362"/>
             <a:chExt cx="751660" cy="692612"/>
@@ -3934,7 +3934,7 @@
           </p:blipFill>
           <p:spPr>
             <a:xfrm>
-              <a:off x="5434062" y="4726343"/>
+              <a:off x="5434062" y="4726344"/>
               <a:ext cx="548298" cy="417749"/>
             </a:xfrm>
             <a:prstGeom prst="rect">
@@ -4292,7 +4292,7 @@
         </p:nvGrpSpPr>
         <p:grpSpPr>
           <a:xfrm>
-            <a:off x="635482" y="1670536"/>
+            <a:off x="173659" y="1339141"/>
             <a:ext cx="502920" cy="457200"/>
             <a:chOff x="8826" y="0"/>
             <a:chExt cx="707231" cy="707231"/>
@@ -4934,9 +4934,9 @@
         <p:grpSpPr>
           <a:xfrm>
             <a:off x="407566" y="493805"/>
-            <a:ext cx="9558216" cy="433132"/>
+            <a:ext cx="9426694" cy="385787"/>
             <a:chOff x="407566" y="493805"/>
-            <a:chExt cx="9558216" cy="433132"/>
+            <a:chExt cx="9426694" cy="385787"/>
           </a:xfrm>
         </p:grpSpPr>
         <p:sp>
@@ -4953,8 +4953,8 @@
           </p:nvSpPr>
           <p:spPr>
             <a:xfrm>
-              <a:off x="8939860" y="557605"/>
-              <a:ext cx="1025922" cy="369332"/>
+              <a:off x="9092069" y="510260"/>
+              <a:ext cx="742191" cy="369332"/>
             </a:xfrm>
             <a:prstGeom prst="rect">
               <a:avLst/>
@@ -4964,7 +4964,7 @@
             </a:ln>
             <a:extLst>
               <a:ext uri="{C572A759-6A51-4108-AA02-DFA0A04FC94B}">
-                <ma14:wrappingTextBoxFlag xmlns:ma14="http://schemas.microsoft.com/office/mac/drawingml/2011/main" xmlns="" val="1"/>
+                <ma14:wrappingTextBoxFlag xmlns="" xmlns:ma14="http://schemas.microsoft.com/office/mac/drawingml/2011/main" val="1"/>
               </a:ext>
             </a:extLst>
           </p:spPr>
@@ -4999,7 +4999,7 @@
                     <a:schemeClr val="tx1"/>
                   </a:solidFill>
                 </a:rPr>
-                <a:t>ENTERPRISE </a:t>
+                <a:t>Enterprise </a:t>
               </a:r>
             </a:p>
             <a:p>
@@ -5016,7 +5016,7 @@
                     <a:schemeClr val="tx1"/>
                   </a:solidFill>
                 </a:rPr>
-                <a:t>NETWORK</a:t>
+                <a:t>Network</a:t>
               </a:r>
               <a:endParaRPr sz="1200" b="1" dirty="0">
                 <a:solidFill>
@@ -5051,7 +5051,7 @@
             </a:ln>
             <a:extLst>
               <a:ext uri="{C572A759-6A51-4108-AA02-DFA0A04FC94B}">
-                <ma14:wrappingTextBoxFlag xmlns:ma14="http://schemas.microsoft.com/office/mac/drawingml/2011/main" xmlns="" val="1"/>
+                <ma14:wrappingTextBoxFlag xmlns="" xmlns:ma14="http://schemas.microsoft.com/office/mac/drawingml/2011/main" val="1"/>
               </a:ext>
             </a:extLst>
           </p:spPr>
@@ -5137,7 +5137,7 @@
             </a:avLst>
           </a:prstGeom>
           <a:noFill/>
-          <a:ln w="6350">
+          <a:ln w="12700">
             <a:solidFill>
               <a:srgbClr val="FF0000"/>
             </a:solidFill>
@@ -5214,7 +5214,7 @@
             </a:avLst>
           </a:prstGeom>
           <a:noFill/>
-          <a:ln w="6350">
+          <a:ln w="12700">
             <a:solidFill>
               <a:srgbClr val="FF0000"/>
             </a:solidFill>
@@ -5279,13 +5279,14 @@
           </p:cNvPr>
           <p:cNvCxnSpPr>
             <a:cxnSpLocks/>
+            <a:stCxn id="213" idx="3"/>
           </p:cNvCxnSpPr>
           <p:nvPr/>
         </p:nvCxnSpPr>
         <p:spPr>
           <a:xfrm>
-            <a:off x="848758" y="3257477"/>
-            <a:ext cx="1541848" cy="0"/>
+            <a:off x="2318409" y="2748650"/>
+            <a:ext cx="269399" cy="407"/>
           </a:xfrm>
           <a:prstGeom prst="straightConnector1">
             <a:avLst/>
@@ -5298,7 +5299,7 @@
             <a:prstDash val="solid"/>
             <a:miter lim="400000"/>
             <a:headEnd type="triangle" w="lg" len="med"/>
-            <a:tailEnd type="triangle" w="lg" len="med"/>
+            <a:tailEnd type="none" w="lg" len="med"/>
           </a:ln>
           <a:effectLst/>
         </p:spPr>
@@ -5338,7 +5339,7 @@
             </a:avLst>
           </a:prstGeom>
           <a:noFill/>
-          <a:ln w="6350">
+          <a:ln w="12700">
             <a:solidFill>
               <a:srgbClr val="FF0000"/>
             </a:solidFill>
@@ -5416,7 +5417,7 @@
             </a:avLst>
           </a:prstGeom>
           <a:noFill/>
-          <a:ln w="6350">
+          <a:ln w="12700">
             <a:solidFill>
               <a:srgbClr val="FF0000"/>
             </a:solidFill>
@@ -5471,55 +5472,6 @@
           </a:p>
         </p:txBody>
       </p:sp>
-      <p:cxnSp>
-        <p:nvCxnSpPr>
-          <p:cNvPr id="141" name="Straight Arrow Connector 110">
-            <a:extLst>
-              <a:ext uri="{FF2B5EF4-FFF2-40B4-BE49-F238E27FC236}">
-                <a16:creationId xmlns:a16="http://schemas.microsoft.com/office/drawing/2014/main" id="{2A62EB10-1D39-AC4A-99D0-58EEBE373851}"/>
-              </a:ext>
-            </a:extLst>
-          </p:cNvPr>
-          <p:cNvCxnSpPr>
-            <a:cxnSpLocks/>
-          </p:cNvCxnSpPr>
-          <p:nvPr/>
-        </p:nvCxnSpPr>
-        <p:spPr>
-          <a:xfrm flipV="1">
-            <a:off x="9672503" y="6339406"/>
-            <a:ext cx="705990" cy="647418"/>
-          </a:xfrm>
-          <a:prstGeom prst="bentConnector3">
-            <a:avLst>
-              <a:gd name="adj1" fmla="val 101361"/>
-            </a:avLst>
-          </a:prstGeom>
-          <a:noFill/>
-          <a:ln w="12700" cap="flat">
-            <a:solidFill>
-              <a:schemeClr val="tx1"/>
-            </a:solidFill>
-            <a:prstDash val="solid"/>
-            <a:miter lim="400000"/>
-            <a:headEnd type="triangle" w="lg" len="med"/>
-            <a:tailEnd type="triangle" w="lg" len="med"/>
-          </a:ln>
-          <a:effectLst/>
-        </p:spPr>
-        <p:style>
-          <a:lnRef idx="0">
-            <a:scrgbClr r="0" g="0" b="0"/>
-          </a:lnRef>
-          <a:fillRef idx="0">
-            <a:scrgbClr r="0" g="0" b="0"/>
-          </a:fillRef>
-          <a:effectRef idx="0">
-            <a:scrgbClr r="0" g="0" b="0"/>
-          </a:effectRef>
-          <a:fontRef idx="none"/>
-        </p:style>
-      </p:cxnSp>
       <p:cxnSp>
         <p:nvCxnSpPr>
           <p:cNvPr id="229" name="Straight Arrow Connector 228">
@@ -5633,8 +5585,8 @@
         </p:nvCxnSpPr>
         <p:spPr>
           <a:xfrm>
-            <a:off x="374558" y="1658108"/>
-            <a:ext cx="0" cy="631953"/>
+            <a:off x="398496" y="1995929"/>
+            <a:ext cx="0" cy="431335"/>
           </a:xfrm>
           <a:prstGeom prst="straightConnector1">
             <a:avLst/>
@@ -5727,7 +5679,7 @@
                 </a:avLst>
               </a:prstGeom>
               <a:noFill/>
-              <a:ln w="6350">
+              <a:ln w="12700">
                 <a:solidFill>
                   <a:srgbClr val="4E77B6"/>
                 </a:solidFill>
@@ -5804,7 +5756,7 @@
                 </a:avLst>
               </a:prstGeom>
               <a:noFill/>
-              <a:ln w="6350">
+              <a:ln w="12700">
                 <a:solidFill>
                   <a:srgbClr val="4E77B6"/>
                 </a:solidFill>
@@ -5884,7 +5836,7 @@
             </a:ln>
             <a:extLst>
               <a:ext uri="{C572A759-6A51-4108-AA02-DFA0A04FC94B}">
-                <ma14:wrappingTextBoxFlag xmlns:ma14="http://schemas.microsoft.com/office/mac/drawingml/2011/main" xmlns="" val="1"/>
+                <ma14:wrappingTextBoxFlag xmlns="" xmlns:ma14="http://schemas.microsoft.com/office/mac/drawingml/2011/main" val="1"/>
               </a:ext>
             </a:extLst>
           </p:spPr>
@@ -6094,7 +6046,7 @@
               </a:avLst>
             </a:prstGeom>
             <a:noFill/>
-            <a:ln w="19050">
+            <a:ln w="12700">
               <a:solidFill>
                 <a:srgbClr val="00882B"/>
               </a:solidFill>
@@ -6174,7 +6126,7 @@
             </a:ln>
             <a:extLst>
               <a:ext uri="{C572A759-6A51-4108-AA02-DFA0A04FC94B}">
-                <ma14:wrappingTextBoxFlag xmlns:ma14="http://schemas.microsoft.com/office/mac/drawingml/2011/main" xmlns="" val="1"/>
+                <ma14:wrappingTextBoxFlag xmlns="" xmlns:ma14="http://schemas.microsoft.com/office/mac/drawingml/2011/main" val="1"/>
               </a:ext>
             </a:extLst>
           </p:spPr>
@@ -6365,7 +6317,7 @@
             </a:avLst>
           </a:prstGeom>
           <a:noFill/>
-          <a:ln w="6350">
+          <a:ln w="12700">
             <a:solidFill>
               <a:srgbClr val="4E77B6"/>
             </a:solidFill>
@@ -6625,7 +6577,7 @@
           </a:ln>
           <a:extLst>
             <a:ext uri="{C572A759-6A51-4108-AA02-DFA0A04FC94B}">
-              <ma14:wrappingTextBoxFlag xmlns:ma14="http://schemas.microsoft.com/office/mac/drawingml/2011/main" xmlns="" val="1"/>
+              <ma14:wrappingTextBoxFlag xmlns="" xmlns:ma14="http://schemas.microsoft.com/office/mac/drawingml/2011/main" val="1"/>
             </a:ext>
           </a:extLst>
         </p:spPr>
@@ -6675,7 +6627,7 @@
         </p:nvSpPr>
         <p:spPr>
           <a:xfrm>
-            <a:off x="195937" y="1221262"/>
+            <a:off x="205946" y="1737689"/>
             <a:ext cx="761786" cy="287258"/>
           </a:xfrm>
           <a:prstGeom prst="rect">
@@ -6686,7 +6638,7 @@
           </a:ln>
           <a:extLst>
             <a:ext uri="{C572A759-6A51-4108-AA02-DFA0A04FC94B}">
-              <ma14:wrappingTextBoxFlag xmlns:ma14="http://schemas.microsoft.com/office/mac/drawingml/2011/main" xmlns="" val="1"/>
+              <ma14:wrappingTextBoxFlag xmlns="" xmlns:ma14="http://schemas.microsoft.com/office/mac/drawingml/2011/main" val="1"/>
             </a:ext>
           </a:extLst>
         </p:spPr>
@@ -6747,7 +6699,7 @@
           </a:ln>
           <a:extLst>
             <a:ext uri="{C572A759-6A51-4108-AA02-DFA0A04FC94B}">
-              <ma14:wrappingTextBoxFlag xmlns:ma14="http://schemas.microsoft.com/office/mac/drawingml/2011/main" xmlns="" val="1"/>
+              <ma14:wrappingTextBoxFlag xmlns="" xmlns:ma14="http://schemas.microsoft.com/office/mac/drawingml/2011/main" val="1"/>
             </a:ext>
           </a:extLst>
         </p:spPr>
@@ -6886,7 +6838,7 @@
           </a:ln>
           <a:extLst>
             <a:ext uri="{C572A759-6A51-4108-AA02-DFA0A04FC94B}">
-              <ma14:wrappingTextBoxFlag xmlns:ma14="http://schemas.microsoft.com/office/mac/drawingml/2011/main" xmlns="" val="1"/>
+              <ma14:wrappingTextBoxFlag xmlns="" xmlns:ma14="http://schemas.microsoft.com/office/mac/drawingml/2011/main" val="1"/>
             </a:ext>
           </a:extLst>
         </p:spPr>
@@ -7082,7 +7034,7 @@
             </a:avLst>
           </a:prstGeom>
           <a:noFill/>
-          <a:ln w="19050">
+          <a:ln w="12700">
             <a:solidFill>
               <a:srgbClr val="00882B"/>
             </a:solidFill>
@@ -7162,7 +7114,7 @@
           </a:ln>
           <a:extLst>
             <a:ext uri="{C572A759-6A51-4108-AA02-DFA0A04FC94B}">
-              <ma14:wrappingTextBoxFlag xmlns:ma14="http://schemas.microsoft.com/office/mac/drawingml/2011/main" xmlns="" val="1"/>
+              <ma14:wrappingTextBoxFlag xmlns="" xmlns:ma14="http://schemas.microsoft.com/office/mac/drawingml/2011/main" val="1"/>
             </a:ext>
           </a:extLst>
         </p:spPr>
@@ -7488,7 +7440,7 @@
             </a:avLst>
           </a:prstGeom>
           <a:noFill/>
-          <a:ln w="6350">
+          <a:ln w="12700">
             <a:solidFill>
               <a:srgbClr val="00882B"/>
             </a:solidFill>
@@ -7565,7 +7517,7 @@
             </a:avLst>
           </a:prstGeom>
           <a:noFill/>
-          <a:ln w="6350">
+          <a:ln w="12700">
             <a:solidFill>
               <a:srgbClr val="00882B"/>
             </a:solidFill>
@@ -8178,7 +8130,7 @@
           </a:ln>
           <a:extLst>
             <a:ext uri="{C572A759-6A51-4108-AA02-DFA0A04FC94B}">
-              <ma14:wrappingTextBoxFlag xmlns:ma14="http://schemas.microsoft.com/office/mac/drawingml/2011/main" xmlns="" val="1"/>
+              <ma14:wrappingTextBoxFlag xmlns="" xmlns:ma14="http://schemas.microsoft.com/office/mac/drawingml/2011/main" val="1"/>
             </a:ext>
           </a:extLst>
         </p:spPr>
@@ -8239,7 +8191,7 @@
           </a:ln>
           <a:extLst>
             <a:ext uri="{C572A759-6A51-4108-AA02-DFA0A04FC94B}">
-              <ma14:wrappingTextBoxFlag xmlns:ma14="http://schemas.microsoft.com/office/mac/drawingml/2011/main" xmlns="" val="1"/>
+              <ma14:wrappingTextBoxFlag xmlns="" xmlns:ma14="http://schemas.microsoft.com/office/mac/drawingml/2011/main" val="1"/>
             </a:ext>
           </a:extLst>
         </p:spPr>
@@ -8312,7 +8264,7 @@
           </a:ln>
           <a:extLst>
             <a:ext uri="{C572A759-6A51-4108-AA02-DFA0A04FC94B}">
-              <ma14:wrappingTextBoxFlag xmlns:ma14="http://schemas.microsoft.com/office/mac/drawingml/2011/main" xmlns="" val="1"/>
+              <ma14:wrappingTextBoxFlag xmlns="" xmlns:ma14="http://schemas.microsoft.com/office/mac/drawingml/2011/main" val="1"/>
             </a:ext>
           </a:extLst>
         </p:spPr>
@@ -8385,7 +8337,7 @@
           </a:ln>
           <a:extLst>
             <a:ext uri="{C572A759-6A51-4108-AA02-DFA0A04FC94B}">
-              <ma14:wrappingTextBoxFlag xmlns:ma14="http://schemas.microsoft.com/office/mac/drawingml/2011/main" xmlns="" val="1"/>
+              <ma14:wrappingTextBoxFlag xmlns="" xmlns:ma14="http://schemas.microsoft.com/office/mac/drawingml/2011/main" val="1"/>
             </a:ext>
           </a:extLst>
         </p:spPr>
@@ -8458,7 +8410,7 @@
           </a:ln>
           <a:extLst>
             <a:ext uri="{C572A759-6A51-4108-AA02-DFA0A04FC94B}">
-              <ma14:wrappingTextBoxFlag xmlns:ma14="http://schemas.microsoft.com/office/mac/drawingml/2011/main" xmlns="" val="1"/>
+              <ma14:wrappingTextBoxFlag xmlns="" xmlns:ma14="http://schemas.microsoft.com/office/mac/drawingml/2011/main" val="1"/>
             </a:ext>
           </a:extLst>
         </p:spPr>
@@ -8531,7 +8483,7 @@
           </a:ln>
           <a:extLst>
             <a:ext uri="{C572A759-6A51-4108-AA02-DFA0A04FC94B}">
-              <ma14:wrappingTextBoxFlag xmlns:ma14="http://schemas.microsoft.com/office/mac/drawingml/2011/main" xmlns="" val="1"/>
+              <ma14:wrappingTextBoxFlag xmlns="" xmlns:ma14="http://schemas.microsoft.com/office/mac/drawingml/2011/main" val="1"/>
             </a:ext>
           </a:extLst>
         </p:spPr>
@@ -8592,7 +8544,7 @@
           </a:ln>
           <a:extLst>
             <a:ext uri="{C572A759-6A51-4108-AA02-DFA0A04FC94B}">
-              <ma14:wrappingTextBoxFlag xmlns:ma14="http://schemas.microsoft.com/office/mac/drawingml/2011/main" xmlns="" val="1"/>
+              <ma14:wrappingTextBoxFlag xmlns="" xmlns:ma14="http://schemas.microsoft.com/office/mac/drawingml/2011/main" val="1"/>
             </a:ext>
           </a:extLst>
         </p:spPr>
@@ -8653,7 +8605,7 @@
           </a:ln>
           <a:extLst>
             <a:ext uri="{C572A759-6A51-4108-AA02-DFA0A04FC94B}">
-              <ma14:wrappingTextBoxFlag xmlns:ma14="http://schemas.microsoft.com/office/mac/drawingml/2011/main" xmlns="" val="1"/>
+              <ma14:wrappingTextBoxFlag xmlns="" xmlns:ma14="http://schemas.microsoft.com/office/mac/drawingml/2011/main" val="1"/>
             </a:ext>
           </a:extLst>
         </p:spPr>
@@ -8714,7 +8666,7 @@
           </a:ln>
           <a:extLst>
             <a:ext uri="{C572A759-6A51-4108-AA02-DFA0A04FC94B}">
-              <ma14:wrappingTextBoxFlag xmlns:ma14="http://schemas.microsoft.com/office/mac/drawingml/2011/main" xmlns="" val="1"/>
+              <ma14:wrappingTextBoxFlag xmlns="" xmlns:ma14="http://schemas.microsoft.com/office/mac/drawingml/2011/main" val="1"/>
             </a:ext>
           </a:extLst>
         </p:spPr>
@@ -9201,7 +9153,7 @@
           </a:ln>
           <a:extLst>
             <a:ext uri="{C572A759-6A51-4108-AA02-DFA0A04FC94B}">
-              <ma14:wrappingTextBoxFlag xmlns:ma14="http://schemas.microsoft.com/office/mac/drawingml/2011/main" xmlns="" val="1"/>
+              <ma14:wrappingTextBoxFlag xmlns="" xmlns:ma14="http://schemas.microsoft.com/office/mac/drawingml/2011/main" val="1"/>
             </a:ext>
           </a:extLst>
         </p:spPr>
@@ -9274,7 +9226,7 @@
           </a:ln>
           <a:extLst>
             <a:ext uri="{C572A759-6A51-4108-AA02-DFA0A04FC94B}">
-              <ma14:wrappingTextBoxFlag xmlns:ma14="http://schemas.microsoft.com/office/mac/drawingml/2011/main" xmlns="" val="1"/>
+              <ma14:wrappingTextBoxFlag xmlns="" xmlns:ma14="http://schemas.microsoft.com/office/mac/drawingml/2011/main" val="1"/>
             </a:ext>
           </a:extLst>
         </p:spPr>
@@ -9347,7 +9299,7 @@
           </a:ln>
           <a:extLst>
             <a:ext uri="{C572A759-6A51-4108-AA02-DFA0A04FC94B}">
-              <ma14:wrappingTextBoxFlag xmlns:ma14="http://schemas.microsoft.com/office/mac/drawingml/2011/main" xmlns="" val="1"/>
+              <ma14:wrappingTextBoxFlag xmlns="" xmlns:ma14="http://schemas.microsoft.com/office/mac/drawingml/2011/main" val="1"/>
             </a:ext>
           </a:extLst>
         </p:spPr>
@@ -9417,7 +9369,7 @@
           </a:ln>
           <a:extLst>
             <a:ext uri="{C572A759-6A51-4108-AA02-DFA0A04FC94B}">
-              <ma14:wrappingTextBoxFlag xmlns:ma14="http://schemas.microsoft.com/office/mac/drawingml/2011/main" xmlns="" val="1"/>
+              <ma14:wrappingTextBoxFlag xmlns="" xmlns:ma14="http://schemas.microsoft.com/office/mac/drawingml/2011/main" val="1"/>
             </a:ext>
           </a:extLst>
         </p:spPr>
@@ -9478,7 +9430,7 @@
           </a:ln>
           <a:extLst>
             <a:ext uri="{C572A759-6A51-4108-AA02-DFA0A04FC94B}">
-              <ma14:wrappingTextBoxFlag xmlns:ma14="http://schemas.microsoft.com/office/mac/drawingml/2011/main" xmlns="" val="1"/>
+              <ma14:wrappingTextBoxFlag xmlns="" xmlns:ma14="http://schemas.microsoft.com/office/mac/drawingml/2011/main" val="1"/>
             </a:ext>
           </a:extLst>
         </p:spPr>
@@ -9539,7 +9491,7 @@
           </a:ln>
           <a:extLst>
             <a:ext uri="{C572A759-6A51-4108-AA02-DFA0A04FC94B}">
-              <ma14:wrappingTextBoxFlag xmlns:ma14="http://schemas.microsoft.com/office/mac/drawingml/2011/main" xmlns="" val="1"/>
+              <ma14:wrappingTextBoxFlag xmlns="" xmlns:ma14="http://schemas.microsoft.com/office/mac/drawingml/2011/main" val="1"/>
             </a:ext>
           </a:extLst>
         </p:spPr>
@@ -9600,7 +9552,7 @@
           </a:ln>
           <a:extLst>
             <a:ext uri="{C572A759-6A51-4108-AA02-DFA0A04FC94B}">
-              <ma14:wrappingTextBoxFlag xmlns:ma14="http://schemas.microsoft.com/office/mac/drawingml/2011/main" xmlns="" val="1"/>
+              <ma14:wrappingTextBoxFlag xmlns="" xmlns:ma14="http://schemas.microsoft.com/office/mac/drawingml/2011/main" val="1"/>
             </a:ext>
           </a:extLst>
         </p:spPr>
@@ -9661,7 +9613,7 @@
           </a:ln>
           <a:extLst>
             <a:ext uri="{C572A759-6A51-4108-AA02-DFA0A04FC94B}">
-              <ma14:wrappingTextBoxFlag xmlns:ma14="http://schemas.microsoft.com/office/mac/drawingml/2011/main" xmlns="" val="1"/>
+              <ma14:wrappingTextBoxFlag xmlns="" xmlns:ma14="http://schemas.microsoft.com/office/mac/drawingml/2011/main" val="1"/>
             </a:ext>
           </a:extLst>
         </p:spPr>
@@ -9711,7 +9663,7 @@
         </p:nvSpPr>
         <p:spPr>
           <a:xfrm>
-            <a:off x="1727908" y="2087832"/>
+            <a:off x="1800791" y="2116844"/>
             <a:ext cx="948169" cy="471924"/>
           </a:xfrm>
           <a:prstGeom prst="rect">
@@ -9722,7 +9674,7 @@
           </a:ln>
           <a:extLst>
             <a:ext uri="{C572A759-6A51-4108-AA02-DFA0A04FC94B}">
-              <ma14:wrappingTextBoxFlag xmlns:ma14="http://schemas.microsoft.com/office/mac/drawingml/2011/main" xmlns="" val="1"/>
+              <ma14:wrappingTextBoxFlag xmlns="" xmlns:ma14="http://schemas.microsoft.com/office/mac/drawingml/2011/main" val="1"/>
             </a:ext>
           </a:extLst>
         </p:spPr>
@@ -9783,7 +9735,7 @@
           </a:ln>
           <a:extLst>
             <a:ext uri="{C572A759-6A51-4108-AA02-DFA0A04FC94B}">
-              <ma14:wrappingTextBoxFlag xmlns:ma14="http://schemas.microsoft.com/office/mac/drawingml/2011/main" xmlns="" val="1"/>
+              <ma14:wrappingTextBoxFlag xmlns="" xmlns:ma14="http://schemas.microsoft.com/office/mac/drawingml/2011/main" val="1"/>
             </a:ext>
           </a:extLst>
         </p:spPr>
@@ -9880,7 +9832,7 @@
         </p:nvSpPr>
         <p:spPr>
           <a:xfrm>
-            <a:off x="9038507" y="5163467"/>
+            <a:off x="8963074" y="5143831"/>
             <a:ext cx="1315478" cy="471924"/>
           </a:xfrm>
           <a:prstGeom prst="rect">
@@ -9891,7 +9843,7 @@
           </a:ln>
           <a:extLst>
             <a:ext uri="{C572A759-6A51-4108-AA02-DFA0A04FC94B}">
-              <ma14:wrappingTextBoxFlag xmlns:ma14="http://schemas.microsoft.com/office/mac/drawingml/2011/main" xmlns="" val="1"/>
+              <ma14:wrappingTextBoxFlag xmlns="" xmlns:ma14="http://schemas.microsoft.com/office/mac/drawingml/2011/main" val="1"/>
             </a:ext>
           </a:extLst>
         </p:spPr>
@@ -9984,7 +9936,7 @@
         </p:nvSpPr>
         <p:spPr>
           <a:xfrm>
-            <a:off x="9081195" y="6570782"/>
+            <a:off x="9034133" y="6548013"/>
             <a:ext cx="879483" cy="471924"/>
           </a:xfrm>
           <a:prstGeom prst="rect">
@@ -9995,7 +9947,7 @@
           </a:ln>
           <a:extLst>
             <a:ext uri="{C572A759-6A51-4108-AA02-DFA0A04FC94B}">
-              <ma14:wrappingTextBoxFlag xmlns:ma14="http://schemas.microsoft.com/office/mac/drawingml/2011/main" xmlns="" val="1"/>
+              <ma14:wrappingTextBoxFlag xmlns="" xmlns:ma14="http://schemas.microsoft.com/office/mac/drawingml/2011/main" val="1"/>
             </a:ext>
           </a:extLst>
         </p:spPr>
@@ -10018,18 +9970,11 @@
               <a:defRPr sz="1800"/>
             </a:pPr>
             <a:r>
-              <a:rPr lang="en-US" sz="1200" dirty="0" err="1">
-                <a:latin typeface="Helvetica" panose="020B0604020202020204" pitchFamily="34" charset="0"/>
-                <a:cs typeface="Helvetica" panose="020B0604020202020204" pitchFamily="34" charset="0"/>
-              </a:rPr>
-              <a:t>Entterprise</a:t>
-            </a:r>
-            <a:r>
               <a:rPr lang="en-US" sz="1200" dirty="0">
                 <a:latin typeface="Helvetica" panose="020B0604020202020204" pitchFamily="34" charset="0"/>
                 <a:cs typeface="Helvetica" panose="020B0604020202020204" pitchFamily="34" charset="0"/>
               </a:rPr>
-              <a:t> Data</a:t>
+              <a:t>Enterprise Data</a:t>
             </a:r>
             <a:endParaRPr sz="1200" dirty="0">
               <a:latin typeface="Helvetica" panose="020B0604020202020204" pitchFamily="34" charset="0"/>
@@ -10052,7 +9997,7 @@
         </p:nvSpPr>
         <p:spPr>
           <a:xfrm>
-            <a:off x="9095570" y="3724294"/>
+            <a:off x="9034133" y="3714126"/>
             <a:ext cx="879483" cy="471924"/>
           </a:xfrm>
           <a:prstGeom prst="rect">
@@ -10063,7 +10008,7 @@
           </a:ln>
           <a:extLst>
             <a:ext uri="{C572A759-6A51-4108-AA02-DFA0A04FC94B}">
-              <ma14:wrappingTextBoxFlag xmlns:ma14="http://schemas.microsoft.com/office/mac/drawingml/2011/main" xmlns="" val="1"/>
+              <ma14:wrappingTextBoxFlag xmlns="" xmlns:ma14="http://schemas.microsoft.com/office/mac/drawingml/2011/main" val="1"/>
             </a:ext>
           </a:extLst>
         </p:spPr>
@@ -10113,7 +10058,7 @@
         </p:nvSpPr>
         <p:spPr>
           <a:xfrm>
-            <a:off x="9081195" y="2098969"/>
+            <a:off x="9032479" y="2091603"/>
             <a:ext cx="1025921" cy="656590"/>
           </a:xfrm>
           <a:prstGeom prst="rect">
@@ -10124,7 +10069,7 @@
           </a:ln>
           <a:extLst>
             <a:ext uri="{C572A759-6A51-4108-AA02-DFA0A04FC94B}">
-              <ma14:wrappingTextBoxFlag xmlns:ma14="http://schemas.microsoft.com/office/mac/drawingml/2011/main" xmlns="" val="1"/>
+              <ma14:wrappingTextBoxFlag xmlns="" xmlns:ma14="http://schemas.microsoft.com/office/mac/drawingml/2011/main" val="1"/>
             </a:ext>
           </a:extLst>
         </p:spPr>
@@ -10221,7 +10166,7 @@
         </p:nvGrpSpPr>
         <p:grpSpPr>
           <a:xfrm>
-            <a:off x="1880671" y="3491290"/>
+            <a:off x="1844302" y="3481400"/>
             <a:ext cx="457200" cy="457200"/>
             <a:chOff x="3558432" y="3338724"/>
             <a:chExt cx="704088" cy="704088"/>
@@ -10755,7 +10700,7 @@
           </a:ln>
           <a:extLst>
             <a:ext uri="{C572A759-6A51-4108-AA02-DFA0A04FC94B}">
-              <ma14:wrappingTextBoxFlag xmlns:ma14="http://schemas.microsoft.com/office/mac/drawingml/2011/main" xmlns="" val="1"/>
+              <ma14:wrappingTextBoxFlag xmlns="" xmlns:ma14="http://schemas.microsoft.com/office/mac/drawingml/2011/main" val="1"/>
             </a:ext>
           </a:extLst>
         </p:spPr>
@@ -11182,56 +11127,6 @@
           </p:spPr>
         </p:pic>
       </p:grpSp>
-      <p:cxnSp>
-        <p:nvCxnSpPr>
-          <p:cNvPr id="74" name="Elbow Connector 73">
-            <a:extLst>
-              <a:ext uri="{FF2B5EF4-FFF2-40B4-BE49-F238E27FC236}">
-                <a16:creationId xmlns:a16="http://schemas.microsoft.com/office/drawing/2014/main" id="{2294374C-A369-E44E-BF5F-37F023508EF7}"/>
-              </a:ext>
-            </a:extLst>
-          </p:cNvPr>
-          <p:cNvCxnSpPr>
-            <a:cxnSpLocks/>
-          </p:cNvCxnSpPr>
-          <p:nvPr/>
-        </p:nvCxnSpPr>
-        <p:spPr>
-          <a:xfrm rot="5400000" flipH="1" flipV="1">
-            <a:off x="8724750" y="4295099"/>
-            <a:ext cx="26328" cy="4160488"/>
-          </a:xfrm>
-          <a:prstGeom prst="bentConnector4">
-            <a:avLst>
-              <a:gd name="adj1" fmla="val -3323409"/>
-              <a:gd name="adj2" fmla="val 93647"/>
-            </a:avLst>
-          </a:prstGeom>
-          <a:noFill/>
-          <a:ln w="12700" cap="flat">
-            <a:solidFill>
-              <a:srgbClr val="000000"/>
-            </a:solidFill>
-            <a:prstDash val="solid"/>
-            <a:miter lim="400000"/>
-            <a:headEnd type="triangle" w="lg" len="med"/>
-            <a:tailEnd type="triangle" w="lg" len="med"/>
-          </a:ln>
-          <a:effectLst/>
-        </p:spPr>
-        <p:style>
-          <a:lnRef idx="0">
-            <a:scrgbClr r="0" g="0" b="0"/>
-          </a:lnRef>
-          <a:fillRef idx="0">
-            <a:scrgbClr r="0" g="0" b="0"/>
-          </a:fillRef>
-          <a:effectRef idx="0">
-            <a:scrgbClr r="0" g="0" b="0"/>
-          </a:effectRef>
-          <a:fontRef idx="none"/>
-        </p:style>
-      </p:cxnSp>
       <p:sp>
         <p:nvSpPr>
           <p:cNvPr id="362" name="Shape 535">
@@ -11257,7 +11152,7 @@
           </a:ln>
           <a:extLst>
             <a:ext uri="{C572A759-6A51-4108-AA02-DFA0A04FC94B}">
-              <ma14:wrappingTextBoxFlag xmlns:ma14="http://schemas.microsoft.com/office/mac/drawingml/2011/main" xmlns="" val="1"/>
+              <ma14:wrappingTextBoxFlag xmlns="" xmlns:ma14="http://schemas.microsoft.com/office/mac/drawingml/2011/main" val="1"/>
             </a:ext>
           </a:extLst>
         </p:spPr>
@@ -11318,7 +11213,7 @@
           </a:ln>
           <a:extLst>
             <a:ext uri="{C572A759-6A51-4108-AA02-DFA0A04FC94B}">
-              <ma14:wrappingTextBoxFlag xmlns:ma14="http://schemas.microsoft.com/office/mac/drawingml/2011/main" xmlns="" val="1"/>
+              <ma14:wrappingTextBoxFlag xmlns="" xmlns:ma14="http://schemas.microsoft.com/office/mac/drawingml/2011/main" val="1"/>
             </a:ext>
           </a:extLst>
         </p:spPr>
@@ -11660,8 +11555,8 @@
         </p:blipFill>
         <p:spPr>
           <a:xfrm rot="10800000">
-            <a:off x="2390607" y="3175830"/>
-            <a:ext cx="604881" cy="213261"/>
+            <a:off x="2450535" y="3223628"/>
+            <a:ext cx="538039" cy="189695"/>
           </a:xfrm>
           <a:prstGeom prst="rect">
             <a:avLst/>
@@ -11732,7 +11627,7 @@
         <p:spPr>
           <a:xfrm>
             <a:off x="639012" y="3716854"/>
-            <a:ext cx="1182193" cy="0"/>
+            <a:ext cx="1207992" cy="0"/>
           </a:xfrm>
           <a:prstGeom prst="straightConnector1">
             <a:avLst/>
@@ -11931,7 +11826,7 @@
           </a:ln>
           <a:extLst>
             <a:ext uri="{C572A759-6A51-4108-AA02-DFA0A04FC94B}">
-              <ma14:wrappingTextBoxFlag xmlns:ma14="http://schemas.microsoft.com/office/mac/drawingml/2011/main" xmlns="" val="1"/>
+              <ma14:wrappingTextBoxFlag xmlns="" xmlns:ma14="http://schemas.microsoft.com/office/mac/drawingml/2011/main" val="1"/>
             </a:ext>
           </a:extLst>
         </p:spPr>
@@ -12659,7 +12554,7 @@
         </p:nvCxnSpPr>
         <p:spPr>
           <a:xfrm flipV="1">
-            <a:off x="4407507" y="3561961"/>
+            <a:off x="4407080" y="3551093"/>
             <a:ext cx="1410594" cy="569624"/>
           </a:xfrm>
           <a:prstGeom prst="bentConnector3">
@@ -12905,7 +12800,7 @@
           </a:ln>
           <a:extLst>
             <a:ext uri="{C572A759-6A51-4108-AA02-DFA0A04FC94B}">
-              <ma14:wrappingTextBoxFlag xmlns:ma14="http://schemas.microsoft.com/office/mac/drawingml/2011/main" xmlns="" val="1"/>
+              <ma14:wrappingTextBoxFlag xmlns="" xmlns:ma14="http://schemas.microsoft.com/office/mac/drawingml/2011/main" val="1"/>
             </a:ext>
           </a:extLst>
         </p:spPr>
@@ -13099,7 +12994,7 @@
         </p:nvGrpSpPr>
         <p:grpSpPr>
           <a:xfrm>
-            <a:off x="9213788" y="129617"/>
+            <a:off x="9213788" y="79509"/>
             <a:ext cx="365760" cy="365760"/>
             <a:chOff x="5121119" y="4630609"/>
             <a:chExt cx="1133856" cy="1052958"/>
@@ -13238,7 +13133,7 @@
             </a:avLst>
           </a:prstGeom>
           <a:noFill/>
-          <a:ln w="6350">
+          <a:ln w="12700">
             <a:solidFill>
               <a:srgbClr val="4E77B6"/>
             </a:solidFill>
@@ -13347,7 +13242,7 @@
           </a:ln>
           <a:extLst>
             <a:ext uri="{C572A759-6A51-4108-AA02-DFA0A04FC94B}">
-              <ma14:wrappingTextBoxFlag xmlns:ma14="http://schemas.microsoft.com/office/mac/drawingml/2011/main" xmlns="" val="1"/>
+              <ma14:wrappingTextBoxFlag xmlns="" xmlns:ma14="http://schemas.microsoft.com/office/mac/drawingml/2011/main" val="1"/>
             </a:ext>
           </a:extLst>
         </p:spPr>
@@ -13630,7 +13525,7 @@
           </a:ln>
           <a:extLst>
             <a:ext uri="{C572A759-6A51-4108-AA02-DFA0A04FC94B}">
-              <ma14:wrappingTextBoxFlag xmlns:ma14="http://schemas.microsoft.com/office/mac/drawingml/2011/main" xmlns="" val="1"/>
+              <ma14:wrappingTextBoxFlag xmlns="" xmlns:ma14="http://schemas.microsoft.com/office/mac/drawingml/2011/main" val="1"/>
             </a:ext>
           </a:extLst>
         </p:spPr>
@@ -13835,7 +13730,7 @@
           </a:ln>
           <a:extLst>
             <a:ext uri="{C572A759-6A51-4108-AA02-DFA0A04FC94B}">
-              <ma14:wrappingTextBoxFlag xmlns:ma14="http://schemas.microsoft.com/office/mac/drawingml/2011/main" xmlns="" val="1"/>
+              <ma14:wrappingTextBoxFlag xmlns="" xmlns:ma14="http://schemas.microsoft.com/office/mac/drawingml/2011/main" val="1"/>
             </a:ext>
           </a:extLst>
         </p:spPr>
@@ -14038,7 +13933,7 @@
           </a:ln>
           <a:extLst>
             <a:ext uri="{C572A759-6A51-4108-AA02-DFA0A04FC94B}">
-              <ma14:wrappingTextBoxFlag xmlns:ma14="http://schemas.microsoft.com/office/mac/drawingml/2011/main" xmlns="" val="1"/>
+              <ma14:wrappingTextBoxFlag xmlns="" xmlns:ma14="http://schemas.microsoft.com/office/mac/drawingml/2011/main" val="1"/>
             </a:ext>
           </a:extLst>
         </p:spPr>
@@ -14241,7 +14136,7 @@
           </a:ln>
           <a:extLst>
             <a:ext uri="{C572A759-6A51-4108-AA02-DFA0A04FC94B}">
-              <ma14:wrappingTextBoxFlag xmlns:ma14="http://schemas.microsoft.com/office/mac/drawingml/2011/main" xmlns="" val="1"/>
+              <ma14:wrappingTextBoxFlag xmlns="" xmlns:ma14="http://schemas.microsoft.com/office/mac/drawingml/2011/main" val="1"/>
             </a:ext>
           </a:extLst>
         </p:spPr>
@@ -14441,7 +14336,7 @@
             </a:avLst>
           </a:prstGeom>
           <a:noFill/>
-          <a:ln w="19050">
+          <a:ln w="12700">
             <a:solidFill>
               <a:srgbClr val="00882B"/>
             </a:solidFill>
@@ -14658,7 +14553,7 @@
           </a:ln>
           <a:extLst>
             <a:ext uri="{C572A759-6A51-4108-AA02-DFA0A04FC94B}">
-              <ma14:wrappingTextBoxFlag xmlns:ma14="http://schemas.microsoft.com/office/mac/drawingml/2011/main" xmlns="" val="1"/>
+              <ma14:wrappingTextBoxFlag xmlns="" xmlns:ma14="http://schemas.microsoft.com/office/mac/drawingml/2011/main" val="1"/>
             </a:ext>
           </a:extLst>
         </p:spPr>
@@ -14694,6 +14589,104 @@
           </a:p>
         </p:txBody>
       </p:sp>
+      <p:cxnSp>
+        <p:nvCxnSpPr>
+          <p:cNvPr id="216" name="Straight Arrow Connector 110">
+            <a:extLst>
+              <a:ext uri="{FF2B5EF4-FFF2-40B4-BE49-F238E27FC236}">
+                <a16:creationId xmlns:a16="http://schemas.microsoft.com/office/drawing/2014/main" id="{FFDC5C58-40C8-AD4C-970B-0471CB991759}"/>
+              </a:ext>
+            </a:extLst>
+          </p:cNvPr>
+          <p:cNvCxnSpPr>
+            <a:cxnSpLocks/>
+          </p:cNvCxnSpPr>
+          <p:nvPr/>
+        </p:nvCxnSpPr>
+        <p:spPr>
+          <a:xfrm rot="10800000">
+            <a:off x="676139" y="2923624"/>
+            <a:ext cx="1784792" cy="395614"/>
+          </a:xfrm>
+          <a:prstGeom prst="bentConnector3">
+            <a:avLst>
+              <a:gd name="adj1" fmla="val 79886"/>
+            </a:avLst>
+          </a:prstGeom>
+          <a:noFill/>
+          <a:ln w="12700" cap="flat">
+            <a:solidFill>
+              <a:schemeClr val="tx1"/>
+            </a:solidFill>
+            <a:prstDash val="solid"/>
+            <a:miter lim="400000"/>
+            <a:headEnd type="triangle" w="lg" len="med"/>
+            <a:tailEnd type="triangle" w="lg" len="med"/>
+          </a:ln>
+          <a:effectLst/>
+        </p:spPr>
+        <p:style>
+          <a:lnRef idx="0">
+            <a:scrgbClr r="0" g="0" b="0"/>
+          </a:lnRef>
+          <a:fillRef idx="0">
+            <a:scrgbClr r="0" g="0" b="0"/>
+          </a:fillRef>
+          <a:effectRef idx="0">
+            <a:scrgbClr r="0" g="0" b="0"/>
+          </a:effectRef>
+          <a:fontRef idx="none"/>
+        </p:style>
+      </p:cxnSp>
+      <p:cxnSp>
+        <p:nvCxnSpPr>
+          <p:cNvPr id="250" name="Straight Arrow Connector 110">
+            <a:extLst>
+              <a:ext uri="{FF2B5EF4-FFF2-40B4-BE49-F238E27FC236}">
+                <a16:creationId xmlns:a16="http://schemas.microsoft.com/office/drawing/2014/main" id="{B5429536-52A1-DA49-9C18-37FDBAC37A41}"/>
+              </a:ext>
+            </a:extLst>
+          </p:cNvPr>
+          <p:cNvCxnSpPr>
+            <a:cxnSpLocks/>
+          </p:cNvCxnSpPr>
+          <p:nvPr/>
+        </p:nvCxnSpPr>
+        <p:spPr>
+          <a:xfrm rot="10800000" flipV="1">
+            <a:off x="678114" y="1995929"/>
+            <a:ext cx="3610928" cy="535224"/>
+          </a:xfrm>
+          <a:prstGeom prst="bentConnector3">
+            <a:avLst>
+              <a:gd name="adj1" fmla="val 90095"/>
+            </a:avLst>
+          </a:prstGeom>
+          <a:noFill/>
+          <a:ln w="12700" cap="flat">
+            <a:solidFill>
+              <a:schemeClr val="tx1"/>
+            </a:solidFill>
+            <a:prstDash val="solid"/>
+            <a:miter lim="400000"/>
+            <a:headEnd type="triangle" w="lg" len="med"/>
+            <a:tailEnd type="triangle" w="lg" len="med"/>
+          </a:ln>
+          <a:effectLst/>
+        </p:spPr>
+        <p:style>
+          <a:lnRef idx="0">
+            <a:scrgbClr r="0" g="0" b="0"/>
+          </a:lnRef>
+          <a:fillRef idx="0">
+            <a:scrgbClr r="0" g="0" b="0"/>
+          </a:fillRef>
+          <a:effectRef idx="0">
+            <a:scrgbClr r="0" g="0" b="0"/>
+          </a:effectRef>
+          <a:fontRef idx="none"/>
+        </p:style>
+      </p:cxnSp>
     </p:spTree>
     <p:extLst>
       <p:ext uri="{BB962C8B-B14F-4D97-AF65-F5344CB8AC3E}">
@@ -14780,7 +14773,7 @@
           </a:ln>
           <a:extLst>
             <a:ext uri="{C572A759-6A51-4108-AA02-DFA0A04FC94B}">
-              <ma14:wrappingTextBoxFlag xmlns="" xmlns:ma14="http://schemas.microsoft.com/office/mac/drawingml/2011/main" val="1"/>
+              <ma14:wrappingTextBoxFlag xmlns:ma14="http://schemas.microsoft.com/office/mac/drawingml/2011/main" xmlns="" val="1"/>
             </a:ext>
           </a:extLst>
         </p:spPr>
@@ -14828,7 +14821,7 @@
           </a:ln>
           <a:extLst>
             <a:ext uri="{C572A759-6A51-4108-AA02-DFA0A04FC94B}">
-              <ma14:wrappingTextBoxFlag xmlns="" xmlns:ma14="http://schemas.microsoft.com/office/mac/drawingml/2011/main" val="1"/>
+              <ma14:wrappingTextBoxFlag xmlns:ma14="http://schemas.microsoft.com/office/mac/drawingml/2011/main" xmlns="" val="1"/>
             </a:ext>
           </a:extLst>
         </p:spPr>
@@ -14983,7 +14976,7 @@
             <a:effectLst/>
             <a:extLst>
               <a:ext uri="{C572A759-6A51-4108-AA02-DFA0A04FC94B}">
-                <ma14:wrappingTextBoxFlag xmlns="" xmlns:ma14="http://schemas.microsoft.com/office/mac/drawingml/2011/main" val="1"/>
+                <ma14:wrappingTextBoxFlag xmlns:ma14="http://schemas.microsoft.com/office/mac/drawingml/2011/main" xmlns="" val="1"/>
               </a:ext>
             </a:extLst>
           </p:spPr>
@@ -15145,7 +15138,7 @@
             <a:effectLst/>
             <a:extLst>
               <a:ext uri="{C572A759-6A51-4108-AA02-DFA0A04FC94B}">
-                <ma14:wrappingTextBoxFlag xmlns="" xmlns:ma14="http://schemas.microsoft.com/office/mac/drawingml/2011/main" val="1"/>
+                <ma14:wrappingTextBoxFlag xmlns:ma14="http://schemas.microsoft.com/office/mac/drawingml/2011/main" xmlns="" val="1"/>
               </a:ext>
             </a:extLst>
           </p:spPr>
@@ -15307,7 +15300,7 @@
             <a:effectLst/>
             <a:extLst>
               <a:ext uri="{C572A759-6A51-4108-AA02-DFA0A04FC94B}">
-                <ma14:wrappingTextBoxFlag xmlns="" xmlns:ma14="http://schemas.microsoft.com/office/mac/drawingml/2011/main" val="1"/>
+                <ma14:wrappingTextBoxFlag xmlns:ma14="http://schemas.microsoft.com/office/mac/drawingml/2011/main" xmlns="" val="1"/>
               </a:ext>
             </a:extLst>
           </p:spPr>
@@ -15469,7 +15462,7 @@
             <a:effectLst/>
             <a:extLst>
               <a:ext uri="{C572A759-6A51-4108-AA02-DFA0A04FC94B}">
-                <ma14:wrappingTextBoxFlag xmlns="" xmlns:ma14="http://schemas.microsoft.com/office/mac/drawingml/2011/main" val="1"/>
+                <ma14:wrappingTextBoxFlag xmlns:ma14="http://schemas.microsoft.com/office/mac/drawingml/2011/main" xmlns="" val="1"/>
               </a:ext>
             </a:extLst>
           </p:spPr>
@@ -15631,7 +15624,7 @@
             <a:effectLst/>
             <a:extLst>
               <a:ext uri="{C572A759-6A51-4108-AA02-DFA0A04FC94B}">
-                <ma14:wrappingTextBoxFlag xmlns="" xmlns:ma14="http://schemas.microsoft.com/office/mac/drawingml/2011/main" val="1"/>
+                <ma14:wrappingTextBoxFlag xmlns:ma14="http://schemas.microsoft.com/office/mac/drawingml/2011/main" xmlns="" val="1"/>
               </a:ext>
             </a:extLst>
           </p:spPr>
@@ -15793,7 +15786,7 @@
             <a:effectLst/>
             <a:extLst>
               <a:ext uri="{C572A759-6A51-4108-AA02-DFA0A04FC94B}">
-                <ma14:wrappingTextBoxFlag xmlns="" xmlns:ma14="http://schemas.microsoft.com/office/mac/drawingml/2011/main" val="1"/>
+                <ma14:wrappingTextBoxFlag xmlns:ma14="http://schemas.microsoft.com/office/mac/drawingml/2011/main" xmlns="" val="1"/>
               </a:ext>
             </a:extLst>
           </p:spPr>
@@ -15955,7 +15948,7 @@
             <a:effectLst/>
             <a:extLst>
               <a:ext uri="{C572A759-6A51-4108-AA02-DFA0A04FC94B}">
-                <ma14:wrappingTextBoxFlag xmlns="" xmlns:ma14="http://schemas.microsoft.com/office/mac/drawingml/2011/main" val="1"/>
+                <ma14:wrappingTextBoxFlag xmlns:ma14="http://schemas.microsoft.com/office/mac/drawingml/2011/main" xmlns="" val="1"/>
               </a:ext>
             </a:extLst>
           </p:spPr>
@@ -16117,7 +16110,7 @@
             <a:effectLst/>
             <a:extLst>
               <a:ext uri="{C572A759-6A51-4108-AA02-DFA0A04FC94B}">
-                <ma14:wrappingTextBoxFlag xmlns="" xmlns:ma14="http://schemas.microsoft.com/office/mac/drawingml/2011/main" val="1"/>
+                <ma14:wrappingTextBoxFlag xmlns:ma14="http://schemas.microsoft.com/office/mac/drawingml/2011/main" xmlns="" val="1"/>
               </a:ext>
             </a:extLst>
           </p:spPr>
@@ -16279,7 +16272,7 @@
             <a:effectLst/>
             <a:extLst>
               <a:ext uri="{C572A759-6A51-4108-AA02-DFA0A04FC94B}">
-                <ma14:wrappingTextBoxFlag xmlns="" xmlns:ma14="http://schemas.microsoft.com/office/mac/drawingml/2011/main" val="1"/>
+                <ma14:wrappingTextBoxFlag xmlns:ma14="http://schemas.microsoft.com/office/mac/drawingml/2011/main" xmlns="" val="1"/>
               </a:ext>
             </a:extLst>
           </p:spPr>
@@ -16441,7 +16434,7 @@
             <a:effectLst/>
             <a:extLst>
               <a:ext uri="{C572A759-6A51-4108-AA02-DFA0A04FC94B}">
-                <ma14:wrappingTextBoxFlag xmlns="" xmlns:ma14="http://schemas.microsoft.com/office/mac/drawingml/2011/main" val="1"/>
+                <ma14:wrappingTextBoxFlag xmlns:ma14="http://schemas.microsoft.com/office/mac/drawingml/2011/main" xmlns="" val="1"/>
               </a:ext>
             </a:extLst>
           </p:spPr>
@@ -16603,7 +16596,7 @@
             <a:effectLst/>
             <a:extLst>
               <a:ext uri="{C572A759-6A51-4108-AA02-DFA0A04FC94B}">
-                <ma14:wrappingTextBoxFlag xmlns="" xmlns:ma14="http://schemas.microsoft.com/office/mac/drawingml/2011/main" val="1"/>
+                <ma14:wrappingTextBoxFlag xmlns:ma14="http://schemas.microsoft.com/office/mac/drawingml/2011/main" xmlns="" val="1"/>
               </a:ext>
             </a:extLst>
           </p:spPr>
@@ -16765,7 +16758,7 @@
             <a:effectLst/>
             <a:extLst>
               <a:ext uri="{C572A759-6A51-4108-AA02-DFA0A04FC94B}">
-                <ma14:wrappingTextBoxFlag xmlns="" xmlns:ma14="http://schemas.microsoft.com/office/mac/drawingml/2011/main" val="1"/>
+                <ma14:wrappingTextBoxFlag xmlns:ma14="http://schemas.microsoft.com/office/mac/drawingml/2011/main" xmlns="" val="1"/>
               </a:ext>
             </a:extLst>
           </p:spPr>
@@ -16927,7 +16920,7 @@
             <a:effectLst/>
             <a:extLst>
               <a:ext uri="{C572A759-6A51-4108-AA02-DFA0A04FC94B}">
-                <ma14:wrappingTextBoxFlag xmlns="" xmlns:ma14="http://schemas.microsoft.com/office/mac/drawingml/2011/main" val="1"/>
+                <ma14:wrappingTextBoxFlag xmlns:ma14="http://schemas.microsoft.com/office/mac/drawingml/2011/main" xmlns="" val="1"/>
               </a:ext>
             </a:extLst>
           </p:spPr>
@@ -17089,7 +17082,7 @@
             <a:effectLst/>
             <a:extLst>
               <a:ext uri="{C572A759-6A51-4108-AA02-DFA0A04FC94B}">
-                <ma14:wrappingTextBoxFlag xmlns="" xmlns:ma14="http://schemas.microsoft.com/office/mac/drawingml/2011/main" val="1"/>
+                <ma14:wrappingTextBoxFlag xmlns:ma14="http://schemas.microsoft.com/office/mac/drawingml/2011/main" xmlns="" val="1"/>
               </a:ext>
             </a:extLst>
           </p:spPr>
@@ -17251,7 +17244,7 @@
             <a:effectLst/>
             <a:extLst>
               <a:ext uri="{C572A759-6A51-4108-AA02-DFA0A04FC94B}">
-                <ma14:wrappingTextBoxFlag xmlns="" xmlns:ma14="http://schemas.microsoft.com/office/mac/drawingml/2011/main" val="1"/>
+                <ma14:wrappingTextBoxFlag xmlns:ma14="http://schemas.microsoft.com/office/mac/drawingml/2011/main" xmlns="" val="1"/>
               </a:ext>
             </a:extLst>
           </p:spPr>
@@ -17413,7 +17406,7 @@
             <a:effectLst/>
             <a:extLst>
               <a:ext uri="{C572A759-6A51-4108-AA02-DFA0A04FC94B}">
-                <ma14:wrappingTextBoxFlag xmlns="" xmlns:ma14="http://schemas.microsoft.com/office/mac/drawingml/2011/main" val="1"/>
+                <ma14:wrappingTextBoxFlag xmlns:ma14="http://schemas.microsoft.com/office/mac/drawingml/2011/main" xmlns="" val="1"/>
               </a:ext>
             </a:extLst>
           </p:spPr>
@@ -17575,7 +17568,7 @@
             <a:effectLst/>
             <a:extLst>
               <a:ext uri="{C572A759-6A51-4108-AA02-DFA0A04FC94B}">
-                <ma14:wrappingTextBoxFlag xmlns="" xmlns:ma14="http://schemas.microsoft.com/office/mac/drawingml/2011/main" val="1"/>
+                <ma14:wrappingTextBoxFlag xmlns:ma14="http://schemas.microsoft.com/office/mac/drawingml/2011/main" xmlns="" val="1"/>
               </a:ext>
             </a:extLst>
           </p:spPr>
@@ -17737,7 +17730,7 @@
             <a:effectLst/>
             <a:extLst>
               <a:ext uri="{C572A759-6A51-4108-AA02-DFA0A04FC94B}">
-                <ma14:wrappingTextBoxFlag xmlns="" xmlns:ma14="http://schemas.microsoft.com/office/mac/drawingml/2011/main" val="1"/>
+                <ma14:wrappingTextBoxFlag xmlns:ma14="http://schemas.microsoft.com/office/mac/drawingml/2011/main" xmlns="" val="1"/>
               </a:ext>
             </a:extLst>
           </p:spPr>
@@ -17899,7 +17892,7 @@
             <a:effectLst/>
             <a:extLst>
               <a:ext uri="{C572A759-6A51-4108-AA02-DFA0A04FC94B}">
-                <ma14:wrappingTextBoxFlag xmlns="" xmlns:ma14="http://schemas.microsoft.com/office/mac/drawingml/2011/main" val="1"/>
+                <ma14:wrappingTextBoxFlag xmlns:ma14="http://schemas.microsoft.com/office/mac/drawingml/2011/main" xmlns="" val="1"/>
               </a:ext>
             </a:extLst>
           </p:spPr>
@@ -18061,7 +18054,7 @@
             <a:effectLst/>
             <a:extLst>
               <a:ext uri="{C572A759-6A51-4108-AA02-DFA0A04FC94B}">
-                <ma14:wrappingTextBoxFlag xmlns="" xmlns:ma14="http://schemas.microsoft.com/office/mac/drawingml/2011/main" val="1"/>
+                <ma14:wrappingTextBoxFlag xmlns:ma14="http://schemas.microsoft.com/office/mac/drawingml/2011/main" xmlns="" val="1"/>
               </a:ext>
             </a:extLst>
           </p:spPr>
@@ -18183,7 +18176,7 @@
           </a:ln>
           <a:extLst>
             <a:ext uri="{C572A759-6A51-4108-AA02-DFA0A04FC94B}">
-              <ma14:wrappingTextBoxFlag xmlns="" xmlns:ma14="http://schemas.microsoft.com/office/mac/drawingml/2011/main" val="1"/>
+              <ma14:wrappingTextBoxFlag xmlns:ma14="http://schemas.microsoft.com/office/mac/drawingml/2011/main" xmlns="" val="1"/>
             </a:ext>
           </a:extLst>
         </p:spPr>
@@ -18231,7 +18224,7 @@
           </a:ln>
           <a:extLst>
             <a:ext uri="{C572A759-6A51-4108-AA02-DFA0A04FC94B}">
-              <ma14:wrappingTextBoxFlag xmlns="" xmlns:ma14="http://schemas.microsoft.com/office/mac/drawingml/2011/main" val="1"/>
+              <ma14:wrappingTextBoxFlag xmlns:ma14="http://schemas.microsoft.com/office/mac/drawingml/2011/main" xmlns="" val="1"/>
             </a:ext>
           </a:extLst>
         </p:spPr>
@@ -18566,7 +18559,7 @@
               <a:effectLst/>
               <a:extLst>
                 <a:ext uri="{C572A759-6A51-4108-AA02-DFA0A04FC94B}">
-                  <ma14:wrappingTextBoxFlag xmlns="" xmlns:ma14="http://schemas.microsoft.com/office/mac/drawingml/2011/main" val="1"/>
+                  <ma14:wrappingTextBoxFlag xmlns:ma14="http://schemas.microsoft.com/office/mac/drawingml/2011/main" xmlns="" val="1"/>
                 </a:ext>
               </a:extLst>
             </p:spPr>

--- a/powerpoint/templates/VirtualPrivateCloudEditablePPT.pptx
+++ b/powerpoint/templates/VirtualPrivateCloudEditablePPT.pptx
@@ -493,7 +493,34 @@
           <a:bodyPr/>
           <a:lstStyle/>
           <a:p>
-            <a:endParaRPr lang="en-US" dirty="0"/>
+            <a:pPr marL="285750" indent="-285750">
+              <a:buFont typeface="Arial" panose="020B0604020202020204" pitchFamily="34" charset="0"/>
+              <a:buChar char="•"/>
+            </a:pPr>
+            <a:r>
+              <a:rPr lang="en-US" dirty="0"/>
+              <a:t>Diagram shows VPC enabled for Classic Access.</a:t>
+            </a:r>
+          </a:p>
+          <a:p>
+            <a:pPr marL="285750" indent="-285750">
+              <a:buFont typeface="Arial" panose="020B0604020202020204" pitchFamily="34" charset="0"/>
+              <a:buChar char="•"/>
+            </a:pPr>
+            <a:r>
+              <a:rPr lang="en-US" dirty="0"/>
+              <a:t>Diagram shows primary interface for each VSI in the subnet and security group shown.</a:t>
+            </a:r>
+          </a:p>
+          <a:p>
+            <a:pPr marL="285750" indent="-285750">
+              <a:buFont typeface="Arial" panose="020B0604020202020204" pitchFamily="34" charset="0"/>
+              <a:buChar char="•"/>
+            </a:pPr>
+            <a:r>
+              <a:rPr lang="en-US" dirty="0"/>
+              <a:t>Each VSI has one or more interfaces in same or other subnet and each interface is in one or more security groups.</a:t>
+            </a:r>
           </a:p>
         </p:txBody>
       </p:sp>
@@ -791,7 +818,7 @@
           </a:ln>
           <a:extLst>
             <a:ext uri="{C572A759-6A51-4108-AA02-DFA0A04FC94B}">
-              <ma14:wrappingTextBoxFlag xmlns:ma14="http://schemas.microsoft.com/office/mac/drawingml/2011/main" xmlns="" val="1"/>
+              <ma14:wrappingTextBoxFlag xmlns="" xmlns:ma14="http://schemas.microsoft.com/office/mac/drawingml/2011/main" val="1"/>
             </a:ext>
           </a:extLst>
         </p:spPr>
@@ -844,7 +871,7 @@
           </a:ln>
           <a:extLst>
             <a:ext uri="{C572A759-6A51-4108-AA02-DFA0A04FC94B}">
-              <ma14:wrappingTextBoxFlag xmlns:ma14="http://schemas.microsoft.com/office/mac/drawingml/2011/main" xmlns="" val="1"/>
+              <ma14:wrappingTextBoxFlag xmlns="" xmlns:ma14="http://schemas.microsoft.com/office/mac/drawingml/2011/main" val="1"/>
             </a:ext>
           </a:extLst>
         </p:spPr>
@@ -892,7 +919,7 @@
           </a:ln>
           <a:extLst>
             <a:ext uri="{C572A759-6A51-4108-AA02-DFA0A04FC94B}">
-              <ma14:wrappingTextBoxFlag xmlns:ma14="http://schemas.microsoft.com/office/mac/drawingml/2011/main" xmlns="" val="1"/>
+              <ma14:wrappingTextBoxFlag xmlns="" xmlns:ma14="http://schemas.microsoft.com/office/mac/drawingml/2011/main" val="1"/>
             </a:ext>
           </a:extLst>
         </p:spPr>
@@ -980,7 +1007,7 @@
           </a:ln>
           <a:extLst>
             <a:ext uri="{C572A759-6A51-4108-AA02-DFA0A04FC94B}">
-              <ma14:wrappingTextBoxFlag xmlns:ma14="http://schemas.microsoft.com/office/mac/drawingml/2011/main" xmlns="" val="1"/>
+              <ma14:wrappingTextBoxFlag xmlns="" xmlns:ma14="http://schemas.microsoft.com/office/mac/drawingml/2011/main" val="1"/>
             </a:ext>
           </a:extLst>
         </p:spPr>
@@ -1033,7 +1060,7 @@
           </a:ln>
           <a:extLst>
             <a:ext uri="{C572A759-6A51-4108-AA02-DFA0A04FC94B}">
-              <ma14:wrappingTextBoxFlag xmlns:ma14="http://schemas.microsoft.com/office/mac/drawingml/2011/main" xmlns="" val="1"/>
+              <ma14:wrappingTextBoxFlag xmlns="" xmlns:ma14="http://schemas.microsoft.com/office/mac/drawingml/2011/main" val="1"/>
             </a:ext>
           </a:extLst>
         </p:spPr>
@@ -1081,7 +1108,7 @@
           </a:ln>
           <a:extLst>
             <a:ext uri="{C572A759-6A51-4108-AA02-DFA0A04FC94B}">
-              <ma14:wrappingTextBoxFlag xmlns:ma14="http://schemas.microsoft.com/office/mac/drawingml/2011/main" xmlns="" val="1"/>
+              <ma14:wrappingTextBoxFlag xmlns="" xmlns:ma14="http://schemas.microsoft.com/office/mac/drawingml/2011/main" val="1"/>
             </a:ext>
           </a:extLst>
         </p:spPr>
@@ -1245,7 +1272,7 @@
           </a:ln>
           <a:extLst>
             <a:ext uri="{C572A759-6A51-4108-AA02-DFA0A04FC94B}">
-              <ma14:wrappingTextBoxFlag xmlns:ma14="http://schemas.microsoft.com/office/mac/drawingml/2011/main" xmlns="" val="1"/>
+              <ma14:wrappingTextBoxFlag xmlns="" xmlns:ma14="http://schemas.microsoft.com/office/mac/drawingml/2011/main" val="1"/>
             </a:ext>
           </a:extLst>
         </p:spPr>
@@ -1298,7 +1325,7 @@
           </a:ln>
           <a:extLst>
             <a:ext uri="{C572A759-6A51-4108-AA02-DFA0A04FC94B}">
-              <ma14:wrappingTextBoxFlag xmlns:ma14="http://schemas.microsoft.com/office/mac/drawingml/2011/main" xmlns="" val="1"/>
+              <ma14:wrappingTextBoxFlag xmlns="" xmlns:ma14="http://schemas.microsoft.com/office/mac/drawingml/2011/main" val="1"/>
             </a:ext>
           </a:extLst>
         </p:spPr>
@@ -1346,7 +1373,7 @@
           </a:ln>
           <a:extLst>
             <a:ext uri="{C572A759-6A51-4108-AA02-DFA0A04FC94B}">
-              <ma14:wrappingTextBoxFlag xmlns:ma14="http://schemas.microsoft.com/office/mac/drawingml/2011/main" xmlns="" val="1"/>
+              <ma14:wrappingTextBoxFlag xmlns="" xmlns:ma14="http://schemas.microsoft.com/office/mac/drawingml/2011/main" val="1"/>
             </a:ext>
           </a:extLst>
         </p:spPr>
@@ -1536,7 +1563,7 @@
           </a:ln>
           <a:extLst>
             <a:ext uri="{C572A759-6A51-4108-AA02-DFA0A04FC94B}">
-              <ma14:wrappingTextBoxFlag xmlns:ma14="http://schemas.microsoft.com/office/mac/drawingml/2011/main" xmlns="" val="1"/>
+              <ma14:wrappingTextBoxFlag xmlns="" xmlns:ma14="http://schemas.microsoft.com/office/mac/drawingml/2011/main" val="1"/>
             </a:ext>
           </a:extLst>
         </p:spPr>
@@ -1674,7 +1701,7 @@
           </a:ln>
           <a:extLst>
             <a:ext uri="{C572A759-6A51-4108-AA02-DFA0A04FC94B}">
-              <ma14:wrappingTextBoxFlag xmlns:ma14="http://schemas.microsoft.com/office/mac/drawingml/2011/main" xmlns="" val="1"/>
+              <ma14:wrappingTextBoxFlag xmlns="" xmlns:ma14="http://schemas.microsoft.com/office/mac/drawingml/2011/main" val="1"/>
             </a:ext>
           </a:extLst>
         </p:spPr>
@@ -1727,7 +1754,7 @@
           </a:ln>
           <a:extLst>
             <a:ext uri="{C572A759-6A51-4108-AA02-DFA0A04FC94B}">
-              <ma14:wrappingTextBoxFlag xmlns:ma14="http://schemas.microsoft.com/office/mac/drawingml/2011/main" xmlns="" val="1"/>
+              <ma14:wrappingTextBoxFlag xmlns="" xmlns:ma14="http://schemas.microsoft.com/office/mac/drawingml/2011/main" val="1"/>
             </a:ext>
           </a:extLst>
         </p:spPr>
@@ -1801,7 +1828,7 @@
           </a:ln>
           <a:extLst>
             <a:ext uri="{C572A759-6A51-4108-AA02-DFA0A04FC94B}">
-              <ma14:wrappingTextBoxFlag xmlns:ma14="http://schemas.microsoft.com/office/mac/drawingml/2011/main" xmlns="" val="1"/>
+              <ma14:wrappingTextBoxFlag xmlns="" xmlns:ma14="http://schemas.microsoft.com/office/mac/drawingml/2011/main" val="1"/>
             </a:ext>
           </a:extLst>
         </p:spPr>
@@ -2770,7 +2797,7 @@
           </a:ln>
           <a:extLst>
             <a:ext uri="{C572A759-6A51-4108-AA02-DFA0A04FC94B}">
-              <ma14:wrappingTextBoxFlag xmlns:ma14="http://schemas.microsoft.com/office/mac/drawingml/2011/main" xmlns="" val="1"/>
+              <ma14:wrappingTextBoxFlag xmlns="" xmlns:ma14="http://schemas.microsoft.com/office/mac/drawingml/2011/main" val="1"/>
             </a:ext>
           </a:extLst>
         </p:spPr>
@@ -2813,7 +2840,7 @@
           </a:ln>
           <a:extLst>
             <a:ext uri="{C572A759-6A51-4108-AA02-DFA0A04FC94B}">
-              <ma14:wrappingTextBoxFlag xmlns:ma14="http://schemas.microsoft.com/office/mac/drawingml/2011/main" xmlns="" val="1"/>
+              <ma14:wrappingTextBoxFlag xmlns="" xmlns:ma14="http://schemas.microsoft.com/office/mac/drawingml/2011/main" val="1"/>
             </a:ext>
           </a:extLst>
         </p:spPr>
@@ -3261,7 +3288,7 @@
           </a:ln>
           <a:extLst>
             <a:ext uri="{C572A759-6A51-4108-AA02-DFA0A04FC94B}">
-              <ma14:wrappingTextBoxFlag xmlns:ma14="http://schemas.microsoft.com/office/mac/drawingml/2011/main" xmlns="" val="1"/>
+              <ma14:wrappingTextBoxFlag xmlns="" xmlns:ma14="http://schemas.microsoft.com/office/mac/drawingml/2011/main" val="1"/>
             </a:ext>
           </a:extLst>
         </p:spPr>
@@ -3310,7 +3337,7 @@
           </a:ln>
           <a:extLst>
             <a:ext uri="{C572A759-6A51-4108-AA02-DFA0A04FC94B}">
-              <ma14:wrappingTextBoxFlag xmlns:ma14="http://schemas.microsoft.com/office/mac/drawingml/2011/main" xmlns="" val="1"/>
+              <ma14:wrappingTextBoxFlag xmlns="" xmlns:ma14="http://schemas.microsoft.com/office/mac/drawingml/2011/main" val="1"/>
             </a:ext>
           </a:extLst>
         </p:spPr>
@@ -4964,7 +4991,7 @@
             </a:ln>
             <a:extLst>
               <a:ext uri="{C572A759-6A51-4108-AA02-DFA0A04FC94B}">
-                <ma14:wrappingTextBoxFlag xmlns="" xmlns:ma14="http://schemas.microsoft.com/office/mac/drawingml/2011/main" val="1"/>
+                <ma14:wrappingTextBoxFlag xmlns:ma14="http://schemas.microsoft.com/office/mac/drawingml/2011/main" xmlns="" val="1"/>
               </a:ext>
             </a:extLst>
           </p:spPr>
@@ -5051,7 +5078,7 @@
             </a:ln>
             <a:extLst>
               <a:ext uri="{C572A759-6A51-4108-AA02-DFA0A04FC94B}">
-                <ma14:wrappingTextBoxFlag xmlns="" xmlns:ma14="http://schemas.microsoft.com/office/mac/drawingml/2011/main" val="1"/>
+                <ma14:wrappingTextBoxFlag xmlns:ma14="http://schemas.microsoft.com/office/mac/drawingml/2011/main" xmlns="" val="1"/>
               </a:ext>
             </a:extLst>
           </p:spPr>
@@ -5836,7 +5863,7 @@
             </a:ln>
             <a:extLst>
               <a:ext uri="{C572A759-6A51-4108-AA02-DFA0A04FC94B}">
-                <ma14:wrappingTextBoxFlag xmlns="" xmlns:ma14="http://schemas.microsoft.com/office/mac/drawingml/2011/main" val="1"/>
+                <ma14:wrappingTextBoxFlag xmlns:ma14="http://schemas.microsoft.com/office/mac/drawingml/2011/main" xmlns="" val="1"/>
               </a:ext>
             </a:extLst>
           </p:spPr>
@@ -6126,7 +6153,7 @@
             </a:ln>
             <a:extLst>
               <a:ext uri="{C572A759-6A51-4108-AA02-DFA0A04FC94B}">
-                <ma14:wrappingTextBoxFlag xmlns="" xmlns:ma14="http://schemas.microsoft.com/office/mac/drawingml/2011/main" val="1"/>
+                <ma14:wrappingTextBoxFlag xmlns:ma14="http://schemas.microsoft.com/office/mac/drawingml/2011/main" xmlns="" val="1"/>
               </a:ext>
             </a:extLst>
           </p:spPr>
@@ -6577,7 +6604,7 @@
           </a:ln>
           <a:extLst>
             <a:ext uri="{C572A759-6A51-4108-AA02-DFA0A04FC94B}">
-              <ma14:wrappingTextBoxFlag xmlns="" xmlns:ma14="http://schemas.microsoft.com/office/mac/drawingml/2011/main" val="1"/>
+              <ma14:wrappingTextBoxFlag xmlns:ma14="http://schemas.microsoft.com/office/mac/drawingml/2011/main" xmlns="" val="1"/>
             </a:ext>
           </a:extLst>
         </p:spPr>
@@ -6638,7 +6665,7 @@
           </a:ln>
           <a:extLst>
             <a:ext uri="{C572A759-6A51-4108-AA02-DFA0A04FC94B}">
-              <ma14:wrappingTextBoxFlag xmlns="" xmlns:ma14="http://schemas.microsoft.com/office/mac/drawingml/2011/main" val="1"/>
+              <ma14:wrappingTextBoxFlag xmlns:ma14="http://schemas.microsoft.com/office/mac/drawingml/2011/main" xmlns="" val="1"/>
             </a:ext>
           </a:extLst>
         </p:spPr>
@@ -6699,7 +6726,7 @@
           </a:ln>
           <a:extLst>
             <a:ext uri="{C572A759-6A51-4108-AA02-DFA0A04FC94B}">
-              <ma14:wrappingTextBoxFlag xmlns="" xmlns:ma14="http://schemas.microsoft.com/office/mac/drawingml/2011/main" val="1"/>
+              <ma14:wrappingTextBoxFlag xmlns:ma14="http://schemas.microsoft.com/office/mac/drawingml/2011/main" xmlns="" val="1"/>
             </a:ext>
           </a:extLst>
         </p:spPr>
@@ -6838,7 +6865,7 @@
           </a:ln>
           <a:extLst>
             <a:ext uri="{C572A759-6A51-4108-AA02-DFA0A04FC94B}">
-              <ma14:wrappingTextBoxFlag xmlns="" xmlns:ma14="http://schemas.microsoft.com/office/mac/drawingml/2011/main" val="1"/>
+              <ma14:wrappingTextBoxFlag xmlns:ma14="http://schemas.microsoft.com/office/mac/drawingml/2011/main" xmlns="" val="1"/>
             </a:ext>
           </a:extLst>
         </p:spPr>
@@ -7114,7 +7141,7 @@
           </a:ln>
           <a:extLst>
             <a:ext uri="{C572A759-6A51-4108-AA02-DFA0A04FC94B}">
-              <ma14:wrappingTextBoxFlag xmlns="" xmlns:ma14="http://schemas.microsoft.com/office/mac/drawingml/2011/main" val="1"/>
+              <ma14:wrappingTextBoxFlag xmlns:ma14="http://schemas.microsoft.com/office/mac/drawingml/2011/main" xmlns="" val="1"/>
             </a:ext>
           </a:extLst>
         </p:spPr>
@@ -8130,7 +8157,7 @@
           </a:ln>
           <a:extLst>
             <a:ext uri="{C572A759-6A51-4108-AA02-DFA0A04FC94B}">
-              <ma14:wrappingTextBoxFlag xmlns="" xmlns:ma14="http://schemas.microsoft.com/office/mac/drawingml/2011/main" val="1"/>
+              <ma14:wrappingTextBoxFlag xmlns:ma14="http://schemas.microsoft.com/office/mac/drawingml/2011/main" xmlns="" val="1"/>
             </a:ext>
           </a:extLst>
         </p:spPr>
@@ -8191,7 +8218,7 @@
           </a:ln>
           <a:extLst>
             <a:ext uri="{C572A759-6A51-4108-AA02-DFA0A04FC94B}">
-              <ma14:wrappingTextBoxFlag xmlns="" xmlns:ma14="http://schemas.microsoft.com/office/mac/drawingml/2011/main" val="1"/>
+              <ma14:wrappingTextBoxFlag xmlns:ma14="http://schemas.microsoft.com/office/mac/drawingml/2011/main" xmlns="" val="1"/>
             </a:ext>
           </a:extLst>
         </p:spPr>
@@ -8264,7 +8291,7 @@
           </a:ln>
           <a:extLst>
             <a:ext uri="{C572A759-6A51-4108-AA02-DFA0A04FC94B}">
-              <ma14:wrappingTextBoxFlag xmlns="" xmlns:ma14="http://schemas.microsoft.com/office/mac/drawingml/2011/main" val="1"/>
+              <ma14:wrappingTextBoxFlag xmlns:ma14="http://schemas.microsoft.com/office/mac/drawingml/2011/main" xmlns="" val="1"/>
             </a:ext>
           </a:extLst>
         </p:spPr>
@@ -8337,7 +8364,7 @@
           </a:ln>
           <a:extLst>
             <a:ext uri="{C572A759-6A51-4108-AA02-DFA0A04FC94B}">
-              <ma14:wrappingTextBoxFlag xmlns="" xmlns:ma14="http://schemas.microsoft.com/office/mac/drawingml/2011/main" val="1"/>
+              <ma14:wrappingTextBoxFlag xmlns:ma14="http://schemas.microsoft.com/office/mac/drawingml/2011/main" xmlns="" val="1"/>
             </a:ext>
           </a:extLst>
         </p:spPr>
@@ -8410,7 +8437,7 @@
           </a:ln>
           <a:extLst>
             <a:ext uri="{C572A759-6A51-4108-AA02-DFA0A04FC94B}">
-              <ma14:wrappingTextBoxFlag xmlns="" xmlns:ma14="http://schemas.microsoft.com/office/mac/drawingml/2011/main" val="1"/>
+              <ma14:wrappingTextBoxFlag xmlns:ma14="http://schemas.microsoft.com/office/mac/drawingml/2011/main" xmlns="" val="1"/>
             </a:ext>
           </a:extLst>
         </p:spPr>
@@ -8483,7 +8510,7 @@
           </a:ln>
           <a:extLst>
             <a:ext uri="{C572A759-6A51-4108-AA02-DFA0A04FC94B}">
-              <ma14:wrappingTextBoxFlag xmlns="" xmlns:ma14="http://schemas.microsoft.com/office/mac/drawingml/2011/main" val="1"/>
+              <ma14:wrappingTextBoxFlag xmlns:ma14="http://schemas.microsoft.com/office/mac/drawingml/2011/main" xmlns="" val="1"/>
             </a:ext>
           </a:extLst>
         </p:spPr>
@@ -8544,7 +8571,7 @@
           </a:ln>
           <a:extLst>
             <a:ext uri="{C572A759-6A51-4108-AA02-DFA0A04FC94B}">
-              <ma14:wrappingTextBoxFlag xmlns="" xmlns:ma14="http://schemas.microsoft.com/office/mac/drawingml/2011/main" val="1"/>
+              <ma14:wrappingTextBoxFlag xmlns:ma14="http://schemas.microsoft.com/office/mac/drawingml/2011/main" xmlns="" val="1"/>
             </a:ext>
           </a:extLst>
         </p:spPr>
@@ -8605,7 +8632,7 @@
           </a:ln>
           <a:extLst>
             <a:ext uri="{C572A759-6A51-4108-AA02-DFA0A04FC94B}">
-              <ma14:wrappingTextBoxFlag xmlns="" xmlns:ma14="http://schemas.microsoft.com/office/mac/drawingml/2011/main" val="1"/>
+              <ma14:wrappingTextBoxFlag xmlns:ma14="http://schemas.microsoft.com/office/mac/drawingml/2011/main" xmlns="" val="1"/>
             </a:ext>
           </a:extLst>
         </p:spPr>
@@ -8666,7 +8693,7 @@
           </a:ln>
           <a:extLst>
             <a:ext uri="{C572A759-6A51-4108-AA02-DFA0A04FC94B}">
-              <ma14:wrappingTextBoxFlag xmlns="" xmlns:ma14="http://schemas.microsoft.com/office/mac/drawingml/2011/main" val="1"/>
+              <ma14:wrappingTextBoxFlag xmlns:ma14="http://schemas.microsoft.com/office/mac/drawingml/2011/main" xmlns="" val="1"/>
             </a:ext>
           </a:extLst>
         </p:spPr>
@@ -9153,7 +9180,7 @@
           </a:ln>
           <a:extLst>
             <a:ext uri="{C572A759-6A51-4108-AA02-DFA0A04FC94B}">
-              <ma14:wrappingTextBoxFlag xmlns="" xmlns:ma14="http://schemas.microsoft.com/office/mac/drawingml/2011/main" val="1"/>
+              <ma14:wrappingTextBoxFlag xmlns:ma14="http://schemas.microsoft.com/office/mac/drawingml/2011/main" xmlns="" val="1"/>
             </a:ext>
           </a:extLst>
         </p:spPr>
@@ -9226,7 +9253,7 @@
           </a:ln>
           <a:extLst>
             <a:ext uri="{C572A759-6A51-4108-AA02-DFA0A04FC94B}">
-              <ma14:wrappingTextBoxFlag xmlns="" xmlns:ma14="http://schemas.microsoft.com/office/mac/drawingml/2011/main" val="1"/>
+              <ma14:wrappingTextBoxFlag xmlns:ma14="http://schemas.microsoft.com/office/mac/drawingml/2011/main" xmlns="" val="1"/>
             </a:ext>
           </a:extLst>
         </p:spPr>
@@ -9299,7 +9326,7 @@
           </a:ln>
           <a:extLst>
             <a:ext uri="{C572A759-6A51-4108-AA02-DFA0A04FC94B}">
-              <ma14:wrappingTextBoxFlag xmlns="" xmlns:ma14="http://schemas.microsoft.com/office/mac/drawingml/2011/main" val="1"/>
+              <ma14:wrappingTextBoxFlag xmlns:ma14="http://schemas.microsoft.com/office/mac/drawingml/2011/main" xmlns="" val="1"/>
             </a:ext>
           </a:extLst>
         </p:spPr>
@@ -9369,7 +9396,7 @@
           </a:ln>
           <a:extLst>
             <a:ext uri="{C572A759-6A51-4108-AA02-DFA0A04FC94B}">
-              <ma14:wrappingTextBoxFlag xmlns="" xmlns:ma14="http://schemas.microsoft.com/office/mac/drawingml/2011/main" val="1"/>
+              <ma14:wrappingTextBoxFlag xmlns:ma14="http://schemas.microsoft.com/office/mac/drawingml/2011/main" xmlns="" val="1"/>
             </a:ext>
           </a:extLst>
         </p:spPr>
@@ -9430,7 +9457,7 @@
           </a:ln>
           <a:extLst>
             <a:ext uri="{C572A759-6A51-4108-AA02-DFA0A04FC94B}">
-              <ma14:wrappingTextBoxFlag xmlns="" xmlns:ma14="http://schemas.microsoft.com/office/mac/drawingml/2011/main" val="1"/>
+              <ma14:wrappingTextBoxFlag xmlns:ma14="http://schemas.microsoft.com/office/mac/drawingml/2011/main" xmlns="" val="1"/>
             </a:ext>
           </a:extLst>
         </p:spPr>
@@ -9491,7 +9518,7 @@
           </a:ln>
           <a:extLst>
             <a:ext uri="{C572A759-6A51-4108-AA02-DFA0A04FC94B}">
-              <ma14:wrappingTextBoxFlag xmlns="" xmlns:ma14="http://schemas.microsoft.com/office/mac/drawingml/2011/main" val="1"/>
+              <ma14:wrappingTextBoxFlag xmlns:ma14="http://schemas.microsoft.com/office/mac/drawingml/2011/main" xmlns="" val="1"/>
             </a:ext>
           </a:extLst>
         </p:spPr>
@@ -9552,7 +9579,7 @@
           </a:ln>
           <a:extLst>
             <a:ext uri="{C572A759-6A51-4108-AA02-DFA0A04FC94B}">
-              <ma14:wrappingTextBoxFlag xmlns="" xmlns:ma14="http://schemas.microsoft.com/office/mac/drawingml/2011/main" val="1"/>
+              <ma14:wrappingTextBoxFlag xmlns:ma14="http://schemas.microsoft.com/office/mac/drawingml/2011/main" xmlns="" val="1"/>
             </a:ext>
           </a:extLst>
         </p:spPr>
@@ -9613,7 +9640,7 @@
           </a:ln>
           <a:extLst>
             <a:ext uri="{C572A759-6A51-4108-AA02-DFA0A04FC94B}">
-              <ma14:wrappingTextBoxFlag xmlns="" xmlns:ma14="http://schemas.microsoft.com/office/mac/drawingml/2011/main" val="1"/>
+              <ma14:wrappingTextBoxFlag xmlns:ma14="http://schemas.microsoft.com/office/mac/drawingml/2011/main" xmlns="" val="1"/>
             </a:ext>
           </a:extLst>
         </p:spPr>
@@ -9674,7 +9701,7 @@
           </a:ln>
           <a:extLst>
             <a:ext uri="{C572A759-6A51-4108-AA02-DFA0A04FC94B}">
-              <ma14:wrappingTextBoxFlag xmlns="" xmlns:ma14="http://schemas.microsoft.com/office/mac/drawingml/2011/main" val="1"/>
+              <ma14:wrappingTextBoxFlag xmlns:ma14="http://schemas.microsoft.com/office/mac/drawingml/2011/main" xmlns="" val="1"/>
             </a:ext>
           </a:extLst>
         </p:spPr>
@@ -9735,7 +9762,7 @@
           </a:ln>
           <a:extLst>
             <a:ext uri="{C572A759-6A51-4108-AA02-DFA0A04FC94B}">
-              <ma14:wrappingTextBoxFlag xmlns="" xmlns:ma14="http://schemas.microsoft.com/office/mac/drawingml/2011/main" val="1"/>
+              <ma14:wrappingTextBoxFlag xmlns:ma14="http://schemas.microsoft.com/office/mac/drawingml/2011/main" xmlns="" val="1"/>
             </a:ext>
           </a:extLst>
         </p:spPr>
@@ -9843,7 +9870,7 @@
           </a:ln>
           <a:extLst>
             <a:ext uri="{C572A759-6A51-4108-AA02-DFA0A04FC94B}">
-              <ma14:wrappingTextBoxFlag xmlns="" xmlns:ma14="http://schemas.microsoft.com/office/mac/drawingml/2011/main" val="1"/>
+              <ma14:wrappingTextBoxFlag xmlns:ma14="http://schemas.microsoft.com/office/mac/drawingml/2011/main" xmlns="" val="1"/>
             </a:ext>
           </a:extLst>
         </p:spPr>
@@ -9947,7 +9974,7 @@
           </a:ln>
           <a:extLst>
             <a:ext uri="{C572A759-6A51-4108-AA02-DFA0A04FC94B}">
-              <ma14:wrappingTextBoxFlag xmlns="" xmlns:ma14="http://schemas.microsoft.com/office/mac/drawingml/2011/main" val="1"/>
+              <ma14:wrappingTextBoxFlag xmlns:ma14="http://schemas.microsoft.com/office/mac/drawingml/2011/main" xmlns="" val="1"/>
             </a:ext>
           </a:extLst>
         </p:spPr>
@@ -10008,7 +10035,7 @@
           </a:ln>
           <a:extLst>
             <a:ext uri="{C572A759-6A51-4108-AA02-DFA0A04FC94B}">
-              <ma14:wrappingTextBoxFlag xmlns="" xmlns:ma14="http://schemas.microsoft.com/office/mac/drawingml/2011/main" val="1"/>
+              <ma14:wrappingTextBoxFlag xmlns:ma14="http://schemas.microsoft.com/office/mac/drawingml/2011/main" xmlns="" val="1"/>
             </a:ext>
           </a:extLst>
         </p:spPr>
@@ -10069,7 +10096,7 @@
           </a:ln>
           <a:extLst>
             <a:ext uri="{C572A759-6A51-4108-AA02-DFA0A04FC94B}">
-              <ma14:wrappingTextBoxFlag xmlns="" xmlns:ma14="http://schemas.microsoft.com/office/mac/drawingml/2011/main" val="1"/>
+              <ma14:wrappingTextBoxFlag xmlns:ma14="http://schemas.microsoft.com/office/mac/drawingml/2011/main" xmlns="" val="1"/>
             </a:ext>
           </a:extLst>
         </p:spPr>
@@ -10700,7 +10727,7 @@
           </a:ln>
           <a:extLst>
             <a:ext uri="{C572A759-6A51-4108-AA02-DFA0A04FC94B}">
-              <ma14:wrappingTextBoxFlag xmlns="" xmlns:ma14="http://schemas.microsoft.com/office/mac/drawingml/2011/main" val="1"/>
+              <ma14:wrappingTextBoxFlag xmlns:ma14="http://schemas.microsoft.com/office/mac/drawingml/2011/main" xmlns="" val="1"/>
             </a:ext>
           </a:extLst>
         </p:spPr>
@@ -11152,7 +11179,7 @@
           </a:ln>
           <a:extLst>
             <a:ext uri="{C572A759-6A51-4108-AA02-DFA0A04FC94B}">
-              <ma14:wrappingTextBoxFlag xmlns="" xmlns:ma14="http://schemas.microsoft.com/office/mac/drawingml/2011/main" val="1"/>
+              <ma14:wrappingTextBoxFlag xmlns:ma14="http://schemas.microsoft.com/office/mac/drawingml/2011/main" xmlns="" val="1"/>
             </a:ext>
           </a:extLst>
         </p:spPr>
@@ -11213,7 +11240,7 @@
           </a:ln>
           <a:extLst>
             <a:ext uri="{C572A759-6A51-4108-AA02-DFA0A04FC94B}">
-              <ma14:wrappingTextBoxFlag xmlns="" xmlns:ma14="http://schemas.microsoft.com/office/mac/drawingml/2011/main" val="1"/>
+              <ma14:wrappingTextBoxFlag xmlns:ma14="http://schemas.microsoft.com/office/mac/drawingml/2011/main" xmlns="" val="1"/>
             </a:ext>
           </a:extLst>
         </p:spPr>
@@ -11826,7 +11853,7 @@
           </a:ln>
           <a:extLst>
             <a:ext uri="{C572A759-6A51-4108-AA02-DFA0A04FC94B}">
-              <ma14:wrappingTextBoxFlag xmlns="" xmlns:ma14="http://schemas.microsoft.com/office/mac/drawingml/2011/main" val="1"/>
+              <ma14:wrappingTextBoxFlag xmlns:ma14="http://schemas.microsoft.com/office/mac/drawingml/2011/main" xmlns="" val="1"/>
             </a:ext>
           </a:extLst>
         </p:spPr>
@@ -12800,7 +12827,7 @@
           </a:ln>
           <a:extLst>
             <a:ext uri="{C572A759-6A51-4108-AA02-DFA0A04FC94B}">
-              <ma14:wrappingTextBoxFlag xmlns="" xmlns:ma14="http://schemas.microsoft.com/office/mac/drawingml/2011/main" val="1"/>
+              <ma14:wrappingTextBoxFlag xmlns:ma14="http://schemas.microsoft.com/office/mac/drawingml/2011/main" xmlns="" val="1"/>
             </a:ext>
           </a:extLst>
         </p:spPr>
@@ -13242,7 +13269,7 @@
           </a:ln>
           <a:extLst>
             <a:ext uri="{C572A759-6A51-4108-AA02-DFA0A04FC94B}">
-              <ma14:wrappingTextBoxFlag xmlns="" xmlns:ma14="http://schemas.microsoft.com/office/mac/drawingml/2011/main" val="1"/>
+              <ma14:wrappingTextBoxFlag xmlns:ma14="http://schemas.microsoft.com/office/mac/drawingml/2011/main" xmlns="" val="1"/>
             </a:ext>
           </a:extLst>
         </p:spPr>
@@ -13525,7 +13552,7 @@
           </a:ln>
           <a:extLst>
             <a:ext uri="{C572A759-6A51-4108-AA02-DFA0A04FC94B}">
-              <ma14:wrappingTextBoxFlag xmlns="" xmlns:ma14="http://schemas.microsoft.com/office/mac/drawingml/2011/main" val="1"/>
+              <ma14:wrappingTextBoxFlag xmlns:ma14="http://schemas.microsoft.com/office/mac/drawingml/2011/main" xmlns="" val="1"/>
             </a:ext>
           </a:extLst>
         </p:spPr>
@@ -13730,7 +13757,7 @@
           </a:ln>
           <a:extLst>
             <a:ext uri="{C572A759-6A51-4108-AA02-DFA0A04FC94B}">
-              <ma14:wrappingTextBoxFlag xmlns="" xmlns:ma14="http://schemas.microsoft.com/office/mac/drawingml/2011/main" val="1"/>
+              <ma14:wrappingTextBoxFlag xmlns:ma14="http://schemas.microsoft.com/office/mac/drawingml/2011/main" xmlns="" val="1"/>
             </a:ext>
           </a:extLst>
         </p:spPr>
@@ -13933,7 +13960,7 @@
           </a:ln>
           <a:extLst>
             <a:ext uri="{C572A759-6A51-4108-AA02-DFA0A04FC94B}">
-              <ma14:wrappingTextBoxFlag xmlns="" xmlns:ma14="http://schemas.microsoft.com/office/mac/drawingml/2011/main" val="1"/>
+              <ma14:wrappingTextBoxFlag xmlns:ma14="http://schemas.microsoft.com/office/mac/drawingml/2011/main" xmlns="" val="1"/>
             </a:ext>
           </a:extLst>
         </p:spPr>
@@ -14136,7 +14163,7 @@
           </a:ln>
           <a:extLst>
             <a:ext uri="{C572A759-6A51-4108-AA02-DFA0A04FC94B}">
-              <ma14:wrappingTextBoxFlag xmlns="" xmlns:ma14="http://schemas.microsoft.com/office/mac/drawingml/2011/main" val="1"/>
+              <ma14:wrappingTextBoxFlag xmlns:ma14="http://schemas.microsoft.com/office/mac/drawingml/2011/main" xmlns="" val="1"/>
             </a:ext>
           </a:extLst>
         </p:spPr>
@@ -14553,7 +14580,7 @@
           </a:ln>
           <a:extLst>
             <a:ext uri="{C572A759-6A51-4108-AA02-DFA0A04FC94B}">
-              <ma14:wrappingTextBoxFlag xmlns="" xmlns:ma14="http://schemas.microsoft.com/office/mac/drawingml/2011/main" val="1"/>
+              <ma14:wrappingTextBoxFlag xmlns:ma14="http://schemas.microsoft.com/office/mac/drawingml/2011/main" xmlns="" val="1"/>
             </a:ext>
           </a:extLst>
         </p:spPr>
@@ -14773,7 +14800,7 @@
           </a:ln>
           <a:extLst>
             <a:ext uri="{C572A759-6A51-4108-AA02-DFA0A04FC94B}">
-              <ma14:wrappingTextBoxFlag xmlns:ma14="http://schemas.microsoft.com/office/mac/drawingml/2011/main" xmlns="" val="1"/>
+              <ma14:wrappingTextBoxFlag xmlns="" xmlns:ma14="http://schemas.microsoft.com/office/mac/drawingml/2011/main" val="1"/>
             </a:ext>
           </a:extLst>
         </p:spPr>
@@ -14821,7 +14848,7 @@
           </a:ln>
           <a:extLst>
             <a:ext uri="{C572A759-6A51-4108-AA02-DFA0A04FC94B}">
-              <ma14:wrappingTextBoxFlag xmlns:ma14="http://schemas.microsoft.com/office/mac/drawingml/2011/main" xmlns="" val="1"/>
+              <ma14:wrappingTextBoxFlag xmlns="" xmlns:ma14="http://schemas.microsoft.com/office/mac/drawingml/2011/main" val="1"/>
             </a:ext>
           </a:extLst>
         </p:spPr>
@@ -14976,7 +15003,7 @@
             <a:effectLst/>
             <a:extLst>
               <a:ext uri="{C572A759-6A51-4108-AA02-DFA0A04FC94B}">
-                <ma14:wrappingTextBoxFlag xmlns:ma14="http://schemas.microsoft.com/office/mac/drawingml/2011/main" xmlns="" val="1"/>
+                <ma14:wrappingTextBoxFlag xmlns="" xmlns:ma14="http://schemas.microsoft.com/office/mac/drawingml/2011/main" val="1"/>
               </a:ext>
             </a:extLst>
           </p:spPr>
@@ -15138,7 +15165,7 @@
             <a:effectLst/>
             <a:extLst>
               <a:ext uri="{C572A759-6A51-4108-AA02-DFA0A04FC94B}">
-                <ma14:wrappingTextBoxFlag xmlns:ma14="http://schemas.microsoft.com/office/mac/drawingml/2011/main" xmlns="" val="1"/>
+                <ma14:wrappingTextBoxFlag xmlns="" xmlns:ma14="http://schemas.microsoft.com/office/mac/drawingml/2011/main" val="1"/>
               </a:ext>
             </a:extLst>
           </p:spPr>
@@ -15300,7 +15327,7 @@
             <a:effectLst/>
             <a:extLst>
               <a:ext uri="{C572A759-6A51-4108-AA02-DFA0A04FC94B}">
-                <ma14:wrappingTextBoxFlag xmlns:ma14="http://schemas.microsoft.com/office/mac/drawingml/2011/main" xmlns="" val="1"/>
+                <ma14:wrappingTextBoxFlag xmlns="" xmlns:ma14="http://schemas.microsoft.com/office/mac/drawingml/2011/main" val="1"/>
               </a:ext>
             </a:extLst>
           </p:spPr>
@@ -15462,7 +15489,7 @@
             <a:effectLst/>
             <a:extLst>
               <a:ext uri="{C572A759-6A51-4108-AA02-DFA0A04FC94B}">
-                <ma14:wrappingTextBoxFlag xmlns:ma14="http://schemas.microsoft.com/office/mac/drawingml/2011/main" xmlns="" val="1"/>
+                <ma14:wrappingTextBoxFlag xmlns="" xmlns:ma14="http://schemas.microsoft.com/office/mac/drawingml/2011/main" val="1"/>
               </a:ext>
             </a:extLst>
           </p:spPr>
@@ -15624,7 +15651,7 @@
             <a:effectLst/>
             <a:extLst>
               <a:ext uri="{C572A759-6A51-4108-AA02-DFA0A04FC94B}">
-                <ma14:wrappingTextBoxFlag xmlns:ma14="http://schemas.microsoft.com/office/mac/drawingml/2011/main" xmlns="" val="1"/>
+                <ma14:wrappingTextBoxFlag xmlns="" xmlns:ma14="http://schemas.microsoft.com/office/mac/drawingml/2011/main" val="1"/>
               </a:ext>
             </a:extLst>
           </p:spPr>
@@ -15786,7 +15813,7 @@
             <a:effectLst/>
             <a:extLst>
               <a:ext uri="{C572A759-6A51-4108-AA02-DFA0A04FC94B}">
-                <ma14:wrappingTextBoxFlag xmlns:ma14="http://schemas.microsoft.com/office/mac/drawingml/2011/main" xmlns="" val="1"/>
+                <ma14:wrappingTextBoxFlag xmlns="" xmlns:ma14="http://schemas.microsoft.com/office/mac/drawingml/2011/main" val="1"/>
               </a:ext>
             </a:extLst>
           </p:spPr>
@@ -15948,7 +15975,7 @@
             <a:effectLst/>
             <a:extLst>
               <a:ext uri="{C572A759-6A51-4108-AA02-DFA0A04FC94B}">
-                <ma14:wrappingTextBoxFlag xmlns:ma14="http://schemas.microsoft.com/office/mac/drawingml/2011/main" xmlns="" val="1"/>
+                <ma14:wrappingTextBoxFlag xmlns="" xmlns:ma14="http://schemas.microsoft.com/office/mac/drawingml/2011/main" val="1"/>
               </a:ext>
             </a:extLst>
           </p:spPr>
@@ -16110,7 +16137,7 @@
             <a:effectLst/>
             <a:extLst>
               <a:ext uri="{C572A759-6A51-4108-AA02-DFA0A04FC94B}">
-                <ma14:wrappingTextBoxFlag xmlns:ma14="http://schemas.microsoft.com/office/mac/drawingml/2011/main" xmlns="" val="1"/>
+                <ma14:wrappingTextBoxFlag xmlns="" xmlns:ma14="http://schemas.microsoft.com/office/mac/drawingml/2011/main" val="1"/>
               </a:ext>
             </a:extLst>
           </p:spPr>
@@ -16272,7 +16299,7 @@
             <a:effectLst/>
             <a:extLst>
               <a:ext uri="{C572A759-6A51-4108-AA02-DFA0A04FC94B}">
-                <ma14:wrappingTextBoxFlag xmlns:ma14="http://schemas.microsoft.com/office/mac/drawingml/2011/main" xmlns="" val="1"/>
+                <ma14:wrappingTextBoxFlag xmlns="" xmlns:ma14="http://schemas.microsoft.com/office/mac/drawingml/2011/main" val="1"/>
               </a:ext>
             </a:extLst>
           </p:spPr>
@@ -16434,7 +16461,7 @@
             <a:effectLst/>
             <a:extLst>
               <a:ext uri="{C572A759-6A51-4108-AA02-DFA0A04FC94B}">
-                <ma14:wrappingTextBoxFlag xmlns:ma14="http://schemas.microsoft.com/office/mac/drawingml/2011/main" xmlns="" val="1"/>
+                <ma14:wrappingTextBoxFlag xmlns="" xmlns:ma14="http://schemas.microsoft.com/office/mac/drawingml/2011/main" val="1"/>
               </a:ext>
             </a:extLst>
           </p:spPr>
@@ -16596,7 +16623,7 @@
             <a:effectLst/>
             <a:extLst>
               <a:ext uri="{C572A759-6A51-4108-AA02-DFA0A04FC94B}">
-                <ma14:wrappingTextBoxFlag xmlns:ma14="http://schemas.microsoft.com/office/mac/drawingml/2011/main" xmlns="" val="1"/>
+                <ma14:wrappingTextBoxFlag xmlns="" xmlns:ma14="http://schemas.microsoft.com/office/mac/drawingml/2011/main" val="1"/>
               </a:ext>
             </a:extLst>
           </p:spPr>
@@ -16758,7 +16785,7 @@
             <a:effectLst/>
             <a:extLst>
               <a:ext uri="{C572A759-6A51-4108-AA02-DFA0A04FC94B}">
-                <ma14:wrappingTextBoxFlag xmlns:ma14="http://schemas.microsoft.com/office/mac/drawingml/2011/main" xmlns="" val="1"/>
+                <ma14:wrappingTextBoxFlag xmlns="" xmlns:ma14="http://schemas.microsoft.com/office/mac/drawingml/2011/main" val="1"/>
               </a:ext>
             </a:extLst>
           </p:spPr>
@@ -16920,7 +16947,7 @@
             <a:effectLst/>
             <a:extLst>
               <a:ext uri="{C572A759-6A51-4108-AA02-DFA0A04FC94B}">
-                <ma14:wrappingTextBoxFlag xmlns:ma14="http://schemas.microsoft.com/office/mac/drawingml/2011/main" xmlns="" val="1"/>
+                <ma14:wrappingTextBoxFlag xmlns="" xmlns:ma14="http://schemas.microsoft.com/office/mac/drawingml/2011/main" val="1"/>
               </a:ext>
             </a:extLst>
           </p:spPr>
@@ -17082,7 +17109,7 @@
             <a:effectLst/>
             <a:extLst>
               <a:ext uri="{C572A759-6A51-4108-AA02-DFA0A04FC94B}">
-                <ma14:wrappingTextBoxFlag xmlns:ma14="http://schemas.microsoft.com/office/mac/drawingml/2011/main" xmlns="" val="1"/>
+                <ma14:wrappingTextBoxFlag xmlns="" xmlns:ma14="http://schemas.microsoft.com/office/mac/drawingml/2011/main" val="1"/>
               </a:ext>
             </a:extLst>
           </p:spPr>
@@ -17244,7 +17271,7 @@
             <a:effectLst/>
             <a:extLst>
               <a:ext uri="{C572A759-6A51-4108-AA02-DFA0A04FC94B}">
-                <ma14:wrappingTextBoxFlag xmlns:ma14="http://schemas.microsoft.com/office/mac/drawingml/2011/main" xmlns="" val="1"/>
+                <ma14:wrappingTextBoxFlag xmlns="" xmlns:ma14="http://schemas.microsoft.com/office/mac/drawingml/2011/main" val="1"/>
               </a:ext>
             </a:extLst>
           </p:spPr>
@@ -17406,7 +17433,7 @@
             <a:effectLst/>
             <a:extLst>
               <a:ext uri="{C572A759-6A51-4108-AA02-DFA0A04FC94B}">
-                <ma14:wrappingTextBoxFlag xmlns:ma14="http://schemas.microsoft.com/office/mac/drawingml/2011/main" xmlns="" val="1"/>
+                <ma14:wrappingTextBoxFlag xmlns="" xmlns:ma14="http://schemas.microsoft.com/office/mac/drawingml/2011/main" val="1"/>
               </a:ext>
             </a:extLst>
           </p:spPr>
@@ -17568,7 +17595,7 @@
             <a:effectLst/>
             <a:extLst>
               <a:ext uri="{C572A759-6A51-4108-AA02-DFA0A04FC94B}">
-                <ma14:wrappingTextBoxFlag xmlns:ma14="http://schemas.microsoft.com/office/mac/drawingml/2011/main" xmlns="" val="1"/>
+                <ma14:wrappingTextBoxFlag xmlns="" xmlns:ma14="http://schemas.microsoft.com/office/mac/drawingml/2011/main" val="1"/>
               </a:ext>
             </a:extLst>
           </p:spPr>
@@ -17730,7 +17757,7 @@
             <a:effectLst/>
             <a:extLst>
               <a:ext uri="{C572A759-6A51-4108-AA02-DFA0A04FC94B}">
-                <ma14:wrappingTextBoxFlag xmlns:ma14="http://schemas.microsoft.com/office/mac/drawingml/2011/main" xmlns="" val="1"/>
+                <ma14:wrappingTextBoxFlag xmlns="" xmlns:ma14="http://schemas.microsoft.com/office/mac/drawingml/2011/main" val="1"/>
               </a:ext>
             </a:extLst>
           </p:spPr>
@@ -17892,7 +17919,7 @@
             <a:effectLst/>
             <a:extLst>
               <a:ext uri="{C572A759-6A51-4108-AA02-DFA0A04FC94B}">
-                <ma14:wrappingTextBoxFlag xmlns:ma14="http://schemas.microsoft.com/office/mac/drawingml/2011/main" xmlns="" val="1"/>
+                <ma14:wrappingTextBoxFlag xmlns="" xmlns:ma14="http://schemas.microsoft.com/office/mac/drawingml/2011/main" val="1"/>
               </a:ext>
             </a:extLst>
           </p:spPr>
@@ -18054,7 +18081,7 @@
             <a:effectLst/>
             <a:extLst>
               <a:ext uri="{C572A759-6A51-4108-AA02-DFA0A04FC94B}">
-                <ma14:wrappingTextBoxFlag xmlns:ma14="http://schemas.microsoft.com/office/mac/drawingml/2011/main" xmlns="" val="1"/>
+                <ma14:wrappingTextBoxFlag xmlns="" xmlns:ma14="http://schemas.microsoft.com/office/mac/drawingml/2011/main" val="1"/>
               </a:ext>
             </a:extLst>
           </p:spPr>
@@ -18176,7 +18203,7 @@
           </a:ln>
           <a:extLst>
             <a:ext uri="{C572A759-6A51-4108-AA02-DFA0A04FC94B}">
-              <ma14:wrappingTextBoxFlag xmlns:ma14="http://schemas.microsoft.com/office/mac/drawingml/2011/main" xmlns="" val="1"/>
+              <ma14:wrappingTextBoxFlag xmlns="" xmlns:ma14="http://schemas.microsoft.com/office/mac/drawingml/2011/main" val="1"/>
             </a:ext>
           </a:extLst>
         </p:spPr>
@@ -18224,7 +18251,7 @@
           </a:ln>
           <a:extLst>
             <a:ext uri="{C572A759-6A51-4108-AA02-DFA0A04FC94B}">
-              <ma14:wrappingTextBoxFlag xmlns:ma14="http://schemas.microsoft.com/office/mac/drawingml/2011/main" xmlns="" val="1"/>
+              <ma14:wrappingTextBoxFlag xmlns="" xmlns:ma14="http://schemas.microsoft.com/office/mac/drawingml/2011/main" val="1"/>
             </a:ext>
           </a:extLst>
         </p:spPr>
@@ -18559,7 +18586,7 @@
               <a:effectLst/>
               <a:extLst>
                 <a:ext uri="{C572A759-6A51-4108-AA02-DFA0A04FC94B}">
-                  <ma14:wrappingTextBoxFlag xmlns:ma14="http://schemas.microsoft.com/office/mac/drawingml/2011/main" xmlns="" val="1"/>
+                  <ma14:wrappingTextBoxFlag xmlns="" xmlns:ma14="http://schemas.microsoft.com/office/mac/drawingml/2011/main" val="1"/>
                 </a:ext>
               </a:extLst>
             </p:spPr>

--- a/powerpoint/templates/VirtualPrivateCloudEditablePPT.pptx
+++ b/powerpoint/templates/VirtualPrivateCloudEditablePPT.pptx
@@ -818,7 +818,7 @@
           </a:ln>
           <a:extLst>
             <a:ext uri="{C572A759-6A51-4108-AA02-DFA0A04FC94B}">
-              <ma14:wrappingTextBoxFlag xmlns:ma14="http://schemas.microsoft.com/office/mac/drawingml/2011/main" xmlns="" val="1"/>
+              <ma14:wrappingTextBoxFlag xmlns="" xmlns:ma14="http://schemas.microsoft.com/office/mac/drawingml/2011/main" val="1"/>
             </a:ext>
           </a:extLst>
         </p:spPr>
@@ -871,7 +871,7 @@
           </a:ln>
           <a:extLst>
             <a:ext uri="{C572A759-6A51-4108-AA02-DFA0A04FC94B}">
-              <ma14:wrappingTextBoxFlag xmlns:ma14="http://schemas.microsoft.com/office/mac/drawingml/2011/main" xmlns="" val="1"/>
+              <ma14:wrappingTextBoxFlag xmlns="" xmlns:ma14="http://schemas.microsoft.com/office/mac/drawingml/2011/main" val="1"/>
             </a:ext>
           </a:extLst>
         </p:spPr>
@@ -919,7 +919,7 @@
           </a:ln>
           <a:extLst>
             <a:ext uri="{C572A759-6A51-4108-AA02-DFA0A04FC94B}">
-              <ma14:wrappingTextBoxFlag xmlns:ma14="http://schemas.microsoft.com/office/mac/drawingml/2011/main" xmlns="" val="1"/>
+              <ma14:wrappingTextBoxFlag xmlns="" xmlns:ma14="http://schemas.microsoft.com/office/mac/drawingml/2011/main" val="1"/>
             </a:ext>
           </a:extLst>
         </p:spPr>
@@ -1007,7 +1007,7 @@
           </a:ln>
           <a:extLst>
             <a:ext uri="{C572A759-6A51-4108-AA02-DFA0A04FC94B}">
-              <ma14:wrappingTextBoxFlag xmlns:ma14="http://schemas.microsoft.com/office/mac/drawingml/2011/main" xmlns="" val="1"/>
+              <ma14:wrappingTextBoxFlag xmlns="" xmlns:ma14="http://schemas.microsoft.com/office/mac/drawingml/2011/main" val="1"/>
             </a:ext>
           </a:extLst>
         </p:spPr>
@@ -1060,7 +1060,7 @@
           </a:ln>
           <a:extLst>
             <a:ext uri="{C572A759-6A51-4108-AA02-DFA0A04FC94B}">
-              <ma14:wrappingTextBoxFlag xmlns:ma14="http://schemas.microsoft.com/office/mac/drawingml/2011/main" xmlns="" val="1"/>
+              <ma14:wrappingTextBoxFlag xmlns="" xmlns:ma14="http://schemas.microsoft.com/office/mac/drawingml/2011/main" val="1"/>
             </a:ext>
           </a:extLst>
         </p:spPr>
@@ -1108,7 +1108,7 @@
           </a:ln>
           <a:extLst>
             <a:ext uri="{C572A759-6A51-4108-AA02-DFA0A04FC94B}">
-              <ma14:wrappingTextBoxFlag xmlns:ma14="http://schemas.microsoft.com/office/mac/drawingml/2011/main" xmlns="" val="1"/>
+              <ma14:wrappingTextBoxFlag xmlns="" xmlns:ma14="http://schemas.microsoft.com/office/mac/drawingml/2011/main" val="1"/>
             </a:ext>
           </a:extLst>
         </p:spPr>
@@ -1272,7 +1272,7 @@
           </a:ln>
           <a:extLst>
             <a:ext uri="{C572A759-6A51-4108-AA02-DFA0A04FC94B}">
-              <ma14:wrappingTextBoxFlag xmlns:ma14="http://schemas.microsoft.com/office/mac/drawingml/2011/main" xmlns="" val="1"/>
+              <ma14:wrappingTextBoxFlag xmlns="" xmlns:ma14="http://schemas.microsoft.com/office/mac/drawingml/2011/main" val="1"/>
             </a:ext>
           </a:extLst>
         </p:spPr>
@@ -1325,7 +1325,7 @@
           </a:ln>
           <a:extLst>
             <a:ext uri="{C572A759-6A51-4108-AA02-DFA0A04FC94B}">
-              <ma14:wrappingTextBoxFlag xmlns:ma14="http://schemas.microsoft.com/office/mac/drawingml/2011/main" xmlns="" val="1"/>
+              <ma14:wrappingTextBoxFlag xmlns="" xmlns:ma14="http://schemas.microsoft.com/office/mac/drawingml/2011/main" val="1"/>
             </a:ext>
           </a:extLst>
         </p:spPr>
@@ -1373,7 +1373,7 @@
           </a:ln>
           <a:extLst>
             <a:ext uri="{C572A759-6A51-4108-AA02-DFA0A04FC94B}">
-              <ma14:wrappingTextBoxFlag xmlns:ma14="http://schemas.microsoft.com/office/mac/drawingml/2011/main" xmlns="" val="1"/>
+              <ma14:wrappingTextBoxFlag xmlns="" xmlns:ma14="http://schemas.microsoft.com/office/mac/drawingml/2011/main" val="1"/>
             </a:ext>
           </a:extLst>
         </p:spPr>
@@ -1563,7 +1563,7 @@
           </a:ln>
           <a:extLst>
             <a:ext uri="{C572A759-6A51-4108-AA02-DFA0A04FC94B}">
-              <ma14:wrappingTextBoxFlag xmlns:ma14="http://schemas.microsoft.com/office/mac/drawingml/2011/main" xmlns="" val="1"/>
+              <ma14:wrappingTextBoxFlag xmlns="" xmlns:ma14="http://schemas.microsoft.com/office/mac/drawingml/2011/main" val="1"/>
             </a:ext>
           </a:extLst>
         </p:spPr>
@@ -1701,7 +1701,7 @@
           </a:ln>
           <a:extLst>
             <a:ext uri="{C572A759-6A51-4108-AA02-DFA0A04FC94B}">
-              <ma14:wrappingTextBoxFlag xmlns:ma14="http://schemas.microsoft.com/office/mac/drawingml/2011/main" xmlns="" val="1"/>
+              <ma14:wrappingTextBoxFlag xmlns="" xmlns:ma14="http://schemas.microsoft.com/office/mac/drawingml/2011/main" val="1"/>
             </a:ext>
           </a:extLst>
         </p:spPr>
@@ -1754,7 +1754,7 @@
           </a:ln>
           <a:extLst>
             <a:ext uri="{C572A759-6A51-4108-AA02-DFA0A04FC94B}">
-              <ma14:wrappingTextBoxFlag xmlns:ma14="http://schemas.microsoft.com/office/mac/drawingml/2011/main" xmlns="" val="1"/>
+              <ma14:wrappingTextBoxFlag xmlns="" xmlns:ma14="http://schemas.microsoft.com/office/mac/drawingml/2011/main" val="1"/>
             </a:ext>
           </a:extLst>
         </p:spPr>
@@ -1828,7 +1828,7 @@
           </a:ln>
           <a:extLst>
             <a:ext uri="{C572A759-6A51-4108-AA02-DFA0A04FC94B}">
-              <ma14:wrappingTextBoxFlag xmlns:ma14="http://schemas.microsoft.com/office/mac/drawingml/2011/main" xmlns="" val="1"/>
+              <ma14:wrappingTextBoxFlag xmlns="" xmlns:ma14="http://schemas.microsoft.com/office/mac/drawingml/2011/main" val="1"/>
             </a:ext>
           </a:extLst>
         </p:spPr>
@@ -2797,7 +2797,7 @@
           </a:ln>
           <a:extLst>
             <a:ext uri="{C572A759-6A51-4108-AA02-DFA0A04FC94B}">
-              <ma14:wrappingTextBoxFlag xmlns:ma14="http://schemas.microsoft.com/office/mac/drawingml/2011/main" xmlns="" val="1"/>
+              <ma14:wrappingTextBoxFlag xmlns="" xmlns:ma14="http://schemas.microsoft.com/office/mac/drawingml/2011/main" val="1"/>
             </a:ext>
           </a:extLst>
         </p:spPr>
@@ -2840,7 +2840,7 @@
           </a:ln>
           <a:extLst>
             <a:ext uri="{C572A759-6A51-4108-AA02-DFA0A04FC94B}">
-              <ma14:wrappingTextBoxFlag xmlns:ma14="http://schemas.microsoft.com/office/mac/drawingml/2011/main" xmlns="" val="1"/>
+              <ma14:wrappingTextBoxFlag xmlns="" xmlns:ma14="http://schemas.microsoft.com/office/mac/drawingml/2011/main" val="1"/>
             </a:ext>
           </a:extLst>
         </p:spPr>
@@ -3288,7 +3288,7 @@
           </a:ln>
           <a:extLst>
             <a:ext uri="{C572A759-6A51-4108-AA02-DFA0A04FC94B}">
-              <ma14:wrappingTextBoxFlag xmlns:ma14="http://schemas.microsoft.com/office/mac/drawingml/2011/main" xmlns="" val="1"/>
+              <ma14:wrappingTextBoxFlag xmlns="" xmlns:ma14="http://schemas.microsoft.com/office/mac/drawingml/2011/main" val="1"/>
             </a:ext>
           </a:extLst>
         </p:spPr>
@@ -3337,7 +3337,7 @@
           </a:ln>
           <a:extLst>
             <a:ext uri="{C572A759-6A51-4108-AA02-DFA0A04FC94B}">
-              <ma14:wrappingTextBoxFlag xmlns:ma14="http://schemas.microsoft.com/office/mac/drawingml/2011/main" xmlns="" val="1"/>
+              <ma14:wrappingTextBoxFlag xmlns="" xmlns:ma14="http://schemas.microsoft.com/office/mac/drawingml/2011/main" val="1"/>
             </a:ext>
           </a:extLst>
         </p:spPr>
@@ -3828,10 +3828,10 @@
       </p:grpSpPr>
       <p:grpSp>
         <p:nvGrpSpPr>
-          <p:cNvPr id="2" name="Group 1">
+          <p:cNvPr id="8" name="Group 7">
             <a:extLst>
               <a:ext uri="{FF2B5EF4-FFF2-40B4-BE49-F238E27FC236}">
-                <a16:creationId xmlns:a16="http://schemas.microsoft.com/office/drawing/2014/main" id="{FBFB89B6-16D9-204B-9FF4-1E0C08A08C50}"/>
+                <a16:creationId xmlns:a16="http://schemas.microsoft.com/office/drawing/2014/main" id="{54CD5DB6-748F-7042-8116-B7F97E41F0A6}"/>
               </a:ext>
             </a:extLst>
           </p:cNvPr>
@@ -3840,10 +3840,10 @@
         </p:nvGrpSpPr>
         <p:grpSpPr>
           <a:xfrm>
-            <a:off x="31025" y="57379"/>
-            <a:ext cx="10247527" cy="7289354"/>
-            <a:chOff x="31025" y="57379"/>
-            <a:chExt cx="10247527" cy="7289354"/>
+            <a:off x="31025" y="-1"/>
+            <a:ext cx="10247527" cy="7346735"/>
+            <a:chOff x="31025" y="-1"/>
+            <a:chExt cx="10247527" cy="7346735"/>
           </a:xfrm>
         </p:grpSpPr>
         <p:grpSp>
@@ -4980,10 +4980,10 @@
           </p:nvGrpSpPr>
           <p:grpSpPr>
             <a:xfrm>
-              <a:off x="407566" y="493805"/>
-              <a:ext cx="9426694" cy="385787"/>
-              <a:chOff x="407566" y="493805"/>
-              <a:chExt cx="9426694" cy="385787"/>
+              <a:off x="394811" y="440902"/>
+              <a:ext cx="9442950" cy="405067"/>
+              <a:chOff x="394811" y="440902"/>
+              <a:chExt cx="9442950" cy="405067"/>
             </a:xfrm>
           </p:grpSpPr>
           <p:sp>
@@ -5000,7 +5000,7 @@
             </p:nvSpPr>
             <p:spPr>
               <a:xfrm>
-                <a:off x="9092069" y="510260"/>
+                <a:off x="9095570" y="440902"/>
                 <a:ext cx="742191" cy="369332"/>
               </a:xfrm>
               <a:prstGeom prst="rect">
@@ -5011,7 +5011,7 @@
               </a:ln>
               <a:extLst>
                 <a:ext uri="{C572A759-6A51-4108-AA02-DFA0A04FC94B}">
-                  <ma14:wrappingTextBoxFlag xmlns="" xmlns:ma14="http://schemas.microsoft.com/office/mac/drawingml/2011/main" val="1"/>
+                  <ma14:wrappingTextBoxFlag xmlns:ma14="http://schemas.microsoft.com/office/mac/drawingml/2011/main" xmlns="" val="1"/>
                 </a:ext>
               </a:extLst>
             </p:spPr>
@@ -5087,7 +5087,7 @@
             </p:nvSpPr>
             <p:spPr>
               <a:xfrm>
-                <a:off x="407566" y="493805"/>
+                <a:off x="394811" y="476637"/>
                 <a:ext cx="562655" cy="369332"/>
               </a:xfrm>
               <a:prstGeom prst="rect">
@@ -5098,7 +5098,7 @@
               </a:ln>
               <a:extLst>
                 <a:ext uri="{C572A759-6A51-4108-AA02-DFA0A04FC94B}">
-                  <ma14:wrappingTextBoxFlag xmlns="" xmlns:ma14="http://schemas.microsoft.com/office/mac/drawingml/2011/main" val="1"/>
+                  <ma14:wrappingTextBoxFlag xmlns:ma14="http://schemas.microsoft.com/office/mac/drawingml/2011/main" xmlns="" val="1"/>
                 </a:ext>
               </a:extLst>
             </p:spPr>
@@ -5535,8 +5535,8 @@
           </p:nvCxnSpPr>
           <p:spPr>
             <a:xfrm>
-              <a:off x="7297827" y="5585855"/>
-              <a:ext cx="0" cy="367123"/>
+              <a:off x="7280454" y="5562740"/>
+              <a:ext cx="0" cy="296008"/>
             </a:xfrm>
             <a:prstGeom prst="straightConnector1">
               <a:avLst/>
@@ -5665,10 +5665,10 @@
         </p:cxnSp>
         <p:grpSp>
           <p:nvGrpSpPr>
-            <p:cNvPr id="115" name="Group 114">
+            <p:cNvPr id="116" name="Group 115">
               <a:extLst>
                 <a:ext uri="{FF2B5EF4-FFF2-40B4-BE49-F238E27FC236}">
-                  <a16:creationId xmlns:a16="http://schemas.microsoft.com/office/drawing/2014/main" id="{38C310FD-3A14-BE4E-91C7-F3D02E9739A2}"/>
+                  <a16:creationId xmlns:a16="http://schemas.microsoft.com/office/drawing/2014/main" id="{58C4714D-8DC6-CE4C-8D84-EFC04DEBB4E9}"/>
                 </a:ext>
               </a:extLst>
             </p:cNvPr>
@@ -5677,193 +5677,18 @@
           </p:nvGrpSpPr>
           <p:grpSpPr>
             <a:xfrm>
-              <a:off x="31025" y="57379"/>
-              <a:ext cx="9882240" cy="7289354"/>
-              <a:chOff x="207305" y="2126580"/>
-              <a:chExt cx="2856020" cy="1689442"/>
+              <a:off x="31025" y="-1"/>
+              <a:ext cx="9882240" cy="7346735"/>
+              <a:chOff x="234117" y="1843493"/>
+              <a:chExt cx="2856020" cy="1702741"/>
             </a:xfrm>
           </p:grpSpPr>
-          <p:grpSp>
-            <p:nvGrpSpPr>
-              <p:cNvPr id="116" name="Group 115">
+          <p:sp>
+            <p:nvSpPr>
+              <p:cNvPr id="136" name="Rounded Rectangle 135">
                 <a:extLst>
                   <a:ext uri="{FF2B5EF4-FFF2-40B4-BE49-F238E27FC236}">
-                    <a16:creationId xmlns:a16="http://schemas.microsoft.com/office/drawing/2014/main" id="{58C4714D-8DC6-CE4C-8D84-EFC04DEBB4E9}"/>
-                  </a:ext>
-                </a:extLst>
-              </p:cNvPr>
-              <p:cNvGrpSpPr/>
-              <p:nvPr/>
-            </p:nvGrpSpPr>
-            <p:grpSpPr>
-              <a:xfrm>
-                <a:off x="207305" y="2126580"/>
-                <a:ext cx="2856020" cy="1689442"/>
-                <a:chOff x="234117" y="1856792"/>
-                <a:chExt cx="2856020" cy="1689442"/>
-              </a:xfrm>
-            </p:grpSpPr>
-            <p:sp>
-              <p:nvSpPr>
-                <p:cNvPr id="136" name="Rounded Rectangle 135">
-                  <a:extLst>
-                    <a:ext uri="{FF2B5EF4-FFF2-40B4-BE49-F238E27FC236}">
-                      <a16:creationId xmlns:a16="http://schemas.microsoft.com/office/drawing/2014/main" id="{7C4971D0-4C71-F146-88B6-8566F69122AA}"/>
-                    </a:ext>
-                  </a:extLst>
-                </p:cNvPr>
-                <p:cNvSpPr/>
-                <p:nvPr/>
-              </p:nvSpPr>
-              <p:spPr>
-                <a:xfrm>
-                  <a:off x="234117" y="1858104"/>
-                  <a:ext cx="2856020" cy="1688130"/>
-                </a:xfrm>
-                <a:prstGeom prst="roundRect">
-                  <a:avLst>
-                    <a:gd name="adj" fmla="val 0"/>
-                  </a:avLst>
-                </a:prstGeom>
-                <a:noFill/>
-                <a:ln w="12700">
-                  <a:solidFill>
-                    <a:srgbClr val="4E77B6"/>
-                  </a:solidFill>
-                </a:ln>
-                <a:effectLst>
-                  <a:outerShdw blurRad="50800" dist="38100" dir="8100000" algn="tr" rotWithShape="0">
-                    <a:prstClr val="black">
-                      <a:alpha val="40000"/>
-                    </a:prstClr>
-                  </a:outerShdw>
-                </a:effectLst>
-              </p:spPr>
-              <p:style>
-                <a:lnRef idx="2">
-                  <a:schemeClr val="accent1">
-                    <a:shade val="50000"/>
-                  </a:schemeClr>
-                </a:lnRef>
-                <a:fillRef idx="1">
-                  <a:schemeClr val="accent1"/>
-                </a:fillRef>
-                <a:effectRef idx="0">
-                  <a:schemeClr val="accent1"/>
-                </a:effectRef>
-                <a:fontRef idx="minor">
-                  <a:schemeClr val="lt1"/>
-                </a:fontRef>
-              </p:style>
-              <p:txBody>
-                <a:bodyPr rtlCol="0" anchor="ctr"/>
-                <a:lstStyle/>
-                <a:p>
-                  <a:pPr algn="ctr"/>
-                  <a:endParaRPr lang="en-US" b="1" dirty="0">
-                    <a:ln w="22225">
-                      <a:solidFill>
-                        <a:schemeClr val="accent2"/>
-                      </a:solidFill>
-                      <a:prstDash val="solid"/>
-                    </a:ln>
-                    <a:solidFill>
-                      <a:schemeClr val="accent2">
-                        <a:lumMod val="40000"/>
-                        <a:lumOff val="60000"/>
-                      </a:schemeClr>
-                    </a:solidFill>
-                    <a:latin typeface="IBM Plex Sans" charset="0"/>
-                    <a:ea typeface="IBM Plex Sans" charset="0"/>
-                    <a:cs typeface="IBM Plex Sans" charset="0"/>
-                  </a:endParaRPr>
-                </a:p>
-              </p:txBody>
-            </p:sp>
-            <p:sp>
-              <p:nvSpPr>
-                <p:cNvPr id="129" name="Rounded Rectangle 30">
-                  <a:extLst>
-                    <a:ext uri="{FF2B5EF4-FFF2-40B4-BE49-F238E27FC236}">
-                      <a16:creationId xmlns:a16="http://schemas.microsoft.com/office/drawing/2014/main" id="{D61F7510-39BA-7E49-85BC-51615865B910}"/>
-                    </a:ext>
-                  </a:extLst>
-                </p:cNvPr>
-                <p:cNvSpPr/>
-                <p:nvPr/>
-              </p:nvSpPr>
-              <p:spPr>
-                <a:xfrm>
-                  <a:off x="572580" y="1856792"/>
-                  <a:ext cx="2217657" cy="1688401"/>
-                </a:xfrm>
-                <a:prstGeom prst="roundRect">
-                  <a:avLst>
-                    <a:gd name="adj" fmla="val 0"/>
-                  </a:avLst>
-                </a:prstGeom>
-                <a:noFill/>
-                <a:ln w="12700">
-                  <a:solidFill>
-                    <a:srgbClr val="4E77B6"/>
-                  </a:solidFill>
-                </a:ln>
-                <a:effectLst>
-                  <a:outerShdw blurRad="50800" dist="38100" dir="8100000" algn="tr" rotWithShape="0">
-                    <a:prstClr val="black">
-                      <a:alpha val="40000"/>
-                    </a:prstClr>
-                  </a:outerShdw>
-                </a:effectLst>
-              </p:spPr>
-              <p:style>
-                <a:lnRef idx="2">
-                  <a:schemeClr val="accent1">
-                    <a:shade val="50000"/>
-                  </a:schemeClr>
-                </a:lnRef>
-                <a:fillRef idx="1">
-                  <a:schemeClr val="accent1"/>
-                </a:fillRef>
-                <a:effectRef idx="0">
-                  <a:schemeClr val="accent1"/>
-                </a:effectRef>
-                <a:fontRef idx="minor">
-                  <a:schemeClr val="lt1"/>
-                </a:fontRef>
-              </p:style>
-              <p:txBody>
-                <a:bodyPr rtlCol="0" anchor="ctr"/>
-                <a:lstStyle/>
-                <a:p>
-                  <a:pPr algn="ctr"/>
-                  <a:endParaRPr lang="en-US" b="1" dirty="0">
-                    <a:ln w="22225">
-                      <a:solidFill>
-                        <a:schemeClr val="accent2"/>
-                      </a:solidFill>
-                      <a:prstDash val="solid"/>
-                    </a:ln>
-                    <a:solidFill>
-                      <a:schemeClr val="accent2">
-                        <a:lumMod val="40000"/>
-                        <a:lumOff val="60000"/>
-                      </a:schemeClr>
-                    </a:solidFill>
-                    <a:latin typeface="IBM Plex Sans" charset="0"/>
-                    <a:ea typeface="IBM Plex Sans" charset="0"/>
-                    <a:cs typeface="IBM Plex Sans" charset="0"/>
-                  </a:endParaRPr>
-                </a:p>
-              </p:txBody>
-            </p:sp>
-          </p:grpSp>
-          <p:sp>
-            <p:nvSpPr>
-              <p:cNvPr id="117" name="Shape 535">
-                <a:extLst>
-                  <a:ext uri="{FF2B5EF4-FFF2-40B4-BE49-F238E27FC236}">
-                    <a16:creationId xmlns:a16="http://schemas.microsoft.com/office/drawing/2014/main" id="{B6FD739B-E6A9-E741-8B85-AF80D6DCB887}"/>
+                    <a16:creationId xmlns:a16="http://schemas.microsoft.com/office/drawing/2014/main" id="{7C4971D0-4C71-F146-88B6-8566F69122AA}"/>
                   </a:ext>
                 </a:extLst>
               </p:cNvPr>
@@ -5872,102 +5697,18 @@
             </p:nvSpPr>
             <p:spPr>
               <a:xfrm>
-                <a:off x="655104" y="2141575"/>
-                <a:ext cx="1209094" cy="66412"/>
-              </a:xfrm>
-              <a:prstGeom prst="rect">
-                <a:avLst/>
-              </a:prstGeom>
-              <a:ln w="3175">
-                <a:miter lim="400000"/>
-              </a:ln>
-              <a:extLst>
-                <a:ext uri="{C572A759-6A51-4108-AA02-DFA0A04FC94B}">
-                  <ma14:wrappingTextBoxFlag xmlns="" xmlns:ma14="http://schemas.microsoft.com/office/mac/drawingml/2011/main" val="1"/>
-                </a:ext>
-              </a:extLst>
-            </p:spPr>
-            <p:txBody>
-              <a:bodyPr wrap="square" lIns="50800" tIns="50800" rIns="50800" bIns="50800">
-                <a:spAutoFit/>
-              </a:bodyPr>
-              <a:lstStyle>
-                <a:lvl1pPr algn="l" defTabSz="457200">
-                  <a:defRPr sz="1000">
-                    <a:latin typeface="Helvetica Neue"/>
-                    <a:ea typeface="Helvetica Neue"/>
-                    <a:cs typeface="Helvetica Neue"/>
-                    <a:sym typeface="Helvetica Neue"/>
-                  </a:defRPr>
-                </a:lvl1pPr>
-              </a:lstStyle>
-              <a:p>
-                <a:pPr lvl="0">
-                  <a:defRPr sz="1800"/>
-                </a:pPr>
-                <a:r>
-                  <a:rPr lang="en-US" sz="1200" dirty="0">
-                    <a:latin typeface="Helvetica" panose="020B0604020202020204" pitchFamily="34" charset="0"/>
-                    <a:cs typeface="Helvetica" panose="020B0604020202020204" pitchFamily="34" charset="0"/>
-                  </a:rPr>
-                  <a:t>IBM Cloud</a:t>
-                </a:r>
-                <a:endParaRPr sz="1200" dirty="0">
-                  <a:latin typeface="Helvetica" panose="020B0604020202020204" pitchFamily="34" charset="0"/>
-                  <a:cs typeface="Helvetica" panose="020B0604020202020204" pitchFamily="34" charset="0"/>
-                </a:endParaRPr>
-              </a:p>
-            </p:txBody>
-          </p:sp>
-        </p:grpSp>
-        <p:grpSp>
-          <p:nvGrpSpPr>
-            <p:cNvPr id="150" name="Group 149">
-              <a:extLst>
-                <a:ext uri="{FF2B5EF4-FFF2-40B4-BE49-F238E27FC236}">
-                  <a16:creationId xmlns:a16="http://schemas.microsoft.com/office/drawing/2014/main" id="{58949300-FDA7-C94A-8860-D23A00B1686E}"/>
-                </a:ext>
-              </a:extLst>
-            </p:cNvPr>
-            <p:cNvGrpSpPr/>
-            <p:nvPr/>
-          </p:nvGrpSpPr>
-          <p:grpSpPr>
-            <a:xfrm>
-              <a:off x="1190476" y="64400"/>
-              <a:ext cx="365760" cy="365760"/>
-              <a:chOff x="3364358" y="1940961"/>
-              <a:chExt cx="365760" cy="365760"/>
-            </a:xfrm>
-          </p:grpSpPr>
-          <p:sp>
-            <p:nvSpPr>
-              <p:cNvPr id="154" name="Rounded Rectangle 153">
-                <a:extLst>
-                  <a:ext uri="{FF2B5EF4-FFF2-40B4-BE49-F238E27FC236}">
-                    <a16:creationId xmlns:a16="http://schemas.microsoft.com/office/drawing/2014/main" id="{FFBE35BE-44AC-344C-A317-660F8C8FA677}"/>
-                  </a:ext>
-                </a:extLst>
-              </p:cNvPr>
-              <p:cNvSpPr/>
-              <p:nvPr/>
-            </p:nvSpPr>
-            <p:spPr>
-              <a:xfrm>
-                <a:off x="3364358" y="1940961"/>
-                <a:ext cx="365760" cy="365760"/>
+                <a:off x="234117" y="1843493"/>
+                <a:ext cx="2856020" cy="1702741"/>
               </a:xfrm>
               <a:prstGeom prst="roundRect">
                 <a:avLst>
-                  <a:gd name="adj" fmla="val 2194"/>
+                  <a:gd name="adj" fmla="val 0"/>
                 </a:avLst>
               </a:prstGeom>
-              <a:solidFill>
-                <a:srgbClr val="4E77B6"/>
-              </a:solidFill>
-              <a:ln w="6350">
+              <a:noFill/>
+              <a:ln w="12700">
                 <a:solidFill>
-                  <a:srgbClr val="4E77B6"/>
+                  <a:srgbClr val="4378BB"/>
                 </a:solidFill>
               </a:ln>
               <a:effectLst>
@@ -6019,37 +5760,145 @@
               </a:p>
             </p:txBody>
           </p:sp>
-          <p:pic>
-            <p:nvPicPr>
-              <p:cNvPr id="169" name="Picture 168">
+          <p:sp>
+            <p:nvSpPr>
+              <p:cNvPr id="129" name="Rounded Rectangle 30">
                 <a:extLst>
                   <a:ext uri="{FF2B5EF4-FFF2-40B4-BE49-F238E27FC236}">
-                    <a16:creationId xmlns:a16="http://schemas.microsoft.com/office/drawing/2014/main" id="{9B62B37B-9AE7-BA4F-85C6-F7C498F6079C}"/>
+                    <a16:creationId xmlns:a16="http://schemas.microsoft.com/office/drawing/2014/main" id="{D61F7510-39BA-7E49-85BC-51615865B910}"/>
                   </a:ext>
                 </a:extLst>
               </p:cNvPr>
-              <p:cNvPicPr>
-                <a:picLocks noChangeAspect="1"/>
-              </p:cNvPicPr>
+              <p:cNvSpPr/>
               <p:nvPr/>
-            </p:nvPicPr>
-            <p:blipFill>
-              <a:blip r:embed="rId10"/>
-              <a:stretch>
-                <a:fillRect/>
-              </a:stretch>
-            </p:blipFill>
+            </p:nvSpPr>
             <p:spPr>
               <a:xfrm>
-                <a:off x="3396303" y="1957565"/>
-                <a:ext cx="301871" cy="332556"/>
+                <a:off x="572580" y="1843493"/>
+                <a:ext cx="2217657" cy="1701700"/>
               </a:xfrm>
-              <a:prstGeom prst="rect">
-                <a:avLst/>
+              <a:prstGeom prst="roundRect">
+                <a:avLst>
+                  <a:gd name="adj" fmla="val 0"/>
+                </a:avLst>
               </a:prstGeom>
+              <a:noFill/>
+              <a:ln w="12700">
+                <a:solidFill>
+                  <a:srgbClr val="4378BB"/>
+                </a:solidFill>
+              </a:ln>
+              <a:effectLst>
+                <a:outerShdw blurRad="50800" dist="38100" dir="8100000" algn="tr" rotWithShape="0">
+                  <a:prstClr val="black">
+                    <a:alpha val="40000"/>
+                  </a:prstClr>
+                </a:outerShdw>
+              </a:effectLst>
             </p:spPr>
-          </p:pic>
+            <p:style>
+              <a:lnRef idx="2">
+                <a:schemeClr val="accent1">
+                  <a:shade val="50000"/>
+                </a:schemeClr>
+              </a:lnRef>
+              <a:fillRef idx="1">
+                <a:schemeClr val="accent1"/>
+              </a:fillRef>
+              <a:effectRef idx="0">
+                <a:schemeClr val="accent1"/>
+              </a:effectRef>
+              <a:fontRef idx="minor">
+                <a:schemeClr val="lt1"/>
+              </a:fontRef>
+            </p:style>
+            <p:txBody>
+              <a:bodyPr rtlCol="0" anchor="ctr"/>
+              <a:lstStyle/>
+              <a:p>
+                <a:pPr algn="ctr"/>
+                <a:endParaRPr lang="en-US" b="1" dirty="0">
+                  <a:ln w="22225">
+                    <a:solidFill>
+                      <a:schemeClr val="accent2"/>
+                    </a:solidFill>
+                    <a:prstDash val="solid"/>
+                  </a:ln>
+                  <a:solidFill>
+                    <a:schemeClr val="accent2">
+                      <a:lumMod val="40000"/>
+                      <a:lumOff val="60000"/>
+                    </a:schemeClr>
+                  </a:solidFill>
+                  <a:latin typeface="IBM Plex Sans" charset="0"/>
+                  <a:ea typeface="IBM Plex Sans" charset="0"/>
+                  <a:cs typeface="IBM Plex Sans" charset="0"/>
+                </a:endParaRPr>
+              </a:p>
+            </p:txBody>
+          </p:sp>
         </p:grpSp>
+        <p:sp>
+          <p:nvSpPr>
+            <p:cNvPr id="117" name="Shape 535">
+              <a:extLst>
+                <a:ext uri="{FF2B5EF4-FFF2-40B4-BE49-F238E27FC236}">
+                  <a16:creationId xmlns:a16="http://schemas.microsoft.com/office/drawing/2014/main" id="{B6FD739B-E6A9-E741-8B85-AF80D6DCB887}"/>
+                </a:ext>
+              </a:extLst>
+            </p:cNvPr>
+            <p:cNvSpPr/>
+            <p:nvPr/>
+          </p:nvSpPr>
+          <p:spPr>
+            <a:xfrm>
+              <a:off x="1562400" y="38169"/>
+              <a:ext cx="4183639" cy="286545"/>
+            </a:xfrm>
+            <a:prstGeom prst="rect">
+              <a:avLst/>
+            </a:prstGeom>
+            <a:ln w="3175">
+              <a:miter lim="400000"/>
+            </a:ln>
+            <a:extLst>
+              <a:ext uri="{C572A759-6A51-4108-AA02-DFA0A04FC94B}">
+                <ma14:wrappingTextBoxFlag xmlns:ma14="http://schemas.microsoft.com/office/mac/drawingml/2011/main" xmlns="" val="1"/>
+              </a:ext>
+            </a:extLst>
+          </p:spPr>
+          <p:txBody>
+            <a:bodyPr wrap="square" lIns="50800" tIns="50800" rIns="50800" bIns="50800">
+              <a:spAutoFit/>
+            </a:bodyPr>
+            <a:lstStyle>
+              <a:lvl1pPr algn="l" defTabSz="457200">
+                <a:defRPr sz="1000">
+                  <a:latin typeface="Helvetica Neue"/>
+                  <a:ea typeface="Helvetica Neue"/>
+                  <a:cs typeface="Helvetica Neue"/>
+                  <a:sym typeface="Helvetica Neue"/>
+                </a:defRPr>
+              </a:lvl1pPr>
+            </a:lstStyle>
+            <a:p>
+              <a:pPr lvl="0">
+                <a:defRPr sz="1800"/>
+              </a:pPr>
+              <a:r>
+                <a:rPr lang="en-US" sz="1200" dirty="0">
+                  <a:latin typeface="Helvetica" panose="020B0604020202020204" pitchFamily="34" charset="0"/>
+                  <a:cs typeface="Helvetica" panose="020B0604020202020204" pitchFamily="34" charset="0"/>
+                </a:rPr>
+                <a:t>IBM Cloud</a:t>
+              </a:r>
+              <a:endParaRPr sz="1200" dirty="0">
+                <a:latin typeface="Helvetica" panose="020B0604020202020204" pitchFamily="34" charset="0"/>
+                <a:cs typeface="Helvetica" panose="020B0604020202020204" pitchFamily="34" charset="0"/>
+              </a:endParaRPr>
+            </a:p>
+          </p:txBody>
+        </p:sp>
         <p:grpSp>
           <p:nvGrpSpPr>
             <p:cNvPr id="170" name="Group 169">
@@ -6173,7 +6022,7 @@
               </a:ln>
               <a:extLst>
                 <a:ext uri="{C572A759-6A51-4108-AA02-DFA0A04FC94B}">
-                  <ma14:wrappingTextBoxFlag xmlns="" xmlns:ma14="http://schemas.microsoft.com/office/mac/drawingml/2011/main" val="1"/>
+                  <ma14:wrappingTextBoxFlag xmlns:ma14="http://schemas.microsoft.com/office/mac/drawingml/2011/main" xmlns="" val="1"/>
                 </a:ext>
               </a:extLst>
             </p:spPr>
@@ -6210,137 +6059,6 @@
             </p:txBody>
           </p:sp>
         </p:grpSp>
-        <p:grpSp>
-          <p:nvGrpSpPr>
-            <p:cNvPr id="180" name="Group 179">
-              <a:extLst>
-                <a:ext uri="{FF2B5EF4-FFF2-40B4-BE49-F238E27FC236}">
-                  <a16:creationId xmlns:a16="http://schemas.microsoft.com/office/drawing/2014/main" id="{96E0FCB9-6B28-B343-BD8C-68FBEB0B98E3}"/>
-                </a:ext>
-              </a:extLst>
-            </p:cNvPr>
-            <p:cNvGrpSpPr/>
-            <p:nvPr/>
-          </p:nvGrpSpPr>
-          <p:grpSpPr>
-            <a:xfrm>
-              <a:off x="1379538" y="566325"/>
-              <a:ext cx="348370" cy="383181"/>
-              <a:chOff x="265242" y="4853633"/>
-              <a:chExt cx="365760" cy="365760"/>
-            </a:xfrm>
-          </p:grpSpPr>
-          <p:sp>
-            <p:nvSpPr>
-              <p:cNvPr id="185" name="Rounded Rectangle 34">
-                <a:extLst>
-                  <a:ext uri="{FF2B5EF4-FFF2-40B4-BE49-F238E27FC236}">
-                    <a16:creationId xmlns:a16="http://schemas.microsoft.com/office/drawing/2014/main" id="{FADD1E49-E371-DF4B-96B4-5F6A33D8A238}"/>
-                  </a:ext>
-                </a:extLst>
-              </p:cNvPr>
-              <p:cNvSpPr/>
-              <p:nvPr/>
-            </p:nvSpPr>
-            <p:spPr>
-              <a:xfrm>
-                <a:off x="265242" y="4853633"/>
-                <a:ext cx="365760" cy="365760"/>
-              </a:xfrm>
-              <a:prstGeom prst="roundRect">
-                <a:avLst>
-                  <a:gd name="adj" fmla="val 2194"/>
-                </a:avLst>
-              </a:prstGeom>
-              <a:solidFill>
-                <a:srgbClr val="00882B"/>
-              </a:solidFill>
-              <a:ln w="19050">
-                <a:solidFill>
-                  <a:srgbClr val="00882B"/>
-                </a:solidFill>
-                <a:prstDash val="solid"/>
-              </a:ln>
-              <a:effectLst>
-                <a:outerShdw blurRad="50800" dist="38100" dir="8100000" algn="tr" rotWithShape="0">
-                  <a:prstClr val="black">
-                    <a:alpha val="40000"/>
-                  </a:prstClr>
-                </a:outerShdw>
-              </a:effectLst>
-            </p:spPr>
-            <p:style>
-              <a:lnRef idx="2">
-                <a:schemeClr val="accent1">
-                  <a:shade val="50000"/>
-                </a:schemeClr>
-              </a:lnRef>
-              <a:fillRef idx="1">
-                <a:schemeClr val="accent1"/>
-              </a:fillRef>
-              <a:effectRef idx="0">
-                <a:schemeClr val="accent1"/>
-              </a:effectRef>
-              <a:fontRef idx="minor">
-                <a:schemeClr val="lt1"/>
-              </a:fontRef>
-            </p:style>
-            <p:txBody>
-              <a:bodyPr rtlCol="0" anchor="ctr"/>
-              <a:lstStyle/>
-              <a:p>
-                <a:pPr algn="ctr"/>
-                <a:endParaRPr lang="en-US" b="1" dirty="0">
-                  <a:ln w="22225">
-                    <a:solidFill>
-                      <a:schemeClr val="accent2"/>
-                    </a:solidFill>
-                    <a:prstDash val="solid"/>
-                  </a:ln>
-                  <a:solidFill>
-                    <a:schemeClr val="accent2">
-                      <a:lumMod val="40000"/>
-                      <a:lumOff val="60000"/>
-                    </a:schemeClr>
-                  </a:solidFill>
-                  <a:latin typeface="IBM Plex Sans" charset="0"/>
-                  <a:ea typeface="IBM Plex Sans" charset="0"/>
-                  <a:cs typeface="IBM Plex Sans" charset="0"/>
-                </a:endParaRPr>
-              </a:p>
-            </p:txBody>
-          </p:sp>
-          <p:pic>
-            <p:nvPicPr>
-              <p:cNvPr id="192" name="Picture 191">
-                <a:extLst>
-                  <a:ext uri="{FF2B5EF4-FFF2-40B4-BE49-F238E27FC236}">
-                    <a16:creationId xmlns:a16="http://schemas.microsoft.com/office/drawing/2014/main" id="{A9559E9D-1712-3740-945F-C39C126A65AA}"/>
-                  </a:ext>
-                </a:extLst>
-              </p:cNvPr>
-              <p:cNvPicPr>
-                <a:picLocks noChangeAspect="1"/>
-              </p:cNvPicPr>
-              <p:nvPr/>
-            </p:nvPicPr>
-            <p:blipFill>
-              <a:blip r:embed="rId11"/>
-              <a:stretch>
-                <a:fillRect/>
-              </a:stretch>
-            </p:blipFill>
-            <p:spPr>
-              <a:xfrm>
-                <a:off x="270609" y="4856295"/>
-                <a:ext cx="355026" cy="355026"/>
-              </a:xfrm>
-              <a:prstGeom prst="rect">
-                <a:avLst/>
-              </a:prstGeom>
-            </p:spPr>
-          </p:pic>
-        </p:grpSp>
         <p:sp>
           <p:nvSpPr>
             <p:cNvPr id="193" name="Rounded Rectangle 192">
@@ -6366,7 +6084,7 @@
             <a:noFill/>
             <a:ln w="12700">
               <a:solidFill>
-                <a:srgbClr val="4E77B6"/>
+                <a:srgbClr val="4378BB"/>
               </a:solidFill>
             </a:ln>
             <a:effectLst>
@@ -6418,187 +6136,6 @@
             </a:p>
           </p:txBody>
         </p:sp>
-        <p:grpSp>
-          <p:nvGrpSpPr>
-            <p:cNvPr id="195" name="Group 194">
-              <a:extLst>
-                <a:ext uri="{FF2B5EF4-FFF2-40B4-BE49-F238E27FC236}">
-                  <a16:creationId xmlns:a16="http://schemas.microsoft.com/office/drawing/2014/main" id="{1C37C18F-FE91-6544-AC6A-4CA367E3790E}"/>
-                </a:ext>
-              </a:extLst>
-            </p:cNvPr>
-            <p:cNvGrpSpPr/>
-            <p:nvPr/>
-          </p:nvGrpSpPr>
-          <p:grpSpPr>
-            <a:xfrm>
-              <a:off x="1556963" y="1046117"/>
-              <a:ext cx="365760" cy="365760"/>
-              <a:chOff x="5452961" y="3516912"/>
-              <a:chExt cx="1263556" cy="967351"/>
-            </a:xfrm>
-          </p:grpSpPr>
-          <p:grpSp>
-            <p:nvGrpSpPr>
-              <p:cNvPr id="196" name="Group 195">
-                <a:extLst>
-                  <a:ext uri="{FF2B5EF4-FFF2-40B4-BE49-F238E27FC236}">
-                    <a16:creationId xmlns:a16="http://schemas.microsoft.com/office/drawing/2014/main" id="{7E3A3AC0-8108-6D44-9950-C060FF5DCA98}"/>
-                  </a:ext>
-                </a:extLst>
-              </p:cNvPr>
-              <p:cNvGrpSpPr/>
-              <p:nvPr/>
-            </p:nvGrpSpPr>
-            <p:grpSpPr>
-              <a:xfrm>
-                <a:off x="5452961" y="3516912"/>
-                <a:ext cx="1263556" cy="967351"/>
-                <a:chOff x="5452961" y="3516914"/>
-                <a:chExt cx="1263555" cy="994420"/>
-              </a:xfrm>
-            </p:grpSpPr>
-            <p:sp>
-              <p:nvSpPr>
-                <p:cNvPr id="200" name="Rounded Rectangle 199">
-                  <a:extLst>
-                    <a:ext uri="{FF2B5EF4-FFF2-40B4-BE49-F238E27FC236}">
-                      <a16:creationId xmlns:a16="http://schemas.microsoft.com/office/drawing/2014/main" id="{DD80741D-08D3-7447-B1A6-D36B8ABEF350}"/>
-                    </a:ext>
-                  </a:extLst>
-                </p:cNvPr>
-                <p:cNvSpPr/>
-                <p:nvPr/>
-              </p:nvSpPr>
-              <p:spPr>
-                <a:xfrm>
-                  <a:off x="5452961" y="3516914"/>
-                  <a:ext cx="1263555" cy="994420"/>
-                </a:xfrm>
-                <a:prstGeom prst="roundRect">
-                  <a:avLst>
-                    <a:gd name="adj" fmla="val 2194"/>
-                  </a:avLst>
-                </a:prstGeom>
-                <a:solidFill>
-                  <a:srgbClr val="4E77B6"/>
-                </a:solidFill>
-                <a:ln w="6350">
-                  <a:solidFill>
-                    <a:srgbClr val="4E77B6"/>
-                  </a:solidFill>
-                </a:ln>
-                <a:effectLst>
-                  <a:outerShdw blurRad="50800" dist="38100" dir="8100000" algn="tr" rotWithShape="0">
-                    <a:prstClr val="black">
-                      <a:alpha val="40000"/>
-                    </a:prstClr>
-                  </a:outerShdw>
-                </a:effectLst>
-              </p:spPr>
-              <p:style>
-                <a:lnRef idx="2">
-                  <a:schemeClr val="accent1">
-                    <a:shade val="50000"/>
-                  </a:schemeClr>
-                </a:lnRef>
-                <a:fillRef idx="1">
-                  <a:schemeClr val="accent1"/>
-                </a:fillRef>
-                <a:effectRef idx="0">
-                  <a:schemeClr val="accent1"/>
-                </a:effectRef>
-                <a:fontRef idx="minor">
-                  <a:schemeClr val="lt1"/>
-                </a:fontRef>
-              </p:style>
-              <p:txBody>
-                <a:bodyPr rtlCol="0" anchor="ctr"/>
-                <a:lstStyle/>
-                <a:p>
-                  <a:pPr algn="ctr"/>
-                  <a:endParaRPr lang="en-US" b="1" dirty="0">
-                    <a:ln w="22225">
-                      <a:solidFill>
-                        <a:schemeClr val="accent2"/>
-                      </a:solidFill>
-                      <a:prstDash val="solid"/>
-                    </a:ln>
-                    <a:solidFill>
-                      <a:schemeClr val="accent2">
-                        <a:lumMod val="40000"/>
-                        <a:lumOff val="60000"/>
-                      </a:schemeClr>
-                    </a:solidFill>
-                    <a:latin typeface="IBM Plex Sans" charset="0"/>
-                    <a:ea typeface="IBM Plex Sans" charset="0"/>
-                    <a:cs typeface="IBM Plex Sans" charset="0"/>
-                  </a:endParaRPr>
-                </a:p>
-              </p:txBody>
-            </p:sp>
-            <p:pic>
-              <p:nvPicPr>
-                <p:cNvPr id="202" name="Picture 201">
-                  <a:extLst>
-                    <a:ext uri="{FF2B5EF4-FFF2-40B4-BE49-F238E27FC236}">
-                      <a16:creationId xmlns:a16="http://schemas.microsoft.com/office/drawing/2014/main" id="{145C5C8E-F1FA-7D4D-941E-0E7AAC6A4B47}"/>
-                    </a:ext>
-                  </a:extLst>
-                </p:cNvPr>
-                <p:cNvPicPr>
-                  <a:picLocks noChangeAspect="1"/>
-                </p:cNvPicPr>
-                <p:nvPr/>
-              </p:nvPicPr>
-              <p:blipFill>
-                <a:blip r:embed="rId10"/>
-                <a:stretch>
-                  <a:fillRect/>
-                </a:stretch>
-              </p:blipFill>
-              <p:spPr>
-                <a:xfrm>
-                  <a:off x="5528962" y="3544213"/>
-                  <a:ext cx="1047100" cy="896027"/>
-                </a:xfrm>
-                <a:prstGeom prst="rect">
-                  <a:avLst/>
-                </a:prstGeom>
-              </p:spPr>
-            </p:pic>
-          </p:grpSp>
-          <p:pic>
-            <p:nvPicPr>
-              <p:cNvPr id="198" name="Picture 197">
-                <a:extLst>
-                  <a:ext uri="{FF2B5EF4-FFF2-40B4-BE49-F238E27FC236}">
-                    <a16:creationId xmlns:a16="http://schemas.microsoft.com/office/drawing/2014/main" id="{48E1CCDA-91B0-D34D-B076-E50C02A7AE70}"/>
-                  </a:ext>
-                </a:extLst>
-              </p:cNvPr>
-              <p:cNvPicPr>
-                <a:picLocks noChangeAspect="1"/>
-              </p:cNvPicPr>
-              <p:nvPr/>
-            </p:nvPicPr>
-            <p:blipFill>
-              <a:blip r:embed="rId12"/>
-              <a:stretch>
-                <a:fillRect/>
-              </a:stretch>
-            </p:blipFill>
-            <p:spPr>
-              <a:xfrm>
-                <a:off x="5821379" y="3756501"/>
-                <a:ext cx="553008" cy="553008"/>
-              </a:xfrm>
-              <a:prstGeom prst="rect">
-                <a:avLst/>
-              </a:prstGeom>
-            </p:spPr>
-          </p:pic>
-        </p:grpSp>
         <p:sp>
           <p:nvSpPr>
             <p:cNvPr id="204" name="Shape 535">
@@ -6624,7 +6161,7 @@
             </a:ln>
             <a:extLst>
               <a:ext uri="{C572A759-6A51-4108-AA02-DFA0A04FC94B}">
-                <ma14:wrappingTextBoxFlag xmlns="" xmlns:ma14="http://schemas.microsoft.com/office/mac/drawingml/2011/main" val="1"/>
+                <ma14:wrappingTextBoxFlag xmlns:ma14="http://schemas.microsoft.com/office/mac/drawingml/2011/main" xmlns="" val="1"/>
               </a:ext>
             </a:extLst>
           </p:spPr>
@@ -6685,7 +6222,7 @@
             </a:ln>
             <a:extLst>
               <a:ext uri="{C572A759-6A51-4108-AA02-DFA0A04FC94B}">
-                <ma14:wrappingTextBoxFlag xmlns="" xmlns:ma14="http://schemas.microsoft.com/office/mac/drawingml/2011/main" val="1"/>
+                <ma14:wrappingTextBoxFlag xmlns:ma14="http://schemas.microsoft.com/office/mac/drawingml/2011/main" xmlns="" val="1"/>
               </a:ext>
             </a:extLst>
           </p:spPr>
@@ -6746,7 +6283,7 @@
             </a:ln>
             <a:extLst>
               <a:ext uri="{C572A759-6A51-4108-AA02-DFA0A04FC94B}">
-                <ma14:wrappingTextBoxFlag xmlns="" xmlns:ma14="http://schemas.microsoft.com/office/mac/drawingml/2011/main" val="1"/>
+                <ma14:wrappingTextBoxFlag xmlns:ma14="http://schemas.microsoft.com/office/mac/drawingml/2011/main" xmlns="" val="1"/>
               </a:ext>
             </a:extLst>
           </p:spPr>
@@ -6885,7 +6422,7 @@
             </a:ln>
             <a:extLst>
               <a:ext uri="{C572A759-6A51-4108-AA02-DFA0A04FC94B}">
-                <ma14:wrappingTextBoxFlag xmlns="" xmlns:ma14="http://schemas.microsoft.com/office/mac/drawingml/2011/main" val="1"/>
+                <ma14:wrappingTextBoxFlag xmlns:ma14="http://schemas.microsoft.com/office/mac/drawingml/2011/main" xmlns="" val="1"/>
               </a:ext>
             </a:extLst>
           </p:spPr>
@@ -6921,143 +6458,6 @@
             </a:p>
           </p:txBody>
         </p:sp>
-        <p:grpSp>
-          <p:nvGrpSpPr>
-            <p:cNvPr id="223" name="Group 222">
-              <a:extLst>
-                <a:ext uri="{FF2B5EF4-FFF2-40B4-BE49-F238E27FC236}">
-                  <a16:creationId xmlns:a16="http://schemas.microsoft.com/office/drawing/2014/main" id="{EDA2C72B-15ED-4B48-BB72-C81627706FE6}"/>
-                </a:ext>
-              </a:extLst>
-            </p:cNvPr>
-            <p:cNvGrpSpPr/>
-            <p:nvPr/>
-          </p:nvGrpSpPr>
-          <p:grpSpPr>
-            <a:xfrm>
-              <a:off x="1724254" y="1522234"/>
-              <a:ext cx="365760" cy="365760"/>
-              <a:chOff x="1203157" y="4869086"/>
-              <a:chExt cx="365760" cy="365760"/>
-            </a:xfrm>
-          </p:grpSpPr>
-          <p:sp>
-            <p:nvSpPr>
-              <p:cNvPr id="225" name="Rounded Rectangle 34">
-                <a:extLst>
-                  <a:ext uri="{FF2B5EF4-FFF2-40B4-BE49-F238E27FC236}">
-                    <a16:creationId xmlns:a16="http://schemas.microsoft.com/office/drawing/2014/main" id="{94FB2179-E8F5-984E-B1CA-D0ADFED130CA}"/>
-                  </a:ext>
-                </a:extLst>
-              </p:cNvPr>
-              <p:cNvSpPr/>
-              <p:nvPr/>
-            </p:nvSpPr>
-            <p:spPr>
-              <a:xfrm>
-                <a:off x="1203157" y="4869086"/>
-                <a:ext cx="365760" cy="365760"/>
-              </a:xfrm>
-              <a:prstGeom prst="roundRect">
-                <a:avLst>
-                  <a:gd name="adj" fmla="val 2194"/>
-                </a:avLst>
-              </a:prstGeom>
-              <a:solidFill>
-                <a:srgbClr val="00882B"/>
-              </a:solidFill>
-              <a:ln w="19050">
-                <a:solidFill>
-                  <a:srgbClr val="00882B"/>
-                </a:solidFill>
-                <a:prstDash val="solid"/>
-              </a:ln>
-              <a:effectLst>
-                <a:outerShdw blurRad="50800" dist="38100" dir="8100000" algn="tr" rotWithShape="0">
-                  <a:prstClr val="black">
-                    <a:alpha val="40000"/>
-                  </a:prstClr>
-                </a:outerShdw>
-              </a:effectLst>
-            </p:spPr>
-            <p:style>
-              <a:lnRef idx="2">
-                <a:schemeClr val="accent1">
-                  <a:shade val="50000"/>
-                </a:schemeClr>
-              </a:lnRef>
-              <a:fillRef idx="1">
-                <a:schemeClr val="accent1"/>
-              </a:fillRef>
-              <a:effectRef idx="0">
-                <a:schemeClr val="accent1"/>
-              </a:effectRef>
-              <a:fontRef idx="minor">
-                <a:schemeClr val="lt1"/>
-              </a:fontRef>
-            </p:style>
-            <p:txBody>
-              <a:bodyPr rtlCol="0" anchor="ctr"/>
-              <a:lstStyle/>
-              <a:p>
-                <a:pPr algn="ctr"/>
-                <a:endParaRPr lang="en-US" b="1" dirty="0">
-                  <a:ln w="22225">
-                    <a:solidFill>
-                      <a:schemeClr val="accent2"/>
-                    </a:solidFill>
-                    <a:prstDash val="solid"/>
-                  </a:ln>
-                  <a:solidFill>
-                    <a:schemeClr val="accent2">
-                      <a:lumMod val="40000"/>
-                      <a:lumOff val="60000"/>
-                    </a:schemeClr>
-                  </a:solidFill>
-                  <a:latin typeface="IBM Plex Sans" charset="0"/>
-                  <a:ea typeface="IBM Plex Sans" charset="0"/>
-                  <a:cs typeface="IBM Plex Sans" charset="0"/>
-                </a:endParaRPr>
-              </a:p>
-            </p:txBody>
-          </p:sp>
-          <p:pic>
-            <p:nvPicPr>
-              <p:cNvPr id="226" name="Picture 225">
-                <a:extLst>
-                  <a:ext uri="{FF2B5EF4-FFF2-40B4-BE49-F238E27FC236}">
-                    <a16:creationId xmlns:a16="http://schemas.microsoft.com/office/drawing/2014/main" id="{0FFD70DE-A6E9-7E40-8D4B-C8C1100E29DE}"/>
-                  </a:ext>
-                </a:extLst>
-              </p:cNvPr>
-              <p:cNvPicPr>
-                <a:picLocks noChangeAspect="1"/>
-              </p:cNvPicPr>
-              <p:nvPr/>
-            </p:nvPicPr>
-            <p:blipFill>
-              <a:blip r:embed="rId13">
-                <a:extLst>
-                  <a:ext uri="{28A0092B-C50C-407E-A947-70E740481C1C}">
-                    <a14:useLocalDpi xmlns:a14="http://schemas.microsoft.com/office/drawing/2010/main" val="0"/>
-                  </a:ext>
-                </a:extLst>
-              </a:blip>
-              <a:stretch>
-                <a:fillRect/>
-              </a:stretch>
-            </p:blipFill>
-            <p:spPr>
-              <a:xfrm>
-                <a:off x="1247409" y="4913338"/>
-                <a:ext cx="277256" cy="277256"/>
-              </a:xfrm>
-              <a:prstGeom prst="rect">
-                <a:avLst/>
-              </a:prstGeom>
-            </p:spPr>
-          </p:pic>
-        </p:grpSp>
         <p:sp>
           <p:nvSpPr>
             <p:cNvPr id="227" name="Rounded Rectangle 226">
@@ -7161,7 +6561,7 @@
             </a:ln>
             <a:extLst>
               <a:ext uri="{C572A759-6A51-4108-AA02-DFA0A04FC94B}">
-                <ma14:wrappingTextBoxFlag xmlns="" xmlns:ma14="http://schemas.microsoft.com/office/mac/drawingml/2011/main" val="1"/>
+                <ma14:wrappingTextBoxFlag xmlns:ma14="http://schemas.microsoft.com/office/mac/drawingml/2011/main" xmlns="" val="1"/>
               </a:ext>
             </a:extLst>
           </p:spPr>
@@ -7197,273 +6597,6 @@
             </a:p>
           </p:txBody>
         </p:sp>
-        <p:grpSp>
-          <p:nvGrpSpPr>
-            <p:cNvPr id="239" name="Group 238">
-              <a:extLst>
-                <a:ext uri="{FF2B5EF4-FFF2-40B4-BE49-F238E27FC236}">
-                  <a16:creationId xmlns:a16="http://schemas.microsoft.com/office/drawing/2014/main" id="{91EC9985-66E4-F14A-BF85-5DDFBD1A0BAF}"/>
-                </a:ext>
-              </a:extLst>
-            </p:cNvPr>
-            <p:cNvGrpSpPr/>
-            <p:nvPr/>
-          </p:nvGrpSpPr>
-          <p:grpSpPr>
-            <a:xfrm>
-              <a:off x="4868191" y="1525822"/>
-              <a:ext cx="365760" cy="365760"/>
-              <a:chOff x="1203157" y="4869086"/>
-              <a:chExt cx="365760" cy="365760"/>
-            </a:xfrm>
-          </p:grpSpPr>
-          <p:sp>
-            <p:nvSpPr>
-              <p:cNvPr id="242" name="Rounded Rectangle 34">
-                <a:extLst>
-                  <a:ext uri="{FF2B5EF4-FFF2-40B4-BE49-F238E27FC236}">
-                    <a16:creationId xmlns:a16="http://schemas.microsoft.com/office/drawing/2014/main" id="{08D83F0B-DF75-2440-B6DC-D45B9B46C6E0}"/>
-                  </a:ext>
-                </a:extLst>
-              </p:cNvPr>
-              <p:cNvSpPr/>
-              <p:nvPr/>
-            </p:nvSpPr>
-            <p:spPr>
-              <a:xfrm>
-                <a:off x="1203157" y="4869086"/>
-                <a:ext cx="365760" cy="365760"/>
-              </a:xfrm>
-              <a:prstGeom prst="roundRect">
-                <a:avLst>
-                  <a:gd name="adj" fmla="val 2194"/>
-                </a:avLst>
-              </a:prstGeom>
-              <a:solidFill>
-                <a:srgbClr val="00882B"/>
-              </a:solidFill>
-              <a:ln w="19050">
-                <a:solidFill>
-                  <a:srgbClr val="00882B"/>
-                </a:solidFill>
-                <a:prstDash val="solid"/>
-              </a:ln>
-              <a:effectLst>
-                <a:outerShdw blurRad="50800" dist="38100" dir="8100000" algn="tr" rotWithShape="0">
-                  <a:prstClr val="black">
-                    <a:alpha val="40000"/>
-                  </a:prstClr>
-                </a:outerShdw>
-              </a:effectLst>
-            </p:spPr>
-            <p:style>
-              <a:lnRef idx="2">
-                <a:schemeClr val="accent1">
-                  <a:shade val="50000"/>
-                </a:schemeClr>
-              </a:lnRef>
-              <a:fillRef idx="1">
-                <a:schemeClr val="accent1"/>
-              </a:fillRef>
-              <a:effectRef idx="0">
-                <a:schemeClr val="accent1"/>
-              </a:effectRef>
-              <a:fontRef idx="minor">
-                <a:schemeClr val="lt1"/>
-              </a:fontRef>
-            </p:style>
-            <p:txBody>
-              <a:bodyPr rtlCol="0" anchor="ctr"/>
-              <a:lstStyle/>
-              <a:p>
-                <a:pPr algn="ctr"/>
-                <a:endParaRPr lang="en-US" b="1" dirty="0">
-                  <a:ln w="22225">
-                    <a:solidFill>
-                      <a:schemeClr val="accent2"/>
-                    </a:solidFill>
-                    <a:prstDash val="solid"/>
-                  </a:ln>
-                  <a:solidFill>
-                    <a:schemeClr val="accent2">
-                      <a:lumMod val="40000"/>
-                      <a:lumOff val="60000"/>
-                    </a:schemeClr>
-                  </a:solidFill>
-                  <a:latin typeface="IBM Plex Sans" charset="0"/>
-                  <a:ea typeface="IBM Plex Sans" charset="0"/>
-                  <a:cs typeface="IBM Plex Sans" charset="0"/>
-                </a:endParaRPr>
-              </a:p>
-            </p:txBody>
-          </p:sp>
-          <p:pic>
-            <p:nvPicPr>
-              <p:cNvPr id="244" name="Picture 243">
-                <a:extLst>
-                  <a:ext uri="{FF2B5EF4-FFF2-40B4-BE49-F238E27FC236}">
-                    <a16:creationId xmlns:a16="http://schemas.microsoft.com/office/drawing/2014/main" id="{DEC9A3DB-B5D0-0E44-A5FE-704A4CD16835}"/>
-                  </a:ext>
-                </a:extLst>
-              </p:cNvPr>
-              <p:cNvPicPr>
-                <a:picLocks noChangeAspect="1"/>
-              </p:cNvPicPr>
-              <p:nvPr/>
-            </p:nvPicPr>
-            <p:blipFill>
-              <a:blip r:embed="rId13">
-                <a:extLst>
-                  <a:ext uri="{28A0092B-C50C-407E-A947-70E740481C1C}">
-                    <a14:useLocalDpi xmlns:a14="http://schemas.microsoft.com/office/drawing/2010/main" val="0"/>
-                  </a:ext>
-                </a:extLst>
-              </a:blip>
-              <a:stretch>
-                <a:fillRect/>
-              </a:stretch>
-            </p:blipFill>
-            <p:spPr>
-              <a:xfrm>
-                <a:off x="1247409" y="4913338"/>
-                <a:ext cx="277256" cy="277256"/>
-              </a:xfrm>
-              <a:prstGeom prst="rect">
-                <a:avLst/>
-              </a:prstGeom>
-            </p:spPr>
-          </p:pic>
-        </p:grpSp>
-        <p:grpSp>
-          <p:nvGrpSpPr>
-            <p:cNvPr id="262" name="Group 261">
-              <a:extLst>
-                <a:ext uri="{FF2B5EF4-FFF2-40B4-BE49-F238E27FC236}">
-                  <a16:creationId xmlns:a16="http://schemas.microsoft.com/office/drawing/2014/main" id="{B91E258F-EFBF-F94A-B154-AD1C2D69CE48}"/>
-                </a:ext>
-              </a:extLst>
-            </p:cNvPr>
-            <p:cNvGrpSpPr/>
-            <p:nvPr/>
-          </p:nvGrpSpPr>
-          <p:grpSpPr>
-            <a:xfrm>
-              <a:off x="2598338" y="2156566"/>
-              <a:ext cx="365760" cy="365760"/>
-              <a:chOff x="6918835" y="3703319"/>
-              <a:chExt cx="1529706" cy="1450745"/>
-            </a:xfrm>
-          </p:grpSpPr>
-          <p:sp>
-            <p:nvSpPr>
-              <p:cNvPr id="263" name="Rounded Rectangle 262">
-                <a:extLst>
-                  <a:ext uri="{FF2B5EF4-FFF2-40B4-BE49-F238E27FC236}">
-                    <a16:creationId xmlns:a16="http://schemas.microsoft.com/office/drawing/2014/main" id="{D7D124C4-4DE7-C946-9DD3-8360065A2E0F}"/>
-                  </a:ext>
-                </a:extLst>
-              </p:cNvPr>
-              <p:cNvSpPr/>
-              <p:nvPr/>
-            </p:nvSpPr>
-            <p:spPr>
-              <a:xfrm>
-                <a:off x="6918835" y="3703319"/>
-                <a:ext cx="1529706" cy="1450745"/>
-              </a:xfrm>
-              <a:prstGeom prst="roundRect">
-                <a:avLst>
-                  <a:gd name="adj" fmla="val 2194"/>
-                </a:avLst>
-              </a:prstGeom>
-              <a:solidFill>
-                <a:srgbClr val="FF0000"/>
-              </a:solidFill>
-              <a:ln w="6350">
-                <a:solidFill>
-                  <a:srgbClr val="FF0000"/>
-                </a:solidFill>
-              </a:ln>
-              <a:effectLst>
-                <a:outerShdw blurRad="50800" dist="38100" dir="8100000" algn="tr" rotWithShape="0">
-                  <a:prstClr val="black">
-                    <a:alpha val="40000"/>
-                  </a:prstClr>
-                </a:outerShdw>
-              </a:effectLst>
-            </p:spPr>
-            <p:style>
-              <a:lnRef idx="2">
-                <a:schemeClr val="accent1">
-                  <a:shade val="50000"/>
-                </a:schemeClr>
-              </a:lnRef>
-              <a:fillRef idx="1">
-                <a:schemeClr val="accent1"/>
-              </a:fillRef>
-              <a:effectRef idx="0">
-                <a:schemeClr val="accent1"/>
-              </a:effectRef>
-              <a:fontRef idx="minor">
-                <a:schemeClr val="lt1"/>
-              </a:fontRef>
-            </p:style>
-            <p:txBody>
-              <a:bodyPr rtlCol="0" anchor="ctr"/>
-              <a:lstStyle/>
-              <a:p>
-                <a:pPr algn="ctr"/>
-                <a:endParaRPr lang="en-US" b="1" dirty="0">
-                  <a:ln w="22225">
-                    <a:solidFill>
-                      <a:schemeClr val="accent2"/>
-                    </a:solidFill>
-                    <a:prstDash val="solid"/>
-                  </a:ln>
-                  <a:solidFill>
-                    <a:schemeClr val="accent2">
-                      <a:lumMod val="40000"/>
-                      <a:lumOff val="60000"/>
-                    </a:schemeClr>
-                  </a:solidFill>
-                  <a:latin typeface="IBM Plex Sans" charset="0"/>
-                  <a:ea typeface="IBM Plex Sans" charset="0"/>
-                  <a:cs typeface="IBM Plex Sans" charset="0"/>
-                </a:endParaRPr>
-              </a:p>
-            </p:txBody>
-          </p:sp>
-          <p:pic>
-            <p:nvPicPr>
-              <p:cNvPr id="264" name="Picture 263">
-                <a:extLst>
-                  <a:ext uri="{FF2B5EF4-FFF2-40B4-BE49-F238E27FC236}">
-                    <a16:creationId xmlns:a16="http://schemas.microsoft.com/office/drawing/2014/main" id="{93E3BE89-DE88-8B42-A215-5F51EBDBA4CD}"/>
-                  </a:ext>
-                </a:extLst>
-              </p:cNvPr>
-              <p:cNvPicPr>
-                <a:picLocks noChangeAspect="1"/>
-              </p:cNvPicPr>
-              <p:nvPr/>
-            </p:nvPicPr>
-            <p:blipFill>
-              <a:blip r:embed="rId12"/>
-              <a:stretch>
-                <a:fillRect/>
-              </a:stretch>
-            </p:blipFill>
-            <p:spPr>
-              <a:xfrm>
-                <a:off x="7164194" y="3887773"/>
-                <a:ext cx="1079903" cy="1097941"/>
-              </a:xfrm>
-              <a:prstGeom prst="rect">
-                <a:avLst/>
-              </a:prstGeom>
-            </p:spPr>
-          </p:pic>
-        </p:grpSp>
         <p:sp>
           <p:nvSpPr>
             <p:cNvPr id="265" name="Rounded Rectangle 28">
@@ -7620,398 +6753,6 @@
         </p:sp>
         <p:grpSp>
           <p:nvGrpSpPr>
-            <p:cNvPr id="267" name="Group 266">
-              <a:extLst>
-                <a:ext uri="{FF2B5EF4-FFF2-40B4-BE49-F238E27FC236}">
-                  <a16:creationId xmlns:a16="http://schemas.microsoft.com/office/drawing/2014/main" id="{3E112B48-D230-304E-A4F2-1BF89972CA72}"/>
-                </a:ext>
-              </a:extLst>
-            </p:cNvPr>
-            <p:cNvGrpSpPr/>
-            <p:nvPr/>
-          </p:nvGrpSpPr>
-          <p:grpSpPr>
-            <a:xfrm>
-              <a:off x="2582861" y="4873877"/>
-              <a:ext cx="365760" cy="365760"/>
-              <a:chOff x="5566667" y="5655643"/>
-              <a:chExt cx="365760" cy="365760"/>
-            </a:xfrm>
-          </p:grpSpPr>
-          <p:sp>
-            <p:nvSpPr>
-              <p:cNvPr id="275" name="Rounded Rectangle 34">
-                <a:extLst>
-                  <a:ext uri="{FF2B5EF4-FFF2-40B4-BE49-F238E27FC236}">
-                    <a16:creationId xmlns:a16="http://schemas.microsoft.com/office/drawing/2014/main" id="{B0D432F6-F451-0B48-81F2-C0094613FEFB}"/>
-                  </a:ext>
-                </a:extLst>
-              </p:cNvPr>
-              <p:cNvSpPr/>
-              <p:nvPr/>
-            </p:nvSpPr>
-            <p:spPr>
-              <a:xfrm>
-                <a:off x="5566667" y="5655643"/>
-                <a:ext cx="365760" cy="365760"/>
-              </a:xfrm>
-              <a:prstGeom prst="roundRect">
-                <a:avLst>
-                  <a:gd name="adj" fmla="val 2194"/>
-                </a:avLst>
-              </a:prstGeom>
-              <a:solidFill>
-                <a:srgbClr val="00882B"/>
-              </a:solidFill>
-              <a:ln w="19050">
-                <a:solidFill>
-                  <a:srgbClr val="00882B"/>
-                </a:solidFill>
-                <a:prstDash val="solid"/>
-              </a:ln>
-              <a:effectLst>
-                <a:outerShdw blurRad="50800" dist="38100" dir="8100000" algn="tr" rotWithShape="0">
-                  <a:prstClr val="black">
-                    <a:alpha val="40000"/>
-                  </a:prstClr>
-                </a:outerShdw>
-              </a:effectLst>
-            </p:spPr>
-            <p:style>
-              <a:lnRef idx="2">
-                <a:schemeClr val="accent1">
-                  <a:shade val="50000"/>
-                </a:schemeClr>
-              </a:lnRef>
-              <a:fillRef idx="1">
-                <a:schemeClr val="accent1"/>
-              </a:fillRef>
-              <a:effectRef idx="0">
-                <a:schemeClr val="accent1"/>
-              </a:effectRef>
-              <a:fontRef idx="minor">
-                <a:schemeClr val="lt1"/>
-              </a:fontRef>
-            </p:style>
-            <p:txBody>
-              <a:bodyPr rtlCol="0" anchor="ctr"/>
-              <a:lstStyle/>
-              <a:p>
-                <a:pPr algn="ctr"/>
-                <a:endParaRPr lang="en-US" b="1" dirty="0">
-                  <a:ln w="22225">
-                    <a:solidFill>
-                      <a:schemeClr val="accent2"/>
-                    </a:solidFill>
-                    <a:prstDash val="solid"/>
-                  </a:ln>
-                  <a:solidFill>
-                    <a:schemeClr val="accent2">
-                      <a:lumMod val="40000"/>
-                      <a:lumOff val="60000"/>
-                    </a:schemeClr>
-                  </a:solidFill>
-                  <a:latin typeface="IBM Plex Sans" charset="0"/>
-                  <a:ea typeface="IBM Plex Sans" charset="0"/>
-                  <a:cs typeface="IBM Plex Sans" charset="0"/>
-                </a:endParaRPr>
-              </a:p>
-            </p:txBody>
-          </p:sp>
-          <p:pic>
-            <p:nvPicPr>
-              <p:cNvPr id="276" name="Picture 275">
-                <a:extLst>
-                  <a:ext uri="{FF2B5EF4-FFF2-40B4-BE49-F238E27FC236}">
-                    <a16:creationId xmlns:a16="http://schemas.microsoft.com/office/drawing/2014/main" id="{35E232B9-60AD-2C4C-8D6A-517846718DEE}"/>
-                  </a:ext>
-                </a:extLst>
-              </p:cNvPr>
-              <p:cNvPicPr>
-                <a:picLocks noChangeAspect="1"/>
-              </p:cNvPicPr>
-              <p:nvPr/>
-            </p:nvPicPr>
-            <p:blipFill>
-              <a:blip r:embed="rId12"/>
-              <a:stretch>
-                <a:fillRect/>
-              </a:stretch>
-            </p:blipFill>
-            <p:spPr>
-              <a:xfrm>
-                <a:off x="5620442" y="5700117"/>
-                <a:ext cx="258210" cy="276812"/>
-              </a:xfrm>
-              <a:prstGeom prst="rect">
-                <a:avLst/>
-              </a:prstGeom>
-            </p:spPr>
-          </p:pic>
-        </p:grpSp>
-        <p:grpSp>
-          <p:nvGrpSpPr>
-            <p:cNvPr id="277" name="Group 276">
-              <a:extLst>
-                <a:ext uri="{FF2B5EF4-FFF2-40B4-BE49-F238E27FC236}">
-                  <a16:creationId xmlns:a16="http://schemas.microsoft.com/office/drawing/2014/main" id="{C6FE3396-3C4C-6E45-949E-0000FAE5D141}"/>
-                </a:ext>
-              </a:extLst>
-            </p:cNvPr>
-            <p:cNvGrpSpPr/>
-            <p:nvPr/>
-          </p:nvGrpSpPr>
-          <p:grpSpPr>
-            <a:xfrm>
-              <a:off x="5022905" y="4874080"/>
-              <a:ext cx="365760" cy="365760"/>
-              <a:chOff x="5566667" y="5655643"/>
-              <a:chExt cx="365760" cy="365760"/>
-            </a:xfrm>
-          </p:grpSpPr>
-          <p:sp>
-            <p:nvSpPr>
-              <p:cNvPr id="278" name="Rounded Rectangle 34">
-                <a:extLst>
-                  <a:ext uri="{FF2B5EF4-FFF2-40B4-BE49-F238E27FC236}">
-                    <a16:creationId xmlns:a16="http://schemas.microsoft.com/office/drawing/2014/main" id="{E410D5E8-033A-8C4D-B798-FD6897B33839}"/>
-                  </a:ext>
-                </a:extLst>
-              </p:cNvPr>
-              <p:cNvSpPr/>
-              <p:nvPr/>
-            </p:nvSpPr>
-            <p:spPr>
-              <a:xfrm>
-                <a:off x="5566667" y="5655643"/>
-                <a:ext cx="365760" cy="365760"/>
-              </a:xfrm>
-              <a:prstGeom prst="roundRect">
-                <a:avLst>
-                  <a:gd name="adj" fmla="val 2194"/>
-                </a:avLst>
-              </a:prstGeom>
-              <a:solidFill>
-                <a:srgbClr val="00882B"/>
-              </a:solidFill>
-              <a:ln w="19050">
-                <a:solidFill>
-                  <a:srgbClr val="00882B"/>
-                </a:solidFill>
-                <a:prstDash val="solid"/>
-              </a:ln>
-              <a:effectLst>
-                <a:outerShdw blurRad="50800" dist="38100" dir="8100000" algn="tr" rotWithShape="0">
-                  <a:prstClr val="black">
-                    <a:alpha val="40000"/>
-                  </a:prstClr>
-                </a:outerShdw>
-              </a:effectLst>
-            </p:spPr>
-            <p:style>
-              <a:lnRef idx="2">
-                <a:schemeClr val="accent1">
-                  <a:shade val="50000"/>
-                </a:schemeClr>
-              </a:lnRef>
-              <a:fillRef idx="1">
-                <a:schemeClr val="accent1"/>
-              </a:fillRef>
-              <a:effectRef idx="0">
-                <a:schemeClr val="accent1"/>
-              </a:effectRef>
-              <a:fontRef idx="minor">
-                <a:schemeClr val="lt1"/>
-              </a:fontRef>
-            </p:style>
-            <p:txBody>
-              <a:bodyPr rtlCol="0" anchor="ctr"/>
-              <a:lstStyle/>
-              <a:p>
-                <a:pPr algn="ctr"/>
-                <a:endParaRPr lang="en-US" b="1" dirty="0">
-                  <a:ln w="22225">
-                    <a:solidFill>
-                      <a:schemeClr val="accent2"/>
-                    </a:solidFill>
-                    <a:prstDash val="solid"/>
-                  </a:ln>
-                  <a:solidFill>
-                    <a:schemeClr val="accent2">
-                      <a:lumMod val="40000"/>
-                      <a:lumOff val="60000"/>
-                    </a:schemeClr>
-                  </a:solidFill>
-                  <a:latin typeface="IBM Plex Sans" charset="0"/>
-                  <a:ea typeface="IBM Plex Sans" charset="0"/>
-                  <a:cs typeface="IBM Plex Sans" charset="0"/>
-                </a:endParaRPr>
-              </a:p>
-            </p:txBody>
-          </p:sp>
-          <p:pic>
-            <p:nvPicPr>
-              <p:cNvPr id="279" name="Picture 278">
-                <a:extLst>
-                  <a:ext uri="{FF2B5EF4-FFF2-40B4-BE49-F238E27FC236}">
-                    <a16:creationId xmlns:a16="http://schemas.microsoft.com/office/drawing/2014/main" id="{78AB46D0-76E0-034A-BB0D-C96AEA6FDEE3}"/>
-                  </a:ext>
-                </a:extLst>
-              </p:cNvPr>
-              <p:cNvPicPr>
-                <a:picLocks noChangeAspect="1"/>
-              </p:cNvPicPr>
-              <p:nvPr/>
-            </p:nvPicPr>
-            <p:blipFill>
-              <a:blip r:embed="rId12"/>
-              <a:stretch>
-                <a:fillRect/>
-              </a:stretch>
-            </p:blipFill>
-            <p:spPr>
-              <a:xfrm>
-                <a:off x="5620442" y="5700117"/>
-                <a:ext cx="258210" cy="276812"/>
-              </a:xfrm>
-              <a:prstGeom prst="rect">
-                <a:avLst/>
-              </a:prstGeom>
-            </p:spPr>
-          </p:pic>
-        </p:grpSp>
-        <p:grpSp>
-          <p:nvGrpSpPr>
-            <p:cNvPr id="280" name="Group 279">
-              <a:extLst>
-                <a:ext uri="{FF2B5EF4-FFF2-40B4-BE49-F238E27FC236}">
-                  <a16:creationId xmlns:a16="http://schemas.microsoft.com/office/drawing/2014/main" id="{57743BC7-EC1E-534C-91F4-9D5E65FBE48C}"/>
-                </a:ext>
-              </a:extLst>
-            </p:cNvPr>
-            <p:cNvGrpSpPr/>
-            <p:nvPr/>
-          </p:nvGrpSpPr>
-          <p:grpSpPr>
-            <a:xfrm>
-              <a:off x="4981179" y="2105430"/>
-              <a:ext cx="365760" cy="365760"/>
-              <a:chOff x="6918829" y="3703319"/>
-              <a:chExt cx="1529705" cy="1450744"/>
-            </a:xfrm>
-          </p:grpSpPr>
-          <p:sp>
-            <p:nvSpPr>
-              <p:cNvPr id="281" name="Rounded Rectangle 280">
-                <a:extLst>
-                  <a:ext uri="{FF2B5EF4-FFF2-40B4-BE49-F238E27FC236}">
-                    <a16:creationId xmlns:a16="http://schemas.microsoft.com/office/drawing/2014/main" id="{ED95767F-F545-8C43-A946-151CCBF6DDBC}"/>
-                  </a:ext>
-                </a:extLst>
-              </p:cNvPr>
-              <p:cNvSpPr/>
-              <p:nvPr/>
-            </p:nvSpPr>
-            <p:spPr>
-              <a:xfrm>
-                <a:off x="6918829" y="3703319"/>
-                <a:ext cx="1529705" cy="1450744"/>
-              </a:xfrm>
-              <a:prstGeom prst="roundRect">
-                <a:avLst>
-                  <a:gd name="adj" fmla="val 2194"/>
-                </a:avLst>
-              </a:prstGeom>
-              <a:solidFill>
-                <a:srgbClr val="FF0000"/>
-              </a:solidFill>
-              <a:ln w="6350">
-                <a:solidFill>
-                  <a:srgbClr val="FF0000"/>
-                </a:solidFill>
-              </a:ln>
-              <a:effectLst>
-                <a:outerShdw blurRad="50800" dist="38100" dir="8100000" algn="tr" rotWithShape="0">
-                  <a:prstClr val="black">
-                    <a:alpha val="40000"/>
-                  </a:prstClr>
-                </a:outerShdw>
-              </a:effectLst>
-            </p:spPr>
-            <p:style>
-              <a:lnRef idx="2">
-                <a:schemeClr val="accent1">
-                  <a:shade val="50000"/>
-                </a:schemeClr>
-              </a:lnRef>
-              <a:fillRef idx="1">
-                <a:schemeClr val="accent1"/>
-              </a:fillRef>
-              <a:effectRef idx="0">
-                <a:schemeClr val="accent1"/>
-              </a:effectRef>
-              <a:fontRef idx="minor">
-                <a:schemeClr val="lt1"/>
-              </a:fontRef>
-            </p:style>
-            <p:txBody>
-              <a:bodyPr rtlCol="0" anchor="ctr"/>
-              <a:lstStyle/>
-              <a:p>
-                <a:pPr algn="ctr"/>
-                <a:endParaRPr lang="en-US" b="1" dirty="0">
-                  <a:ln w="22225">
-                    <a:solidFill>
-                      <a:schemeClr val="accent2"/>
-                    </a:solidFill>
-                    <a:prstDash val="solid"/>
-                  </a:ln>
-                  <a:solidFill>
-                    <a:schemeClr val="accent2">
-                      <a:lumMod val="40000"/>
-                      <a:lumOff val="60000"/>
-                    </a:schemeClr>
-                  </a:solidFill>
-                  <a:latin typeface="IBM Plex Sans" charset="0"/>
-                  <a:ea typeface="IBM Plex Sans" charset="0"/>
-                  <a:cs typeface="IBM Plex Sans" charset="0"/>
-                </a:endParaRPr>
-              </a:p>
-            </p:txBody>
-          </p:sp>
-          <p:pic>
-            <p:nvPicPr>
-              <p:cNvPr id="282" name="Picture 281">
-                <a:extLst>
-                  <a:ext uri="{FF2B5EF4-FFF2-40B4-BE49-F238E27FC236}">
-                    <a16:creationId xmlns:a16="http://schemas.microsoft.com/office/drawing/2014/main" id="{6BA89425-B168-3B45-ACD6-D1D81C6A502B}"/>
-                  </a:ext>
-                </a:extLst>
-              </p:cNvPr>
-              <p:cNvPicPr>
-                <a:picLocks noChangeAspect="1"/>
-              </p:cNvPicPr>
-              <p:nvPr/>
-            </p:nvPicPr>
-            <p:blipFill>
-              <a:blip r:embed="rId12"/>
-              <a:stretch>
-                <a:fillRect/>
-              </a:stretch>
-            </p:blipFill>
-            <p:spPr>
-              <a:xfrm>
-                <a:off x="7164194" y="3887773"/>
-                <a:ext cx="1079903" cy="1097941"/>
-              </a:xfrm>
-              <a:prstGeom prst="rect">
-                <a:avLst/>
-              </a:prstGeom>
-            </p:spPr>
-          </p:pic>
-        </p:grpSp>
-        <p:grpSp>
-          <p:nvGrpSpPr>
             <p:cNvPr id="283" name="Group 282">
               <a:extLst>
                 <a:ext uri="{FF2B5EF4-FFF2-40B4-BE49-F238E27FC236}">
@@ -8136,7 +6877,7 @@
               <p:nvPr/>
             </p:nvPicPr>
             <p:blipFill>
-              <a:blip r:embed="rId14"/>
+              <a:blip r:embed="rId10"/>
               <a:stretch>
                 <a:fillRect/>
               </a:stretch>
@@ -8177,7 +6918,7 @@
             </a:ln>
             <a:extLst>
               <a:ext uri="{C572A759-6A51-4108-AA02-DFA0A04FC94B}">
-                <ma14:wrappingTextBoxFlag xmlns="" xmlns:ma14="http://schemas.microsoft.com/office/mac/drawingml/2011/main" val="1"/>
+                <ma14:wrappingTextBoxFlag xmlns:ma14="http://schemas.microsoft.com/office/mac/drawingml/2011/main" xmlns="" val="1"/>
               </a:ext>
             </a:extLst>
           </p:spPr>
@@ -8238,7 +6979,7 @@
             </a:ln>
             <a:extLst>
               <a:ext uri="{C572A759-6A51-4108-AA02-DFA0A04FC94B}">
-                <ma14:wrappingTextBoxFlag xmlns="" xmlns:ma14="http://schemas.microsoft.com/office/mac/drawingml/2011/main" val="1"/>
+                <ma14:wrappingTextBoxFlag xmlns:ma14="http://schemas.microsoft.com/office/mac/drawingml/2011/main" xmlns="" val="1"/>
               </a:ext>
             </a:extLst>
           </p:spPr>
@@ -8311,7 +7052,7 @@
             </a:ln>
             <a:extLst>
               <a:ext uri="{C572A759-6A51-4108-AA02-DFA0A04FC94B}">
-                <ma14:wrappingTextBoxFlag xmlns="" xmlns:ma14="http://schemas.microsoft.com/office/mac/drawingml/2011/main" val="1"/>
+                <ma14:wrappingTextBoxFlag xmlns:ma14="http://schemas.microsoft.com/office/mac/drawingml/2011/main" xmlns="" val="1"/>
               </a:ext>
             </a:extLst>
           </p:spPr>
@@ -8384,7 +7125,7 @@
             </a:ln>
             <a:extLst>
               <a:ext uri="{C572A759-6A51-4108-AA02-DFA0A04FC94B}">
-                <ma14:wrappingTextBoxFlag xmlns="" xmlns:ma14="http://schemas.microsoft.com/office/mac/drawingml/2011/main" val="1"/>
+                <ma14:wrappingTextBoxFlag xmlns:ma14="http://schemas.microsoft.com/office/mac/drawingml/2011/main" xmlns="" val="1"/>
               </a:ext>
             </a:extLst>
           </p:spPr>
@@ -8457,7 +7198,7 @@
             </a:ln>
             <a:extLst>
               <a:ext uri="{C572A759-6A51-4108-AA02-DFA0A04FC94B}">
-                <ma14:wrappingTextBoxFlag xmlns="" xmlns:ma14="http://schemas.microsoft.com/office/mac/drawingml/2011/main" val="1"/>
+                <ma14:wrappingTextBoxFlag xmlns:ma14="http://schemas.microsoft.com/office/mac/drawingml/2011/main" xmlns="" val="1"/>
               </a:ext>
             </a:extLst>
           </p:spPr>
@@ -8530,7 +7271,7 @@
             </a:ln>
             <a:extLst>
               <a:ext uri="{C572A759-6A51-4108-AA02-DFA0A04FC94B}">
-                <ma14:wrappingTextBoxFlag xmlns="" xmlns:ma14="http://schemas.microsoft.com/office/mac/drawingml/2011/main" val="1"/>
+                <ma14:wrappingTextBoxFlag xmlns:ma14="http://schemas.microsoft.com/office/mac/drawingml/2011/main" xmlns="" val="1"/>
               </a:ext>
             </a:extLst>
           </p:spPr>
@@ -8591,7 +7332,7 @@
             </a:ln>
             <a:extLst>
               <a:ext uri="{C572A759-6A51-4108-AA02-DFA0A04FC94B}">
-                <ma14:wrappingTextBoxFlag xmlns="" xmlns:ma14="http://schemas.microsoft.com/office/mac/drawingml/2011/main" val="1"/>
+                <ma14:wrappingTextBoxFlag xmlns:ma14="http://schemas.microsoft.com/office/mac/drawingml/2011/main" xmlns="" val="1"/>
               </a:ext>
             </a:extLst>
           </p:spPr>
@@ -8652,7 +7393,7 @@
             </a:ln>
             <a:extLst>
               <a:ext uri="{C572A759-6A51-4108-AA02-DFA0A04FC94B}">
-                <ma14:wrappingTextBoxFlag xmlns="" xmlns:ma14="http://schemas.microsoft.com/office/mac/drawingml/2011/main" val="1"/>
+                <ma14:wrappingTextBoxFlag xmlns:ma14="http://schemas.microsoft.com/office/mac/drawingml/2011/main" xmlns="" val="1"/>
               </a:ext>
             </a:extLst>
           </p:spPr>
@@ -8713,7 +7454,7 @@
             </a:ln>
             <a:extLst>
               <a:ext uri="{C572A759-6A51-4108-AA02-DFA0A04FC94B}">
-                <ma14:wrappingTextBoxFlag xmlns="" xmlns:ma14="http://schemas.microsoft.com/office/mac/drawingml/2011/main" val="1"/>
+                <ma14:wrappingTextBoxFlag xmlns:ma14="http://schemas.microsoft.com/office/mac/drawingml/2011/main" xmlns="" val="1"/>
               </a:ext>
             </a:extLst>
           </p:spPr>
@@ -8875,7 +7616,7 @@
               <p:nvPr/>
             </p:nvPicPr>
             <p:blipFill>
-              <a:blip r:embed="rId14"/>
+              <a:blip r:embed="rId10"/>
               <a:stretch>
                 <a:fillRect/>
               </a:stretch>
@@ -9017,7 +7758,7 @@
               <p:nvPr/>
             </p:nvPicPr>
             <p:blipFill>
-              <a:blip r:embed="rId14"/>
+              <a:blip r:embed="rId10"/>
               <a:stretch>
                 <a:fillRect/>
               </a:stretch>
@@ -9159,7 +7900,7 @@
               <p:nvPr/>
             </p:nvPicPr>
             <p:blipFill>
-              <a:blip r:embed="rId14"/>
+              <a:blip r:embed="rId10"/>
               <a:stretch>
                 <a:fillRect/>
               </a:stretch>
@@ -9200,7 +7941,7 @@
             </a:ln>
             <a:extLst>
               <a:ext uri="{C572A759-6A51-4108-AA02-DFA0A04FC94B}">
-                <ma14:wrappingTextBoxFlag xmlns="" xmlns:ma14="http://schemas.microsoft.com/office/mac/drawingml/2011/main" val="1"/>
+                <ma14:wrappingTextBoxFlag xmlns:ma14="http://schemas.microsoft.com/office/mac/drawingml/2011/main" xmlns="" val="1"/>
               </a:ext>
             </a:extLst>
           </p:spPr>
@@ -9273,7 +8014,7 @@
             </a:ln>
             <a:extLst>
               <a:ext uri="{C572A759-6A51-4108-AA02-DFA0A04FC94B}">
-                <ma14:wrappingTextBoxFlag xmlns="" xmlns:ma14="http://schemas.microsoft.com/office/mac/drawingml/2011/main" val="1"/>
+                <ma14:wrappingTextBoxFlag xmlns:ma14="http://schemas.microsoft.com/office/mac/drawingml/2011/main" xmlns="" val="1"/>
               </a:ext>
             </a:extLst>
           </p:spPr>
@@ -9346,7 +8087,7 @@
             </a:ln>
             <a:extLst>
               <a:ext uri="{C572A759-6A51-4108-AA02-DFA0A04FC94B}">
-                <ma14:wrappingTextBoxFlag xmlns="" xmlns:ma14="http://schemas.microsoft.com/office/mac/drawingml/2011/main" val="1"/>
+                <ma14:wrappingTextBoxFlag xmlns:ma14="http://schemas.microsoft.com/office/mac/drawingml/2011/main" xmlns="" val="1"/>
               </a:ext>
             </a:extLst>
           </p:spPr>
@@ -9416,7 +8157,7 @@
             </a:ln>
             <a:extLst>
               <a:ext uri="{C572A759-6A51-4108-AA02-DFA0A04FC94B}">
-                <ma14:wrappingTextBoxFlag xmlns="" xmlns:ma14="http://schemas.microsoft.com/office/mac/drawingml/2011/main" val="1"/>
+                <ma14:wrappingTextBoxFlag xmlns:ma14="http://schemas.microsoft.com/office/mac/drawingml/2011/main" xmlns="" val="1"/>
               </a:ext>
             </a:extLst>
           </p:spPr>
@@ -9477,7 +8218,7 @@
             </a:ln>
             <a:extLst>
               <a:ext uri="{C572A759-6A51-4108-AA02-DFA0A04FC94B}">
-                <ma14:wrappingTextBoxFlag xmlns="" xmlns:ma14="http://schemas.microsoft.com/office/mac/drawingml/2011/main" val="1"/>
+                <ma14:wrappingTextBoxFlag xmlns:ma14="http://schemas.microsoft.com/office/mac/drawingml/2011/main" xmlns="" val="1"/>
               </a:ext>
             </a:extLst>
           </p:spPr>
@@ -9538,7 +8279,7 @@
             </a:ln>
             <a:extLst>
               <a:ext uri="{C572A759-6A51-4108-AA02-DFA0A04FC94B}">
-                <ma14:wrappingTextBoxFlag xmlns="" xmlns:ma14="http://schemas.microsoft.com/office/mac/drawingml/2011/main" val="1"/>
+                <ma14:wrappingTextBoxFlag xmlns:ma14="http://schemas.microsoft.com/office/mac/drawingml/2011/main" xmlns="" val="1"/>
               </a:ext>
             </a:extLst>
           </p:spPr>
@@ -9599,7 +8340,7 @@
             </a:ln>
             <a:extLst>
               <a:ext uri="{C572A759-6A51-4108-AA02-DFA0A04FC94B}">
-                <ma14:wrappingTextBoxFlag xmlns="" xmlns:ma14="http://schemas.microsoft.com/office/mac/drawingml/2011/main" val="1"/>
+                <ma14:wrappingTextBoxFlag xmlns:ma14="http://schemas.microsoft.com/office/mac/drawingml/2011/main" xmlns="" val="1"/>
               </a:ext>
             </a:extLst>
           </p:spPr>
@@ -9660,7 +8401,7 @@
             </a:ln>
             <a:extLst>
               <a:ext uri="{C572A759-6A51-4108-AA02-DFA0A04FC94B}">
-                <ma14:wrappingTextBoxFlag xmlns="" xmlns:ma14="http://schemas.microsoft.com/office/mac/drawingml/2011/main" val="1"/>
+                <ma14:wrappingTextBoxFlag xmlns:ma14="http://schemas.microsoft.com/office/mac/drawingml/2011/main" xmlns="" val="1"/>
               </a:ext>
             </a:extLst>
           </p:spPr>
@@ -9721,7 +8462,7 @@
             </a:ln>
             <a:extLst>
               <a:ext uri="{C572A759-6A51-4108-AA02-DFA0A04FC94B}">
-                <ma14:wrappingTextBoxFlag xmlns="" xmlns:ma14="http://schemas.microsoft.com/office/mac/drawingml/2011/main" val="1"/>
+                <ma14:wrappingTextBoxFlag xmlns:ma14="http://schemas.microsoft.com/office/mac/drawingml/2011/main" xmlns="" val="1"/>
               </a:ext>
             </a:extLst>
           </p:spPr>
@@ -9782,7 +8523,7 @@
             </a:ln>
             <a:extLst>
               <a:ext uri="{C572A759-6A51-4108-AA02-DFA0A04FC94B}">
-                <ma14:wrappingTextBoxFlag xmlns="" xmlns:ma14="http://schemas.microsoft.com/office/mac/drawingml/2011/main" val="1"/>
+                <ma14:wrappingTextBoxFlag xmlns:ma14="http://schemas.microsoft.com/office/mac/drawingml/2011/main" xmlns="" val="1"/>
               </a:ext>
             </a:extLst>
           </p:spPr>
@@ -9890,7 +8631,7 @@
             </a:ln>
             <a:extLst>
               <a:ext uri="{C572A759-6A51-4108-AA02-DFA0A04FC94B}">
-                <ma14:wrappingTextBoxFlag xmlns="" xmlns:ma14="http://schemas.microsoft.com/office/mac/drawingml/2011/main" val="1"/>
+                <ma14:wrappingTextBoxFlag xmlns:ma14="http://schemas.microsoft.com/office/mac/drawingml/2011/main" xmlns="" val="1"/>
               </a:ext>
             </a:extLst>
           </p:spPr>
@@ -9994,7 +8735,7 @@
             </a:ln>
             <a:extLst>
               <a:ext uri="{C572A759-6A51-4108-AA02-DFA0A04FC94B}">
-                <ma14:wrappingTextBoxFlag xmlns="" xmlns:ma14="http://schemas.microsoft.com/office/mac/drawingml/2011/main" val="1"/>
+                <ma14:wrappingTextBoxFlag xmlns:ma14="http://schemas.microsoft.com/office/mac/drawingml/2011/main" xmlns="" val="1"/>
               </a:ext>
             </a:extLst>
           </p:spPr>
@@ -10055,7 +8796,7 @@
             </a:ln>
             <a:extLst>
               <a:ext uri="{C572A759-6A51-4108-AA02-DFA0A04FC94B}">
-                <ma14:wrappingTextBoxFlag xmlns="" xmlns:ma14="http://schemas.microsoft.com/office/mac/drawingml/2011/main" val="1"/>
+                <ma14:wrappingTextBoxFlag xmlns:ma14="http://schemas.microsoft.com/office/mac/drawingml/2011/main" xmlns="" val="1"/>
               </a:ext>
             </a:extLst>
           </p:spPr>
@@ -10116,7 +8857,7 @@
             </a:ln>
             <a:extLst>
               <a:ext uri="{C572A759-6A51-4108-AA02-DFA0A04FC94B}">
-                <ma14:wrappingTextBoxFlag xmlns="" xmlns:ma14="http://schemas.microsoft.com/office/mac/drawingml/2011/main" val="1"/>
+                <ma14:wrappingTextBoxFlag xmlns:ma14="http://schemas.microsoft.com/office/mac/drawingml/2011/main" xmlns="" val="1"/>
               </a:ext>
             </a:extLst>
           </p:spPr>
@@ -10562,7 +9303,7 @@
               <p:nvPr/>
             </p:nvPicPr>
             <p:blipFill>
-              <a:blip r:embed="rId12"/>
+              <a:blip r:embed="rId11"/>
               <a:stretch>
                 <a:fillRect/>
               </a:stretch>
@@ -10704,7 +9445,7 @@
               <p:nvPr/>
             </p:nvPicPr>
             <p:blipFill>
-              <a:blip r:embed="rId15">
+              <a:blip r:embed="rId12">
                 <a:biLevel thresh="50000"/>
               </a:blip>
               <a:stretch>
@@ -10747,7 +9488,7 @@
             </a:ln>
             <a:extLst>
               <a:ext uri="{C572A759-6A51-4108-AA02-DFA0A04FC94B}">
-                <ma14:wrappingTextBoxFlag xmlns="" xmlns:ma14="http://schemas.microsoft.com/office/mac/drawingml/2011/main" val="1"/>
+                <ma14:wrappingTextBoxFlag xmlns:ma14="http://schemas.microsoft.com/office/mac/drawingml/2011/main" xmlns="" val="1"/>
               </a:ext>
             </a:extLst>
           </p:spPr>
@@ -11016,7 +9757,7 @@
               <p:nvPr/>
             </p:nvPicPr>
             <p:blipFill>
-              <a:blip r:embed="rId14"/>
+              <a:blip r:embed="rId10"/>
               <a:stretch>
                 <a:fillRect/>
               </a:stretch>
@@ -11158,7 +9899,7 @@
               <p:nvPr/>
             </p:nvPicPr>
             <p:blipFill>
-              <a:blip r:embed="rId14"/>
+              <a:blip r:embed="rId10"/>
               <a:stretch>
                 <a:fillRect/>
               </a:stretch>
@@ -11199,7 +9940,7 @@
             </a:ln>
             <a:extLst>
               <a:ext uri="{C572A759-6A51-4108-AA02-DFA0A04FC94B}">
-                <ma14:wrappingTextBoxFlag xmlns="" xmlns:ma14="http://schemas.microsoft.com/office/mac/drawingml/2011/main" val="1"/>
+                <ma14:wrappingTextBoxFlag xmlns:ma14="http://schemas.microsoft.com/office/mac/drawingml/2011/main" xmlns="" val="1"/>
               </a:ext>
             </a:extLst>
           </p:spPr>
@@ -11260,7 +10001,7 @@
             </a:ln>
             <a:extLst>
               <a:ext uri="{C572A759-6A51-4108-AA02-DFA0A04FC94B}">
-                <ma14:wrappingTextBoxFlag xmlns="" xmlns:ma14="http://schemas.microsoft.com/office/mac/drawingml/2011/main" val="1"/>
+                <ma14:wrappingTextBoxFlag xmlns:ma14="http://schemas.microsoft.com/office/mac/drawingml/2011/main" xmlns="" val="1"/>
               </a:ext>
             </a:extLst>
           </p:spPr>
@@ -11422,7 +10163,7 @@
               <p:nvPr/>
             </p:nvPicPr>
             <p:blipFill>
-              <a:blip r:embed="rId16">
+              <a:blip r:embed="rId13">
                 <a:extLst>
                   <a:ext uri="{28A0092B-C50C-407E-A947-70E740481C1C}">
                     <a14:useLocalDpi xmlns:a14="http://schemas.microsoft.com/office/drawing/2010/main" val="0"/>
@@ -11437,142 +10178,6 @@
               <a:xfrm>
                 <a:off x="632001" y="3367274"/>
                 <a:ext cx="552094" cy="552094"/>
-              </a:xfrm>
-              <a:prstGeom prst="rect">
-                <a:avLst/>
-              </a:prstGeom>
-            </p:spPr>
-          </p:pic>
-        </p:grpSp>
-        <p:grpSp>
-          <p:nvGrpSpPr>
-            <p:cNvPr id="173" name="Group 172">
-              <a:extLst>
-                <a:ext uri="{FF2B5EF4-FFF2-40B4-BE49-F238E27FC236}">
-                  <a16:creationId xmlns:a16="http://schemas.microsoft.com/office/drawing/2014/main" id="{1525A8F9-8DAA-314E-BD52-2236CB5A5556}"/>
-                </a:ext>
-              </a:extLst>
-            </p:cNvPr>
-            <p:cNvGrpSpPr/>
-            <p:nvPr/>
-          </p:nvGrpSpPr>
-          <p:grpSpPr>
-            <a:xfrm>
-              <a:off x="456132" y="77967"/>
-              <a:ext cx="365760" cy="365760"/>
-              <a:chOff x="8082708" y="5122007"/>
-              <a:chExt cx="876300" cy="807222"/>
-            </a:xfrm>
-          </p:grpSpPr>
-          <p:sp>
-            <p:nvSpPr>
-              <p:cNvPr id="174" name="Rounded Rectangle 67">
-                <a:extLst>
-                  <a:ext uri="{FF2B5EF4-FFF2-40B4-BE49-F238E27FC236}">
-                    <a16:creationId xmlns:a16="http://schemas.microsoft.com/office/drawing/2014/main" id="{5BA1531F-FFEA-114F-95D4-9FE2624468D2}"/>
-                  </a:ext>
-                </a:extLst>
-              </p:cNvPr>
-              <p:cNvSpPr/>
-              <p:nvPr/>
-            </p:nvSpPr>
-            <p:spPr>
-              <a:xfrm>
-                <a:off x="8082708" y="5122007"/>
-                <a:ext cx="876300" cy="807222"/>
-              </a:xfrm>
-              <a:prstGeom prst="roundRect">
-                <a:avLst>
-                  <a:gd name="adj" fmla="val 2194"/>
-                </a:avLst>
-              </a:prstGeom>
-              <a:solidFill>
-                <a:srgbClr val="4E77B6"/>
-              </a:solidFill>
-              <a:ln w="6350">
-                <a:solidFill>
-                  <a:srgbClr val="4E77B6"/>
-                </a:solidFill>
-              </a:ln>
-              <a:effectLst>
-                <a:outerShdw blurRad="50800" dist="38100" dir="8100000" algn="tr" rotWithShape="0">
-                  <a:prstClr val="black">
-                    <a:alpha val="40000"/>
-                  </a:prstClr>
-                </a:outerShdw>
-              </a:effectLst>
-            </p:spPr>
-            <p:style>
-              <a:lnRef idx="2">
-                <a:schemeClr val="accent1">
-                  <a:shade val="50000"/>
-                </a:schemeClr>
-              </a:lnRef>
-              <a:fillRef idx="1">
-                <a:schemeClr val="accent1"/>
-              </a:fillRef>
-              <a:effectRef idx="0">
-                <a:schemeClr val="accent1"/>
-              </a:effectRef>
-              <a:fontRef idx="minor">
-                <a:schemeClr val="lt1"/>
-              </a:fontRef>
-            </p:style>
-            <p:txBody>
-              <a:bodyPr rtlCol="0" anchor="ctr"/>
-              <a:lstStyle/>
-              <a:p>
-                <a:pPr algn="ctr"/>
-                <a:endParaRPr lang="en-US" b="1" dirty="0">
-                  <a:ln w="22225">
-                    <a:solidFill>
-                      <a:schemeClr val="accent2"/>
-                    </a:solidFill>
-                    <a:prstDash val="solid"/>
-                  </a:ln>
-                  <a:solidFill>
-                    <a:schemeClr val="accent2">
-                      <a:lumMod val="40000"/>
-                      <a:lumOff val="60000"/>
-                    </a:schemeClr>
-                  </a:solidFill>
-                  <a:latin typeface="IBM Plex Sans" charset="0"/>
-                  <a:ea typeface="IBM Plex Sans" charset="0"/>
-                  <a:cs typeface="IBM Plex Sans" charset="0"/>
-                </a:endParaRPr>
-              </a:p>
-            </p:txBody>
-          </p:sp>
-          <p:pic>
-            <p:nvPicPr>
-              <p:cNvPr id="176" name="Picture 175">
-                <a:extLst>
-                  <a:ext uri="{FF2B5EF4-FFF2-40B4-BE49-F238E27FC236}">
-                    <a16:creationId xmlns:a16="http://schemas.microsoft.com/office/drawing/2014/main" id="{FD3BAEB8-DC85-C748-B3D5-28D08C5390AF}"/>
-                  </a:ext>
-                </a:extLst>
-              </p:cNvPr>
-              <p:cNvPicPr>
-                <a:picLocks noChangeAspect="1"/>
-              </p:cNvPicPr>
-              <p:nvPr/>
-            </p:nvPicPr>
-            <p:blipFill>
-              <a:blip r:embed="rId17" cstate="print">
-                <a:extLst>
-                  <a:ext uri="{28A0092B-C50C-407E-A947-70E740481C1C}">
-                    <a14:useLocalDpi xmlns:a14="http://schemas.microsoft.com/office/drawing/2010/main" val="0"/>
-                  </a:ext>
-                </a:extLst>
-              </a:blip>
-              <a:stretch>
-                <a:fillRect/>
-              </a:stretch>
-            </p:blipFill>
-            <p:spPr>
-              <a:xfrm>
-                <a:off x="8232853" y="5203991"/>
-                <a:ext cx="625527" cy="641988"/>
               </a:xfrm>
               <a:prstGeom prst="rect">
                 <a:avLst/>
@@ -11595,7 +10200,7 @@
             <p:nvPr/>
           </p:nvPicPr>
           <p:blipFill>
-            <a:blip r:embed="rId18"/>
+            <a:blip r:embed="rId14"/>
             <a:stretch>
               <a:fillRect/>
             </a:stretch>
@@ -11830,7 +10435,7 @@
               <p:nvPr/>
             </p:nvPicPr>
             <p:blipFill>
-              <a:blip r:embed="rId15">
+              <a:blip r:embed="rId12">
                 <a:biLevel thresh="50000"/>
               </a:blip>
               <a:stretch>
@@ -11873,7 +10478,7 @@
             </a:ln>
             <a:extLst>
               <a:ext uri="{C572A759-6A51-4108-AA02-DFA0A04FC94B}">
-                <ma14:wrappingTextBoxFlag xmlns="" xmlns:ma14="http://schemas.microsoft.com/office/mac/drawingml/2011/main" val="1"/>
+                <ma14:wrappingTextBoxFlag xmlns:ma14="http://schemas.microsoft.com/office/mac/drawingml/2011/main" xmlns="" val="1"/>
               </a:ext>
             </a:extLst>
           </p:spPr>
@@ -12331,7 +10936,7 @@
               <p:nvPr/>
             </p:nvPicPr>
             <p:blipFill>
-              <a:blip r:embed="rId14"/>
+              <a:blip r:embed="rId10"/>
               <a:stretch>
                 <a:fillRect/>
               </a:stretch>
@@ -12520,7 +11125,7 @@
               <p:nvPr/>
             </p:nvPicPr>
             <p:blipFill>
-              <a:blip r:embed="rId14"/>
+              <a:blip r:embed="rId10"/>
               <a:stretch>
                 <a:fillRect/>
               </a:stretch>
@@ -12791,8 +11396,8 @@
           </p:nvCxnSpPr>
           <p:spPr>
             <a:xfrm>
-              <a:off x="6566356" y="6193749"/>
-              <a:ext cx="469188" cy="6082"/>
+              <a:off x="6520556" y="6193749"/>
+              <a:ext cx="435637" cy="0"/>
             </a:xfrm>
             <a:prstGeom prst="straightConnector1">
               <a:avLst/>
@@ -12847,7 +11452,7 @@
             </a:ln>
             <a:extLst>
               <a:ext uri="{C572A759-6A51-4108-AA02-DFA0A04FC94B}">
-                <ma14:wrappingTextBoxFlag xmlns="" xmlns:ma14="http://schemas.microsoft.com/office/mac/drawingml/2011/main" val="1"/>
+                <ma14:wrappingTextBoxFlag xmlns:ma14="http://schemas.microsoft.com/office/mac/drawingml/2011/main" xmlns="" val="1"/>
               </a:ext>
             </a:extLst>
           </p:spPr>
@@ -12874,7 +11479,7 @@
                   <a:latin typeface="Helvetica" panose="020B0604020202020204" pitchFamily="34" charset="0"/>
                   <a:cs typeface="Helvetica" panose="020B0604020202020204" pitchFamily="34" charset="0"/>
                 </a:rPr>
-                <a:t>implicit Router</a:t>
+                <a:t>Implicit Router</a:t>
               </a:r>
               <a:endParaRPr sz="1200" dirty="0">
                 <a:latin typeface="Helvetica" panose="020B0604020202020204" pitchFamily="34" charset="0"/>
@@ -12897,8 +11502,8 @@
           </p:nvGrpSpPr>
           <p:grpSpPr>
             <a:xfrm>
-              <a:off x="7082762" y="5998546"/>
-              <a:ext cx="457200" cy="457200"/>
+              <a:off x="6961950" y="5873709"/>
+              <a:ext cx="640080" cy="640080"/>
               <a:chOff x="7776669" y="5031984"/>
               <a:chExt cx="751660" cy="692612"/>
             </a:xfrm>
@@ -13009,7 +11614,7 @@
               <p:nvPr/>
             </p:nvPicPr>
             <p:blipFill>
-              <a:blip r:embed="rId19">
+              <a:blip r:embed="rId15">
                 <a:biLevel thresh="50000"/>
               </a:blip>
               <a:stretch>
@@ -13018,138 +11623,8 @@
             </p:blipFill>
             <p:spPr>
               <a:xfrm>
-                <a:off x="7915165" y="5141397"/>
+                <a:off x="7915167" y="5141397"/>
                 <a:ext cx="474667" cy="474667"/>
-              </a:xfrm>
-              <a:prstGeom prst="rect">
-                <a:avLst/>
-              </a:prstGeom>
-            </p:spPr>
-          </p:pic>
-        </p:grpSp>
-        <p:grpSp>
-          <p:nvGrpSpPr>
-            <p:cNvPr id="269" name="Group 268">
-              <a:extLst>
-                <a:ext uri="{FF2B5EF4-FFF2-40B4-BE49-F238E27FC236}">
-                  <a16:creationId xmlns:a16="http://schemas.microsoft.com/office/drawing/2014/main" id="{03254DD8-978A-274A-B30E-140D821E3C33}"/>
-                </a:ext>
-              </a:extLst>
-            </p:cNvPr>
-            <p:cNvGrpSpPr/>
-            <p:nvPr/>
-          </p:nvGrpSpPr>
-          <p:grpSpPr>
-            <a:xfrm>
-              <a:off x="9213788" y="79509"/>
-              <a:ext cx="365760" cy="365760"/>
-              <a:chOff x="5121119" y="4630609"/>
-              <a:chExt cx="1133856" cy="1052958"/>
-            </a:xfrm>
-          </p:grpSpPr>
-          <p:sp>
-            <p:nvSpPr>
-              <p:cNvPr id="270" name="Rounded Rectangle 41">
-                <a:extLst>
-                  <a:ext uri="{FF2B5EF4-FFF2-40B4-BE49-F238E27FC236}">
-                    <a16:creationId xmlns:a16="http://schemas.microsoft.com/office/drawing/2014/main" id="{7AEB8E2E-62E6-C444-A450-8E408D384DAB}"/>
-                  </a:ext>
-                </a:extLst>
-              </p:cNvPr>
-              <p:cNvSpPr/>
-              <p:nvPr/>
-            </p:nvSpPr>
-            <p:spPr>
-              <a:xfrm>
-                <a:off x="5121119" y="4630609"/>
-                <a:ext cx="1133856" cy="1052958"/>
-              </a:xfrm>
-              <a:prstGeom prst="roundRect">
-                <a:avLst>
-                  <a:gd name="adj" fmla="val 2194"/>
-                </a:avLst>
-              </a:prstGeom>
-              <a:solidFill>
-                <a:srgbClr val="4E77B6"/>
-              </a:solidFill>
-              <a:ln w="6350">
-                <a:solidFill>
-                  <a:srgbClr val="4E77B6"/>
-                </a:solidFill>
-              </a:ln>
-              <a:effectLst>
-                <a:outerShdw blurRad="50800" dist="38100" dir="8100000" algn="tr" rotWithShape="0">
-                  <a:prstClr val="black">
-                    <a:alpha val="40000"/>
-                  </a:prstClr>
-                </a:outerShdw>
-              </a:effectLst>
-            </p:spPr>
-            <p:style>
-              <a:lnRef idx="2">
-                <a:schemeClr val="accent1">
-                  <a:shade val="50000"/>
-                </a:schemeClr>
-              </a:lnRef>
-              <a:fillRef idx="1">
-                <a:schemeClr val="accent1"/>
-              </a:fillRef>
-              <a:effectRef idx="0">
-                <a:schemeClr val="accent1"/>
-              </a:effectRef>
-              <a:fontRef idx="minor">
-                <a:schemeClr val="lt1"/>
-              </a:fontRef>
-            </p:style>
-            <p:txBody>
-              <a:bodyPr rtlCol="0" anchor="ctr"/>
-              <a:lstStyle/>
-              <a:p>
-                <a:pPr algn="ctr"/>
-                <a:endParaRPr lang="en-US" b="1" dirty="0">
-                  <a:ln w="22225">
-                    <a:solidFill>
-                      <a:schemeClr val="accent2"/>
-                    </a:solidFill>
-                    <a:prstDash val="solid"/>
-                  </a:ln>
-                  <a:solidFill>
-                    <a:schemeClr val="accent2">
-                      <a:lumMod val="40000"/>
-                      <a:lumOff val="60000"/>
-                    </a:schemeClr>
-                  </a:solidFill>
-                  <a:latin typeface="IBM Plex Sans" charset="0"/>
-                  <a:ea typeface="IBM Plex Sans" charset="0"/>
-                  <a:cs typeface="IBM Plex Sans" charset="0"/>
-                </a:endParaRPr>
-              </a:p>
-            </p:txBody>
-          </p:sp>
-          <p:pic>
-            <p:nvPicPr>
-              <p:cNvPr id="271" name="Picture 270">
-                <a:extLst>
-                  <a:ext uri="{FF2B5EF4-FFF2-40B4-BE49-F238E27FC236}">
-                    <a16:creationId xmlns:a16="http://schemas.microsoft.com/office/drawing/2014/main" id="{9D8D01BF-66AC-2546-A99F-FDC517B47097}"/>
-                  </a:ext>
-                </a:extLst>
-              </p:cNvPr>
-              <p:cNvPicPr>
-                <a:picLocks noChangeAspect="1"/>
-              </p:cNvPicPr>
-              <p:nvPr/>
-            </p:nvPicPr>
-            <p:blipFill>
-              <a:blip r:embed="rId20"/>
-              <a:stretch>
-                <a:fillRect/>
-              </a:stretch>
-            </p:blipFill>
-            <p:spPr>
-              <a:xfrm>
-                <a:off x="5247533" y="4788787"/>
-                <a:ext cx="877783" cy="736601"/>
               </a:xfrm>
               <a:prstGeom prst="rect">
                 <a:avLst/>
@@ -13182,7 +11657,7 @@
             <a:noFill/>
             <a:ln w="12700">
               <a:solidFill>
-                <a:srgbClr val="4E77B6"/>
+                <a:srgbClr val="4378BB"/>
               </a:solidFill>
             </a:ln>
             <a:effectLst>
@@ -13249,7 +11724,7 @@
             <p:nvPr/>
           </p:nvPicPr>
           <p:blipFill>
-            <a:blip r:embed="rId21"/>
+            <a:blip r:embed="rId16"/>
             <a:stretch>
               <a:fillRect/>
             </a:stretch>
@@ -13289,7 +11764,7 @@
             </a:ln>
             <a:extLst>
               <a:ext uri="{C572A759-6A51-4108-AA02-DFA0A04FC94B}">
-                <ma14:wrappingTextBoxFlag xmlns="" xmlns:ma14="http://schemas.microsoft.com/office/mac/drawingml/2011/main" val="1"/>
+                <ma14:wrappingTextBoxFlag xmlns:ma14="http://schemas.microsoft.com/office/mac/drawingml/2011/main" xmlns="" val="1"/>
               </a:ext>
             </a:extLst>
           </p:spPr>
@@ -13531,7 +12006,7 @@
               <p:nvPr/>
             </p:nvPicPr>
             <p:blipFill>
-              <a:blip r:embed="rId22"/>
+              <a:blip r:embed="rId17"/>
               <a:stretch>
                 <a:fillRect/>
               </a:stretch>
@@ -13572,7 +12047,7 @@
             </a:ln>
             <a:extLst>
               <a:ext uri="{C572A759-6A51-4108-AA02-DFA0A04FC94B}">
-                <ma14:wrappingTextBoxFlag xmlns="" xmlns:ma14="http://schemas.microsoft.com/office/mac/drawingml/2011/main" val="1"/>
+                <ma14:wrappingTextBoxFlag xmlns:ma14="http://schemas.microsoft.com/office/mac/drawingml/2011/main" xmlns="" val="1"/>
               </a:ext>
             </a:extLst>
           </p:spPr>
@@ -13734,7 +12209,7 @@
               <p:nvPr/>
             </p:nvPicPr>
             <p:blipFill>
-              <a:blip r:embed="rId15">
+              <a:blip r:embed="rId12">
                 <a:biLevel thresh="50000"/>
               </a:blip>
               <a:stretch>
@@ -13777,7 +12252,7 @@
             </a:ln>
             <a:extLst>
               <a:ext uri="{C572A759-6A51-4108-AA02-DFA0A04FC94B}">
-                <ma14:wrappingTextBoxFlag xmlns="" xmlns:ma14="http://schemas.microsoft.com/office/mac/drawingml/2011/main" val="1"/>
+                <ma14:wrappingTextBoxFlag xmlns:ma14="http://schemas.microsoft.com/office/mac/drawingml/2011/main" xmlns="" val="1"/>
               </a:ext>
             </a:extLst>
           </p:spPr>
@@ -13939,7 +12414,7 @@
               <p:nvPr/>
             </p:nvPicPr>
             <p:blipFill>
-              <a:blip r:embed="rId14"/>
+              <a:blip r:embed="rId10"/>
               <a:stretch>
                 <a:fillRect/>
               </a:stretch>
@@ -13980,7 +12455,7 @@
             </a:ln>
             <a:extLst>
               <a:ext uri="{C572A759-6A51-4108-AA02-DFA0A04FC94B}">
-                <ma14:wrappingTextBoxFlag xmlns="" xmlns:ma14="http://schemas.microsoft.com/office/mac/drawingml/2011/main" val="1"/>
+                <ma14:wrappingTextBoxFlag xmlns:ma14="http://schemas.microsoft.com/office/mac/drawingml/2011/main" xmlns="" val="1"/>
               </a:ext>
             </a:extLst>
           </p:spPr>
@@ -14142,7 +12617,7 @@
               <p:nvPr/>
             </p:nvPicPr>
             <p:blipFill>
-              <a:blip r:embed="rId23"/>
+              <a:blip r:embed="rId18"/>
               <a:stretch>
                 <a:fillRect/>
               </a:stretch>
@@ -14183,7 +12658,7 @@
             </a:ln>
             <a:extLst>
               <a:ext uri="{C572A759-6A51-4108-AA02-DFA0A04FC94B}">
-                <ma14:wrappingTextBoxFlag xmlns="" xmlns:ma14="http://schemas.microsoft.com/office/mac/drawingml/2011/main" val="1"/>
+                <ma14:wrappingTextBoxFlag xmlns:ma14="http://schemas.microsoft.com/office/mac/drawingml/2011/main" xmlns="" val="1"/>
               </a:ext>
             </a:extLst>
           </p:spPr>
@@ -14438,143 +12913,6 @@
             </a:p>
           </p:txBody>
         </p:sp>
-        <p:grpSp>
-          <p:nvGrpSpPr>
-            <p:cNvPr id="385" name="Group 384">
-              <a:extLst>
-                <a:ext uri="{FF2B5EF4-FFF2-40B4-BE49-F238E27FC236}">
-                  <a16:creationId xmlns:a16="http://schemas.microsoft.com/office/drawing/2014/main" id="{9D6BEC74-DB5D-8F47-A56E-58FC88C87661}"/>
-                </a:ext>
-              </a:extLst>
-            </p:cNvPr>
-            <p:cNvGrpSpPr/>
-            <p:nvPr/>
-          </p:nvGrpSpPr>
-          <p:grpSpPr>
-            <a:xfrm>
-              <a:off x="6784612" y="1505382"/>
-              <a:ext cx="365760" cy="365760"/>
-              <a:chOff x="1203157" y="4869086"/>
-              <a:chExt cx="365760" cy="365760"/>
-            </a:xfrm>
-          </p:grpSpPr>
-          <p:sp>
-            <p:nvSpPr>
-              <p:cNvPr id="386" name="Rounded Rectangle 34">
-                <a:extLst>
-                  <a:ext uri="{FF2B5EF4-FFF2-40B4-BE49-F238E27FC236}">
-                    <a16:creationId xmlns:a16="http://schemas.microsoft.com/office/drawing/2014/main" id="{738E60AF-C7EF-9742-8E74-EC6DC5AED5B0}"/>
-                  </a:ext>
-                </a:extLst>
-              </p:cNvPr>
-              <p:cNvSpPr/>
-              <p:nvPr/>
-            </p:nvSpPr>
-            <p:spPr>
-              <a:xfrm>
-                <a:off x="1203157" y="4869086"/>
-                <a:ext cx="365760" cy="365760"/>
-              </a:xfrm>
-              <a:prstGeom prst="roundRect">
-                <a:avLst>
-                  <a:gd name="adj" fmla="val 2194"/>
-                </a:avLst>
-              </a:prstGeom>
-              <a:solidFill>
-                <a:srgbClr val="00882B"/>
-              </a:solidFill>
-              <a:ln w="19050">
-                <a:solidFill>
-                  <a:srgbClr val="00882B"/>
-                </a:solidFill>
-                <a:prstDash val="solid"/>
-              </a:ln>
-              <a:effectLst>
-                <a:outerShdw blurRad="50800" dist="38100" dir="8100000" algn="tr" rotWithShape="0">
-                  <a:prstClr val="black">
-                    <a:alpha val="40000"/>
-                  </a:prstClr>
-                </a:outerShdw>
-              </a:effectLst>
-            </p:spPr>
-            <p:style>
-              <a:lnRef idx="2">
-                <a:schemeClr val="accent1">
-                  <a:shade val="50000"/>
-                </a:schemeClr>
-              </a:lnRef>
-              <a:fillRef idx="1">
-                <a:schemeClr val="accent1"/>
-              </a:fillRef>
-              <a:effectRef idx="0">
-                <a:schemeClr val="accent1"/>
-              </a:effectRef>
-              <a:fontRef idx="minor">
-                <a:schemeClr val="lt1"/>
-              </a:fontRef>
-            </p:style>
-            <p:txBody>
-              <a:bodyPr rtlCol="0" anchor="ctr"/>
-              <a:lstStyle/>
-              <a:p>
-                <a:pPr algn="ctr"/>
-                <a:endParaRPr lang="en-US" b="1" dirty="0">
-                  <a:ln w="22225">
-                    <a:solidFill>
-                      <a:schemeClr val="accent2"/>
-                    </a:solidFill>
-                    <a:prstDash val="solid"/>
-                  </a:ln>
-                  <a:solidFill>
-                    <a:schemeClr val="accent2">
-                      <a:lumMod val="40000"/>
-                      <a:lumOff val="60000"/>
-                    </a:schemeClr>
-                  </a:solidFill>
-                  <a:latin typeface="IBM Plex Sans" charset="0"/>
-                  <a:ea typeface="IBM Plex Sans" charset="0"/>
-                  <a:cs typeface="IBM Plex Sans" charset="0"/>
-                </a:endParaRPr>
-              </a:p>
-            </p:txBody>
-          </p:sp>
-          <p:pic>
-            <p:nvPicPr>
-              <p:cNvPr id="387" name="Picture 386">
-                <a:extLst>
-                  <a:ext uri="{FF2B5EF4-FFF2-40B4-BE49-F238E27FC236}">
-                    <a16:creationId xmlns:a16="http://schemas.microsoft.com/office/drawing/2014/main" id="{CEF1B652-950E-EA4C-A3F6-5CE6894E41C2}"/>
-                  </a:ext>
-                </a:extLst>
-              </p:cNvPr>
-              <p:cNvPicPr>
-                <a:picLocks noChangeAspect="1"/>
-              </p:cNvPicPr>
-              <p:nvPr/>
-            </p:nvPicPr>
-            <p:blipFill>
-              <a:blip r:embed="rId13">
-                <a:extLst>
-                  <a:ext uri="{28A0092B-C50C-407E-A947-70E740481C1C}">
-                    <a14:useLocalDpi xmlns:a14="http://schemas.microsoft.com/office/drawing/2010/main" val="0"/>
-                  </a:ext>
-                </a:extLst>
-              </a:blip>
-              <a:stretch>
-                <a:fillRect/>
-              </a:stretch>
-            </p:blipFill>
-            <p:spPr>
-              <a:xfrm>
-                <a:off x="1247409" y="4913338"/>
-                <a:ext cx="277256" cy="277256"/>
-              </a:xfrm>
-              <a:prstGeom prst="rect">
-                <a:avLst/>
-              </a:prstGeom>
-            </p:spPr>
-          </p:pic>
-        </p:grpSp>
         <p:sp>
           <p:nvSpPr>
             <p:cNvPr id="388" name="Shape 535">
@@ -14600,7 +12938,7 @@
             </a:ln>
             <a:extLst>
               <a:ext uri="{C572A759-6A51-4108-AA02-DFA0A04FC94B}">
-                <ma14:wrappingTextBoxFlag xmlns="" xmlns:ma14="http://schemas.microsoft.com/office/mac/drawingml/2011/main" val="1"/>
+                <ma14:wrappingTextBoxFlag xmlns:ma14="http://schemas.microsoft.com/office/mac/drawingml/2011/main" xmlns="" val="1"/>
               </a:ext>
             </a:extLst>
           </p:spPr>
@@ -14734,6 +13072,1626 @@
             <a:fontRef idx="none"/>
           </p:style>
         </p:cxnSp>
+        <p:grpSp>
+          <p:nvGrpSpPr>
+            <p:cNvPr id="251" name="Group 250">
+              <a:extLst>
+                <a:ext uri="{FF2B5EF4-FFF2-40B4-BE49-F238E27FC236}">
+                  <a16:creationId xmlns:a16="http://schemas.microsoft.com/office/drawing/2014/main" id="{A1401C2A-3B39-474A-8A2D-6F2C191BC157}"/>
+                </a:ext>
+              </a:extLst>
+            </p:cNvPr>
+            <p:cNvGrpSpPr/>
+            <p:nvPr/>
+          </p:nvGrpSpPr>
+          <p:grpSpPr>
+            <a:xfrm>
+              <a:off x="1196640" y="0"/>
+              <a:ext cx="365760" cy="365760"/>
+              <a:chOff x="5331097" y="3391404"/>
+              <a:chExt cx="914400" cy="914400"/>
+            </a:xfrm>
+          </p:grpSpPr>
+          <p:sp>
+            <p:nvSpPr>
+              <p:cNvPr id="252" name="Rounded Rectangle 29">
+                <a:extLst>
+                  <a:ext uri="{FF2B5EF4-FFF2-40B4-BE49-F238E27FC236}">
+                    <a16:creationId xmlns:a16="http://schemas.microsoft.com/office/drawing/2014/main" id="{8E4BB0A6-115E-A749-A20D-C74A685ACD4C}"/>
+                  </a:ext>
+                </a:extLst>
+              </p:cNvPr>
+              <p:cNvSpPr/>
+              <p:nvPr/>
+            </p:nvSpPr>
+            <p:spPr>
+              <a:xfrm>
+                <a:off x="5331097" y="3391404"/>
+                <a:ext cx="914400" cy="914400"/>
+              </a:xfrm>
+              <a:prstGeom prst="roundRect">
+                <a:avLst>
+                  <a:gd name="adj" fmla="val 0"/>
+                </a:avLst>
+              </a:prstGeom>
+              <a:solidFill>
+                <a:srgbClr val="4378BB"/>
+              </a:solidFill>
+              <a:ln w="6350">
+                <a:solidFill>
+                  <a:srgbClr val="4378BB"/>
+                </a:solidFill>
+              </a:ln>
+              <a:effectLst>
+                <a:outerShdw blurRad="50800" dist="38100" dir="8100000" algn="tr" rotWithShape="0">
+                  <a:prstClr val="black">
+                    <a:alpha val="40000"/>
+                  </a:prstClr>
+                </a:outerShdw>
+              </a:effectLst>
+            </p:spPr>
+            <p:style>
+              <a:lnRef idx="2">
+                <a:schemeClr val="accent1">
+                  <a:shade val="50000"/>
+                </a:schemeClr>
+              </a:lnRef>
+              <a:fillRef idx="1">
+                <a:schemeClr val="accent1"/>
+              </a:fillRef>
+              <a:effectRef idx="0">
+                <a:schemeClr val="accent1"/>
+              </a:effectRef>
+              <a:fontRef idx="minor">
+                <a:schemeClr val="lt1"/>
+              </a:fontRef>
+            </p:style>
+            <p:txBody>
+              <a:bodyPr rtlCol="0" anchor="ctr"/>
+              <a:lstStyle/>
+              <a:p>
+                <a:pPr algn="ctr"/>
+                <a:endParaRPr lang="en-US" b="1" dirty="0">
+                  <a:ln w="22225">
+                    <a:solidFill>
+                      <a:schemeClr val="accent2"/>
+                    </a:solidFill>
+                    <a:prstDash val="solid"/>
+                  </a:ln>
+                  <a:solidFill>
+                    <a:schemeClr val="accent2">
+                      <a:lumMod val="40000"/>
+                      <a:lumOff val="60000"/>
+                    </a:schemeClr>
+                  </a:solidFill>
+                  <a:latin typeface="IBM Plex Sans" charset="0"/>
+                  <a:ea typeface="IBM Plex Sans" charset="0"/>
+                  <a:cs typeface="IBM Plex Sans" charset="0"/>
+                </a:endParaRPr>
+              </a:p>
+            </p:txBody>
+          </p:sp>
+          <p:pic>
+            <p:nvPicPr>
+              <p:cNvPr id="253" name="Picture 252">
+                <a:extLst>
+                  <a:ext uri="{FF2B5EF4-FFF2-40B4-BE49-F238E27FC236}">
+                    <a16:creationId xmlns:a16="http://schemas.microsoft.com/office/drawing/2014/main" id="{C8A57C21-7510-BF40-9424-8DCD9690956F}"/>
+                  </a:ext>
+                </a:extLst>
+              </p:cNvPr>
+              <p:cNvPicPr>
+                <a:picLocks noChangeAspect="1"/>
+              </p:cNvPicPr>
+              <p:nvPr/>
+            </p:nvPicPr>
+            <p:blipFill>
+              <a:blip r:embed="rId19"/>
+              <a:stretch>
+                <a:fillRect/>
+              </a:stretch>
+            </p:blipFill>
+            <p:spPr>
+              <a:xfrm>
+                <a:off x="5410960" y="3432914"/>
+                <a:ext cx="754678" cy="831390"/>
+              </a:xfrm>
+              <a:prstGeom prst="rect">
+                <a:avLst/>
+              </a:prstGeom>
+            </p:spPr>
+          </p:pic>
+        </p:grpSp>
+        <p:grpSp>
+          <p:nvGrpSpPr>
+            <p:cNvPr id="256" name="Group 255">
+              <a:extLst>
+                <a:ext uri="{FF2B5EF4-FFF2-40B4-BE49-F238E27FC236}">
+                  <a16:creationId xmlns:a16="http://schemas.microsoft.com/office/drawing/2014/main" id="{D90511E5-B5FF-5548-BAFE-C634D75C02CF}"/>
+                </a:ext>
+              </a:extLst>
+            </p:cNvPr>
+            <p:cNvGrpSpPr/>
+            <p:nvPr/>
+          </p:nvGrpSpPr>
+          <p:grpSpPr>
+            <a:xfrm>
+              <a:off x="9213788" y="0"/>
+              <a:ext cx="365760" cy="365760"/>
+              <a:chOff x="5410668" y="3402270"/>
+              <a:chExt cx="914400" cy="914400"/>
+            </a:xfrm>
+          </p:grpSpPr>
+          <p:sp>
+            <p:nvSpPr>
+              <p:cNvPr id="272" name="Rounded Rectangle 41">
+                <a:extLst>
+                  <a:ext uri="{FF2B5EF4-FFF2-40B4-BE49-F238E27FC236}">
+                    <a16:creationId xmlns:a16="http://schemas.microsoft.com/office/drawing/2014/main" id="{FAB33BF9-4145-BD4B-B5B5-CDCD2D902380}"/>
+                  </a:ext>
+                </a:extLst>
+              </p:cNvPr>
+              <p:cNvSpPr/>
+              <p:nvPr/>
+            </p:nvSpPr>
+            <p:spPr>
+              <a:xfrm>
+                <a:off x="5410668" y="3402270"/>
+                <a:ext cx="914400" cy="914400"/>
+              </a:xfrm>
+              <a:prstGeom prst="roundRect">
+                <a:avLst>
+                  <a:gd name="adj" fmla="val 0"/>
+                </a:avLst>
+              </a:prstGeom>
+              <a:solidFill>
+                <a:srgbClr val="4378BB"/>
+              </a:solidFill>
+              <a:ln w="6350">
+                <a:solidFill>
+                  <a:srgbClr val="4378BB"/>
+                </a:solidFill>
+              </a:ln>
+              <a:effectLst>
+                <a:outerShdw blurRad="50800" dist="38100" dir="8100000" algn="tr" rotWithShape="0">
+                  <a:prstClr val="black">
+                    <a:alpha val="40000"/>
+                  </a:prstClr>
+                </a:outerShdw>
+              </a:effectLst>
+            </p:spPr>
+            <p:style>
+              <a:lnRef idx="2">
+                <a:schemeClr val="accent1">
+                  <a:shade val="50000"/>
+                </a:schemeClr>
+              </a:lnRef>
+              <a:fillRef idx="1">
+                <a:schemeClr val="accent1"/>
+              </a:fillRef>
+              <a:effectRef idx="0">
+                <a:schemeClr val="accent1"/>
+              </a:effectRef>
+              <a:fontRef idx="minor">
+                <a:schemeClr val="lt1"/>
+              </a:fontRef>
+            </p:style>
+            <p:txBody>
+              <a:bodyPr rtlCol="0" anchor="ctr"/>
+              <a:lstStyle/>
+              <a:p>
+                <a:pPr algn="ctr"/>
+                <a:endParaRPr lang="en-US" b="1" dirty="0">
+                  <a:ln w="22225">
+                    <a:solidFill>
+                      <a:schemeClr val="accent2"/>
+                    </a:solidFill>
+                    <a:prstDash val="solid"/>
+                  </a:ln>
+                  <a:solidFill>
+                    <a:schemeClr val="accent2">
+                      <a:lumMod val="40000"/>
+                      <a:lumOff val="60000"/>
+                    </a:schemeClr>
+                  </a:solidFill>
+                  <a:latin typeface="IBM Plex Sans" charset="0"/>
+                  <a:ea typeface="IBM Plex Sans" charset="0"/>
+                  <a:cs typeface="IBM Plex Sans" charset="0"/>
+                </a:endParaRPr>
+              </a:p>
+            </p:txBody>
+          </p:sp>
+          <p:pic>
+            <p:nvPicPr>
+              <p:cNvPr id="326" name="Picture 325">
+                <a:extLst>
+                  <a:ext uri="{FF2B5EF4-FFF2-40B4-BE49-F238E27FC236}">
+                    <a16:creationId xmlns:a16="http://schemas.microsoft.com/office/drawing/2014/main" id="{4FCF9995-5B70-E147-AF3D-9BEBB434A98D}"/>
+                  </a:ext>
+                </a:extLst>
+              </p:cNvPr>
+              <p:cNvPicPr>
+                <a:picLocks noChangeAspect="1"/>
+              </p:cNvPicPr>
+              <p:nvPr/>
+            </p:nvPicPr>
+            <p:blipFill>
+              <a:blip r:embed="rId20"/>
+              <a:stretch>
+                <a:fillRect/>
+              </a:stretch>
+            </p:blipFill>
+            <p:spPr>
+              <a:xfrm>
+                <a:off x="5512615" y="3539633"/>
+                <a:ext cx="707890" cy="639672"/>
+              </a:xfrm>
+              <a:prstGeom prst="rect">
+                <a:avLst/>
+              </a:prstGeom>
+            </p:spPr>
+          </p:pic>
+        </p:grpSp>
+        <p:grpSp>
+          <p:nvGrpSpPr>
+            <p:cNvPr id="327" name="Group 326">
+              <a:extLst>
+                <a:ext uri="{FF2B5EF4-FFF2-40B4-BE49-F238E27FC236}">
+                  <a16:creationId xmlns:a16="http://schemas.microsoft.com/office/drawing/2014/main" id="{1A6FD91F-8D24-9344-B4FF-CB25425AB3BC}"/>
+                </a:ext>
+              </a:extLst>
+            </p:cNvPr>
+            <p:cNvGrpSpPr/>
+            <p:nvPr/>
+          </p:nvGrpSpPr>
+          <p:grpSpPr>
+            <a:xfrm>
+              <a:off x="436340" y="19061"/>
+              <a:ext cx="365760" cy="365760"/>
+              <a:chOff x="3916214" y="3423159"/>
+              <a:chExt cx="914400" cy="914400"/>
+            </a:xfrm>
+          </p:grpSpPr>
+          <p:sp>
+            <p:nvSpPr>
+              <p:cNvPr id="328" name="Rounded Rectangle 67">
+                <a:extLst>
+                  <a:ext uri="{FF2B5EF4-FFF2-40B4-BE49-F238E27FC236}">
+                    <a16:creationId xmlns:a16="http://schemas.microsoft.com/office/drawing/2014/main" id="{88CFDDFA-E29D-E04E-B097-E710B0795430}"/>
+                  </a:ext>
+                </a:extLst>
+              </p:cNvPr>
+              <p:cNvSpPr/>
+              <p:nvPr/>
+            </p:nvSpPr>
+            <p:spPr>
+              <a:xfrm>
+                <a:off x="3916214" y="3423159"/>
+                <a:ext cx="914400" cy="914400"/>
+              </a:xfrm>
+              <a:prstGeom prst="roundRect">
+                <a:avLst>
+                  <a:gd name="adj" fmla="val 0"/>
+                </a:avLst>
+              </a:prstGeom>
+              <a:solidFill>
+                <a:srgbClr val="4378BB"/>
+              </a:solidFill>
+              <a:ln w="6350">
+                <a:solidFill>
+                  <a:srgbClr val="4378BB"/>
+                </a:solidFill>
+              </a:ln>
+              <a:effectLst>
+                <a:outerShdw blurRad="50800" dist="38100" dir="8100000" algn="tr" rotWithShape="0">
+                  <a:prstClr val="black">
+                    <a:alpha val="40000"/>
+                  </a:prstClr>
+                </a:outerShdw>
+              </a:effectLst>
+            </p:spPr>
+            <p:style>
+              <a:lnRef idx="2">
+                <a:schemeClr val="accent1">
+                  <a:shade val="50000"/>
+                </a:schemeClr>
+              </a:lnRef>
+              <a:fillRef idx="1">
+                <a:schemeClr val="accent1"/>
+              </a:fillRef>
+              <a:effectRef idx="0">
+                <a:schemeClr val="accent1"/>
+              </a:effectRef>
+              <a:fontRef idx="minor">
+                <a:schemeClr val="lt1"/>
+              </a:fontRef>
+            </p:style>
+            <p:txBody>
+              <a:bodyPr rtlCol="0" anchor="ctr"/>
+              <a:lstStyle/>
+              <a:p>
+                <a:pPr algn="ctr"/>
+                <a:endParaRPr lang="en-US" b="1" dirty="0">
+                  <a:ln w="22225">
+                    <a:solidFill>
+                      <a:schemeClr val="accent2"/>
+                    </a:solidFill>
+                    <a:prstDash val="solid"/>
+                  </a:ln>
+                  <a:solidFill>
+                    <a:schemeClr val="accent2">
+                      <a:lumMod val="40000"/>
+                      <a:lumOff val="60000"/>
+                    </a:schemeClr>
+                  </a:solidFill>
+                  <a:latin typeface="IBM Plex Sans" charset="0"/>
+                  <a:ea typeface="IBM Plex Sans" charset="0"/>
+                  <a:cs typeface="IBM Plex Sans" charset="0"/>
+                </a:endParaRPr>
+              </a:p>
+            </p:txBody>
+          </p:sp>
+          <p:pic>
+            <p:nvPicPr>
+              <p:cNvPr id="334" name="Picture 333">
+                <a:extLst>
+                  <a:ext uri="{FF2B5EF4-FFF2-40B4-BE49-F238E27FC236}">
+                    <a16:creationId xmlns:a16="http://schemas.microsoft.com/office/drawing/2014/main" id="{DF0783BF-BB33-2F4D-9EB6-E91BF23BC427}"/>
+                  </a:ext>
+                </a:extLst>
+              </p:cNvPr>
+              <p:cNvPicPr>
+                <a:picLocks noChangeAspect="1"/>
+              </p:cNvPicPr>
+              <p:nvPr/>
+            </p:nvPicPr>
+            <p:blipFill>
+              <a:blip r:embed="rId21" cstate="print">
+                <a:extLst>
+                  <a:ext uri="{28A0092B-C50C-407E-A947-70E740481C1C}">
+                    <a14:useLocalDpi xmlns:a14="http://schemas.microsoft.com/office/drawing/2010/main" val="0"/>
+                  </a:ext>
+                </a:extLst>
+              </a:blip>
+              <a:stretch>
+                <a:fillRect/>
+              </a:stretch>
+            </p:blipFill>
+            <p:spPr>
+              <a:xfrm>
+                <a:off x="4057374" y="3516745"/>
+                <a:ext cx="652724" cy="727227"/>
+              </a:xfrm>
+              <a:prstGeom prst="rect">
+                <a:avLst/>
+              </a:prstGeom>
+            </p:spPr>
+          </p:pic>
+        </p:grpSp>
+        <p:grpSp>
+          <p:nvGrpSpPr>
+            <p:cNvPr id="348" name="Group 347">
+              <a:extLst>
+                <a:ext uri="{FF2B5EF4-FFF2-40B4-BE49-F238E27FC236}">
+                  <a16:creationId xmlns:a16="http://schemas.microsoft.com/office/drawing/2014/main" id="{3DBE2900-4DF8-0A48-BECC-9B1F1E4DE36A}"/>
+                </a:ext>
+              </a:extLst>
+            </p:cNvPr>
+            <p:cNvGrpSpPr/>
+            <p:nvPr/>
+          </p:nvGrpSpPr>
+          <p:grpSpPr>
+            <a:xfrm>
+              <a:off x="1556516" y="1047046"/>
+              <a:ext cx="365760" cy="365760"/>
+              <a:chOff x="4585706" y="3621897"/>
+              <a:chExt cx="914400" cy="914400"/>
+            </a:xfrm>
+          </p:grpSpPr>
+          <p:sp>
+            <p:nvSpPr>
+              <p:cNvPr id="356" name="Rounded Rectangle 355">
+                <a:extLst>
+                  <a:ext uri="{FF2B5EF4-FFF2-40B4-BE49-F238E27FC236}">
+                    <a16:creationId xmlns:a16="http://schemas.microsoft.com/office/drawing/2014/main" id="{A0C24D09-F0A4-1049-B93D-3FC76EC70E08}"/>
+                  </a:ext>
+                </a:extLst>
+              </p:cNvPr>
+              <p:cNvSpPr/>
+              <p:nvPr/>
+            </p:nvSpPr>
+            <p:spPr>
+              <a:xfrm>
+                <a:off x="4585706" y="3621897"/>
+                <a:ext cx="914400" cy="914400"/>
+              </a:xfrm>
+              <a:prstGeom prst="roundRect">
+                <a:avLst>
+                  <a:gd name="adj" fmla="val 0"/>
+                </a:avLst>
+              </a:prstGeom>
+              <a:solidFill>
+                <a:srgbClr val="4378BB"/>
+              </a:solidFill>
+              <a:ln w="6350">
+                <a:solidFill>
+                  <a:srgbClr val="4378BB"/>
+                </a:solidFill>
+              </a:ln>
+              <a:effectLst>
+                <a:outerShdw blurRad="50800" dist="38100" dir="8100000" algn="tr" rotWithShape="0">
+                  <a:prstClr val="black">
+                    <a:alpha val="40000"/>
+                  </a:prstClr>
+                </a:outerShdw>
+              </a:effectLst>
+            </p:spPr>
+            <p:style>
+              <a:lnRef idx="2">
+                <a:schemeClr val="accent1">
+                  <a:shade val="50000"/>
+                </a:schemeClr>
+              </a:lnRef>
+              <a:fillRef idx="1">
+                <a:schemeClr val="accent1"/>
+              </a:fillRef>
+              <a:effectRef idx="0">
+                <a:schemeClr val="accent1"/>
+              </a:effectRef>
+              <a:fontRef idx="minor">
+                <a:schemeClr val="lt1"/>
+              </a:fontRef>
+            </p:style>
+            <p:txBody>
+              <a:bodyPr rtlCol="0" anchor="ctr"/>
+              <a:lstStyle/>
+              <a:p>
+                <a:pPr algn="ctr"/>
+                <a:endParaRPr lang="en-US" b="1" dirty="0">
+                  <a:ln w="22225">
+                    <a:solidFill>
+                      <a:schemeClr val="accent2"/>
+                    </a:solidFill>
+                    <a:prstDash val="solid"/>
+                  </a:ln>
+                  <a:solidFill>
+                    <a:schemeClr val="accent2">
+                      <a:lumMod val="40000"/>
+                      <a:lumOff val="60000"/>
+                    </a:schemeClr>
+                  </a:solidFill>
+                  <a:latin typeface="IBM Plex Sans" charset="0"/>
+                  <a:ea typeface="IBM Plex Sans" charset="0"/>
+                  <a:cs typeface="IBM Plex Sans" charset="0"/>
+                </a:endParaRPr>
+              </a:p>
+            </p:txBody>
+          </p:sp>
+          <p:pic>
+            <p:nvPicPr>
+              <p:cNvPr id="360" name="Picture 359">
+                <a:extLst>
+                  <a:ext uri="{FF2B5EF4-FFF2-40B4-BE49-F238E27FC236}">
+                    <a16:creationId xmlns:a16="http://schemas.microsoft.com/office/drawing/2014/main" id="{A648A3EE-6696-4C42-9126-A80D614BBB21}"/>
+                  </a:ext>
+                </a:extLst>
+              </p:cNvPr>
+              <p:cNvPicPr>
+                <a:picLocks noChangeAspect="1"/>
+              </p:cNvPicPr>
+              <p:nvPr/>
+            </p:nvPicPr>
+            <p:blipFill>
+              <a:blip r:embed="rId19"/>
+              <a:stretch>
+                <a:fillRect/>
+              </a:stretch>
+            </p:blipFill>
+            <p:spPr>
+              <a:xfrm>
+                <a:off x="4640706" y="3646999"/>
+                <a:ext cx="757757" cy="823925"/>
+              </a:xfrm>
+              <a:prstGeom prst="rect">
+                <a:avLst/>
+              </a:prstGeom>
+            </p:spPr>
+          </p:pic>
+          <p:pic>
+            <p:nvPicPr>
+              <p:cNvPr id="364" name="Picture 363">
+                <a:extLst>
+                  <a:ext uri="{FF2B5EF4-FFF2-40B4-BE49-F238E27FC236}">
+                    <a16:creationId xmlns:a16="http://schemas.microsoft.com/office/drawing/2014/main" id="{11CC28E7-695E-414A-BCA3-2BF7CBF9D51F}"/>
+                  </a:ext>
+                </a:extLst>
+              </p:cNvPr>
+              <p:cNvPicPr>
+                <a:picLocks noChangeAspect="1"/>
+              </p:cNvPicPr>
+              <p:nvPr/>
+            </p:nvPicPr>
+            <p:blipFill>
+              <a:blip r:embed="rId11"/>
+              <a:stretch>
+                <a:fillRect/>
+              </a:stretch>
+            </p:blipFill>
+            <p:spPr>
+              <a:xfrm>
+                <a:off x="4852321" y="3848372"/>
+                <a:ext cx="400198" cy="522738"/>
+              </a:xfrm>
+              <a:prstGeom prst="rect">
+                <a:avLst/>
+              </a:prstGeom>
+            </p:spPr>
+          </p:pic>
+        </p:grpSp>
+        <p:grpSp>
+          <p:nvGrpSpPr>
+            <p:cNvPr id="366" name="Group 365">
+              <a:extLst>
+                <a:ext uri="{FF2B5EF4-FFF2-40B4-BE49-F238E27FC236}">
+                  <a16:creationId xmlns:a16="http://schemas.microsoft.com/office/drawing/2014/main" id="{F6CE519C-566A-1643-AC0B-D6AF9E7DA25E}"/>
+                </a:ext>
+              </a:extLst>
+            </p:cNvPr>
+            <p:cNvGrpSpPr/>
+            <p:nvPr/>
+          </p:nvGrpSpPr>
+          <p:grpSpPr>
+            <a:xfrm>
+              <a:off x="1379520" y="576737"/>
+              <a:ext cx="365760" cy="365760"/>
+              <a:chOff x="4020862" y="3608003"/>
+              <a:chExt cx="914400" cy="914400"/>
+            </a:xfrm>
+          </p:grpSpPr>
+          <p:sp>
+            <p:nvSpPr>
+              <p:cNvPr id="375" name="Rounded Rectangle 34">
+                <a:extLst>
+                  <a:ext uri="{FF2B5EF4-FFF2-40B4-BE49-F238E27FC236}">
+                    <a16:creationId xmlns:a16="http://schemas.microsoft.com/office/drawing/2014/main" id="{FBA1C200-6BF4-9845-B2E0-E12A1358C1F6}"/>
+                  </a:ext>
+                </a:extLst>
+              </p:cNvPr>
+              <p:cNvSpPr/>
+              <p:nvPr/>
+            </p:nvSpPr>
+            <p:spPr>
+              <a:xfrm>
+                <a:off x="4020862" y="3608003"/>
+                <a:ext cx="914400" cy="914400"/>
+              </a:xfrm>
+              <a:prstGeom prst="roundRect">
+                <a:avLst>
+                  <a:gd name="adj" fmla="val 0"/>
+                </a:avLst>
+              </a:prstGeom>
+              <a:solidFill>
+                <a:srgbClr val="00882B"/>
+              </a:solidFill>
+              <a:ln w="19050">
+                <a:solidFill>
+                  <a:srgbClr val="00882B"/>
+                </a:solidFill>
+                <a:prstDash val="solid"/>
+              </a:ln>
+              <a:effectLst>
+                <a:outerShdw blurRad="50800" dist="38100" dir="8100000" algn="tr" rotWithShape="0">
+                  <a:prstClr val="black">
+                    <a:alpha val="40000"/>
+                  </a:prstClr>
+                </a:outerShdw>
+              </a:effectLst>
+            </p:spPr>
+            <p:style>
+              <a:lnRef idx="2">
+                <a:schemeClr val="accent1">
+                  <a:shade val="50000"/>
+                </a:schemeClr>
+              </a:lnRef>
+              <a:fillRef idx="1">
+                <a:schemeClr val="accent1"/>
+              </a:fillRef>
+              <a:effectRef idx="0">
+                <a:schemeClr val="accent1"/>
+              </a:effectRef>
+              <a:fontRef idx="minor">
+                <a:schemeClr val="lt1"/>
+              </a:fontRef>
+            </p:style>
+            <p:txBody>
+              <a:bodyPr rtlCol="0" anchor="ctr"/>
+              <a:lstStyle/>
+              <a:p>
+                <a:pPr algn="ctr"/>
+                <a:endParaRPr lang="en-US" b="1" dirty="0">
+                  <a:ln w="22225">
+                    <a:solidFill>
+                      <a:schemeClr val="accent2"/>
+                    </a:solidFill>
+                    <a:prstDash val="solid"/>
+                  </a:ln>
+                  <a:solidFill>
+                    <a:schemeClr val="accent2">
+                      <a:lumMod val="40000"/>
+                      <a:lumOff val="60000"/>
+                    </a:schemeClr>
+                  </a:solidFill>
+                  <a:latin typeface="IBM Plex Sans" charset="0"/>
+                  <a:ea typeface="IBM Plex Sans" charset="0"/>
+                  <a:cs typeface="IBM Plex Sans" charset="0"/>
+                </a:endParaRPr>
+              </a:p>
+            </p:txBody>
+          </p:sp>
+          <p:pic>
+            <p:nvPicPr>
+              <p:cNvPr id="376" name="Picture 375">
+                <a:extLst>
+                  <a:ext uri="{FF2B5EF4-FFF2-40B4-BE49-F238E27FC236}">
+                    <a16:creationId xmlns:a16="http://schemas.microsoft.com/office/drawing/2014/main" id="{310FFB68-72CB-7D49-AA09-FA4A54CD3728}"/>
+                  </a:ext>
+                </a:extLst>
+              </p:cNvPr>
+              <p:cNvPicPr>
+                <a:picLocks noChangeAspect="1"/>
+              </p:cNvPicPr>
+              <p:nvPr/>
+            </p:nvPicPr>
+            <p:blipFill>
+              <a:blip r:embed="rId22"/>
+              <a:stretch>
+                <a:fillRect/>
+              </a:stretch>
+            </p:blipFill>
+            <p:spPr>
+              <a:xfrm>
+                <a:off x="4034280" y="3614658"/>
+                <a:ext cx="887565" cy="887565"/>
+              </a:xfrm>
+              <a:prstGeom prst="rect">
+                <a:avLst/>
+              </a:prstGeom>
+            </p:spPr>
+          </p:pic>
+        </p:grpSp>
+        <p:grpSp>
+          <p:nvGrpSpPr>
+            <p:cNvPr id="379" name="Group 378">
+              <a:extLst>
+                <a:ext uri="{FF2B5EF4-FFF2-40B4-BE49-F238E27FC236}">
+                  <a16:creationId xmlns:a16="http://schemas.microsoft.com/office/drawing/2014/main" id="{6A6C27F7-5C29-8E4C-A713-5C55F8A99BA3}"/>
+                </a:ext>
+              </a:extLst>
+            </p:cNvPr>
+            <p:cNvGrpSpPr/>
+            <p:nvPr/>
+          </p:nvGrpSpPr>
+          <p:grpSpPr>
+            <a:xfrm>
+              <a:off x="6773313" y="1525382"/>
+              <a:ext cx="365760" cy="365760"/>
+              <a:chOff x="5493323" y="3498233"/>
+              <a:chExt cx="914400" cy="914400"/>
+            </a:xfrm>
+          </p:grpSpPr>
+          <p:sp>
+            <p:nvSpPr>
+              <p:cNvPr id="389" name="Rounded Rectangle 34">
+                <a:extLst>
+                  <a:ext uri="{FF2B5EF4-FFF2-40B4-BE49-F238E27FC236}">
+                    <a16:creationId xmlns:a16="http://schemas.microsoft.com/office/drawing/2014/main" id="{AE6EE597-3034-7846-A0C1-5E0CDBB118F9}"/>
+                  </a:ext>
+                </a:extLst>
+              </p:cNvPr>
+              <p:cNvSpPr/>
+              <p:nvPr/>
+            </p:nvSpPr>
+            <p:spPr>
+              <a:xfrm>
+                <a:off x="5493323" y="3498233"/>
+                <a:ext cx="914400" cy="914400"/>
+              </a:xfrm>
+              <a:prstGeom prst="roundRect">
+                <a:avLst>
+                  <a:gd name="adj" fmla="val 0"/>
+                </a:avLst>
+              </a:prstGeom>
+              <a:solidFill>
+                <a:srgbClr val="00882B"/>
+              </a:solidFill>
+              <a:ln w="19050">
+                <a:solidFill>
+                  <a:srgbClr val="00882B"/>
+                </a:solidFill>
+                <a:prstDash val="solid"/>
+              </a:ln>
+              <a:effectLst>
+                <a:outerShdw blurRad="50800" dist="38100" dir="8100000" algn="tr" rotWithShape="0">
+                  <a:prstClr val="black">
+                    <a:alpha val="40000"/>
+                  </a:prstClr>
+                </a:outerShdw>
+              </a:effectLst>
+            </p:spPr>
+            <p:style>
+              <a:lnRef idx="2">
+                <a:schemeClr val="accent1">
+                  <a:shade val="50000"/>
+                </a:schemeClr>
+              </a:lnRef>
+              <a:fillRef idx="1">
+                <a:schemeClr val="accent1"/>
+              </a:fillRef>
+              <a:effectRef idx="0">
+                <a:schemeClr val="accent1"/>
+              </a:effectRef>
+              <a:fontRef idx="minor">
+                <a:schemeClr val="lt1"/>
+              </a:fontRef>
+            </p:style>
+            <p:txBody>
+              <a:bodyPr rtlCol="0" anchor="ctr"/>
+              <a:lstStyle/>
+              <a:p>
+                <a:pPr algn="ctr"/>
+                <a:endParaRPr lang="en-US" b="1" dirty="0">
+                  <a:ln w="22225">
+                    <a:solidFill>
+                      <a:schemeClr val="accent2"/>
+                    </a:solidFill>
+                    <a:prstDash val="solid"/>
+                  </a:ln>
+                  <a:solidFill>
+                    <a:schemeClr val="accent2">
+                      <a:lumMod val="40000"/>
+                      <a:lumOff val="60000"/>
+                    </a:schemeClr>
+                  </a:solidFill>
+                  <a:latin typeface="IBM Plex Sans" charset="0"/>
+                  <a:ea typeface="IBM Plex Sans" charset="0"/>
+                  <a:cs typeface="IBM Plex Sans" charset="0"/>
+                </a:endParaRPr>
+              </a:p>
+            </p:txBody>
+          </p:sp>
+          <p:pic>
+            <p:nvPicPr>
+              <p:cNvPr id="390" name="Picture 389">
+                <a:extLst>
+                  <a:ext uri="{FF2B5EF4-FFF2-40B4-BE49-F238E27FC236}">
+                    <a16:creationId xmlns:a16="http://schemas.microsoft.com/office/drawing/2014/main" id="{E211171E-87E1-3A4F-9898-B1BF376E5556}"/>
+                  </a:ext>
+                </a:extLst>
+              </p:cNvPr>
+              <p:cNvPicPr>
+                <a:picLocks noChangeAspect="1"/>
+              </p:cNvPicPr>
+              <p:nvPr/>
+            </p:nvPicPr>
+            <p:blipFill>
+              <a:blip r:embed="rId23">
+                <a:extLst>
+                  <a:ext uri="{28A0092B-C50C-407E-A947-70E740481C1C}">
+                    <a14:useLocalDpi xmlns:a14="http://schemas.microsoft.com/office/drawing/2010/main" val="0"/>
+                  </a:ext>
+                </a:extLst>
+              </a:blip>
+              <a:stretch>
+                <a:fillRect/>
+              </a:stretch>
+            </p:blipFill>
+            <p:spPr>
+              <a:xfrm>
+                <a:off x="5603953" y="3608863"/>
+                <a:ext cx="693140" cy="693140"/>
+              </a:xfrm>
+              <a:prstGeom prst="rect">
+                <a:avLst/>
+              </a:prstGeom>
+            </p:spPr>
+          </p:pic>
+        </p:grpSp>
+        <p:grpSp>
+          <p:nvGrpSpPr>
+            <p:cNvPr id="391" name="Group 390">
+              <a:extLst>
+                <a:ext uri="{FF2B5EF4-FFF2-40B4-BE49-F238E27FC236}">
+                  <a16:creationId xmlns:a16="http://schemas.microsoft.com/office/drawing/2014/main" id="{49B082B5-DE8C-6448-BB40-24B4AE9AC51A}"/>
+                </a:ext>
+              </a:extLst>
+            </p:cNvPr>
+            <p:cNvGrpSpPr/>
+            <p:nvPr/>
+          </p:nvGrpSpPr>
+          <p:grpSpPr>
+            <a:xfrm>
+              <a:off x="4895164" y="1525777"/>
+              <a:ext cx="365760" cy="365760"/>
+              <a:chOff x="5493323" y="3498233"/>
+              <a:chExt cx="914400" cy="914400"/>
+            </a:xfrm>
+          </p:grpSpPr>
+          <p:sp>
+            <p:nvSpPr>
+              <p:cNvPr id="392" name="Rounded Rectangle 34">
+                <a:extLst>
+                  <a:ext uri="{FF2B5EF4-FFF2-40B4-BE49-F238E27FC236}">
+                    <a16:creationId xmlns:a16="http://schemas.microsoft.com/office/drawing/2014/main" id="{8D4519AF-AB81-4D41-A312-E7CC65B1F1E8}"/>
+                  </a:ext>
+                </a:extLst>
+              </p:cNvPr>
+              <p:cNvSpPr/>
+              <p:nvPr/>
+            </p:nvSpPr>
+            <p:spPr>
+              <a:xfrm>
+                <a:off x="5493323" y="3498233"/>
+                <a:ext cx="914400" cy="914400"/>
+              </a:xfrm>
+              <a:prstGeom prst="roundRect">
+                <a:avLst>
+                  <a:gd name="adj" fmla="val 0"/>
+                </a:avLst>
+              </a:prstGeom>
+              <a:solidFill>
+                <a:srgbClr val="00882B"/>
+              </a:solidFill>
+              <a:ln w="19050">
+                <a:solidFill>
+                  <a:srgbClr val="00882B"/>
+                </a:solidFill>
+                <a:prstDash val="solid"/>
+              </a:ln>
+              <a:effectLst>
+                <a:outerShdw blurRad="50800" dist="38100" dir="8100000" algn="tr" rotWithShape="0">
+                  <a:prstClr val="black">
+                    <a:alpha val="40000"/>
+                  </a:prstClr>
+                </a:outerShdw>
+              </a:effectLst>
+            </p:spPr>
+            <p:style>
+              <a:lnRef idx="2">
+                <a:schemeClr val="accent1">
+                  <a:shade val="50000"/>
+                </a:schemeClr>
+              </a:lnRef>
+              <a:fillRef idx="1">
+                <a:schemeClr val="accent1"/>
+              </a:fillRef>
+              <a:effectRef idx="0">
+                <a:schemeClr val="accent1"/>
+              </a:effectRef>
+              <a:fontRef idx="minor">
+                <a:schemeClr val="lt1"/>
+              </a:fontRef>
+            </p:style>
+            <p:txBody>
+              <a:bodyPr rtlCol="0" anchor="ctr"/>
+              <a:lstStyle/>
+              <a:p>
+                <a:pPr algn="ctr"/>
+                <a:endParaRPr lang="en-US" b="1" dirty="0">
+                  <a:ln w="22225">
+                    <a:solidFill>
+                      <a:schemeClr val="accent2"/>
+                    </a:solidFill>
+                    <a:prstDash val="solid"/>
+                  </a:ln>
+                  <a:solidFill>
+                    <a:schemeClr val="accent2">
+                      <a:lumMod val="40000"/>
+                      <a:lumOff val="60000"/>
+                    </a:schemeClr>
+                  </a:solidFill>
+                  <a:latin typeface="IBM Plex Sans" charset="0"/>
+                  <a:ea typeface="IBM Plex Sans" charset="0"/>
+                  <a:cs typeface="IBM Plex Sans" charset="0"/>
+                </a:endParaRPr>
+              </a:p>
+            </p:txBody>
+          </p:sp>
+          <p:pic>
+            <p:nvPicPr>
+              <p:cNvPr id="393" name="Picture 392">
+                <a:extLst>
+                  <a:ext uri="{FF2B5EF4-FFF2-40B4-BE49-F238E27FC236}">
+                    <a16:creationId xmlns:a16="http://schemas.microsoft.com/office/drawing/2014/main" id="{6EA66712-5B74-664C-9883-47D93882009F}"/>
+                  </a:ext>
+                </a:extLst>
+              </p:cNvPr>
+              <p:cNvPicPr>
+                <a:picLocks noChangeAspect="1"/>
+              </p:cNvPicPr>
+              <p:nvPr/>
+            </p:nvPicPr>
+            <p:blipFill>
+              <a:blip r:embed="rId23">
+                <a:extLst>
+                  <a:ext uri="{28A0092B-C50C-407E-A947-70E740481C1C}">
+                    <a14:useLocalDpi xmlns:a14="http://schemas.microsoft.com/office/drawing/2010/main" val="0"/>
+                  </a:ext>
+                </a:extLst>
+              </a:blip>
+              <a:stretch>
+                <a:fillRect/>
+              </a:stretch>
+            </p:blipFill>
+            <p:spPr>
+              <a:xfrm>
+                <a:off x="5603953" y="3608863"/>
+                <a:ext cx="693140" cy="693140"/>
+              </a:xfrm>
+              <a:prstGeom prst="rect">
+                <a:avLst/>
+              </a:prstGeom>
+            </p:spPr>
+          </p:pic>
+        </p:grpSp>
+        <p:grpSp>
+          <p:nvGrpSpPr>
+            <p:cNvPr id="394" name="Group 393">
+              <a:extLst>
+                <a:ext uri="{FF2B5EF4-FFF2-40B4-BE49-F238E27FC236}">
+                  <a16:creationId xmlns:a16="http://schemas.microsoft.com/office/drawing/2014/main" id="{63A4479D-963D-4141-AB19-E44F0F6CF61C}"/>
+                </a:ext>
+              </a:extLst>
+            </p:cNvPr>
+            <p:cNvGrpSpPr/>
+            <p:nvPr/>
+          </p:nvGrpSpPr>
+          <p:grpSpPr>
+            <a:xfrm>
+              <a:off x="1711099" y="1527734"/>
+              <a:ext cx="365760" cy="365760"/>
+              <a:chOff x="5493323" y="3498233"/>
+              <a:chExt cx="914400" cy="914400"/>
+            </a:xfrm>
+          </p:grpSpPr>
+          <p:sp>
+            <p:nvSpPr>
+              <p:cNvPr id="395" name="Rounded Rectangle 34">
+                <a:extLst>
+                  <a:ext uri="{FF2B5EF4-FFF2-40B4-BE49-F238E27FC236}">
+                    <a16:creationId xmlns:a16="http://schemas.microsoft.com/office/drawing/2014/main" id="{0E34088C-2053-1E4C-AF80-D0DD324F1E61}"/>
+                  </a:ext>
+                </a:extLst>
+              </p:cNvPr>
+              <p:cNvSpPr/>
+              <p:nvPr/>
+            </p:nvSpPr>
+            <p:spPr>
+              <a:xfrm>
+                <a:off x="5493323" y="3498233"/>
+                <a:ext cx="914400" cy="914400"/>
+              </a:xfrm>
+              <a:prstGeom prst="roundRect">
+                <a:avLst>
+                  <a:gd name="adj" fmla="val 0"/>
+                </a:avLst>
+              </a:prstGeom>
+              <a:solidFill>
+                <a:srgbClr val="00882B"/>
+              </a:solidFill>
+              <a:ln w="19050">
+                <a:solidFill>
+                  <a:srgbClr val="00882B"/>
+                </a:solidFill>
+                <a:prstDash val="solid"/>
+              </a:ln>
+              <a:effectLst>
+                <a:outerShdw blurRad="50800" dist="38100" dir="8100000" algn="tr" rotWithShape="0">
+                  <a:prstClr val="black">
+                    <a:alpha val="40000"/>
+                  </a:prstClr>
+                </a:outerShdw>
+              </a:effectLst>
+            </p:spPr>
+            <p:style>
+              <a:lnRef idx="2">
+                <a:schemeClr val="accent1">
+                  <a:shade val="50000"/>
+                </a:schemeClr>
+              </a:lnRef>
+              <a:fillRef idx="1">
+                <a:schemeClr val="accent1"/>
+              </a:fillRef>
+              <a:effectRef idx="0">
+                <a:schemeClr val="accent1"/>
+              </a:effectRef>
+              <a:fontRef idx="minor">
+                <a:schemeClr val="lt1"/>
+              </a:fontRef>
+            </p:style>
+            <p:txBody>
+              <a:bodyPr rtlCol="0" anchor="ctr"/>
+              <a:lstStyle/>
+              <a:p>
+                <a:pPr algn="ctr"/>
+                <a:endParaRPr lang="en-US" b="1" dirty="0">
+                  <a:ln w="22225">
+                    <a:solidFill>
+                      <a:schemeClr val="accent2"/>
+                    </a:solidFill>
+                    <a:prstDash val="solid"/>
+                  </a:ln>
+                  <a:solidFill>
+                    <a:schemeClr val="accent2">
+                      <a:lumMod val="40000"/>
+                      <a:lumOff val="60000"/>
+                    </a:schemeClr>
+                  </a:solidFill>
+                  <a:latin typeface="IBM Plex Sans" charset="0"/>
+                  <a:ea typeface="IBM Plex Sans" charset="0"/>
+                  <a:cs typeface="IBM Plex Sans" charset="0"/>
+                </a:endParaRPr>
+              </a:p>
+            </p:txBody>
+          </p:sp>
+          <p:pic>
+            <p:nvPicPr>
+              <p:cNvPr id="396" name="Picture 395">
+                <a:extLst>
+                  <a:ext uri="{FF2B5EF4-FFF2-40B4-BE49-F238E27FC236}">
+                    <a16:creationId xmlns:a16="http://schemas.microsoft.com/office/drawing/2014/main" id="{31ADC538-5D40-934F-9A5D-B3CFF6E7EDC0}"/>
+                  </a:ext>
+                </a:extLst>
+              </p:cNvPr>
+              <p:cNvPicPr>
+                <a:picLocks noChangeAspect="1"/>
+              </p:cNvPicPr>
+              <p:nvPr/>
+            </p:nvPicPr>
+            <p:blipFill>
+              <a:blip r:embed="rId23">
+                <a:extLst>
+                  <a:ext uri="{28A0092B-C50C-407E-A947-70E740481C1C}">
+                    <a14:useLocalDpi xmlns:a14="http://schemas.microsoft.com/office/drawing/2010/main" val="0"/>
+                  </a:ext>
+                </a:extLst>
+              </a:blip>
+              <a:stretch>
+                <a:fillRect/>
+              </a:stretch>
+            </p:blipFill>
+            <p:spPr>
+              <a:xfrm>
+                <a:off x="5603953" y="3608863"/>
+                <a:ext cx="693140" cy="693140"/>
+              </a:xfrm>
+              <a:prstGeom prst="rect">
+                <a:avLst/>
+              </a:prstGeom>
+            </p:spPr>
+          </p:pic>
+        </p:grpSp>
+        <p:grpSp>
+          <p:nvGrpSpPr>
+            <p:cNvPr id="397" name="Group 396">
+              <a:extLst>
+                <a:ext uri="{FF2B5EF4-FFF2-40B4-BE49-F238E27FC236}">
+                  <a16:creationId xmlns:a16="http://schemas.microsoft.com/office/drawing/2014/main" id="{C38FD905-9F89-B644-92AD-518D82C52A41}"/>
+                </a:ext>
+              </a:extLst>
+            </p:cNvPr>
+            <p:cNvGrpSpPr/>
+            <p:nvPr/>
+          </p:nvGrpSpPr>
+          <p:grpSpPr>
+            <a:xfrm>
+              <a:off x="2587271" y="2167627"/>
+              <a:ext cx="365760" cy="365760"/>
+              <a:chOff x="7370747" y="5220061"/>
+              <a:chExt cx="914400" cy="914400"/>
+            </a:xfrm>
+          </p:grpSpPr>
+          <p:sp>
+            <p:nvSpPr>
+              <p:cNvPr id="398" name="Rounded Rectangle 26">
+                <a:extLst>
+                  <a:ext uri="{FF2B5EF4-FFF2-40B4-BE49-F238E27FC236}">
+                    <a16:creationId xmlns:a16="http://schemas.microsoft.com/office/drawing/2014/main" id="{53C6815D-3EE6-8440-94F3-CC51318A6CB0}"/>
+                  </a:ext>
+                </a:extLst>
+              </p:cNvPr>
+              <p:cNvSpPr/>
+              <p:nvPr/>
+            </p:nvSpPr>
+            <p:spPr>
+              <a:xfrm>
+                <a:off x="7370747" y="5220061"/>
+                <a:ext cx="914400" cy="914400"/>
+              </a:xfrm>
+              <a:prstGeom prst="roundRect">
+                <a:avLst>
+                  <a:gd name="adj" fmla="val 0"/>
+                </a:avLst>
+              </a:prstGeom>
+              <a:solidFill>
+                <a:srgbClr val="FF0000"/>
+              </a:solidFill>
+              <a:ln w="6350">
+                <a:solidFill>
+                  <a:srgbClr val="FF0000"/>
+                </a:solidFill>
+              </a:ln>
+              <a:effectLst>
+                <a:outerShdw blurRad="50800" dist="38100" dir="8100000" algn="tr" rotWithShape="0">
+                  <a:prstClr val="black">
+                    <a:alpha val="40000"/>
+                  </a:prstClr>
+                </a:outerShdw>
+              </a:effectLst>
+            </p:spPr>
+            <p:style>
+              <a:lnRef idx="2">
+                <a:schemeClr val="accent1">
+                  <a:shade val="50000"/>
+                </a:schemeClr>
+              </a:lnRef>
+              <a:fillRef idx="1">
+                <a:schemeClr val="accent1"/>
+              </a:fillRef>
+              <a:effectRef idx="0">
+                <a:schemeClr val="accent1"/>
+              </a:effectRef>
+              <a:fontRef idx="minor">
+                <a:schemeClr val="lt1"/>
+              </a:fontRef>
+            </p:style>
+            <p:txBody>
+              <a:bodyPr rtlCol="0" anchor="ctr"/>
+              <a:lstStyle/>
+              <a:p>
+                <a:pPr algn="ctr"/>
+                <a:endParaRPr lang="en-US" b="1" dirty="0">
+                  <a:ln w="22225">
+                    <a:solidFill>
+                      <a:schemeClr val="accent2"/>
+                    </a:solidFill>
+                    <a:prstDash val="solid"/>
+                  </a:ln>
+                  <a:solidFill>
+                    <a:schemeClr val="accent2">
+                      <a:lumMod val="40000"/>
+                      <a:lumOff val="60000"/>
+                    </a:schemeClr>
+                  </a:solidFill>
+                  <a:latin typeface="IBM Plex Sans" charset="0"/>
+                  <a:ea typeface="IBM Plex Sans" charset="0"/>
+                  <a:cs typeface="IBM Plex Sans" charset="0"/>
+                </a:endParaRPr>
+              </a:p>
+            </p:txBody>
+          </p:sp>
+          <p:pic>
+            <p:nvPicPr>
+              <p:cNvPr id="399" name="Picture 398">
+                <a:extLst>
+                  <a:ext uri="{FF2B5EF4-FFF2-40B4-BE49-F238E27FC236}">
+                    <a16:creationId xmlns:a16="http://schemas.microsoft.com/office/drawing/2014/main" id="{4B75F839-9B09-F64B-B52A-52442640D2E6}"/>
+                  </a:ext>
+                </a:extLst>
+              </p:cNvPr>
+              <p:cNvPicPr>
+                <a:picLocks noChangeAspect="1"/>
+              </p:cNvPicPr>
+              <p:nvPr/>
+            </p:nvPicPr>
+            <p:blipFill>
+              <a:blip r:embed="rId11"/>
+              <a:stretch>
+                <a:fillRect/>
+              </a:stretch>
+            </p:blipFill>
+            <p:spPr>
+              <a:xfrm>
+                <a:off x="7517413" y="5336322"/>
+                <a:ext cx="645525" cy="692029"/>
+              </a:xfrm>
+              <a:prstGeom prst="rect">
+                <a:avLst/>
+              </a:prstGeom>
+            </p:spPr>
+          </p:pic>
+        </p:grpSp>
+        <p:grpSp>
+          <p:nvGrpSpPr>
+            <p:cNvPr id="400" name="Group 399">
+              <a:extLst>
+                <a:ext uri="{FF2B5EF4-FFF2-40B4-BE49-F238E27FC236}">
+                  <a16:creationId xmlns:a16="http://schemas.microsoft.com/office/drawing/2014/main" id="{BF8CF34F-3067-B54E-BF0E-461E2CFD97AC}"/>
+                </a:ext>
+              </a:extLst>
+            </p:cNvPr>
+            <p:cNvGrpSpPr/>
+            <p:nvPr/>
+          </p:nvGrpSpPr>
+          <p:grpSpPr>
+            <a:xfrm>
+              <a:off x="4973878" y="2099750"/>
+              <a:ext cx="365760" cy="365760"/>
+              <a:chOff x="7370747" y="5220061"/>
+              <a:chExt cx="914400" cy="914400"/>
+            </a:xfrm>
+          </p:grpSpPr>
+          <p:sp>
+            <p:nvSpPr>
+              <p:cNvPr id="401" name="Rounded Rectangle 26">
+                <a:extLst>
+                  <a:ext uri="{FF2B5EF4-FFF2-40B4-BE49-F238E27FC236}">
+                    <a16:creationId xmlns:a16="http://schemas.microsoft.com/office/drawing/2014/main" id="{30EFC2A6-E1B3-FE47-B827-BCDD149F5CFB}"/>
+                  </a:ext>
+                </a:extLst>
+              </p:cNvPr>
+              <p:cNvSpPr/>
+              <p:nvPr/>
+            </p:nvSpPr>
+            <p:spPr>
+              <a:xfrm>
+                <a:off x="7370747" y="5220061"/>
+                <a:ext cx="914400" cy="914400"/>
+              </a:xfrm>
+              <a:prstGeom prst="roundRect">
+                <a:avLst>
+                  <a:gd name="adj" fmla="val 0"/>
+                </a:avLst>
+              </a:prstGeom>
+              <a:solidFill>
+                <a:srgbClr val="FF0000"/>
+              </a:solidFill>
+              <a:ln w="6350">
+                <a:solidFill>
+                  <a:srgbClr val="FF0000"/>
+                </a:solidFill>
+              </a:ln>
+              <a:effectLst>
+                <a:outerShdw blurRad="50800" dist="38100" dir="8100000" algn="tr" rotWithShape="0">
+                  <a:prstClr val="black">
+                    <a:alpha val="40000"/>
+                  </a:prstClr>
+                </a:outerShdw>
+              </a:effectLst>
+            </p:spPr>
+            <p:style>
+              <a:lnRef idx="2">
+                <a:schemeClr val="accent1">
+                  <a:shade val="50000"/>
+                </a:schemeClr>
+              </a:lnRef>
+              <a:fillRef idx="1">
+                <a:schemeClr val="accent1"/>
+              </a:fillRef>
+              <a:effectRef idx="0">
+                <a:schemeClr val="accent1"/>
+              </a:effectRef>
+              <a:fontRef idx="minor">
+                <a:schemeClr val="lt1"/>
+              </a:fontRef>
+            </p:style>
+            <p:txBody>
+              <a:bodyPr rtlCol="0" anchor="ctr"/>
+              <a:lstStyle/>
+              <a:p>
+                <a:pPr algn="ctr"/>
+                <a:endParaRPr lang="en-US" b="1" dirty="0">
+                  <a:ln w="22225">
+                    <a:solidFill>
+                      <a:schemeClr val="accent2"/>
+                    </a:solidFill>
+                    <a:prstDash val="solid"/>
+                  </a:ln>
+                  <a:solidFill>
+                    <a:schemeClr val="accent2">
+                      <a:lumMod val="40000"/>
+                      <a:lumOff val="60000"/>
+                    </a:schemeClr>
+                  </a:solidFill>
+                  <a:latin typeface="IBM Plex Sans" charset="0"/>
+                  <a:ea typeface="IBM Plex Sans" charset="0"/>
+                  <a:cs typeface="IBM Plex Sans" charset="0"/>
+                </a:endParaRPr>
+              </a:p>
+            </p:txBody>
+          </p:sp>
+          <p:pic>
+            <p:nvPicPr>
+              <p:cNvPr id="402" name="Picture 401">
+                <a:extLst>
+                  <a:ext uri="{FF2B5EF4-FFF2-40B4-BE49-F238E27FC236}">
+                    <a16:creationId xmlns:a16="http://schemas.microsoft.com/office/drawing/2014/main" id="{BF8CA5C7-100C-7149-A593-F52237DA0982}"/>
+                  </a:ext>
+                </a:extLst>
+              </p:cNvPr>
+              <p:cNvPicPr>
+                <a:picLocks noChangeAspect="1"/>
+              </p:cNvPicPr>
+              <p:nvPr/>
+            </p:nvPicPr>
+            <p:blipFill>
+              <a:blip r:embed="rId11"/>
+              <a:stretch>
+                <a:fillRect/>
+              </a:stretch>
+            </p:blipFill>
+            <p:spPr>
+              <a:xfrm>
+                <a:off x="7517413" y="5336322"/>
+                <a:ext cx="645525" cy="692029"/>
+              </a:xfrm>
+              <a:prstGeom prst="rect">
+                <a:avLst/>
+              </a:prstGeom>
+            </p:spPr>
+          </p:pic>
+        </p:grpSp>
+        <p:grpSp>
+          <p:nvGrpSpPr>
+            <p:cNvPr id="403" name="Group 402">
+              <a:extLst>
+                <a:ext uri="{FF2B5EF4-FFF2-40B4-BE49-F238E27FC236}">
+                  <a16:creationId xmlns:a16="http://schemas.microsoft.com/office/drawing/2014/main" id="{B4773588-5EA2-6444-B7CB-76F44EAC4DB7}"/>
+                </a:ext>
+              </a:extLst>
+            </p:cNvPr>
+            <p:cNvGrpSpPr/>
+            <p:nvPr/>
+          </p:nvGrpSpPr>
+          <p:grpSpPr>
+            <a:xfrm>
+              <a:off x="5011750" y="4843211"/>
+              <a:ext cx="365760" cy="365760"/>
+              <a:chOff x="7884633" y="5500181"/>
+              <a:chExt cx="914400" cy="914400"/>
+            </a:xfrm>
+          </p:grpSpPr>
+          <p:sp>
+            <p:nvSpPr>
+              <p:cNvPr id="404" name="Rounded Rectangle 34">
+                <a:extLst>
+                  <a:ext uri="{FF2B5EF4-FFF2-40B4-BE49-F238E27FC236}">
+                    <a16:creationId xmlns:a16="http://schemas.microsoft.com/office/drawing/2014/main" id="{80292BEA-48F1-E745-86FA-352F4144474B}"/>
+                  </a:ext>
+                </a:extLst>
+              </p:cNvPr>
+              <p:cNvSpPr/>
+              <p:nvPr/>
+            </p:nvSpPr>
+            <p:spPr>
+              <a:xfrm>
+                <a:off x="7884633" y="5500181"/>
+                <a:ext cx="914400" cy="914400"/>
+              </a:xfrm>
+              <a:prstGeom prst="roundRect">
+                <a:avLst>
+                  <a:gd name="adj" fmla="val 0"/>
+                </a:avLst>
+              </a:prstGeom>
+              <a:solidFill>
+                <a:srgbClr val="00882B"/>
+              </a:solidFill>
+              <a:ln w="19050">
+                <a:solidFill>
+                  <a:srgbClr val="00882B"/>
+                </a:solidFill>
+                <a:prstDash val="solid"/>
+              </a:ln>
+              <a:effectLst>
+                <a:outerShdw blurRad="50800" dist="38100" dir="8100000" algn="tr" rotWithShape="0">
+                  <a:prstClr val="black">
+                    <a:alpha val="40000"/>
+                  </a:prstClr>
+                </a:outerShdw>
+              </a:effectLst>
+            </p:spPr>
+            <p:style>
+              <a:lnRef idx="2">
+                <a:schemeClr val="accent1">
+                  <a:shade val="50000"/>
+                </a:schemeClr>
+              </a:lnRef>
+              <a:fillRef idx="1">
+                <a:schemeClr val="accent1"/>
+              </a:fillRef>
+              <a:effectRef idx="0">
+                <a:schemeClr val="accent1"/>
+              </a:effectRef>
+              <a:fontRef idx="minor">
+                <a:schemeClr val="lt1"/>
+              </a:fontRef>
+            </p:style>
+            <p:txBody>
+              <a:bodyPr rtlCol="0" anchor="ctr"/>
+              <a:lstStyle/>
+              <a:p>
+                <a:pPr algn="ctr"/>
+                <a:endParaRPr lang="en-US" b="1" dirty="0">
+                  <a:ln w="22225">
+                    <a:solidFill>
+                      <a:schemeClr val="accent2"/>
+                    </a:solidFill>
+                    <a:prstDash val="solid"/>
+                  </a:ln>
+                  <a:solidFill>
+                    <a:schemeClr val="accent2">
+                      <a:lumMod val="40000"/>
+                      <a:lumOff val="60000"/>
+                    </a:schemeClr>
+                  </a:solidFill>
+                  <a:latin typeface="IBM Plex Sans" charset="0"/>
+                  <a:ea typeface="IBM Plex Sans" charset="0"/>
+                  <a:cs typeface="IBM Plex Sans" charset="0"/>
+                </a:endParaRPr>
+              </a:p>
+            </p:txBody>
+          </p:sp>
+          <p:pic>
+            <p:nvPicPr>
+              <p:cNvPr id="405" name="Picture 404">
+                <a:extLst>
+                  <a:ext uri="{FF2B5EF4-FFF2-40B4-BE49-F238E27FC236}">
+                    <a16:creationId xmlns:a16="http://schemas.microsoft.com/office/drawing/2014/main" id="{63543201-2897-1748-A8DA-7B14C359FC85}"/>
+                  </a:ext>
+                </a:extLst>
+              </p:cNvPr>
+              <p:cNvPicPr>
+                <a:picLocks noChangeAspect="1"/>
+              </p:cNvPicPr>
+              <p:nvPr/>
+            </p:nvPicPr>
+            <p:blipFill>
+              <a:blip r:embed="rId11"/>
+              <a:stretch>
+                <a:fillRect/>
+              </a:stretch>
+            </p:blipFill>
+            <p:spPr>
+              <a:xfrm>
+                <a:off x="8019071" y="5611366"/>
+                <a:ext cx="645525" cy="692030"/>
+              </a:xfrm>
+              <a:prstGeom prst="rect">
+                <a:avLst/>
+              </a:prstGeom>
+            </p:spPr>
+          </p:pic>
+        </p:grpSp>
+        <p:grpSp>
+          <p:nvGrpSpPr>
+            <p:cNvPr id="406" name="Group 405">
+              <a:extLst>
+                <a:ext uri="{FF2B5EF4-FFF2-40B4-BE49-F238E27FC236}">
+                  <a16:creationId xmlns:a16="http://schemas.microsoft.com/office/drawing/2014/main" id="{399894A8-EB65-8141-9FAF-817BE16B304E}"/>
+                </a:ext>
+              </a:extLst>
+            </p:cNvPr>
+            <p:cNvGrpSpPr/>
+            <p:nvPr/>
+          </p:nvGrpSpPr>
+          <p:grpSpPr>
+            <a:xfrm>
+              <a:off x="2590532" y="4859928"/>
+              <a:ext cx="365760" cy="365760"/>
+              <a:chOff x="7884633" y="5500181"/>
+              <a:chExt cx="914400" cy="914400"/>
+            </a:xfrm>
+          </p:grpSpPr>
+          <p:sp>
+            <p:nvSpPr>
+              <p:cNvPr id="407" name="Rounded Rectangle 34">
+                <a:extLst>
+                  <a:ext uri="{FF2B5EF4-FFF2-40B4-BE49-F238E27FC236}">
+                    <a16:creationId xmlns:a16="http://schemas.microsoft.com/office/drawing/2014/main" id="{07E3410F-0224-4D48-A61B-7642E198061C}"/>
+                  </a:ext>
+                </a:extLst>
+              </p:cNvPr>
+              <p:cNvSpPr/>
+              <p:nvPr/>
+            </p:nvSpPr>
+            <p:spPr>
+              <a:xfrm>
+                <a:off x="7884633" y="5500181"/>
+                <a:ext cx="914400" cy="914400"/>
+              </a:xfrm>
+              <a:prstGeom prst="roundRect">
+                <a:avLst>
+                  <a:gd name="adj" fmla="val 0"/>
+                </a:avLst>
+              </a:prstGeom>
+              <a:solidFill>
+                <a:srgbClr val="00882B"/>
+              </a:solidFill>
+              <a:ln w="19050">
+                <a:solidFill>
+                  <a:srgbClr val="00882B"/>
+                </a:solidFill>
+                <a:prstDash val="solid"/>
+              </a:ln>
+              <a:effectLst>
+                <a:outerShdw blurRad="50800" dist="38100" dir="8100000" algn="tr" rotWithShape="0">
+                  <a:prstClr val="black">
+                    <a:alpha val="40000"/>
+                  </a:prstClr>
+                </a:outerShdw>
+              </a:effectLst>
+            </p:spPr>
+            <p:style>
+              <a:lnRef idx="2">
+                <a:schemeClr val="accent1">
+                  <a:shade val="50000"/>
+                </a:schemeClr>
+              </a:lnRef>
+              <a:fillRef idx="1">
+                <a:schemeClr val="accent1"/>
+              </a:fillRef>
+              <a:effectRef idx="0">
+                <a:schemeClr val="accent1"/>
+              </a:effectRef>
+              <a:fontRef idx="minor">
+                <a:schemeClr val="lt1"/>
+              </a:fontRef>
+            </p:style>
+            <p:txBody>
+              <a:bodyPr rtlCol="0" anchor="ctr"/>
+              <a:lstStyle/>
+              <a:p>
+                <a:pPr algn="ctr"/>
+                <a:endParaRPr lang="en-US" b="1" dirty="0">
+                  <a:ln w="22225">
+                    <a:solidFill>
+                      <a:schemeClr val="accent2"/>
+                    </a:solidFill>
+                    <a:prstDash val="solid"/>
+                  </a:ln>
+                  <a:solidFill>
+                    <a:schemeClr val="accent2">
+                      <a:lumMod val="40000"/>
+                      <a:lumOff val="60000"/>
+                    </a:schemeClr>
+                  </a:solidFill>
+                  <a:latin typeface="IBM Plex Sans" charset="0"/>
+                  <a:ea typeface="IBM Plex Sans" charset="0"/>
+                  <a:cs typeface="IBM Plex Sans" charset="0"/>
+                </a:endParaRPr>
+              </a:p>
+            </p:txBody>
+          </p:sp>
+          <p:pic>
+            <p:nvPicPr>
+              <p:cNvPr id="408" name="Picture 407">
+                <a:extLst>
+                  <a:ext uri="{FF2B5EF4-FFF2-40B4-BE49-F238E27FC236}">
+                    <a16:creationId xmlns:a16="http://schemas.microsoft.com/office/drawing/2014/main" id="{AAEB6E3A-BC61-0948-A18F-3EBC658BFA6E}"/>
+                  </a:ext>
+                </a:extLst>
+              </p:cNvPr>
+              <p:cNvPicPr>
+                <a:picLocks noChangeAspect="1"/>
+              </p:cNvPicPr>
+              <p:nvPr/>
+            </p:nvPicPr>
+            <p:blipFill>
+              <a:blip r:embed="rId11"/>
+              <a:stretch>
+                <a:fillRect/>
+              </a:stretch>
+            </p:blipFill>
+            <p:spPr>
+              <a:xfrm>
+                <a:off x="8019071" y="5611366"/>
+                <a:ext cx="645525" cy="692030"/>
+              </a:xfrm>
+              <a:prstGeom prst="rect">
+                <a:avLst/>
+              </a:prstGeom>
+            </p:spPr>
+          </p:pic>
+        </p:grpSp>
       </p:grpSp>
     </p:spTree>
     <p:extLst>
@@ -14821,7 +14779,7 @@
           </a:ln>
           <a:extLst>
             <a:ext uri="{C572A759-6A51-4108-AA02-DFA0A04FC94B}">
-              <ma14:wrappingTextBoxFlag xmlns:ma14="http://schemas.microsoft.com/office/mac/drawingml/2011/main" xmlns="" val="1"/>
+              <ma14:wrappingTextBoxFlag xmlns="" xmlns:ma14="http://schemas.microsoft.com/office/mac/drawingml/2011/main" val="1"/>
             </a:ext>
           </a:extLst>
         </p:spPr>
@@ -14869,7 +14827,7 @@
           </a:ln>
           <a:extLst>
             <a:ext uri="{C572A759-6A51-4108-AA02-DFA0A04FC94B}">
-              <ma14:wrappingTextBoxFlag xmlns:ma14="http://schemas.microsoft.com/office/mac/drawingml/2011/main" xmlns="" val="1"/>
+              <ma14:wrappingTextBoxFlag xmlns="" xmlns:ma14="http://schemas.microsoft.com/office/mac/drawingml/2011/main" val="1"/>
             </a:ext>
           </a:extLst>
         </p:spPr>
@@ -15024,7 +14982,7 @@
             <a:effectLst/>
             <a:extLst>
               <a:ext uri="{C572A759-6A51-4108-AA02-DFA0A04FC94B}">
-                <ma14:wrappingTextBoxFlag xmlns:ma14="http://schemas.microsoft.com/office/mac/drawingml/2011/main" xmlns="" val="1"/>
+                <ma14:wrappingTextBoxFlag xmlns="" xmlns:ma14="http://schemas.microsoft.com/office/mac/drawingml/2011/main" val="1"/>
               </a:ext>
             </a:extLst>
           </p:spPr>
@@ -15186,7 +15144,7 @@
             <a:effectLst/>
             <a:extLst>
               <a:ext uri="{C572A759-6A51-4108-AA02-DFA0A04FC94B}">
-                <ma14:wrappingTextBoxFlag xmlns:ma14="http://schemas.microsoft.com/office/mac/drawingml/2011/main" xmlns="" val="1"/>
+                <ma14:wrappingTextBoxFlag xmlns="" xmlns:ma14="http://schemas.microsoft.com/office/mac/drawingml/2011/main" val="1"/>
               </a:ext>
             </a:extLst>
           </p:spPr>
@@ -15348,7 +15306,7 @@
             <a:effectLst/>
             <a:extLst>
               <a:ext uri="{C572A759-6A51-4108-AA02-DFA0A04FC94B}">
-                <ma14:wrappingTextBoxFlag xmlns:ma14="http://schemas.microsoft.com/office/mac/drawingml/2011/main" xmlns="" val="1"/>
+                <ma14:wrappingTextBoxFlag xmlns="" xmlns:ma14="http://schemas.microsoft.com/office/mac/drawingml/2011/main" val="1"/>
               </a:ext>
             </a:extLst>
           </p:spPr>
@@ -15510,7 +15468,7 @@
             <a:effectLst/>
             <a:extLst>
               <a:ext uri="{C572A759-6A51-4108-AA02-DFA0A04FC94B}">
-                <ma14:wrappingTextBoxFlag xmlns:ma14="http://schemas.microsoft.com/office/mac/drawingml/2011/main" xmlns="" val="1"/>
+                <ma14:wrappingTextBoxFlag xmlns="" xmlns:ma14="http://schemas.microsoft.com/office/mac/drawingml/2011/main" val="1"/>
               </a:ext>
             </a:extLst>
           </p:spPr>
@@ -15672,7 +15630,7 @@
             <a:effectLst/>
             <a:extLst>
               <a:ext uri="{C572A759-6A51-4108-AA02-DFA0A04FC94B}">
-                <ma14:wrappingTextBoxFlag xmlns:ma14="http://schemas.microsoft.com/office/mac/drawingml/2011/main" xmlns="" val="1"/>
+                <ma14:wrappingTextBoxFlag xmlns="" xmlns:ma14="http://schemas.microsoft.com/office/mac/drawingml/2011/main" val="1"/>
               </a:ext>
             </a:extLst>
           </p:spPr>
@@ -15834,7 +15792,7 @@
             <a:effectLst/>
             <a:extLst>
               <a:ext uri="{C572A759-6A51-4108-AA02-DFA0A04FC94B}">
-                <ma14:wrappingTextBoxFlag xmlns:ma14="http://schemas.microsoft.com/office/mac/drawingml/2011/main" xmlns="" val="1"/>
+                <ma14:wrappingTextBoxFlag xmlns="" xmlns:ma14="http://schemas.microsoft.com/office/mac/drawingml/2011/main" val="1"/>
               </a:ext>
             </a:extLst>
           </p:spPr>
@@ -15996,7 +15954,7 @@
             <a:effectLst/>
             <a:extLst>
               <a:ext uri="{C572A759-6A51-4108-AA02-DFA0A04FC94B}">
-                <ma14:wrappingTextBoxFlag xmlns:ma14="http://schemas.microsoft.com/office/mac/drawingml/2011/main" xmlns="" val="1"/>
+                <ma14:wrappingTextBoxFlag xmlns="" xmlns:ma14="http://schemas.microsoft.com/office/mac/drawingml/2011/main" val="1"/>
               </a:ext>
             </a:extLst>
           </p:spPr>
@@ -16158,7 +16116,7 @@
             <a:effectLst/>
             <a:extLst>
               <a:ext uri="{C572A759-6A51-4108-AA02-DFA0A04FC94B}">
-                <ma14:wrappingTextBoxFlag xmlns:ma14="http://schemas.microsoft.com/office/mac/drawingml/2011/main" xmlns="" val="1"/>
+                <ma14:wrappingTextBoxFlag xmlns="" xmlns:ma14="http://schemas.microsoft.com/office/mac/drawingml/2011/main" val="1"/>
               </a:ext>
             </a:extLst>
           </p:spPr>
@@ -16320,7 +16278,7 @@
             <a:effectLst/>
             <a:extLst>
               <a:ext uri="{C572A759-6A51-4108-AA02-DFA0A04FC94B}">
-                <ma14:wrappingTextBoxFlag xmlns:ma14="http://schemas.microsoft.com/office/mac/drawingml/2011/main" xmlns="" val="1"/>
+                <ma14:wrappingTextBoxFlag xmlns="" xmlns:ma14="http://schemas.microsoft.com/office/mac/drawingml/2011/main" val="1"/>
               </a:ext>
             </a:extLst>
           </p:spPr>
@@ -16482,7 +16440,7 @@
             <a:effectLst/>
             <a:extLst>
               <a:ext uri="{C572A759-6A51-4108-AA02-DFA0A04FC94B}">
-                <ma14:wrappingTextBoxFlag xmlns:ma14="http://schemas.microsoft.com/office/mac/drawingml/2011/main" xmlns="" val="1"/>
+                <ma14:wrappingTextBoxFlag xmlns="" xmlns:ma14="http://schemas.microsoft.com/office/mac/drawingml/2011/main" val="1"/>
               </a:ext>
             </a:extLst>
           </p:spPr>
@@ -16644,7 +16602,7 @@
             <a:effectLst/>
             <a:extLst>
               <a:ext uri="{C572A759-6A51-4108-AA02-DFA0A04FC94B}">
-                <ma14:wrappingTextBoxFlag xmlns:ma14="http://schemas.microsoft.com/office/mac/drawingml/2011/main" xmlns="" val="1"/>
+                <ma14:wrappingTextBoxFlag xmlns="" xmlns:ma14="http://schemas.microsoft.com/office/mac/drawingml/2011/main" val="1"/>
               </a:ext>
             </a:extLst>
           </p:spPr>
@@ -16806,7 +16764,7 @@
             <a:effectLst/>
             <a:extLst>
               <a:ext uri="{C572A759-6A51-4108-AA02-DFA0A04FC94B}">
-                <ma14:wrappingTextBoxFlag xmlns:ma14="http://schemas.microsoft.com/office/mac/drawingml/2011/main" xmlns="" val="1"/>
+                <ma14:wrappingTextBoxFlag xmlns="" xmlns:ma14="http://schemas.microsoft.com/office/mac/drawingml/2011/main" val="1"/>
               </a:ext>
             </a:extLst>
           </p:spPr>
@@ -16968,7 +16926,7 @@
             <a:effectLst/>
             <a:extLst>
               <a:ext uri="{C572A759-6A51-4108-AA02-DFA0A04FC94B}">
-                <ma14:wrappingTextBoxFlag xmlns:ma14="http://schemas.microsoft.com/office/mac/drawingml/2011/main" xmlns="" val="1"/>
+                <ma14:wrappingTextBoxFlag xmlns="" xmlns:ma14="http://schemas.microsoft.com/office/mac/drawingml/2011/main" val="1"/>
               </a:ext>
             </a:extLst>
           </p:spPr>
@@ -17130,7 +17088,7 @@
             <a:effectLst/>
             <a:extLst>
               <a:ext uri="{C572A759-6A51-4108-AA02-DFA0A04FC94B}">
-                <ma14:wrappingTextBoxFlag xmlns:ma14="http://schemas.microsoft.com/office/mac/drawingml/2011/main" xmlns="" val="1"/>
+                <ma14:wrappingTextBoxFlag xmlns="" xmlns:ma14="http://schemas.microsoft.com/office/mac/drawingml/2011/main" val="1"/>
               </a:ext>
             </a:extLst>
           </p:spPr>
@@ -17292,7 +17250,7 @@
             <a:effectLst/>
             <a:extLst>
               <a:ext uri="{C572A759-6A51-4108-AA02-DFA0A04FC94B}">
-                <ma14:wrappingTextBoxFlag xmlns:ma14="http://schemas.microsoft.com/office/mac/drawingml/2011/main" xmlns="" val="1"/>
+                <ma14:wrappingTextBoxFlag xmlns="" xmlns:ma14="http://schemas.microsoft.com/office/mac/drawingml/2011/main" val="1"/>
               </a:ext>
             </a:extLst>
           </p:spPr>
@@ -17454,7 +17412,7 @@
             <a:effectLst/>
             <a:extLst>
               <a:ext uri="{C572A759-6A51-4108-AA02-DFA0A04FC94B}">
-                <ma14:wrappingTextBoxFlag xmlns:ma14="http://schemas.microsoft.com/office/mac/drawingml/2011/main" xmlns="" val="1"/>
+                <ma14:wrappingTextBoxFlag xmlns="" xmlns:ma14="http://schemas.microsoft.com/office/mac/drawingml/2011/main" val="1"/>
               </a:ext>
             </a:extLst>
           </p:spPr>
@@ -17616,7 +17574,7 @@
             <a:effectLst/>
             <a:extLst>
               <a:ext uri="{C572A759-6A51-4108-AA02-DFA0A04FC94B}">
-                <ma14:wrappingTextBoxFlag xmlns:ma14="http://schemas.microsoft.com/office/mac/drawingml/2011/main" xmlns="" val="1"/>
+                <ma14:wrappingTextBoxFlag xmlns="" xmlns:ma14="http://schemas.microsoft.com/office/mac/drawingml/2011/main" val="1"/>
               </a:ext>
             </a:extLst>
           </p:spPr>
@@ -17778,7 +17736,7 @@
             <a:effectLst/>
             <a:extLst>
               <a:ext uri="{C572A759-6A51-4108-AA02-DFA0A04FC94B}">
-                <ma14:wrappingTextBoxFlag xmlns:ma14="http://schemas.microsoft.com/office/mac/drawingml/2011/main" xmlns="" val="1"/>
+                <ma14:wrappingTextBoxFlag xmlns="" xmlns:ma14="http://schemas.microsoft.com/office/mac/drawingml/2011/main" val="1"/>
               </a:ext>
             </a:extLst>
           </p:spPr>
@@ -17940,7 +17898,7 @@
             <a:effectLst/>
             <a:extLst>
               <a:ext uri="{C572A759-6A51-4108-AA02-DFA0A04FC94B}">
-                <ma14:wrappingTextBoxFlag xmlns:ma14="http://schemas.microsoft.com/office/mac/drawingml/2011/main" xmlns="" val="1"/>
+                <ma14:wrappingTextBoxFlag xmlns="" xmlns:ma14="http://schemas.microsoft.com/office/mac/drawingml/2011/main" val="1"/>
               </a:ext>
             </a:extLst>
           </p:spPr>
@@ -18102,7 +18060,7 @@
             <a:effectLst/>
             <a:extLst>
               <a:ext uri="{C572A759-6A51-4108-AA02-DFA0A04FC94B}">
-                <ma14:wrappingTextBoxFlag xmlns:ma14="http://schemas.microsoft.com/office/mac/drawingml/2011/main" xmlns="" val="1"/>
+                <ma14:wrappingTextBoxFlag xmlns="" xmlns:ma14="http://schemas.microsoft.com/office/mac/drawingml/2011/main" val="1"/>
               </a:ext>
             </a:extLst>
           </p:spPr>
@@ -18224,7 +18182,7 @@
           </a:ln>
           <a:extLst>
             <a:ext uri="{C572A759-6A51-4108-AA02-DFA0A04FC94B}">
-              <ma14:wrappingTextBoxFlag xmlns:ma14="http://schemas.microsoft.com/office/mac/drawingml/2011/main" xmlns="" val="1"/>
+              <ma14:wrappingTextBoxFlag xmlns="" xmlns:ma14="http://schemas.microsoft.com/office/mac/drawingml/2011/main" val="1"/>
             </a:ext>
           </a:extLst>
         </p:spPr>
@@ -18272,7 +18230,7 @@
           </a:ln>
           <a:extLst>
             <a:ext uri="{C572A759-6A51-4108-AA02-DFA0A04FC94B}">
-              <ma14:wrappingTextBoxFlag xmlns:ma14="http://schemas.microsoft.com/office/mac/drawingml/2011/main" xmlns="" val="1"/>
+              <ma14:wrappingTextBoxFlag xmlns="" xmlns:ma14="http://schemas.microsoft.com/office/mac/drawingml/2011/main" val="1"/>
             </a:ext>
           </a:extLst>
         </p:spPr>
@@ -18607,7 +18565,7 @@
               <a:effectLst/>
               <a:extLst>
                 <a:ext uri="{C572A759-6A51-4108-AA02-DFA0A04FC94B}">
-                  <ma14:wrappingTextBoxFlag xmlns:ma14="http://schemas.microsoft.com/office/mac/drawingml/2011/main" xmlns="" val="1"/>
+                  <ma14:wrappingTextBoxFlag xmlns="" xmlns:ma14="http://schemas.microsoft.com/office/mac/drawingml/2011/main" val="1"/>
                 </a:ext>
               </a:extLst>
             </p:spPr>

--- a/powerpoint/templates/VirtualPrivateCloudEditablePPT.pptx
+++ b/powerpoint/templates/VirtualPrivateCloudEditablePPT.pptx
@@ -818,7 +818,7 @@
           </a:ln>
           <a:extLst>
             <a:ext uri="{C572A759-6A51-4108-AA02-DFA0A04FC94B}">
-              <ma14:wrappingTextBoxFlag xmlns="" xmlns:ma14="http://schemas.microsoft.com/office/mac/drawingml/2011/main" val="1"/>
+              <ma14:wrappingTextBoxFlag xmlns:ma14="http://schemas.microsoft.com/office/mac/drawingml/2011/main" xmlns="" val="1"/>
             </a:ext>
           </a:extLst>
         </p:spPr>
@@ -871,7 +871,7 @@
           </a:ln>
           <a:extLst>
             <a:ext uri="{C572A759-6A51-4108-AA02-DFA0A04FC94B}">
-              <ma14:wrappingTextBoxFlag xmlns="" xmlns:ma14="http://schemas.microsoft.com/office/mac/drawingml/2011/main" val="1"/>
+              <ma14:wrappingTextBoxFlag xmlns:ma14="http://schemas.microsoft.com/office/mac/drawingml/2011/main" xmlns="" val="1"/>
             </a:ext>
           </a:extLst>
         </p:spPr>
@@ -919,7 +919,7 @@
           </a:ln>
           <a:extLst>
             <a:ext uri="{C572A759-6A51-4108-AA02-DFA0A04FC94B}">
-              <ma14:wrappingTextBoxFlag xmlns="" xmlns:ma14="http://schemas.microsoft.com/office/mac/drawingml/2011/main" val="1"/>
+              <ma14:wrappingTextBoxFlag xmlns:ma14="http://schemas.microsoft.com/office/mac/drawingml/2011/main" xmlns="" val="1"/>
             </a:ext>
           </a:extLst>
         </p:spPr>
@@ -1007,7 +1007,7 @@
           </a:ln>
           <a:extLst>
             <a:ext uri="{C572A759-6A51-4108-AA02-DFA0A04FC94B}">
-              <ma14:wrappingTextBoxFlag xmlns="" xmlns:ma14="http://schemas.microsoft.com/office/mac/drawingml/2011/main" val="1"/>
+              <ma14:wrappingTextBoxFlag xmlns:ma14="http://schemas.microsoft.com/office/mac/drawingml/2011/main" xmlns="" val="1"/>
             </a:ext>
           </a:extLst>
         </p:spPr>
@@ -1060,7 +1060,7 @@
           </a:ln>
           <a:extLst>
             <a:ext uri="{C572A759-6A51-4108-AA02-DFA0A04FC94B}">
-              <ma14:wrappingTextBoxFlag xmlns="" xmlns:ma14="http://schemas.microsoft.com/office/mac/drawingml/2011/main" val="1"/>
+              <ma14:wrappingTextBoxFlag xmlns:ma14="http://schemas.microsoft.com/office/mac/drawingml/2011/main" xmlns="" val="1"/>
             </a:ext>
           </a:extLst>
         </p:spPr>
@@ -1108,7 +1108,7 @@
           </a:ln>
           <a:extLst>
             <a:ext uri="{C572A759-6A51-4108-AA02-DFA0A04FC94B}">
-              <ma14:wrappingTextBoxFlag xmlns="" xmlns:ma14="http://schemas.microsoft.com/office/mac/drawingml/2011/main" val="1"/>
+              <ma14:wrappingTextBoxFlag xmlns:ma14="http://schemas.microsoft.com/office/mac/drawingml/2011/main" xmlns="" val="1"/>
             </a:ext>
           </a:extLst>
         </p:spPr>
@@ -1272,7 +1272,7 @@
           </a:ln>
           <a:extLst>
             <a:ext uri="{C572A759-6A51-4108-AA02-DFA0A04FC94B}">
-              <ma14:wrappingTextBoxFlag xmlns="" xmlns:ma14="http://schemas.microsoft.com/office/mac/drawingml/2011/main" val="1"/>
+              <ma14:wrappingTextBoxFlag xmlns:ma14="http://schemas.microsoft.com/office/mac/drawingml/2011/main" xmlns="" val="1"/>
             </a:ext>
           </a:extLst>
         </p:spPr>
@@ -1325,7 +1325,7 @@
           </a:ln>
           <a:extLst>
             <a:ext uri="{C572A759-6A51-4108-AA02-DFA0A04FC94B}">
-              <ma14:wrappingTextBoxFlag xmlns="" xmlns:ma14="http://schemas.microsoft.com/office/mac/drawingml/2011/main" val="1"/>
+              <ma14:wrappingTextBoxFlag xmlns:ma14="http://schemas.microsoft.com/office/mac/drawingml/2011/main" xmlns="" val="1"/>
             </a:ext>
           </a:extLst>
         </p:spPr>
@@ -1373,7 +1373,7 @@
           </a:ln>
           <a:extLst>
             <a:ext uri="{C572A759-6A51-4108-AA02-DFA0A04FC94B}">
-              <ma14:wrappingTextBoxFlag xmlns="" xmlns:ma14="http://schemas.microsoft.com/office/mac/drawingml/2011/main" val="1"/>
+              <ma14:wrappingTextBoxFlag xmlns:ma14="http://schemas.microsoft.com/office/mac/drawingml/2011/main" xmlns="" val="1"/>
             </a:ext>
           </a:extLst>
         </p:spPr>
@@ -1563,7 +1563,7 @@
           </a:ln>
           <a:extLst>
             <a:ext uri="{C572A759-6A51-4108-AA02-DFA0A04FC94B}">
-              <ma14:wrappingTextBoxFlag xmlns="" xmlns:ma14="http://schemas.microsoft.com/office/mac/drawingml/2011/main" val="1"/>
+              <ma14:wrappingTextBoxFlag xmlns:ma14="http://schemas.microsoft.com/office/mac/drawingml/2011/main" xmlns="" val="1"/>
             </a:ext>
           </a:extLst>
         </p:spPr>
@@ -1701,7 +1701,7 @@
           </a:ln>
           <a:extLst>
             <a:ext uri="{C572A759-6A51-4108-AA02-DFA0A04FC94B}">
-              <ma14:wrappingTextBoxFlag xmlns="" xmlns:ma14="http://schemas.microsoft.com/office/mac/drawingml/2011/main" val="1"/>
+              <ma14:wrappingTextBoxFlag xmlns:ma14="http://schemas.microsoft.com/office/mac/drawingml/2011/main" xmlns="" val="1"/>
             </a:ext>
           </a:extLst>
         </p:spPr>
@@ -1754,7 +1754,7 @@
           </a:ln>
           <a:extLst>
             <a:ext uri="{C572A759-6A51-4108-AA02-DFA0A04FC94B}">
-              <ma14:wrappingTextBoxFlag xmlns="" xmlns:ma14="http://schemas.microsoft.com/office/mac/drawingml/2011/main" val="1"/>
+              <ma14:wrappingTextBoxFlag xmlns:ma14="http://schemas.microsoft.com/office/mac/drawingml/2011/main" xmlns="" val="1"/>
             </a:ext>
           </a:extLst>
         </p:spPr>
@@ -1828,7 +1828,7 @@
           </a:ln>
           <a:extLst>
             <a:ext uri="{C572A759-6A51-4108-AA02-DFA0A04FC94B}">
-              <ma14:wrappingTextBoxFlag xmlns="" xmlns:ma14="http://schemas.microsoft.com/office/mac/drawingml/2011/main" val="1"/>
+              <ma14:wrappingTextBoxFlag xmlns:ma14="http://schemas.microsoft.com/office/mac/drawingml/2011/main" xmlns="" val="1"/>
             </a:ext>
           </a:extLst>
         </p:spPr>
@@ -2797,7 +2797,7 @@
           </a:ln>
           <a:extLst>
             <a:ext uri="{C572A759-6A51-4108-AA02-DFA0A04FC94B}">
-              <ma14:wrappingTextBoxFlag xmlns="" xmlns:ma14="http://schemas.microsoft.com/office/mac/drawingml/2011/main" val="1"/>
+              <ma14:wrappingTextBoxFlag xmlns:ma14="http://schemas.microsoft.com/office/mac/drawingml/2011/main" xmlns="" val="1"/>
             </a:ext>
           </a:extLst>
         </p:spPr>
@@ -2840,7 +2840,7 @@
           </a:ln>
           <a:extLst>
             <a:ext uri="{C572A759-6A51-4108-AA02-DFA0A04FC94B}">
-              <ma14:wrappingTextBoxFlag xmlns="" xmlns:ma14="http://schemas.microsoft.com/office/mac/drawingml/2011/main" val="1"/>
+              <ma14:wrappingTextBoxFlag xmlns:ma14="http://schemas.microsoft.com/office/mac/drawingml/2011/main" xmlns="" val="1"/>
             </a:ext>
           </a:extLst>
         </p:spPr>
@@ -3288,7 +3288,7 @@
           </a:ln>
           <a:extLst>
             <a:ext uri="{C572A759-6A51-4108-AA02-DFA0A04FC94B}">
-              <ma14:wrappingTextBoxFlag xmlns="" xmlns:ma14="http://schemas.microsoft.com/office/mac/drawingml/2011/main" val="1"/>
+              <ma14:wrappingTextBoxFlag xmlns:ma14="http://schemas.microsoft.com/office/mac/drawingml/2011/main" xmlns="" val="1"/>
             </a:ext>
           </a:extLst>
         </p:spPr>
@@ -3337,7 +3337,7 @@
           </a:ln>
           <a:extLst>
             <a:ext uri="{C572A759-6A51-4108-AA02-DFA0A04FC94B}">
-              <ma14:wrappingTextBoxFlag xmlns="" xmlns:ma14="http://schemas.microsoft.com/office/mac/drawingml/2011/main" val="1"/>
+              <ma14:wrappingTextBoxFlag xmlns:ma14="http://schemas.microsoft.com/office/mac/drawingml/2011/main" xmlns="" val="1"/>
             </a:ext>
           </a:extLst>
         </p:spPr>
@@ -3826,6 +3826,53 @@
           <a:chExt cx="0" cy="0"/>
         </a:xfrm>
       </p:grpSpPr>
+      <p:cxnSp>
+        <p:nvCxnSpPr>
+          <p:cNvPr id="242" name="Straight Arrow Connector 241">
+            <a:extLst>
+              <a:ext uri="{FF2B5EF4-FFF2-40B4-BE49-F238E27FC236}">
+                <a16:creationId xmlns:a16="http://schemas.microsoft.com/office/drawing/2014/main" id="{E6A5DFC5-676E-A549-BEEA-9022F28A1317}"/>
+              </a:ext>
+            </a:extLst>
+          </p:cNvPr>
+          <p:cNvCxnSpPr>
+            <a:cxnSpLocks/>
+          </p:cNvCxnSpPr>
+          <p:nvPr/>
+        </p:nvCxnSpPr>
+        <p:spPr>
+          <a:xfrm>
+            <a:off x="5235101" y="5434580"/>
+            <a:ext cx="3053" cy="341904"/>
+          </a:xfrm>
+          <a:prstGeom prst="straightConnector1">
+            <a:avLst/>
+          </a:prstGeom>
+          <a:noFill/>
+          <a:ln w="12700" cap="flat">
+            <a:solidFill>
+              <a:schemeClr val="tx1"/>
+            </a:solidFill>
+            <a:prstDash val="solid"/>
+            <a:miter lim="400000"/>
+            <a:headEnd type="none"/>
+            <a:tailEnd type="none"/>
+          </a:ln>
+          <a:effectLst/>
+        </p:spPr>
+        <p:style>
+          <a:lnRef idx="0">
+            <a:scrgbClr r="0" g="0" b="0"/>
+          </a:lnRef>
+          <a:fillRef idx="0">
+            <a:scrgbClr r="0" g="0" b="0"/>
+          </a:fillRef>
+          <a:effectRef idx="0">
+            <a:scrgbClr r="0" g="0" b="0"/>
+          </a:effectRef>
+          <a:fontRef idx="none"/>
+        </p:style>
+      </p:cxnSp>
       <p:grpSp>
         <p:nvGrpSpPr>
           <p:cNvPr id="8" name="Group 7">
@@ -3840,12 +3887,106 @@
         </p:nvGrpSpPr>
         <p:grpSpPr>
           <a:xfrm>
-            <a:off x="31025" y="-1"/>
+            <a:off x="0" y="0"/>
             <a:ext cx="10247527" cy="7346735"/>
             <a:chOff x="31025" y="-1"/>
             <a:chExt cx="10247527" cy="7346735"/>
           </a:xfrm>
         </p:grpSpPr>
+        <p:cxnSp>
+          <p:nvCxnSpPr>
+            <p:cNvPr id="201" name="Straight Arrow Connector 110">
+              <a:extLst>
+                <a:ext uri="{FF2B5EF4-FFF2-40B4-BE49-F238E27FC236}">
+                  <a16:creationId xmlns:a16="http://schemas.microsoft.com/office/drawing/2014/main" id="{4FC6F156-F0AD-7E48-864D-F0701261F3D2}"/>
+                </a:ext>
+              </a:extLst>
+            </p:cNvPr>
+            <p:cNvCxnSpPr>
+              <a:cxnSpLocks/>
+            </p:cNvCxnSpPr>
+            <p:nvPr/>
+          </p:nvCxnSpPr>
+          <p:spPr>
+            <a:xfrm>
+              <a:off x="4441175" y="5442506"/>
+              <a:ext cx="1366845" cy="396125"/>
+            </a:xfrm>
+            <a:prstGeom prst="bentConnector2">
+              <a:avLst/>
+            </a:prstGeom>
+            <a:noFill/>
+            <a:ln w="12700" cap="flat">
+              <a:solidFill>
+                <a:schemeClr val="tx1"/>
+              </a:solidFill>
+              <a:prstDash val="solid"/>
+              <a:miter lim="400000"/>
+              <a:headEnd type="none"/>
+              <a:tailEnd type="none"/>
+            </a:ln>
+            <a:effectLst/>
+          </p:spPr>
+          <p:style>
+            <a:lnRef idx="0">
+              <a:scrgbClr r="0" g="0" b="0"/>
+            </a:lnRef>
+            <a:fillRef idx="0">
+              <a:scrgbClr r="0" g="0" b="0"/>
+            </a:fillRef>
+            <a:effectRef idx="0">
+              <a:scrgbClr r="0" g="0" b="0"/>
+            </a:effectRef>
+            <a:fontRef idx="none"/>
+          </p:style>
+        </p:cxnSp>
+        <p:cxnSp>
+          <p:nvCxnSpPr>
+            <p:cNvPr id="203" name="Straight Arrow Connector 110">
+              <a:extLst>
+                <a:ext uri="{FF2B5EF4-FFF2-40B4-BE49-F238E27FC236}">
+                  <a16:creationId xmlns:a16="http://schemas.microsoft.com/office/drawing/2014/main" id="{5A7A9ABF-1BFE-AD42-B1B5-B2064EA43671}"/>
+                </a:ext>
+              </a:extLst>
+            </p:cNvPr>
+            <p:cNvCxnSpPr>
+              <a:cxnSpLocks/>
+            </p:cNvCxnSpPr>
+            <p:nvPr/>
+          </p:nvCxnSpPr>
+          <p:spPr>
+            <a:xfrm rot="10800000" flipV="1">
+              <a:off x="3197250" y="5442504"/>
+              <a:ext cx="1273159" cy="380910"/>
+            </a:xfrm>
+            <a:prstGeom prst="bentConnector2">
+              <a:avLst/>
+            </a:prstGeom>
+            <a:noFill/>
+            <a:ln w="12700" cap="flat">
+              <a:solidFill>
+                <a:schemeClr val="tx1"/>
+              </a:solidFill>
+              <a:prstDash val="solid"/>
+              <a:miter lim="400000"/>
+              <a:headEnd type="none"/>
+              <a:tailEnd type="none"/>
+            </a:ln>
+            <a:effectLst/>
+          </p:spPr>
+          <p:style>
+            <a:lnRef idx="0">
+              <a:scrgbClr r="0" g="0" b="0"/>
+            </a:lnRef>
+            <a:fillRef idx="0">
+              <a:scrgbClr r="0" g="0" b="0"/>
+            </a:fillRef>
+            <a:effectRef idx="0">
+              <a:scrgbClr r="0" g="0" b="0"/>
+            </a:effectRef>
+            <a:fontRef idx="none"/>
+          </p:style>
+        </p:cxnSp>
         <p:grpSp>
           <p:nvGrpSpPr>
             <p:cNvPr id="211" name="Group 210">
@@ -4933,7 +5074,7 @@
           </p:nvCxnSpPr>
           <p:spPr>
             <a:xfrm rot="10800000" flipV="1">
-              <a:off x="3202271" y="2616687"/>
+              <a:off x="3184265" y="2752869"/>
               <a:ext cx="1253266" cy="471457"/>
             </a:xfrm>
             <a:prstGeom prst="bentConnector3">
@@ -5011,7 +5152,7 @@
               </a:ln>
               <a:extLst>
                 <a:ext uri="{C572A759-6A51-4108-AA02-DFA0A04FC94B}">
-                  <ma14:wrappingTextBoxFlag xmlns:ma14="http://schemas.microsoft.com/office/mac/drawingml/2011/main" xmlns="" val="1"/>
+                  <ma14:wrappingTextBoxFlag xmlns="" xmlns:ma14="http://schemas.microsoft.com/office/mac/drawingml/2011/main" val="1"/>
                 </a:ext>
               </a:extLst>
             </p:spPr>
@@ -5098,7 +5239,7 @@
               </a:ln>
               <a:extLst>
                 <a:ext uri="{C572A759-6A51-4108-AA02-DFA0A04FC94B}">
-                  <ma14:wrappingTextBoxFlag xmlns:ma14="http://schemas.microsoft.com/office/mac/drawingml/2011/main" xmlns="" val="1"/>
+                  <ma14:wrappingTextBoxFlag xmlns="" xmlns:ma14="http://schemas.microsoft.com/office/mac/drawingml/2011/main" val="1"/>
                 </a:ext>
               </a:extLst>
             </p:spPr>
@@ -5863,7 +6004,7 @@
             </a:ln>
             <a:extLst>
               <a:ext uri="{C572A759-6A51-4108-AA02-DFA0A04FC94B}">
-                <ma14:wrappingTextBoxFlag xmlns:ma14="http://schemas.microsoft.com/office/mac/drawingml/2011/main" xmlns="" val="1"/>
+                <ma14:wrappingTextBoxFlag xmlns="" xmlns:ma14="http://schemas.microsoft.com/office/mac/drawingml/2011/main" val="1"/>
               </a:ext>
             </a:extLst>
           </p:spPr>
@@ -6022,7 +6163,7 @@
               </a:ln>
               <a:extLst>
                 <a:ext uri="{C572A759-6A51-4108-AA02-DFA0A04FC94B}">
-                  <ma14:wrappingTextBoxFlag xmlns:ma14="http://schemas.microsoft.com/office/mac/drawingml/2011/main" xmlns="" val="1"/>
+                  <ma14:wrappingTextBoxFlag xmlns="" xmlns:ma14="http://schemas.microsoft.com/office/mac/drawingml/2011/main" val="1"/>
                 </a:ext>
               </a:extLst>
             </p:spPr>
@@ -6161,7 +6302,7 @@
             </a:ln>
             <a:extLst>
               <a:ext uri="{C572A759-6A51-4108-AA02-DFA0A04FC94B}">
-                <ma14:wrappingTextBoxFlag xmlns:ma14="http://schemas.microsoft.com/office/mac/drawingml/2011/main" xmlns="" val="1"/>
+                <ma14:wrappingTextBoxFlag xmlns="" xmlns:ma14="http://schemas.microsoft.com/office/mac/drawingml/2011/main" val="1"/>
               </a:ext>
             </a:extLst>
           </p:spPr>
@@ -6222,7 +6363,7 @@
             </a:ln>
             <a:extLst>
               <a:ext uri="{C572A759-6A51-4108-AA02-DFA0A04FC94B}">
-                <ma14:wrappingTextBoxFlag xmlns:ma14="http://schemas.microsoft.com/office/mac/drawingml/2011/main" xmlns="" val="1"/>
+                <ma14:wrappingTextBoxFlag xmlns="" xmlns:ma14="http://schemas.microsoft.com/office/mac/drawingml/2011/main" val="1"/>
               </a:ext>
             </a:extLst>
           </p:spPr>
@@ -6283,7 +6424,7 @@
             </a:ln>
             <a:extLst>
               <a:ext uri="{C572A759-6A51-4108-AA02-DFA0A04FC94B}">
-                <ma14:wrappingTextBoxFlag xmlns:ma14="http://schemas.microsoft.com/office/mac/drawingml/2011/main" xmlns="" val="1"/>
+                <ma14:wrappingTextBoxFlag xmlns="" xmlns:ma14="http://schemas.microsoft.com/office/mac/drawingml/2011/main" val="1"/>
               </a:ext>
             </a:extLst>
           </p:spPr>
@@ -6422,7 +6563,7 @@
             </a:ln>
             <a:extLst>
               <a:ext uri="{C572A759-6A51-4108-AA02-DFA0A04FC94B}">
-                <ma14:wrappingTextBoxFlag xmlns:ma14="http://schemas.microsoft.com/office/mac/drawingml/2011/main" xmlns="" val="1"/>
+                <ma14:wrappingTextBoxFlag xmlns="" xmlns:ma14="http://schemas.microsoft.com/office/mac/drawingml/2011/main" val="1"/>
               </a:ext>
             </a:extLst>
           </p:spPr>
@@ -6561,7 +6702,7 @@
             </a:ln>
             <a:extLst>
               <a:ext uri="{C572A759-6A51-4108-AA02-DFA0A04FC94B}">
-                <ma14:wrappingTextBoxFlag xmlns:ma14="http://schemas.microsoft.com/office/mac/drawingml/2011/main" xmlns="" val="1"/>
+                <ma14:wrappingTextBoxFlag xmlns="" xmlns:ma14="http://schemas.microsoft.com/office/mac/drawingml/2011/main" val="1"/>
               </a:ext>
             </a:extLst>
           </p:spPr>
@@ -6918,7 +7059,7 @@
             </a:ln>
             <a:extLst>
               <a:ext uri="{C572A759-6A51-4108-AA02-DFA0A04FC94B}">
-                <ma14:wrappingTextBoxFlag xmlns:ma14="http://schemas.microsoft.com/office/mac/drawingml/2011/main" xmlns="" val="1"/>
+                <ma14:wrappingTextBoxFlag xmlns="" xmlns:ma14="http://schemas.microsoft.com/office/mac/drawingml/2011/main" val="1"/>
               </a:ext>
             </a:extLst>
           </p:spPr>
@@ -6979,7 +7120,7 @@
             </a:ln>
             <a:extLst>
               <a:ext uri="{C572A759-6A51-4108-AA02-DFA0A04FC94B}">
-                <ma14:wrappingTextBoxFlag xmlns:ma14="http://schemas.microsoft.com/office/mac/drawingml/2011/main" xmlns="" val="1"/>
+                <ma14:wrappingTextBoxFlag xmlns="" xmlns:ma14="http://schemas.microsoft.com/office/mac/drawingml/2011/main" val="1"/>
               </a:ext>
             </a:extLst>
           </p:spPr>
@@ -7052,7 +7193,7 @@
             </a:ln>
             <a:extLst>
               <a:ext uri="{C572A759-6A51-4108-AA02-DFA0A04FC94B}">
-                <ma14:wrappingTextBoxFlag xmlns:ma14="http://schemas.microsoft.com/office/mac/drawingml/2011/main" xmlns="" val="1"/>
+                <ma14:wrappingTextBoxFlag xmlns="" xmlns:ma14="http://schemas.microsoft.com/office/mac/drawingml/2011/main" val="1"/>
               </a:ext>
             </a:extLst>
           </p:spPr>
@@ -7125,7 +7266,7 @@
             </a:ln>
             <a:extLst>
               <a:ext uri="{C572A759-6A51-4108-AA02-DFA0A04FC94B}">
-                <ma14:wrappingTextBoxFlag xmlns:ma14="http://schemas.microsoft.com/office/mac/drawingml/2011/main" xmlns="" val="1"/>
+                <ma14:wrappingTextBoxFlag xmlns="" xmlns:ma14="http://schemas.microsoft.com/office/mac/drawingml/2011/main" val="1"/>
               </a:ext>
             </a:extLst>
           </p:spPr>
@@ -7198,7 +7339,7 @@
             </a:ln>
             <a:extLst>
               <a:ext uri="{C572A759-6A51-4108-AA02-DFA0A04FC94B}">
-                <ma14:wrappingTextBoxFlag xmlns:ma14="http://schemas.microsoft.com/office/mac/drawingml/2011/main" xmlns="" val="1"/>
+                <ma14:wrappingTextBoxFlag xmlns="" xmlns:ma14="http://schemas.microsoft.com/office/mac/drawingml/2011/main" val="1"/>
               </a:ext>
             </a:extLst>
           </p:spPr>
@@ -7271,7 +7412,7 @@
             </a:ln>
             <a:extLst>
               <a:ext uri="{C572A759-6A51-4108-AA02-DFA0A04FC94B}">
-                <ma14:wrappingTextBoxFlag xmlns:ma14="http://schemas.microsoft.com/office/mac/drawingml/2011/main" xmlns="" val="1"/>
+                <ma14:wrappingTextBoxFlag xmlns="" xmlns:ma14="http://schemas.microsoft.com/office/mac/drawingml/2011/main" val="1"/>
               </a:ext>
             </a:extLst>
           </p:spPr>
@@ -7332,7 +7473,7 @@
             </a:ln>
             <a:extLst>
               <a:ext uri="{C572A759-6A51-4108-AA02-DFA0A04FC94B}">
-                <ma14:wrappingTextBoxFlag xmlns:ma14="http://schemas.microsoft.com/office/mac/drawingml/2011/main" xmlns="" val="1"/>
+                <ma14:wrappingTextBoxFlag xmlns="" xmlns:ma14="http://schemas.microsoft.com/office/mac/drawingml/2011/main" val="1"/>
               </a:ext>
             </a:extLst>
           </p:spPr>
@@ -7393,7 +7534,7 @@
             </a:ln>
             <a:extLst>
               <a:ext uri="{C572A759-6A51-4108-AA02-DFA0A04FC94B}">
-                <ma14:wrappingTextBoxFlag xmlns:ma14="http://schemas.microsoft.com/office/mac/drawingml/2011/main" xmlns="" val="1"/>
+                <ma14:wrappingTextBoxFlag xmlns="" xmlns:ma14="http://schemas.microsoft.com/office/mac/drawingml/2011/main" val="1"/>
               </a:ext>
             </a:extLst>
           </p:spPr>
@@ -7454,7 +7595,7 @@
             </a:ln>
             <a:extLst>
               <a:ext uri="{C572A759-6A51-4108-AA02-DFA0A04FC94B}">
-                <ma14:wrappingTextBoxFlag xmlns:ma14="http://schemas.microsoft.com/office/mac/drawingml/2011/main" xmlns="" val="1"/>
+                <ma14:wrappingTextBoxFlag xmlns="" xmlns:ma14="http://schemas.microsoft.com/office/mac/drawingml/2011/main" val="1"/>
               </a:ext>
             </a:extLst>
           </p:spPr>
@@ -7941,7 +8082,7 @@
             </a:ln>
             <a:extLst>
               <a:ext uri="{C572A759-6A51-4108-AA02-DFA0A04FC94B}">
-                <ma14:wrappingTextBoxFlag xmlns:ma14="http://schemas.microsoft.com/office/mac/drawingml/2011/main" xmlns="" val="1"/>
+                <ma14:wrappingTextBoxFlag xmlns="" xmlns:ma14="http://schemas.microsoft.com/office/mac/drawingml/2011/main" val="1"/>
               </a:ext>
             </a:extLst>
           </p:spPr>
@@ -8014,7 +8155,7 @@
             </a:ln>
             <a:extLst>
               <a:ext uri="{C572A759-6A51-4108-AA02-DFA0A04FC94B}">
-                <ma14:wrappingTextBoxFlag xmlns:ma14="http://schemas.microsoft.com/office/mac/drawingml/2011/main" xmlns="" val="1"/>
+                <ma14:wrappingTextBoxFlag xmlns="" xmlns:ma14="http://schemas.microsoft.com/office/mac/drawingml/2011/main" val="1"/>
               </a:ext>
             </a:extLst>
           </p:spPr>
@@ -8087,7 +8228,7 @@
             </a:ln>
             <a:extLst>
               <a:ext uri="{C572A759-6A51-4108-AA02-DFA0A04FC94B}">
-                <ma14:wrappingTextBoxFlag xmlns:ma14="http://schemas.microsoft.com/office/mac/drawingml/2011/main" xmlns="" val="1"/>
+                <ma14:wrappingTextBoxFlag xmlns="" xmlns:ma14="http://schemas.microsoft.com/office/mac/drawingml/2011/main" val="1"/>
               </a:ext>
             </a:extLst>
           </p:spPr>
@@ -8157,7 +8298,7 @@
             </a:ln>
             <a:extLst>
               <a:ext uri="{C572A759-6A51-4108-AA02-DFA0A04FC94B}">
-                <ma14:wrappingTextBoxFlag xmlns:ma14="http://schemas.microsoft.com/office/mac/drawingml/2011/main" xmlns="" val="1"/>
+                <ma14:wrappingTextBoxFlag xmlns="" xmlns:ma14="http://schemas.microsoft.com/office/mac/drawingml/2011/main" val="1"/>
               </a:ext>
             </a:extLst>
           </p:spPr>
@@ -8218,7 +8359,7 @@
             </a:ln>
             <a:extLst>
               <a:ext uri="{C572A759-6A51-4108-AA02-DFA0A04FC94B}">
-                <ma14:wrappingTextBoxFlag xmlns:ma14="http://schemas.microsoft.com/office/mac/drawingml/2011/main" xmlns="" val="1"/>
+                <ma14:wrappingTextBoxFlag xmlns="" xmlns:ma14="http://schemas.microsoft.com/office/mac/drawingml/2011/main" val="1"/>
               </a:ext>
             </a:extLst>
           </p:spPr>
@@ -8279,7 +8420,7 @@
             </a:ln>
             <a:extLst>
               <a:ext uri="{C572A759-6A51-4108-AA02-DFA0A04FC94B}">
-                <ma14:wrappingTextBoxFlag xmlns:ma14="http://schemas.microsoft.com/office/mac/drawingml/2011/main" xmlns="" val="1"/>
+                <ma14:wrappingTextBoxFlag xmlns="" xmlns:ma14="http://schemas.microsoft.com/office/mac/drawingml/2011/main" val="1"/>
               </a:ext>
             </a:extLst>
           </p:spPr>
@@ -8340,7 +8481,7 @@
             </a:ln>
             <a:extLst>
               <a:ext uri="{C572A759-6A51-4108-AA02-DFA0A04FC94B}">
-                <ma14:wrappingTextBoxFlag xmlns:ma14="http://schemas.microsoft.com/office/mac/drawingml/2011/main" xmlns="" val="1"/>
+                <ma14:wrappingTextBoxFlag xmlns="" xmlns:ma14="http://schemas.microsoft.com/office/mac/drawingml/2011/main" val="1"/>
               </a:ext>
             </a:extLst>
           </p:spPr>
@@ -8401,7 +8542,7 @@
             </a:ln>
             <a:extLst>
               <a:ext uri="{C572A759-6A51-4108-AA02-DFA0A04FC94B}">
-                <ma14:wrappingTextBoxFlag xmlns:ma14="http://schemas.microsoft.com/office/mac/drawingml/2011/main" xmlns="" val="1"/>
+                <ma14:wrappingTextBoxFlag xmlns="" xmlns:ma14="http://schemas.microsoft.com/office/mac/drawingml/2011/main" val="1"/>
               </a:ext>
             </a:extLst>
           </p:spPr>
@@ -8462,7 +8603,7 @@
             </a:ln>
             <a:extLst>
               <a:ext uri="{C572A759-6A51-4108-AA02-DFA0A04FC94B}">
-                <ma14:wrappingTextBoxFlag xmlns:ma14="http://schemas.microsoft.com/office/mac/drawingml/2011/main" xmlns="" val="1"/>
+                <ma14:wrappingTextBoxFlag xmlns="" xmlns:ma14="http://schemas.microsoft.com/office/mac/drawingml/2011/main" val="1"/>
               </a:ext>
             </a:extLst>
           </p:spPr>
@@ -8523,7 +8664,7 @@
             </a:ln>
             <a:extLst>
               <a:ext uri="{C572A759-6A51-4108-AA02-DFA0A04FC94B}">
-                <ma14:wrappingTextBoxFlag xmlns:ma14="http://schemas.microsoft.com/office/mac/drawingml/2011/main" xmlns="" val="1"/>
+                <ma14:wrappingTextBoxFlag xmlns="" xmlns:ma14="http://schemas.microsoft.com/office/mac/drawingml/2011/main" val="1"/>
               </a:ext>
             </a:extLst>
           </p:spPr>
@@ -8631,7 +8772,7 @@
             </a:ln>
             <a:extLst>
               <a:ext uri="{C572A759-6A51-4108-AA02-DFA0A04FC94B}">
-                <ma14:wrappingTextBoxFlag xmlns:ma14="http://schemas.microsoft.com/office/mac/drawingml/2011/main" xmlns="" val="1"/>
+                <ma14:wrappingTextBoxFlag xmlns="" xmlns:ma14="http://schemas.microsoft.com/office/mac/drawingml/2011/main" val="1"/>
               </a:ext>
             </a:extLst>
           </p:spPr>
@@ -8735,7 +8876,7 @@
             </a:ln>
             <a:extLst>
               <a:ext uri="{C572A759-6A51-4108-AA02-DFA0A04FC94B}">
-                <ma14:wrappingTextBoxFlag xmlns:ma14="http://schemas.microsoft.com/office/mac/drawingml/2011/main" xmlns="" val="1"/>
+                <ma14:wrappingTextBoxFlag xmlns="" xmlns:ma14="http://schemas.microsoft.com/office/mac/drawingml/2011/main" val="1"/>
               </a:ext>
             </a:extLst>
           </p:spPr>
@@ -8796,7 +8937,7 @@
             </a:ln>
             <a:extLst>
               <a:ext uri="{C572A759-6A51-4108-AA02-DFA0A04FC94B}">
-                <ma14:wrappingTextBoxFlag xmlns:ma14="http://schemas.microsoft.com/office/mac/drawingml/2011/main" xmlns="" val="1"/>
+                <ma14:wrappingTextBoxFlag xmlns="" xmlns:ma14="http://schemas.microsoft.com/office/mac/drawingml/2011/main" val="1"/>
               </a:ext>
             </a:extLst>
           </p:spPr>
@@ -8857,7 +8998,7 @@
             </a:ln>
             <a:extLst>
               <a:ext uri="{C572A759-6A51-4108-AA02-DFA0A04FC94B}">
-                <ma14:wrappingTextBoxFlag xmlns:ma14="http://schemas.microsoft.com/office/mac/drawingml/2011/main" xmlns="" val="1"/>
+                <ma14:wrappingTextBoxFlag xmlns="" xmlns:ma14="http://schemas.microsoft.com/office/mac/drawingml/2011/main" val="1"/>
               </a:ext>
             </a:extLst>
           </p:spPr>
@@ -9488,7 +9629,7 @@
             </a:ln>
             <a:extLst>
               <a:ext uri="{C572A759-6A51-4108-AA02-DFA0A04FC94B}">
-                <ma14:wrappingTextBoxFlag xmlns:ma14="http://schemas.microsoft.com/office/mac/drawingml/2011/main" xmlns="" val="1"/>
+                <ma14:wrappingTextBoxFlag xmlns="" xmlns:ma14="http://schemas.microsoft.com/office/mac/drawingml/2011/main" val="1"/>
               </a:ext>
             </a:extLst>
           </p:spPr>
@@ -9547,63 +9688,15 @@
             </p:cNvPr>
             <p:cNvCxnSpPr>
               <a:cxnSpLocks/>
-              <a:endCxn id="301" idx="0"/>
             </p:cNvCxnSpPr>
             <p:nvPr/>
           </p:nvCxnSpPr>
           <p:spPr>
             <a:xfrm>
-              <a:off x="4444522" y="2617680"/>
+              <a:off x="4410135" y="2754016"/>
               <a:ext cx="1365108" cy="489631"/>
             </a:xfrm>
             <a:prstGeom prst="bentConnector2">
-              <a:avLst/>
-            </a:prstGeom>
-            <a:noFill/>
-            <a:ln w="12700" cap="flat">
-              <a:solidFill>
-                <a:schemeClr val="tx1"/>
-              </a:solidFill>
-              <a:prstDash val="solid"/>
-              <a:miter lim="400000"/>
-              <a:headEnd type="none"/>
-              <a:tailEnd type="none"/>
-            </a:ln>
-            <a:effectLst/>
-          </p:spPr>
-          <p:style>
-            <a:lnRef idx="0">
-              <a:scrgbClr r="0" g="0" b="0"/>
-            </a:lnRef>
-            <a:fillRef idx="0">
-              <a:scrgbClr r="0" g="0" b="0"/>
-            </a:fillRef>
-            <a:effectRef idx="0">
-              <a:scrgbClr r="0" g="0" b="0"/>
-            </a:effectRef>
-            <a:fontRef idx="none"/>
-          </p:style>
-        </p:cxnSp>
-        <p:cxnSp>
-          <p:nvCxnSpPr>
-            <p:cNvPr id="359" name="Straight Arrow Connector 358">
-              <a:extLst>
-                <a:ext uri="{FF2B5EF4-FFF2-40B4-BE49-F238E27FC236}">
-                  <a16:creationId xmlns:a16="http://schemas.microsoft.com/office/drawing/2014/main" id="{A9FDCA41-6B3C-EE4E-BC86-6EF3254585E0}"/>
-                </a:ext>
-              </a:extLst>
-            </p:cNvPr>
-            <p:cNvCxnSpPr>
-              <a:cxnSpLocks/>
-            </p:cNvCxnSpPr>
-            <p:nvPr/>
-          </p:nvCxnSpPr>
-          <p:spPr>
-            <a:xfrm>
-              <a:off x="5277407" y="2617680"/>
-              <a:ext cx="0" cy="473557"/>
-            </a:xfrm>
-            <a:prstGeom prst="straightConnector1">
               <a:avLst/>
             </a:prstGeom>
             <a:noFill/>
@@ -9940,7 +10033,7 @@
             </a:ln>
             <a:extLst>
               <a:ext uri="{C572A759-6A51-4108-AA02-DFA0A04FC94B}">
-                <ma14:wrappingTextBoxFlag xmlns:ma14="http://schemas.microsoft.com/office/mac/drawingml/2011/main" xmlns="" val="1"/>
+                <ma14:wrappingTextBoxFlag xmlns="" xmlns:ma14="http://schemas.microsoft.com/office/mac/drawingml/2011/main" val="1"/>
               </a:ext>
             </a:extLst>
           </p:spPr>
@@ -10001,7 +10094,7 @@
             </a:ln>
             <a:extLst>
               <a:ext uri="{C572A759-6A51-4108-AA02-DFA0A04FC94B}">
-                <ma14:wrappingTextBoxFlag xmlns:ma14="http://schemas.microsoft.com/office/mac/drawingml/2011/main" xmlns="" val="1"/>
+                <ma14:wrappingTextBoxFlag xmlns="" xmlns:ma14="http://schemas.microsoft.com/office/mac/drawingml/2011/main" val="1"/>
               </a:ext>
             </a:extLst>
           </p:spPr>
@@ -10478,7 +10571,7 @@
             </a:ln>
             <a:extLst>
               <a:ext uri="{C572A759-6A51-4108-AA02-DFA0A04FC94B}">
-                <ma14:wrappingTextBoxFlag xmlns:ma14="http://schemas.microsoft.com/office/mac/drawingml/2011/main" xmlns="" val="1"/>
+                <ma14:wrappingTextBoxFlag xmlns="" xmlns:ma14="http://schemas.microsoft.com/office/mac/drawingml/2011/main" val="1"/>
               </a:ext>
             </a:extLst>
           </p:spPr>
@@ -10542,8 +10635,8 @@
           </p:nvCxnSpPr>
           <p:spPr>
             <a:xfrm>
-              <a:off x="4479470" y="2203001"/>
-              <a:ext cx="3052" cy="423577"/>
+              <a:off x="4479471" y="2203001"/>
+              <a:ext cx="7666" cy="578209"/>
             </a:xfrm>
             <a:prstGeom prst="straightConnector1">
               <a:avLst/>
@@ -10589,106 +10682,10 @@
           </p:nvCxnSpPr>
           <p:spPr>
             <a:xfrm>
-              <a:off x="3735287" y="2614588"/>
-              <a:ext cx="0" cy="473557"/>
+              <a:off x="3735287" y="2748193"/>
+              <a:ext cx="0" cy="339952"/>
             </a:xfrm>
             <a:prstGeom prst="straightConnector1">
-              <a:avLst/>
-            </a:prstGeom>
-            <a:noFill/>
-            <a:ln w="12700" cap="flat">
-              <a:solidFill>
-                <a:schemeClr val="tx1"/>
-              </a:solidFill>
-              <a:prstDash val="solid"/>
-              <a:miter lim="400000"/>
-              <a:headEnd type="none"/>
-              <a:tailEnd type="none"/>
-            </a:ln>
-            <a:effectLst/>
-          </p:spPr>
-          <p:style>
-            <a:lnRef idx="0">
-              <a:scrgbClr r="0" g="0" b="0"/>
-            </a:lnRef>
-            <a:fillRef idx="0">
-              <a:scrgbClr r="0" g="0" b="0"/>
-            </a:fillRef>
-            <a:effectRef idx="0">
-              <a:scrgbClr r="0" g="0" b="0"/>
-            </a:effectRef>
-            <a:fontRef idx="none"/>
-          </p:style>
-        </p:cxnSp>
-        <p:cxnSp>
-          <p:nvCxnSpPr>
-            <p:cNvPr id="201" name="Straight Arrow Connector 110">
-              <a:extLst>
-                <a:ext uri="{FF2B5EF4-FFF2-40B4-BE49-F238E27FC236}">
-                  <a16:creationId xmlns:a16="http://schemas.microsoft.com/office/drawing/2014/main" id="{4FC6F156-F0AD-7E48-864D-F0701261F3D2}"/>
-                </a:ext>
-              </a:extLst>
-            </p:cNvPr>
-            <p:cNvCxnSpPr>
-              <a:cxnSpLocks/>
-              <a:endCxn id="311" idx="0"/>
-            </p:cNvCxnSpPr>
-            <p:nvPr/>
-          </p:nvCxnSpPr>
-          <p:spPr>
-            <a:xfrm>
-              <a:off x="4424258" y="5324052"/>
-              <a:ext cx="1366845" cy="396125"/>
-            </a:xfrm>
-            <a:prstGeom prst="bentConnector2">
-              <a:avLst/>
-            </a:prstGeom>
-            <a:noFill/>
-            <a:ln w="12700" cap="flat">
-              <a:solidFill>
-                <a:schemeClr val="tx1"/>
-              </a:solidFill>
-              <a:prstDash val="solid"/>
-              <a:miter lim="400000"/>
-              <a:headEnd type="none"/>
-              <a:tailEnd type="none"/>
-            </a:ln>
-            <a:effectLst/>
-          </p:spPr>
-          <p:style>
-            <a:lnRef idx="0">
-              <a:scrgbClr r="0" g="0" b="0"/>
-            </a:lnRef>
-            <a:fillRef idx="0">
-              <a:scrgbClr r="0" g="0" b="0"/>
-            </a:fillRef>
-            <a:effectRef idx="0">
-              <a:scrgbClr r="0" g="0" b="0"/>
-            </a:effectRef>
-            <a:fontRef idx="none"/>
-          </p:style>
-        </p:cxnSp>
-        <p:cxnSp>
-          <p:nvCxnSpPr>
-            <p:cNvPr id="203" name="Straight Arrow Connector 110">
-              <a:extLst>
-                <a:ext uri="{FF2B5EF4-FFF2-40B4-BE49-F238E27FC236}">
-                  <a16:creationId xmlns:a16="http://schemas.microsoft.com/office/drawing/2014/main" id="{5A7A9ABF-1BFE-AD42-B1B5-B2064EA43671}"/>
-                </a:ext>
-              </a:extLst>
-            </p:cNvPr>
-            <p:cNvCxnSpPr>
-              <a:cxnSpLocks/>
-              <a:endCxn id="314" idx="0"/>
-            </p:cNvCxnSpPr>
-            <p:nvPr/>
-          </p:nvCxnSpPr>
-          <p:spPr>
-            <a:xfrm rot="10800000" flipV="1">
-              <a:off x="3145380" y="5322860"/>
-              <a:ext cx="1273159" cy="380910"/>
-            </a:xfrm>
-            <a:prstGeom prst="bentConnector2">
               <a:avLst/>
             </a:prstGeom>
             <a:noFill/>
@@ -10732,8 +10729,8 @@
           </p:nvCxnSpPr>
           <p:spPr>
             <a:xfrm>
-              <a:off x="3654220" y="5336322"/>
-              <a:ext cx="3052" cy="423577"/>
+              <a:off x="3654219" y="5417995"/>
+              <a:ext cx="3053" cy="341904"/>
             </a:xfrm>
             <a:prstGeom prst="straightConnector1">
               <a:avLst/>
@@ -10779,8 +10776,8 @@
           </p:nvCxnSpPr>
           <p:spPr>
             <a:xfrm>
-              <a:off x="4490777" y="4941599"/>
-              <a:ext cx="3052" cy="423577"/>
+              <a:off x="4472319" y="4918941"/>
+              <a:ext cx="3915" cy="514242"/>
             </a:xfrm>
             <a:prstGeom prst="straightConnector1">
               <a:avLst/>
@@ -10952,53 +10949,6 @@
             </p:spPr>
           </p:pic>
         </p:grpSp>
-        <p:cxnSp>
-          <p:nvCxnSpPr>
-            <p:cNvPr id="209" name="Straight Arrow Connector 208">
-              <a:extLst>
-                <a:ext uri="{FF2B5EF4-FFF2-40B4-BE49-F238E27FC236}">
-                  <a16:creationId xmlns:a16="http://schemas.microsoft.com/office/drawing/2014/main" id="{AB8977D7-6D6C-1F44-8851-4F0D4A34B228}"/>
-                </a:ext>
-              </a:extLst>
-            </p:cNvPr>
-            <p:cNvCxnSpPr>
-              <a:cxnSpLocks/>
-            </p:cNvCxnSpPr>
-            <p:nvPr/>
-          </p:nvCxnSpPr>
-          <p:spPr>
-            <a:xfrm>
-              <a:off x="5272503" y="5348179"/>
-              <a:ext cx="3052" cy="423577"/>
-            </a:xfrm>
-            <a:prstGeom prst="straightConnector1">
-              <a:avLst/>
-            </a:prstGeom>
-            <a:noFill/>
-            <a:ln w="12700" cap="flat">
-              <a:solidFill>
-                <a:schemeClr val="tx1"/>
-              </a:solidFill>
-              <a:prstDash val="solid"/>
-              <a:miter lim="400000"/>
-              <a:headEnd type="none"/>
-              <a:tailEnd type="none"/>
-            </a:ln>
-            <a:effectLst/>
-          </p:spPr>
-          <p:style>
-            <a:lnRef idx="0">
-              <a:scrgbClr r="0" g="0" b="0"/>
-            </a:lnRef>
-            <a:fillRef idx="0">
-              <a:scrgbClr r="0" g="0" b="0"/>
-            </a:fillRef>
-            <a:effectRef idx="0">
-              <a:scrgbClr r="0" g="0" b="0"/>
-            </a:effectRef>
-            <a:fontRef idx="none"/>
-          </p:style>
-        </p:cxnSp>
         <p:grpSp>
           <p:nvGrpSpPr>
             <p:cNvPr id="305" name="Group 304">
@@ -11157,7 +11107,7 @@
           </p:nvCxnSpPr>
           <p:spPr>
             <a:xfrm rot="10800000">
-              <a:off x="3202271" y="3565230"/>
+              <a:off x="3184972" y="3578381"/>
               <a:ext cx="1249994" cy="564807"/>
             </a:xfrm>
             <a:prstGeom prst="bentConnector3">
@@ -11452,7 +11402,7 @@
             </a:ln>
             <a:extLst>
               <a:ext uri="{C572A759-6A51-4108-AA02-DFA0A04FC94B}">
-                <ma14:wrappingTextBoxFlag xmlns:ma14="http://schemas.microsoft.com/office/mac/drawingml/2011/main" xmlns="" val="1"/>
+                <ma14:wrappingTextBoxFlag xmlns="" xmlns:ma14="http://schemas.microsoft.com/office/mac/drawingml/2011/main" val="1"/>
               </a:ext>
             </a:extLst>
           </p:spPr>
@@ -11764,7 +11714,7 @@
             </a:ln>
             <a:extLst>
               <a:ext uri="{C572A759-6A51-4108-AA02-DFA0A04FC94B}">
-                <ma14:wrappingTextBoxFlag xmlns:ma14="http://schemas.microsoft.com/office/mac/drawingml/2011/main" xmlns="" val="1"/>
+                <ma14:wrappingTextBoxFlag xmlns="" xmlns:ma14="http://schemas.microsoft.com/office/mac/drawingml/2011/main" val="1"/>
               </a:ext>
             </a:extLst>
           </p:spPr>
@@ -12047,7 +11997,7 @@
             </a:ln>
             <a:extLst>
               <a:ext uri="{C572A759-6A51-4108-AA02-DFA0A04FC94B}">
-                <ma14:wrappingTextBoxFlag xmlns:ma14="http://schemas.microsoft.com/office/mac/drawingml/2011/main" xmlns="" val="1"/>
+                <ma14:wrappingTextBoxFlag xmlns="" xmlns:ma14="http://schemas.microsoft.com/office/mac/drawingml/2011/main" val="1"/>
               </a:ext>
             </a:extLst>
           </p:spPr>
@@ -12252,7 +12202,7 @@
             </a:ln>
             <a:extLst>
               <a:ext uri="{C572A759-6A51-4108-AA02-DFA0A04FC94B}">
-                <ma14:wrappingTextBoxFlag xmlns:ma14="http://schemas.microsoft.com/office/mac/drawingml/2011/main" xmlns="" val="1"/>
+                <ma14:wrappingTextBoxFlag xmlns="" xmlns:ma14="http://schemas.microsoft.com/office/mac/drawingml/2011/main" val="1"/>
               </a:ext>
             </a:extLst>
           </p:spPr>
@@ -12455,7 +12405,7 @@
             </a:ln>
             <a:extLst>
               <a:ext uri="{C572A759-6A51-4108-AA02-DFA0A04FC94B}">
-                <ma14:wrappingTextBoxFlag xmlns:ma14="http://schemas.microsoft.com/office/mac/drawingml/2011/main" xmlns="" val="1"/>
+                <ma14:wrappingTextBoxFlag xmlns="" xmlns:ma14="http://schemas.microsoft.com/office/mac/drawingml/2011/main" val="1"/>
               </a:ext>
             </a:extLst>
           </p:spPr>
@@ -12658,7 +12608,7 @@
             </a:ln>
             <a:extLst>
               <a:ext uri="{C572A759-6A51-4108-AA02-DFA0A04FC94B}">
-                <ma14:wrappingTextBoxFlag xmlns:ma14="http://schemas.microsoft.com/office/mac/drawingml/2011/main" xmlns="" val="1"/>
+                <ma14:wrappingTextBoxFlag xmlns="" xmlns:ma14="http://schemas.microsoft.com/office/mac/drawingml/2011/main" val="1"/>
               </a:ext>
             </a:extLst>
           </p:spPr>
@@ -12938,7 +12888,7 @@
             </a:ln>
             <a:extLst>
               <a:ext uri="{C572A759-6A51-4108-AA02-DFA0A04FC94B}">
-                <ma14:wrappingTextBoxFlag xmlns:ma14="http://schemas.microsoft.com/office/mac/drawingml/2011/main" xmlns="" val="1"/>
+                <ma14:wrappingTextBoxFlag xmlns="" xmlns:ma14="http://schemas.microsoft.com/office/mac/drawingml/2011/main" val="1"/>
               </a:ext>
             </a:extLst>
           </p:spPr>
@@ -14444,9 +14394,9 @@
           </p:nvGrpSpPr>
           <p:grpSpPr>
             <a:xfrm>
-              <a:off x="5011750" y="4843211"/>
+              <a:off x="5011750" y="4843210"/>
               <a:ext cx="365760" cy="365760"/>
-              <a:chOff x="7884633" y="5500181"/>
+              <a:chOff x="7884633" y="5500179"/>
               <a:chExt cx="914400" cy="914400"/>
             </a:xfrm>
           </p:grpSpPr>
@@ -14464,7 +14414,7 @@
             </p:nvSpPr>
             <p:spPr>
               <a:xfrm>
-                <a:off x="7884633" y="5500181"/>
+                <a:off x="7884633" y="5500179"/>
                 <a:ext cx="914400" cy="914400"/>
               </a:xfrm>
               <a:prstGeom prst="roundRect">
@@ -14693,6 +14643,297 @@
           </p:pic>
         </p:grpSp>
       </p:grpSp>
+      <p:sp>
+        <p:nvSpPr>
+          <p:cNvPr id="223" name="Shape 535">
+            <a:extLst>
+              <a:ext uri="{FF2B5EF4-FFF2-40B4-BE49-F238E27FC236}">
+                <a16:creationId xmlns:a16="http://schemas.microsoft.com/office/drawing/2014/main" id="{44C38763-4248-FC43-8D43-EDE6973479D7}"/>
+              </a:ext>
+            </a:extLst>
+          </p:cNvPr>
+          <p:cNvSpPr/>
+          <p:nvPr/>
+        </p:nvSpPr>
+        <p:spPr>
+          <a:xfrm>
+            <a:off x="4947074" y="2452280"/>
+            <a:ext cx="503515" cy="287258"/>
+          </a:xfrm>
+          <a:prstGeom prst="rect">
+            <a:avLst/>
+          </a:prstGeom>
+          <a:ln w="3175">
+            <a:miter lim="400000"/>
+          </a:ln>
+          <a:extLst>
+            <a:ext uri="{C572A759-6A51-4108-AA02-DFA0A04FC94B}">
+              <ma14:wrappingTextBoxFlag xmlns="" xmlns:ma14="http://schemas.microsoft.com/office/mac/drawingml/2011/main" val="1"/>
+            </a:ext>
+          </a:extLst>
+        </p:spPr>
+        <p:txBody>
+          <a:bodyPr wrap="square" lIns="50800" tIns="50800" rIns="50800" bIns="50800">
+            <a:spAutoFit/>
+          </a:bodyPr>
+          <a:lstStyle>
+            <a:lvl1pPr algn="l" defTabSz="457200">
+              <a:defRPr sz="1000">
+                <a:latin typeface="Helvetica Neue"/>
+                <a:ea typeface="Helvetica Neue"/>
+                <a:cs typeface="Helvetica Neue"/>
+                <a:sym typeface="Helvetica Neue"/>
+              </a:defRPr>
+            </a:lvl1pPr>
+          </a:lstStyle>
+          <a:p>
+            <a:pPr lvl="0">
+              <a:defRPr sz="1800"/>
+            </a:pPr>
+            <a:r>
+              <a:rPr lang="en-US" sz="1200" dirty="0">
+                <a:latin typeface="Helvetica" panose="020B0604020202020204" pitchFamily="34" charset="0"/>
+                <a:cs typeface="Helvetica" panose="020B0604020202020204" pitchFamily="34" charset="0"/>
+              </a:rPr>
+              <a:t>ACL</a:t>
+            </a:r>
+            <a:endParaRPr sz="1200" dirty="0">
+              <a:latin typeface="Helvetica" panose="020B0604020202020204" pitchFamily="34" charset="0"/>
+              <a:cs typeface="Helvetica" panose="020B0604020202020204" pitchFamily="34" charset="0"/>
+            </a:endParaRPr>
+          </a:p>
+        </p:txBody>
+      </p:sp>
+      <p:sp>
+        <p:nvSpPr>
+          <p:cNvPr id="225" name="Shape 535">
+            <a:extLst>
+              <a:ext uri="{FF2B5EF4-FFF2-40B4-BE49-F238E27FC236}">
+                <a16:creationId xmlns:a16="http://schemas.microsoft.com/office/drawing/2014/main" id="{6A758D51-470E-7E46-BEED-C65869B1081A}"/>
+              </a:ext>
+            </a:extLst>
+          </p:cNvPr>
+          <p:cNvSpPr/>
+          <p:nvPr/>
+        </p:nvSpPr>
+        <p:spPr>
+          <a:xfrm>
+            <a:off x="4998896" y="5179229"/>
+            <a:ext cx="503515" cy="287258"/>
+          </a:xfrm>
+          <a:prstGeom prst="rect">
+            <a:avLst/>
+          </a:prstGeom>
+          <a:ln w="3175">
+            <a:miter lim="400000"/>
+          </a:ln>
+          <a:extLst>
+            <a:ext uri="{C572A759-6A51-4108-AA02-DFA0A04FC94B}">
+              <ma14:wrappingTextBoxFlag xmlns="" xmlns:ma14="http://schemas.microsoft.com/office/mac/drawingml/2011/main" val="1"/>
+            </a:ext>
+          </a:extLst>
+        </p:spPr>
+        <p:txBody>
+          <a:bodyPr wrap="square" lIns="50800" tIns="50800" rIns="50800" bIns="50800">
+            <a:spAutoFit/>
+          </a:bodyPr>
+          <a:lstStyle>
+            <a:lvl1pPr algn="l" defTabSz="457200">
+              <a:defRPr sz="1000">
+                <a:latin typeface="Helvetica Neue"/>
+                <a:ea typeface="Helvetica Neue"/>
+                <a:cs typeface="Helvetica Neue"/>
+                <a:sym typeface="Helvetica Neue"/>
+              </a:defRPr>
+            </a:lvl1pPr>
+          </a:lstStyle>
+          <a:p>
+            <a:pPr lvl="0">
+              <a:defRPr sz="1800"/>
+            </a:pPr>
+            <a:r>
+              <a:rPr lang="en-US" sz="1200" dirty="0">
+                <a:latin typeface="Helvetica" panose="020B0604020202020204" pitchFamily="34" charset="0"/>
+                <a:cs typeface="Helvetica" panose="020B0604020202020204" pitchFamily="34" charset="0"/>
+              </a:rPr>
+              <a:t>ACL</a:t>
+            </a:r>
+            <a:endParaRPr sz="1200" dirty="0">
+              <a:latin typeface="Helvetica" panose="020B0604020202020204" pitchFamily="34" charset="0"/>
+              <a:cs typeface="Helvetica" panose="020B0604020202020204" pitchFamily="34" charset="0"/>
+            </a:endParaRPr>
+          </a:p>
+        </p:txBody>
+      </p:sp>
+      <p:sp>
+        <p:nvSpPr>
+          <p:cNvPr id="226" name="Shape 535">
+            <a:extLst>
+              <a:ext uri="{FF2B5EF4-FFF2-40B4-BE49-F238E27FC236}">
+                <a16:creationId xmlns:a16="http://schemas.microsoft.com/office/drawing/2014/main" id="{4FFB4014-5699-C348-BAB9-19B0CB717CD0}"/>
+              </a:ext>
+            </a:extLst>
+          </p:cNvPr>
+          <p:cNvSpPr/>
+          <p:nvPr/>
+        </p:nvSpPr>
+        <p:spPr>
+          <a:xfrm>
+            <a:off x="2578648" y="2538377"/>
+            <a:ext cx="503515" cy="287258"/>
+          </a:xfrm>
+          <a:prstGeom prst="rect">
+            <a:avLst/>
+          </a:prstGeom>
+          <a:ln w="3175">
+            <a:miter lim="400000"/>
+          </a:ln>
+          <a:extLst>
+            <a:ext uri="{C572A759-6A51-4108-AA02-DFA0A04FC94B}">
+              <ma14:wrappingTextBoxFlag xmlns="" xmlns:ma14="http://schemas.microsoft.com/office/mac/drawingml/2011/main" val="1"/>
+            </a:ext>
+          </a:extLst>
+        </p:spPr>
+        <p:txBody>
+          <a:bodyPr wrap="square" lIns="50800" tIns="50800" rIns="50800" bIns="50800">
+            <a:spAutoFit/>
+          </a:bodyPr>
+          <a:lstStyle>
+            <a:lvl1pPr algn="l" defTabSz="457200">
+              <a:defRPr sz="1000">
+                <a:latin typeface="Helvetica Neue"/>
+                <a:ea typeface="Helvetica Neue"/>
+                <a:cs typeface="Helvetica Neue"/>
+                <a:sym typeface="Helvetica Neue"/>
+              </a:defRPr>
+            </a:lvl1pPr>
+          </a:lstStyle>
+          <a:p>
+            <a:pPr lvl="0">
+              <a:defRPr sz="1800"/>
+            </a:pPr>
+            <a:r>
+              <a:rPr lang="en-US" sz="1200" dirty="0">
+                <a:latin typeface="Helvetica" panose="020B0604020202020204" pitchFamily="34" charset="0"/>
+                <a:cs typeface="Helvetica" panose="020B0604020202020204" pitchFamily="34" charset="0"/>
+              </a:rPr>
+              <a:t>ACL</a:t>
+            </a:r>
+            <a:endParaRPr sz="1200" dirty="0">
+              <a:latin typeface="Helvetica" panose="020B0604020202020204" pitchFamily="34" charset="0"/>
+              <a:cs typeface="Helvetica" panose="020B0604020202020204" pitchFamily="34" charset="0"/>
+            </a:endParaRPr>
+          </a:p>
+        </p:txBody>
+      </p:sp>
+      <p:sp>
+        <p:nvSpPr>
+          <p:cNvPr id="239" name="Shape 535">
+            <a:extLst>
+              <a:ext uri="{FF2B5EF4-FFF2-40B4-BE49-F238E27FC236}">
+                <a16:creationId xmlns:a16="http://schemas.microsoft.com/office/drawing/2014/main" id="{70452931-DA1D-F742-8529-CBABEAE6006F}"/>
+              </a:ext>
+            </a:extLst>
+          </p:cNvPr>
+          <p:cNvSpPr/>
+          <p:nvPr/>
+        </p:nvSpPr>
+        <p:spPr>
+          <a:xfrm>
+            <a:off x="2544540" y="5212554"/>
+            <a:ext cx="503515" cy="287258"/>
+          </a:xfrm>
+          <a:prstGeom prst="rect">
+            <a:avLst/>
+          </a:prstGeom>
+          <a:ln w="3175">
+            <a:miter lim="400000"/>
+          </a:ln>
+          <a:extLst>
+            <a:ext uri="{C572A759-6A51-4108-AA02-DFA0A04FC94B}">
+              <ma14:wrappingTextBoxFlag xmlns="" xmlns:ma14="http://schemas.microsoft.com/office/mac/drawingml/2011/main" val="1"/>
+            </a:ext>
+          </a:extLst>
+        </p:spPr>
+        <p:txBody>
+          <a:bodyPr wrap="square" lIns="50800" tIns="50800" rIns="50800" bIns="50800">
+            <a:spAutoFit/>
+          </a:bodyPr>
+          <a:lstStyle>
+            <a:lvl1pPr algn="l" defTabSz="457200">
+              <a:defRPr sz="1000">
+                <a:latin typeface="Helvetica Neue"/>
+                <a:ea typeface="Helvetica Neue"/>
+                <a:cs typeface="Helvetica Neue"/>
+                <a:sym typeface="Helvetica Neue"/>
+              </a:defRPr>
+            </a:lvl1pPr>
+          </a:lstStyle>
+          <a:p>
+            <a:pPr lvl="0">
+              <a:defRPr sz="1800"/>
+            </a:pPr>
+            <a:r>
+              <a:rPr lang="en-US" sz="1200" dirty="0">
+                <a:latin typeface="Helvetica" panose="020B0604020202020204" pitchFamily="34" charset="0"/>
+                <a:cs typeface="Helvetica" panose="020B0604020202020204" pitchFamily="34" charset="0"/>
+              </a:rPr>
+              <a:t>ACL</a:t>
+            </a:r>
+            <a:endParaRPr sz="1200" dirty="0">
+              <a:latin typeface="Helvetica" panose="020B0604020202020204" pitchFamily="34" charset="0"/>
+              <a:cs typeface="Helvetica" panose="020B0604020202020204" pitchFamily="34" charset="0"/>
+            </a:endParaRPr>
+          </a:p>
+        </p:txBody>
+      </p:sp>
+      <p:cxnSp>
+        <p:nvCxnSpPr>
+          <p:cNvPr id="244" name="Straight Arrow Connector 243">
+            <a:extLst>
+              <a:ext uri="{FF2B5EF4-FFF2-40B4-BE49-F238E27FC236}">
+                <a16:creationId xmlns:a16="http://schemas.microsoft.com/office/drawing/2014/main" id="{BB08B12E-C7D1-DA4B-A6CB-D84C88AE25B7}"/>
+              </a:ext>
+            </a:extLst>
+          </p:cNvPr>
+          <p:cNvCxnSpPr>
+            <a:cxnSpLocks/>
+          </p:cNvCxnSpPr>
+          <p:nvPr/>
+        </p:nvCxnSpPr>
+        <p:spPr>
+          <a:xfrm>
+            <a:off x="5229899" y="2743492"/>
+            <a:ext cx="0" cy="364089"/>
+          </a:xfrm>
+          <a:prstGeom prst="straightConnector1">
+            <a:avLst/>
+          </a:prstGeom>
+          <a:noFill/>
+          <a:ln w="12700" cap="flat">
+            <a:solidFill>
+              <a:schemeClr val="tx1"/>
+            </a:solidFill>
+            <a:prstDash val="solid"/>
+            <a:miter lim="400000"/>
+            <a:headEnd type="none"/>
+            <a:tailEnd type="none"/>
+          </a:ln>
+          <a:effectLst/>
+        </p:spPr>
+        <p:style>
+          <a:lnRef idx="0">
+            <a:scrgbClr r="0" g="0" b="0"/>
+          </a:lnRef>
+          <a:fillRef idx="0">
+            <a:scrgbClr r="0" g="0" b="0"/>
+          </a:fillRef>
+          <a:effectRef idx="0">
+            <a:scrgbClr r="0" g="0" b="0"/>
+          </a:effectRef>
+          <a:fontRef idx="none"/>
+        </p:style>
+      </p:cxnSp>
     </p:spTree>
     <p:extLst>
       <p:ext uri="{BB962C8B-B14F-4D97-AF65-F5344CB8AC3E}">
@@ -14779,7 +15020,7 @@
           </a:ln>
           <a:extLst>
             <a:ext uri="{C572A759-6A51-4108-AA02-DFA0A04FC94B}">
-              <ma14:wrappingTextBoxFlag xmlns="" xmlns:ma14="http://schemas.microsoft.com/office/mac/drawingml/2011/main" val="1"/>
+              <ma14:wrappingTextBoxFlag xmlns:ma14="http://schemas.microsoft.com/office/mac/drawingml/2011/main" xmlns="" val="1"/>
             </a:ext>
           </a:extLst>
         </p:spPr>
@@ -14827,7 +15068,7 @@
           </a:ln>
           <a:extLst>
             <a:ext uri="{C572A759-6A51-4108-AA02-DFA0A04FC94B}">
-              <ma14:wrappingTextBoxFlag xmlns="" xmlns:ma14="http://schemas.microsoft.com/office/mac/drawingml/2011/main" val="1"/>
+              <ma14:wrappingTextBoxFlag xmlns:ma14="http://schemas.microsoft.com/office/mac/drawingml/2011/main" xmlns="" val="1"/>
             </a:ext>
           </a:extLst>
         </p:spPr>
@@ -14982,7 +15223,7 @@
             <a:effectLst/>
             <a:extLst>
               <a:ext uri="{C572A759-6A51-4108-AA02-DFA0A04FC94B}">
-                <ma14:wrappingTextBoxFlag xmlns="" xmlns:ma14="http://schemas.microsoft.com/office/mac/drawingml/2011/main" val="1"/>
+                <ma14:wrappingTextBoxFlag xmlns:ma14="http://schemas.microsoft.com/office/mac/drawingml/2011/main" xmlns="" val="1"/>
               </a:ext>
             </a:extLst>
           </p:spPr>
@@ -15144,7 +15385,7 @@
             <a:effectLst/>
             <a:extLst>
               <a:ext uri="{C572A759-6A51-4108-AA02-DFA0A04FC94B}">
-                <ma14:wrappingTextBoxFlag xmlns="" xmlns:ma14="http://schemas.microsoft.com/office/mac/drawingml/2011/main" val="1"/>
+                <ma14:wrappingTextBoxFlag xmlns:ma14="http://schemas.microsoft.com/office/mac/drawingml/2011/main" xmlns="" val="1"/>
               </a:ext>
             </a:extLst>
           </p:spPr>
@@ -15306,7 +15547,7 @@
             <a:effectLst/>
             <a:extLst>
               <a:ext uri="{C572A759-6A51-4108-AA02-DFA0A04FC94B}">
-                <ma14:wrappingTextBoxFlag xmlns="" xmlns:ma14="http://schemas.microsoft.com/office/mac/drawingml/2011/main" val="1"/>
+                <ma14:wrappingTextBoxFlag xmlns:ma14="http://schemas.microsoft.com/office/mac/drawingml/2011/main" xmlns="" val="1"/>
               </a:ext>
             </a:extLst>
           </p:spPr>
@@ -15468,7 +15709,7 @@
             <a:effectLst/>
             <a:extLst>
               <a:ext uri="{C572A759-6A51-4108-AA02-DFA0A04FC94B}">
-                <ma14:wrappingTextBoxFlag xmlns="" xmlns:ma14="http://schemas.microsoft.com/office/mac/drawingml/2011/main" val="1"/>
+                <ma14:wrappingTextBoxFlag xmlns:ma14="http://schemas.microsoft.com/office/mac/drawingml/2011/main" xmlns="" val="1"/>
               </a:ext>
             </a:extLst>
           </p:spPr>
@@ -15630,7 +15871,7 @@
             <a:effectLst/>
             <a:extLst>
               <a:ext uri="{C572A759-6A51-4108-AA02-DFA0A04FC94B}">
-                <ma14:wrappingTextBoxFlag xmlns="" xmlns:ma14="http://schemas.microsoft.com/office/mac/drawingml/2011/main" val="1"/>
+                <ma14:wrappingTextBoxFlag xmlns:ma14="http://schemas.microsoft.com/office/mac/drawingml/2011/main" xmlns="" val="1"/>
               </a:ext>
             </a:extLst>
           </p:spPr>
@@ -15792,7 +16033,7 @@
             <a:effectLst/>
             <a:extLst>
               <a:ext uri="{C572A759-6A51-4108-AA02-DFA0A04FC94B}">
-                <ma14:wrappingTextBoxFlag xmlns="" xmlns:ma14="http://schemas.microsoft.com/office/mac/drawingml/2011/main" val="1"/>
+                <ma14:wrappingTextBoxFlag xmlns:ma14="http://schemas.microsoft.com/office/mac/drawingml/2011/main" xmlns="" val="1"/>
               </a:ext>
             </a:extLst>
           </p:spPr>
@@ -15954,7 +16195,7 @@
             <a:effectLst/>
             <a:extLst>
               <a:ext uri="{C572A759-6A51-4108-AA02-DFA0A04FC94B}">
-                <ma14:wrappingTextBoxFlag xmlns="" xmlns:ma14="http://schemas.microsoft.com/office/mac/drawingml/2011/main" val="1"/>
+                <ma14:wrappingTextBoxFlag xmlns:ma14="http://schemas.microsoft.com/office/mac/drawingml/2011/main" xmlns="" val="1"/>
               </a:ext>
             </a:extLst>
           </p:spPr>
@@ -16116,7 +16357,7 @@
             <a:effectLst/>
             <a:extLst>
               <a:ext uri="{C572A759-6A51-4108-AA02-DFA0A04FC94B}">
-                <ma14:wrappingTextBoxFlag xmlns="" xmlns:ma14="http://schemas.microsoft.com/office/mac/drawingml/2011/main" val="1"/>
+                <ma14:wrappingTextBoxFlag xmlns:ma14="http://schemas.microsoft.com/office/mac/drawingml/2011/main" xmlns="" val="1"/>
               </a:ext>
             </a:extLst>
           </p:spPr>
@@ -16278,7 +16519,7 @@
             <a:effectLst/>
             <a:extLst>
               <a:ext uri="{C572A759-6A51-4108-AA02-DFA0A04FC94B}">
-                <ma14:wrappingTextBoxFlag xmlns="" xmlns:ma14="http://schemas.microsoft.com/office/mac/drawingml/2011/main" val="1"/>
+                <ma14:wrappingTextBoxFlag xmlns:ma14="http://schemas.microsoft.com/office/mac/drawingml/2011/main" xmlns="" val="1"/>
               </a:ext>
             </a:extLst>
           </p:spPr>
@@ -16440,7 +16681,7 @@
             <a:effectLst/>
             <a:extLst>
               <a:ext uri="{C572A759-6A51-4108-AA02-DFA0A04FC94B}">
-                <ma14:wrappingTextBoxFlag xmlns="" xmlns:ma14="http://schemas.microsoft.com/office/mac/drawingml/2011/main" val="1"/>
+                <ma14:wrappingTextBoxFlag xmlns:ma14="http://schemas.microsoft.com/office/mac/drawingml/2011/main" xmlns="" val="1"/>
               </a:ext>
             </a:extLst>
           </p:spPr>
@@ -16602,7 +16843,7 @@
             <a:effectLst/>
             <a:extLst>
               <a:ext uri="{C572A759-6A51-4108-AA02-DFA0A04FC94B}">
-                <ma14:wrappingTextBoxFlag xmlns="" xmlns:ma14="http://schemas.microsoft.com/office/mac/drawingml/2011/main" val="1"/>
+                <ma14:wrappingTextBoxFlag xmlns:ma14="http://schemas.microsoft.com/office/mac/drawingml/2011/main" xmlns="" val="1"/>
               </a:ext>
             </a:extLst>
           </p:spPr>
@@ -16764,7 +17005,7 @@
             <a:effectLst/>
             <a:extLst>
               <a:ext uri="{C572A759-6A51-4108-AA02-DFA0A04FC94B}">
-                <ma14:wrappingTextBoxFlag xmlns="" xmlns:ma14="http://schemas.microsoft.com/office/mac/drawingml/2011/main" val="1"/>
+                <ma14:wrappingTextBoxFlag xmlns:ma14="http://schemas.microsoft.com/office/mac/drawingml/2011/main" xmlns="" val="1"/>
               </a:ext>
             </a:extLst>
           </p:spPr>
@@ -16926,7 +17167,7 @@
             <a:effectLst/>
             <a:extLst>
               <a:ext uri="{C572A759-6A51-4108-AA02-DFA0A04FC94B}">
-                <ma14:wrappingTextBoxFlag xmlns="" xmlns:ma14="http://schemas.microsoft.com/office/mac/drawingml/2011/main" val="1"/>
+                <ma14:wrappingTextBoxFlag xmlns:ma14="http://schemas.microsoft.com/office/mac/drawingml/2011/main" xmlns="" val="1"/>
               </a:ext>
             </a:extLst>
           </p:spPr>
@@ -17088,7 +17329,7 @@
             <a:effectLst/>
             <a:extLst>
               <a:ext uri="{C572A759-6A51-4108-AA02-DFA0A04FC94B}">
-                <ma14:wrappingTextBoxFlag xmlns="" xmlns:ma14="http://schemas.microsoft.com/office/mac/drawingml/2011/main" val="1"/>
+                <ma14:wrappingTextBoxFlag xmlns:ma14="http://schemas.microsoft.com/office/mac/drawingml/2011/main" xmlns="" val="1"/>
               </a:ext>
             </a:extLst>
           </p:spPr>
@@ -17250,7 +17491,7 @@
             <a:effectLst/>
             <a:extLst>
               <a:ext uri="{C572A759-6A51-4108-AA02-DFA0A04FC94B}">
-                <ma14:wrappingTextBoxFlag xmlns="" xmlns:ma14="http://schemas.microsoft.com/office/mac/drawingml/2011/main" val="1"/>
+                <ma14:wrappingTextBoxFlag xmlns:ma14="http://schemas.microsoft.com/office/mac/drawingml/2011/main" xmlns="" val="1"/>
               </a:ext>
             </a:extLst>
           </p:spPr>
@@ -17412,7 +17653,7 @@
             <a:effectLst/>
             <a:extLst>
               <a:ext uri="{C572A759-6A51-4108-AA02-DFA0A04FC94B}">
-                <ma14:wrappingTextBoxFlag xmlns="" xmlns:ma14="http://schemas.microsoft.com/office/mac/drawingml/2011/main" val="1"/>
+                <ma14:wrappingTextBoxFlag xmlns:ma14="http://schemas.microsoft.com/office/mac/drawingml/2011/main" xmlns="" val="1"/>
               </a:ext>
             </a:extLst>
           </p:spPr>
@@ -17574,7 +17815,7 @@
             <a:effectLst/>
             <a:extLst>
               <a:ext uri="{C572A759-6A51-4108-AA02-DFA0A04FC94B}">
-                <ma14:wrappingTextBoxFlag xmlns="" xmlns:ma14="http://schemas.microsoft.com/office/mac/drawingml/2011/main" val="1"/>
+                <ma14:wrappingTextBoxFlag xmlns:ma14="http://schemas.microsoft.com/office/mac/drawingml/2011/main" xmlns="" val="1"/>
               </a:ext>
             </a:extLst>
           </p:spPr>
@@ -17736,7 +17977,7 @@
             <a:effectLst/>
             <a:extLst>
               <a:ext uri="{C572A759-6A51-4108-AA02-DFA0A04FC94B}">
-                <ma14:wrappingTextBoxFlag xmlns="" xmlns:ma14="http://schemas.microsoft.com/office/mac/drawingml/2011/main" val="1"/>
+                <ma14:wrappingTextBoxFlag xmlns:ma14="http://schemas.microsoft.com/office/mac/drawingml/2011/main" xmlns="" val="1"/>
               </a:ext>
             </a:extLst>
           </p:spPr>
@@ -17898,7 +18139,7 @@
             <a:effectLst/>
             <a:extLst>
               <a:ext uri="{C572A759-6A51-4108-AA02-DFA0A04FC94B}">
-                <ma14:wrappingTextBoxFlag xmlns="" xmlns:ma14="http://schemas.microsoft.com/office/mac/drawingml/2011/main" val="1"/>
+                <ma14:wrappingTextBoxFlag xmlns:ma14="http://schemas.microsoft.com/office/mac/drawingml/2011/main" xmlns="" val="1"/>
               </a:ext>
             </a:extLst>
           </p:spPr>
@@ -18060,7 +18301,7 @@
             <a:effectLst/>
             <a:extLst>
               <a:ext uri="{C572A759-6A51-4108-AA02-DFA0A04FC94B}">
-                <ma14:wrappingTextBoxFlag xmlns="" xmlns:ma14="http://schemas.microsoft.com/office/mac/drawingml/2011/main" val="1"/>
+                <ma14:wrappingTextBoxFlag xmlns:ma14="http://schemas.microsoft.com/office/mac/drawingml/2011/main" xmlns="" val="1"/>
               </a:ext>
             </a:extLst>
           </p:spPr>
@@ -18182,7 +18423,7 @@
           </a:ln>
           <a:extLst>
             <a:ext uri="{C572A759-6A51-4108-AA02-DFA0A04FC94B}">
-              <ma14:wrappingTextBoxFlag xmlns="" xmlns:ma14="http://schemas.microsoft.com/office/mac/drawingml/2011/main" val="1"/>
+              <ma14:wrappingTextBoxFlag xmlns:ma14="http://schemas.microsoft.com/office/mac/drawingml/2011/main" xmlns="" val="1"/>
             </a:ext>
           </a:extLst>
         </p:spPr>
@@ -18230,7 +18471,7 @@
           </a:ln>
           <a:extLst>
             <a:ext uri="{C572A759-6A51-4108-AA02-DFA0A04FC94B}">
-              <ma14:wrappingTextBoxFlag xmlns="" xmlns:ma14="http://schemas.microsoft.com/office/mac/drawingml/2011/main" val="1"/>
+              <ma14:wrappingTextBoxFlag xmlns:ma14="http://schemas.microsoft.com/office/mac/drawingml/2011/main" xmlns="" val="1"/>
             </a:ext>
           </a:extLst>
         </p:spPr>
@@ -18565,7 +18806,7 @@
               <a:effectLst/>
               <a:extLst>
                 <a:ext uri="{C572A759-6A51-4108-AA02-DFA0A04FC94B}">
-                  <ma14:wrappingTextBoxFlag xmlns="" xmlns:ma14="http://schemas.microsoft.com/office/mac/drawingml/2011/main" val="1"/>
+                  <ma14:wrappingTextBoxFlag xmlns:ma14="http://schemas.microsoft.com/office/mac/drawingml/2011/main" xmlns="" val="1"/>
                 </a:ext>
               </a:extLst>
             </p:spPr>

--- a/powerpoint/templates/VirtualPrivateCloudEditablePPT.pptx
+++ b/powerpoint/templates/VirtualPrivateCloudEditablePPT.pptx
@@ -818,7 +818,7 @@
           </a:ln>
           <a:extLst>
             <a:ext uri="{C572A759-6A51-4108-AA02-DFA0A04FC94B}">
-              <ma14:wrappingTextBoxFlag xmlns="" xmlns:ma14="http://schemas.microsoft.com/office/mac/drawingml/2011/main" val="1"/>
+              <ma14:wrappingTextBoxFlag xmlns:ma14="http://schemas.microsoft.com/office/mac/drawingml/2011/main" xmlns="" val="1"/>
             </a:ext>
           </a:extLst>
         </p:spPr>
@@ -871,7 +871,7 @@
           </a:ln>
           <a:extLst>
             <a:ext uri="{C572A759-6A51-4108-AA02-DFA0A04FC94B}">
-              <ma14:wrappingTextBoxFlag xmlns="" xmlns:ma14="http://schemas.microsoft.com/office/mac/drawingml/2011/main" val="1"/>
+              <ma14:wrappingTextBoxFlag xmlns:ma14="http://schemas.microsoft.com/office/mac/drawingml/2011/main" xmlns="" val="1"/>
             </a:ext>
           </a:extLst>
         </p:spPr>
@@ -919,7 +919,7 @@
           </a:ln>
           <a:extLst>
             <a:ext uri="{C572A759-6A51-4108-AA02-DFA0A04FC94B}">
-              <ma14:wrappingTextBoxFlag xmlns="" xmlns:ma14="http://schemas.microsoft.com/office/mac/drawingml/2011/main" val="1"/>
+              <ma14:wrappingTextBoxFlag xmlns:ma14="http://schemas.microsoft.com/office/mac/drawingml/2011/main" xmlns="" val="1"/>
             </a:ext>
           </a:extLst>
         </p:spPr>
@@ -1007,7 +1007,7 @@
           </a:ln>
           <a:extLst>
             <a:ext uri="{C572A759-6A51-4108-AA02-DFA0A04FC94B}">
-              <ma14:wrappingTextBoxFlag xmlns="" xmlns:ma14="http://schemas.microsoft.com/office/mac/drawingml/2011/main" val="1"/>
+              <ma14:wrappingTextBoxFlag xmlns:ma14="http://schemas.microsoft.com/office/mac/drawingml/2011/main" xmlns="" val="1"/>
             </a:ext>
           </a:extLst>
         </p:spPr>
@@ -1060,7 +1060,7 @@
           </a:ln>
           <a:extLst>
             <a:ext uri="{C572A759-6A51-4108-AA02-DFA0A04FC94B}">
-              <ma14:wrappingTextBoxFlag xmlns="" xmlns:ma14="http://schemas.microsoft.com/office/mac/drawingml/2011/main" val="1"/>
+              <ma14:wrappingTextBoxFlag xmlns:ma14="http://schemas.microsoft.com/office/mac/drawingml/2011/main" xmlns="" val="1"/>
             </a:ext>
           </a:extLst>
         </p:spPr>
@@ -1108,7 +1108,7 @@
           </a:ln>
           <a:extLst>
             <a:ext uri="{C572A759-6A51-4108-AA02-DFA0A04FC94B}">
-              <ma14:wrappingTextBoxFlag xmlns="" xmlns:ma14="http://schemas.microsoft.com/office/mac/drawingml/2011/main" val="1"/>
+              <ma14:wrappingTextBoxFlag xmlns:ma14="http://schemas.microsoft.com/office/mac/drawingml/2011/main" xmlns="" val="1"/>
             </a:ext>
           </a:extLst>
         </p:spPr>
@@ -1272,7 +1272,7 @@
           </a:ln>
           <a:extLst>
             <a:ext uri="{C572A759-6A51-4108-AA02-DFA0A04FC94B}">
-              <ma14:wrappingTextBoxFlag xmlns="" xmlns:ma14="http://schemas.microsoft.com/office/mac/drawingml/2011/main" val="1"/>
+              <ma14:wrappingTextBoxFlag xmlns:ma14="http://schemas.microsoft.com/office/mac/drawingml/2011/main" xmlns="" val="1"/>
             </a:ext>
           </a:extLst>
         </p:spPr>
@@ -1325,7 +1325,7 @@
           </a:ln>
           <a:extLst>
             <a:ext uri="{C572A759-6A51-4108-AA02-DFA0A04FC94B}">
-              <ma14:wrappingTextBoxFlag xmlns="" xmlns:ma14="http://schemas.microsoft.com/office/mac/drawingml/2011/main" val="1"/>
+              <ma14:wrappingTextBoxFlag xmlns:ma14="http://schemas.microsoft.com/office/mac/drawingml/2011/main" xmlns="" val="1"/>
             </a:ext>
           </a:extLst>
         </p:spPr>
@@ -1373,7 +1373,7 @@
           </a:ln>
           <a:extLst>
             <a:ext uri="{C572A759-6A51-4108-AA02-DFA0A04FC94B}">
-              <ma14:wrappingTextBoxFlag xmlns="" xmlns:ma14="http://schemas.microsoft.com/office/mac/drawingml/2011/main" val="1"/>
+              <ma14:wrappingTextBoxFlag xmlns:ma14="http://schemas.microsoft.com/office/mac/drawingml/2011/main" xmlns="" val="1"/>
             </a:ext>
           </a:extLst>
         </p:spPr>
@@ -1563,7 +1563,7 @@
           </a:ln>
           <a:extLst>
             <a:ext uri="{C572A759-6A51-4108-AA02-DFA0A04FC94B}">
-              <ma14:wrappingTextBoxFlag xmlns="" xmlns:ma14="http://schemas.microsoft.com/office/mac/drawingml/2011/main" val="1"/>
+              <ma14:wrappingTextBoxFlag xmlns:ma14="http://schemas.microsoft.com/office/mac/drawingml/2011/main" xmlns="" val="1"/>
             </a:ext>
           </a:extLst>
         </p:spPr>
@@ -1701,7 +1701,7 @@
           </a:ln>
           <a:extLst>
             <a:ext uri="{C572A759-6A51-4108-AA02-DFA0A04FC94B}">
-              <ma14:wrappingTextBoxFlag xmlns="" xmlns:ma14="http://schemas.microsoft.com/office/mac/drawingml/2011/main" val="1"/>
+              <ma14:wrappingTextBoxFlag xmlns:ma14="http://schemas.microsoft.com/office/mac/drawingml/2011/main" xmlns="" val="1"/>
             </a:ext>
           </a:extLst>
         </p:spPr>
@@ -1754,7 +1754,7 @@
           </a:ln>
           <a:extLst>
             <a:ext uri="{C572A759-6A51-4108-AA02-DFA0A04FC94B}">
-              <ma14:wrappingTextBoxFlag xmlns="" xmlns:ma14="http://schemas.microsoft.com/office/mac/drawingml/2011/main" val="1"/>
+              <ma14:wrappingTextBoxFlag xmlns:ma14="http://schemas.microsoft.com/office/mac/drawingml/2011/main" xmlns="" val="1"/>
             </a:ext>
           </a:extLst>
         </p:spPr>
@@ -1828,7 +1828,7 @@
           </a:ln>
           <a:extLst>
             <a:ext uri="{C572A759-6A51-4108-AA02-DFA0A04FC94B}">
-              <ma14:wrappingTextBoxFlag xmlns="" xmlns:ma14="http://schemas.microsoft.com/office/mac/drawingml/2011/main" val="1"/>
+              <ma14:wrappingTextBoxFlag xmlns:ma14="http://schemas.microsoft.com/office/mac/drawingml/2011/main" xmlns="" val="1"/>
             </a:ext>
           </a:extLst>
         </p:spPr>
@@ -2797,7 +2797,7 @@
           </a:ln>
           <a:extLst>
             <a:ext uri="{C572A759-6A51-4108-AA02-DFA0A04FC94B}">
-              <ma14:wrappingTextBoxFlag xmlns="" xmlns:ma14="http://schemas.microsoft.com/office/mac/drawingml/2011/main" val="1"/>
+              <ma14:wrappingTextBoxFlag xmlns:ma14="http://schemas.microsoft.com/office/mac/drawingml/2011/main" xmlns="" val="1"/>
             </a:ext>
           </a:extLst>
         </p:spPr>
@@ -2840,7 +2840,7 @@
           </a:ln>
           <a:extLst>
             <a:ext uri="{C572A759-6A51-4108-AA02-DFA0A04FC94B}">
-              <ma14:wrappingTextBoxFlag xmlns="" xmlns:ma14="http://schemas.microsoft.com/office/mac/drawingml/2011/main" val="1"/>
+              <ma14:wrappingTextBoxFlag xmlns:ma14="http://schemas.microsoft.com/office/mac/drawingml/2011/main" xmlns="" val="1"/>
             </a:ext>
           </a:extLst>
         </p:spPr>
@@ -3288,7 +3288,7 @@
           </a:ln>
           <a:extLst>
             <a:ext uri="{C572A759-6A51-4108-AA02-DFA0A04FC94B}">
-              <ma14:wrappingTextBoxFlag xmlns="" xmlns:ma14="http://schemas.microsoft.com/office/mac/drawingml/2011/main" val="1"/>
+              <ma14:wrappingTextBoxFlag xmlns:ma14="http://schemas.microsoft.com/office/mac/drawingml/2011/main" xmlns="" val="1"/>
             </a:ext>
           </a:extLst>
         </p:spPr>
@@ -3337,7 +3337,7 @@
           </a:ln>
           <a:extLst>
             <a:ext uri="{C572A759-6A51-4108-AA02-DFA0A04FC94B}">
-              <ma14:wrappingTextBoxFlag xmlns="" xmlns:ma14="http://schemas.microsoft.com/office/mac/drawingml/2011/main" val="1"/>
+              <ma14:wrappingTextBoxFlag xmlns:ma14="http://schemas.microsoft.com/office/mac/drawingml/2011/main" xmlns="" val="1"/>
             </a:ext>
           </a:extLst>
         </p:spPr>
@@ -5172,7 +5172,7 @@
                 </a:ln>
                 <a:extLst>
                   <a:ext uri="{C572A759-6A51-4108-AA02-DFA0A04FC94B}">
-                    <ma14:wrappingTextBoxFlag xmlns:ma14="http://schemas.microsoft.com/office/mac/drawingml/2011/main" xmlns="" val="1"/>
+                    <ma14:wrappingTextBoxFlag xmlns="" xmlns:ma14="http://schemas.microsoft.com/office/mac/drawingml/2011/main" val="1"/>
                   </a:ext>
                 </a:extLst>
               </p:spPr>
@@ -5259,7 +5259,7 @@
                 </a:ln>
                 <a:extLst>
                   <a:ext uri="{C572A759-6A51-4108-AA02-DFA0A04FC94B}">
-                    <ma14:wrappingTextBoxFlag xmlns:ma14="http://schemas.microsoft.com/office/mac/drawingml/2011/main" xmlns="" val="1"/>
+                    <ma14:wrappingTextBoxFlag xmlns="" xmlns:ma14="http://schemas.microsoft.com/office/mac/drawingml/2011/main" val="1"/>
                   </a:ext>
                 </a:extLst>
               </p:spPr>
@@ -6024,7 +6024,7 @@
               </a:ln>
               <a:extLst>
                 <a:ext uri="{C572A759-6A51-4108-AA02-DFA0A04FC94B}">
-                  <ma14:wrappingTextBoxFlag xmlns:ma14="http://schemas.microsoft.com/office/mac/drawingml/2011/main" xmlns="" val="1"/>
+                  <ma14:wrappingTextBoxFlag xmlns="" xmlns:ma14="http://schemas.microsoft.com/office/mac/drawingml/2011/main" val="1"/>
                 </a:ext>
               </a:extLst>
             </p:spPr>
@@ -6183,7 +6183,7 @@
                 </a:ln>
                 <a:extLst>
                   <a:ext uri="{C572A759-6A51-4108-AA02-DFA0A04FC94B}">
-                    <ma14:wrappingTextBoxFlag xmlns:ma14="http://schemas.microsoft.com/office/mac/drawingml/2011/main" xmlns="" val="1"/>
+                    <ma14:wrappingTextBoxFlag xmlns="" xmlns:ma14="http://schemas.microsoft.com/office/mac/drawingml/2011/main" val="1"/>
                   </a:ext>
                 </a:extLst>
               </p:spPr>
@@ -6322,7 +6322,7 @@
               </a:ln>
               <a:extLst>
                 <a:ext uri="{C572A759-6A51-4108-AA02-DFA0A04FC94B}">
-                  <ma14:wrappingTextBoxFlag xmlns:ma14="http://schemas.microsoft.com/office/mac/drawingml/2011/main" xmlns="" val="1"/>
+                  <ma14:wrappingTextBoxFlag xmlns="" xmlns:ma14="http://schemas.microsoft.com/office/mac/drawingml/2011/main" val="1"/>
                 </a:ext>
               </a:extLst>
             </p:spPr>
@@ -6383,7 +6383,7 @@
               </a:ln>
               <a:extLst>
                 <a:ext uri="{C572A759-6A51-4108-AA02-DFA0A04FC94B}">
-                  <ma14:wrappingTextBoxFlag xmlns:ma14="http://schemas.microsoft.com/office/mac/drawingml/2011/main" xmlns="" val="1"/>
+                  <ma14:wrappingTextBoxFlag xmlns="" xmlns:ma14="http://schemas.microsoft.com/office/mac/drawingml/2011/main" val="1"/>
                 </a:ext>
               </a:extLst>
             </p:spPr>
@@ -6444,7 +6444,7 @@
               </a:ln>
               <a:extLst>
                 <a:ext uri="{C572A759-6A51-4108-AA02-DFA0A04FC94B}">
-                  <ma14:wrappingTextBoxFlag xmlns:ma14="http://schemas.microsoft.com/office/mac/drawingml/2011/main" xmlns="" val="1"/>
+                  <ma14:wrappingTextBoxFlag xmlns="" xmlns:ma14="http://schemas.microsoft.com/office/mac/drawingml/2011/main" val="1"/>
                 </a:ext>
               </a:extLst>
             </p:spPr>
@@ -6583,7 +6583,7 @@
               </a:ln>
               <a:extLst>
                 <a:ext uri="{C572A759-6A51-4108-AA02-DFA0A04FC94B}">
-                  <ma14:wrappingTextBoxFlag xmlns:ma14="http://schemas.microsoft.com/office/mac/drawingml/2011/main" xmlns="" val="1"/>
+                  <ma14:wrappingTextBoxFlag xmlns="" xmlns:ma14="http://schemas.microsoft.com/office/mac/drawingml/2011/main" val="1"/>
                 </a:ext>
               </a:extLst>
             </p:spPr>
@@ -6722,7 +6722,7 @@
               </a:ln>
               <a:extLst>
                 <a:ext uri="{C572A759-6A51-4108-AA02-DFA0A04FC94B}">
-                  <ma14:wrappingTextBoxFlag xmlns:ma14="http://schemas.microsoft.com/office/mac/drawingml/2011/main" xmlns="" val="1"/>
+                  <ma14:wrappingTextBoxFlag xmlns="" xmlns:ma14="http://schemas.microsoft.com/office/mac/drawingml/2011/main" val="1"/>
                 </a:ext>
               </a:extLst>
             </p:spPr>
@@ -7079,7 +7079,7 @@
               </a:ln>
               <a:extLst>
                 <a:ext uri="{C572A759-6A51-4108-AA02-DFA0A04FC94B}">
-                  <ma14:wrappingTextBoxFlag xmlns:ma14="http://schemas.microsoft.com/office/mac/drawingml/2011/main" xmlns="" val="1"/>
+                  <ma14:wrappingTextBoxFlag xmlns="" xmlns:ma14="http://schemas.microsoft.com/office/mac/drawingml/2011/main" val="1"/>
                 </a:ext>
               </a:extLst>
             </p:spPr>
@@ -7140,7 +7140,7 @@
               </a:ln>
               <a:extLst>
                 <a:ext uri="{C572A759-6A51-4108-AA02-DFA0A04FC94B}">
-                  <ma14:wrappingTextBoxFlag xmlns:ma14="http://schemas.microsoft.com/office/mac/drawingml/2011/main" xmlns="" val="1"/>
+                  <ma14:wrappingTextBoxFlag xmlns="" xmlns:ma14="http://schemas.microsoft.com/office/mac/drawingml/2011/main" val="1"/>
                 </a:ext>
               </a:extLst>
             </p:spPr>
@@ -7213,7 +7213,7 @@
               </a:ln>
               <a:extLst>
                 <a:ext uri="{C572A759-6A51-4108-AA02-DFA0A04FC94B}">
-                  <ma14:wrappingTextBoxFlag xmlns:ma14="http://schemas.microsoft.com/office/mac/drawingml/2011/main" xmlns="" val="1"/>
+                  <ma14:wrappingTextBoxFlag xmlns="" xmlns:ma14="http://schemas.microsoft.com/office/mac/drawingml/2011/main" val="1"/>
                 </a:ext>
               </a:extLst>
             </p:spPr>
@@ -7286,7 +7286,7 @@
               </a:ln>
               <a:extLst>
                 <a:ext uri="{C572A759-6A51-4108-AA02-DFA0A04FC94B}">
-                  <ma14:wrappingTextBoxFlag xmlns:ma14="http://schemas.microsoft.com/office/mac/drawingml/2011/main" xmlns="" val="1"/>
+                  <ma14:wrappingTextBoxFlag xmlns="" xmlns:ma14="http://schemas.microsoft.com/office/mac/drawingml/2011/main" val="1"/>
                 </a:ext>
               </a:extLst>
             </p:spPr>
@@ -7359,7 +7359,7 @@
               </a:ln>
               <a:extLst>
                 <a:ext uri="{C572A759-6A51-4108-AA02-DFA0A04FC94B}">
-                  <ma14:wrappingTextBoxFlag xmlns:ma14="http://schemas.microsoft.com/office/mac/drawingml/2011/main" xmlns="" val="1"/>
+                  <ma14:wrappingTextBoxFlag xmlns="" xmlns:ma14="http://schemas.microsoft.com/office/mac/drawingml/2011/main" val="1"/>
                 </a:ext>
               </a:extLst>
             </p:spPr>
@@ -7432,7 +7432,7 @@
               </a:ln>
               <a:extLst>
                 <a:ext uri="{C572A759-6A51-4108-AA02-DFA0A04FC94B}">
-                  <ma14:wrappingTextBoxFlag xmlns:ma14="http://schemas.microsoft.com/office/mac/drawingml/2011/main" xmlns="" val="1"/>
+                  <ma14:wrappingTextBoxFlag xmlns="" xmlns:ma14="http://schemas.microsoft.com/office/mac/drawingml/2011/main" val="1"/>
                 </a:ext>
               </a:extLst>
             </p:spPr>
@@ -7493,7 +7493,7 @@
               </a:ln>
               <a:extLst>
                 <a:ext uri="{C572A759-6A51-4108-AA02-DFA0A04FC94B}">
-                  <ma14:wrappingTextBoxFlag xmlns:ma14="http://schemas.microsoft.com/office/mac/drawingml/2011/main" xmlns="" val="1"/>
+                  <ma14:wrappingTextBoxFlag xmlns="" xmlns:ma14="http://schemas.microsoft.com/office/mac/drawingml/2011/main" val="1"/>
                 </a:ext>
               </a:extLst>
             </p:spPr>
@@ -7554,7 +7554,7 @@
               </a:ln>
               <a:extLst>
                 <a:ext uri="{C572A759-6A51-4108-AA02-DFA0A04FC94B}">
-                  <ma14:wrappingTextBoxFlag xmlns:ma14="http://schemas.microsoft.com/office/mac/drawingml/2011/main" xmlns="" val="1"/>
+                  <ma14:wrappingTextBoxFlag xmlns="" xmlns:ma14="http://schemas.microsoft.com/office/mac/drawingml/2011/main" val="1"/>
                 </a:ext>
               </a:extLst>
             </p:spPr>
@@ -7615,7 +7615,7 @@
               </a:ln>
               <a:extLst>
                 <a:ext uri="{C572A759-6A51-4108-AA02-DFA0A04FC94B}">
-                  <ma14:wrappingTextBoxFlag xmlns:ma14="http://schemas.microsoft.com/office/mac/drawingml/2011/main" xmlns="" val="1"/>
+                  <ma14:wrappingTextBoxFlag xmlns="" xmlns:ma14="http://schemas.microsoft.com/office/mac/drawingml/2011/main" val="1"/>
                 </a:ext>
               </a:extLst>
             </p:spPr>
@@ -8102,7 +8102,7 @@
               </a:ln>
               <a:extLst>
                 <a:ext uri="{C572A759-6A51-4108-AA02-DFA0A04FC94B}">
-                  <ma14:wrappingTextBoxFlag xmlns:ma14="http://schemas.microsoft.com/office/mac/drawingml/2011/main" xmlns="" val="1"/>
+                  <ma14:wrappingTextBoxFlag xmlns="" xmlns:ma14="http://schemas.microsoft.com/office/mac/drawingml/2011/main" val="1"/>
                 </a:ext>
               </a:extLst>
             </p:spPr>
@@ -8175,7 +8175,7 @@
               </a:ln>
               <a:extLst>
                 <a:ext uri="{C572A759-6A51-4108-AA02-DFA0A04FC94B}">
-                  <ma14:wrappingTextBoxFlag xmlns:ma14="http://schemas.microsoft.com/office/mac/drawingml/2011/main" xmlns="" val="1"/>
+                  <ma14:wrappingTextBoxFlag xmlns="" xmlns:ma14="http://schemas.microsoft.com/office/mac/drawingml/2011/main" val="1"/>
                 </a:ext>
               </a:extLst>
             </p:spPr>
@@ -8248,7 +8248,7 @@
               </a:ln>
               <a:extLst>
                 <a:ext uri="{C572A759-6A51-4108-AA02-DFA0A04FC94B}">
-                  <ma14:wrappingTextBoxFlag xmlns:ma14="http://schemas.microsoft.com/office/mac/drawingml/2011/main" xmlns="" val="1"/>
+                  <ma14:wrappingTextBoxFlag xmlns="" xmlns:ma14="http://schemas.microsoft.com/office/mac/drawingml/2011/main" val="1"/>
                 </a:ext>
               </a:extLst>
             </p:spPr>
@@ -8318,7 +8318,7 @@
               </a:ln>
               <a:extLst>
                 <a:ext uri="{C572A759-6A51-4108-AA02-DFA0A04FC94B}">
-                  <ma14:wrappingTextBoxFlag xmlns:ma14="http://schemas.microsoft.com/office/mac/drawingml/2011/main" xmlns="" val="1"/>
+                  <ma14:wrappingTextBoxFlag xmlns="" xmlns:ma14="http://schemas.microsoft.com/office/mac/drawingml/2011/main" val="1"/>
                 </a:ext>
               </a:extLst>
             </p:spPr>
@@ -8379,7 +8379,7 @@
               </a:ln>
               <a:extLst>
                 <a:ext uri="{C572A759-6A51-4108-AA02-DFA0A04FC94B}">
-                  <ma14:wrappingTextBoxFlag xmlns:ma14="http://schemas.microsoft.com/office/mac/drawingml/2011/main" xmlns="" val="1"/>
+                  <ma14:wrappingTextBoxFlag xmlns="" xmlns:ma14="http://schemas.microsoft.com/office/mac/drawingml/2011/main" val="1"/>
                 </a:ext>
               </a:extLst>
             </p:spPr>
@@ -8440,7 +8440,7 @@
               </a:ln>
               <a:extLst>
                 <a:ext uri="{C572A759-6A51-4108-AA02-DFA0A04FC94B}">
-                  <ma14:wrappingTextBoxFlag xmlns:ma14="http://schemas.microsoft.com/office/mac/drawingml/2011/main" xmlns="" val="1"/>
+                  <ma14:wrappingTextBoxFlag xmlns="" xmlns:ma14="http://schemas.microsoft.com/office/mac/drawingml/2011/main" val="1"/>
                 </a:ext>
               </a:extLst>
             </p:spPr>
@@ -8501,7 +8501,7 @@
               </a:ln>
               <a:extLst>
                 <a:ext uri="{C572A759-6A51-4108-AA02-DFA0A04FC94B}">
-                  <ma14:wrappingTextBoxFlag xmlns:ma14="http://schemas.microsoft.com/office/mac/drawingml/2011/main" xmlns="" val="1"/>
+                  <ma14:wrappingTextBoxFlag xmlns="" xmlns:ma14="http://schemas.microsoft.com/office/mac/drawingml/2011/main" val="1"/>
                 </a:ext>
               </a:extLst>
             </p:spPr>
@@ -8562,7 +8562,7 @@
               </a:ln>
               <a:extLst>
                 <a:ext uri="{C572A759-6A51-4108-AA02-DFA0A04FC94B}">
-                  <ma14:wrappingTextBoxFlag xmlns:ma14="http://schemas.microsoft.com/office/mac/drawingml/2011/main" xmlns="" val="1"/>
+                  <ma14:wrappingTextBoxFlag xmlns="" xmlns:ma14="http://schemas.microsoft.com/office/mac/drawingml/2011/main" val="1"/>
                 </a:ext>
               </a:extLst>
             </p:spPr>
@@ -8623,7 +8623,7 @@
               </a:ln>
               <a:extLst>
                 <a:ext uri="{C572A759-6A51-4108-AA02-DFA0A04FC94B}">
-                  <ma14:wrappingTextBoxFlag xmlns:ma14="http://schemas.microsoft.com/office/mac/drawingml/2011/main" xmlns="" val="1"/>
+                  <ma14:wrappingTextBoxFlag xmlns="" xmlns:ma14="http://schemas.microsoft.com/office/mac/drawingml/2011/main" val="1"/>
                 </a:ext>
               </a:extLst>
             </p:spPr>
@@ -8684,7 +8684,7 @@
               </a:ln>
               <a:extLst>
                 <a:ext uri="{C572A759-6A51-4108-AA02-DFA0A04FC94B}">
-                  <ma14:wrappingTextBoxFlag xmlns:ma14="http://schemas.microsoft.com/office/mac/drawingml/2011/main" xmlns="" val="1"/>
+                  <ma14:wrappingTextBoxFlag xmlns="" xmlns:ma14="http://schemas.microsoft.com/office/mac/drawingml/2011/main" val="1"/>
                 </a:ext>
               </a:extLst>
             </p:spPr>
@@ -8792,7 +8792,7 @@
               </a:ln>
               <a:extLst>
                 <a:ext uri="{C572A759-6A51-4108-AA02-DFA0A04FC94B}">
-                  <ma14:wrappingTextBoxFlag xmlns:ma14="http://schemas.microsoft.com/office/mac/drawingml/2011/main" xmlns="" val="1"/>
+                  <ma14:wrappingTextBoxFlag xmlns="" xmlns:ma14="http://schemas.microsoft.com/office/mac/drawingml/2011/main" val="1"/>
                 </a:ext>
               </a:extLst>
             </p:spPr>
@@ -8896,7 +8896,7 @@
               </a:ln>
               <a:extLst>
                 <a:ext uri="{C572A759-6A51-4108-AA02-DFA0A04FC94B}">
-                  <ma14:wrappingTextBoxFlag xmlns:ma14="http://schemas.microsoft.com/office/mac/drawingml/2011/main" xmlns="" val="1"/>
+                  <ma14:wrappingTextBoxFlag xmlns="" xmlns:ma14="http://schemas.microsoft.com/office/mac/drawingml/2011/main" val="1"/>
                 </a:ext>
               </a:extLst>
             </p:spPr>
@@ -8957,7 +8957,7 @@
               </a:ln>
               <a:extLst>
                 <a:ext uri="{C572A759-6A51-4108-AA02-DFA0A04FC94B}">
-                  <ma14:wrappingTextBoxFlag xmlns:ma14="http://schemas.microsoft.com/office/mac/drawingml/2011/main" xmlns="" val="1"/>
+                  <ma14:wrappingTextBoxFlag xmlns="" xmlns:ma14="http://schemas.microsoft.com/office/mac/drawingml/2011/main" val="1"/>
                 </a:ext>
               </a:extLst>
             </p:spPr>
@@ -9018,7 +9018,7 @@
               </a:ln>
               <a:extLst>
                 <a:ext uri="{C572A759-6A51-4108-AA02-DFA0A04FC94B}">
-                  <ma14:wrappingTextBoxFlag xmlns:ma14="http://schemas.microsoft.com/office/mac/drawingml/2011/main" xmlns="" val="1"/>
+                  <ma14:wrappingTextBoxFlag xmlns="" xmlns:ma14="http://schemas.microsoft.com/office/mac/drawingml/2011/main" val="1"/>
                 </a:ext>
               </a:extLst>
             </p:spPr>
@@ -9649,7 +9649,7 @@
               </a:ln>
               <a:extLst>
                 <a:ext uri="{C572A759-6A51-4108-AA02-DFA0A04FC94B}">
-                  <ma14:wrappingTextBoxFlag xmlns:ma14="http://schemas.microsoft.com/office/mac/drawingml/2011/main" xmlns="" val="1"/>
+                  <ma14:wrappingTextBoxFlag xmlns="" xmlns:ma14="http://schemas.microsoft.com/office/mac/drawingml/2011/main" val="1"/>
                 </a:ext>
               </a:extLst>
             </p:spPr>
@@ -10053,7 +10053,7 @@
               </a:ln>
               <a:extLst>
                 <a:ext uri="{C572A759-6A51-4108-AA02-DFA0A04FC94B}">
-                  <ma14:wrappingTextBoxFlag xmlns:ma14="http://schemas.microsoft.com/office/mac/drawingml/2011/main" xmlns="" val="1"/>
+                  <ma14:wrappingTextBoxFlag xmlns="" xmlns:ma14="http://schemas.microsoft.com/office/mac/drawingml/2011/main" val="1"/>
                 </a:ext>
               </a:extLst>
             </p:spPr>
@@ -10114,7 +10114,7 @@
               </a:ln>
               <a:extLst>
                 <a:ext uri="{C572A759-6A51-4108-AA02-DFA0A04FC94B}">
-                  <ma14:wrappingTextBoxFlag xmlns:ma14="http://schemas.microsoft.com/office/mac/drawingml/2011/main" xmlns="" val="1"/>
+                  <ma14:wrappingTextBoxFlag xmlns="" xmlns:ma14="http://schemas.microsoft.com/office/mac/drawingml/2011/main" val="1"/>
                 </a:ext>
               </a:extLst>
             </p:spPr>
@@ -10591,7 +10591,7 @@
               </a:ln>
               <a:extLst>
                 <a:ext uri="{C572A759-6A51-4108-AA02-DFA0A04FC94B}">
-                  <ma14:wrappingTextBoxFlag xmlns:ma14="http://schemas.microsoft.com/office/mac/drawingml/2011/main" xmlns="" val="1"/>
+                  <ma14:wrappingTextBoxFlag xmlns="" xmlns:ma14="http://schemas.microsoft.com/office/mac/drawingml/2011/main" val="1"/>
                 </a:ext>
               </a:extLst>
             </p:spPr>
@@ -11422,7 +11422,7 @@
               </a:ln>
               <a:extLst>
                 <a:ext uri="{C572A759-6A51-4108-AA02-DFA0A04FC94B}">
-                  <ma14:wrappingTextBoxFlag xmlns:ma14="http://schemas.microsoft.com/office/mac/drawingml/2011/main" xmlns="" val="1"/>
+                  <ma14:wrappingTextBoxFlag xmlns="" xmlns:ma14="http://schemas.microsoft.com/office/mac/drawingml/2011/main" val="1"/>
                 </a:ext>
               </a:extLst>
             </p:spPr>
@@ -11734,7 +11734,7 @@
               </a:ln>
               <a:extLst>
                 <a:ext uri="{C572A759-6A51-4108-AA02-DFA0A04FC94B}">
-                  <ma14:wrappingTextBoxFlag xmlns:ma14="http://schemas.microsoft.com/office/mac/drawingml/2011/main" xmlns="" val="1"/>
+                  <ma14:wrappingTextBoxFlag xmlns="" xmlns:ma14="http://schemas.microsoft.com/office/mac/drawingml/2011/main" val="1"/>
                 </a:ext>
               </a:extLst>
             </p:spPr>
@@ -12017,7 +12017,7 @@
               </a:ln>
               <a:extLst>
                 <a:ext uri="{C572A759-6A51-4108-AA02-DFA0A04FC94B}">
-                  <ma14:wrappingTextBoxFlag xmlns:ma14="http://schemas.microsoft.com/office/mac/drawingml/2011/main" xmlns="" val="1"/>
+                  <ma14:wrappingTextBoxFlag xmlns="" xmlns:ma14="http://schemas.microsoft.com/office/mac/drawingml/2011/main" val="1"/>
                 </a:ext>
               </a:extLst>
             </p:spPr>
@@ -12222,7 +12222,7 @@
               </a:ln>
               <a:extLst>
                 <a:ext uri="{C572A759-6A51-4108-AA02-DFA0A04FC94B}">
-                  <ma14:wrappingTextBoxFlag xmlns:ma14="http://schemas.microsoft.com/office/mac/drawingml/2011/main" xmlns="" val="1"/>
+                  <ma14:wrappingTextBoxFlag xmlns="" xmlns:ma14="http://schemas.microsoft.com/office/mac/drawingml/2011/main" val="1"/>
                 </a:ext>
               </a:extLst>
             </p:spPr>
@@ -12425,7 +12425,7 @@
               </a:ln>
               <a:extLst>
                 <a:ext uri="{C572A759-6A51-4108-AA02-DFA0A04FC94B}">
-                  <ma14:wrappingTextBoxFlag xmlns:ma14="http://schemas.microsoft.com/office/mac/drawingml/2011/main" xmlns="" val="1"/>
+                  <ma14:wrappingTextBoxFlag xmlns="" xmlns:ma14="http://schemas.microsoft.com/office/mac/drawingml/2011/main" val="1"/>
                 </a:ext>
               </a:extLst>
             </p:spPr>
@@ -12628,7 +12628,7 @@
               </a:ln>
               <a:extLst>
                 <a:ext uri="{C572A759-6A51-4108-AA02-DFA0A04FC94B}">
-                  <ma14:wrappingTextBoxFlag xmlns:ma14="http://schemas.microsoft.com/office/mac/drawingml/2011/main" xmlns="" val="1"/>
+                  <ma14:wrappingTextBoxFlag xmlns="" xmlns:ma14="http://schemas.microsoft.com/office/mac/drawingml/2011/main" val="1"/>
                 </a:ext>
               </a:extLst>
             </p:spPr>
@@ -12908,7 +12908,7 @@
               </a:ln>
               <a:extLst>
                 <a:ext uri="{C572A759-6A51-4108-AA02-DFA0A04FC94B}">
-                  <ma14:wrappingTextBoxFlag xmlns:ma14="http://schemas.microsoft.com/office/mac/drawingml/2011/main" xmlns="" val="1"/>
+                  <ma14:wrappingTextBoxFlag xmlns="" xmlns:ma14="http://schemas.microsoft.com/office/mac/drawingml/2011/main" val="1"/>
                 </a:ext>
               </a:extLst>
             </p:spPr>
@@ -12935,7 +12935,7 @@
                     <a:latin typeface="Helvetica" panose="020B0604020202020204" pitchFamily="34" charset="0"/>
                     <a:cs typeface="Helvetica" panose="020B0604020202020204" pitchFamily="34" charset="0"/>
                   </a:rPr>
-                  <a:t>Zone 1</a:t>
+                  <a:t>DAL10</a:t>
                 </a:r>
                 <a:endParaRPr sz="1200" dirty="0">
                   <a:latin typeface="Helvetica" panose="020B0604020202020204" pitchFamily="34" charset="0"/>
@@ -14688,7 +14688,7 @@
             </a:ln>
             <a:extLst>
               <a:ext uri="{C572A759-6A51-4108-AA02-DFA0A04FC94B}">
-                <ma14:wrappingTextBoxFlag xmlns:ma14="http://schemas.microsoft.com/office/mac/drawingml/2011/main" xmlns="" val="1"/>
+                <ma14:wrappingTextBoxFlag xmlns="" xmlns:ma14="http://schemas.microsoft.com/office/mac/drawingml/2011/main" val="1"/>
               </a:ext>
             </a:extLst>
           </p:spPr>
@@ -14749,7 +14749,7 @@
             </a:ln>
             <a:extLst>
               <a:ext uri="{C572A759-6A51-4108-AA02-DFA0A04FC94B}">
-                <ma14:wrappingTextBoxFlag xmlns:ma14="http://schemas.microsoft.com/office/mac/drawingml/2011/main" xmlns="" val="1"/>
+                <ma14:wrappingTextBoxFlag xmlns="" xmlns:ma14="http://schemas.microsoft.com/office/mac/drawingml/2011/main" val="1"/>
               </a:ext>
             </a:extLst>
           </p:spPr>
@@ -14810,7 +14810,7 @@
             </a:ln>
             <a:extLst>
               <a:ext uri="{C572A759-6A51-4108-AA02-DFA0A04FC94B}">
-                <ma14:wrappingTextBoxFlag xmlns:ma14="http://schemas.microsoft.com/office/mac/drawingml/2011/main" xmlns="" val="1"/>
+                <ma14:wrappingTextBoxFlag xmlns="" xmlns:ma14="http://schemas.microsoft.com/office/mac/drawingml/2011/main" val="1"/>
               </a:ext>
             </a:extLst>
           </p:spPr>
@@ -14871,7 +14871,7 @@
             </a:ln>
             <a:extLst>
               <a:ext uri="{C572A759-6A51-4108-AA02-DFA0A04FC94B}">
-                <ma14:wrappingTextBoxFlag xmlns:ma14="http://schemas.microsoft.com/office/mac/drawingml/2011/main" xmlns="" val="1"/>
+                <ma14:wrappingTextBoxFlag xmlns="" xmlns:ma14="http://schemas.microsoft.com/office/mac/drawingml/2011/main" val="1"/>
               </a:ext>
             </a:extLst>
           </p:spPr>
@@ -15041,7 +15041,7 @@
           </a:ln>
           <a:extLst>
             <a:ext uri="{C572A759-6A51-4108-AA02-DFA0A04FC94B}">
-              <ma14:wrappingTextBoxFlag xmlns="" xmlns:ma14="http://schemas.microsoft.com/office/mac/drawingml/2011/main" val="1"/>
+              <ma14:wrappingTextBoxFlag xmlns:ma14="http://schemas.microsoft.com/office/mac/drawingml/2011/main" xmlns="" val="1"/>
             </a:ext>
           </a:extLst>
         </p:spPr>
@@ -15089,7 +15089,7 @@
           </a:ln>
           <a:extLst>
             <a:ext uri="{C572A759-6A51-4108-AA02-DFA0A04FC94B}">
-              <ma14:wrappingTextBoxFlag xmlns="" xmlns:ma14="http://schemas.microsoft.com/office/mac/drawingml/2011/main" val="1"/>
+              <ma14:wrappingTextBoxFlag xmlns:ma14="http://schemas.microsoft.com/office/mac/drawingml/2011/main" xmlns="" val="1"/>
             </a:ext>
           </a:extLst>
         </p:spPr>
@@ -15244,7 +15244,7 @@
             <a:effectLst/>
             <a:extLst>
               <a:ext uri="{C572A759-6A51-4108-AA02-DFA0A04FC94B}">
-                <ma14:wrappingTextBoxFlag xmlns="" xmlns:ma14="http://schemas.microsoft.com/office/mac/drawingml/2011/main" val="1"/>
+                <ma14:wrappingTextBoxFlag xmlns:ma14="http://schemas.microsoft.com/office/mac/drawingml/2011/main" xmlns="" val="1"/>
               </a:ext>
             </a:extLst>
           </p:spPr>
@@ -15406,7 +15406,7 @@
             <a:effectLst/>
             <a:extLst>
               <a:ext uri="{C572A759-6A51-4108-AA02-DFA0A04FC94B}">
-                <ma14:wrappingTextBoxFlag xmlns="" xmlns:ma14="http://schemas.microsoft.com/office/mac/drawingml/2011/main" val="1"/>
+                <ma14:wrappingTextBoxFlag xmlns:ma14="http://schemas.microsoft.com/office/mac/drawingml/2011/main" xmlns="" val="1"/>
               </a:ext>
             </a:extLst>
           </p:spPr>
@@ -15568,7 +15568,7 @@
             <a:effectLst/>
             <a:extLst>
               <a:ext uri="{C572A759-6A51-4108-AA02-DFA0A04FC94B}">
-                <ma14:wrappingTextBoxFlag xmlns="" xmlns:ma14="http://schemas.microsoft.com/office/mac/drawingml/2011/main" val="1"/>
+                <ma14:wrappingTextBoxFlag xmlns:ma14="http://schemas.microsoft.com/office/mac/drawingml/2011/main" xmlns="" val="1"/>
               </a:ext>
             </a:extLst>
           </p:spPr>
@@ -15730,7 +15730,7 @@
             <a:effectLst/>
             <a:extLst>
               <a:ext uri="{C572A759-6A51-4108-AA02-DFA0A04FC94B}">
-                <ma14:wrappingTextBoxFlag xmlns="" xmlns:ma14="http://schemas.microsoft.com/office/mac/drawingml/2011/main" val="1"/>
+                <ma14:wrappingTextBoxFlag xmlns:ma14="http://schemas.microsoft.com/office/mac/drawingml/2011/main" xmlns="" val="1"/>
               </a:ext>
             </a:extLst>
           </p:spPr>
@@ -15892,7 +15892,7 @@
             <a:effectLst/>
             <a:extLst>
               <a:ext uri="{C572A759-6A51-4108-AA02-DFA0A04FC94B}">
-                <ma14:wrappingTextBoxFlag xmlns="" xmlns:ma14="http://schemas.microsoft.com/office/mac/drawingml/2011/main" val="1"/>
+                <ma14:wrappingTextBoxFlag xmlns:ma14="http://schemas.microsoft.com/office/mac/drawingml/2011/main" xmlns="" val="1"/>
               </a:ext>
             </a:extLst>
           </p:spPr>
@@ -16054,7 +16054,7 @@
             <a:effectLst/>
             <a:extLst>
               <a:ext uri="{C572A759-6A51-4108-AA02-DFA0A04FC94B}">
-                <ma14:wrappingTextBoxFlag xmlns="" xmlns:ma14="http://schemas.microsoft.com/office/mac/drawingml/2011/main" val="1"/>
+                <ma14:wrappingTextBoxFlag xmlns:ma14="http://schemas.microsoft.com/office/mac/drawingml/2011/main" xmlns="" val="1"/>
               </a:ext>
             </a:extLst>
           </p:spPr>
@@ -16216,7 +16216,7 @@
             <a:effectLst/>
             <a:extLst>
               <a:ext uri="{C572A759-6A51-4108-AA02-DFA0A04FC94B}">
-                <ma14:wrappingTextBoxFlag xmlns="" xmlns:ma14="http://schemas.microsoft.com/office/mac/drawingml/2011/main" val="1"/>
+                <ma14:wrappingTextBoxFlag xmlns:ma14="http://schemas.microsoft.com/office/mac/drawingml/2011/main" xmlns="" val="1"/>
               </a:ext>
             </a:extLst>
           </p:spPr>
@@ -16378,7 +16378,7 @@
             <a:effectLst/>
             <a:extLst>
               <a:ext uri="{C572A759-6A51-4108-AA02-DFA0A04FC94B}">
-                <ma14:wrappingTextBoxFlag xmlns="" xmlns:ma14="http://schemas.microsoft.com/office/mac/drawingml/2011/main" val="1"/>
+                <ma14:wrappingTextBoxFlag xmlns:ma14="http://schemas.microsoft.com/office/mac/drawingml/2011/main" xmlns="" val="1"/>
               </a:ext>
             </a:extLst>
           </p:spPr>
@@ -16540,7 +16540,7 @@
             <a:effectLst/>
             <a:extLst>
               <a:ext uri="{C572A759-6A51-4108-AA02-DFA0A04FC94B}">
-                <ma14:wrappingTextBoxFlag xmlns="" xmlns:ma14="http://schemas.microsoft.com/office/mac/drawingml/2011/main" val="1"/>
+                <ma14:wrappingTextBoxFlag xmlns:ma14="http://schemas.microsoft.com/office/mac/drawingml/2011/main" xmlns="" val="1"/>
               </a:ext>
             </a:extLst>
           </p:spPr>
@@ -16702,7 +16702,7 @@
             <a:effectLst/>
             <a:extLst>
               <a:ext uri="{C572A759-6A51-4108-AA02-DFA0A04FC94B}">
-                <ma14:wrappingTextBoxFlag xmlns="" xmlns:ma14="http://schemas.microsoft.com/office/mac/drawingml/2011/main" val="1"/>
+                <ma14:wrappingTextBoxFlag xmlns:ma14="http://schemas.microsoft.com/office/mac/drawingml/2011/main" xmlns="" val="1"/>
               </a:ext>
             </a:extLst>
           </p:spPr>
@@ -16864,7 +16864,7 @@
             <a:effectLst/>
             <a:extLst>
               <a:ext uri="{C572A759-6A51-4108-AA02-DFA0A04FC94B}">
-                <ma14:wrappingTextBoxFlag xmlns="" xmlns:ma14="http://schemas.microsoft.com/office/mac/drawingml/2011/main" val="1"/>
+                <ma14:wrappingTextBoxFlag xmlns:ma14="http://schemas.microsoft.com/office/mac/drawingml/2011/main" xmlns="" val="1"/>
               </a:ext>
             </a:extLst>
           </p:spPr>
@@ -17026,7 +17026,7 @@
             <a:effectLst/>
             <a:extLst>
               <a:ext uri="{C572A759-6A51-4108-AA02-DFA0A04FC94B}">
-                <ma14:wrappingTextBoxFlag xmlns="" xmlns:ma14="http://schemas.microsoft.com/office/mac/drawingml/2011/main" val="1"/>
+                <ma14:wrappingTextBoxFlag xmlns:ma14="http://schemas.microsoft.com/office/mac/drawingml/2011/main" xmlns="" val="1"/>
               </a:ext>
             </a:extLst>
           </p:spPr>
@@ -17188,7 +17188,7 @@
             <a:effectLst/>
             <a:extLst>
               <a:ext uri="{C572A759-6A51-4108-AA02-DFA0A04FC94B}">
-                <ma14:wrappingTextBoxFlag xmlns="" xmlns:ma14="http://schemas.microsoft.com/office/mac/drawingml/2011/main" val="1"/>
+                <ma14:wrappingTextBoxFlag xmlns:ma14="http://schemas.microsoft.com/office/mac/drawingml/2011/main" xmlns="" val="1"/>
               </a:ext>
             </a:extLst>
           </p:spPr>
@@ -17350,7 +17350,7 @@
             <a:effectLst/>
             <a:extLst>
               <a:ext uri="{C572A759-6A51-4108-AA02-DFA0A04FC94B}">
-                <ma14:wrappingTextBoxFlag xmlns="" xmlns:ma14="http://schemas.microsoft.com/office/mac/drawingml/2011/main" val="1"/>
+                <ma14:wrappingTextBoxFlag xmlns:ma14="http://schemas.microsoft.com/office/mac/drawingml/2011/main" xmlns="" val="1"/>
               </a:ext>
             </a:extLst>
           </p:spPr>
@@ -17512,7 +17512,7 @@
             <a:effectLst/>
             <a:extLst>
               <a:ext uri="{C572A759-6A51-4108-AA02-DFA0A04FC94B}">
-                <ma14:wrappingTextBoxFlag xmlns="" xmlns:ma14="http://schemas.microsoft.com/office/mac/drawingml/2011/main" val="1"/>
+                <ma14:wrappingTextBoxFlag xmlns:ma14="http://schemas.microsoft.com/office/mac/drawingml/2011/main" xmlns="" val="1"/>
               </a:ext>
             </a:extLst>
           </p:spPr>
@@ -17674,7 +17674,7 @@
             <a:effectLst/>
             <a:extLst>
               <a:ext uri="{C572A759-6A51-4108-AA02-DFA0A04FC94B}">
-                <ma14:wrappingTextBoxFlag xmlns="" xmlns:ma14="http://schemas.microsoft.com/office/mac/drawingml/2011/main" val="1"/>
+                <ma14:wrappingTextBoxFlag xmlns:ma14="http://schemas.microsoft.com/office/mac/drawingml/2011/main" xmlns="" val="1"/>
               </a:ext>
             </a:extLst>
           </p:spPr>
@@ -17836,7 +17836,7 @@
             <a:effectLst/>
             <a:extLst>
               <a:ext uri="{C572A759-6A51-4108-AA02-DFA0A04FC94B}">
-                <ma14:wrappingTextBoxFlag xmlns="" xmlns:ma14="http://schemas.microsoft.com/office/mac/drawingml/2011/main" val="1"/>
+                <ma14:wrappingTextBoxFlag xmlns:ma14="http://schemas.microsoft.com/office/mac/drawingml/2011/main" xmlns="" val="1"/>
               </a:ext>
             </a:extLst>
           </p:spPr>
@@ -17998,7 +17998,7 @@
             <a:effectLst/>
             <a:extLst>
               <a:ext uri="{C572A759-6A51-4108-AA02-DFA0A04FC94B}">
-                <ma14:wrappingTextBoxFlag xmlns="" xmlns:ma14="http://schemas.microsoft.com/office/mac/drawingml/2011/main" val="1"/>
+                <ma14:wrappingTextBoxFlag xmlns:ma14="http://schemas.microsoft.com/office/mac/drawingml/2011/main" xmlns="" val="1"/>
               </a:ext>
             </a:extLst>
           </p:spPr>
@@ -18160,7 +18160,7 @@
             <a:effectLst/>
             <a:extLst>
               <a:ext uri="{C572A759-6A51-4108-AA02-DFA0A04FC94B}">
-                <ma14:wrappingTextBoxFlag xmlns="" xmlns:ma14="http://schemas.microsoft.com/office/mac/drawingml/2011/main" val="1"/>
+                <ma14:wrappingTextBoxFlag xmlns:ma14="http://schemas.microsoft.com/office/mac/drawingml/2011/main" xmlns="" val="1"/>
               </a:ext>
             </a:extLst>
           </p:spPr>
@@ -18322,7 +18322,7 @@
             <a:effectLst/>
             <a:extLst>
               <a:ext uri="{C572A759-6A51-4108-AA02-DFA0A04FC94B}">
-                <ma14:wrappingTextBoxFlag xmlns="" xmlns:ma14="http://schemas.microsoft.com/office/mac/drawingml/2011/main" val="1"/>
+                <ma14:wrappingTextBoxFlag xmlns:ma14="http://schemas.microsoft.com/office/mac/drawingml/2011/main" xmlns="" val="1"/>
               </a:ext>
             </a:extLst>
           </p:spPr>
@@ -18444,7 +18444,7 @@
           </a:ln>
           <a:extLst>
             <a:ext uri="{C572A759-6A51-4108-AA02-DFA0A04FC94B}">
-              <ma14:wrappingTextBoxFlag xmlns="" xmlns:ma14="http://schemas.microsoft.com/office/mac/drawingml/2011/main" val="1"/>
+              <ma14:wrappingTextBoxFlag xmlns:ma14="http://schemas.microsoft.com/office/mac/drawingml/2011/main" xmlns="" val="1"/>
             </a:ext>
           </a:extLst>
         </p:spPr>
@@ -18492,7 +18492,7 @@
           </a:ln>
           <a:extLst>
             <a:ext uri="{C572A759-6A51-4108-AA02-DFA0A04FC94B}">
-              <ma14:wrappingTextBoxFlag xmlns="" xmlns:ma14="http://schemas.microsoft.com/office/mac/drawingml/2011/main" val="1"/>
+              <ma14:wrappingTextBoxFlag xmlns:ma14="http://schemas.microsoft.com/office/mac/drawingml/2011/main" xmlns="" val="1"/>
             </a:ext>
           </a:extLst>
         </p:spPr>
@@ -18827,7 +18827,7 @@
               <a:effectLst/>
               <a:extLst>
                 <a:ext uri="{C572A759-6A51-4108-AA02-DFA0A04FC94B}">
-                  <ma14:wrappingTextBoxFlag xmlns="" xmlns:ma14="http://schemas.microsoft.com/office/mac/drawingml/2011/main" val="1"/>
+                  <ma14:wrappingTextBoxFlag xmlns:ma14="http://schemas.microsoft.com/office/mac/drawingml/2011/main" xmlns="" val="1"/>
                 </a:ext>
               </a:extLst>
             </p:spPr>

--- a/powerpoint/templates/VirtualPrivateCloudEditablePPT.pptx
+++ b/powerpoint/templates/VirtualPrivateCloudEditablePPT.pptx
@@ -6210,7 +6210,7 @@
                       <a:latin typeface="Helvetica" panose="020B0604020202020204" pitchFamily="34" charset="0"/>
                       <a:cs typeface="Helvetica" panose="020B0604020202020204" pitchFamily="34" charset="0"/>
                     </a:rPr>
-                    <a:t>US South</a:t>
+                    <a:t>Region A</a:t>
                   </a:r>
                   <a:endParaRPr sz="1200" dirty="0">
                     <a:latin typeface="Helvetica" panose="020B0604020202020204" pitchFamily="34" charset="0"/>
@@ -6349,7 +6349,7 @@
                     <a:latin typeface="Helvetica" panose="020B0604020202020204" pitchFamily="34" charset="0"/>
                     <a:cs typeface="Helvetica" panose="020B0604020202020204" pitchFamily="34" charset="0"/>
                   </a:rPr>
-                  <a:t>VPC</a:t>
+                  <a:t>VPC 1</a:t>
                 </a:r>
                 <a:endParaRPr sz="1200" dirty="0">
                   <a:latin typeface="Helvetica" panose="020B0604020202020204" pitchFamily="34" charset="0"/>
@@ -12931,11 +12931,11 @@
                   <a:defRPr sz="1800"/>
                 </a:pPr>
                 <a:r>
-                  <a:rPr lang="en-US" sz="1200" dirty="0">
+                  <a:rPr lang="en-US" sz="1200" dirty="0" err="1">
                     <a:latin typeface="Helvetica" panose="020B0604020202020204" pitchFamily="34" charset="0"/>
                     <a:cs typeface="Helvetica" panose="020B0604020202020204" pitchFamily="34" charset="0"/>
                   </a:rPr>
-                  <a:t>DAL10</a:t>
+                  <a:t>DCnn</a:t>
                 </a:r>
                 <a:endParaRPr sz="1200" dirty="0">
                   <a:latin typeface="Helvetica" panose="020B0604020202020204" pitchFamily="34" charset="0"/>

--- a/powerpoint/templates/VirtualPrivateCloudEditablePPT.pptx
+++ b/powerpoint/templates/VirtualPrivateCloudEditablePPT.pptx
@@ -818,7 +818,7 @@
           </a:ln>
           <a:extLst>
             <a:ext uri="{C572A759-6A51-4108-AA02-DFA0A04FC94B}">
-              <ma14:wrappingTextBoxFlag xmlns:ma14="http://schemas.microsoft.com/office/mac/drawingml/2011/main" xmlns="" val="1"/>
+              <ma14:wrappingTextBoxFlag xmlns="" xmlns:ma14="http://schemas.microsoft.com/office/mac/drawingml/2011/main" val="1"/>
             </a:ext>
           </a:extLst>
         </p:spPr>
@@ -871,7 +871,7 @@
           </a:ln>
           <a:extLst>
             <a:ext uri="{C572A759-6A51-4108-AA02-DFA0A04FC94B}">
-              <ma14:wrappingTextBoxFlag xmlns:ma14="http://schemas.microsoft.com/office/mac/drawingml/2011/main" xmlns="" val="1"/>
+              <ma14:wrappingTextBoxFlag xmlns="" xmlns:ma14="http://schemas.microsoft.com/office/mac/drawingml/2011/main" val="1"/>
             </a:ext>
           </a:extLst>
         </p:spPr>
@@ -919,7 +919,7 @@
           </a:ln>
           <a:extLst>
             <a:ext uri="{C572A759-6A51-4108-AA02-DFA0A04FC94B}">
-              <ma14:wrappingTextBoxFlag xmlns:ma14="http://schemas.microsoft.com/office/mac/drawingml/2011/main" xmlns="" val="1"/>
+              <ma14:wrappingTextBoxFlag xmlns="" xmlns:ma14="http://schemas.microsoft.com/office/mac/drawingml/2011/main" val="1"/>
             </a:ext>
           </a:extLst>
         </p:spPr>
@@ -1007,7 +1007,7 @@
           </a:ln>
           <a:extLst>
             <a:ext uri="{C572A759-6A51-4108-AA02-DFA0A04FC94B}">
-              <ma14:wrappingTextBoxFlag xmlns:ma14="http://schemas.microsoft.com/office/mac/drawingml/2011/main" xmlns="" val="1"/>
+              <ma14:wrappingTextBoxFlag xmlns="" xmlns:ma14="http://schemas.microsoft.com/office/mac/drawingml/2011/main" val="1"/>
             </a:ext>
           </a:extLst>
         </p:spPr>
@@ -1060,7 +1060,7 @@
           </a:ln>
           <a:extLst>
             <a:ext uri="{C572A759-6A51-4108-AA02-DFA0A04FC94B}">
-              <ma14:wrappingTextBoxFlag xmlns:ma14="http://schemas.microsoft.com/office/mac/drawingml/2011/main" xmlns="" val="1"/>
+              <ma14:wrappingTextBoxFlag xmlns="" xmlns:ma14="http://schemas.microsoft.com/office/mac/drawingml/2011/main" val="1"/>
             </a:ext>
           </a:extLst>
         </p:spPr>
@@ -1108,7 +1108,7 @@
           </a:ln>
           <a:extLst>
             <a:ext uri="{C572A759-6A51-4108-AA02-DFA0A04FC94B}">
-              <ma14:wrappingTextBoxFlag xmlns:ma14="http://schemas.microsoft.com/office/mac/drawingml/2011/main" xmlns="" val="1"/>
+              <ma14:wrappingTextBoxFlag xmlns="" xmlns:ma14="http://schemas.microsoft.com/office/mac/drawingml/2011/main" val="1"/>
             </a:ext>
           </a:extLst>
         </p:spPr>
@@ -1272,7 +1272,7 @@
           </a:ln>
           <a:extLst>
             <a:ext uri="{C572A759-6A51-4108-AA02-DFA0A04FC94B}">
-              <ma14:wrappingTextBoxFlag xmlns:ma14="http://schemas.microsoft.com/office/mac/drawingml/2011/main" xmlns="" val="1"/>
+              <ma14:wrappingTextBoxFlag xmlns="" xmlns:ma14="http://schemas.microsoft.com/office/mac/drawingml/2011/main" val="1"/>
             </a:ext>
           </a:extLst>
         </p:spPr>
@@ -1325,7 +1325,7 @@
           </a:ln>
           <a:extLst>
             <a:ext uri="{C572A759-6A51-4108-AA02-DFA0A04FC94B}">
-              <ma14:wrappingTextBoxFlag xmlns:ma14="http://schemas.microsoft.com/office/mac/drawingml/2011/main" xmlns="" val="1"/>
+              <ma14:wrappingTextBoxFlag xmlns="" xmlns:ma14="http://schemas.microsoft.com/office/mac/drawingml/2011/main" val="1"/>
             </a:ext>
           </a:extLst>
         </p:spPr>
@@ -1373,7 +1373,7 @@
           </a:ln>
           <a:extLst>
             <a:ext uri="{C572A759-6A51-4108-AA02-DFA0A04FC94B}">
-              <ma14:wrappingTextBoxFlag xmlns:ma14="http://schemas.microsoft.com/office/mac/drawingml/2011/main" xmlns="" val="1"/>
+              <ma14:wrappingTextBoxFlag xmlns="" xmlns:ma14="http://schemas.microsoft.com/office/mac/drawingml/2011/main" val="1"/>
             </a:ext>
           </a:extLst>
         </p:spPr>
@@ -1563,7 +1563,7 @@
           </a:ln>
           <a:extLst>
             <a:ext uri="{C572A759-6A51-4108-AA02-DFA0A04FC94B}">
-              <ma14:wrappingTextBoxFlag xmlns:ma14="http://schemas.microsoft.com/office/mac/drawingml/2011/main" xmlns="" val="1"/>
+              <ma14:wrappingTextBoxFlag xmlns="" xmlns:ma14="http://schemas.microsoft.com/office/mac/drawingml/2011/main" val="1"/>
             </a:ext>
           </a:extLst>
         </p:spPr>
@@ -1701,7 +1701,7 @@
           </a:ln>
           <a:extLst>
             <a:ext uri="{C572A759-6A51-4108-AA02-DFA0A04FC94B}">
-              <ma14:wrappingTextBoxFlag xmlns:ma14="http://schemas.microsoft.com/office/mac/drawingml/2011/main" xmlns="" val="1"/>
+              <ma14:wrappingTextBoxFlag xmlns="" xmlns:ma14="http://schemas.microsoft.com/office/mac/drawingml/2011/main" val="1"/>
             </a:ext>
           </a:extLst>
         </p:spPr>
@@ -1754,7 +1754,7 @@
           </a:ln>
           <a:extLst>
             <a:ext uri="{C572A759-6A51-4108-AA02-DFA0A04FC94B}">
-              <ma14:wrappingTextBoxFlag xmlns:ma14="http://schemas.microsoft.com/office/mac/drawingml/2011/main" xmlns="" val="1"/>
+              <ma14:wrappingTextBoxFlag xmlns="" xmlns:ma14="http://schemas.microsoft.com/office/mac/drawingml/2011/main" val="1"/>
             </a:ext>
           </a:extLst>
         </p:spPr>
@@ -1828,7 +1828,7 @@
           </a:ln>
           <a:extLst>
             <a:ext uri="{C572A759-6A51-4108-AA02-DFA0A04FC94B}">
-              <ma14:wrappingTextBoxFlag xmlns:ma14="http://schemas.microsoft.com/office/mac/drawingml/2011/main" xmlns="" val="1"/>
+              <ma14:wrappingTextBoxFlag xmlns="" xmlns:ma14="http://schemas.microsoft.com/office/mac/drawingml/2011/main" val="1"/>
             </a:ext>
           </a:extLst>
         </p:spPr>
@@ -2797,7 +2797,7 @@
           </a:ln>
           <a:extLst>
             <a:ext uri="{C572A759-6A51-4108-AA02-DFA0A04FC94B}">
-              <ma14:wrappingTextBoxFlag xmlns:ma14="http://schemas.microsoft.com/office/mac/drawingml/2011/main" xmlns="" val="1"/>
+              <ma14:wrappingTextBoxFlag xmlns="" xmlns:ma14="http://schemas.microsoft.com/office/mac/drawingml/2011/main" val="1"/>
             </a:ext>
           </a:extLst>
         </p:spPr>
@@ -2840,7 +2840,7 @@
           </a:ln>
           <a:extLst>
             <a:ext uri="{C572A759-6A51-4108-AA02-DFA0A04FC94B}">
-              <ma14:wrappingTextBoxFlag xmlns:ma14="http://schemas.microsoft.com/office/mac/drawingml/2011/main" xmlns="" val="1"/>
+              <ma14:wrappingTextBoxFlag xmlns="" xmlns:ma14="http://schemas.microsoft.com/office/mac/drawingml/2011/main" val="1"/>
             </a:ext>
           </a:extLst>
         </p:spPr>
@@ -3288,7 +3288,7 @@
           </a:ln>
           <a:extLst>
             <a:ext uri="{C572A759-6A51-4108-AA02-DFA0A04FC94B}">
-              <ma14:wrappingTextBoxFlag xmlns:ma14="http://schemas.microsoft.com/office/mac/drawingml/2011/main" xmlns="" val="1"/>
+              <ma14:wrappingTextBoxFlag xmlns="" xmlns:ma14="http://schemas.microsoft.com/office/mac/drawingml/2011/main" val="1"/>
             </a:ext>
           </a:extLst>
         </p:spPr>
@@ -3337,7 +3337,7 @@
           </a:ln>
           <a:extLst>
             <a:ext uri="{C572A759-6A51-4108-AA02-DFA0A04FC94B}">
-              <ma14:wrappingTextBoxFlag xmlns:ma14="http://schemas.microsoft.com/office/mac/drawingml/2011/main" xmlns="" val="1"/>
+              <ma14:wrappingTextBoxFlag xmlns="" xmlns:ma14="http://schemas.microsoft.com/office/mac/drawingml/2011/main" val="1"/>
             </a:ext>
           </a:extLst>
         </p:spPr>
@@ -5172,7 +5172,7 @@
                 </a:ln>
                 <a:extLst>
                   <a:ext uri="{C572A759-6A51-4108-AA02-DFA0A04FC94B}">
-                    <ma14:wrappingTextBoxFlag xmlns="" xmlns:ma14="http://schemas.microsoft.com/office/mac/drawingml/2011/main" val="1"/>
+                    <ma14:wrappingTextBoxFlag xmlns:ma14="http://schemas.microsoft.com/office/mac/drawingml/2011/main" xmlns="" val="1"/>
                   </a:ext>
                 </a:extLst>
               </p:spPr>
@@ -5259,7 +5259,7 @@
                 </a:ln>
                 <a:extLst>
                   <a:ext uri="{C572A759-6A51-4108-AA02-DFA0A04FC94B}">
-                    <ma14:wrappingTextBoxFlag xmlns="" xmlns:ma14="http://schemas.microsoft.com/office/mac/drawingml/2011/main" val="1"/>
+                    <ma14:wrappingTextBoxFlag xmlns:ma14="http://schemas.microsoft.com/office/mac/drawingml/2011/main" xmlns="" val="1"/>
                   </a:ext>
                 </a:extLst>
               </p:spPr>
@@ -5413,7 +5413,7 @@
             </p:nvSpPr>
             <p:spPr>
               <a:xfrm>
-                <a:off x="4989639" y="2104568"/>
+                <a:off x="4970914" y="2134744"/>
                 <a:ext cx="1312514" cy="2305819"/>
               </a:xfrm>
               <a:prstGeom prst="roundRect">
@@ -6024,7 +6024,7 @@
               </a:ln>
               <a:extLst>
                 <a:ext uri="{C572A759-6A51-4108-AA02-DFA0A04FC94B}">
-                  <ma14:wrappingTextBoxFlag xmlns="" xmlns:ma14="http://schemas.microsoft.com/office/mac/drawingml/2011/main" val="1"/>
+                  <ma14:wrappingTextBoxFlag xmlns:ma14="http://schemas.microsoft.com/office/mac/drawingml/2011/main" xmlns="" val="1"/>
                 </a:ext>
               </a:extLst>
             </p:spPr>
@@ -6183,7 +6183,7 @@
                 </a:ln>
                 <a:extLst>
                   <a:ext uri="{C572A759-6A51-4108-AA02-DFA0A04FC94B}">
-                    <ma14:wrappingTextBoxFlag xmlns="" xmlns:ma14="http://schemas.microsoft.com/office/mac/drawingml/2011/main" val="1"/>
+                    <ma14:wrappingTextBoxFlag xmlns:ma14="http://schemas.microsoft.com/office/mac/drawingml/2011/main" xmlns="" val="1"/>
                   </a:ext>
                 </a:extLst>
               </p:spPr>
@@ -6322,7 +6322,7 @@
               </a:ln>
               <a:extLst>
                 <a:ext uri="{C572A759-6A51-4108-AA02-DFA0A04FC94B}">
-                  <ma14:wrappingTextBoxFlag xmlns="" xmlns:ma14="http://schemas.microsoft.com/office/mac/drawingml/2011/main" val="1"/>
+                  <ma14:wrappingTextBoxFlag xmlns:ma14="http://schemas.microsoft.com/office/mac/drawingml/2011/main" xmlns="" val="1"/>
                 </a:ext>
               </a:extLst>
             </p:spPr>
@@ -6383,7 +6383,7 @@
               </a:ln>
               <a:extLst>
                 <a:ext uri="{C572A759-6A51-4108-AA02-DFA0A04FC94B}">
-                  <ma14:wrappingTextBoxFlag xmlns="" xmlns:ma14="http://schemas.microsoft.com/office/mac/drawingml/2011/main" val="1"/>
+                  <ma14:wrappingTextBoxFlag xmlns:ma14="http://schemas.microsoft.com/office/mac/drawingml/2011/main" xmlns="" val="1"/>
                 </a:ext>
               </a:extLst>
             </p:spPr>
@@ -6444,7 +6444,7 @@
               </a:ln>
               <a:extLst>
                 <a:ext uri="{C572A759-6A51-4108-AA02-DFA0A04FC94B}">
-                  <ma14:wrappingTextBoxFlag xmlns="" xmlns:ma14="http://schemas.microsoft.com/office/mac/drawingml/2011/main" val="1"/>
+                  <ma14:wrappingTextBoxFlag xmlns:ma14="http://schemas.microsoft.com/office/mac/drawingml/2011/main" xmlns="" val="1"/>
                 </a:ext>
               </a:extLst>
             </p:spPr>
@@ -6572,8 +6572,8 @@
             </p:nvSpPr>
             <p:spPr>
               <a:xfrm>
-                <a:off x="2105327" y="1568794"/>
-                <a:ext cx="1250568" cy="287258"/>
+                <a:off x="2086662" y="1517875"/>
+                <a:ext cx="1901237" cy="471924"/>
               </a:xfrm>
               <a:prstGeom prst="rect">
                 <a:avLst/>
@@ -6583,7 +6583,7 @@
               </a:ln>
               <a:extLst>
                 <a:ext uri="{C572A759-6A51-4108-AA02-DFA0A04FC94B}">
-                  <ma14:wrappingTextBoxFlag xmlns="" xmlns:ma14="http://schemas.microsoft.com/office/mac/drawingml/2011/main" val="1"/>
+                  <ma14:wrappingTextBoxFlag xmlns:ma14="http://schemas.microsoft.com/office/mac/drawingml/2011/main" xmlns="" val="1"/>
                 </a:ext>
               </a:extLst>
             </p:spPr>
@@ -6610,7 +6610,19 @@
                     <a:latin typeface="Helvetica" panose="020B0604020202020204" pitchFamily="34" charset="0"/>
                     <a:cs typeface="Helvetica" panose="020B0604020202020204" pitchFamily="34" charset="0"/>
                   </a:rPr>
-                  <a:t>Zone 1</a:t>
+                  <a:t>Zone 1 </a:t>
+                </a:r>
+              </a:p>
+              <a:p>
+                <a:pPr lvl="0">
+                  <a:defRPr sz="1800"/>
+                </a:pPr>
+                <a:r>
+                  <a:rPr lang="en-US" sz="1200" dirty="0">
+                    <a:latin typeface="Helvetica" panose="020B0604020202020204" pitchFamily="34" charset="0"/>
+                    <a:cs typeface="Helvetica" panose="020B0604020202020204" pitchFamily="34" charset="0"/>
+                  </a:rPr>
+                  <a:t>10.10.0.0/16</a:t>
                 </a:r>
                 <a:endParaRPr sz="1200" dirty="0">
                   <a:latin typeface="Helvetica" panose="020B0604020202020204" pitchFamily="34" charset="0"/>
@@ -6711,8 +6723,8 @@
             </p:nvSpPr>
             <p:spPr>
               <a:xfrm>
-                <a:off x="5250654" y="1595564"/>
-                <a:ext cx="1250568" cy="287258"/>
+                <a:off x="5249905" y="1528618"/>
+                <a:ext cx="1250568" cy="471924"/>
               </a:xfrm>
               <a:prstGeom prst="rect">
                 <a:avLst/>
@@ -6722,7 +6734,7 @@
               </a:ln>
               <a:extLst>
                 <a:ext uri="{C572A759-6A51-4108-AA02-DFA0A04FC94B}">
-                  <ma14:wrappingTextBoxFlag xmlns="" xmlns:ma14="http://schemas.microsoft.com/office/mac/drawingml/2011/main" val="1"/>
+                  <ma14:wrappingTextBoxFlag xmlns:ma14="http://schemas.microsoft.com/office/mac/drawingml/2011/main" xmlns="" val="1"/>
                 </a:ext>
               </a:extLst>
             </p:spPr>
@@ -6750,6 +6762,18 @@
                     <a:cs typeface="Helvetica" panose="020B0604020202020204" pitchFamily="34" charset="0"/>
                   </a:rPr>
                   <a:t>Zone 2</a:t>
+                </a:r>
+              </a:p>
+              <a:p>
+                <a:pPr lvl="0">
+                  <a:defRPr sz="1800"/>
+                </a:pPr>
+                <a:r>
+                  <a:rPr lang="en-US" sz="1200" dirty="0">
+                    <a:latin typeface="Helvetica" panose="020B0604020202020204" pitchFamily="34" charset="0"/>
+                    <a:cs typeface="Helvetica" panose="020B0604020202020204" pitchFamily="34" charset="0"/>
+                  </a:rPr>
+                  <a:t>10.20.0.0/16</a:t>
                 </a:r>
                 <a:endParaRPr sz="1200" dirty="0">
                   <a:latin typeface="Helvetica" panose="020B0604020202020204" pitchFamily="34" charset="0"/>
@@ -7079,7 +7103,7 @@
               </a:ln>
               <a:extLst>
                 <a:ext uri="{C572A759-6A51-4108-AA02-DFA0A04FC94B}">
-                  <ma14:wrappingTextBoxFlag xmlns="" xmlns:ma14="http://schemas.microsoft.com/office/mac/drawingml/2011/main" val="1"/>
+                  <ma14:wrappingTextBoxFlag xmlns:ma14="http://schemas.microsoft.com/office/mac/drawingml/2011/main" xmlns="" val="1"/>
                 </a:ext>
               </a:extLst>
             </p:spPr>
@@ -7140,7 +7164,7 @@
               </a:ln>
               <a:extLst>
                 <a:ext uri="{C572A759-6A51-4108-AA02-DFA0A04FC94B}">
-                  <ma14:wrappingTextBoxFlag xmlns="" xmlns:ma14="http://schemas.microsoft.com/office/mac/drawingml/2011/main" val="1"/>
+                  <ma14:wrappingTextBoxFlag xmlns:ma14="http://schemas.microsoft.com/office/mac/drawingml/2011/main" xmlns="" val="1"/>
                 </a:ext>
               </a:extLst>
             </p:spPr>
@@ -7202,7 +7226,7 @@
             </p:nvSpPr>
             <p:spPr>
               <a:xfrm>
-                <a:off x="5330161" y="2057200"/>
+                <a:off x="5379181" y="2125123"/>
                 <a:ext cx="1250568" cy="471924"/>
               </a:xfrm>
               <a:prstGeom prst="rect">
@@ -7213,7 +7237,7 @@
               </a:ln>
               <a:extLst>
                 <a:ext uri="{C572A759-6A51-4108-AA02-DFA0A04FC94B}">
-                  <ma14:wrappingTextBoxFlag xmlns="" xmlns:ma14="http://schemas.microsoft.com/office/mac/drawingml/2011/main" val="1"/>
+                  <ma14:wrappingTextBoxFlag xmlns:ma14="http://schemas.microsoft.com/office/mac/drawingml/2011/main" xmlns="" val="1"/>
                 </a:ext>
               </a:extLst>
             </p:spPr>
@@ -7275,7 +7299,7 @@
             </p:nvSpPr>
             <p:spPr>
               <a:xfrm>
-                <a:off x="2953031" y="4850934"/>
+                <a:off x="2987811" y="4851300"/>
                 <a:ext cx="1250568" cy="471924"/>
               </a:xfrm>
               <a:prstGeom prst="rect">
@@ -7286,7 +7310,7 @@
               </a:ln>
               <a:extLst>
                 <a:ext uri="{C572A759-6A51-4108-AA02-DFA0A04FC94B}">
-                  <ma14:wrappingTextBoxFlag xmlns="" xmlns:ma14="http://schemas.microsoft.com/office/mac/drawingml/2011/main" val="1"/>
+                  <ma14:wrappingTextBoxFlag xmlns:ma14="http://schemas.microsoft.com/office/mac/drawingml/2011/main" xmlns="" val="1"/>
                 </a:ext>
               </a:extLst>
             </p:spPr>
@@ -7348,7 +7372,7 @@
             </p:nvSpPr>
             <p:spPr>
               <a:xfrm>
-                <a:off x="5388619" y="4864319"/>
+                <a:off x="5404769" y="4848080"/>
                 <a:ext cx="1250568" cy="471924"/>
               </a:xfrm>
               <a:prstGeom prst="rect">
@@ -7359,7 +7383,7 @@
               </a:ln>
               <a:extLst>
                 <a:ext uri="{C572A759-6A51-4108-AA02-DFA0A04FC94B}">
-                  <ma14:wrappingTextBoxFlag xmlns="" xmlns:ma14="http://schemas.microsoft.com/office/mac/drawingml/2011/main" val="1"/>
+                  <ma14:wrappingTextBoxFlag xmlns:ma14="http://schemas.microsoft.com/office/mac/drawingml/2011/main" xmlns="" val="1"/>
                 </a:ext>
               </a:extLst>
             </p:spPr>
@@ -7432,7 +7456,7 @@
               </a:ln>
               <a:extLst>
                 <a:ext uri="{C572A759-6A51-4108-AA02-DFA0A04FC94B}">
-                  <ma14:wrappingTextBoxFlag xmlns="" xmlns:ma14="http://schemas.microsoft.com/office/mac/drawingml/2011/main" val="1"/>
+                  <ma14:wrappingTextBoxFlag xmlns:ma14="http://schemas.microsoft.com/office/mac/drawingml/2011/main" xmlns="" val="1"/>
                 </a:ext>
               </a:extLst>
             </p:spPr>
@@ -7493,7 +7517,7 @@
               </a:ln>
               <a:extLst>
                 <a:ext uri="{C572A759-6A51-4108-AA02-DFA0A04FC94B}">
-                  <ma14:wrappingTextBoxFlag xmlns="" xmlns:ma14="http://schemas.microsoft.com/office/mac/drawingml/2011/main" val="1"/>
+                  <ma14:wrappingTextBoxFlag xmlns:ma14="http://schemas.microsoft.com/office/mac/drawingml/2011/main" xmlns="" val="1"/>
                 </a:ext>
               </a:extLst>
             </p:spPr>
@@ -7543,7 +7567,7 @@
             </p:nvSpPr>
             <p:spPr>
               <a:xfrm>
-                <a:off x="5124598" y="4174498"/>
+                <a:off x="5124597" y="4216518"/>
                 <a:ext cx="1250568" cy="287258"/>
               </a:xfrm>
               <a:prstGeom prst="rect">
@@ -7554,7 +7578,7 @@
               </a:ln>
               <a:extLst>
                 <a:ext uri="{C572A759-6A51-4108-AA02-DFA0A04FC94B}">
-                  <ma14:wrappingTextBoxFlag xmlns="" xmlns:ma14="http://schemas.microsoft.com/office/mac/drawingml/2011/main" val="1"/>
+                  <ma14:wrappingTextBoxFlag xmlns:ma14="http://schemas.microsoft.com/office/mac/drawingml/2011/main" xmlns="" val="1"/>
                 </a:ext>
               </a:extLst>
             </p:spPr>
@@ -7581,7 +7605,7 @@
                     <a:latin typeface="Helvetica" panose="020B0604020202020204" pitchFamily="34" charset="0"/>
                     <a:cs typeface="Helvetica" panose="020B0604020202020204" pitchFamily="34" charset="0"/>
                   </a:rPr>
-                  <a:t>10.10.30.0/24</a:t>
+                  <a:t>10.20.30.0/24</a:t>
                 </a:r>
                 <a:endParaRPr sz="1200" dirty="0">
                   <a:latin typeface="Helvetica" panose="020B0604020202020204" pitchFamily="34" charset="0"/>
@@ -7604,7 +7628,7 @@
             </p:nvSpPr>
             <p:spPr>
               <a:xfrm>
-                <a:off x="5170271" y="6459671"/>
+                <a:off x="5119914" y="6459452"/>
                 <a:ext cx="1250568" cy="287258"/>
               </a:xfrm>
               <a:prstGeom prst="rect">
@@ -7615,7 +7639,7 @@
               </a:ln>
               <a:extLst>
                 <a:ext uri="{C572A759-6A51-4108-AA02-DFA0A04FC94B}">
-                  <ma14:wrappingTextBoxFlag xmlns="" xmlns:ma14="http://schemas.microsoft.com/office/mac/drawingml/2011/main" val="1"/>
+                  <ma14:wrappingTextBoxFlag xmlns:ma14="http://schemas.microsoft.com/office/mac/drawingml/2011/main" xmlns="" val="1"/>
                 </a:ext>
               </a:extLst>
             </p:spPr>
@@ -7642,7 +7666,7 @@
                     <a:latin typeface="Helvetica" panose="020B0604020202020204" pitchFamily="34" charset="0"/>
                     <a:cs typeface="Helvetica" panose="020B0604020202020204" pitchFamily="34" charset="0"/>
                   </a:rPr>
-                  <a:t>10.10.40.0/24</a:t>
+                  <a:t>10.20.40.0/24</a:t>
                 </a:r>
                 <a:endParaRPr sz="1200" dirty="0">
                   <a:latin typeface="Helvetica" panose="020B0604020202020204" pitchFamily="34" charset="0"/>
@@ -8102,7 +8126,7 @@
               </a:ln>
               <a:extLst>
                 <a:ext uri="{C572A759-6A51-4108-AA02-DFA0A04FC94B}">
-                  <ma14:wrappingTextBoxFlag xmlns="" xmlns:ma14="http://schemas.microsoft.com/office/mac/drawingml/2011/main" val="1"/>
+                  <ma14:wrappingTextBoxFlag xmlns:ma14="http://schemas.microsoft.com/office/mac/drawingml/2011/main" xmlns="" val="1"/>
                 </a:ext>
               </a:extLst>
             </p:spPr>
@@ -8175,7 +8199,7 @@
               </a:ln>
               <a:extLst>
                 <a:ext uri="{C572A759-6A51-4108-AA02-DFA0A04FC94B}">
-                  <ma14:wrappingTextBoxFlag xmlns="" xmlns:ma14="http://schemas.microsoft.com/office/mac/drawingml/2011/main" val="1"/>
+                  <ma14:wrappingTextBoxFlag xmlns:ma14="http://schemas.microsoft.com/office/mac/drawingml/2011/main" xmlns="" val="1"/>
                 </a:ext>
               </a:extLst>
             </p:spPr>
@@ -8248,7 +8272,7 @@
               </a:ln>
               <a:extLst>
                 <a:ext uri="{C572A759-6A51-4108-AA02-DFA0A04FC94B}">
-                  <ma14:wrappingTextBoxFlag xmlns="" xmlns:ma14="http://schemas.microsoft.com/office/mac/drawingml/2011/main" val="1"/>
+                  <ma14:wrappingTextBoxFlag xmlns:ma14="http://schemas.microsoft.com/office/mac/drawingml/2011/main" xmlns="" val="1"/>
                 </a:ext>
               </a:extLst>
             </p:spPr>
@@ -8318,7 +8342,7 @@
               </a:ln>
               <a:extLst>
                 <a:ext uri="{C572A759-6A51-4108-AA02-DFA0A04FC94B}">
-                  <ma14:wrappingTextBoxFlag xmlns="" xmlns:ma14="http://schemas.microsoft.com/office/mac/drawingml/2011/main" val="1"/>
+                  <ma14:wrappingTextBoxFlag xmlns:ma14="http://schemas.microsoft.com/office/mac/drawingml/2011/main" xmlns="" val="1"/>
                 </a:ext>
               </a:extLst>
             </p:spPr>
@@ -8379,7 +8403,7 @@
               </a:ln>
               <a:extLst>
                 <a:ext uri="{C572A759-6A51-4108-AA02-DFA0A04FC94B}">
-                  <ma14:wrappingTextBoxFlag xmlns="" xmlns:ma14="http://schemas.microsoft.com/office/mac/drawingml/2011/main" val="1"/>
+                  <ma14:wrappingTextBoxFlag xmlns:ma14="http://schemas.microsoft.com/office/mac/drawingml/2011/main" xmlns="" val="1"/>
                 </a:ext>
               </a:extLst>
             </p:spPr>
@@ -8440,7 +8464,7 @@
               </a:ln>
               <a:extLst>
                 <a:ext uri="{C572A759-6A51-4108-AA02-DFA0A04FC94B}">
-                  <ma14:wrappingTextBoxFlag xmlns="" xmlns:ma14="http://schemas.microsoft.com/office/mac/drawingml/2011/main" val="1"/>
+                  <ma14:wrappingTextBoxFlag xmlns:ma14="http://schemas.microsoft.com/office/mac/drawingml/2011/main" xmlns="" val="1"/>
                 </a:ext>
               </a:extLst>
             </p:spPr>
@@ -8501,7 +8525,7 @@
               </a:ln>
               <a:extLst>
                 <a:ext uri="{C572A759-6A51-4108-AA02-DFA0A04FC94B}">
-                  <ma14:wrappingTextBoxFlag xmlns="" xmlns:ma14="http://schemas.microsoft.com/office/mac/drawingml/2011/main" val="1"/>
+                  <ma14:wrappingTextBoxFlag xmlns:ma14="http://schemas.microsoft.com/office/mac/drawingml/2011/main" xmlns="" val="1"/>
                 </a:ext>
               </a:extLst>
             </p:spPr>
@@ -8562,7 +8586,7 @@
               </a:ln>
               <a:extLst>
                 <a:ext uri="{C572A759-6A51-4108-AA02-DFA0A04FC94B}">
-                  <ma14:wrappingTextBoxFlag xmlns="" xmlns:ma14="http://schemas.microsoft.com/office/mac/drawingml/2011/main" val="1"/>
+                  <ma14:wrappingTextBoxFlag xmlns:ma14="http://schemas.microsoft.com/office/mac/drawingml/2011/main" xmlns="" val="1"/>
                 </a:ext>
               </a:extLst>
             </p:spPr>
@@ -8623,7 +8647,7 @@
               </a:ln>
               <a:extLst>
                 <a:ext uri="{C572A759-6A51-4108-AA02-DFA0A04FC94B}">
-                  <ma14:wrappingTextBoxFlag xmlns="" xmlns:ma14="http://schemas.microsoft.com/office/mac/drawingml/2011/main" val="1"/>
+                  <ma14:wrappingTextBoxFlag xmlns:ma14="http://schemas.microsoft.com/office/mac/drawingml/2011/main" xmlns="" val="1"/>
                 </a:ext>
               </a:extLst>
             </p:spPr>
@@ -8684,7 +8708,7 @@
               </a:ln>
               <a:extLst>
                 <a:ext uri="{C572A759-6A51-4108-AA02-DFA0A04FC94B}">
-                  <ma14:wrappingTextBoxFlag xmlns="" xmlns:ma14="http://schemas.microsoft.com/office/mac/drawingml/2011/main" val="1"/>
+                  <ma14:wrappingTextBoxFlag xmlns:ma14="http://schemas.microsoft.com/office/mac/drawingml/2011/main" xmlns="" val="1"/>
                 </a:ext>
               </a:extLst>
             </p:spPr>
@@ -8792,7 +8816,7 @@
               </a:ln>
               <a:extLst>
                 <a:ext uri="{C572A759-6A51-4108-AA02-DFA0A04FC94B}">
-                  <ma14:wrappingTextBoxFlag xmlns="" xmlns:ma14="http://schemas.microsoft.com/office/mac/drawingml/2011/main" val="1"/>
+                  <ma14:wrappingTextBoxFlag xmlns:ma14="http://schemas.microsoft.com/office/mac/drawingml/2011/main" xmlns="" val="1"/>
                 </a:ext>
               </a:extLst>
             </p:spPr>
@@ -8896,7 +8920,7 @@
               </a:ln>
               <a:extLst>
                 <a:ext uri="{C572A759-6A51-4108-AA02-DFA0A04FC94B}">
-                  <ma14:wrappingTextBoxFlag xmlns="" xmlns:ma14="http://schemas.microsoft.com/office/mac/drawingml/2011/main" val="1"/>
+                  <ma14:wrappingTextBoxFlag xmlns:ma14="http://schemas.microsoft.com/office/mac/drawingml/2011/main" xmlns="" val="1"/>
                 </a:ext>
               </a:extLst>
             </p:spPr>
@@ -8957,7 +8981,7 @@
               </a:ln>
               <a:extLst>
                 <a:ext uri="{C572A759-6A51-4108-AA02-DFA0A04FC94B}">
-                  <ma14:wrappingTextBoxFlag xmlns="" xmlns:ma14="http://schemas.microsoft.com/office/mac/drawingml/2011/main" val="1"/>
+                  <ma14:wrappingTextBoxFlag xmlns:ma14="http://schemas.microsoft.com/office/mac/drawingml/2011/main" xmlns="" val="1"/>
                 </a:ext>
               </a:extLst>
             </p:spPr>
@@ -9018,7 +9042,7 @@
               </a:ln>
               <a:extLst>
                 <a:ext uri="{C572A759-6A51-4108-AA02-DFA0A04FC94B}">
-                  <ma14:wrappingTextBoxFlag xmlns="" xmlns:ma14="http://schemas.microsoft.com/office/mac/drawingml/2011/main" val="1"/>
+                  <ma14:wrappingTextBoxFlag xmlns:ma14="http://schemas.microsoft.com/office/mac/drawingml/2011/main" xmlns="" val="1"/>
                 </a:ext>
               </a:extLst>
             </p:spPr>
@@ -9649,7 +9673,7 @@
               </a:ln>
               <a:extLst>
                 <a:ext uri="{C572A759-6A51-4108-AA02-DFA0A04FC94B}">
-                  <ma14:wrappingTextBoxFlag xmlns="" xmlns:ma14="http://schemas.microsoft.com/office/mac/drawingml/2011/main" val="1"/>
+                  <ma14:wrappingTextBoxFlag xmlns:ma14="http://schemas.microsoft.com/office/mac/drawingml/2011/main" xmlns="" val="1"/>
                 </a:ext>
               </a:extLst>
             </p:spPr>
@@ -10053,7 +10077,7 @@
               </a:ln>
               <a:extLst>
                 <a:ext uri="{C572A759-6A51-4108-AA02-DFA0A04FC94B}">
-                  <ma14:wrappingTextBoxFlag xmlns="" xmlns:ma14="http://schemas.microsoft.com/office/mac/drawingml/2011/main" val="1"/>
+                  <ma14:wrappingTextBoxFlag xmlns:ma14="http://schemas.microsoft.com/office/mac/drawingml/2011/main" xmlns="" val="1"/>
                 </a:ext>
               </a:extLst>
             </p:spPr>
@@ -10114,7 +10138,7 @@
               </a:ln>
               <a:extLst>
                 <a:ext uri="{C572A759-6A51-4108-AA02-DFA0A04FC94B}">
-                  <ma14:wrappingTextBoxFlag xmlns="" xmlns:ma14="http://schemas.microsoft.com/office/mac/drawingml/2011/main" val="1"/>
+                  <ma14:wrappingTextBoxFlag xmlns:ma14="http://schemas.microsoft.com/office/mac/drawingml/2011/main" xmlns="" val="1"/>
                 </a:ext>
               </a:extLst>
             </p:spPr>
@@ -10591,7 +10615,7 @@
               </a:ln>
               <a:extLst>
                 <a:ext uri="{C572A759-6A51-4108-AA02-DFA0A04FC94B}">
-                  <ma14:wrappingTextBoxFlag xmlns="" xmlns:ma14="http://schemas.microsoft.com/office/mac/drawingml/2011/main" val="1"/>
+                  <ma14:wrappingTextBoxFlag xmlns:ma14="http://schemas.microsoft.com/office/mac/drawingml/2011/main" xmlns="" val="1"/>
                 </a:ext>
               </a:extLst>
             </p:spPr>
@@ -11422,7 +11446,7 @@
               </a:ln>
               <a:extLst>
                 <a:ext uri="{C572A759-6A51-4108-AA02-DFA0A04FC94B}">
-                  <ma14:wrappingTextBoxFlag xmlns="" xmlns:ma14="http://schemas.microsoft.com/office/mac/drawingml/2011/main" val="1"/>
+                  <ma14:wrappingTextBoxFlag xmlns:ma14="http://schemas.microsoft.com/office/mac/drawingml/2011/main" xmlns="" val="1"/>
                 </a:ext>
               </a:extLst>
             </p:spPr>
@@ -11734,7 +11758,7 @@
               </a:ln>
               <a:extLst>
                 <a:ext uri="{C572A759-6A51-4108-AA02-DFA0A04FC94B}">
-                  <ma14:wrappingTextBoxFlag xmlns="" xmlns:ma14="http://schemas.microsoft.com/office/mac/drawingml/2011/main" val="1"/>
+                  <ma14:wrappingTextBoxFlag xmlns:ma14="http://schemas.microsoft.com/office/mac/drawingml/2011/main" xmlns="" val="1"/>
                 </a:ext>
               </a:extLst>
             </p:spPr>
@@ -12017,7 +12041,7 @@
               </a:ln>
               <a:extLst>
                 <a:ext uri="{C572A759-6A51-4108-AA02-DFA0A04FC94B}">
-                  <ma14:wrappingTextBoxFlag xmlns="" xmlns:ma14="http://schemas.microsoft.com/office/mac/drawingml/2011/main" val="1"/>
+                  <ma14:wrappingTextBoxFlag xmlns:ma14="http://schemas.microsoft.com/office/mac/drawingml/2011/main" xmlns="" val="1"/>
                 </a:ext>
               </a:extLst>
             </p:spPr>
@@ -12222,7 +12246,7 @@
               </a:ln>
               <a:extLst>
                 <a:ext uri="{C572A759-6A51-4108-AA02-DFA0A04FC94B}">
-                  <ma14:wrappingTextBoxFlag xmlns="" xmlns:ma14="http://schemas.microsoft.com/office/mac/drawingml/2011/main" val="1"/>
+                  <ma14:wrappingTextBoxFlag xmlns:ma14="http://schemas.microsoft.com/office/mac/drawingml/2011/main" xmlns="" val="1"/>
                 </a:ext>
               </a:extLst>
             </p:spPr>
@@ -12425,7 +12449,7 @@
               </a:ln>
               <a:extLst>
                 <a:ext uri="{C572A759-6A51-4108-AA02-DFA0A04FC94B}">
-                  <ma14:wrappingTextBoxFlag xmlns="" xmlns:ma14="http://schemas.microsoft.com/office/mac/drawingml/2011/main" val="1"/>
+                  <ma14:wrappingTextBoxFlag xmlns:ma14="http://schemas.microsoft.com/office/mac/drawingml/2011/main" xmlns="" val="1"/>
                 </a:ext>
               </a:extLst>
             </p:spPr>
@@ -12628,7 +12652,7 @@
               </a:ln>
               <a:extLst>
                 <a:ext uri="{C572A759-6A51-4108-AA02-DFA0A04FC94B}">
-                  <ma14:wrappingTextBoxFlag xmlns="" xmlns:ma14="http://schemas.microsoft.com/office/mac/drawingml/2011/main" val="1"/>
+                  <ma14:wrappingTextBoxFlag xmlns:ma14="http://schemas.microsoft.com/office/mac/drawingml/2011/main" xmlns="" val="1"/>
                 </a:ext>
               </a:extLst>
             </p:spPr>
@@ -12908,7 +12932,7 @@
               </a:ln>
               <a:extLst>
                 <a:ext uri="{C572A759-6A51-4108-AA02-DFA0A04FC94B}">
-                  <ma14:wrappingTextBoxFlag xmlns="" xmlns:ma14="http://schemas.microsoft.com/office/mac/drawingml/2011/main" val="1"/>
+                  <ma14:wrappingTextBoxFlag xmlns:ma14="http://schemas.microsoft.com/office/mac/drawingml/2011/main" xmlns="" val="1"/>
                 </a:ext>
               </a:extLst>
             </p:spPr>
@@ -14284,9 +14308,9 @@
             </p:nvGrpSpPr>
             <p:grpSpPr>
               <a:xfrm>
-                <a:off x="4973878" y="2099750"/>
+                <a:off x="4992845" y="2131796"/>
                 <a:ext cx="365760" cy="365760"/>
-                <a:chOff x="7370747" y="5220061"/>
+                <a:chOff x="7418164" y="5300176"/>
                 <a:chExt cx="914400" cy="914400"/>
               </a:xfrm>
             </p:grpSpPr>
@@ -14304,7 +14328,7 @@
               </p:nvSpPr>
               <p:spPr>
                 <a:xfrm>
-                  <a:off x="7370747" y="5220061"/>
+                  <a:off x="7418164" y="5300176"/>
                   <a:ext cx="914400" cy="914400"/>
                 </a:xfrm>
                 <a:prstGeom prst="roundRect">
@@ -14391,8 +14415,8 @@
               </p:blipFill>
               <p:spPr>
                 <a:xfrm>
-                  <a:off x="7517413" y="5336322"/>
-                  <a:ext cx="645525" cy="692029"/>
+                  <a:off x="7546644" y="5386308"/>
+                  <a:ext cx="645525" cy="692030"/>
                 </a:xfrm>
                 <a:prstGeom prst="rect">
                   <a:avLst/>
@@ -14414,9 +14438,9 @@
             </p:nvGrpSpPr>
             <p:grpSpPr>
               <a:xfrm>
-                <a:off x="5011750" y="4843210"/>
+                <a:off x="5021046" y="4874575"/>
                 <a:ext cx="365760" cy="365760"/>
-                <a:chOff x="7884633" y="5500179"/>
+                <a:chOff x="7907873" y="5578591"/>
                 <a:chExt cx="914400" cy="914400"/>
               </a:xfrm>
             </p:grpSpPr>
@@ -14434,7 +14458,7 @@
               </p:nvSpPr>
               <p:spPr>
                 <a:xfrm>
-                  <a:off x="7884633" y="5500179"/>
+                  <a:off x="7907873" y="5578591"/>
                   <a:ext cx="914400" cy="914400"/>
                 </a:xfrm>
                 <a:prstGeom prst="roundRect">
@@ -14522,7 +14546,7 @@
               </p:blipFill>
               <p:spPr>
                 <a:xfrm>
-                  <a:off x="8019071" y="5611366"/>
+                  <a:off x="8042720" y="5663201"/>
                   <a:ext cx="645525" cy="692030"/>
                 </a:xfrm>
                 <a:prstGeom prst="rect">
@@ -14688,7 +14712,7 @@
             </a:ln>
             <a:extLst>
               <a:ext uri="{C572A759-6A51-4108-AA02-DFA0A04FC94B}">
-                <ma14:wrappingTextBoxFlag xmlns="" xmlns:ma14="http://schemas.microsoft.com/office/mac/drawingml/2011/main" val="1"/>
+                <ma14:wrappingTextBoxFlag xmlns:ma14="http://schemas.microsoft.com/office/mac/drawingml/2011/main" xmlns="" val="1"/>
               </a:ext>
             </a:extLst>
           </p:spPr>
@@ -14738,7 +14762,7 @@
           </p:nvSpPr>
           <p:spPr>
             <a:xfrm>
-              <a:off x="4998896" y="5179229"/>
+              <a:off x="4979546" y="5199321"/>
               <a:ext cx="503515" cy="287258"/>
             </a:xfrm>
             <a:prstGeom prst="rect">
@@ -14749,7 +14773,7 @@
             </a:ln>
             <a:extLst>
               <a:ext uri="{C572A759-6A51-4108-AA02-DFA0A04FC94B}">
-                <ma14:wrappingTextBoxFlag xmlns="" xmlns:ma14="http://schemas.microsoft.com/office/mac/drawingml/2011/main" val="1"/>
+                <ma14:wrappingTextBoxFlag xmlns:ma14="http://schemas.microsoft.com/office/mac/drawingml/2011/main" xmlns="" val="1"/>
               </a:ext>
             </a:extLst>
           </p:spPr>
@@ -14799,7 +14823,7 @@
           </p:nvSpPr>
           <p:spPr>
             <a:xfrm>
-              <a:off x="2578648" y="2538377"/>
+              <a:off x="2566980" y="2531673"/>
               <a:ext cx="503515" cy="287258"/>
             </a:xfrm>
             <a:prstGeom prst="rect">
@@ -14810,7 +14834,7 @@
             </a:ln>
             <a:extLst>
               <a:ext uri="{C572A759-6A51-4108-AA02-DFA0A04FC94B}">
-                <ma14:wrappingTextBoxFlag xmlns="" xmlns:ma14="http://schemas.microsoft.com/office/mac/drawingml/2011/main" val="1"/>
+                <ma14:wrappingTextBoxFlag xmlns:ma14="http://schemas.microsoft.com/office/mac/drawingml/2011/main" xmlns="" val="1"/>
               </a:ext>
             </a:extLst>
           </p:spPr>
@@ -14860,7 +14884,7 @@
           </p:nvSpPr>
           <p:spPr>
             <a:xfrm>
-              <a:off x="2544540" y="5212554"/>
+              <a:off x="2544078" y="5192615"/>
               <a:ext cx="503515" cy="287258"/>
             </a:xfrm>
             <a:prstGeom prst="rect">
@@ -14871,7 +14895,7 @@
             </a:ln>
             <a:extLst>
               <a:ext uri="{C572A759-6A51-4108-AA02-DFA0A04FC94B}">
-                <ma14:wrappingTextBoxFlag xmlns="" xmlns:ma14="http://schemas.microsoft.com/office/mac/drawingml/2011/main" val="1"/>
+                <ma14:wrappingTextBoxFlag xmlns:ma14="http://schemas.microsoft.com/office/mac/drawingml/2011/main" xmlns="" val="1"/>
               </a:ext>
             </a:extLst>
           </p:spPr>
@@ -15041,7 +15065,7 @@
           </a:ln>
           <a:extLst>
             <a:ext uri="{C572A759-6A51-4108-AA02-DFA0A04FC94B}">
-              <ma14:wrappingTextBoxFlag xmlns:ma14="http://schemas.microsoft.com/office/mac/drawingml/2011/main" xmlns="" val="1"/>
+              <ma14:wrappingTextBoxFlag xmlns="" xmlns:ma14="http://schemas.microsoft.com/office/mac/drawingml/2011/main" val="1"/>
             </a:ext>
           </a:extLst>
         </p:spPr>
@@ -15089,7 +15113,7 @@
           </a:ln>
           <a:extLst>
             <a:ext uri="{C572A759-6A51-4108-AA02-DFA0A04FC94B}">
-              <ma14:wrappingTextBoxFlag xmlns:ma14="http://schemas.microsoft.com/office/mac/drawingml/2011/main" xmlns="" val="1"/>
+              <ma14:wrappingTextBoxFlag xmlns="" xmlns:ma14="http://schemas.microsoft.com/office/mac/drawingml/2011/main" val="1"/>
             </a:ext>
           </a:extLst>
         </p:spPr>
@@ -15244,7 +15268,7 @@
             <a:effectLst/>
             <a:extLst>
               <a:ext uri="{C572A759-6A51-4108-AA02-DFA0A04FC94B}">
-                <ma14:wrappingTextBoxFlag xmlns:ma14="http://schemas.microsoft.com/office/mac/drawingml/2011/main" xmlns="" val="1"/>
+                <ma14:wrappingTextBoxFlag xmlns="" xmlns:ma14="http://schemas.microsoft.com/office/mac/drawingml/2011/main" val="1"/>
               </a:ext>
             </a:extLst>
           </p:spPr>
@@ -15406,7 +15430,7 @@
             <a:effectLst/>
             <a:extLst>
               <a:ext uri="{C572A759-6A51-4108-AA02-DFA0A04FC94B}">
-                <ma14:wrappingTextBoxFlag xmlns:ma14="http://schemas.microsoft.com/office/mac/drawingml/2011/main" xmlns="" val="1"/>
+                <ma14:wrappingTextBoxFlag xmlns="" xmlns:ma14="http://schemas.microsoft.com/office/mac/drawingml/2011/main" val="1"/>
               </a:ext>
             </a:extLst>
           </p:spPr>
@@ -15568,7 +15592,7 @@
             <a:effectLst/>
             <a:extLst>
               <a:ext uri="{C572A759-6A51-4108-AA02-DFA0A04FC94B}">
-                <ma14:wrappingTextBoxFlag xmlns:ma14="http://schemas.microsoft.com/office/mac/drawingml/2011/main" xmlns="" val="1"/>
+                <ma14:wrappingTextBoxFlag xmlns="" xmlns:ma14="http://schemas.microsoft.com/office/mac/drawingml/2011/main" val="1"/>
               </a:ext>
             </a:extLst>
           </p:spPr>
@@ -15730,7 +15754,7 @@
             <a:effectLst/>
             <a:extLst>
               <a:ext uri="{C572A759-6A51-4108-AA02-DFA0A04FC94B}">
-                <ma14:wrappingTextBoxFlag xmlns:ma14="http://schemas.microsoft.com/office/mac/drawingml/2011/main" xmlns="" val="1"/>
+                <ma14:wrappingTextBoxFlag xmlns="" xmlns:ma14="http://schemas.microsoft.com/office/mac/drawingml/2011/main" val="1"/>
               </a:ext>
             </a:extLst>
           </p:spPr>
@@ -15892,7 +15916,7 @@
             <a:effectLst/>
             <a:extLst>
               <a:ext uri="{C572A759-6A51-4108-AA02-DFA0A04FC94B}">
-                <ma14:wrappingTextBoxFlag xmlns:ma14="http://schemas.microsoft.com/office/mac/drawingml/2011/main" xmlns="" val="1"/>
+                <ma14:wrappingTextBoxFlag xmlns="" xmlns:ma14="http://schemas.microsoft.com/office/mac/drawingml/2011/main" val="1"/>
               </a:ext>
             </a:extLst>
           </p:spPr>
@@ -16054,7 +16078,7 @@
             <a:effectLst/>
             <a:extLst>
               <a:ext uri="{C572A759-6A51-4108-AA02-DFA0A04FC94B}">
-                <ma14:wrappingTextBoxFlag xmlns:ma14="http://schemas.microsoft.com/office/mac/drawingml/2011/main" xmlns="" val="1"/>
+                <ma14:wrappingTextBoxFlag xmlns="" xmlns:ma14="http://schemas.microsoft.com/office/mac/drawingml/2011/main" val="1"/>
               </a:ext>
             </a:extLst>
           </p:spPr>
@@ -16216,7 +16240,7 @@
             <a:effectLst/>
             <a:extLst>
               <a:ext uri="{C572A759-6A51-4108-AA02-DFA0A04FC94B}">
-                <ma14:wrappingTextBoxFlag xmlns:ma14="http://schemas.microsoft.com/office/mac/drawingml/2011/main" xmlns="" val="1"/>
+                <ma14:wrappingTextBoxFlag xmlns="" xmlns:ma14="http://schemas.microsoft.com/office/mac/drawingml/2011/main" val="1"/>
               </a:ext>
             </a:extLst>
           </p:spPr>
@@ -16378,7 +16402,7 @@
             <a:effectLst/>
             <a:extLst>
               <a:ext uri="{C572A759-6A51-4108-AA02-DFA0A04FC94B}">
-                <ma14:wrappingTextBoxFlag xmlns:ma14="http://schemas.microsoft.com/office/mac/drawingml/2011/main" xmlns="" val="1"/>
+                <ma14:wrappingTextBoxFlag xmlns="" xmlns:ma14="http://schemas.microsoft.com/office/mac/drawingml/2011/main" val="1"/>
               </a:ext>
             </a:extLst>
           </p:spPr>
@@ -16540,7 +16564,7 @@
             <a:effectLst/>
             <a:extLst>
               <a:ext uri="{C572A759-6A51-4108-AA02-DFA0A04FC94B}">
-                <ma14:wrappingTextBoxFlag xmlns:ma14="http://schemas.microsoft.com/office/mac/drawingml/2011/main" xmlns="" val="1"/>
+                <ma14:wrappingTextBoxFlag xmlns="" xmlns:ma14="http://schemas.microsoft.com/office/mac/drawingml/2011/main" val="1"/>
               </a:ext>
             </a:extLst>
           </p:spPr>
@@ -16702,7 +16726,7 @@
             <a:effectLst/>
             <a:extLst>
               <a:ext uri="{C572A759-6A51-4108-AA02-DFA0A04FC94B}">
-                <ma14:wrappingTextBoxFlag xmlns:ma14="http://schemas.microsoft.com/office/mac/drawingml/2011/main" xmlns="" val="1"/>
+                <ma14:wrappingTextBoxFlag xmlns="" xmlns:ma14="http://schemas.microsoft.com/office/mac/drawingml/2011/main" val="1"/>
               </a:ext>
             </a:extLst>
           </p:spPr>
@@ -16864,7 +16888,7 @@
             <a:effectLst/>
             <a:extLst>
               <a:ext uri="{C572A759-6A51-4108-AA02-DFA0A04FC94B}">
-                <ma14:wrappingTextBoxFlag xmlns:ma14="http://schemas.microsoft.com/office/mac/drawingml/2011/main" xmlns="" val="1"/>
+                <ma14:wrappingTextBoxFlag xmlns="" xmlns:ma14="http://schemas.microsoft.com/office/mac/drawingml/2011/main" val="1"/>
               </a:ext>
             </a:extLst>
           </p:spPr>
@@ -17026,7 +17050,7 @@
             <a:effectLst/>
             <a:extLst>
               <a:ext uri="{C572A759-6A51-4108-AA02-DFA0A04FC94B}">
-                <ma14:wrappingTextBoxFlag xmlns:ma14="http://schemas.microsoft.com/office/mac/drawingml/2011/main" xmlns="" val="1"/>
+                <ma14:wrappingTextBoxFlag xmlns="" xmlns:ma14="http://schemas.microsoft.com/office/mac/drawingml/2011/main" val="1"/>
               </a:ext>
             </a:extLst>
           </p:spPr>
@@ -17188,7 +17212,7 @@
             <a:effectLst/>
             <a:extLst>
               <a:ext uri="{C572A759-6A51-4108-AA02-DFA0A04FC94B}">
-                <ma14:wrappingTextBoxFlag xmlns:ma14="http://schemas.microsoft.com/office/mac/drawingml/2011/main" xmlns="" val="1"/>
+                <ma14:wrappingTextBoxFlag xmlns="" xmlns:ma14="http://schemas.microsoft.com/office/mac/drawingml/2011/main" val="1"/>
               </a:ext>
             </a:extLst>
           </p:spPr>
@@ -17350,7 +17374,7 @@
             <a:effectLst/>
             <a:extLst>
               <a:ext uri="{C572A759-6A51-4108-AA02-DFA0A04FC94B}">
-                <ma14:wrappingTextBoxFlag xmlns:ma14="http://schemas.microsoft.com/office/mac/drawingml/2011/main" xmlns="" val="1"/>
+                <ma14:wrappingTextBoxFlag xmlns="" xmlns:ma14="http://schemas.microsoft.com/office/mac/drawingml/2011/main" val="1"/>
               </a:ext>
             </a:extLst>
           </p:spPr>
@@ -17512,7 +17536,7 @@
             <a:effectLst/>
             <a:extLst>
               <a:ext uri="{C572A759-6A51-4108-AA02-DFA0A04FC94B}">
-                <ma14:wrappingTextBoxFlag xmlns:ma14="http://schemas.microsoft.com/office/mac/drawingml/2011/main" xmlns="" val="1"/>
+                <ma14:wrappingTextBoxFlag xmlns="" xmlns:ma14="http://schemas.microsoft.com/office/mac/drawingml/2011/main" val="1"/>
               </a:ext>
             </a:extLst>
           </p:spPr>
@@ -17674,7 +17698,7 @@
             <a:effectLst/>
             <a:extLst>
               <a:ext uri="{C572A759-6A51-4108-AA02-DFA0A04FC94B}">
-                <ma14:wrappingTextBoxFlag xmlns:ma14="http://schemas.microsoft.com/office/mac/drawingml/2011/main" xmlns="" val="1"/>
+                <ma14:wrappingTextBoxFlag xmlns="" xmlns:ma14="http://schemas.microsoft.com/office/mac/drawingml/2011/main" val="1"/>
               </a:ext>
             </a:extLst>
           </p:spPr>
@@ -17836,7 +17860,7 @@
             <a:effectLst/>
             <a:extLst>
               <a:ext uri="{C572A759-6A51-4108-AA02-DFA0A04FC94B}">
-                <ma14:wrappingTextBoxFlag xmlns:ma14="http://schemas.microsoft.com/office/mac/drawingml/2011/main" xmlns="" val="1"/>
+                <ma14:wrappingTextBoxFlag xmlns="" xmlns:ma14="http://schemas.microsoft.com/office/mac/drawingml/2011/main" val="1"/>
               </a:ext>
             </a:extLst>
           </p:spPr>
@@ -17998,7 +18022,7 @@
             <a:effectLst/>
             <a:extLst>
               <a:ext uri="{C572A759-6A51-4108-AA02-DFA0A04FC94B}">
-                <ma14:wrappingTextBoxFlag xmlns:ma14="http://schemas.microsoft.com/office/mac/drawingml/2011/main" xmlns="" val="1"/>
+                <ma14:wrappingTextBoxFlag xmlns="" xmlns:ma14="http://schemas.microsoft.com/office/mac/drawingml/2011/main" val="1"/>
               </a:ext>
             </a:extLst>
           </p:spPr>
@@ -18160,7 +18184,7 @@
             <a:effectLst/>
             <a:extLst>
               <a:ext uri="{C572A759-6A51-4108-AA02-DFA0A04FC94B}">
-                <ma14:wrappingTextBoxFlag xmlns:ma14="http://schemas.microsoft.com/office/mac/drawingml/2011/main" xmlns="" val="1"/>
+                <ma14:wrappingTextBoxFlag xmlns="" xmlns:ma14="http://schemas.microsoft.com/office/mac/drawingml/2011/main" val="1"/>
               </a:ext>
             </a:extLst>
           </p:spPr>
@@ -18322,7 +18346,7 @@
             <a:effectLst/>
             <a:extLst>
               <a:ext uri="{C572A759-6A51-4108-AA02-DFA0A04FC94B}">
-                <ma14:wrappingTextBoxFlag xmlns:ma14="http://schemas.microsoft.com/office/mac/drawingml/2011/main" xmlns="" val="1"/>
+                <ma14:wrappingTextBoxFlag xmlns="" xmlns:ma14="http://schemas.microsoft.com/office/mac/drawingml/2011/main" val="1"/>
               </a:ext>
             </a:extLst>
           </p:spPr>
@@ -18444,7 +18468,7 @@
           </a:ln>
           <a:extLst>
             <a:ext uri="{C572A759-6A51-4108-AA02-DFA0A04FC94B}">
-              <ma14:wrappingTextBoxFlag xmlns:ma14="http://schemas.microsoft.com/office/mac/drawingml/2011/main" xmlns="" val="1"/>
+              <ma14:wrappingTextBoxFlag xmlns="" xmlns:ma14="http://schemas.microsoft.com/office/mac/drawingml/2011/main" val="1"/>
             </a:ext>
           </a:extLst>
         </p:spPr>
@@ -18492,7 +18516,7 @@
           </a:ln>
           <a:extLst>
             <a:ext uri="{C572A759-6A51-4108-AA02-DFA0A04FC94B}">
-              <ma14:wrappingTextBoxFlag xmlns:ma14="http://schemas.microsoft.com/office/mac/drawingml/2011/main" xmlns="" val="1"/>
+              <ma14:wrappingTextBoxFlag xmlns="" xmlns:ma14="http://schemas.microsoft.com/office/mac/drawingml/2011/main" val="1"/>
             </a:ext>
           </a:extLst>
         </p:spPr>
@@ -18827,7 +18851,7 @@
               <a:effectLst/>
               <a:extLst>
                 <a:ext uri="{C572A759-6A51-4108-AA02-DFA0A04FC94B}">
-                  <ma14:wrappingTextBoxFlag xmlns:ma14="http://schemas.microsoft.com/office/mac/drawingml/2011/main" xmlns="" val="1"/>
+                  <ma14:wrappingTextBoxFlag xmlns="" xmlns:ma14="http://schemas.microsoft.com/office/mac/drawingml/2011/main" val="1"/>
                 </a:ext>
               </a:extLst>
             </p:spPr>

--- a/powerpoint/templates/VirtualPrivateCloudEditablePPT.pptx
+++ b/powerpoint/templates/VirtualPrivateCloudEditablePPT.pptx
@@ -818,7 +818,7 @@
           </a:ln>
           <a:extLst>
             <a:ext uri="{C572A759-6A51-4108-AA02-DFA0A04FC94B}">
-              <ma14:wrappingTextBoxFlag xmlns="" xmlns:ma14="http://schemas.microsoft.com/office/mac/drawingml/2011/main" val="1"/>
+              <ma14:wrappingTextBoxFlag xmlns:ma14="http://schemas.microsoft.com/office/mac/drawingml/2011/main" xmlns="" val="1"/>
             </a:ext>
           </a:extLst>
         </p:spPr>
@@ -871,7 +871,7 @@
           </a:ln>
           <a:extLst>
             <a:ext uri="{C572A759-6A51-4108-AA02-DFA0A04FC94B}">
-              <ma14:wrappingTextBoxFlag xmlns="" xmlns:ma14="http://schemas.microsoft.com/office/mac/drawingml/2011/main" val="1"/>
+              <ma14:wrappingTextBoxFlag xmlns:ma14="http://schemas.microsoft.com/office/mac/drawingml/2011/main" xmlns="" val="1"/>
             </a:ext>
           </a:extLst>
         </p:spPr>
@@ -919,7 +919,7 @@
           </a:ln>
           <a:extLst>
             <a:ext uri="{C572A759-6A51-4108-AA02-DFA0A04FC94B}">
-              <ma14:wrappingTextBoxFlag xmlns="" xmlns:ma14="http://schemas.microsoft.com/office/mac/drawingml/2011/main" val="1"/>
+              <ma14:wrappingTextBoxFlag xmlns:ma14="http://schemas.microsoft.com/office/mac/drawingml/2011/main" xmlns="" val="1"/>
             </a:ext>
           </a:extLst>
         </p:spPr>
@@ -1007,7 +1007,7 @@
           </a:ln>
           <a:extLst>
             <a:ext uri="{C572A759-6A51-4108-AA02-DFA0A04FC94B}">
-              <ma14:wrappingTextBoxFlag xmlns="" xmlns:ma14="http://schemas.microsoft.com/office/mac/drawingml/2011/main" val="1"/>
+              <ma14:wrappingTextBoxFlag xmlns:ma14="http://schemas.microsoft.com/office/mac/drawingml/2011/main" xmlns="" val="1"/>
             </a:ext>
           </a:extLst>
         </p:spPr>
@@ -1060,7 +1060,7 @@
           </a:ln>
           <a:extLst>
             <a:ext uri="{C572A759-6A51-4108-AA02-DFA0A04FC94B}">
-              <ma14:wrappingTextBoxFlag xmlns="" xmlns:ma14="http://schemas.microsoft.com/office/mac/drawingml/2011/main" val="1"/>
+              <ma14:wrappingTextBoxFlag xmlns:ma14="http://schemas.microsoft.com/office/mac/drawingml/2011/main" xmlns="" val="1"/>
             </a:ext>
           </a:extLst>
         </p:spPr>
@@ -1108,7 +1108,7 @@
           </a:ln>
           <a:extLst>
             <a:ext uri="{C572A759-6A51-4108-AA02-DFA0A04FC94B}">
-              <ma14:wrappingTextBoxFlag xmlns="" xmlns:ma14="http://schemas.microsoft.com/office/mac/drawingml/2011/main" val="1"/>
+              <ma14:wrappingTextBoxFlag xmlns:ma14="http://schemas.microsoft.com/office/mac/drawingml/2011/main" xmlns="" val="1"/>
             </a:ext>
           </a:extLst>
         </p:spPr>
@@ -1272,7 +1272,7 @@
           </a:ln>
           <a:extLst>
             <a:ext uri="{C572A759-6A51-4108-AA02-DFA0A04FC94B}">
-              <ma14:wrappingTextBoxFlag xmlns="" xmlns:ma14="http://schemas.microsoft.com/office/mac/drawingml/2011/main" val="1"/>
+              <ma14:wrappingTextBoxFlag xmlns:ma14="http://schemas.microsoft.com/office/mac/drawingml/2011/main" xmlns="" val="1"/>
             </a:ext>
           </a:extLst>
         </p:spPr>
@@ -1325,7 +1325,7 @@
           </a:ln>
           <a:extLst>
             <a:ext uri="{C572A759-6A51-4108-AA02-DFA0A04FC94B}">
-              <ma14:wrappingTextBoxFlag xmlns="" xmlns:ma14="http://schemas.microsoft.com/office/mac/drawingml/2011/main" val="1"/>
+              <ma14:wrappingTextBoxFlag xmlns:ma14="http://schemas.microsoft.com/office/mac/drawingml/2011/main" xmlns="" val="1"/>
             </a:ext>
           </a:extLst>
         </p:spPr>
@@ -1373,7 +1373,7 @@
           </a:ln>
           <a:extLst>
             <a:ext uri="{C572A759-6A51-4108-AA02-DFA0A04FC94B}">
-              <ma14:wrappingTextBoxFlag xmlns="" xmlns:ma14="http://schemas.microsoft.com/office/mac/drawingml/2011/main" val="1"/>
+              <ma14:wrappingTextBoxFlag xmlns:ma14="http://schemas.microsoft.com/office/mac/drawingml/2011/main" xmlns="" val="1"/>
             </a:ext>
           </a:extLst>
         </p:spPr>
@@ -1563,7 +1563,7 @@
           </a:ln>
           <a:extLst>
             <a:ext uri="{C572A759-6A51-4108-AA02-DFA0A04FC94B}">
-              <ma14:wrappingTextBoxFlag xmlns="" xmlns:ma14="http://schemas.microsoft.com/office/mac/drawingml/2011/main" val="1"/>
+              <ma14:wrappingTextBoxFlag xmlns:ma14="http://schemas.microsoft.com/office/mac/drawingml/2011/main" xmlns="" val="1"/>
             </a:ext>
           </a:extLst>
         </p:spPr>
@@ -1701,7 +1701,7 @@
           </a:ln>
           <a:extLst>
             <a:ext uri="{C572A759-6A51-4108-AA02-DFA0A04FC94B}">
-              <ma14:wrappingTextBoxFlag xmlns="" xmlns:ma14="http://schemas.microsoft.com/office/mac/drawingml/2011/main" val="1"/>
+              <ma14:wrappingTextBoxFlag xmlns:ma14="http://schemas.microsoft.com/office/mac/drawingml/2011/main" xmlns="" val="1"/>
             </a:ext>
           </a:extLst>
         </p:spPr>
@@ -1754,7 +1754,7 @@
           </a:ln>
           <a:extLst>
             <a:ext uri="{C572A759-6A51-4108-AA02-DFA0A04FC94B}">
-              <ma14:wrappingTextBoxFlag xmlns="" xmlns:ma14="http://schemas.microsoft.com/office/mac/drawingml/2011/main" val="1"/>
+              <ma14:wrappingTextBoxFlag xmlns:ma14="http://schemas.microsoft.com/office/mac/drawingml/2011/main" xmlns="" val="1"/>
             </a:ext>
           </a:extLst>
         </p:spPr>
@@ -1828,7 +1828,7 @@
           </a:ln>
           <a:extLst>
             <a:ext uri="{C572A759-6A51-4108-AA02-DFA0A04FC94B}">
-              <ma14:wrappingTextBoxFlag xmlns="" xmlns:ma14="http://schemas.microsoft.com/office/mac/drawingml/2011/main" val="1"/>
+              <ma14:wrappingTextBoxFlag xmlns:ma14="http://schemas.microsoft.com/office/mac/drawingml/2011/main" xmlns="" val="1"/>
             </a:ext>
           </a:extLst>
         </p:spPr>
@@ -2797,7 +2797,7 @@
           </a:ln>
           <a:extLst>
             <a:ext uri="{C572A759-6A51-4108-AA02-DFA0A04FC94B}">
-              <ma14:wrappingTextBoxFlag xmlns="" xmlns:ma14="http://schemas.microsoft.com/office/mac/drawingml/2011/main" val="1"/>
+              <ma14:wrappingTextBoxFlag xmlns:ma14="http://schemas.microsoft.com/office/mac/drawingml/2011/main" xmlns="" val="1"/>
             </a:ext>
           </a:extLst>
         </p:spPr>
@@ -2840,7 +2840,7 @@
           </a:ln>
           <a:extLst>
             <a:ext uri="{C572A759-6A51-4108-AA02-DFA0A04FC94B}">
-              <ma14:wrappingTextBoxFlag xmlns="" xmlns:ma14="http://schemas.microsoft.com/office/mac/drawingml/2011/main" val="1"/>
+              <ma14:wrappingTextBoxFlag xmlns:ma14="http://schemas.microsoft.com/office/mac/drawingml/2011/main" xmlns="" val="1"/>
             </a:ext>
           </a:extLst>
         </p:spPr>
@@ -3288,7 +3288,7 @@
           </a:ln>
           <a:extLst>
             <a:ext uri="{C572A759-6A51-4108-AA02-DFA0A04FC94B}">
-              <ma14:wrappingTextBoxFlag xmlns="" xmlns:ma14="http://schemas.microsoft.com/office/mac/drawingml/2011/main" val="1"/>
+              <ma14:wrappingTextBoxFlag xmlns:ma14="http://schemas.microsoft.com/office/mac/drawingml/2011/main" xmlns="" val="1"/>
             </a:ext>
           </a:extLst>
         </p:spPr>
@@ -3337,7 +3337,7 @@
           </a:ln>
           <a:extLst>
             <a:ext uri="{C572A759-6A51-4108-AA02-DFA0A04FC94B}">
-              <ma14:wrappingTextBoxFlag xmlns="" xmlns:ma14="http://schemas.microsoft.com/office/mac/drawingml/2011/main" val="1"/>
+              <ma14:wrappingTextBoxFlag xmlns:ma14="http://schemas.microsoft.com/office/mac/drawingml/2011/main" xmlns="" val="1"/>
             </a:ext>
           </a:extLst>
         </p:spPr>
@@ -4141,8 +4141,8 @@
                 </a:stretch>
               </p:blipFill>
               <p:spPr>
-                <a:xfrm>
-                  <a:off x="5434062" y="4726344"/>
+                <a:xfrm rot="10962639">
+                  <a:off x="5336129" y="4704767"/>
                   <a:ext cx="548298" cy="417749"/>
                 </a:xfrm>
                 <a:prstGeom prst="rect">
@@ -5172,7 +5172,7 @@
                 </a:ln>
                 <a:extLst>
                   <a:ext uri="{C572A759-6A51-4108-AA02-DFA0A04FC94B}">
-                    <ma14:wrappingTextBoxFlag xmlns:ma14="http://schemas.microsoft.com/office/mac/drawingml/2011/main" xmlns="" val="1"/>
+                    <ma14:wrappingTextBoxFlag xmlns="" xmlns:ma14="http://schemas.microsoft.com/office/mac/drawingml/2011/main" val="1"/>
                   </a:ext>
                 </a:extLst>
               </p:spPr>
@@ -5259,7 +5259,7 @@
                 </a:ln>
                 <a:extLst>
                   <a:ext uri="{C572A759-6A51-4108-AA02-DFA0A04FC94B}">
-                    <ma14:wrappingTextBoxFlag xmlns:ma14="http://schemas.microsoft.com/office/mac/drawingml/2011/main" xmlns="" val="1"/>
+                    <ma14:wrappingTextBoxFlag xmlns="" xmlns:ma14="http://schemas.microsoft.com/office/mac/drawingml/2011/main" val="1"/>
                   </a:ext>
                 </a:extLst>
               </p:spPr>
@@ -5487,14 +5487,13 @@
               </p:cNvPr>
               <p:cNvCxnSpPr>
                 <a:cxnSpLocks/>
-                <a:stCxn id="213" idx="3"/>
               </p:cNvCxnSpPr>
               <p:nvPr/>
             </p:nvCxnSpPr>
             <p:spPr>
-              <a:xfrm>
-                <a:off x="2318409" y="2748650"/>
-                <a:ext cx="269399" cy="407"/>
+              <a:xfrm flipV="1">
+                <a:off x="2317744" y="2734407"/>
+                <a:ext cx="269604" cy="8268"/>
               </a:xfrm>
               <a:prstGeom prst="straightConnector1">
                 <a:avLst/>
@@ -6024,7 +6023,7 @@
               </a:ln>
               <a:extLst>
                 <a:ext uri="{C572A759-6A51-4108-AA02-DFA0A04FC94B}">
-                  <ma14:wrappingTextBoxFlag xmlns:ma14="http://schemas.microsoft.com/office/mac/drawingml/2011/main" xmlns="" val="1"/>
+                  <ma14:wrappingTextBoxFlag xmlns="" xmlns:ma14="http://schemas.microsoft.com/office/mac/drawingml/2011/main" val="1"/>
                 </a:ext>
               </a:extLst>
             </p:spPr>
@@ -6183,7 +6182,7 @@
                 </a:ln>
                 <a:extLst>
                   <a:ext uri="{C572A759-6A51-4108-AA02-DFA0A04FC94B}">
-                    <ma14:wrappingTextBoxFlag xmlns:ma14="http://schemas.microsoft.com/office/mac/drawingml/2011/main" xmlns="" val="1"/>
+                    <ma14:wrappingTextBoxFlag xmlns="" xmlns:ma14="http://schemas.microsoft.com/office/mac/drawingml/2011/main" val="1"/>
                   </a:ext>
                 </a:extLst>
               </p:spPr>
@@ -6322,7 +6321,7 @@
               </a:ln>
               <a:extLst>
                 <a:ext uri="{C572A759-6A51-4108-AA02-DFA0A04FC94B}">
-                  <ma14:wrappingTextBoxFlag xmlns:ma14="http://schemas.microsoft.com/office/mac/drawingml/2011/main" xmlns="" val="1"/>
+                  <ma14:wrappingTextBoxFlag xmlns="" xmlns:ma14="http://schemas.microsoft.com/office/mac/drawingml/2011/main" val="1"/>
                 </a:ext>
               </a:extLst>
             </p:spPr>
@@ -6383,7 +6382,7 @@
               </a:ln>
               <a:extLst>
                 <a:ext uri="{C572A759-6A51-4108-AA02-DFA0A04FC94B}">
-                  <ma14:wrappingTextBoxFlag xmlns:ma14="http://schemas.microsoft.com/office/mac/drawingml/2011/main" xmlns="" val="1"/>
+                  <ma14:wrappingTextBoxFlag xmlns="" xmlns:ma14="http://schemas.microsoft.com/office/mac/drawingml/2011/main" val="1"/>
                 </a:ext>
               </a:extLst>
             </p:spPr>
@@ -6444,7 +6443,7 @@
               </a:ln>
               <a:extLst>
                 <a:ext uri="{C572A759-6A51-4108-AA02-DFA0A04FC94B}">
-                  <ma14:wrappingTextBoxFlag xmlns:ma14="http://schemas.microsoft.com/office/mac/drawingml/2011/main" xmlns="" val="1"/>
+                  <ma14:wrappingTextBoxFlag xmlns="" xmlns:ma14="http://schemas.microsoft.com/office/mac/drawingml/2011/main" val="1"/>
                 </a:ext>
               </a:extLst>
             </p:spPr>
@@ -6583,7 +6582,7 @@
               </a:ln>
               <a:extLst>
                 <a:ext uri="{C572A759-6A51-4108-AA02-DFA0A04FC94B}">
-                  <ma14:wrappingTextBoxFlag xmlns:ma14="http://schemas.microsoft.com/office/mac/drawingml/2011/main" xmlns="" val="1"/>
+                  <ma14:wrappingTextBoxFlag xmlns="" xmlns:ma14="http://schemas.microsoft.com/office/mac/drawingml/2011/main" val="1"/>
                 </a:ext>
               </a:extLst>
             </p:spPr>
@@ -6734,7 +6733,7 @@
               </a:ln>
               <a:extLst>
                 <a:ext uri="{C572A759-6A51-4108-AA02-DFA0A04FC94B}">
-                  <ma14:wrappingTextBoxFlag xmlns:ma14="http://schemas.microsoft.com/office/mac/drawingml/2011/main" xmlns="" val="1"/>
+                  <ma14:wrappingTextBoxFlag xmlns="" xmlns:ma14="http://schemas.microsoft.com/office/mac/drawingml/2011/main" val="1"/>
                 </a:ext>
               </a:extLst>
             </p:spPr>
@@ -7103,7 +7102,7 @@
               </a:ln>
               <a:extLst>
                 <a:ext uri="{C572A759-6A51-4108-AA02-DFA0A04FC94B}">
-                  <ma14:wrappingTextBoxFlag xmlns:ma14="http://schemas.microsoft.com/office/mac/drawingml/2011/main" xmlns="" val="1"/>
+                  <ma14:wrappingTextBoxFlag xmlns="" xmlns:ma14="http://schemas.microsoft.com/office/mac/drawingml/2011/main" val="1"/>
                 </a:ext>
               </a:extLst>
             </p:spPr>
@@ -7164,7 +7163,7 @@
               </a:ln>
               <a:extLst>
                 <a:ext uri="{C572A759-6A51-4108-AA02-DFA0A04FC94B}">
-                  <ma14:wrappingTextBoxFlag xmlns:ma14="http://schemas.microsoft.com/office/mac/drawingml/2011/main" xmlns="" val="1"/>
+                  <ma14:wrappingTextBoxFlag xmlns="" xmlns:ma14="http://schemas.microsoft.com/office/mac/drawingml/2011/main" val="1"/>
                 </a:ext>
               </a:extLst>
             </p:spPr>
@@ -7237,7 +7236,7 @@
               </a:ln>
               <a:extLst>
                 <a:ext uri="{C572A759-6A51-4108-AA02-DFA0A04FC94B}">
-                  <ma14:wrappingTextBoxFlag xmlns:ma14="http://schemas.microsoft.com/office/mac/drawingml/2011/main" xmlns="" val="1"/>
+                  <ma14:wrappingTextBoxFlag xmlns="" xmlns:ma14="http://schemas.microsoft.com/office/mac/drawingml/2011/main" val="1"/>
                 </a:ext>
               </a:extLst>
             </p:spPr>
@@ -7310,7 +7309,7 @@
               </a:ln>
               <a:extLst>
                 <a:ext uri="{C572A759-6A51-4108-AA02-DFA0A04FC94B}">
-                  <ma14:wrappingTextBoxFlag xmlns:ma14="http://schemas.microsoft.com/office/mac/drawingml/2011/main" xmlns="" val="1"/>
+                  <ma14:wrappingTextBoxFlag xmlns="" xmlns:ma14="http://schemas.microsoft.com/office/mac/drawingml/2011/main" val="1"/>
                 </a:ext>
               </a:extLst>
             </p:spPr>
@@ -7383,7 +7382,7 @@
               </a:ln>
               <a:extLst>
                 <a:ext uri="{C572A759-6A51-4108-AA02-DFA0A04FC94B}">
-                  <ma14:wrappingTextBoxFlag xmlns:ma14="http://schemas.microsoft.com/office/mac/drawingml/2011/main" xmlns="" val="1"/>
+                  <ma14:wrappingTextBoxFlag xmlns="" xmlns:ma14="http://schemas.microsoft.com/office/mac/drawingml/2011/main" val="1"/>
                 </a:ext>
               </a:extLst>
             </p:spPr>
@@ -7456,7 +7455,7 @@
               </a:ln>
               <a:extLst>
                 <a:ext uri="{C572A759-6A51-4108-AA02-DFA0A04FC94B}">
-                  <ma14:wrappingTextBoxFlag xmlns:ma14="http://schemas.microsoft.com/office/mac/drawingml/2011/main" xmlns="" val="1"/>
+                  <ma14:wrappingTextBoxFlag xmlns="" xmlns:ma14="http://schemas.microsoft.com/office/mac/drawingml/2011/main" val="1"/>
                 </a:ext>
               </a:extLst>
             </p:spPr>
@@ -7517,7 +7516,7 @@
               </a:ln>
               <a:extLst>
                 <a:ext uri="{C572A759-6A51-4108-AA02-DFA0A04FC94B}">
-                  <ma14:wrappingTextBoxFlag xmlns:ma14="http://schemas.microsoft.com/office/mac/drawingml/2011/main" xmlns="" val="1"/>
+                  <ma14:wrappingTextBoxFlag xmlns="" xmlns:ma14="http://schemas.microsoft.com/office/mac/drawingml/2011/main" val="1"/>
                 </a:ext>
               </a:extLst>
             </p:spPr>
@@ -7578,7 +7577,7 @@
               </a:ln>
               <a:extLst>
                 <a:ext uri="{C572A759-6A51-4108-AA02-DFA0A04FC94B}">
-                  <ma14:wrappingTextBoxFlag xmlns:ma14="http://schemas.microsoft.com/office/mac/drawingml/2011/main" xmlns="" val="1"/>
+                  <ma14:wrappingTextBoxFlag xmlns="" xmlns:ma14="http://schemas.microsoft.com/office/mac/drawingml/2011/main" val="1"/>
                 </a:ext>
               </a:extLst>
             </p:spPr>
@@ -7639,7 +7638,7 @@
               </a:ln>
               <a:extLst>
                 <a:ext uri="{C572A759-6A51-4108-AA02-DFA0A04FC94B}">
-                  <ma14:wrappingTextBoxFlag xmlns:ma14="http://schemas.microsoft.com/office/mac/drawingml/2011/main" xmlns="" val="1"/>
+                  <ma14:wrappingTextBoxFlag xmlns="" xmlns:ma14="http://schemas.microsoft.com/office/mac/drawingml/2011/main" val="1"/>
                 </a:ext>
               </a:extLst>
             </p:spPr>
@@ -8126,7 +8125,7 @@
               </a:ln>
               <a:extLst>
                 <a:ext uri="{C572A759-6A51-4108-AA02-DFA0A04FC94B}">
-                  <ma14:wrappingTextBoxFlag xmlns:ma14="http://schemas.microsoft.com/office/mac/drawingml/2011/main" xmlns="" val="1"/>
+                  <ma14:wrappingTextBoxFlag xmlns="" xmlns:ma14="http://schemas.microsoft.com/office/mac/drawingml/2011/main" val="1"/>
                 </a:ext>
               </a:extLst>
             </p:spPr>
@@ -8199,7 +8198,7 @@
               </a:ln>
               <a:extLst>
                 <a:ext uri="{C572A759-6A51-4108-AA02-DFA0A04FC94B}">
-                  <ma14:wrappingTextBoxFlag xmlns:ma14="http://schemas.microsoft.com/office/mac/drawingml/2011/main" xmlns="" val="1"/>
+                  <ma14:wrappingTextBoxFlag xmlns="" xmlns:ma14="http://schemas.microsoft.com/office/mac/drawingml/2011/main" val="1"/>
                 </a:ext>
               </a:extLst>
             </p:spPr>
@@ -8272,7 +8271,7 @@
               </a:ln>
               <a:extLst>
                 <a:ext uri="{C572A759-6A51-4108-AA02-DFA0A04FC94B}">
-                  <ma14:wrappingTextBoxFlag xmlns:ma14="http://schemas.microsoft.com/office/mac/drawingml/2011/main" xmlns="" val="1"/>
+                  <ma14:wrappingTextBoxFlag xmlns="" xmlns:ma14="http://schemas.microsoft.com/office/mac/drawingml/2011/main" val="1"/>
                 </a:ext>
               </a:extLst>
             </p:spPr>
@@ -8342,7 +8341,7 @@
               </a:ln>
               <a:extLst>
                 <a:ext uri="{C572A759-6A51-4108-AA02-DFA0A04FC94B}">
-                  <ma14:wrappingTextBoxFlag xmlns:ma14="http://schemas.microsoft.com/office/mac/drawingml/2011/main" xmlns="" val="1"/>
+                  <ma14:wrappingTextBoxFlag xmlns="" xmlns:ma14="http://schemas.microsoft.com/office/mac/drawingml/2011/main" val="1"/>
                 </a:ext>
               </a:extLst>
             </p:spPr>
@@ -8403,7 +8402,7 @@
               </a:ln>
               <a:extLst>
                 <a:ext uri="{C572A759-6A51-4108-AA02-DFA0A04FC94B}">
-                  <ma14:wrappingTextBoxFlag xmlns:ma14="http://schemas.microsoft.com/office/mac/drawingml/2011/main" xmlns="" val="1"/>
+                  <ma14:wrappingTextBoxFlag xmlns="" xmlns:ma14="http://schemas.microsoft.com/office/mac/drawingml/2011/main" val="1"/>
                 </a:ext>
               </a:extLst>
             </p:spPr>
@@ -8464,7 +8463,7 @@
               </a:ln>
               <a:extLst>
                 <a:ext uri="{C572A759-6A51-4108-AA02-DFA0A04FC94B}">
-                  <ma14:wrappingTextBoxFlag xmlns:ma14="http://schemas.microsoft.com/office/mac/drawingml/2011/main" xmlns="" val="1"/>
+                  <ma14:wrappingTextBoxFlag xmlns="" xmlns:ma14="http://schemas.microsoft.com/office/mac/drawingml/2011/main" val="1"/>
                 </a:ext>
               </a:extLst>
             </p:spPr>
@@ -8525,7 +8524,7 @@
               </a:ln>
               <a:extLst>
                 <a:ext uri="{C572A759-6A51-4108-AA02-DFA0A04FC94B}">
-                  <ma14:wrappingTextBoxFlag xmlns:ma14="http://schemas.microsoft.com/office/mac/drawingml/2011/main" xmlns="" val="1"/>
+                  <ma14:wrappingTextBoxFlag xmlns="" xmlns:ma14="http://schemas.microsoft.com/office/mac/drawingml/2011/main" val="1"/>
                 </a:ext>
               </a:extLst>
             </p:spPr>
@@ -8586,7 +8585,7 @@
               </a:ln>
               <a:extLst>
                 <a:ext uri="{C572A759-6A51-4108-AA02-DFA0A04FC94B}">
-                  <ma14:wrappingTextBoxFlag xmlns:ma14="http://schemas.microsoft.com/office/mac/drawingml/2011/main" xmlns="" val="1"/>
+                  <ma14:wrappingTextBoxFlag xmlns="" xmlns:ma14="http://schemas.microsoft.com/office/mac/drawingml/2011/main" val="1"/>
                 </a:ext>
               </a:extLst>
             </p:spPr>
@@ -8647,7 +8646,7 @@
               </a:ln>
               <a:extLst>
                 <a:ext uri="{C572A759-6A51-4108-AA02-DFA0A04FC94B}">
-                  <ma14:wrappingTextBoxFlag xmlns:ma14="http://schemas.microsoft.com/office/mac/drawingml/2011/main" xmlns="" val="1"/>
+                  <ma14:wrappingTextBoxFlag xmlns="" xmlns:ma14="http://schemas.microsoft.com/office/mac/drawingml/2011/main" val="1"/>
                 </a:ext>
               </a:extLst>
             </p:spPr>
@@ -8708,7 +8707,7 @@
               </a:ln>
               <a:extLst>
                 <a:ext uri="{C572A759-6A51-4108-AA02-DFA0A04FC94B}">
-                  <ma14:wrappingTextBoxFlag xmlns:ma14="http://schemas.microsoft.com/office/mac/drawingml/2011/main" xmlns="" val="1"/>
+                  <ma14:wrappingTextBoxFlag xmlns="" xmlns:ma14="http://schemas.microsoft.com/office/mac/drawingml/2011/main" val="1"/>
                 </a:ext>
               </a:extLst>
             </p:spPr>
@@ -8816,7 +8815,7 @@
               </a:ln>
               <a:extLst>
                 <a:ext uri="{C572A759-6A51-4108-AA02-DFA0A04FC94B}">
-                  <ma14:wrappingTextBoxFlag xmlns:ma14="http://schemas.microsoft.com/office/mac/drawingml/2011/main" xmlns="" val="1"/>
+                  <ma14:wrappingTextBoxFlag xmlns="" xmlns:ma14="http://schemas.microsoft.com/office/mac/drawingml/2011/main" val="1"/>
                 </a:ext>
               </a:extLst>
             </p:spPr>
@@ -8920,7 +8919,7 @@
               </a:ln>
               <a:extLst>
                 <a:ext uri="{C572A759-6A51-4108-AA02-DFA0A04FC94B}">
-                  <ma14:wrappingTextBoxFlag xmlns:ma14="http://schemas.microsoft.com/office/mac/drawingml/2011/main" xmlns="" val="1"/>
+                  <ma14:wrappingTextBoxFlag xmlns="" xmlns:ma14="http://schemas.microsoft.com/office/mac/drawingml/2011/main" val="1"/>
                 </a:ext>
               </a:extLst>
             </p:spPr>
@@ -8981,7 +8980,7 @@
               </a:ln>
               <a:extLst>
                 <a:ext uri="{C572A759-6A51-4108-AA02-DFA0A04FC94B}">
-                  <ma14:wrappingTextBoxFlag xmlns:ma14="http://schemas.microsoft.com/office/mac/drawingml/2011/main" xmlns="" val="1"/>
+                  <ma14:wrappingTextBoxFlag xmlns="" xmlns:ma14="http://schemas.microsoft.com/office/mac/drawingml/2011/main" val="1"/>
                 </a:ext>
               </a:extLst>
             </p:spPr>
@@ -9042,7 +9041,7 @@
               </a:ln>
               <a:extLst>
                 <a:ext uri="{C572A759-6A51-4108-AA02-DFA0A04FC94B}">
-                  <ma14:wrappingTextBoxFlag xmlns:ma14="http://schemas.microsoft.com/office/mac/drawingml/2011/main" xmlns="" val="1"/>
+                  <ma14:wrappingTextBoxFlag xmlns="" xmlns:ma14="http://schemas.microsoft.com/office/mac/drawingml/2011/main" val="1"/>
                 </a:ext>
               </a:extLst>
             </p:spPr>
@@ -9673,7 +9672,7 @@
               </a:ln>
               <a:extLst>
                 <a:ext uri="{C572A759-6A51-4108-AA02-DFA0A04FC94B}">
-                  <ma14:wrappingTextBoxFlag xmlns:ma14="http://schemas.microsoft.com/office/mac/drawingml/2011/main" xmlns="" val="1"/>
+                  <ma14:wrappingTextBoxFlag xmlns="" xmlns:ma14="http://schemas.microsoft.com/office/mac/drawingml/2011/main" val="1"/>
                 </a:ext>
               </a:extLst>
             </p:spPr>
@@ -10077,7 +10076,7 @@
               </a:ln>
               <a:extLst>
                 <a:ext uri="{C572A759-6A51-4108-AA02-DFA0A04FC94B}">
-                  <ma14:wrappingTextBoxFlag xmlns:ma14="http://schemas.microsoft.com/office/mac/drawingml/2011/main" xmlns="" val="1"/>
+                  <ma14:wrappingTextBoxFlag xmlns="" xmlns:ma14="http://schemas.microsoft.com/office/mac/drawingml/2011/main" val="1"/>
                 </a:ext>
               </a:extLst>
             </p:spPr>
@@ -10138,7 +10137,7 @@
               </a:ln>
               <a:extLst>
                 <a:ext uri="{C572A759-6A51-4108-AA02-DFA0A04FC94B}">
-                  <ma14:wrappingTextBoxFlag xmlns:ma14="http://schemas.microsoft.com/office/mac/drawingml/2011/main" xmlns="" val="1"/>
+                  <ma14:wrappingTextBoxFlag xmlns="" xmlns:ma14="http://schemas.microsoft.com/office/mac/drawingml/2011/main" val="1"/>
                 </a:ext>
               </a:extLst>
             </p:spPr>
@@ -10615,7 +10614,7 @@
               </a:ln>
               <a:extLst>
                 <a:ext uri="{C572A759-6A51-4108-AA02-DFA0A04FC94B}">
-                  <ma14:wrappingTextBoxFlag xmlns:ma14="http://schemas.microsoft.com/office/mac/drawingml/2011/main" xmlns="" val="1"/>
+                  <ma14:wrappingTextBoxFlag xmlns="" xmlns:ma14="http://schemas.microsoft.com/office/mac/drawingml/2011/main" val="1"/>
                 </a:ext>
               </a:extLst>
             </p:spPr>
@@ -11446,7 +11445,7 @@
               </a:ln>
               <a:extLst>
                 <a:ext uri="{C572A759-6A51-4108-AA02-DFA0A04FC94B}">
-                  <ma14:wrappingTextBoxFlag xmlns:ma14="http://schemas.microsoft.com/office/mac/drawingml/2011/main" xmlns="" val="1"/>
+                  <ma14:wrappingTextBoxFlag xmlns="" xmlns:ma14="http://schemas.microsoft.com/office/mac/drawingml/2011/main" val="1"/>
                 </a:ext>
               </a:extLst>
             </p:spPr>
@@ -11758,7 +11757,7 @@
               </a:ln>
               <a:extLst>
                 <a:ext uri="{C572A759-6A51-4108-AA02-DFA0A04FC94B}">
-                  <ma14:wrappingTextBoxFlag xmlns:ma14="http://schemas.microsoft.com/office/mac/drawingml/2011/main" xmlns="" val="1"/>
+                  <ma14:wrappingTextBoxFlag xmlns="" xmlns:ma14="http://schemas.microsoft.com/office/mac/drawingml/2011/main" val="1"/>
                 </a:ext>
               </a:extLst>
             </p:spPr>
@@ -12041,7 +12040,7 @@
               </a:ln>
               <a:extLst>
                 <a:ext uri="{C572A759-6A51-4108-AA02-DFA0A04FC94B}">
-                  <ma14:wrappingTextBoxFlag xmlns:ma14="http://schemas.microsoft.com/office/mac/drawingml/2011/main" xmlns="" val="1"/>
+                  <ma14:wrappingTextBoxFlag xmlns="" xmlns:ma14="http://schemas.microsoft.com/office/mac/drawingml/2011/main" val="1"/>
                 </a:ext>
               </a:extLst>
             </p:spPr>
@@ -12246,7 +12245,7 @@
               </a:ln>
               <a:extLst>
                 <a:ext uri="{C572A759-6A51-4108-AA02-DFA0A04FC94B}">
-                  <ma14:wrappingTextBoxFlag xmlns:ma14="http://schemas.microsoft.com/office/mac/drawingml/2011/main" xmlns="" val="1"/>
+                  <ma14:wrappingTextBoxFlag xmlns="" xmlns:ma14="http://schemas.microsoft.com/office/mac/drawingml/2011/main" val="1"/>
                 </a:ext>
               </a:extLst>
             </p:spPr>
@@ -12449,7 +12448,7 @@
               </a:ln>
               <a:extLst>
                 <a:ext uri="{C572A759-6A51-4108-AA02-DFA0A04FC94B}">
-                  <ma14:wrappingTextBoxFlag xmlns:ma14="http://schemas.microsoft.com/office/mac/drawingml/2011/main" xmlns="" val="1"/>
+                  <ma14:wrappingTextBoxFlag xmlns="" xmlns:ma14="http://schemas.microsoft.com/office/mac/drawingml/2011/main" val="1"/>
                 </a:ext>
               </a:extLst>
             </p:spPr>
@@ -12652,7 +12651,7 @@
               </a:ln>
               <a:extLst>
                 <a:ext uri="{C572A759-6A51-4108-AA02-DFA0A04FC94B}">
-                  <ma14:wrappingTextBoxFlag xmlns:ma14="http://schemas.microsoft.com/office/mac/drawingml/2011/main" xmlns="" val="1"/>
+                  <ma14:wrappingTextBoxFlag xmlns="" xmlns:ma14="http://schemas.microsoft.com/office/mac/drawingml/2011/main" val="1"/>
                 </a:ext>
               </a:extLst>
             </p:spPr>
@@ -12932,7 +12931,7 @@
               </a:ln>
               <a:extLst>
                 <a:ext uri="{C572A759-6A51-4108-AA02-DFA0A04FC94B}">
-                  <ma14:wrappingTextBoxFlag xmlns:ma14="http://schemas.microsoft.com/office/mac/drawingml/2011/main" xmlns="" val="1"/>
+                  <ma14:wrappingTextBoxFlag xmlns="" xmlns:ma14="http://schemas.microsoft.com/office/mac/drawingml/2011/main" val="1"/>
                 </a:ext>
               </a:extLst>
             </p:spPr>
@@ -14712,7 +14711,7 @@
             </a:ln>
             <a:extLst>
               <a:ext uri="{C572A759-6A51-4108-AA02-DFA0A04FC94B}">
-                <ma14:wrappingTextBoxFlag xmlns:ma14="http://schemas.microsoft.com/office/mac/drawingml/2011/main" xmlns="" val="1"/>
+                <ma14:wrappingTextBoxFlag xmlns="" xmlns:ma14="http://schemas.microsoft.com/office/mac/drawingml/2011/main" val="1"/>
               </a:ext>
             </a:extLst>
           </p:spPr>
@@ -14773,7 +14772,7 @@
             </a:ln>
             <a:extLst>
               <a:ext uri="{C572A759-6A51-4108-AA02-DFA0A04FC94B}">
-                <ma14:wrappingTextBoxFlag xmlns:ma14="http://schemas.microsoft.com/office/mac/drawingml/2011/main" xmlns="" val="1"/>
+                <ma14:wrappingTextBoxFlag xmlns="" xmlns:ma14="http://schemas.microsoft.com/office/mac/drawingml/2011/main" val="1"/>
               </a:ext>
             </a:extLst>
           </p:spPr>
@@ -14834,7 +14833,7 @@
             </a:ln>
             <a:extLst>
               <a:ext uri="{C572A759-6A51-4108-AA02-DFA0A04FC94B}">
-                <ma14:wrappingTextBoxFlag xmlns:ma14="http://schemas.microsoft.com/office/mac/drawingml/2011/main" xmlns="" val="1"/>
+                <ma14:wrappingTextBoxFlag xmlns="" xmlns:ma14="http://schemas.microsoft.com/office/mac/drawingml/2011/main" val="1"/>
               </a:ext>
             </a:extLst>
           </p:spPr>
@@ -14895,7 +14894,7 @@
             </a:ln>
             <a:extLst>
               <a:ext uri="{C572A759-6A51-4108-AA02-DFA0A04FC94B}">
-                <ma14:wrappingTextBoxFlag xmlns:ma14="http://schemas.microsoft.com/office/mac/drawingml/2011/main" xmlns="" val="1"/>
+                <ma14:wrappingTextBoxFlag xmlns="" xmlns:ma14="http://schemas.microsoft.com/office/mac/drawingml/2011/main" val="1"/>
               </a:ext>
             </a:extLst>
           </p:spPr>
@@ -15065,7 +15064,7 @@
           </a:ln>
           <a:extLst>
             <a:ext uri="{C572A759-6A51-4108-AA02-DFA0A04FC94B}">
-              <ma14:wrappingTextBoxFlag xmlns="" xmlns:ma14="http://schemas.microsoft.com/office/mac/drawingml/2011/main" val="1"/>
+              <ma14:wrappingTextBoxFlag xmlns:ma14="http://schemas.microsoft.com/office/mac/drawingml/2011/main" xmlns="" val="1"/>
             </a:ext>
           </a:extLst>
         </p:spPr>
@@ -15113,7 +15112,7 @@
           </a:ln>
           <a:extLst>
             <a:ext uri="{C572A759-6A51-4108-AA02-DFA0A04FC94B}">
-              <ma14:wrappingTextBoxFlag xmlns="" xmlns:ma14="http://schemas.microsoft.com/office/mac/drawingml/2011/main" val="1"/>
+              <ma14:wrappingTextBoxFlag xmlns:ma14="http://schemas.microsoft.com/office/mac/drawingml/2011/main" xmlns="" val="1"/>
             </a:ext>
           </a:extLst>
         </p:spPr>
@@ -15268,7 +15267,7 @@
             <a:effectLst/>
             <a:extLst>
               <a:ext uri="{C572A759-6A51-4108-AA02-DFA0A04FC94B}">
-                <ma14:wrappingTextBoxFlag xmlns="" xmlns:ma14="http://schemas.microsoft.com/office/mac/drawingml/2011/main" val="1"/>
+                <ma14:wrappingTextBoxFlag xmlns:ma14="http://schemas.microsoft.com/office/mac/drawingml/2011/main" xmlns="" val="1"/>
               </a:ext>
             </a:extLst>
           </p:spPr>
@@ -15430,7 +15429,7 @@
             <a:effectLst/>
             <a:extLst>
               <a:ext uri="{C572A759-6A51-4108-AA02-DFA0A04FC94B}">
-                <ma14:wrappingTextBoxFlag xmlns="" xmlns:ma14="http://schemas.microsoft.com/office/mac/drawingml/2011/main" val="1"/>
+                <ma14:wrappingTextBoxFlag xmlns:ma14="http://schemas.microsoft.com/office/mac/drawingml/2011/main" xmlns="" val="1"/>
               </a:ext>
             </a:extLst>
           </p:spPr>
@@ -15592,7 +15591,7 @@
             <a:effectLst/>
             <a:extLst>
               <a:ext uri="{C572A759-6A51-4108-AA02-DFA0A04FC94B}">
-                <ma14:wrappingTextBoxFlag xmlns="" xmlns:ma14="http://schemas.microsoft.com/office/mac/drawingml/2011/main" val="1"/>
+                <ma14:wrappingTextBoxFlag xmlns:ma14="http://schemas.microsoft.com/office/mac/drawingml/2011/main" xmlns="" val="1"/>
               </a:ext>
             </a:extLst>
           </p:spPr>
@@ -15754,7 +15753,7 @@
             <a:effectLst/>
             <a:extLst>
               <a:ext uri="{C572A759-6A51-4108-AA02-DFA0A04FC94B}">
-                <ma14:wrappingTextBoxFlag xmlns="" xmlns:ma14="http://schemas.microsoft.com/office/mac/drawingml/2011/main" val="1"/>
+                <ma14:wrappingTextBoxFlag xmlns:ma14="http://schemas.microsoft.com/office/mac/drawingml/2011/main" xmlns="" val="1"/>
               </a:ext>
             </a:extLst>
           </p:spPr>
@@ -15916,7 +15915,7 @@
             <a:effectLst/>
             <a:extLst>
               <a:ext uri="{C572A759-6A51-4108-AA02-DFA0A04FC94B}">
-                <ma14:wrappingTextBoxFlag xmlns="" xmlns:ma14="http://schemas.microsoft.com/office/mac/drawingml/2011/main" val="1"/>
+                <ma14:wrappingTextBoxFlag xmlns:ma14="http://schemas.microsoft.com/office/mac/drawingml/2011/main" xmlns="" val="1"/>
               </a:ext>
             </a:extLst>
           </p:spPr>
@@ -16078,7 +16077,7 @@
             <a:effectLst/>
             <a:extLst>
               <a:ext uri="{C572A759-6A51-4108-AA02-DFA0A04FC94B}">
-                <ma14:wrappingTextBoxFlag xmlns="" xmlns:ma14="http://schemas.microsoft.com/office/mac/drawingml/2011/main" val="1"/>
+                <ma14:wrappingTextBoxFlag xmlns:ma14="http://schemas.microsoft.com/office/mac/drawingml/2011/main" xmlns="" val="1"/>
               </a:ext>
             </a:extLst>
           </p:spPr>
@@ -16240,7 +16239,7 @@
             <a:effectLst/>
             <a:extLst>
               <a:ext uri="{C572A759-6A51-4108-AA02-DFA0A04FC94B}">
-                <ma14:wrappingTextBoxFlag xmlns="" xmlns:ma14="http://schemas.microsoft.com/office/mac/drawingml/2011/main" val="1"/>
+                <ma14:wrappingTextBoxFlag xmlns:ma14="http://schemas.microsoft.com/office/mac/drawingml/2011/main" xmlns="" val="1"/>
               </a:ext>
             </a:extLst>
           </p:spPr>
@@ -16402,7 +16401,7 @@
             <a:effectLst/>
             <a:extLst>
               <a:ext uri="{C572A759-6A51-4108-AA02-DFA0A04FC94B}">
-                <ma14:wrappingTextBoxFlag xmlns="" xmlns:ma14="http://schemas.microsoft.com/office/mac/drawingml/2011/main" val="1"/>
+                <ma14:wrappingTextBoxFlag xmlns:ma14="http://schemas.microsoft.com/office/mac/drawingml/2011/main" xmlns="" val="1"/>
               </a:ext>
             </a:extLst>
           </p:spPr>
@@ -16564,7 +16563,7 @@
             <a:effectLst/>
             <a:extLst>
               <a:ext uri="{C572A759-6A51-4108-AA02-DFA0A04FC94B}">
-                <ma14:wrappingTextBoxFlag xmlns="" xmlns:ma14="http://schemas.microsoft.com/office/mac/drawingml/2011/main" val="1"/>
+                <ma14:wrappingTextBoxFlag xmlns:ma14="http://schemas.microsoft.com/office/mac/drawingml/2011/main" xmlns="" val="1"/>
               </a:ext>
             </a:extLst>
           </p:spPr>
@@ -16726,7 +16725,7 @@
             <a:effectLst/>
             <a:extLst>
               <a:ext uri="{C572A759-6A51-4108-AA02-DFA0A04FC94B}">
-                <ma14:wrappingTextBoxFlag xmlns="" xmlns:ma14="http://schemas.microsoft.com/office/mac/drawingml/2011/main" val="1"/>
+                <ma14:wrappingTextBoxFlag xmlns:ma14="http://schemas.microsoft.com/office/mac/drawingml/2011/main" xmlns="" val="1"/>
               </a:ext>
             </a:extLst>
           </p:spPr>
@@ -16888,7 +16887,7 @@
             <a:effectLst/>
             <a:extLst>
               <a:ext uri="{C572A759-6A51-4108-AA02-DFA0A04FC94B}">
-                <ma14:wrappingTextBoxFlag xmlns="" xmlns:ma14="http://schemas.microsoft.com/office/mac/drawingml/2011/main" val="1"/>
+                <ma14:wrappingTextBoxFlag xmlns:ma14="http://schemas.microsoft.com/office/mac/drawingml/2011/main" xmlns="" val="1"/>
               </a:ext>
             </a:extLst>
           </p:spPr>
@@ -17050,7 +17049,7 @@
             <a:effectLst/>
             <a:extLst>
               <a:ext uri="{C572A759-6A51-4108-AA02-DFA0A04FC94B}">
-                <ma14:wrappingTextBoxFlag xmlns="" xmlns:ma14="http://schemas.microsoft.com/office/mac/drawingml/2011/main" val="1"/>
+                <ma14:wrappingTextBoxFlag xmlns:ma14="http://schemas.microsoft.com/office/mac/drawingml/2011/main" xmlns="" val="1"/>
               </a:ext>
             </a:extLst>
           </p:spPr>
@@ -17212,7 +17211,7 @@
             <a:effectLst/>
             <a:extLst>
               <a:ext uri="{C572A759-6A51-4108-AA02-DFA0A04FC94B}">
-                <ma14:wrappingTextBoxFlag xmlns="" xmlns:ma14="http://schemas.microsoft.com/office/mac/drawingml/2011/main" val="1"/>
+                <ma14:wrappingTextBoxFlag xmlns:ma14="http://schemas.microsoft.com/office/mac/drawingml/2011/main" xmlns="" val="1"/>
               </a:ext>
             </a:extLst>
           </p:spPr>
@@ -17374,7 +17373,7 @@
             <a:effectLst/>
             <a:extLst>
               <a:ext uri="{C572A759-6A51-4108-AA02-DFA0A04FC94B}">
-                <ma14:wrappingTextBoxFlag xmlns="" xmlns:ma14="http://schemas.microsoft.com/office/mac/drawingml/2011/main" val="1"/>
+                <ma14:wrappingTextBoxFlag xmlns:ma14="http://schemas.microsoft.com/office/mac/drawingml/2011/main" xmlns="" val="1"/>
               </a:ext>
             </a:extLst>
           </p:spPr>
@@ -17536,7 +17535,7 @@
             <a:effectLst/>
             <a:extLst>
               <a:ext uri="{C572A759-6A51-4108-AA02-DFA0A04FC94B}">
-                <ma14:wrappingTextBoxFlag xmlns="" xmlns:ma14="http://schemas.microsoft.com/office/mac/drawingml/2011/main" val="1"/>
+                <ma14:wrappingTextBoxFlag xmlns:ma14="http://schemas.microsoft.com/office/mac/drawingml/2011/main" xmlns="" val="1"/>
               </a:ext>
             </a:extLst>
           </p:spPr>
@@ -17698,7 +17697,7 @@
             <a:effectLst/>
             <a:extLst>
               <a:ext uri="{C572A759-6A51-4108-AA02-DFA0A04FC94B}">
-                <ma14:wrappingTextBoxFlag xmlns="" xmlns:ma14="http://schemas.microsoft.com/office/mac/drawingml/2011/main" val="1"/>
+                <ma14:wrappingTextBoxFlag xmlns:ma14="http://schemas.microsoft.com/office/mac/drawingml/2011/main" xmlns="" val="1"/>
               </a:ext>
             </a:extLst>
           </p:spPr>
@@ -17860,7 +17859,7 @@
             <a:effectLst/>
             <a:extLst>
               <a:ext uri="{C572A759-6A51-4108-AA02-DFA0A04FC94B}">
-                <ma14:wrappingTextBoxFlag xmlns="" xmlns:ma14="http://schemas.microsoft.com/office/mac/drawingml/2011/main" val="1"/>
+                <ma14:wrappingTextBoxFlag xmlns:ma14="http://schemas.microsoft.com/office/mac/drawingml/2011/main" xmlns="" val="1"/>
               </a:ext>
             </a:extLst>
           </p:spPr>
@@ -18022,7 +18021,7 @@
             <a:effectLst/>
             <a:extLst>
               <a:ext uri="{C572A759-6A51-4108-AA02-DFA0A04FC94B}">
-                <ma14:wrappingTextBoxFlag xmlns="" xmlns:ma14="http://schemas.microsoft.com/office/mac/drawingml/2011/main" val="1"/>
+                <ma14:wrappingTextBoxFlag xmlns:ma14="http://schemas.microsoft.com/office/mac/drawingml/2011/main" xmlns="" val="1"/>
               </a:ext>
             </a:extLst>
           </p:spPr>
@@ -18184,7 +18183,7 @@
             <a:effectLst/>
             <a:extLst>
               <a:ext uri="{C572A759-6A51-4108-AA02-DFA0A04FC94B}">
-                <ma14:wrappingTextBoxFlag xmlns="" xmlns:ma14="http://schemas.microsoft.com/office/mac/drawingml/2011/main" val="1"/>
+                <ma14:wrappingTextBoxFlag xmlns:ma14="http://schemas.microsoft.com/office/mac/drawingml/2011/main" xmlns="" val="1"/>
               </a:ext>
             </a:extLst>
           </p:spPr>
@@ -18346,7 +18345,7 @@
             <a:effectLst/>
             <a:extLst>
               <a:ext uri="{C572A759-6A51-4108-AA02-DFA0A04FC94B}">
-                <ma14:wrappingTextBoxFlag xmlns="" xmlns:ma14="http://schemas.microsoft.com/office/mac/drawingml/2011/main" val="1"/>
+                <ma14:wrappingTextBoxFlag xmlns:ma14="http://schemas.microsoft.com/office/mac/drawingml/2011/main" xmlns="" val="1"/>
               </a:ext>
             </a:extLst>
           </p:spPr>
@@ -18468,7 +18467,7 @@
           </a:ln>
           <a:extLst>
             <a:ext uri="{C572A759-6A51-4108-AA02-DFA0A04FC94B}">
-              <ma14:wrappingTextBoxFlag xmlns="" xmlns:ma14="http://schemas.microsoft.com/office/mac/drawingml/2011/main" val="1"/>
+              <ma14:wrappingTextBoxFlag xmlns:ma14="http://schemas.microsoft.com/office/mac/drawingml/2011/main" xmlns="" val="1"/>
             </a:ext>
           </a:extLst>
         </p:spPr>
@@ -18516,7 +18515,7 @@
           </a:ln>
           <a:extLst>
             <a:ext uri="{C572A759-6A51-4108-AA02-DFA0A04FC94B}">
-              <ma14:wrappingTextBoxFlag xmlns="" xmlns:ma14="http://schemas.microsoft.com/office/mac/drawingml/2011/main" val="1"/>
+              <ma14:wrappingTextBoxFlag xmlns:ma14="http://schemas.microsoft.com/office/mac/drawingml/2011/main" xmlns="" val="1"/>
             </a:ext>
           </a:extLst>
         </p:spPr>
@@ -18851,7 +18850,7 @@
               <a:effectLst/>
               <a:extLst>
                 <a:ext uri="{C572A759-6A51-4108-AA02-DFA0A04FC94B}">
-                  <ma14:wrappingTextBoxFlag xmlns="" xmlns:ma14="http://schemas.microsoft.com/office/mac/drawingml/2011/main" val="1"/>
+                  <ma14:wrappingTextBoxFlag xmlns:ma14="http://schemas.microsoft.com/office/mac/drawingml/2011/main" xmlns="" val="1"/>
                 </a:ext>
               </a:extLst>
             </p:spPr>

--- a/powerpoint/templates/VirtualPrivateCloudEditablePPT.pptx
+++ b/powerpoint/templates/VirtualPrivateCloudEditablePPT.pptx
@@ -818,7 +818,7 @@
           </a:ln>
           <a:extLst>
             <a:ext uri="{C572A759-6A51-4108-AA02-DFA0A04FC94B}">
-              <ma14:wrappingTextBoxFlag xmlns:ma14="http://schemas.microsoft.com/office/mac/drawingml/2011/main" xmlns="" val="1"/>
+              <ma14:wrappingTextBoxFlag xmlns="" xmlns:ma14="http://schemas.microsoft.com/office/mac/drawingml/2011/main" val="1"/>
             </a:ext>
           </a:extLst>
         </p:spPr>
@@ -871,7 +871,7 @@
           </a:ln>
           <a:extLst>
             <a:ext uri="{C572A759-6A51-4108-AA02-DFA0A04FC94B}">
-              <ma14:wrappingTextBoxFlag xmlns:ma14="http://schemas.microsoft.com/office/mac/drawingml/2011/main" xmlns="" val="1"/>
+              <ma14:wrappingTextBoxFlag xmlns="" xmlns:ma14="http://schemas.microsoft.com/office/mac/drawingml/2011/main" val="1"/>
             </a:ext>
           </a:extLst>
         </p:spPr>
@@ -919,7 +919,7 @@
           </a:ln>
           <a:extLst>
             <a:ext uri="{C572A759-6A51-4108-AA02-DFA0A04FC94B}">
-              <ma14:wrappingTextBoxFlag xmlns:ma14="http://schemas.microsoft.com/office/mac/drawingml/2011/main" xmlns="" val="1"/>
+              <ma14:wrappingTextBoxFlag xmlns="" xmlns:ma14="http://schemas.microsoft.com/office/mac/drawingml/2011/main" val="1"/>
             </a:ext>
           </a:extLst>
         </p:spPr>
@@ -1007,7 +1007,7 @@
           </a:ln>
           <a:extLst>
             <a:ext uri="{C572A759-6A51-4108-AA02-DFA0A04FC94B}">
-              <ma14:wrappingTextBoxFlag xmlns:ma14="http://schemas.microsoft.com/office/mac/drawingml/2011/main" xmlns="" val="1"/>
+              <ma14:wrappingTextBoxFlag xmlns="" xmlns:ma14="http://schemas.microsoft.com/office/mac/drawingml/2011/main" val="1"/>
             </a:ext>
           </a:extLst>
         </p:spPr>
@@ -1060,7 +1060,7 @@
           </a:ln>
           <a:extLst>
             <a:ext uri="{C572A759-6A51-4108-AA02-DFA0A04FC94B}">
-              <ma14:wrappingTextBoxFlag xmlns:ma14="http://schemas.microsoft.com/office/mac/drawingml/2011/main" xmlns="" val="1"/>
+              <ma14:wrappingTextBoxFlag xmlns="" xmlns:ma14="http://schemas.microsoft.com/office/mac/drawingml/2011/main" val="1"/>
             </a:ext>
           </a:extLst>
         </p:spPr>
@@ -1108,7 +1108,7 @@
           </a:ln>
           <a:extLst>
             <a:ext uri="{C572A759-6A51-4108-AA02-DFA0A04FC94B}">
-              <ma14:wrappingTextBoxFlag xmlns:ma14="http://schemas.microsoft.com/office/mac/drawingml/2011/main" xmlns="" val="1"/>
+              <ma14:wrappingTextBoxFlag xmlns="" xmlns:ma14="http://schemas.microsoft.com/office/mac/drawingml/2011/main" val="1"/>
             </a:ext>
           </a:extLst>
         </p:spPr>
@@ -1272,7 +1272,7 @@
           </a:ln>
           <a:extLst>
             <a:ext uri="{C572A759-6A51-4108-AA02-DFA0A04FC94B}">
-              <ma14:wrappingTextBoxFlag xmlns:ma14="http://schemas.microsoft.com/office/mac/drawingml/2011/main" xmlns="" val="1"/>
+              <ma14:wrappingTextBoxFlag xmlns="" xmlns:ma14="http://schemas.microsoft.com/office/mac/drawingml/2011/main" val="1"/>
             </a:ext>
           </a:extLst>
         </p:spPr>
@@ -1325,7 +1325,7 @@
           </a:ln>
           <a:extLst>
             <a:ext uri="{C572A759-6A51-4108-AA02-DFA0A04FC94B}">
-              <ma14:wrappingTextBoxFlag xmlns:ma14="http://schemas.microsoft.com/office/mac/drawingml/2011/main" xmlns="" val="1"/>
+              <ma14:wrappingTextBoxFlag xmlns="" xmlns:ma14="http://schemas.microsoft.com/office/mac/drawingml/2011/main" val="1"/>
             </a:ext>
           </a:extLst>
         </p:spPr>
@@ -1373,7 +1373,7 @@
           </a:ln>
           <a:extLst>
             <a:ext uri="{C572A759-6A51-4108-AA02-DFA0A04FC94B}">
-              <ma14:wrappingTextBoxFlag xmlns:ma14="http://schemas.microsoft.com/office/mac/drawingml/2011/main" xmlns="" val="1"/>
+              <ma14:wrappingTextBoxFlag xmlns="" xmlns:ma14="http://schemas.microsoft.com/office/mac/drawingml/2011/main" val="1"/>
             </a:ext>
           </a:extLst>
         </p:spPr>
@@ -1563,7 +1563,7 @@
           </a:ln>
           <a:extLst>
             <a:ext uri="{C572A759-6A51-4108-AA02-DFA0A04FC94B}">
-              <ma14:wrappingTextBoxFlag xmlns:ma14="http://schemas.microsoft.com/office/mac/drawingml/2011/main" xmlns="" val="1"/>
+              <ma14:wrappingTextBoxFlag xmlns="" xmlns:ma14="http://schemas.microsoft.com/office/mac/drawingml/2011/main" val="1"/>
             </a:ext>
           </a:extLst>
         </p:spPr>
@@ -1701,7 +1701,7 @@
           </a:ln>
           <a:extLst>
             <a:ext uri="{C572A759-6A51-4108-AA02-DFA0A04FC94B}">
-              <ma14:wrappingTextBoxFlag xmlns:ma14="http://schemas.microsoft.com/office/mac/drawingml/2011/main" xmlns="" val="1"/>
+              <ma14:wrappingTextBoxFlag xmlns="" xmlns:ma14="http://schemas.microsoft.com/office/mac/drawingml/2011/main" val="1"/>
             </a:ext>
           </a:extLst>
         </p:spPr>
@@ -1754,7 +1754,7 @@
           </a:ln>
           <a:extLst>
             <a:ext uri="{C572A759-6A51-4108-AA02-DFA0A04FC94B}">
-              <ma14:wrappingTextBoxFlag xmlns:ma14="http://schemas.microsoft.com/office/mac/drawingml/2011/main" xmlns="" val="1"/>
+              <ma14:wrappingTextBoxFlag xmlns="" xmlns:ma14="http://schemas.microsoft.com/office/mac/drawingml/2011/main" val="1"/>
             </a:ext>
           </a:extLst>
         </p:spPr>
@@ -1828,7 +1828,7 @@
           </a:ln>
           <a:extLst>
             <a:ext uri="{C572A759-6A51-4108-AA02-DFA0A04FC94B}">
-              <ma14:wrappingTextBoxFlag xmlns:ma14="http://schemas.microsoft.com/office/mac/drawingml/2011/main" xmlns="" val="1"/>
+              <ma14:wrappingTextBoxFlag xmlns="" xmlns:ma14="http://schemas.microsoft.com/office/mac/drawingml/2011/main" val="1"/>
             </a:ext>
           </a:extLst>
         </p:spPr>
@@ -2797,7 +2797,7 @@
           </a:ln>
           <a:extLst>
             <a:ext uri="{C572A759-6A51-4108-AA02-DFA0A04FC94B}">
-              <ma14:wrappingTextBoxFlag xmlns:ma14="http://schemas.microsoft.com/office/mac/drawingml/2011/main" xmlns="" val="1"/>
+              <ma14:wrappingTextBoxFlag xmlns="" xmlns:ma14="http://schemas.microsoft.com/office/mac/drawingml/2011/main" val="1"/>
             </a:ext>
           </a:extLst>
         </p:spPr>
@@ -2840,7 +2840,7 @@
           </a:ln>
           <a:extLst>
             <a:ext uri="{C572A759-6A51-4108-AA02-DFA0A04FC94B}">
-              <ma14:wrappingTextBoxFlag xmlns:ma14="http://schemas.microsoft.com/office/mac/drawingml/2011/main" xmlns="" val="1"/>
+              <ma14:wrappingTextBoxFlag xmlns="" xmlns:ma14="http://schemas.microsoft.com/office/mac/drawingml/2011/main" val="1"/>
             </a:ext>
           </a:extLst>
         </p:spPr>
@@ -3288,7 +3288,7 @@
           </a:ln>
           <a:extLst>
             <a:ext uri="{C572A759-6A51-4108-AA02-DFA0A04FC94B}">
-              <ma14:wrappingTextBoxFlag xmlns:ma14="http://schemas.microsoft.com/office/mac/drawingml/2011/main" xmlns="" val="1"/>
+              <ma14:wrappingTextBoxFlag xmlns="" xmlns:ma14="http://schemas.microsoft.com/office/mac/drawingml/2011/main" val="1"/>
             </a:ext>
           </a:extLst>
         </p:spPr>
@@ -3337,7 +3337,7 @@
           </a:ln>
           <a:extLst>
             <a:ext uri="{C572A759-6A51-4108-AA02-DFA0A04FC94B}">
-              <ma14:wrappingTextBoxFlag xmlns:ma14="http://schemas.microsoft.com/office/mac/drawingml/2011/main" xmlns="" val="1"/>
+              <ma14:wrappingTextBoxFlag xmlns="" xmlns:ma14="http://schemas.microsoft.com/office/mac/drawingml/2011/main" val="1"/>
             </a:ext>
           </a:extLst>
         </p:spPr>
@@ -3757,7 +3757,7 @@
                   <a:srgbClr val="000000"/>
                 </a:solidFill>
               </a:rPr>
-              <a:t>September 10</a:t>
+              <a:t>June 20</a:t>
             </a:r>
             <a:r>
               <a:rPr lang="en-US" sz="1200" b="1" baseline="30000" dirty="0">
@@ -3790,7 +3790,7 @@
                 <a:cs typeface="+mn-cs"/>
                 <a:sym typeface="Helvetica Light"/>
               </a:rPr>
-              <a:t>2018</a:t>
+              <a:t>2019</a:t>
             </a:r>
           </a:p>
         </p:txBody>
@@ -4502,9 +4502,7 @@
                     <p:nvPr/>
                   </p:nvPicPr>
                   <p:blipFill>
-                    <a:blip r:embed="rId6">
-                      <a:extLst/>
-                    </a:blip>
+                    <a:blip r:embed="rId6"/>
                     <a:srcRect l="24323" t="21763" r="24323" b="21763"/>
                     <a:stretch>
                       <a:fillRect/>
@@ -4650,9 +4648,7 @@
                     <p:nvPr/>
                   </p:nvPicPr>
                   <p:blipFill>
-                    <a:blip r:embed="rId6">
-                      <a:extLst/>
-                    </a:blip>
+                    <a:blip r:embed="rId6"/>
                     <a:srcRect l="24323" t="21763" r="24323" b="21763"/>
                     <a:stretch>
                       <a:fillRect/>
@@ -4798,9 +4794,7 @@
                     <p:nvPr/>
                   </p:nvPicPr>
                   <p:blipFill>
-                    <a:blip r:embed="rId7">
-                      <a:extLst/>
-                    </a:blip>
+                    <a:blip r:embed="rId7"/>
                     <a:srcRect l="22990" t="22678" r="12110" b="12057"/>
                     <a:stretch>
                       <a:fillRect/>
@@ -4946,9 +4940,7 @@
                     <p:nvPr/>
                   </p:nvPicPr>
                   <p:blipFill>
-                    <a:blip r:embed="rId8">
-                      <a:extLst/>
-                    </a:blip>
+                    <a:blip r:embed="rId8"/>
                     <a:srcRect l="15445" t="21517" r="15445" b="21517"/>
                     <a:stretch>
                       <a:fillRect/>
@@ -5094,9 +5086,7 @@
                     <p:nvPr/>
                   </p:nvPicPr>
                   <p:blipFill>
-                    <a:blip r:embed="rId9">
-                      <a:extLst/>
-                    </a:blip>
+                    <a:blip r:embed="rId9"/>
                     <a:srcRect l="16797" t="24739" r="16797" b="24739"/>
                     <a:stretch>
                       <a:fillRect/>
@@ -5212,7 +5202,7 @@
                     </a:ln>
                     <a:extLst>
                       <a:ext uri="{C572A759-6A51-4108-AA02-DFA0A04FC94B}">
-                        <ma14:wrappingTextBoxFlag xmlns="" xmlns:ma14="http://schemas.microsoft.com/office/mac/drawingml/2011/main" val="1"/>
+                        <ma14:wrappingTextBoxFlag xmlns:ma14="http://schemas.microsoft.com/office/mac/drawingml/2011/main" xmlns="" val="1"/>
                       </a:ext>
                     </a:extLst>
                   </p:spPr>
@@ -5299,7 +5289,7 @@
                     </a:ln>
                     <a:extLst>
                       <a:ext uri="{C572A759-6A51-4108-AA02-DFA0A04FC94B}">
-                        <ma14:wrappingTextBoxFlag xmlns="" xmlns:ma14="http://schemas.microsoft.com/office/mac/drawingml/2011/main" val="1"/>
+                        <ma14:wrappingTextBoxFlag xmlns:ma14="http://schemas.microsoft.com/office/mac/drawingml/2011/main" xmlns="" val="1"/>
                       </a:ext>
                     </a:extLst>
                   </p:spPr>
@@ -5909,7 +5899,7 @@
                   </a:ln>
                   <a:extLst>
                     <a:ext uri="{C572A759-6A51-4108-AA02-DFA0A04FC94B}">
-                      <ma14:wrappingTextBoxFlag xmlns="" xmlns:ma14="http://schemas.microsoft.com/office/mac/drawingml/2011/main" val="1"/>
+                      <ma14:wrappingTextBoxFlag xmlns:ma14="http://schemas.microsoft.com/office/mac/drawingml/2011/main" xmlns="" val="1"/>
                     </a:ext>
                   </a:extLst>
                 </p:spPr>
@@ -6068,7 +6058,7 @@
                     </a:ln>
                     <a:extLst>
                       <a:ext uri="{C572A759-6A51-4108-AA02-DFA0A04FC94B}">
-                        <ma14:wrappingTextBoxFlag xmlns="" xmlns:ma14="http://schemas.microsoft.com/office/mac/drawingml/2011/main" val="1"/>
+                        <ma14:wrappingTextBoxFlag xmlns:ma14="http://schemas.microsoft.com/office/mac/drawingml/2011/main" xmlns="" val="1"/>
                       </a:ext>
                     </a:extLst>
                   </p:spPr>
@@ -6207,7 +6197,7 @@
                   </a:ln>
                   <a:extLst>
                     <a:ext uri="{C572A759-6A51-4108-AA02-DFA0A04FC94B}">
-                      <ma14:wrappingTextBoxFlag xmlns="" xmlns:ma14="http://schemas.microsoft.com/office/mac/drawingml/2011/main" val="1"/>
+                      <ma14:wrappingTextBoxFlag xmlns:ma14="http://schemas.microsoft.com/office/mac/drawingml/2011/main" xmlns="" val="1"/>
                     </a:ext>
                   </a:extLst>
                 </p:spPr>
@@ -6268,7 +6258,7 @@
                   </a:ln>
                   <a:extLst>
                     <a:ext uri="{C572A759-6A51-4108-AA02-DFA0A04FC94B}">
-                      <ma14:wrappingTextBoxFlag xmlns="" xmlns:ma14="http://schemas.microsoft.com/office/mac/drawingml/2011/main" val="1"/>
+                      <ma14:wrappingTextBoxFlag xmlns:ma14="http://schemas.microsoft.com/office/mac/drawingml/2011/main" xmlns="" val="1"/>
                     </a:ext>
                   </a:extLst>
                 </p:spPr>
@@ -6329,7 +6319,7 @@
                   </a:ln>
                   <a:extLst>
                     <a:ext uri="{C572A759-6A51-4108-AA02-DFA0A04FC94B}">
-                      <ma14:wrappingTextBoxFlag xmlns="" xmlns:ma14="http://schemas.microsoft.com/office/mac/drawingml/2011/main" val="1"/>
+                      <ma14:wrappingTextBoxFlag xmlns:ma14="http://schemas.microsoft.com/office/mac/drawingml/2011/main" xmlns="" val="1"/>
                     </a:ext>
                   </a:extLst>
                 </p:spPr>
@@ -6468,7 +6458,7 @@
                   </a:ln>
                   <a:extLst>
                     <a:ext uri="{C572A759-6A51-4108-AA02-DFA0A04FC94B}">
-                      <ma14:wrappingTextBoxFlag xmlns="" xmlns:ma14="http://schemas.microsoft.com/office/mac/drawingml/2011/main" val="1"/>
+                      <ma14:wrappingTextBoxFlag xmlns:ma14="http://schemas.microsoft.com/office/mac/drawingml/2011/main" xmlns="" val="1"/>
                     </a:ext>
                   </a:extLst>
                 </p:spPr>
@@ -6619,7 +6609,7 @@
                   </a:ln>
                   <a:extLst>
                     <a:ext uri="{C572A759-6A51-4108-AA02-DFA0A04FC94B}">
-                      <ma14:wrappingTextBoxFlag xmlns="" xmlns:ma14="http://schemas.microsoft.com/office/mac/drawingml/2011/main" val="1"/>
+                      <ma14:wrappingTextBoxFlag xmlns:ma14="http://schemas.microsoft.com/office/mac/drawingml/2011/main" xmlns="" val="1"/>
                     </a:ext>
                   </a:extLst>
                 </p:spPr>
@@ -6988,7 +6978,7 @@
                   </a:ln>
                   <a:extLst>
                     <a:ext uri="{C572A759-6A51-4108-AA02-DFA0A04FC94B}">
-                      <ma14:wrappingTextBoxFlag xmlns="" xmlns:ma14="http://schemas.microsoft.com/office/mac/drawingml/2011/main" val="1"/>
+                      <ma14:wrappingTextBoxFlag xmlns:ma14="http://schemas.microsoft.com/office/mac/drawingml/2011/main" xmlns="" val="1"/>
                     </a:ext>
                   </a:extLst>
                 </p:spPr>
@@ -7049,7 +7039,7 @@
                   </a:ln>
                   <a:extLst>
                     <a:ext uri="{C572A759-6A51-4108-AA02-DFA0A04FC94B}">
-                      <ma14:wrappingTextBoxFlag xmlns="" xmlns:ma14="http://schemas.microsoft.com/office/mac/drawingml/2011/main" val="1"/>
+                      <ma14:wrappingTextBoxFlag xmlns:ma14="http://schemas.microsoft.com/office/mac/drawingml/2011/main" xmlns="" val="1"/>
                     </a:ext>
                   </a:extLst>
                 </p:spPr>
@@ -7110,7 +7100,7 @@
                   </a:ln>
                   <a:extLst>
                     <a:ext uri="{C572A759-6A51-4108-AA02-DFA0A04FC94B}">
-                      <ma14:wrappingTextBoxFlag xmlns="" xmlns:ma14="http://schemas.microsoft.com/office/mac/drawingml/2011/main" val="1"/>
+                      <ma14:wrappingTextBoxFlag xmlns:ma14="http://schemas.microsoft.com/office/mac/drawingml/2011/main" xmlns="" val="1"/>
                     </a:ext>
                   </a:extLst>
                 </p:spPr>
@@ -7171,7 +7161,7 @@
                   </a:ln>
                   <a:extLst>
                     <a:ext uri="{C572A759-6A51-4108-AA02-DFA0A04FC94B}">
-                      <ma14:wrappingTextBoxFlag xmlns="" xmlns:ma14="http://schemas.microsoft.com/office/mac/drawingml/2011/main" val="1"/>
+                      <ma14:wrappingTextBoxFlag xmlns:ma14="http://schemas.microsoft.com/office/mac/drawingml/2011/main" xmlns="" val="1"/>
                     </a:ext>
                   </a:extLst>
                 </p:spPr>
@@ -7232,7 +7222,7 @@
                   </a:ln>
                   <a:extLst>
                     <a:ext uri="{C572A759-6A51-4108-AA02-DFA0A04FC94B}">
-                      <ma14:wrappingTextBoxFlag xmlns="" xmlns:ma14="http://schemas.microsoft.com/office/mac/drawingml/2011/main" val="1"/>
+                      <ma14:wrappingTextBoxFlag xmlns:ma14="http://schemas.microsoft.com/office/mac/drawingml/2011/main" xmlns="" val="1"/>
                     </a:ext>
                   </a:extLst>
                 </p:spPr>
@@ -7293,7 +7283,7 @@
                   </a:ln>
                   <a:extLst>
                     <a:ext uri="{C572A759-6A51-4108-AA02-DFA0A04FC94B}">
-                      <ma14:wrappingTextBoxFlag xmlns="" xmlns:ma14="http://schemas.microsoft.com/office/mac/drawingml/2011/main" val="1"/>
+                      <ma14:wrappingTextBoxFlag xmlns:ma14="http://schemas.microsoft.com/office/mac/drawingml/2011/main" xmlns="" val="1"/>
                     </a:ext>
                   </a:extLst>
                 </p:spPr>
@@ -7354,7 +7344,7 @@
                   </a:ln>
                   <a:extLst>
                     <a:ext uri="{C572A759-6A51-4108-AA02-DFA0A04FC94B}">
-                      <ma14:wrappingTextBoxFlag xmlns="" xmlns:ma14="http://schemas.microsoft.com/office/mac/drawingml/2011/main" val="1"/>
+                      <ma14:wrappingTextBoxFlag xmlns:ma14="http://schemas.microsoft.com/office/mac/drawingml/2011/main" xmlns="" val="1"/>
                     </a:ext>
                   </a:extLst>
                 </p:spPr>
@@ -7415,7 +7405,7 @@
                   </a:ln>
                   <a:extLst>
                     <a:ext uri="{C572A759-6A51-4108-AA02-DFA0A04FC94B}">
-                      <ma14:wrappingTextBoxFlag xmlns="" xmlns:ma14="http://schemas.microsoft.com/office/mac/drawingml/2011/main" val="1"/>
+                      <ma14:wrappingTextBoxFlag xmlns:ma14="http://schemas.microsoft.com/office/mac/drawingml/2011/main" xmlns="" val="1"/>
                     </a:ext>
                   </a:extLst>
                 </p:spPr>
@@ -7476,7 +7466,7 @@
                   </a:ln>
                   <a:extLst>
                     <a:ext uri="{C572A759-6A51-4108-AA02-DFA0A04FC94B}">
-                      <ma14:wrappingTextBoxFlag xmlns="" xmlns:ma14="http://schemas.microsoft.com/office/mac/drawingml/2011/main" val="1"/>
+                      <ma14:wrappingTextBoxFlag xmlns:ma14="http://schemas.microsoft.com/office/mac/drawingml/2011/main" xmlns="" val="1"/>
                     </a:ext>
                   </a:extLst>
                 </p:spPr>
@@ -7963,7 +7953,7 @@
                   </a:ln>
                   <a:extLst>
                     <a:ext uri="{C572A759-6A51-4108-AA02-DFA0A04FC94B}">
-                      <ma14:wrappingTextBoxFlag xmlns="" xmlns:ma14="http://schemas.microsoft.com/office/mac/drawingml/2011/main" val="1"/>
+                      <ma14:wrappingTextBoxFlag xmlns:ma14="http://schemas.microsoft.com/office/mac/drawingml/2011/main" xmlns="" val="1"/>
                     </a:ext>
                   </a:extLst>
                 </p:spPr>
@@ -8036,7 +8026,7 @@
                   </a:ln>
                   <a:extLst>
                     <a:ext uri="{C572A759-6A51-4108-AA02-DFA0A04FC94B}">
-                      <ma14:wrappingTextBoxFlag xmlns="" xmlns:ma14="http://schemas.microsoft.com/office/mac/drawingml/2011/main" val="1"/>
+                      <ma14:wrappingTextBoxFlag xmlns:ma14="http://schemas.microsoft.com/office/mac/drawingml/2011/main" xmlns="" val="1"/>
                     </a:ext>
                   </a:extLst>
                 </p:spPr>
@@ -8109,7 +8099,7 @@
                   </a:ln>
                   <a:extLst>
                     <a:ext uri="{C572A759-6A51-4108-AA02-DFA0A04FC94B}">
-                      <ma14:wrappingTextBoxFlag xmlns="" xmlns:ma14="http://schemas.microsoft.com/office/mac/drawingml/2011/main" val="1"/>
+                      <ma14:wrappingTextBoxFlag xmlns:ma14="http://schemas.microsoft.com/office/mac/drawingml/2011/main" xmlns="" val="1"/>
                     </a:ext>
                   </a:extLst>
                 </p:spPr>
@@ -8179,7 +8169,7 @@
                   </a:ln>
                   <a:extLst>
                     <a:ext uri="{C572A759-6A51-4108-AA02-DFA0A04FC94B}">
-                      <ma14:wrappingTextBoxFlag xmlns="" xmlns:ma14="http://schemas.microsoft.com/office/mac/drawingml/2011/main" val="1"/>
+                      <ma14:wrappingTextBoxFlag xmlns:ma14="http://schemas.microsoft.com/office/mac/drawingml/2011/main" xmlns="" val="1"/>
                     </a:ext>
                   </a:extLst>
                 </p:spPr>
@@ -8240,7 +8230,7 @@
                   </a:ln>
                   <a:extLst>
                     <a:ext uri="{C572A759-6A51-4108-AA02-DFA0A04FC94B}">
-                      <ma14:wrappingTextBoxFlag xmlns="" xmlns:ma14="http://schemas.microsoft.com/office/mac/drawingml/2011/main" val="1"/>
+                      <ma14:wrappingTextBoxFlag xmlns:ma14="http://schemas.microsoft.com/office/mac/drawingml/2011/main" xmlns="" val="1"/>
                     </a:ext>
                   </a:extLst>
                 </p:spPr>
@@ -8301,7 +8291,7 @@
                   </a:ln>
                   <a:extLst>
                     <a:ext uri="{C572A759-6A51-4108-AA02-DFA0A04FC94B}">
-                      <ma14:wrappingTextBoxFlag xmlns="" xmlns:ma14="http://schemas.microsoft.com/office/mac/drawingml/2011/main" val="1"/>
+                      <ma14:wrappingTextBoxFlag xmlns:ma14="http://schemas.microsoft.com/office/mac/drawingml/2011/main" xmlns="" val="1"/>
                     </a:ext>
                   </a:extLst>
                 </p:spPr>
@@ -8362,7 +8352,7 @@
                   </a:ln>
                   <a:extLst>
                     <a:ext uri="{C572A759-6A51-4108-AA02-DFA0A04FC94B}">
-                      <ma14:wrappingTextBoxFlag xmlns="" xmlns:ma14="http://schemas.microsoft.com/office/mac/drawingml/2011/main" val="1"/>
+                      <ma14:wrappingTextBoxFlag xmlns:ma14="http://schemas.microsoft.com/office/mac/drawingml/2011/main" xmlns="" val="1"/>
                     </a:ext>
                   </a:extLst>
                 </p:spPr>
@@ -8423,7 +8413,7 @@
                   </a:ln>
                   <a:extLst>
                     <a:ext uri="{C572A759-6A51-4108-AA02-DFA0A04FC94B}">
-                      <ma14:wrappingTextBoxFlag xmlns="" xmlns:ma14="http://schemas.microsoft.com/office/mac/drawingml/2011/main" val="1"/>
+                      <ma14:wrappingTextBoxFlag xmlns:ma14="http://schemas.microsoft.com/office/mac/drawingml/2011/main" xmlns="" val="1"/>
                     </a:ext>
                   </a:extLst>
                 </p:spPr>
@@ -8484,7 +8474,7 @@
                   </a:ln>
                   <a:extLst>
                     <a:ext uri="{C572A759-6A51-4108-AA02-DFA0A04FC94B}">
-                      <ma14:wrappingTextBoxFlag xmlns="" xmlns:ma14="http://schemas.microsoft.com/office/mac/drawingml/2011/main" val="1"/>
+                      <ma14:wrappingTextBoxFlag xmlns:ma14="http://schemas.microsoft.com/office/mac/drawingml/2011/main" xmlns="" val="1"/>
                     </a:ext>
                   </a:extLst>
                 </p:spPr>
@@ -8545,7 +8535,7 @@
                   </a:ln>
                   <a:extLst>
                     <a:ext uri="{C572A759-6A51-4108-AA02-DFA0A04FC94B}">
-                      <ma14:wrappingTextBoxFlag xmlns="" xmlns:ma14="http://schemas.microsoft.com/office/mac/drawingml/2011/main" val="1"/>
+                      <ma14:wrappingTextBoxFlag xmlns:ma14="http://schemas.microsoft.com/office/mac/drawingml/2011/main" xmlns="" val="1"/>
                     </a:ext>
                   </a:extLst>
                 </p:spPr>
@@ -8653,7 +8643,7 @@
                   </a:ln>
                   <a:extLst>
                     <a:ext uri="{C572A759-6A51-4108-AA02-DFA0A04FC94B}">
-                      <ma14:wrappingTextBoxFlag xmlns="" xmlns:ma14="http://schemas.microsoft.com/office/mac/drawingml/2011/main" val="1"/>
+                      <ma14:wrappingTextBoxFlag xmlns:ma14="http://schemas.microsoft.com/office/mac/drawingml/2011/main" xmlns="" val="1"/>
                     </a:ext>
                   </a:extLst>
                 </p:spPr>
@@ -8757,7 +8747,7 @@
                   </a:ln>
                   <a:extLst>
                     <a:ext uri="{C572A759-6A51-4108-AA02-DFA0A04FC94B}">
-                      <ma14:wrappingTextBoxFlag xmlns="" xmlns:ma14="http://schemas.microsoft.com/office/mac/drawingml/2011/main" val="1"/>
+                      <ma14:wrappingTextBoxFlag xmlns:ma14="http://schemas.microsoft.com/office/mac/drawingml/2011/main" xmlns="" val="1"/>
                     </a:ext>
                   </a:extLst>
                 </p:spPr>
@@ -8818,7 +8808,7 @@
                   </a:ln>
                   <a:extLst>
                     <a:ext uri="{C572A759-6A51-4108-AA02-DFA0A04FC94B}">
-                      <ma14:wrappingTextBoxFlag xmlns="" xmlns:ma14="http://schemas.microsoft.com/office/mac/drawingml/2011/main" val="1"/>
+                      <ma14:wrappingTextBoxFlag xmlns:ma14="http://schemas.microsoft.com/office/mac/drawingml/2011/main" xmlns="" val="1"/>
                     </a:ext>
                   </a:extLst>
                 </p:spPr>
@@ -8879,7 +8869,7 @@
                   </a:ln>
                   <a:extLst>
                     <a:ext uri="{C572A759-6A51-4108-AA02-DFA0A04FC94B}">
-                      <ma14:wrappingTextBoxFlag xmlns="" xmlns:ma14="http://schemas.microsoft.com/office/mac/drawingml/2011/main" val="1"/>
+                      <ma14:wrappingTextBoxFlag xmlns:ma14="http://schemas.microsoft.com/office/mac/drawingml/2011/main" xmlns="" val="1"/>
                     </a:ext>
                   </a:extLst>
                 </p:spPr>
@@ -9510,7 +9500,7 @@
                   </a:ln>
                   <a:extLst>
                     <a:ext uri="{C572A759-6A51-4108-AA02-DFA0A04FC94B}">
-                      <ma14:wrappingTextBoxFlag xmlns="" xmlns:ma14="http://schemas.microsoft.com/office/mac/drawingml/2011/main" val="1"/>
+                      <ma14:wrappingTextBoxFlag xmlns:ma14="http://schemas.microsoft.com/office/mac/drawingml/2011/main" xmlns="" val="1"/>
                     </a:ext>
                   </a:extLst>
                 </p:spPr>
@@ -9914,7 +9904,7 @@
                   </a:ln>
                   <a:extLst>
                     <a:ext uri="{C572A759-6A51-4108-AA02-DFA0A04FC94B}">
-                      <ma14:wrappingTextBoxFlag xmlns="" xmlns:ma14="http://schemas.microsoft.com/office/mac/drawingml/2011/main" val="1"/>
+                      <ma14:wrappingTextBoxFlag xmlns:ma14="http://schemas.microsoft.com/office/mac/drawingml/2011/main" xmlns="" val="1"/>
                     </a:ext>
                   </a:extLst>
                 </p:spPr>
@@ -9975,7 +9965,7 @@
                   </a:ln>
                   <a:extLst>
                     <a:ext uri="{C572A759-6A51-4108-AA02-DFA0A04FC94B}">
-                      <ma14:wrappingTextBoxFlag xmlns="" xmlns:ma14="http://schemas.microsoft.com/office/mac/drawingml/2011/main" val="1"/>
+                      <ma14:wrappingTextBoxFlag xmlns:ma14="http://schemas.microsoft.com/office/mac/drawingml/2011/main" xmlns="" val="1"/>
                     </a:ext>
                   </a:extLst>
                 </p:spPr>
@@ -10452,7 +10442,7 @@
                   </a:ln>
                   <a:extLst>
                     <a:ext uri="{C572A759-6A51-4108-AA02-DFA0A04FC94B}">
-                      <ma14:wrappingTextBoxFlag xmlns="" xmlns:ma14="http://schemas.microsoft.com/office/mac/drawingml/2011/main" val="1"/>
+                      <ma14:wrappingTextBoxFlag xmlns:ma14="http://schemas.microsoft.com/office/mac/drawingml/2011/main" xmlns="" val="1"/>
                     </a:ext>
                   </a:extLst>
                 </p:spPr>
@@ -11283,7 +11273,7 @@
                   </a:ln>
                   <a:extLst>
                     <a:ext uri="{C572A759-6A51-4108-AA02-DFA0A04FC94B}">
-                      <ma14:wrappingTextBoxFlag xmlns="" xmlns:ma14="http://schemas.microsoft.com/office/mac/drawingml/2011/main" val="1"/>
+                      <ma14:wrappingTextBoxFlag xmlns:ma14="http://schemas.microsoft.com/office/mac/drawingml/2011/main" xmlns="" val="1"/>
                     </a:ext>
                   </a:extLst>
                 </p:spPr>
@@ -11595,7 +11585,7 @@
                   </a:ln>
                   <a:extLst>
                     <a:ext uri="{C572A759-6A51-4108-AA02-DFA0A04FC94B}">
-                      <ma14:wrappingTextBoxFlag xmlns="" xmlns:ma14="http://schemas.microsoft.com/office/mac/drawingml/2011/main" val="1"/>
+                      <ma14:wrappingTextBoxFlag xmlns:ma14="http://schemas.microsoft.com/office/mac/drawingml/2011/main" xmlns="" val="1"/>
                     </a:ext>
                   </a:extLst>
                 </p:spPr>
@@ -11878,7 +11868,7 @@
                   </a:ln>
                   <a:extLst>
                     <a:ext uri="{C572A759-6A51-4108-AA02-DFA0A04FC94B}">
-                      <ma14:wrappingTextBoxFlag xmlns="" xmlns:ma14="http://schemas.microsoft.com/office/mac/drawingml/2011/main" val="1"/>
+                      <ma14:wrappingTextBoxFlag xmlns:ma14="http://schemas.microsoft.com/office/mac/drawingml/2011/main" xmlns="" val="1"/>
                     </a:ext>
                   </a:extLst>
                 </p:spPr>
@@ -12083,7 +12073,7 @@
                   </a:ln>
                   <a:extLst>
                     <a:ext uri="{C572A759-6A51-4108-AA02-DFA0A04FC94B}">
-                      <ma14:wrappingTextBoxFlag xmlns="" xmlns:ma14="http://schemas.microsoft.com/office/mac/drawingml/2011/main" val="1"/>
+                      <ma14:wrappingTextBoxFlag xmlns:ma14="http://schemas.microsoft.com/office/mac/drawingml/2011/main" xmlns="" val="1"/>
                     </a:ext>
                   </a:extLst>
                 </p:spPr>
@@ -12286,7 +12276,7 @@
                   </a:ln>
                   <a:extLst>
                     <a:ext uri="{C572A759-6A51-4108-AA02-DFA0A04FC94B}">
-                      <ma14:wrappingTextBoxFlag xmlns="" xmlns:ma14="http://schemas.microsoft.com/office/mac/drawingml/2011/main" val="1"/>
+                      <ma14:wrappingTextBoxFlag xmlns:ma14="http://schemas.microsoft.com/office/mac/drawingml/2011/main" xmlns="" val="1"/>
                     </a:ext>
                   </a:extLst>
                 </p:spPr>
@@ -12489,7 +12479,7 @@
                   </a:ln>
                   <a:extLst>
                     <a:ext uri="{C572A759-6A51-4108-AA02-DFA0A04FC94B}">
-                      <ma14:wrappingTextBoxFlag xmlns="" xmlns:ma14="http://schemas.microsoft.com/office/mac/drawingml/2011/main" val="1"/>
+                      <ma14:wrappingTextBoxFlag xmlns:ma14="http://schemas.microsoft.com/office/mac/drawingml/2011/main" xmlns="" val="1"/>
                     </a:ext>
                   </a:extLst>
                 </p:spPr>
@@ -12769,7 +12759,7 @@
                   </a:ln>
                   <a:extLst>
                     <a:ext uri="{C572A759-6A51-4108-AA02-DFA0A04FC94B}">
-                      <ma14:wrappingTextBoxFlag xmlns="" xmlns:ma14="http://schemas.microsoft.com/office/mac/drawingml/2011/main" val="1"/>
+                      <ma14:wrappingTextBoxFlag xmlns:ma14="http://schemas.microsoft.com/office/mac/drawingml/2011/main" xmlns="" val="1"/>
                     </a:ext>
                   </a:extLst>
                 </p:spPr>
@@ -14238,7 +14228,7 @@
                 </a:ln>
                 <a:extLst>
                   <a:ext uri="{C572A759-6A51-4108-AA02-DFA0A04FC94B}">
-                    <ma14:wrappingTextBoxFlag xmlns="" xmlns:ma14="http://schemas.microsoft.com/office/mac/drawingml/2011/main" val="1"/>
+                    <ma14:wrappingTextBoxFlag xmlns:ma14="http://schemas.microsoft.com/office/mac/drawingml/2011/main" xmlns="" val="1"/>
                   </a:ext>
                 </a:extLst>
               </p:spPr>
@@ -14299,7 +14289,7 @@
                 </a:ln>
                 <a:extLst>
                   <a:ext uri="{C572A759-6A51-4108-AA02-DFA0A04FC94B}">
-                    <ma14:wrappingTextBoxFlag xmlns="" xmlns:ma14="http://schemas.microsoft.com/office/mac/drawingml/2011/main" val="1"/>
+                    <ma14:wrappingTextBoxFlag xmlns:ma14="http://schemas.microsoft.com/office/mac/drawingml/2011/main" xmlns="" val="1"/>
                   </a:ext>
                 </a:extLst>
               </p:spPr>
@@ -14360,7 +14350,7 @@
                 </a:ln>
                 <a:extLst>
                   <a:ext uri="{C572A759-6A51-4108-AA02-DFA0A04FC94B}">
-                    <ma14:wrappingTextBoxFlag xmlns="" xmlns:ma14="http://schemas.microsoft.com/office/mac/drawingml/2011/main" val="1"/>
+                    <ma14:wrappingTextBoxFlag xmlns:ma14="http://schemas.microsoft.com/office/mac/drawingml/2011/main" xmlns="" val="1"/>
                   </a:ext>
                 </a:extLst>
               </p:spPr>
@@ -14421,7 +14411,7 @@
                 </a:ln>
                 <a:extLst>
                   <a:ext uri="{C572A759-6A51-4108-AA02-DFA0A04FC94B}">
-                    <ma14:wrappingTextBoxFlag xmlns="" xmlns:ma14="http://schemas.microsoft.com/office/mac/drawingml/2011/main" val="1"/>
+                    <ma14:wrappingTextBoxFlag xmlns:ma14="http://schemas.microsoft.com/office/mac/drawingml/2011/main" xmlns="" val="1"/>
                   </a:ext>
                 </a:extLst>
               </p:spPr>
@@ -14997,7 +14987,7 @@
           </a:ln>
           <a:extLst>
             <a:ext uri="{C572A759-6A51-4108-AA02-DFA0A04FC94B}">
-              <ma14:wrappingTextBoxFlag xmlns:ma14="http://schemas.microsoft.com/office/mac/drawingml/2011/main" xmlns="" val="1"/>
+              <ma14:wrappingTextBoxFlag xmlns="" xmlns:ma14="http://schemas.microsoft.com/office/mac/drawingml/2011/main" val="1"/>
             </a:ext>
           </a:extLst>
         </p:spPr>
@@ -15045,7 +15035,7 @@
           </a:ln>
           <a:extLst>
             <a:ext uri="{C572A759-6A51-4108-AA02-DFA0A04FC94B}">
-              <ma14:wrappingTextBoxFlag xmlns:ma14="http://schemas.microsoft.com/office/mac/drawingml/2011/main" xmlns="" val="1"/>
+              <ma14:wrappingTextBoxFlag xmlns="" xmlns:ma14="http://schemas.microsoft.com/office/mac/drawingml/2011/main" val="1"/>
             </a:ext>
           </a:extLst>
         </p:spPr>
@@ -15200,7 +15190,7 @@
             <a:effectLst/>
             <a:extLst>
               <a:ext uri="{C572A759-6A51-4108-AA02-DFA0A04FC94B}">
-                <ma14:wrappingTextBoxFlag xmlns:ma14="http://schemas.microsoft.com/office/mac/drawingml/2011/main" xmlns="" val="1"/>
+                <ma14:wrappingTextBoxFlag xmlns="" xmlns:ma14="http://schemas.microsoft.com/office/mac/drawingml/2011/main" val="1"/>
               </a:ext>
             </a:extLst>
           </p:spPr>
@@ -15362,7 +15352,7 @@
             <a:effectLst/>
             <a:extLst>
               <a:ext uri="{C572A759-6A51-4108-AA02-DFA0A04FC94B}">
-                <ma14:wrappingTextBoxFlag xmlns:ma14="http://schemas.microsoft.com/office/mac/drawingml/2011/main" xmlns="" val="1"/>
+                <ma14:wrappingTextBoxFlag xmlns="" xmlns:ma14="http://schemas.microsoft.com/office/mac/drawingml/2011/main" val="1"/>
               </a:ext>
             </a:extLst>
           </p:spPr>
@@ -15524,7 +15514,7 @@
             <a:effectLst/>
             <a:extLst>
               <a:ext uri="{C572A759-6A51-4108-AA02-DFA0A04FC94B}">
-                <ma14:wrappingTextBoxFlag xmlns:ma14="http://schemas.microsoft.com/office/mac/drawingml/2011/main" xmlns="" val="1"/>
+                <ma14:wrappingTextBoxFlag xmlns="" xmlns:ma14="http://schemas.microsoft.com/office/mac/drawingml/2011/main" val="1"/>
               </a:ext>
             </a:extLst>
           </p:spPr>
@@ -15686,7 +15676,7 @@
             <a:effectLst/>
             <a:extLst>
               <a:ext uri="{C572A759-6A51-4108-AA02-DFA0A04FC94B}">
-                <ma14:wrappingTextBoxFlag xmlns:ma14="http://schemas.microsoft.com/office/mac/drawingml/2011/main" xmlns="" val="1"/>
+                <ma14:wrappingTextBoxFlag xmlns="" xmlns:ma14="http://schemas.microsoft.com/office/mac/drawingml/2011/main" val="1"/>
               </a:ext>
             </a:extLst>
           </p:spPr>
@@ -15848,7 +15838,7 @@
             <a:effectLst/>
             <a:extLst>
               <a:ext uri="{C572A759-6A51-4108-AA02-DFA0A04FC94B}">
-                <ma14:wrappingTextBoxFlag xmlns:ma14="http://schemas.microsoft.com/office/mac/drawingml/2011/main" xmlns="" val="1"/>
+                <ma14:wrappingTextBoxFlag xmlns="" xmlns:ma14="http://schemas.microsoft.com/office/mac/drawingml/2011/main" val="1"/>
               </a:ext>
             </a:extLst>
           </p:spPr>
@@ -16010,7 +16000,7 @@
             <a:effectLst/>
             <a:extLst>
               <a:ext uri="{C572A759-6A51-4108-AA02-DFA0A04FC94B}">
-                <ma14:wrappingTextBoxFlag xmlns:ma14="http://schemas.microsoft.com/office/mac/drawingml/2011/main" xmlns="" val="1"/>
+                <ma14:wrappingTextBoxFlag xmlns="" xmlns:ma14="http://schemas.microsoft.com/office/mac/drawingml/2011/main" val="1"/>
               </a:ext>
             </a:extLst>
           </p:spPr>
@@ -16172,7 +16162,7 @@
             <a:effectLst/>
             <a:extLst>
               <a:ext uri="{C572A759-6A51-4108-AA02-DFA0A04FC94B}">
-                <ma14:wrappingTextBoxFlag xmlns:ma14="http://schemas.microsoft.com/office/mac/drawingml/2011/main" xmlns="" val="1"/>
+                <ma14:wrappingTextBoxFlag xmlns="" xmlns:ma14="http://schemas.microsoft.com/office/mac/drawingml/2011/main" val="1"/>
               </a:ext>
             </a:extLst>
           </p:spPr>
@@ -16334,7 +16324,7 @@
             <a:effectLst/>
             <a:extLst>
               <a:ext uri="{C572A759-6A51-4108-AA02-DFA0A04FC94B}">
-                <ma14:wrappingTextBoxFlag xmlns:ma14="http://schemas.microsoft.com/office/mac/drawingml/2011/main" xmlns="" val="1"/>
+                <ma14:wrappingTextBoxFlag xmlns="" xmlns:ma14="http://schemas.microsoft.com/office/mac/drawingml/2011/main" val="1"/>
               </a:ext>
             </a:extLst>
           </p:spPr>
@@ -16496,7 +16486,7 @@
             <a:effectLst/>
             <a:extLst>
               <a:ext uri="{C572A759-6A51-4108-AA02-DFA0A04FC94B}">
-                <ma14:wrappingTextBoxFlag xmlns:ma14="http://schemas.microsoft.com/office/mac/drawingml/2011/main" xmlns="" val="1"/>
+                <ma14:wrappingTextBoxFlag xmlns="" xmlns:ma14="http://schemas.microsoft.com/office/mac/drawingml/2011/main" val="1"/>
               </a:ext>
             </a:extLst>
           </p:spPr>
@@ -16658,7 +16648,7 @@
             <a:effectLst/>
             <a:extLst>
               <a:ext uri="{C572A759-6A51-4108-AA02-DFA0A04FC94B}">
-                <ma14:wrappingTextBoxFlag xmlns:ma14="http://schemas.microsoft.com/office/mac/drawingml/2011/main" xmlns="" val="1"/>
+                <ma14:wrappingTextBoxFlag xmlns="" xmlns:ma14="http://schemas.microsoft.com/office/mac/drawingml/2011/main" val="1"/>
               </a:ext>
             </a:extLst>
           </p:spPr>
@@ -16820,7 +16810,7 @@
             <a:effectLst/>
             <a:extLst>
               <a:ext uri="{C572A759-6A51-4108-AA02-DFA0A04FC94B}">
-                <ma14:wrappingTextBoxFlag xmlns:ma14="http://schemas.microsoft.com/office/mac/drawingml/2011/main" xmlns="" val="1"/>
+                <ma14:wrappingTextBoxFlag xmlns="" xmlns:ma14="http://schemas.microsoft.com/office/mac/drawingml/2011/main" val="1"/>
               </a:ext>
             </a:extLst>
           </p:spPr>
@@ -16982,7 +16972,7 @@
             <a:effectLst/>
             <a:extLst>
               <a:ext uri="{C572A759-6A51-4108-AA02-DFA0A04FC94B}">
-                <ma14:wrappingTextBoxFlag xmlns:ma14="http://schemas.microsoft.com/office/mac/drawingml/2011/main" xmlns="" val="1"/>
+                <ma14:wrappingTextBoxFlag xmlns="" xmlns:ma14="http://schemas.microsoft.com/office/mac/drawingml/2011/main" val="1"/>
               </a:ext>
             </a:extLst>
           </p:spPr>
@@ -17144,7 +17134,7 @@
             <a:effectLst/>
             <a:extLst>
               <a:ext uri="{C572A759-6A51-4108-AA02-DFA0A04FC94B}">
-                <ma14:wrappingTextBoxFlag xmlns:ma14="http://schemas.microsoft.com/office/mac/drawingml/2011/main" xmlns="" val="1"/>
+                <ma14:wrappingTextBoxFlag xmlns="" xmlns:ma14="http://schemas.microsoft.com/office/mac/drawingml/2011/main" val="1"/>
               </a:ext>
             </a:extLst>
           </p:spPr>
@@ -17306,7 +17296,7 @@
             <a:effectLst/>
             <a:extLst>
               <a:ext uri="{C572A759-6A51-4108-AA02-DFA0A04FC94B}">
-                <ma14:wrappingTextBoxFlag xmlns:ma14="http://schemas.microsoft.com/office/mac/drawingml/2011/main" xmlns="" val="1"/>
+                <ma14:wrappingTextBoxFlag xmlns="" xmlns:ma14="http://schemas.microsoft.com/office/mac/drawingml/2011/main" val="1"/>
               </a:ext>
             </a:extLst>
           </p:spPr>
@@ -17468,7 +17458,7 @@
             <a:effectLst/>
             <a:extLst>
               <a:ext uri="{C572A759-6A51-4108-AA02-DFA0A04FC94B}">
-                <ma14:wrappingTextBoxFlag xmlns:ma14="http://schemas.microsoft.com/office/mac/drawingml/2011/main" xmlns="" val="1"/>
+                <ma14:wrappingTextBoxFlag xmlns="" xmlns:ma14="http://schemas.microsoft.com/office/mac/drawingml/2011/main" val="1"/>
               </a:ext>
             </a:extLst>
           </p:spPr>
@@ -17630,7 +17620,7 @@
             <a:effectLst/>
             <a:extLst>
               <a:ext uri="{C572A759-6A51-4108-AA02-DFA0A04FC94B}">
-                <ma14:wrappingTextBoxFlag xmlns:ma14="http://schemas.microsoft.com/office/mac/drawingml/2011/main" xmlns="" val="1"/>
+                <ma14:wrappingTextBoxFlag xmlns="" xmlns:ma14="http://schemas.microsoft.com/office/mac/drawingml/2011/main" val="1"/>
               </a:ext>
             </a:extLst>
           </p:spPr>
@@ -17792,7 +17782,7 @@
             <a:effectLst/>
             <a:extLst>
               <a:ext uri="{C572A759-6A51-4108-AA02-DFA0A04FC94B}">
-                <ma14:wrappingTextBoxFlag xmlns:ma14="http://schemas.microsoft.com/office/mac/drawingml/2011/main" xmlns="" val="1"/>
+                <ma14:wrappingTextBoxFlag xmlns="" xmlns:ma14="http://schemas.microsoft.com/office/mac/drawingml/2011/main" val="1"/>
               </a:ext>
             </a:extLst>
           </p:spPr>
@@ -17954,7 +17944,7 @@
             <a:effectLst/>
             <a:extLst>
               <a:ext uri="{C572A759-6A51-4108-AA02-DFA0A04FC94B}">
-       